--- a/slides/T320_Redes_Neurais_Artificiais (Parte IV).pptx
+++ b/slides/T320_Redes_Neurais_Artificiais (Parte IV).pptx
@@ -5,34 +5,35 @@
     <p:sldMasterId id="2147483648" r:id="rId1"/>
   </p:sldMasterIdLst>
   <p:notesMasterIdLst>
-    <p:notesMasterId r:id="rId27"/>
+    <p:notesMasterId r:id="rId28"/>
   </p:notesMasterIdLst>
   <p:sldIdLst>
     <p:sldId id="300" r:id="rId2"/>
     <p:sldId id="292" r:id="rId3"/>
     <p:sldId id="336" r:id="rId4"/>
-    <p:sldId id="337" r:id="rId5"/>
-    <p:sldId id="338" r:id="rId6"/>
+    <p:sldId id="366" r:id="rId5"/>
+    <p:sldId id="367" r:id="rId6"/>
     <p:sldId id="339" r:id="rId7"/>
     <p:sldId id="340" r:id="rId8"/>
     <p:sldId id="341" r:id="rId9"/>
     <p:sldId id="342" r:id="rId10"/>
     <p:sldId id="343" r:id="rId11"/>
-    <p:sldId id="344" r:id="rId12"/>
-    <p:sldId id="345" r:id="rId13"/>
-    <p:sldId id="346" r:id="rId14"/>
-    <p:sldId id="347" r:id="rId15"/>
-    <p:sldId id="348" r:id="rId16"/>
-    <p:sldId id="349" r:id="rId17"/>
-    <p:sldId id="350" r:id="rId18"/>
-    <p:sldId id="351" r:id="rId19"/>
-    <p:sldId id="352" r:id="rId20"/>
-    <p:sldId id="302" r:id="rId21"/>
-    <p:sldId id="301" r:id="rId22"/>
-    <p:sldId id="269" r:id="rId23"/>
-    <p:sldId id="303" r:id="rId24"/>
-    <p:sldId id="271" r:id="rId25"/>
-    <p:sldId id="365" r:id="rId26"/>
+    <p:sldId id="368" r:id="rId12"/>
+    <p:sldId id="369" r:id="rId13"/>
+    <p:sldId id="370" r:id="rId14"/>
+    <p:sldId id="346" r:id="rId15"/>
+    <p:sldId id="347" r:id="rId16"/>
+    <p:sldId id="348" r:id="rId17"/>
+    <p:sldId id="349" r:id="rId18"/>
+    <p:sldId id="350" r:id="rId19"/>
+    <p:sldId id="351" r:id="rId20"/>
+    <p:sldId id="352" r:id="rId21"/>
+    <p:sldId id="302" r:id="rId22"/>
+    <p:sldId id="301" r:id="rId23"/>
+    <p:sldId id="269" r:id="rId24"/>
+    <p:sldId id="303" r:id="rId25"/>
+    <p:sldId id="271" r:id="rId26"/>
+    <p:sldId id="365" r:id="rId27"/>
   </p:sldIdLst>
   <p:sldSz cx="12192000" cy="6858000"/>
   <p:notesSz cx="6858000" cy="9144000"/>
@@ -258,7 +259,7 @@
           <a:p>
             <a:fld id="{C3C82C08-3EFC-4473-8294-F0E229C19EFF}" type="datetimeFigureOut">
               <a:rPr lang="pt-BR" smtClean="0"/>
-              <a:t>05/10/2021</a:t>
+              <a:t>20/10/2021</a:t>
             </a:fld>
             <a:endParaRPr lang="pt-BR"/>
           </a:p>
@@ -696,7 +697,7 @@
           <a:p>
             <a:fld id="{F430A2A4-8C14-4B1A-AD48-7B6401078BF7}" type="slidenum">
               <a:rPr lang="pt-BR" smtClean="0"/>
-              <a:t>19</a:t>
+              <a:t>20</a:t>
             </a:fld>
             <a:endParaRPr lang="pt-BR"/>
           </a:p>
@@ -761,12 +762,25 @@
           <a:p>
             <a:r>
               <a:rPr lang="pt-BR" sz="1200" b="1" dirty="0" smtClean="0"/>
-              <a:t>Laboratório #6:</a:t>
+              <a:t>Laboratório </a:t>
+            </a:r>
+            <a:r>
+              <a:rPr lang="pt-BR" sz="1200" b="1" dirty="0" smtClean="0"/>
+              <a:t>#9:</a:t>
             </a:r>
             <a:r>
               <a:rPr lang="pt-BR" sz="1200" dirty="0" smtClean="0"/>
-              <a:t> https://mybinder.org/v2/gh/zz4fap/t320_aprendizado_de_maquina/main?filepath=labs%2FLaboratorio7.ipynb</a:t>
-            </a:r>
+              <a:t> </a:t>
+            </a:r>
+            <a:r>
+              <a:rPr lang="pt-BR" sz="1200" dirty="0" smtClean="0"/>
+              <a:t>https://</a:t>
+            </a:r>
+            <a:r>
+              <a:rPr lang="pt-BR" sz="1200" dirty="0" smtClean="0"/>
+              <a:t>mybinder.org/v2/gh/zz4fap/t320_aprendizado_de_maquina/main?filepath=labs%2FLaboratorio9.ipynb</a:t>
+            </a:r>
+            <a:endParaRPr lang="pt-BR" sz="1200" dirty="0" smtClean="0"/>
           </a:p>
           <a:p>
             <a:endParaRPr lang="pt-BR" sz="1200" dirty="0"/>
@@ -790,7 +804,7 @@
           <a:p>
             <a:fld id="{6FC8D850-966F-45A6-8DE7-15B891E7D40D}" type="slidenum">
               <a:rPr lang="pt-BR" smtClean="0"/>
-              <a:t>21</a:t>
+              <a:t>22</a:t>
             </a:fld>
             <a:endParaRPr lang="pt-BR"/>
           </a:p>
@@ -853,18 +867,38 @@
           <a:bodyPr/>
           <a:lstStyle/>
           <a:p>
-            <a:r>
-              <a:rPr lang="pt-BR" dirty="0"/>
+            <a:pPr marL="0" marR="0" lvl="0" indent="0" algn="l" defTabSz="914400" rtl="0" eaLnBrk="1" fontAlgn="auto" latinLnBrk="0" hangingPunct="1">
+              <a:lnSpc>
+                <a:spcPct val="100000"/>
+              </a:lnSpc>
+              <a:spcBef>
+                <a:spcPts val="0"/>
+              </a:spcBef>
+              <a:spcAft>
+                <a:spcPts val="0"/>
+              </a:spcAft>
+              <a:buClrTx/>
+              <a:buSzTx/>
+              <a:buFontTx/>
+              <a:buNone/>
+              <a:tabLst/>
+              <a:defRPr/>
+            </a:pPr>
+            <a:r>
+              <a:rPr lang="pt-BR" dirty="0" smtClean="0"/>
               <a:t>Embora o</a:t>
             </a:r>
             <a:r>
-              <a:rPr lang="pt-BR" baseline="0" dirty="0"/>
+              <a:rPr lang="pt-BR" baseline="0" dirty="0" smtClean="0"/>
               <a:t> gradiente descendente </a:t>
             </a:r>
             <a:r>
-              <a:rPr lang="pt-BR" dirty="0"/>
+              <a:rPr lang="pt-BR" dirty="0" smtClean="0"/>
               <a:t>estocástico continue sendo uma estratégia de otimização muito popular, o aprendizado com ele as vezes pode ser lento. O método do momento é projetado para acelerar o aprendizado, especialmente em caso de alta curvatura, gradientes pequenos mas consistentes ou gradientes ruidosos. O algoritmo do momento acumula uma média móvel exponencialmente decrescente dos gradientes passados e continua a se mover em sua direção.</a:t>
             </a:r>
+          </a:p>
+          <a:p>
+            <a:endParaRPr lang="pt-BR" dirty="0"/>
           </a:p>
         </p:txBody>
       </p:sp>
@@ -894,7 +928,7 @@
     </p:spTree>
     <p:extLst>
       <p:ext uri="{BB962C8B-B14F-4D97-AF65-F5344CB8AC3E}">
-        <p14:creationId xmlns:p14="http://schemas.microsoft.com/office/powerpoint/2010/main" val="3507761983"/>
+        <p14:creationId xmlns:p14="http://schemas.microsoft.com/office/powerpoint/2010/main" val="4027294165"/>
       </p:ext>
     </p:extLst>
   </p:cSld>
@@ -933,8 +967,8 @@
         </p:nvSpPr>
         <p:spPr/>
       </p:sp>
-      <mc:AlternateContent xmlns:mc="http://schemas.openxmlformats.org/markup-compatibility/2006" xmlns:a14="http://schemas.microsoft.com/office/drawing/2010/main">
-        <mc:Choice Requires="a14">
+      <mc:AlternateContent xmlns:mc="http://schemas.openxmlformats.org/markup-compatibility/2006">
+        <mc:Choice xmlns:a14="http://schemas.microsoft.com/office/drawing/2010/main" Requires="a14">
           <p:sp>
             <p:nvSpPr>
               <p:cNvPr id="3" name="Notes Placeholder 2"/>
@@ -951,7 +985,7 @@
               <a:lstStyle/>
               <a:p>
                 <a:r>
-                  <a:rPr lang="pt-BR" sz="1200" dirty="0">
+                  <a:rPr lang="pt-BR" sz="1200" dirty="0" smtClean="0">
                     <a:solidFill>
                       <a:schemeClr val="tx1"/>
                     </a:solidFill>
@@ -1124,10 +1158,17 @@
                     </a:solidFill>
                     <a:latin typeface="+mn-lt"/>
                   </a:rPr>
-                  <a:t> corresponde à multiplicação da velocidade máxima por 10 em relação ao algoritmo de descida do gradiente.</a:t>
-                </a:r>
-              </a:p>
-              <a:p>
+                  <a:t> corresponde à multiplicação da velocidade máxima por 10 em relação ao algoritmo de descida do gradiente</a:t>
+                </a:r>
+                <a:r>
+                  <a:rPr lang="pt-BR" sz="1200" dirty="0" smtClean="0">
+                    <a:solidFill>
+                      <a:schemeClr val="tx1"/>
+                    </a:solidFill>
+                    <a:latin typeface="+mn-lt"/>
+                  </a:rPr>
+                  <a:t>.</a:t>
+                </a:r>
                 <a:endParaRPr lang="pt-BR" sz="1200" dirty="0">
                   <a:solidFill>
                     <a:schemeClr val="tx1"/>
@@ -1138,7 +1179,7 @@
             </p:txBody>
           </p:sp>
         </mc:Choice>
-        <mc:Fallback xmlns="">
+        <mc:Fallback>
           <p:sp>
             <p:nvSpPr>
               <p:cNvPr id="3" name="Notes Placeholder 2"/>
@@ -1179,38 +1220,11 @@
                     </a:solidFill>
                     <a:latin typeface="+mn-lt"/>
                   </a:rPr>
-                  <a:t>estocástico continue sendo uma estratégia de otimização muito popular, o aprendizado com ele as vezes pode ser lento. O método do momento é projetado para acelerar o aprendizado, especialmente em caso de alta curvatura, gradientes pequenos mas consistentes ou gradientes ruidosos. O algoritmo do momento acumula uma média móvel exponencialmente </a:t>
-                </a:r>
-                <a:r>
-                  <a:rPr lang="pt-BR" sz="1200" dirty="0" smtClean="0">
-                    <a:solidFill>
-                      <a:schemeClr val="tx1"/>
-                    </a:solidFill>
-                    <a:latin typeface="+mn-lt"/>
-                  </a:rPr>
-                  <a:t>decrescente dos </a:t>
-                </a:r>
-                <a:r>
-                  <a:rPr lang="pt-BR" sz="1200" dirty="0">
-                    <a:solidFill>
-                      <a:schemeClr val="tx1"/>
-                    </a:solidFill>
-                    <a:latin typeface="+mn-lt"/>
-                  </a:rPr>
-                  <a:t>gradientes passados e continua a se mover em sua direção</a:t>
-                </a:r>
-                <a:r>
-                  <a:rPr lang="pt-BR" sz="1200" dirty="0" smtClean="0">
-                    <a:solidFill>
-                      <a:schemeClr val="tx1"/>
-                    </a:solidFill>
-                    <a:latin typeface="+mn-lt"/>
-                  </a:rPr>
-                  <a:t>.</a:t>
+                  <a:t>estocástico continue sendo uma estratégia de otimização muito popular, o aprendizado com ele as vezes pode ser lento. O método do momento é projetado para acelerar o aprendizado, especialmente em caso de alta curvatura, gradientes pequenos mas consistentes ou gradientes ruidosos. O algoritmo do momento acumula uma média móvel exponencialmente decrescente dos gradientes passados e continua a se mover em sua direção.</a:t>
                 </a:r>
               </a:p>
               <a:p>
-                <a:endParaRPr lang="pt-BR" sz="1200" dirty="0" smtClean="0">
+                <a:endParaRPr lang="pt-BR" sz="1200" dirty="0">
                   <a:solidFill>
                     <a:schemeClr val="tx1"/>
                   </a:solidFill>
@@ -1236,7 +1250,7 @@
                   <a:defRPr/>
                 </a:pPr>
                 <a:r>
-                  <a:rPr lang="pt-BR" sz="1200" dirty="0" smtClean="0">
+                  <a:rPr lang="pt-BR" sz="1200" dirty="0">
                     <a:solidFill>
                       <a:schemeClr val="tx1"/>
                     </a:solidFill>
@@ -1249,19 +1263,10 @@
                     <a:solidFill>
                       <a:schemeClr val="tx1"/>
                     </a:solidFill>
-                    <a:latin typeface="+mn-lt"/>
+                    <a:latin typeface="Cambria Math" panose="02040503050406030204" pitchFamily="18" charset="0"/>
                     <a:ea typeface="Cambria Math" panose="02040503050406030204" pitchFamily="18" charset="0"/>
                   </a:rPr>
                   <a:t>𝜑</a:t>
-                </a:r>
-                <a:r>
-                  <a:rPr lang="pt-BR" sz="1200" dirty="0" smtClean="0">
-                    <a:solidFill>
-                      <a:schemeClr val="tx1"/>
-                    </a:solidFill>
-                    <a:latin typeface="+mn-lt"/>
-                  </a:rPr>
-                  <a:t> em </a:t>
                 </a:r>
                 <a:r>
                   <a:rPr lang="pt-BR" sz="1200" dirty="0">
@@ -1270,23 +1275,14 @@
                     </a:solidFill>
                     <a:latin typeface="+mn-lt"/>
                   </a:rPr>
-                  <a:t>termos </a:t>
-                </a:r>
-                <a:r>
-                  <a:rPr lang="pt-BR" sz="1200" dirty="0" smtClean="0">
-                    <a:solidFill>
-                      <a:schemeClr val="tx1"/>
-                    </a:solidFill>
-                    <a:latin typeface="+mn-lt"/>
-                  </a:rPr>
-                  <a:t>da equação </a:t>
+                  <a:t> em termos da equação </a:t>
                 </a:r>
                 <a:r>
                   <a:rPr lang="pt-BR" sz="1200" i="0">
                     <a:solidFill>
                       <a:schemeClr val="tx1"/>
                     </a:solidFill>
-                    <a:latin typeface="+mn-lt"/>
+                    <a:latin typeface="Cambria Math" panose="02040503050406030204" pitchFamily="18" charset="0"/>
                   </a:rPr>
                   <a:t>1/(1−</a:t>
                 </a:r>
@@ -1295,7 +1291,7 @@
                     <a:solidFill>
                       <a:schemeClr val="tx1"/>
                     </a:solidFill>
-                    <a:latin typeface="+mn-lt"/>
+                    <a:latin typeface="Cambria Math" panose="02040503050406030204" pitchFamily="18" charset="0"/>
                     <a:ea typeface="Cambria Math" panose="02040503050406030204" pitchFamily="18" charset="0"/>
                   </a:rPr>
                   <a:t>𝜑)</a:t>
@@ -1314,7 +1310,7 @@
                     <a:solidFill>
                       <a:schemeClr val="tx1"/>
                     </a:solidFill>
-                    <a:latin typeface="+mn-lt"/>
+                    <a:latin typeface="Cambria Math" panose="02040503050406030204" pitchFamily="18" charset="0"/>
                     <a:ea typeface="Cambria Math" panose="02040503050406030204" pitchFamily="18" charset="0"/>
                   </a:rPr>
                   <a:t>𝜑</a:t>
@@ -1324,10 +1320,19 @@
                     <a:solidFill>
                       <a:schemeClr val="tx1"/>
                     </a:solidFill>
-                    <a:latin typeface="+mn-lt"/>
+                    <a:latin typeface="Cambria Math" panose="02040503050406030204" pitchFamily="18" charset="0"/>
                     <a:ea typeface="Cambria Math" panose="02040503050406030204" pitchFamily="18" charset="0"/>
                   </a:rPr>
                   <a:t>=0.9</a:t>
+                </a:r>
+                <a:r>
+                  <a:rPr lang="pt-BR" sz="1200" dirty="0">
+                    <a:solidFill>
+                      <a:schemeClr val="tx1"/>
+                    </a:solidFill>
+                    <a:latin typeface="+mn-lt"/>
+                  </a:rPr>
+                  <a:t> corresponde à multiplicação da velocidade máxima por 10 em relação ao algoritmo de descida do gradiente</a:t>
                 </a:r>
                 <a:r>
                   <a:rPr lang="pt-BR" sz="1200" dirty="0" smtClean="0">
@@ -1336,19 +1341,8 @@
                     </a:solidFill>
                     <a:latin typeface="+mn-lt"/>
                   </a:rPr>
-                  <a:t> </a:t>
-                </a:r>
-                <a:r>
-                  <a:rPr lang="pt-BR" sz="1200" dirty="0">
-                    <a:solidFill>
-                      <a:schemeClr val="tx1"/>
-                    </a:solidFill>
-                    <a:latin typeface="+mn-lt"/>
-                  </a:rPr>
-                  <a:t>corresponde à multiplicação da velocidade máxima por 10 em relação ao algoritmo de descida do gradiente.</a:t>
-                </a:r>
-              </a:p>
-              <a:p>
+                  <a:t>.</a:t>
+                </a:r>
                 <a:endParaRPr lang="pt-BR" sz="1200" dirty="0">
                   <a:solidFill>
                     <a:schemeClr val="tx1"/>
@@ -1386,7 +1380,7 @@
     </p:spTree>
     <p:extLst>
       <p:ext uri="{BB962C8B-B14F-4D97-AF65-F5344CB8AC3E}">
-        <p14:creationId xmlns:p14="http://schemas.microsoft.com/office/powerpoint/2010/main" val="643633804"/>
+        <p14:creationId xmlns:p14="http://schemas.microsoft.com/office/powerpoint/2010/main" val="567657738"/>
       </p:ext>
     </p:extLst>
   </p:cSld>
@@ -1556,7 +1550,7 @@
           <a:p>
             <a:fld id="{F430A2A4-8C14-4B1A-AD48-7B6401078BF7}" type="slidenum">
               <a:rPr lang="pt-BR" smtClean="0"/>
-              <a:t>13</a:t>
+              <a:t>14</a:t>
             </a:fld>
             <a:endParaRPr lang="pt-BR"/>
           </a:p>
@@ -1684,7 +1678,7 @@
           <a:p>
             <a:fld id="{F430A2A4-8C14-4B1A-AD48-7B6401078BF7}" type="slidenum">
               <a:rPr lang="pt-BR" smtClean="0"/>
-              <a:t>14</a:t>
+              <a:t>15</a:t>
             </a:fld>
             <a:endParaRPr lang="pt-BR"/>
           </a:p>
@@ -1768,7 +1762,7 @@
           <a:p>
             <a:fld id="{F430A2A4-8C14-4B1A-AD48-7B6401078BF7}" type="slidenum">
               <a:rPr lang="pt-BR" smtClean="0"/>
-              <a:t>15</a:t>
+              <a:t>16</a:t>
             </a:fld>
             <a:endParaRPr lang="pt-BR"/>
           </a:p>
@@ -1977,7 +1971,7 @@
           <a:p>
             <a:fld id="{F430A2A4-8C14-4B1A-AD48-7B6401078BF7}" type="slidenum">
               <a:rPr lang="pt-BR" smtClean="0"/>
-              <a:t>16</a:t>
+              <a:t>17</a:t>
             </a:fld>
             <a:endParaRPr lang="pt-BR"/>
           </a:p>
@@ -2080,7 +2074,7 @@
           <a:p>
             <a:fld id="{F430A2A4-8C14-4B1A-AD48-7B6401078BF7}" type="slidenum">
               <a:rPr lang="pt-BR" smtClean="0"/>
-              <a:t>17</a:t>
+              <a:t>18</a:t>
             </a:fld>
             <a:endParaRPr lang="pt-BR"/>
           </a:p>
@@ -2171,7 +2165,7 @@
           <a:p>
             <a:fld id="{F430A2A4-8C14-4B1A-AD48-7B6401078BF7}" type="slidenum">
               <a:rPr lang="pt-BR" smtClean="0"/>
-              <a:t>18</a:t>
+              <a:t>19</a:t>
             </a:fld>
             <a:endParaRPr lang="pt-BR"/>
           </a:p>
@@ -2321,7 +2315,7 @@
           <a:p>
             <a:fld id="{221D0464-8C8A-49C0-859F-777E51766A35}" type="datetimeFigureOut">
               <a:rPr lang="pt-BR" smtClean="0"/>
-              <a:t>05/10/2021</a:t>
+              <a:t>20/10/2021</a:t>
             </a:fld>
             <a:endParaRPr lang="pt-BR"/>
           </a:p>
@@ -2491,7 +2485,7 @@
           <a:p>
             <a:fld id="{221D0464-8C8A-49C0-859F-777E51766A35}" type="datetimeFigureOut">
               <a:rPr lang="pt-BR" smtClean="0"/>
-              <a:t>05/10/2021</a:t>
+              <a:t>20/10/2021</a:t>
             </a:fld>
             <a:endParaRPr lang="pt-BR"/>
           </a:p>
@@ -2671,7 +2665,7 @@
           <a:p>
             <a:fld id="{221D0464-8C8A-49C0-859F-777E51766A35}" type="datetimeFigureOut">
               <a:rPr lang="pt-BR" smtClean="0"/>
-              <a:t>05/10/2021</a:t>
+              <a:t>20/10/2021</a:t>
             </a:fld>
             <a:endParaRPr lang="pt-BR"/>
           </a:p>
@@ -2841,7 +2835,7 @@
           <a:p>
             <a:fld id="{221D0464-8C8A-49C0-859F-777E51766A35}" type="datetimeFigureOut">
               <a:rPr lang="pt-BR" smtClean="0"/>
-              <a:t>05/10/2021</a:t>
+              <a:t>20/10/2021</a:t>
             </a:fld>
             <a:endParaRPr lang="pt-BR"/>
           </a:p>
@@ -3087,7 +3081,7 @@
           <a:p>
             <a:fld id="{221D0464-8C8A-49C0-859F-777E51766A35}" type="datetimeFigureOut">
               <a:rPr lang="pt-BR" smtClean="0"/>
-              <a:t>05/10/2021</a:t>
+              <a:t>20/10/2021</a:t>
             </a:fld>
             <a:endParaRPr lang="pt-BR"/>
           </a:p>
@@ -3319,7 +3313,7 @@
           <a:p>
             <a:fld id="{221D0464-8C8A-49C0-859F-777E51766A35}" type="datetimeFigureOut">
               <a:rPr lang="pt-BR" smtClean="0"/>
-              <a:t>05/10/2021</a:t>
+              <a:t>20/10/2021</a:t>
             </a:fld>
             <a:endParaRPr lang="pt-BR"/>
           </a:p>
@@ -3686,7 +3680,7 @@
           <a:p>
             <a:fld id="{221D0464-8C8A-49C0-859F-777E51766A35}" type="datetimeFigureOut">
               <a:rPr lang="pt-BR" smtClean="0"/>
-              <a:t>05/10/2021</a:t>
+              <a:t>20/10/2021</a:t>
             </a:fld>
             <a:endParaRPr lang="pt-BR"/>
           </a:p>
@@ -3804,7 +3798,7 @@
           <a:p>
             <a:fld id="{221D0464-8C8A-49C0-859F-777E51766A35}" type="datetimeFigureOut">
               <a:rPr lang="pt-BR" smtClean="0"/>
-              <a:t>05/10/2021</a:t>
+              <a:t>20/10/2021</a:t>
             </a:fld>
             <a:endParaRPr lang="pt-BR"/>
           </a:p>
@@ -3899,7 +3893,7 @@
           <a:p>
             <a:fld id="{221D0464-8C8A-49C0-859F-777E51766A35}" type="datetimeFigureOut">
               <a:rPr lang="pt-BR" smtClean="0"/>
-              <a:t>05/10/2021</a:t>
+              <a:t>20/10/2021</a:t>
             </a:fld>
             <a:endParaRPr lang="pt-BR"/>
           </a:p>
@@ -4176,7 +4170,7 @@
           <a:p>
             <a:fld id="{221D0464-8C8A-49C0-859F-777E51766A35}" type="datetimeFigureOut">
               <a:rPr lang="pt-BR" smtClean="0"/>
-              <a:t>05/10/2021</a:t>
+              <a:t>20/10/2021</a:t>
             </a:fld>
             <a:endParaRPr lang="pt-BR"/>
           </a:p>
@@ -4429,7 +4423,7 @@
           <a:p>
             <a:fld id="{221D0464-8C8A-49C0-859F-777E51766A35}" type="datetimeFigureOut">
               <a:rPr lang="pt-BR" smtClean="0"/>
-              <a:t>05/10/2021</a:t>
+              <a:t>20/10/2021</a:t>
             </a:fld>
             <a:endParaRPr lang="pt-BR"/>
           </a:p>
@@ -4642,7 +4636,7 @@
           <a:p>
             <a:fld id="{221D0464-8C8A-49C0-859F-777E51766A35}" type="datetimeFigureOut">
               <a:rPr lang="pt-BR" smtClean="0"/>
-              <a:t>05/10/2021</a:t>
+              <a:t>20/10/2021</a:t>
             </a:fld>
             <a:endParaRPr lang="pt-BR"/>
           </a:p>
@@ -5052,7 +5046,7 @@
           <p:cNvPr id="2" name="Título 1">
             <a:extLst>
               <a:ext uri="{FF2B5EF4-FFF2-40B4-BE49-F238E27FC236}">
-                <a16:creationId xmlns="" xmlns:a16="http://schemas.microsoft.com/office/drawing/2014/main" id="{32666AC8-2E17-4DB4-B0F5-60C640CCFD2E}"/>
+                <a16:creationId xmlns:a16="http://schemas.microsoft.com/office/drawing/2014/main" xmlns="" id="{32666AC8-2E17-4DB4-B0F5-60C640CCFD2E}"/>
               </a:ext>
             </a:extLst>
           </p:cNvPr>
@@ -5107,7 +5101,7 @@
           <p:cNvPr id="4" name="CaixaDeTexto 3">
             <a:extLst>
               <a:ext uri="{FF2B5EF4-FFF2-40B4-BE49-F238E27FC236}">
-                <a16:creationId xmlns="" xmlns:a16="http://schemas.microsoft.com/office/drawing/2014/main" id="{430EB894-B7D4-434C-9D1A-A14094D9BEEC}"/>
+                <a16:creationId xmlns:a16="http://schemas.microsoft.com/office/drawing/2014/main" xmlns="" id="{430EB894-B7D4-434C-9D1A-A14094D9BEEC}"/>
               </a:ext>
             </a:extLst>
           </p:cNvPr>
@@ -5148,7 +5142,7 @@
           <p:cNvPr id="1026" name="Picture 2" descr="Logo">
             <a:extLst>
               <a:ext uri="{FF2B5EF4-FFF2-40B4-BE49-F238E27FC236}">
-                <a16:creationId xmlns="" xmlns:a16="http://schemas.microsoft.com/office/drawing/2014/main" id="{3F2642E0-4F6A-4196-8F58-E77D36E9A33F}"/>
+                <a16:creationId xmlns:a16="http://schemas.microsoft.com/office/drawing/2014/main" xmlns="" id="{3F2642E0-4F6A-4196-8F58-E77D36E9A33F}"/>
               </a:ext>
             </a:extLst>
           </p:cNvPr>
@@ -5193,7 +5187,7 @@
           <p:cNvPr id="5122" name="Picture 2" descr="Image result for machine learning">
             <a:extLst>
               <a:ext uri="{FF2B5EF4-FFF2-40B4-BE49-F238E27FC236}">
-                <a16:creationId xmlns="" xmlns:a16="http://schemas.microsoft.com/office/drawing/2014/main" id="{810CE0A2-4102-44A6-A370-175E7896CDCB}"/>
+                <a16:creationId xmlns:a16="http://schemas.microsoft.com/office/drawing/2014/main" xmlns="" id="{810CE0A2-4102-44A6-A370-175E7896CDCB}"/>
               </a:ext>
             </a:extLst>
           </p:cNvPr>
@@ -5290,8 +5284,8 @@
           </a:p>
         </p:txBody>
       </p:sp>
-      <mc:AlternateContent xmlns:mc="http://schemas.openxmlformats.org/markup-compatibility/2006" xmlns:a14="http://schemas.microsoft.com/office/drawing/2010/main">
-        <mc:Choice Requires="a14">
+      <mc:AlternateContent xmlns:mc="http://schemas.openxmlformats.org/markup-compatibility/2006">
+        <mc:Choice xmlns:a14="http://schemas.microsoft.com/office/drawing/2010/main" Requires="a14">
           <p:sp>
             <p:nvSpPr>
               <p:cNvPr id="3" name="Content Placeholder 2"/>
@@ -5305,12 +5299,12 @@
             <p:spPr>
               <a:xfrm>
                 <a:off x="838199" y="1825624"/>
-                <a:ext cx="7710826" cy="5032375"/>
+                <a:ext cx="6246859" cy="5032375"/>
               </a:xfrm>
             </p:spPr>
             <p:txBody>
               <a:bodyPr>
-                <a:normAutofit fontScale="92500" lnSpcReduction="20000"/>
+                <a:normAutofit fontScale="85000" lnSpcReduction="20000"/>
               </a:bodyPr>
               <a:lstStyle/>
               <a:p>
@@ -5740,7 +5734,7 @@
             </p:txBody>
           </p:sp>
         </mc:Choice>
-        <mc:Fallback xmlns="">
+        <mc:Fallback>
           <p:sp>
             <p:nvSpPr>
               <p:cNvPr id="3" name="Content Placeholder 2"/>
@@ -5754,12 +5748,12 @@
             <p:spPr>
               <a:xfrm>
                 <a:off x="838199" y="1825624"/>
-                <a:ext cx="7710826" cy="5032375"/>
+                <a:ext cx="6246859" cy="5032375"/>
               </a:xfrm>
               <a:blipFill rotWithShape="0">
                 <a:blip r:embed="rId2"/>
                 <a:stretch>
-                  <a:fillRect l="-1344" t="-3027" r="-1423" b="-3390"/>
+                  <a:fillRect l="-1463" t="-2785" r="-2341" b="-1453"/>
                 </a:stretch>
               </a:blipFill>
             </p:spPr>
@@ -5793,16 +5787,16 @@
         </p:blipFill>
         <p:spPr>
           <a:xfrm>
-            <a:off x="8549025" y="1744142"/>
-            <a:ext cx="3507507" cy="3149599"/>
+            <a:off x="8541188" y="1661309"/>
+            <a:ext cx="2985104" cy="2680502"/>
           </a:xfrm>
           <a:prstGeom prst="rect">
             <a:avLst/>
           </a:prstGeom>
         </p:spPr>
       </p:pic>
-      <mc:AlternateContent xmlns:mc="http://schemas.openxmlformats.org/markup-compatibility/2006" xmlns:a14="http://schemas.microsoft.com/office/drawing/2010/main">
-        <mc:Choice Requires="a14">
+      <mc:AlternateContent xmlns:mc="http://schemas.openxmlformats.org/markup-compatibility/2006">
+        <mc:Choice xmlns:a14="http://schemas.microsoft.com/office/drawing/2010/main" Requires="a14">
           <p:sp>
             <p:nvSpPr>
               <p:cNvPr id="4" name="TextBox 3"/>
@@ -5811,8 +5805,8 @@
             </p:nvSpPr>
             <p:spPr>
               <a:xfrm>
-                <a:off x="8963377" y="4893741"/>
-                <a:ext cx="2952413" cy="1870192"/>
+                <a:off x="9313483" y="1738540"/>
+                <a:ext cx="2314407" cy="1475084"/>
               </a:xfrm>
               <a:prstGeom prst="rect">
                 <a:avLst/>
@@ -5832,20 +5826,20 @@
                 <a14:m>
                   <m:oMath xmlns:m="http://schemas.openxmlformats.org/officeDocument/2006/math">
                     <m:r>
-                      <a:rPr lang="pt-BR" b="0" i="1" smtClean="0">
+                      <a:rPr lang="pt-BR" sz="1400" b="0" i="1" smtClean="0">
                         <a:latin typeface="Cambria Math" panose="02040503050406030204" pitchFamily="18" charset="0"/>
                       </a:rPr>
                       <m:t>𝑁</m:t>
                     </m:r>
                     <m:r>
-                      <a:rPr lang="pt-BR" b="0" i="0" smtClean="0">
+                      <a:rPr lang="pt-BR" sz="1400" b="0" i="0" smtClean="0">
                         <a:latin typeface="Cambria Math" panose="02040503050406030204" pitchFamily="18" charset="0"/>
                       </a:rPr>
                       <m:t>=10000</m:t>
                     </m:r>
                   </m:oMath>
                 </a14:m>
-                <a:endParaRPr lang="pt-BR" b="0" dirty="0"/>
+                <a:endParaRPr lang="pt-BR" sz="1400" b="0" dirty="0"/>
               </a:p>
               <a:p>
                 <a:pPr marL="285750" indent="-285750">
@@ -5853,7 +5847,7 @@
                   <a:buChar char="•"/>
                 </a:pPr>
                 <a:r>
-                  <a:rPr lang="pt-BR" b="0" dirty="0"/>
+                  <a:rPr lang="pt-BR" sz="1400" b="0" dirty="0"/>
                   <a:t>Tamanho do batch: 100</a:t>
                 </a:r>
               </a:p>
@@ -5863,7 +5857,7 @@
                   <a:buChar char="•"/>
                 </a:pPr>
                 <a:r>
-                  <a:rPr lang="pt-BR" dirty="0"/>
+                  <a:rPr lang="pt-BR" sz="1400" dirty="0"/>
                   <a:t>Número de épocas: 100</a:t>
                 </a:r>
               </a:p>
@@ -5877,14 +5871,14 @@
                     <m:sSub>
                       <m:sSubPr>
                         <m:ctrlPr>
-                          <a:rPr lang="pt-BR" i="1">
+                          <a:rPr lang="pt-BR" sz="1400" i="1">
                             <a:latin typeface="Cambria Math" panose="02040503050406030204" pitchFamily="18" charset="0"/>
                           </a:rPr>
                         </m:ctrlPr>
                       </m:sSubPr>
                       <m:e>
                         <m:r>
-                          <a:rPr lang="pt-BR" i="1">
+                          <a:rPr lang="pt-BR" sz="1400" i="1">
                             <a:latin typeface="Cambria Math" panose="02040503050406030204" pitchFamily="18" charset="0"/>
                             <a:ea typeface="Cambria Math" panose="02040503050406030204" pitchFamily="18" charset="0"/>
                           </a:rPr>
@@ -5893,7 +5887,7 @@
                       </m:e>
                       <m:sub>
                         <m:r>
-                          <a:rPr lang="pt-BR" i="1">
+                          <a:rPr lang="pt-BR" sz="1400" i="1">
                             <a:latin typeface="Cambria Math" panose="02040503050406030204" pitchFamily="18" charset="0"/>
                           </a:rPr>
                           <m:t>0</m:t>
@@ -5901,14 +5895,14 @@
                       </m:sub>
                     </m:sSub>
                     <m:r>
-                      <a:rPr lang="pt-BR" b="0" i="1" smtClean="0">
+                      <a:rPr lang="pt-BR" sz="1400" b="0" i="1" smtClean="0">
                         <a:latin typeface="Cambria Math" panose="02040503050406030204" pitchFamily="18" charset="0"/>
                       </a:rPr>
                       <m:t>=0.1</m:t>
                     </m:r>
                   </m:oMath>
                 </a14:m>
-                <a:endParaRPr lang="pt-BR" dirty="0"/>
+                <a:endParaRPr lang="pt-BR" sz="1400" dirty="0"/>
               </a:p>
               <a:p>
                 <a:pPr marL="285750" indent="-285750">
@@ -5920,14 +5914,14 @@
                     <m:sSub>
                       <m:sSubPr>
                         <m:ctrlPr>
-                          <a:rPr lang="pt-BR" i="1">
+                          <a:rPr lang="pt-BR" sz="1400" i="1">
                             <a:latin typeface="Cambria Math" panose="02040503050406030204" pitchFamily="18" charset="0"/>
                           </a:rPr>
                         </m:ctrlPr>
                       </m:sSubPr>
                       <m:e>
                         <m:r>
-                          <a:rPr lang="pt-BR" i="1">
+                          <a:rPr lang="pt-BR" sz="1400" i="1">
                             <a:latin typeface="Cambria Math" panose="02040503050406030204" pitchFamily="18" charset="0"/>
                             <a:ea typeface="Cambria Math" panose="02040503050406030204" pitchFamily="18" charset="0"/>
                           </a:rPr>
@@ -5936,7 +5930,7 @@
                       </m:e>
                       <m:sub>
                         <m:r>
-                          <a:rPr lang="pt-BR" i="1">
+                          <a:rPr lang="pt-BR" sz="1400" i="1">
                             <a:latin typeface="Cambria Math" panose="02040503050406030204" pitchFamily="18" charset="0"/>
                           </a:rPr>
                           <m:t>𝜏</m:t>
@@ -5944,7 +5938,7 @@
                       </m:sub>
                     </m:sSub>
                     <m:r>
-                      <a:rPr lang="pt-BR" b="0" i="0" smtClean="0">
+                      <a:rPr lang="pt-BR" sz="1400" b="0" i="0" smtClean="0">
                         <a:latin typeface="Cambria Math" panose="02040503050406030204" pitchFamily="18" charset="0"/>
                       </a:rPr>
                       <m:t>=(</m:t>
@@ -5952,14 +5946,14 @@
                     <m:f>
                       <m:fPr>
                         <m:ctrlPr>
-                          <a:rPr lang="pt-BR" b="0" i="1" smtClean="0">
+                          <a:rPr lang="pt-BR" sz="1400" b="0" i="1" smtClean="0">
                             <a:latin typeface="Cambria Math" panose="02040503050406030204" pitchFamily="18" charset="0"/>
                           </a:rPr>
                         </m:ctrlPr>
                       </m:fPr>
                       <m:num>
                         <m:r>
-                          <a:rPr lang="pt-BR" b="0" i="0" smtClean="0">
+                          <a:rPr lang="pt-BR" sz="1400" b="0" i="0" smtClean="0">
                             <a:latin typeface="Cambria Math" panose="02040503050406030204" pitchFamily="18" charset="0"/>
                           </a:rPr>
                           <m:t>1</m:t>
@@ -5967,7 +5961,7 @@
                       </m:num>
                       <m:den>
                         <m:r>
-                          <a:rPr lang="pt-BR" b="0" i="0" smtClean="0">
+                          <a:rPr lang="pt-BR" sz="1400" b="0" i="0" smtClean="0">
                             <a:latin typeface="Cambria Math" panose="02040503050406030204" pitchFamily="18" charset="0"/>
                           </a:rPr>
                           <m:t>100</m:t>
@@ -5975,7 +5969,7 @@
                       </m:den>
                     </m:f>
                     <m:r>
-                      <a:rPr lang="pt-BR" b="0" i="0" smtClean="0">
+                      <a:rPr lang="pt-BR" sz="1400" b="0" i="0" smtClean="0">
                         <a:latin typeface="Cambria Math" panose="02040503050406030204" pitchFamily="18" charset="0"/>
                       </a:rPr>
                       <m:t>)</m:t>
@@ -5983,14 +5977,14 @@
                     <m:sSub>
                       <m:sSubPr>
                         <m:ctrlPr>
-                          <a:rPr lang="pt-BR" i="1">
+                          <a:rPr lang="pt-BR" sz="1400" i="1">
                             <a:latin typeface="Cambria Math" panose="02040503050406030204" pitchFamily="18" charset="0"/>
                           </a:rPr>
                         </m:ctrlPr>
                       </m:sSubPr>
                       <m:e>
                         <m:r>
-                          <a:rPr lang="pt-BR" i="1">
+                          <a:rPr lang="pt-BR" sz="1400" i="1">
                             <a:latin typeface="Cambria Math" panose="02040503050406030204" pitchFamily="18" charset="0"/>
                             <a:ea typeface="Cambria Math" panose="02040503050406030204" pitchFamily="18" charset="0"/>
                           </a:rPr>
@@ -5999,7 +5993,7 @@
                       </m:e>
                       <m:sub>
                         <m:r>
-                          <a:rPr lang="pt-BR" i="1">
+                          <a:rPr lang="pt-BR" sz="1400" i="1">
                             <a:latin typeface="Cambria Math" panose="02040503050406030204" pitchFamily="18" charset="0"/>
                           </a:rPr>
                           <m:t>0</m:t>
@@ -6008,7 +6002,7 @@
                     </m:sSub>
                   </m:oMath>
                 </a14:m>
-                <a:endParaRPr lang="pt-BR" dirty="0"/>
+                <a:endParaRPr lang="pt-BR" sz="1400" dirty="0"/>
               </a:p>
               <a:p>
                 <a:pPr marL="285750" indent="-285750">
@@ -6018,7 +6012,7 @@
                 <a14:m>
                   <m:oMath xmlns:m="http://schemas.openxmlformats.org/officeDocument/2006/math">
                     <m:r>
-                      <a:rPr lang="pt-BR" i="1">
+                      <a:rPr lang="pt-BR" sz="1400" i="1">
                         <a:latin typeface="Cambria Math" panose="02040503050406030204" pitchFamily="18" charset="0"/>
                         <a:ea typeface="Cambria Math" panose="02040503050406030204" pitchFamily="18" charset="0"/>
                       </a:rPr>
@@ -6027,14 +6021,14 @@
                   </m:oMath>
                 </a14:m>
                 <a:r>
-                  <a:rPr lang="pt-BR" dirty="0"/>
+                  <a:rPr lang="pt-BR" sz="1400" dirty="0"/>
                   <a:t> = 5000</a:t>
                 </a:r>
               </a:p>
             </p:txBody>
           </p:sp>
         </mc:Choice>
-        <mc:Fallback xmlns="">
+        <mc:Fallback>
           <p:sp>
             <p:nvSpPr>
               <p:cNvPr id="4" name="TextBox 3"/>
@@ -6045,8 +6039,8 @@
             </p:nvSpPr>
             <p:spPr>
               <a:xfrm>
-                <a:off x="8963377" y="4893741"/>
-                <a:ext cx="2952413" cy="1870192"/>
+                <a:off x="9313483" y="1738540"/>
+                <a:ext cx="2314407" cy="1475084"/>
               </a:xfrm>
               <a:prstGeom prst="rect">
                 <a:avLst/>
@@ -6054,7 +6048,7 @@
               <a:blipFill rotWithShape="0">
                 <a:blip r:embed="rId4"/>
                 <a:stretch>
-                  <a:fillRect l="-1237" t="-977" b="-4235"/>
+                  <a:fillRect l="-528" b="-3719"/>
                 </a:stretch>
               </a:blipFill>
             </p:spPr>
@@ -6073,6 +6067,104 @@
           </p:sp>
         </mc:Fallback>
       </mc:AlternateContent>
+      <p:pic>
+        <p:nvPicPr>
+          <p:cNvPr id="6" name="Picture 5"/>
+          <p:cNvPicPr>
+            <a:picLocks noChangeAspect="1"/>
+          </p:cNvPicPr>
+          <p:nvPr/>
+        </p:nvPicPr>
+        <p:blipFill rotWithShape="1">
+          <a:blip r:embed="rId5" cstate="print">
+            <a:extLst>
+              <a:ext uri="{28A0092B-C50C-407E-A947-70E740481C1C}">
+                <a14:useLocalDpi xmlns:a14="http://schemas.microsoft.com/office/drawing/2010/main" val="0"/>
+              </a:ext>
+            </a:extLst>
+          </a:blip>
+          <a:srcRect t="6579" r="8947" b="2656"/>
+          <a:stretch/>
+        </p:blipFill>
+        <p:spPr>
+          <a:xfrm>
+            <a:off x="9765093" y="4438751"/>
+            <a:ext cx="2426907" cy="2419249"/>
+          </a:xfrm>
+          <a:prstGeom prst="rect">
+            <a:avLst/>
+          </a:prstGeom>
+        </p:spPr>
+      </p:pic>
+      <p:pic>
+        <p:nvPicPr>
+          <p:cNvPr id="7" name="Picture 6"/>
+          <p:cNvPicPr>
+            <a:picLocks noChangeAspect="1"/>
+          </p:cNvPicPr>
+          <p:nvPr/>
+        </p:nvPicPr>
+        <p:blipFill rotWithShape="1">
+          <a:blip r:embed="rId6" cstate="print">
+            <a:extLst>
+              <a:ext uri="{28A0092B-C50C-407E-A947-70E740481C1C}">
+                <a14:useLocalDpi xmlns:a14="http://schemas.microsoft.com/office/drawing/2010/main" val="0"/>
+              </a:ext>
+            </a:extLst>
+          </a:blip>
+          <a:srcRect t="7082" r="9437" b="2629"/>
+          <a:stretch/>
+        </p:blipFill>
+        <p:spPr>
+          <a:xfrm>
+            <a:off x="6954432" y="4419042"/>
+            <a:ext cx="2447809" cy="2440416"/>
+          </a:xfrm>
+          <a:prstGeom prst="rect">
+            <a:avLst/>
+          </a:prstGeom>
+        </p:spPr>
+      </p:pic>
+      <p:sp>
+        <p:nvSpPr>
+          <p:cNvPr id="8" name="Right Arrow 7"/>
+          <p:cNvSpPr/>
+          <p:nvPr/>
+        </p:nvSpPr>
+        <p:spPr>
+          <a:xfrm>
+            <a:off x="9278868" y="5332176"/>
+            <a:ext cx="449942" cy="553582"/>
+          </a:xfrm>
+          <a:prstGeom prst="rightArrow">
+            <a:avLst/>
+          </a:prstGeom>
+        </p:spPr>
+        <p:style>
+          <a:lnRef idx="2">
+            <a:schemeClr val="accent1">
+              <a:shade val="50000"/>
+            </a:schemeClr>
+          </a:lnRef>
+          <a:fillRef idx="1">
+            <a:schemeClr val="accent1"/>
+          </a:fillRef>
+          <a:effectRef idx="0">
+            <a:schemeClr val="accent1"/>
+          </a:effectRef>
+          <a:fontRef idx="minor">
+            <a:schemeClr val="lt1"/>
+          </a:fontRef>
+        </p:style>
+        <p:txBody>
+          <a:bodyPr rtlCol="0" anchor="ctr"/>
+          <a:lstStyle/>
+          <a:p>
+            <a:pPr algn="ctr"/>
+            <a:endParaRPr lang="pt-BR"/>
+          </a:p>
+        </p:txBody>
+      </p:sp>
     </p:spTree>
     <p:extLst>
       <p:ext uri="{BB962C8B-B14F-4D97-AF65-F5344CB8AC3E}">
@@ -6115,7 +6207,7 @@
         </p:nvSpPr>
         <p:spPr>
           <a:xfrm>
-            <a:off x="838200" y="26465"/>
+            <a:off x="838200" y="219985"/>
             <a:ext cx="10515600" cy="1325563"/>
           </a:xfrm>
         </p:spPr>
@@ -6129,14 +6221,14 @@
             </a:r>
             <a:r>
               <a:rPr lang="pt-BR" b="1" dirty="0"/>
-              <a:t>Momento</a:t>
+              <a:t>Momentum</a:t>
             </a:r>
             <a:endParaRPr lang="pt-BR" dirty="0"/>
           </a:p>
         </p:txBody>
       </p:sp>
-      <mc:AlternateContent xmlns:mc="http://schemas.openxmlformats.org/markup-compatibility/2006" xmlns:a14="http://schemas.microsoft.com/office/drawing/2010/main">
-        <mc:Choice Requires="a14">
+      <mc:AlternateContent xmlns:mc="http://schemas.openxmlformats.org/markup-compatibility/2006">
+        <mc:Choice xmlns:a14="http://schemas.microsoft.com/office/drawing/2010/main" Requires="a14">
           <p:sp>
             <p:nvSpPr>
               <p:cNvPr id="3" name="Content Placeholder 2"/>
@@ -6149,8 +6241,8 @@
             </p:nvSpPr>
             <p:spPr>
               <a:xfrm>
-                <a:off x="838200" y="1487493"/>
-                <a:ext cx="11184467" cy="5370507"/>
+                <a:off x="838199" y="1690688"/>
+                <a:ext cx="11136087" cy="5167312"/>
               </a:xfrm>
             </p:spPr>
             <p:txBody>
@@ -6164,21 +6256,10 @@
                   <a:buChar char="Ø"/>
                 </a:pPr>
                 <a:r>
-                  <a:rPr lang="pt-BR" b="1" dirty="0"/>
-                  <a:t>Momento </a:t>
-                </a:r>
-                <a:r>
-                  <a:rPr lang="pt-BR" dirty="0"/>
-                  <a:t>(ou </a:t>
-                </a:r>
-                <a:r>
-                  <a:rPr lang="pt-BR" b="1" dirty="0"/>
+                  <a:rPr lang="pt-BR" b="1" dirty="0" smtClean="0"/>
                   <a:t>Momentum</a:t>
                 </a:r>
-                <a:r>
-                  <a:rPr lang="pt-BR" dirty="0"/>
-                  <a:t>)</a:t>
-                </a:r>
+                <a:endParaRPr lang="pt-BR" dirty="0"/>
               </a:p>
               <a:p>
                 <a:pPr lvl="1">
@@ -6186,48 +6267,44 @@
                   <a:buChar char="§"/>
                 </a:pPr>
                 <a:r>
+                  <a:rPr lang="pt-BR" dirty="0" smtClean="0"/>
+                  <a:t>O </a:t>
+                </a:r>
+                <a:r>
+                  <a:rPr lang="pt-BR" b="1" i="1" dirty="0" smtClean="0"/>
+                  <a:t>termo</a:t>
+                </a:r>
+                <a:r>
+                  <a:rPr lang="pt-BR" dirty="0" smtClean="0"/>
+                  <a:t> </a:t>
+                </a:r>
+                <a:r>
+                  <a:rPr lang="pt-BR" b="1" i="1" dirty="0" smtClean="0"/>
+                  <a:t>momento</a:t>
+                </a:r>
+                <a:r>
+                  <a:rPr lang="pt-BR" dirty="0" smtClean="0"/>
+                  <a:t> é adicionado à equação de atualização dos pesos para trazer </a:t>
+                </a:r>
+                <a:r>
+                  <a:rPr lang="pt-BR" b="1" i="1" dirty="0"/>
+                  <a:t>informação de gradientes anteriores </a:t>
+                </a:r>
+                <a:r>
+                  <a:rPr lang="pt-BR" b="1" i="1" dirty="0" smtClean="0"/>
+                  <a:t>acumulados </a:t>
+                </a:r>
+                <a:r>
+                  <a:rPr lang="pt-BR" dirty="0" smtClean="0"/>
+                  <a:t>ao </a:t>
+                </a:r>
+                <a:r>
                   <a:rPr lang="pt-BR" dirty="0"/>
-                  <a:t>O uso de um </a:t>
-                </a:r>
-                <a:r>
-                  <a:rPr lang="pt-BR" b="1" i="1" dirty="0"/>
-                  <a:t>termo de momento </a:t>
-                </a:r>
-                <a:r>
-                  <a:rPr lang="pt-BR" dirty="0"/>
-                  <a:t>numa metodologia de </a:t>
+                  <a:t>ajuste de </a:t>
                 </a:r>
                 <a:r>
                   <a:rPr lang="pt-BR" dirty="0" smtClean="0"/>
-                  <a:t>gradiente descendente </a:t>
-                </a:r>
-                <a:r>
-                  <a:rPr lang="pt-BR" dirty="0"/>
-                  <a:t>pode ser interessante por trazer, para o </a:t>
-                </a:r>
-                <a:r>
-                  <a:rPr lang="pt-BR" b="1" i="1" dirty="0"/>
-                  <a:t>ajuste de pesos </a:t>
-                </a:r>
-                <a:r>
-                  <a:rPr lang="pt-BR" dirty="0"/>
-                  <a:t>em determinada iteração, </a:t>
-                </a:r>
-                <a:r>
-                  <a:rPr lang="pt-BR" b="1" i="1" dirty="0"/>
-                  <a:t>informação de gradientes anteriores acumulados</a:t>
-                </a:r>
-                <a:r>
-                  <a:rPr lang="pt-BR" dirty="0"/>
-                  <a:t>. Isso, em certas situações, melhora a </a:t>
-                </a:r>
-                <a:r>
-                  <a:rPr lang="pt-BR" dirty="0" smtClean="0"/>
-                  <a:t>convergência</a:t>
-                </a:r>
-                <a:r>
-                  <a:rPr lang="pt-BR" dirty="0"/>
-                  <a:t>.</a:t>
+                  <a:t>pesos.</a:t>
                 </a:r>
               </a:p>
               <a:p>
@@ -6236,16 +6313,16 @@
                   <a:buChar char="§"/>
                 </a:pPr>
                 <a:r>
+                  <a:rPr lang="pt-BR" dirty="0" smtClean="0"/>
+                  <a:t>Isso tem o potencial de melhorar </a:t>
+                </a:r>
+                <a:r>
                   <a:rPr lang="pt-BR" dirty="0"/>
-                  <a:t>Para discutirmos o algoritmo do </a:t>
-                </a:r>
-                <a:r>
-                  <a:rPr lang="pt-BR" b="1" i="1" dirty="0"/>
-                  <a:t>momentum</a:t>
-                </a:r>
-                <a:r>
-                  <a:rPr lang="pt-BR" dirty="0"/>
-                  <a:t>, vamos partir de um esquema de aprendizado em mini-batch.</a:t>
+                  <a:t>a </a:t>
+                </a:r>
+                <a:r>
+                  <a:rPr lang="pt-BR" dirty="0" smtClean="0"/>
+                  <a:t>convergência das versões online e em mini-lotes do gradiente descendente.</a:t>
                 </a:r>
               </a:p>
               <a:p>
@@ -6255,8 +6332,204 @@
                 </a:pPr>
                 <a:r>
                   <a:rPr lang="pt-BR" dirty="0"/>
-                  <a:t>Seja </a:t>
-                </a:r>
+                  <a:t>A </a:t>
+                </a:r>
+                <a:r>
+                  <a:rPr lang="pt-BR" b="1" i="1" dirty="0"/>
+                  <a:t>atualização dos pesos</a:t>
+                </a:r>
+                <a:r>
+                  <a:rPr lang="pt-BR" dirty="0"/>
+                  <a:t> </a:t>
+                </a:r>
+                <a:r>
+                  <a:rPr lang="pt-BR" dirty="0" smtClean="0"/>
+                  <a:t>com o </a:t>
+                </a:r>
+                <a:r>
+                  <a:rPr lang="pt-BR" b="1" i="1" dirty="0" smtClean="0"/>
+                  <a:t>termo momento</a:t>
+                </a:r>
+                <a:r>
+                  <a:rPr lang="pt-BR" dirty="0" smtClean="0"/>
+                  <a:t> é </a:t>
+                </a:r>
+                <a:r>
+                  <a:rPr lang="pt-BR" dirty="0"/>
+                  <a:t>dada por</a:t>
+                </a:r>
+              </a:p>
+              <a:p>
+                <a:pPr marL="457200" lvl="1" indent="0" algn="ctr">
+                  <a:buNone/>
+                </a:pPr>
+                <a14:m>
+                  <m:oMathPara xmlns:m="http://schemas.openxmlformats.org/officeDocument/2006/math">
+                    <m:oMathParaPr>
+                      <m:jc m:val="center"/>
+                    </m:oMathParaPr>
+                    <m:oMath xmlns:m="http://schemas.openxmlformats.org/officeDocument/2006/math">
+                      <m:r>
+                        <a:rPr lang="pt-BR" b="1" i="1">
+                          <a:latin typeface="Cambria Math" panose="02040503050406030204" pitchFamily="18" charset="0"/>
+                        </a:rPr>
+                        <m:t>𝒘</m:t>
+                      </m:r>
+                      <m:r>
+                        <a:rPr lang="pt-BR" i="1">
+                          <a:latin typeface="Cambria Math" panose="02040503050406030204" pitchFamily="18" charset="0"/>
+                          <a:ea typeface="Cambria Math" panose="02040503050406030204" pitchFamily="18" charset="0"/>
+                        </a:rPr>
+                        <m:t>←</m:t>
+                      </m:r>
+                      <m:r>
+                        <a:rPr lang="pt-BR" b="1" i="1">
+                          <a:latin typeface="Cambria Math" panose="02040503050406030204" pitchFamily="18" charset="0"/>
+                          <a:ea typeface="Cambria Math" panose="02040503050406030204" pitchFamily="18" charset="0"/>
+                        </a:rPr>
+                        <m:t>𝒘</m:t>
+                      </m:r>
+                      <m:r>
+                        <a:rPr lang="pt-BR" i="1">
+                          <a:latin typeface="Cambria Math" panose="02040503050406030204" pitchFamily="18" charset="0"/>
+                          <a:ea typeface="Cambria Math" panose="02040503050406030204" pitchFamily="18" charset="0"/>
+                        </a:rPr>
+                        <m:t>+</m:t>
+                      </m:r>
+                      <m:r>
+                        <a:rPr lang="pt-BR" b="1" i="1">
+                          <a:latin typeface="Cambria Math" panose="02040503050406030204" pitchFamily="18" charset="0"/>
+                          <a:ea typeface="Cambria Math" panose="02040503050406030204" pitchFamily="18" charset="0"/>
+                        </a:rPr>
+                        <m:t>𝒗</m:t>
+                      </m:r>
+                      <m:r>
+                        <a:rPr lang="pt-BR" b="1" i="1" smtClean="0">
+                          <a:latin typeface="Cambria Math" panose="02040503050406030204" pitchFamily="18" charset="0"/>
+                          <a:ea typeface="Cambria Math" panose="02040503050406030204" pitchFamily="18" charset="0"/>
+                        </a:rPr>
+                        <m:t>,</m:t>
+                      </m:r>
+                    </m:oMath>
+                  </m:oMathPara>
+                </a14:m>
+                <a:endParaRPr lang="pt-BR" dirty="0" smtClean="0"/>
+              </a:p>
+              <a:p>
+                <a:pPr marL="457200" lvl="1" indent="0">
+                  <a:buNone/>
+                </a:pPr>
+                <a:r>
+                  <a:rPr lang="pt-BR" dirty="0" smtClean="0"/>
+                  <a:t>onde </a:t>
+                </a:r>
+                <a14:m>
+                  <m:oMath xmlns:m="http://schemas.openxmlformats.org/officeDocument/2006/math">
+                    <m:r>
+                      <a:rPr lang="pt-BR" b="1" i="1">
+                        <a:latin typeface="Cambria Math" panose="02040503050406030204" pitchFamily="18" charset="0"/>
+                        <a:ea typeface="Cambria Math" panose="02040503050406030204" pitchFamily="18" charset="0"/>
+                      </a:rPr>
+                      <m:t>𝒗</m:t>
+                    </m:r>
+                  </m:oMath>
+                </a14:m>
+                <a:r>
+                  <a:rPr lang="pt-BR" dirty="0" smtClean="0"/>
+                  <a:t> é a </a:t>
+                </a:r>
+                <a:r>
+                  <a:rPr lang="pt-BR" b="1" i="1" dirty="0" smtClean="0"/>
+                  <a:t>velocidade</a:t>
+                </a:r>
+                <a:r>
+                  <a:rPr lang="pt-BR" dirty="0" smtClean="0"/>
+                  <a:t>, a qual é </a:t>
+                </a:r>
+                <a:r>
+                  <a:rPr lang="pt-BR" dirty="0"/>
+                  <a:t>atualizada da seguinte </a:t>
+                </a:r>
+                <a:r>
+                  <a:rPr lang="pt-BR" dirty="0" smtClean="0"/>
+                  <a:t>forma</a:t>
+                </a:r>
+                <a:endParaRPr lang="pt-BR" dirty="0"/>
+              </a:p>
+              <a:p>
+                <a:pPr marL="457200" lvl="1" indent="0" algn="ctr">
+                  <a:buNone/>
+                </a:pPr>
+                <a14:m>
+                  <m:oMathPara xmlns:m="http://schemas.openxmlformats.org/officeDocument/2006/math">
+                    <m:oMathParaPr>
+                      <m:jc m:val="centerGroup"/>
+                    </m:oMathParaPr>
+                    <m:oMath xmlns:m="http://schemas.openxmlformats.org/officeDocument/2006/math">
+                      <m:r>
+                        <a:rPr lang="pt-BR" b="1" i="1">
+                          <a:latin typeface="Cambria Math" panose="02040503050406030204" pitchFamily="18" charset="0"/>
+                        </a:rPr>
+                        <m:t>𝒗</m:t>
+                      </m:r>
+                      <m:r>
+                        <a:rPr lang="pt-BR" i="1">
+                          <a:latin typeface="Cambria Math" panose="02040503050406030204" pitchFamily="18" charset="0"/>
+                          <a:ea typeface="Cambria Math" panose="02040503050406030204" pitchFamily="18" charset="0"/>
+                        </a:rPr>
+                        <m:t>←</m:t>
+                      </m:r>
+                      <m:r>
+                        <a:rPr lang="pt-BR" i="1">
+                          <a:latin typeface="Cambria Math" panose="02040503050406030204" pitchFamily="18" charset="0"/>
+                          <a:ea typeface="Cambria Math" panose="02040503050406030204" pitchFamily="18" charset="0"/>
+                        </a:rPr>
+                        <m:t>𝜇</m:t>
+                      </m:r>
+                      <m:r>
+                        <a:rPr lang="pt-BR" b="1" i="1">
+                          <a:latin typeface="Cambria Math" panose="02040503050406030204" pitchFamily="18" charset="0"/>
+                          <a:ea typeface="Cambria Math" panose="02040503050406030204" pitchFamily="18" charset="0"/>
+                        </a:rPr>
+                        <m:t>𝒗</m:t>
+                      </m:r>
+                      <m:r>
+                        <a:rPr lang="pt-BR" i="1">
+                          <a:latin typeface="Cambria Math" panose="02040503050406030204" pitchFamily="18" charset="0"/>
+                          <a:ea typeface="Cambria Math" panose="02040503050406030204" pitchFamily="18" charset="0"/>
+                        </a:rPr>
+                        <m:t>−</m:t>
+                      </m:r>
+                      <m:r>
+                        <a:rPr lang="pt-BR" i="1">
+                          <a:latin typeface="Cambria Math" panose="02040503050406030204" pitchFamily="18" charset="0"/>
+                          <a:ea typeface="Cambria Math" panose="02040503050406030204" pitchFamily="18" charset="0"/>
+                        </a:rPr>
+                        <m:t>𝛼</m:t>
+                      </m:r>
+                      <m:r>
+                        <a:rPr lang="pt-BR" b="1" i="1">
+                          <a:latin typeface="Cambria Math" panose="02040503050406030204" pitchFamily="18" charset="0"/>
+                          <a:ea typeface="Cambria Math" panose="02040503050406030204" pitchFamily="18" charset="0"/>
+                        </a:rPr>
+                        <m:t>𝒈</m:t>
+                      </m:r>
+                      <m:r>
+                        <a:rPr lang="pt-BR" b="0" i="0" smtClean="0">
+                          <a:latin typeface="Cambria Math" panose="02040503050406030204" pitchFamily="18" charset="0"/>
+                          <a:ea typeface="Cambria Math" panose="02040503050406030204" pitchFamily="18" charset="0"/>
+                        </a:rPr>
+                        <m:t>,</m:t>
+                      </m:r>
+                    </m:oMath>
+                  </m:oMathPara>
+                </a14:m>
+                <a:endParaRPr lang="pt-BR" dirty="0"/>
+              </a:p>
+              <a:p>
+                <a:pPr marL="457200" lvl="1" indent="0">
+                  <a:buNone/>
+                </a:pPr>
                 <a14:m>
                   <m:oMath xmlns:m="http://schemas.openxmlformats.org/officeDocument/2006/math">
                     <m:r>
@@ -6270,16 +6543,166 @@
                 </a14:m>
                 <a:r>
                   <a:rPr lang="pt-BR" dirty="0"/>
-                  <a:t> o </a:t>
+                  <a:t> </a:t>
+                </a:r>
+                <a:r>
+                  <a:rPr lang="pt-BR" dirty="0" smtClean="0"/>
+                  <a:t>é o </a:t>
                 </a:r>
                 <a:r>
                   <a:rPr lang="pt-BR" b="1" i="1" dirty="0"/>
-                  <a:t>vetor gradiente</a:t>
-                </a:r>
+                  <a:t>vetor </a:t>
+                </a:r>
+                <a:r>
+                  <a:rPr lang="pt-BR" b="1" i="1" dirty="0" smtClean="0"/>
+                  <a:t>gradiente</a:t>
+                </a:r>
+                <a:r>
+                  <a:rPr lang="pt-BR" dirty="0" smtClean="0"/>
+                  <a:t>, </a:t>
+                </a:r>
+                <a14:m>
+                  <m:oMath xmlns:m="http://schemas.openxmlformats.org/officeDocument/2006/math">
+                    <m:r>
+                      <a:rPr lang="pt-BR" i="1">
+                        <a:latin typeface="Cambria Math" panose="02040503050406030204" pitchFamily="18" charset="0"/>
+                        <a:ea typeface="Cambria Math" panose="02040503050406030204" pitchFamily="18" charset="0"/>
+                      </a:rPr>
+                      <m:t>𝛼</m:t>
+                    </m:r>
+                  </m:oMath>
+                </a14:m>
+                <a:r>
+                  <a:rPr lang="pt-BR" dirty="0" smtClean="0"/>
+                  <a:t> é o </a:t>
+                </a:r>
+                <a:r>
+                  <a:rPr lang="pt-BR" b="1" i="1" dirty="0" smtClean="0"/>
+                  <a:t>passo de aprendizagem</a:t>
+                </a:r>
+                <a:r>
+                  <a:rPr lang="pt-BR" dirty="0" smtClean="0"/>
+                  <a:t> e </a:t>
+                </a:r>
+                <a14:m>
+                  <m:oMath xmlns:m="http://schemas.openxmlformats.org/officeDocument/2006/math">
+                    <m:r>
+                      <a:rPr lang="pt-BR" i="1">
+                        <a:latin typeface="Cambria Math" panose="02040503050406030204" pitchFamily="18" charset="0"/>
+                        <a:ea typeface="Cambria Math" panose="02040503050406030204" pitchFamily="18" charset="0"/>
+                      </a:rPr>
+                      <m:t>𝜇</m:t>
+                    </m:r>
+                  </m:oMath>
+                </a14:m>
                 <a:r>
                   <a:rPr lang="pt-BR" dirty="0"/>
-                  <a:t> calculado para o mini-batch e </a:t>
-                </a:r>
+                  <a:t> </a:t>
+                </a:r>
+                <a14:m>
+                  <m:oMath xmlns:m="http://schemas.openxmlformats.org/officeDocument/2006/math">
+                    <m:r>
+                      <a:rPr lang="pt-BR" i="1">
+                        <a:latin typeface="Cambria Math" panose="02040503050406030204" pitchFamily="18" charset="0"/>
+                        <a:ea typeface="Cambria Math" panose="02040503050406030204" pitchFamily="18" charset="0"/>
+                      </a:rPr>
+                      <m:t>∈[0,1)</m:t>
+                    </m:r>
+                  </m:oMath>
+                </a14:m>
+                <a:r>
+                  <a:rPr lang="pt-BR" dirty="0"/>
+                  <a:t> determina com que rapidez as contribuições de gradientes anteriores decaem </a:t>
+                </a:r>
+                <a:r>
+                  <a:rPr lang="pt-BR" dirty="0" smtClean="0"/>
+                  <a:t>(</a:t>
+                </a:r>
+                <a:r>
+                  <a:rPr lang="pt-BR" dirty="0"/>
+                  <a:t>ou seja,</a:t>
+                </a:r>
+                <a:r>
+                  <a:rPr lang="pt-BR" dirty="0"/>
+                  <a:t> </a:t>
+                </a:r>
+                <a14:m>
+                  <m:oMath xmlns:m="http://schemas.openxmlformats.org/officeDocument/2006/math">
+                    <m:r>
+                      <a:rPr lang="pt-BR" i="1">
+                        <a:latin typeface="Cambria Math" panose="02040503050406030204" pitchFamily="18" charset="0"/>
+                        <a:ea typeface="Cambria Math" panose="02040503050406030204" pitchFamily="18" charset="0"/>
+                      </a:rPr>
+                      <m:t>𝜇</m:t>
+                    </m:r>
+                  </m:oMath>
+                </a14:m>
+                <a:r>
+                  <a:rPr lang="pt-BR" dirty="0"/>
+                  <a:t> </a:t>
+                </a:r>
+                <a:r>
+                  <a:rPr lang="pt-BR" dirty="0"/>
+                  <a:t>é um termo de memória</a:t>
+                </a:r>
+                <a:r>
+                  <a:rPr lang="pt-BR" dirty="0" smtClean="0"/>
+                  <a:t>).</a:t>
+                </a:r>
+              </a:p>
+              <a:p>
+                <a:pPr lvl="1">
+                  <a:buFont typeface="Wingdings" panose="05000000000000000000" pitchFamily="2" charset="2"/>
+                  <a:buChar char="§"/>
+                </a:pPr>
+                <a:r>
+                  <a:rPr lang="pt-BR" dirty="0" smtClean="0"/>
+                  <a:t>Quanto </a:t>
+                </a:r>
+                <a:r>
+                  <a:rPr lang="pt-BR" dirty="0"/>
+                  <a:t>maior for </a:t>
+                </a:r>
+                <a14:m>
+                  <m:oMath xmlns:m="http://schemas.openxmlformats.org/officeDocument/2006/math">
+                    <m:r>
+                      <m:rPr>
+                        <m:sty m:val="p"/>
+                      </m:rPr>
+                      <a:rPr lang="el-GR" i="1">
+                        <a:latin typeface="Cambria Math" panose="02040503050406030204" pitchFamily="18" charset="0"/>
+                        <a:ea typeface="Cambria Math" panose="02040503050406030204" pitchFamily="18" charset="0"/>
+                      </a:rPr>
+                      <m:t>μ</m:t>
+                    </m:r>
+                  </m:oMath>
+                </a14:m>
+                <a:r>
+                  <a:rPr lang="pt-BR" dirty="0"/>
+                  <a:t>, maior será a influência de </a:t>
+                </a:r>
+                <a:r>
+                  <a:rPr lang="pt-BR" dirty="0"/>
+                  <a:t>gradientes </a:t>
+                </a:r>
+                <a:r>
+                  <a:rPr lang="pt-BR" dirty="0"/>
+                  <a:t>anteriores na </a:t>
+                </a:r>
+                <a:r>
+                  <a:rPr lang="pt-BR" dirty="0"/>
+                  <a:t>direção atual</a:t>
+                </a:r>
+                <a:r>
+                  <a:rPr lang="pt-BR" dirty="0" smtClean="0"/>
+                  <a:t>.</a:t>
+                </a:r>
+              </a:p>
+              <a:p>
+                <a:pPr lvl="1">
+                  <a:buFont typeface="Wingdings" panose="05000000000000000000" pitchFamily="2" charset="2"/>
+                  <a:buChar char="§"/>
+                </a:pPr>
                 <a14:m>
                   <m:oMath xmlns:m="http://schemas.openxmlformats.org/officeDocument/2006/math">
                     <m:r>
@@ -6293,47 +6716,6 @@
                 </a14:m>
                 <a:r>
                   <a:rPr lang="pt-BR" dirty="0"/>
-                  <a:t>  um </a:t>
-                </a:r>
-                <a:r>
-                  <a:rPr lang="pt-BR" b="1" i="1" dirty="0"/>
-                  <a:t>termo de velocidade </a:t>
-                </a:r>
-                <a:r>
-                  <a:rPr lang="pt-BR" dirty="0"/>
-                  <a:t>introduzido pelo algoritmo do </a:t>
-                </a:r>
-                <a:r>
-                  <a:rPr lang="pt-BR" b="1" i="1" dirty="0"/>
-                  <a:t>momentum</a:t>
-                </a:r>
-                <a:r>
-                  <a:rPr lang="pt-BR" dirty="0"/>
-                  <a:t>. </a:t>
-                </a:r>
-              </a:p>
-              <a:p>
-                <a:pPr lvl="1">
-                  <a:buFont typeface="Wingdings" panose="05000000000000000000" pitchFamily="2" charset="2"/>
-                  <a:buChar char="§"/>
-                </a:pPr>
-                <a:r>
-                  <a:rPr lang="pt-BR" dirty="0"/>
-                  <a:t>O termo </a:t>
-                </a:r>
-                <a14:m>
-                  <m:oMath xmlns:m="http://schemas.openxmlformats.org/officeDocument/2006/math">
-                    <m:r>
-                      <a:rPr lang="pt-BR" b="1" i="1">
-                        <a:latin typeface="Cambria Math" panose="02040503050406030204" pitchFamily="18" charset="0"/>
-                        <a:ea typeface="Cambria Math" panose="02040503050406030204" pitchFamily="18" charset="0"/>
-                      </a:rPr>
-                      <m:t>𝒗</m:t>
-                    </m:r>
-                  </m:oMath>
-                </a14:m>
-                <a:r>
-                  <a:rPr lang="pt-BR" dirty="0"/>
                   <a:t> dá a </a:t>
                 </a:r>
                 <a:r>
@@ -6350,117 +6732,17 @@
                 </a:r>
                 <a:r>
                   <a:rPr lang="pt-BR" dirty="0"/>
-                  <a:t> na qual os pesos se movem pelo espaço de pesos.</a:t>
-                </a:r>
-              </a:p>
-              <a:p>
-                <a:pPr lvl="1">
-                  <a:buFont typeface="Wingdings" panose="05000000000000000000" pitchFamily="2" charset="2"/>
-                  <a:buChar char="§"/>
-                </a:pPr>
-                <a:r>
-                  <a:rPr lang="pt-BR" dirty="0"/>
-                  <a:t>A </a:t>
-                </a:r>
-                <a:r>
-                  <a:rPr lang="pt-BR" b="1" i="1" dirty="0"/>
-                  <a:t>velocidade</a:t>
-                </a:r>
-                <a:r>
-                  <a:rPr lang="pt-BR" dirty="0"/>
-                  <a:t> é atualizada da seguinte forma:</a:t>
-                </a:r>
-              </a:p>
-              <a:p>
-                <a:pPr marL="457200" lvl="1" indent="0" algn="ctr">
-                  <a:buNone/>
-                </a:pPr>
-                <a14:m>
-                  <m:oMath xmlns:m="http://schemas.openxmlformats.org/officeDocument/2006/math">
-                    <m:r>
-                      <a:rPr lang="pt-BR" b="1" i="1" smtClean="0">
-                        <a:latin typeface="Cambria Math" panose="02040503050406030204" pitchFamily="18" charset="0"/>
-                      </a:rPr>
-                      <m:t>𝒗</m:t>
-                    </m:r>
-                    <m:r>
-                      <a:rPr lang="pt-BR" i="1">
-                        <a:latin typeface="Cambria Math" panose="02040503050406030204" pitchFamily="18" charset="0"/>
-                        <a:ea typeface="Cambria Math" panose="02040503050406030204" pitchFamily="18" charset="0"/>
-                      </a:rPr>
-                      <m:t>←</m:t>
-                    </m:r>
-                    <m:r>
-                      <a:rPr lang="pt-BR" b="0" i="1" smtClean="0">
-                        <a:latin typeface="Cambria Math" panose="02040503050406030204" pitchFamily="18" charset="0"/>
-                        <a:ea typeface="Cambria Math" panose="02040503050406030204" pitchFamily="18" charset="0"/>
-                      </a:rPr>
-                      <m:t>𝜑</m:t>
-                    </m:r>
-                    <m:r>
-                      <a:rPr lang="pt-BR" b="1" i="1" smtClean="0">
-                        <a:latin typeface="Cambria Math" panose="02040503050406030204" pitchFamily="18" charset="0"/>
-                        <a:ea typeface="Cambria Math" panose="02040503050406030204" pitchFamily="18" charset="0"/>
-                      </a:rPr>
-                      <m:t>𝒗</m:t>
-                    </m:r>
-                    <m:r>
-                      <a:rPr lang="pt-BR" b="0" i="1" smtClean="0">
-                        <a:latin typeface="Cambria Math" panose="02040503050406030204" pitchFamily="18" charset="0"/>
-                        <a:ea typeface="Cambria Math" panose="02040503050406030204" pitchFamily="18" charset="0"/>
-                      </a:rPr>
-                      <m:t>−</m:t>
-                    </m:r>
-                    <m:r>
-                      <a:rPr lang="pt-BR" b="0" i="1" smtClean="0">
-                        <a:latin typeface="Cambria Math" panose="02040503050406030204" pitchFamily="18" charset="0"/>
-                        <a:ea typeface="Cambria Math" panose="02040503050406030204" pitchFamily="18" charset="0"/>
-                      </a:rPr>
-                      <m:t>𝛼</m:t>
-                    </m:r>
-                    <m:r>
-                      <a:rPr lang="pt-BR" b="1" i="1" smtClean="0">
-                        <a:latin typeface="Cambria Math" panose="02040503050406030204" pitchFamily="18" charset="0"/>
-                        <a:ea typeface="Cambria Math" panose="02040503050406030204" pitchFamily="18" charset="0"/>
-                      </a:rPr>
-                      <m:t>𝒈</m:t>
-                    </m:r>
-                  </m:oMath>
-                </a14:m>
-                <a:r>
-                  <a:rPr lang="pt-BR" dirty="0"/>
+                  <a:t> na qual os pesos se movem pelo espaço de pesos</a:t>
+                </a:r>
+                <a:r>
+                  <a:rPr lang="pt-BR" dirty="0" smtClean="0"/>
                   <a:t>.</a:t>
-                </a:r>
-              </a:p>
-              <a:p>
-                <a:pPr lvl="1">
-                  <a:buFont typeface="Wingdings" panose="05000000000000000000" pitchFamily="2" charset="2"/>
-                  <a:buChar char="§"/>
-                </a:pPr>
-                <a:r>
-                  <a:rPr lang="pt-BR" dirty="0"/>
-                  <a:t>Momentum em física é igual a massa de uma partícula vezes sua velocidade. No algoritmo do momentum, assumimos que a massa é unitária, então o vetor velocidade </a:t>
-                </a:r>
-                <a14:m>
-                  <m:oMath xmlns:m="http://schemas.openxmlformats.org/officeDocument/2006/math">
-                    <m:r>
-                      <a:rPr lang="pt-BR" b="1" i="1">
-                        <a:latin typeface="Cambria Math" panose="02040503050406030204" pitchFamily="18" charset="0"/>
-                        <a:ea typeface="Cambria Math" panose="02040503050406030204" pitchFamily="18" charset="0"/>
-                      </a:rPr>
-                      <m:t>𝒗</m:t>
-                    </m:r>
-                  </m:oMath>
-                </a14:m>
-                <a:r>
-                  <a:rPr lang="pt-BR" dirty="0"/>
-                  <a:t> também pode ser considerado como o momentum da partícula.</a:t>
                 </a:r>
               </a:p>
             </p:txBody>
           </p:sp>
         </mc:Choice>
-        <mc:Fallback xmlns="">
+        <mc:Fallback>
           <p:sp>
             <p:nvSpPr>
               <p:cNvPr id="3" name="Content Placeholder 2"/>
@@ -6473,13 +6755,13 @@
             </p:nvSpPr>
             <p:spPr>
               <a:xfrm>
-                <a:off x="838200" y="1487493"/>
-                <a:ext cx="11184467" cy="5370507"/>
+                <a:off x="838199" y="1690688"/>
+                <a:ext cx="11136087" cy="5167312"/>
               </a:xfrm>
               <a:blipFill rotWithShape="0">
                 <a:blip r:embed="rId3"/>
                 <a:stretch>
-                  <a:fillRect l="-981" t="-2497" r="-164" b="-795"/>
+                  <a:fillRect l="-930" t="-2594" r="-930" b="-472"/>
                 </a:stretch>
               </a:blipFill>
             </p:spPr>
@@ -6501,7 +6783,7 @@
     </p:spTree>
     <p:extLst>
       <p:ext uri="{BB962C8B-B14F-4D97-AF65-F5344CB8AC3E}">
-        <p14:creationId xmlns:p14="http://schemas.microsoft.com/office/powerpoint/2010/main" val="1658850421"/>
+        <p14:creationId xmlns:p14="http://schemas.microsoft.com/office/powerpoint/2010/main" val="1745543357"/>
       </p:ext>
     </p:extLst>
   </p:cSld>
@@ -6538,12 +6820,7 @@
             <p:ph type="title"/>
           </p:nvPr>
         </p:nvSpPr>
-        <p:spPr>
-          <a:xfrm>
-            <a:off x="838200" y="26465"/>
-            <a:ext cx="10515600" cy="1325563"/>
-          </a:xfrm>
-        </p:spPr>
+        <p:spPr/>
         <p:txBody>
           <a:bodyPr/>
           <a:lstStyle/>
@@ -6554,14 +6831,14 @@
             </a:r>
             <a:r>
               <a:rPr lang="pt-BR" b="1" dirty="0"/>
-              <a:t>Momento</a:t>
+              <a:t>Momentum</a:t>
             </a:r>
             <a:endParaRPr lang="pt-BR" dirty="0"/>
           </a:p>
         </p:txBody>
       </p:sp>
-      <mc:AlternateContent xmlns:mc="http://schemas.openxmlformats.org/markup-compatibility/2006" xmlns:a14="http://schemas.microsoft.com/office/drawing/2010/main">
-        <mc:Choice Requires="a14">
+      <mc:AlternateContent xmlns:mc="http://schemas.openxmlformats.org/markup-compatibility/2006">
+        <mc:Choice xmlns:a14="http://schemas.microsoft.com/office/drawing/2010/main" Requires="a14">
           <p:sp>
             <p:nvSpPr>
               <p:cNvPr id="3" name="Content Placeholder 2"/>
@@ -6574,13 +6851,13 @@
             </p:nvSpPr>
             <p:spPr>
               <a:xfrm>
-                <a:off x="838200" y="1352029"/>
-                <a:ext cx="11184467" cy="5505972"/>
+                <a:off x="838198" y="1825625"/>
+                <a:ext cx="8596088" cy="5032375"/>
               </a:xfrm>
             </p:spPr>
             <p:txBody>
               <a:bodyPr>
-                <a:normAutofit lnSpcReduction="10000"/>
+                <a:normAutofit/>
               </a:bodyPr>
               <a:lstStyle/>
               <a:p>
@@ -6590,20 +6867,9 @@
                 </a:pPr>
                 <a:r>
                   <a:rPr lang="pt-BR" b="1" dirty="0"/>
-                  <a:t>Momento </a:t>
-                </a:r>
-                <a:r>
-                  <a:rPr lang="pt-BR" dirty="0"/>
-                  <a:t>(ou </a:t>
-                </a:r>
-                <a:r>
-                  <a:rPr lang="pt-BR" b="1" dirty="0"/>
                   <a:t>Momentum</a:t>
                 </a:r>
-                <a:r>
-                  <a:rPr lang="pt-BR" dirty="0"/>
-                  <a:t>)</a:t>
-                </a:r>
+                <a:endParaRPr lang="pt-BR" dirty="0"/>
               </a:p>
               <a:p>
                 <a:pPr lvl="1">
@@ -6611,16 +6877,61 @@
                   <a:buChar char="§"/>
                 </a:pPr>
                 <a:r>
+                  <a:rPr lang="pt-BR" dirty="0" smtClean="0"/>
+                  <a:t>Momento </a:t>
+                </a:r>
+                <a:r>
                   <a:rPr lang="pt-BR" dirty="0"/>
-                  <a:t>O </a:t>
-                </a:r>
-                <a:r>
-                  <a:rPr lang="pt-BR" b="1" i="1" dirty="0"/>
-                  <a:t>hiperparâmetro</a:t>
+                  <a:t>em física é igual a massa de uma partícula vezes sua velocidade. No algoritmo do </a:t>
+                </a:r>
+                <a:r>
+                  <a:rPr lang="pt-BR" dirty="0" smtClean="0"/>
+                  <a:t>momento, </a:t>
                 </a:r>
                 <a:r>
                   <a:rPr lang="pt-BR" dirty="0"/>
-                  <a:t> </a:t>
+                  <a:t>assumimos que a massa é unitária, então o vetor velocidade </a:t>
+                </a:r>
+                <a14:m>
+                  <m:oMath xmlns:m="http://schemas.openxmlformats.org/officeDocument/2006/math">
+                    <m:r>
+                      <a:rPr lang="pt-BR" b="1" i="1">
+                        <a:latin typeface="Cambria Math" panose="02040503050406030204" pitchFamily="18" charset="0"/>
+                        <a:ea typeface="Cambria Math" panose="02040503050406030204" pitchFamily="18" charset="0"/>
+                      </a:rPr>
+                      <m:t>𝒗</m:t>
+                    </m:r>
+                  </m:oMath>
+                </a14:m>
+                <a:r>
+                  <a:rPr lang="pt-BR" dirty="0"/>
+                  <a:t> também pode ser considerado como o </a:t>
+                </a:r>
+                <a:r>
+                  <a:rPr lang="pt-BR" dirty="0" smtClean="0"/>
+                  <a:t>momento </a:t>
+                </a:r>
+                <a:r>
+                  <a:rPr lang="pt-BR" dirty="0"/>
+                  <a:t>da partícula</a:t>
+                </a:r>
+                <a:r>
+                  <a:rPr lang="pt-BR" dirty="0" smtClean="0"/>
+                  <a:t>.</a:t>
+                </a:r>
+              </a:p>
+              <a:p>
+                <a:pPr lvl="1">
+                  <a:buFont typeface="Wingdings" panose="05000000000000000000" pitchFamily="2" charset="2"/>
+                  <a:buChar char="§"/>
+                </a:pPr>
+                <a:r>
+                  <a:rPr lang="pt-BR" dirty="0" smtClean="0"/>
+                  <a:t>O termo momento adiciona </a:t>
+                </a:r>
+                <a:r>
+                  <a:rPr lang="pt-BR" dirty="0"/>
+                  <a:t>uma fração </a:t>
                 </a:r>
                 <a14:m>
                   <m:oMath xmlns:m="http://schemas.openxmlformats.org/officeDocument/2006/math">
@@ -6629,57 +6940,72 @@
                         <a:latin typeface="Cambria Math" panose="02040503050406030204" pitchFamily="18" charset="0"/>
                         <a:ea typeface="Cambria Math" panose="02040503050406030204" pitchFamily="18" charset="0"/>
                       </a:rPr>
-                      <m:t>𝜑</m:t>
+                      <m:t>𝜇</m:t>
                     </m:r>
                   </m:oMath>
                 </a14:m>
                 <a:r>
+                  <a:rPr lang="pt-BR" dirty="0" smtClean="0"/>
+                  <a:t> de atualizações anteriores dos pesos. </a:t>
+                </a:r>
+              </a:p>
+              <a:p>
+                <a:pPr lvl="2">
+                  <a:buFont typeface="Courier New" panose="02070309020205020404" pitchFamily="49" charset="0"/>
+                  <a:buChar char="o"/>
+                </a:pPr>
+                <a:r>
+                  <a:rPr lang="pt-BR" dirty="0" smtClean="0"/>
+                  <a:t>Quando </a:t>
+                </a:r>
+                <a:r>
                   <a:rPr lang="pt-BR" dirty="0"/>
-                  <a:t> (</a:t>
-                </a:r>
-                <a:r>
-                  <a:rPr lang="pt-BR" i="1" dirty="0"/>
-                  <a:t>phi</a:t>
-                </a:r>
+                  <a:t>o gradiente continua apontando na mesma direção, isso aumentará o tamanho dos passos dados em direção ao mínimo</a:t>
+                </a:r>
+                <a:r>
+                  <a:rPr lang="pt-BR" dirty="0" smtClean="0"/>
+                  <a:t>.</a:t>
+                </a:r>
+              </a:p>
+              <a:p>
+                <a:pPr lvl="2">
+                  <a:buFont typeface="Courier New" panose="02070309020205020404" pitchFamily="49" charset="0"/>
+                  <a:buChar char="o"/>
+                </a:pPr>
                 <a:r>
                   <a:rPr lang="pt-BR" dirty="0"/>
-                  <a:t>) </a:t>
-                </a:r>
-                <a14:m>
-                  <m:oMath xmlns:m="http://schemas.openxmlformats.org/officeDocument/2006/math">
-                    <m:r>
-                      <a:rPr lang="pt-BR" i="1">
-                        <a:latin typeface="Cambria Math" panose="02040503050406030204" pitchFamily="18" charset="0"/>
-                        <a:ea typeface="Cambria Math" panose="02040503050406030204" pitchFamily="18" charset="0"/>
-                      </a:rPr>
-                      <m:t>∈[0,1)</m:t>
-                    </m:r>
-                  </m:oMath>
-                </a14:m>
+                  <a:t>Quando o gradiente </a:t>
+                </a:r>
+                <a:r>
+                  <a:rPr lang="pt-BR" dirty="0" smtClean="0"/>
+                  <a:t>muda de direção a cada nova iteração, </a:t>
+                </a:r>
                 <a:r>
                   <a:rPr lang="pt-BR" dirty="0"/>
-                  <a:t> determina com que rapidez as contribuições de gradientes anteriores decaem </a:t>
+                  <a:t>o </a:t>
                 </a:r>
                 <a:r>
                   <a:rPr lang="pt-BR" dirty="0" smtClean="0"/>
-                  <a:t>exponencialmente (ou seja, </a:t>
-                </a:r>
-                <a14:m>
-                  <m:oMath xmlns:m="http://schemas.openxmlformats.org/officeDocument/2006/math">
-                    <m:r>
-                      <a:rPr lang="pt-BR" i="1">
-                        <a:latin typeface="Cambria Math" panose="02040503050406030204" pitchFamily="18" charset="0"/>
-                        <a:ea typeface="Cambria Math" panose="02040503050406030204" pitchFamily="18" charset="0"/>
-                      </a:rPr>
-                      <m:t>𝜑</m:t>
-                    </m:r>
-                  </m:oMath>
-                </a14:m>
+                  <a:t>termo momento </a:t>
+                </a:r>
+                <a:r>
+                  <a:rPr lang="pt-BR" dirty="0"/>
+                  <a:t>suaviza as variações</a:t>
+                </a:r>
                 <a:r>
                   <a:rPr lang="pt-BR" dirty="0" smtClean="0"/>
-                  <a:t> é um termo de memória).</a:t>
-                </a:r>
-                <a:endParaRPr lang="pt-BR" dirty="0"/>
+                  <a:t>.</a:t>
+                </a:r>
+              </a:p>
+              <a:p>
+                <a:pPr lvl="2">
+                  <a:buFont typeface="Courier New" panose="02070309020205020404" pitchFamily="49" charset="0"/>
+                  <a:buChar char="o"/>
+                </a:pPr>
+                <a:r>
+                  <a:rPr lang="pt-BR" dirty="0"/>
+                  <a:t>Como resultado, temos convergência mais rápida e oscilação reduzida.</a:t>
+                </a:r>
               </a:p>
               <a:p>
                 <a:pPr lvl="1">
@@ -6688,297 +7014,18 @@
                 </a:pPr>
                 <a:r>
                   <a:rPr lang="pt-BR" dirty="0"/>
-                  <a:t>A </a:t>
-                </a:r>
-                <a:r>
-                  <a:rPr lang="pt-BR" b="1" i="1" dirty="0"/>
-                  <a:t>atualização dos pesos</a:t>
-                </a:r>
-                <a:r>
-                  <a:rPr lang="pt-BR" dirty="0"/>
-                  <a:t> é dada por</a:t>
-                </a:r>
-              </a:p>
-              <a:p>
-                <a:pPr marL="457200" lvl="1" indent="0" algn="ctr">
-                  <a:buNone/>
-                </a:pPr>
-                <a14:m>
-                  <m:oMath xmlns:m="http://schemas.openxmlformats.org/officeDocument/2006/math">
-                    <m:r>
-                      <a:rPr lang="pt-BR" b="1" i="1" smtClean="0">
-                        <a:latin typeface="Cambria Math" panose="02040503050406030204" pitchFamily="18" charset="0"/>
-                      </a:rPr>
-                      <m:t>𝒘</m:t>
-                    </m:r>
-                    <m:r>
-                      <a:rPr lang="pt-BR" b="0" i="1" smtClean="0">
-                        <a:latin typeface="Cambria Math" panose="02040503050406030204" pitchFamily="18" charset="0"/>
-                        <a:ea typeface="Cambria Math" panose="02040503050406030204" pitchFamily="18" charset="0"/>
-                      </a:rPr>
-                      <m:t>←</m:t>
-                    </m:r>
-                    <m:r>
-                      <a:rPr lang="pt-BR" b="1" i="1" smtClean="0">
-                        <a:latin typeface="Cambria Math" panose="02040503050406030204" pitchFamily="18" charset="0"/>
-                        <a:ea typeface="Cambria Math" panose="02040503050406030204" pitchFamily="18" charset="0"/>
-                      </a:rPr>
-                      <m:t>𝒘</m:t>
-                    </m:r>
-                    <m:r>
-                      <a:rPr lang="pt-BR" b="0" i="1" smtClean="0">
-                        <a:latin typeface="Cambria Math" panose="02040503050406030204" pitchFamily="18" charset="0"/>
-                        <a:ea typeface="Cambria Math" panose="02040503050406030204" pitchFamily="18" charset="0"/>
-                      </a:rPr>
-                      <m:t>+</m:t>
-                    </m:r>
-                    <m:r>
-                      <a:rPr lang="pt-BR" b="1" i="1" smtClean="0">
-                        <a:latin typeface="Cambria Math" panose="02040503050406030204" pitchFamily="18" charset="0"/>
-                        <a:ea typeface="Cambria Math" panose="02040503050406030204" pitchFamily="18" charset="0"/>
-                      </a:rPr>
-                      <m:t>𝒗</m:t>
-                    </m:r>
-                  </m:oMath>
-                </a14:m>
-                <a:r>
-                  <a:rPr lang="pt-BR" dirty="0"/>
+                  <a:t>O efeito do algoritmo do momentum no GDE é ilustrado na figura ao lado</a:t>
+                </a:r>
+                <a:r>
+                  <a:rPr lang="pt-BR" dirty="0" smtClean="0"/>
                   <a:t>.</a:t>
                 </a:r>
-              </a:p>
-              <a:p>
-                <a:pPr lvl="1">
-                  <a:buFont typeface="Wingdings" panose="05000000000000000000" pitchFamily="2" charset="2"/>
-                  <a:buChar char="§"/>
-                </a:pPr>
-                <a:r>
-                  <a:rPr lang="pt-BR" dirty="0"/>
-                  <a:t>O efeito do </a:t>
-                </a:r>
-                <a:r>
-                  <a:rPr lang="pt-BR" b="1" i="1" dirty="0"/>
-                  <a:t>termo momentum </a:t>
-                </a:r>
-                <a:r>
-                  <a:rPr lang="pt-BR" dirty="0"/>
-                  <a:t>pode ser visto como </a:t>
-                </a:r>
-                <a:r>
-                  <a:rPr lang="pt-BR" dirty="0" smtClean="0"/>
-                  <a:t>um valor que </a:t>
-                </a:r>
-                <a:r>
-                  <a:rPr lang="pt-BR" dirty="0"/>
-                  <a:t>se acumula de acordo com a regra de uma </a:t>
-                </a:r>
-                <a:r>
-                  <a:rPr lang="pt-BR" b="1" i="1" dirty="0"/>
-                  <a:t>progressão geométrica</a:t>
-                </a:r>
-                <a:r>
-                  <a:rPr lang="pt-BR" dirty="0"/>
-                  <a:t>. </a:t>
-                </a:r>
-              </a:p>
-              <a:p>
-                <a:pPr lvl="1">
-                  <a:buFont typeface="Wingdings" panose="05000000000000000000" pitchFamily="2" charset="2"/>
-                  <a:buChar char="§"/>
-                </a:pPr>
-                <a:r>
-                  <a:rPr lang="pt-BR" dirty="0">
-                    <a:solidFill>
-                      <a:schemeClr val="tx1"/>
-                    </a:solidFill>
-                  </a:rPr>
-                  <a:t>Portanto, podemos pensar em seu efeito de aceleração no sentido contrário do gradiente em termos da equação </a:t>
-                </a:r>
-                <a14:m>
-                  <m:oMath xmlns:m="http://schemas.openxmlformats.org/officeDocument/2006/math">
-                    <m:f>
-                      <m:fPr>
-                        <m:ctrlPr>
-                          <a:rPr lang="pt-BR" i="1" smtClean="0">
-                            <a:solidFill>
-                              <a:schemeClr val="tx1"/>
-                            </a:solidFill>
-                            <a:latin typeface="Cambria Math" panose="02040503050406030204" pitchFamily="18" charset="0"/>
-                          </a:rPr>
-                        </m:ctrlPr>
-                      </m:fPr>
-                      <m:num>
-                        <m:r>
-                          <a:rPr lang="pt-BR" b="0" i="1" smtClean="0">
-                            <a:solidFill>
-                              <a:schemeClr val="tx1"/>
-                            </a:solidFill>
-                            <a:latin typeface="Cambria Math" panose="02040503050406030204" pitchFamily="18" charset="0"/>
-                          </a:rPr>
-                          <m:t>1</m:t>
-                        </m:r>
-                      </m:num>
-                      <m:den>
-                        <m:r>
-                          <a:rPr lang="pt-BR" b="0" i="1" smtClean="0">
-                            <a:solidFill>
-                              <a:schemeClr val="tx1"/>
-                            </a:solidFill>
-                            <a:latin typeface="Cambria Math" panose="02040503050406030204" pitchFamily="18" charset="0"/>
-                          </a:rPr>
-                          <m:t>1−</m:t>
-                        </m:r>
-                        <m:r>
-                          <a:rPr lang="pt-BR" b="0" i="1" smtClean="0">
-                            <a:solidFill>
-                              <a:schemeClr val="tx1"/>
-                            </a:solidFill>
-                            <a:latin typeface="Cambria Math" panose="02040503050406030204" pitchFamily="18" charset="0"/>
-                            <a:ea typeface="Cambria Math" panose="02040503050406030204" pitchFamily="18" charset="0"/>
-                          </a:rPr>
-                          <m:t>𝜑</m:t>
-                        </m:r>
-                      </m:den>
-                    </m:f>
-                  </m:oMath>
-                </a14:m>
-                <a:r>
-                  <a:rPr lang="pt-BR" dirty="0">
-                    <a:solidFill>
-                      <a:schemeClr val="tx1"/>
-                    </a:solidFill>
-                  </a:rPr>
-                  <a:t>. Por exemplo, </a:t>
-                </a:r>
-                <a14:m>
-                  <m:oMath xmlns:m="http://schemas.openxmlformats.org/officeDocument/2006/math">
-                    <m:r>
-                      <a:rPr lang="pt-BR" i="1">
-                        <a:solidFill>
-                          <a:schemeClr val="tx1"/>
-                        </a:solidFill>
-                        <a:latin typeface="Cambria Math" panose="02040503050406030204" pitchFamily="18" charset="0"/>
-                        <a:ea typeface="Cambria Math" panose="02040503050406030204" pitchFamily="18" charset="0"/>
-                      </a:rPr>
-                      <m:t>𝜑</m:t>
-                    </m:r>
-                    <m:r>
-                      <a:rPr lang="pt-BR">
-                        <a:solidFill>
-                          <a:schemeClr val="tx1"/>
-                        </a:solidFill>
-                        <a:latin typeface="Cambria Math" panose="02040503050406030204" pitchFamily="18" charset="0"/>
-                        <a:ea typeface="Cambria Math" panose="02040503050406030204" pitchFamily="18" charset="0"/>
-                      </a:rPr>
-                      <m:t>=0.9</m:t>
-                    </m:r>
-                  </m:oMath>
-                </a14:m>
-                <a:r>
-                  <a:rPr lang="pt-BR" dirty="0">
-                    <a:solidFill>
-                      <a:schemeClr val="tx1"/>
-                    </a:solidFill>
-                  </a:rPr>
-                  <a:t> corresponde à multiplicação da velocidade por 10 em relação ao algoritmo do gradiente descendente.</a:t>
-                </a:r>
-              </a:p>
-              <a:p>
-                <a:pPr lvl="1">
-                  <a:buFont typeface="Wingdings" panose="05000000000000000000" pitchFamily="2" charset="2"/>
-                  <a:buChar char="§"/>
-                </a:pPr>
-                <a:r>
-                  <a:rPr lang="pt-BR" dirty="0"/>
-                  <a:t>Valores típicos de </a:t>
-                </a:r>
-                <a14:m>
-                  <m:oMath xmlns:m="http://schemas.openxmlformats.org/officeDocument/2006/math">
-                    <m:r>
-                      <a:rPr lang="pt-BR" i="1">
-                        <a:latin typeface="Cambria Math" panose="02040503050406030204" pitchFamily="18" charset="0"/>
-                        <a:ea typeface="Cambria Math" panose="02040503050406030204" pitchFamily="18" charset="0"/>
-                      </a:rPr>
-                      <m:t>𝜑</m:t>
-                    </m:r>
-                  </m:oMath>
-                </a14:m>
-                <a:r>
-                  <a:rPr lang="pt-BR" dirty="0"/>
-                  <a:t> são 0.5, 0.9 e 0.99. </a:t>
-                </a:r>
-              </a:p>
-              <a:p>
-                <a:pPr lvl="1">
-                  <a:buFont typeface="Wingdings" panose="05000000000000000000" pitchFamily="2" charset="2"/>
-                  <a:buChar char="§"/>
-                </a:pPr>
-                <a:r>
-                  <a:rPr lang="pt-BR" dirty="0">
-                    <a:solidFill>
-                      <a:schemeClr val="tx1"/>
-                    </a:solidFill>
-                  </a:rPr>
-                  <a:t>Assim como a taxa de aprendizagem, </a:t>
-                </a:r>
-                <a14:m>
-                  <m:oMath xmlns:m="http://schemas.openxmlformats.org/officeDocument/2006/math">
-                    <m:r>
-                      <a:rPr lang="pt-BR" i="1">
-                        <a:solidFill>
-                          <a:schemeClr val="tx1"/>
-                        </a:solidFill>
-                        <a:latin typeface="Cambria Math" panose="02040503050406030204" pitchFamily="18" charset="0"/>
-                        <a:ea typeface="Cambria Math" panose="02040503050406030204" pitchFamily="18" charset="0"/>
-                      </a:rPr>
-                      <m:t>𝜑</m:t>
-                    </m:r>
-                  </m:oMath>
-                </a14:m>
-                <a:r>
-                  <a:rPr lang="pt-BR" dirty="0">
-                    <a:solidFill>
-                      <a:schemeClr val="tx1"/>
-                    </a:solidFill>
-                  </a:rPr>
-                  <a:t> também pode ser adaptado ao longo do tempo. Normalmente, ele começa com um valor </a:t>
-                </a:r>
-                <a:r>
-                  <a:rPr lang="pt-BR" dirty="0" smtClean="0">
-                    <a:solidFill>
-                      <a:schemeClr val="tx1"/>
-                    </a:solidFill>
-                  </a:rPr>
-                  <a:t>grande e </a:t>
-                </a:r>
-                <a:r>
-                  <a:rPr lang="pt-BR" dirty="0">
-                    <a:solidFill>
-                      <a:schemeClr val="tx1"/>
-                    </a:solidFill>
-                  </a:rPr>
-                  <a:t>é </a:t>
-                </a:r>
-                <a:r>
-                  <a:rPr lang="pt-BR" dirty="0" smtClean="0">
-                    <a:solidFill>
-                      <a:schemeClr val="tx1"/>
-                    </a:solidFill>
-                  </a:rPr>
-                  <a:t>diminuido posteriormente</a:t>
-                </a:r>
-                <a:r>
-                  <a:rPr lang="pt-BR" dirty="0">
-                    <a:solidFill>
-                      <a:schemeClr val="tx1"/>
-                    </a:solidFill>
-                  </a:rPr>
-                  <a:t>.</a:t>
-                </a:r>
+                <a:endParaRPr lang="pt-BR" dirty="0"/>
               </a:p>
             </p:txBody>
           </p:sp>
         </mc:Choice>
-        <mc:Fallback xmlns="">
+        <mc:Fallback>
           <p:sp>
             <p:nvSpPr>
               <p:cNvPr id="3" name="Content Placeholder 2"/>
@@ -6991,13 +7038,13 @@
             </p:nvSpPr>
             <p:spPr>
               <a:xfrm>
-                <a:off x="838200" y="1352029"/>
-                <a:ext cx="11184467" cy="5505972"/>
+                <a:off x="838198" y="1825625"/>
+                <a:ext cx="8596088" cy="5032375"/>
               </a:xfrm>
               <a:blipFill rotWithShape="0">
                 <a:blip r:embed="rId3"/>
                 <a:stretch>
-                  <a:fillRect l="-981" t="-2547" b="-1218"/>
+                  <a:fillRect l="-1205" t="-1937" r="-1701"/>
                 </a:stretch>
               </a:blipFill>
             </p:spPr>
@@ -7016,10 +7063,39 @@
           </p:sp>
         </mc:Fallback>
       </mc:AlternateContent>
+      <p:pic>
+        <p:nvPicPr>
+          <p:cNvPr id="4" name="Picture 3"/>
+          <p:cNvPicPr>
+            <a:picLocks noChangeAspect="1"/>
+          </p:cNvPicPr>
+          <p:nvPr/>
+        </p:nvPicPr>
+        <p:blipFill rotWithShape="1">
+          <a:blip r:embed="rId4">
+            <a:extLst>
+              <a:ext uri="{28A0092B-C50C-407E-A947-70E740481C1C}">
+                <a14:useLocalDpi xmlns:a14="http://schemas.microsoft.com/office/drawing/2010/main" val="0"/>
+              </a:ext>
+            </a:extLst>
+          </a:blip>
+          <a:srcRect r="1182"/>
+          <a:stretch/>
+        </p:blipFill>
+        <p:spPr>
+          <a:xfrm>
+            <a:off x="9381069" y="2115909"/>
+            <a:ext cx="2781903" cy="4444546"/>
+          </a:xfrm>
+          <a:prstGeom prst="rect">
+            <a:avLst/>
+          </a:prstGeom>
+        </p:spPr>
+      </p:pic>
     </p:spTree>
     <p:extLst>
       <p:ext uri="{BB962C8B-B14F-4D97-AF65-F5344CB8AC3E}">
-        <p14:creationId xmlns:p14="http://schemas.microsoft.com/office/powerpoint/2010/main" val="3972498125"/>
+        <p14:creationId xmlns:p14="http://schemas.microsoft.com/office/powerpoint/2010/main" val="1238154866"/>
       </p:ext>
     </p:extLst>
   </p:cSld>
@@ -7030,6 +7106,74 @@
 </file>
 
 <file path=ppt/slides/slide13.xml><?xml version="1.0" encoding="utf-8"?>
+<p:sld xmlns:a="http://schemas.openxmlformats.org/drawingml/2006/main" xmlns:r="http://schemas.openxmlformats.org/officeDocument/2006/relationships" xmlns:p="http://schemas.openxmlformats.org/presentationml/2006/main">
+  <p:cSld>
+    <p:spTree>
+      <p:nvGrpSpPr>
+        <p:cNvPr id="1" name=""/>
+        <p:cNvGrpSpPr/>
+        <p:nvPr/>
+      </p:nvGrpSpPr>
+      <p:grpSpPr>
+        <a:xfrm>
+          <a:off x="0" y="0"/>
+          <a:ext cx="0" cy="0"/>
+          <a:chOff x="0" y="0"/>
+          <a:chExt cx="0" cy="0"/>
+        </a:xfrm>
+      </p:grpSpPr>
+      <p:sp>
+        <p:nvSpPr>
+          <p:cNvPr id="2" name="Title 1"/>
+          <p:cNvSpPr>
+            <a:spLocks noGrp="1"/>
+          </p:cNvSpPr>
+          <p:nvPr>
+            <p:ph type="title"/>
+          </p:nvPr>
+        </p:nvSpPr>
+        <p:spPr/>
+        <p:txBody>
+          <a:bodyPr/>
+          <a:lstStyle/>
+          <a:p>
+            <a:endParaRPr lang="pt-BR"/>
+          </a:p>
+        </p:txBody>
+      </p:sp>
+      <p:sp>
+        <p:nvSpPr>
+          <p:cNvPr id="3" name="Content Placeholder 2"/>
+          <p:cNvSpPr>
+            <a:spLocks noGrp="1"/>
+          </p:cNvSpPr>
+          <p:nvPr>
+            <p:ph idx="1"/>
+          </p:nvPr>
+        </p:nvSpPr>
+        <p:spPr/>
+        <p:txBody>
+          <a:bodyPr/>
+          <a:lstStyle/>
+          <a:p>
+            <a:endParaRPr lang="pt-BR"/>
+          </a:p>
+        </p:txBody>
+      </p:sp>
+    </p:spTree>
+    <p:extLst>
+      <p:ext uri="{BB962C8B-B14F-4D97-AF65-F5344CB8AC3E}">
+        <p14:creationId xmlns:p14="http://schemas.microsoft.com/office/powerpoint/2010/main" val="3936233178"/>
+      </p:ext>
+    </p:extLst>
+  </p:cSld>
+  <p:clrMapOvr>
+    <a:masterClrMapping/>
+  </p:clrMapOvr>
+</p:sld>
+</file>
+
+<file path=ppt/slides/slide14.xml><?xml version="1.0" encoding="utf-8"?>
 <p:sld xmlns:a="http://schemas.openxmlformats.org/drawingml/2006/main" xmlns:r="http://schemas.openxmlformats.org/officeDocument/2006/relationships" xmlns:p="http://schemas.openxmlformats.org/presentationml/2006/main">
   <p:cSld>
     <p:spTree>
@@ -7323,218 +7467,6 @@
     <p:extLst>
       <p:ext uri="{BB962C8B-B14F-4D97-AF65-F5344CB8AC3E}">
         <p14:creationId xmlns:p14="http://schemas.microsoft.com/office/powerpoint/2010/main" val="2266778616"/>
-      </p:ext>
-    </p:extLst>
-  </p:cSld>
-  <p:clrMapOvr>
-    <a:masterClrMapping/>
-  </p:clrMapOvr>
-</p:sld>
-</file>
-
-<file path=ppt/slides/slide14.xml><?xml version="1.0" encoding="utf-8"?>
-<p:sld xmlns:a="http://schemas.openxmlformats.org/drawingml/2006/main" xmlns:r="http://schemas.openxmlformats.org/officeDocument/2006/relationships" xmlns:p="http://schemas.openxmlformats.org/presentationml/2006/main">
-  <p:cSld>
-    <p:spTree>
-      <p:nvGrpSpPr>
-        <p:cNvPr id="1" name=""/>
-        <p:cNvGrpSpPr/>
-        <p:nvPr/>
-      </p:nvGrpSpPr>
-      <p:grpSpPr>
-        <a:xfrm>
-          <a:off x="0" y="0"/>
-          <a:ext cx="0" cy="0"/>
-          <a:chOff x="0" y="0"/>
-          <a:chExt cx="0" cy="0"/>
-        </a:xfrm>
-      </p:grpSpPr>
-      <p:sp>
-        <p:nvSpPr>
-          <p:cNvPr id="2" name="Title 1"/>
-          <p:cNvSpPr>
-            <a:spLocks noGrp="1"/>
-          </p:cNvSpPr>
-          <p:nvPr>
-            <p:ph type="title"/>
-          </p:nvPr>
-        </p:nvSpPr>
-        <p:spPr/>
-        <p:txBody>
-          <a:bodyPr/>
-          <a:lstStyle/>
-          <a:p>
-            <a:r>
-              <a:rPr lang="pt-BR" dirty="0"/>
-              <a:t>Inicialização dos Pesos</a:t>
-            </a:r>
-          </a:p>
-        </p:txBody>
-      </p:sp>
-      <p:sp>
-        <p:nvSpPr>
-          <p:cNvPr id="3" name="Content Placeholder 2"/>
-          <p:cNvSpPr>
-            <a:spLocks noGrp="1"/>
-          </p:cNvSpPr>
-          <p:nvPr>
-            <p:ph idx="1"/>
-          </p:nvPr>
-        </p:nvSpPr>
-        <p:spPr>
-          <a:xfrm>
-            <a:off x="838200" y="1825624"/>
-            <a:ext cx="11150600" cy="5032376"/>
-          </a:xfrm>
-        </p:spPr>
-        <p:txBody>
-          <a:bodyPr>
-            <a:normAutofit fontScale="92500" lnSpcReduction="10000"/>
-          </a:bodyPr>
-          <a:lstStyle/>
-          <a:p>
-            <a:r>
-              <a:rPr lang="pt-BR" dirty="0"/>
-              <a:t>Uma vez que os métodos de treinamento de </a:t>
-            </a:r>
-            <a:r>
-              <a:rPr lang="pt-BR" b="1" i="1" dirty="0"/>
-              <a:t>redes neurais MLP </a:t>
-            </a:r>
-            <a:r>
-              <a:rPr lang="pt-BR" dirty="0"/>
-              <a:t>são iterativos, eles dependem de uma </a:t>
-            </a:r>
-            <a:r>
-              <a:rPr lang="pt-BR" b="1" i="1" dirty="0"/>
-              <a:t>inicialização dos pesos</a:t>
-            </a:r>
-            <a:r>
-              <a:rPr lang="pt-BR" dirty="0"/>
-              <a:t>. </a:t>
-            </a:r>
-          </a:p>
-          <a:p>
-            <a:r>
-              <a:rPr lang="pt-BR" dirty="0"/>
-              <a:t>Como os métodos são de </a:t>
-            </a:r>
-            <a:r>
-              <a:rPr lang="pt-BR" b="1" i="1" dirty="0"/>
-              <a:t>busca local</a:t>
-            </a:r>
-            <a:r>
-              <a:rPr lang="pt-BR" dirty="0"/>
-              <a:t>, a inicialização pode afetar drasticamente a qualidade da solução obtida.</a:t>
-            </a:r>
-          </a:p>
-          <a:p>
-            <a:r>
-              <a:rPr lang="pt-BR" dirty="0"/>
-              <a:t>O </a:t>
-            </a:r>
-            <a:r>
-              <a:rPr lang="pt-BR" b="1" i="1" dirty="0"/>
-              <a:t>ponto de inicialização </a:t>
-            </a:r>
-            <a:r>
-              <a:rPr lang="pt-BR" dirty="0"/>
-              <a:t>pode determinar se o algoritmo converge, sendo alguns pontos iniciais tão instáveis que o algoritmo encontra dificuldades numéricas e falha completamente em convergir.</a:t>
-            </a:r>
-          </a:p>
-          <a:p>
-            <a:r>
-              <a:rPr lang="pt-BR" dirty="0"/>
-              <a:t>Também pode haver variações expressivas na </a:t>
-            </a:r>
-            <a:r>
-              <a:rPr lang="pt-BR" b="1" i="1" dirty="0"/>
-              <a:t>velocidade de convergência</a:t>
-            </a:r>
-            <a:r>
-              <a:rPr lang="pt-BR" dirty="0"/>
-              <a:t>.</a:t>
-            </a:r>
-          </a:p>
-          <a:p>
-            <a:r>
-              <a:rPr lang="pt-BR" dirty="0"/>
-              <a:t>Um ponto importante da inicialização é “</a:t>
-            </a:r>
-            <a:r>
-              <a:rPr lang="pt-BR" b="1" i="1" dirty="0"/>
-              <a:t>quebrar a simetria</a:t>
-            </a:r>
-            <a:r>
-              <a:rPr lang="pt-BR" dirty="0"/>
-              <a:t>” entre os </a:t>
-            </a:r>
-            <a:r>
-              <a:rPr lang="pt-BR" b="1" i="1" dirty="0"/>
-              <a:t>nós</a:t>
-            </a:r>
-            <a:r>
-              <a:rPr lang="pt-BR" dirty="0"/>
-              <a:t>, ou seja, se dois </a:t>
-            </a:r>
-            <a:r>
-              <a:rPr lang="pt-BR" b="1" i="1" dirty="0"/>
-              <a:t>nós</a:t>
-            </a:r>
-            <a:r>
-              <a:rPr lang="pt-BR" dirty="0"/>
-              <a:t> ocultos (i.e., </a:t>
-            </a:r>
-            <a:r>
-              <a:rPr lang="pt-BR" b="1" i="1" dirty="0"/>
-              <a:t>nós</a:t>
-            </a:r>
-            <a:r>
-              <a:rPr lang="pt-BR" dirty="0"/>
-              <a:t> de camadas ocultas) com a mesma </a:t>
-            </a:r>
-            <a:r>
-              <a:rPr lang="pt-BR" b="1" i="1" dirty="0"/>
-              <a:t>função de ativação </a:t>
-            </a:r>
-            <a:r>
-              <a:rPr lang="pt-BR" dirty="0"/>
-              <a:t>estiverem conectados às mesmas entradas, esses </a:t>
-            </a:r>
-            <a:r>
-              <a:rPr lang="pt-BR" b="1" i="1" dirty="0"/>
-              <a:t>nós</a:t>
-            </a:r>
-            <a:r>
-              <a:rPr lang="pt-BR" dirty="0"/>
-              <a:t> deverão ter pesos iniciais diferentes. </a:t>
-            </a:r>
-            <a:endParaRPr lang="pt-BR" dirty="0" smtClean="0"/>
-          </a:p>
-          <a:p>
-            <a:r>
-              <a:rPr lang="pt-BR" dirty="0" smtClean="0"/>
-              <a:t>Isso</a:t>
-            </a:r>
-            <a:r>
-              <a:rPr lang="pt-BR" dirty="0"/>
-              <a:t>, portanto, sugere uma </a:t>
-            </a:r>
-            <a:r>
-              <a:rPr lang="pt-BR" b="1" i="1" dirty="0"/>
-              <a:t>abordagem aleatória</a:t>
-            </a:r>
-            <a:r>
-              <a:rPr lang="pt-BR" dirty="0"/>
-              <a:t>.</a:t>
-            </a:r>
-          </a:p>
-        </p:txBody>
-      </p:sp>
-    </p:spTree>
-    <p:extLst>
-      <p:ext uri="{BB962C8B-B14F-4D97-AF65-F5344CB8AC3E}">
-        <p14:creationId xmlns:p14="http://schemas.microsoft.com/office/powerpoint/2010/main" val="3992928782"/>
       </p:ext>
     </p:extLst>
   </p:cSld>
@@ -7595,6 +7527,218 @@
         </p:nvSpPr>
         <p:spPr>
           <a:xfrm>
+            <a:off x="838200" y="1825624"/>
+            <a:ext cx="11150600" cy="5032376"/>
+          </a:xfrm>
+        </p:spPr>
+        <p:txBody>
+          <a:bodyPr>
+            <a:normAutofit fontScale="92500" lnSpcReduction="10000"/>
+          </a:bodyPr>
+          <a:lstStyle/>
+          <a:p>
+            <a:r>
+              <a:rPr lang="pt-BR" dirty="0"/>
+              <a:t>Uma vez que os métodos de treinamento de </a:t>
+            </a:r>
+            <a:r>
+              <a:rPr lang="pt-BR" b="1" i="1" dirty="0"/>
+              <a:t>redes neurais MLP </a:t>
+            </a:r>
+            <a:r>
+              <a:rPr lang="pt-BR" dirty="0"/>
+              <a:t>são iterativos, eles dependem de uma </a:t>
+            </a:r>
+            <a:r>
+              <a:rPr lang="pt-BR" b="1" i="1" dirty="0"/>
+              <a:t>inicialização dos pesos</a:t>
+            </a:r>
+            <a:r>
+              <a:rPr lang="pt-BR" dirty="0"/>
+              <a:t>. </a:t>
+            </a:r>
+          </a:p>
+          <a:p>
+            <a:r>
+              <a:rPr lang="pt-BR" dirty="0"/>
+              <a:t>Como os métodos são de </a:t>
+            </a:r>
+            <a:r>
+              <a:rPr lang="pt-BR" b="1" i="1" dirty="0"/>
+              <a:t>busca local</a:t>
+            </a:r>
+            <a:r>
+              <a:rPr lang="pt-BR" dirty="0"/>
+              <a:t>, a inicialização pode afetar drasticamente a qualidade da solução obtida.</a:t>
+            </a:r>
+          </a:p>
+          <a:p>
+            <a:r>
+              <a:rPr lang="pt-BR" dirty="0"/>
+              <a:t>O </a:t>
+            </a:r>
+            <a:r>
+              <a:rPr lang="pt-BR" b="1" i="1" dirty="0"/>
+              <a:t>ponto de inicialização </a:t>
+            </a:r>
+            <a:r>
+              <a:rPr lang="pt-BR" dirty="0"/>
+              <a:t>pode determinar se o algoritmo converge, sendo alguns pontos iniciais tão instáveis que o algoritmo encontra dificuldades numéricas e falha completamente em convergir.</a:t>
+            </a:r>
+          </a:p>
+          <a:p>
+            <a:r>
+              <a:rPr lang="pt-BR" dirty="0"/>
+              <a:t>Também pode haver variações expressivas na </a:t>
+            </a:r>
+            <a:r>
+              <a:rPr lang="pt-BR" b="1" i="1" dirty="0"/>
+              <a:t>velocidade de convergência</a:t>
+            </a:r>
+            <a:r>
+              <a:rPr lang="pt-BR" dirty="0"/>
+              <a:t>.</a:t>
+            </a:r>
+          </a:p>
+          <a:p>
+            <a:r>
+              <a:rPr lang="pt-BR" dirty="0"/>
+              <a:t>Um ponto importante da inicialização é “</a:t>
+            </a:r>
+            <a:r>
+              <a:rPr lang="pt-BR" b="1" i="1" dirty="0"/>
+              <a:t>quebrar a simetria</a:t>
+            </a:r>
+            <a:r>
+              <a:rPr lang="pt-BR" dirty="0"/>
+              <a:t>” entre os </a:t>
+            </a:r>
+            <a:r>
+              <a:rPr lang="pt-BR" b="1" i="1" dirty="0"/>
+              <a:t>nós</a:t>
+            </a:r>
+            <a:r>
+              <a:rPr lang="pt-BR" dirty="0"/>
+              <a:t>, ou seja, se dois </a:t>
+            </a:r>
+            <a:r>
+              <a:rPr lang="pt-BR" b="1" i="1" dirty="0"/>
+              <a:t>nós</a:t>
+            </a:r>
+            <a:r>
+              <a:rPr lang="pt-BR" dirty="0"/>
+              <a:t> ocultos (i.e., </a:t>
+            </a:r>
+            <a:r>
+              <a:rPr lang="pt-BR" b="1" i="1" dirty="0"/>
+              <a:t>nós</a:t>
+            </a:r>
+            <a:r>
+              <a:rPr lang="pt-BR" dirty="0"/>
+              <a:t> de camadas ocultas) com a mesma </a:t>
+            </a:r>
+            <a:r>
+              <a:rPr lang="pt-BR" b="1" i="1" dirty="0"/>
+              <a:t>função de ativação </a:t>
+            </a:r>
+            <a:r>
+              <a:rPr lang="pt-BR" dirty="0"/>
+              <a:t>estiverem conectados às mesmas entradas, esses </a:t>
+            </a:r>
+            <a:r>
+              <a:rPr lang="pt-BR" b="1" i="1" dirty="0"/>
+              <a:t>nós</a:t>
+            </a:r>
+            <a:r>
+              <a:rPr lang="pt-BR" dirty="0"/>
+              <a:t> deverão ter pesos iniciais diferentes. </a:t>
+            </a:r>
+            <a:endParaRPr lang="pt-BR" dirty="0" smtClean="0"/>
+          </a:p>
+          <a:p>
+            <a:r>
+              <a:rPr lang="pt-BR" dirty="0" smtClean="0"/>
+              <a:t>Isso</a:t>
+            </a:r>
+            <a:r>
+              <a:rPr lang="pt-BR" dirty="0"/>
+              <a:t>, portanto, sugere uma </a:t>
+            </a:r>
+            <a:r>
+              <a:rPr lang="pt-BR" b="1" i="1" dirty="0"/>
+              <a:t>abordagem aleatória</a:t>
+            </a:r>
+            <a:r>
+              <a:rPr lang="pt-BR" dirty="0"/>
+              <a:t>.</a:t>
+            </a:r>
+          </a:p>
+        </p:txBody>
+      </p:sp>
+    </p:spTree>
+    <p:extLst>
+      <p:ext uri="{BB962C8B-B14F-4D97-AF65-F5344CB8AC3E}">
+        <p14:creationId xmlns:p14="http://schemas.microsoft.com/office/powerpoint/2010/main" val="3992928782"/>
+      </p:ext>
+    </p:extLst>
+  </p:cSld>
+  <p:clrMapOvr>
+    <a:masterClrMapping/>
+  </p:clrMapOvr>
+</p:sld>
+</file>
+
+<file path=ppt/slides/slide16.xml><?xml version="1.0" encoding="utf-8"?>
+<p:sld xmlns:a="http://schemas.openxmlformats.org/drawingml/2006/main" xmlns:r="http://schemas.openxmlformats.org/officeDocument/2006/relationships" xmlns:p="http://schemas.openxmlformats.org/presentationml/2006/main">
+  <p:cSld>
+    <p:spTree>
+      <p:nvGrpSpPr>
+        <p:cNvPr id="1" name=""/>
+        <p:cNvGrpSpPr/>
+        <p:nvPr/>
+      </p:nvGrpSpPr>
+      <p:grpSpPr>
+        <a:xfrm>
+          <a:off x="0" y="0"/>
+          <a:ext cx="0" cy="0"/>
+          <a:chOff x="0" y="0"/>
+          <a:chExt cx="0" cy="0"/>
+        </a:xfrm>
+      </p:grpSpPr>
+      <p:sp>
+        <p:nvSpPr>
+          <p:cNvPr id="2" name="Title 1"/>
+          <p:cNvSpPr>
+            <a:spLocks noGrp="1"/>
+          </p:cNvSpPr>
+          <p:nvPr>
+            <p:ph type="title"/>
+          </p:nvPr>
+        </p:nvSpPr>
+        <p:spPr/>
+        <p:txBody>
+          <a:bodyPr/>
+          <a:lstStyle/>
+          <a:p>
+            <a:r>
+              <a:rPr lang="pt-BR" dirty="0"/>
+              <a:t>Inicialização dos Pesos</a:t>
+            </a:r>
+          </a:p>
+        </p:txBody>
+      </p:sp>
+      <p:sp>
+        <p:nvSpPr>
+          <p:cNvPr id="3" name="Content Placeholder 2"/>
+          <p:cNvSpPr>
+            <a:spLocks noGrp="1"/>
+          </p:cNvSpPr>
+          <p:nvPr>
+            <p:ph idx="1"/>
+          </p:nvPr>
+        </p:nvSpPr>
+        <p:spPr>
+          <a:xfrm>
             <a:off x="838199" y="1825625"/>
             <a:ext cx="11133667" cy="4693708"/>
           </a:xfrm>
@@ -7722,7 +7866,7 @@
 </p:sld>
 </file>
 
-<file path=ppt/slides/slide16.xml><?xml version="1.0" encoding="utf-8"?>
+<file path=ppt/slides/slide17.xml><?xml version="1.0" encoding="utf-8"?>
 <p:sld xmlns:a="http://schemas.openxmlformats.org/drawingml/2006/main" xmlns:r="http://schemas.openxmlformats.org/officeDocument/2006/relationships" xmlns:p="http://schemas.openxmlformats.org/presentationml/2006/main">
   <p:cSld>
     <p:spTree>
@@ -8374,7 +8518,7 @@
 </p:sld>
 </file>
 
-<file path=ppt/slides/slide17.xml><?xml version="1.0" encoding="utf-8"?>
+<file path=ppt/slides/slide18.xml><?xml version="1.0" encoding="utf-8"?>
 <p:sld xmlns:a="http://schemas.openxmlformats.org/drawingml/2006/main" xmlns:r="http://schemas.openxmlformats.org/officeDocument/2006/relationships" xmlns:p="http://schemas.openxmlformats.org/presentationml/2006/main">
   <p:cSld>
     <p:spTree>
@@ -8549,7 +8693,7 @@
 </p:sld>
 </file>
 
-<file path=ppt/slides/slide18.xml><?xml version="1.0" encoding="utf-8"?>
+<file path=ppt/slides/slide19.xml><?xml version="1.0" encoding="utf-8"?>
 <p:sld xmlns:a="http://schemas.openxmlformats.org/drawingml/2006/main" xmlns:r="http://schemas.openxmlformats.org/officeDocument/2006/relationships" xmlns:p="http://schemas.openxmlformats.org/presentationml/2006/main">
   <p:cSld>
     <p:spTree>
@@ -12456,7 +12600,142 @@
 </p:sld>
 </file>
 
-<file path=ppt/slides/slide19.xml><?xml version="1.0" encoding="utf-8"?>
+<file path=ppt/slides/slide2.xml><?xml version="1.0" encoding="utf-8"?>
+<p:sld xmlns:a="http://schemas.openxmlformats.org/drawingml/2006/main" xmlns:r="http://schemas.openxmlformats.org/officeDocument/2006/relationships" xmlns:p="http://schemas.openxmlformats.org/presentationml/2006/main">
+  <p:cSld>
+    <p:spTree>
+      <p:nvGrpSpPr>
+        <p:cNvPr id="1" name=""/>
+        <p:cNvGrpSpPr/>
+        <p:nvPr/>
+      </p:nvGrpSpPr>
+      <p:grpSpPr>
+        <a:xfrm>
+          <a:off x="0" y="0"/>
+          <a:ext cx="0" cy="0"/>
+          <a:chOff x="0" y="0"/>
+          <a:chExt cx="0" cy="0"/>
+        </a:xfrm>
+      </p:grpSpPr>
+      <p:sp>
+        <p:nvSpPr>
+          <p:cNvPr id="2" name="Title 1"/>
+          <p:cNvSpPr>
+            <a:spLocks noGrp="1"/>
+          </p:cNvSpPr>
+          <p:nvPr>
+            <p:ph type="title"/>
+          </p:nvPr>
+        </p:nvSpPr>
+        <p:spPr/>
+        <p:txBody>
+          <a:bodyPr/>
+          <a:lstStyle/>
+          <a:p>
+            <a:r>
+              <a:rPr lang="pt-BR" dirty="0" smtClean="0"/>
+              <a:t>Recapitulando</a:t>
+            </a:r>
+            <a:endParaRPr lang="pt-BR" dirty="0"/>
+          </a:p>
+        </p:txBody>
+      </p:sp>
+      <p:sp>
+        <p:nvSpPr>
+          <p:cNvPr id="3" name="Content Placeholder 2"/>
+          <p:cNvSpPr>
+            <a:spLocks noGrp="1"/>
+          </p:cNvSpPr>
+          <p:nvPr>
+            <p:ph idx="1"/>
+          </p:nvPr>
+        </p:nvSpPr>
+        <p:spPr>
+          <a:xfrm>
+            <a:off x="838199" y="1825624"/>
+            <a:ext cx="10994409" cy="5032376"/>
+          </a:xfrm>
+        </p:spPr>
+        <p:txBody>
+          <a:bodyPr>
+            <a:normAutofit/>
+          </a:bodyPr>
+          <a:lstStyle/>
+          <a:p>
+            <a:r>
+              <a:rPr lang="pt-BR" dirty="0" smtClean="0"/>
+              <a:t>Na última aula, aprendemos como as redes neurais aprendem.</a:t>
+            </a:r>
+          </a:p>
+          <a:p>
+            <a:r>
+              <a:rPr lang="pt-BR" dirty="0" smtClean="0"/>
+              <a:t>Vimos que isso é feito através da minimização de uma função de custo.</a:t>
+            </a:r>
+          </a:p>
+          <a:p>
+            <a:r>
+              <a:rPr lang="pt-BR" dirty="0" smtClean="0"/>
+              <a:t>Aprendemos qu a minimização é realizada iterativamente com a retropropagação do erro.</a:t>
+            </a:r>
+          </a:p>
+          <a:p>
+            <a:r>
+              <a:rPr lang="pt-BR" dirty="0" smtClean="0"/>
+              <a:t>Analisamos como a </a:t>
+            </a:r>
+            <a:r>
+              <a:rPr lang="pt-BR" dirty="0"/>
+              <a:t>retropropagação </a:t>
+            </a:r>
+            <a:r>
+              <a:rPr lang="pt-BR" dirty="0" smtClean="0"/>
+              <a:t>funciona através de um exemplo.</a:t>
+            </a:r>
+          </a:p>
+          <a:p>
+            <a:r>
+              <a:rPr lang="pt-BR" dirty="0"/>
+              <a:t>Nesta </a:t>
+            </a:r>
+            <a:r>
+              <a:rPr lang="pt-BR" dirty="0" smtClean="0"/>
+              <a:t>aula</a:t>
+            </a:r>
+            <a:r>
+              <a:rPr lang="pt-BR" dirty="0"/>
+              <a:t>, </a:t>
+            </a:r>
+            <a:r>
+              <a:rPr lang="pt-BR" dirty="0" smtClean="0"/>
+              <a:t>iremos discutir algumas </a:t>
+            </a:r>
+            <a:r>
+              <a:rPr lang="pt-BR" dirty="0"/>
+              <a:t>visões práticas de algoritmos de </a:t>
+            </a:r>
+            <a:r>
+              <a:rPr lang="pt-BR" dirty="0" smtClean="0"/>
+              <a:t>aprendizado para redes neurais.</a:t>
+            </a:r>
+            <a:endParaRPr lang="pt-BR" dirty="0" smtClean="0"/>
+          </a:p>
+        </p:txBody>
+      </p:sp>
+    </p:spTree>
+    <p:extLst>
+      <p:ext uri="{BB962C8B-B14F-4D97-AF65-F5344CB8AC3E}">
+        <p14:creationId xmlns:p14="http://schemas.microsoft.com/office/powerpoint/2010/main" val="3946202173"/>
+      </p:ext>
+    </p:extLst>
+  </p:cSld>
+  <p:clrMapOvr>
+    <a:masterClrMapping/>
+  </p:clrMapOvr>
+</p:sld>
+</file>
+
+<file path=ppt/slides/slide20.xml><?xml version="1.0" encoding="utf-8"?>
 <p:sld xmlns:a="http://schemas.openxmlformats.org/drawingml/2006/main" xmlns:r="http://schemas.openxmlformats.org/officeDocument/2006/relationships" xmlns:p="http://schemas.openxmlformats.org/presentationml/2006/main">
   <p:cSld>
     <p:spTree>
@@ -16084,153 +16363,6 @@
 </p:sld>
 </file>
 
-<file path=ppt/slides/slide2.xml><?xml version="1.0" encoding="utf-8"?>
-<p:sld xmlns:a="http://schemas.openxmlformats.org/drawingml/2006/main" xmlns:r="http://schemas.openxmlformats.org/officeDocument/2006/relationships" xmlns:p="http://schemas.openxmlformats.org/presentationml/2006/main">
-  <p:cSld>
-    <p:spTree>
-      <p:nvGrpSpPr>
-        <p:cNvPr id="1" name=""/>
-        <p:cNvGrpSpPr/>
-        <p:nvPr/>
-      </p:nvGrpSpPr>
-      <p:grpSpPr>
-        <a:xfrm>
-          <a:off x="0" y="0"/>
-          <a:ext cx="0" cy="0"/>
-          <a:chOff x="0" y="0"/>
-          <a:chExt cx="0" cy="0"/>
-        </a:xfrm>
-      </p:grpSpPr>
-      <p:sp>
-        <p:nvSpPr>
-          <p:cNvPr id="2" name="Title 1"/>
-          <p:cNvSpPr>
-            <a:spLocks noGrp="1"/>
-          </p:cNvSpPr>
-          <p:nvPr>
-            <p:ph type="title"/>
-          </p:nvPr>
-        </p:nvSpPr>
-        <p:spPr/>
-        <p:txBody>
-          <a:bodyPr/>
-          <a:lstStyle/>
-          <a:p>
-            <a:r>
-              <a:rPr lang="pt-BR" dirty="0" smtClean="0"/>
-              <a:t>Recapitulando</a:t>
-            </a:r>
-            <a:endParaRPr lang="pt-BR" dirty="0"/>
-          </a:p>
-        </p:txBody>
-      </p:sp>
-      <p:sp>
-        <p:nvSpPr>
-          <p:cNvPr id="3" name="Content Placeholder 2"/>
-          <p:cNvSpPr>
-            <a:spLocks noGrp="1"/>
-          </p:cNvSpPr>
-          <p:nvPr>
-            <p:ph idx="1"/>
-          </p:nvPr>
-        </p:nvSpPr>
-        <p:spPr>
-          <a:xfrm>
-            <a:off x="838199" y="1825624"/>
-            <a:ext cx="10994409" cy="5032376"/>
-          </a:xfrm>
-        </p:spPr>
-        <p:txBody>
-          <a:bodyPr>
-            <a:normAutofit/>
-          </a:bodyPr>
-          <a:lstStyle/>
-          <a:p>
-            <a:endParaRPr lang="pt-BR" dirty="0" smtClean="0"/>
-          </a:p>
-        </p:txBody>
-      </p:sp>
-    </p:spTree>
-    <p:extLst>
-      <p:ext uri="{BB962C8B-B14F-4D97-AF65-F5344CB8AC3E}">
-        <p14:creationId xmlns:p14="http://schemas.microsoft.com/office/powerpoint/2010/main" val="3946202173"/>
-      </p:ext>
-    </p:extLst>
-  </p:cSld>
-  <p:clrMapOvr>
-    <a:masterClrMapping/>
-  </p:clrMapOvr>
-</p:sld>
-</file>
-
-<file path=ppt/slides/slide20.xml><?xml version="1.0" encoding="utf-8"?>
-<p:sld xmlns:a="http://schemas.openxmlformats.org/drawingml/2006/main" xmlns:r="http://schemas.openxmlformats.org/officeDocument/2006/relationships" xmlns:p="http://schemas.openxmlformats.org/presentationml/2006/main">
-  <p:cSld>
-    <p:spTree>
-      <p:nvGrpSpPr>
-        <p:cNvPr id="1" name=""/>
-        <p:cNvGrpSpPr/>
-        <p:nvPr/>
-      </p:nvGrpSpPr>
-      <p:grpSpPr>
-        <a:xfrm>
-          <a:off x="0" y="0"/>
-          <a:ext cx="0" cy="0"/>
-          <a:chOff x="0" y="0"/>
-          <a:chExt cx="0" cy="0"/>
-        </a:xfrm>
-      </p:grpSpPr>
-      <p:sp>
-        <p:nvSpPr>
-          <p:cNvPr id="2" name="Title 1"/>
-          <p:cNvSpPr>
-            <a:spLocks noGrp="1"/>
-          </p:cNvSpPr>
-          <p:nvPr>
-            <p:ph type="title"/>
-          </p:nvPr>
-        </p:nvSpPr>
-        <p:spPr/>
-        <p:txBody>
-          <a:bodyPr/>
-          <a:lstStyle/>
-          <a:p>
-            <a:endParaRPr lang="pt-BR"/>
-          </a:p>
-        </p:txBody>
-      </p:sp>
-      <p:sp>
-        <p:nvSpPr>
-          <p:cNvPr id="3" name="Content Placeholder 2"/>
-          <p:cNvSpPr>
-            <a:spLocks noGrp="1"/>
-          </p:cNvSpPr>
-          <p:nvPr>
-            <p:ph idx="1"/>
-          </p:nvPr>
-        </p:nvSpPr>
-        <p:spPr/>
-        <p:txBody>
-          <a:bodyPr/>
-          <a:lstStyle/>
-          <a:p>
-            <a:endParaRPr lang="pt-BR"/>
-          </a:p>
-        </p:txBody>
-      </p:sp>
-    </p:spTree>
-    <p:extLst>
-      <p:ext uri="{BB962C8B-B14F-4D97-AF65-F5344CB8AC3E}">
-        <p14:creationId xmlns:p14="http://schemas.microsoft.com/office/powerpoint/2010/main" val="3247495193"/>
-      </p:ext>
-    </p:extLst>
-  </p:cSld>
-  <p:clrMapOvr>
-    <a:masterClrMapping/>
-  </p:clrMapOvr>
-</p:sld>
-</file>
-
 <file path=ppt/slides/slide21.xml><?xml version="1.0" encoding="utf-8"?>
 <p:sld xmlns:a="http://schemas.openxmlformats.org/drawingml/2006/main" xmlns:r="http://schemas.openxmlformats.org/officeDocument/2006/relationships" xmlns:p="http://schemas.openxmlformats.org/presentationml/2006/main">
   <p:cSld>
@@ -16263,6 +16395,74 @@
           <a:bodyPr/>
           <a:lstStyle/>
           <a:p>
+            <a:endParaRPr lang="pt-BR"/>
+          </a:p>
+        </p:txBody>
+      </p:sp>
+      <p:sp>
+        <p:nvSpPr>
+          <p:cNvPr id="3" name="Content Placeholder 2"/>
+          <p:cNvSpPr>
+            <a:spLocks noGrp="1"/>
+          </p:cNvSpPr>
+          <p:nvPr>
+            <p:ph idx="1"/>
+          </p:nvPr>
+        </p:nvSpPr>
+        <p:spPr/>
+        <p:txBody>
+          <a:bodyPr/>
+          <a:lstStyle/>
+          <a:p>
+            <a:endParaRPr lang="pt-BR"/>
+          </a:p>
+        </p:txBody>
+      </p:sp>
+    </p:spTree>
+    <p:extLst>
+      <p:ext uri="{BB962C8B-B14F-4D97-AF65-F5344CB8AC3E}">
+        <p14:creationId xmlns:p14="http://schemas.microsoft.com/office/powerpoint/2010/main" val="3247495193"/>
+      </p:ext>
+    </p:extLst>
+  </p:cSld>
+  <p:clrMapOvr>
+    <a:masterClrMapping/>
+  </p:clrMapOvr>
+</p:sld>
+</file>
+
+<file path=ppt/slides/slide22.xml><?xml version="1.0" encoding="utf-8"?>
+<p:sld xmlns:a="http://schemas.openxmlformats.org/drawingml/2006/main" xmlns:r="http://schemas.openxmlformats.org/officeDocument/2006/relationships" xmlns:p="http://schemas.openxmlformats.org/presentationml/2006/main">
+  <p:cSld>
+    <p:spTree>
+      <p:nvGrpSpPr>
+        <p:cNvPr id="1" name=""/>
+        <p:cNvGrpSpPr/>
+        <p:nvPr/>
+      </p:nvGrpSpPr>
+      <p:grpSpPr>
+        <a:xfrm>
+          <a:off x="0" y="0"/>
+          <a:ext cx="0" cy="0"/>
+          <a:chOff x="0" y="0"/>
+          <a:chExt cx="0" cy="0"/>
+        </a:xfrm>
+      </p:grpSpPr>
+      <p:sp>
+        <p:nvSpPr>
+          <p:cNvPr id="2" name="Title 1"/>
+          <p:cNvSpPr>
+            <a:spLocks noGrp="1"/>
+          </p:cNvSpPr>
+          <p:nvPr>
+            <p:ph type="title"/>
+          </p:nvPr>
+        </p:nvSpPr>
+        <p:spPr/>
+        <p:txBody>
+          <a:bodyPr/>
+          <a:lstStyle/>
+          <a:p>
             <a:r>
               <a:rPr lang="pt-BR" dirty="0" smtClean="0"/>
               <a:t>Tarefas</a:t>
@@ -16301,11 +16501,23 @@
             </a:r>
             <a:r>
               <a:rPr lang="pt-BR" i="1" dirty="0" smtClean="0"/>
-              <a:t>T320 - Quiz – Redes Neurais Artificiais (Parte III)</a:t>
+              <a:t>T320 - Quiz – Redes Neurais Artificiais </a:t>
+            </a:r>
+            <a:r>
+              <a:rPr lang="pt-BR" i="1" dirty="0"/>
+              <a:t>(Parte </a:t>
+            </a:r>
+            <a:r>
+              <a:rPr lang="pt-BR" i="1" dirty="0" smtClean="0"/>
+              <a:t>VII)</a:t>
             </a:r>
             <a:r>
               <a:rPr lang="pt-BR" dirty="0" smtClean="0"/>
-              <a:t>” que se encontra no MS Teams.</a:t>
+              <a:t>” </a:t>
+            </a:r>
+            <a:r>
+              <a:rPr lang="pt-BR" dirty="0" smtClean="0"/>
+              <a:t>que se encontra no MS Teams.</a:t>
             </a:r>
           </a:p>
           <a:p>
@@ -16321,18 +16533,25 @@
               <a:rPr lang="pt-BR" b="1" dirty="0" smtClean="0">
                 <a:hlinkClick r:id="rId3"/>
               </a:rPr>
-              <a:t>Laboratório #</a:t>
+              <a:t>Laboratório </a:t>
+            </a:r>
+            <a:r>
+              <a:rPr lang="pt-BR" b="1" dirty="0" smtClean="0">
+                <a:hlinkClick r:id="rId3"/>
+              </a:rPr>
+              <a:t>#</a:t>
             </a:r>
             <a:r>
               <a:rPr lang="pt-BR" b="1" dirty="0">
                 <a:hlinkClick r:id="rId3"/>
               </a:rPr>
-              <a:t>7</a:t>
+              <a:t>9</a:t>
             </a:r>
             <a:r>
               <a:rPr lang="pt-BR" dirty="0" smtClean="0"/>
               <a:t>.</a:t>
             </a:r>
+            <a:endParaRPr lang="pt-BR" dirty="0" smtClean="0"/>
           </a:p>
           <a:p>
             <a:pPr lvl="1"/>
@@ -16418,7 +16637,7 @@
 </p:sld>
 </file>
 
-<file path=ppt/slides/slide22.xml><?xml version="1.0" encoding="utf-8"?>
+<file path=ppt/slides/slide23.xml><?xml version="1.0" encoding="utf-8"?>
 <p:sld xmlns:a="http://schemas.openxmlformats.org/drawingml/2006/main" xmlns:r="http://schemas.openxmlformats.org/officeDocument/2006/relationships" xmlns:p="http://schemas.openxmlformats.org/presentationml/2006/main">
   <p:cSld>
     <p:spTree>
@@ -16440,7 +16659,7 @@
           <p:cNvPr id="4" name="Título 1">
             <a:extLst>
               <a:ext uri="{FF2B5EF4-FFF2-40B4-BE49-F238E27FC236}">
-                <a16:creationId xmlns="" xmlns:a16="http://schemas.microsoft.com/office/drawing/2014/main" id="{32666AC8-2E17-4DB4-B0F5-60C640CCFD2E}"/>
+                <a16:creationId xmlns:a16="http://schemas.microsoft.com/office/drawing/2014/main" xmlns="" id="{32666AC8-2E17-4DB4-B0F5-60C640CCFD2E}"/>
               </a:ext>
             </a:extLst>
           </p:cNvPr>
@@ -16503,7 +16722,7 @@
 </p:sld>
 </file>
 
-<file path=ppt/slides/slide23.xml><?xml version="1.0" encoding="utf-8"?>
+<file path=ppt/slides/slide24.xml><?xml version="1.0" encoding="utf-8"?>
 <p:sld xmlns:a="http://schemas.openxmlformats.org/drawingml/2006/main" xmlns:r="http://schemas.openxmlformats.org/officeDocument/2006/relationships" xmlns:p="http://schemas.openxmlformats.org/presentationml/2006/main">
   <p:cSld>
     <p:spTree>
@@ -16777,7 +16996,7 @@
 </p:sld>
 </file>
 
-<file path=ppt/slides/slide24.xml><?xml version="1.0" encoding="utf-8"?>
+<file path=ppt/slides/slide25.xml><?xml version="1.0" encoding="utf-8"?>
 <p:sld xmlns:a="http://schemas.openxmlformats.org/drawingml/2006/main" xmlns:r="http://schemas.openxmlformats.org/officeDocument/2006/relationships" xmlns:p="http://schemas.openxmlformats.org/presentationml/2006/main">
   <p:cSld>
     <p:spTree>
@@ -16799,7 +17018,7 @@
           <p:cNvPr id="4" name="Título 1">
             <a:extLst>
               <a:ext uri="{FF2B5EF4-FFF2-40B4-BE49-F238E27FC236}">
-                <a16:creationId xmlns="" xmlns:a16="http://schemas.microsoft.com/office/drawing/2014/main" id="{32666AC8-2E17-4DB4-B0F5-60C640CCFD2E}"/>
+                <a16:creationId xmlns:a16="http://schemas.microsoft.com/office/drawing/2014/main" xmlns="" id="{32666AC8-2E17-4DB4-B0F5-60C640CCFD2E}"/>
               </a:ext>
             </a:extLst>
           </p:cNvPr>
@@ -16862,7 +17081,7 @@
 </p:sld>
 </file>
 
-<file path=ppt/slides/slide25.xml><?xml version="1.0" encoding="utf-8"?>
+<file path=ppt/slides/slide26.xml><?xml version="1.0" encoding="utf-8"?>
 <p:sld xmlns:a="http://schemas.openxmlformats.org/drawingml/2006/main" xmlns:r="http://schemas.openxmlformats.org/officeDocument/2006/relationships" xmlns:p="http://schemas.openxmlformats.org/presentationml/2006/main">
   <p:cSld>
     <p:spTree>
@@ -18643,8 +18862,8 @@
         </p:nvSpPr>
         <p:spPr>
           <a:xfrm>
-            <a:off x="838200" y="2177319"/>
-            <a:ext cx="11021704" cy="4351338"/>
+            <a:off x="838200" y="2177318"/>
+            <a:ext cx="11021704" cy="4680681"/>
           </a:xfrm>
         </p:spPr>
         <p:txBody>
@@ -18652,8 +18871,12 @@
           <a:lstStyle/>
           <a:p>
             <a:r>
+              <a:rPr lang="pt-BR" dirty="0" smtClean="0"/>
+              <a:t>Podemos </a:t>
+            </a:r>
+            <a:r>
               <a:rPr lang="pt-BR" dirty="0"/>
-              <a:t>Podemos dizer que os elementos básicos do </a:t>
+              <a:t>dizer que os elementos básicos do </a:t>
             </a:r>
             <a:r>
               <a:rPr lang="pt-BR" dirty="0" smtClean="0"/>
@@ -18726,27 +18949,15 @@
             <p:ph type="title"/>
           </p:nvPr>
         </p:nvSpPr>
-        <p:spPr>
-          <a:xfrm>
-            <a:off x="838200" y="365125"/>
-            <a:ext cx="10515600" cy="1606550"/>
-          </a:xfrm>
-        </p:spPr>
+        <p:spPr/>
         <p:txBody>
-          <a:bodyPr>
-            <a:normAutofit fontScale="90000"/>
-          </a:bodyPr>
+          <a:bodyPr/>
           <a:lstStyle/>
           <a:p>
             <a:r>
               <a:rPr lang="pt-BR" dirty="0"/>
-              <a:t>Algumas visões práticas de algoritmos de aprendizado - </a:t>
-            </a:r>
-            <a:r>
-              <a:rPr lang="pt-BR" b="1" dirty="0"/>
-              <a:t>Estimação: Online, Batch e Minibatch</a:t>
-            </a:r>
-            <a:endParaRPr lang="pt-BR" dirty="0"/>
+              <a:t>Algumas visões práticas de algoritmos de aprendizado</a:t>
+            </a:r>
           </a:p>
         </p:txBody>
       </p:sp>
@@ -18762,17 +18973,41 @@
         </p:nvSpPr>
         <p:spPr>
           <a:xfrm>
-            <a:off x="838200" y="2282831"/>
-            <a:ext cx="10515600" cy="4351338"/>
+            <a:off x="838199" y="1825624"/>
+            <a:ext cx="11078029" cy="5032375"/>
           </a:xfrm>
         </p:spPr>
         <p:txBody>
-          <a:bodyPr/>
+          <a:bodyPr>
+            <a:normAutofit/>
+          </a:bodyPr>
           <a:lstStyle/>
           <a:p>
+            <a:pPr marL="0" indent="0">
+              <a:buNone/>
+            </a:pPr>
+            <a:r>
+              <a:rPr lang="pt-BR" b="1" dirty="0" smtClean="0"/>
+              <a:t>Versões </a:t>
+            </a:r>
+            <a:r>
+              <a:rPr lang="pt-BR" b="1" dirty="0"/>
+              <a:t>Online, Batch e </a:t>
+            </a:r>
+            <a:r>
+              <a:rPr lang="pt-BR" b="1" dirty="0" smtClean="0"/>
+              <a:t>Minibatch</a:t>
+            </a:r>
+            <a:endParaRPr lang="pt-BR" dirty="0" smtClean="0"/>
+          </a:p>
+          <a:p>
+            <a:r>
+              <a:rPr lang="pt-BR" dirty="0" smtClean="0"/>
+              <a:t>Conforme </a:t>
+            </a:r>
             <a:r>
               <a:rPr lang="pt-BR" dirty="0"/>
-              <a:t>Conforme vimos nos slides anteriores, a base para o aprendizado em redes MLP é a obtenção do </a:t>
+              <a:t>vimos nos slides anteriores, a base para o aprendizado em redes MLP é a obtenção do </a:t>
             </a:r>
             <a:r>
               <a:rPr lang="pt-BR" b="1" i="1" dirty="0"/>
@@ -18814,11 +19049,27 @@
             </a:r>
             <a:r>
               <a:rPr lang="pt-BR" b="1" i="1" dirty="0"/>
-              <a:t>retropropagação</a:t>
+              <a:t>retropropagação </a:t>
+            </a:r>
+            <a:r>
+              <a:rPr lang="pt-BR" b="1" i="1" dirty="0" smtClean="0"/>
+              <a:t>do erro </a:t>
+            </a:r>
+            <a:r>
+              <a:rPr lang="pt-BR" dirty="0" smtClean="0"/>
+              <a:t>em </a:t>
             </a:r>
             <a:r>
               <a:rPr lang="pt-BR" dirty="0"/>
-              <a:t> em que há uma parte direta (</a:t>
+              <a:t>que há uma </a:t>
+            </a:r>
+            <a:r>
+              <a:rPr lang="pt-BR" dirty="0" smtClean="0"/>
+              <a:t>etapa direta </a:t>
+            </a:r>
+            <a:r>
+              <a:rPr lang="pt-BR" dirty="0"/>
+              <a:t>(</a:t>
             </a:r>
             <a:r>
               <a:rPr lang="pt-BR" b="1" i="1" dirty="0"/>
@@ -18847,7 +19098,7 @@
     </p:spTree>
     <p:extLst>
       <p:ext uri="{BB962C8B-B14F-4D97-AF65-F5344CB8AC3E}">
-        <p14:creationId xmlns:p14="http://schemas.microsoft.com/office/powerpoint/2010/main" val="3106726016"/>
+        <p14:creationId xmlns:p14="http://schemas.microsoft.com/office/powerpoint/2010/main" val="1281619830"/>
       </p:ext>
     </p:extLst>
   </p:cSld>
@@ -18884,32 +19135,20 @@
             <p:ph type="title"/>
           </p:nvPr>
         </p:nvSpPr>
-        <p:spPr>
-          <a:xfrm>
-            <a:off x="838200" y="365125"/>
-            <a:ext cx="10515600" cy="1577975"/>
-          </a:xfrm>
-        </p:spPr>
+        <p:spPr/>
         <p:txBody>
-          <a:bodyPr>
-            <a:normAutofit fontScale="90000"/>
-          </a:bodyPr>
+          <a:bodyPr/>
           <a:lstStyle/>
           <a:p>
             <a:r>
               <a:rPr lang="pt-BR" dirty="0"/>
-              <a:t>Algumas visões práticas de algoritmos de aprendizado - </a:t>
-            </a:r>
-            <a:r>
-              <a:rPr lang="pt-BR" b="1" dirty="0"/>
-              <a:t>Estimação: Online, Batch e Minibatch</a:t>
-            </a:r>
-            <a:endParaRPr lang="pt-BR" dirty="0"/>
+              <a:t>Algumas visões práticas de algoritmos de aprendizado</a:t>
+            </a:r>
           </a:p>
         </p:txBody>
       </p:sp>
-      <mc:AlternateContent xmlns:mc="http://schemas.openxmlformats.org/markup-compatibility/2006" xmlns:a14="http://schemas.microsoft.com/office/drawing/2010/main">
-        <mc:Choice Requires="a14">
+      <mc:AlternateContent xmlns:mc="http://schemas.openxmlformats.org/markup-compatibility/2006">
+        <mc:Choice xmlns:a14="http://schemas.microsoft.com/office/drawing/2010/main" Requires="a14">
           <p:sp>
             <p:nvSpPr>
               <p:cNvPr id="3" name="Content Placeholder 2"/>
@@ -18922,21 +19161,39 @@
             </p:nvSpPr>
             <p:spPr>
               <a:xfrm>
-                <a:off x="838200" y="2182822"/>
-                <a:ext cx="10515600" cy="4351338"/>
+                <a:off x="838200" y="1825624"/>
+                <a:ext cx="11063514" cy="5032375"/>
               </a:xfrm>
             </p:spPr>
             <p:txBody>
               <a:bodyPr/>
               <a:lstStyle/>
               <a:p>
+                <a:pPr marL="0" indent="0">
+                  <a:buNone/>
+                </a:pPr>
+                <a:r>
+                  <a:rPr lang="pt-BR" b="1" dirty="0" smtClean="0"/>
+                  <a:t>Versões Online</a:t>
+                </a:r>
+                <a:r>
+                  <a:rPr lang="pt-BR" b="1" dirty="0"/>
+                  <a:t>, Batch e Minibatch</a:t>
+                </a:r>
+                <a:endParaRPr lang="pt-BR" dirty="0" smtClean="0"/>
+              </a:p>
+              <a:p>
+                <a:r>
+                  <a:rPr lang="pt-BR" dirty="0" smtClean="0"/>
+                  <a:t>Vimos </a:t>
+                </a:r>
                 <a:r>
                   <a:rPr lang="pt-BR" dirty="0"/>
-                  <a:t>Vimos também que se calcula o gradiente associado a cada </a:t>
+                  <a:t>também que se calcula o gradiente associado a cada </a:t>
                 </a:r>
                 <a:r>
                   <a:rPr lang="pt-BR" dirty="0" smtClean="0"/>
-                  <a:t>dado de </a:t>
+                  <a:t>exemplo de </a:t>
                 </a:r>
                 <a:r>
                   <a:rPr lang="pt-BR" dirty="0"/>
@@ -18948,7 +19205,15 @@
                 </a:r>
                 <a:r>
                   <a:rPr lang="pt-BR" dirty="0"/>
-                  <a:t> leva ao gradiente estimado para o conjunto de dados inteiro.</a:t>
+                  <a:t> leva ao gradiente estimado para o conjunto de </a:t>
+                </a:r>
+                <a:r>
+                  <a:rPr lang="pt-BR" dirty="0" smtClean="0"/>
+                  <a:t>exemplos inteiro</a:t>
+                </a:r>
+                <a:r>
+                  <a:rPr lang="pt-BR" dirty="0"/>
+                  <a:t>.</a:t>
                 </a:r>
               </a:p>
               <a:p>
@@ -19043,6 +19308,78 @@
                         </a:rPr>
                         <m:t>=</m:t>
                       </m:r>
+                      <m:f>
+                        <m:fPr>
+                          <m:ctrlPr>
+                            <a:rPr lang="pt-BR" sz="2200" i="1" smtClean="0">
+                              <a:latin typeface="Cambria Math" panose="02040503050406030204" pitchFamily="18" charset="0"/>
+                            </a:rPr>
+                          </m:ctrlPr>
+                        </m:fPr>
+                        <m:num>
+                          <m:r>
+                            <a:rPr lang="pt-BR" sz="2200" b="0" i="1" smtClean="0">
+                              <a:latin typeface="Cambria Math" panose="02040503050406030204" pitchFamily="18" charset="0"/>
+                            </a:rPr>
+                            <m:t>1</m:t>
+                          </m:r>
+                        </m:num>
+                        <m:den>
+                          <m:sSub>
+                            <m:sSubPr>
+                              <m:ctrlPr>
+                                <a:rPr lang="pt-BR" sz="2200" i="1">
+                                  <a:latin typeface="Cambria Math" panose="02040503050406030204" pitchFamily="18" charset="0"/>
+                                </a:rPr>
+                              </m:ctrlPr>
+                            </m:sSubPr>
+                            <m:e>
+                              <m:r>
+                                <a:rPr lang="pt-BR" sz="2200" i="1">
+                                  <a:latin typeface="Cambria Math" panose="02040503050406030204" pitchFamily="18" charset="0"/>
+                                </a:rPr>
+                                <m:t>𝑁</m:t>
+                              </m:r>
+                            </m:e>
+                            <m:sub>
+                              <m:r>
+                                <m:rPr>
+                                  <m:sty m:val="p"/>
+                                </m:rPr>
+                                <a:rPr lang="pt-BR" sz="2200">
+                                  <a:latin typeface="Cambria Math" panose="02040503050406030204" pitchFamily="18" charset="0"/>
+                                </a:rPr>
+                                <m:t>dados</m:t>
+                              </m:r>
+                            </m:sub>
+                          </m:sSub>
+                          <m:sSub>
+                            <m:sSubPr>
+                              <m:ctrlPr>
+                                <a:rPr lang="pt-BR" sz="2200" i="1">
+                                  <a:latin typeface="Cambria Math" panose="02040503050406030204" pitchFamily="18" charset="0"/>
+                                </a:rPr>
+                              </m:ctrlPr>
+                            </m:sSubPr>
+                            <m:e>
+                              <m:r>
+                                <a:rPr lang="pt-BR" sz="2200" i="1">
+                                  <a:latin typeface="Cambria Math" panose="02040503050406030204" pitchFamily="18" charset="0"/>
+                                </a:rPr>
+                                <m:t>𝑁</m:t>
+                              </m:r>
+                            </m:e>
+                            <m:sub>
+                              <m:r>
+                                <a:rPr lang="pt-BR" sz="2200" i="1">
+                                  <a:latin typeface="Cambria Math" panose="02040503050406030204" pitchFamily="18" charset="0"/>
+                                </a:rPr>
+                                <m:t>𝑀</m:t>
+                              </m:r>
+                            </m:sub>
+                          </m:sSub>
+                        </m:den>
+                      </m:f>
                       <m:nary>
                         <m:naryPr>
                           <m:chr m:val="∑"/>
@@ -19286,13 +19623,26 @@
               <a:p>
                 <a:r>
                   <a:rPr lang="pt-BR" dirty="0"/>
-                  <a:t>No entanto, surge aqui um questionamento interessante: o que é melhor, usar o gradiente local e já dar um passo de otimização ou reunir o gradiente completo e então dar um passo único e mais preciso?</a:t>
-                </a:r>
+                  <a:t>No entanto, surge aqui um questionamento interessante: o que é melhor, usar o gradiente local e já dar um passo de </a:t>
+                </a:r>
+                <a:r>
+                  <a:rPr lang="pt-BR" dirty="0" smtClean="0"/>
+                  <a:t>otimização, ou seja, atualizar os pesos, </a:t>
+                </a:r>
+                <a:r>
+                  <a:rPr lang="pt-BR" dirty="0"/>
+                  <a:t>ou reunir o gradiente completo e então dar um passo único e mais preciso</a:t>
+                </a:r>
+                <a:r>
+                  <a:rPr lang="pt-BR" dirty="0" smtClean="0"/>
+                  <a:t>?</a:t>
+                </a:r>
+                <a:endParaRPr lang="pt-BR" dirty="0"/>
               </a:p>
             </p:txBody>
           </p:sp>
         </mc:Choice>
-        <mc:Fallback xmlns="">
+        <mc:Fallback>
           <p:sp>
             <p:nvSpPr>
               <p:cNvPr id="3" name="Content Placeholder 2"/>
@@ -19305,13 +19655,13 @@
             </p:nvSpPr>
             <p:spPr>
               <a:xfrm>
-                <a:off x="838200" y="2182822"/>
-                <a:ext cx="10515600" cy="4351338"/>
+                <a:off x="838200" y="1825624"/>
+                <a:ext cx="11063514" cy="5032375"/>
               </a:xfrm>
               <a:blipFill rotWithShape="0">
                 <a:blip r:embed="rId2"/>
                 <a:stretch>
-                  <a:fillRect l="-1043" t="-2241" r="-522"/>
+                  <a:fillRect l="-1158" t="-1937" r="-1323"/>
                 </a:stretch>
               </a:blipFill>
             </p:spPr>
@@ -19333,7 +19683,7 @@
     </p:spTree>
     <p:extLst>
       <p:ext uri="{BB962C8B-B14F-4D97-AF65-F5344CB8AC3E}">
-        <p14:creationId xmlns:p14="http://schemas.microsoft.com/office/powerpoint/2010/main" val="1911444936"/>
+        <p14:creationId xmlns:p14="http://schemas.microsoft.com/office/powerpoint/2010/main" val="1849709874"/>
       </p:ext>
     </p:extLst>
   </p:cSld>
@@ -19372,13 +19722,13 @@
         </p:nvSpPr>
         <p:spPr>
           <a:xfrm>
-            <a:off x="838200" y="365125"/>
-            <a:ext cx="10939818" cy="1325563"/>
+            <a:off x="838199" y="365125"/>
+            <a:ext cx="11121571" cy="1325563"/>
           </a:xfrm>
         </p:spPr>
         <p:txBody>
           <a:bodyPr>
-            <a:normAutofit fontScale="90000"/>
+            <a:normAutofit/>
           </a:bodyPr>
           <a:lstStyle/>
           <a:p>
@@ -19387,8 +19737,12 @@
               <a:t>Algumas visões práticas de algoritmos de aprendizado - </a:t>
             </a:r>
             <a:r>
+              <a:rPr lang="pt-BR" b="1" dirty="0" smtClean="0"/>
+              <a:t>Versões </a:t>
+            </a:r>
+            <a:r>
               <a:rPr lang="pt-BR" b="1" dirty="0"/>
-              <a:t>Estimação: Online, Batch e Minibatch</a:t>
+              <a:t>Online, Batch e Minibatch</a:t>
             </a:r>
             <a:endParaRPr lang="pt-BR" dirty="0"/>
           </a:p>
@@ -20234,13 +20588,13 @@
         </p:nvSpPr>
         <p:spPr>
           <a:xfrm>
-            <a:off x="838200" y="365125"/>
-            <a:ext cx="10844284" cy="1325563"/>
+            <a:off x="838199" y="365125"/>
+            <a:ext cx="11005457" cy="1325563"/>
           </a:xfrm>
         </p:spPr>
         <p:txBody>
           <a:bodyPr>
-            <a:normAutofit fontScale="90000"/>
+            <a:normAutofit/>
           </a:bodyPr>
           <a:lstStyle/>
           <a:p>
@@ -20249,8 +20603,12 @@
               <a:t>Algumas visões práticas de algoritmos de aprendizado - </a:t>
             </a:r>
             <a:r>
+              <a:rPr lang="pt-BR" b="1" dirty="0" smtClean="0"/>
+              <a:t>Versões </a:t>
+            </a:r>
+            <a:r>
               <a:rPr lang="pt-BR" b="1" dirty="0"/>
-              <a:t>Estimação: Online, Batch e Minibatch</a:t>
+              <a:t>Online, Batch e Minibatch</a:t>
             </a:r>
             <a:endParaRPr lang="pt-BR" dirty="0"/>
           </a:p>
@@ -21087,12 +21445,12 @@
         <p:spPr>
           <a:xfrm>
             <a:off x="838199" y="293685"/>
-            <a:ext cx="10871579" cy="1325563"/>
+            <a:ext cx="11089943" cy="1325563"/>
           </a:xfrm>
         </p:spPr>
         <p:txBody>
           <a:bodyPr>
-            <a:normAutofit fontScale="90000"/>
+            <a:normAutofit/>
           </a:bodyPr>
           <a:lstStyle/>
           <a:p>
@@ -21101,8 +21459,12 @@
               <a:t>Algumas visões práticas de algoritmos de aprendizado - </a:t>
             </a:r>
             <a:r>
+              <a:rPr lang="pt-BR" b="1" dirty="0" smtClean="0"/>
+              <a:t>Versões </a:t>
+            </a:r>
+            <a:r>
               <a:rPr lang="pt-BR" b="1" dirty="0"/>
-              <a:t>Estimação: Online, Batch e Minibatch</a:t>
+              <a:t>Online, Batch e Minibatch</a:t>
             </a:r>
             <a:endParaRPr lang="pt-BR" dirty="0"/>
           </a:p>
@@ -21148,7 +21510,27 @@
             </a:r>
             <a:r>
               <a:rPr lang="pt-BR" dirty="0"/>
-              <a:t>), usadas com muita frequência em problemas com enormes conjuntos de dados, a regra é adotar o caminho do meio, usando a abordagem com </a:t>
+              <a:t>), usadas com muita frequência em problemas com </a:t>
+            </a:r>
+            <a:r>
+              <a:rPr lang="pt-BR" dirty="0" smtClean="0"/>
+              <a:t>conjuntos </a:t>
+            </a:r>
+            <a:r>
+              <a:rPr lang="pt-BR" dirty="0"/>
+              <a:t>de </a:t>
+            </a:r>
+            <a:r>
+              <a:rPr lang="pt-BR" dirty="0"/>
+              <a:t>dados </a:t>
+            </a:r>
+            <a:r>
+              <a:rPr lang="pt-BR" dirty="0" smtClean="0"/>
+              <a:t>enormes, </a:t>
+            </a:r>
+            <a:r>
+              <a:rPr lang="pt-BR" dirty="0"/>
+              <a:t>a regra é adotar o caminho do meio, usando a abordagem com </a:t>
             </a:r>
             <a:r>
               <a:rPr lang="pt-BR" b="1" i="1" dirty="0"/>
@@ -22019,8 +22401,8 @@
         </p:nvSpPr>
         <p:spPr>
           <a:xfrm>
-            <a:off x="838200" y="1825625"/>
-            <a:ext cx="11158182" cy="4861778"/>
+            <a:off x="838200" y="1825624"/>
+            <a:ext cx="11158182" cy="5032375"/>
           </a:xfrm>
         </p:spPr>
         <p:txBody>
@@ -22053,11 +22435,19 @@
           <a:p>
             <a:r>
               <a:rPr lang="pt-BR" dirty="0"/>
-              <a:t>Aqui, vamos nos ater a alguns métodos muito usuais na literatura moderna, que se encontra bastante focada em </a:t>
+              <a:t>Aqui, vamos nos ater a alguns métodos muito usuais na literatura moderna, que se encontra bastante focada </a:t>
+            </a:r>
+            <a:r>
+              <a:rPr lang="pt-BR" dirty="0" smtClean="0"/>
+              <a:t>no </a:t>
+            </a:r>
+            <a:r>
+              <a:rPr lang="pt-BR" b="1" i="1" dirty="0" smtClean="0"/>
+              <a:t>apredizado </a:t>
             </a:r>
             <a:r>
               <a:rPr lang="pt-BR" b="1" i="1" dirty="0"/>
-              <a:t>apredizado profundo</a:t>
+              <a:t>profundo</a:t>
             </a:r>
             <a:r>
               <a:rPr lang="pt-BR" dirty="0"/>
@@ -22071,7 +22461,15 @@
             </a:pPr>
             <a:r>
               <a:rPr lang="pt-BR" b="1" dirty="0"/>
-              <a:t>Método do Gradiente Estocástico (Stochastic Gradient Descent, SGD)</a:t>
+              <a:t>Método do Gradiente Estocástico (</a:t>
+            </a:r>
+            <a:r>
+              <a:rPr lang="pt-BR" b="1" i="1" dirty="0"/>
+              <a:t>Stochastic Gradient Descent</a:t>
+            </a:r>
+            <a:r>
+              <a:rPr lang="pt-BR" b="1" dirty="0"/>
+              <a:t>, SGD)</a:t>
             </a:r>
           </a:p>
           <a:p>
@@ -22089,7 +22487,15 @@
             </a:r>
             <a:r>
               <a:rPr lang="pt-BR" dirty="0"/>
-              <a:t> utiliza um único exemplo (tomado aleatóriamente) para estimar o gradiente da </a:t>
+              <a:t> utiliza um único exemplo </a:t>
+            </a:r>
+            <a:r>
+              <a:rPr lang="pt-BR" dirty="0" smtClean="0"/>
+              <a:t>(que deve ser tomado </a:t>
+            </a:r>
+            <a:r>
+              <a:rPr lang="pt-BR" dirty="0"/>
+              <a:t>aleatóriamente) para estimar o gradiente da </a:t>
             </a:r>
             <a:r>
               <a:rPr lang="pt-BR" b="1" i="1" dirty="0"/>
@@ -22157,7 +22563,11 @@
             </a:r>
             <a:r>
               <a:rPr lang="pt-BR" dirty="0"/>
-              <a:t>, como </a:t>
+              <a:t>, </a:t>
+            </a:r>
+            <a:r>
+              <a:rPr lang="pt-BR" dirty="0" smtClean="0"/>
+              <a:t>como o </a:t>
             </a:r>
             <a:r>
               <a:rPr lang="pt-BR" b="1" i="1" dirty="0"/>

--- a/slides/T320_Redes_Neurais_Artificiais (Parte IV).pptx
+++ b/slides/T320_Redes_Neurais_Artificiais (Parte IV).pptx
@@ -5,7 +5,7 @@
     <p:sldMasterId id="2147483648" r:id="rId1"/>
   </p:sldMasterIdLst>
   <p:notesMasterIdLst>
-    <p:notesMasterId r:id="rId28"/>
+    <p:notesMasterId r:id="rId27"/>
   </p:notesMasterIdLst>
   <p:sldIdLst>
     <p:sldId id="300" r:id="rId2"/>
@@ -20,20 +20,19 @@
     <p:sldId id="343" r:id="rId11"/>
     <p:sldId id="368" r:id="rId12"/>
     <p:sldId id="369" r:id="rId13"/>
-    <p:sldId id="370" r:id="rId14"/>
-    <p:sldId id="346" r:id="rId15"/>
-    <p:sldId id="347" r:id="rId16"/>
-    <p:sldId id="348" r:id="rId17"/>
+    <p:sldId id="346" r:id="rId14"/>
+    <p:sldId id="347" r:id="rId15"/>
+    <p:sldId id="348" r:id="rId16"/>
+    <p:sldId id="370" r:id="rId17"/>
     <p:sldId id="349" r:id="rId18"/>
     <p:sldId id="350" r:id="rId19"/>
     <p:sldId id="351" r:id="rId20"/>
-    <p:sldId id="352" r:id="rId21"/>
-    <p:sldId id="302" r:id="rId22"/>
-    <p:sldId id="301" r:id="rId23"/>
-    <p:sldId id="269" r:id="rId24"/>
-    <p:sldId id="303" r:id="rId25"/>
-    <p:sldId id="271" r:id="rId26"/>
-    <p:sldId id="365" r:id="rId27"/>
+    <p:sldId id="302" r:id="rId21"/>
+    <p:sldId id="301" r:id="rId22"/>
+    <p:sldId id="269" r:id="rId23"/>
+    <p:sldId id="303" r:id="rId24"/>
+    <p:sldId id="271" r:id="rId25"/>
+    <p:sldId id="365" r:id="rId26"/>
   </p:sldIdLst>
   <p:sldSz cx="12192000" cy="6858000"/>
   <p:notesSz cx="6858000" cy="9144000"/>
@@ -259,7 +258,7 @@
           <a:p>
             <a:fld id="{C3C82C08-3EFC-4473-8294-F0E229C19EFF}" type="datetimeFigureOut">
               <a:rPr lang="pt-BR" smtClean="0"/>
-              <a:t>20/10/2021</a:t>
+              <a:t>28/10/2021</a:t>
             </a:fld>
             <a:endParaRPr lang="pt-BR"/>
           </a:p>
@@ -656,27 +655,29 @@
           <a:lstStyle/>
           <a:p>
             <a:r>
-              <a:rPr lang="pt-BR" b="1" dirty="0"/>
-              <a:t>Exemplo</a:t>
-            </a:r>
-            <a:r>
-              <a:rPr lang="pt-BR"/>
-              <a:t>: </a:t>
-            </a:r>
-            <a:r>
-              <a:rPr lang="pt-BR" smtClean="0"/>
-              <a:t>SciKitMLPRegression_v4.ipynb</a:t>
-            </a:r>
-            <a:endParaRPr lang="pt-BR" dirty="0"/>
-          </a:p>
-          <a:p>
-            <a:endParaRPr lang="pt-BR" dirty="0"/>
-          </a:p>
-          <a:p>
-            <a:r>
-              <a:rPr lang="pt-BR" dirty="0"/>
-              <a:t>N0: densidade espectral do ruído.</a:t>
-            </a:r>
+              <a:rPr lang="pt-BR" sz="1200" b="1" smtClean="0"/>
+              <a:t>Laboratório #9:</a:t>
+            </a:r>
+            <a:r>
+              <a:rPr lang="pt-BR" sz="1200" smtClean="0"/>
+              <a:t> </a:t>
+            </a:r>
+            <a:r>
+              <a:rPr lang="pt-BR" sz="1200" dirty="0" smtClean="0"/>
+              <a:t>https</a:t>
+            </a:r>
+            <a:r>
+              <a:rPr lang="pt-BR" sz="1200" smtClean="0"/>
+              <a:t>://</a:t>
+            </a:r>
+            <a:r>
+              <a:rPr lang="pt-BR" sz="1200" smtClean="0"/>
+              <a:t>mybinder.org/v2/gh/zz4fap/t320_aprendizado_de_maquina/main?filepath=labs%2FLaboratorio9.ipynb</a:t>
+            </a:r>
+            <a:endParaRPr lang="pt-BR" sz="1200" dirty="0" smtClean="0"/>
+          </a:p>
+          <a:p>
+            <a:endParaRPr lang="pt-BR" sz="1200" dirty="0"/>
           </a:p>
         </p:txBody>
       </p:sp>
@@ -695,116 +696,9 @@
           <a:bodyPr/>
           <a:lstStyle/>
           <a:p>
-            <a:fld id="{F430A2A4-8C14-4B1A-AD48-7B6401078BF7}" type="slidenum">
-              <a:rPr lang="pt-BR" smtClean="0"/>
-              <a:t>20</a:t>
-            </a:fld>
-            <a:endParaRPr lang="pt-BR"/>
-          </a:p>
-        </p:txBody>
-      </p:sp>
-    </p:spTree>
-    <p:extLst>
-      <p:ext uri="{BB962C8B-B14F-4D97-AF65-F5344CB8AC3E}">
-        <p14:creationId xmlns:p14="http://schemas.microsoft.com/office/powerpoint/2010/main" val="3317590386"/>
-      </p:ext>
-    </p:extLst>
-  </p:cSld>
-  <p:clrMapOvr>
-    <a:masterClrMapping/>
-  </p:clrMapOvr>
-</p:notes>
-</file>
-
-<file path=ppt/notesSlides/notesSlide11.xml><?xml version="1.0" encoding="utf-8"?>
-<p:notes xmlns:a="http://schemas.openxmlformats.org/drawingml/2006/main" xmlns:r="http://schemas.openxmlformats.org/officeDocument/2006/relationships" xmlns:p="http://schemas.openxmlformats.org/presentationml/2006/main">
-  <p:cSld>
-    <p:spTree>
-      <p:nvGrpSpPr>
-        <p:cNvPr id="1" name=""/>
-        <p:cNvGrpSpPr/>
-        <p:nvPr/>
-      </p:nvGrpSpPr>
-      <p:grpSpPr>
-        <a:xfrm>
-          <a:off x="0" y="0"/>
-          <a:ext cx="0" cy="0"/>
-          <a:chOff x="0" y="0"/>
-          <a:chExt cx="0" cy="0"/>
-        </a:xfrm>
-      </p:grpSpPr>
-      <p:sp>
-        <p:nvSpPr>
-          <p:cNvPr id="2" name="Slide Image Placeholder 1"/>
-          <p:cNvSpPr>
-            <a:spLocks noGrp="1" noRot="1" noChangeAspect="1"/>
-          </p:cNvSpPr>
-          <p:nvPr>
-            <p:ph type="sldImg"/>
-          </p:nvPr>
-        </p:nvSpPr>
-        <p:spPr/>
-      </p:sp>
-      <p:sp>
-        <p:nvSpPr>
-          <p:cNvPr id="3" name="Notes Placeholder 2"/>
-          <p:cNvSpPr>
-            <a:spLocks noGrp="1"/>
-          </p:cNvSpPr>
-          <p:nvPr>
-            <p:ph type="body" idx="1"/>
-          </p:nvPr>
-        </p:nvSpPr>
-        <p:spPr/>
-        <p:txBody>
-          <a:bodyPr/>
-          <a:lstStyle/>
-          <a:p>
-            <a:r>
-              <a:rPr lang="pt-BR" sz="1200" b="1" dirty="0" smtClean="0"/>
-              <a:t>Laboratório </a:t>
-            </a:r>
-            <a:r>
-              <a:rPr lang="pt-BR" sz="1200" b="1" dirty="0" smtClean="0"/>
-              <a:t>#9:</a:t>
-            </a:r>
-            <a:r>
-              <a:rPr lang="pt-BR" sz="1200" dirty="0" smtClean="0"/>
-              <a:t> </a:t>
-            </a:r>
-            <a:r>
-              <a:rPr lang="pt-BR" sz="1200" dirty="0" smtClean="0"/>
-              <a:t>https://</a:t>
-            </a:r>
-            <a:r>
-              <a:rPr lang="pt-BR" sz="1200" dirty="0" smtClean="0"/>
-              <a:t>mybinder.org/v2/gh/zz4fap/t320_aprendizado_de_maquina/main?filepath=labs%2FLaboratorio9.ipynb</a:t>
-            </a:r>
-            <a:endParaRPr lang="pt-BR" sz="1200" dirty="0" smtClean="0"/>
-          </a:p>
-          <a:p>
-            <a:endParaRPr lang="pt-BR" sz="1200" dirty="0"/>
-          </a:p>
-        </p:txBody>
-      </p:sp>
-      <p:sp>
-        <p:nvSpPr>
-          <p:cNvPr id="4" name="Slide Number Placeholder 3"/>
-          <p:cNvSpPr>
-            <a:spLocks noGrp="1"/>
-          </p:cNvSpPr>
-          <p:nvPr>
-            <p:ph type="sldNum" sz="quarter" idx="10"/>
-          </p:nvPr>
-        </p:nvSpPr>
-        <p:spPr/>
-        <p:txBody>
-          <a:bodyPr/>
-          <a:lstStyle/>
-          <a:p>
             <a:fld id="{6FC8D850-966F-45A6-8DE7-15B891E7D40D}" type="slidenum">
               <a:rPr lang="pt-BR" smtClean="0"/>
-              <a:t>22</a:t>
+              <a:t>21</a:t>
             </a:fld>
             <a:endParaRPr lang="pt-BR"/>
           </a:p>
@@ -967,8 +861,8 @@
         </p:nvSpPr>
         <p:spPr/>
       </p:sp>
-      <mc:AlternateContent xmlns:mc="http://schemas.openxmlformats.org/markup-compatibility/2006">
-        <mc:Choice xmlns:a14="http://schemas.microsoft.com/office/drawing/2010/main" Requires="a14">
+      <mc:AlternateContent xmlns:mc="http://schemas.openxmlformats.org/markup-compatibility/2006" xmlns:a14="http://schemas.microsoft.com/office/drawing/2010/main">
+        <mc:Choice Requires="a14">
           <p:sp>
             <p:nvSpPr>
               <p:cNvPr id="3" name="Notes Placeholder 2"/>
@@ -1179,7 +1073,7 @@
             </p:txBody>
           </p:sp>
         </mc:Choice>
-        <mc:Fallback>
+        <mc:Fallback xmlns="">
           <p:sp>
             <p:nvSpPr>
               <p:cNvPr id="3" name="Notes Placeholder 2"/>
@@ -1550,7 +1444,7 @@
           <a:p>
             <a:fld id="{F430A2A4-8C14-4B1A-AD48-7B6401078BF7}" type="slidenum">
               <a:rPr lang="pt-BR" smtClean="0"/>
-              <a:t>14</a:t>
+              <a:t>13</a:t>
             </a:fld>
             <a:endParaRPr lang="pt-BR"/>
           </a:p>
@@ -1648,16 +1542,42 @@
             </a:r>
             <a:r>
               <a:rPr lang="pt-BR" dirty="0"/>
-              <a:t>Mesmo que o modelo ou o algoritmo de treinamento seja capaz de usar processos estocásticos para calcular atualizações diferentes para nós diferentes, geralmente é melhor inicializar cada nó para calcular uma função diferente de todas os outros</a:t>
+              <a:t>Mesmo que o modelo ou o algoritmo de treinamento seja capaz de usar processos estocásticos para calcular atualizações diferentes para nós </a:t>
+            </a:r>
+            <a:r>
+              <a:rPr lang="pt-BR" dirty="0" smtClean="0"/>
+              <a:t>diferentes</a:t>
+            </a:r>
+            <a:r>
+              <a:rPr lang="pt-BR" dirty="0"/>
+              <a:t>, geralmente é melhor inicializar cada nó para calcular uma função diferente de todas os outros</a:t>
             </a:r>
             <a:r>
               <a:rPr lang="pt-BR" baseline="0" dirty="0"/>
               <a:t> nós</a:t>
             </a:r>
             <a:r>
-              <a:rPr lang="pt-BR" dirty="0"/>
+              <a:rPr lang="pt-BR" dirty="0" smtClean="0"/>
               <a:t>.</a:t>
             </a:r>
+          </a:p>
+          <a:p>
+            <a:endParaRPr lang="pt-BR" dirty="0" smtClean="0"/>
+          </a:p>
+          <a:p>
+            <a:r>
+              <a:rPr lang="pt-BR" dirty="0" smtClean="0"/>
+              <a:t>Referências</a:t>
+            </a:r>
+          </a:p>
+          <a:p>
+            <a:r>
+              <a:rPr lang="pt-BR" dirty="0" smtClean="0"/>
+              <a:t>[1] https://www.deeplearning.ai/ai-notes/initialization/</a:t>
+            </a:r>
+          </a:p>
+          <a:p>
+            <a:endParaRPr lang="pt-BR" dirty="0"/>
           </a:p>
         </p:txBody>
       </p:sp>
@@ -1678,7 +1598,7 @@
           <a:p>
             <a:fld id="{F430A2A4-8C14-4B1A-AD48-7B6401078BF7}" type="slidenum">
               <a:rPr lang="pt-BR" smtClean="0"/>
-              <a:t>15</a:t>
+              <a:t>14</a:t>
             </a:fld>
             <a:endParaRPr lang="pt-BR"/>
           </a:p>
@@ -1741,7 +1661,26 @@
           <a:bodyPr/>
           <a:lstStyle/>
           <a:p>
-            <a:endParaRPr lang="pt-BR" dirty="0"/>
+            <a:endParaRPr lang="pt-BR" dirty="0" smtClean="0"/>
+          </a:p>
+          <a:p>
+            <a:r>
+              <a:rPr lang="pt-BR" dirty="0" smtClean="0"/>
+              <a:t>Referências</a:t>
+            </a:r>
+          </a:p>
+          <a:p>
+            <a:r>
+              <a:rPr lang="pt-BR" dirty="0" smtClean="0"/>
+              <a:t>[1]</a:t>
+            </a:r>
+            <a:r>
+              <a:rPr lang="pt-BR" baseline="0" dirty="0" smtClean="0"/>
+              <a:t> https://www.quora.com/Why-dont-we-initialize-the-weights-of-a-neural-network-to-zero</a:t>
+            </a:r>
+          </a:p>
+          <a:p>
+            <a:endParaRPr lang="pt-BR" dirty="0" smtClean="0"/>
           </a:p>
         </p:txBody>
       </p:sp>
@@ -1762,7 +1701,7 @@
           <a:p>
             <a:fld id="{F430A2A4-8C14-4B1A-AD48-7B6401078BF7}" type="slidenum">
               <a:rPr lang="pt-BR" smtClean="0"/>
-              <a:t>16</a:t>
+              <a:t>15</a:t>
             </a:fld>
             <a:endParaRPr lang="pt-BR"/>
           </a:p>
@@ -1926,8 +1865,121 @@
             </a:pPr>
             <a:r>
               <a:rPr lang="pt-BR" dirty="0"/>
-              <a:t>[2] GOODFELLOW, I., BENGIO, Y., COURVILLE, A., Deep Learning, MIT Press, 2016. HAYKIN, S. Neural Networks and Learning Machines, 3rd edition, Prentice-Hall, 2008.</a:t>
-            </a:r>
+              <a:t>[2] GOODFELLOW, I., BENGIO, Y., COURVILLE, A., Deep Learning, MIT Press, 2016. HAYKIN, S. Neural Networks and Learning Machines, 3rd edition, Prentice-Hall, 2008</a:t>
+            </a:r>
+            <a:r>
+              <a:rPr lang="pt-BR" dirty="0" smtClean="0"/>
+              <a:t>.</a:t>
+            </a:r>
+          </a:p>
+          <a:p>
+            <a:pPr marL="0" marR="0" lvl="0" indent="0" algn="l" defTabSz="914400" rtl="0" eaLnBrk="1" fontAlgn="auto" latinLnBrk="0" hangingPunct="1">
+              <a:lnSpc>
+                <a:spcPct val="100000"/>
+              </a:lnSpc>
+              <a:spcBef>
+                <a:spcPts val="0"/>
+              </a:spcBef>
+              <a:spcAft>
+                <a:spcPts val="0"/>
+              </a:spcAft>
+              <a:buClrTx/>
+              <a:buSzTx/>
+              <a:buFontTx/>
+              <a:buNone/>
+              <a:tabLst/>
+              <a:defRPr/>
+            </a:pPr>
+            <a:endParaRPr lang="pt-BR" dirty="0" smtClean="0"/>
+          </a:p>
+          <a:p>
+            <a:pPr marL="0" marR="0" lvl="0" indent="0" algn="l" defTabSz="914400" rtl="0" eaLnBrk="1" fontAlgn="auto" latinLnBrk="0" hangingPunct="1">
+              <a:lnSpc>
+                <a:spcPct val="100000"/>
+              </a:lnSpc>
+              <a:spcBef>
+                <a:spcPts val="0"/>
+              </a:spcBef>
+              <a:spcAft>
+                <a:spcPts val="0"/>
+              </a:spcAft>
+              <a:buClrTx/>
+              <a:buSzTx/>
+              <a:buFontTx/>
+              <a:buNone/>
+              <a:tabLst/>
+              <a:defRPr/>
+            </a:pPr>
+            <a:r>
+              <a:rPr lang="pt-BR" dirty="0" smtClean="0"/>
+              <a:t>Referência</a:t>
+            </a:r>
+          </a:p>
+          <a:p>
+            <a:pPr marL="0" marR="0" lvl="0" indent="0" algn="l" defTabSz="914400" rtl="0" eaLnBrk="1" fontAlgn="auto" latinLnBrk="0" hangingPunct="1">
+              <a:lnSpc>
+                <a:spcPct val="100000"/>
+              </a:lnSpc>
+              <a:spcBef>
+                <a:spcPts val="0"/>
+              </a:spcBef>
+              <a:spcAft>
+                <a:spcPts val="0"/>
+              </a:spcAft>
+              <a:buClrTx/>
+              <a:buSzTx/>
+              <a:buFontTx/>
+              <a:buNone/>
+              <a:tabLst/>
+              <a:defRPr/>
+            </a:pPr>
+            <a:r>
+              <a:rPr lang="pt-BR" dirty="0" smtClean="0"/>
+              <a:t>[1] https://www.deeplearning.ai/ai-notes/initialization/</a:t>
+            </a:r>
+          </a:p>
+          <a:p>
+            <a:pPr marL="0" marR="0" lvl="0" indent="0" algn="l" defTabSz="914400" rtl="0" eaLnBrk="1" fontAlgn="auto" latinLnBrk="0" hangingPunct="1">
+              <a:lnSpc>
+                <a:spcPct val="100000"/>
+              </a:lnSpc>
+              <a:spcBef>
+                <a:spcPts val="0"/>
+              </a:spcBef>
+              <a:spcAft>
+                <a:spcPts val="0"/>
+              </a:spcAft>
+              <a:buClrTx/>
+              <a:buSzTx/>
+              <a:buFontTx/>
+              <a:buNone/>
+              <a:tabLst/>
+              <a:defRPr/>
+            </a:pPr>
+            <a:r>
+              <a:rPr lang="pt-BR" dirty="0" smtClean="0"/>
+              <a:t>[2] https://machinelearningmastery.com/weight-initialization-for-deep-learning-neural-networks/</a:t>
+            </a:r>
+          </a:p>
+          <a:p>
+            <a:pPr marL="0" marR="0" lvl="0" indent="0" algn="l" defTabSz="914400" rtl="0" eaLnBrk="1" fontAlgn="auto" latinLnBrk="0" hangingPunct="1">
+              <a:lnSpc>
+                <a:spcPct val="100000"/>
+              </a:lnSpc>
+              <a:spcBef>
+                <a:spcPts val="0"/>
+              </a:spcBef>
+              <a:spcAft>
+                <a:spcPts val="0"/>
+              </a:spcAft>
+              <a:buClrTx/>
+              <a:buSzTx/>
+              <a:buFontTx/>
+              <a:buNone/>
+              <a:tabLst/>
+              <a:defRPr/>
+            </a:pPr>
+            <a:endParaRPr lang="pt-BR" dirty="0"/>
           </a:p>
           <a:p>
             <a:pPr marL="0" marR="0" lvl="0" indent="0" algn="l" defTabSz="914400" rtl="0" eaLnBrk="1" fontAlgn="auto" latinLnBrk="0" hangingPunct="1">
@@ -2315,7 +2367,7 @@
           <a:p>
             <a:fld id="{221D0464-8C8A-49C0-859F-777E51766A35}" type="datetimeFigureOut">
               <a:rPr lang="pt-BR" smtClean="0"/>
-              <a:t>20/10/2021</a:t>
+              <a:t>28/10/2021</a:t>
             </a:fld>
             <a:endParaRPr lang="pt-BR"/>
           </a:p>
@@ -2485,7 +2537,7 @@
           <a:p>
             <a:fld id="{221D0464-8C8A-49C0-859F-777E51766A35}" type="datetimeFigureOut">
               <a:rPr lang="pt-BR" smtClean="0"/>
-              <a:t>20/10/2021</a:t>
+              <a:t>28/10/2021</a:t>
             </a:fld>
             <a:endParaRPr lang="pt-BR"/>
           </a:p>
@@ -2665,7 +2717,7 @@
           <a:p>
             <a:fld id="{221D0464-8C8A-49C0-859F-777E51766A35}" type="datetimeFigureOut">
               <a:rPr lang="pt-BR" smtClean="0"/>
-              <a:t>20/10/2021</a:t>
+              <a:t>28/10/2021</a:t>
             </a:fld>
             <a:endParaRPr lang="pt-BR"/>
           </a:p>
@@ -2835,7 +2887,7 @@
           <a:p>
             <a:fld id="{221D0464-8C8A-49C0-859F-777E51766A35}" type="datetimeFigureOut">
               <a:rPr lang="pt-BR" smtClean="0"/>
-              <a:t>20/10/2021</a:t>
+              <a:t>28/10/2021</a:t>
             </a:fld>
             <a:endParaRPr lang="pt-BR"/>
           </a:p>
@@ -3081,7 +3133,7 @@
           <a:p>
             <a:fld id="{221D0464-8C8A-49C0-859F-777E51766A35}" type="datetimeFigureOut">
               <a:rPr lang="pt-BR" smtClean="0"/>
-              <a:t>20/10/2021</a:t>
+              <a:t>28/10/2021</a:t>
             </a:fld>
             <a:endParaRPr lang="pt-BR"/>
           </a:p>
@@ -3313,7 +3365,7 @@
           <a:p>
             <a:fld id="{221D0464-8C8A-49C0-859F-777E51766A35}" type="datetimeFigureOut">
               <a:rPr lang="pt-BR" smtClean="0"/>
-              <a:t>20/10/2021</a:t>
+              <a:t>28/10/2021</a:t>
             </a:fld>
             <a:endParaRPr lang="pt-BR"/>
           </a:p>
@@ -3680,7 +3732,7 @@
           <a:p>
             <a:fld id="{221D0464-8C8A-49C0-859F-777E51766A35}" type="datetimeFigureOut">
               <a:rPr lang="pt-BR" smtClean="0"/>
-              <a:t>20/10/2021</a:t>
+              <a:t>28/10/2021</a:t>
             </a:fld>
             <a:endParaRPr lang="pt-BR"/>
           </a:p>
@@ -3798,7 +3850,7 @@
           <a:p>
             <a:fld id="{221D0464-8C8A-49C0-859F-777E51766A35}" type="datetimeFigureOut">
               <a:rPr lang="pt-BR" smtClean="0"/>
-              <a:t>20/10/2021</a:t>
+              <a:t>28/10/2021</a:t>
             </a:fld>
             <a:endParaRPr lang="pt-BR"/>
           </a:p>
@@ -3893,7 +3945,7 @@
           <a:p>
             <a:fld id="{221D0464-8C8A-49C0-859F-777E51766A35}" type="datetimeFigureOut">
               <a:rPr lang="pt-BR" smtClean="0"/>
-              <a:t>20/10/2021</a:t>
+              <a:t>28/10/2021</a:t>
             </a:fld>
             <a:endParaRPr lang="pt-BR"/>
           </a:p>
@@ -4170,7 +4222,7 @@
           <a:p>
             <a:fld id="{221D0464-8C8A-49C0-859F-777E51766A35}" type="datetimeFigureOut">
               <a:rPr lang="pt-BR" smtClean="0"/>
-              <a:t>20/10/2021</a:t>
+              <a:t>28/10/2021</a:t>
             </a:fld>
             <a:endParaRPr lang="pt-BR"/>
           </a:p>
@@ -4423,7 +4475,7 @@
           <a:p>
             <a:fld id="{221D0464-8C8A-49C0-859F-777E51766A35}" type="datetimeFigureOut">
               <a:rPr lang="pt-BR" smtClean="0"/>
-              <a:t>20/10/2021</a:t>
+              <a:t>28/10/2021</a:t>
             </a:fld>
             <a:endParaRPr lang="pt-BR"/>
           </a:p>
@@ -4636,7 +4688,7 @@
           <a:p>
             <a:fld id="{221D0464-8C8A-49C0-859F-777E51766A35}" type="datetimeFigureOut">
               <a:rPr lang="pt-BR" smtClean="0"/>
-              <a:t>20/10/2021</a:t>
+              <a:t>28/10/2021</a:t>
             </a:fld>
             <a:endParaRPr lang="pt-BR"/>
           </a:p>
@@ -5046,7 +5098,7 @@
           <p:cNvPr id="2" name="Título 1">
             <a:extLst>
               <a:ext uri="{FF2B5EF4-FFF2-40B4-BE49-F238E27FC236}">
-                <a16:creationId xmlns:a16="http://schemas.microsoft.com/office/drawing/2014/main" xmlns="" id="{32666AC8-2E17-4DB4-B0F5-60C640CCFD2E}"/>
+                <a16:creationId xmlns="" xmlns:a16="http://schemas.microsoft.com/office/drawing/2014/main" id="{32666AC8-2E17-4DB4-B0F5-60C640CCFD2E}"/>
               </a:ext>
             </a:extLst>
           </p:cNvPr>
@@ -5101,7 +5153,7 @@
           <p:cNvPr id="4" name="CaixaDeTexto 3">
             <a:extLst>
               <a:ext uri="{FF2B5EF4-FFF2-40B4-BE49-F238E27FC236}">
-                <a16:creationId xmlns:a16="http://schemas.microsoft.com/office/drawing/2014/main" xmlns="" id="{430EB894-B7D4-434C-9D1A-A14094D9BEEC}"/>
+                <a16:creationId xmlns="" xmlns:a16="http://schemas.microsoft.com/office/drawing/2014/main" id="{430EB894-B7D4-434C-9D1A-A14094D9BEEC}"/>
               </a:ext>
             </a:extLst>
           </p:cNvPr>
@@ -5142,7 +5194,7 @@
           <p:cNvPr id="1026" name="Picture 2" descr="Logo">
             <a:extLst>
               <a:ext uri="{FF2B5EF4-FFF2-40B4-BE49-F238E27FC236}">
-                <a16:creationId xmlns:a16="http://schemas.microsoft.com/office/drawing/2014/main" xmlns="" id="{3F2642E0-4F6A-4196-8F58-E77D36E9A33F}"/>
+                <a16:creationId xmlns="" xmlns:a16="http://schemas.microsoft.com/office/drawing/2014/main" id="{3F2642E0-4F6A-4196-8F58-E77D36E9A33F}"/>
               </a:ext>
             </a:extLst>
           </p:cNvPr>
@@ -5187,7 +5239,7 @@
           <p:cNvPr id="5122" name="Picture 2" descr="Image result for machine learning">
             <a:extLst>
               <a:ext uri="{FF2B5EF4-FFF2-40B4-BE49-F238E27FC236}">
-                <a16:creationId xmlns:a16="http://schemas.microsoft.com/office/drawing/2014/main" xmlns="" id="{810CE0A2-4102-44A6-A370-175E7896CDCB}"/>
+                <a16:creationId xmlns="" xmlns:a16="http://schemas.microsoft.com/office/drawing/2014/main" id="{810CE0A2-4102-44A6-A370-175E7896CDCB}"/>
               </a:ext>
             </a:extLst>
           </p:cNvPr>
@@ -5274,18 +5326,18 @@
           <a:p>
             <a:r>
               <a:rPr lang="pt-BR" dirty="0"/>
-              <a:t>Variações dos algoritmos de otimização dos pesos: </a:t>
-            </a:r>
-            <a:r>
-              <a:rPr lang="pt-BR" b="1" dirty="0"/>
-              <a:t>Método do Gradiente Estocástico</a:t>
+              <a:t>Variações dos algoritmos de otimização dos </a:t>
+            </a:r>
+            <a:r>
+              <a:rPr lang="pt-BR" dirty="0" smtClean="0"/>
+              <a:t>pesos</a:t>
             </a:r>
             <a:endParaRPr lang="pt-BR" dirty="0"/>
           </a:p>
         </p:txBody>
       </p:sp>
-      <mc:AlternateContent xmlns:mc="http://schemas.openxmlformats.org/markup-compatibility/2006">
-        <mc:Choice xmlns:a14="http://schemas.microsoft.com/office/drawing/2010/main" Requires="a14">
+      <mc:AlternateContent xmlns:mc="http://schemas.openxmlformats.org/markup-compatibility/2006" xmlns:a14="http://schemas.microsoft.com/office/drawing/2010/main">
+        <mc:Choice Requires="a14">
           <p:sp>
             <p:nvSpPr>
               <p:cNvPr id="3" name="Content Placeholder 2"/>
@@ -5734,7 +5786,7 @@
             </p:txBody>
           </p:sp>
         </mc:Choice>
-        <mc:Fallback>
+        <mc:Fallback xmlns="">
           <p:sp>
             <p:nvSpPr>
               <p:cNvPr id="3" name="Content Placeholder 2"/>
@@ -5795,8 +5847,8 @@
           </a:prstGeom>
         </p:spPr>
       </p:pic>
-      <mc:AlternateContent xmlns:mc="http://schemas.openxmlformats.org/markup-compatibility/2006">
-        <mc:Choice xmlns:a14="http://schemas.microsoft.com/office/drawing/2010/main" Requires="a14">
+      <mc:AlternateContent xmlns:mc="http://schemas.openxmlformats.org/markup-compatibility/2006" xmlns:a14="http://schemas.microsoft.com/office/drawing/2010/main">
+        <mc:Choice Requires="a14">
           <p:sp>
             <p:nvSpPr>
               <p:cNvPr id="4" name="TextBox 3"/>
@@ -6028,7 +6080,7 @@
             </p:txBody>
           </p:sp>
         </mc:Choice>
-        <mc:Fallback>
+        <mc:Fallback xmlns="">
           <p:sp>
             <p:nvSpPr>
               <p:cNvPr id="4" name="TextBox 3"/>
@@ -6217,18 +6269,18 @@
           <a:p>
             <a:r>
               <a:rPr lang="pt-BR" dirty="0"/>
-              <a:t>Variações dos algoritmos de otimização dos pesos: </a:t>
-            </a:r>
-            <a:r>
-              <a:rPr lang="pt-BR" b="1" dirty="0"/>
-              <a:t>Momentum</a:t>
+              <a:t>Variações dos algoritmos de otimização dos </a:t>
+            </a:r>
+            <a:r>
+              <a:rPr lang="pt-BR" dirty="0" smtClean="0"/>
+              <a:t>pesos</a:t>
             </a:r>
             <a:endParaRPr lang="pt-BR" dirty="0"/>
           </a:p>
         </p:txBody>
       </p:sp>
-      <mc:AlternateContent xmlns:mc="http://schemas.openxmlformats.org/markup-compatibility/2006">
-        <mc:Choice xmlns:a14="http://schemas.microsoft.com/office/drawing/2010/main" Requires="a14">
+      <mc:AlternateContent xmlns:mc="http://schemas.openxmlformats.org/markup-compatibility/2006" xmlns:a14="http://schemas.microsoft.com/office/drawing/2010/main">
+        <mc:Choice Requires="a14">
           <p:sp>
             <p:nvSpPr>
               <p:cNvPr id="3" name="Content Placeholder 2"/>
@@ -6620,11 +6672,7 @@
                 </a:r>
                 <a:r>
                   <a:rPr lang="pt-BR" dirty="0"/>
-                  <a:t>ou seja,</a:t>
-                </a:r>
-                <a:r>
-                  <a:rPr lang="pt-BR" dirty="0"/>
-                  <a:t> </a:t>
+                  <a:t>ou seja, </a:t>
                 </a:r>
                 <a14:m>
                   <m:oMath xmlns:m="http://schemas.openxmlformats.org/officeDocument/2006/math">
@@ -6639,11 +6687,7 @@
                 </a14:m>
                 <a:r>
                   <a:rPr lang="pt-BR" dirty="0"/>
-                  <a:t> </a:t>
-                </a:r>
-                <a:r>
-                  <a:rPr lang="pt-BR" dirty="0"/>
-                  <a:t>é um termo de memória</a:t>
+                  <a:t> é um termo de memória</a:t>
                 </a:r>
                 <a:r>
                   <a:rPr lang="pt-BR" dirty="0" smtClean="0"/>
@@ -6679,19 +6723,7 @@
                 </a14:m>
                 <a:r>
                   <a:rPr lang="pt-BR" dirty="0"/>
-                  <a:t>, maior será a influência de </a:t>
-                </a:r>
-                <a:r>
-                  <a:rPr lang="pt-BR" dirty="0"/>
-                  <a:t>gradientes </a:t>
-                </a:r>
-                <a:r>
-                  <a:rPr lang="pt-BR" dirty="0"/>
-                  <a:t>anteriores na </a:t>
-                </a:r>
-                <a:r>
-                  <a:rPr lang="pt-BR" dirty="0"/>
-                  <a:t>direção atual</a:t>
+                  <a:t>, maior será a influência de gradientes anteriores na direção atual</a:t>
                 </a:r>
                 <a:r>
                   <a:rPr lang="pt-BR" dirty="0" smtClean="0"/>
@@ -6742,7 +6774,7 @@
             </p:txBody>
           </p:sp>
         </mc:Choice>
-        <mc:Fallback>
+        <mc:Fallback xmlns="">
           <p:sp>
             <p:nvSpPr>
               <p:cNvPr id="3" name="Content Placeholder 2"/>
@@ -6827,18 +6859,18 @@
           <a:p>
             <a:r>
               <a:rPr lang="pt-BR" dirty="0"/>
-              <a:t>Variações dos algoritmos de otimização dos pesos: </a:t>
-            </a:r>
-            <a:r>
-              <a:rPr lang="pt-BR" b="1" dirty="0"/>
-              <a:t>Momentum</a:t>
+              <a:t>Variações dos algoritmos de otimização dos </a:t>
+            </a:r>
+            <a:r>
+              <a:rPr lang="pt-BR" dirty="0" smtClean="0"/>
+              <a:t>pesos</a:t>
             </a:r>
             <a:endParaRPr lang="pt-BR" dirty="0"/>
           </a:p>
         </p:txBody>
       </p:sp>
-      <mc:AlternateContent xmlns:mc="http://schemas.openxmlformats.org/markup-compatibility/2006">
-        <mc:Choice xmlns:a14="http://schemas.microsoft.com/office/drawing/2010/main" Requires="a14">
+      <mc:AlternateContent xmlns:mc="http://schemas.openxmlformats.org/markup-compatibility/2006" xmlns:a14="http://schemas.microsoft.com/office/drawing/2010/main">
+        <mc:Choice Requires="a14">
           <p:sp>
             <p:nvSpPr>
               <p:cNvPr id="3" name="Content Placeholder 2"/>
@@ -7025,7 +7057,7 @@
             </p:txBody>
           </p:sp>
         </mc:Choice>
-        <mc:Fallback>
+        <mc:Fallback xmlns="">
           <p:sp>
             <p:nvSpPr>
               <p:cNvPr id="3" name="Content Placeholder 2"/>
@@ -7132,38 +7164,327 @@
             <p:ph type="title"/>
           </p:nvPr>
         </p:nvSpPr>
-        <p:spPr/>
+        <p:spPr>
+          <a:xfrm>
+            <a:off x="838199" y="263527"/>
+            <a:ext cx="11353801" cy="1325563"/>
+          </a:xfrm>
+        </p:spPr>
         <p:txBody>
-          <a:bodyPr/>
+          <a:bodyPr>
+            <a:normAutofit/>
+          </a:bodyPr>
           <a:lstStyle/>
           <a:p>
-            <a:endParaRPr lang="pt-BR"/>
+            <a:r>
+              <a:rPr lang="pt-BR" dirty="0"/>
+              <a:t>Variações dos algoritmos de otimização dos </a:t>
+            </a:r>
+            <a:r>
+              <a:rPr lang="pt-BR" dirty="0" smtClean="0"/>
+              <a:t>pesos</a:t>
+            </a:r>
+            <a:endParaRPr lang="pt-BR" b="1" dirty="0"/>
           </a:p>
         </p:txBody>
       </p:sp>
-      <p:sp>
-        <p:nvSpPr>
-          <p:cNvPr id="3" name="Content Placeholder 2"/>
-          <p:cNvSpPr>
-            <a:spLocks noGrp="1"/>
-          </p:cNvSpPr>
-          <p:nvPr>
-            <p:ph idx="1"/>
-          </p:nvPr>
-        </p:nvSpPr>
-        <p:spPr/>
-        <p:txBody>
-          <a:bodyPr/>
-          <a:lstStyle/>
-          <a:p>
-            <a:endParaRPr lang="pt-BR"/>
-          </a:p>
-        </p:txBody>
-      </p:sp>
+      <mc:AlternateContent xmlns:mc="http://schemas.openxmlformats.org/markup-compatibility/2006">
+        <mc:Choice xmlns:a14="http://schemas.microsoft.com/office/drawing/2010/main" Requires="a14">
+          <p:sp>
+            <p:nvSpPr>
+              <p:cNvPr id="3" name="Content Placeholder 2"/>
+              <p:cNvSpPr>
+                <a:spLocks noGrp="1"/>
+              </p:cNvSpPr>
+              <p:nvPr>
+                <p:ph idx="1"/>
+              </p:nvPr>
+            </p:nvSpPr>
+            <p:spPr>
+              <a:xfrm>
+                <a:off x="838199" y="1825624"/>
+                <a:ext cx="11224492" cy="5032375"/>
+              </a:xfrm>
+            </p:spPr>
+            <p:txBody>
+              <a:bodyPr>
+                <a:normAutofit fontScale="92500"/>
+              </a:bodyPr>
+              <a:lstStyle/>
+              <a:p>
+                <a:pPr>
+                  <a:buFont typeface="Wingdings" panose="05000000000000000000" pitchFamily="2" charset="2"/>
+                  <a:buChar char="Ø"/>
+                </a:pPr>
+                <a:r>
+                  <a:rPr lang="pt-BR" b="1" dirty="0"/>
+                  <a:t>Momento de Nesterov</a:t>
+                </a:r>
+                <a:endParaRPr lang="pt-BR" dirty="0"/>
+              </a:p>
+              <a:p>
+                <a:pPr lvl="1">
+                  <a:buFont typeface="Wingdings" panose="05000000000000000000" pitchFamily="2" charset="2"/>
+                  <a:buChar char="§"/>
+                </a:pPr>
+                <a:r>
+                  <a:rPr lang="pt-BR" dirty="0"/>
+                  <a:t>O método do </a:t>
+                </a:r>
+                <a:r>
+                  <a:rPr lang="pt-BR" b="1" i="1" dirty="0"/>
+                  <a:t>momento de Nesterov </a:t>
+                </a:r>
+                <a:r>
+                  <a:rPr lang="pt-BR" dirty="0"/>
+                  <a:t>pode ser visto, essencialmente, como uma variação do </a:t>
+                </a:r>
+                <a:r>
+                  <a:rPr lang="pt-BR" b="1" i="1" dirty="0"/>
+                  <a:t>método do momento</a:t>
+                </a:r>
+                <a:r>
+                  <a:rPr lang="pt-BR" dirty="0"/>
+                  <a:t> em que o cálculo do </a:t>
+                </a:r>
+                <a:r>
+                  <a:rPr lang="pt-BR" b="1" i="1" dirty="0"/>
+                  <a:t>vetor gradiente</a:t>
+                </a:r>
+                <a:r>
+                  <a:rPr lang="pt-BR" dirty="0"/>
+                  <a:t> não é feito sobre o vetor de pesos </a:t>
+                </a:r>
+                <a14:m>
+                  <m:oMath xmlns:m="http://schemas.openxmlformats.org/officeDocument/2006/math">
+                    <m:r>
+                      <a:rPr lang="pt-BR" b="1" i="1">
+                        <a:latin typeface="Cambria Math" panose="02040503050406030204" pitchFamily="18" charset="0"/>
+                        <a:ea typeface="Cambria Math" panose="02040503050406030204" pitchFamily="18" charset="0"/>
+                      </a:rPr>
+                      <m:t>𝒘</m:t>
+                    </m:r>
+                  </m:oMath>
+                </a14:m>
+                <a:r>
+                  <a:rPr lang="pt-BR" dirty="0"/>
+                  <a:t>, mas sim sobre </a:t>
+                </a:r>
+                <a14:m>
+                  <m:oMath xmlns:m="http://schemas.openxmlformats.org/officeDocument/2006/math">
+                    <m:r>
+                      <a:rPr lang="pt-BR" b="1" i="1">
+                        <a:latin typeface="Cambria Math" panose="02040503050406030204" pitchFamily="18" charset="0"/>
+                        <a:ea typeface="Cambria Math" panose="02040503050406030204" pitchFamily="18" charset="0"/>
+                      </a:rPr>
+                      <m:t>𝒘</m:t>
+                    </m:r>
+                    <m:r>
+                      <a:rPr lang="pt-BR" b="0" i="1" smtClean="0">
+                        <a:latin typeface="Cambria Math" panose="02040503050406030204" pitchFamily="18" charset="0"/>
+                        <a:ea typeface="Cambria Math" panose="02040503050406030204" pitchFamily="18" charset="0"/>
+                      </a:rPr>
+                      <m:t>+</m:t>
+                    </m:r>
+                    <m:r>
+                      <a:rPr lang="pt-BR" i="1">
+                        <a:latin typeface="Cambria Math" panose="02040503050406030204" pitchFamily="18" charset="0"/>
+                        <a:ea typeface="Cambria Math" panose="02040503050406030204" pitchFamily="18" charset="0"/>
+                      </a:rPr>
+                      <m:t>𝜑</m:t>
+                    </m:r>
+                    <m:r>
+                      <a:rPr lang="pt-BR" b="1" i="1" smtClean="0">
+                        <a:latin typeface="Cambria Math" panose="02040503050406030204" pitchFamily="18" charset="0"/>
+                        <a:ea typeface="Cambria Math" panose="02040503050406030204" pitchFamily="18" charset="0"/>
+                      </a:rPr>
+                      <m:t>𝒗</m:t>
+                    </m:r>
+                  </m:oMath>
+                </a14:m>
+                <a:r>
+                  <a:rPr lang="pt-BR" dirty="0"/>
+                  <a:t>. </a:t>
+                </a:r>
+                <a:endParaRPr lang="pt-BR" dirty="0" smtClean="0"/>
+              </a:p>
+              <a:p>
+                <a:pPr lvl="1">
+                  <a:buFont typeface="Wingdings" panose="05000000000000000000" pitchFamily="2" charset="2"/>
+                  <a:buChar char="§"/>
+                </a:pPr>
+                <a:r>
+                  <a:rPr lang="pt-BR" dirty="0" smtClean="0"/>
+                  <a:t>Esse </a:t>
+                </a:r>
+                <a:r>
+                  <a:rPr lang="pt-BR" dirty="0"/>
+                  <a:t>termo adicional funciona como um fator de correção que pode beneficiar, em alguns casos, a velocidade de convergência.</a:t>
+                </a:r>
+              </a:p>
+              <a:p>
+                <a:pPr>
+                  <a:buFont typeface="Wingdings" panose="05000000000000000000" pitchFamily="2" charset="2"/>
+                  <a:buChar char="Ø"/>
+                </a:pPr>
+                <a:r>
+                  <a:rPr lang="pt-BR" b="1" dirty="0"/>
+                  <a:t>Modelos com Passo de Aprendizagem Adaptativo</a:t>
+                </a:r>
+              </a:p>
+              <a:p>
+                <a:pPr lvl="1">
+                  <a:buFont typeface="Wingdings" panose="05000000000000000000" pitchFamily="2" charset="2"/>
+                  <a:buChar char="§"/>
+                </a:pPr>
+                <a:r>
+                  <a:rPr lang="pt-BR" dirty="0" smtClean="0"/>
+                  <a:t>O </a:t>
+                </a:r>
+                <a:r>
+                  <a:rPr lang="pt-BR" b="1" i="1" dirty="0"/>
+                  <a:t>passo de aprendizagem </a:t>
+                </a:r>
+                <a:r>
+                  <a:rPr lang="pt-BR" dirty="0"/>
+                  <a:t>é um hiperparâmetro difícil de se ajustar otimamente e bastante relevante para o sucesso do treinamento de uma rede neural. </a:t>
+                </a:r>
+                <a:endParaRPr lang="pt-BR" dirty="0" smtClean="0"/>
+              </a:p>
+              <a:p>
+                <a:pPr lvl="1">
+                  <a:buFont typeface="Wingdings" panose="05000000000000000000" pitchFamily="2" charset="2"/>
+                  <a:buChar char="§"/>
+                </a:pPr>
+                <a:r>
+                  <a:rPr lang="pt-BR" dirty="0" smtClean="0"/>
+                  <a:t>Isso </a:t>
+                </a:r>
+                <a:r>
+                  <a:rPr lang="pt-BR" dirty="0"/>
+                  <a:t>motivou o surgimento de um conjunto de métodos com mecanismos capazes de modificá-lo dinamicamente. </a:t>
+                </a:r>
+                <a:endParaRPr lang="pt-BR" dirty="0" smtClean="0"/>
+              </a:p>
+              <a:p>
+                <a:pPr lvl="1">
+                  <a:buFont typeface="Wingdings" panose="05000000000000000000" pitchFamily="2" charset="2"/>
+                  <a:buChar char="§"/>
+                </a:pPr>
+                <a:r>
+                  <a:rPr lang="pt-BR" dirty="0" smtClean="0"/>
+                  <a:t>O passo </a:t>
+                </a:r>
+                <a:r>
+                  <a:rPr lang="pt-BR" dirty="0"/>
+                  <a:t>é </a:t>
+                </a:r>
+                <a:r>
+                  <a:rPr lang="pt-BR" dirty="0" smtClean="0"/>
+                  <a:t>ajustado </a:t>
+                </a:r>
+                <a:r>
+                  <a:rPr lang="pt-BR" dirty="0"/>
+                  <a:t>de acordo com a desempenho </a:t>
+                </a:r>
+                <a:r>
+                  <a:rPr lang="pt-BR" dirty="0" smtClean="0"/>
+                  <a:t>da rede e</a:t>
+                </a:r>
+                <a:r>
+                  <a:rPr lang="pt-BR" dirty="0"/>
+                  <a:t>, além disso, </a:t>
+                </a:r>
+                <a:r>
+                  <a:rPr lang="pt-BR" dirty="0" smtClean="0"/>
+                  <a:t>pode-se ter </a:t>
+                </a:r>
+                <a:r>
+                  <a:rPr lang="pt-BR" dirty="0"/>
+                  <a:t>passos diferentes para cada peso do modelo, os quais são atualizados de forma independente. </a:t>
+                </a:r>
+                <a:endParaRPr lang="pt-BR" dirty="0" smtClean="0"/>
+              </a:p>
+              <a:p>
+                <a:pPr lvl="1">
+                  <a:buFont typeface="Wingdings" panose="05000000000000000000" pitchFamily="2" charset="2"/>
+                  <a:buChar char="§"/>
+                </a:pPr>
+                <a:r>
+                  <a:rPr lang="pt-BR" dirty="0" smtClean="0"/>
+                  <a:t>Dentre </a:t>
+                </a:r>
+                <a:r>
+                  <a:rPr lang="pt-BR" dirty="0"/>
+                  <a:t>as técnicas mais populares dessa classe estão o </a:t>
+                </a:r>
+                <a:r>
+                  <a:rPr lang="pt-BR" b="1" i="1" dirty="0"/>
+                  <a:t>AdaGrad</a:t>
+                </a:r>
+                <a:r>
+                  <a:rPr lang="pt-BR" dirty="0"/>
+                  <a:t>, o </a:t>
+                </a:r>
+                <a:r>
+                  <a:rPr lang="pt-BR" b="1" i="1" dirty="0"/>
+                  <a:t>RMSProp</a:t>
+                </a:r>
+                <a:r>
+                  <a:rPr lang="pt-BR" dirty="0"/>
+                  <a:t> e o </a:t>
+                </a:r>
+                <a:r>
+                  <a:rPr lang="pt-BR" b="1" i="1" dirty="0" smtClean="0"/>
+                  <a:t>Adam.</a:t>
+                </a:r>
+                <a:endParaRPr lang="pt-BR" dirty="0"/>
+              </a:p>
+            </p:txBody>
+          </p:sp>
+        </mc:Choice>
+        <mc:Fallback>
+          <p:sp>
+            <p:nvSpPr>
+              <p:cNvPr id="3" name="Content Placeholder 2"/>
+              <p:cNvSpPr>
+                <a:spLocks noGrp="1" noRot="1" noChangeAspect="1" noMove="1" noResize="1" noEditPoints="1" noAdjustHandles="1" noChangeArrowheads="1" noChangeShapeType="1" noTextEdit="1"/>
+              </p:cNvSpPr>
+              <p:nvPr>
+                <p:ph idx="1"/>
+              </p:nvPr>
+            </p:nvSpPr>
+            <p:spPr>
+              <a:xfrm>
+                <a:off x="838199" y="1825624"/>
+                <a:ext cx="11224492" cy="5032375"/>
+              </a:xfrm>
+              <a:blipFill rotWithShape="0">
+                <a:blip r:embed="rId3"/>
+                <a:stretch>
+                  <a:fillRect l="-814" t="-1816" r="-1194" b="-484"/>
+                </a:stretch>
+              </a:blipFill>
+            </p:spPr>
+            <p:txBody>
+              <a:bodyPr/>
+              <a:lstStyle/>
+              <a:p>
+                <a:r>
+                  <a:rPr lang="pt-BR">
+                    <a:noFill/>
+                  </a:rPr>
+                  <a:t> </a:t>
+                </a:r>
+              </a:p>
+            </p:txBody>
+          </p:sp>
+        </mc:Fallback>
+      </mc:AlternateContent>
     </p:spTree>
     <p:extLst>
       <p:ext uri="{BB962C8B-B14F-4D97-AF65-F5344CB8AC3E}">
-        <p14:creationId xmlns:p14="http://schemas.microsoft.com/office/powerpoint/2010/main" val="3936233178"/>
+        <p14:creationId xmlns:p14="http://schemas.microsoft.com/office/powerpoint/2010/main" val="2266778616"/>
       </p:ext>
     </p:extLst>
   </p:cSld>
@@ -7200,273 +7521,186 @@
             <p:ph type="title"/>
           </p:nvPr>
         </p:nvSpPr>
+        <p:spPr/>
+        <p:txBody>
+          <a:bodyPr/>
+          <a:lstStyle/>
+          <a:p>
+            <a:r>
+              <a:rPr lang="pt-BR" dirty="0"/>
+              <a:t>Inicialização dos Pesos</a:t>
+            </a:r>
+          </a:p>
+        </p:txBody>
+      </p:sp>
+      <p:sp>
+        <p:nvSpPr>
+          <p:cNvPr id="3" name="Content Placeholder 2"/>
+          <p:cNvSpPr>
+            <a:spLocks noGrp="1"/>
+          </p:cNvSpPr>
+          <p:nvPr>
+            <p:ph idx="1"/>
+          </p:nvPr>
+        </p:nvSpPr>
         <p:spPr>
           <a:xfrm>
-            <a:off x="838200" y="263527"/>
-            <a:ext cx="10515600" cy="1325563"/>
+            <a:off x="838200" y="1825624"/>
+            <a:ext cx="11150600" cy="5032376"/>
           </a:xfrm>
         </p:spPr>
         <p:txBody>
           <a:bodyPr>
-            <a:normAutofit fontScale="90000"/>
+            <a:normAutofit fontScale="92500"/>
           </a:bodyPr>
           <a:lstStyle/>
           <a:p>
             <a:r>
               <a:rPr lang="pt-BR" dirty="0"/>
-              <a:t>Variações dos algoritmos de otimização dos pesos: </a:t>
-            </a:r>
-            <a:r>
-              <a:rPr lang="pt-BR" b="1" dirty="0"/>
-              <a:t>Momento de Nesterov e Passo de Aprendizado Adaptativo</a:t>
+              <a:t>Uma vez que os métodos de treinamento de </a:t>
+            </a:r>
+            <a:r>
+              <a:rPr lang="pt-BR" b="1" i="1" dirty="0"/>
+              <a:t>redes neurais MLP </a:t>
+            </a:r>
+            <a:r>
+              <a:rPr lang="pt-BR" dirty="0"/>
+              <a:t>são iterativos, eles dependem de uma </a:t>
+            </a:r>
+            <a:r>
+              <a:rPr lang="pt-BR" b="1" i="1" dirty="0"/>
+              <a:t>inicialização dos pesos</a:t>
+            </a:r>
+            <a:r>
+              <a:rPr lang="pt-BR" dirty="0"/>
+              <a:t>. </a:t>
+            </a:r>
+          </a:p>
+          <a:p>
+            <a:r>
+              <a:rPr lang="pt-BR" dirty="0"/>
+              <a:t>Como os métodos são de </a:t>
+            </a:r>
+            <a:r>
+              <a:rPr lang="pt-BR" b="1" i="1" dirty="0"/>
+              <a:t>busca local</a:t>
+            </a:r>
+            <a:r>
+              <a:rPr lang="pt-BR" dirty="0"/>
+              <a:t>, a inicialização pode afetar drasticamente a qualidade da solução obtida.</a:t>
+            </a:r>
+          </a:p>
+          <a:p>
+            <a:r>
+              <a:rPr lang="pt-BR" dirty="0"/>
+              <a:t>O </a:t>
+            </a:r>
+            <a:r>
+              <a:rPr lang="pt-BR" b="1" i="1" dirty="0"/>
+              <a:t>ponto de inicialização </a:t>
+            </a:r>
+            <a:r>
+              <a:rPr lang="pt-BR" dirty="0"/>
+              <a:t>pode determinar se o algoritmo converge, sendo alguns pontos iniciais tão instáveis que o algoritmo encontra dificuldades numéricas e falha completamente em convergir.</a:t>
+            </a:r>
+          </a:p>
+          <a:p>
+            <a:r>
+              <a:rPr lang="pt-BR" dirty="0"/>
+              <a:t>Também pode haver variações expressivas na </a:t>
+            </a:r>
+            <a:r>
+              <a:rPr lang="pt-BR" b="1" i="1" dirty="0"/>
+              <a:t>velocidade de convergência</a:t>
+            </a:r>
+            <a:r>
+              <a:rPr lang="pt-BR" dirty="0"/>
+              <a:t>.</a:t>
+            </a:r>
+          </a:p>
+          <a:p>
+            <a:r>
+              <a:rPr lang="pt-BR" dirty="0"/>
+              <a:t>Um ponto importante da inicialização é “</a:t>
+            </a:r>
+            <a:r>
+              <a:rPr lang="pt-BR" b="1" i="1" dirty="0"/>
+              <a:t>quebrar a simetria</a:t>
+            </a:r>
+            <a:r>
+              <a:rPr lang="pt-BR" dirty="0"/>
+              <a:t>” entre os </a:t>
+            </a:r>
+            <a:r>
+              <a:rPr lang="pt-BR" b="1" i="1" dirty="0"/>
+              <a:t>nós</a:t>
+            </a:r>
+            <a:r>
+              <a:rPr lang="pt-BR" dirty="0"/>
+              <a:t>, ou seja, </a:t>
+            </a:r>
+            <a:r>
+              <a:rPr lang="pt-BR" b="1" i="1" dirty="0" smtClean="0"/>
+              <a:t>nós</a:t>
+            </a:r>
+            <a:r>
+              <a:rPr lang="pt-BR" dirty="0" smtClean="0"/>
+              <a:t> com </a:t>
+            </a:r>
+            <a:r>
+              <a:rPr lang="pt-BR" dirty="0"/>
+              <a:t>a mesma </a:t>
+            </a:r>
+            <a:r>
+              <a:rPr lang="pt-BR" b="1" i="1" dirty="0"/>
+              <a:t>função de ativação</a:t>
+            </a:r>
+            <a:r>
+              <a:rPr lang="pt-BR" dirty="0"/>
+              <a:t> </a:t>
+            </a:r>
+            <a:r>
+              <a:rPr lang="pt-BR" dirty="0" smtClean="0"/>
+              <a:t>e conectados </a:t>
+            </a:r>
+            <a:r>
+              <a:rPr lang="pt-BR" dirty="0"/>
+              <a:t>às mesmas entradas, </a:t>
+            </a:r>
+            <a:r>
+              <a:rPr lang="pt-BR" dirty="0" smtClean="0"/>
+              <a:t>devem ter pesos </a:t>
+            </a:r>
+            <a:r>
+              <a:rPr lang="pt-BR" dirty="0"/>
+              <a:t>iniciais diferentes. </a:t>
+            </a:r>
+            <a:endParaRPr lang="pt-BR" dirty="0" smtClean="0"/>
+          </a:p>
+          <a:p>
+            <a:r>
+              <a:rPr lang="pt-BR" dirty="0" smtClean="0"/>
+              <a:t>Isso</a:t>
+            </a:r>
+            <a:r>
+              <a:rPr lang="pt-BR" dirty="0"/>
+              <a:t>, portanto, sugere uma </a:t>
+            </a:r>
+            <a:r>
+              <a:rPr lang="pt-BR" b="1" i="1" dirty="0"/>
+              <a:t>abordagem aleatória</a:t>
+            </a:r>
+            <a:r>
+              <a:rPr lang="pt-BR" dirty="0"/>
+              <a:t>.</a:t>
             </a:r>
           </a:p>
         </p:txBody>
       </p:sp>
-      <mc:AlternateContent xmlns:mc="http://schemas.openxmlformats.org/markup-compatibility/2006" xmlns:a14="http://schemas.microsoft.com/office/drawing/2010/main">
-        <mc:Choice Requires="a14">
-          <p:sp>
-            <p:nvSpPr>
-              <p:cNvPr id="3" name="Content Placeholder 2"/>
-              <p:cNvSpPr>
-                <a:spLocks noGrp="1"/>
-              </p:cNvSpPr>
-              <p:nvPr>
-                <p:ph idx="1"/>
-              </p:nvPr>
-            </p:nvSpPr>
-            <p:spPr>
-              <a:xfrm>
-                <a:off x="838199" y="1825625"/>
-                <a:ext cx="11167533" cy="4913842"/>
-              </a:xfrm>
-            </p:spPr>
-            <p:txBody>
-              <a:bodyPr/>
-              <a:lstStyle/>
-              <a:p>
-                <a:pPr>
-                  <a:buFont typeface="Wingdings" panose="05000000000000000000" pitchFamily="2" charset="2"/>
-                  <a:buChar char="Ø"/>
-                </a:pPr>
-                <a:r>
-                  <a:rPr lang="pt-BR" b="1" dirty="0"/>
-                  <a:t>Momento de Nesterov</a:t>
-                </a:r>
-                <a:endParaRPr lang="pt-BR" dirty="0"/>
-              </a:p>
-              <a:p>
-                <a:pPr lvl="1">
-                  <a:buFont typeface="Wingdings" panose="05000000000000000000" pitchFamily="2" charset="2"/>
-                  <a:buChar char="§"/>
-                </a:pPr>
-                <a:r>
-                  <a:rPr lang="pt-BR" dirty="0"/>
-                  <a:t>O método do </a:t>
-                </a:r>
-                <a:r>
-                  <a:rPr lang="pt-BR" b="1" i="1" dirty="0"/>
-                  <a:t>momento de Nesterov </a:t>
-                </a:r>
-                <a:r>
-                  <a:rPr lang="pt-BR" dirty="0"/>
-                  <a:t>pode ser visto, essencialmente, como uma variação do </a:t>
-                </a:r>
-                <a:r>
-                  <a:rPr lang="pt-BR" b="1" i="1" dirty="0"/>
-                  <a:t>método do momento</a:t>
-                </a:r>
-                <a:r>
-                  <a:rPr lang="pt-BR" dirty="0"/>
-                  <a:t> em que o cálculo do </a:t>
-                </a:r>
-                <a:r>
-                  <a:rPr lang="pt-BR" b="1" i="1" dirty="0"/>
-                  <a:t>vetor gradiente</a:t>
-                </a:r>
-                <a:r>
-                  <a:rPr lang="pt-BR" dirty="0"/>
-                  <a:t> não é feito sobre o vetor de pesos </a:t>
-                </a:r>
-                <a14:m>
-                  <m:oMath xmlns:m="http://schemas.openxmlformats.org/officeDocument/2006/math">
-                    <m:r>
-                      <a:rPr lang="pt-BR" b="1" i="1">
-                        <a:latin typeface="Cambria Math" panose="02040503050406030204" pitchFamily="18" charset="0"/>
-                        <a:ea typeface="Cambria Math" panose="02040503050406030204" pitchFamily="18" charset="0"/>
-                      </a:rPr>
-                      <m:t>𝒘</m:t>
-                    </m:r>
-                  </m:oMath>
-                </a14:m>
-                <a:r>
-                  <a:rPr lang="pt-BR" dirty="0"/>
-                  <a:t>, mas sim sobre </a:t>
-                </a:r>
-                <a14:m>
-                  <m:oMath xmlns:m="http://schemas.openxmlformats.org/officeDocument/2006/math">
-                    <m:r>
-                      <a:rPr lang="pt-BR" b="1" i="1">
-                        <a:latin typeface="Cambria Math" panose="02040503050406030204" pitchFamily="18" charset="0"/>
-                        <a:ea typeface="Cambria Math" panose="02040503050406030204" pitchFamily="18" charset="0"/>
-                      </a:rPr>
-                      <m:t>𝒘</m:t>
-                    </m:r>
-                    <m:r>
-                      <a:rPr lang="pt-BR" b="0" i="1" smtClean="0">
-                        <a:latin typeface="Cambria Math" panose="02040503050406030204" pitchFamily="18" charset="0"/>
-                        <a:ea typeface="Cambria Math" panose="02040503050406030204" pitchFamily="18" charset="0"/>
-                      </a:rPr>
-                      <m:t>+</m:t>
-                    </m:r>
-                    <m:r>
-                      <a:rPr lang="pt-BR" i="1">
-                        <a:latin typeface="Cambria Math" panose="02040503050406030204" pitchFamily="18" charset="0"/>
-                        <a:ea typeface="Cambria Math" panose="02040503050406030204" pitchFamily="18" charset="0"/>
-                      </a:rPr>
-                      <m:t>𝜑</m:t>
-                    </m:r>
-                    <m:r>
-                      <a:rPr lang="pt-BR" b="1" i="1" smtClean="0">
-                        <a:latin typeface="Cambria Math" panose="02040503050406030204" pitchFamily="18" charset="0"/>
-                        <a:ea typeface="Cambria Math" panose="02040503050406030204" pitchFamily="18" charset="0"/>
-                      </a:rPr>
-                      <m:t>𝒗</m:t>
-                    </m:r>
-                  </m:oMath>
-                </a14:m>
-                <a:r>
-                  <a:rPr lang="pt-BR" dirty="0"/>
-                  <a:t>. </a:t>
-                </a:r>
-                <a:endParaRPr lang="pt-BR" dirty="0" smtClean="0"/>
-              </a:p>
-              <a:p>
-                <a:pPr lvl="1">
-                  <a:buFont typeface="Wingdings" panose="05000000000000000000" pitchFamily="2" charset="2"/>
-                  <a:buChar char="§"/>
-                </a:pPr>
-                <a:r>
-                  <a:rPr lang="pt-BR" dirty="0" smtClean="0"/>
-                  <a:t>Esse </a:t>
-                </a:r>
-                <a:r>
-                  <a:rPr lang="pt-BR" dirty="0"/>
-                  <a:t>termo adicional funciona como um fator de correção que pode beneficiar, em alguns casos, a velocidade de convergência.</a:t>
-                </a:r>
-              </a:p>
-              <a:p>
-                <a:pPr>
-                  <a:buFont typeface="Wingdings" panose="05000000000000000000" pitchFamily="2" charset="2"/>
-                  <a:buChar char="Ø"/>
-                </a:pPr>
-                <a:r>
-                  <a:rPr lang="pt-BR" b="1" dirty="0"/>
-                  <a:t>Modelos com Passo de Aprendizagem Adaptativo</a:t>
-                </a:r>
-              </a:p>
-              <a:p>
-                <a:pPr lvl="1">
-                  <a:buFont typeface="Wingdings" panose="05000000000000000000" pitchFamily="2" charset="2"/>
-                  <a:buChar char="§"/>
-                </a:pPr>
-                <a:r>
-                  <a:rPr lang="pt-BR" dirty="0"/>
-                  <a:t>Como discutimos anteriormente, o </a:t>
-                </a:r>
-                <a:r>
-                  <a:rPr lang="pt-BR" b="1" i="1" dirty="0"/>
-                  <a:t>passo de aprendizagem </a:t>
-                </a:r>
-                <a:r>
-                  <a:rPr lang="pt-BR" dirty="0"/>
-                  <a:t>é um hiperparâmetro difícil de se ajustar otimamente e bastante relevante para o sucesso do treinamento de uma rede neural. </a:t>
-                </a:r>
-                <a:endParaRPr lang="pt-BR" dirty="0" smtClean="0"/>
-              </a:p>
-              <a:p>
-                <a:pPr lvl="1">
-                  <a:buFont typeface="Wingdings" panose="05000000000000000000" pitchFamily="2" charset="2"/>
-                  <a:buChar char="§"/>
-                </a:pPr>
-                <a:r>
-                  <a:rPr lang="pt-BR" dirty="0" smtClean="0"/>
-                  <a:t>Isso </a:t>
-                </a:r>
-                <a:r>
-                  <a:rPr lang="pt-BR" dirty="0"/>
-                  <a:t>motivou o surgimento de um conjunto de métodos com mecanismos capazes de modificá-lo dinamicamente. Dentre as técnicas mais populares dessa classe estão o </a:t>
-                </a:r>
-                <a:r>
-                  <a:rPr lang="pt-BR" b="1" i="1" dirty="0"/>
-                  <a:t>AdaGrad</a:t>
-                </a:r>
-                <a:r>
-                  <a:rPr lang="pt-BR" dirty="0"/>
-                  <a:t>, o </a:t>
-                </a:r>
-                <a:r>
-                  <a:rPr lang="pt-BR" b="1" i="1" dirty="0"/>
-                  <a:t>RMSProp</a:t>
-                </a:r>
-                <a:r>
-                  <a:rPr lang="pt-BR" dirty="0"/>
-                  <a:t> e o </a:t>
-                </a:r>
-                <a:r>
-                  <a:rPr lang="pt-BR" b="1" i="1" dirty="0"/>
-                  <a:t>Adam</a:t>
-                </a:r>
-                <a:r>
-                  <a:rPr lang="pt-BR" dirty="0"/>
-                  <a:t> (de “adaptive moments”).</a:t>
-                </a:r>
-              </a:p>
-            </p:txBody>
-          </p:sp>
-        </mc:Choice>
-        <mc:Fallback xmlns="">
-          <p:sp>
-            <p:nvSpPr>
-              <p:cNvPr id="3" name="Content Placeholder 2"/>
-              <p:cNvSpPr>
-                <a:spLocks noGrp="1" noRot="1" noChangeAspect="1" noMove="1" noResize="1" noEditPoints="1" noAdjustHandles="1" noChangeArrowheads="1" noChangeShapeType="1" noTextEdit="1"/>
-              </p:cNvSpPr>
-              <p:nvPr>
-                <p:ph idx="1"/>
-              </p:nvPr>
-            </p:nvSpPr>
-            <p:spPr>
-              <a:xfrm>
-                <a:off x="838199" y="1825625"/>
-                <a:ext cx="11167533" cy="4913842"/>
-              </a:xfrm>
-              <a:blipFill rotWithShape="0">
-                <a:blip r:embed="rId3"/>
-                <a:stretch>
-                  <a:fillRect l="-928" t="-1983" r="-437" b="-1611"/>
-                </a:stretch>
-              </a:blipFill>
-            </p:spPr>
-            <p:txBody>
-              <a:bodyPr/>
-              <a:lstStyle/>
-              <a:p>
-                <a:r>
-                  <a:rPr lang="pt-BR">
-                    <a:noFill/>
-                  </a:rPr>
-                  <a:t> </a:t>
-                </a:r>
-              </a:p>
-            </p:txBody>
-          </p:sp>
-        </mc:Fallback>
-      </mc:AlternateContent>
     </p:spTree>
     <p:extLst>
       <p:ext uri="{BB962C8B-B14F-4D97-AF65-F5344CB8AC3E}">
-        <p14:creationId xmlns:p14="http://schemas.microsoft.com/office/powerpoint/2010/main" val="2266778616"/>
+        <p14:creationId xmlns:p14="http://schemas.microsoft.com/office/powerpoint/2010/main" val="3992928782"/>
       </p:ext>
     </p:extLst>
   </p:cSld>
@@ -7527,91 +7761,64 @@
         </p:nvSpPr>
         <p:spPr>
           <a:xfrm>
-            <a:off x="838200" y="1825624"/>
-            <a:ext cx="11150600" cy="5032376"/>
+            <a:off x="838199" y="1825624"/>
+            <a:ext cx="11187546" cy="5032375"/>
           </a:xfrm>
         </p:spPr>
         <p:txBody>
           <a:bodyPr>
-            <a:normAutofit fontScale="92500" lnSpcReduction="10000"/>
+            <a:normAutofit/>
           </a:bodyPr>
           <a:lstStyle/>
           <a:p>
             <a:r>
               <a:rPr lang="pt-BR" dirty="0"/>
-              <a:t>Uma vez que os métodos de treinamento de </a:t>
+              <a:t>Os pesos </a:t>
+            </a:r>
+            <a:r>
+              <a:rPr lang="pt-BR" dirty="0"/>
+              <a:t>são tipicamente obtidos </a:t>
+            </a:r>
+            <a:r>
+              <a:rPr lang="pt-BR" dirty="0"/>
+              <a:t>de </a:t>
             </a:r>
             <a:r>
               <a:rPr lang="pt-BR" b="1" i="1" dirty="0"/>
-              <a:t>redes neurais MLP </a:t>
+              <a:t>distribuições gaussianas </a:t>
             </a:r>
             <a:r>
               <a:rPr lang="pt-BR" dirty="0"/>
-              <a:t>são iterativos, eles dependem de uma </a:t>
+              <a:t>ou </a:t>
             </a:r>
             <a:r>
               <a:rPr lang="pt-BR" b="1" i="1" dirty="0"/>
-              <a:t>inicialização dos pesos</a:t>
+              <a:t>uniformes</a:t>
             </a:r>
             <a:r>
               <a:rPr lang="pt-BR" dirty="0"/>
               <a:t>. </a:t>
             </a:r>
-          </a:p>
-          <a:p>
+            <a:endParaRPr lang="pt-BR" dirty="0" smtClean="0"/>
+          </a:p>
+          <a:p>
+            <a:r>
+              <a:rPr lang="pt-BR" dirty="0" smtClean="0"/>
+              <a:t>A </a:t>
+            </a:r>
             <a:r>
               <a:rPr lang="pt-BR" dirty="0"/>
-              <a:t>Como os métodos são de </a:t>
-            </a:r>
-            <a:r>
-              <a:rPr lang="pt-BR" b="1" i="1" dirty="0"/>
-              <a:t>busca local</a:t>
-            </a:r>
+              <a:t>ordem de grandeza desses pesos levanta algumas discussões:</a:t>
+            </a:r>
+          </a:p>
+          <a:p>
+            <a:pPr lvl="1">
+              <a:buFont typeface="Wingdings" panose="05000000000000000000" pitchFamily="2" charset="2"/>
+              <a:buChar char="§"/>
+            </a:pPr>
             <a:r>
               <a:rPr lang="pt-BR" dirty="0"/>
-              <a:t>, a inicialização pode afetar drasticamente a qualidade da solução obtida.</a:t>
-            </a:r>
-          </a:p>
-          <a:p>
-            <a:r>
-              <a:rPr lang="pt-BR" dirty="0"/>
-              <a:t>O </a:t>
-            </a:r>
-            <a:r>
-              <a:rPr lang="pt-BR" b="1" i="1" dirty="0"/>
-              <a:t>ponto de inicialização </a:t>
-            </a:r>
-            <a:r>
-              <a:rPr lang="pt-BR" dirty="0"/>
-              <a:t>pode determinar se o algoritmo converge, sendo alguns pontos iniciais tão instáveis que o algoritmo encontra dificuldades numéricas e falha completamente em convergir.</a:t>
-            </a:r>
-          </a:p>
-          <a:p>
-            <a:r>
-              <a:rPr lang="pt-BR" dirty="0"/>
-              <a:t>Também pode haver variações expressivas na </a:t>
-            </a:r>
-            <a:r>
-              <a:rPr lang="pt-BR" b="1" i="1" dirty="0"/>
-              <a:t>velocidade de convergência</a:t>
-            </a:r>
-            <a:r>
-              <a:rPr lang="pt-BR" dirty="0"/>
-              <a:t>.</a:t>
-            </a:r>
-          </a:p>
-          <a:p>
-            <a:r>
-              <a:rPr lang="pt-BR" dirty="0"/>
-              <a:t>Um ponto importante da inicialização é “</a:t>
-            </a:r>
-            <a:r>
-              <a:rPr lang="pt-BR" b="1" i="1" dirty="0"/>
-              <a:t>quebrar a simetria</a:t>
-            </a:r>
-            <a:r>
-              <a:rPr lang="pt-BR" dirty="0"/>
-              <a:t>” entre os </a:t>
+              <a:t>Pesos de maior magnitude criam maior distinção entre </a:t>
             </a:r>
             <a:r>
               <a:rPr lang="pt-BR" b="1" i="1" dirty="0"/>
@@ -7619,7 +7826,43 @@
             </a:r>
             <a:r>
               <a:rPr lang="pt-BR" dirty="0"/>
-              <a:t>, ou seja, se dois </a:t>
+              <a:t> (i.e., a </a:t>
+            </a:r>
+            <a:r>
+              <a:rPr lang="pt-BR" b="1" i="1" dirty="0"/>
+              <a:t>quebra de simetria</a:t>
+            </a:r>
+            <a:r>
+              <a:rPr lang="pt-BR" dirty="0"/>
+              <a:t>). Por outro lado, isso pode causar problemas de instabilidade. </a:t>
+            </a:r>
+          </a:p>
+          <a:p>
+            <a:pPr lvl="1">
+              <a:buFont typeface="Wingdings" panose="05000000000000000000" pitchFamily="2" charset="2"/>
+              <a:buChar char="§"/>
+            </a:pPr>
+            <a:r>
+              <a:rPr lang="pt-BR" dirty="0"/>
+              <a:t>Pesos de maior magnitude favorecem a propagação de informação, porém, por outro lado, causam preocupações do ponto </a:t>
+            </a:r>
+            <a:r>
+              <a:rPr lang="pt-BR" dirty="0" smtClean="0"/>
+              <a:t>de vista de </a:t>
+            </a:r>
+            <a:r>
+              <a:rPr lang="pt-BR" dirty="0"/>
+              <a:t>regularização.</a:t>
+            </a:r>
+          </a:p>
+          <a:p>
+            <a:pPr lvl="1">
+              <a:buFont typeface="Wingdings" panose="05000000000000000000" pitchFamily="2" charset="2"/>
+              <a:buChar char="§"/>
+            </a:pPr>
+            <a:r>
+              <a:rPr lang="pt-BR" dirty="0"/>
+              <a:t>Pesos de magnitude elevada podem levar os </a:t>
             </a:r>
             <a:r>
               <a:rPr lang="pt-BR" b="1" i="1" dirty="0"/>
@@ -7627,58 +7870,74 @@
             </a:r>
             <a:r>
               <a:rPr lang="pt-BR" dirty="0"/>
-              <a:t> ocultos (i.e., </a:t>
+              <a:t> (no caso de </a:t>
             </a:r>
             <a:r>
               <a:rPr lang="pt-BR" b="1" i="1" dirty="0"/>
-              <a:t>nós</a:t>
+              <a:t>funções de ativação </a:t>
             </a:r>
             <a:r>
               <a:rPr lang="pt-BR" dirty="0"/>
-              <a:t> de camadas ocultas) com a mesma </a:t>
+              <a:t>do tipo </a:t>
+            </a:r>
+            <a:r>
+              <a:rPr lang="pt-BR" dirty="0"/>
+              <a:t>sigmóide </a:t>
+            </a:r>
+            <a:r>
+              <a:rPr lang="pt-BR" dirty="0" smtClean="0"/>
+              <a:t>como </a:t>
+            </a:r>
+            <a:r>
+              <a:rPr lang="pt-BR" dirty="0"/>
+              <a:t>a tangente hiperbólica e a função logística) a operarem numa região de saturação, comprometendo a convergência do algoritmo</a:t>
+            </a:r>
+            <a:r>
+              <a:rPr lang="pt-BR" dirty="0" smtClean="0"/>
+              <a:t>.</a:t>
+            </a:r>
+          </a:p>
+          <a:p>
+            <a:pPr>
+              <a:buFont typeface="Wingdings" panose="05000000000000000000" pitchFamily="2" charset="2"/>
+              <a:buChar char="§"/>
+            </a:pPr>
+            <a:r>
+              <a:rPr lang="pt-BR" dirty="0"/>
+              <a:t>Portanto, </a:t>
+            </a:r>
+            <a:r>
+              <a:rPr lang="pt-BR" dirty="0" smtClean="0"/>
+              <a:t>na sequência listamos algumas </a:t>
             </a:r>
             <a:r>
               <a:rPr lang="pt-BR" b="1" i="1" dirty="0"/>
-              <a:t>função de ativação </a:t>
+              <a:t>heurísticas</a:t>
             </a:r>
             <a:r>
               <a:rPr lang="pt-BR" dirty="0"/>
-              <a:t>estiverem conectados às mesmas entradas, esses </a:t>
-            </a:r>
-            <a:r>
-              <a:rPr lang="pt-BR" b="1" i="1" dirty="0"/>
-              <a:t>nós</a:t>
+              <a:t> para </a:t>
+            </a:r>
+            <a:r>
+              <a:rPr lang="pt-BR" dirty="0" smtClean="0"/>
+              <a:t>inicialização dos </a:t>
             </a:r>
             <a:r>
               <a:rPr lang="pt-BR" dirty="0"/>
-              <a:t> deverão ter pesos iniciais diferentes. </a:t>
-            </a:r>
-            <a:endParaRPr lang="pt-BR" dirty="0" smtClean="0"/>
-          </a:p>
-          <a:p>
+              <a:t>pesos</a:t>
+            </a:r>
             <a:r>
               <a:rPr lang="pt-BR" dirty="0" smtClean="0"/>
-              <a:t>Isso</a:t>
-            </a:r>
-            <a:r>
-              <a:rPr lang="pt-BR" dirty="0"/>
-              <a:t>, portanto, sugere uma </a:t>
-            </a:r>
-            <a:r>
-              <a:rPr lang="pt-BR" b="1" i="1" dirty="0"/>
-              <a:t>abordagem aleatória</a:t>
-            </a:r>
-            <a:r>
-              <a:rPr lang="pt-BR" dirty="0"/>
               <a:t>.</a:t>
             </a:r>
+            <a:endParaRPr lang="pt-BR" dirty="0"/>
           </a:p>
         </p:txBody>
       </p:sp>
     </p:spTree>
     <p:extLst>
       <p:ext uri="{BB962C8B-B14F-4D97-AF65-F5344CB8AC3E}">
-        <p14:creationId xmlns:p14="http://schemas.microsoft.com/office/powerpoint/2010/main" val="3992928782"/>
+        <p14:creationId xmlns:p14="http://schemas.microsoft.com/office/powerpoint/2010/main" val="2183110313"/>
       </p:ext>
     </p:extLst>
   </p:cSld>
@@ -7720,10 +7979,7 @@
           <a:bodyPr/>
           <a:lstStyle/>
           <a:p>
-            <a:r>
-              <a:rPr lang="pt-BR" dirty="0"/>
-              <a:t>Inicialização dos Pesos</a:t>
-            </a:r>
+            <a:endParaRPr lang="pt-BR"/>
           </a:p>
         </p:txBody>
       </p:sp>
@@ -7737,126 +7993,19 @@
             <p:ph idx="1"/>
           </p:nvPr>
         </p:nvSpPr>
-        <p:spPr>
-          <a:xfrm>
-            <a:off x="838199" y="1825625"/>
-            <a:ext cx="11133667" cy="4693708"/>
-          </a:xfrm>
-        </p:spPr>
+        <p:spPr/>
         <p:txBody>
-          <a:bodyPr>
-            <a:normAutofit/>
-          </a:bodyPr>
+          <a:bodyPr/>
           <a:lstStyle/>
           <a:p>
-            <a:r>
-              <a:rPr lang="pt-BR" dirty="0"/>
-              <a:t>Os pesos tipicamente são obtidos de </a:t>
-            </a:r>
-            <a:r>
-              <a:rPr lang="pt-BR" b="1" i="1" dirty="0"/>
-              <a:t>distribuições gaussianas </a:t>
-            </a:r>
-            <a:r>
-              <a:rPr lang="pt-BR" dirty="0"/>
-              <a:t>ou </a:t>
-            </a:r>
-            <a:r>
-              <a:rPr lang="pt-BR" b="1" i="1" dirty="0"/>
-              <a:t>uniformes</a:t>
-            </a:r>
-            <a:r>
-              <a:rPr lang="pt-BR" dirty="0"/>
-              <a:t>. </a:t>
-            </a:r>
-            <a:endParaRPr lang="pt-BR" dirty="0" smtClean="0"/>
-          </a:p>
-          <a:p>
-            <a:r>
-              <a:rPr lang="pt-BR" dirty="0" smtClean="0"/>
-              <a:t>A </a:t>
-            </a:r>
-            <a:r>
-              <a:rPr lang="pt-BR" dirty="0"/>
-              <a:t>ordem de grandeza desses pesos levanta algumas discussões:</a:t>
-            </a:r>
-          </a:p>
-          <a:p>
-            <a:pPr lvl="1">
-              <a:buFont typeface="Wingdings" panose="05000000000000000000" pitchFamily="2" charset="2"/>
-              <a:buChar char="§"/>
-            </a:pPr>
-            <a:r>
-              <a:rPr lang="pt-BR" dirty="0"/>
-              <a:t>Pesos de maior magnitude criam maior distinção entre </a:t>
-            </a:r>
-            <a:r>
-              <a:rPr lang="pt-BR" b="1" i="1" dirty="0"/>
-              <a:t>nós</a:t>
-            </a:r>
-            <a:r>
-              <a:rPr lang="pt-BR" dirty="0"/>
-              <a:t> (i.e., a </a:t>
-            </a:r>
-            <a:r>
-              <a:rPr lang="pt-BR" b="1" i="1" dirty="0"/>
-              <a:t>quebra de simetria</a:t>
-            </a:r>
-            <a:r>
-              <a:rPr lang="pt-BR" dirty="0"/>
-              <a:t>). Por outro lado, isso pode causar problemas de instabilidade. </a:t>
-            </a:r>
-          </a:p>
-          <a:p>
-            <a:pPr lvl="1">
-              <a:buFont typeface="Wingdings" panose="05000000000000000000" pitchFamily="2" charset="2"/>
-              <a:buChar char="§"/>
-            </a:pPr>
-            <a:r>
-              <a:rPr lang="pt-BR" dirty="0"/>
-              <a:t>Pesos de maior magnitude favorecem a propagação de informação, porém, por outro lado, causam preocupações do ponto </a:t>
-            </a:r>
-            <a:r>
-              <a:rPr lang="pt-BR" dirty="0" smtClean="0"/>
-              <a:t>de vista de </a:t>
-            </a:r>
-            <a:r>
-              <a:rPr lang="pt-BR" dirty="0"/>
-              <a:t>regularização.</a:t>
-            </a:r>
-          </a:p>
-          <a:p>
-            <a:pPr lvl="1">
-              <a:buFont typeface="Wingdings" panose="05000000000000000000" pitchFamily="2" charset="2"/>
-              <a:buChar char="§"/>
-            </a:pPr>
-            <a:r>
-              <a:rPr lang="pt-BR" dirty="0"/>
-              <a:t>Pesos de magnitude elevada podem levar os </a:t>
-            </a:r>
-            <a:r>
-              <a:rPr lang="pt-BR" b="1" i="1" dirty="0"/>
-              <a:t>nós</a:t>
-            </a:r>
-            <a:r>
-              <a:rPr lang="pt-BR" dirty="0"/>
-              <a:t> (no caso de </a:t>
-            </a:r>
-            <a:r>
-              <a:rPr lang="pt-BR" b="1" i="1" dirty="0"/>
-              <a:t>funções de ativação </a:t>
-            </a:r>
-            <a:r>
-              <a:rPr lang="pt-BR" dirty="0"/>
-              <a:t>do tipo sigmoide como a tangente hiperbólica e a função logística) a operarem numa região de saturação, comprometendo a convergência do algoritmo.</a:t>
-            </a:r>
+            <a:endParaRPr lang="pt-BR"/>
           </a:p>
         </p:txBody>
       </p:sp>
     </p:spTree>
     <p:extLst>
       <p:ext uri="{BB962C8B-B14F-4D97-AF65-F5344CB8AC3E}">
-        <p14:creationId xmlns:p14="http://schemas.microsoft.com/office/powerpoint/2010/main" val="2183110313"/>
+        <p14:creationId xmlns:p14="http://schemas.microsoft.com/office/powerpoint/2010/main" val="3936233178"/>
       </p:ext>
     </p:extLst>
   </p:cSld>
@@ -7905,8 +8054,8 @@
           </a:p>
         </p:txBody>
       </p:sp>
-      <mc:AlternateContent xmlns:mc="http://schemas.openxmlformats.org/markup-compatibility/2006" xmlns:a14="http://schemas.microsoft.com/office/drawing/2010/main">
-        <mc:Choice Requires="a14">
+      <mc:AlternateContent xmlns:mc="http://schemas.openxmlformats.org/markup-compatibility/2006">
+        <mc:Choice xmlns:a14="http://schemas.microsoft.com/office/drawing/2010/main" Requires="a14">
           <p:sp>
             <p:nvSpPr>
               <p:cNvPr id="3" name="Content Placeholder 2"/>
@@ -7919,38 +8068,32 @@
             </p:nvSpPr>
             <p:spPr>
               <a:xfrm>
-                <a:off x="838199" y="1825625"/>
-                <a:ext cx="11065933" cy="4863042"/>
+                <a:off x="838199" y="1825624"/>
+                <a:ext cx="11203005" cy="5032375"/>
               </a:xfrm>
             </p:spPr>
             <p:txBody>
               <a:bodyPr>
-                <a:normAutofit fontScale="92500" lnSpcReduction="10000"/>
+                <a:normAutofit fontScale="85000" lnSpcReduction="10000"/>
               </a:bodyPr>
               <a:lstStyle/>
               <a:p>
                 <a:r>
+                  <a:rPr lang="pt-BR" dirty="0" smtClean="0"/>
+                  <a:t>Considerando uma </a:t>
+                </a:r>
+                <a:r>
+                  <a:rPr lang="pt-BR" dirty="0" smtClean="0"/>
+                  <a:t>camada </a:t>
+                </a:r>
+                <a:r>
                   <a:rPr lang="pt-BR" dirty="0"/>
-                  <a:t>Portanto, podemos citar algumas </a:t>
-                </a:r>
-                <a:r>
-                  <a:rPr lang="pt-BR" b="1" i="1" dirty="0"/>
-                  <a:t>heurísticas</a:t>
-                </a:r>
-                <a:r>
-                  <a:rPr lang="pt-BR" dirty="0"/>
-                  <a:t> para inicializar os pesos.</a:t>
-                </a:r>
-              </a:p>
-              <a:p>
-                <a:r>
-                  <a:rPr lang="pt-BR" dirty="0"/>
-                  <a:t>Uma primeira seria, para uma camada com </a:t>
+                  <a:t>com </a:t>
                 </a:r>
                 <a14:m>
                   <m:oMath xmlns:m="http://schemas.openxmlformats.org/officeDocument/2006/math">
                     <m:r>
-                      <a:rPr lang="pt-BR" b="0" i="1" smtClean="0">
+                      <a:rPr lang="pt-BR" i="1">
                         <a:latin typeface="Cambria Math" panose="02040503050406030204" pitchFamily="18" charset="0"/>
                       </a:rPr>
                       <m:t>𝑚</m:t>
@@ -7964,7 +8107,7 @@
                 <a14:m>
                   <m:oMath xmlns:m="http://schemas.openxmlformats.org/officeDocument/2006/math">
                     <m:r>
-                      <a:rPr lang="pt-BR" b="0" i="1" smtClean="0">
+                      <a:rPr lang="pt-BR" i="1">
                         <a:latin typeface="Cambria Math" panose="02040503050406030204" pitchFamily="18" charset="0"/>
                       </a:rPr>
                       <m:t>𝑛</m:t>
@@ -7973,8 +8116,33 @@
                 </a14:m>
                 <a:r>
                   <a:rPr lang="pt-BR" dirty="0"/>
-                  <a:t> saídas, inicializar os pesos com valores retirados da seguinte distribuição:</a:t>
-                </a:r>
+                  <a:t> </a:t>
+                </a:r>
+                <a:r>
+                  <a:rPr lang="pt-BR" dirty="0" smtClean="0"/>
+                  <a:t>saídas, uma heurística para inicializar os </a:t>
+                </a:r>
+                <a:r>
+                  <a:rPr lang="pt-BR" dirty="0"/>
+                  <a:t>pesos </a:t>
+                </a:r>
+                <a:r>
+                  <a:rPr lang="pt-BR" dirty="0" smtClean="0"/>
+                  <a:t>de </a:t>
+                </a:r>
+                <a:r>
+                  <a:rPr lang="pt-BR" dirty="0" smtClean="0"/>
+                  <a:t>nós com função de ativação </a:t>
+                </a:r>
+                <a:r>
+                  <a:rPr lang="pt-BR" b="1" i="1" dirty="0" smtClean="0"/>
+                  <a:t>sigmóide</a:t>
+                </a:r>
+                <a:r>
+                  <a:rPr lang="pt-BR" dirty="0" smtClean="0"/>
+                  <a:t> é</a:t>
+                </a:r>
+                <a:endParaRPr lang="pt-BR" dirty="0"/>
               </a:p>
               <a:p>
                 <a:pPr marL="0" indent="0" algn="ctr">
@@ -8168,7 +8336,7 @@
                   <a:buNone/>
                 </a:pPr>
                 <a:r>
-                  <a:rPr lang="pt-BR" dirty="0"/>
+                  <a:rPr lang="pt-BR" dirty="0" smtClean="0"/>
                   <a:t>onde </a:t>
                 </a:r>
                 <a14:m>
@@ -8217,8 +8385,25 @@
               <a:p>
                 <a:r>
                   <a:rPr lang="pt-BR" dirty="0"/>
-                  <a:t>Outra heurística de inicialização dos pesos seria:</a:t>
-                </a:r>
+                  <a:t>Outra heurística de inicialização dos pesos </a:t>
+                </a:r>
+                <a:r>
+                  <a:rPr lang="pt-BR" dirty="0" smtClean="0"/>
+                  <a:t>de nós </a:t>
+                </a:r>
+                <a:r>
+                  <a:rPr lang="pt-BR" dirty="0"/>
+                  <a:t>com função de ativação </a:t>
+                </a:r>
+                <a:r>
+                  <a:rPr lang="pt-BR" b="1" i="1" dirty="0" smtClean="0"/>
+                  <a:t>sigmóide</a:t>
+                </a:r>
+                <a:r>
+                  <a:rPr lang="pt-BR" dirty="0" smtClean="0"/>
+                  <a:t> é</a:t>
+                </a:r>
+                <a:endParaRPr lang="pt-BR" dirty="0"/>
               </a:p>
               <a:p>
                 <a:pPr marL="0" indent="0" algn="ctr">
@@ -8424,12 +8609,251 @@
                   </m:oMath>
                 </a14:m>
                 <a:r>
-                  <a:rPr lang="pt-BR" dirty="0"/>
+                  <a:rPr lang="pt-BR" dirty="0" smtClean="0"/>
                   <a:t>.</a:t>
                 </a:r>
               </a:p>
               <a:p>
                 <a:r>
+                  <a:rPr lang="pt-BR" dirty="0" smtClean="0"/>
+                  <a:t>Uma </a:t>
+                </a:r>
+                <a:r>
+                  <a:rPr lang="pt-BR" dirty="0"/>
+                  <a:t>heurística </a:t>
+                </a:r>
+                <a:r>
+                  <a:rPr lang="pt-BR" dirty="0" smtClean="0"/>
+                  <a:t>para nós que usam função de ativação </a:t>
+                </a:r>
+                <a:r>
+                  <a:rPr lang="pt-BR" b="1" i="1" dirty="0" smtClean="0"/>
+                  <a:t>ReLu</a:t>
+                </a:r>
+                <a:r>
+                  <a:rPr lang="pt-BR" dirty="0" smtClean="0"/>
+                  <a:t> é dada por</a:t>
+                </a:r>
+              </a:p>
+              <a:p>
+                <a:pPr marL="0" indent="0">
+                  <a:buNone/>
+                </a:pPr>
+                <a14:m>
+                  <m:oMathPara xmlns:m="http://schemas.openxmlformats.org/officeDocument/2006/math">
+                    <m:oMathParaPr>
+                      <m:jc m:val="centerGroup"/>
+                    </m:oMathParaPr>
+                    <m:oMath xmlns:m="http://schemas.openxmlformats.org/officeDocument/2006/math">
+                      <m:sSub>
+                        <m:sSubPr>
+                          <m:ctrlPr>
+                            <a:rPr lang="pt-BR" i="1">
+                              <a:latin typeface="Cambria Math" panose="02040503050406030204" pitchFamily="18" charset="0"/>
+                            </a:rPr>
+                          </m:ctrlPr>
+                        </m:sSubPr>
+                        <m:e>
+                          <m:r>
+                            <a:rPr lang="pt-BR" i="1">
+                              <a:latin typeface="Cambria Math" panose="02040503050406030204" pitchFamily="18" charset="0"/>
+                            </a:rPr>
+                            <m:t>𝑤</m:t>
+                          </m:r>
+                        </m:e>
+                        <m:sub>
+                          <m:r>
+                            <a:rPr lang="pt-BR" i="1">
+                              <a:latin typeface="Cambria Math" panose="02040503050406030204" pitchFamily="18" charset="0"/>
+                            </a:rPr>
+                            <m:t>𝑖</m:t>
+                          </m:r>
+                          <m:r>
+                            <a:rPr lang="pt-BR" i="1">
+                              <a:latin typeface="Cambria Math" panose="02040503050406030204" pitchFamily="18" charset="0"/>
+                            </a:rPr>
+                            <m:t>,</m:t>
+                          </m:r>
+                          <m:r>
+                            <a:rPr lang="pt-BR" i="1">
+                              <a:latin typeface="Cambria Math" panose="02040503050406030204" pitchFamily="18" charset="0"/>
+                            </a:rPr>
+                            <m:t>𝑗</m:t>
+                          </m:r>
+                        </m:sub>
+                      </m:sSub>
+                      <m:r>
+                        <a:rPr lang="pt-BR" i="1">
+                          <a:latin typeface="Cambria Math" panose="02040503050406030204" pitchFamily="18" charset="0"/>
+                        </a:rPr>
+                        <m:t> </m:t>
+                      </m:r>
+                      <m:r>
+                        <a:rPr lang="pt-BR" i="1">
+                          <a:latin typeface="Cambria Math" panose="02040503050406030204" pitchFamily="18" charset="0"/>
+                          <a:ea typeface="Cambria Math" panose="02040503050406030204" pitchFamily="18" charset="0"/>
+                        </a:rPr>
+                        <m:t>~</m:t>
+                      </m:r>
+                      <m:r>
+                        <a:rPr lang="pt-BR" i="1">
+                          <a:latin typeface="Cambria Math" panose="02040503050406030204" pitchFamily="18" charset="0"/>
+                          <a:ea typeface="Cambria Math" panose="02040503050406030204" pitchFamily="18" charset="0"/>
+                        </a:rPr>
+                        <m:t> </m:t>
+                      </m:r>
+                      <m:r>
+                        <a:rPr lang="pt-BR" b="0" i="1" smtClean="0">
+                          <a:latin typeface="Cambria Math" panose="02040503050406030204" pitchFamily="18" charset="0"/>
+                          <a:ea typeface="Cambria Math" panose="02040503050406030204" pitchFamily="18" charset="0"/>
+                        </a:rPr>
+                        <m:t>𝑁</m:t>
+                      </m:r>
+                      <m:d>
+                        <m:dPr>
+                          <m:ctrlPr>
+                            <a:rPr lang="pt-BR" i="1">
+                              <a:latin typeface="Cambria Math" panose="02040503050406030204" pitchFamily="18" charset="0"/>
+                              <a:ea typeface="Cambria Math" panose="02040503050406030204" pitchFamily="18" charset="0"/>
+                            </a:rPr>
+                          </m:ctrlPr>
+                        </m:dPr>
+                        <m:e>
+                          <m:r>
+                            <a:rPr lang="pt-BR" b="0" i="1" smtClean="0">
+                              <a:latin typeface="Cambria Math" panose="02040503050406030204" pitchFamily="18" charset="0"/>
+                              <a:ea typeface="Cambria Math" panose="02040503050406030204" pitchFamily="18" charset="0"/>
+                            </a:rPr>
+                            <m:t>0</m:t>
+                          </m:r>
+                          <m:r>
+                            <a:rPr lang="pt-BR" i="1">
+                              <a:latin typeface="Cambria Math" panose="02040503050406030204" pitchFamily="18" charset="0"/>
+                              <a:ea typeface="Cambria Math" panose="02040503050406030204" pitchFamily="18" charset="0"/>
+                            </a:rPr>
+                            <m:t>,</m:t>
+                          </m:r>
+                          <m:rad>
+                            <m:radPr>
+                              <m:degHide m:val="on"/>
+                              <m:ctrlPr>
+                                <a:rPr lang="pt-BR" i="1">
+                                  <a:latin typeface="Cambria Math" panose="02040503050406030204" pitchFamily="18" charset="0"/>
+                                  <a:ea typeface="Cambria Math" panose="02040503050406030204" pitchFamily="18" charset="0"/>
+                                </a:rPr>
+                              </m:ctrlPr>
+                            </m:radPr>
+                            <m:deg/>
+                            <m:e>
+                              <m:f>
+                                <m:fPr>
+                                  <m:type m:val="lin"/>
+                                  <m:ctrlPr>
+                                    <a:rPr lang="pt-BR" i="1" smtClean="0">
+                                      <a:latin typeface="Cambria Math" panose="02040503050406030204" pitchFamily="18" charset="0"/>
+                                      <a:ea typeface="Cambria Math" panose="02040503050406030204" pitchFamily="18" charset="0"/>
+                                    </a:rPr>
+                                  </m:ctrlPr>
+                                </m:fPr>
+                                <m:num>
+                                  <m:r>
+                                    <a:rPr lang="pt-BR" b="0" i="1" smtClean="0">
+                                      <a:latin typeface="Cambria Math" panose="02040503050406030204" pitchFamily="18" charset="0"/>
+                                      <a:ea typeface="Cambria Math" panose="02040503050406030204" pitchFamily="18" charset="0"/>
+                                    </a:rPr>
+                                    <m:t>1</m:t>
+                                  </m:r>
+                                </m:num>
+                                <m:den>
+                                  <m:r>
+                                    <a:rPr lang="pt-BR" b="0" i="1" smtClean="0">
+                                      <a:latin typeface="Cambria Math" panose="02040503050406030204" pitchFamily="18" charset="0"/>
+                                      <a:ea typeface="Cambria Math" panose="02040503050406030204" pitchFamily="18" charset="0"/>
+                                    </a:rPr>
+                                    <m:t>𝑚</m:t>
+                                  </m:r>
+                                </m:den>
+                              </m:f>
+                            </m:e>
+                          </m:rad>
+                        </m:e>
+                      </m:d>
+                      <m:r>
+                        <a:rPr lang="pt-BR" b="0" i="1" smtClean="0">
+                          <a:latin typeface="Cambria Math" panose="02040503050406030204" pitchFamily="18" charset="0"/>
+                          <a:ea typeface="Cambria Math" panose="02040503050406030204" pitchFamily="18" charset="0"/>
+                        </a:rPr>
+                        <m:t>,</m:t>
+                      </m:r>
+                    </m:oMath>
+                  </m:oMathPara>
+                </a14:m>
+                <a:endParaRPr lang="pt-BR" b="0" dirty="0" smtClean="0">
+                  <a:ea typeface="Cambria Math" panose="02040503050406030204" pitchFamily="18" charset="0"/>
+                </a:endParaRPr>
+              </a:p>
+              <a:p>
+                <a:pPr marL="0" indent="0">
+                  <a:buNone/>
+                </a:pPr>
+                <a:r>
+                  <a:rPr lang="pt-BR" dirty="0"/>
+                  <a:t>o</a:t>
+                </a:r>
+                <a:r>
+                  <a:rPr lang="pt-BR" dirty="0" smtClean="0"/>
+                  <a:t>nde </a:t>
+                </a:r>
+                <a14:m>
+                  <m:oMath xmlns:m="http://schemas.openxmlformats.org/officeDocument/2006/math">
+                    <m:r>
+                      <a:rPr lang="pt-BR" b="0" i="1" smtClean="0">
+                        <a:latin typeface="Cambria Math" panose="02040503050406030204" pitchFamily="18" charset="0"/>
+                        <a:ea typeface="Cambria Math" panose="02040503050406030204" pitchFamily="18" charset="0"/>
+                      </a:rPr>
+                      <m:t>𝑁</m:t>
+                    </m:r>
+                    <m:d>
+                      <m:dPr>
+                        <m:ctrlPr>
+                          <a:rPr lang="pt-BR" i="1">
+                            <a:latin typeface="Cambria Math" panose="02040503050406030204" pitchFamily="18" charset="0"/>
+                            <a:ea typeface="Cambria Math" panose="02040503050406030204" pitchFamily="18" charset="0"/>
+                          </a:rPr>
+                        </m:ctrlPr>
+                      </m:dPr>
+                      <m:e>
+                        <m:r>
+                          <a:rPr lang="pt-BR" i="1">
+                            <a:latin typeface="Cambria Math" panose="02040503050406030204" pitchFamily="18" charset="0"/>
+                            <a:ea typeface="Cambria Math" panose="02040503050406030204" pitchFamily="18" charset="0"/>
+                          </a:rPr>
+                          <m:t>.</m:t>
+                        </m:r>
+                      </m:e>
+                    </m:d>
+                  </m:oMath>
+                </a14:m>
+                <a:r>
+                  <a:rPr lang="pt-BR" dirty="0"/>
+                  <a:t> é a </a:t>
+                </a:r>
+                <a:r>
+                  <a:rPr lang="pt-BR" b="1" i="1" dirty="0"/>
+                  <a:t>distribuição </a:t>
+                </a:r>
+                <a:r>
+                  <a:rPr lang="pt-BR" b="1" i="1" dirty="0" smtClean="0"/>
+                  <a:t>Gaussiana</a:t>
+                </a:r>
+                <a:r>
+                  <a:rPr lang="pt-BR" dirty="0" smtClean="0"/>
+                  <a:t>.</a:t>
+                </a:r>
+                <a:endParaRPr lang="pt-BR" dirty="0"/>
+              </a:p>
+              <a:p>
+                <a:r>
                   <a:rPr lang="pt-BR" dirty="0"/>
                   <a:t>Uma heurística para a inicialização dos termos de </a:t>
                 </a:r>
@@ -8449,9 +8873,6 @@
                   <a:rPr lang="pt-BR" dirty="0"/>
                   <a:t>. </a:t>
                 </a:r>
-                <a:endParaRPr lang="pt-BR" dirty="0" smtClean="0"/>
-              </a:p>
-              <a:p>
                 <a:r>
                   <a:rPr lang="pt-BR" dirty="0" smtClean="0"/>
                   <a:t>Esta </a:t>
@@ -8467,7 +8888,7 @@
             </p:txBody>
           </p:sp>
         </mc:Choice>
-        <mc:Fallback xmlns="">
+        <mc:Fallback>
           <p:sp>
             <p:nvSpPr>
               <p:cNvPr id="3" name="Content Placeholder 2"/>
@@ -8480,13 +8901,13 @@
             </p:nvSpPr>
             <p:spPr>
               <a:xfrm>
-                <a:off x="838199" y="1825625"/>
-                <a:ext cx="11065933" cy="4863042"/>
+                <a:off x="838199" y="1825624"/>
+                <a:ext cx="11203005" cy="5032375"/>
               </a:xfrm>
               <a:blipFill rotWithShape="0">
                 <a:blip r:embed="rId3"/>
                 <a:stretch>
-                  <a:fillRect l="-936" t="-2506" r="-771" b="-627"/>
+                  <a:fillRect l="-816" t="-2300" b="-847"/>
                 </a:stretch>
               </a:blipFill>
             </p:spPr>
@@ -8505,6 +8926,122 @@
           </p:sp>
         </mc:Fallback>
       </mc:AlternateContent>
+      <p:sp>
+        <p:nvSpPr>
+          <p:cNvPr id="4" name="Rectangle 3"/>
+          <p:cNvSpPr/>
+          <p:nvPr/>
+        </p:nvSpPr>
+        <p:spPr>
+          <a:xfrm>
+            <a:off x="8229583" y="2631464"/>
+            <a:ext cx="2687339" cy="338554"/>
+          </a:xfrm>
+          <a:prstGeom prst="rect">
+            <a:avLst/>
+          </a:prstGeom>
+        </p:spPr>
+        <p:txBody>
+          <a:bodyPr wrap="none">
+            <a:spAutoFit/>
+          </a:bodyPr>
+          <a:lstStyle/>
+          <a:p>
+            <a:pPr fontAlgn="base"/>
+            <a:r>
+              <a:rPr lang="pt-BR" sz="1600" b="1" dirty="0" smtClean="0"/>
+              <a:t>Inicialização de Xavier/Glorot</a:t>
+            </a:r>
+            <a:endParaRPr lang="pt-BR" sz="1600" b="1" dirty="0">
+              <a:solidFill>
+                <a:srgbClr val="222222"/>
+              </a:solidFill>
+              <a:effectLst/>
+              <a:latin typeface="Helvetica Neue"/>
+            </a:endParaRPr>
+          </a:p>
+        </p:txBody>
+      </p:sp>
+      <p:sp>
+        <p:nvSpPr>
+          <p:cNvPr id="5" name="Rectangle 4"/>
+          <p:cNvSpPr/>
+          <p:nvPr/>
+        </p:nvSpPr>
+        <p:spPr>
+          <a:xfrm>
+            <a:off x="8229583" y="4172534"/>
+            <a:ext cx="3811621" cy="338554"/>
+          </a:xfrm>
+          <a:prstGeom prst="rect">
+            <a:avLst/>
+          </a:prstGeom>
+        </p:spPr>
+        <p:txBody>
+          <a:bodyPr wrap="none">
+            <a:spAutoFit/>
+          </a:bodyPr>
+          <a:lstStyle/>
+          <a:p>
+            <a:pPr fontAlgn="base"/>
+            <a:r>
+              <a:rPr lang="pt-BR" sz="1600" b="1" dirty="0" smtClean="0"/>
+              <a:t>Inicialização de Xavier</a:t>
+            </a:r>
+            <a:r>
+              <a:rPr lang="pt-BR" sz="1600" b="1" dirty="0"/>
+              <a:t>/Glorot</a:t>
+            </a:r>
+            <a:r>
+              <a:rPr lang="pt-BR" sz="1600" b="1" dirty="0" smtClean="0"/>
+              <a:t> Normalizada</a:t>
+            </a:r>
+            <a:endParaRPr lang="pt-BR" sz="1600" b="1" dirty="0">
+              <a:solidFill>
+                <a:srgbClr val="222222"/>
+              </a:solidFill>
+              <a:effectLst/>
+              <a:latin typeface="Helvetica Neue"/>
+            </a:endParaRPr>
+          </a:p>
+        </p:txBody>
+      </p:sp>
+      <p:sp>
+        <p:nvSpPr>
+          <p:cNvPr id="6" name="Rectangle 5"/>
+          <p:cNvSpPr/>
+          <p:nvPr/>
+        </p:nvSpPr>
+        <p:spPr>
+          <a:xfrm>
+            <a:off x="8229583" y="5220668"/>
+            <a:ext cx="1751762" cy="338554"/>
+          </a:xfrm>
+          <a:prstGeom prst="rect">
+            <a:avLst/>
+          </a:prstGeom>
+        </p:spPr>
+        <p:txBody>
+          <a:bodyPr wrap="none">
+            <a:spAutoFit/>
+          </a:bodyPr>
+          <a:lstStyle/>
+          <a:p>
+            <a:pPr fontAlgn="base"/>
+            <a:r>
+              <a:rPr lang="pt-BR" sz="1600" b="1" dirty="0" smtClean="0"/>
+              <a:t>Inicialização de He</a:t>
+            </a:r>
+            <a:endParaRPr lang="pt-BR" sz="1600" b="1" dirty="0">
+              <a:solidFill>
+                <a:srgbClr val="222222"/>
+              </a:solidFill>
+              <a:effectLst/>
+              <a:latin typeface="Helvetica Neue"/>
+            </a:endParaRPr>
+          </a:p>
+        </p:txBody>
+      </p:sp>
     </p:spTree>
     <p:extLst>
       <p:ext uri="{BB962C8B-B14F-4D97-AF65-F5344CB8AC3E}">
@@ -12718,7 +13255,6 @@
               <a:rPr lang="pt-BR" dirty="0" smtClean="0"/>
               <a:t>aprendizado para redes neurais.</a:t>
             </a:r>
-            <a:endParaRPr lang="pt-BR" dirty="0" smtClean="0"/>
           </a:p>
         </p:txBody>
       </p:sp>
@@ -12762,3598 +13298,38 @@
             <p:ph type="title"/>
           </p:nvPr>
         </p:nvSpPr>
-        <p:spPr>
-          <a:xfrm>
-            <a:off x="838200" y="146757"/>
-            <a:ext cx="10515600" cy="1325563"/>
-          </a:xfrm>
-        </p:spPr>
+        <p:spPr/>
         <p:txBody>
           <a:bodyPr/>
           <a:lstStyle/>
           <a:p>
-            <a:r>
-              <a:rPr lang="pt-BR" dirty="0"/>
-              <a:t>Estimação de fase com MLPRegressor </a:t>
-            </a:r>
+            <a:endParaRPr lang="pt-BR"/>
           </a:p>
         </p:txBody>
       </p:sp>
       <p:sp>
         <p:nvSpPr>
-          <p:cNvPr id="3" name="Rectangle 2"/>
-          <p:cNvSpPr/>
-          <p:nvPr/>
+          <p:cNvPr id="3" name="Content Placeholder 2"/>
+          <p:cNvSpPr>
+            <a:spLocks noGrp="1"/>
+          </p:cNvSpPr>
+          <p:nvPr>
+            <p:ph idx="1"/>
+          </p:nvPr>
         </p:nvSpPr>
-        <p:spPr>
-          <a:xfrm>
-            <a:off x="7935967" y="6369445"/>
-            <a:ext cx="3968459" cy="369332"/>
-          </a:xfrm>
-          <a:prstGeom prst="rect">
-            <a:avLst/>
-          </a:prstGeom>
-        </p:spPr>
+        <p:spPr/>
         <p:txBody>
-          <a:bodyPr wrap="none">
-            <a:spAutoFit/>
-          </a:bodyPr>
+          <a:bodyPr/>
           <a:lstStyle/>
           <a:p>
-            <a:r>
-              <a:rPr lang="pt-BR" b="1" dirty="0">
-                <a:solidFill>
-                  <a:srgbClr val="00B0F0"/>
-                </a:solidFill>
-              </a:rPr>
-              <a:t>Exemplo</a:t>
-            </a:r>
-            <a:r>
-              <a:rPr lang="pt-BR" dirty="0">
-                <a:solidFill>
-                  <a:srgbClr val="00B0F0"/>
-                </a:solidFill>
-              </a:rPr>
-              <a:t>: </a:t>
-            </a:r>
-            <a:r>
-              <a:rPr lang="pt-BR" dirty="0" smtClean="0">
-                <a:solidFill>
-                  <a:srgbClr val="00B0F0"/>
-                </a:solidFill>
-              </a:rPr>
-              <a:t>SciKitMLPRegression_v4.ipynb</a:t>
-            </a:r>
-            <a:endParaRPr lang="pt-BR" dirty="0">
-              <a:solidFill>
-                <a:srgbClr val="00B0F0"/>
-              </a:solidFill>
-            </a:endParaRPr>
-          </a:p>
-        </p:txBody>
-      </p:sp>
-      <p:sp>
-        <p:nvSpPr>
-          <p:cNvPr id="4" name="Rectangle 3"/>
-          <p:cNvSpPr/>
-          <p:nvPr/>
-        </p:nvSpPr>
-        <p:spPr>
-          <a:xfrm>
-            <a:off x="838200" y="1209082"/>
-            <a:ext cx="4238767" cy="5478423"/>
-          </a:xfrm>
-          <a:prstGeom prst="rect">
-            <a:avLst/>
-          </a:prstGeom>
-        </p:spPr>
-        <p:txBody>
-          <a:bodyPr wrap="square">
-            <a:spAutoFit/>
-          </a:bodyPr>
-          <a:lstStyle/>
-          <a:p>
-            <a:r>
-              <a:rPr lang="pt-BR" sz="1000" dirty="0">
-                <a:solidFill>
-                  <a:srgbClr val="008000"/>
-                </a:solidFill>
-                <a:highlight>
-                  <a:srgbClr val="FFFFFF"/>
-                </a:highlight>
-              </a:rPr>
-              <a:t># Import all necessary libraries.</a:t>
-            </a:r>
-            <a:endParaRPr lang="pt-BR" sz="1000" dirty="0">
-              <a:solidFill>
-                <a:srgbClr val="000000"/>
-              </a:solidFill>
-              <a:highlight>
-                <a:srgbClr val="FFFFFF"/>
-              </a:highlight>
-            </a:endParaRPr>
-          </a:p>
-          <a:p>
-            <a:r>
-              <a:rPr lang="pt-BR" sz="1000" b="1" dirty="0">
-                <a:solidFill>
-                  <a:srgbClr val="0000FF"/>
-                </a:solidFill>
-                <a:highlight>
-                  <a:srgbClr val="FFFFFF"/>
-                </a:highlight>
-              </a:rPr>
-              <a:t>import</a:t>
-            </a:r>
-            <a:r>
-              <a:rPr lang="pt-BR" sz="1000" dirty="0">
-                <a:solidFill>
-                  <a:srgbClr val="000000"/>
-                </a:solidFill>
-                <a:highlight>
-                  <a:srgbClr val="FFFFFF"/>
-                </a:highlight>
-              </a:rPr>
-              <a:t> numpy </a:t>
-            </a:r>
-            <a:r>
-              <a:rPr lang="pt-BR" sz="1000" b="1" dirty="0">
-                <a:solidFill>
-                  <a:srgbClr val="0000FF"/>
-                </a:solidFill>
-                <a:highlight>
-                  <a:srgbClr val="FFFFFF"/>
-                </a:highlight>
-              </a:rPr>
-              <a:t>as</a:t>
-            </a:r>
-            <a:r>
-              <a:rPr lang="pt-BR" sz="1000" dirty="0">
-                <a:solidFill>
-                  <a:srgbClr val="000000"/>
-                </a:solidFill>
-                <a:highlight>
-                  <a:srgbClr val="FFFFFF"/>
-                </a:highlight>
-              </a:rPr>
-              <a:t> np</a:t>
-            </a:r>
-          </a:p>
-          <a:p>
-            <a:r>
-              <a:rPr lang="pt-BR" sz="1000" b="1" dirty="0">
-                <a:solidFill>
-                  <a:srgbClr val="0000FF"/>
-                </a:solidFill>
-                <a:highlight>
-                  <a:srgbClr val="FFFFFF"/>
-                </a:highlight>
-              </a:rPr>
-              <a:t>from</a:t>
-            </a:r>
-            <a:r>
-              <a:rPr lang="pt-BR" sz="1000" dirty="0">
-                <a:solidFill>
-                  <a:srgbClr val="000000"/>
-                </a:solidFill>
-                <a:highlight>
-                  <a:srgbClr val="FFFFFF"/>
-                </a:highlight>
-              </a:rPr>
-              <a:t> sklearn</a:t>
-            </a:r>
-            <a:r>
-              <a:rPr lang="pt-BR" sz="1000" b="1" dirty="0">
-                <a:solidFill>
-                  <a:srgbClr val="000080"/>
-                </a:solidFill>
-                <a:highlight>
-                  <a:srgbClr val="FFFFFF"/>
-                </a:highlight>
-              </a:rPr>
-              <a:t>.</a:t>
-            </a:r>
-            <a:r>
-              <a:rPr lang="pt-BR" sz="1000" dirty="0">
-                <a:solidFill>
-                  <a:srgbClr val="000000"/>
-                </a:solidFill>
-                <a:highlight>
-                  <a:srgbClr val="FFFFFF"/>
-                </a:highlight>
-              </a:rPr>
-              <a:t>model_selection </a:t>
-            </a:r>
-            <a:r>
-              <a:rPr lang="pt-BR" sz="1000" b="1" dirty="0">
-                <a:solidFill>
-                  <a:srgbClr val="0000FF"/>
-                </a:solidFill>
-                <a:highlight>
-                  <a:srgbClr val="FFFFFF"/>
-                </a:highlight>
-              </a:rPr>
-              <a:t>import</a:t>
-            </a:r>
-            <a:r>
-              <a:rPr lang="pt-BR" sz="1000" dirty="0">
-                <a:solidFill>
-                  <a:srgbClr val="000000"/>
-                </a:solidFill>
-                <a:highlight>
-                  <a:srgbClr val="FFFFFF"/>
-                </a:highlight>
-              </a:rPr>
-              <a:t> train_test_split</a:t>
-            </a:r>
-          </a:p>
-          <a:p>
-            <a:r>
-              <a:rPr lang="pt-BR" sz="1000" b="1" dirty="0">
-                <a:solidFill>
-                  <a:srgbClr val="0000FF"/>
-                </a:solidFill>
-                <a:highlight>
-                  <a:srgbClr val="FFFFFF"/>
-                </a:highlight>
-              </a:rPr>
-              <a:t>from</a:t>
-            </a:r>
-            <a:r>
-              <a:rPr lang="pt-BR" sz="1000" dirty="0">
-                <a:solidFill>
-                  <a:srgbClr val="000000"/>
-                </a:solidFill>
-                <a:highlight>
-                  <a:srgbClr val="FFFFFF"/>
-                </a:highlight>
-              </a:rPr>
-              <a:t> sklearn</a:t>
-            </a:r>
-            <a:r>
-              <a:rPr lang="pt-BR" sz="1000" b="1" dirty="0">
-                <a:solidFill>
-                  <a:srgbClr val="000080"/>
-                </a:solidFill>
-                <a:highlight>
-                  <a:srgbClr val="FFFFFF"/>
-                </a:highlight>
-              </a:rPr>
-              <a:t>.</a:t>
-            </a:r>
-            <a:r>
-              <a:rPr lang="pt-BR" sz="1000" dirty="0">
-                <a:solidFill>
-                  <a:srgbClr val="000000"/>
-                </a:solidFill>
-                <a:highlight>
-                  <a:srgbClr val="FFFFFF"/>
-                </a:highlight>
-              </a:rPr>
-              <a:t>neural_network </a:t>
-            </a:r>
-            <a:r>
-              <a:rPr lang="pt-BR" sz="1000" b="1" dirty="0">
-                <a:solidFill>
-                  <a:srgbClr val="0000FF"/>
-                </a:solidFill>
-                <a:highlight>
-                  <a:srgbClr val="FFFFFF"/>
-                </a:highlight>
-              </a:rPr>
-              <a:t>import</a:t>
-            </a:r>
-            <a:r>
-              <a:rPr lang="pt-BR" sz="1000" dirty="0">
-                <a:solidFill>
-                  <a:srgbClr val="000000"/>
-                </a:solidFill>
-                <a:highlight>
-                  <a:srgbClr val="FFFFFF"/>
-                </a:highlight>
-              </a:rPr>
-              <a:t> MLPRegressor</a:t>
-            </a:r>
-          </a:p>
-          <a:p>
-            <a:endParaRPr lang="pt-BR" sz="1000" dirty="0">
-              <a:solidFill>
-                <a:srgbClr val="000000"/>
-              </a:solidFill>
-              <a:highlight>
-                <a:srgbClr val="FFFFFF"/>
-              </a:highlight>
-            </a:endParaRPr>
-          </a:p>
-          <a:p>
-            <a:r>
-              <a:rPr lang="en-US" sz="1000" dirty="0">
-                <a:solidFill>
-                  <a:srgbClr val="008000"/>
-                </a:solidFill>
-                <a:highlight>
-                  <a:srgbClr val="FFFFFF"/>
-                </a:highlight>
-              </a:rPr>
-              <a:t># Number of QPSK symbols to be transmitted.</a:t>
-            </a:r>
-            <a:endParaRPr lang="en-US" sz="1000" dirty="0">
-              <a:solidFill>
-                <a:srgbClr val="000000"/>
-              </a:solidFill>
-              <a:highlight>
-                <a:srgbClr val="FFFFFF"/>
-              </a:highlight>
-            </a:endParaRPr>
-          </a:p>
-          <a:p>
-            <a:r>
-              <a:rPr lang="pt-BR" sz="1000" dirty="0">
-                <a:solidFill>
-                  <a:srgbClr val="000000"/>
-                </a:solidFill>
-                <a:highlight>
-                  <a:srgbClr val="FFFFFF"/>
-                </a:highlight>
-              </a:rPr>
-              <a:t>N </a:t>
-            </a:r>
-            <a:r>
-              <a:rPr lang="pt-BR" sz="1000" b="1" dirty="0">
-                <a:solidFill>
-                  <a:srgbClr val="000080"/>
-                </a:solidFill>
-                <a:highlight>
-                  <a:srgbClr val="FFFFFF"/>
-                </a:highlight>
-              </a:rPr>
-              <a:t>=</a:t>
-            </a:r>
-            <a:r>
-              <a:rPr lang="pt-BR" sz="1000" dirty="0">
-                <a:solidFill>
-                  <a:srgbClr val="000000"/>
-                </a:solidFill>
-                <a:highlight>
-                  <a:srgbClr val="FFFFFF"/>
-                </a:highlight>
-              </a:rPr>
-              <a:t> </a:t>
-            </a:r>
-            <a:r>
-              <a:rPr lang="pt-BR" sz="1000" dirty="0">
-                <a:solidFill>
-                  <a:srgbClr val="FF0000"/>
-                </a:solidFill>
-                <a:highlight>
-                  <a:srgbClr val="FFFFFF"/>
-                </a:highlight>
-              </a:rPr>
-              <a:t>100000</a:t>
-            </a:r>
-            <a:endParaRPr lang="pt-BR" sz="1000" dirty="0">
-              <a:solidFill>
-                <a:srgbClr val="000000"/>
-              </a:solidFill>
-              <a:highlight>
-                <a:srgbClr val="FFFFFF"/>
-              </a:highlight>
-            </a:endParaRPr>
-          </a:p>
-          <a:p>
-            <a:endParaRPr lang="pt-BR" sz="1000" dirty="0">
-              <a:solidFill>
-                <a:srgbClr val="000000"/>
-              </a:solidFill>
-              <a:highlight>
-                <a:srgbClr val="FFFFFF"/>
-              </a:highlight>
-            </a:endParaRPr>
-          </a:p>
-          <a:p>
-            <a:r>
-              <a:rPr lang="pt-BR" sz="1000" dirty="0">
-                <a:solidFill>
-                  <a:srgbClr val="008000"/>
-                </a:solidFill>
-                <a:highlight>
-                  <a:srgbClr val="FFFFFF"/>
-                </a:highlight>
-              </a:rPr>
-              <a:t># Define Es/N0 value in dB.</a:t>
-            </a:r>
-            <a:endParaRPr lang="pt-BR" sz="1000" dirty="0">
-              <a:solidFill>
-                <a:srgbClr val="000000"/>
-              </a:solidFill>
-              <a:highlight>
-                <a:srgbClr val="FFFFFF"/>
-              </a:highlight>
-            </a:endParaRPr>
-          </a:p>
-          <a:p>
-            <a:r>
-              <a:rPr lang="pt-BR" sz="1000" dirty="0">
-                <a:solidFill>
-                  <a:srgbClr val="000000"/>
-                </a:solidFill>
-                <a:highlight>
-                  <a:srgbClr val="FFFFFF"/>
-                </a:highlight>
-              </a:rPr>
-              <a:t>EsN0dB </a:t>
-            </a:r>
-            <a:r>
-              <a:rPr lang="pt-BR" sz="1000" b="1" dirty="0">
-                <a:solidFill>
-                  <a:srgbClr val="000080"/>
-                </a:solidFill>
-                <a:highlight>
-                  <a:srgbClr val="FFFFFF"/>
-                </a:highlight>
-              </a:rPr>
-              <a:t>=</a:t>
-            </a:r>
-            <a:r>
-              <a:rPr lang="pt-BR" sz="1000" dirty="0">
-                <a:solidFill>
-                  <a:srgbClr val="000000"/>
-                </a:solidFill>
-                <a:highlight>
-                  <a:srgbClr val="FFFFFF"/>
-                </a:highlight>
-              </a:rPr>
-              <a:t> </a:t>
-            </a:r>
-            <a:r>
-              <a:rPr lang="pt-BR" sz="1000" dirty="0">
-                <a:solidFill>
-                  <a:srgbClr val="FF0000"/>
-                </a:solidFill>
-                <a:highlight>
-                  <a:srgbClr val="FFFFFF"/>
-                </a:highlight>
-              </a:rPr>
-              <a:t>27</a:t>
-            </a:r>
-            <a:endParaRPr lang="pt-BR" sz="1000" dirty="0">
-              <a:solidFill>
-                <a:srgbClr val="000000"/>
-              </a:solidFill>
-              <a:highlight>
-                <a:srgbClr val="FFFFFF"/>
-              </a:highlight>
-            </a:endParaRPr>
-          </a:p>
-          <a:p>
-            <a:r>
-              <a:rPr lang="pt-BR" sz="1000" dirty="0">
-                <a:solidFill>
-                  <a:srgbClr val="008000"/>
-                </a:solidFill>
-                <a:highlight>
-                  <a:srgbClr val="FFFFFF"/>
-                </a:highlight>
-              </a:rPr>
-              <a:t># Tranform into linear value.</a:t>
-            </a:r>
-            <a:endParaRPr lang="pt-BR" sz="1000" dirty="0">
-              <a:solidFill>
-                <a:srgbClr val="000000"/>
-              </a:solidFill>
-              <a:highlight>
-                <a:srgbClr val="FFFFFF"/>
-              </a:highlight>
-            </a:endParaRPr>
-          </a:p>
-          <a:p>
-            <a:r>
-              <a:rPr lang="pt-BR" sz="1000" dirty="0">
-                <a:solidFill>
-                  <a:srgbClr val="000000"/>
-                </a:solidFill>
-                <a:highlight>
-                  <a:srgbClr val="FFFFFF"/>
-                </a:highlight>
-              </a:rPr>
-              <a:t>EsN0Lin </a:t>
-            </a:r>
-            <a:r>
-              <a:rPr lang="pt-BR" sz="1000" b="1" dirty="0">
-                <a:solidFill>
-                  <a:srgbClr val="000080"/>
-                </a:solidFill>
-                <a:highlight>
-                  <a:srgbClr val="FFFFFF"/>
-                </a:highlight>
-              </a:rPr>
-              <a:t>=</a:t>
-            </a:r>
-            <a:r>
-              <a:rPr lang="pt-BR" sz="1000" dirty="0">
-                <a:solidFill>
-                  <a:srgbClr val="000000"/>
-                </a:solidFill>
-                <a:highlight>
-                  <a:srgbClr val="FFFFFF"/>
-                </a:highlight>
-              </a:rPr>
-              <a:t> </a:t>
-            </a:r>
-            <a:r>
-              <a:rPr lang="pt-BR" sz="1000" dirty="0">
-                <a:solidFill>
-                  <a:srgbClr val="FF0000"/>
-                </a:solidFill>
-                <a:highlight>
-                  <a:srgbClr val="FFFFFF"/>
-                </a:highlight>
-              </a:rPr>
-              <a:t>10.0</a:t>
-            </a:r>
-            <a:r>
-              <a:rPr lang="pt-BR" sz="1000" b="1" dirty="0">
-                <a:solidFill>
-                  <a:srgbClr val="000080"/>
-                </a:solidFill>
-                <a:highlight>
-                  <a:srgbClr val="FFFFFF"/>
-                </a:highlight>
-              </a:rPr>
-              <a:t>**(-(</a:t>
-            </a:r>
-            <a:r>
-              <a:rPr lang="pt-BR" sz="1000" dirty="0">
-                <a:solidFill>
-                  <a:srgbClr val="000000"/>
-                </a:solidFill>
-                <a:highlight>
-                  <a:srgbClr val="FFFFFF"/>
-                </a:highlight>
-              </a:rPr>
-              <a:t>EsN0dB</a:t>
-            </a:r>
-            <a:r>
-              <a:rPr lang="pt-BR" sz="1000" b="1" dirty="0">
-                <a:solidFill>
-                  <a:srgbClr val="000080"/>
-                </a:solidFill>
-                <a:highlight>
-                  <a:srgbClr val="FFFFFF"/>
-                </a:highlight>
-              </a:rPr>
-              <a:t>/</a:t>
-            </a:r>
-            <a:r>
-              <a:rPr lang="pt-BR" sz="1000" dirty="0">
-                <a:solidFill>
-                  <a:srgbClr val="FF0000"/>
-                </a:solidFill>
-                <a:highlight>
-                  <a:srgbClr val="FFFFFF"/>
-                </a:highlight>
-              </a:rPr>
-              <a:t>10.0</a:t>
-            </a:r>
-            <a:r>
-              <a:rPr lang="pt-BR" sz="1000" b="1" dirty="0">
-                <a:solidFill>
-                  <a:srgbClr val="000080"/>
-                </a:solidFill>
-                <a:highlight>
-                  <a:srgbClr val="FFFFFF"/>
-                </a:highlight>
-              </a:rPr>
-              <a:t>))</a:t>
-            </a:r>
-            <a:endParaRPr lang="pt-BR" sz="1000" dirty="0">
-              <a:solidFill>
-                <a:srgbClr val="000000"/>
-              </a:solidFill>
-              <a:highlight>
-                <a:srgbClr val="FFFFFF"/>
-              </a:highlight>
-            </a:endParaRPr>
-          </a:p>
-          <a:p>
-            <a:r>
-              <a:rPr lang="pt-BR" sz="1000" dirty="0">
-                <a:solidFill>
-                  <a:srgbClr val="008000"/>
-                </a:solidFill>
-                <a:highlight>
-                  <a:srgbClr val="FFFFFF"/>
-                </a:highlight>
-              </a:rPr>
-              <a:t># Generate N binary symbols.</a:t>
-            </a:r>
-            <a:endParaRPr lang="pt-BR" sz="1000" dirty="0">
-              <a:solidFill>
-                <a:srgbClr val="000000"/>
-              </a:solidFill>
-              <a:highlight>
-                <a:srgbClr val="FFFFFF"/>
-              </a:highlight>
-            </a:endParaRPr>
-          </a:p>
-          <a:p>
-            <a:r>
-              <a:rPr lang="pt-BR" sz="1000" dirty="0">
-                <a:solidFill>
-                  <a:srgbClr val="000000"/>
-                </a:solidFill>
-                <a:highlight>
-                  <a:srgbClr val="FFFFFF"/>
-                </a:highlight>
-              </a:rPr>
-              <a:t>ip </a:t>
-            </a:r>
-            <a:r>
-              <a:rPr lang="pt-BR" sz="1000" b="1" dirty="0">
-                <a:solidFill>
-                  <a:srgbClr val="000080"/>
-                </a:solidFill>
-                <a:highlight>
-                  <a:srgbClr val="FFFFFF"/>
-                </a:highlight>
-              </a:rPr>
-              <a:t>=</a:t>
-            </a:r>
-            <a:r>
-              <a:rPr lang="pt-BR" sz="1000" dirty="0">
-                <a:solidFill>
-                  <a:srgbClr val="000000"/>
-                </a:solidFill>
-                <a:highlight>
-                  <a:srgbClr val="FFFFFF"/>
-                </a:highlight>
-              </a:rPr>
-              <a:t> np</a:t>
-            </a:r>
-            <a:r>
-              <a:rPr lang="pt-BR" sz="1000" b="1" dirty="0">
-                <a:solidFill>
-                  <a:srgbClr val="000080"/>
-                </a:solidFill>
-                <a:highlight>
-                  <a:srgbClr val="FFFFFF"/>
-                </a:highlight>
-              </a:rPr>
-              <a:t>.</a:t>
-            </a:r>
-            <a:r>
-              <a:rPr lang="pt-BR" sz="1000" dirty="0">
-                <a:solidFill>
-                  <a:srgbClr val="000000"/>
-                </a:solidFill>
-                <a:highlight>
-                  <a:srgbClr val="FFFFFF"/>
-                </a:highlight>
-              </a:rPr>
-              <a:t>random</a:t>
-            </a:r>
-            <a:r>
-              <a:rPr lang="pt-BR" sz="1000" b="1" dirty="0">
-                <a:solidFill>
-                  <a:srgbClr val="000080"/>
-                </a:solidFill>
-                <a:highlight>
-                  <a:srgbClr val="FFFFFF"/>
-                </a:highlight>
-              </a:rPr>
-              <a:t>.</a:t>
-            </a:r>
-            <a:r>
-              <a:rPr lang="pt-BR" sz="1000" dirty="0">
-                <a:solidFill>
-                  <a:srgbClr val="000000"/>
-                </a:solidFill>
-                <a:highlight>
-                  <a:srgbClr val="FFFFFF"/>
-                </a:highlight>
-              </a:rPr>
-              <a:t>randint</a:t>
-            </a:r>
-            <a:r>
-              <a:rPr lang="pt-BR" sz="1000" b="1" dirty="0">
-                <a:solidFill>
-                  <a:srgbClr val="000080"/>
-                </a:solidFill>
-                <a:highlight>
-                  <a:srgbClr val="FFFFFF"/>
-                </a:highlight>
-              </a:rPr>
-              <a:t>(</a:t>
-            </a:r>
-            <a:r>
-              <a:rPr lang="pt-BR" sz="1000" dirty="0">
-                <a:solidFill>
-                  <a:srgbClr val="FF0000"/>
-                </a:solidFill>
-                <a:highlight>
-                  <a:srgbClr val="FFFFFF"/>
-                </a:highlight>
-              </a:rPr>
-              <a:t>0</a:t>
-            </a:r>
-            <a:r>
-              <a:rPr lang="pt-BR" sz="1000" b="1" dirty="0">
-                <a:solidFill>
-                  <a:srgbClr val="000080"/>
-                </a:solidFill>
-                <a:highlight>
-                  <a:srgbClr val="FFFFFF"/>
-                </a:highlight>
-              </a:rPr>
-              <a:t>,</a:t>
-            </a:r>
-            <a:r>
-              <a:rPr lang="pt-BR" sz="1000" dirty="0">
-                <a:solidFill>
-                  <a:srgbClr val="FF0000"/>
-                </a:solidFill>
-                <a:highlight>
-                  <a:srgbClr val="FFFFFF"/>
-                </a:highlight>
-              </a:rPr>
-              <a:t>4</a:t>
-            </a:r>
-            <a:r>
-              <a:rPr lang="pt-BR" sz="1000" b="1" dirty="0">
-                <a:solidFill>
-                  <a:srgbClr val="000080"/>
-                </a:solidFill>
-                <a:highlight>
-                  <a:srgbClr val="FFFFFF"/>
-                </a:highlight>
-              </a:rPr>
-              <a:t>,(</a:t>
-            </a:r>
-            <a:r>
-              <a:rPr lang="pt-BR" sz="1000" dirty="0">
-                <a:solidFill>
-                  <a:srgbClr val="000000"/>
-                </a:solidFill>
-                <a:highlight>
-                  <a:srgbClr val="FFFFFF"/>
-                </a:highlight>
-              </a:rPr>
-              <a:t>N</a:t>
-            </a:r>
-            <a:r>
-              <a:rPr lang="pt-BR" sz="1000" b="1" dirty="0">
-                <a:solidFill>
-                  <a:srgbClr val="000080"/>
-                </a:solidFill>
-                <a:highlight>
-                  <a:srgbClr val="FFFFFF"/>
-                </a:highlight>
-              </a:rPr>
-              <a:t>,</a:t>
-            </a:r>
-            <a:r>
-              <a:rPr lang="pt-BR" sz="1000" dirty="0">
-                <a:solidFill>
-                  <a:srgbClr val="FF0000"/>
-                </a:solidFill>
-                <a:highlight>
-                  <a:srgbClr val="FFFFFF"/>
-                </a:highlight>
-              </a:rPr>
-              <a:t>1</a:t>
-            </a:r>
-            <a:r>
-              <a:rPr lang="pt-BR" sz="1000" b="1" dirty="0">
-                <a:solidFill>
-                  <a:srgbClr val="000080"/>
-                </a:solidFill>
-                <a:highlight>
-                  <a:srgbClr val="FFFFFF"/>
-                </a:highlight>
-              </a:rPr>
-              <a:t>))</a:t>
-            </a:r>
-            <a:endParaRPr lang="pt-BR" sz="1000" dirty="0">
-              <a:solidFill>
-                <a:srgbClr val="000000"/>
-              </a:solidFill>
-              <a:highlight>
-                <a:srgbClr val="FFFFFF"/>
-              </a:highlight>
-            </a:endParaRPr>
-          </a:p>
-          <a:p>
-            <a:r>
-              <a:rPr lang="en-US" sz="1000" dirty="0">
-                <a:solidFill>
-                  <a:srgbClr val="008000"/>
-                </a:solidFill>
-                <a:highlight>
-                  <a:srgbClr val="FFFFFF"/>
-                </a:highlight>
-              </a:rPr>
-              <a:t># Modulate binary stream into QPSK symbols.</a:t>
-            </a:r>
-            <a:endParaRPr lang="en-US" sz="1000" dirty="0">
-              <a:solidFill>
-                <a:srgbClr val="000000"/>
-              </a:solidFill>
-              <a:highlight>
-                <a:srgbClr val="FFFFFF"/>
-              </a:highlight>
-            </a:endParaRPr>
-          </a:p>
-          <a:p>
-            <a:r>
-              <a:rPr lang="pt-BR" sz="1000" dirty="0">
-                <a:solidFill>
-                  <a:srgbClr val="000000"/>
-                </a:solidFill>
-                <a:highlight>
-                  <a:srgbClr val="FFFFFF"/>
-                </a:highlight>
-              </a:rPr>
-              <a:t>s </a:t>
-            </a:r>
-            <a:r>
-              <a:rPr lang="pt-BR" sz="1000" b="1" dirty="0">
-                <a:solidFill>
-                  <a:srgbClr val="000080"/>
-                </a:solidFill>
-                <a:highlight>
-                  <a:srgbClr val="FFFFFF"/>
-                </a:highlight>
-              </a:rPr>
-              <a:t>=</a:t>
-            </a:r>
-            <a:r>
-              <a:rPr lang="pt-BR" sz="1000" dirty="0">
-                <a:solidFill>
-                  <a:srgbClr val="000000"/>
-                </a:solidFill>
-                <a:highlight>
-                  <a:srgbClr val="FFFFFF"/>
-                </a:highlight>
-              </a:rPr>
-              <a:t> mod</a:t>
-            </a:r>
-            <a:r>
-              <a:rPr lang="pt-BR" sz="1000" b="1" dirty="0">
-                <a:solidFill>
-                  <a:srgbClr val="000080"/>
-                </a:solidFill>
-                <a:highlight>
-                  <a:srgbClr val="FFFFFF"/>
-                </a:highlight>
-              </a:rPr>
-              <a:t>(</a:t>
-            </a:r>
-            <a:r>
-              <a:rPr lang="pt-BR" sz="1000" dirty="0">
-                <a:solidFill>
-                  <a:srgbClr val="000000"/>
-                </a:solidFill>
-                <a:highlight>
-                  <a:srgbClr val="FFFFFF"/>
-                </a:highlight>
-              </a:rPr>
-              <a:t>ip</a:t>
-            </a:r>
-            <a:r>
-              <a:rPr lang="pt-BR" sz="1000" b="1" dirty="0">
-                <a:solidFill>
-                  <a:srgbClr val="000080"/>
-                </a:solidFill>
-                <a:highlight>
-                  <a:srgbClr val="FFFFFF"/>
-                </a:highlight>
-              </a:rPr>
-              <a:t>)</a:t>
-            </a:r>
-            <a:endParaRPr lang="pt-BR" sz="1000" dirty="0">
-              <a:solidFill>
-                <a:srgbClr val="000000"/>
-              </a:solidFill>
-              <a:highlight>
-                <a:srgbClr val="FFFFFF"/>
-              </a:highlight>
-            </a:endParaRPr>
-          </a:p>
-          <a:p>
-            <a:r>
-              <a:rPr lang="pt-BR" sz="1000" dirty="0">
-                <a:solidFill>
-                  <a:srgbClr val="008000"/>
-                </a:solidFill>
-                <a:highlight>
-                  <a:srgbClr val="FFFFFF"/>
-                </a:highlight>
-              </a:rPr>
-              <a:t># Generate noise vector. </a:t>
-            </a:r>
-            <a:endParaRPr lang="pt-BR" sz="1000" dirty="0">
-              <a:solidFill>
-                <a:srgbClr val="000000"/>
-              </a:solidFill>
-              <a:highlight>
-                <a:srgbClr val="FFFFFF"/>
-              </a:highlight>
-            </a:endParaRPr>
-          </a:p>
-          <a:p>
-            <a:r>
-              <a:rPr lang="pt-BR" sz="1000" dirty="0">
-                <a:solidFill>
-                  <a:srgbClr val="000000"/>
-                </a:solidFill>
-                <a:highlight>
-                  <a:srgbClr val="FFFFFF"/>
-                </a:highlight>
-              </a:rPr>
-              <a:t>noise </a:t>
-            </a:r>
-            <a:r>
-              <a:rPr lang="pt-BR" sz="1000" b="1" dirty="0">
-                <a:solidFill>
-                  <a:srgbClr val="000080"/>
-                </a:solidFill>
-                <a:highlight>
-                  <a:srgbClr val="FFFFFF"/>
-                </a:highlight>
-              </a:rPr>
-              <a:t>=</a:t>
-            </a:r>
-            <a:r>
-              <a:rPr lang="pt-BR" sz="1000" dirty="0">
-                <a:solidFill>
-                  <a:srgbClr val="000000"/>
-                </a:solidFill>
-                <a:highlight>
-                  <a:srgbClr val="FFFFFF"/>
-                </a:highlight>
-              </a:rPr>
-              <a:t> np</a:t>
-            </a:r>
-            <a:r>
-              <a:rPr lang="pt-BR" sz="1000" b="1" dirty="0">
-                <a:solidFill>
-                  <a:srgbClr val="000080"/>
-                </a:solidFill>
-                <a:highlight>
-                  <a:srgbClr val="FFFFFF"/>
-                </a:highlight>
-              </a:rPr>
-              <a:t>.</a:t>
-            </a:r>
-            <a:r>
-              <a:rPr lang="pt-BR" sz="1000" dirty="0">
-                <a:solidFill>
-                  <a:srgbClr val="000000"/>
-                </a:solidFill>
-                <a:highlight>
-                  <a:srgbClr val="FFFFFF"/>
-                </a:highlight>
-              </a:rPr>
-              <a:t>sqrt</a:t>
-            </a:r>
-            <a:r>
-              <a:rPr lang="pt-BR" sz="1000" b="1" dirty="0">
-                <a:solidFill>
-                  <a:srgbClr val="000080"/>
-                </a:solidFill>
-                <a:highlight>
-                  <a:srgbClr val="FFFFFF"/>
-                </a:highlight>
-              </a:rPr>
-              <a:t>(</a:t>
-            </a:r>
-            <a:r>
-              <a:rPr lang="pt-BR" sz="1000" dirty="0">
-                <a:solidFill>
-                  <a:srgbClr val="FF0000"/>
-                </a:solidFill>
-                <a:highlight>
-                  <a:srgbClr val="FFFFFF"/>
-                </a:highlight>
-              </a:rPr>
-              <a:t>1.0</a:t>
-            </a:r>
-            <a:r>
-              <a:rPr lang="pt-BR" sz="1000" b="1" dirty="0">
-                <a:solidFill>
-                  <a:srgbClr val="000080"/>
-                </a:solidFill>
-                <a:highlight>
-                  <a:srgbClr val="FFFFFF"/>
-                </a:highlight>
-              </a:rPr>
-              <a:t>/</a:t>
-            </a:r>
-            <a:r>
-              <a:rPr lang="pt-BR" sz="1000" dirty="0">
-                <a:solidFill>
-                  <a:srgbClr val="FF0000"/>
-                </a:solidFill>
-                <a:highlight>
-                  <a:srgbClr val="FFFFFF"/>
-                </a:highlight>
-              </a:rPr>
-              <a:t>2.0</a:t>
-            </a:r>
-            <a:r>
-              <a:rPr lang="pt-BR" sz="1000" b="1" dirty="0">
-                <a:solidFill>
-                  <a:srgbClr val="000080"/>
-                </a:solidFill>
-                <a:highlight>
-                  <a:srgbClr val="FFFFFF"/>
-                </a:highlight>
-              </a:rPr>
-              <a:t>)*(</a:t>
-            </a:r>
-            <a:r>
-              <a:rPr lang="pt-BR" sz="1000" dirty="0">
-                <a:solidFill>
-                  <a:srgbClr val="000000"/>
-                </a:solidFill>
-                <a:highlight>
-                  <a:srgbClr val="FFFFFF"/>
-                </a:highlight>
-              </a:rPr>
-              <a:t>np</a:t>
-            </a:r>
-            <a:r>
-              <a:rPr lang="pt-BR" sz="1000" b="1" dirty="0">
-                <a:solidFill>
-                  <a:srgbClr val="000080"/>
-                </a:solidFill>
-                <a:highlight>
-                  <a:srgbClr val="FFFFFF"/>
-                </a:highlight>
-              </a:rPr>
-              <a:t>.</a:t>
-            </a:r>
-            <a:r>
-              <a:rPr lang="pt-BR" sz="1000" dirty="0">
-                <a:solidFill>
-                  <a:srgbClr val="000000"/>
-                </a:solidFill>
-                <a:highlight>
-                  <a:srgbClr val="FFFFFF"/>
-                </a:highlight>
-              </a:rPr>
-              <a:t>random</a:t>
-            </a:r>
-            <a:r>
-              <a:rPr lang="pt-BR" sz="1000" b="1" dirty="0">
-                <a:solidFill>
-                  <a:srgbClr val="000080"/>
-                </a:solidFill>
-                <a:highlight>
-                  <a:srgbClr val="FFFFFF"/>
-                </a:highlight>
-              </a:rPr>
-              <a:t>.</a:t>
-            </a:r>
-            <a:r>
-              <a:rPr lang="pt-BR" sz="1000" dirty="0">
-                <a:solidFill>
-                  <a:srgbClr val="000000"/>
-                </a:solidFill>
-                <a:highlight>
-                  <a:srgbClr val="FFFFFF"/>
-                </a:highlight>
-              </a:rPr>
-              <a:t>randn</a:t>
-            </a:r>
-            <a:r>
-              <a:rPr lang="pt-BR" sz="1000" b="1" dirty="0">
-                <a:solidFill>
-                  <a:srgbClr val="000080"/>
-                </a:solidFill>
-                <a:highlight>
-                  <a:srgbClr val="FFFFFF"/>
-                </a:highlight>
-              </a:rPr>
-              <a:t>(</a:t>
-            </a:r>
-            <a:r>
-              <a:rPr lang="pt-BR" sz="1000" dirty="0">
-                <a:solidFill>
-                  <a:srgbClr val="000000"/>
-                </a:solidFill>
-                <a:highlight>
-                  <a:srgbClr val="FFFFFF"/>
-                </a:highlight>
-              </a:rPr>
-              <a:t>N</a:t>
-            </a:r>
-            <a:r>
-              <a:rPr lang="pt-BR" sz="1000" b="1" dirty="0">
-                <a:solidFill>
-                  <a:srgbClr val="000080"/>
-                </a:solidFill>
-                <a:highlight>
-                  <a:srgbClr val="FFFFFF"/>
-                </a:highlight>
-              </a:rPr>
-              <a:t>,</a:t>
-            </a:r>
-            <a:r>
-              <a:rPr lang="pt-BR" sz="1000" dirty="0">
-                <a:solidFill>
-                  <a:srgbClr val="000000"/>
-                </a:solidFill>
-                <a:highlight>
-                  <a:srgbClr val="FFFFFF"/>
-                </a:highlight>
-              </a:rPr>
-              <a:t> </a:t>
-            </a:r>
-            <a:r>
-              <a:rPr lang="pt-BR" sz="1000" dirty="0">
-                <a:solidFill>
-                  <a:srgbClr val="FF0000"/>
-                </a:solidFill>
-                <a:highlight>
-                  <a:srgbClr val="FFFFFF"/>
-                </a:highlight>
-              </a:rPr>
-              <a:t>1</a:t>
-            </a:r>
-            <a:r>
-              <a:rPr lang="pt-BR" sz="1000" b="1" dirty="0">
-                <a:solidFill>
-                  <a:srgbClr val="000080"/>
-                </a:solidFill>
-                <a:highlight>
-                  <a:srgbClr val="FFFFFF"/>
-                </a:highlight>
-              </a:rPr>
-              <a:t>)</a:t>
-            </a:r>
-            <a:r>
-              <a:rPr lang="pt-BR" sz="1000" dirty="0">
-                <a:solidFill>
-                  <a:srgbClr val="000000"/>
-                </a:solidFill>
-                <a:highlight>
-                  <a:srgbClr val="FFFFFF"/>
-                </a:highlight>
-              </a:rPr>
-              <a:t> </a:t>
-            </a:r>
-            <a:r>
-              <a:rPr lang="pt-BR" sz="1000" b="1" dirty="0">
-                <a:solidFill>
-                  <a:srgbClr val="000080"/>
-                </a:solidFill>
-                <a:highlight>
-                  <a:srgbClr val="FFFFFF"/>
-                </a:highlight>
-              </a:rPr>
-              <a:t>+</a:t>
-            </a:r>
-            <a:r>
-              <a:rPr lang="pt-BR" sz="1000" dirty="0">
-                <a:solidFill>
-                  <a:srgbClr val="000000"/>
-                </a:solidFill>
-                <a:highlight>
-                  <a:srgbClr val="FFFFFF"/>
-                </a:highlight>
-              </a:rPr>
-              <a:t> </a:t>
-            </a:r>
-            <a:r>
-              <a:rPr lang="pt-BR" sz="1000" dirty="0">
-                <a:solidFill>
-                  <a:srgbClr val="FF0000"/>
-                </a:solidFill>
-                <a:highlight>
-                  <a:srgbClr val="FFFFFF"/>
-                </a:highlight>
-              </a:rPr>
-              <a:t>1j</a:t>
-            </a:r>
-            <a:r>
-              <a:rPr lang="pt-BR" sz="1000" b="1" dirty="0">
-                <a:solidFill>
-                  <a:srgbClr val="000080"/>
-                </a:solidFill>
-                <a:highlight>
-                  <a:srgbClr val="FFFFFF"/>
-                </a:highlight>
-              </a:rPr>
-              <a:t>*</a:t>
-            </a:r>
-            <a:r>
-              <a:rPr lang="pt-BR" sz="1000" dirty="0">
-                <a:solidFill>
-                  <a:srgbClr val="000000"/>
-                </a:solidFill>
-                <a:highlight>
-                  <a:srgbClr val="FFFFFF"/>
-                </a:highlight>
-              </a:rPr>
-              <a:t>np</a:t>
-            </a:r>
-            <a:r>
-              <a:rPr lang="pt-BR" sz="1000" b="1" dirty="0">
-                <a:solidFill>
-                  <a:srgbClr val="000080"/>
-                </a:solidFill>
-                <a:highlight>
-                  <a:srgbClr val="FFFFFF"/>
-                </a:highlight>
-              </a:rPr>
-              <a:t>.</a:t>
-            </a:r>
-            <a:r>
-              <a:rPr lang="pt-BR" sz="1000" dirty="0">
-                <a:solidFill>
-                  <a:srgbClr val="000000"/>
-                </a:solidFill>
-                <a:highlight>
-                  <a:srgbClr val="FFFFFF"/>
-                </a:highlight>
-              </a:rPr>
-              <a:t>random</a:t>
-            </a:r>
-            <a:r>
-              <a:rPr lang="pt-BR" sz="1000" b="1" dirty="0">
-                <a:solidFill>
-                  <a:srgbClr val="000080"/>
-                </a:solidFill>
-                <a:highlight>
-                  <a:srgbClr val="FFFFFF"/>
-                </a:highlight>
-              </a:rPr>
-              <a:t>.</a:t>
-            </a:r>
-            <a:r>
-              <a:rPr lang="pt-BR" sz="1000" dirty="0">
-                <a:solidFill>
-                  <a:srgbClr val="000000"/>
-                </a:solidFill>
-                <a:highlight>
-                  <a:srgbClr val="FFFFFF"/>
-                </a:highlight>
-              </a:rPr>
-              <a:t>randn</a:t>
-            </a:r>
-            <a:r>
-              <a:rPr lang="pt-BR" sz="1000" b="1" dirty="0">
-                <a:solidFill>
-                  <a:srgbClr val="000080"/>
-                </a:solidFill>
-                <a:highlight>
-                  <a:srgbClr val="FFFFFF"/>
-                </a:highlight>
-              </a:rPr>
-              <a:t>(</a:t>
-            </a:r>
-            <a:r>
-              <a:rPr lang="pt-BR" sz="1000" dirty="0">
-                <a:solidFill>
-                  <a:srgbClr val="000000"/>
-                </a:solidFill>
-                <a:highlight>
-                  <a:srgbClr val="FFFFFF"/>
-                </a:highlight>
-              </a:rPr>
-              <a:t>N</a:t>
-            </a:r>
-            <a:r>
-              <a:rPr lang="pt-BR" sz="1000" b="1" dirty="0">
-                <a:solidFill>
-                  <a:srgbClr val="000080"/>
-                </a:solidFill>
-                <a:highlight>
-                  <a:srgbClr val="FFFFFF"/>
-                </a:highlight>
-              </a:rPr>
-              <a:t>,</a:t>
-            </a:r>
-            <a:r>
-              <a:rPr lang="pt-BR" sz="1000" dirty="0">
-                <a:solidFill>
-                  <a:srgbClr val="000000"/>
-                </a:solidFill>
-                <a:highlight>
-                  <a:srgbClr val="FFFFFF"/>
-                </a:highlight>
-              </a:rPr>
-              <a:t> </a:t>
-            </a:r>
-            <a:r>
-              <a:rPr lang="pt-BR" sz="1000" dirty="0">
-                <a:solidFill>
-                  <a:srgbClr val="FF0000"/>
-                </a:solidFill>
-                <a:highlight>
-                  <a:srgbClr val="FFFFFF"/>
-                </a:highlight>
-              </a:rPr>
-              <a:t>1</a:t>
-            </a:r>
-            <a:r>
-              <a:rPr lang="pt-BR" sz="1000" b="1" dirty="0">
-                <a:solidFill>
-                  <a:srgbClr val="000080"/>
-                </a:solidFill>
-                <a:highlight>
-                  <a:srgbClr val="FFFFFF"/>
-                </a:highlight>
-              </a:rPr>
-              <a:t>))</a:t>
-            </a:r>
-            <a:endParaRPr lang="pt-BR" sz="1000" dirty="0">
-              <a:solidFill>
-                <a:srgbClr val="000000"/>
-              </a:solidFill>
-              <a:highlight>
-                <a:srgbClr val="FFFFFF"/>
-              </a:highlight>
-            </a:endParaRPr>
-          </a:p>
-          <a:p>
-            <a:r>
-              <a:rPr lang="en-US" sz="1000" dirty="0">
-                <a:solidFill>
-                  <a:srgbClr val="008000"/>
-                </a:solidFill>
-                <a:highlight>
-                  <a:srgbClr val="FFFFFF"/>
-                </a:highlight>
-              </a:rPr>
-              <a:t># Add phase error and pass symbols through AWGN channel.</a:t>
-            </a:r>
-            <a:endParaRPr lang="en-US" sz="1000" dirty="0">
-              <a:solidFill>
-                <a:srgbClr val="000000"/>
-              </a:solidFill>
-              <a:highlight>
-                <a:srgbClr val="FFFFFF"/>
-              </a:highlight>
-            </a:endParaRPr>
-          </a:p>
-          <a:p>
-            <a:r>
-              <a:rPr lang="pt-BR" sz="1000" dirty="0">
-                <a:solidFill>
-                  <a:srgbClr val="000000"/>
-                </a:solidFill>
-                <a:highlight>
-                  <a:srgbClr val="FFFFFF"/>
-                </a:highlight>
-              </a:rPr>
-              <a:t>y </a:t>
-            </a:r>
-            <a:r>
-              <a:rPr lang="pt-BR" sz="1000" b="1" dirty="0">
-                <a:solidFill>
-                  <a:srgbClr val="000080"/>
-                </a:solidFill>
-                <a:highlight>
-                  <a:srgbClr val="FFFFFF"/>
-                </a:highlight>
-              </a:rPr>
-              <a:t>=</a:t>
-            </a:r>
-            <a:r>
-              <a:rPr lang="pt-BR" sz="1000" dirty="0">
-                <a:solidFill>
-                  <a:srgbClr val="000000"/>
-                </a:solidFill>
-                <a:highlight>
-                  <a:srgbClr val="FFFFFF"/>
-                </a:highlight>
-              </a:rPr>
-              <a:t> s</a:t>
-            </a:r>
-            <a:r>
-              <a:rPr lang="pt-BR" sz="1000" b="1" dirty="0">
-                <a:solidFill>
-                  <a:srgbClr val="000080"/>
-                </a:solidFill>
-                <a:highlight>
-                  <a:srgbClr val="FFFFFF"/>
-                </a:highlight>
-              </a:rPr>
-              <a:t>*</a:t>
-            </a:r>
-            <a:r>
-              <a:rPr lang="pt-BR" sz="1000" dirty="0">
-                <a:solidFill>
-                  <a:srgbClr val="000000"/>
-                </a:solidFill>
-                <a:highlight>
-                  <a:srgbClr val="FFFFFF"/>
-                </a:highlight>
-              </a:rPr>
-              <a:t>phase_rnd </a:t>
-            </a:r>
-            <a:r>
-              <a:rPr lang="pt-BR" sz="1000" b="1" dirty="0">
-                <a:solidFill>
-                  <a:srgbClr val="000080"/>
-                </a:solidFill>
-                <a:highlight>
-                  <a:srgbClr val="FFFFFF"/>
-                </a:highlight>
-              </a:rPr>
-              <a:t>+</a:t>
-            </a:r>
-            <a:r>
-              <a:rPr lang="pt-BR" sz="1000" dirty="0">
-                <a:solidFill>
-                  <a:srgbClr val="000000"/>
-                </a:solidFill>
-                <a:highlight>
-                  <a:srgbClr val="FFFFFF"/>
-                </a:highlight>
-              </a:rPr>
-              <a:t> np</a:t>
-            </a:r>
-            <a:r>
-              <a:rPr lang="pt-BR" sz="1000" b="1" dirty="0">
-                <a:solidFill>
-                  <a:srgbClr val="000080"/>
-                </a:solidFill>
-                <a:highlight>
-                  <a:srgbClr val="FFFFFF"/>
-                </a:highlight>
-              </a:rPr>
-              <a:t>.</a:t>
-            </a:r>
-            <a:r>
-              <a:rPr lang="pt-BR" sz="1000" dirty="0">
-                <a:solidFill>
-                  <a:srgbClr val="000000"/>
-                </a:solidFill>
-                <a:highlight>
-                  <a:srgbClr val="FFFFFF"/>
-                </a:highlight>
-              </a:rPr>
-              <a:t>sqrt</a:t>
-            </a:r>
-            <a:r>
-              <a:rPr lang="pt-BR" sz="1000" b="1" dirty="0">
-                <a:solidFill>
-                  <a:srgbClr val="000080"/>
-                </a:solidFill>
-                <a:highlight>
-                  <a:srgbClr val="FFFFFF"/>
-                </a:highlight>
-              </a:rPr>
-              <a:t>(</a:t>
-            </a:r>
-            <a:r>
-              <a:rPr lang="pt-BR" sz="1000" dirty="0">
-                <a:solidFill>
-                  <a:srgbClr val="000000"/>
-                </a:solidFill>
-                <a:highlight>
-                  <a:srgbClr val="FFFFFF"/>
-                </a:highlight>
-              </a:rPr>
-              <a:t>EsN0Lin</a:t>
-            </a:r>
-            <a:r>
-              <a:rPr lang="pt-BR" sz="1000" b="1" dirty="0">
-                <a:solidFill>
-                  <a:srgbClr val="000080"/>
-                </a:solidFill>
-                <a:highlight>
-                  <a:srgbClr val="FFFFFF"/>
-                </a:highlight>
-              </a:rPr>
-              <a:t>)*</a:t>
-            </a:r>
-            <a:r>
-              <a:rPr lang="pt-BR" sz="1000" dirty="0">
-                <a:solidFill>
-                  <a:srgbClr val="000000"/>
-                </a:solidFill>
-                <a:highlight>
-                  <a:srgbClr val="FFFFFF"/>
-                </a:highlight>
-              </a:rPr>
-              <a:t>noise</a:t>
-            </a:r>
-          </a:p>
-          <a:p>
-            <a:r>
-              <a:rPr lang="pt-BR" sz="1000" dirty="0">
-                <a:solidFill>
-                  <a:srgbClr val="008000"/>
-                </a:solidFill>
-                <a:highlight>
-                  <a:srgbClr val="FFFFFF"/>
-                </a:highlight>
-              </a:rPr>
-              <a:t># Phase of received signal.</a:t>
-            </a:r>
-            <a:endParaRPr lang="pt-BR" sz="1000" dirty="0">
-              <a:solidFill>
-                <a:srgbClr val="000000"/>
-              </a:solidFill>
-              <a:highlight>
-                <a:srgbClr val="FFFFFF"/>
-              </a:highlight>
-            </a:endParaRPr>
-          </a:p>
-          <a:p>
-            <a:r>
-              <a:rPr lang="pt-BR" sz="1000" dirty="0">
-                <a:solidFill>
-                  <a:srgbClr val="000000"/>
-                </a:solidFill>
-                <a:highlight>
-                  <a:srgbClr val="FFFFFF"/>
-                </a:highlight>
-              </a:rPr>
-              <a:t>theta </a:t>
-            </a:r>
-            <a:r>
-              <a:rPr lang="pt-BR" sz="1000" b="1" dirty="0">
-                <a:solidFill>
-                  <a:srgbClr val="000080"/>
-                </a:solidFill>
-                <a:highlight>
-                  <a:srgbClr val="FFFFFF"/>
-                </a:highlight>
-              </a:rPr>
-              <a:t>=</a:t>
-            </a:r>
-            <a:r>
-              <a:rPr lang="pt-BR" sz="1000" dirty="0">
-                <a:solidFill>
-                  <a:srgbClr val="000000"/>
-                </a:solidFill>
-                <a:highlight>
-                  <a:srgbClr val="FFFFFF"/>
-                </a:highlight>
-              </a:rPr>
-              <a:t> np</a:t>
-            </a:r>
-            <a:r>
-              <a:rPr lang="pt-BR" sz="1000" b="1" dirty="0">
-                <a:solidFill>
-                  <a:srgbClr val="000080"/>
-                </a:solidFill>
-                <a:highlight>
-                  <a:srgbClr val="FFFFFF"/>
-                </a:highlight>
-              </a:rPr>
-              <a:t>.</a:t>
-            </a:r>
-            <a:r>
-              <a:rPr lang="pt-BR" sz="1000" dirty="0">
-                <a:solidFill>
-                  <a:srgbClr val="000000"/>
-                </a:solidFill>
-                <a:highlight>
-                  <a:srgbClr val="FFFFFF"/>
-                </a:highlight>
-              </a:rPr>
-              <a:t>arctan</a:t>
-            </a:r>
-            <a:r>
-              <a:rPr lang="pt-BR" sz="1000" b="1" dirty="0">
-                <a:solidFill>
-                  <a:srgbClr val="000080"/>
-                </a:solidFill>
-                <a:highlight>
-                  <a:srgbClr val="FFFFFF"/>
-                </a:highlight>
-              </a:rPr>
-              <a:t>(</a:t>
-            </a:r>
-            <a:r>
-              <a:rPr lang="pt-BR" sz="1000" dirty="0">
-                <a:solidFill>
-                  <a:srgbClr val="000000"/>
-                </a:solidFill>
-                <a:highlight>
-                  <a:srgbClr val="FFFFFF"/>
-                </a:highlight>
-              </a:rPr>
-              <a:t>y</a:t>
-            </a:r>
-            <a:r>
-              <a:rPr lang="pt-BR" sz="1000" b="1" dirty="0">
-                <a:solidFill>
-                  <a:srgbClr val="000080"/>
-                </a:solidFill>
-                <a:highlight>
-                  <a:srgbClr val="FFFFFF"/>
-                </a:highlight>
-              </a:rPr>
-              <a:t>.</a:t>
-            </a:r>
-            <a:r>
-              <a:rPr lang="pt-BR" sz="1000" dirty="0">
-                <a:solidFill>
-                  <a:srgbClr val="000000"/>
-                </a:solidFill>
-                <a:highlight>
-                  <a:srgbClr val="FFFFFF"/>
-                </a:highlight>
-              </a:rPr>
-              <a:t>real</a:t>
-            </a:r>
-            <a:r>
-              <a:rPr lang="pt-BR" sz="1000" b="1" dirty="0">
-                <a:solidFill>
-                  <a:srgbClr val="000080"/>
-                </a:solidFill>
-                <a:highlight>
-                  <a:srgbClr val="FFFFFF"/>
-                </a:highlight>
-              </a:rPr>
-              <a:t>/</a:t>
-            </a:r>
-            <a:r>
-              <a:rPr lang="pt-BR" sz="1000" dirty="0">
-                <a:solidFill>
-                  <a:srgbClr val="000000"/>
-                </a:solidFill>
-                <a:highlight>
-                  <a:srgbClr val="FFFFFF"/>
-                </a:highlight>
-              </a:rPr>
-              <a:t>y</a:t>
-            </a:r>
-            <a:r>
-              <a:rPr lang="pt-BR" sz="1000" b="1" dirty="0">
-                <a:solidFill>
-                  <a:srgbClr val="000080"/>
-                </a:solidFill>
-                <a:highlight>
-                  <a:srgbClr val="FFFFFF"/>
-                </a:highlight>
-              </a:rPr>
-              <a:t>.</a:t>
-            </a:r>
-            <a:r>
-              <a:rPr lang="pt-BR" sz="1000" dirty="0">
-                <a:solidFill>
-                  <a:srgbClr val="000000"/>
-                </a:solidFill>
-                <a:highlight>
-                  <a:srgbClr val="FFFFFF"/>
-                </a:highlight>
-              </a:rPr>
-              <a:t>imag</a:t>
-            </a:r>
-            <a:r>
-              <a:rPr lang="pt-BR" sz="1000" b="1" dirty="0">
-                <a:solidFill>
-                  <a:srgbClr val="000080"/>
-                </a:solidFill>
-                <a:highlight>
-                  <a:srgbClr val="FFFFFF"/>
-                </a:highlight>
-              </a:rPr>
-              <a:t>)</a:t>
-            </a:r>
-            <a:endParaRPr lang="pt-BR" sz="1000" dirty="0">
-              <a:solidFill>
-                <a:srgbClr val="000000"/>
-              </a:solidFill>
-              <a:highlight>
-                <a:srgbClr val="FFFFFF"/>
-              </a:highlight>
-            </a:endParaRPr>
-          </a:p>
-          <a:p>
-            <a:endParaRPr lang="pt-BR" sz="1000" dirty="0">
-              <a:solidFill>
-                <a:srgbClr val="000000"/>
-              </a:solidFill>
-              <a:highlight>
-                <a:srgbClr val="FFFFFF"/>
-              </a:highlight>
-            </a:endParaRPr>
-          </a:p>
-          <a:p>
-            <a:r>
-              <a:rPr lang="en-US" sz="1000" dirty="0">
-                <a:solidFill>
-                  <a:srgbClr val="008000"/>
-                </a:solidFill>
-                <a:highlight>
-                  <a:srgbClr val="FFFFFF"/>
-                </a:highlight>
-              </a:rPr>
-              <a:t># Split arrays into training and validation subsets.</a:t>
-            </a:r>
-            <a:endParaRPr lang="en-US" sz="1000" dirty="0">
-              <a:solidFill>
-                <a:srgbClr val="000000"/>
-              </a:solidFill>
-              <a:highlight>
-                <a:srgbClr val="FFFFFF"/>
-              </a:highlight>
-            </a:endParaRPr>
-          </a:p>
-          <a:p>
-            <a:r>
-              <a:rPr lang="pt-BR" sz="1000" dirty="0">
-                <a:solidFill>
-                  <a:srgbClr val="000000"/>
-                </a:solidFill>
-                <a:highlight>
-                  <a:srgbClr val="FFFFFF"/>
-                </a:highlight>
-              </a:rPr>
-              <a:t>theta_train</a:t>
-            </a:r>
-            <a:r>
-              <a:rPr lang="pt-BR" sz="1000" b="1" dirty="0">
-                <a:solidFill>
-                  <a:srgbClr val="000080"/>
-                </a:solidFill>
-                <a:highlight>
-                  <a:srgbClr val="FFFFFF"/>
-                </a:highlight>
-              </a:rPr>
-              <a:t>,</a:t>
-            </a:r>
-            <a:r>
-              <a:rPr lang="pt-BR" sz="1000" dirty="0">
-                <a:solidFill>
-                  <a:srgbClr val="000000"/>
-                </a:solidFill>
-                <a:highlight>
-                  <a:srgbClr val="FFFFFF"/>
-                </a:highlight>
-              </a:rPr>
-              <a:t> theta_test</a:t>
-            </a:r>
-            <a:r>
-              <a:rPr lang="pt-BR" sz="1000" b="1" dirty="0">
-                <a:solidFill>
-                  <a:srgbClr val="000080"/>
-                </a:solidFill>
-                <a:highlight>
-                  <a:srgbClr val="FFFFFF"/>
-                </a:highlight>
-              </a:rPr>
-              <a:t>,</a:t>
-            </a:r>
-            <a:r>
-              <a:rPr lang="pt-BR" sz="1000" dirty="0">
-                <a:solidFill>
-                  <a:srgbClr val="000000"/>
-                </a:solidFill>
-                <a:highlight>
-                  <a:srgbClr val="FFFFFF"/>
-                </a:highlight>
-              </a:rPr>
-              <a:t> theta_orig_train</a:t>
-            </a:r>
-            <a:r>
-              <a:rPr lang="pt-BR" sz="1000" b="1" dirty="0">
-                <a:solidFill>
-                  <a:srgbClr val="000080"/>
-                </a:solidFill>
-                <a:highlight>
-                  <a:srgbClr val="FFFFFF"/>
-                </a:highlight>
-              </a:rPr>
-              <a:t>,</a:t>
-            </a:r>
-            <a:r>
-              <a:rPr lang="pt-BR" sz="1000" dirty="0">
-                <a:solidFill>
-                  <a:srgbClr val="000000"/>
-                </a:solidFill>
-                <a:highlight>
-                  <a:srgbClr val="FFFFFF"/>
-                </a:highlight>
-              </a:rPr>
-              <a:t> _</a:t>
-            </a:r>
-            <a:r>
-              <a:rPr lang="pt-BR" sz="1000" b="1" dirty="0">
-                <a:solidFill>
-                  <a:srgbClr val="000080"/>
-                </a:solidFill>
-                <a:highlight>
-                  <a:srgbClr val="FFFFFF"/>
-                </a:highlight>
-              </a:rPr>
-              <a:t>,</a:t>
-            </a:r>
-            <a:r>
-              <a:rPr lang="pt-BR" sz="1000" dirty="0">
-                <a:solidFill>
-                  <a:srgbClr val="000000"/>
-                </a:solidFill>
-                <a:highlight>
-                  <a:srgbClr val="FFFFFF"/>
-                </a:highlight>
-              </a:rPr>
-              <a:t> _</a:t>
-            </a:r>
-            <a:r>
-              <a:rPr lang="pt-BR" sz="1000" b="1" dirty="0">
-                <a:solidFill>
-                  <a:srgbClr val="000080"/>
-                </a:solidFill>
-                <a:highlight>
-                  <a:srgbClr val="FFFFFF"/>
-                </a:highlight>
-              </a:rPr>
-              <a:t>,</a:t>
-            </a:r>
-            <a:r>
-              <a:rPr lang="pt-BR" sz="1000" dirty="0">
-                <a:solidFill>
-                  <a:srgbClr val="000000"/>
-                </a:solidFill>
-                <a:highlight>
-                  <a:srgbClr val="FFFFFF"/>
-                </a:highlight>
-              </a:rPr>
-              <a:t> y_test </a:t>
-            </a:r>
-            <a:r>
-              <a:rPr lang="pt-BR" sz="1000" b="1" dirty="0">
-                <a:solidFill>
-                  <a:srgbClr val="000080"/>
-                </a:solidFill>
-                <a:highlight>
-                  <a:srgbClr val="FFFFFF"/>
-                </a:highlight>
-              </a:rPr>
-              <a:t>=</a:t>
-            </a:r>
-            <a:r>
-              <a:rPr lang="pt-BR" sz="1000" dirty="0">
-                <a:solidFill>
-                  <a:srgbClr val="000000"/>
-                </a:solidFill>
-                <a:highlight>
-                  <a:srgbClr val="FFFFFF"/>
-                </a:highlight>
-              </a:rPr>
-              <a:t> train_test_split</a:t>
-            </a:r>
-            <a:r>
-              <a:rPr lang="pt-BR" sz="1000" b="1" dirty="0">
-                <a:solidFill>
-                  <a:srgbClr val="000080"/>
-                </a:solidFill>
-                <a:highlight>
-                  <a:srgbClr val="FFFFFF"/>
-                </a:highlight>
-              </a:rPr>
-              <a:t>(</a:t>
-            </a:r>
-            <a:r>
-              <a:rPr lang="pt-BR" sz="1000" dirty="0">
-                <a:solidFill>
-                  <a:srgbClr val="000000"/>
-                </a:solidFill>
-                <a:highlight>
-                  <a:srgbClr val="FFFFFF"/>
-                </a:highlight>
-              </a:rPr>
-              <a:t>theta</a:t>
-            </a:r>
-            <a:r>
-              <a:rPr lang="pt-BR" sz="1000" b="1" dirty="0">
-                <a:solidFill>
-                  <a:srgbClr val="000080"/>
-                </a:solidFill>
-                <a:highlight>
-                  <a:srgbClr val="FFFFFF"/>
-                </a:highlight>
-              </a:rPr>
-              <a:t>,</a:t>
-            </a:r>
-            <a:r>
-              <a:rPr lang="pt-BR" sz="1000" dirty="0">
-                <a:solidFill>
-                  <a:srgbClr val="000000"/>
-                </a:solidFill>
-                <a:highlight>
-                  <a:srgbClr val="FFFFFF"/>
-                </a:highlight>
-              </a:rPr>
-              <a:t> theta_orig</a:t>
-            </a:r>
-            <a:r>
-              <a:rPr lang="pt-BR" sz="1000" b="1" dirty="0">
-                <a:solidFill>
-                  <a:srgbClr val="000080"/>
-                </a:solidFill>
-                <a:highlight>
-                  <a:srgbClr val="FFFFFF"/>
-                </a:highlight>
-              </a:rPr>
-              <a:t>.</a:t>
-            </a:r>
-            <a:r>
-              <a:rPr lang="pt-BR" sz="1000" dirty="0">
-                <a:solidFill>
-                  <a:srgbClr val="000000"/>
-                </a:solidFill>
-                <a:highlight>
-                  <a:srgbClr val="FFFFFF"/>
-                </a:highlight>
-              </a:rPr>
-              <a:t>ravel</a:t>
-            </a:r>
-            <a:r>
-              <a:rPr lang="pt-BR" sz="1000" b="1" dirty="0">
-                <a:solidFill>
-                  <a:srgbClr val="000080"/>
-                </a:solidFill>
-                <a:highlight>
-                  <a:srgbClr val="FFFFFF"/>
-                </a:highlight>
-              </a:rPr>
-              <a:t>(),</a:t>
-            </a:r>
-            <a:r>
-              <a:rPr lang="pt-BR" sz="1000" dirty="0">
-                <a:solidFill>
-                  <a:srgbClr val="000000"/>
-                </a:solidFill>
-                <a:highlight>
-                  <a:srgbClr val="FFFFFF"/>
-                </a:highlight>
-              </a:rPr>
-              <a:t> y</a:t>
-            </a:r>
-            <a:r>
-              <a:rPr lang="pt-BR" sz="1000" b="1" dirty="0">
-                <a:solidFill>
-                  <a:srgbClr val="000080"/>
-                </a:solidFill>
-                <a:highlight>
-                  <a:srgbClr val="FFFFFF"/>
-                </a:highlight>
-              </a:rPr>
-              <a:t>,</a:t>
-            </a:r>
-            <a:r>
-              <a:rPr lang="pt-BR" sz="1000" dirty="0">
-                <a:solidFill>
-                  <a:srgbClr val="000000"/>
-                </a:solidFill>
-                <a:highlight>
-                  <a:srgbClr val="FFFFFF"/>
-                </a:highlight>
-              </a:rPr>
-              <a:t> test_size</a:t>
-            </a:r>
-            <a:r>
-              <a:rPr lang="pt-BR" sz="1000" b="1" dirty="0">
-                <a:solidFill>
-                  <a:srgbClr val="000080"/>
-                </a:solidFill>
-                <a:highlight>
-                  <a:srgbClr val="FFFFFF"/>
-                </a:highlight>
-              </a:rPr>
-              <a:t>=</a:t>
-            </a:r>
-            <a:r>
-              <a:rPr lang="pt-BR" sz="1000" dirty="0">
-                <a:solidFill>
-                  <a:srgbClr val="FF0000"/>
-                </a:solidFill>
-                <a:highlight>
-                  <a:srgbClr val="FFFFFF"/>
-                </a:highlight>
-              </a:rPr>
-              <a:t>0.2</a:t>
-            </a:r>
-            <a:r>
-              <a:rPr lang="pt-BR" sz="1000" b="1" dirty="0">
-                <a:solidFill>
-                  <a:srgbClr val="000080"/>
-                </a:solidFill>
-                <a:highlight>
-                  <a:srgbClr val="FFFFFF"/>
-                </a:highlight>
-              </a:rPr>
-              <a:t>)</a:t>
-            </a:r>
-            <a:endParaRPr lang="pt-BR" sz="1000" dirty="0">
-              <a:solidFill>
-                <a:srgbClr val="000000"/>
-              </a:solidFill>
-              <a:highlight>
-                <a:srgbClr val="FFFFFF"/>
-              </a:highlight>
-            </a:endParaRPr>
-          </a:p>
-          <a:p>
-            <a:r>
-              <a:rPr lang="pt-BR" sz="1000" dirty="0">
-                <a:solidFill>
-                  <a:srgbClr val="008000"/>
-                </a:solidFill>
-                <a:highlight>
-                  <a:srgbClr val="FFFFFF"/>
-                </a:highlight>
-              </a:rPr>
-              <a:t># Instantiate MLP Regressor.</a:t>
-            </a:r>
-            <a:endParaRPr lang="pt-BR" sz="1000" dirty="0">
-              <a:solidFill>
-                <a:srgbClr val="000000"/>
-              </a:solidFill>
-              <a:highlight>
-                <a:srgbClr val="FFFFFF"/>
-              </a:highlight>
-            </a:endParaRPr>
-          </a:p>
-          <a:p>
-            <a:r>
-              <a:rPr lang="pt-BR" sz="1000" dirty="0">
-                <a:solidFill>
-                  <a:srgbClr val="000000"/>
-                </a:solidFill>
-                <a:highlight>
-                  <a:srgbClr val="FFFFFF"/>
-                </a:highlight>
-              </a:rPr>
-              <a:t>reg </a:t>
-            </a:r>
-            <a:r>
-              <a:rPr lang="pt-BR" sz="1000" b="1" dirty="0">
-                <a:solidFill>
-                  <a:srgbClr val="000080"/>
-                </a:solidFill>
-                <a:highlight>
-                  <a:srgbClr val="FFFFFF"/>
-                </a:highlight>
-              </a:rPr>
-              <a:t>=</a:t>
-            </a:r>
-            <a:r>
-              <a:rPr lang="pt-BR" sz="1000" dirty="0">
-                <a:solidFill>
-                  <a:srgbClr val="000000"/>
-                </a:solidFill>
-                <a:highlight>
-                  <a:srgbClr val="FFFFFF"/>
-                </a:highlight>
-              </a:rPr>
-              <a:t> MLPRegressor</a:t>
-            </a:r>
-            <a:r>
-              <a:rPr lang="pt-BR" sz="1000" b="1" dirty="0">
-                <a:solidFill>
-                  <a:srgbClr val="000080"/>
-                </a:solidFill>
-                <a:highlight>
-                  <a:srgbClr val="FFFFFF"/>
-                </a:highlight>
-              </a:rPr>
-              <a:t>(</a:t>
-            </a:r>
-            <a:r>
-              <a:rPr lang="pt-BR" sz="1000" dirty="0">
-                <a:solidFill>
-                  <a:srgbClr val="000000"/>
-                </a:solidFill>
-                <a:highlight>
-                  <a:srgbClr val="FFFFFF"/>
-                </a:highlight>
-              </a:rPr>
-              <a:t>hidden_layer_sizes</a:t>
-            </a:r>
-            <a:r>
-              <a:rPr lang="pt-BR" sz="1000" b="1" dirty="0">
-                <a:solidFill>
-                  <a:srgbClr val="000080"/>
-                </a:solidFill>
-                <a:highlight>
-                  <a:srgbClr val="FFFFFF"/>
-                </a:highlight>
-              </a:rPr>
-              <a:t>=(</a:t>
-            </a:r>
-            <a:r>
-              <a:rPr lang="pt-BR" sz="1000" dirty="0">
-                <a:solidFill>
-                  <a:srgbClr val="FF0000"/>
-                </a:solidFill>
-                <a:highlight>
-                  <a:srgbClr val="FFFFFF"/>
-                </a:highlight>
-              </a:rPr>
-              <a:t>10</a:t>
-            </a:r>
-            <a:r>
-              <a:rPr lang="pt-BR" sz="1000" b="1" dirty="0">
-                <a:solidFill>
-                  <a:srgbClr val="000080"/>
-                </a:solidFill>
-                <a:highlight>
-                  <a:srgbClr val="FFFFFF"/>
-                </a:highlight>
-              </a:rPr>
-              <a:t>,</a:t>
-            </a:r>
-            <a:r>
-              <a:rPr lang="pt-BR" sz="1000" dirty="0">
-                <a:solidFill>
-                  <a:srgbClr val="FF0000"/>
-                </a:solidFill>
-                <a:highlight>
-                  <a:srgbClr val="FFFFFF"/>
-                </a:highlight>
-              </a:rPr>
-              <a:t>5</a:t>
-            </a:r>
-            <a:r>
-              <a:rPr lang="pt-BR" sz="1000" b="1" dirty="0">
-                <a:solidFill>
-                  <a:srgbClr val="000080"/>
-                </a:solidFill>
-                <a:highlight>
-                  <a:srgbClr val="FFFFFF"/>
-                </a:highlight>
-              </a:rPr>
-              <a:t>,</a:t>
-            </a:r>
-            <a:r>
-              <a:rPr lang="pt-BR" sz="1000" dirty="0">
-                <a:solidFill>
-                  <a:srgbClr val="FF0000"/>
-                </a:solidFill>
-                <a:highlight>
-                  <a:srgbClr val="FFFFFF"/>
-                </a:highlight>
-              </a:rPr>
-              <a:t>4</a:t>
-            </a:r>
-            <a:r>
-              <a:rPr lang="pt-BR" sz="1000" b="1" dirty="0">
-                <a:solidFill>
-                  <a:srgbClr val="000080"/>
-                </a:solidFill>
-                <a:highlight>
-                  <a:srgbClr val="FFFFFF"/>
-                </a:highlight>
-              </a:rPr>
-              <a:t>),</a:t>
-            </a:r>
-            <a:r>
-              <a:rPr lang="pt-BR" sz="1000" dirty="0">
-                <a:solidFill>
-                  <a:srgbClr val="000000"/>
-                </a:solidFill>
-                <a:highlight>
-                  <a:srgbClr val="FFFFFF"/>
-                </a:highlight>
-              </a:rPr>
-              <a:t> max_iter</a:t>
-            </a:r>
-            <a:r>
-              <a:rPr lang="pt-BR" sz="1000" b="1" dirty="0">
-                <a:solidFill>
-                  <a:srgbClr val="000080"/>
-                </a:solidFill>
-                <a:highlight>
-                  <a:srgbClr val="FFFFFF"/>
-                </a:highlight>
-              </a:rPr>
-              <a:t>=</a:t>
-            </a:r>
-            <a:r>
-              <a:rPr lang="pt-BR" sz="1000" dirty="0">
-                <a:solidFill>
-                  <a:srgbClr val="FF0000"/>
-                </a:solidFill>
-                <a:highlight>
-                  <a:srgbClr val="FFFFFF"/>
-                </a:highlight>
-              </a:rPr>
-              <a:t>2000</a:t>
-            </a:r>
-            <a:r>
-              <a:rPr lang="pt-BR" sz="1000" b="1" dirty="0">
-                <a:solidFill>
-                  <a:srgbClr val="000080"/>
-                </a:solidFill>
-                <a:highlight>
-                  <a:srgbClr val="FFFFFF"/>
-                </a:highlight>
-              </a:rPr>
-              <a:t>)</a:t>
-            </a:r>
-            <a:endParaRPr lang="pt-BR" sz="1000" dirty="0">
-              <a:solidFill>
-                <a:srgbClr val="000000"/>
-              </a:solidFill>
-              <a:highlight>
-                <a:srgbClr val="FFFFFF"/>
-              </a:highlight>
-            </a:endParaRPr>
-          </a:p>
-          <a:p>
-            <a:endParaRPr lang="pt-BR" sz="1000" dirty="0">
-              <a:solidFill>
-                <a:srgbClr val="008000"/>
-              </a:solidFill>
-              <a:highlight>
-                <a:srgbClr val="FFFFFF"/>
-              </a:highlight>
-            </a:endParaRPr>
-          </a:p>
-          <a:p>
-            <a:r>
-              <a:rPr lang="pt-BR" sz="1000" dirty="0">
-                <a:solidFill>
-                  <a:srgbClr val="008000"/>
-                </a:solidFill>
-                <a:highlight>
-                  <a:srgbClr val="FFFFFF"/>
-                </a:highlight>
-              </a:rPr>
-              <a:t># Train MLP Regressor.</a:t>
-            </a:r>
-            <a:endParaRPr lang="pt-BR" sz="1000" dirty="0">
-              <a:solidFill>
-                <a:srgbClr val="000000"/>
-              </a:solidFill>
-              <a:highlight>
-                <a:srgbClr val="FFFFFF"/>
-              </a:highlight>
-            </a:endParaRPr>
-          </a:p>
-          <a:p>
-            <a:r>
-              <a:rPr lang="pt-BR" sz="1000" dirty="0">
-                <a:solidFill>
-                  <a:srgbClr val="000000"/>
-                </a:solidFill>
-                <a:highlight>
-                  <a:srgbClr val="FFFFFF"/>
-                </a:highlight>
-              </a:rPr>
-              <a:t>reg</a:t>
-            </a:r>
-            <a:r>
-              <a:rPr lang="pt-BR" sz="1000" b="1" dirty="0">
-                <a:solidFill>
-                  <a:srgbClr val="000080"/>
-                </a:solidFill>
-                <a:highlight>
-                  <a:srgbClr val="FFFFFF"/>
-                </a:highlight>
-              </a:rPr>
-              <a:t>.</a:t>
-            </a:r>
-            <a:r>
-              <a:rPr lang="pt-BR" sz="1000" dirty="0">
-                <a:solidFill>
-                  <a:srgbClr val="000000"/>
-                </a:solidFill>
-                <a:highlight>
-                  <a:srgbClr val="FFFFFF"/>
-                </a:highlight>
-              </a:rPr>
-              <a:t>fit</a:t>
-            </a:r>
-            <a:r>
-              <a:rPr lang="pt-BR" sz="1000" b="1" dirty="0">
-                <a:solidFill>
-                  <a:srgbClr val="000080"/>
-                </a:solidFill>
-                <a:highlight>
-                  <a:srgbClr val="FFFFFF"/>
-                </a:highlight>
-              </a:rPr>
-              <a:t>(</a:t>
-            </a:r>
-            <a:r>
-              <a:rPr lang="pt-BR" sz="1000" dirty="0">
-                <a:solidFill>
-                  <a:srgbClr val="000000"/>
-                </a:solidFill>
-                <a:highlight>
-                  <a:srgbClr val="FFFFFF"/>
-                </a:highlight>
-              </a:rPr>
-              <a:t>theta_train</a:t>
-            </a:r>
-            <a:r>
-              <a:rPr lang="pt-BR" sz="1000" b="1" dirty="0">
-                <a:solidFill>
-                  <a:srgbClr val="000080"/>
-                </a:solidFill>
-                <a:highlight>
-                  <a:srgbClr val="FFFFFF"/>
-                </a:highlight>
-              </a:rPr>
-              <a:t>,</a:t>
-            </a:r>
-            <a:r>
-              <a:rPr lang="pt-BR" sz="1000" dirty="0">
-                <a:solidFill>
-                  <a:srgbClr val="000000"/>
-                </a:solidFill>
-                <a:highlight>
-                  <a:srgbClr val="FFFFFF"/>
-                </a:highlight>
-              </a:rPr>
-              <a:t> theta_orig_train</a:t>
-            </a:r>
-            <a:r>
-              <a:rPr lang="pt-BR" sz="1000" b="1" dirty="0">
-                <a:solidFill>
-                  <a:srgbClr val="000080"/>
-                </a:solidFill>
-                <a:highlight>
-                  <a:srgbClr val="FFFFFF"/>
-                </a:highlight>
-              </a:rPr>
-              <a:t>)</a:t>
-            </a:r>
-            <a:endParaRPr lang="pt-BR" sz="1000" dirty="0">
-              <a:solidFill>
-                <a:srgbClr val="000000"/>
-              </a:solidFill>
-              <a:highlight>
-                <a:srgbClr val="FFFFFF"/>
-              </a:highlight>
-            </a:endParaRPr>
-          </a:p>
-          <a:p>
-            <a:r>
-              <a:rPr lang="en-US" sz="1000" dirty="0">
-                <a:solidFill>
-                  <a:srgbClr val="008000"/>
-                </a:solidFill>
-                <a:highlight>
-                  <a:srgbClr val="FFFFFF"/>
-                </a:highlight>
-              </a:rPr>
-              <a:t># Predict phase over test set.</a:t>
-            </a:r>
-            <a:endParaRPr lang="en-US" sz="1000" dirty="0">
-              <a:solidFill>
-                <a:srgbClr val="000000"/>
-              </a:solidFill>
-              <a:highlight>
-                <a:srgbClr val="FFFFFF"/>
-              </a:highlight>
-            </a:endParaRPr>
-          </a:p>
-          <a:p>
-            <a:r>
-              <a:rPr lang="pt-BR" sz="1000" dirty="0">
-                <a:solidFill>
-                  <a:srgbClr val="000000"/>
-                </a:solidFill>
-                <a:highlight>
-                  <a:srgbClr val="FFFFFF"/>
-                </a:highlight>
-              </a:rPr>
-              <a:t>theta_pred </a:t>
-            </a:r>
-            <a:r>
-              <a:rPr lang="pt-BR" sz="1000" b="1" dirty="0">
-                <a:solidFill>
-                  <a:srgbClr val="000080"/>
-                </a:solidFill>
-                <a:highlight>
-                  <a:srgbClr val="FFFFFF"/>
-                </a:highlight>
-              </a:rPr>
-              <a:t>=</a:t>
-            </a:r>
-            <a:r>
-              <a:rPr lang="pt-BR" sz="1000" dirty="0">
-                <a:solidFill>
-                  <a:srgbClr val="000000"/>
-                </a:solidFill>
-                <a:highlight>
-                  <a:srgbClr val="FFFFFF"/>
-                </a:highlight>
-              </a:rPr>
-              <a:t> reg</a:t>
-            </a:r>
-            <a:r>
-              <a:rPr lang="pt-BR" sz="1000" b="1" dirty="0">
-                <a:solidFill>
-                  <a:srgbClr val="000080"/>
-                </a:solidFill>
-                <a:highlight>
-                  <a:srgbClr val="FFFFFF"/>
-                </a:highlight>
-              </a:rPr>
-              <a:t>.</a:t>
-            </a:r>
-            <a:r>
-              <a:rPr lang="pt-BR" sz="1000" dirty="0">
-                <a:solidFill>
-                  <a:srgbClr val="000000"/>
-                </a:solidFill>
-                <a:highlight>
-                  <a:srgbClr val="FFFFFF"/>
-                </a:highlight>
-              </a:rPr>
-              <a:t>predict</a:t>
-            </a:r>
-            <a:r>
-              <a:rPr lang="pt-BR" sz="1000" b="1" dirty="0">
-                <a:solidFill>
-                  <a:srgbClr val="000080"/>
-                </a:solidFill>
-                <a:highlight>
-                  <a:srgbClr val="FFFFFF"/>
-                </a:highlight>
-              </a:rPr>
-              <a:t>(</a:t>
-            </a:r>
-            <a:r>
-              <a:rPr lang="pt-BR" sz="1000" dirty="0">
-                <a:solidFill>
-                  <a:srgbClr val="000000"/>
-                </a:solidFill>
-                <a:highlight>
-                  <a:srgbClr val="FFFFFF"/>
-                </a:highlight>
-              </a:rPr>
-              <a:t>theta_test</a:t>
-            </a:r>
-            <a:r>
-              <a:rPr lang="pt-BR" sz="1000" b="1" dirty="0">
-                <a:solidFill>
-                  <a:srgbClr val="000080"/>
-                </a:solidFill>
-                <a:highlight>
-                  <a:srgbClr val="FFFFFF"/>
-                </a:highlight>
-              </a:rPr>
-              <a:t>).</a:t>
-            </a:r>
-            <a:r>
-              <a:rPr lang="pt-BR" sz="1000" dirty="0">
-                <a:solidFill>
-                  <a:srgbClr val="000000"/>
-                </a:solidFill>
-                <a:highlight>
-                  <a:srgbClr val="FFFFFF"/>
-                </a:highlight>
-              </a:rPr>
-              <a:t>reshape</a:t>
-            </a:r>
-            <a:r>
-              <a:rPr lang="pt-BR" sz="1000" b="1" dirty="0">
-                <a:solidFill>
-                  <a:srgbClr val="000080"/>
-                </a:solidFill>
-                <a:highlight>
-                  <a:srgbClr val="FFFFFF"/>
-                </a:highlight>
-              </a:rPr>
-              <a:t>(</a:t>
-            </a:r>
-            <a:r>
-              <a:rPr lang="pt-BR" sz="1000" dirty="0">
-                <a:solidFill>
-                  <a:srgbClr val="000000"/>
-                </a:solidFill>
-                <a:highlight>
-                  <a:srgbClr val="FFFFFF"/>
-                </a:highlight>
-              </a:rPr>
-              <a:t>len</a:t>
-            </a:r>
-            <a:r>
-              <a:rPr lang="pt-BR" sz="1000" b="1" dirty="0">
-                <a:solidFill>
-                  <a:srgbClr val="000080"/>
-                </a:solidFill>
-                <a:highlight>
-                  <a:srgbClr val="FFFFFF"/>
-                </a:highlight>
-              </a:rPr>
-              <a:t>(</a:t>
-            </a:r>
-            <a:r>
-              <a:rPr lang="pt-BR" sz="1000" dirty="0">
-                <a:solidFill>
-                  <a:srgbClr val="000000"/>
-                </a:solidFill>
-                <a:highlight>
-                  <a:srgbClr val="FFFFFF"/>
-                </a:highlight>
-              </a:rPr>
-              <a:t>theta_test</a:t>
-            </a:r>
-            <a:r>
-              <a:rPr lang="pt-BR" sz="1000" b="1" dirty="0">
-                <a:solidFill>
-                  <a:srgbClr val="000080"/>
-                </a:solidFill>
-                <a:highlight>
-                  <a:srgbClr val="FFFFFF"/>
-                </a:highlight>
-              </a:rPr>
-              <a:t>),</a:t>
-            </a:r>
-            <a:r>
-              <a:rPr lang="pt-BR" sz="1000" dirty="0">
-                <a:solidFill>
-                  <a:srgbClr val="000000"/>
-                </a:solidFill>
-                <a:highlight>
-                  <a:srgbClr val="FFFFFF"/>
-                </a:highlight>
-              </a:rPr>
-              <a:t> </a:t>
-            </a:r>
-            <a:r>
-              <a:rPr lang="pt-BR" sz="1000" dirty="0">
-                <a:solidFill>
-                  <a:srgbClr val="FF0000"/>
-                </a:solidFill>
-                <a:highlight>
-                  <a:srgbClr val="FFFFFF"/>
-                </a:highlight>
-              </a:rPr>
-              <a:t>1</a:t>
-            </a:r>
-            <a:r>
-              <a:rPr lang="pt-BR" sz="1000" b="1" dirty="0">
-                <a:solidFill>
-                  <a:srgbClr val="000080"/>
-                </a:solidFill>
-                <a:highlight>
-                  <a:srgbClr val="FFFFFF"/>
-                </a:highlight>
-              </a:rPr>
-              <a:t>)</a:t>
-            </a:r>
-            <a:endParaRPr lang="pt-BR" sz="1000" dirty="0">
-              <a:solidFill>
-                <a:srgbClr val="000000"/>
-              </a:solidFill>
-              <a:highlight>
-                <a:srgbClr val="FFFFFF"/>
-              </a:highlight>
-            </a:endParaRPr>
-          </a:p>
-          <a:p>
-            <a:r>
-              <a:rPr lang="pt-BR" sz="1000" dirty="0">
-                <a:solidFill>
-                  <a:srgbClr val="008000"/>
-                </a:solidFill>
-                <a:highlight>
-                  <a:srgbClr val="FFFFFF"/>
-                </a:highlight>
-              </a:rPr>
-              <a:t># Correct phase-shift.</a:t>
-            </a:r>
-            <a:endParaRPr lang="pt-BR" sz="1000" dirty="0">
-              <a:solidFill>
-                <a:srgbClr val="000000"/>
-              </a:solidFill>
-              <a:highlight>
-                <a:srgbClr val="FFFFFF"/>
-              </a:highlight>
-            </a:endParaRPr>
-          </a:p>
-          <a:p>
-            <a:r>
-              <a:rPr lang="pt-BR" sz="1000" dirty="0">
-                <a:solidFill>
-                  <a:srgbClr val="000000"/>
-                </a:solidFill>
-                <a:highlight>
-                  <a:srgbClr val="FFFFFF"/>
-                </a:highlight>
-              </a:rPr>
-              <a:t>y_rec </a:t>
-            </a:r>
-            <a:r>
-              <a:rPr lang="pt-BR" sz="1000" b="1" dirty="0">
-                <a:solidFill>
-                  <a:srgbClr val="000080"/>
-                </a:solidFill>
-                <a:highlight>
-                  <a:srgbClr val="FFFFFF"/>
-                </a:highlight>
-              </a:rPr>
-              <a:t>=</a:t>
-            </a:r>
-            <a:r>
-              <a:rPr lang="pt-BR" sz="1000" dirty="0">
-                <a:solidFill>
-                  <a:srgbClr val="000000"/>
-                </a:solidFill>
-                <a:highlight>
-                  <a:srgbClr val="FFFFFF"/>
-                </a:highlight>
-              </a:rPr>
-              <a:t> np</a:t>
-            </a:r>
-            <a:r>
-              <a:rPr lang="pt-BR" sz="1000" b="1" dirty="0">
-                <a:solidFill>
-                  <a:srgbClr val="000080"/>
-                </a:solidFill>
-                <a:highlight>
-                  <a:srgbClr val="FFFFFF"/>
-                </a:highlight>
-              </a:rPr>
-              <a:t>.</a:t>
-            </a:r>
-            <a:r>
-              <a:rPr lang="pt-BR" sz="1000" dirty="0">
-                <a:solidFill>
-                  <a:srgbClr val="000000"/>
-                </a:solidFill>
-                <a:highlight>
-                  <a:srgbClr val="FFFFFF"/>
-                </a:highlight>
-              </a:rPr>
-              <a:t>exp</a:t>
-            </a:r>
-            <a:r>
-              <a:rPr lang="pt-BR" sz="1000" b="1" dirty="0">
-                <a:solidFill>
-                  <a:srgbClr val="000080"/>
-                </a:solidFill>
-                <a:highlight>
-                  <a:srgbClr val="FFFFFF"/>
-                </a:highlight>
-              </a:rPr>
-              <a:t>(-</a:t>
-            </a:r>
-            <a:r>
-              <a:rPr lang="pt-BR" sz="1000" dirty="0">
-                <a:solidFill>
-                  <a:srgbClr val="FF0000"/>
-                </a:solidFill>
-                <a:highlight>
-                  <a:srgbClr val="FFFFFF"/>
-                </a:highlight>
-              </a:rPr>
-              <a:t>1j</a:t>
-            </a:r>
-            <a:r>
-              <a:rPr lang="pt-BR" sz="1000" b="1" dirty="0">
-                <a:solidFill>
-                  <a:srgbClr val="000080"/>
-                </a:solidFill>
-                <a:highlight>
-                  <a:srgbClr val="FFFFFF"/>
-                </a:highlight>
-              </a:rPr>
-              <a:t>*</a:t>
-            </a:r>
-            <a:r>
-              <a:rPr lang="pt-BR" sz="1000" dirty="0">
-                <a:solidFill>
-                  <a:srgbClr val="000000"/>
-                </a:solidFill>
-                <a:highlight>
-                  <a:srgbClr val="FFFFFF"/>
-                </a:highlight>
-              </a:rPr>
-              <a:t>theta_pred</a:t>
-            </a:r>
-            <a:r>
-              <a:rPr lang="pt-BR" sz="1000" b="1" dirty="0">
-                <a:solidFill>
-                  <a:srgbClr val="000080"/>
-                </a:solidFill>
-                <a:highlight>
-                  <a:srgbClr val="FFFFFF"/>
-                </a:highlight>
-              </a:rPr>
-              <a:t>)*</a:t>
-            </a:r>
-            <a:r>
-              <a:rPr lang="pt-BR" sz="1000" dirty="0">
-                <a:solidFill>
-                  <a:srgbClr val="000000"/>
-                </a:solidFill>
-                <a:highlight>
-                  <a:srgbClr val="FFFFFF"/>
-                </a:highlight>
-              </a:rPr>
-              <a:t>y_test</a:t>
-            </a:r>
-            <a:endParaRPr lang="pt-BR" sz="1000" dirty="0"/>
-          </a:p>
-        </p:txBody>
-      </p:sp>
-      <p:pic>
-        <p:nvPicPr>
-          <p:cNvPr id="6" name="Picture 5"/>
-          <p:cNvPicPr>
-            <a:picLocks noChangeAspect="1"/>
-          </p:cNvPicPr>
-          <p:nvPr/>
-        </p:nvPicPr>
-        <p:blipFill rotWithShape="1">
-          <a:blip r:embed="rId3" cstate="print">
-            <a:extLst>
-              <a:ext uri="{28A0092B-C50C-407E-A947-70E740481C1C}">
-                <a14:useLocalDpi xmlns:a14="http://schemas.microsoft.com/office/drawing/2010/main" val="0"/>
-              </a:ext>
-            </a:extLst>
-          </a:blip>
-          <a:srcRect t="7898" r="9370" b="5286"/>
-          <a:stretch/>
-        </p:blipFill>
-        <p:spPr>
-          <a:xfrm>
-            <a:off x="5882034" y="1377400"/>
-            <a:ext cx="1632903" cy="1564179"/>
-          </a:xfrm>
-          <a:prstGeom prst="rect">
-            <a:avLst/>
-          </a:prstGeom>
-        </p:spPr>
-      </p:pic>
-      <p:pic>
-        <p:nvPicPr>
-          <p:cNvPr id="8" name="Picture 7"/>
-          <p:cNvPicPr>
-            <a:picLocks noChangeAspect="1"/>
-          </p:cNvPicPr>
-          <p:nvPr/>
-        </p:nvPicPr>
-        <p:blipFill rotWithShape="1">
-          <a:blip r:embed="rId4" cstate="print">
-            <a:extLst>
-              <a:ext uri="{28A0092B-C50C-407E-A947-70E740481C1C}">
-                <a14:useLocalDpi xmlns:a14="http://schemas.microsoft.com/office/drawing/2010/main" val="0"/>
-              </a:ext>
-            </a:extLst>
-          </a:blip>
-          <a:srcRect l="8285" t="6931" r="9776" b="3740"/>
-          <a:stretch/>
-        </p:blipFill>
-        <p:spPr>
-          <a:xfrm>
-            <a:off x="7790961" y="1377400"/>
-            <a:ext cx="4316024" cy="1568391"/>
-          </a:xfrm>
-          <a:prstGeom prst="rect">
-            <a:avLst/>
-          </a:prstGeom>
-        </p:spPr>
-      </p:pic>
-      <p:pic>
-        <p:nvPicPr>
-          <p:cNvPr id="9" name="Picture 8"/>
-          <p:cNvPicPr>
-            <a:picLocks noChangeAspect="1"/>
-          </p:cNvPicPr>
-          <p:nvPr/>
-        </p:nvPicPr>
-        <p:blipFill rotWithShape="1">
-          <a:blip r:embed="rId5" cstate="print">
-            <a:extLst>
-              <a:ext uri="{28A0092B-C50C-407E-A947-70E740481C1C}">
-                <a14:useLocalDpi xmlns:a14="http://schemas.microsoft.com/office/drawing/2010/main" val="0"/>
-              </a:ext>
-            </a:extLst>
-          </a:blip>
-          <a:srcRect l="8172" t="6931" r="9664" b="3740"/>
-          <a:stretch/>
-        </p:blipFill>
-        <p:spPr>
-          <a:xfrm>
-            <a:off x="7043488" y="3058574"/>
-            <a:ext cx="4384138" cy="1588803"/>
-          </a:xfrm>
-          <a:prstGeom prst="rect">
-            <a:avLst/>
-          </a:prstGeom>
-        </p:spPr>
-      </p:pic>
-      <p:cxnSp>
-        <p:nvCxnSpPr>
-          <p:cNvPr id="10" name="Straight Arrow Connector 9"/>
-          <p:cNvCxnSpPr>
-            <a:stCxn id="11" idx="1"/>
-          </p:cNvCxnSpPr>
-          <p:nvPr/>
-        </p:nvCxnSpPr>
-        <p:spPr>
-          <a:xfrm flipH="1">
-            <a:off x="3616657" y="1530494"/>
-            <a:ext cx="519942" cy="250773"/>
-          </a:xfrm>
-          <a:prstGeom prst="straightConnector1">
-            <a:avLst/>
-          </a:prstGeom>
-          <a:ln>
-            <a:solidFill>
-              <a:srgbClr val="FF0000"/>
-            </a:solidFill>
-            <a:tailEnd type="triangle"/>
-          </a:ln>
-        </p:spPr>
-        <p:style>
-          <a:lnRef idx="1">
-            <a:schemeClr val="accent1"/>
-          </a:lnRef>
-          <a:fillRef idx="0">
-            <a:schemeClr val="accent1"/>
-          </a:fillRef>
-          <a:effectRef idx="0">
-            <a:schemeClr val="accent1"/>
-          </a:effectRef>
-          <a:fontRef idx="minor">
-            <a:schemeClr val="tx1"/>
-          </a:fontRef>
-        </p:style>
-      </p:cxnSp>
-      <p:sp>
-        <p:nvSpPr>
-          <p:cNvPr id="11" name="TextBox 10"/>
-          <p:cNvSpPr txBox="1"/>
-          <p:nvPr/>
-        </p:nvSpPr>
-        <p:spPr>
-          <a:xfrm>
-            <a:off x="4136599" y="1299661"/>
-            <a:ext cx="1207321" cy="461665"/>
-          </a:xfrm>
-          <a:prstGeom prst="rect">
-            <a:avLst/>
-          </a:prstGeom>
-          <a:noFill/>
-        </p:spPr>
-        <p:txBody>
-          <a:bodyPr wrap="square" rtlCol="0">
-            <a:spAutoFit/>
-          </a:bodyPr>
-          <a:lstStyle/>
-          <a:p>
-            <a:r>
-              <a:rPr lang="pt-BR" sz="1200" dirty="0"/>
-              <a:t>Importa a classe MLPRegressor</a:t>
-            </a:r>
-          </a:p>
-        </p:txBody>
-      </p:sp>
-      <p:cxnSp>
-        <p:nvCxnSpPr>
-          <p:cNvPr id="14" name="Straight Arrow Connector 13"/>
-          <p:cNvCxnSpPr>
-            <a:stCxn id="15" idx="1"/>
-          </p:cNvCxnSpPr>
-          <p:nvPr/>
-        </p:nvCxnSpPr>
-        <p:spPr>
-          <a:xfrm flipH="1">
-            <a:off x="1636848" y="2300096"/>
-            <a:ext cx="598271" cy="369331"/>
-          </a:xfrm>
-          <a:prstGeom prst="straightConnector1">
-            <a:avLst/>
-          </a:prstGeom>
-          <a:ln>
-            <a:solidFill>
-              <a:srgbClr val="FF0000"/>
-            </a:solidFill>
-            <a:tailEnd type="triangle"/>
-          </a:ln>
-        </p:spPr>
-        <p:style>
-          <a:lnRef idx="1">
-            <a:schemeClr val="accent1"/>
-          </a:lnRef>
-          <a:fillRef idx="0">
-            <a:schemeClr val="accent1"/>
-          </a:fillRef>
-          <a:effectRef idx="0">
-            <a:schemeClr val="accent1"/>
-          </a:effectRef>
-          <a:fontRef idx="minor">
-            <a:schemeClr val="tx1"/>
-          </a:fontRef>
-        </p:style>
-      </p:cxnSp>
-      <p:sp>
-        <p:nvSpPr>
-          <p:cNvPr id="15" name="TextBox 14"/>
-          <p:cNvSpPr txBox="1"/>
-          <p:nvPr/>
-        </p:nvSpPr>
-        <p:spPr>
-          <a:xfrm>
-            <a:off x="2235119" y="2161596"/>
-            <a:ext cx="1115624" cy="276999"/>
-          </a:xfrm>
-          <a:prstGeom prst="rect">
-            <a:avLst/>
-          </a:prstGeom>
-          <a:noFill/>
-        </p:spPr>
-        <p:txBody>
-          <a:bodyPr wrap="square" rtlCol="0">
-            <a:spAutoFit/>
-          </a:bodyPr>
-          <a:lstStyle/>
-          <a:p>
-            <a:r>
-              <a:rPr lang="pt-BR" sz="1200" dirty="0"/>
-              <a:t>Es/N0 = 27 dB</a:t>
-            </a:r>
-          </a:p>
-        </p:txBody>
-      </p:sp>
-      <p:cxnSp>
-        <p:nvCxnSpPr>
-          <p:cNvPr id="17" name="Straight Arrow Connector 16"/>
-          <p:cNvCxnSpPr>
-            <a:stCxn id="18" idx="1"/>
-          </p:cNvCxnSpPr>
-          <p:nvPr/>
-        </p:nvCxnSpPr>
-        <p:spPr>
-          <a:xfrm flipH="1">
-            <a:off x="2525530" y="2438595"/>
-            <a:ext cx="825213" cy="776779"/>
-          </a:xfrm>
-          <a:prstGeom prst="straightConnector1">
-            <a:avLst/>
-          </a:prstGeom>
-          <a:ln>
-            <a:solidFill>
-              <a:srgbClr val="FF0000"/>
-            </a:solidFill>
-            <a:tailEnd type="triangle"/>
-          </a:ln>
-        </p:spPr>
-        <p:style>
-          <a:lnRef idx="1">
-            <a:schemeClr val="accent1"/>
-          </a:lnRef>
-          <a:fillRef idx="0">
-            <a:schemeClr val="accent1"/>
-          </a:fillRef>
-          <a:effectRef idx="0">
-            <a:schemeClr val="accent1"/>
-          </a:effectRef>
-          <a:fontRef idx="minor">
-            <a:schemeClr val="tx1"/>
-          </a:fontRef>
-        </p:style>
-      </p:cxnSp>
-      <p:sp>
-        <p:nvSpPr>
-          <p:cNvPr id="18" name="TextBox 17"/>
-          <p:cNvSpPr txBox="1"/>
-          <p:nvPr/>
-        </p:nvSpPr>
-        <p:spPr>
-          <a:xfrm>
-            <a:off x="3350743" y="2207762"/>
-            <a:ext cx="1993177" cy="461665"/>
-          </a:xfrm>
-          <a:prstGeom prst="rect">
-            <a:avLst/>
-          </a:prstGeom>
-          <a:noFill/>
-        </p:spPr>
-        <p:txBody>
-          <a:bodyPr wrap="square" rtlCol="0">
-            <a:spAutoFit/>
-          </a:bodyPr>
-          <a:lstStyle/>
-          <a:p>
-            <a:r>
-              <a:rPr lang="pt-BR" sz="1200" dirty="0"/>
-              <a:t>Gera um sequência aleatória de bits para transmissão.</a:t>
-            </a:r>
-          </a:p>
-        </p:txBody>
-      </p:sp>
-      <p:sp>
-        <p:nvSpPr>
-          <p:cNvPr id="20" name="TextBox 19"/>
-          <p:cNvSpPr txBox="1"/>
-          <p:nvPr/>
-        </p:nvSpPr>
-        <p:spPr>
-          <a:xfrm>
-            <a:off x="3664747" y="2669818"/>
-            <a:ext cx="1822072" cy="461665"/>
-          </a:xfrm>
-          <a:prstGeom prst="rect">
-            <a:avLst/>
-          </a:prstGeom>
-          <a:noFill/>
-        </p:spPr>
-        <p:txBody>
-          <a:bodyPr wrap="square" rtlCol="0">
-            <a:spAutoFit/>
-          </a:bodyPr>
-          <a:lstStyle/>
-          <a:p>
-            <a:r>
-              <a:rPr lang="pt-BR" sz="1200" dirty="0"/>
-              <a:t>Modula os símbolos QPSK com os bits gerados.</a:t>
-            </a:r>
-          </a:p>
-        </p:txBody>
-      </p:sp>
-      <p:cxnSp>
-        <p:nvCxnSpPr>
-          <p:cNvPr id="21" name="Straight Arrow Connector 20"/>
-          <p:cNvCxnSpPr>
-            <a:stCxn id="20" idx="1"/>
-          </p:cNvCxnSpPr>
-          <p:nvPr/>
-        </p:nvCxnSpPr>
-        <p:spPr>
-          <a:xfrm flipH="1">
-            <a:off x="1510412" y="2900651"/>
-            <a:ext cx="2154335" cy="747906"/>
-          </a:xfrm>
-          <a:prstGeom prst="straightConnector1">
-            <a:avLst/>
-          </a:prstGeom>
-          <a:ln>
-            <a:solidFill>
-              <a:srgbClr val="FF0000"/>
-            </a:solidFill>
-            <a:tailEnd type="triangle"/>
-          </a:ln>
-        </p:spPr>
-        <p:style>
-          <a:lnRef idx="1">
-            <a:schemeClr val="accent1"/>
-          </a:lnRef>
-          <a:fillRef idx="0">
-            <a:schemeClr val="accent1"/>
-          </a:fillRef>
-          <a:effectRef idx="0">
-            <a:schemeClr val="accent1"/>
-          </a:effectRef>
-          <a:fontRef idx="minor">
-            <a:schemeClr val="tx1"/>
-          </a:fontRef>
-        </p:style>
-      </p:cxnSp>
-      <p:sp>
-        <p:nvSpPr>
-          <p:cNvPr id="24" name="TextBox 23"/>
-          <p:cNvSpPr txBox="1"/>
-          <p:nvPr/>
-        </p:nvSpPr>
-        <p:spPr>
-          <a:xfrm>
-            <a:off x="4336523" y="3149999"/>
-            <a:ext cx="2014794" cy="646331"/>
-          </a:xfrm>
-          <a:prstGeom prst="rect">
-            <a:avLst/>
-          </a:prstGeom>
-          <a:noFill/>
-        </p:spPr>
-        <p:txBody>
-          <a:bodyPr wrap="square" rtlCol="0">
-            <a:spAutoFit/>
-          </a:bodyPr>
-          <a:lstStyle/>
-          <a:p>
-            <a:r>
-              <a:rPr lang="pt-BR" sz="1200" dirty="0"/>
-              <a:t>Adiciona fase aleatório ao símbolo e passa sinal modulado por canal AWGN.</a:t>
-            </a:r>
-          </a:p>
-        </p:txBody>
-      </p:sp>
-      <p:cxnSp>
-        <p:nvCxnSpPr>
-          <p:cNvPr id="25" name="Straight Arrow Connector 24"/>
-          <p:cNvCxnSpPr>
-            <a:stCxn id="24" idx="1"/>
-          </p:cNvCxnSpPr>
-          <p:nvPr/>
-        </p:nvCxnSpPr>
-        <p:spPr>
-          <a:xfrm flipH="1">
-            <a:off x="3125337" y="3473165"/>
-            <a:ext cx="1211186" cy="785221"/>
-          </a:xfrm>
-          <a:prstGeom prst="straightConnector1">
-            <a:avLst/>
-          </a:prstGeom>
-          <a:ln>
-            <a:solidFill>
-              <a:srgbClr val="FF0000"/>
-            </a:solidFill>
-            <a:tailEnd type="triangle"/>
-          </a:ln>
-        </p:spPr>
-        <p:style>
-          <a:lnRef idx="1">
-            <a:schemeClr val="accent1"/>
-          </a:lnRef>
-          <a:fillRef idx="0">
-            <a:schemeClr val="accent1"/>
-          </a:fillRef>
-          <a:effectRef idx="0">
-            <a:schemeClr val="accent1"/>
-          </a:effectRef>
-          <a:fontRef idx="minor">
-            <a:schemeClr val="tx1"/>
-          </a:fontRef>
-        </p:style>
-      </p:cxnSp>
-      <p:sp>
-        <p:nvSpPr>
-          <p:cNvPr id="41" name="TextBox 40"/>
-          <p:cNvSpPr txBox="1"/>
-          <p:nvPr/>
-        </p:nvSpPr>
-        <p:spPr>
-          <a:xfrm>
-            <a:off x="4227952" y="4027553"/>
-            <a:ext cx="2014794" cy="461665"/>
-          </a:xfrm>
-          <a:prstGeom prst="rect">
-            <a:avLst/>
-          </a:prstGeom>
-          <a:noFill/>
-        </p:spPr>
-        <p:txBody>
-          <a:bodyPr wrap="square" rtlCol="0">
-            <a:spAutoFit/>
-          </a:bodyPr>
-          <a:lstStyle/>
-          <a:p>
-            <a:r>
-              <a:rPr lang="pt-BR" sz="1200" dirty="0"/>
-              <a:t>Calcula fase do símbolo recebido.</a:t>
-            </a:r>
-          </a:p>
-        </p:txBody>
-      </p:sp>
-      <p:cxnSp>
-        <p:nvCxnSpPr>
-          <p:cNvPr id="42" name="Straight Arrow Connector 41"/>
-          <p:cNvCxnSpPr>
-            <a:stCxn id="41" idx="1"/>
-          </p:cNvCxnSpPr>
-          <p:nvPr/>
-        </p:nvCxnSpPr>
-        <p:spPr>
-          <a:xfrm flipH="1">
-            <a:off x="2587579" y="4258386"/>
-            <a:ext cx="1640373" cy="257791"/>
-          </a:xfrm>
-          <a:prstGeom prst="straightConnector1">
-            <a:avLst/>
-          </a:prstGeom>
-          <a:ln>
-            <a:solidFill>
-              <a:srgbClr val="FF0000"/>
-            </a:solidFill>
-            <a:tailEnd type="triangle"/>
-          </a:ln>
-        </p:spPr>
-        <p:style>
-          <a:lnRef idx="1">
-            <a:schemeClr val="accent1"/>
-          </a:lnRef>
-          <a:fillRef idx="0">
-            <a:schemeClr val="accent1"/>
-          </a:fillRef>
-          <a:effectRef idx="0">
-            <a:schemeClr val="accent1"/>
-          </a:effectRef>
-          <a:fontRef idx="minor">
-            <a:schemeClr val="tx1"/>
-          </a:fontRef>
-        </p:style>
-      </p:cxnSp>
-      <p:cxnSp>
-        <p:nvCxnSpPr>
-          <p:cNvPr id="45" name="Straight Arrow Connector 44"/>
-          <p:cNvCxnSpPr>
-            <a:stCxn id="46" idx="1"/>
-          </p:cNvCxnSpPr>
-          <p:nvPr/>
-        </p:nvCxnSpPr>
-        <p:spPr>
-          <a:xfrm flipH="1">
-            <a:off x="3807726" y="4590794"/>
-            <a:ext cx="800742" cy="277421"/>
-          </a:xfrm>
-          <a:prstGeom prst="straightConnector1">
-            <a:avLst/>
-          </a:prstGeom>
-          <a:ln>
-            <a:solidFill>
-              <a:srgbClr val="FF0000"/>
-            </a:solidFill>
-            <a:tailEnd type="triangle"/>
-          </a:ln>
-        </p:spPr>
-        <p:style>
-          <a:lnRef idx="1">
-            <a:schemeClr val="accent1"/>
-          </a:lnRef>
-          <a:fillRef idx="0">
-            <a:schemeClr val="accent1"/>
-          </a:fillRef>
-          <a:effectRef idx="0">
-            <a:schemeClr val="accent1"/>
-          </a:effectRef>
-          <a:fontRef idx="minor">
-            <a:schemeClr val="tx1"/>
-          </a:fontRef>
-        </p:style>
-      </p:cxnSp>
-      <p:sp>
-        <p:nvSpPr>
-          <p:cNvPr id="46" name="TextBox 45"/>
-          <p:cNvSpPr txBox="1"/>
-          <p:nvPr/>
-        </p:nvSpPr>
-        <p:spPr>
-          <a:xfrm>
-            <a:off x="4608468" y="4452294"/>
-            <a:ext cx="1332743" cy="276999"/>
-          </a:xfrm>
-          <a:prstGeom prst="rect">
-            <a:avLst/>
-          </a:prstGeom>
-          <a:noFill/>
-        </p:spPr>
-        <p:txBody>
-          <a:bodyPr wrap="square" rtlCol="0">
-            <a:spAutoFit/>
-          </a:bodyPr>
-          <a:lstStyle/>
-          <a:p>
-            <a:r>
-              <a:rPr lang="pt-BR" sz="1200" dirty="0"/>
-              <a:t>Divide o conjunto.</a:t>
-            </a:r>
-          </a:p>
-        </p:txBody>
-      </p:sp>
-      <p:sp>
-        <p:nvSpPr>
-          <p:cNvPr id="48" name="TextBox 47"/>
-          <p:cNvSpPr txBox="1"/>
-          <p:nvPr/>
-        </p:nvSpPr>
-        <p:spPr>
-          <a:xfrm>
-            <a:off x="4608468" y="5062067"/>
-            <a:ext cx="2311021" cy="646331"/>
-          </a:xfrm>
-          <a:prstGeom prst="rect">
-            <a:avLst/>
-          </a:prstGeom>
-          <a:noFill/>
-        </p:spPr>
-        <p:txBody>
-          <a:bodyPr wrap="square" rtlCol="0">
-            <a:spAutoFit/>
-          </a:bodyPr>
-          <a:lstStyle/>
-          <a:p>
-            <a:r>
-              <a:rPr lang="pt-BR" sz="1200" dirty="0"/>
-              <a:t>Instancia MLP com 3 camadas escondidas com 10, 5 e 4 neurônios, respectivamente.</a:t>
-            </a:r>
-          </a:p>
-        </p:txBody>
-      </p:sp>
-      <p:cxnSp>
-        <p:nvCxnSpPr>
-          <p:cNvPr id="49" name="Straight Arrow Connector 48"/>
-          <p:cNvCxnSpPr>
-            <a:stCxn id="48" idx="1"/>
-          </p:cNvCxnSpPr>
-          <p:nvPr/>
-        </p:nvCxnSpPr>
-        <p:spPr>
-          <a:xfrm flipH="1">
-            <a:off x="4347331" y="5385233"/>
-            <a:ext cx="261137" cy="55831"/>
-          </a:xfrm>
-          <a:prstGeom prst="straightConnector1">
-            <a:avLst/>
-          </a:prstGeom>
-          <a:ln>
-            <a:solidFill>
-              <a:srgbClr val="FF0000"/>
-            </a:solidFill>
-            <a:tailEnd type="triangle"/>
-          </a:ln>
-        </p:spPr>
-        <p:style>
-          <a:lnRef idx="1">
-            <a:schemeClr val="accent1"/>
-          </a:lnRef>
-          <a:fillRef idx="0">
-            <a:schemeClr val="accent1"/>
-          </a:fillRef>
-          <a:effectRef idx="0">
-            <a:schemeClr val="accent1"/>
-          </a:effectRef>
-          <a:fontRef idx="minor">
-            <a:schemeClr val="tx1"/>
-          </a:fontRef>
-        </p:style>
-      </p:cxnSp>
-      <p:sp>
-        <p:nvSpPr>
-          <p:cNvPr id="52" name="TextBox 51"/>
-          <p:cNvSpPr txBox="1"/>
-          <p:nvPr/>
-        </p:nvSpPr>
-        <p:spPr>
-          <a:xfrm>
-            <a:off x="3819269" y="5646660"/>
-            <a:ext cx="2423477" cy="461665"/>
-          </a:xfrm>
-          <a:prstGeom prst="rect">
-            <a:avLst/>
-          </a:prstGeom>
-          <a:noFill/>
-        </p:spPr>
-        <p:txBody>
-          <a:bodyPr wrap="square" rtlCol="0">
-            <a:spAutoFit/>
-          </a:bodyPr>
-          <a:lstStyle/>
-          <a:p>
-            <a:r>
-              <a:rPr lang="pt-BR" sz="1200" dirty="0"/>
-              <a:t>Treina o modelo com fase recebida e original e faz estimação.</a:t>
-            </a:r>
-          </a:p>
-        </p:txBody>
-      </p:sp>
-      <p:cxnSp>
-        <p:nvCxnSpPr>
-          <p:cNvPr id="53" name="Straight Arrow Connector 52"/>
-          <p:cNvCxnSpPr>
-            <a:stCxn id="52" idx="1"/>
-          </p:cNvCxnSpPr>
-          <p:nvPr/>
-        </p:nvCxnSpPr>
-        <p:spPr>
-          <a:xfrm flipH="1" flipV="1">
-            <a:off x="2792931" y="5877492"/>
-            <a:ext cx="1026338" cy="1"/>
-          </a:xfrm>
-          <a:prstGeom prst="straightConnector1">
-            <a:avLst/>
-          </a:prstGeom>
-          <a:ln>
-            <a:solidFill>
-              <a:srgbClr val="FF0000"/>
-            </a:solidFill>
-            <a:tailEnd type="triangle"/>
-          </a:ln>
-        </p:spPr>
-        <p:style>
-          <a:lnRef idx="1">
-            <a:schemeClr val="accent1"/>
-          </a:lnRef>
-          <a:fillRef idx="0">
-            <a:schemeClr val="accent1"/>
-          </a:fillRef>
-          <a:effectRef idx="0">
-            <a:schemeClr val="accent1"/>
-          </a:effectRef>
-          <a:fontRef idx="minor">
-            <a:schemeClr val="tx1"/>
-          </a:fontRef>
-        </p:style>
-      </p:cxnSp>
-      <p:cxnSp>
-        <p:nvCxnSpPr>
-          <p:cNvPr id="56" name="Straight Arrow Connector 55"/>
-          <p:cNvCxnSpPr/>
-          <p:nvPr/>
-        </p:nvCxnSpPr>
-        <p:spPr>
-          <a:xfrm flipH="1">
-            <a:off x="3350743" y="5877492"/>
-            <a:ext cx="456983" cy="230833"/>
-          </a:xfrm>
-          <a:prstGeom prst="straightConnector1">
-            <a:avLst/>
-          </a:prstGeom>
-          <a:ln>
-            <a:solidFill>
-              <a:srgbClr val="FF0000"/>
-            </a:solidFill>
-            <a:tailEnd type="triangle"/>
-          </a:ln>
-        </p:spPr>
-        <p:style>
-          <a:lnRef idx="1">
-            <a:schemeClr val="accent1"/>
-          </a:lnRef>
-          <a:fillRef idx="0">
-            <a:schemeClr val="accent1"/>
-          </a:fillRef>
-          <a:effectRef idx="0">
-            <a:schemeClr val="accent1"/>
-          </a:effectRef>
-          <a:fontRef idx="minor">
-            <a:schemeClr val="tx1"/>
-          </a:fontRef>
-        </p:style>
-      </p:cxnSp>
-      <p:sp>
-        <p:nvSpPr>
-          <p:cNvPr id="60" name="TextBox 59"/>
-          <p:cNvSpPr txBox="1"/>
-          <p:nvPr/>
-        </p:nvSpPr>
-        <p:spPr>
-          <a:xfrm>
-            <a:off x="3850634" y="6303538"/>
-            <a:ext cx="2090577" cy="461665"/>
-          </a:xfrm>
-          <a:prstGeom prst="rect">
-            <a:avLst/>
-          </a:prstGeom>
-          <a:noFill/>
-        </p:spPr>
-        <p:txBody>
-          <a:bodyPr wrap="square" rtlCol="0">
-            <a:spAutoFit/>
-          </a:bodyPr>
-          <a:lstStyle/>
-          <a:p>
-            <a:r>
-              <a:rPr lang="pt-BR" sz="1200" dirty="0"/>
-              <a:t>Aplica inverso da fase estimada ao símbolo recebido.</a:t>
-            </a:r>
-          </a:p>
-        </p:txBody>
-      </p:sp>
-      <p:cxnSp>
-        <p:nvCxnSpPr>
-          <p:cNvPr id="61" name="Straight Arrow Connector 60"/>
-          <p:cNvCxnSpPr>
-            <a:stCxn id="60" idx="1"/>
-          </p:cNvCxnSpPr>
-          <p:nvPr/>
-        </p:nvCxnSpPr>
-        <p:spPr>
-          <a:xfrm flipH="1" flipV="1">
-            <a:off x="2957583" y="6534370"/>
-            <a:ext cx="893051" cy="1"/>
-          </a:xfrm>
-          <a:prstGeom prst="straightConnector1">
-            <a:avLst/>
-          </a:prstGeom>
-          <a:ln>
-            <a:solidFill>
-              <a:srgbClr val="FF0000"/>
-            </a:solidFill>
-            <a:tailEnd type="triangle"/>
-          </a:ln>
-        </p:spPr>
-        <p:style>
-          <a:lnRef idx="1">
-            <a:schemeClr val="accent1"/>
-          </a:lnRef>
-          <a:fillRef idx="0">
-            <a:schemeClr val="accent1"/>
-          </a:fillRef>
-          <a:effectRef idx="0">
-            <a:schemeClr val="accent1"/>
-          </a:effectRef>
-          <a:fontRef idx="minor">
-            <a:schemeClr val="tx1"/>
-          </a:fontRef>
-        </p:style>
-      </p:cxnSp>
-      <p:sp>
-        <p:nvSpPr>
-          <p:cNvPr id="65" name="TextBox 64"/>
-          <p:cNvSpPr txBox="1"/>
-          <p:nvPr/>
-        </p:nvSpPr>
-        <p:spPr>
-          <a:xfrm>
-            <a:off x="6741636" y="4800456"/>
-            <a:ext cx="5365349" cy="1600438"/>
-          </a:xfrm>
-          <a:prstGeom prst="rect">
-            <a:avLst/>
-          </a:prstGeom>
-          <a:noFill/>
-        </p:spPr>
-        <p:txBody>
-          <a:bodyPr wrap="square" rtlCol="0">
-            <a:spAutoFit/>
-          </a:bodyPr>
-          <a:lstStyle/>
-          <a:p>
-            <a:pPr marL="285750" indent="-285750">
-              <a:buFont typeface="Arial" panose="020B0604020202020204" pitchFamily="34" charset="0"/>
-              <a:buChar char="•"/>
-            </a:pPr>
-            <a:r>
-              <a:rPr lang="pt-BR" sz="1400" dirty="0"/>
-              <a:t>Os símbolos QPSK tem sua fase variada por um desvio de fase aleatório.</a:t>
-            </a:r>
-          </a:p>
-          <a:p>
-            <a:pPr marL="285750" indent="-285750">
-              <a:buFont typeface="Arial" panose="020B0604020202020204" pitchFamily="34" charset="0"/>
-              <a:buChar char="•"/>
-            </a:pPr>
-            <a:r>
-              <a:rPr lang="pt-BR" sz="1400" dirty="0"/>
-              <a:t>Fase aleatório varia entre -40 a +40 graus.</a:t>
-            </a:r>
-          </a:p>
-          <a:p>
-            <a:pPr marL="285750" indent="-285750">
-              <a:buFont typeface="Arial" panose="020B0604020202020204" pitchFamily="34" charset="0"/>
-              <a:buChar char="•"/>
-            </a:pPr>
-            <a:r>
-              <a:rPr lang="pt-BR" sz="1400" dirty="0"/>
-              <a:t>Além disto, tem-se adição de ruído, onde a relação Es/N0 = </a:t>
-            </a:r>
-            <a:r>
-              <a:rPr lang="pt-BR" sz="1400" dirty="0" smtClean="0"/>
-              <a:t>27 </a:t>
-            </a:r>
-            <a:r>
-              <a:rPr lang="pt-BR" sz="1400" dirty="0"/>
-              <a:t>dB.</a:t>
-            </a:r>
-          </a:p>
-          <a:p>
-            <a:pPr marL="285750" indent="-285750">
-              <a:buFont typeface="Arial" panose="020B0604020202020204" pitchFamily="34" charset="0"/>
-              <a:buChar char="•"/>
-            </a:pPr>
-            <a:r>
-              <a:rPr lang="pt-BR" sz="1400" dirty="0"/>
-              <a:t>O MLP estima a relação entre a fase do sinal recebido e a fase adicionada ao símbolo transmitido.</a:t>
-            </a:r>
-          </a:p>
-          <a:p>
-            <a:pPr marL="285750" indent="-285750">
-              <a:buFont typeface="Arial" panose="020B0604020202020204" pitchFamily="34" charset="0"/>
-              <a:buChar char="•"/>
-            </a:pPr>
-            <a:r>
-              <a:rPr lang="pt-BR" sz="1400" dirty="0"/>
-              <a:t>De posse da relação, pode-se desfazer o efeito da fase aleatória.</a:t>
-            </a:r>
+            <a:endParaRPr lang="pt-BR"/>
           </a:p>
         </p:txBody>
       </p:sp>
     </p:spTree>
     <p:extLst>
       <p:ext uri="{BB962C8B-B14F-4D97-AF65-F5344CB8AC3E}">
-        <p14:creationId xmlns:p14="http://schemas.microsoft.com/office/powerpoint/2010/main" val="1599132176"/>
+        <p14:creationId xmlns:p14="http://schemas.microsoft.com/office/powerpoint/2010/main" val="3247495193"/>
       </p:ext>
     </p:extLst>
   </p:cSld>
@@ -16395,7 +13371,11 @@
           <a:bodyPr/>
           <a:lstStyle/>
           <a:p>
-            <a:endParaRPr lang="pt-BR"/>
+            <a:r>
+              <a:rPr lang="pt-BR" dirty="0" smtClean="0"/>
+              <a:t>Tarefas</a:t>
+            </a:r>
+            <a:endParaRPr lang="pt-BR" dirty="0"/>
           </a:p>
         </p:txBody>
       </p:sp>
@@ -16409,25 +13389,137 @@
             <p:ph idx="1"/>
           </p:nvPr>
         </p:nvSpPr>
-        <p:spPr/>
+        <p:spPr>
+          <a:xfrm>
+            <a:off x="838199" y="1825624"/>
+            <a:ext cx="10994409" cy="4547879"/>
+          </a:xfrm>
+        </p:spPr>
         <p:txBody>
           <a:bodyPr/>
           <a:lstStyle/>
           <a:p>
-            <a:endParaRPr lang="pt-BR"/>
+            <a:r>
+              <a:rPr lang="pt-BR" b="1" dirty="0" smtClean="0"/>
+              <a:t>Quiz</a:t>
+            </a:r>
+            <a:r>
+              <a:rPr lang="pt-BR" dirty="0" smtClean="0"/>
+              <a:t>: “</a:t>
+            </a:r>
+            <a:r>
+              <a:rPr lang="pt-BR" i="1" dirty="0" smtClean="0"/>
+              <a:t>T320 - Quiz – Redes Neurais Artificiais </a:t>
+            </a:r>
+            <a:r>
+              <a:rPr lang="pt-BR" i="1" dirty="0"/>
+              <a:t>(Parte </a:t>
+            </a:r>
+            <a:r>
+              <a:rPr lang="pt-BR" i="1" dirty="0" smtClean="0"/>
+              <a:t>VII)</a:t>
+            </a:r>
+            <a:r>
+              <a:rPr lang="pt-BR" dirty="0" smtClean="0"/>
+              <a:t>” que se encontra no MS Teams.</a:t>
+            </a:r>
+          </a:p>
+          <a:p>
+            <a:r>
+              <a:rPr lang="pt-BR" b="1" dirty="0" smtClean="0"/>
+              <a:t>Exercício Prático</a:t>
+            </a:r>
+            <a:r>
+              <a:rPr lang="pt-BR" smtClean="0"/>
+              <a:t>: </a:t>
+            </a:r>
+            <a:r>
+              <a:rPr lang="pt-BR" smtClean="0"/>
+              <a:t>.</a:t>
+            </a:r>
+            <a:endParaRPr lang="pt-BR" dirty="0" smtClean="0"/>
+          </a:p>
+          <a:p>
+            <a:pPr lvl="1"/>
+            <a:r>
+              <a:rPr lang="pt-BR" dirty="0"/>
+              <a:t>Pode ser baixado do MS Teams ou do GitHub.</a:t>
+            </a:r>
+          </a:p>
+          <a:p>
+            <a:pPr lvl="1"/>
+            <a:r>
+              <a:rPr lang="pt-BR" dirty="0"/>
+              <a:t>Pode ser respondido através do link acima (na nuvem) ou localmente.</a:t>
+            </a:r>
+          </a:p>
+          <a:p>
+            <a:pPr lvl="1"/>
+            <a:r>
+              <a:rPr lang="pt-BR" dirty="0">
+                <a:hlinkClick r:id="rId3"/>
+              </a:rPr>
+              <a:t>Instruções para resolução e entrega dos laboratórios</a:t>
+            </a:r>
+            <a:r>
+              <a:rPr lang="pt-BR" dirty="0"/>
+              <a:t>.</a:t>
+            </a:r>
+          </a:p>
+          <a:p>
+            <a:pPr lvl="1"/>
+            <a:r>
+              <a:rPr lang="pt-BR" b="1" dirty="0" smtClean="0">
+                <a:solidFill>
+                  <a:srgbClr val="FF0000"/>
+                </a:solidFill>
+              </a:rPr>
+              <a:t>Atividades podem </a:t>
+            </a:r>
+            <a:r>
+              <a:rPr lang="pt-BR" b="1" dirty="0">
+                <a:solidFill>
+                  <a:srgbClr val="FF0000"/>
+                </a:solidFill>
+              </a:rPr>
+              <a:t>ser </a:t>
+            </a:r>
+            <a:r>
+              <a:rPr lang="pt-BR" b="1" dirty="0" smtClean="0">
+                <a:solidFill>
+                  <a:srgbClr val="FF0000"/>
+                </a:solidFill>
+              </a:rPr>
+              <a:t>feitas </a:t>
+            </a:r>
+            <a:r>
+              <a:rPr lang="pt-BR" b="1" dirty="0">
+                <a:solidFill>
+                  <a:srgbClr val="FF0000"/>
+                </a:solidFill>
+              </a:rPr>
+              <a:t>em grupo, mas as entregas devem ser individuais.</a:t>
+            </a:r>
           </a:p>
         </p:txBody>
       </p:sp>
     </p:spTree>
     <p:extLst>
       <p:ext uri="{BB962C8B-B14F-4D97-AF65-F5344CB8AC3E}">
-        <p14:creationId xmlns:p14="http://schemas.microsoft.com/office/powerpoint/2010/main" val="3247495193"/>
+        <p14:creationId xmlns:p14="http://schemas.microsoft.com/office/powerpoint/2010/main" val="2849316398"/>
       </p:ext>
     </p:extLst>
   </p:cSld>
   <p:clrMapOvr>
     <a:masterClrMapping/>
   </p:clrMapOvr>
+  <p:timing>
+    <p:tnLst>
+      <p:par>
+        <p:cTn id="1" dur="indefinite" restart="never" nodeType="tmRoot"/>
+      </p:par>
+    </p:tnLst>
+  </p:timing>
 </p:sld>
 </file>
 
@@ -16450,216 +13542,10 @@
       </p:grpSpPr>
       <p:sp>
         <p:nvSpPr>
-          <p:cNvPr id="2" name="Title 1"/>
-          <p:cNvSpPr>
-            <a:spLocks noGrp="1"/>
-          </p:cNvSpPr>
-          <p:nvPr>
-            <p:ph type="title"/>
-          </p:nvPr>
-        </p:nvSpPr>
-        <p:spPr/>
-        <p:txBody>
-          <a:bodyPr/>
-          <a:lstStyle/>
-          <a:p>
-            <a:r>
-              <a:rPr lang="pt-BR" dirty="0" smtClean="0"/>
-              <a:t>Tarefas</a:t>
-            </a:r>
-            <a:endParaRPr lang="pt-BR" dirty="0"/>
-          </a:p>
-        </p:txBody>
-      </p:sp>
-      <p:sp>
-        <p:nvSpPr>
-          <p:cNvPr id="3" name="Content Placeholder 2"/>
-          <p:cNvSpPr>
-            <a:spLocks noGrp="1"/>
-          </p:cNvSpPr>
-          <p:nvPr>
-            <p:ph idx="1"/>
-          </p:nvPr>
-        </p:nvSpPr>
-        <p:spPr>
-          <a:xfrm>
-            <a:off x="838199" y="1825624"/>
-            <a:ext cx="10994409" cy="4547879"/>
-          </a:xfrm>
-        </p:spPr>
-        <p:txBody>
-          <a:bodyPr/>
-          <a:lstStyle/>
-          <a:p>
-            <a:r>
-              <a:rPr lang="pt-BR" b="1" dirty="0" smtClean="0"/>
-              <a:t>Quiz</a:t>
-            </a:r>
-            <a:r>
-              <a:rPr lang="pt-BR" dirty="0" smtClean="0"/>
-              <a:t>: “</a:t>
-            </a:r>
-            <a:r>
-              <a:rPr lang="pt-BR" i="1" dirty="0" smtClean="0"/>
-              <a:t>T320 - Quiz – Redes Neurais Artificiais </a:t>
-            </a:r>
-            <a:r>
-              <a:rPr lang="pt-BR" i="1" dirty="0"/>
-              <a:t>(Parte </a:t>
-            </a:r>
-            <a:r>
-              <a:rPr lang="pt-BR" i="1" dirty="0" smtClean="0"/>
-              <a:t>VII)</a:t>
-            </a:r>
-            <a:r>
-              <a:rPr lang="pt-BR" dirty="0" smtClean="0"/>
-              <a:t>” </a:t>
-            </a:r>
-            <a:r>
-              <a:rPr lang="pt-BR" dirty="0" smtClean="0"/>
-              <a:t>que se encontra no MS Teams.</a:t>
-            </a:r>
-          </a:p>
-          <a:p>
-            <a:r>
-              <a:rPr lang="pt-BR" b="1" dirty="0" smtClean="0"/>
-              <a:t>Exercício Prático</a:t>
-            </a:r>
-            <a:r>
-              <a:rPr lang="pt-BR" dirty="0" smtClean="0"/>
-              <a:t>: </a:t>
-            </a:r>
-            <a:r>
-              <a:rPr lang="pt-BR" b="1" dirty="0" smtClean="0">
-                <a:hlinkClick r:id="rId3"/>
-              </a:rPr>
-              <a:t>Laboratório </a:t>
-            </a:r>
-            <a:r>
-              <a:rPr lang="pt-BR" b="1" dirty="0" smtClean="0">
-                <a:hlinkClick r:id="rId3"/>
-              </a:rPr>
-              <a:t>#</a:t>
-            </a:r>
-            <a:r>
-              <a:rPr lang="pt-BR" b="1" dirty="0">
-                <a:hlinkClick r:id="rId3"/>
-              </a:rPr>
-              <a:t>9</a:t>
-            </a:r>
-            <a:r>
-              <a:rPr lang="pt-BR" dirty="0" smtClean="0"/>
-              <a:t>.</a:t>
-            </a:r>
-            <a:endParaRPr lang="pt-BR" dirty="0" smtClean="0"/>
-          </a:p>
-          <a:p>
-            <a:pPr lvl="1"/>
-            <a:r>
-              <a:rPr lang="pt-BR" dirty="0"/>
-              <a:t>Pode ser baixado do MS Teams ou do GitHub.</a:t>
-            </a:r>
-          </a:p>
-          <a:p>
-            <a:pPr lvl="1"/>
-            <a:r>
-              <a:rPr lang="pt-BR" dirty="0"/>
-              <a:t>Pode ser respondido através do link acima (na nuvem) ou localmente.</a:t>
-            </a:r>
-          </a:p>
-          <a:p>
-            <a:pPr lvl="1"/>
-            <a:r>
-              <a:rPr lang="pt-BR" dirty="0">
-                <a:hlinkClick r:id="rId4"/>
-              </a:rPr>
-              <a:t>Instruções para resolução e entrega dos laboratórios</a:t>
-            </a:r>
-            <a:r>
-              <a:rPr lang="pt-BR" dirty="0"/>
-              <a:t>.</a:t>
-            </a:r>
-          </a:p>
-          <a:p>
-            <a:pPr lvl="1"/>
-            <a:r>
-              <a:rPr lang="pt-BR" b="1" dirty="0" smtClean="0">
-                <a:solidFill>
-                  <a:srgbClr val="FF0000"/>
-                </a:solidFill>
-              </a:rPr>
-              <a:t>Atividades podem </a:t>
-            </a:r>
-            <a:r>
-              <a:rPr lang="pt-BR" b="1" dirty="0">
-                <a:solidFill>
-                  <a:srgbClr val="FF0000"/>
-                </a:solidFill>
-              </a:rPr>
-              <a:t>ser </a:t>
-            </a:r>
-            <a:r>
-              <a:rPr lang="pt-BR" b="1" dirty="0" smtClean="0">
-                <a:solidFill>
-                  <a:srgbClr val="FF0000"/>
-                </a:solidFill>
-              </a:rPr>
-              <a:t>feitas </a:t>
-            </a:r>
-            <a:r>
-              <a:rPr lang="pt-BR" b="1" dirty="0">
-                <a:solidFill>
-                  <a:srgbClr val="FF0000"/>
-                </a:solidFill>
-              </a:rPr>
-              <a:t>em grupo, mas as entregas devem ser individuais.</a:t>
-            </a:r>
-          </a:p>
-        </p:txBody>
-      </p:sp>
-    </p:spTree>
-    <p:extLst>
-      <p:ext uri="{BB962C8B-B14F-4D97-AF65-F5344CB8AC3E}">
-        <p14:creationId xmlns:p14="http://schemas.microsoft.com/office/powerpoint/2010/main" val="2849316398"/>
-      </p:ext>
-    </p:extLst>
-  </p:cSld>
-  <p:clrMapOvr>
-    <a:masterClrMapping/>
-  </p:clrMapOvr>
-  <p:timing>
-    <p:tnLst>
-      <p:par>
-        <p:cTn id="1" dur="indefinite" restart="never" nodeType="tmRoot"/>
-      </p:par>
-    </p:tnLst>
-  </p:timing>
-</p:sld>
-</file>
-
-<file path=ppt/slides/slide23.xml><?xml version="1.0" encoding="utf-8"?>
-<p:sld xmlns:a="http://schemas.openxmlformats.org/drawingml/2006/main" xmlns:r="http://schemas.openxmlformats.org/officeDocument/2006/relationships" xmlns:p="http://schemas.openxmlformats.org/presentationml/2006/main">
-  <p:cSld>
-    <p:spTree>
-      <p:nvGrpSpPr>
-        <p:cNvPr id="1" name=""/>
-        <p:cNvGrpSpPr/>
-        <p:nvPr/>
-      </p:nvGrpSpPr>
-      <p:grpSpPr>
-        <a:xfrm>
-          <a:off x="0" y="0"/>
-          <a:ext cx="0" cy="0"/>
-          <a:chOff x="0" y="0"/>
-          <a:chExt cx="0" cy="0"/>
-        </a:xfrm>
-      </p:grpSpPr>
-      <p:sp>
-        <p:nvSpPr>
           <p:cNvPr id="4" name="Título 1">
             <a:extLst>
               <a:ext uri="{FF2B5EF4-FFF2-40B4-BE49-F238E27FC236}">
-                <a16:creationId xmlns:a16="http://schemas.microsoft.com/office/drawing/2014/main" xmlns="" id="{32666AC8-2E17-4DB4-B0F5-60C640CCFD2E}"/>
+                <a16:creationId xmlns="" xmlns:a16="http://schemas.microsoft.com/office/drawing/2014/main" id="{32666AC8-2E17-4DB4-B0F5-60C640CCFD2E}"/>
               </a:ext>
             </a:extLst>
           </p:cNvPr>
@@ -16722,7 +13608,7 @@
 </p:sld>
 </file>
 
-<file path=ppt/slides/slide24.xml><?xml version="1.0" encoding="utf-8"?>
+<file path=ppt/slides/slide23.xml><?xml version="1.0" encoding="utf-8"?>
 <p:sld xmlns:a="http://schemas.openxmlformats.org/drawingml/2006/main" xmlns:r="http://schemas.openxmlformats.org/officeDocument/2006/relationships" xmlns:p="http://schemas.openxmlformats.org/presentationml/2006/main">
   <p:cSld>
     <p:spTree>
@@ -16996,7 +13882,7 @@
 </p:sld>
 </file>
 
-<file path=ppt/slides/slide25.xml><?xml version="1.0" encoding="utf-8"?>
+<file path=ppt/slides/slide24.xml><?xml version="1.0" encoding="utf-8"?>
 <p:sld xmlns:a="http://schemas.openxmlformats.org/drawingml/2006/main" xmlns:r="http://schemas.openxmlformats.org/officeDocument/2006/relationships" xmlns:p="http://schemas.openxmlformats.org/presentationml/2006/main">
   <p:cSld>
     <p:spTree>
@@ -17018,7 +13904,7 @@
           <p:cNvPr id="4" name="Título 1">
             <a:extLst>
               <a:ext uri="{FF2B5EF4-FFF2-40B4-BE49-F238E27FC236}">
-                <a16:creationId xmlns:a16="http://schemas.microsoft.com/office/drawing/2014/main" xmlns="" id="{32666AC8-2E17-4DB4-B0F5-60C640CCFD2E}"/>
+                <a16:creationId xmlns="" xmlns:a16="http://schemas.microsoft.com/office/drawing/2014/main" id="{32666AC8-2E17-4DB4-B0F5-60C640CCFD2E}"/>
               </a:ext>
             </a:extLst>
           </p:cNvPr>
@@ -17081,7 +13967,7 @@
 </p:sld>
 </file>
 
-<file path=ppt/slides/slide26.xml><?xml version="1.0" encoding="utf-8"?>
+<file path=ppt/slides/slide25.xml><?xml version="1.0" encoding="utf-8"?>
 <p:sld xmlns:a="http://schemas.openxmlformats.org/drawingml/2006/main" xmlns:r="http://schemas.openxmlformats.org/officeDocument/2006/relationships" xmlns:p="http://schemas.openxmlformats.org/presentationml/2006/main">
   <p:cSld>
     <p:spTree>
@@ -19147,8 +16033,8 @@
           </a:p>
         </p:txBody>
       </p:sp>
-      <mc:AlternateContent xmlns:mc="http://schemas.openxmlformats.org/markup-compatibility/2006">
-        <mc:Choice xmlns:a14="http://schemas.microsoft.com/office/drawing/2010/main" Requires="a14">
+      <mc:AlternateContent xmlns:mc="http://schemas.openxmlformats.org/markup-compatibility/2006" xmlns:a14="http://schemas.microsoft.com/office/drawing/2010/main">
+        <mc:Choice Requires="a14">
           <p:sp>
             <p:nvSpPr>
               <p:cNvPr id="3" name="Content Placeholder 2"/>
@@ -19642,7 +16528,7 @@
             </p:txBody>
           </p:sp>
         </mc:Choice>
-        <mc:Fallback>
+        <mc:Fallback xmlns="">
           <p:sp>
             <p:nvSpPr>
               <p:cNvPr id="3" name="Content Placeholder 2"/>
@@ -19760,13 +16646,13 @@
         </p:nvSpPr>
         <p:spPr>
           <a:xfrm>
-            <a:off x="838200" y="1825625"/>
-            <a:ext cx="10515600" cy="1913862"/>
+            <a:off x="838199" y="1825625"/>
+            <a:ext cx="11012055" cy="1913862"/>
           </a:xfrm>
         </p:spPr>
         <p:txBody>
           <a:bodyPr>
-            <a:normAutofit fontScale="92500" lnSpcReduction="20000"/>
+            <a:normAutofit fontScale="92500" lnSpcReduction="10000"/>
           </a:bodyPr>
           <a:lstStyle/>
           <a:p>
@@ -21518,11 +18404,7 @@
             </a:r>
             <a:r>
               <a:rPr lang="pt-BR" dirty="0"/>
-              <a:t>de </a:t>
-            </a:r>
-            <a:r>
-              <a:rPr lang="pt-BR" dirty="0"/>
-              <a:t>dados </a:t>
+              <a:t>de dados </a:t>
             </a:r>
             <a:r>
               <a:rPr lang="pt-BR" dirty="0" smtClean="0"/>
@@ -22379,11 +19261,11 @@
           <a:p>
             <a:r>
               <a:rPr lang="pt-BR" dirty="0"/>
-              <a:t>Variações dos algoritmos de otimização dos pesos: </a:t>
-            </a:r>
-            <a:r>
-              <a:rPr lang="pt-BR" b="1" dirty="0"/>
-              <a:t>Método do Gradiente Estocástico</a:t>
+              <a:t>Variações dos algoritmos de otimização dos </a:t>
+            </a:r>
+            <a:r>
+              <a:rPr lang="pt-BR" dirty="0" smtClean="0"/>
+              <a:t>pesos</a:t>
             </a:r>
             <a:endParaRPr lang="pt-BR" dirty="0"/>
           </a:p>

--- a/slides/T320_Redes_Neurais_Artificiais (Parte IV).pptx
+++ b/slides/T320_Redes_Neurais_Artificiais (Parte IV).pptx
@@ -5,7 +5,7 @@
     <p:sldMasterId id="2147483648" r:id="rId1"/>
   </p:sldMasterIdLst>
   <p:notesMasterIdLst>
-    <p:notesMasterId r:id="rId27"/>
+    <p:notesMasterId r:id="rId24"/>
   </p:notesMasterIdLst>
   <p:sldIdLst>
     <p:sldId id="300" r:id="rId2"/>
@@ -23,16 +23,13 @@
     <p:sldId id="346" r:id="rId14"/>
     <p:sldId id="347" r:id="rId15"/>
     <p:sldId id="348" r:id="rId16"/>
-    <p:sldId id="370" r:id="rId17"/>
-    <p:sldId id="349" r:id="rId18"/>
-    <p:sldId id="350" r:id="rId19"/>
-    <p:sldId id="351" r:id="rId20"/>
-    <p:sldId id="302" r:id="rId21"/>
-    <p:sldId id="301" r:id="rId22"/>
-    <p:sldId id="269" r:id="rId23"/>
-    <p:sldId id="303" r:id="rId24"/>
-    <p:sldId id="271" r:id="rId25"/>
-    <p:sldId id="365" r:id="rId26"/>
+    <p:sldId id="349" r:id="rId17"/>
+    <p:sldId id="350" r:id="rId18"/>
+    <p:sldId id="301" r:id="rId19"/>
+    <p:sldId id="269" r:id="rId20"/>
+    <p:sldId id="303" r:id="rId21"/>
+    <p:sldId id="271" r:id="rId22"/>
+    <p:sldId id="365" r:id="rId23"/>
   </p:sldIdLst>
   <p:sldSz cx="12192000" cy="6858000"/>
   <p:notesSz cx="6858000" cy="9144000"/>
@@ -258,7 +255,7 @@
           <a:p>
             <a:fld id="{C3C82C08-3EFC-4473-8294-F0E229C19EFF}" type="datetimeFigureOut">
               <a:rPr lang="pt-BR" smtClean="0"/>
-              <a:t>28/10/2021</a:t>
+              <a:t>30/10/2021</a:t>
             </a:fld>
             <a:endParaRPr lang="pt-BR"/>
           </a:p>
@@ -610,113 +607,6 @@
 </p:notes>
 </file>
 
-<file path=ppt/notesSlides/notesSlide10.xml><?xml version="1.0" encoding="utf-8"?>
-<p:notes xmlns:a="http://schemas.openxmlformats.org/drawingml/2006/main" xmlns:r="http://schemas.openxmlformats.org/officeDocument/2006/relationships" xmlns:p="http://schemas.openxmlformats.org/presentationml/2006/main">
-  <p:cSld>
-    <p:spTree>
-      <p:nvGrpSpPr>
-        <p:cNvPr id="1" name=""/>
-        <p:cNvGrpSpPr/>
-        <p:nvPr/>
-      </p:nvGrpSpPr>
-      <p:grpSpPr>
-        <a:xfrm>
-          <a:off x="0" y="0"/>
-          <a:ext cx="0" cy="0"/>
-          <a:chOff x="0" y="0"/>
-          <a:chExt cx="0" cy="0"/>
-        </a:xfrm>
-      </p:grpSpPr>
-      <p:sp>
-        <p:nvSpPr>
-          <p:cNvPr id="2" name="Slide Image Placeholder 1"/>
-          <p:cNvSpPr>
-            <a:spLocks noGrp="1" noRot="1" noChangeAspect="1"/>
-          </p:cNvSpPr>
-          <p:nvPr>
-            <p:ph type="sldImg"/>
-          </p:nvPr>
-        </p:nvSpPr>
-        <p:spPr/>
-      </p:sp>
-      <p:sp>
-        <p:nvSpPr>
-          <p:cNvPr id="3" name="Notes Placeholder 2"/>
-          <p:cNvSpPr>
-            <a:spLocks noGrp="1"/>
-          </p:cNvSpPr>
-          <p:nvPr>
-            <p:ph type="body" idx="1"/>
-          </p:nvPr>
-        </p:nvSpPr>
-        <p:spPr/>
-        <p:txBody>
-          <a:bodyPr/>
-          <a:lstStyle/>
-          <a:p>
-            <a:r>
-              <a:rPr lang="pt-BR" sz="1200" b="1" smtClean="0"/>
-              <a:t>Laboratório #9:</a:t>
-            </a:r>
-            <a:r>
-              <a:rPr lang="pt-BR" sz="1200" smtClean="0"/>
-              <a:t> </a:t>
-            </a:r>
-            <a:r>
-              <a:rPr lang="pt-BR" sz="1200" dirty="0" smtClean="0"/>
-              <a:t>https</a:t>
-            </a:r>
-            <a:r>
-              <a:rPr lang="pt-BR" sz="1200" smtClean="0"/>
-              <a:t>://</a:t>
-            </a:r>
-            <a:r>
-              <a:rPr lang="pt-BR" sz="1200" smtClean="0"/>
-              <a:t>mybinder.org/v2/gh/zz4fap/t320_aprendizado_de_maquina/main?filepath=labs%2FLaboratorio9.ipynb</a:t>
-            </a:r>
-            <a:endParaRPr lang="pt-BR" sz="1200" dirty="0" smtClean="0"/>
-          </a:p>
-          <a:p>
-            <a:endParaRPr lang="pt-BR" sz="1200" dirty="0"/>
-          </a:p>
-        </p:txBody>
-      </p:sp>
-      <p:sp>
-        <p:nvSpPr>
-          <p:cNvPr id="4" name="Slide Number Placeholder 3"/>
-          <p:cNvSpPr>
-            <a:spLocks noGrp="1"/>
-          </p:cNvSpPr>
-          <p:nvPr>
-            <p:ph type="sldNum" sz="quarter" idx="10"/>
-          </p:nvPr>
-        </p:nvSpPr>
-        <p:spPr/>
-        <p:txBody>
-          <a:bodyPr/>
-          <a:lstStyle/>
-          <a:p>
-            <a:fld id="{6FC8D850-966F-45A6-8DE7-15B891E7D40D}" type="slidenum">
-              <a:rPr lang="pt-BR" smtClean="0"/>
-              <a:t>21</a:t>
-            </a:fld>
-            <a:endParaRPr lang="pt-BR"/>
-          </a:p>
-        </p:txBody>
-      </p:sp>
-    </p:spTree>
-    <p:extLst>
-      <p:ext uri="{BB962C8B-B14F-4D97-AF65-F5344CB8AC3E}">
-        <p14:creationId xmlns:p14="http://schemas.microsoft.com/office/powerpoint/2010/main" val="3059840101"/>
-      </p:ext>
-    </p:extLst>
-  </p:cSld>
-  <p:clrMapOvr>
-    <a:masterClrMapping/>
-  </p:clrMapOvr>
-</p:notes>
-</file>
-
 <file path=ppt/notesSlides/notesSlide2.xml><?xml version="1.0" encoding="utf-8"?>
 <p:notes xmlns:a="http://schemas.openxmlformats.org/drawingml/2006/main" xmlns:r="http://schemas.openxmlformats.org/officeDocument/2006/relationships" xmlns:p="http://schemas.openxmlformats.org/presentationml/2006/main">
   <p:cSld>
@@ -2023,7 +1913,7 @@
           <a:p>
             <a:fld id="{F430A2A4-8C14-4B1A-AD48-7B6401078BF7}" type="slidenum">
               <a:rPr lang="pt-BR" smtClean="0"/>
-              <a:t>17</a:t>
+              <a:t>16</a:t>
             </a:fld>
             <a:endParaRPr lang="pt-BR"/>
           </a:p>
@@ -2126,7 +2016,7 @@
           <a:p>
             <a:fld id="{F430A2A4-8C14-4B1A-AD48-7B6401078BF7}" type="slidenum">
               <a:rPr lang="pt-BR" smtClean="0"/>
-              <a:t>18</a:t>
+              <a:t>17</a:t>
             </a:fld>
             <a:endParaRPr lang="pt-BR"/>
           </a:p>
@@ -2190,13 +2080,25 @@
           <a:lstStyle/>
           <a:p>
             <a:r>
-              <a:rPr lang="pt-BR" b="1" dirty="0"/>
-              <a:t>Exemplo</a:t>
-            </a:r>
-            <a:r>
-              <a:rPr lang="pt-BR" dirty="0"/>
-              <a:t>: SciKitMLPQPSKClassifier.ipynb</a:t>
-            </a:r>
+              <a:rPr lang="pt-BR" sz="1200" b="1" dirty="0" smtClean="0"/>
+              <a:t>Projeto #2:</a:t>
+            </a:r>
+            <a:r>
+              <a:rPr lang="pt-BR" sz="1200" dirty="0" smtClean="0"/>
+              <a:t> </a:t>
+            </a:r>
+            <a:r>
+              <a:rPr lang="pt-BR" sz="1200" dirty="0" smtClean="0"/>
+              <a:t>https://</a:t>
+            </a:r>
+            <a:r>
+              <a:rPr lang="pt-BR" sz="1200" dirty="0" smtClean="0"/>
+              <a:t>mybinder.org/v2/gh/zz4fap/t320_aprendizado_de_maquina/main?filepath=projeto%2Fprojeto_2_T320_2S2021.ipynb</a:t>
+            </a:r>
+            <a:endParaRPr lang="pt-BR" sz="1200" dirty="0" smtClean="0"/>
+          </a:p>
+          <a:p>
+            <a:endParaRPr lang="pt-BR" sz="1200" dirty="0"/>
           </a:p>
         </p:txBody>
       </p:sp>
@@ -2215,9 +2117,9 @@
           <a:bodyPr/>
           <a:lstStyle/>
           <a:p>
-            <a:fld id="{F430A2A4-8C14-4B1A-AD48-7B6401078BF7}" type="slidenum">
+            <a:fld id="{6FC8D850-966F-45A6-8DE7-15B891E7D40D}" type="slidenum">
               <a:rPr lang="pt-BR" smtClean="0"/>
-              <a:t>19</a:t>
+              <a:t>18</a:t>
             </a:fld>
             <a:endParaRPr lang="pt-BR"/>
           </a:p>
@@ -2226,7 +2128,7 @@
     </p:spTree>
     <p:extLst>
       <p:ext uri="{BB962C8B-B14F-4D97-AF65-F5344CB8AC3E}">
-        <p14:creationId xmlns:p14="http://schemas.microsoft.com/office/powerpoint/2010/main" val="680169226"/>
+        <p14:creationId xmlns:p14="http://schemas.microsoft.com/office/powerpoint/2010/main" val="3059840101"/>
       </p:ext>
     </p:extLst>
   </p:cSld>
@@ -2367,7 +2269,7 @@
           <a:p>
             <a:fld id="{221D0464-8C8A-49C0-859F-777E51766A35}" type="datetimeFigureOut">
               <a:rPr lang="pt-BR" smtClean="0"/>
-              <a:t>28/10/2021</a:t>
+              <a:t>30/10/2021</a:t>
             </a:fld>
             <a:endParaRPr lang="pt-BR"/>
           </a:p>
@@ -2537,7 +2439,7 @@
           <a:p>
             <a:fld id="{221D0464-8C8A-49C0-859F-777E51766A35}" type="datetimeFigureOut">
               <a:rPr lang="pt-BR" smtClean="0"/>
-              <a:t>28/10/2021</a:t>
+              <a:t>30/10/2021</a:t>
             </a:fld>
             <a:endParaRPr lang="pt-BR"/>
           </a:p>
@@ -2717,7 +2619,7 @@
           <a:p>
             <a:fld id="{221D0464-8C8A-49C0-859F-777E51766A35}" type="datetimeFigureOut">
               <a:rPr lang="pt-BR" smtClean="0"/>
-              <a:t>28/10/2021</a:t>
+              <a:t>30/10/2021</a:t>
             </a:fld>
             <a:endParaRPr lang="pt-BR"/>
           </a:p>
@@ -2887,7 +2789,7 @@
           <a:p>
             <a:fld id="{221D0464-8C8A-49C0-859F-777E51766A35}" type="datetimeFigureOut">
               <a:rPr lang="pt-BR" smtClean="0"/>
-              <a:t>28/10/2021</a:t>
+              <a:t>30/10/2021</a:t>
             </a:fld>
             <a:endParaRPr lang="pt-BR"/>
           </a:p>
@@ -3133,7 +3035,7 @@
           <a:p>
             <a:fld id="{221D0464-8C8A-49C0-859F-777E51766A35}" type="datetimeFigureOut">
               <a:rPr lang="pt-BR" smtClean="0"/>
-              <a:t>28/10/2021</a:t>
+              <a:t>30/10/2021</a:t>
             </a:fld>
             <a:endParaRPr lang="pt-BR"/>
           </a:p>
@@ -3365,7 +3267,7 @@
           <a:p>
             <a:fld id="{221D0464-8C8A-49C0-859F-777E51766A35}" type="datetimeFigureOut">
               <a:rPr lang="pt-BR" smtClean="0"/>
-              <a:t>28/10/2021</a:t>
+              <a:t>30/10/2021</a:t>
             </a:fld>
             <a:endParaRPr lang="pt-BR"/>
           </a:p>
@@ -3732,7 +3634,7 @@
           <a:p>
             <a:fld id="{221D0464-8C8A-49C0-859F-777E51766A35}" type="datetimeFigureOut">
               <a:rPr lang="pt-BR" smtClean="0"/>
-              <a:t>28/10/2021</a:t>
+              <a:t>30/10/2021</a:t>
             </a:fld>
             <a:endParaRPr lang="pt-BR"/>
           </a:p>
@@ -3850,7 +3752,7 @@
           <a:p>
             <a:fld id="{221D0464-8C8A-49C0-859F-777E51766A35}" type="datetimeFigureOut">
               <a:rPr lang="pt-BR" smtClean="0"/>
-              <a:t>28/10/2021</a:t>
+              <a:t>30/10/2021</a:t>
             </a:fld>
             <a:endParaRPr lang="pt-BR"/>
           </a:p>
@@ -3945,7 +3847,7 @@
           <a:p>
             <a:fld id="{221D0464-8C8A-49C0-859F-777E51766A35}" type="datetimeFigureOut">
               <a:rPr lang="pt-BR" smtClean="0"/>
-              <a:t>28/10/2021</a:t>
+              <a:t>30/10/2021</a:t>
             </a:fld>
             <a:endParaRPr lang="pt-BR"/>
           </a:p>
@@ -4222,7 +4124,7 @@
           <a:p>
             <a:fld id="{221D0464-8C8A-49C0-859F-777E51766A35}" type="datetimeFigureOut">
               <a:rPr lang="pt-BR" smtClean="0"/>
-              <a:t>28/10/2021</a:t>
+              <a:t>30/10/2021</a:t>
             </a:fld>
             <a:endParaRPr lang="pt-BR"/>
           </a:p>
@@ -4475,7 +4377,7 @@
           <a:p>
             <a:fld id="{221D0464-8C8A-49C0-859F-777E51766A35}" type="datetimeFigureOut">
               <a:rPr lang="pt-BR" smtClean="0"/>
-              <a:t>28/10/2021</a:t>
+              <a:t>30/10/2021</a:t>
             </a:fld>
             <a:endParaRPr lang="pt-BR"/>
           </a:p>
@@ -4688,7 +4590,7 @@
           <a:p>
             <a:fld id="{221D0464-8C8A-49C0-859F-777E51766A35}" type="datetimeFigureOut">
               <a:rPr lang="pt-BR" smtClean="0"/>
-              <a:t>28/10/2021</a:t>
+              <a:t>30/10/2021</a:t>
             </a:fld>
             <a:endParaRPr lang="pt-BR"/>
           </a:p>
@@ -5098,7 +5000,7 @@
           <p:cNvPr id="2" name="Título 1">
             <a:extLst>
               <a:ext uri="{FF2B5EF4-FFF2-40B4-BE49-F238E27FC236}">
-                <a16:creationId xmlns="" xmlns:a16="http://schemas.microsoft.com/office/drawing/2014/main" id="{32666AC8-2E17-4DB4-B0F5-60C640CCFD2E}"/>
+                <a16:creationId xmlns:a16="http://schemas.microsoft.com/office/drawing/2014/main" xmlns="" id="{32666AC8-2E17-4DB4-B0F5-60C640CCFD2E}"/>
               </a:ext>
             </a:extLst>
           </p:cNvPr>
@@ -5153,7 +5055,7 @@
           <p:cNvPr id="4" name="CaixaDeTexto 3">
             <a:extLst>
               <a:ext uri="{FF2B5EF4-FFF2-40B4-BE49-F238E27FC236}">
-                <a16:creationId xmlns="" xmlns:a16="http://schemas.microsoft.com/office/drawing/2014/main" id="{430EB894-B7D4-434C-9D1A-A14094D9BEEC}"/>
+                <a16:creationId xmlns:a16="http://schemas.microsoft.com/office/drawing/2014/main" xmlns="" id="{430EB894-B7D4-434C-9D1A-A14094D9BEEC}"/>
               </a:ext>
             </a:extLst>
           </p:cNvPr>
@@ -5194,7 +5096,7 @@
           <p:cNvPr id="1026" name="Picture 2" descr="Logo">
             <a:extLst>
               <a:ext uri="{FF2B5EF4-FFF2-40B4-BE49-F238E27FC236}">
-                <a16:creationId xmlns="" xmlns:a16="http://schemas.microsoft.com/office/drawing/2014/main" id="{3F2642E0-4F6A-4196-8F58-E77D36E9A33F}"/>
+                <a16:creationId xmlns:a16="http://schemas.microsoft.com/office/drawing/2014/main" xmlns="" id="{3F2642E0-4F6A-4196-8F58-E77D36E9A33F}"/>
               </a:ext>
             </a:extLst>
           </p:cNvPr>
@@ -5239,7 +5141,7 @@
           <p:cNvPr id="5122" name="Picture 2" descr="Image result for machine learning">
             <a:extLst>
               <a:ext uri="{FF2B5EF4-FFF2-40B4-BE49-F238E27FC236}">
-                <a16:creationId xmlns="" xmlns:a16="http://schemas.microsoft.com/office/drawing/2014/main" id="{810CE0A2-4102-44A6-A370-175E7896CDCB}"/>
+                <a16:creationId xmlns:a16="http://schemas.microsoft.com/office/drawing/2014/main" xmlns="" id="{810CE0A2-4102-44A6-A370-175E7896CDCB}"/>
               </a:ext>
             </a:extLst>
           </p:cNvPr>
@@ -7188,8 +7090,8 @@
           </a:p>
         </p:txBody>
       </p:sp>
-      <mc:AlternateContent xmlns:mc="http://schemas.openxmlformats.org/markup-compatibility/2006">
-        <mc:Choice xmlns:a14="http://schemas.microsoft.com/office/drawing/2010/main" Requires="a14">
+      <mc:AlternateContent xmlns:mc="http://schemas.openxmlformats.org/markup-compatibility/2006" xmlns:a14="http://schemas.microsoft.com/office/drawing/2010/main">
+        <mc:Choice Requires="a14">
           <p:sp>
             <p:nvSpPr>
               <p:cNvPr id="3" name="Content Placeholder 2"/>
@@ -7443,7 +7345,7 @@
             </p:txBody>
           </p:sp>
         </mc:Choice>
-        <mc:Fallback>
+        <mc:Fallback xmlns="">
           <p:sp>
             <p:nvSpPr>
               <p:cNvPr id="3" name="Content Placeholder 2"/>
@@ -7773,15 +7675,7 @@
           <a:p>
             <a:r>
               <a:rPr lang="pt-BR" dirty="0"/>
-              <a:t>Os pesos </a:t>
-            </a:r>
-            <a:r>
-              <a:rPr lang="pt-BR" dirty="0"/>
-              <a:t>são tipicamente obtidos </a:t>
-            </a:r>
-            <a:r>
-              <a:rPr lang="pt-BR" dirty="0"/>
-              <a:t>de </a:t>
+              <a:t>Os pesos são tipicamente obtidos de </a:t>
             </a:r>
             <a:r>
               <a:rPr lang="pt-BR" b="1" i="1" dirty="0"/>
@@ -7878,11 +7772,7 @@
             </a:r>
             <a:r>
               <a:rPr lang="pt-BR" dirty="0"/>
-              <a:t>do tipo </a:t>
-            </a:r>
-            <a:r>
-              <a:rPr lang="pt-BR" dirty="0"/>
-              <a:t>sigmóide </a:t>
+              <a:t>do tipo sigmóide </a:t>
             </a:r>
             <a:r>
               <a:rPr lang="pt-BR" dirty="0" smtClean="0"/>
@@ -7979,83 +7869,15 @@
           <a:bodyPr/>
           <a:lstStyle/>
           <a:p>
-            <a:endParaRPr lang="pt-BR"/>
+            <a:r>
+              <a:rPr lang="pt-BR" dirty="0"/>
+              <a:t>Inicialização dos Pesos</a:t>
+            </a:r>
           </a:p>
         </p:txBody>
       </p:sp>
-      <p:sp>
-        <p:nvSpPr>
-          <p:cNvPr id="3" name="Content Placeholder 2"/>
-          <p:cNvSpPr>
-            <a:spLocks noGrp="1"/>
-          </p:cNvSpPr>
-          <p:nvPr>
-            <p:ph idx="1"/>
-          </p:nvPr>
-        </p:nvSpPr>
-        <p:spPr/>
-        <p:txBody>
-          <a:bodyPr/>
-          <a:lstStyle/>
-          <a:p>
-            <a:endParaRPr lang="pt-BR"/>
-          </a:p>
-        </p:txBody>
-      </p:sp>
-    </p:spTree>
-    <p:extLst>
-      <p:ext uri="{BB962C8B-B14F-4D97-AF65-F5344CB8AC3E}">
-        <p14:creationId xmlns:p14="http://schemas.microsoft.com/office/powerpoint/2010/main" val="3936233178"/>
-      </p:ext>
-    </p:extLst>
-  </p:cSld>
-  <p:clrMapOvr>
-    <a:masterClrMapping/>
-  </p:clrMapOvr>
-</p:sld>
-</file>
-
-<file path=ppt/slides/slide17.xml><?xml version="1.0" encoding="utf-8"?>
-<p:sld xmlns:a="http://schemas.openxmlformats.org/drawingml/2006/main" xmlns:r="http://schemas.openxmlformats.org/officeDocument/2006/relationships" xmlns:p="http://schemas.openxmlformats.org/presentationml/2006/main">
-  <p:cSld>
-    <p:spTree>
-      <p:nvGrpSpPr>
-        <p:cNvPr id="1" name=""/>
-        <p:cNvGrpSpPr/>
-        <p:nvPr/>
-      </p:nvGrpSpPr>
-      <p:grpSpPr>
-        <a:xfrm>
-          <a:off x="0" y="0"/>
-          <a:ext cx="0" cy="0"/>
-          <a:chOff x="0" y="0"/>
-          <a:chExt cx="0" cy="0"/>
-        </a:xfrm>
-      </p:grpSpPr>
-      <p:sp>
-        <p:nvSpPr>
-          <p:cNvPr id="2" name="Title 1"/>
-          <p:cNvSpPr>
-            <a:spLocks noGrp="1"/>
-          </p:cNvSpPr>
-          <p:nvPr>
-            <p:ph type="title"/>
-          </p:nvPr>
-        </p:nvSpPr>
-        <p:spPr/>
-        <p:txBody>
-          <a:bodyPr/>
-          <a:lstStyle/>
-          <a:p>
-            <a:r>
-              <a:rPr lang="pt-BR" dirty="0"/>
-              <a:t>Inicialização dos Pesos</a:t>
-            </a:r>
-          </a:p>
-        </p:txBody>
-      </p:sp>
-      <mc:AlternateContent xmlns:mc="http://schemas.openxmlformats.org/markup-compatibility/2006">
-        <mc:Choice xmlns:a14="http://schemas.microsoft.com/office/drawing/2010/main" Requires="a14">
+      <mc:AlternateContent xmlns:mc="http://schemas.openxmlformats.org/markup-compatibility/2006" xmlns:a14="http://schemas.microsoft.com/office/drawing/2010/main">
+        <mc:Choice Requires="a14">
           <p:sp>
             <p:nvSpPr>
               <p:cNvPr id="3" name="Content Placeholder 2"/>
@@ -8080,11 +7902,7 @@
               <a:p>
                 <a:r>
                   <a:rPr lang="pt-BR" dirty="0" smtClean="0"/>
-                  <a:t>Considerando uma </a:t>
-                </a:r>
-                <a:r>
-                  <a:rPr lang="pt-BR" dirty="0" smtClean="0"/>
-                  <a:t>camada </a:t>
+                  <a:t>Considerando uma camada </a:t>
                 </a:r>
                 <a:r>
                   <a:rPr lang="pt-BR" dirty="0"/>
@@ -8128,11 +7946,7 @@
                 </a:r>
                 <a:r>
                   <a:rPr lang="pt-BR" dirty="0" smtClean="0"/>
-                  <a:t>de </a:t>
-                </a:r>
-                <a:r>
-                  <a:rPr lang="pt-BR" dirty="0" smtClean="0"/>
-                  <a:t>nós com função de ativação </a:t>
+                  <a:t>de nós com função de ativação </a:t>
                 </a:r>
                 <a:r>
                   <a:rPr lang="pt-BR" b="1" i="1" dirty="0" smtClean="0"/>
@@ -8693,14 +8507,7 @@
                           <a:latin typeface="Cambria Math" panose="02040503050406030204" pitchFamily="18" charset="0"/>
                           <a:ea typeface="Cambria Math" panose="02040503050406030204" pitchFamily="18" charset="0"/>
                         </a:rPr>
-                        <m:t>~</m:t>
-                      </m:r>
-                      <m:r>
-                        <a:rPr lang="pt-BR" i="1">
-                          <a:latin typeface="Cambria Math" panose="02040503050406030204" pitchFamily="18" charset="0"/>
-                          <a:ea typeface="Cambria Math" panose="02040503050406030204" pitchFamily="18" charset="0"/>
-                        </a:rPr>
-                        <m:t> </m:t>
+                        <m:t>~ </m:t>
                       </m:r>
                       <m:r>
                         <a:rPr lang="pt-BR" b="0" i="1" smtClean="0">
@@ -8888,7 +8695,7 @@
             </p:txBody>
           </p:sp>
         </mc:Choice>
-        <mc:Fallback>
+        <mc:Fallback xmlns="">
           <p:sp>
             <p:nvSpPr>
               <p:cNvPr id="3" name="Content Placeholder 2"/>
@@ -9046,6 +8853,189 @@
     <p:extLst>
       <p:ext uri="{BB962C8B-B14F-4D97-AF65-F5344CB8AC3E}">
         <p14:creationId xmlns:p14="http://schemas.microsoft.com/office/powerpoint/2010/main" val="920738341"/>
+      </p:ext>
+    </p:extLst>
+  </p:cSld>
+  <p:clrMapOvr>
+    <a:masterClrMapping/>
+  </p:clrMapOvr>
+</p:sld>
+</file>
+
+<file path=ppt/slides/slide17.xml><?xml version="1.0" encoding="utf-8"?>
+<p:sld xmlns:a="http://schemas.openxmlformats.org/drawingml/2006/main" xmlns:r="http://schemas.openxmlformats.org/officeDocument/2006/relationships" xmlns:p="http://schemas.openxmlformats.org/presentationml/2006/main">
+  <p:cSld>
+    <p:spTree>
+      <p:nvGrpSpPr>
+        <p:cNvPr id="1" name=""/>
+        <p:cNvGrpSpPr/>
+        <p:nvPr/>
+      </p:nvGrpSpPr>
+      <p:grpSpPr>
+        <a:xfrm>
+          <a:off x="0" y="0"/>
+          <a:ext cx="0" cy="0"/>
+          <a:chOff x="0" y="0"/>
+          <a:chExt cx="0" cy="0"/>
+        </a:xfrm>
+      </p:grpSpPr>
+      <p:sp>
+        <p:nvSpPr>
+          <p:cNvPr id="2" name="Title 1"/>
+          <p:cNvSpPr>
+            <a:spLocks noGrp="1"/>
+          </p:cNvSpPr>
+          <p:nvPr>
+            <p:ph type="title"/>
+          </p:nvPr>
+        </p:nvSpPr>
+        <p:spPr>
+          <a:xfrm>
+            <a:off x="838200" y="252832"/>
+            <a:ext cx="10515600" cy="982412"/>
+          </a:xfrm>
+        </p:spPr>
+        <p:txBody>
+          <a:bodyPr/>
+          <a:lstStyle/>
+          <a:p>
+            <a:r>
+              <a:rPr lang="pt-BR" dirty="0"/>
+              <a:t>Redes Neurais MLP com SciKit-Learn</a:t>
+            </a:r>
+          </a:p>
+        </p:txBody>
+      </p:sp>
+      <p:sp>
+        <p:nvSpPr>
+          <p:cNvPr id="3" name="Content Placeholder 2"/>
+          <p:cNvSpPr>
+            <a:spLocks noGrp="1"/>
+          </p:cNvSpPr>
+          <p:nvPr>
+            <p:ph idx="1"/>
+          </p:nvPr>
+        </p:nvSpPr>
+        <p:spPr>
+          <a:xfrm>
+            <a:off x="838199" y="1562352"/>
+            <a:ext cx="11193380" cy="5295648"/>
+          </a:xfrm>
+        </p:spPr>
+        <p:txBody>
+          <a:bodyPr>
+            <a:normAutofit fontScale="92500" lnSpcReduction="10000"/>
+          </a:bodyPr>
+          <a:lstStyle/>
+          <a:p>
+            <a:r>
+              <a:rPr lang="pt-BR" dirty="0"/>
+              <a:t>A biblioteca SciKit-Learn disponibiliza algumas classes para o treinamento de redes neurais multi-layer perceptron.</a:t>
+            </a:r>
+          </a:p>
+          <a:p>
+            <a:r>
+              <a:rPr lang="pt-BR" dirty="0"/>
+              <a:t>Entretanto, as implementações desta biblioteca não se destinam a aplicações de larga escala. </a:t>
+            </a:r>
+          </a:p>
+          <a:p>
+            <a:r>
+              <a:rPr lang="pt-BR" dirty="0"/>
+              <a:t>Em particular, a biblioteca </a:t>
+            </a:r>
+            <a:r>
+              <a:rPr lang="pt-BR" dirty="0" smtClean="0"/>
+              <a:t>SciKit-Learn </a:t>
+            </a:r>
+            <a:r>
+              <a:rPr lang="pt-BR" dirty="0"/>
+              <a:t>não oferece suporte a GPUs. </a:t>
+            </a:r>
+          </a:p>
+          <a:p>
+            <a:r>
+              <a:rPr lang="pt-BR" dirty="0"/>
+              <a:t>Para implementações muito mais rápidas, baseadas em GPU, bem como estruturas que oferecem muito mais flexibilidade para criar arquiteturas de aprendizado profundo, por exemplo, devemos utilizar outras bibliotecas como:</a:t>
+            </a:r>
+          </a:p>
+          <a:p>
+            <a:pPr lvl="1">
+              <a:buFont typeface="Wingdings" panose="05000000000000000000" pitchFamily="2" charset="2"/>
+              <a:buChar char="§"/>
+            </a:pPr>
+            <a:r>
+              <a:rPr lang="pt-BR" b="1" i="1" dirty="0"/>
+              <a:t>Tensorflow</a:t>
+            </a:r>
+            <a:r>
+              <a:rPr lang="pt-BR" dirty="0"/>
+              <a:t>: biblioteca para desenvolvimento de aplicações eficientes e escaláveis de machine learning.</a:t>
+            </a:r>
+          </a:p>
+          <a:p>
+            <a:pPr lvl="1">
+              <a:buFont typeface="Wingdings" panose="05000000000000000000" pitchFamily="2" charset="2"/>
+              <a:buChar char="§"/>
+            </a:pPr>
+            <a:r>
+              <a:rPr lang="pt-BR" b="1" i="1" dirty="0"/>
+              <a:t>keras</a:t>
+            </a:r>
+            <a:r>
+              <a:rPr lang="pt-BR" dirty="0"/>
+              <a:t>: uma biblioteca para desenvolvimento de aplicações Deep Learning capaz de rodar sobre o TensorFlow ou o Theano.</a:t>
+            </a:r>
+          </a:p>
+          <a:p>
+            <a:pPr lvl="1">
+              <a:buFont typeface="Wingdings" panose="05000000000000000000" pitchFamily="2" charset="2"/>
+              <a:buChar char="§"/>
+            </a:pPr>
+            <a:r>
+              <a:rPr lang="pt-BR" b="1" i="1" dirty="0"/>
+              <a:t>skorch</a:t>
+            </a:r>
+            <a:r>
+              <a:rPr lang="pt-BR" dirty="0"/>
+              <a:t>: uma biblioteca de rede neural compatível com o scikit-learn que </a:t>
+            </a:r>
+            <a:r>
+              <a:rPr lang="pt-BR" dirty="0" smtClean="0"/>
+              <a:t>encapsula </a:t>
+            </a:r>
+            <a:r>
+              <a:rPr lang="pt-BR" dirty="0"/>
+              <a:t>a biblioteca PyTorch.</a:t>
+            </a:r>
+          </a:p>
+          <a:p>
+            <a:pPr lvl="1">
+              <a:buFont typeface="Wingdings" panose="05000000000000000000" pitchFamily="2" charset="2"/>
+              <a:buChar char="§"/>
+            </a:pPr>
+            <a:r>
+              <a:rPr lang="pt-BR" dirty="0"/>
+              <a:t>Entre outras: </a:t>
+            </a:r>
+            <a:r>
+              <a:rPr lang="pt-BR" dirty="0">
+                <a:hlinkClick r:id="rId3"/>
+              </a:rPr>
+              <a:t>https://scikit-learn.org/stable/related_projects.html#related-projects</a:t>
+            </a:r>
+            <a:endParaRPr lang="pt-BR" dirty="0"/>
+          </a:p>
+          <a:p>
+            <a:pPr lvl="1"/>
+            <a:endParaRPr lang="pt-BR" dirty="0"/>
+          </a:p>
+        </p:txBody>
+      </p:sp>
+    </p:spTree>
+    <p:extLst>
+      <p:ext uri="{BB962C8B-B14F-4D97-AF65-F5344CB8AC3E}">
+        <p14:creationId xmlns:p14="http://schemas.microsoft.com/office/powerpoint/2010/main" val="996235525"/>
       </p:ext>
     </p:extLst>
   </p:cSld>
@@ -9082,20 +9072,16 @@
             <p:ph type="title"/>
           </p:nvPr>
         </p:nvSpPr>
-        <p:spPr>
-          <a:xfrm>
-            <a:off x="838200" y="252832"/>
-            <a:ext cx="10515600" cy="982412"/>
-          </a:xfrm>
-        </p:spPr>
+        <p:spPr/>
         <p:txBody>
           <a:bodyPr/>
           <a:lstStyle/>
           <a:p>
             <a:r>
-              <a:rPr lang="pt-BR" dirty="0"/>
-              <a:t>Redes Neurais MLP com SciKit-Learn</a:t>
-            </a:r>
+              <a:rPr lang="pt-BR" dirty="0" smtClean="0"/>
+              <a:t>Tarefas</a:t>
+            </a:r>
+            <a:endParaRPr lang="pt-BR" dirty="0"/>
           </a:p>
         </p:txBody>
       </p:sp>
@@ -9111,122 +9097,141 @@
         </p:nvSpPr>
         <p:spPr>
           <a:xfrm>
-            <a:off x="838199" y="1562352"/>
-            <a:ext cx="11000875" cy="5167311"/>
+            <a:off x="838199" y="1825624"/>
+            <a:ext cx="10994409" cy="4547879"/>
           </a:xfrm>
         </p:spPr>
         <p:txBody>
-          <a:bodyPr>
-            <a:normAutofit fontScale="92500" lnSpcReduction="10000"/>
-          </a:bodyPr>
+          <a:bodyPr/>
           <a:lstStyle/>
           <a:p>
             <a:r>
-              <a:rPr lang="pt-BR" dirty="0"/>
-              <a:t>A biblioteca SciKit-Learn disponibiliza algumas classes para o treinamento de redes neurais multi-layer perceptron.</a:t>
-            </a:r>
-          </a:p>
-          <a:p>
-            <a:r>
-              <a:rPr lang="pt-BR" dirty="0"/>
-              <a:t>Entretanto, as implementações desta biblioteca não se destinam a aplicações de larga escala. </a:t>
-            </a:r>
-          </a:p>
-          <a:p>
-            <a:r>
-              <a:rPr lang="pt-BR" dirty="0"/>
-              <a:t>Em particular, a biblioteca scikit-learn não oferece suporte a GPUs. </a:t>
-            </a:r>
-          </a:p>
-          <a:p>
-            <a:r>
-              <a:rPr lang="pt-BR" dirty="0"/>
-              <a:t>Para implementações muito mais rápidas, baseadas em GPU, bem como estruturas que oferecem muito mais flexibilidade para criar arquiteturas de aprendizado profundo, por exemplo, devemos utilizar outras bibliotecas como:</a:t>
-            </a:r>
-          </a:p>
-          <a:p>
-            <a:pPr lvl="1">
-              <a:buFont typeface="Wingdings" panose="05000000000000000000" pitchFamily="2" charset="2"/>
-              <a:buChar char="§"/>
-            </a:pPr>
-            <a:r>
-              <a:rPr lang="pt-BR" b="1" i="1" dirty="0"/>
-              <a:t>Tensorflow</a:t>
-            </a:r>
-            <a:r>
-              <a:rPr lang="pt-BR" dirty="0"/>
-              <a:t>: biblioteca para desenvolvimento de aplicações eficientes e escaláveis de machine learning.</a:t>
-            </a:r>
-          </a:p>
-          <a:p>
-            <a:pPr lvl="1">
-              <a:buFont typeface="Wingdings" panose="05000000000000000000" pitchFamily="2" charset="2"/>
-              <a:buChar char="§"/>
-            </a:pPr>
-            <a:r>
-              <a:rPr lang="pt-BR" b="1" i="1" dirty="0"/>
-              <a:t>keras</a:t>
-            </a:r>
-            <a:r>
-              <a:rPr lang="pt-BR" dirty="0"/>
-              <a:t>: uma biblioteca para desenvolvimento de aplicações Deep Learning capaz de rodar sobre o TensorFlow ou o Theano.</a:t>
-            </a:r>
-          </a:p>
-          <a:p>
-            <a:pPr lvl="1">
-              <a:buFont typeface="Wingdings" panose="05000000000000000000" pitchFamily="2" charset="2"/>
-              <a:buChar char="§"/>
-            </a:pPr>
-            <a:r>
-              <a:rPr lang="pt-BR" b="1" i="1" dirty="0"/>
-              <a:t>skorch</a:t>
-            </a:r>
-            <a:r>
-              <a:rPr lang="pt-BR" dirty="0"/>
-              <a:t>: uma biblioteca de rede neural compatível com o scikit-learn que </a:t>
+              <a:rPr lang="pt-BR" b="1" dirty="0" smtClean="0"/>
+              <a:t>Quiz</a:t>
             </a:r>
             <a:r>
               <a:rPr lang="pt-BR" dirty="0" smtClean="0"/>
-              <a:t>encapsula </a:t>
-            </a:r>
-            <a:r>
-              <a:rPr lang="pt-BR" dirty="0"/>
-              <a:t>a biblioteca PyTorch.</a:t>
-            </a:r>
-          </a:p>
-          <a:p>
-            <a:pPr lvl="1">
-              <a:buFont typeface="Wingdings" panose="05000000000000000000" pitchFamily="2" charset="2"/>
-              <a:buChar char="§"/>
-            </a:pPr>
-            <a:r>
-              <a:rPr lang="pt-BR" dirty="0"/>
-              <a:t>Entre outras: </a:t>
-            </a:r>
-            <a:r>
-              <a:rPr lang="pt-BR" dirty="0">
+              <a:t>: “</a:t>
+            </a:r>
+            <a:r>
+              <a:rPr lang="pt-BR" i="1" dirty="0" smtClean="0"/>
+              <a:t>T320 - Quiz – Redes Neurais Artificiais </a:t>
+            </a:r>
+            <a:r>
+              <a:rPr lang="pt-BR" i="1" dirty="0"/>
+              <a:t>(Parte </a:t>
+            </a:r>
+            <a:r>
+              <a:rPr lang="pt-BR" i="1" dirty="0" smtClean="0"/>
+              <a:t>VII)</a:t>
+            </a:r>
+            <a:r>
+              <a:rPr lang="pt-BR" dirty="0" smtClean="0"/>
+              <a:t>” que se encontra no MS Teams.</a:t>
+            </a:r>
+          </a:p>
+          <a:p>
+            <a:r>
+              <a:rPr lang="pt-BR" b="1" dirty="0" smtClean="0"/>
+              <a:t>Exercício Prático</a:t>
+            </a:r>
+            <a:r>
+              <a:rPr lang="pt-BR" dirty="0" smtClean="0"/>
+              <a:t>: </a:t>
+            </a:r>
+            <a:r>
+              <a:rPr lang="pt-BR" dirty="0" smtClean="0">
                 <a:hlinkClick r:id="rId3"/>
               </a:rPr>
-              <a:t>https://scikit-learn.org/stable/related_projects.html#related-projects</a:t>
-            </a:r>
-            <a:endParaRPr lang="pt-BR" dirty="0"/>
+              <a:t>Projeto #2</a:t>
+            </a:r>
+            <a:r>
+              <a:rPr lang="pt-BR" dirty="0" smtClean="0"/>
+              <a:t>.</a:t>
+            </a:r>
+            <a:endParaRPr lang="pt-BR" dirty="0" smtClean="0"/>
           </a:p>
           <a:p>
             <a:pPr lvl="1"/>
-            <a:endParaRPr lang="pt-BR" dirty="0"/>
+            <a:r>
+              <a:rPr lang="pt-BR" dirty="0"/>
+              <a:t>Pode ser baixado do MS Teams ou do GitHub.</a:t>
+            </a:r>
+          </a:p>
+          <a:p>
+            <a:pPr lvl="1"/>
+            <a:r>
+              <a:rPr lang="pt-BR" dirty="0"/>
+              <a:t>Pode ser respondido através do link acima (na nuvem) ou localmente.</a:t>
+            </a:r>
+          </a:p>
+          <a:p>
+            <a:pPr lvl="1"/>
+            <a:r>
+              <a:rPr lang="pt-BR" dirty="0">
+                <a:hlinkClick r:id="rId4"/>
+              </a:rPr>
+              <a:t>Instruções para resolução e entrega dos laboratórios</a:t>
+            </a:r>
+            <a:r>
+              <a:rPr lang="pt-BR" dirty="0"/>
+              <a:t>.</a:t>
+            </a:r>
+          </a:p>
+          <a:p>
+            <a:pPr lvl="1"/>
+            <a:r>
+              <a:rPr lang="pt-BR" b="1" dirty="0" smtClean="0">
+                <a:solidFill>
+                  <a:srgbClr val="FF0000"/>
+                </a:solidFill>
+              </a:rPr>
+              <a:t>Atividades podem </a:t>
+            </a:r>
+            <a:r>
+              <a:rPr lang="pt-BR" b="1" dirty="0">
+                <a:solidFill>
+                  <a:srgbClr val="FF0000"/>
+                </a:solidFill>
+              </a:rPr>
+              <a:t>ser </a:t>
+            </a:r>
+            <a:r>
+              <a:rPr lang="pt-BR" b="1" dirty="0" smtClean="0">
+                <a:solidFill>
+                  <a:srgbClr val="FF0000"/>
+                </a:solidFill>
+              </a:rPr>
+              <a:t>feitas </a:t>
+            </a:r>
+            <a:r>
+              <a:rPr lang="pt-BR" b="1" dirty="0">
+                <a:solidFill>
+                  <a:srgbClr val="FF0000"/>
+                </a:solidFill>
+              </a:rPr>
+              <a:t>em grupo, mas as entregas devem ser individuais.</a:t>
+            </a:r>
           </a:p>
         </p:txBody>
       </p:sp>
     </p:spTree>
     <p:extLst>
       <p:ext uri="{BB962C8B-B14F-4D97-AF65-F5344CB8AC3E}">
-        <p14:creationId xmlns:p14="http://schemas.microsoft.com/office/powerpoint/2010/main" val="996235525"/>
+        <p14:creationId xmlns:p14="http://schemas.microsoft.com/office/powerpoint/2010/main" val="2849316398"/>
       </p:ext>
     </p:extLst>
   </p:cSld>
   <p:clrMapOvr>
     <a:masterClrMapping/>
   </p:clrMapOvr>
+  <p:timing>
+    <p:tnLst>
+      <p:par>
+        <p:cTn id="1" dur="indefinite" restart="never" nodeType="tmRoot"/>
+      </p:par>
+    </p:tnLst>
+  </p:timing>
 </p:sld>
 </file>
 
@@ -9249,3885 +9254,63 @@
       </p:grpSpPr>
       <p:sp>
         <p:nvSpPr>
-          <p:cNvPr id="2" name="Title 1"/>
-          <p:cNvSpPr>
-            <a:spLocks noGrp="1"/>
-          </p:cNvSpPr>
-          <p:nvPr>
-            <p:ph type="title"/>
-          </p:nvPr>
-        </p:nvSpPr>
-        <p:spPr>
-          <a:xfrm>
-            <a:off x="838199" y="220748"/>
-            <a:ext cx="10762397" cy="868414"/>
-          </a:xfrm>
-        </p:spPr>
-        <p:txBody>
-          <a:bodyPr/>
-          <a:lstStyle/>
-          <a:p>
-            <a:r>
-              <a:rPr lang="pt-BR" dirty="0"/>
-              <a:t>Detecção de símbolos QPSK com MLPClassifier</a:t>
-            </a:r>
-          </a:p>
-        </p:txBody>
-      </p:sp>
-      <p:pic>
-        <p:nvPicPr>
-          <p:cNvPr id="4" name="Picture 3"/>
-          <p:cNvPicPr>
-            <a:picLocks noChangeAspect="1"/>
-          </p:cNvPicPr>
-          <p:nvPr/>
-        </p:nvPicPr>
-        <p:blipFill rotWithShape="1">
-          <a:blip r:embed="rId3" cstate="print">
+          <p:cNvPr id="4" name="Título 1">
             <a:extLst>
-              <a:ext uri="{28A0092B-C50C-407E-A947-70E740481C1C}">
-                <a14:useLocalDpi xmlns:a14="http://schemas.microsoft.com/office/drawing/2010/main" val="0"/>
+              <a:ext uri="{FF2B5EF4-FFF2-40B4-BE49-F238E27FC236}">
+                <a16:creationId xmlns:a16="http://schemas.microsoft.com/office/drawing/2014/main" xmlns="" id="{32666AC8-2E17-4DB4-B0F5-60C640CCFD2E}"/>
               </a:ext>
             </a:extLst>
-          </a:blip>
-          <a:srcRect l="7948" t="6259" r="9104" b="2733"/>
-          <a:stretch/>
-        </p:blipFill>
-        <p:spPr>
-          <a:xfrm>
-            <a:off x="7171979" y="3241478"/>
-            <a:ext cx="4878993" cy="1784355"/>
-          </a:xfrm>
-          <a:prstGeom prst="rect">
-            <a:avLst/>
-          </a:prstGeom>
-        </p:spPr>
-      </p:pic>
-      <p:pic>
-        <p:nvPicPr>
-          <p:cNvPr id="6" name="Picture 5"/>
-          <p:cNvPicPr>
-            <a:picLocks noChangeAspect="1"/>
-          </p:cNvPicPr>
-          <p:nvPr/>
-        </p:nvPicPr>
-        <p:blipFill rotWithShape="1">
-          <a:blip r:embed="rId4" cstate="print">
-            <a:extLst>
-              <a:ext uri="{28A0092B-C50C-407E-A947-70E740481C1C}">
-                <a14:useLocalDpi xmlns:a14="http://schemas.microsoft.com/office/drawing/2010/main" val="0"/>
-              </a:ext>
-            </a:extLst>
-          </a:blip>
-          <a:srcRect t="11418" r="9304" b="3806"/>
-          <a:stretch/>
-        </p:blipFill>
-        <p:spPr>
-          <a:xfrm>
-            <a:off x="8616377" y="1319251"/>
-            <a:ext cx="1990195" cy="1860279"/>
-          </a:xfrm>
-          <a:prstGeom prst="rect">
-            <a:avLst/>
-          </a:prstGeom>
-        </p:spPr>
-      </p:pic>
-      <p:sp>
-        <p:nvSpPr>
-          <p:cNvPr id="7" name="Rectangle 6"/>
-          <p:cNvSpPr/>
+          </p:cNvPr>
+          <p:cNvSpPr txBox="1">
+            <a:spLocks/>
+          </p:cNvSpPr>
           <p:nvPr/>
         </p:nvSpPr>
         <p:spPr>
           <a:xfrm>
-            <a:off x="838199" y="1333587"/>
-            <a:ext cx="5090169" cy="5170646"/>
+            <a:off x="1431533" y="2720526"/>
+            <a:ext cx="9144000" cy="1029541"/>
           </a:xfrm>
           <a:prstGeom prst="rect">
             <a:avLst/>
           </a:prstGeom>
         </p:spPr>
         <p:txBody>
-          <a:bodyPr wrap="square">
-            <a:spAutoFit/>
+          <a:bodyPr vert="horz" lIns="91440" tIns="45720" rIns="91440" bIns="45720" rtlCol="0" anchor="ctr">
+            <a:normAutofit/>
           </a:bodyPr>
-          <a:lstStyle/>
-          <a:p>
-            <a:r>
-              <a:rPr lang="pt-BR" sz="1000" b="1" dirty="0">
+          <a:lstStyle>
+            <a:lvl1pPr algn="l" defTabSz="914400" rtl="0" eaLnBrk="1" latinLnBrk="0" hangingPunct="1">
+              <a:lnSpc>
+                <a:spcPct val="90000"/>
+              </a:lnSpc>
+              <a:spcBef>
+                <a:spcPct val="0"/>
+              </a:spcBef>
+              <a:buNone/>
+              <a:defRPr sz="4400" kern="1200">
                 <a:solidFill>
-                  <a:srgbClr val="0000FF"/>
+                  <a:schemeClr val="tx1"/>
                 </a:solidFill>
-                <a:highlight>
-                  <a:srgbClr val="FFFFFF"/>
-                </a:highlight>
-              </a:rPr>
-              <a:t>from</a:t>
-            </a:r>
-            <a:r>
-              <a:rPr lang="pt-BR" sz="1000" dirty="0">
-                <a:solidFill>
-                  <a:srgbClr val="000000"/>
-                </a:solidFill>
-                <a:highlight>
-                  <a:srgbClr val="FFFFFF"/>
-                </a:highlight>
-              </a:rPr>
-              <a:t> sklearn</a:t>
-            </a:r>
-            <a:r>
-              <a:rPr lang="pt-BR" sz="1000" b="1" dirty="0">
-                <a:solidFill>
-                  <a:srgbClr val="000080"/>
-                </a:solidFill>
-                <a:highlight>
-                  <a:srgbClr val="FFFFFF"/>
-                </a:highlight>
-              </a:rPr>
-              <a:t>.</a:t>
-            </a:r>
-            <a:r>
-              <a:rPr lang="pt-BR" sz="1000" dirty="0">
-                <a:solidFill>
-                  <a:srgbClr val="000000"/>
-                </a:solidFill>
-                <a:highlight>
-                  <a:srgbClr val="FFFFFF"/>
-                </a:highlight>
-              </a:rPr>
-              <a:t>neural_network </a:t>
-            </a:r>
-            <a:r>
-              <a:rPr lang="pt-BR" sz="1000" b="1" dirty="0">
-                <a:solidFill>
-                  <a:srgbClr val="0000FF"/>
-                </a:solidFill>
-                <a:highlight>
-                  <a:srgbClr val="FFFFFF"/>
-                </a:highlight>
-              </a:rPr>
-              <a:t>import</a:t>
-            </a:r>
-            <a:r>
-              <a:rPr lang="pt-BR" sz="1000" dirty="0">
-                <a:solidFill>
-                  <a:srgbClr val="000000"/>
-                </a:solidFill>
-                <a:highlight>
-                  <a:srgbClr val="FFFFFF"/>
-                </a:highlight>
-              </a:rPr>
-              <a:t> MLPClassifier</a:t>
-            </a:r>
-          </a:p>
-          <a:p>
-            <a:r>
-              <a:rPr lang="pt-BR" sz="1000" b="1" dirty="0">
-                <a:solidFill>
-                  <a:srgbClr val="0000FF"/>
-                </a:solidFill>
-                <a:highlight>
-                  <a:srgbClr val="FFFFFF"/>
-                </a:highlight>
-              </a:rPr>
-              <a:t>import</a:t>
-            </a:r>
-            <a:r>
-              <a:rPr lang="pt-BR" sz="1000" dirty="0">
-                <a:solidFill>
-                  <a:srgbClr val="000000"/>
-                </a:solidFill>
-                <a:highlight>
-                  <a:srgbClr val="FFFFFF"/>
-                </a:highlight>
-              </a:rPr>
-              <a:t> numpy </a:t>
-            </a:r>
-            <a:r>
-              <a:rPr lang="pt-BR" sz="1000" b="1" dirty="0">
-                <a:solidFill>
-                  <a:srgbClr val="0000FF"/>
-                </a:solidFill>
-                <a:highlight>
-                  <a:srgbClr val="FFFFFF"/>
-                </a:highlight>
-              </a:rPr>
-              <a:t>as</a:t>
-            </a:r>
-            <a:r>
-              <a:rPr lang="pt-BR" sz="1000" dirty="0">
-                <a:solidFill>
-                  <a:srgbClr val="000000"/>
-                </a:solidFill>
-                <a:highlight>
-                  <a:srgbClr val="FFFFFF"/>
-                </a:highlight>
-              </a:rPr>
-              <a:t> np</a:t>
-            </a:r>
-          </a:p>
-          <a:p>
-            <a:endParaRPr lang="pt-BR" sz="1000" dirty="0">
-              <a:solidFill>
-                <a:srgbClr val="000000"/>
-              </a:solidFill>
-              <a:highlight>
-                <a:srgbClr val="FFFFFF"/>
-              </a:highlight>
-            </a:endParaRPr>
-          </a:p>
-          <a:p>
-            <a:r>
-              <a:rPr lang="en-US" sz="1000" dirty="0">
-                <a:solidFill>
-                  <a:srgbClr val="008000"/>
-                </a:solidFill>
-                <a:highlight>
-                  <a:srgbClr val="FFFFFF"/>
-                </a:highlight>
-              </a:rPr>
-              <a:t># Number of QPSK symbols to be transmitted.</a:t>
-            </a:r>
-            <a:endParaRPr lang="en-US" sz="1000" dirty="0">
-              <a:solidFill>
-                <a:srgbClr val="000000"/>
-              </a:solidFill>
-              <a:highlight>
-                <a:srgbClr val="FFFFFF"/>
-              </a:highlight>
-            </a:endParaRPr>
-          </a:p>
-          <a:p>
-            <a:r>
-              <a:rPr lang="pt-BR" sz="1000" dirty="0">
-                <a:solidFill>
-                  <a:srgbClr val="000000"/>
-                </a:solidFill>
-                <a:highlight>
-                  <a:srgbClr val="FFFFFF"/>
-                </a:highlight>
-              </a:rPr>
-              <a:t>N </a:t>
-            </a:r>
-            <a:r>
-              <a:rPr lang="pt-BR" sz="1000" b="1" dirty="0">
-                <a:solidFill>
-                  <a:srgbClr val="000080"/>
-                </a:solidFill>
-                <a:highlight>
-                  <a:srgbClr val="FFFFFF"/>
-                </a:highlight>
-              </a:rPr>
-              <a:t>=</a:t>
-            </a:r>
-            <a:r>
-              <a:rPr lang="pt-BR" sz="1000" dirty="0">
-                <a:solidFill>
-                  <a:srgbClr val="000000"/>
-                </a:solidFill>
-                <a:highlight>
-                  <a:srgbClr val="FFFFFF"/>
-                </a:highlight>
-              </a:rPr>
-              <a:t> </a:t>
-            </a:r>
-            <a:r>
-              <a:rPr lang="pt-BR" sz="1000" dirty="0">
-                <a:solidFill>
-                  <a:srgbClr val="FF0000"/>
-                </a:solidFill>
-                <a:highlight>
-                  <a:srgbClr val="FFFFFF"/>
-                </a:highlight>
-              </a:rPr>
-              <a:t>10000</a:t>
-            </a:r>
-            <a:endParaRPr lang="pt-BR" sz="1000" dirty="0">
-              <a:solidFill>
-                <a:srgbClr val="000000"/>
-              </a:solidFill>
-              <a:highlight>
-                <a:srgbClr val="FFFFFF"/>
-              </a:highlight>
-            </a:endParaRPr>
-          </a:p>
-          <a:p>
-            <a:endParaRPr lang="pt-BR" sz="1000" dirty="0">
-              <a:solidFill>
-                <a:srgbClr val="000000"/>
-              </a:solidFill>
-              <a:highlight>
-                <a:srgbClr val="FFFFFF"/>
-              </a:highlight>
-            </a:endParaRPr>
-          </a:p>
-          <a:p>
-            <a:r>
-              <a:rPr lang="pt-BR" sz="1000" dirty="0">
-                <a:solidFill>
-                  <a:srgbClr val="008000"/>
-                </a:solidFill>
-                <a:highlight>
-                  <a:srgbClr val="FFFFFF"/>
-                </a:highlight>
-              </a:rPr>
-              <a:t># *********** Modulation ***********</a:t>
-            </a:r>
-            <a:endParaRPr lang="pt-BR" sz="1000" dirty="0">
-              <a:solidFill>
-                <a:srgbClr val="000000"/>
-              </a:solidFill>
-              <a:highlight>
-                <a:srgbClr val="FFFFFF"/>
-              </a:highlight>
-            </a:endParaRPr>
-          </a:p>
-          <a:p>
-            <a:r>
-              <a:rPr lang="pt-BR" sz="1000" dirty="0">
-                <a:solidFill>
-                  <a:srgbClr val="008000"/>
-                </a:solidFill>
-                <a:highlight>
-                  <a:srgbClr val="FFFFFF"/>
-                </a:highlight>
-              </a:rPr>
-              <a:t># Generate N binary symbols.</a:t>
-            </a:r>
-            <a:endParaRPr lang="pt-BR" sz="1000" dirty="0">
-              <a:solidFill>
-                <a:srgbClr val="000000"/>
-              </a:solidFill>
-              <a:highlight>
-                <a:srgbClr val="FFFFFF"/>
-              </a:highlight>
-            </a:endParaRPr>
-          </a:p>
-          <a:p>
-            <a:r>
-              <a:rPr lang="pt-BR" sz="1000" dirty="0">
-                <a:solidFill>
-                  <a:srgbClr val="000000"/>
-                </a:solidFill>
-                <a:highlight>
-                  <a:srgbClr val="FFFFFF"/>
-                </a:highlight>
-              </a:rPr>
-              <a:t>bits </a:t>
-            </a:r>
-            <a:r>
-              <a:rPr lang="pt-BR" sz="1000" b="1" dirty="0">
-                <a:solidFill>
-                  <a:srgbClr val="000080"/>
-                </a:solidFill>
-                <a:highlight>
-                  <a:srgbClr val="FFFFFF"/>
-                </a:highlight>
-              </a:rPr>
-              <a:t>=</a:t>
-            </a:r>
-            <a:r>
-              <a:rPr lang="pt-BR" sz="1000" dirty="0">
-                <a:solidFill>
-                  <a:srgbClr val="000000"/>
-                </a:solidFill>
-                <a:highlight>
-                  <a:srgbClr val="FFFFFF"/>
-                </a:highlight>
-              </a:rPr>
-              <a:t> np</a:t>
-            </a:r>
-            <a:r>
-              <a:rPr lang="pt-BR" sz="1000" b="1" dirty="0">
-                <a:solidFill>
-                  <a:srgbClr val="000080"/>
-                </a:solidFill>
-                <a:highlight>
-                  <a:srgbClr val="FFFFFF"/>
-                </a:highlight>
-              </a:rPr>
-              <a:t>.</a:t>
-            </a:r>
-            <a:r>
-              <a:rPr lang="pt-BR" sz="1000" dirty="0">
-                <a:solidFill>
-                  <a:srgbClr val="000000"/>
-                </a:solidFill>
-                <a:highlight>
-                  <a:srgbClr val="FFFFFF"/>
-                </a:highlight>
-              </a:rPr>
-              <a:t>random</a:t>
-            </a:r>
-            <a:r>
-              <a:rPr lang="pt-BR" sz="1000" b="1" dirty="0">
-                <a:solidFill>
-                  <a:srgbClr val="000080"/>
-                </a:solidFill>
-                <a:highlight>
-                  <a:srgbClr val="FFFFFF"/>
-                </a:highlight>
-              </a:rPr>
-              <a:t>.</a:t>
-            </a:r>
-            <a:r>
-              <a:rPr lang="pt-BR" sz="1000" dirty="0">
-                <a:solidFill>
-                  <a:srgbClr val="000000"/>
-                </a:solidFill>
-                <a:highlight>
-                  <a:srgbClr val="FFFFFF"/>
-                </a:highlight>
-              </a:rPr>
-              <a:t>randint</a:t>
-            </a:r>
-            <a:r>
-              <a:rPr lang="pt-BR" sz="1000" b="1" dirty="0">
-                <a:solidFill>
-                  <a:srgbClr val="000080"/>
-                </a:solidFill>
-                <a:highlight>
-                  <a:srgbClr val="FFFFFF"/>
-                </a:highlight>
-              </a:rPr>
-              <a:t>(</a:t>
-            </a:r>
-            <a:r>
-              <a:rPr lang="pt-BR" sz="1000" dirty="0">
-                <a:solidFill>
-                  <a:srgbClr val="FF0000"/>
-                </a:solidFill>
-                <a:highlight>
-                  <a:srgbClr val="FFFFFF"/>
-                </a:highlight>
-              </a:rPr>
-              <a:t>0</a:t>
-            </a:r>
-            <a:r>
-              <a:rPr lang="pt-BR" sz="1000" b="1" dirty="0">
-                <a:solidFill>
-                  <a:srgbClr val="000080"/>
-                </a:solidFill>
-                <a:highlight>
-                  <a:srgbClr val="FFFFFF"/>
-                </a:highlight>
-              </a:rPr>
-              <a:t>,</a:t>
-            </a:r>
-            <a:r>
-              <a:rPr lang="pt-BR" sz="1000" dirty="0">
-                <a:solidFill>
-                  <a:srgbClr val="FF0000"/>
-                </a:solidFill>
-                <a:highlight>
-                  <a:srgbClr val="FFFFFF"/>
-                </a:highlight>
-              </a:rPr>
-              <a:t>4</a:t>
-            </a:r>
-            <a:r>
-              <a:rPr lang="pt-BR" sz="1000" b="1" dirty="0">
-                <a:solidFill>
-                  <a:srgbClr val="000080"/>
-                </a:solidFill>
-                <a:highlight>
-                  <a:srgbClr val="FFFFFF"/>
-                </a:highlight>
-              </a:rPr>
-              <a:t>,(</a:t>
-            </a:r>
-            <a:r>
-              <a:rPr lang="pt-BR" sz="1000" dirty="0">
-                <a:solidFill>
-                  <a:srgbClr val="000000"/>
-                </a:solidFill>
-                <a:highlight>
-                  <a:srgbClr val="FFFFFF"/>
-                </a:highlight>
-              </a:rPr>
-              <a:t>N</a:t>
-            </a:r>
-            <a:r>
-              <a:rPr lang="pt-BR" sz="1000" b="1" dirty="0">
-                <a:solidFill>
-                  <a:srgbClr val="000080"/>
-                </a:solidFill>
-                <a:highlight>
-                  <a:srgbClr val="FFFFFF"/>
-                </a:highlight>
-              </a:rPr>
-              <a:t>,</a:t>
-            </a:r>
-            <a:r>
-              <a:rPr lang="pt-BR" sz="1000" dirty="0">
-                <a:solidFill>
-                  <a:srgbClr val="FF0000"/>
-                </a:solidFill>
-                <a:highlight>
-                  <a:srgbClr val="FFFFFF"/>
-                </a:highlight>
-              </a:rPr>
-              <a:t>1</a:t>
-            </a:r>
-            <a:r>
-              <a:rPr lang="pt-BR" sz="1000" b="1" dirty="0">
-                <a:solidFill>
-                  <a:srgbClr val="000080"/>
-                </a:solidFill>
-                <a:highlight>
-                  <a:srgbClr val="FFFFFF"/>
-                </a:highlight>
-              </a:rPr>
-              <a:t>))</a:t>
-            </a:r>
-            <a:r>
-              <a:rPr lang="pt-BR" sz="1000" dirty="0">
-                <a:solidFill>
-                  <a:srgbClr val="000000"/>
-                </a:solidFill>
-                <a:highlight>
-                  <a:srgbClr val="FFFFFF"/>
-                </a:highlight>
-              </a:rPr>
-              <a:t>    </a:t>
-            </a:r>
-          </a:p>
-          <a:p>
-            <a:r>
-              <a:rPr lang="en-US" sz="1000" dirty="0">
-                <a:solidFill>
-                  <a:srgbClr val="008000"/>
-                </a:solidFill>
-                <a:highlight>
-                  <a:srgbClr val="FFFFFF"/>
-                </a:highlight>
-              </a:rPr>
-              <a:t># Modulate the binary stream into QPSK symbols.</a:t>
-            </a:r>
-            <a:endParaRPr lang="en-US" sz="1000" dirty="0">
-              <a:solidFill>
-                <a:srgbClr val="000000"/>
-              </a:solidFill>
-              <a:highlight>
-                <a:srgbClr val="FFFFFF"/>
-              </a:highlight>
-            </a:endParaRPr>
-          </a:p>
-          <a:p>
-            <a:r>
-              <a:rPr lang="pt-BR" sz="1000" dirty="0">
-                <a:solidFill>
-                  <a:srgbClr val="000000"/>
-                </a:solidFill>
-                <a:highlight>
-                  <a:srgbClr val="FFFFFF"/>
-                </a:highlight>
-              </a:rPr>
-              <a:t>s </a:t>
-            </a:r>
-            <a:r>
-              <a:rPr lang="pt-BR" sz="1000" b="1" dirty="0">
-                <a:solidFill>
-                  <a:srgbClr val="000080"/>
-                </a:solidFill>
-                <a:highlight>
-                  <a:srgbClr val="FFFFFF"/>
-                </a:highlight>
-              </a:rPr>
-              <a:t>=</a:t>
-            </a:r>
-            <a:r>
-              <a:rPr lang="pt-BR" sz="1000" dirty="0">
-                <a:solidFill>
-                  <a:srgbClr val="000000"/>
-                </a:solidFill>
-                <a:highlight>
-                  <a:srgbClr val="FFFFFF"/>
-                </a:highlight>
-              </a:rPr>
-              <a:t> mod</a:t>
-            </a:r>
-            <a:r>
-              <a:rPr lang="pt-BR" sz="1000" b="1" dirty="0">
-                <a:solidFill>
-                  <a:srgbClr val="000080"/>
-                </a:solidFill>
-                <a:highlight>
-                  <a:srgbClr val="FFFFFF"/>
-                </a:highlight>
-              </a:rPr>
-              <a:t>(</a:t>
-            </a:r>
-            <a:r>
-              <a:rPr lang="pt-BR" sz="1000" dirty="0">
-                <a:solidFill>
-                  <a:srgbClr val="000000"/>
-                </a:solidFill>
-                <a:highlight>
-                  <a:srgbClr val="FFFFFF"/>
-                </a:highlight>
-              </a:rPr>
-              <a:t>bits</a:t>
-            </a:r>
-            <a:r>
-              <a:rPr lang="pt-BR" sz="1000" b="1" dirty="0">
-                <a:solidFill>
-                  <a:srgbClr val="000080"/>
-                </a:solidFill>
-                <a:highlight>
-                  <a:srgbClr val="FFFFFF"/>
-                </a:highlight>
-              </a:rPr>
-              <a:t>)</a:t>
-            </a:r>
-            <a:endParaRPr lang="pt-BR" sz="1000" dirty="0">
-              <a:solidFill>
-                <a:srgbClr val="000000"/>
-              </a:solidFill>
-              <a:highlight>
-                <a:srgbClr val="FFFFFF"/>
-              </a:highlight>
-            </a:endParaRPr>
-          </a:p>
-          <a:p>
-            <a:endParaRPr lang="pt-BR" sz="1000" dirty="0">
-              <a:solidFill>
-                <a:srgbClr val="000000"/>
-              </a:solidFill>
-              <a:highlight>
-                <a:srgbClr val="FFFFFF"/>
-              </a:highlight>
-            </a:endParaRPr>
-          </a:p>
-          <a:p>
-            <a:r>
-              <a:rPr lang="pt-BR" sz="1000" dirty="0">
-                <a:solidFill>
-                  <a:srgbClr val="008000"/>
-                </a:solidFill>
-                <a:highlight>
-                  <a:srgbClr val="FFFFFF"/>
-                </a:highlight>
-              </a:rPr>
-              <a:t># *********** AWGN Channel ***********</a:t>
-            </a:r>
-            <a:endParaRPr lang="pt-BR" sz="1000" dirty="0">
-              <a:solidFill>
-                <a:srgbClr val="000000"/>
-              </a:solidFill>
-              <a:highlight>
-                <a:srgbClr val="FFFFFF"/>
-              </a:highlight>
-            </a:endParaRPr>
-          </a:p>
-          <a:p>
-            <a:r>
-              <a:rPr lang="pt-BR" sz="1000" dirty="0">
-                <a:solidFill>
-                  <a:srgbClr val="008000"/>
-                </a:solidFill>
-                <a:highlight>
-                  <a:srgbClr val="FFFFFF"/>
-                </a:highlight>
-              </a:rPr>
-              <a:t># Generate noise vector. </a:t>
-            </a:r>
-            <a:endParaRPr lang="pt-BR" sz="1000" dirty="0">
-              <a:solidFill>
-                <a:srgbClr val="000000"/>
-              </a:solidFill>
-              <a:highlight>
-                <a:srgbClr val="FFFFFF"/>
-              </a:highlight>
-            </a:endParaRPr>
-          </a:p>
-          <a:p>
-            <a:r>
-              <a:rPr lang="pt-BR" sz="1000" dirty="0">
-                <a:solidFill>
-                  <a:srgbClr val="000000"/>
-                </a:solidFill>
-                <a:highlight>
-                  <a:srgbClr val="FFFFFF"/>
-                </a:highlight>
-              </a:rPr>
-              <a:t>np</a:t>
-            </a:r>
-            <a:r>
-              <a:rPr lang="pt-BR" sz="1000" b="1" dirty="0">
-                <a:solidFill>
-                  <a:srgbClr val="000080"/>
-                </a:solidFill>
-                <a:highlight>
-                  <a:srgbClr val="FFFFFF"/>
-                </a:highlight>
-              </a:rPr>
-              <a:t>.</a:t>
-            </a:r>
-            <a:r>
-              <a:rPr lang="pt-BR" sz="1000" dirty="0">
-                <a:solidFill>
-                  <a:srgbClr val="000000"/>
-                </a:solidFill>
-                <a:highlight>
-                  <a:srgbClr val="FFFFFF"/>
-                </a:highlight>
-              </a:rPr>
-              <a:t>random</a:t>
-            </a:r>
-            <a:r>
-              <a:rPr lang="pt-BR" sz="1000" b="1" dirty="0">
-                <a:solidFill>
-                  <a:srgbClr val="000080"/>
-                </a:solidFill>
-                <a:highlight>
-                  <a:srgbClr val="FFFFFF"/>
-                </a:highlight>
-              </a:rPr>
-              <a:t>.</a:t>
-            </a:r>
-            <a:r>
-              <a:rPr lang="pt-BR" sz="1000" dirty="0">
-                <a:solidFill>
-                  <a:srgbClr val="000000"/>
-                </a:solidFill>
-                <a:highlight>
-                  <a:srgbClr val="FFFFFF"/>
-                </a:highlight>
-              </a:rPr>
-              <a:t>seed</a:t>
-            </a:r>
-            <a:r>
-              <a:rPr lang="pt-BR" sz="1000" b="1" dirty="0">
-                <a:solidFill>
-                  <a:srgbClr val="000080"/>
-                </a:solidFill>
-                <a:highlight>
-                  <a:srgbClr val="FFFFFF"/>
-                </a:highlight>
-              </a:rPr>
-              <a:t>(</a:t>
-            </a:r>
-            <a:r>
-              <a:rPr lang="pt-BR" sz="1000" dirty="0">
-                <a:solidFill>
-                  <a:srgbClr val="000000"/>
-                </a:solidFill>
-                <a:highlight>
-                  <a:srgbClr val="FFFFFF"/>
-                </a:highlight>
-              </a:rPr>
-              <a:t>seed</a:t>
-            </a:r>
-            <a:r>
-              <a:rPr lang="pt-BR" sz="1000" b="1" dirty="0">
-                <a:solidFill>
-                  <a:srgbClr val="000080"/>
-                </a:solidFill>
-                <a:highlight>
-                  <a:srgbClr val="FFFFFF"/>
-                </a:highlight>
-              </a:rPr>
-              <a:t>)</a:t>
-            </a:r>
-            <a:endParaRPr lang="pt-BR" sz="1000" dirty="0">
-              <a:solidFill>
-                <a:srgbClr val="000000"/>
-              </a:solidFill>
-              <a:highlight>
-                <a:srgbClr val="FFFFFF"/>
-              </a:highlight>
-            </a:endParaRPr>
-          </a:p>
-          <a:p>
-            <a:r>
-              <a:rPr lang="pt-BR" sz="1000" dirty="0">
-                <a:solidFill>
-                  <a:srgbClr val="000000"/>
-                </a:solidFill>
-                <a:highlight>
-                  <a:srgbClr val="FFFFFF"/>
-                </a:highlight>
-              </a:rPr>
-              <a:t>noise </a:t>
-            </a:r>
-            <a:r>
-              <a:rPr lang="pt-BR" sz="1000" b="1" dirty="0">
-                <a:solidFill>
-                  <a:srgbClr val="000080"/>
-                </a:solidFill>
-                <a:highlight>
-                  <a:srgbClr val="FFFFFF"/>
-                </a:highlight>
-              </a:rPr>
-              <a:t>=</a:t>
-            </a:r>
-            <a:r>
-              <a:rPr lang="pt-BR" sz="1000" dirty="0">
-                <a:solidFill>
-                  <a:srgbClr val="000000"/>
-                </a:solidFill>
-                <a:highlight>
-                  <a:srgbClr val="FFFFFF"/>
-                </a:highlight>
-              </a:rPr>
-              <a:t> np</a:t>
-            </a:r>
-            <a:r>
-              <a:rPr lang="pt-BR" sz="1000" b="1" dirty="0">
-                <a:solidFill>
-                  <a:srgbClr val="000080"/>
-                </a:solidFill>
-                <a:highlight>
-                  <a:srgbClr val="FFFFFF"/>
-                </a:highlight>
-              </a:rPr>
-              <a:t>.</a:t>
-            </a:r>
-            <a:r>
-              <a:rPr lang="pt-BR" sz="1000" dirty="0">
-                <a:solidFill>
-                  <a:srgbClr val="000000"/>
-                </a:solidFill>
-                <a:highlight>
-                  <a:srgbClr val="FFFFFF"/>
-                </a:highlight>
-              </a:rPr>
-              <a:t>sqrt</a:t>
-            </a:r>
-            <a:r>
-              <a:rPr lang="pt-BR" sz="1000" b="1" dirty="0">
-                <a:solidFill>
-                  <a:srgbClr val="000080"/>
-                </a:solidFill>
-                <a:highlight>
-                  <a:srgbClr val="FFFFFF"/>
-                </a:highlight>
-              </a:rPr>
-              <a:t>(</a:t>
-            </a:r>
-            <a:r>
-              <a:rPr lang="pt-BR" sz="1000" dirty="0">
-                <a:solidFill>
-                  <a:srgbClr val="FF0000"/>
-                </a:solidFill>
-                <a:highlight>
-                  <a:srgbClr val="FFFFFF"/>
-                </a:highlight>
-              </a:rPr>
-              <a:t>1.0</a:t>
-            </a:r>
-            <a:r>
-              <a:rPr lang="pt-BR" sz="1000" b="1" dirty="0">
-                <a:solidFill>
-                  <a:srgbClr val="000080"/>
-                </a:solidFill>
-                <a:highlight>
-                  <a:srgbClr val="FFFFFF"/>
-                </a:highlight>
-              </a:rPr>
-              <a:t>/</a:t>
-            </a:r>
-            <a:r>
-              <a:rPr lang="pt-BR" sz="1000" dirty="0">
-                <a:solidFill>
-                  <a:srgbClr val="FF0000"/>
-                </a:solidFill>
-                <a:highlight>
-                  <a:srgbClr val="FFFFFF"/>
-                </a:highlight>
-              </a:rPr>
-              <a:t>2.0</a:t>
-            </a:r>
-            <a:r>
-              <a:rPr lang="pt-BR" sz="1000" b="1" dirty="0">
-                <a:solidFill>
-                  <a:srgbClr val="000080"/>
-                </a:solidFill>
-                <a:highlight>
-                  <a:srgbClr val="FFFFFF"/>
-                </a:highlight>
-              </a:rPr>
-              <a:t>)*(</a:t>
-            </a:r>
-            <a:r>
-              <a:rPr lang="pt-BR" sz="1000" dirty="0">
-                <a:solidFill>
-                  <a:srgbClr val="000000"/>
-                </a:solidFill>
-                <a:highlight>
-                  <a:srgbClr val="FFFFFF"/>
-                </a:highlight>
-              </a:rPr>
-              <a:t>np</a:t>
-            </a:r>
-            <a:r>
-              <a:rPr lang="pt-BR" sz="1000" b="1" dirty="0">
-                <a:solidFill>
-                  <a:srgbClr val="000080"/>
-                </a:solidFill>
-                <a:highlight>
-                  <a:srgbClr val="FFFFFF"/>
-                </a:highlight>
-              </a:rPr>
-              <a:t>.</a:t>
-            </a:r>
-            <a:r>
-              <a:rPr lang="pt-BR" sz="1000" dirty="0">
-                <a:solidFill>
-                  <a:srgbClr val="000000"/>
-                </a:solidFill>
-                <a:highlight>
-                  <a:srgbClr val="FFFFFF"/>
-                </a:highlight>
-              </a:rPr>
-              <a:t>random</a:t>
-            </a:r>
-            <a:r>
-              <a:rPr lang="pt-BR" sz="1000" b="1" dirty="0">
-                <a:solidFill>
-                  <a:srgbClr val="000080"/>
-                </a:solidFill>
-                <a:highlight>
-                  <a:srgbClr val="FFFFFF"/>
-                </a:highlight>
-              </a:rPr>
-              <a:t>.</a:t>
-            </a:r>
-            <a:r>
-              <a:rPr lang="pt-BR" sz="1000" dirty="0">
-                <a:solidFill>
-                  <a:srgbClr val="000000"/>
-                </a:solidFill>
-                <a:highlight>
-                  <a:srgbClr val="FFFFFF"/>
-                </a:highlight>
-              </a:rPr>
-              <a:t>randn</a:t>
-            </a:r>
-            <a:r>
-              <a:rPr lang="pt-BR" sz="1000" b="1" dirty="0">
-                <a:solidFill>
-                  <a:srgbClr val="000080"/>
-                </a:solidFill>
-                <a:highlight>
-                  <a:srgbClr val="FFFFFF"/>
-                </a:highlight>
-              </a:rPr>
-              <a:t>(</a:t>
-            </a:r>
-            <a:r>
-              <a:rPr lang="pt-BR" sz="1000" dirty="0">
-                <a:solidFill>
-                  <a:srgbClr val="000000"/>
-                </a:solidFill>
-                <a:highlight>
-                  <a:srgbClr val="FFFFFF"/>
-                </a:highlight>
-              </a:rPr>
-              <a:t>N</a:t>
-            </a:r>
-            <a:r>
-              <a:rPr lang="pt-BR" sz="1000" b="1" dirty="0">
-                <a:solidFill>
-                  <a:srgbClr val="000080"/>
-                </a:solidFill>
-                <a:highlight>
-                  <a:srgbClr val="FFFFFF"/>
-                </a:highlight>
-              </a:rPr>
-              <a:t>,</a:t>
-            </a:r>
-            <a:r>
-              <a:rPr lang="pt-BR" sz="1000" dirty="0">
-                <a:solidFill>
-                  <a:srgbClr val="000000"/>
-                </a:solidFill>
-                <a:highlight>
-                  <a:srgbClr val="FFFFFF"/>
-                </a:highlight>
-              </a:rPr>
-              <a:t> </a:t>
-            </a:r>
-            <a:r>
-              <a:rPr lang="pt-BR" sz="1000" dirty="0">
-                <a:solidFill>
-                  <a:srgbClr val="FF0000"/>
-                </a:solidFill>
-                <a:highlight>
-                  <a:srgbClr val="FFFFFF"/>
-                </a:highlight>
-              </a:rPr>
-              <a:t>1</a:t>
-            </a:r>
-            <a:r>
-              <a:rPr lang="pt-BR" sz="1000" b="1" dirty="0">
-                <a:solidFill>
-                  <a:srgbClr val="000080"/>
-                </a:solidFill>
-                <a:highlight>
-                  <a:srgbClr val="FFFFFF"/>
-                </a:highlight>
-              </a:rPr>
-              <a:t>)</a:t>
-            </a:r>
-            <a:r>
-              <a:rPr lang="pt-BR" sz="1000" dirty="0">
-                <a:solidFill>
-                  <a:srgbClr val="000000"/>
-                </a:solidFill>
-                <a:highlight>
-                  <a:srgbClr val="FFFFFF"/>
-                </a:highlight>
-              </a:rPr>
-              <a:t> </a:t>
-            </a:r>
-            <a:r>
-              <a:rPr lang="pt-BR" sz="1000" b="1" dirty="0">
-                <a:solidFill>
-                  <a:srgbClr val="000080"/>
-                </a:solidFill>
-                <a:highlight>
-                  <a:srgbClr val="FFFFFF"/>
-                </a:highlight>
-              </a:rPr>
-              <a:t>+</a:t>
-            </a:r>
-            <a:r>
-              <a:rPr lang="pt-BR" sz="1000" dirty="0">
-                <a:solidFill>
-                  <a:srgbClr val="000000"/>
-                </a:solidFill>
-                <a:highlight>
-                  <a:srgbClr val="FFFFFF"/>
-                </a:highlight>
-              </a:rPr>
-              <a:t> </a:t>
-            </a:r>
-            <a:r>
-              <a:rPr lang="pt-BR" sz="1000" dirty="0">
-                <a:solidFill>
-                  <a:srgbClr val="FF0000"/>
-                </a:solidFill>
-                <a:highlight>
-                  <a:srgbClr val="FFFFFF"/>
-                </a:highlight>
-              </a:rPr>
-              <a:t>1j</a:t>
-            </a:r>
-            <a:r>
-              <a:rPr lang="pt-BR" sz="1000" b="1" dirty="0">
-                <a:solidFill>
-                  <a:srgbClr val="000080"/>
-                </a:solidFill>
-                <a:highlight>
-                  <a:srgbClr val="FFFFFF"/>
-                </a:highlight>
-              </a:rPr>
-              <a:t>*</a:t>
-            </a:r>
-            <a:r>
-              <a:rPr lang="pt-BR" sz="1000" dirty="0">
-                <a:solidFill>
-                  <a:srgbClr val="000000"/>
-                </a:solidFill>
-                <a:highlight>
-                  <a:srgbClr val="FFFFFF"/>
-                </a:highlight>
-              </a:rPr>
-              <a:t>np</a:t>
-            </a:r>
-            <a:r>
-              <a:rPr lang="pt-BR" sz="1000" b="1" dirty="0">
-                <a:solidFill>
-                  <a:srgbClr val="000080"/>
-                </a:solidFill>
-                <a:highlight>
-                  <a:srgbClr val="FFFFFF"/>
-                </a:highlight>
-              </a:rPr>
-              <a:t>.</a:t>
-            </a:r>
-            <a:r>
-              <a:rPr lang="pt-BR" sz="1000" dirty="0">
-                <a:solidFill>
-                  <a:srgbClr val="000000"/>
-                </a:solidFill>
-                <a:highlight>
-                  <a:srgbClr val="FFFFFF"/>
-                </a:highlight>
-              </a:rPr>
-              <a:t>random</a:t>
-            </a:r>
-            <a:r>
-              <a:rPr lang="pt-BR" sz="1000" b="1" dirty="0">
-                <a:solidFill>
-                  <a:srgbClr val="000080"/>
-                </a:solidFill>
-                <a:highlight>
-                  <a:srgbClr val="FFFFFF"/>
-                </a:highlight>
-              </a:rPr>
-              <a:t>.</a:t>
-            </a:r>
-            <a:r>
-              <a:rPr lang="pt-BR" sz="1000" dirty="0">
-                <a:solidFill>
-                  <a:srgbClr val="000000"/>
-                </a:solidFill>
-                <a:highlight>
-                  <a:srgbClr val="FFFFFF"/>
-                </a:highlight>
-              </a:rPr>
-              <a:t>randn</a:t>
-            </a:r>
-            <a:r>
-              <a:rPr lang="pt-BR" sz="1000" b="1" dirty="0">
-                <a:solidFill>
-                  <a:srgbClr val="000080"/>
-                </a:solidFill>
-                <a:highlight>
-                  <a:srgbClr val="FFFFFF"/>
-                </a:highlight>
-              </a:rPr>
-              <a:t>(</a:t>
-            </a:r>
-            <a:r>
-              <a:rPr lang="pt-BR" sz="1000" dirty="0">
-                <a:solidFill>
-                  <a:srgbClr val="000000"/>
-                </a:solidFill>
-                <a:highlight>
-                  <a:srgbClr val="FFFFFF"/>
-                </a:highlight>
-              </a:rPr>
-              <a:t>N</a:t>
-            </a:r>
-            <a:r>
-              <a:rPr lang="pt-BR" sz="1000" b="1" dirty="0">
-                <a:solidFill>
-                  <a:srgbClr val="000080"/>
-                </a:solidFill>
-                <a:highlight>
-                  <a:srgbClr val="FFFFFF"/>
-                </a:highlight>
-              </a:rPr>
-              <a:t>,</a:t>
-            </a:r>
-            <a:r>
-              <a:rPr lang="pt-BR" sz="1000" dirty="0">
-                <a:solidFill>
-                  <a:srgbClr val="000000"/>
-                </a:solidFill>
-                <a:highlight>
-                  <a:srgbClr val="FFFFFF"/>
-                </a:highlight>
-              </a:rPr>
-              <a:t> </a:t>
-            </a:r>
-            <a:r>
-              <a:rPr lang="pt-BR" sz="1000" dirty="0">
-                <a:solidFill>
-                  <a:srgbClr val="FF0000"/>
-                </a:solidFill>
-                <a:highlight>
-                  <a:srgbClr val="FFFFFF"/>
-                </a:highlight>
-              </a:rPr>
-              <a:t>1</a:t>
-            </a:r>
-            <a:r>
-              <a:rPr lang="pt-BR" sz="1000" b="1" dirty="0">
-                <a:solidFill>
-                  <a:srgbClr val="000080"/>
-                </a:solidFill>
-                <a:highlight>
-                  <a:srgbClr val="FFFFFF"/>
-                </a:highlight>
-              </a:rPr>
-              <a:t>))</a:t>
-            </a:r>
-            <a:r>
-              <a:rPr lang="pt-BR" sz="1000" dirty="0">
-                <a:solidFill>
-                  <a:srgbClr val="000000"/>
-                </a:solidFill>
-                <a:highlight>
-                  <a:srgbClr val="FFFFFF"/>
-                </a:highlight>
-              </a:rPr>
-              <a:t>    </a:t>
-            </a:r>
-          </a:p>
-          <a:p>
-            <a:r>
-              <a:rPr lang="en-US" sz="1000" dirty="0">
-                <a:solidFill>
-                  <a:srgbClr val="008000"/>
-                </a:solidFill>
-                <a:highlight>
-                  <a:srgbClr val="FFFFFF"/>
-                </a:highlight>
-              </a:rPr>
-              <a:t># Pass symbols through AWGN channel.</a:t>
-            </a:r>
-            <a:endParaRPr lang="en-US" sz="1000" dirty="0">
-              <a:solidFill>
-                <a:srgbClr val="000000"/>
-              </a:solidFill>
-              <a:highlight>
-                <a:srgbClr val="FFFFFF"/>
-              </a:highlight>
-            </a:endParaRPr>
-          </a:p>
-          <a:p>
-            <a:r>
-              <a:rPr lang="pt-BR" sz="1000" dirty="0">
-                <a:solidFill>
-                  <a:srgbClr val="000000"/>
-                </a:solidFill>
-                <a:highlight>
-                  <a:srgbClr val="FFFFFF"/>
-                </a:highlight>
-              </a:rPr>
-              <a:t>y </a:t>
-            </a:r>
-            <a:r>
-              <a:rPr lang="pt-BR" sz="1000" b="1" dirty="0">
-                <a:solidFill>
-                  <a:srgbClr val="000080"/>
-                </a:solidFill>
-                <a:highlight>
-                  <a:srgbClr val="FFFFFF"/>
-                </a:highlight>
-              </a:rPr>
-              <a:t>=</a:t>
-            </a:r>
-            <a:r>
-              <a:rPr lang="pt-BR" sz="1000" dirty="0">
-                <a:solidFill>
-                  <a:srgbClr val="000000"/>
-                </a:solidFill>
-                <a:highlight>
-                  <a:srgbClr val="FFFFFF"/>
-                </a:highlight>
-              </a:rPr>
-              <a:t> s </a:t>
-            </a:r>
-            <a:r>
-              <a:rPr lang="pt-BR" sz="1000" b="1" dirty="0">
-                <a:solidFill>
-                  <a:srgbClr val="000080"/>
-                </a:solidFill>
-                <a:highlight>
-                  <a:srgbClr val="FFFFFF"/>
-                </a:highlight>
-              </a:rPr>
-              <a:t>+</a:t>
-            </a:r>
-            <a:r>
-              <a:rPr lang="pt-BR" sz="1000" dirty="0">
-                <a:solidFill>
-                  <a:srgbClr val="000000"/>
-                </a:solidFill>
-                <a:highlight>
-                  <a:srgbClr val="FFFFFF"/>
-                </a:highlight>
-              </a:rPr>
-              <a:t> np</a:t>
-            </a:r>
-            <a:r>
-              <a:rPr lang="pt-BR" sz="1000" b="1" dirty="0">
-                <a:solidFill>
-                  <a:srgbClr val="000080"/>
-                </a:solidFill>
-                <a:highlight>
-                  <a:srgbClr val="FFFFFF"/>
-                </a:highlight>
-              </a:rPr>
-              <a:t>.</a:t>
-            </a:r>
-            <a:r>
-              <a:rPr lang="pt-BR" sz="1000" dirty="0">
-                <a:solidFill>
-                  <a:srgbClr val="000000"/>
-                </a:solidFill>
-                <a:highlight>
-                  <a:srgbClr val="FFFFFF"/>
-                </a:highlight>
-              </a:rPr>
-              <a:t>sqrt</a:t>
-            </a:r>
-            <a:r>
-              <a:rPr lang="pt-BR" sz="1000" b="1" dirty="0">
-                <a:solidFill>
-                  <a:srgbClr val="000080"/>
-                </a:solidFill>
-                <a:highlight>
-                  <a:srgbClr val="FFFFFF"/>
-                </a:highlight>
-              </a:rPr>
-              <a:t>(</a:t>
-            </a:r>
-            <a:r>
-              <a:rPr lang="pt-BR" sz="1000" dirty="0">
-                <a:solidFill>
-                  <a:srgbClr val="FF0000"/>
-                </a:solidFill>
-                <a:highlight>
-                  <a:srgbClr val="FFFFFF"/>
-                </a:highlight>
-              </a:rPr>
-              <a:t>0.2</a:t>
-            </a:r>
-            <a:r>
-              <a:rPr lang="pt-BR" sz="1000" b="1" dirty="0">
-                <a:solidFill>
-                  <a:srgbClr val="000080"/>
-                </a:solidFill>
-                <a:highlight>
-                  <a:srgbClr val="FFFFFF"/>
-                </a:highlight>
-              </a:rPr>
-              <a:t>)*</a:t>
-            </a:r>
-            <a:r>
-              <a:rPr lang="pt-BR" sz="1000" dirty="0">
-                <a:solidFill>
-                  <a:srgbClr val="000000"/>
-                </a:solidFill>
-                <a:highlight>
-                  <a:srgbClr val="FFFFFF"/>
-                </a:highlight>
-              </a:rPr>
-              <a:t>noise</a:t>
-            </a:r>
-          </a:p>
-          <a:p>
-            <a:endParaRPr lang="pt-BR" sz="1000" dirty="0">
-              <a:solidFill>
-                <a:srgbClr val="000000"/>
-              </a:solidFill>
-              <a:highlight>
-                <a:srgbClr val="FFFFFF"/>
-              </a:highlight>
-            </a:endParaRPr>
-          </a:p>
-          <a:p>
-            <a:r>
-              <a:rPr lang="pt-BR" sz="1000" dirty="0">
-                <a:solidFill>
-                  <a:srgbClr val="008000"/>
-                </a:solidFill>
-                <a:highlight>
-                  <a:srgbClr val="FFFFFF"/>
-                </a:highlight>
-              </a:rPr>
-              <a:t># *********** Demodulation ***********</a:t>
-            </a:r>
-            <a:endParaRPr lang="pt-BR" sz="1000" dirty="0">
-              <a:solidFill>
-                <a:srgbClr val="000000"/>
-              </a:solidFill>
-              <a:highlight>
-                <a:srgbClr val="FFFFFF"/>
-              </a:highlight>
-            </a:endParaRPr>
-          </a:p>
-          <a:p>
-            <a:r>
-              <a:rPr lang="fr-FR" sz="1000" dirty="0">
-                <a:solidFill>
-                  <a:srgbClr val="008000"/>
-                </a:solidFill>
-                <a:highlight>
-                  <a:srgbClr val="FFFFFF"/>
-                </a:highlight>
-              </a:rPr>
-              <a:t># </a:t>
-            </a:r>
-            <a:r>
-              <a:rPr lang="fr-FR" sz="1000" dirty="0" err="1">
-                <a:solidFill>
-                  <a:srgbClr val="008000"/>
-                </a:solidFill>
-                <a:highlight>
-                  <a:srgbClr val="FFFFFF"/>
-                </a:highlight>
-              </a:rPr>
-              <a:t>Instantiate</a:t>
-            </a:r>
-            <a:r>
-              <a:rPr lang="fr-FR" sz="1000" dirty="0">
-                <a:solidFill>
-                  <a:srgbClr val="008000"/>
-                </a:solidFill>
-                <a:highlight>
-                  <a:srgbClr val="FFFFFF"/>
-                </a:highlight>
-              </a:rPr>
-              <a:t> Multi layer Perceptron Classifier.</a:t>
-            </a:r>
-            <a:endParaRPr lang="fr-FR" sz="1000" dirty="0">
-              <a:solidFill>
-                <a:srgbClr val="000000"/>
-              </a:solidFill>
-              <a:highlight>
-                <a:srgbClr val="FFFFFF"/>
-              </a:highlight>
-            </a:endParaRPr>
-          </a:p>
-          <a:p>
-            <a:r>
-              <a:rPr lang="pt-BR" sz="1000" dirty="0">
-                <a:solidFill>
-                  <a:srgbClr val="000000"/>
-                </a:solidFill>
-                <a:highlight>
-                  <a:srgbClr val="FFFFFF"/>
-                </a:highlight>
-              </a:rPr>
-              <a:t>clf </a:t>
-            </a:r>
-            <a:r>
-              <a:rPr lang="pt-BR" sz="1000" b="1" dirty="0">
-                <a:solidFill>
-                  <a:srgbClr val="000080"/>
-                </a:solidFill>
-                <a:highlight>
-                  <a:srgbClr val="FFFFFF"/>
-                </a:highlight>
-              </a:rPr>
-              <a:t>=</a:t>
-            </a:r>
-            <a:r>
-              <a:rPr lang="pt-BR" sz="1000" dirty="0">
-                <a:solidFill>
-                  <a:srgbClr val="000000"/>
-                </a:solidFill>
-                <a:highlight>
-                  <a:srgbClr val="FFFFFF"/>
-                </a:highlight>
-              </a:rPr>
-              <a:t> MLPClassifier</a:t>
-            </a:r>
-            <a:r>
-              <a:rPr lang="pt-BR" sz="1000" b="1" dirty="0">
-                <a:solidFill>
-                  <a:srgbClr val="000080"/>
-                </a:solidFill>
-                <a:highlight>
-                  <a:srgbClr val="FFFFFF"/>
-                </a:highlight>
-              </a:rPr>
-              <a:t>(</a:t>
-            </a:r>
-            <a:r>
-              <a:rPr lang="pt-BR" sz="1000" dirty="0">
-                <a:solidFill>
-                  <a:srgbClr val="000000"/>
-                </a:solidFill>
-                <a:highlight>
-                  <a:srgbClr val="FFFFFF"/>
-                </a:highlight>
-              </a:rPr>
-              <a:t>hidden_layer_sizes</a:t>
-            </a:r>
-            <a:r>
-              <a:rPr lang="pt-BR" sz="1000" b="1" dirty="0">
-                <a:solidFill>
-                  <a:srgbClr val="000080"/>
-                </a:solidFill>
-                <a:highlight>
-                  <a:srgbClr val="FFFFFF"/>
-                </a:highlight>
-              </a:rPr>
-              <a:t>=(</a:t>
-            </a:r>
-            <a:r>
-              <a:rPr lang="pt-BR" sz="1000" dirty="0">
-                <a:solidFill>
-                  <a:srgbClr val="FF0000"/>
-                </a:solidFill>
-                <a:highlight>
-                  <a:srgbClr val="FFFFFF"/>
-                </a:highlight>
-              </a:rPr>
-              <a:t>10</a:t>
-            </a:r>
-            <a:r>
-              <a:rPr lang="pt-BR" sz="1000" b="1" dirty="0">
-                <a:solidFill>
-                  <a:srgbClr val="000080"/>
-                </a:solidFill>
-                <a:highlight>
-                  <a:srgbClr val="FFFFFF"/>
-                </a:highlight>
-              </a:rPr>
-              <a:t>,</a:t>
-            </a:r>
-            <a:r>
-              <a:rPr lang="pt-BR" sz="1000" dirty="0">
-                <a:solidFill>
-                  <a:srgbClr val="FF0000"/>
-                </a:solidFill>
-                <a:highlight>
-                  <a:srgbClr val="FFFFFF"/>
-                </a:highlight>
-              </a:rPr>
-              <a:t>4</a:t>
-            </a:r>
-            <a:r>
-              <a:rPr lang="pt-BR" sz="1000" b="1" dirty="0">
-                <a:solidFill>
-                  <a:srgbClr val="000080"/>
-                </a:solidFill>
-                <a:highlight>
-                  <a:srgbClr val="FFFFFF"/>
-                </a:highlight>
-              </a:rPr>
-              <a:t>),</a:t>
-            </a:r>
-            <a:r>
-              <a:rPr lang="pt-BR" sz="1000" dirty="0">
-                <a:solidFill>
-                  <a:srgbClr val="000000"/>
-                </a:solidFill>
-                <a:highlight>
-                  <a:srgbClr val="FFFFFF"/>
-                </a:highlight>
-              </a:rPr>
-              <a:t> activation</a:t>
-            </a:r>
-            <a:r>
-              <a:rPr lang="pt-BR" sz="1000" b="1" dirty="0">
-                <a:solidFill>
-                  <a:srgbClr val="000080"/>
-                </a:solidFill>
-                <a:highlight>
-                  <a:srgbClr val="FFFFFF"/>
-                </a:highlight>
-              </a:rPr>
-              <a:t>=</a:t>
-            </a:r>
-            <a:r>
-              <a:rPr lang="pt-BR" sz="1000" dirty="0">
-                <a:solidFill>
-                  <a:srgbClr val="808080"/>
-                </a:solidFill>
-                <a:highlight>
-                  <a:srgbClr val="FFFFFF"/>
-                </a:highlight>
-              </a:rPr>
-              <a:t>'logistic'</a:t>
-            </a:r>
-            <a:r>
-              <a:rPr lang="pt-BR" sz="1000" b="1" dirty="0">
-                <a:solidFill>
-                  <a:srgbClr val="000080"/>
-                </a:solidFill>
-                <a:highlight>
-                  <a:srgbClr val="FFFFFF"/>
-                </a:highlight>
-              </a:rPr>
-              <a:t>,</a:t>
-            </a:r>
-            <a:r>
-              <a:rPr lang="pt-BR" sz="1000" dirty="0">
-                <a:solidFill>
-                  <a:srgbClr val="000000"/>
-                </a:solidFill>
-                <a:highlight>
-                  <a:srgbClr val="FFFFFF"/>
-                </a:highlight>
-              </a:rPr>
-              <a:t> solver</a:t>
-            </a:r>
-            <a:r>
-              <a:rPr lang="pt-BR" sz="1000" b="1" dirty="0">
-                <a:solidFill>
-                  <a:srgbClr val="000080"/>
-                </a:solidFill>
-                <a:highlight>
-                  <a:srgbClr val="FFFFFF"/>
-                </a:highlight>
-              </a:rPr>
-              <a:t>=</a:t>
-            </a:r>
-            <a:r>
-              <a:rPr lang="pt-BR" sz="1000" dirty="0">
-                <a:solidFill>
-                  <a:srgbClr val="808080"/>
-                </a:solidFill>
-                <a:highlight>
-                  <a:srgbClr val="FFFFFF"/>
-                </a:highlight>
-              </a:rPr>
-              <a:t>'sgd'</a:t>
-            </a:r>
-            <a:r>
-              <a:rPr lang="pt-BR" sz="1000" b="1" dirty="0">
-                <a:solidFill>
-                  <a:srgbClr val="000080"/>
-                </a:solidFill>
-                <a:highlight>
-                  <a:srgbClr val="FFFFFF"/>
-                </a:highlight>
-              </a:rPr>
-              <a:t>,</a:t>
-            </a:r>
-            <a:r>
-              <a:rPr lang="pt-BR" sz="1000" dirty="0">
-                <a:solidFill>
-                  <a:srgbClr val="000000"/>
-                </a:solidFill>
-                <a:highlight>
-                  <a:srgbClr val="FFFFFF"/>
-                </a:highlight>
-              </a:rPr>
-              <a:t> batch_size</a:t>
-            </a:r>
-            <a:r>
-              <a:rPr lang="pt-BR" sz="1000" b="1" dirty="0">
-                <a:solidFill>
-                  <a:srgbClr val="000080"/>
-                </a:solidFill>
-                <a:highlight>
-                  <a:srgbClr val="FFFFFF"/>
-                </a:highlight>
-              </a:rPr>
-              <a:t>=</a:t>
-            </a:r>
-            <a:r>
-              <a:rPr lang="pt-BR" sz="1000" dirty="0">
-                <a:solidFill>
-                  <a:srgbClr val="FF0000"/>
-                </a:solidFill>
-                <a:highlight>
-                  <a:srgbClr val="FFFFFF"/>
-                </a:highlight>
-              </a:rPr>
-              <a:t>50</a:t>
-            </a:r>
-            <a:r>
-              <a:rPr lang="pt-BR" sz="1000" b="1" dirty="0">
-                <a:solidFill>
-                  <a:srgbClr val="000080"/>
-                </a:solidFill>
-                <a:highlight>
-                  <a:srgbClr val="FFFFFF"/>
-                </a:highlight>
-              </a:rPr>
-              <a:t>,</a:t>
-            </a:r>
-            <a:r>
-              <a:rPr lang="pt-BR" sz="1000" dirty="0">
-                <a:solidFill>
-                  <a:srgbClr val="000000"/>
-                </a:solidFill>
-                <a:highlight>
-                  <a:srgbClr val="FFFFFF"/>
-                </a:highlight>
-              </a:rPr>
-              <a:t> learning_rate</a:t>
-            </a:r>
-            <a:r>
-              <a:rPr lang="pt-BR" sz="1000" b="1" dirty="0">
-                <a:solidFill>
-                  <a:srgbClr val="000080"/>
-                </a:solidFill>
-                <a:highlight>
-                  <a:srgbClr val="FFFFFF"/>
-                </a:highlight>
-              </a:rPr>
-              <a:t>=</a:t>
-            </a:r>
-            <a:r>
-              <a:rPr lang="pt-BR" sz="1000" dirty="0">
-                <a:solidFill>
-                  <a:srgbClr val="808080"/>
-                </a:solidFill>
-                <a:highlight>
-                  <a:srgbClr val="FFFFFF"/>
-                </a:highlight>
-              </a:rPr>
-              <a:t>'adaptive'</a:t>
-            </a:r>
-            <a:r>
-              <a:rPr lang="pt-BR" sz="1000" b="1" dirty="0">
-                <a:solidFill>
-                  <a:srgbClr val="000080"/>
-                </a:solidFill>
-                <a:highlight>
-                  <a:srgbClr val="FFFFFF"/>
-                </a:highlight>
-              </a:rPr>
-              <a:t>,</a:t>
-            </a:r>
-            <a:r>
-              <a:rPr lang="pt-BR" sz="1000" dirty="0">
-                <a:solidFill>
-                  <a:srgbClr val="000000"/>
-                </a:solidFill>
-                <a:highlight>
-                  <a:srgbClr val="FFFFFF"/>
-                </a:highlight>
-              </a:rPr>
-              <a:t> random_state</a:t>
-            </a:r>
-            <a:r>
-              <a:rPr lang="pt-BR" sz="1000" b="1" dirty="0">
-                <a:solidFill>
-                  <a:srgbClr val="000080"/>
-                </a:solidFill>
-                <a:highlight>
-                  <a:srgbClr val="FFFFFF"/>
-                </a:highlight>
-              </a:rPr>
-              <a:t>=</a:t>
-            </a:r>
-            <a:r>
-              <a:rPr lang="pt-BR" sz="1000" dirty="0">
-                <a:solidFill>
-                  <a:srgbClr val="000000"/>
-                </a:solidFill>
-                <a:highlight>
-                  <a:srgbClr val="FFFFFF"/>
-                </a:highlight>
-              </a:rPr>
-              <a:t>seed</a:t>
-            </a:r>
-            <a:r>
-              <a:rPr lang="pt-BR" sz="1000" b="1" dirty="0">
-                <a:solidFill>
-                  <a:srgbClr val="000080"/>
-                </a:solidFill>
-                <a:highlight>
-                  <a:srgbClr val="FFFFFF"/>
-                </a:highlight>
-              </a:rPr>
-              <a:t>,</a:t>
-            </a:r>
-            <a:r>
-              <a:rPr lang="pt-BR" sz="1000" dirty="0">
-                <a:solidFill>
-                  <a:srgbClr val="000000"/>
-                </a:solidFill>
-                <a:highlight>
-                  <a:srgbClr val="FFFFFF"/>
-                </a:highlight>
-              </a:rPr>
-              <a:t> max_iter</a:t>
-            </a:r>
-            <a:r>
-              <a:rPr lang="pt-BR" sz="1000" b="1" dirty="0">
-                <a:solidFill>
-                  <a:srgbClr val="000080"/>
-                </a:solidFill>
-                <a:highlight>
-                  <a:srgbClr val="FFFFFF"/>
-                </a:highlight>
-              </a:rPr>
-              <a:t>=</a:t>
-            </a:r>
-            <a:r>
-              <a:rPr lang="pt-BR" sz="1000" dirty="0">
-                <a:solidFill>
-                  <a:srgbClr val="FF0000"/>
-                </a:solidFill>
-                <a:highlight>
-                  <a:srgbClr val="FFFFFF"/>
-                </a:highlight>
-              </a:rPr>
-              <a:t>4000</a:t>
-            </a:r>
-            <a:r>
-              <a:rPr lang="pt-BR" sz="1000" b="1" dirty="0">
-                <a:solidFill>
-                  <a:srgbClr val="000080"/>
-                </a:solidFill>
-                <a:highlight>
-                  <a:srgbClr val="FFFFFF"/>
-                </a:highlight>
-              </a:rPr>
-              <a:t>)</a:t>
-            </a:r>
-            <a:endParaRPr lang="pt-BR" sz="1000" dirty="0">
-              <a:solidFill>
-                <a:srgbClr val="000000"/>
-              </a:solidFill>
-              <a:highlight>
-                <a:srgbClr val="FFFFFF"/>
-              </a:highlight>
-            </a:endParaRPr>
-          </a:p>
-          <a:p>
-            <a:r>
-              <a:rPr lang="en-US" sz="1000" dirty="0">
-                <a:solidFill>
-                  <a:srgbClr val="008000"/>
-                </a:solidFill>
-                <a:highlight>
-                  <a:srgbClr val="FFFFFF"/>
-                </a:highlight>
-              </a:rPr>
-              <a:t># Split arrays into random train and test subsets.</a:t>
-            </a:r>
-            <a:endParaRPr lang="en-US" sz="1000" dirty="0">
-              <a:solidFill>
-                <a:srgbClr val="000000"/>
-              </a:solidFill>
-              <a:highlight>
-                <a:srgbClr val="FFFFFF"/>
-              </a:highlight>
-            </a:endParaRPr>
-          </a:p>
-          <a:p>
-            <a:r>
-              <a:rPr lang="en-US" sz="1000" dirty="0" err="1">
-                <a:solidFill>
-                  <a:srgbClr val="000000"/>
-                </a:solidFill>
-                <a:highlight>
-                  <a:srgbClr val="FFFFFF"/>
-                </a:highlight>
-              </a:rPr>
-              <a:t>s_test</a:t>
-            </a:r>
-            <a:r>
-              <a:rPr lang="en-US" sz="1000" b="1" dirty="0">
-                <a:solidFill>
-                  <a:srgbClr val="000080"/>
-                </a:solidFill>
-                <a:highlight>
-                  <a:srgbClr val="FFFFFF"/>
-                </a:highlight>
-              </a:rPr>
-              <a:t>,</a:t>
-            </a:r>
-            <a:r>
-              <a:rPr lang="en-US" sz="1000" dirty="0">
-                <a:solidFill>
-                  <a:srgbClr val="000000"/>
-                </a:solidFill>
-                <a:highlight>
-                  <a:srgbClr val="FFFFFF"/>
-                </a:highlight>
-              </a:rPr>
-              <a:t> </a:t>
-            </a:r>
-            <a:r>
-              <a:rPr lang="en-US" sz="1000" dirty="0" err="1">
-                <a:solidFill>
-                  <a:srgbClr val="000000"/>
-                </a:solidFill>
-                <a:highlight>
-                  <a:srgbClr val="FFFFFF"/>
-                </a:highlight>
-              </a:rPr>
-              <a:t>s_train</a:t>
-            </a:r>
-            <a:r>
-              <a:rPr lang="en-US" sz="1000" b="1" dirty="0">
-                <a:solidFill>
-                  <a:srgbClr val="000080"/>
-                </a:solidFill>
-                <a:highlight>
-                  <a:srgbClr val="FFFFFF"/>
-                </a:highlight>
-              </a:rPr>
-              <a:t>,</a:t>
-            </a:r>
-            <a:r>
-              <a:rPr lang="en-US" sz="1000" dirty="0">
-                <a:solidFill>
-                  <a:srgbClr val="000000"/>
-                </a:solidFill>
-                <a:highlight>
-                  <a:srgbClr val="FFFFFF"/>
-                </a:highlight>
-              </a:rPr>
-              <a:t> </a:t>
-            </a:r>
-            <a:r>
-              <a:rPr lang="en-US" sz="1000" dirty="0" err="1">
-                <a:solidFill>
-                  <a:srgbClr val="000000"/>
-                </a:solidFill>
-                <a:highlight>
-                  <a:srgbClr val="FFFFFF"/>
-                </a:highlight>
-              </a:rPr>
-              <a:t>y_test</a:t>
-            </a:r>
-            <a:r>
-              <a:rPr lang="en-US" sz="1000" b="1" dirty="0">
-                <a:solidFill>
-                  <a:srgbClr val="000080"/>
-                </a:solidFill>
-                <a:highlight>
-                  <a:srgbClr val="FFFFFF"/>
-                </a:highlight>
-              </a:rPr>
-              <a:t>,</a:t>
-            </a:r>
-            <a:r>
-              <a:rPr lang="en-US" sz="1000" dirty="0">
-                <a:solidFill>
-                  <a:srgbClr val="000000"/>
-                </a:solidFill>
-                <a:highlight>
-                  <a:srgbClr val="FFFFFF"/>
-                </a:highlight>
-              </a:rPr>
-              <a:t> </a:t>
-            </a:r>
-            <a:r>
-              <a:rPr lang="en-US" sz="1000" dirty="0" err="1">
-                <a:solidFill>
-                  <a:srgbClr val="000000"/>
-                </a:solidFill>
-                <a:highlight>
-                  <a:srgbClr val="FFFFFF"/>
-                </a:highlight>
-              </a:rPr>
-              <a:t>y_train</a:t>
-            </a:r>
-            <a:r>
-              <a:rPr lang="en-US" sz="1000" b="1" dirty="0">
-                <a:solidFill>
-                  <a:srgbClr val="000080"/>
-                </a:solidFill>
-                <a:highlight>
-                  <a:srgbClr val="FFFFFF"/>
-                </a:highlight>
-              </a:rPr>
-              <a:t>,</a:t>
-            </a:r>
-            <a:r>
-              <a:rPr lang="en-US" sz="1000" dirty="0">
-                <a:solidFill>
-                  <a:srgbClr val="000000"/>
-                </a:solidFill>
-                <a:highlight>
-                  <a:srgbClr val="FFFFFF"/>
-                </a:highlight>
-              </a:rPr>
-              <a:t> </a:t>
-            </a:r>
-            <a:r>
-              <a:rPr lang="en-US" sz="1000" dirty="0" err="1">
-                <a:solidFill>
-                  <a:srgbClr val="000000"/>
-                </a:solidFill>
-                <a:highlight>
-                  <a:srgbClr val="FFFFFF"/>
-                </a:highlight>
-              </a:rPr>
-              <a:t>b_test</a:t>
-            </a:r>
-            <a:r>
-              <a:rPr lang="en-US" sz="1000" b="1" dirty="0">
-                <a:solidFill>
-                  <a:srgbClr val="000080"/>
-                </a:solidFill>
-                <a:highlight>
-                  <a:srgbClr val="FFFFFF"/>
-                </a:highlight>
-              </a:rPr>
-              <a:t>,</a:t>
-            </a:r>
-            <a:r>
-              <a:rPr lang="en-US" sz="1000" dirty="0">
-                <a:solidFill>
-                  <a:srgbClr val="000000"/>
-                </a:solidFill>
-                <a:highlight>
-                  <a:srgbClr val="FFFFFF"/>
-                </a:highlight>
-              </a:rPr>
-              <a:t> </a:t>
-            </a:r>
-            <a:r>
-              <a:rPr lang="en-US" sz="1000" dirty="0" err="1">
-                <a:solidFill>
-                  <a:srgbClr val="000000"/>
-                </a:solidFill>
-                <a:highlight>
-                  <a:srgbClr val="FFFFFF"/>
-                </a:highlight>
-              </a:rPr>
-              <a:t>b_train</a:t>
-            </a:r>
-            <a:r>
-              <a:rPr lang="en-US" sz="1000" dirty="0">
-                <a:solidFill>
-                  <a:srgbClr val="000000"/>
-                </a:solidFill>
-                <a:highlight>
-                  <a:srgbClr val="FFFFFF"/>
-                </a:highlight>
-              </a:rPr>
-              <a:t> </a:t>
-            </a:r>
-            <a:r>
-              <a:rPr lang="en-US" sz="1000" b="1" dirty="0">
-                <a:solidFill>
-                  <a:srgbClr val="000080"/>
-                </a:solidFill>
-                <a:highlight>
-                  <a:srgbClr val="FFFFFF"/>
-                </a:highlight>
-              </a:rPr>
-              <a:t>=</a:t>
-            </a:r>
-            <a:r>
-              <a:rPr lang="en-US" sz="1000" dirty="0">
-                <a:solidFill>
-                  <a:srgbClr val="000000"/>
-                </a:solidFill>
-                <a:highlight>
-                  <a:srgbClr val="FFFFFF"/>
-                </a:highlight>
-              </a:rPr>
-              <a:t> </a:t>
-            </a:r>
-            <a:r>
-              <a:rPr lang="en-US" sz="1000" dirty="0" err="1">
-                <a:solidFill>
-                  <a:srgbClr val="000000"/>
-                </a:solidFill>
-                <a:highlight>
-                  <a:srgbClr val="FFFFFF"/>
-                </a:highlight>
-              </a:rPr>
-              <a:t>train_test_split</a:t>
-            </a:r>
-            <a:r>
-              <a:rPr lang="en-US" sz="1000" b="1" dirty="0">
-                <a:solidFill>
-                  <a:srgbClr val="000080"/>
-                </a:solidFill>
-                <a:highlight>
-                  <a:srgbClr val="FFFFFF"/>
-                </a:highlight>
-              </a:rPr>
-              <a:t>(</a:t>
-            </a:r>
-            <a:r>
-              <a:rPr lang="en-US" sz="1000" dirty="0">
-                <a:solidFill>
-                  <a:srgbClr val="000000"/>
-                </a:solidFill>
-                <a:highlight>
-                  <a:srgbClr val="FFFFFF"/>
-                </a:highlight>
-              </a:rPr>
-              <a:t>s</a:t>
-            </a:r>
-            <a:r>
-              <a:rPr lang="en-US" sz="1000" b="1" dirty="0">
-                <a:solidFill>
-                  <a:srgbClr val="000080"/>
-                </a:solidFill>
-                <a:highlight>
-                  <a:srgbClr val="FFFFFF"/>
-                </a:highlight>
-              </a:rPr>
-              <a:t>,</a:t>
-            </a:r>
-            <a:r>
-              <a:rPr lang="en-US" sz="1000" dirty="0">
-                <a:solidFill>
-                  <a:srgbClr val="000000"/>
-                </a:solidFill>
-                <a:highlight>
-                  <a:srgbClr val="FFFFFF"/>
-                </a:highlight>
-              </a:rPr>
-              <a:t> y</a:t>
-            </a:r>
-            <a:r>
-              <a:rPr lang="en-US" sz="1000" b="1" dirty="0">
-                <a:solidFill>
-                  <a:srgbClr val="000080"/>
-                </a:solidFill>
-                <a:highlight>
-                  <a:srgbClr val="FFFFFF"/>
-                </a:highlight>
-              </a:rPr>
-              <a:t>,</a:t>
-            </a:r>
-            <a:r>
-              <a:rPr lang="en-US" sz="1000" dirty="0">
-                <a:solidFill>
-                  <a:srgbClr val="000000"/>
-                </a:solidFill>
-                <a:highlight>
-                  <a:srgbClr val="FFFFFF"/>
-                </a:highlight>
-              </a:rPr>
-              <a:t> bits</a:t>
-            </a:r>
-            <a:r>
-              <a:rPr lang="en-US" sz="1000" b="1" dirty="0">
-                <a:solidFill>
-                  <a:srgbClr val="000080"/>
-                </a:solidFill>
-                <a:highlight>
-                  <a:srgbClr val="FFFFFF"/>
-                </a:highlight>
-              </a:rPr>
-              <a:t>,</a:t>
-            </a:r>
-            <a:r>
-              <a:rPr lang="en-US" sz="1000" dirty="0">
-                <a:solidFill>
-                  <a:srgbClr val="000000"/>
-                </a:solidFill>
-                <a:highlight>
-                  <a:srgbClr val="FFFFFF"/>
-                </a:highlight>
-              </a:rPr>
-              <a:t> </a:t>
-            </a:r>
-            <a:r>
-              <a:rPr lang="en-US" sz="1000" dirty="0" err="1">
-                <a:solidFill>
-                  <a:srgbClr val="000000"/>
-                </a:solidFill>
-                <a:highlight>
-                  <a:srgbClr val="FFFFFF"/>
-                </a:highlight>
-              </a:rPr>
-              <a:t>random_state</a:t>
-            </a:r>
-            <a:r>
-              <a:rPr lang="en-US" sz="1000" b="1" dirty="0">
-                <a:solidFill>
-                  <a:srgbClr val="000080"/>
-                </a:solidFill>
-                <a:highlight>
-                  <a:srgbClr val="FFFFFF"/>
-                </a:highlight>
-              </a:rPr>
-              <a:t>=</a:t>
-            </a:r>
-            <a:r>
-              <a:rPr lang="en-US" sz="1000" dirty="0">
-                <a:solidFill>
-                  <a:srgbClr val="000000"/>
-                </a:solidFill>
-                <a:highlight>
-                  <a:srgbClr val="FFFFFF"/>
-                </a:highlight>
-              </a:rPr>
-              <a:t>seed</a:t>
-            </a:r>
-            <a:r>
-              <a:rPr lang="en-US" sz="1000" b="1" dirty="0">
-                <a:solidFill>
-                  <a:srgbClr val="000080"/>
-                </a:solidFill>
-                <a:highlight>
-                  <a:srgbClr val="FFFFFF"/>
-                </a:highlight>
-              </a:rPr>
-              <a:t>)</a:t>
-            </a:r>
-            <a:endParaRPr lang="en-US" sz="1000" dirty="0">
-              <a:solidFill>
-                <a:srgbClr val="000000"/>
-              </a:solidFill>
-              <a:highlight>
-                <a:srgbClr val="FFFFFF"/>
-              </a:highlight>
-            </a:endParaRPr>
-          </a:p>
-          <a:p>
-            <a:r>
-              <a:rPr lang="en-US" sz="1000" dirty="0">
-                <a:solidFill>
-                  <a:srgbClr val="008000"/>
-                </a:solidFill>
-                <a:highlight>
-                  <a:srgbClr val="FFFFFF"/>
-                </a:highlight>
-              </a:rPr>
-              <a:t># </a:t>
-            </a:r>
-            <a:r>
-              <a:rPr lang="en-US" sz="1000" dirty="0" err="1">
-                <a:solidFill>
-                  <a:srgbClr val="008000"/>
-                </a:solidFill>
-                <a:highlight>
-                  <a:srgbClr val="FFFFFF"/>
-                </a:highlight>
-              </a:rPr>
-              <a:t>SciKit-learn's</a:t>
-            </a:r>
-            <a:r>
-              <a:rPr lang="en-US" sz="1000" dirty="0">
-                <a:solidFill>
-                  <a:srgbClr val="008000"/>
-                </a:solidFill>
-                <a:highlight>
-                  <a:srgbClr val="FFFFFF"/>
-                </a:highlight>
-              </a:rPr>
-              <a:t> MLPs do not support complex signals, then we split it into real and </a:t>
-            </a:r>
-            <a:r>
-              <a:rPr lang="en-US" sz="1000" dirty="0" err="1">
-                <a:solidFill>
-                  <a:srgbClr val="008000"/>
-                </a:solidFill>
-                <a:highlight>
-                  <a:srgbClr val="FFFFFF"/>
-                </a:highlight>
-              </a:rPr>
-              <a:t>imag</a:t>
-            </a:r>
-            <a:r>
-              <a:rPr lang="en-US" sz="1000" dirty="0">
-                <a:solidFill>
-                  <a:srgbClr val="008000"/>
-                </a:solidFill>
-                <a:highlight>
-                  <a:srgbClr val="FFFFFF"/>
-                </a:highlight>
-              </a:rPr>
-              <a:t> parts.</a:t>
-            </a:r>
-          </a:p>
-          <a:p>
-            <a:r>
-              <a:rPr lang="pt-BR" sz="1000" dirty="0">
-                <a:solidFill>
-                  <a:srgbClr val="000000"/>
-                </a:solidFill>
-                <a:highlight>
-                  <a:srgbClr val="FFFFFF"/>
-                </a:highlight>
-              </a:rPr>
-              <a:t>Y </a:t>
-            </a:r>
-            <a:r>
-              <a:rPr lang="pt-BR" sz="1000" b="1" dirty="0">
-                <a:solidFill>
-                  <a:srgbClr val="000080"/>
-                </a:solidFill>
-                <a:highlight>
-                  <a:srgbClr val="FFFFFF"/>
-                </a:highlight>
-              </a:rPr>
-              <a:t>=</a:t>
-            </a:r>
-            <a:r>
-              <a:rPr lang="pt-BR" sz="1000" dirty="0">
-                <a:solidFill>
-                  <a:srgbClr val="000000"/>
-                </a:solidFill>
-                <a:highlight>
-                  <a:srgbClr val="FFFFFF"/>
-                </a:highlight>
-              </a:rPr>
-              <a:t> np</a:t>
-            </a:r>
-            <a:r>
-              <a:rPr lang="pt-BR" sz="1000" b="1" dirty="0">
-                <a:solidFill>
-                  <a:srgbClr val="000080"/>
-                </a:solidFill>
-                <a:highlight>
-                  <a:srgbClr val="FFFFFF"/>
-                </a:highlight>
-              </a:rPr>
-              <a:t>.</a:t>
-            </a:r>
-            <a:r>
-              <a:rPr lang="pt-BR" sz="1000" dirty="0">
-                <a:solidFill>
-                  <a:srgbClr val="000000"/>
-                </a:solidFill>
-                <a:highlight>
-                  <a:srgbClr val="FFFFFF"/>
-                </a:highlight>
-              </a:rPr>
-              <a:t>c_</a:t>
-            </a:r>
-            <a:r>
-              <a:rPr lang="pt-BR" sz="1000" b="1" dirty="0">
-                <a:solidFill>
-                  <a:srgbClr val="000080"/>
-                </a:solidFill>
-                <a:highlight>
-                  <a:srgbClr val="FFFFFF"/>
-                </a:highlight>
-              </a:rPr>
-              <a:t>[</a:t>
-            </a:r>
-            <a:r>
-              <a:rPr lang="pt-BR" sz="1000" dirty="0">
-                <a:solidFill>
-                  <a:srgbClr val="000000"/>
-                </a:solidFill>
-                <a:highlight>
-                  <a:srgbClr val="FFFFFF"/>
-                </a:highlight>
-              </a:rPr>
-              <a:t>y_train</a:t>
-            </a:r>
-            <a:r>
-              <a:rPr lang="pt-BR" sz="1000" b="1" dirty="0">
-                <a:solidFill>
-                  <a:srgbClr val="000080"/>
-                </a:solidFill>
-                <a:highlight>
-                  <a:srgbClr val="FFFFFF"/>
-                </a:highlight>
-              </a:rPr>
-              <a:t>.</a:t>
-            </a:r>
-            <a:r>
-              <a:rPr lang="pt-BR" sz="1000" dirty="0">
-                <a:solidFill>
-                  <a:srgbClr val="000000"/>
-                </a:solidFill>
-                <a:highlight>
-                  <a:srgbClr val="FFFFFF"/>
-                </a:highlight>
-              </a:rPr>
-              <a:t>real</a:t>
-            </a:r>
-            <a:r>
-              <a:rPr lang="pt-BR" sz="1000" b="1" dirty="0">
-                <a:solidFill>
-                  <a:srgbClr val="000080"/>
-                </a:solidFill>
-                <a:highlight>
-                  <a:srgbClr val="FFFFFF"/>
-                </a:highlight>
-              </a:rPr>
-              <a:t>,</a:t>
-            </a:r>
-            <a:r>
-              <a:rPr lang="pt-BR" sz="1000" dirty="0">
-                <a:solidFill>
-                  <a:srgbClr val="000000"/>
-                </a:solidFill>
-                <a:highlight>
-                  <a:srgbClr val="FFFFFF"/>
-                </a:highlight>
-              </a:rPr>
-              <a:t>y_train</a:t>
-            </a:r>
-            <a:r>
-              <a:rPr lang="pt-BR" sz="1000" b="1" dirty="0">
-                <a:solidFill>
-                  <a:srgbClr val="000080"/>
-                </a:solidFill>
-                <a:highlight>
-                  <a:srgbClr val="FFFFFF"/>
-                </a:highlight>
-              </a:rPr>
-              <a:t>.</a:t>
-            </a:r>
-            <a:r>
-              <a:rPr lang="pt-BR" sz="1000" dirty="0">
-                <a:solidFill>
-                  <a:srgbClr val="000000"/>
-                </a:solidFill>
-                <a:highlight>
-                  <a:srgbClr val="FFFFFF"/>
-                </a:highlight>
-              </a:rPr>
-              <a:t>imag</a:t>
-            </a:r>
-            <a:r>
-              <a:rPr lang="pt-BR" sz="1000" b="1" dirty="0">
-                <a:solidFill>
-                  <a:srgbClr val="000080"/>
-                </a:solidFill>
-                <a:highlight>
-                  <a:srgbClr val="FFFFFF"/>
-                </a:highlight>
-              </a:rPr>
-              <a:t>]</a:t>
-            </a:r>
-            <a:endParaRPr lang="pt-BR" sz="1000" dirty="0">
-              <a:solidFill>
-                <a:srgbClr val="000000"/>
-              </a:solidFill>
-              <a:highlight>
-                <a:srgbClr val="FFFFFF"/>
-              </a:highlight>
-            </a:endParaRPr>
-          </a:p>
-          <a:p>
-            <a:r>
-              <a:rPr lang="pt-BR" sz="1000" dirty="0">
-                <a:solidFill>
-                  <a:srgbClr val="008000"/>
-                </a:solidFill>
-                <a:highlight>
-                  <a:srgbClr val="FFFFFF"/>
-                </a:highlight>
-              </a:rPr>
-              <a:t># Fit the MLP model.</a:t>
-            </a:r>
-            <a:endParaRPr lang="pt-BR" sz="1000" dirty="0">
-              <a:solidFill>
-                <a:srgbClr val="000000"/>
-              </a:solidFill>
-              <a:highlight>
-                <a:srgbClr val="FFFFFF"/>
-              </a:highlight>
-            </a:endParaRPr>
-          </a:p>
-          <a:p>
-            <a:r>
-              <a:rPr lang="pt-BR" sz="1000" dirty="0">
-                <a:solidFill>
-                  <a:srgbClr val="000000"/>
-                </a:solidFill>
-                <a:highlight>
-                  <a:srgbClr val="FFFFFF"/>
-                </a:highlight>
-              </a:rPr>
-              <a:t>clf</a:t>
-            </a:r>
-            <a:r>
-              <a:rPr lang="pt-BR" sz="1000" b="1" dirty="0">
-                <a:solidFill>
-                  <a:srgbClr val="000080"/>
-                </a:solidFill>
-                <a:highlight>
-                  <a:srgbClr val="FFFFFF"/>
-                </a:highlight>
-              </a:rPr>
-              <a:t>.</a:t>
-            </a:r>
-            <a:r>
-              <a:rPr lang="pt-BR" sz="1000" dirty="0">
-                <a:solidFill>
-                  <a:srgbClr val="000000"/>
-                </a:solidFill>
-                <a:highlight>
-                  <a:srgbClr val="FFFFFF"/>
-                </a:highlight>
-              </a:rPr>
-              <a:t>fit</a:t>
-            </a:r>
-            <a:r>
-              <a:rPr lang="pt-BR" sz="1000" b="1" dirty="0">
-                <a:solidFill>
-                  <a:srgbClr val="000080"/>
-                </a:solidFill>
-                <a:highlight>
-                  <a:srgbClr val="FFFFFF"/>
-                </a:highlight>
-              </a:rPr>
-              <a:t>(</a:t>
-            </a:r>
-            <a:r>
-              <a:rPr lang="pt-BR" sz="1000" dirty="0">
-                <a:solidFill>
-                  <a:srgbClr val="000000"/>
-                </a:solidFill>
-                <a:highlight>
-                  <a:srgbClr val="FFFFFF"/>
-                </a:highlight>
-              </a:rPr>
-              <a:t>Y</a:t>
-            </a:r>
-            <a:r>
-              <a:rPr lang="pt-BR" sz="1000" b="1" dirty="0">
-                <a:solidFill>
-                  <a:srgbClr val="000080"/>
-                </a:solidFill>
-                <a:highlight>
-                  <a:srgbClr val="FFFFFF"/>
-                </a:highlight>
-              </a:rPr>
-              <a:t>,</a:t>
-            </a:r>
-            <a:r>
-              <a:rPr lang="pt-BR" sz="1000" dirty="0">
-                <a:solidFill>
-                  <a:srgbClr val="000000"/>
-                </a:solidFill>
-                <a:highlight>
-                  <a:srgbClr val="FFFFFF"/>
-                </a:highlight>
-              </a:rPr>
-              <a:t> toOneHotEncoding</a:t>
-            </a:r>
-            <a:r>
-              <a:rPr lang="pt-BR" sz="1000" b="1" dirty="0">
-                <a:solidFill>
-                  <a:srgbClr val="000080"/>
-                </a:solidFill>
-                <a:highlight>
-                  <a:srgbClr val="FFFFFF"/>
-                </a:highlight>
-              </a:rPr>
-              <a:t>(</a:t>
-            </a:r>
-            <a:r>
-              <a:rPr lang="pt-BR" sz="1000" dirty="0">
-                <a:solidFill>
-                  <a:srgbClr val="000000"/>
-                </a:solidFill>
-                <a:highlight>
-                  <a:srgbClr val="FFFFFF"/>
-                </a:highlight>
-              </a:rPr>
-              <a:t>b_train</a:t>
-            </a:r>
-            <a:r>
-              <a:rPr lang="pt-BR" sz="1000" b="1" dirty="0">
-                <a:solidFill>
-                  <a:srgbClr val="000080"/>
-                </a:solidFill>
-                <a:highlight>
-                  <a:srgbClr val="FFFFFF"/>
-                </a:highlight>
-              </a:rPr>
-              <a:t>))</a:t>
-            </a:r>
-            <a:endParaRPr lang="pt-BR" sz="1000" dirty="0">
-              <a:solidFill>
-                <a:srgbClr val="000000"/>
-              </a:solidFill>
-              <a:highlight>
-                <a:srgbClr val="FFFFFF"/>
-              </a:highlight>
-            </a:endParaRPr>
-          </a:p>
-          <a:p>
-            <a:r>
-              <a:rPr lang="en-US" sz="1000" dirty="0">
-                <a:solidFill>
-                  <a:srgbClr val="008000"/>
-                </a:solidFill>
-                <a:highlight>
-                  <a:srgbClr val="FFFFFF"/>
-                </a:highlight>
-              </a:rPr>
-              <a:t># Prediction (detection) with trained MLP.</a:t>
-            </a:r>
-            <a:endParaRPr lang="en-US" sz="1000" dirty="0">
-              <a:solidFill>
-                <a:srgbClr val="000000"/>
-              </a:solidFill>
-              <a:highlight>
-                <a:srgbClr val="FFFFFF"/>
-              </a:highlight>
-            </a:endParaRPr>
-          </a:p>
-          <a:p>
-            <a:r>
-              <a:rPr lang="pt-BR" sz="1000" dirty="0">
-                <a:solidFill>
-                  <a:srgbClr val="000000"/>
-                </a:solidFill>
-                <a:highlight>
-                  <a:srgbClr val="FFFFFF"/>
-                </a:highlight>
-              </a:rPr>
-              <a:t>detected_mlp </a:t>
-            </a:r>
-            <a:r>
-              <a:rPr lang="pt-BR" sz="1000" b="1" dirty="0">
-                <a:solidFill>
-                  <a:srgbClr val="000080"/>
-                </a:solidFill>
-                <a:highlight>
-                  <a:srgbClr val="FFFFFF"/>
-                </a:highlight>
-              </a:rPr>
-              <a:t>=</a:t>
-            </a:r>
-            <a:r>
-              <a:rPr lang="pt-BR" sz="1000" dirty="0">
-                <a:solidFill>
-                  <a:srgbClr val="000000"/>
-                </a:solidFill>
-                <a:highlight>
-                  <a:srgbClr val="FFFFFF"/>
-                </a:highlight>
-              </a:rPr>
-              <a:t> clf</a:t>
-            </a:r>
-            <a:r>
-              <a:rPr lang="pt-BR" sz="1000" b="1" dirty="0">
-                <a:solidFill>
-                  <a:srgbClr val="000080"/>
-                </a:solidFill>
-                <a:highlight>
-                  <a:srgbClr val="FFFFFF"/>
-                </a:highlight>
-              </a:rPr>
-              <a:t>.</a:t>
-            </a:r>
-            <a:r>
-              <a:rPr lang="pt-BR" sz="1000" dirty="0">
-                <a:solidFill>
-                  <a:srgbClr val="000000"/>
-                </a:solidFill>
-                <a:highlight>
-                  <a:srgbClr val="FFFFFF"/>
-                </a:highlight>
-              </a:rPr>
-              <a:t>predict</a:t>
-            </a:r>
-            <a:r>
-              <a:rPr lang="pt-BR" sz="1000" b="1" dirty="0">
-                <a:solidFill>
-                  <a:srgbClr val="000080"/>
-                </a:solidFill>
-                <a:highlight>
-                  <a:srgbClr val="FFFFFF"/>
-                </a:highlight>
-              </a:rPr>
-              <a:t>(</a:t>
-            </a:r>
-            <a:r>
-              <a:rPr lang="pt-BR" sz="1000" dirty="0">
-                <a:solidFill>
-                  <a:srgbClr val="000000"/>
-                </a:solidFill>
-                <a:highlight>
-                  <a:srgbClr val="FFFFFF"/>
-                </a:highlight>
-              </a:rPr>
-              <a:t>np</a:t>
-            </a:r>
-            <a:r>
-              <a:rPr lang="pt-BR" sz="1000" b="1" dirty="0">
-                <a:solidFill>
-                  <a:srgbClr val="000080"/>
-                </a:solidFill>
-                <a:highlight>
-                  <a:srgbClr val="FFFFFF"/>
-                </a:highlight>
-              </a:rPr>
-              <a:t>.</a:t>
-            </a:r>
-            <a:r>
-              <a:rPr lang="pt-BR" sz="1000" dirty="0">
-                <a:solidFill>
-                  <a:srgbClr val="000000"/>
-                </a:solidFill>
-                <a:highlight>
-                  <a:srgbClr val="FFFFFF"/>
-                </a:highlight>
-              </a:rPr>
-              <a:t>c_</a:t>
-            </a:r>
-            <a:r>
-              <a:rPr lang="pt-BR" sz="1000" b="1" dirty="0">
-                <a:solidFill>
-                  <a:srgbClr val="000080"/>
-                </a:solidFill>
-                <a:highlight>
-                  <a:srgbClr val="FFFFFF"/>
-                </a:highlight>
-              </a:rPr>
-              <a:t>[</a:t>
-            </a:r>
-            <a:r>
-              <a:rPr lang="pt-BR" sz="1000" dirty="0">
-                <a:solidFill>
-                  <a:srgbClr val="000000"/>
-                </a:solidFill>
-                <a:highlight>
-                  <a:srgbClr val="FFFFFF"/>
-                </a:highlight>
-              </a:rPr>
-              <a:t>y_test</a:t>
-            </a:r>
-            <a:r>
-              <a:rPr lang="pt-BR" sz="1000" b="1" dirty="0">
-                <a:solidFill>
-                  <a:srgbClr val="000080"/>
-                </a:solidFill>
-                <a:highlight>
-                  <a:srgbClr val="FFFFFF"/>
-                </a:highlight>
-              </a:rPr>
-              <a:t>.</a:t>
-            </a:r>
-            <a:r>
-              <a:rPr lang="pt-BR" sz="1000" dirty="0">
-                <a:solidFill>
-                  <a:srgbClr val="000000"/>
-                </a:solidFill>
-                <a:highlight>
-                  <a:srgbClr val="FFFFFF"/>
-                </a:highlight>
-              </a:rPr>
-              <a:t>real</a:t>
-            </a:r>
-            <a:r>
-              <a:rPr lang="pt-BR" sz="1000" b="1" dirty="0">
-                <a:solidFill>
-                  <a:srgbClr val="000080"/>
-                </a:solidFill>
-                <a:highlight>
-                  <a:srgbClr val="FFFFFF"/>
-                </a:highlight>
-              </a:rPr>
-              <a:t>,</a:t>
-            </a:r>
-            <a:r>
-              <a:rPr lang="pt-BR" sz="1000" dirty="0">
-                <a:solidFill>
-                  <a:srgbClr val="000000"/>
-                </a:solidFill>
-                <a:highlight>
-                  <a:srgbClr val="FFFFFF"/>
-                </a:highlight>
-              </a:rPr>
-              <a:t> y_test</a:t>
-            </a:r>
-            <a:r>
-              <a:rPr lang="pt-BR" sz="1000" b="1" dirty="0">
-                <a:solidFill>
-                  <a:srgbClr val="000080"/>
-                </a:solidFill>
-                <a:highlight>
-                  <a:srgbClr val="FFFFFF"/>
-                </a:highlight>
-              </a:rPr>
-              <a:t>.</a:t>
-            </a:r>
-            <a:r>
-              <a:rPr lang="pt-BR" sz="1000" dirty="0">
-                <a:solidFill>
-                  <a:srgbClr val="000000"/>
-                </a:solidFill>
-                <a:highlight>
-                  <a:srgbClr val="FFFFFF"/>
-                </a:highlight>
-              </a:rPr>
-              <a:t>imag</a:t>
-            </a:r>
-            <a:r>
-              <a:rPr lang="pt-BR" sz="1000" b="1" dirty="0">
-                <a:solidFill>
-                  <a:srgbClr val="000080"/>
-                </a:solidFill>
-                <a:highlight>
-                  <a:srgbClr val="FFFFFF"/>
-                </a:highlight>
-              </a:rPr>
-              <a:t>])</a:t>
-            </a:r>
-            <a:endParaRPr lang="pt-BR" sz="1000" dirty="0">
-              <a:solidFill>
-                <a:srgbClr val="000000"/>
-              </a:solidFill>
-              <a:highlight>
-                <a:srgbClr val="FFFFFF"/>
-              </a:highlight>
-            </a:endParaRPr>
-          </a:p>
-          <a:p>
-            <a:r>
-              <a:rPr lang="pt-BR" sz="1000" dirty="0">
-                <a:solidFill>
-                  <a:srgbClr val="008000"/>
-                </a:solidFill>
-                <a:highlight>
-                  <a:srgbClr val="FFFFFF"/>
-                </a:highlight>
-              </a:rPr>
-              <a:t># Detection with optimum detector.</a:t>
-            </a:r>
-            <a:endParaRPr lang="pt-BR" sz="1000" dirty="0">
-              <a:solidFill>
-                <a:srgbClr val="000000"/>
-              </a:solidFill>
-              <a:highlight>
-                <a:srgbClr val="FFFFFF"/>
-              </a:highlight>
-            </a:endParaRPr>
-          </a:p>
-          <a:p>
-            <a:r>
-              <a:rPr lang="pt-BR" sz="1000" dirty="0">
-                <a:solidFill>
-                  <a:srgbClr val="000000"/>
-                </a:solidFill>
-                <a:highlight>
-                  <a:srgbClr val="FFFFFF"/>
-                </a:highlight>
-              </a:rPr>
-              <a:t>detected_opt </a:t>
-            </a:r>
-            <a:r>
-              <a:rPr lang="pt-BR" sz="1000" b="1" dirty="0">
-                <a:solidFill>
-                  <a:srgbClr val="000080"/>
-                </a:solidFill>
-                <a:highlight>
-                  <a:srgbClr val="FFFFFF"/>
-                </a:highlight>
-              </a:rPr>
-              <a:t>=</a:t>
-            </a:r>
-            <a:r>
-              <a:rPr lang="pt-BR" sz="1000" dirty="0">
-                <a:solidFill>
-                  <a:srgbClr val="000000"/>
-                </a:solidFill>
-                <a:highlight>
-                  <a:srgbClr val="FFFFFF"/>
-                </a:highlight>
-              </a:rPr>
-              <a:t> optimumDemod</a:t>
-            </a:r>
-            <a:r>
-              <a:rPr lang="pt-BR" sz="1000" b="1" dirty="0">
-                <a:solidFill>
-                  <a:srgbClr val="000080"/>
-                </a:solidFill>
-                <a:highlight>
-                  <a:srgbClr val="FFFFFF"/>
-                </a:highlight>
-              </a:rPr>
-              <a:t>(</a:t>
-            </a:r>
-            <a:r>
-              <a:rPr lang="pt-BR" sz="1000" dirty="0">
-                <a:solidFill>
-                  <a:srgbClr val="000000"/>
-                </a:solidFill>
-                <a:highlight>
-                  <a:srgbClr val="FFFFFF"/>
-                </a:highlight>
-              </a:rPr>
-              <a:t>np</a:t>
-            </a:r>
-            <a:r>
-              <a:rPr lang="pt-BR" sz="1000" b="1" dirty="0">
-                <a:solidFill>
-                  <a:srgbClr val="000080"/>
-                </a:solidFill>
-                <a:highlight>
-                  <a:srgbClr val="FFFFFF"/>
-                </a:highlight>
-              </a:rPr>
-              <a:t>.</a:t>
-            </a:r>
-            <a:r>
-              <a:rPr lang="pt-BR" sz="1000" dirty="0">
-                <a:solidFill>
-                  <a:srgbClr val="000000"/>
-                </a:solidFill>
-                <a:highlight>
-                  <a:srgbClr val="FFFFFF"/>
-                </a:highlight>
-              </a:rPr>
-              <a:t>c_</a:t>
-            </a:r>
-            <a:r>
-              <a:rPr lang="pt-BR" sz="1000" b="1" dirty="0">
-                <a:solidFill>
-                  <a:srgbClr val="000080"/>
-                </a:solidFill>
-                <a:highlight>
-                  <a:srgbClr val="FFFFFF"/>
-                </a:highlight>
-              </a:rPr>
-              <a:t>[</a:t>
-            </a:r>
-            <a:r>
-              <a:rPr lang="pt-BR" sz="1000" dirty="0">
-                <a:solidFill>
-                  <a:srgbClr val="000000"/>
-                </a:solidFill>
-                <a:highlight>
-                  <a:srgbClr val="FFFFFF"/>
-                </a:highlight>
-              </a:rPr>
-              <a:t>y_test</a:t>
-            </a:r>
-            <a:r>
-              <a:rPr lang="pt-BR" sz="1000" b="1" dirty="0">
-                <a:solidFill>
-                  <a:srgbClr val="000080"/>
-                </a:solidFill>
-                <a:highlight>
-                  <a:srgbClr val="FFFFFF"/>
-                </a:highlight>
-              </a:rPr>
-              <a:t>.</a:t>
-            </a:r>
-            <a:r>
-              <a:rPr lang="pt-BR" sz="1000" dirty="0">
-                <a:solidFill>
-                  <a:srgbClr val="000000"/>
-                </a:solidFill>
-                <a:highlight>
-                  <a:srgbClr val="FFFFFF"/>
-                </a:highlight>
-              </a:rPr>
-              <a:t>real</a:t>
-            </a:r>
-            <a:r>
-              <a:rPr lang="pt-BR" sz="1000" b="1" dirty="0">
-                <a:solidFill>
-                  <a:srgbClr val="000080"/>
-                </a:solidFill>
-                <a:highlight>
-                  <a:srgbClr val="FFFFFF"/>
-                </a:highlight>
-              </a:rPr>
-              <a:t>,</a:t>
-            </a:r>
-            <a:r>
-              <a:rPr lang="pt-BR" sz="1000" dirty="0">
-                <a:solidFill>
-                  <a:srgbClr val="000000"/>
-                </a:solidFill>
-                <a:highlight>
-                  <a:srgbClr val="FFFFFF"/>
-                </a:highlight>
-              </a:rPr>
-              <a:t> y_test</a:t>
-            </a:r>
-            <a:r>
-              <a:rPr lang="pt-BR" sz="1000" b="1" dirty="0">
-                <a:solidFill>
-                  <a:srgbClr val="000080"/>
-                </a:solidFill>
-                <a:highlight>
-                  <a:srgbClr val="FFFFFF"/>
-                </a:highlight>
-              </a:rPr>
-              <a:t>.</a:t>
-            </a:r>
-            <a:r>
-              <a:rPr lang="pt-BR" sz="1000" dirty="0">
-                <a:solidFill>
-                  <a:srgbClr val="000000"/>
-                </a:solidFill>
-                <a:highlight>
-                  <a:srgbClr val="FFFFFF"/>
-                </a:highlight>
-              </a:rPr>
-              <a:t>imag</a:t>
-            </a:r>
-            <a:r>
-              <a:rPr lang="pt-BR" sz="1000" b="1" dirty="0">
-                <a:solidFill>
-                  <a:srgbClr val="000080"/>
-                </a:solidFill>
-                <a:highlight>
-                  <a:srgbClr val="FFFFFF"/>
-                </a:highlight>
-              </a:rPr>
-              <a:t>])</a:t>
-            </a:r>
-            <a:endParaRPr lang="pt-BR" sz="1000" dirty="0"/>
+                <a:latin typeface="+mj-lt"/>
+                <a:ea typeface="+mj-ea"/>
+                <a:cs typeface="+mj-cs"/>
+              </a:defRPr>
+            </a:lvl1pPr>
+          </a:lstStyle>
+          <a:p>
+            <a:pPr algn="ctr"/>
+            <a:r>
+              <a:rPr lang="pt-BR" sz="6600" dirty="0"/>
+              <a:t>Obrigado!</a:t>
+            </a:r>
           </a:p>
         </p:txBody>
       </p:sp>
-      <p:sp>
-        <p:nvSpPr>
-          <p:cNvPr id="8" name="Rectangle 7"/>
-          <p:cNvSpPr/>
-          <p:nvPr/>
-        </p:nvSpPr>
-        <p:spPr>
-          <a:xfrm>
-            <a:off x="8126693" y="6488668"/>
-            <a:ext cx="3924279" cy="369332"/>
-          </a:xfrm>
-          <a:prstGeom prst="rect">
-            <a:avLst/>
-          </a:prstGeom>
-        </p:spPr>
-        <p:txBody>
-          <a:bodyPr wrap="none">
-            <a:spAutoFit/>
-          </a:bodyPr>
-          <a:lstStyle/>
-          <a:p>
-            <a:r>
-              <a:rPr lang="pt-BR" b="1" dirty="0">
-                <a:solidFill>
-                  <a:srgbClr val="00B0F0"/>
-                </a:solidFill>
-              </a:rPr>
-              <a:t>Exemplo</a:t>
-            </a:r>
-            <a:r>
-              <a:rPr lang="pt-BR" dirty="0">
-                <a:solidFill>
-                  <a:srgbClr val="00B0F0"/>
-                </a:solidFill>
-              </a:rPr>
-              <a:t>: SciKitMLPQPSKClassifier.ipynb</a:t>
-            </a:r>
-          </a:p>
-        </p:txBody>
-      </p:sp>
-      <p:cxnSp>
-        <p:nvCxnSpPr>
-          <p:cNvPr id="5" name="Straight Arrow Connector 4"/>
-          <p:cNvCxnSpPr>
-            <a:stCxn id="12" idx="1"/>
-          </p:cNvCxnSpPr>
-          <p:nvPr/>
-        </p:nvCxnSpPr>
-        <p:spPr>
-          <a:xfrm flipH="1" flipV="1">
-            <a:off x="3606800" y="1457750"/>
-            <a:ext cx="787779" cy="1"/>
-          </a:xfrm>
-          <a:prstGeom prst="straightConnector1">
-            <a:avLst/>
-          </a:prstGeom>
-          <a:ln>
-            <a:solidFill>
-              <a:srgbClr val="FF0000"/>
-            </a:solidFill>
-            <a:tailEnd type="triangle"/>
-          </a:ln>
-        </p:spPr>
-        <p:style>
-          <a:lnRef idx="1">
-            <a:schemeClr val="accent1"/>
-          </a:lnRef>
-          <a:fillRef idx="0">
-            <a:schemeClr val="accent1"/>
-          </a:fillRef>
-          <a:effectRef idx="0">
-            <a:schemeClr val="accent1"/>
-          </a:effectRef>
-          <a:fontRef idx="minor">
-            <a:schemeClr val="tx1"/>
-          </a:fontRef>
-        </p:style>
-      </p:cxnSp>
-      <p:sp>
-        <p:nvSpPr>
-          <p:cNvPr id="12" name="TextBox 11"/>
-          <p:cNvSpPr txBox="1"/>
-          <p:nvPr/>
-        </p:nvSpPr>
-        <p:spPr>
-          <a:xfrm>
-            <a:off x="4394579" y="1319251"/>
-            <a:ext cx="2070100" cy="276999"/>
-          </a:xfrm>
-          <a:prstGeom prst="rect">
-            <a:avLst/>
-          </a:prstGeom>
-          <a:noFill/>
-        </p:spPr>
-        <p:txBody>
-          <a:bodyPr wrap="square" rtlCol="0">
-            <a:spAutoFit/>
-          </a:bodyPr>
-          <a:lstStyle/>
-          <a:p>
-            <a:r>
-              <a:rPr lang="pt-BR" sz="1200" dirty="0"/>
-              <a:t>Importa a classe MLPClassifier</a:t>
-            </a:r>
-          </a:p>
-        </p:txBody>
-      </p:sp>
-      <p:cxnSp>
-        <p:nvCxnSpPr>
-          <p:cNvPr id="15" name="Straight Arrow Connector 14"/>
-          <p:cNvCxnSpPr>
-            <a:stCxn id="16" idx="1"/>
-          </p:cNvCxnSpPr>
-          <p:nvPr/>
-        </p:nvCxnSpPr>
-        <p:spPr>
-          <a:xfrm flipH="1">
-            <a:off x="2838451" y="2276774"/>
-            <a:ext cx="900432" cy="382376"/>
-          </a:xfrm>
-          <a:prstGeom prst="straightConnector1">
-            <a:avLst/>
-          </a:prstGeom>
-          <a:ln>
-            <a:solidFill>
-              <a:srgbClr val="FF0000"/>
-            </a:solidFill>
-            <a:tailEnd type="triangle"/>
-          </a:ln>
-        </p:spPr>
-        <p:style>
-          <a:lnRef idx="1">
-            <a:schemeClr val="accent1"/>
-          </a:lnRef>
-          <a:fillRef idx="0">
-            <a:schemeClr val="accent1"/>
-          </a:fillRef>
-          <a:effectRef idx="0">
-            <a:schemeClr val="accent1"/>
-          </a:effectRef>
-          <a:fontRef idx="minor">
-            <a:schemeClr val="tx1"/>
-          </a:fontRef>
-        </p:style>
-      </p:cxnSp>
-      <p:sp>
-        <p:nvSpPr>
-          <p:cNvPr id="16" name="TextBox 15"/>
-          <p:cNvSpPr txBox="1"/>
-          <p:nvPr/>
-        </p:nvSpPr>
-        <p:spPr>
-          <a:xfrm>
-            <a:off x="3738883" y="2045941"/>
-            <a:ext cx="2014595" cy="461665"/>
-          </a:xfrm>
-          <a:prstGeom prst="rect">
-            <a:avLst/>
-          </a:prstGeom>
-          <a:noFill/>
-        </p:spPr>
-        <p:txBody>
-          <a:bodyPr wrap="square" rtlCol="0">
-            <a:spAutoFit/>
-          </a:bodyPr>
-          <a:lstStyle/>
-          <a:p>
-            <a:r>
-              <a:rPr lang="pt-BR" sz="1200" dirty="0"/>
-              <a:t>Gera um sequência aleatória de bits para transmissão.</a:t>
-            </a:r>
-          </a:p>
-        </p:txBody>
-      </p:sp>
-      <p:cxnSp>
-        <p:nvCxnSpPr>
-          <p:cNvPr id="19" name="Straight Arrow Connector 18"/>
-          <p:cNvCxnSpPr>
-            <a:stCxn id="20" idx="1"/>
-          </p:cNvCxnSpPr>
-          <p:nvPr/>
-        </p:nvCxnSpPr>
-        <p:spPr>
-          <a:xfrm flipH="1">
-            <a:off x="1651000" y="2918628"/>
-            <a:ext cx="2032378" cy="59522"/>
-          </a:xfrm>
-          <a:prstGeom prst="straightConnector1">
-            <a:avLst/>
-          </a:prstGeom>
-          <a:ln>
-            <a:solidFill>
-              <a:srgbClr val="FF0000"/>
-            </a:solidFill>
-            <a:tailEnd type="triangle"/>
-          </a:ln>
-        </p:spPr>
-        <p:style>
-          <a:lnRef idx="1">
-            <a:schemeClr val="accent1"/>
-          </a:lnRef>
-          <a:fillRef idx="0">
-            <a:schemeClr val="accent1"/>
-          </a:fillRef>
-          <a:effectRef idx="0">
-            <a:schemeClr val="accent1"/>
-          </a:effectRef>
-          <a:fontRef idx="minor">
-            <a:schemeClr val="tx1"/>
-          </a:fontRef>
-        </p:style>
-      </p:cxnSp>
-      <p:sp>
-        <p:nvSpPr>
-          <p:cNvPr id="20" name="TextBox 19"/>
-          <p:cNvSpPr txBox="1"/>
-          <p:nvPr/>
-        </p:nvSpPr>
-        <p:spPr>
-          <a:xfrm>
-            <a:off x="3683378" y="2687795"/>
-            <a:ext cx="1822072" cy="461665"/>
-          </a:xfrm>
-          <a:prstGeom prst="rect">
-            <a:avLst/>
-          </a:prstGeom>
-          <a:noFill/>
-        </p:spPr>
-        <p:txBody>
-          <a:bodyPr wrap="square" rtlCol="0">
-            <a:spAutoFit/>
-          </a:bodyPr>
-          <a:lstStyle/>
-          <a:p>
-            <a:r>
-              <a:rPr lang="pt-BR" sz="1200" dirty="0"/>
-              <a:t>Modula os símbolos QPSK com os bits gerados.</a:t>
-            </a:r>
-          </a:p>
-        </p:txBody>
-      </p:sp>
-      <p:cxnSp>
-        <p:nvCxnSpPr>
-          <p:cNvPr id="26" name="Straight Arrow Connector 25"/>
-          <p:cNvCxnSpPr>
-            <a:stCxn id="27" idx="1"/>
-          </p:cNvCxnSpPr>
-          <p:nvPr/>
-        </p:nvCxnSpPr>
-        <p:spPr>
-          <a:xfrm flipH="1">
-            <a:off x="2260600" y="3424242"/>
-            <a:ext cx="1597668" cy="203370"/>
-          </a:xfrm>
-          <a:prstGeom prst="straightConnector1">
-            <a:avLst/>
-          </a:prstGeom>
-          <a:ln>
-            <a:solidFill>
-              <a:srgbClr val="FF0000"/>
-            </a:solidFill>
-            <a:tailEnd type="triangle"/>
-          </a:ln>
-        </p:spPr>
-        <p:style>
-          <a:lnRef idx="1">
-            <a:schemeClr val="accent1"/>
-          </a:lnRef>
-          <a:fillRef idx="0">
-            <a:schemeClr val="accent1"/>
-          </a:fillRef>
-          <a:effectRef idx="0">
-            <a:schemeClr val="accent1"/>
-          </a:effectRef>
-          <a:fontRef idx="minor">
-            <a:schemeClr val="tx1"/>
-          </a:fontRef>
-        </p:style>
-      </p:cxnSp>
-      <p:sp>
-        <p:nvSpPr>
-          <p:cNvPr id="27" name="TextBox 26"/>
-          <p:cNvSpPr txBox="1"/>
-          <p:nvPr/>
-        </p:nvSpPr>
-        <p:spPr>
-          <a:xfrm>
-            <a:off x="3858268" y="3193409"/>
-            <a:ext cx="2070100" cy="461665"/>
-          </a:xfrm>
-          <a:prstGeom prst="rect">
-            <a:avLst/>
-          </a:prstGeom>
-          <a:noFill/>
-        </p:spPr>
-        <p:txBody>
-          <a:bodyPr wrap="square" rtlCol="0">
-            <a:spAutoFit/>
-          </a:bodyPr>
-          <a:lstStyle/>
-          <a:p>
-            <a:r>
-              <a:rPr lang="pt-BR" sz="1200" dirty="0"/>
-              <a:t>Passa sinal modulado por canal AWGN.</a:t>
-            </a:r>
-          </a:p>
-        </p:txBody>
-      </p:sp>
-      <p:sp>
-        <p:nvSpPr>
-          <p:cNvPr id="30" name="TextBox 29"/>
-          <p:cNvSpPr txBox="1"/>
-          <p:nvPr/>
-        </p:nvSpPr>
-        <p:spPr>
-          <a:xfrm>
-            <a:off x="6972300" y="5125881"/>
-            <a:ext cx="5078672" cy="1384995"/>
-          </a:xfrm>
-          <a:prstGeom prst="rect">
-            <a:avLst/>
-          </a:prstGeom>
-          <a:noFill/>
-        </p:spPr>
-        <p:txBody>
-          <a:bodyPr wrap="square" rtlCol="0">
-            <a:spAutoFit/>
-          </a:bodyPr>
-          <a:lstStyle/>
-          <a:p>
-            <a:pPr marL="285750" indent="-285750">
-              <a:buFont typeface="Arial" panose="020B0604020202020204" pitchFamily="34" charset="0"/>
-              <a:buChar char="•"/>
-            </a:pPr>
-            <a:r>
-              <a:rPr lang="pt-BR" sz="1400" dirty="0"/>
-              <a:t>As fronteiras de decisão do detector com classificador MLP se aproximam das fronteiras do detector ótimo.</a:t>
-            </a:r>
-          </a:p>
-          <a:p>
-            <a:pPr marL="285750" indent="-285750">
-              <a:buFont typeface="Arial" panose="020B0604020202020204" pitchFamily="34" charset="0"/>
-              <a:buChar char="•"/>
-            </a:pPr>
-            <a:r>
-              <a:rPr lang="pt-BR" sz="1400" dirty="0"/>
-              <a:t>Qual seria a vantagem em se utilizar um detector baseado em MLP?</a:t>
-            </a:r>
-          </a:p>
-          <a:p>
-            <a:pPr marL="742950" lvl="1" indent="-285750">
-              <a:buFont typeface="Wingdings" panose="05000000000000000000" pitchFamily="2" charset="2"/>
-              <a:buChar char="§"/>
-            </a:pPr>
-            <a:r>
-              <a:rPr lang="pt-BR" sz="1400" dirty="0"/>
-              <a:t>Se existe um algoritmo ótimo conhecido, uma rede neural treinada nunca poderá superá-lo.</a:t>
-            </a:r>
-          </a:p>
-        </p:txBody>
-      </p:sp>
-      <p:cxnSp>
-        <p:nvCxnSpPr>
-          <p:cNvPr id="31" name="Straight Arrow Connector 30"/>
-          <p:cNvCxnSpPr>
-            <a:stCxn id="32" idx="1"/>
-          </p:cNvCxnSpPr>
-          <p:nvPr/>
-        </p:nvCxnSpPr>
-        <p:spPr>
-          <a:xfrm flipH="1">
-            <a:off x="3512820" y="4161871"/>
-            <a:ext cx="881758" cy="417749"/>
-          </a:xfrm>
-          <a:prstGeom prst="straightConnector1">
-            <a:avLst/>
-          </a:prstGeom>
-          <a:ln>
-            <a:solidFill>
-              <a:srgbClr val="FF0000"/>
-            </a:solidFill>
-            <a:tailEnd type="triangle"/>
-          </a:ln>
-        </p:spPr>
-        <p:style>
-          <a:lnRef idx="1">
-            <a:schemeClr val="accent1"/>
-          </a:lnRef>
-          <a:fillRef idx="0">
-            <a:schemeClr val="accent1"/>
-          </a:fillRef>
-          <a:effectRef idx="0">
-            <a:schemeClr val="accent1"/>
-          </a:effectRef>
-          <a:fontRef idx="minor">
-            <a:schemeClr val="tx1"/>
-          </a:fontRef>
-        </p:style>
-      </p:cxnSp>
-      <p:sp>
-        <p:nvSpPr>
-          <p:cNvPr id="32" name="TextBox 31"/>
-          <p:cNvSpPr txBox="1"/>
-          <p:nvPr/>
-        </p:nvSpPr>
-        <p:spPr>
-          <a:xfrm>
-            <a:off x="4394578" y="3838705"/>
-            <a:ext cx="2311021" cy="646331"/>
-          </a:xfrm>
-          <a:prstGeom prst="rect">
-            <a:avLst/>
-          </a:prstGeom>
-          <a:noFill/>
-        </p:spPr>
-        <p:txBody>
-          <a:bodyPr wrap="square" rtlCol="0">
-            <a:spAutoFit/>
-          </a:bodyPr>
-          <a:lstStyle/>
-          <a:p>
-            <a:r>
-              <a:rPr lang="pt-BR" sz="1200" dirty="0"/>
-              <a:t>Instancia MLP com 2 camadas escondidas com 10 e 4 neurônios, respectivamente.</a:t>
-            </a:r>
-          </a:p>
-        </p:txBody>
-      </p:sp>
-      <p:cxnSp>
-        <p:nvCxnSpPr>
-          <p:cNvPr id="35" name="Straight Arrow Connector 34"/>
-          <p:cNvCxnSpPr>
-            <a:stCxn id="36" idx="1"/>
-          </p:cNvCxnSpPr>
-          <p:nvPr/>
-        </p:nvCxnSpPr>
-        <p:spPr>
-          <a:xfrm flipH="1">
-            <a:off x="5048250" y="4887334"/>
-            <a:ext cx="680126" cy="138499"/>
-          </a:xfrm>
-          <a:prstGeom prst="straightConnector1">
-            <a:avLst/>
-          </a:prstGeom>
-          <a:ln>
-            <a:solidFill>
-              <a:srgbClr val="FF0000"/>
-            </a:solidFill>
-            <a:tailEnd type="triangle"/>
-          </a:ln>
-        </p:spPr>
-        <p:style>
-          <a:lnRef idx="1">
-            <a:schemeClr val="accent1"/>
-          </a:lnRef>
-          <a:fillRef idx="0">
-            <a:schemeClr val="accent1"/>
-          </a:fillRef>
-          <a:effectRef idx="0">
-            <a:schemeClr val="accent1"/>
-          </a:effectRef>
-          <a:fontRef idx="minor">
-            <a:schemeClr val="tx1"/>
-          </a:fontRef>
-        </p:style>
-      </p:cxnSp>
-      <p:sp>
-        <p:nvSpPr>
-          <p:cNvPr id="36" name="TextBox 35"/>
-          <p:cNvSpPr txBox="1"/>
-          <p:nvPr/>
-        </p:nvSpPr>
-        <p:spPr>
-          <a:xfrm>
-            <a:off x="5728376" y="4748834"/>
-            <a:ext cx="1332743" cy="276999"/>
-          </a:xfrm>
-          <a:prstGeom prst="rect">
-            <a:avLst/>
-          </a:prstGeom>
-          <a:noFill/>
-        </p:spPr>
-        <p:txBody>
-          <a:bodyPr wrap="square" rtlCol="0">
-            <a:spAutoFit/>
-          </a:bodyPr>
-          <a:lstStyle/>
-          <a:p>
-            <a:r>
-              <a:rPr lang="pt-BR" sz="1200" dirty="0"/>
-              <a:t>Divide o conjunto.</a:t>
-            </a:r>
-          </a:p>
-        </p:txBody>
-      </p:sp>
-      <p:sp>
-        <p:nvSpPr>
-          <p:cNvPr id="39" name="TextBox 38"/>
-          <p:cNvSpPr txBox="1"/>
-          <p:nvPr/>
-        </p:nvSpPr>
-        <p:spPr>
-          <a:xfrm>
-            <a:off x="3842047" y="5341426"/>
-            <a:ext cx="3219071" cy="461665"/>
-          </a:xfrm>
-          <a:prstGeom prst="rect">
-            <a:avLst/>
-          </a:prstGeom>
-          <a:noFill/>
-        </p:spPr>
-        <p:txBody>
-          <a:bodyPr wrap="square" rtlCol="0">
-            <a:spAutoFit/>
-          </a:bodyPr>
-          <a:lstStyle/>
-          <a:p>
-            <a:r>
-              <a:rPr lang="pt-BR" sz="1200" dirty="0"/>
-              <a:t>A classe MLP não suporta números complexo, portanto, dividimos y (real,imag) em 2 atributos.</a:t>
-            </a:r>
-          </a:p>
-        </p:txBody>
-      </p:sp>
-      <p:cxnSp>
-        <p:nvCxnSpPr>
-          <p:cNvPr id="40" name="Straight Arrow Connector 39"/>
-          <p:cNvCxnSpPr>
-            <a:stCxn id="39" idx="1"/>
-          </p:cNvCxnSpPr>
-          <p:nvPr/>
-        </p:nvCxnSpPr>
-        <p:spPr>
-          <a:xfrm flipH="1" flipV="1">
-            <a:off x="2794000" y="5436010"/>
-            <a:ext cx="1048047" cy="136249"/>
-          </a:xfrm>
-          <a:prstGeom prst="straightConnector1">
-            <a:avLst/>
-          </a:prstGeom>
-          <a:ln>
-            <a:solidFill>
-              <a:srgbClr val="FF0000"/>
-            </a:solidFill>
-            <a:tailEnd type="triangle"/>
-          </a:ln>
-        </p:spPr>
-        <p:style>
-          <a:lnRef idx="1">
-            <a:schemeClr val="accent1"/>
-          </a:lnRef>
-          <a:fillRef idx="0">
-            <a:schemeClr val="accent1"/>
-          </a:fillRef>
-          <a:effectRef idx="0">
-            <a:schemeClr val="accent1"/>
-          </a:effectRef>
-          <a:fontRef idx="minor">
-            <a:schemeClr val="tx1"/>
-          </a:fontRef>
-        </p:style>
-      </p:cxnSp>
-      <p:sp>
-        <p:nvSpPr>
-          <p:cNvPr id="45" name="TextBox 44"/>
-          <p:cNvSpPr txBox="1"/>
-          <p:nvPr/>
-        </p:nvSpPr>
-        <p:spPr>
-          <a:xfrm>
-            <a:off x="4529152" y="5787639"/>
-            <a:ext cx="2532048" cy="461665"/>
-          </a:xfrm>
-          <a:prstGeom prst="rect">
-            <a:avLst/>
-          </a:prstGeom>
-          <a:noFill/>
-        </p:spPr>
-        <p:txBody>
-          <a:bodyPr wrap="square" rtlCol="0">
-            <a:spAutoFit/>
-          </a:bodyPr>
-          <a:lstStyle/>
-          <a:p>
-            <a:r>
-              <a:rPr lang="pt-BR" sz="1200" dirty="0"/>
-              <a:t>Treina o modelo com codificação one-hot e faz detecção dos símbolos.</a:t>
-            </a:r>
-          </a:p>
-        </p:txBody>
-      </p:sp>
-      <p:cxnSp>
-        <p:nvCxnSpPr>
-          <p:cNvPr id="46" name="Straight Arrow Connector 45"/>
-          <p:cNvCxnSpPr>
-            <a:stCxn id="45" idx="1"/>
-          </p:cNvCxnSpPr>
-          <p:nvPr/>
-        </p:nvCxnSpPr>
-        <p:spPr>
-          <a:xfrm flipH="1" flipV="1">
-            <a:off x="2838451" y="5727700"/>
-            <a:ext cx="1690701" cy="290772"/>
-          </a:xfrm>
-          <a:prstGeom prst="straightConnector1">
-            <a:avLst/>
-          </a:prstGeom>
-          <a:ln>
-            <a:solidFill>
-              <a:srgbClr val="FF0000"/>
-            </a:solidFill>
-            <a:tailEnd type="triangle"/>
-          </a:ln>
-        </p:spPr>
-        <p:style>
-          <a:lnRef idx="1">
-            <a:schemeClr val="accent1"/>
-          </a:lnRef>
-          <a:fillRef idx="0">
-            <a:schemeClr val="accent1"/>
-          </a:fillRef>
-          <a:effectRef idx="0">
-            <a:schemeClr val="accent1"/>
-          </a:effectRef>
-          <a:fontRef idx="minor">
-            <a:schemeClr val="tx1"/>
-          </a:fontRef>
-        </p:style>
-      </p:cxnSp>
-      <p:cxnSp>
-        <p:nvCxnSpPr>
-          <p:cNvPr id="48" name="Straight Arrow Connector 47"/>
-          <p:cNvCxnSpPr>
-            <a:stCxn id="45" idx="1"/>
-          </p:cNvCxnSpPr>
-          <p:nvPr/>
-        </p:nvCxnSpPr>
-        <p:spPr>
-          <a:xfrm flipH="1">
-            <a:off x="3981450" y="6018472"/>
-            <a:ext cx="547702" cy="0"/>
-          </a:xfrm>
-          <a:prstGeom prst="straightConnector1">
-            <a:avLst/>
-          </a:prstGeom>
-          <a:ln>
-            <a:solidFill>
-              <a:srgbClr val="FF0000"/>
-            </a:solidFill>
-            <a:tailEnd type="triangle"/>
-          </a:ln>
-        </p:spPr>
-        <p:style>
-          <a:lnRef idx="1">
-            <a:schemeClr val="accent1"/>
-          </a:lnRef>
-          <a:fillRef idx="0">
-            <a:schemeClr val="accent1"/>
-          </a:fillRef>
-          <a:effectRef idx="0">
-            <a:schemeClr val="accent1"/>
-          </a:effectRef>
-          <a:fontRef idx="minor">
-            <a:schemeClr val="tx1"/>
-          </a:fontRef>
-        </p:style>
-      </p:cxnSp>
-      <p:sp>
-        <p:nvSpPr>
-          <p:cNvPr id="59" name="TextBox 58"/>
-          <p:cNvSpPr txBox="1"/>
-          <p:nvPr/>
-        </p:nvSpPr>
-        <p:spPr>
-          <a:xfrm>
-            <a:off x="4841117" y="6249304"/>
-            <a:ext cx="2055880" cy="276999"/>
-          </a:xfrm>
-          <a:prstGeom prst="rect">
-            <a:avLst/>
-          </a:prstGeom>
-          <a:noFill/>
-        </p:spPr>
-        <p:txBody>
-          <a:bodyPr wrap="square" rtlCol="0">
-            <a:spAutoFit/>
-          </a:bodyPr>
-          <a:lstStyle/>
-          <a:p>
-            <a:r>
-              <a:rPr lang="pt-BR" sz="1200" dirty="0"/>
-              <a:t>Detecção ótima dos símbolos.</a:t>
-            </a:r>
-          </a:p>
-        </p:txBody>
-      </p:sp>
-      <p:cxnSp>
-        <p:nvCxnSpPr>
-          <p:cNvPr id="60" name="Straight Arrow Connector 59"/>
-          <p:cNvCxnSpPr>
-            <a:stCxn id="59" idx="1"/>
-          </p:cNvCxnSpPr>
-          <p:nvPr/>
-        </p:nvCxnSpPr>
-        <p:spPr>
-          <a:xfrm flipH="1" flipV="1">
-            <a:off x="4268084" y="6343348"/>
-            <a:ext cx="573033" cy="44456"/>
-          </a:xfrm>
-          <a:prstGeom prst="straightConnector1">
-            <a:avLst/>
-          </a:prstGeom>
-          <a:ln>
-            <a:solidFill>
-              <a:srgbClr val="FF0000"/>
-            </a:solidFill>
-            <a:tailEnd type="triangle"/>
-          </a:ln>
-        </p:spPr>
-        <p:style>
-          <a:lnRef idx="1">
-            <a:schemeClr val="accent1"/>
-          </a:lnRef>
-          <a:fillRef idx="0">
-            <a:schemeClr val="accent1"/>
-          </a:fillRef>
-          <a:effectRef idx="0">
-            <a:schemeClr val="accent1"/>
-          </a:effectRef>
-          <a:fontRef idx="minor">
-            <a:schemeClr val="tx1"/>
-          </a:fontRef>
-        </p:style>
-      </p:cxnSp>
-      <mc:AlternateContent xmlns:mc="http://schemas.openxmlformats.org/markup-compatibility/2006" xmlns:a14="http://schemas.microsoft.com/office/drawing/2010/main">
-        <mc:Choice Requires="a14">
-          <p:sp>
-            <p:nvSpPr>
-              <p:cNvPr id="3" name="TextBox 2"/>
-              <p:cNvSpPr txBox="1"/>
-              <p:nvPr/>
-            </p:nvSpPr>
-            <p:spPr>
-              <a:xfrm>
-                <a:off x="10692510" y="1690688"/>
-                <a:ext cx="1335219" cy="657937"/>
-              </a:xfrm>
-              <a:prstGeom prst="rect">
-                <a:avLst/>
-              </a:prstGeom>
-              <a:noFill/>
-            </p:spPr>
-            <p:txBody>
-              <a:bodyPr wrap="square" rtlCol="0">
-                <a:spAutoFit/>
-              </a:bodyPr>
-              <a:lstStyle/>
-              <a:p>
-                <a:pPr/>
-                <a14:m>
-                  <m:oMathPara xmlns:m="http://schemas.openxmlformats.org/officeDocument/2006/math">
-                    <m:oMathParaPr>
-                      <m:jc m:val="centerGroup"/>
-                    </m:oMathParaPr>
-                    <m:oMath xmlns:m="http://schemas.openxmlformats.org/officeDocument/2006/math">
-                      <m:f>
-                        <m:fPr>
-                          <m:ctrlPr>
-                            <a:rPr lang="pt-BR" i="1" smtClean="0">
-                              <a:latin typeface="Cambria Math" panose="02040503050406030204" pitchFamily="18" charset="0"/>
-                            </a:rPr>
-                          </m:ctrlPr>
-                        </m:fPr>
-                        <m:num>
-                          <m:sSub>
-                            <m:sSubPr>
-                              <m:ctrlPr>
-                                <a:rPr lang="pt-BR" i="1" smtClean="0">
-                                  <a:latin typeface="Cambria Math" panose="02040503050406030204" pitchFamily="18" charset="0"/>
-                                </a:rPr>
-                              </m:ctrlPr>
-                            </m:sSubPr>
-                            <m:e>
-                              <m:r>
-                                <a:rPr lang="pt-BR" b="0" i="1" smtClean="0">
-                                  <a:latin typeface="Cambria Math" panose="02040503050406030204" pitchFamily="18" charset="0"/>
-                                </a:rPr>
-                                <m:t>𝐸</m:t>
-                              </m:r>
-                            </m:e>
-                            <m:sub>
-                              <m:r>
-                                <a:rPr lang="pt-BR" b="0" i="1" smtClean="0">
-                                  <a:latin typeface="Cambria Math" panose="02040503050406030204" pitchFamily="18" charset="0"/>
-                                </a:rPr>
-                                <m:t>𝑠</m:t>
-                              </m:r>
-                            </m:sub>
-                          </m:sSub>
-                        </m:num>
-                        <m:den>
-                          <m:sSub>
-                            <m:sSubPr>
-                              <m:ctrlPr>
-                                <a:rPr lang="pt-BR" i="1" smtClean="0">
-                                  <a:latin typeface="Cambria Math" panose="02040503050406030204" pitchFamily="18" charset="0"/>
-                                </a:rPr>
-                              </m:ctrlPr>
-                            </m:sSubPr>
-                            <m:e>
-                              <m:r>
-                                <a:rPr lang="pt-BR" b="0" i="1" smtClean="0">
-                                  <a:latin typeface="Cambria Math" panose="02040503050406030204" pitchFamily="18" charset="0"/>
-                                </a:rPr>
-                                <m:t>𝑁</m:t>
-                              </m:r>
-                            </m:e>
-                            <m:sub>
-                              <m:r>
-                                <a:rPr lang="pt-BR" b="0" i="1" smtClean="0">
-                                  <a:latin typeface="Cambria Math" panose="02040503050406030204" pitchFamily="18" charset="0"/>
-                                </a:rPr>
-                                <m:t>0</m:t>
-                              </m:r>
-                            </m:sub>
-                          </m:sSub>
-                        </m:den>
-                      </m:f>
-                      <m:r>
-                        <a:rPr lang="pt-BR" b="0" i="1" smtClean="0">
-                          <a:latin typeface="Cambria Math" panose="02040503050406030204" pitchFamily="18" charset="0"/>
-                        </a:rPr>
-                        <m:t>=7 </m:t>
-                      </m:r>
-                      <m:r>
-                        <a:rPr lang="pt-BR" b="0" i="1" smtClean="0">
-                          <a:latin typeface="Cambria Math" panose="02040503050406030204" pitchFamily="18" charset="0"/>
-                        </a:rPr>
-                        <m:t>𝑑𝐵</m:t>
-                      </m:r>
-                    </m:oMath>
-                  </m:oMathPara>
-                </a14:m>
-                <a:endParaRPr lang="pt-BR" dirty="0"/>
-              </a:p>
-            </p:txBody>
-          </p:sp>
-        </mc:Choice>
-        <mc:Fallback xmlns="">
-          <p:sp>
-            <p:nvSpPr>
-              <p:cNvPr id="3" name="TextBox 2"/>
-              <p:cNvSpPr txBox="1">
-                <a:spLocks noRot="1" noChangeAspect="1" noMove="1" noResize="1" noEditPoints="1" noAdjustHandles="1" noChangeArrowheads="1" noChangeShapeType="1" noTextEdit="1"/>
-              </p:cNvSpPr>
-              <p:nvPr/>
-            </p:nvSpPr>
-            <p:spPr>
-              <a:xfrm>
-                <a:off x="10692510" y="1690688"/>
-                <a:ext cx="1335219" cy="657937"/>
-              </a:xfrm>
-              <a:prstGeom prst="rect">
-                <a:avLst/>
-              </a:prstGeom>
-              <a:blipFill rotWithShape="0">
-                <a:blip r:embed="rId5"/>
-                <a:stretch>
-                  <a:fillRect/>
-                </a:stretch>
-              </a:blipFill>
-            </p:spPr>
-            <p:txBody>
-              <a:bodyPr/>
-              <a:lstStyle/>
-              <a:p>
-                <a:r>
-                  <a:rPr lang="pt-BR">
-                    <a:noFill/>
-                  </a:rPr>
-                  <a:t> </a:t>
-                </a:r>
-              </a:p>
-            </p:txBody>
-          </p:sp>
-        </mc:Fallback>
-      </mc:AlternateContent>
     </p:spTree>
     <p:extLst>
       <p:ext uri="{BB962C8B-B14F-4D97-AF65-F5344CB8AC3E}">
-        <p14:creationId xmlns:p14="http://schemas.microsoft.com/office/powerpoint/2010/main" val="1491081368"/>
+        <p14:creationId xmlns:p14="http://schemas.microsoft.com/office/powerpoint/2010/main" val="668771460"/>
       </p:ext>
     </p:extLst>
   </p:cSld>
@@ -13272,343 +9455,6 @@
 </file>
 
 <file path=ppt/slides/slide20.xml><?xml version="1.0" encoding="utf-8"?>
-<p:sld xmlns:a="http://schemas.openxmlformats.org/drawingml/2006/main" xmlns:r="http://schemas.openxmlformats.org/officeDocument/2006/relationships" xmlns:p="http://schemas.openxmlformats.org/presentationml/2006/main">
-  <p:cSld>
-    <p:spTree>
-      <p:nvGrpSpPr>
-        <p:cNvPr id="1" name=""/>
-        <p:cNvGrpSpPr/>
-        <p:nvPr/>
-      </p:nvGrpSpPr>
-      <p:grpSpPr>
-        <a:xfrm>
-          <a:off x="0" y="0"/>
-          <a:ext cx="0" cy="0"/>
-          <a:chOff x="0" y="0"/>
-          <a:chExt cx="0" cy="0"/>
-        </a:xfrm>
-      </p:grpSpPr>
-      <p:sp>
-        <p:nvSpPr>
-          <p:cNvPr id="2" name="Title 1"/>
-          <p:cNvSpPr>
-            <a:spLocks noGrp="1"/>
-          </p:cNvSpPr>
-          <p:nvPr>
-            <p:ph type="title"/>
-          </p:nvPr>
-        </p:nvSpPr>
-        <p:spPr/>
-        <p:txBody>
-          <a:bodyPr/>
-          <a:lstStyle/>
-          <a:p>
-            <a:endParaRPr lang="pt-BR"/>
-          </a:p>
-        </p:txBody>
-      </p:sp>
-      <p:sp>
-        <p:nvSpPr>
-          <p:cNvPr id="3" name="Content Placeholder 2"/>
-          <p:cNvSpPr>
-            <a:spLocks noGrp="1"/>
-          </p:cNvSpPr>
-          <p:nvPr>
-            <p:ph idx="1"/>
-          </p:nvPr>
-        </p:nvSpPr>
-        <p:spPr/>
-        <p:txBody>
-          <a:bodyPr/>
-          <a:lstStyle/>
-          <a:p>
-            <a:endParaRPr lang="pt-BR"/>
-          </a:p>
-        </p:txBody>
-      </p:sp>
-    </p:spTree>
-    <p:extLst>
-      <p:ext uri="{BB962C8B-B14F-4D97-AF65-F5344CB8AC3E}">
-        <p14:creationId xmlns:p14="http://schemas.microsoft.com/office/powerpoint/2010/main" val="3247495193"/>
-      </p:ext>
-    </p:extLst>
-  </p:cSld>
-  <p:clrMapOvr>
-    <a:masterClrMapping/>
-  </p:clrMapOvr>
-</p:sld>
-</file>
-
-<file path=ppt/slides/slide21.xml><?xml version="1.0" encoding="utf-8"?>
-<p:sld xmlns:a="http://schemas.openxmlformats.org/drawingml/2006/main" xmlns:r="http://schemas.openxmlformats.org/officeDocument/2006/relationships" xmlns:p="http://schemas.openxmlformats.org/presentationml/2006/main">
-  <p:cSld>
-    <p:spTree>
-      <p:nvGrpSpPr>
-        <p:cNvPr id="1" name=""/>
-        <p:cNvGrpSpPr/>
-        <p:nvPr/>
-      </p:nvGrpSpPr>
-      <p:grpSpPr>
-        <a:xfrm>
-          <a:off x="0" y="0"/>
-          <a:ext cx="0" cy="0"/>
-          <a:chOff x="0" y="0"/>
-          <a:chExt cx="0" cy="0"/>
-        </a:xfrm>
-      </p:grpSpPr>
-      <p:sp>
-        <p:nvSpPr>
-          <p:cNvPr id="2" name="Title 1"/>
-          <p:cNvSpPr>
-            <a:spLocks noGrp="1"/>
-          </p:cNvSpPr>
-          <p:nvPr>
-            <p:ph type="title"/>
-          </p:nvPr>
-        </p:nvSpPr>
-        <p:spPr/>
-        <p:txBody>
-          <a:bodyPr/>
-          <a:lstStyle/>
-          <a:p>
-            <a:r>
-              <a:rPr lang="pt-BR" dirty="0" smtClean="0"/>
-              <a:t>Tarefas</a:t>
-            </a:r>
-            <a:endParaRPr lang="pt-BR" dirty="0"/>
-          </a:p>
-        </p:txBody>
-      </p:sp>
-      <p:sp>
-        <p:nvSpPr>
-          <p:cNvPr id="3" name="Content Placeholder 2"/>
-          <p:cNvSpPr>
-            <a:spLocks noGrp="1"/>
-          </p:cNvSpPr>
-          <p:nvPr>
-            <p:ph idx="1"/>
-          </p:nvPr>
-        </p:nvSpPr>
-        <p:spPr>
-          <a:xfrm>
-            <a:off x="838199" y="1825624"/>
-            <a:ext cx="10994409" cy="4547879"/>
-          </a:xfrm>
-        </p:spPr>
-        <p:txBody>
-          <a:bodyPr/>
-          <a:lstStyle/>
-          <a:p>
-            <a:r>
-              <a:rPr lang="pt-BR" b="1" dirty="0" smtClean="0"/>
-              <a:t>Quiz</a:t>
-            </a:r>
-            <a:r>
-              <a:rPr lang="pt-BR" dirty="0" smtClean="0"/>
-              <a:t>: “</a:t>
-            </a:r>
-            <a:r>
-              <a:rPr lang="pt-BR" i="1" dirty="0" smtClean="0"/>
-              <a:t>T320 - Quiz – Redes Neurais Artificiais </a:t>
-            </a:r>
-            <a:r>
-              <a:rPr lang="pt-BR" i="1" dirty="0"/>
-              <a:t>(Parte </a:t>
-            </a:r>
-            <a:r>
-              <a:rPr lang="pt-BR" i="1" dirty="0" smtClean="0"/>
-              <a:t>VII)</a:t>
-            </a:r>
-            <a:r>
-              <a:rPr lang="pt-BR" dirty="0" smtClean="0"/>
-              <a:t>” que se encontra no MS Teams.</a:t>
-            </a:r>
-          </a:p>
-          <a:p>
-            <a:r>
-              <a:rPr lang="pt-BR" b="1" dirty="0" smtClean="0"/>
-              <a:t>Exercício Prático</a:t>
-            </a:r>
-            <a:r>
-              <a:rPr lang="pt-BR" smtClean="0"/>
-              <a:t>: </a:t>
-            </a:r>
-            <a:r>
-              <a:rPr lang="pt-BR" smtClean="0"/>
-              <a:t>.</a:t>
-            </a:r>
-            <a:endParaRPr lang="pt-BR" dirty="0" smtClean="0"/>
-          </a:p>
-          <a:p>
-            <a:pPr lvl="1"/>
-            <a:r>
-              <a:rPr lang="pt-BR" dirty="0"/>
-              <a:t>Pode ser baixado do MS Teams ou do GitHub.</a:t>
-            </a:r>
-          </a:p>
-          <a:p>
-            <a:pPr lvl="1"/>
-            <a:r>
-              <a:rPr lang="pt-BR" dirty="0"/>
-              <a:t>Pode ser respondido através do link acima (na nuvem) ou localmente.</a:t>
-            </a:r>
-          </a:p>
-          <a:p>
-            <a:pPr lvl="1"/>
-            <a:r>
-              <a:rPr lang="pt-BR" dirty="0">
-                <a:hlinkClick r:id="rId3"/>
-              </a:rPr>
-              <a:t>Instruções para resolução e entrega dos laboratórios</a:t>
-            </a:r>
-            <a:r>
-              <a:rPr lang="pt-BR" dirty="0"/>
-              <a:t>.</a:t>
-            </a:r>
-          </a:p>
-          <a:p>
-            <a:pPr lvl="1"/>
-            <a:r>
-              <a:rPr lang="pt-BR" b="1" dirty="0" smtClean="0">
-                <a:solidFill>
-                  <a:srgbClr val="FF0000"/>
-                </a:solidFill>
-              </a:rPr>
-              <a:t>Atividades podem </a:t>
-            </a:r>
-            <a:r>
-              <a:rPr lang="pt-BR" b="1" dirty="0">
-                <a:solidFill>
-                  <a:srgbClr val="FF0000"/>
-                </a:solidFill>
-              </a:rPr>
-              <a:t>ser </a:t>
-            </a:r>
-            <a:r>
-              <a:rPr lang="pt-BR" b="1" dirty="0" smtClean="0">
-                <a:solidFill>
-                  <a:srgbClr val="FF0000"/>
-                </a:solidFill>
-              </a:rPr>
-              <a:t>feitas </a:t>
-            </a:r>
-            <a:r>
-              <a:rPr lang="pt-BR" b="1" dirty="0">
-                <a:solidFill>
-                  <a:srgbClr val="FF0000"/>
-                </a:solidFill>
-              </a:rPr>
-              <a:t>em grupo, mas as entregas devem ser individuais.</a:t>
-            </a:r>
-          </a:p>
-        </p:txBody>
-      </p:sp>
-    </p:spTree>
-    <p:extLst>
-      <p:ext uri="{BB962C8B-B14F-4D97-AF65-F5344CB8AC3E}">
-        <p14:creationId xmlns:p14="http://schemas.microsoft.com/office/powerpoint/2010/main" val="2849316398"/>
-      </p:ext>
-    </p:extLst>
-  </p:cSld>
-  <p:clrMapOvr>
-    <a:masterClrMapping/>
-  </p:clrMapOvr>
-  <p:timing>
-    <p:tnLst>
-      <p:par>
-        <p:cTn id="1" dur="indefinite" restart="never" nodeType="tmRoot"/>
-      </p:par>
-    </p:tnLst>
-  </p:timing>
-</p:sld>
-</file>
-
-<file path=ppt/slides/slide22.xml><?xml version="1.0" encoding="utf-8"?>
-<p:sld xmlns:a="http://schemas.openxmlformats.org/drawingml/2006/main" xmlns:r="http://schemas.openxmlformats.org/officeDocument/2006/relationships" xmlns:p="http://schemas.openxmlformats.org/presentationml/2006/main">
-  <p:cSld>
-    <p:spTree>
-      <p:nvGrpSpPr>
-        <p:cNvPr id="1" name=""/>
-        <p:cNvGrpSpPr/>
-        <p:nvPr/>
-      </p:nvGrpSpPr>
-      <p:grpSpPr>
-        <a:xfrm>
-          <a:off x="0" y="0"/>
-          <a:ext cx="0" cy="0"/>
-          <a:chOff x="0" y="0"/>
-          <a:chExt cx="0" cy="0"/>
-        </a:xfrm>
-      </p:grpSpPr>
-      <p:sp>
-        <p:nvSpPr>
-          <p:cNvPr id="4" name="Título 1">
-            <a:extLst>
-              <a:ext uri="{FF2B5EF4-FFF2-40B4-BE49-F238E27FC236}">
-                <a16:creationId xmlns="" xmlns:a16="http://schemas.microsoft.com/office/drawing/2014/main" id="{32666AC8-2E17-4DB4-B0F5-60C640CCFD2E}"/>
-              </a:ext>
-            </a:extLst>
-          </p:cNvPr>
-          <p:cNvSpPr txBox="1">
-            <a:spLocks/>
-          </p:cNvSpPr>
-          <p:nvPr/>
-        </p:nvSpPr>
-        <p:spPr>
-          <a:xfrm>
-            <a:off x="1431533" y="2720526"/>
-            <a:ext cx="9144000" cy="1029541"/>
-          </a:xfrm>
-          <a:prstGeom prst="rect">
-            <a:avLst/>
-          </a:prstGeom>
-        </p:spPr>
-        <p:txBody>
-          <a:bodyPr vert="horz" lIns="91440" tIns="45720" rIns="91440" bIns="45720" rtlCol="0" anchor="ctr">
-            <a:normAutofit/>
-          </a:bodyPr>
-          <a:lstStyle>
-            <a:lvl1pPr algn="l" defTabSz="914400" rtl="0" eaLnBrk="1" latinLnBrk="0" hangingPunct="1">
-              <a:lnSpc>
-                <a:spcPct val="90000"/>
-              </a:lnSpc>
-              <a:spcBef>
-                <a:spcPct val="0"/>
-              </a:spcBef>
-              <a:buNone/>
-              <a:defRPr sz="4400" kern="1200">
-                <a:solidFill>
-                  <a:schemeClr val="tx1"/>
-                </a:solidFill>
-                <a:latin typeface="+mj-lt"/>
-                <a:ea typeface="+mj-ea"/>
-                <a:cs typeface="+mj-cs"/>
-              </a:defRPr>
-            </a:lvl1pPr>
-          </a:lstStyle>
-          <a:p>
-            <a:pPr algn="ctr"/>
-            <a:r>
-              <a:rPr lang="pt-BR" sz="6600" dirty="0"/>
-              <a:t>Obrigado!</a:t>
-            </a:r>
-          </a:p>
-        </p:txBody>
-      </p:sp>
-    </p:spTree>
-    <p:extLst>
-      <p:ext uri="{BB962C8B-B14F-4D97-AF65-F5344CB8AC3E}">
-        <p14:creationId xmlns:p14="http://schemas.microsoft.com/office/powerpoint/2010/main" val="668771460"/>
-      </p:ext>
-    </p:extLst>
-  </p:cSld>
-  <p:clrMapOvr>
-    <a:masterClrMapping/>
-  </p:clrMapOvr>
-</p:sld>
-</file>
-
-<file path=ppt/slides/slide23.xml><?xml version="1.0" encoding="utf-8"?>
 <p:sld xmlns:a="http://schemas.openxmlformats.org/drawingml/2006/main" xmlns:r="http://schemas.openxmlformats.org/officeDocument/2006/relationships" xmlns:p="http://schemas.openxmlformats.org/presentationml/2006/main">
   <p:cSld>
     <p:spTree>
@@ -13882,7 +9728,7 @@
 </p:sld>
 </file>
 
-<file path=ppt/slides/slide24.xml><?xml version="1.0" encoding="utf-8"?>
+<file path=ppt/slides/slide21.xml><?xml version="1.0" encoding="utf-8"?>
 <p:sld xmlns:a="http://schemas.openxmlformats.org/drawingml/2006/main" xmlns:r="http://schemas.openxmlformats.org/officeDocument/2006/relationships" xmlns:p="http://schemas.openxmlformats.org/presentationml/2006/main">
   <p:cSld>
     <p:spTree>
@@ -13904,7 +9750,7 @@
           <p:cNvPr id="4" name="Título 1">
             <a:extLst>
               <a:ext uri="{FF2B5EF4-FFF2-40B4-BE49-F238E27FC236}">
-                <a16:creationId xmlns="" xmlns:a16="http://schemas.microsoft.com/office/drawing/2014/main" id="{32666AC8-2E17-4DB4-B0F5-60C640CCFD2E}"/>
+                <a16:creationId xmlns:a16="http://schemas.microsoft.com/office/drawing/2014/main" xmlns="" id="{32666AC8-2E17-4DB4-B0F5-60C640CCFD2E}"/>
               </a:ext>
             </a:extLst>
           </p:cNvPr>
@@ -13967,7 +9813,7 @@
 </p:sld>
 </file>
 
-<file path=ppt/slides/slide25.xml><?xml version="1.0" encoding="utf-8"?>
+<file path=ppt/slides/slide22.xml><?xml version="1.0" encoding="utf-8"?>
 <p:sld xmlns:a="http://schemas.openxmlformats.org/drawingml/2006/main" xmlns:r="http://schemas.openxmlformats.org/officeDocument/2006/relationships" xmlns:p="http://schemas.openxmlformats.org/presentationml/2006/main">
   <p:cSld>
     <p:spTree>

--- a/slides/T320_Redes_Neurais_Artificiais (Parte IV).pptx
+++ b/slides/T320_Redes_Neurais_Artificiais (Parte IV).pptx
@@ -255,7 +255,7 @@
           <a:p>
             <a:fld id="{C3C82C08-3EFC-4473-8294-F0E229C19EFF}" type="datetimeFigureOut">
               <a:rPr lang="pt-BR" smtClean="0"/>
-              <a:t>30/10/2021</a:t>
+              <a:t>18/11/2021</a:t>
             </a:fld>
             <a:endParaRPr lang="pt-BR"/>
           </a:p>
@@ -2085,17 +2085,8 @@
             </a:r>
             <a:r>
               <a:rPr lang="pt-BR" sz="1200" dirty="0" smtClean="0"/>
-              <a:t> </a:t>
-            </a:r>
-            <a:r>
-              <a:rPr lang="pt-BR" sz="1200" dirty="0" smtClean="0"/>
-              <a:t>https://</a:t>
-            </a:r>
-            <a:r>
-              <a:rPr lang="pt-BR" sz="1200" dirty="0" smtClean="0"/>
-              <a:t>mybinder.org/v2/gh/zz4fap/t320_aprendizado_de_maquina/main?filepath=projeto%2Fprojeto_2_T320_2S2021.ipynb</a:t>
-            </a:r>
-            <a:endParaRPr lang="pt-BR" sz="1200" dirty="0" smtClean="0"/>
+              <a:t> https://mybinder.org/v2/gh/zz4fap/t320_aprendizado_de_maquina/main?filepath=projeto%2Fprojeto_2_T320_2S2021.ipynb</a:t>
+            </a:r>
           </a:p>
           <a:p>
             <a:endParaRPr lang="pt-BR" sz="1200" dirty="0"/>
@@ -2269,7 +2260,7 @@
           <a:p>
             <a:fld id="{221D0464-8C8A-49C0-859F-777E51766A35}" type="datetimeFigureOut">
               <a:rPr lang="pt-BR" smtClean="0"/>
-              <a:t>30/10/2021</a:t>
+              <a:t>18/11/2021</a:t>
             </a:fld>
             <a:endParaRPr lang="pt-BR"/>
           </a:p>
@@ -2439,7 +2430,7 @@
           <a:p>
             <a:fld id="{221D0464-8C8A-49C0-859F-777E51766A35}" type="datetimeFigureOut">
               <a:rPr lang="pt-BR" smtClean="0"/>
-              <a:t>30/10/2021</a:t>
+              <a:t>18/11/2021</a:t>
             </a:fld>
             <a:endParaRPr lang="pt-BR"/>
           </a:p>
@@ -2619,7 +2610,7 @@
           <a:p>
             <a:fld id="{221D0464-8C8A-49C0-859F-777E51766A35}" type="datetimeFigureOut">
               <a:rPr lang="pt-BR" smtClean="0"/>
-              <a:t>30/10/2021</a:t>
+              <a:t>18/11/2021</a:t>
             </a:fld>
             <a:endParaRPr lang="pt-BR"/>
           </a:p>
@@ -2789,7 +2780,7 @@
           <a:p>
             <a:fld id="{221D0464-8C8A-49C0-859F-777E51766A35}" type="datetimeFigureOut">
               <a:rPr lang="pt-BR" smtClean="0"/>
-              <a:t>30/10/2021</a:t>
+              <a:t>18/11/2021</a:t>
             </a:fld>
             <a:endParaRPr lang="pt-BR"/>
           </a:p>
@@ -3035,7 +3026,7 @@
           <a:p>
             <a:fld id="{221D0464-8C8A-49C0-859F-777E51766A35}" type="datetimeFigureOut">
               <a:rPr lang="pt-BR" smtClean="0"/>
-              <a:t>30/10/2021</a:t>
+              <a:t>18/11/2021</a:t>
             </a:fld>
             <a:endParaRPr lang="pt-BR"/>
           </a:p>
@@ -3267,7 +3258,7 @@
           <a:p>
             <a:fld id="{221D0464-8C8A-49C0-859F-777E51766A35}" type="datetimeFigureOut">
               <a:rPr lang="pt-BR" smtClean="0"/>
-              <a:t>30/10/2021</a:t>
+              <a:t>18/11/2021</a:t>
             </a:fld>
             <a:endParaRPr lang="pt-BR"/>
           </a:p>
@@ -3634,7 +3625,7 @@
           <a:p>
             <a:fld id="{221D0464-8C8A-49C0-859F-777E51766A35}" type="datetimeFigureOut">
               <a:rPr lang="pt-BR" smtClean="0"/>
-              <a:t>30/10/2021</a:t>
+              <a:t>18/11/2021</a:t>
             </a:fld>
             <a:endParaRPr lang="pt-BR"/>
           </a:p>
@@ -3752,7 +3743,7 @@
           <a:p>
             <a:fld id="{221D0464-8C8A-49C0-859F-777E51766A35}" type="datetimeFigureOut">
               <a:rPr lang="pt-BR" smtClean="0"/>
-              <a:t>30/10/2021</a:t>
+              <a:t>18/11/2021</a:t>
             </a:fld>
             <a:endParaRPr lang="pt-BR"/>
           </a:p>
@@ -3847,7 +3838,7 @@
           <a:p>
             <a:fld id="{221D0464-8C8A-49C0-859F-777E51766A35}" type="datetimeFigureOut">
               <a:rPr lang="pt-BR" smtClean="0"/>
-              <a:t>30/10/2021</a:t>
+              <a:t>18/11/2021</a:t>
             </a:fld>
             <a:endParaRPr lang="pt-BR"/>
           </a:p>
@@ -4124,7 +4115,7 @@
           <a:p>
             <a:fld id="{221D0464-8C8A-49C0-859F-777E51766A35}" type="datetimeFigureOut">
               <a:rPr lang="pt-BR" smtClean="0"/>
-              <a:t>30/10/2021</a:t>
+              <a:t>18/11/2021</a:t>
             </a:fld>
             <a:endParaRPr lang="pt-BR"/>
           </a:p>
@@ -4377,7 +4368,7 @@
           <a:p>
             <a:fld id="{221D0464-8C8A-49C0-859F-777E51766A35}" type="datetimeFigureOut">
               <a:rPr lang="pt-BR" smtClean="0"/>
-              <a:t>30/10/2021</a:t>
+              <a:t>18/11/2021</a:t>
             </a:fld>
             <a:endParaRPr lang="pt-BR"/>
           </a:p>
@@ -4590,7 +4581,7 @@
           <a:p>
             <a:fld id="{221D0464-8C8A-49C0-859F-777E51766A35}" type="datetimeFigureOut">
               <a:rPr lang="pt-BR" smtClean="0"/>
-              <a:t>30/10/2021</a:t>
+              <a:t>18/11/2021</a:t>
             </a:fld>
             <a:endParaRPr lang="pt-BR"/>
           </a:p>
@@ -5000,7 +4991,7 @@
           <p:cNvPr id="2" name="Título 1">
             <a:extLst>
               <a:ext uri="{FF2B5EF4-FFF2-40B4-BE49-F238E27FC236}">
-                <a16:creationId xmlns:a16="http://schemas.microsoft.com/office/drawing/2014/main" xmlns="" id="{32666AC8-2E17-4DB4-B0F5-60C640CCFD2E}"/>
+                <a16:creationId xmlns="" xmlns:a16="http://schemas.microsoft.com/office/drawing/2014/main" id="{32666AC8-2E17-4DB4-B0F5-60C640CCFD2E}"/>
               </a:ext>
             </a:extLst>
           </p:cNvPr>
@@ -5055,7 +5046,7 @@
           <p:cNvPr id="4" name="CaixaDeTexto 3">
             <a:extLst>
               <a:ext uri="{FF2B5EF4-FFF2-40B4-BE49-F238E27FC236}">
-                <a16:creationId xmlns:a16="http://schemas.microsoft.com/office/drawing/2014/main" xmlns="" id="{430EB894-B7D4-434C-9D1A-A14094D9BEEC}"/>
+                <a16:creationId xmlns="" xmlns:a16="http://schemas.microsoft.com/office/drawing/2014/main" id="{430EB894-B7D4-434C-9D1A-A14094D9BEEC}"/>
               </a:ext>
             </a:extLst>
           </p:cNvPr>
@@ -5096,7 +5087,7 @@
           <p:cNvPr id="1026" name="Picture 2" descr="Logo">
             <a:extLst>
               <a:ext uri="{FF2B5EF4-FFF2-40B4-BE49-F238E27FC236}">
-                <a16:creationId xmlns:a16="http://schemas.microsoft.com/office/drawing/2014/main" xmlns="" id="{3F2642E0-4F6A-4196-8F58-E77D36E9A33F}"/>
+                <a16:creationId xmlns="" xmlns:a16="http://schemas.microsoft.com/office/drawing/2014/main" id="{3F2642E0-4F6A-4196-8F58-E77D36E9A33F}"/>
               </a:ext>
             </a:extLst>
           </p:cNvPr>
@@ -5141,7 +5132,7 @@
           <p:cNvPr id="5122" name="Picture 2" descr="Image result for machine learning">
             <a:extLst>
               <a:ext uri="{FF2B5EF4-FFF2-40B4-BE49-F238E27FC236}">
-                <a16:creationId xmlns:a16="http://schemas.microsoft.com/office/drawing/2014/main" xmlns="" id="{810CE0A2-4102-44A6-A370-175E7896CDCB}"/>
+                <a16:creationId xmlns="" xmlns:a16="http://schemas.microsoft.com/office/drawing/2014/main" id="{810CE0A2-4102-44A6-A370-175E7896CDCB}"/>
               </a:ext>
             </a:extLst>
           </p:cNvPr>
@@ -9149,7 +9140,6 @@
               <a:rPr lang="pt-BR" dirty="0" smtClean="0"/>
               <a:t>.</a:t>
             </a:r>
-            <a:endParaRPr lang="pt-BR" dirty="0" smtClean="0"/>
           </a:p>
           <a:p>
             <a:pPr lvl="1"/>
@@ -9257,7 +9247,7 @@
           <p:cNvPr id="4" name="Título 1">
             <a:extLst>
               <a:ext uri="{FF2B5EF4-FFF2-40B4-BE49-F238E27FC236}">
-                <a16:creationId xmlns:a16="http://schemas.microsoft.com/office/drawing/2014/main" xmlns="" id="{32666AC8-2E17-4DB4-B0F5-60C640CCFD2E}"/>
+                <a16:creationId xmlns="" xmlns:a16="http://schemas.microsoft.com/office/drawing/2014/main" id="{32666AC8-2E17-4DB4-B0F5-60C640CCFD2E}"/>
               </a:ext>
             </a:extLst>
           </p:cNvPr>
@@ -9750,7 +9740,7 @@
           <p:cNvPr id="4" name="Título 1">
             <a:extLst>
               <a:ext uri="{FF2B5EF4-FFF2-40B4-BE49-F238E27FC236}">
-                <a16:creationId xmlns:a16="http://schemas.microsoft.com/office/drawing/2014/main" xmlns="" id="{32666AC8-2E17-4DB4-B0F5-60C640CCFD2E}"/>
+                <a16:creationId xmlns="" xmlns:a16="http://schemas.microsoft.com/office/drawing/2014/main" id="{32666AC8-2E17-4DB4-B0F5-60C640CCFD2E}"/>
               </a:ext>
             </a:extLst>
           </p:cNvPr>

--- a/slides/T320_Redes_Neurais_Artificiais (Parte IV).pptx
+++ b/slides/T320_Redes_Neurais_Artificiais (Parte IV).pptx
@@ -255,7 +255,7 @@
           <a:p>
             <a:fld id="{C3C82C08-3EFC-4473-8294-F0E229C19EFF}" type="datetimeFigureOut">
               <a:rPr lang="pt-BR" smtClean="0"/>
-              <a:t>18/11/2021</a:t>
+              <a:t>19/11/2021</a:t>
             </a:fld>
             <a:endParaRPr lang="pt-BR"/>
           </a:p>
@@ -2260,7 +2260,7 @@
           <a:p>
             <a:fld id="{221D0464-8C8A-49C0-859F-777E51766A35}" type="datetimeFigureOut">
               <a:rPr lang="pt-BR" smtClean="0"/>
-              <a:t>18/11/2021</a:t>
+              <a:t>19/11/2021</a:t>
             </a:fld>
             <a:endParaRPr lang="pt-BR"/>
           </a:p>
@@ -2430,7 +2430,7 @@
           <a:p>
             <a:fld id="{221D0464-8C8A-49C0-859F-777E51766A35}" type="datetimeFigureOut">
               <a:rPr lang="pt-BR" smtClean="0"/>
-              <a:t>18/11/2021</a:t>
+              <a:t>19/11/2021</a:t>
             </a:fld>
             <a:endParaRPr lang="pt-BR"/>
           </a:p>
@@ -2610,7 +2610,7 @@
           <a:p>
             <a:fld id="{221D0464-8C8A-49C0-859F-777E51766A35}" type="datetimeFigureOut">
               <a:rPr lang="pt-BR" smtClean="0"/>
-              <a:t>18/11/2021</a:t>
+              <a:t>19/11/2021</a:t>
             </a:fld>
             <a:endParaRPr lang="pt-BR"/>
           </a:p>
@@ -2780,7 +2780,7 @@
           <a:p>
             <a:fld id="{221D0464-8C8A-49C0-859F-777E51766A35}" type="datetimeFigureOut">
               <a:rPr lang="pt-BR" smtClean="0"/>
-              <a:t>18/11/2021</a:t>
+              <a:t>19/11/2021</a:t>
             </a:fld>
             <a:endParaRPr lang="pt-BR"/>
           </a:p>
@@ -3026,7 +3026,7 @@
           <a:p>
             <a:fld id="{221D0464-8C8A-49C0-859F-777E51766A35}" type="datetimeFigureOut">
               <a:rPr lang="pt-BR" smtClean="0"/>
-              <a:t>18/11/2021</a:t>
+              <a:t>19/11/2021</a:t>
             </a:fld>
             <a:endParaRPr lang="pt-BR"/>
           </a:p>
@@ -3258,7 +3258,7 @@
           <a:p>
             <a:fld id="{221D0464-8C8A-49C0-859F-777E51766A35}" type="datetimeFigureOut">
               <a:rPr lang="pt-BR" smtClean="0"/>
-              <a:t>18/11/2021</a:t>
+              <a:t>19/11/2021</a:t>
             </a:fld>
             <a:endParaRPr lang="pt-BR"/>
           </a:p>
@@ -3625,7 +3625,7 @@
           <a:p>
             <a:fld id="{221D0464-8C8A-49C0-859F-777E51766A35}" type="datetimeFigureOut">
               <a:rPr lang="pt-BR" smtClean="0"/>
-              <a:t>18/11/2021</a:t>
+              <a:t>19/11/2021</a:t>
             </a:fld>
             <a:endParaRPr lang="pt-BR"/>
           </a:p>
@@ -3743,7 +3743,7 @@
           <a:p>
             <a:fld id="{221D0464-8C8A-49C0-859F-777E51766A35}" type="datetimeFigureOut">
               <a:rPr lang="pt-BR" smtClean="0"/>
-              <a:t>18/11/2021</a:t>
+              <a:t>19/11/2021</a:t>
             </a:fld>
             <a:endParaRPr lang="pt-BR"/>
           </a:p>
@@ -3838,7 +3838,7 @@
           <a:p>
             <a:fld id="{221D0464-8C8A-49C0-859F-777E51766A35}" type="datetimeFigureOut">
               <a:rPr lang="pt-BR" smtClean="0"/>
-              <a:t>18/11/2021</a:t>
+              <a:t>19/11/2021</a:t>
             </a:fld>
             <a:endParaRPr lang="pt-BR"/>
           </a:p>
@@ -4115,7 +4115,7 @@
           <a:p>
             <a:fld id="{221D0464-8C8A-49C0-859F-777E51766A35}" type="datetimeFigureOut">
               <a:rPr lang="pt-BR" smtClean="0"/>
-              <a:t>18/11/2021</a:t>
+              <a:t>19/11/2021</a:t>
             </a:fld>
             <a:endParaRPr lang="pt-BR"/>
           </a:p>
@@ -4368,7 +4368,7 @@
           <a:p>
             <a:fld id="{221D0464-8C8A-49C0-859F-777E51766A35}" type="datetimeFigureOut">
               <a:rPr lang="pt-BR" smtClean="0"/>
-              <a:t>18/11/2021</a:t>
+              <a:t>19/11/2021</a:t>
             </a:fld>
             <a:endParaRPr lang="pt-BR"/>
           </a:p>
@@ -4581,7 +4581,7 @@
           <a:p>
             <a:fld id="{221D0464-8C8A-49C0-859F-777E51766A35}" type="datetimeFigureOut">
               <a:rPr lang="pt-BR" smtClean="0"/>
-              <a:t>18/11/2021</a:t>
+              <a:t>19/11/2021</a:t>
             </a:fld>
             <a:endParaRPr lang="pt-BR"/>
           </a:p>
@@ -4991,7 +4991,7 @@
           <p:cNvPr id="2" name="Título 1">
             <a:extLst>
               <a:ext uri="{FF2B5EF4-FFF2-40B4-BE49-F238E27FC236}">
-                <a16:creationId xmlns="" xmlns:a16="http://schemas.microsoft.com/office/drawing/2014/main" id="{32666AC8-2E17-4DB4-B0F5-60C640CCFD2E}"/>
+                <a16:creationId xmlns:a16="http://schemas.microsoft.com/office/drawing/2014/main" xmlns="" id="{32666AC8-2E17-4DB4-B0F5-60C640CCFD2E}"/>
               </a:ext>
             </a:extLst>
           </p:cNvPr>
@@ -5046,7 +5046,7 @@
           <p:cNvPr id="4" name="CaixaDeTexto 3">
             <a:extLst>
               <a:ext uri="{FF2B5EF4-FFF2-40B4-BE49-F238E27FC236}">
-                <a16:creationId xmlns="" xmlns:a16="http://schemas.microsoft.com/office/drawing/2014/main" id="{430EB894-B7D4-434C-9D1A-A14094D9BEEC}"/>
+                <a16:creationId xmlns:a16="http://schemas.microsoft.com/office/drawing/2014/main" xmlns="" id="{430EB894-B7D4-434C-9D1A-A14094D9BEEC}"/>
               </a:ext>
             </a:extLst>
           </p:cNvPr>
@@ -5087,7 +5087,7 @@
           <p:cNvPr id="1026" name="Picture 2" descr="Logo">
             <a:extLst>
               <a:ext uri="{FF2B5EF4-FFF2-40B4-BE49-F238E27FC236}">
-                <a16:creationId xmlns="" xmlns:a16="http://schemas.microsoft.com/office/drawing/2014/main" id="{3F2642E0-4F6A-4196-8F58-E77D36E9A33F}"/>
+                <a16:creationId xmlns:a16="http://schemas.microsoft.com/office/drawing/2014/main" xmlns="" id="{3F2642E0-4F6A-4196-8F58-E77D36E9A33F}"/>
               </a:ext>
             </a:extLst>
           </p:cNvPr>
@@ -5132,7 +5132,7 @@
           <p:cNvPr id="5122" name="Picture 2" descr="Image result for machine learning">
             <a:extLst>
               <a:ext uri="{FF2B5EF4-FFF2-40B4-BE49-F238E27FC236}">
-                <a16:creationId xmlns="" xmlns:a16="http://schemas.microsoft.com/office/drawing/2014/main" id="{810CE0A2-4102-44A6-A370-175E7896CDCB}"/>
+                <a16:creationId xmlns:a16="http://schemas.microsoft.com/office/drawing/2014/main" xmlns="" id="{810CE0A2-4102-44A6-A370-175E7896CDCB}"/>
               </a:ext>
             </a:extLst>
           </p:cNvPr>
@@ -5154,7 +5154,7 @@
         </p:blipFill>
         <p:spPr bwMode="auto">
           <a:xfrm>
-            <a:off x="4965305" y="3396429"/>
+            <a:off x="4965305" y="3434929"/>
             <a:ext cx="2261389" cy="2237061"/>
           </a:xfrm>
           <a:prstGeom prst="rect">
@@ -9247,7 +9247,7 @@
           <p:cNvPr id="4" name="Título 1">
             <a:extLst>
               <a:ext uri="{FF2B5EF4-FFF2-40B4-BE49-F238E27FC236}">
-                <a16:creationId xmlns="" xmlns:a16="http://schemas.microsoft.com/office/drawing/2014/main" id="{32666AC8-2E17-4DB4-B0F5-60C640CCFD2E}"/>
+                <a16:creationId xmlns:a16="http://schemas.microsoft.com/office/drawing/2014/main" xmlns="" id="{32666AC8-2E17-4DB4-B0F5-60C640CCFD2E}"/>
               </a:ext>
             </a:extLst>
           </p:cNvPr>
@@ -9386,7 +9386,15 @@
           <a:p>
             <a:r>
               <a:rPr lang="pt-BR" dirty="0" smtClean="0"/>
-              <a:t>Aprendemos qu a minimização é realizada iterativamente com a retropropagação do erro.</a:t>
+              <a:t>Aprendemos </a:t>
+            </a:r>
+            <a:r>
+              <a:rPr lang="pt-BR" dirty="0" smtClean="0"/>
+              <a:t>que </a:t>
+            </a:r>
+            <a:r>
+              <a:rPr lang="pt-BR" dirty="0" smtClean="0"/>
+              <a:t>a minimização é realizada iterativamente com a retropropagação do erro.</a:t>
             </a:r>
           </a:p>
           <a:p>
@@ -9740,7 +9748,7 @@
           <p:cNvPr id="4" name="Título 1">
             <a:extLst>
               <a:ext uri="{FF2B5EF4-FFF2-40B4-BE49-F238E27FC236}">
-                <a16:creationId xmlns="" xmlns:a16="http://schemas.microsoft.com/office/drawing/2014/main" id="{32666AC8-2E17-4DB4-B0F5-60C640CCFD2E}"/>
+                <a16:creationId xmlns:a16="http://schemas.microsoft.com/office/drawing/2014/main" xmlns="" id="{32666AC8-2E17-4DB4-B0F5-60C640CCFD2E}"/>
               </a:ext>
             </a:extLst>
           </p:cNvPr>

--- a/slides/T320_Redes_Neurais_Artificiais (Parte IV).pptx
+++ b/slides/T320_Redes_Neurais_Artificiais (Parte IV).pptx
@@ -255,7 +255,7 @@
           <a:p>
             <a:fld id="{C3C82C08-3EFC-4473-8294-F0E229C19EFF}" type="datetimeFigureOut">
               <a:rPr lang="pt-BR" smtClean="0"/>
-              <a:t>19/11/2021</a:t>
+              <a:t>29/11/2021</a:t>
             </a:fld>
             <a:endParaRPr lang="pt-BR"/>
           </a:p>
@@ -2260,7 +2260,7 @@
           <a:p>
             <a:fld id="{221D0464-8C8A-49C0-859F-777E51766A35}" type="datetimeFigureOut">
               <a:rPr lang="pt-BR" smtClean="0"/>
-              <a:t>19/11/2021</a:t>
+              <a:t>29/11/2021</a:t>
             </a:fld>
             <a:endParaRPr lang="pt-BR"/>
           </a:p>
@@ -2430,7 +2430,7 @@
           <a:p>
             <a:fld id="{221D0464-8C8A-49C0-859F-777E51766A35}" type="datetimeFigureOut">
               <a:rPr lang="pt-BR" smtClean="0"/>
-              <a:t>19/11/2021</a:t>
+              <a:t>29/11/2021</a:t>
             </a:fld>
             <a:endParaRPr lang="pt-BR"/>
           </a:p>
@@ -2610,7 +2610,7 @@
           <a:p>
             <a:fld id="{221D0464-8C8A-49C0-859F-777E51766A35}" type="datetimeFigureOut">
               <a:rPr lang="pt-BR" smtClean="0"/>
-              <a:t>19/11/2021</a:t>
+              <a:t>29/11/2021</a:t>
             </a:fld>
             <a:endParaRPr lang="pt-BR"/>
           </a:p>
@@ -2780,7 +2780,7 @@
           <a:p>
             <a:fld id="{221D0464-8C8A-49C0-859F-777E51766A35}" type="datetimeFigureOut">
               <a:rPr lang="pt-BR" smtClean="0"/>
-              <a:t>19/11/2021</a:t>
+              <a:t>29/11/2021</a:t>
             </a:fld>
             <a:endParaRPr lang="pt-BR"/>
           </a:p>
@@ -3026,7 +3026,7 @@
           <a:p>
             <a:fld id="{221D0464-8C8A-49C0-859F-777E51766A35}" type="datetimeFigureOut">
               <a:rPr lang="pt-BR" smtClean="0"/>
-              <a:t>19/11/2021</a:t>
+              <a:t>29/11/2021</a:t>
             </a:fld>
             <a:endParaRPr lang="pt-BR"/>
           </a:p>
@@ -3258,7 +3258,7 @@
           <a:p>
             <a:fld id="{221D0464-8C8A-49C0-859F-777E51766A35}" type="datetimeFigureOut">
               <a:rPr lang="pt-BR" smtClean="0"/>
-              <a:t>19/11/2021</a:t>
+              <a:t>29/11/2021</a:t>
             </a:fld>
             <a:endParaRPr lang="pt-BR"/>
           </a:p>
@@ -3625,7 +3625,7 @@
           <a:p>
             <a:fld id="{221D0464-8C8A-49C0-859F-777E51766A35}" type="datetimeFigureOut">
               <a:rPr lang="pt-BR" smtClean="0"/>
-              <a:t>19/11/2021</a:t>
+              <a:t>29/11/2021</a:t>
             </a:fld>
             <a:endParaRPr lang="pt-BR"/>
           </a:p>
@@ -3743,7 +3743,7 @@
           <a:p>
             <a:fld id="{221D0464-8C8A-49C0-859F-777E51766A35}" type="datetimeFigureOut">
               <a:rPr lang="pt-BR" smtClean="0"/>
-              <a:t>19/11/2021</a:t>
+              <a:t>29/11/2021</a:t>
             </a:fld>
             <a:endParaRPr lang="pt-BR"/>
           </a:p>
@@ -3838,7 +3838,7 @@
           <a:p>
             <a:fld id="{221D0464-8C8A-49C0-859F-777E51766A35}" type="datetimeFigureOut">
               <a:rPr lang="pt-BR" smtClean="0"/>
-              <a:t>19/11/2021</a:t>
+              <a:t>29/11/2021</a:t>
             </a:fld>
             <a:endParaRPr lang="pt-BR"/>
           </a:p>
@@ -4115,7 +4115,7 @@
           <a:p>
             <a:fld id="{221D0464-8C8A-49C0-859F-777E51766A35}" type="datetimeFigureOut">
               <a:rPr lang="pt-BR" smtClean="0"/>
-              <a:t>19/11/2021</a:t>
+              <a:t>29/11/2021</a:t>
             </a:fld>
             <a:endParaRPr lang="pt-BR"/>
           </a:p>
@@ -4368,7 +4368,7 @@
           <a:p>
             <a:fld id="{221D0464-8C8A-49C0-859F-777E51766A35}" type="datetimeFigureOut">
               <a:rPr lang="pt-BR" smtClean="0"/>
-              <a:t>19/11/2021</a:t>
+              <a:t>29/11/2021</a:t>
             </a:fld>
             <a:endParaRPr lang="pt-BR"/>
           </a:p>
@@ -4581,7 +4581,7 @@
           <a:p>
             <a:fld id="{221D0464-8C8A-49C0-859F-777E51766A35}" type="datetimeFigureOut">
               <a:rPr lang="pt-BR" smtClean="0"/>
-              <a:t>19/11/2021</a:t>
+              <a:t>29/11/2021</a:t>
             </a:fld>
             <a:endParaRPr lang="pt-BR"/>
           </a:p>
@@ -4991,7 +4991,7 @@
           <p:cNvPr id="2" name="Título 1">
             <a:extLst>
               <a:ext uri="{FF2B5EF4-FFF2-40B4-BE49-F238E27FC236}">
-                <a16:creationId xmlns:a16="http://schemas.microsoft.com/office/drawing/2014/main" xmlns="" id="{32666AC8-2E17-4DB4-B0F5-60C640CCFD2E}"/>
+                <a16:creationId xmlns="" xmlns:a16="http://schemas.microsoft.com/office/drawing/2014/main" id="{32666AC8-2E17-4DB4-B0F5-60C640CCFD2E}"/>
               </a:ext>
             </a:extLst>
           </p:cNvPr>
@@ -5046,7 +5046,7 @@
           <p:cNvPr id="4" name="CaixaDeTexto 3">
             <a:extLst>
               <a:ext uri="{FF2B5EF4-FFF2-40B4-BE49-F238E27FC236}">
-                <a16:creationId xmlns:a16="http://schemas.microsoft.com/office/drawing/2014/main" xmlns="" id="{430EB894-B7D4-434C-9D1A-A14094D9BEEC}"/>
+                <a16:creationId xmlns="" xmlns:a16="http://schemas.microsoft.com/office/drawing/2014/main" id="{430EB894-B7D4-434C-9D1A-A14094D9BEEC}"/>
               </a:ext>
             </a:extLst>
           </p:cNvPr>
@@ -5087,7 +5087,7 @@
           <p:cNvPr id="1026" name="Picture 2" descr="Logo">
             <a:extLst>
               <a:ext uri="{FF2B5EF4-FFF2-40B4-BE49-F238E27FC236}">
-                <a16:creationId xmlns:a16="http://schemas.microsoft.com/office/drawing/2014/main" xmlns="" id="{3F2642E0-4F6A-4196-8F58-E77D36E9A33F}"/>
+                <a16:creationId xmlns="" xmlns:a16="http://schemas.microsoft.com/office/drawing/2014/main" id="{3F2642E0-4F6A-4196-8F58-E77D36E9A33F}"/>
               </a:ext>
             </a:extLst>
           </p:cNvPr>
@@ -5132,7 +5132,7 @@
           <p:cNvPr id="5122" name="Picture 2" descr="Image result for machine learning">
             <a:extLst>
               <a:ext uri="{FF2B5EF4-FFF2-40B4-BE49-F238E27FC236}">
-                <a16:creationId xmlns:a16="http://schemas.microsoft.com/office/drawing/2014/main" xmlns="" id="{810CE0A2-4102-44A6-A370-175E7896CDCB}"/>
+                <a16:creationId xmlns="" xmlns:a16="http://schemas.microsoft.com/office/drawing/2014/main" id="{810CE0A2-4102-44A6-A370-175E7896CDCB}"/>
               </a:ext>
             </a:extLst>
           </p:cNvPr>
@@ -9089,11 +9089,13 @@
         <p:spPr>
           <a:xfrm>
             <a:off x="838199" y="1825624"/>
-            <a:ext cx="10994409" cy="4547879"/>
+            <a:ext cx="11154879" cy="4854309"/>
           </a:xfrm>
         </p:spPr>
         <p:txBody>
-          <a:bodyPr/>
+          <a:bodyPr>
+            <a:normAutofit/>
+          </a:bodyPr>
           <a:lstStyle/>
           <a:p>
             <a:r>
@@ -9124,7 +9126,7 @@
           <a:p>
             <a:r>
               <a:rPr lang="pt-BR" b="1" dirty="0" smtClean="0"/>
-              <a:t>Exercício Prático</a:t>
+              <a:t>Projeto</a:t>
             </a:r>
             <a:r>
               <a:rPr lang="pt-BR" dirty="0" smtClean="0"/>
@@ -9144,63 +9146,81 @@
           <a:p>
             <a:pPr lvl="1"/>
             <a:r>
+              <a:rPr lang="pt-BR" dirty="0" smtClean="0"/>
+              <a:t>Pode </a:t>
+            </a:r>
+            <a:r>
               <a:rPr lang="pt-BR" dirty="0"/>
-              <a:t>Pode ser baixado do MS Teams ou do GitHub.</a:t>
+              <a:t>ser feito em </a:t>
+            </a:r>
+            <a:r>
+              <a:rPr lang="pt-BR" dirty="0" smtClean="0"/>
+              <a:t>grupos </a:t>
+            </a:r>
+            <a:r>
+              <a:rPr lang="pt-BR" dirty="0"/>
+              <a:t>de no máximo 3 alunos.</a:t>
             </a:r>
           </a:p>
           <a:p>
             <a:pPr lvl="1"/>
             <a:r>
+              <a:rPr lang="pt-BR" b="1" dirty="0"/>
+              <a:t>Entrega</a:t>
+            </a:r>
+            <a:r>
               <a:rPr lang="pt-BR" dirty="0"/>
-              <a:t>Pode ser respondido através do link acima (na nuvem) ou localmente.</a:t>
-            </a:r>
+              <a:t>: </a:t>
+            </a:r>
+            <a:r>
+              <a:rPr lang="pt-BR" dirty="0" smtClean="0"/>
+              <a:t>12/12/2021.</a:t>
+            </a:r>
+            <a:endParaRPr lang="pt-BR" dirty="0"/>
           </a:p>
           <a:p>
             <a:pPr lvl="1"/>
             <a:r>
-              <a:rPr lang="pt-BR" dirty="0">
-                <a:hlinkClick r:id="rId4"/>
-              </a:rPr>
-              <a:t>Instruções para resolução e entrega dos laboratórios</a:t>
-            </a:r>
-            <a:r>
               <a:rPr lang="pt-BR" dirty="0"/>
-              <a:t>.</a:t>
-            </a:r>
+              <a:t>Vídeo com a explicação sobre o projeto se encontra na pasta “Projeto #2” em “Arquivos</a:t>
+            </a:r>
+            <a:r>
+              <a:rPr lang="pt-BR" dirty="0" smtClean="0"/>
+              <a:t>”.</a:t>
+            </a:r>
+            <a:endParaRPr lang="pt-BR" dirty="0"/>
           </a:p>
           <a:p>
             <a:pPr lvl="1"/>
             <a:r>
-              <a:rPr lang="pt-BR" b="1" dirty="0" smtClean="0">
+              <a:rPr lang="pt-BR" dirty="0" smtClean="0"/>
+              <a:t>Leiam </a:t>
+            </a:r>
+            <a:r>
+              <a:rPr lang="pt-BR" dirty="0"/>
+              <a:t>os enunciados </a:t>
+            </a:r>
+            <a:r>
+              <a:rPr lang="pt-BR" dirty="0" smtClean="0"/>
+              <a:t>atentamente.</a:t>
+            </a:r>
+          </a:p>
+          <a:p>
+            <a:pPr lvl="1"/>
+            <a:r>
+              <a:rPr lang="pt-BR" dirty="0" smtClean="0">
                 <a:solidFill>
                   <a:srgbClr val="FF0000"/>
                 </a:solidFill>
               </a:rPr>
-              <a:t>Atividades podem </a:t>
-            </a:r>
-            <a:r>
-              <a:rPr lang="pt-BR" b="1" dirty="0">
-                <a:solidFill>
-                  <a:srgbClr val="FF0000"/>
-                </a:solidFill>
-              </a:rPr>
-              <a:t>ser </a:t>
-            </a:r>
-            <a:r>
-              <a:rPr lang="pt-BR" b="1" dirty="0" smtClean="0">
-                <a:solidFill>
-                  <a:srgbClr val="FF0000"/>
-                </a:solidFill>
-              </a:rPr>
-              <a:t>feitas </a:t>
-            </a:r>
-            <a:r>
-              <a:rPr lang="pt-BR" b="1" dirty="0">
-                <a:solidFill>
-                  <a:srgbClr val="FF0000"/>
-                </a:solidFill>
-              </a:rPr>
-              <a:t>em grupo, mas as entregas devem ser individuais.</a:t>
+              <a:t>Não se esqueçam de colocar os nomes dos integrantes do grupo.</a:t>
+            </a:r>
+          </a:p>
+          <a:p>
+            <a:pPr lvl="1"/>
+            <a:r>
+              <a:rPr lang="pt-BR" dirty="0" smtClean="0"/>
+              <a:t>Apenas um integrante do grupo precisa fazer a entrega.</a:t>
             </a:r>
           </a:p>
         </p:txBody>
@@ -9247,7 +9267,7 @@
           <p:cNvPr id="4" name="Título 1">
             <a:extLst>
               <a:ext uri="{FF2B5EF4-FFF2-40B4-BE49-F238E27FC236}">
-                <a16:creationId xmlns:a16="http://schemas.microsoft.com/office/drawing/2014/main" xmlns="" id="{32666AC8-2E17-4DB4-B0F5-60C640CCFD2E}"/>
+                <a16:creationId xmlns="" xmlns:a16="http://schemas.microsoft.com/office/drawing/2014/main" id="{32666AC8-2E17-4DB4-B0F5-60C640CCFD2E}"/>
               </a:ext>
             </a:extLst>
           </p:cNvPr>
@@ -9386,15 +9406,7 @@
           <a:p>
             <a:r>
               <a:rPr lang="pt-BR" dirty="0" smtClean="0"/>
-              <a:t>Aprendemos </a:t>
-            </a:r>
-            <a:r>
-              <a:rPr lang="pt-BR" dirty="0" smtClean="0"/>
-              <a:t>que </a:t>
-            </a:r>
-            <a:r>
-              <a:rPr lang="pt-BR" dirty="0" smtClean="0"/>
-              <a:t>a minimização é realizada iterativamente com a retropropagação do erro.</a:t>
+              <a:t>Aprendemos que a minimização é realizada iterativamente com a retropropagação do erro.</a:t>
             </a:r>
           </a:p>
           <a:p>
@@ -9748,7 +9760,7 @@
           <p:cNvPr id="4" name="Título 1">
             <a:extLst>
               <a:ext uri="{FF2B5EF4-FFF2-40B4-BE49-F238E27FC236}">
-                <a16:creationId xmlns:a16="http://schemas.microsoft.com/office/drawing/2014/main" xmlns="" id="{32666AC8-2E17-4DB4-B0F5-60C640CCFD2E}"/>
+                <a16:creationId xmlns="" xmlns:a16="http://schemas.microsoft.com/office/drawing/2014/main" id="{32666AC8-2E17-4DB4-B0F5-60C640CCFD2E}"/>
               </a:ext>
             </a:extLst>
           </p:cNvPr>

--- a/slides/T320_Redes_Neurais_Artificiais (Parte IV).pptx
+++ b/slides/T320_Redes_Neurais_Artificiais (Parte IV).pptx
@@ -11,20 +11,20 @@
     <p:sldId id="300" r:id="rId2"/>
     <p:sldId id="292" r:id="rId3"/>
     <p:sldId id="336" r:id="rId4"/>
-    <p:sldId id="366" r:id="rId5"/>
-    <p:sldId id="367" r:id="rId6"/>
-    <p:sldId id="339" r:id="rId7"/>
-    <p:sldId id="340" r:id="rId8"/>
-    <p:sldId id="341" r:id="rId9"/>
-    <p:sldId id="342" r:id="rId10"/>
-    <p:sldId id="343" r:id="rId11"/>
-    <p:sldId id="368" r:id="rId12"/>
-    <p:sldId id="369" r:id="rId13"/>
-    <p:sldId id="346" r:id="rId14"/>
+    <p:sldId id="370" r:id="rId5"/>
+    <p:sldId id="371" r:id="rId6"/>
+    <p:sldId id="372" r:id="rId7"/>
+    <p:sldId id="373" r:id="rId8"/>
+    <p:sldId id="374" r:id="rId9"/>
+    <p:sldId id="375" r:id="rId10"/>
+    <p:sldId id="376" r:id="rId11"/>
+    <p:sldId id="377" r:id="rId12"/>
+    <p:sldId id="378" r:id="rId13"/>
+    <p:sldId id="379" r:id="rId14"/>
     <p:sldId id="347" r:id="rId15"/>
-    <p:sldId id="348" r:id="rId16"/>
-    <p:sldId id="349" r:id="rId17"/>
-    <p:sldId id="350" r:id="rId18"/>
+    <p:sldId id="380" r:id="rId16"/>
+    <p:sldId id="381" r:id="rId17"/>
+    <p:sldId id="382" r:id="rId18"/>
     <p:sldId id="301" r:id="rId19"/>
     <p:sldId id="269" r:id="rId20"/>
     <p:sldId id="303" r:id="rId21"/>
@@ -255,7 +255,7 @@
           <a:p>
             <a:fld id="{C3C82C08-3EFC-4473-8294-F0E229C19EFF}" type="datetimeFigureOut">
               <a:rPr lang="pt-BR" smtClean="0"/>
-              <a:t>29/11/2021</a:t>
+              <a:t>02/12/2021</a:t>
             </a:fld>
             <a:endParaRPr lang="pt-BR"/>
           </a:p>
@@ -712,7 +712,7 @@
     </p:spTree>
     <p:extLst>
       <p:ext uri="{BB962C8B-B14F-4D97-AF65-F5344CB8AC3E}">
-        <p14:creationId xmlns:p14="http://schemas.microsoft.com/office/powerpoint/2010/main" val="4027294165"/>
+        <p14:creationId xmlns:p14="http://schemas.microsoft.com/office/powerpoint/2010/main" val="4228923654"/>
       </p:ext>
     </p:extLst>
   </p:cSld>
@@ -1164,7 +1164,7 @@
     </p:spTree>
     <p:extLst>
       <p:ext uri="{BB962C8B-B14F-4D97-AF65-F5344CB8AC3E}">
-        <p14:creationId xmlns:p14="http://schemas.microsoft.com/office/powerpoint/2010/main" val="567657738"/>
+        <p14:creationId xmlns:p14="http://schemas.microsoft.com/office/powerpoint/2010/main" val="872406360"/>
       </p:ext>
     </p:extLst>
   </p:cSld>
@@ -1343,7 +1343,7 @@
     </p:spTree>
     <p:extLst>
       <p:ext uri="{BB962C8B-B14F-4D97-AF65-F5344CB8AC3E}">
-        <p14:creationId xmlns:p14="http://schemas.microsoft.com/office/powerpoint/2010/main" val="2793787028"/>
+        <p14:creationId xmlns:p14="http://schemas.microsoft.com/office/powerpoint/2010/main" val="1265233036"/>
       </p:ext>
     </p:extLst>
   </p:cSld>
@@ -1600,7 +1600,7 @@
     </p:spTree>
     <p:extLst>
       <p:ext uri="{BB962C8B-B14F-4D97-AF65-F5344CB8AC3E}">
-        <p14:creationId xmlns:p14="http://schemas.microsoft.com/office/powerpoint/2010/main" val="2341605348"/>
+        <p14:creationId xmlns:p14="http://schemas.microsoft.com/office/powerpoint/2010/main" val="4209406398"/>
       </p:ext>
     </p:extLst>
   </p:cSld>
@@ -1720,18 +1720,14 @@
             </a:pPr>
             <a:r>
               <a:rPr lang="pt-BR" dirty="0" smtClean="0"/>
-              <a:t>Para </a:t>
-            </a:r>
-            <a:r>
-              <a:rPr lang="pt-BR" dirty="0"/>
-              <a:t>mais informações</a:t>
-            </a:r>
-            <a:r>
-              <a:rPr lang="pt-BR" baseline="0" dirty="0"/>
+              <a:t>Para mais informações</a:t>
+            </a:r>
+            <a:r>
+              <a:rPr lang="pt-BR" baseline="0" dirty="0" smtClean="0"/>
               <a:t> sobre a inicialização dos pesos </a:t>
             </a:r>
             <a:r>
-              <a:rPr lang="pt-BR" b="0" baseline="0" dirty="0"/>
+              <a:rPr lang="pt-BR" b="0" baseline="0" dirty="0" smtClean="0"/>
               <a:t>vejam:</a:t>
             </a:r>
           </a:p>
@@ -1754,12 +1750,8 @@
               <a:defRPr/>
             </a:pPr>
             <a:r>
-              <a:rPr lang="pt-BR" dirty="0"/>
-              <a:t>[2] GOODFELLOW, I., BENGIO, Y., COURVILLE, A., Deep Learning, MIT Press, 2016. HAYKIN, S. Neural Networks and Learning Machines, 3rd edition, Prentice-Hall, 2008</a:t>
-            </a:r>
-            <a:r>
               <a:rPr lang="pt-BR" dirty="0" smtClean="0"/>
-              <a:t>.</a:t>
+              <a:t>[2] GOODFELLOW, I., BENGIO, Y., COURVILLE, A., Deep Learning, MIT Press, 2016. HAYKIN, S. Neural Networks and Learning Machines, 3rd edition, Prentice-Hall, 2008.</a:t>
             </a:r>
           </a:p>
           <a:p>
@@ -1851,49 +1843,6 @@
               <a:t>[2] https://machinelearningmastery.com/weight-initialization-for-deep-learning-neural-networks/</a:t>
             </a:r>
           </a:p>
-          <a:p>
-            <a:pPr marL="0" marR="0" lvl="0" indent="0" algn="l" defTabSz="914400" rtl="0" eaLnBrk="1" fontAlgn="auto" latinLnBrk="0" hangingPunct="1">
-              <a:lnSpc>
-                <a:spcPct val="100000"/>
-              </a:lnSpc>
-              <a:spcBef>
-                <a:spcPts val="0"/>
-              </a:spcBef>
-              <a:spcAft>
-                <a:spcPts val="0"/>
-              </a:spcAft>
-              <a:buClrTx/>
-              <a:buSzTx/>
-              <a:buFontTx/>
-              <a:buNone/>
-              <a:tabLst/>
-              <a:defRPr/>
-            </a:pPr>
-            <a:endParaRPr lang="pt-BR" dirty="0"/>
-          </a:p>
-          <a:p>
-            <a:pPr marL="0" marR="0" lvl="0" indent="0" algn="l" defTabSz="914400" rtl="0" eaLnBrk="1" fontAlgn="auto" latinLnBrk="0" hangingPunct="1">
-              <a:lnSpc>
-                <a:spcPct val="100000"/>
-              </a:lnSpc>
-              <a:spcBef>
-                <a:spcPts val="0"/>
-              </a:spcBef>
-              <a:spcAft>
-                <a:spcPts val="0"/>
-              </a:spcAft>
-              <a:buClrTx/>
-              <a:buSzTx/>
-              <a:buFontTx/>
-              <a:buNone/>
-              <a:tabLst/>
-              <a:defRPr/>
-            </a:pPr>
-            <a:endParaRPr lang="pt-BR" b="0" baseline="0" dirty="0"/>
-          </a:p>
-          <a:p>
-            <a:endParaRPr lang="pt-BR" dirty="0"/>
-          </a:p>
         </p:txBody>
       </p:sp>
       <p:sp>
@@ -1922,7 +1871,7 @@
     </p:spTree>
     <p:extLst>
       <p:ext uri="{BB962C8B-B14F-4D97-AF65-F5344CB8AC3E}">
-        <p14:creationId xmlns:p14="http://schemas.microsoft.com/office/powerpoint/2010/main" val="3224053132"/>
+        <p14:creationId xmlns:p14="http://schemas.microsoft.com/office/powerpoint/2010/main" val="225742060"/>
       </p:ext>
     </p:extLst>
   </p:cSld>
@@ -2025,7 +1974,7 @@
     </p:spTree>
     <p:extLst>
       <p:ext uri="{BB962C8B-B14F-4D97-AF65-F5344CB8AC3E}">
-        <p14:creationId xmlns:p14="http://schemas.microsoft.com/office/powerpoint/2010/main" val="368196978"/>
+        <p14:creationId xmlns:p14="http://schemas.microsoft.com/office/powerpoint/2010/main" val="3690539435"/>
       </p:ext>
     </p:extLst>
   </p:cSld>
@@ -2260,7 +2209,7 @@
           <a:p>
             <a:fld id="{221D0464-8C8A-49C0-859F-777E51766A35}" type="datetimeFigureOut">
               <a:rPr lang="pt-BR" smtClean="0"/>
-              <a:t>29/11/2021</a:t>
+              <a:t>02/12/2021</a:t>
             </a:fld>
             <a:endParaRPr lang="pt-BR"/>
           </a:p>
@@ -2430,7 +2379,7 @@
           <a:p>
             <a:fld id="{221D0464-8C8A-49C0-859F-777E51766A35}" type="datetimeFigureOut">
               <a:rPr lang="pt-BR" smtClean="0"/>
-              <a:t>29/11/2021</a:t>
+              <a:t>02/12/2021</a:t>
             </a:fld>
             <a:endParaRPr lang="pt-BR"/>
           </a:p>
@@ -2610,7 +2559,7 @@
           <a:p>
             <a:fld id="{221D0464-8C8A-49C0-859F-777E51766A35}" type="datetimeFigureOut">
               <a:rPr lang="pt-BR" smtClean="0"/>
-              <a:t>29/11/2021</a:t>
+              <a:t>02/12/2021</a:t>
             </a:fld>
             <a:endParaRPr lang="pt-BR"/>
           </a:p>
@@ -2780,7 +2729,7 @@
           <a:p>
             <a:fld id="{221D0464-8C8A-49C0-859F-777E51766A35}" type="datetimeFigureOut">
               <a:rPr lang="pt-BR" smtClean="0"/>
-              <a:t>29/11/2021</a:t>
+              <a:t>02/12/2021</a:t>
             </a:fld>
             <a:endParaRPr lang="pt-BR"/>
           </a:p>
@@ -3026,7 +2975,7 @@
           <a:p>
             <a:fld id="{221D0464-8C8A-49C0-859F-777E51766A35}" type="datetimeFigureOut">
               <a:rPr lang="pt-BR" smtClean="0"/>
-              <a:t>29/11/2021</a:t>
+              <a:t>02/12/2021</a:t>
             </a:fld>
             <a:endParaRPr lang="pt-BR"/>
           </a:p>
@@ -3258,7 +3207,7 @@
           <a:p>
             <a:fld id="{221D0464-8C8A-49C0-859F-777E51766A35}" type="datetimeFigureOut">
               <a:rPr lang="pt-BR" smtClean="0"/>
-              <a:t>29/11/2021</a:t>
+              <a:t>02/12/2021</a:t>
             </a:fld>
             <a:endParaRPr lang="pt-BR"/>
           </a:p>
@@ -3625,7 +3574,7 @@
           <a:p>
             <a:fld id="{221D0464-8C8A-49C0-859F-777E51766A35}" type="datetimeFigureOut">
               <a:rPr lang="pt-BR" smtClean="0"/>
-              <a:t>29/11/2021</a:t>
+              <a:t>02/12/2021</a:t>
             </a:fld>
             <a:endParaRPr lang="pt-BR"/>
           </a:p>
@@ -3743,7 +3692,7 @@
           <a:p>
             <a:fld id="{221D0464-8C8A-49C0-859F-777E51766A35}" type="datetimeFigureOut">
               <a:rPr lang="pt-BR" smtClean="0"/>
-              <a:t>29/11/2021</a:t>
+              <a:t>02/12/2021</a:t>
             </a:fld>
             <a:endParaRPr lang="pt-BR"/>
           </a:p>
@@ -3838,7 +3787,7 @@
           <a:p>
             <a:fld id="{221D0464-8C8A-49C0-859F-777E51766A35}" type="datetimeFigureOut">
               <a:rPr lang="pt-BR" smtClean="0"/>
-              <a:t>29/11/2021</a:t>
+              <a:t>02/12/2021</a:t>
             </a:fld>
             <a:endParaRPr lang="pt-BR"/>
           </a:p>
@@ -4115,7 +4064,7 @@
           <a:p>
             <a:fld id="{221D0464-8C8A-49C0-859F-777E51766A35}" type="datetimeFigureOut">
               <a:rPr lang="pt-BR" smtClean="0"/>
-              <a:t>29/11/2021</a:t>
+              <a:t>02/12/2021</a:t>
             </a:fld>
             <a:endParaRPr lang="pt-BR"/>
           </a:p>
@@ -4368,7 +4317,7 @@
           <a:p>
             <a:fld id="{221D0464-8C8A-49C0-859F-777E51766A35}" type="datetimeFigureOut">
               <a:rPr lang="pt-BR" smtClean="0"/>
-              <a:t>29/11/2021</a:t>
+              <a:t>02/12/2021</a:t>
             </a:fld>
             <a:endParaRPr lang="pt-BR"/>
           </a:p>
@@ -4581,7 +4530,7 @@
           <a:p>
             <a:fld id="{221D0464-8C8A-49C0-859F-777E51766A35}" type="datetimeFigureOut">
               <a:rPr lang="pt-BR" smtClean="0"/>
-              <a:t>29/11/2021</a:t>
+              <a:t>02/12/2021</a:t>
             </a:fld>
             <a:endParaRPr lang="pt-BR"/>
           </a:p>
@@ -4991,7 +4940,7 @@
           <p:cNvPr id="2" name="Título 1">
             <a:extLst>
               <a:ext uri="{FF2B5EF4-FFF2-40B4-BE49-F238E27FC236}">
-                <a16:creationId xmlns="" xmlns:a16="http://schemas.microsoft.com/office/drawing/2014/main" id="{32666AC8-2E17-4DB4-B0F5-60C640CCFD2E}"/>
+                <a16:creationId xmlns:a16="http://schemas.microsoft.com/office/drawing/2014/main" xmlns="" id="{32666AC8-2E17-4DB4-B0F5-60C640CCFD2E}"/>
               </a:ext>
             </a:extLst>
           </p:cNvPr>
@@ -5046,7 +4995,7 @@
           <p:cNvPr id="4" name="CaixaDeTexto 3">
             <a:extLst>
               <a:ext uri="{FF2B5EF4-FFF2-40B4-BE49-F238E27FC236}">
-                <a16:creationId xmlns="" xmlns:a16="http://schemas.microsoft.com/office/drawing/2014/main" id="{430EB894-B7D4-434C-9D1A-A14094D9BEEC}"/>
+                <a16:creationId xmlns:a16="http://schemas.microsoft.com/office/drawing/2014/main" xmlns="" id="{430EB894-B7D4-434C-9D1A-A14094D9BEEC}"/>
               </a:ext>
             </a:extLst>
           </p:cNvPr>
@@ -5087,7 +5036,7 @@
           <p:cNvPr id="1026" name="Picture 2" descr="Logo">
             <a:extLst>
               <a:ext uri="{FF2B5EF4-FFF2-40B4-BE49-F238E27FC236}">
-                <a16:creationId xmlns="" xmlns:a16="http://schemas.microsoft.com/office/drawing/2014/main" id="{3F2642E0-4F6A-4196-8F58-E77D36E9A33F}"/>
+                <a16:creationId xmlns:a16="http://schemas.microsoft.com/office/drawing/2014/main" xmlns="" id="{3F2642E0-4F6A-4196-8F58-E77D36E9A33F}"/>
               </a:ext>
             </a:extLst>
           </p:cNvPr>
@@ -5132,7 +5081,7 @@
           <p:cNvPr id="5122" name="Picture 2" descr="Image result for machine learning">
             <a:extLst>
               <a:ext uri="{FF2B5EF4-FFF2-40B4-BE49-F238E27FC236}">
-                <a16:creationId xmlns="" xmlns:a16="http://schemas.microsoft.com/office/drawing/2014/main" id="{810CE0A2-4102-44A6-A370-175E7896CDCB}"/>
+                <a16:creationId xmlns:a16="http://schemas.microsoft.com/office/drawing/2014/main" xmlns="" id="{810CE0A2-4102-44A6-A370-175E7896CDCB}"/>
               </a:ext>
             </a:extLst>
           </p:cNvPr>
@@ -5244,12 +5193,12 @@
             <p:spPr>
               <a:xfrm>
                 <a:off x="838199" y="1825624"/>
-                <a:ext cx="6246859" cy="5032375"/>
+                <a:ext cx="7116194" cy="5032375"/>
               </a:xfrm>
             </p:spPr>
             <p:txBody>
               <a:bodyPr>
-                <a:normAutofit fontScale="85000" lnSpcReduction="20000"/>
+                <a:normAutofit fontScale="92500" lnSpcReduction="20000"/>
               </a:bodyPr>
               <a:lstStyle/>
               <a:p>
@@ -5259,7 +5208,15 @@
                 </a:pPr>
                 <a:r>
                   <a:rPr lang="pt-BR" dirty="0"/>
-                  <a:t>A tarefa de escolha do</a:t>
+                  <a:t>A </a:t>
+                </a:r>
+                <a:r>
+                  <a:rPr lang="pt-BR" dirty="0" smtClean="0"/>
+                  <a:t>escolha </a:t>
+                </a:r>
+                <a:r>
+                  <a:rPr lang="pt-BR" dirty="0"/>
+                  <a:t>do</a:t>
                 </a:r>
                 <a:r>
                   <a:rPr lang="pt-BR" b="1" i="1" dirty="0"/>
@@ -5267,7 +5224,23 @@
                 </a:r>
                 <a:r>
                   <a:rPr lang="pt-BR" dirty="0"/>
-                  <a:t> é complicada e nos remete ao conhecido compromisso entre velocidade de convergência e estabilidade/precisão. </a:t>
+                  <a:t> é </a:t>
+                </a:r>
+                <a:r>
+                  <a:rPr lang="pt-BR" dirty="0" smtClean="0"/>
+                  <a:t>complicada </a:t>
+                </a:r>
+                <a:r>
+                  <a:rPr lang="pt-BR" dirty="0"/>
+                  <a:t>e nos remete ao conhecido compromisso entre velocidade de convergência e </a:t>
+                </a:r>
+                <a:r>
+                  <a:rPr lang="pt-BR" dirty="0" smtClean="0"/>
+                  <a:t>estabilidade/precisão</a:t>
+                </a:r>
+                <a:r>
+                  <a:rPr lang="pt-BR" dirty="0"/>
+                  <a:t>. </a:t>
                 </a:r>
               </a:p>
               <a:p>
@@ -5277,7 +5250,15 @@
                 </a:pPr>
                 <a:r>
                   <a:rPr lang="pt-BR" dirty="0"/>
-                  <a:t>Pode-se usar um valor fixo, mas geralmente, se adota um método de variação linear decrescente de um valor </a:t>
+                  <a:t>Pode-se usar um valor fixo, mas geralmente, se adota </a:t>
+                </a:r>
+                <a:r>
+                  <a:rPr lang="pt-BR" dirty="0" smtClean="0"/>
+                  <a:t>uma variação decrescente </a:t>
+                </a:r>
+                <a:r>
+                  <a:rPr lang="pt-BR" dirty="0"/>
+                  <a:t>de um valor </a:t>
                 </a:r>
                 <a14:m>
                   <m:oMath xmlns:m="http://schemas.openxmlformats.org/officeDocument/2006/math">
@@ -5597,7 +5578,11 @@
                 </a:pPr>
                 <a:r>
                   <a:rPr lang="pt-BR" dirty="0"/>
-                  <a:t>Naturalmente, a definição dos valores necessários (i.e., </a:t>
+                  <a:t>Naturalmente, a definição dos </a:t>
+                </a:r>
+                <a:r>
+                  <a:rPr lang="pt-BR" dirty="0" smtClean="0"/>
+                  <a:t>hiperparâmetros necessários, </a:t>
                 </a:r>
                 <a14:m>
                   <m:oMath xmlns:m="http://schemas.openxmlformats.org/officeDocument/2006/math">
@@ -5664,8 +5649,12 @@
                   </m:oMath>
                 </a14:m>
                 <a:r>
+                  <a:rPr lang="pt-BR" dirty="0" smtClean="0"/>
+                  <a:t>, é </a:t>
+                </a:r>
+                <a:r>
                   <a:rPr lang="pt-BR" dirty="0"/>
-                  <a:t>)  é mais um problema </a:t>
+                  <a:t>mais um problema </a:t>
                 </a:r>
                 <a:r>
                   <a:rPr lang="pt-BR" b="1" i="1" dirty="0"/>
@@ -5693,12 +5682,12 @@
             <p:spPr>
               <a:xfrm>
                 <a:off x="838199" y="1825624"/>
-                <a:ext cx="6246859" cy="5032375"/>
+                <a:ext cx="7116194" cy="5032375"/>
               </a:xfrm>
               <a:blipFill rotWithShape="0">
                 <a:blip r:embed="rId2"/>
                 <a:stretch>
-                  <a:fillRect l="-1463" t="-2785" r="-2341" b="-1453"/>
+                  <a:fillRect l="-1455" t="-3027" r="-2055" b="-3390"/>
                 </a:stretch>
               </a:blipFill>
             </p:spPr>
@@ -5732,8 +5721,8 @@
         </p:blipFill>
         <p:spPr>
           <a:xfrm>
-            <a:off x="8541188" y="1661309"/>
-            <a:ext cx="2985104" cy="2680502"/>
+            <a:off x="8336132" y="1661309"/>
+            <a:ext cx="3190160" cy="2864634"/>
           </a:xfrm>
           <a:prstGeom prst="rect">
             <a:avLst/>
@@ -5750,8 +5739,8 @@
             </p:nvSpPr>
             <p:spPr>
               <a:xfrm>
-                <a:off x="9313483" y="1738540"/>
-                <a:ext cx="2314407" cy="1475084"/>
+                <a:off x="9402260" y="1790103"/>
+                <a:ext cx="2314407" cy="1277594"/>
               </a:xfrm>
               <a:prstGeom prst="rect">
                 <a:avLst/>
@@ -5771,20 +5760,20 @@
                 <a14:m>
                   <m:oMath xmlns:m="http://schemas.openxmlformats.org/officeDocument/2006/math">
                     <m:r>
-                      <a:rPr lang="pt-BR" sz="1400" b="0" i="1" smtClean="0">
+                      <a:rPr lang="pt-BR" sz="1200" b="0" i="1" smtClean="0">
                         <a:latin typeface="Cambria Math" panose="02040503050406030204" pitchFamily="18" charset="0"/>
                       </a:rPr>
                       <m:t>𝑁</m:t>
                     </m:r>
                     <m:r>
-                      <a:rPr lang="pt-BR" sz="1400" b="0" i="0" smtClean="0">
+                      <a:rPr lang="pt-BR" sz="1200" b="0" i="0" smtClean="0">
                         <a:latin typeface="Cambria Math" panose="02040503050406030204" pitchFamily="18" charset="0"/>
                       </a:rPr>
                       <m:t>=10000</m:t>
                     </m:r>
                   </m:oMath>
                 </a14:m>
-                <a:endParaRPr lang="pt-BR" sz="1400" b="0" dirty="0"/>
+                <a:endParaRPr lang="pt-BR" sz="1200" b="0" dirty="0"/>
               </a:p>
               <a:p>
                 <a:pPr marL="285750" indent="-285750">
@@ -5792,7 +5781,7 @@
                   <a:buChar char="•"/>
                 </a:pPr>
                 <a:r>
-                  <a:rPr lang="pt-BR" sz="1400" b="0" dirty="0"/>
+                  <a:rPr lang="pt-BR" sz="1200" b="0" dirty="0"/>
                   <a:t>Tamanho do batch: 100</a:t>
                 </a:r>
               </a:p>
@@ -5802,7 +5791,7 @@
                   <a:buChar char="•"/>
                 </a:pPr>
                 <a:r>
-                  <a:rPr lang="pt-BR" sz="1400" dirty="0"/>
+                  <a:rPr lang="pt-BR" sz="1200" dirty="0"/>
                   <a:t>Número de épocas: 100</a:t>
                 </a:r>
               </a:p>
@@ -5816,14 +5805,14 @@
                     <m:sSub>
                       <m:sSubPr>
                         <m:ctrlPr>
-                          <a:rPr lang="pt-BR" sz="1400" i="1">
+                          <a:rPr lang="pt-BR" sz="1200" i="1">
                             <a:latin typeface="Cambria Math" panose="02040503050406030204" pitchFamily="18" charset="0"/>
                           </a:rPr>
                         </m:ctrlPr>
                       </m:sSubPr>
                       <m:e>
                         <m:r>
-                          <a:rPr lang="pt-BR" sz="1400" i="1">
+                          <a:rPr lang="pt-BR" sz="1200" i="1">
                             <a:latin typeface="Cambria Math" panose="02040503050406030204" pitchFamily="18" charset="0"/>
                             <a:ea typeface="Cambria Math" panose="02040503050406030204" pitchFamily="18" charset="0"/>
                           </a:rPr>
@@ -5832,7 +5821,7 @@
                       </m:e>
                       <m:sub>
                         <m:r>
-                          <a:rPr lang="pt-BR" sz="1400" i="1">
+                          <a:rPr lang="pt-BR" sz="1200" i="1">
                             <a:latin typeface="Cambria Math" panose="02040503050406030204" pitchFamily="18" charset="0"/>
                           </a:rPr>
                           <m:t>0</m:t>
@@ -5840,14 +5829,14 @@
                       </m:sub>
                     </m:sSub>
                     <m:r>
-                      <a:rPr lang="pt-BR" sz="1400" b="0" i="1" smtClean="0">
+                      <a:rPr lang="pt-BR" sz="1200" b="0" i="1" smtClean="0">
                         <a:latin typeface="Cambria Math" panose="02040503050406030204" pitchFamily="18" charset="0"/>
                       </a:rPr>
                       <m:t>=0.1</m:t>
                     </m:r>
                   </m:oMath>
                 </a14:m>
-                <a:endParaRPr lang="pt-BR" sz="1400" dirty="0"/>
+                <a:endParaRPr lang="pt-BR" sz="1200" dirty="0"/>
               </a:p>
               <a:p>
                 <a:pPr marL="285750" indent="-285750">
@@ -5859,14 +5848,14 @@
                     <m:sSub>
                       <m:sSubPr>
                         <m:ctrlPr>
-                          <a:rPr lang="pt-BR" sz="1400" i="1">
+                          <a:rPr lang="pt-BR" sz="1200" i="1">
                             <a:latin typeface="Cambria Math" panose="02040503050406030204" pitchFamily="18" charset="0"/>
                           </a:rPr>
                         </m:ctrlPr>
                       </m:sSubPr>
                       <m:e>
                         <m:r>
-                          <a:rPr lang="pt-BR" sz="1400" i="1">
+                          <a:rPr lang="pt-BR" sz="1200" i="1">
                             <a:latin typeface="Cambria Math" panose="02040503050406030204" pitchFamily="18" charset="0"/>
                             <a:ea typeface="Cambria Math" panose="02040503050406030204" pitchFamily="18" charset="0"/>
                           </a:rPr>
@@ -5875,7 +5864,7 @@
                       </m:e>
                       <m:sub>
                         <m:r>
-                          <a:rPr lang="pt-BR" sz="1400" i="1">
+                          <a:rPr lang="pt-BR" sz="1200" i="1">
                             <a:latin typeface="Cambria Math" panose="02040503050406030204" pitchFamily="18" charset="0"/>
                           </a:rPr>
                           <m:t>𝜏</m:t>
@@ -5883,7 +5872,7 @@
                       </m:sub>
                     </m:sSub>
                     <m:r>
-                      <a:rPr lang="pt-BR" sz="1400" b="0" i="0" smtClean="0">
+                      <a:rPr lang="pt-BR" sz="1200" b="0" i="0" smtClean="0">
                         <a:latin typeface="Cambria Math" panose="02040503050406030204" pitchFamily="18" charset="0"/>
                       </a:rPr>
                       <m:t>=(</m:t>
@@ -5891,14 +5880,14 @@
                     <m:f>
                       <m:fPr>
                         <m:ctrlPr>
-                          <a:rPr lang="pt-BR" sz="1400" b="0" i="1" smtClean="0">
+                          <a:rPr lang="pt-BR" sz="1200" b="0" i="1" smtClean="0">
                             <a:latin typeface="Cambria Math" panose="02040503050406030204" pitchFamily="18" charset="0"/>
                           </a:rPr>
                         </m:ctrlPr>
                       </m:fPr>
                       <m:num>
                         <m:r>
-                          <a:rPr lang="pt-BR" sz="1400" b="0" i="0" smtClean="0">
+                          <a:rPr lang="pt-BR" sz="1200" b="0" i="0" smtClean="0">
                             <a:latin typeface="Cambria Math" panose="02040503050406030204" pitchFamily="18" charset="0"/>
                           </a:rPr>
                           <m:t>1</m:t>
@@ -5906,7 +5895,7 @@
                       </m:num>
                       <m:den>
                         <m:r>
-                          <a:rPr lang="pt-BR" sz="1400" b="0" i="0" smtClean="0">
+                          <a:rPr lang="pt-BR" sz="1200" b="0" i="0" smtClean="0">
                             <a:latin typeface="Cambria Math" panose="02040503050406030204" pitchFamily="18" charset="0"/>
                           </a:rPr>
                           <m:t>100</m:t>
@@ -5914,7 +5903,7 @@
                       </m:den>
                     </m:f>
                     <m:r>
-                      <a:rPr lang="pt-BR" sz="1400" b="0" i="0" smtClean="0">
+                      <a:rPr lang="pt-BR" sz="1200" b="0" i="0" smtClean="0">
                         <a:latin typeface="Cambria Math" panose="02040503050406030204" pitchFamily="18" charset="0"/>
                       </a:rPr>
                       <m:t>)</m:t>
@@ -5922,14 +5911,14 @@
                     <m:sSub>
                       <m:sSubPr>
                         <m:ctrlPr>
-                          <a:rPr lang="pt-BR" sz="1400" i="1">
+                          <a:rPr lang="pt-BR" sz="1200" i="1">
                             <a:latin typeface="Cambria Math" panose="02040503050406030204" pitchFamily="18" charset="0"/>
                           </a:rPr>
                         </m:ctrlPr>
                       </m:sSubPr>
                       <m:e>
                         <m:r>
-                          <a:rPr lang="pt-BR" sz="1400" i="1">
+                          <a:rPr lang="pt-BR" sz="1200" i="1">
                             <a:latin typeface="Cambria Math" panose="02040503050406030204" pitchFamily="18" charset="0"/>
                             <a:ea typeface="Cambria Math" panose="02040503050406030204" pitchFamily="18" charset="0"/>
                           </a:rPr>
@@ -5938,7 +5927,7 @@
                       </m:e>
                       <m:sub>
                         <m:r>
-                          <a:rPr lang="pt-BR" sz="1400" i="1">
+                          <a:rPr lang="pt-BR" sz="1200" i="1">
                             <a:latin typeface="Cambria Math" panose="02040503050406030204" pitchFamily="18" charset="0"/>
                           </a:rPr>
                           <m:t>0</m:t>
@@ -5947,7 +5936,7 @@
                     </m:sSub>
                   </m:oMath>
                 </a14:m>
-                <a:endParaRPr lang="pt-BR" sz="1400" dirty="0"/>
+                <a:endParaRPr lang="pt-BR" sz="1200" dirty="0"/>
               </a:p>
               <a:p>
                 <a:pPr marL="285750" indent="-285750">
@@ -5957,7 +5946,7 @@
                 <a14:m>
                   <m:oMath xmlns:m="http://schemas.openxmlformats.org/officeDocument/2006/math">
                     <m:r>
-                      <a:rPr lang="pt-BR" sz="1400" i="1">
+                      <a:rPr lang="pt-BR" sz="1200" i="1">
                         <a:latin typeface="Cambria Math" panose="02040503050406030204" pitchFamily="18" charset="0"/>
                         <a:ea typeface="Cambria Math" panose="02040503050406030204" pitchFamily="18" charset="0"/>
                       </a:rPr>
@@ -5966,7 +5955,7 @@
                   </m:oMath>
                 </a14:m>
                 <a:r>
-                  <a:rPr lang="pt-BR" sz="1400" dirty="0"/>
+                  <a:rPr lang="pt-BR" sz="1200" dirty="0"/>
                   <a:t> = 5000</a:t>
                 </a:r>
               </a:p>
@@ -5984,8 +5973,8 @@
             </p:nvSpPr>
             <p:spPr>
               <a:xfrm>
-                <a:off x="9313483" y="1738540"/>
-                <a:ext cx="2314407" cy="1475084"/>
+                <a:off x="9402260" y="1790103"/>
+                <a:ext cx="2314407" cy="1277594"/>
               </a:xfrm>
               <a:prstGeom prst="rect">
                 <a:avLst/>
@@ -5993,7 +5982,7 @@
               <a:blipFill rotWithShape="0">
                 <a:blip r:embed="rId4"/>
                 <a:stretch>
-                  <a:fillRect l="-528" b="-3719"/>
+                  <a:fillRect b="-3349"/>
                 </a:stretch>
               </a:blipFill>
             </p:spPr>
@@ -6033,8 +6022,8 @@
         </p:blipFill>
         <p:spPr>
           <a:xfrm>
-            <a:off x="9765093" y="4438751"/>
-            <a:ext cx="2426907" cy="2419249"/>
+            <a:off x="10137719" y="4845601"/>
+            <a:ext cx="2018769" cy="2012399"/>
           </a:xfrm>
           <a:prstGeom prst="rect">
             <a:avLst/>
@@ -6062,8 +6051,8 @@
         </p:blipFill>
         <p:spPr>
           <a:xfrm>
-            <a:off x="6954432" y="4419042"/>
-            <a:ext cx="2447809" cy="2440416"/>
+            <a:off x="7827724" y="4827993"/>
+            <a:ext cx="2036156" cy="2030006"/>
           </a:xfrm>
           <a:prstGeom prst="rect">
             <a:avLst/>
@@ -6078,7 +6067,7 @@
         </p:nvSpPr>
         <p:spPr>
           <a:xfrm>
-            <a:off x="9278868" y="5332176"/>
+            <a:off x="9638909" y="5566205"/>
             <a:ext cx="449942" cy="553582"/>
           </a:xfrm>
           <a:prstGeom prst="rightArrow">
@@ -6113,7 +6102,7 @@
     </p:spTree>
     <p:extLst>
       <p:ext uri="{BB962C8B-B14F-4D97-AF65-F5344CB8AC3E}">
-        <p14:creationId xmlns:p14="http://schemas.microsoft.com/office/powerpoint/2010/main" val="3031914816"/>
+        <p14:creationId xmlns:p14="http://schemas.microsoft.com/office/powerpoint/2010/main" val="3593617550"/>
       </p:ext>
     </p:extLst>
   </p:cSld>
@@ -6259,7 +6248,7 @@
                 </a:pPr>
                 <a:r>
                   <a:rPr lang="pt-BR" dirty="0" smtClean="0"/>
-                  <a:t>Isso tem o potencial de melhorar </a:t>
+                  <a:t>Esse termo tem o potencial de melhorar </a:t>
                 </a:r>
                 <a:r>
                   <a:rPr lang="pt-BR" dirty="0"/>
@@ -6557,7 +6546,23 @@
                 </a14:m>
                 <a:r>
                   <a:rPr lang="pt-BR" dirty="0"/>
-                  <a:t> determina com que rapidez as contribuições de gradientes anteriores decaem </a:t>
+                  <a:t> </a:t>
+                </a:r>
+                <a:r>
+                  <a:rPr lang="pt-BR" dirty="0" smtClean="0"/>
+                  <a:t>é o </a:t>
+                </a:r>
+                <a:r>
+                  <a:rPr lang="pt-BR" b="1" i="1" dirty="0" smtClean="0"/>
+                  <a:t>coeficiente de momento</a:t>
+                </a:r>
+                <a:r>
+                  <a:rPr lang="pt-BR" dirty="0" smtClean="0"/>
+                  <a:t> e determina </a:t>
+                </a:r>
+                <a:r>
+                  <a:rPr lang="pt-BR" dirty="0"/>
+                  <a:t>com que rapidez as contribuições de gradientes anteriores decaem </a:t>
                 </a:r>
                 <a:r>
                   <a:rPr lang="pt-BR" dirty="0" smtClean="0"/>
@@ -6686,7 +6691,7 @@
               <a:blipFill rotWithShape="0">
                 <a:blip r:embed="rId3"/>
                 <a:stretch>
-                  <a:fillRect l="-930" t="-2594" r="-930" b="-472"/>
+                  <a:fillRect l="-930" t="-2594" b="-472"/>
                 </a:stretch>
               </a:blipFill>
             </p:spPr>
@@ -6708,7 +6713,7 @@
     </p:spTree>
     <p:extLst>
       <p:ext uri="{BB962C8B-B14F-4D97-AF65-F5344CB8AC3E}">
-        <p14:creationId xmlns:p14="http://schemas.microsoft.com/office/powerpoint/2010/main" val="1745543357"/>
+        <p14:creationId xmlns:p14="http://schemas.microsoft.com/office/powerpoint/2010/main" val="46447407"/>
       </p:ext>
     </p:extLst>
   </p:cSld>
@@ -6802,12 +6807,24 @@
                   <a:buChar char="§"/>
                 </a:pPr>
                 <a:r>
+                  <a:rPr lang="pt-BR" b="1" i="1" dirty="0" smtClean="0"/>
+                  <a:t>Momento</a:t>
+                </a:r>
+                <a:r>
                   <a:rPr lang="pt-BR" dirty="0" smtClean="0"/>
-                  <a:t>Momento </a:t>
+                  <a:t> </a:t>
                 </a:r>
                 <a:r>
                   <a:rPr lang="pt-BR" dirty="0"/>
-                  <a:t>em física é igual a massa de uma partícula vezes sua velocidade. No algoritmo do </a:t>
+                  <a:t>em física é igual a </a:t>
+                </a:r>
+                <a:r>
+                  <a:rPr lang="pt-BR" b="1" i="1" dirty="0"/>
+                  <a:t>massa de uma partícula vezes sua velocidade</a:t>
+                </a:r>
+                <a:r>
+                  <a:rPr lang="pt-BR" dirty="0"/>
+                  <a:t>. No algoritmo do </a:t>
                 </a:r>
                 <a:r>
                   <a:rPr lang="pt-BR" dirty="0" smtClean="0"/>
@@ -6871,7 +6888,7 @@
                 </a14:m>
                 <a:r>
                   <a:rPr lang="pt-BR" dirty="0" smtClean="0"/>
-                  <a:t> de atualizações anteriores dos pesos. </a:t>
+                  <a:t> de atualizações anteriores dos pesos à atualização corrente. </a:t>
                 </a:r>
               </a:p>
               <a:p>
@@ -6885,7 +6902,31 @@
                 </a:r>
                 <a:r>
                   <a:rPr lang="pt-BR" dirty="0"/>
-                  <a:t>o gradiente continua apontando na mesma direção, isso aumentará o tamanho dos passos dados em direção ao mínimo</a:t>
+                  <a:t>o gradiente </a:t>
+                </a:r>
+                <a:r>
+                  <a:rPr lang="pt-BR" dirty="0" smtClean="0"/>
+                  <a:t>aponta </a:t>
+                </a:r>
+                <a:r>
+                  <a:rPr lang="pt-BR" dirty="0"/>
+                  <a:t>na mesma </a:t>
+                </a:r>
+                <a:r>
+                  <a:rPr lang="pt-BR" dirty="0" smtClean="0"/>
+                  <a:t>direção por várias iterações, </a:t>
+                </a:r>
+                <a:r>
+                  <a:rPr lang="pt-BR" dirty="0"/>
+                  <a:t>isso </a:t>
+                </a:r>
+                <a:r>
+                  <a:rPr lang="pt-BR" dirty="0" smtClean="0"/>
+                  <a:t>aumenta o </a:t>
+                </a:r>
+                <a:r>
+                  <a:rPr lang="pt-BR" dirty="0"/>
+                  <a:t>tamanho dos passos dados em direção ao mínimo</a:t>
                 </a:r>
                 <a:r>
                   <a:rPr lang="pt-BR" dirty="0" smtClean="0"/>
@@ -6969,7 +7010,7 @@
               <a:blipFill rotWithShape="0">
                 <a:blip r:embed="rId3"/>
                 <a:stretch>
-                  <a:fillRect l="-1205" t="-1937" r="-1701"/>
+                  <a:fillRect l="-1205" t="-1937" r="-709"/>
                 </a:stretch>
               </a:blipFill>
             </p:spPr>
@@ -7020,7 +7061,7 @@
     </p:spTree>
     <p:extLst>
       <p:ext uri="{BB962C8B-B14F-4D97-AF65-F5344CB8AC3E}">
-        <p14:creationId xmlns:p14="http://schemas.microsoft.com/office/powerpoint/2010/main" val="1238154866"/>
+        <p14:creationId xmlns:p14="http://schemas.microsoft.com/office/powerpoint/2010/main" val="2879224740"/>
       </p:ext>
     </p:extLst>
   </p:cSld>
@@ -7212,7 +7253,15 @@
                 </a:r>
                 <a:r>
                   <a:rPr lang="pt-BR" dirty="0"/>
-                  <a:t>termo adicional funciona como um fator de correção que pode beneficiar, em alguns casos, a velocidade de convergência.</a:t>
+                  <a:t>termo adicional funciona como um fator de correção que pode </a:t>
+                </a:r>
+                <a:r>
+                  <a:rPr lang="pt-BR" dirty="0" smtClean="0"/>
+                  <a:t>aumentar, </a:t>
+                </a:r>
+                <a:r>
+                  <a:rPr lang="pt-BR" dirty="0"/>
+                  <a:t>em alguns casos, a velocidade de convergência.</a:t>
                 </a:r>
               </a:p>
               <a:p>
@@ -7278,11 +7327,11 @@
                 </a:r>
                 <a:r>
                   <a:rPr lang="pt-BR" dirty="0"/>
-                  <a:t>de acordo com a desempenho </a:t>
+                  <a:t>de acordo com </a:t>
                 </a:r>
                 <a:r>
                   <a:rPr lang="pt-BR" dirty="0" smtClean="0"/>
-                  <a:t>da rede e</a:t>
+                  <a:t>o desempenho da rede e</a:t>
                 </a:r>
                 <a:r>
                   <a:rPr lang="pt-BR" dirty="0"/>
@@ -7309,15 +7358,15 @@
                 </a:r>
                 <a:r>
                   <a:rPr lang="pt-BR" dirty="0"/>
-                  <a:t>as técnicas mais populares dessa classe estão o </a:t>
-                </a:r>
-                <a:r>
-                  <a:rPr lang="pt-BR" b="1" i="1" dirty="0"/>
+                  <a:t>as técnicas mais populares dessa classe estão </a:t>
+                </a:r>
+                <a:r>
+                  <a:rPr lang="pt-BR" b="1" i="1" dirty="0" smtClean="0"/>
                   <a:t>AdaGrad</a:t>
                 </a:r>
                 <a:r>
-                  <a:rPr lang="pt-BR" dirty="0"/>
-                  <a:t>, o </a:t>
+                  <a:rPr lang="pt-BR" dirty="0" smtClean="0"/>
+                  <a:t>, </a:t>
                 </a:r>
                 <a:r>
                   <a:rPr lang="pt-BR" b="1" i="1" dirty="0"/>
@@ -7325,7 +7374,7 @@
                 </a:r>
                 <a:r>
                   <a:rPr lang="pt-BR" dirty="0"/>
-                  <a:t> e o </a:t>
+                  <a:t> e </a:t>
                 </a:r>
                 <a:r>
                   <a:rPr lang="pt-BR" b="1" i="1" dirty="0" smtClean="0"/>
@@ -7377,7 +7426,7 @@
     </p:spTree>
     <p:extLst>
       <p:ext uri="{BB962C8B-B14F-4D97-AF65-F5344CB8AC3E}">
-        <p14:creationId xmlns:p14="http://schemas.microsoft.com/office/powerpoint/2010/main" val="2266778616"/>
+        <p14:creationId xmlns:p14="http://schemas.microsoft.com/office/powerpoint/2010/main" val="770879651"/>
       </p:ext>
     </p:extLst>
   </p:cSld>
@@ -7660,13 +7709,25 @@
         </p:spPr>
         <p:txBody>
           <a:bodyPr>
-            <a:normAutofit/>
+            <a:normAutofit lnSpcReduction="10000"/>
           </a:bodyPr>
           <a:lstStyle/>
           <a:p>
             <a:r>
               <a:rPr lang="pt-BR" dirty="0"/>
-              <a:t>Os pesos são tipicamente obtidos de </a:t>
+              <a:t>Os pesos </a:t>
+            </a:r>
+            <a:r>
+              <a:rPr lang="pt-BR" dirty="0" smtClean="0"/>
+              <a:t>iniciais são </a:t>
+            </a:r>
+            <a:r>
+              <a:rPr lang="pt-BR" dirty="0"/>
+              <a:t>tipicamente obtidos </a:t>
+            </a:r>
+            <a:r>
+              <a:rPr lang="pt-BR" dirty="0" smtClean="0"/>
+              <a:t>a partir de </a:t>
             </a:r>
             <a:r>
               <a:rPr lang="pt-BR" b="1" i="1" dirty="0"/>
@@ -7776,6 +7837,16 @@
             <a:r>
               <a:rPr lang="pt-BR" dirty="0" smtClean="0"/>
               <a:t>.</a:t>
+            </a:r>
+          </a:p>
+          <a:p>
+            <a:pPr lvl="1">
+              <a:buFont typeface="Wingdings" panose="05000000000000000000" pitchFamily="2" charset="2"/>
+              <a:buChar char="§"/>
+            </a:pPr>
+            <a:r>
+              <a:rPr lang="pt-BR" dirty="0" smtClean="0"/>
+              <a:t>Por outro lado, pesos de magnitude muita reduzida podem reduzir drasticamente o aprendizado das redes neurais.</a:t>
             </a:r>
           </a:p>
           <a:p>
@@ -7818,7 +7889,7 @@
     </p:spTree>
     <p:extLst>
       <p:ext uri="{BB962C8B-B14F-4D97-AF65-F5344CB8AC3E}">
-        <p14:creationId xmlns:p14="http://schemas.microsoft.com/office/powerpoint/2010/main" val="2183110313"/>
+        <p14:creationId xmlns:p14="http://schemas.microsoft.com/office/powerpoint/2010/main" val="3054868184"/>
       </p:ext>
     </p:extLst>
   </p:cSld>
@@ -7881,23 +7952,19 @@
             </p:nvSpPr>
             <p:spPr>
               <a:xfrm>
-                <a:off x="838199" y="1825624"/>
-                <a:ext cx="11203005" cy="5032375"/>
+                <a:off x="838200" y="1825624"/>
+                <a:ext cx="11036474" cy="5032375"/>
               </a:xfrm>
             </p:spPr>
             <p:txBody>
               <a:bodyPr>
-                <a:normAutofit fontScale="85000" lnSpcReduction="10000"/>
+                <a:normAutofit fontScale="92500" lnSpcReduction="10000"/>
               </a:bodyPr>
               <a:lstStyle/>
               <a:p>
                 <a:r>
-                  <a:rPr lang="pt-BR" dirty="0" smtClean="0"/>
-                  <a:t>Considerando uma camada </a:t>
-                </a:r>
-                <a:r>
                   <a:rPr lang="pt-BR" dirty="0"/>
-                  <a:t>com </a:t>
+                  <a:t>Considerando uma camada com </a:t>
                 </a:r>
                 <a14:m>
                   <m:oMath xmlns:m="http://schemas.openxmlformats.org/officeDocument/2006/math">
@@ -7925,733 +7992,44 @@
                 </a14:m>
                 <a:r>
                   <a:rPr lang="pt-BR" dirty="0"/>
-                  <a:t> </a:t>
+                  <a:t> saídas, </a:t>
                 </a:r>
                 <a:r>
                   <a:rPr lang="pt-BR" dirty="0" smtClean="0"/>
-                  <a:t>saídas, uma heurística para inicializar os </a:t>
+                  <a:t>temos as seguintes heurísticas </a:t>
                 </a:r>
                 <a:r>
                   <a:rPr lang="pt-BR" dirty="0"/>
-                  <a:t>pesos </a:t>
+                  <a:t>para inicializar os pesos </a:t>
                 </a:r>
                 <a:r>
                   <a:rPr lang="pt-BR" dirty="0" smtClean="0"/>
-                  <a:t>de nós com função de ativação </a:t>
-                </a:r>
-                <a:r>
-                  <a:rPr lang="pt-BR" b="1" i="1" dirty="0" smtClean="0"/>
-                  <a:t>sigmóide</a:t>
-                </a:r>
-                <a:r>
-                  <a:rPr lang="pt-BR" dirty="0" smtClean="0"/>
-                  <a:t> é</a:t>
-                </a:r>
+                  <a:t>de seus nós.</a:t>
+                </a:r>
+              </a:p>
+              <a:p>
+                <a:endParaRPr lang="pt-BR" dirty="0" smtClean="0"/>
+              </a:p>
+              <a:p>
+                <a:endParaRPr lang="pt-BR" dirty="0" smtClean="0"/>
+              </a:p>
+              <a:p>
+                <a:endParaRPr lang="pt-BR" dirty="0" smtClean="0"/>
+              </a:p>
+              <a:p>
                 <a:endParaRPr lang="pt-BR" dirty="0"/>
               </a:p>
               <a:p>
-                <a:pPr marL="0" indent="0" algn="ctr">
-                  <a:buNone/>
-                </a:pPr>
-                <a14:m>
-                  <m:oMath xmlns:m="http://schemas.openxmlformats.org/officeDocument/2006/math">
-                    <m:sSub>
-                      <m:sSubPr>
-                        <m:ctrlPr>
-                          <a:rPr lang="pt-BR" i="1" smtClean="0">
-                            <a:latin typeface="Cambria Math" panose="02040503050406030204" pitchFamily="18" charset="0"/>
-                          </a:rPr>
-                        </m:ctrlPr>
-                      </m:sSubPr>
-                      <m:e>
-                        <m:r>
-                          <a:rPr lang="pt-BR" b="0" i="1" smtClean="0">
-                            <a:latin typeface="Cambria Math" panose="02040503050406030204" pitchFamily="18" charset="0"/>
-                          </a:rPr>
-                          <m:t>𝑤</m:t>
-                        </m:r>
-                      </m:e>
-                      <m:sub>
-                        <m:r>
-                          <a:rPr lang="pt-BR" b="0" i="1" smtClean="0">
-                            <a:latin typeface="Cambria Math" panose="02040503050406030204" pitchFamily="18" charset="0"/>
-                          </a:rPr>
-                          <m:t>𝑖</m:t>
-                        </m:r>
-                        <m:r>
-                          <a:rPr lang="pt-BR" b="0" i="1" smtClean="0">
-                            <a:latin typeface="Cambria Math" panose="02040503050406030204" pitchFamily="18" charset="0"/>
-                          </a:rPr>
-                          <m:t>,</m:t>
-                        </m:r>
-                        <m:r>
-                          <a:rPr lang="pt-BR" b="0" i="1" smtClean="0">
-                            <a:latin typeface="Cambria Math" panose="02040503050406030204" pitchFamily="18" charset="0"/>
-                          </a:rPr>
-                          <m:t>𝑗</m:t>
-                        </m:r>
-                      </m:sub>
-                    </m:sSub>
-                    <m:r>
-                      <a:rPr lang="pt-BR" b="0" i="1" smtClean="0">
-                        <a:latin typeface="Cambria Math" panose="02040503050406030204" pitchFamily="18" charset="0"/>
-                      </a:rPr>
-                      <m:t> </m:t>
-                    </m:r>
-                    <m:r>
-                      <a:rPr lang="pt-BR" i="1">
-                        <a:latin typeface="Cambria Math" panose="02040503050406030204" pitchFamily="18" charset="0"/>
-                        <a:ea typeface="Cambria Math" panose="02040503050406030204" pitchFamily="18" charset="0"/>
-                      </a:rPr>
-                      <m:t>~</m:t>
-                    </m:r>
-                    <m:r>
-                      <a:rPr lang="pt-BR" b="0" i="1" smtClean="0">
-                        <a:latin typeface="Cambria Math" panose="02040503050406030204" pitchFamily="18" charset="0"/>
-                        <a:ea typeface="Cambria Math" panose="02040503050406030204" pitchFamily="18" charset="0"/>
-                      </a:rPr>
-                      <m:t> </m:t>
-                    </m:r>
-                    <m:r>
-                      <a:rPr lang="pt-BR" b="0" i="1" smtClean="0">
-                        <a:latin typeface="Cambria Math" panose="02040503050406030204" pitchFamily="18" charset="0"/>
-                        <a:ea typeface="Cambria Math" panose="02040503050406030204" pitchFamily="18" charset="0"/>
-                      </a:rPr>
-                      <m:t>𝑈</m:t>
-                    </m:r>
-                    <m:d>
-                      <m:dPr>
-                        <m:ctrlPr>
-                          <a:rPr lang="pt-BR" b="0" i="1" smtClean="0">
-                            <a:latin typeface="Cambria Math" panose="02040503050406030204" pitchFamily="18" charset="0"/>
-                            <a:ea typeface="Cambria Math" panose="02040503050406030204" pitchFamily="18" charset="0"/>
-                          </a:rPr>
-                        </m:ctrlPr>
-                      </m:dPr>
-                      <m:e>
-                        <m:r>
-                          <a:rPr lang="pt-BR" b="0" i="1" smtClean="0">
-                            <a:latin typeface="Cambria Math" panose="02040503050406030204" pitchFamily="18" charset="0"/>
-                            <a:ea typeface="Cambria Math" panose="02040503050406030204" pitchFamily="18" charset="0"/>
-                          </a:rPr>
-                          <m:t>−</m:t>
-                        </m:r>
-                        <m:f>
-                          <m:fPr>
-                            <m:ctrlPr>
-                              <a:rPr lang="pt-BR" b="0" i="1" smtClean="0">
-                                <a:latin typeface="Cambria Math" panose="02040503050406030204" pitchFamily="18" charset="0"/>
-                                <a:ea typeface="Cambria Math" panose="02040503050406030204" pitchFamily="18" charset="0"/>
-                              </a:rPr>
-                            </m:ctrlPr>
-                          </m:fPr>
-                          <m:num>
-                            <m:r>
-                              <a:rPr lang="pt-BR" b="0" i="1" smtClean="0">
-                                <a:latin typeface="Cambria Math" panose="02040503050406030204" pitchFamily="18" charset="0"/>
-                                <a:ea typeface="Cambria Math" panose="02040503050406030204" pitchFamily="18" charset="0"/>
-                              </a:rPr>
-                              <m:t>1</m:t>
-                            </m:r>
-                          </m:num>
-                          <m:den>
-                            <m:rad>
-                              <m:radPr>
-                                <m:degHide m:val="on"/>
-                                <m:ctrlPr>
-                                  <a:rPr lang="pt-BR" b="0" i="1" smtClean="0">
-                                    <a:latin typeface="Cambria Math" panose="02040503050406030204" pitchFamily="18" charset="0"/>
-                                    <a:ea typeface="Cambria Math" panose="02040503050406030204" pitchFamily="18" charset="0"/>
-                                  </a:rPr>
-                                </m:ctrlPr>
-                              </m:radPr>
-                              <m:deg/>
-                              <m:e>
-                                <m:r>
-                                  <a:rPr lang="pt-BR" b="0" i="1" smtClean="0">
-                                    <a:latin typeface="Cambria Math" panose="02040503050406030204" pitchFamily="18" charset="0"/>
-                                    <a:ea typeface="Cambria Math" panose="02040503050406030204" pitchFamily="18" charset="0"/>
-                                  </a:rPr>
-                                  <m:t>𝑚</m:t>
-                                </m:r>
-                              </m:e>
-                            </m:rad>
-                          </m:den>
-                        </m:f>
-                        <m:r>
-                          <a:rPr lang="pt-BR" b="0" i="1" smtClean="0">
-                            <a:latin typeface="Cambria Math" panose="02040503050406030204" pitchFamily="18" charset="0"/>
-                            <a:ea typeface="Cambria Math" panose="02040503050406030204" pitchFamily="18" charset="0"/>
-                          </a:rPr>
-                          <m:t>,</m:t>
-                        </m:r>
-                        <m:f>
-                          <m:fPr>
-                            <m:ctrlPr>
-                              <a:rPr lang="pt-BR" i="1">
-                                <a:latin typeface="Cambria Math" panose="02040503050406030204" pitchFamily="18" charset="0"/>
-                                <a:ea typeface="Cambria Math" panose="02040503050406030204" pitchFamily="18" charset="0"/>
-                              </a:rPr>
-                            </m:ctrlPr>
-                          </m:fPr>
-                          <m:num>
-                            <m:r>
-                              <a:rPr lang="pt-BR" i="1">
-                                <a:latin typeface="Cambria Math" panose="02040503050406030204" pitchFamily="18" charset="0"/>
-                                <a:ea typeface="Cambria Math" panose="02040503050406030204" pitchFamily="18" charset="0"/>
-                              </a:rPr>
-                              <m:t>1</m:t>
-                            </m:r>
-                          </m:num>
-                          <m:den>
-                            <m:rad>
-                              <m:radPr>
-                                <m:degHide m:val="on"/>
-                                <m:ctrlPr>
-                                  <a:rPr lang="pt-BR" i="1">
-                                    <a:latin typeface="Cambria Math" panose="02040503050406030204" pitchFamily="18" charset="0"/>
-                                    <a:ea typeface="Cambria Math" panose="02040503050406030204" pitchFamily="18" charset="0"/>
-                                  </a:rPr>
-                                </m:ctrlPr>
-                              </m:radPr>
-                              <m:deg/>
-                              <m:e>
-                                <m:r>
-                                  <a:rPr lang="pt-BR" i="1">
-                                    <a:latin typeface="Cambria Math" panose="02040503050406030204" pitchFamily="18" charset="0"/>
-                                    <a:ea typeface="Cambria Math" panose="02040503050406030204" pitchFamily="18" charset="0"/>
-                                  </a:rPr>
-                                  <m:t>𝑚</m:t>
-                                </m:r>
-                              </m:e>
-                            </m:rad>
-                          </m:den>
-                        </m:f>
-                      </m:e>
-                    </m:d>
-                  </m:oMath>
-                </a14:m>
-                <a:r>
-                  <a:rPr lang="pt-BR" dirty="0"/>
-                  <a:t>,</a:t>
-                </a:r>
+                <a:endParaRPr lang="pt-BR" dirty="0" smtClean="0"/>
               </a:p>
               <a:p>
-                <a:pPr marL="0" indent="0">
-                  <a:buNone/>
-                </a:pPr>
-                <a:r>
-                  <a:rPr lang="pt-BR" dirty="0" smtClean="0"/>
-                  <a:t>onde </a:t>
-                </a:r>
-                <a14:m>
-                  <m:oMath xmlns:m="http://schemas.openxmlformats.org/officeDocument/2006/math">
-                    <m:r>
-                      <a:rPr lang="pt-BR" i="1">
-                        <a:latin typeface="Cambria Math" panose="02040503050406030204" pitchFamily="18" charset="0"/>
-                        <a:ea typeface="Cambria Math" panose="02040503050406030204" pitchFamily="18" charset="0"/>
-                      </a:rPr>
-                      <m:t>𝑈</m:t>
-                    </m:r>
-                    <m:d>
-                      <m:dPr>
-                        <m:ctrlPr>
-                          <a:rPr lang="pt-BR" i="1" smtClean="0">
-                            <a:latin typeface="Cambria Math" panose="02040503050406030204" pitchFamily="18" charset="0"/>
-                            <a:ea typeface="Cambria Math" panose="02040503050406030204" pitchFamily="18" charset="0"/>
-                          </a:rPr>
-                        </m:ctrlPr>
-                      </m:dPr>
-                      <m:e>
-                        <m:r>
-                          <a:rPr lang="pt-BR" b="0" i="1" smtClean="0">
-                            <a:latin typeface="Cambria Math" panose="02040503050406030204" pitchFamily="18" charset="0"/>
-                            <a:ea typeface="Cambria Math" panose="02040503050406030204" pitchFamily="18" charset="0"/>
-                          </a:rPr>
-                          <m:t>.</m:t>
-                        </m:r>
-                      </m:e>
-                    </m:d>
-                  </m:oMath>
-                </a14:m>
-                <a:r>
-                  <a:rPr lang="pt-BR" dirty="0"/>
-                  <a:t> é a </a:t>
-                </a:r>
-                <a:r>
-                  <a:rPr lang="pt-BR" b="1" i="1" dirty="0"/>
-                  <a:t>distribuição uniforme</a:t>
-                </a:r>
-                <a:r>
-                  <a:rPr lang="pt-BR" dirty="0"/>
-                  <a:t>.</a:t>
-                </a:r>
-              </a:p>
-              <a:p>
-                <a:r>
-                  <a:rPr lang="pt-BR" dirty="0"/>
-                  <a:t>Outra heurística de inicialização dos pesos </a:t>
-                </a:r>
-                <a:r>
-                  <a:rPr lang="pt-BR" dirty="0" smtClean="0"/>
-                  <a:t>de nós </a:t>
-                </a:r>
-                <a:r>
-                  <a:rPr lang="pt-BR" dirty="0"/>
-                  <a:t>com função de ativação </a:t>
-                </a:r>
-                <a:r>
-                  <a:rPr lang="pt-BR" b="1" i="1" dirty="0" smtClean="0"/>
-                  <a:t>sigmóide</a:t>
-                </a:r>
-                <a:r>
-                  <a:rPr lang="pt-BR" dirty="0" smtClean="0"/>
-                  <a:t> é</a:t>
-                </a:r>
                 <a:endParaRPr lang="pt-BR" dirty="0"/>
               </a:p>
               <a:p>
-                <a:pPr marL="0" indent="0" algn="ctr">
-                  <a:buNone/>
-                </a:pPr>
-                <a14:m>
-                  <m:oMath xmlns:m="http://schemas.openxmlformats.org/officeDocument/2006/math">
-                    <m:sSub>
-                      <m:sSubPr>
-                        <m:ctrlPr>
-                          <a:rPr lang="pt-BR" i="1">
-                            <a:latin typeface="Cambria Math" panose="02040503050406030204" pitchFamily="18" charset="0"/>
-                          </a:rPr>
-                        </m:ctrlPr>
-                      </m:sSubPr>
-                      <m:e>
-                        <m:r>
-                          <a:rPr lang="pt-BR" i="1">
-                            <a:latin typeface="Cambria Math" panose="02040503050406030204" pitchFamily="18" charset="0"/>
-                          </a:rPr>
-                          <m:t>𝑤</m:t>
-                        </m:r>
-                      </m:e>
-                      <m:sub>
-                        <m:r>
-                          <a:rPr lang="pt-BR" i="1">
-                            <a:latin typeface="Cambria Math" panose="02040503050406030204" pitchFamily="18" charset="0"/>
-                          </a:rPr>
-                          <m:t>𝑖</m:t>
-                        </m:r>
-                        <m:r>
-                          <a:rPr lang="pt-BR" i="1">
-                            <a:latin typeface="Cambria Math" panose="02040503050406030204" pitchFamily="18" charset="0"/>
-                          </a:rPr>
-                          <m:t>,</m:t>
-                        </m:r>
-                        <m:r>
-                          <a:rPr lang="pt-BR" i="1">
-                            <a:latin typeface="Cambria Math" panose="02040503050406030204" pitchFamily="18" charset="0"/>
-                          </a:rPr>
-                          <m:t>𝑗</m:t>
-                        </m:r>
-                      </m:sub>
-                    </m:sSub>
-                    <m:r>
-                      <a:rPr lang="pt-BR" i="1">
-                        <a:latin typeface="Cambria Math" panose="02040503050406030204" pitchFamily="18" charset="0"/>
-                      </a:rPr>
-                      <m:t> </m:t>
-                    </m:r>
-                    <m:r>
-                      <a:rPr lang="pt-BR" i="1">
-                        <a:latin typeface="Cambria Math" panose="02040503050406030204" pitchFamily="18" charset="0"/>
-                        <a:ea typeface="Cambria Math" panose="02040503050406030204" pitchFamily="18" charset="0"/>
-                      </a:rPr>
-                      <m:t>~ </m:t>
-                    </m:r>
-                    <m:r>
-                      <a:rPr lang="pt-BR" i="1">
-                        <a:latin typeface="Cambria Math" panose="02040503050406030204" pitchFamily="18" charset="0"/>
-                        <a:ea typeface="Cambria Math" panose="02040503050406030204" pitchFamily="18" charset="0"/>
-                      </a:rPr>
-                      <m:t>𝑈</m:t>
-                    </m:r>
-                    <m:d>
-                      <m:dPr>
-                        <m:ctrlPr>
-                          <a:rPr lang="pt-BR" i="1">
-                            <a:latin typeface="Cambria Math" panose="02040503050406030204" pitchFamily="18" charset="0"/>
-                            <a:ea typeface="Cambria Math" panose="02040503050406030204" pitchFamily="18" charset="0"/>
-                          </a:rPr>
-                        </m:ctrlPr>
-                      </m:dPr>
-                      <m:e>
-                        <m:r>
-                          <a:rPr lang="pt-BR" i="1">
-                            <a:latin typeface="Cambria Math" panose="02040503050406030204" pitchFamily="18" charset="0"/>
-                            <a:ea typeface="Cambria Math" panose="02040503050406030204" pitchFamily="18" charset="0"/>
-                          </a:rPr>
-                          <m:t>−</m:t>
-                        </m:r>
-                        <m:rad>
-                          <m:radPr>
-                            <m:degHide m:val="on"/>
-                            <m:ctrlPr>
-                              <a:rPr lang="pt-BR" i="1" smtClean="0">
-                                <a:latin typeface="Cambria Math" panose="02040503050406030204" pitchFamily="18" charset="0"/>
-                                <a:ea typeface="Cambria Math" panose="02040503050406030204" pitchFamily="18" charset="0"/>
-                              </a:rPr>
-                            </m:ctrlPr>
-                          </m:radPr>
-                          <m:deg/>
-                          <m:e>
-                            <m:f>
-                              <m:fPr>
-                                <m:ctrlPr>
-                                  <a:rPr lang="pt-BR" i="1" smtClean="0">
-                                    <a:latin typeface="Cambria Math" panose="02040503050406030204" pitchFamily="18" charset="0"/>
-                                    <a:ea typeface="Cambria Math" panose="02040503050406030204" pitchFamily="18" charset="0"/>
-                                  </a:rPr>
-                                </m:ctrlPr>
-                              </m:fPr>
-                              <m:num>
-                                <m:r>
-                                  <a:rPr lang="pt-BR" b="0" i="1" smtClean="0">
-                                    <a:latin typeface="Cambria Math" panose="02040503050406030204" pitchFamily="18" charset="0"/>
-                                    <a:ea typeface="Cambria Math" panose="02040503050406030204" pitchFamily="18" charset="0"/>
-                                  </a:rPr>
-                                  <m:t>6</m:t>
-                                </m:r>
-                              </m:num>
-                              <m:den>
-                                <m:r>
-                                  <a:rPr lang="pt-BR" b="0" i="1" smtClean="0">
-                                    <a:latin typeface="Cambria Math" panose="02040503050406030204" pitchFamily="18" charset="0"/>
-                                    <a:ea typeface="Cambria Math" panose="02040503050406030204" pitchFamily="18" charset="0"/>
-                                  </a:rPr>
-                                  <m:t>𝑚</m:t>
-                                </m:r>
-                                <m:r>
-                                  <a:rPr lang="pt-BR" b="0" i="1" smtClean="0">
-                                    <a:latin typeface="Cambria Math" panose="02040503050406030204" pitchFamily="18" charset="0"/>
-                                    <a:ea typeface="Cambria Math" panose="02040503050406030204" pitchFamily="18" charset="0"/>
-                                  </a:rPr>
-                                  <m:t>+</m:t>
-                                </m:r>
-                                <m:r>
-                                  <a:rPr lang="pt-BR" b="0" i="1" smtClean="0">
-                                    <a:latin typeface="Cambria Math" panose="02040503050406030204" pitchFamily="18" charset="0"/>
-                                    <a:ea typeface="Cambria Math" panose="02040503050406030204" pitchFamily="18" charset="0"/>
-                                  </a:rPr>
-                                  <m:t>𝑛</m:t>
-                                </m:r>
-                              </m:den>
-                            </m:f>
-                          </m:e>
-                        </m:rad>
-                        <m:r>
-                          <a:rPr lang="pt-BR" i="1">
-                            <a:latin typeface="Cambria Math" panose="02040503050406030204" pitchFamily="18" charset="0"/>
-                            <a:ea typeface="Cambria Math" panose="02040503050406030204" pitchFamily="18" charset="0"/>
-                          </a:rPr>
-                          <m:t>,</m:t>
-                        </m:r>
-                        <m:rad>
-                          <m:radPr>
-                            <m:degHide m:val="on"/>
-                            <m:ctrlPr>
-                              <a:rPr lang="pt-BR" i="1">
-                                <a:latin typeface="Cambria Math" panose="02040503050406030204" pitchFamily="18" charset="0"/>
-                                <a:ea typeface="Cambria Math" panose="02040503050406030204" pitchFamily="18" charset="0"/>
-                              </a:rPr>
-                            </m:ctrlPr>
-                          </m:radPr>
-                          <m:deg/>
-                          <m:e>
-                            <m:f>
-                              <m:fPr>
-                                <m:ctrlPr>
-                                  <a:rPr lang="pt-BR" i="1">
-                                    <a:latin typeface="Cambria Math" panose="02040503050406030204" pitchFamily="18" charset="0"/>
-                                    <a:ea typeface="Cambria Math" panose="02040503050406030204" pitchFamily="18" charset="0"/>
-                                  </a:rPr>
-                                </m:ctrlPr>
-                              </m:fPr>
-                              <m:num>
-                                <m:r>
-                                  <a:rPr lang="pt-BR" i="1">
-                                    <a:latin typeface="Cambria Math" panose="02040503050406030204" pitchFamily="18" charset="0"/>
-                                    <a:ea typeface="Cambria Math" panose="02040503050406030204" pitchFamily="18" charset="0"/>
-                                  </a:rPr>
-                                  <m:t>6</m:t>
-                                </m:r>
-                              </m:num>
-                              <m:den>
-                                <m:r>
-                                  <a:rPr lang="pt-BR" i="1">
-                                    <a:latin typeface="Cambria Math" panose="02040503050406030204" pitchFamily="18" charset="0"/>
-                                    <a:ea typeface="Cambria Math" panose="02040503050406030204" pitchFamily="18" charset="0"/>
-                                  </a:rPr>
-                                  <m:t>𝑚</m:t>
-                                </m:r>
-                                <m:r>
-                                  <a:rPr lang="pt-BR" i="1">
-                                    <a:latin typeface="Cambria Math" panose="02040503050406030204" pitchFamily="18" charset="0"/>
-                                    <a:ea typeface="Cambria Math" panose="02040503050406030204" pitchFamily="18" charset="0"/>
-                                  </a:rPr>
-                                  <m:t>+</m:t>
-                                </m:r>
-                                <m:r>
-                                  <a:rPr lang="pt-BR" i="1">
-                                    <a:latin typeface="Cambria Math" panose="02040503050406030204" pitchFamily="18" charset="0"/>
-                                    <a:ea typeface="Cambria Math" panose="02040503050406030204" pitchFamily="18" charset="0"/>
-                                  </a:rPr>
-                                  <m:t>𝑛</m:t>
-                                </m:r>
-                              </m:den>
-                            </m:f>
-                          </m:e>
-                        </m:rad>
-                      </m:e>
-                    </m:d>
-                  </m:oMath>
-                </a14:m>
-                <a:r>
-                  <a:rPr lang="pt-BR" dirty="0" smtClean="0"/>
-                  <a:t>.</a:t>
-                </a:r>
+                <a:endParaRPr lang="pt-BR" dirty="0" smtClean="0"/>
               </a:p>
               <a:p>
                 <a:r>
-                  <a:rPr lang="pt-BR" dirty="0" smtClean="0"/>
-                  <a:t>Uma </a:t>
-                </a:r>
-                <a:r>
-                  <a:rPr lang="pt-BR" dirty="0"/>
-                  <a:t>heurística </a:t>
-                </a:r>
-                <a:r>
-                  <a:rPr lang="pt-BR" dirty="0" smtClean="0"/>
-                  <a:t>para nós que usam função de ativação </a:t>
-                </a:r>
-                <a:r>
-                  <a:rPr lang="pt-BR" b="1" i="1" dirty="0" smtClean="0"/>
-                  <a:t>ReLu</a:t>
-                </a:r>
-                <a:r>
-                  <a:rPr lang="pt-BR" dirty="0" smtClean="0"/>
-                  <a:t> é dada por</a:t>
-                </a:r>
-              </a:p>
-              <a:p>
-                <a:pPr marL="0" indent="0">
-                  <a:buNone/>
-                </a:pPr>
-                <a14:m>
-                  <m:oMathPara xmlns:m="http://schemas.openxmlformats.org/officeDocument/2006/math">
-                    <m:oMathParaPr>
-                      <m:jc m:val="centerGroup"/>
-                    </m:oMathParaPr>
-                    <m:oMath xmlns:m="http://schemas.openxmlformats.org/officeDocument/2006/math">
-                      <m:sSub>
-                        <m:sSubPr>
-                          <m:ctrlPr>
-                            <a:rPr lang="pt-BR" i="1">
-                              <a:latin typeface="Cambria Math" panose="02040503050406030204" pitchFamily="18" charset="0"/>
-                            </a:rPr>
-                          </m:ctrlPr>
-                        </m:sSubPr>
-                        <m:e>
-                          <m:r>
-                            <a:rPr lang="pt-BR" i="1">
-                              <a:latin typeface="Cambria Math" panose="02040503050406030204" pitchFamily="18" charset="0"/>
-                            </a:rPr>
-                            <m:t>𝑤</m:t>
-                          </m:r>
-                        </m:e>
-                        <m:sub>
-                          <m:r>
-                            <a:rPr lang="pt-BR" i="1">
-                              <a:latin typeface="Cambria Math" panose="02040503050406030204" pitchFamily="18" charset="0"/>
-                            </a:rPr>
-                            <m:t>𝑖</m:t>
-                          </m:r>
-                          <m:r>
-                            <a:rPr lang="pt-BR" i="1">
-                              <a:latin typeface="Cambria Math" panose="02040503050406030204" pitchFamily="18" charset="0"/>
-                            </a:rPr>
-                            <m:t>,</m:t>
-                          </m:r>
-                          <m:r>
-                            <a:rPr lang="pt-BR" i="1">
-                              <a:latin typeface="Cambria Math" panose="02040503050406030204" pitchFamily="18" charset="0"/>
-                            </a:rPr>
-                            <m:t>𝑗</m:t>
-                          </m:r>
-                        </m:sub>
-                      </m:sSub>
-                      <m:r>
-                        <a:rPr lang="pt-BR" i="1">
-                          <a:latin typeface="Cambria Math" panose="02040503050406030204" pitchFamily="18" charset="0"/>
-                        </a:rPr>
-                        <m:t> </m:t>
-                      </m:r>
-                      <m:r>
-                        <a:rPr lang="pt-BR" i="1">
-                          <a:latin typeface="Cambria Math" panose="02040503050406030204" pitchFamily="18" charset="0"/>
-                          <a:ea typeface="Cambria Math" panose="02040503050406030204" pitchFamily="18" charset="0"/>
-                        </a:rPr>
-                        <m:t>~ </m:t>
-                      </m:r>
-                      <m:r>
-                        <a:rPr lang="pt-BR" b="0" i="1" smtClean="0">
-                          <a:latin typeface="Cambria Math" panose="02040503050406030204" pitchFamily="18" charset="0"/>
-                          <a:ea typeface="Cambria Math" panose="02040503050406030204" pitchFamily="18" charset="0"/>
-                        </a:rPr>
-                        <m:t>𝑁</m:t>
-                      </m:r>
-                      <m:d>
-                        <m:dPr>
-                          <m:ctrlPr>
-                            <a:rPr lang="pt-BR" i="1">
-                              <a:latin typeface="Cambria Math" panose="02040503050406030204" pitchFamily="18" charset="0"/>
-                              <a:ea typeface="Cambria Math" panose="02040503050406030204" pitchFamily="18" charset="0"/>
-                            </a:rPr>
-                          </m:ctrlPr>
-                        </m:dPr>
-                        <m:e>
-                          <m:r>
-                            <a:rPr lang="pt-BR" b="0" i="1" smtClean="0">
-                              <a:latin typeface="Cambria Math" panose="02040503050406030204" pitchFamily="18" charset="0"/>
-                              <a:ea typeface="Cambria Math" panose="02040503050406030204" pitchFamily="18" charset="0"/>
-                            </a:rPr>
-                            <m:t>0</m:t>
-                          </m:r>
-                          <m:r>
-                            <a:rPr lang="pt-BR" i="1">
-                              <a:latin typeface="Cambria Math" panose="02040503050406030204" pitchFamily="18" charset="0"/>
-                              <a:ea typeface="Cambria Math" panose="02040503050406030204" pitchFamily="18" charset="0"/>
-                            </a:rPr>
-                            <m:t>,</m:t>
-                          </m:r>
-                          <m:rad>
-                            <m:radPr>
-                              <m:degHide m:val="on"/>
-                              <m:ctrlPr>
-                                <a:rPr lang="pt-BR" i="1">
-                                  <a:latin typeface="Cambria Math" panose="02040503050406030204" pitchFamily="18" charset="0"/>
-                                  <a:ea typeface="Cambria Math" panose="02040503050406030204" pitchFamily="18" charset="0"/>
-                                </a:rPr>
-                              </m:ctrlPr>
-                            </m:radPr>
-                            <m:deg/>
-                            <m:e>
-                              <m:f>
-                                <m:fPr>
-                                  <m:type m:val="lin"/>
-                                  <m:ctrlPr>
-                                    <a:rPr lang="pt-BR" i="1" smtClean="0">
-                                      <a:latin typeface="Cambria Math" panose="02040503050406030204" pitchFamily="18" charset="0"/>
-                                      <a:ea typeface="Cambria Math" panose="02040503050406030204" pitchFamily="18" charset="0"/>
-                                    </a:rPr>
-                                  </m:ctrlPr>
-                                </m:fPr>
-                                <m:num>
-                                  <m:r>
-                                    <a:rPr lang="pt-BR" b="0" i="1" smtClean="0">
-                                      <a:latin typeface="Cambria Math" panose="02040503050406030204" pitchFamily="18" charset="0"/>
-                                      <a:ea typeface="Cambria Math" panose="02040503050406030204" pitchFamily="18" charset="0"/>
-                                    </a:rPr>
-                                    <m:t>1</m:t>
-                                  </m:r>
-                                </m:num>
-                                <m:den>
-                                  <m:r>
-                                    <a:rPr lang="pt-BR" b="0" i="1" smtClean="0">
-                                      <a:latin typeface="Cambria Math" panose="02040503050406030204" pitchFamily="18" charset="0"/>
-                                      <a:ea typeface="Cambria Math" panose="02040503050406030204" pitchFamily="18" charset="0"/>
-                                    </a:rPr>
-                                    <m:t>𝑚</m:t>
-                                  </m:r>
-                                </m:den>
-                              </m:f>
-                            </m:e>
-                          </m:rad>
-                        </m:e>
-                      </m:d>
-                      <m:r>
-                        <a:rPr lang="pt-BR" b="0" i="1" smtClean="0">
-                          <a:latin typeface="Cambria Math" panose="02040503050406030204" pitchFamily="18" charset="0"/>
-                          <a:ea typeface="Cambria Math" panose="02040503050406030204" pitchFamily="18" charset="0"/>
-                        </a:rPr>
-                        <m:t>,</m:t>
-                      </m:r>
-                    </m:oMath>
-                  </m:oMathPara>
-                </a14:m>
-                <a:endParaRPr lang="pt-BR" b="0" dirty="0" smtClean="0">
-                  <a:ea typeface="Cambria Math" panose="02040503050406030204" pitchFamily="18" charset="0"/>
-                </a:endParaRPr>
-              </a:p>
-              <a:p>
-                <a:pPr marL="0" indent="0">
-                  <a:buNone/>
-                </a:pPr>
-                <a:r>
-                  <a:rPr lang="pt-BR" dirty="0"/>
-                  <a:t>o</a:t>
-                </a:r>
-                <a:r>
-                  <a:rPr lang="pt-BR" dirty="0" smtClean="0"/>
-                  <a:t>nde </a:t>
-                </a:r>
-                <a14:m>
-                  <m:oMath xmlns:m="http://schemas.openxmlformats.org/officeDocument/2006/math">
-                    <m:r>
-                      <a:rPr lang="pt-BR" b="0" i="1" smtClean="0">
-                        <a:latin typeface="Cambria Math" panose="02040503050406030204" pitchFamily="18" charset="0"/>
-                        <a:ea typeface="Cambria Math" panose="02040503050406030204" pitchFamily="18" charset="0"/>
-                      </a:rPr>
-                      <m:t>𝑁</m:t>
-                    </m:r>
-                    <m:d>
-                      <m:dPr>
-                        <m:ctrlPr>
-                          <a:rPr lang="pt-BR" i="1">
-                            <a:latin typeface="Cambria Math" panose="02040503050406030204" pitchFamily="18" charset="0"/>
-                            <a:ea typeface="Cambria Math" panose="02040503050406030204" pitchFamily="18" charset="0"/>
-                          </a:rPr>
-                        </m:ctrlPr>
-                      </m:dPr>
-                      <m:e>
-                        <m:r>
-                          <a:rPr lang="pt-BR" i="1">
-                            <a:latin typeface="Cambria Math" panose="02040503050406030204" pitchFamily="18" charset="0"/>
-                            <a:ea typeface="Cambria Math" panose="02040503050406030204" pitchFamily="18" charset="0"/>
-                          </a:rPr>
-                          <m:t>.</m:t>
-                        </m:r>
-                      </m:e>
-                    </m:d>
-                  </m:oMath>
-                </a14:m>
-                <a:r>
-                  <a:rPr lang="pt-BR" dirty="0"/>
-                  <a:t> é a </a:t>
-                </a:r>
-                <a:r>
-                  <a:rPr lang="pt-BR" b="1" i="1" dirty="0"/>
-                  <a:t>distribuição </a:t>
-                </a:r>
-                <a:r>
-                  <a:rPr lang="pt-BR" b="1" i="1" dirty="0" smtClean="0"/>
-                  <a:t>Gaussiana</a:t>
-                </a:r>
-                <a:r>
-                  <a:rPr lang="pt-BR" dirty="0" smtClean="0"/>
-                  <a:t>.</a:t>
-                </a:r>
-                <a:endParaRPr lang="pt-BR" dirty="0"/>
-              </a:p>
-              <a:p>
-                <a:r>
                   <a:rPr lang="pt-BR" dirty="0"/>
                   <a:t>Uma heurística para a inicialização dos termos de </a:t>
                 </a:r>
@@ -8669,19 +8047,9 @@
                 </a:r>
                 <a:r>
                   <a:rPr lang="pt-BR" dirty="0"/>
-                  <a:t>. </a:t>
-                </a:r>
-                <a:r>
-                  <a:rPr lang="pt-BR" dirty="0" smtClean="0"/>
-                  <a:t>Esta </a:t>
-                </a:r>
-                <a:r>
-                  <a:rPr lang="pt-BR" dirty="0"/>
-                  <a:t>heurística se mostra bastante eficiente na maioria dos casos.</a:t>
-                </a:r>
-              </a:p>
-              <a:p>
-                <a:endParaRPr lang="pt-BR" dirty="0"/>
+                  <a:t>. Esta heurística se mostra bastante eficiente na maioria dos casos.</a:t>
+                </a:r>
+                <a:endParaRPr lang="pt-BR" dirty="0" smtClean="0"/>
               </a:p>
             </p:txBody>
           </p:sp>
@@ -8699,13 +8067,13 @@
             </p:nvSpPr>
             <p:spPr>
               <a:xfrm>
-                <a:off x="838199" y="1825624"/>
-                <a:ext cx="11203005" cy="5032375"/>
+                <a:off x="838200" y="1825624"/>
+                <a:ext cx="11036474" cy="5032375"/>
               </a:xfrm>
               <a:blipFill rotWithShape="0">
                 <a:blip r:embed="rId3"/>
                 <a:stretch>
-                  <a:fillRect l="-816" t="-2300" b="-847"/>
+                  <a:fillRect l="-884" t="-2421" b="-969"/>
                 </a:stretch>
               </a:blipFill>
             </p:spPr>
@@ -8724,126 +8092,2290 @@
           </p:sp>
         </mc:Fallback>
       </mc:AlternateContent>
-      <p:sp>
-        <p:nvSpPr>
-          <p:cNvPr id="4" name="Rectangle 3"/>
-          <p:cNvSpPr/>
-          <p:nvPr/>
-        </p:nvSpPr>
-        <p:spPr>
-          <a:xfrm>
-            <a:off x="8229583" y="2631464"/>
-            <a:ext cx="2687339" cy="338554"/>
-          </a:xfrm>
-          <a:prstGeom prst="rect">
-            <a:avLst/>
-          </a:prstGeom>
-        </p:spPr>
-        <p:txBody>
-          <a:bodyPr wrap="none">
-            <a:spAutoFit/>
-          </a:bodyPr>
-          <a:lstStyle/>
-          <a:p>
-            <a:pPr fontAlgn="base"/>
-            <a:r>
-              <a:rPr lang="pt-BR" sz="1600" b="1" dirty="0" smtClean="0"/>
-              <a:t>Inicialização de Xavier/Glorot</a:t>
-            </a:r>
-            <a:endParaRPr lang="pt-BR" sz="1600" b="1" dirty="0">
-              <a:solidFill>
-                <a:srgbClr val="222222"/>
-              </a:solidFill>
-              <a:effectLst/>
-              <a:latin typeface="Helvetica Neue"/>
-            </a:endParaRPr>
-          </a:p>
-        </p:txBody>
-      </p:sp>
-      <p:sp>
-        <p:nvSpPr>
-          <p:cNvPr id="5" name="Rectangle 4"/>
-          <p:cNvSpPr/>
-          <p:nvPr/>
-        </p:nvSpPr>
-        <p:spPr>
-          <a:xfrm>
-            <a:off x="8229583" y="4172534"/>
-            <a:ext cx="3811621" cy="338554"/>
-          </a:xfrm>
-          <a:prstGeom prst="rect">
-            <a:avLst/>
-          </a:prstGeom>
-        </p:spPr>
-        <p:txBody>
-          <a:bodyPr wrap="none">
-            <a:spAutoFit/>
-          </a:bodyPr>
-          <a:lstStyle/>
-          <a:p>
-            <a:pPr fontAlgn="base"/>
-            <a:r>
-              <a:rPr lang="pt-BR" sz="1600" b="1" dirty="0" smtClean="0"/>
-              <a:t>Inicialização de Xavier</a:t>
-            </a:r>
-            <a:r>
-              <a:rPr lang="pt-BR" sz="1600" b="1" dirty="0"/>
-              <a:t>/Glorot</a:t>
-            </a:r>
-            <a:r>
-              <a:rPr lang="pt-BR" sz="1600" b="1" dirty="0" smtClean="0"/>
-              <a:t> Normalizada</a:t>
-            </a:r>
-            <a:endParaRPr lang="pt-BR" sz="1600" b="1" dirty="0">
-              <a:solidFill>
-                <a:srgbClr val="222222"/>
-              </a:solidFill>
-              <a:effectLst/>
-              <a:latin typeface="Helvetica Neue"/>
-            </a:endParaRPr>
-          </a:p>
-        </p:txBody>
-      </p:sp>
-      <p:sp>
-        <p:nvSpPr>
-          <p:cNvPr id="6" name="Rectangle 5"/>
-          <p:cNvSpPr/>
-          <p:nvPr/>
-        </p:nvSpPr>
-        <p:spPr>
-          <a:xfrm>
-            <a:off x="8229583" y="5220668"/>
-            <a:ext cx="1751762" cy="338554"/>
-          </a:xfrm>
-          <a:prstGeom prst="rect">
-            <a:avLst/>
-          </a:prstGeom>
-        </p:spPr>
-        <p:txBody>
-          <a:bodyPr wrap="none">
-            <a:spAutoFit/>
-          </a:bodyPr>
-          <a:lstStyle/>
-          <a:p>
-            <a:pPr fontAlgn="base"/>
-            <a:r>
-              <a:rPr lang="pt-BR" sz="1600" b="1" dirty="0" smtClean="0"/>
-              <a:t>Inicialização de He</a:t>
-            </a:r>
-            <a:endParaRPr lang="pt-BR" sz="1600" b="1" dirty="0">
-              <a:solidFill>
-                <a:srgbClr val="222222"/>
-              </a:solidFill>
-              <a:effectLst/>
-              <a:latin typeface="Helvetica Neue"/>
-            </a:endParaRPr>
-          </a:p>
-        </p:txBody>
-      </p:sp>
+      <mc:AlternateContent xmlns:mc="http://schemas.openxmlformats.org/markup-compatibility/2006" xmlns:a14="http://schemas.microsoft.com/office/drawing/2010/main">
+        <mc:Choice Requires="a14">
+          <p:graphicFrame>
+            <p:nvGraphicFramePr>
+              <p:cNvPr id="4" name="Table 3"/>
+              <p:cNvGraphicFramePr>
+                <a:graphicFrameLocks noGrp="1"/>
+              </p:cNvGraphicFramePr>
+              <p:nvPr>
+                <p:extLst/>
+              </p:nvPr>
+            </p:nvGraphicFramePr>
+            <p:xfrm>
+              <a:off x="838200" y="2579851"/>
+              <a:ext cx="11036474" cy="3012627"/>
+            </p:xfrm>
+            <a:graphic>
+              <a:graphicData uri="http://schemas.openxmlformats.org/drawingml/2006/table">
+                <a:tbl>
+                  <a:tblPr firstRow="1" bandRow="1">
+                    <a:tableStyleId>{2D5ABB26-0587-4C30-8999-92F81FD0307C}</a:tableStyleId>
+                  </a:tblPr>
+                  <a:tblGrid>
+                    <a:gridCol w="1854751"/>
+                    <a:gridCol w="3663486"/>
+                    <a:gridCol w="3080660"/>
+                    <a:gridCol w="2437577"/>
+                  </a:tblGrid>
+                  <a:tr h="337209">
+                    <a:tc>
+                      <a:txBody>
+                        <a:bodyPr/>
+                        <a:lstStyle/>
+                        <a:p>
+                          <a:pPr algn="ctr"/>
+                          <a:r>
+                            <a:rPr lang="pt-BR" sz="1400" b="1" dirty="0" smtClean="0"/>
+                            <a:t>Inicialização</a:t>
+                          </a:r>
+                          <a:endParaRPr lang="pt-BR" sz="1400" b="1" dirty="0"/>
+                        </a:p>
+                      </a:txBody>
+                      <a:tcPr>
+                        <a:lnL w="12700" cap="flat" cmpd="sng" algn="ctr">
+                          <a:solidFill>
+                            <a:schemeClr val="tx1"/>
+                          </a:solidFill>
+                          <a:prstDash val="solid"/>
+                          <a:round/>
+                          <a:headEnd type="none" w="med" len="med"/>
+                          <a:tailEnd type="none" w="med" len="med"/>
+                        </a:lnL>
+                        <a:lnR w="12700" cap="flat" cmpd="sng" algn="ctr">
+                          <a:solidFill>
+                            <a:schemeClr val="tx1"/>
+                          </a:solidFill>
+                          <a:prstDash val="solid"/>
+                          <a:round/>
+                          <a:headEnd type="none" w="med" len="med"/>
+                          <a:tailEnd type="none" w="med" len="med"/>
+                        </a:lnR>
+                        <a:lnT w="12700" cap="flat" cmpd="sng" algn="ctr">
+                          <a:solidFill>
+                            <a:schemeClr val="tx1"/>
+                          </a:solidFill>
+                          <a:prstDash val="solid"/>
+                          <a:round/>
+                          <a:headEnd type="none" w="med" len="med"/>
+                          <a:tailEnd type="none" w="med" len="med"/>
+                        </a:lnT>
+                        <a:lnB w="12700" cap="flat" cmpd="sng" algn="ctr">
+                          <a:solidFill>
+                            <a:schemeClr val="tx1"/>
+                          </a:solidFill>
+                          <a:prstDash val="solid"/>
+                          <a:round/>
+                          <a:headEnd type="none" w="med" len="med"/>
+                          <a:tailEnd type="none" w="med" len="med"/>
+                        </a:lnB>
+                      </a:tcPr>
+                    </a:tc>
+                    <a:tc>
+                      <a:txBody>
+                        <a:bodyPr/>
+                        <a:lstStyle/>
+                        <a:p>
+                          <a:pPr algn="ctr"/>
+                          <a:r>
+                            <a:rPr lang="pt-BR" sz="1400" b="1" dirty="0" smtClean="0"/>
+                            <a:t>Funções de ativação</a:t>
+                          </a:r>
+                          <a:endParaRPr lang="pt-BR" sz="1400" b="1" dirty="0"/>
+                        </a:p>
+                      </a:txBody>
+                      <a:tcPr>
+                        <a:lnL w="12700" cap="flat" cmpd="sng" algn="ctr">
+                          <a:solidFill>
+                            <a:schemeClr val="tx1"/>
+                          </a:solidFill>
+                          <a:prstDash val="solid"/>
+                          <a:round/>
+                          <a:headEnd type="none" w="med" len="med"/>
+                          <a:tailEnd type="none" w="med" len="med"/>
+                        </a:lnL>
+                        <a:lnR w="12700" cap="flat" cmpd="sng" algn="ctr">
+                          <a:solidFill>
+                            <a:schemeClr val="tx1"/>
+                          </a:solidFill>
+                          <a:prstDash val="solid"/>
+                          <a:round/>
+                          <a:headEnd type="none" w="med" len="med"/>
+                          <a:tailEnd type="none" w="med" len="med"/>
+                        </a:lnR>
+                        <a:lnT w="12700" cap="flat" cmpd="sng" algn="ctr">
+                          <a:solidFill>
+                            <a:schemeClr val="tx1"/>
+                          </a:solidFill>
+                          <a:prstDash val="solid"/>
+                          <a:round/>
+                          <a:headEnd type="none" w="med" len="med"/>
+                          <a:tailEnd type="none" w="med" len="med"/>
+                        </a:lnT>
+                        <a:lnB w="12700" cap="flat" cmpd="sng" algn="ctr">
+                          <a:solidFill>
+                            <a:schemeClr val="tx1"/>
+                          </a:solidFill>
+                          <a:prstDash val="solid"/>
+                          <a:round/>
+                          <a:headEnd type="none" w="med" len="med"/>
+                          <a:tailEnd type="none" w="med" len="med"/>
+                        </a:lnB>
+                      </a:tcPr>
+                    </a:tc>
+                    <a:tc>
+                      <a:txBody>
+                        <a:bodyPr/>
+                        <a:lstStyle/>
+                        <a:p>
+                          <a:pPr algn="ctr"/>
+                          <a:r>
+                            <a:rPr lang="pt-BR" sz="1400" b="1" dirty="0" smtClean="0"/>
+                            <a:t>Distribuição Uniforme</a:t>
+                          </a:r>
+                        </a:p>
+                        <a:p>
+                          <a:pPr algn="ctr"/>
+                          <a14:m>
+                            <m:oMathPara xmlns:m="http://schemas.openxmlformats.org/officeDocument/2006/math">
+                              <m:oMathParaPr>
+                                <m:jc m:val="centerGroup"/>
+                              </m:oMathParaPr>
+                              <m:oMath xmlns:m="http://schemas.openxmlformats.org/officeDocument/2006/math">
+                                <m:r>
+                                  <a:rPr lang="pt-BR" sz="1400" b="0" i="1" smtClean="0">
+                                    <a:latin typeface="Cambria Math" panose="02040503050406030204" pitchFamily="18" charset="0"/>
+                                  </a:rPr>
+                                  <m:t>𝑈</m:t>
+                                </m:r>
+                                <m:r>
+                                  <a:rPr lang="pt-BR" sz="1400" b="0" i="1" smtClean="0">
+                                    <a:latin typeface="Cambria Math" panose="02040503050406030204" pitchFamily="18" charset="0"/>
+                                  </a:rPr>
+                                  <m:t>(−</m:t>
+                                </m:r>
+                                <m:r>
+                                  <a:rPr lang="pt-BR" sz="1400" b="0" i="1" smtClean="0">
+                                    <a:latin typeface="Cambria Math" panose="02040503050406030204" pitchFamily="18" charset="0"/>
+                                  </a:rPr>
+                                  <m:t>𝑟</m:t>
+                                </m:r>
+                                <m:r>
+                                  <a:rPr lang="pt-BR" sz="1400" b="0" i="1" smtClean="0">
+                                    <a:latin typeface="Cambria Math" panose="02040503050406030204" pitchFamily="18" charset="0"/>
+                                  </a:rPr>
+                                  <m:t>,</m:t>
+                                </m:r>
+                                <m:r>
+                                  <a:rPr lang="pt-BR" sz="1400" b="0" i="1" smtClean="0">
+                                    <a:latin typeface="Cambria Math" panose="02040503050406030204" pitchFamily="18" charset="0"/>
+                                  </a:rPr>
+                                  <m:t>𝑟</m:t>
+                                </m:r>
+                                <m:r>
+                                  <a:rPr lang="pt-BR" sz="1400" b="0" i="1" smtClean="0">
+                                    <a:latin typeface="Cambria Math" panose="02040503050406030204" pitchFamily="18" charset="0"/>
+                                  </a:rPr>
+                                  <m:t>)</m:t>
+                                </m:r>
+                              </m:oMath>
+                            </m:oMathPara>
+                          </a14:m>
+                          <a:endParaRPr lang="pt-BR" sz="1400" b="0" dirty="0"/>
+                        </a:p>
+                      </a:txBody>
+                      <a:tcPr>
+                        <a:lnL w="12700" cap="flat" cmpd="sng" algn="ctr">
+                          <a:solidFill>
+                            <a:schemeClr val="tx1"/>
+                          </a:solidFill>
+                          <a:prstDash val="solid"/>
+                          <a:round/>
+                          <a:headEnd type="none" w="med" len="med"/>
+                          <a:tailEnd type="none" w="med" len="med"/>
+                        </a:lnL>
+                        <a:lnR w="12700" cap="flat" cmpd="sng" algn="ctr">
+                          <a:solidFill>
+                            <a:schemeClr val="tx1"/>
+                          </a:solidFill>
+                          <a:prstDash val="solid"/>
+                          <a:round/>
+                          <a:headEnd type="none" w="med" len="med"/>
+                          <a:tailEnd type="none" w="med" len="med"/>
+                        </a:lnR>
+                        <a:lnT w="12700" cap="flat" cmpd="sng" algn="ctr">
+                          <a:solidFill>
+                            <a:schemeClr val="tx1"/>
+                          </a:solidFill>
+                          <a:prstDash val="solid"/>
+                          <a:round/>
+                          <a:headEnd type="none" w="med" len="med"/>
+                          <a:tailEnd type="none" w="med" len="med"/>
+                        </a:lnT>
+                        <a:lnB w="12700" cap="flat" cmpd="sng" algn="ctr">
+                          <a:solidFill>
+                            <a:schemeClr val="tx1"/>
+                          </a:solidFill>
+                          <a:prstDash val="solid"/>
+                          <a:round/>
+                          <a:headEnd type="none" w="med" len="med"/>
+                          <a:tailEnd type="none" w="med" len="med"/>
+                        </a:lnB>
+                      </a:tcPr>
+                    </a:tc>
+                    <a:tc>
+                      <a:txBody>
+                        <a:bodyPr/>
+                        <a:lstStyle/>
+                        <a:p>
+                          <a:pPr algn="ctr"/>
+                          <a:r>
+                            <a:rPr lang="pt-BR" sz="1400" b="1" dirty="0" smtClean="0"/>
+                            <a:t>Distribuição Normal </a:t>
+                          </a:r>
+                        </a:p>
+                        <a:p>
+                          <a:pPr algn="ctr"/>
+                          <a14:m>
+                            <m:oMathPara xmlns:m="http://schemas.openxmlformats.org/officeDocument/2006/math">
+                              <m:oMathParaPr>
+                                <m:jc m:val="centerGroup"/>
+                              </m:oMathParaPr>
+                              <m:oMath xmlns:m="http://schemas.openxmlformats.org/officeDocument/2006/math">
+                                <m:r>
+                                  <a:rPr lang="pt-BR" sz="1400" b="0" i="1" smtClean="0">
+                                    <a:latin typeface="Cambria Math" panose="02040503050406030204" pitchFamily="18" charset="0"/>
+                                    <a:ea typeface="Cambria Math" panose="02040503050406030204" pitchFamily="18" charset="0"/>
+                                  </a:rPr>
+                                  <m:t>𝑁</m:t>
+                                </m:r>
+                                <m:r>
+                                  <a:rPr lang="pt-BR" sz="1400" b="0" i="1" smtClean="0">
+                                    <a:latin typeface="Cambria Math" panose="02040503050406030204" pitchFamily="18" charset="0"/>
+                                    <a:ea typeface="Cambria Math" panose="02040503050406030204" pitchFamily="18" charset="0"/>
+                                  </a:rPr>
+                                  <m:t>(0,</m:t>
+                                </m:r>
+                                <m:sSup>
+                                  <m:sSupPr>
+                                    <m:ctrlPr>
+                                      <a:rPr lang="pt-BR" sz="1400" i="1" smtClean="0">
+                                        <a:latin typeface="Cambria Math" panose="02040503050406030204" pitchFamily="18" charset="0"/>
+                                      </a:rPr>
+                                    </m:ctrlPr>
+                                  </m:sSupPr>
+                                  <m:e>
+                                    <m:r>
+                                      <a:rPr lang="pt-BR" sz="1400" i="1" smtClean="0">
+                                        <a:latin typeface="Cambria Math" panose="02040503050406030204" pitchFamily="18" charset="0"/>
+                                        <a:ea typeface="Cambria Math" panose="02040503050406030204" pitchFamily="18" charset="0"/>
+                                      </a:rPr>
+                                      <m:t>𝜎</m:t>
+                                    </m:r>
+                                  </m:e>
+                                  <m:sup>
+                                    <m:r>
+                                      <a:rPr lang="pt-BR" sz="1400" b="0" i="1" smtClean="0">
+                                        <a:latin typeface="Cambria Math" panose="02040503050406030204" pitchFamily="18" charset="0"/>
+                                      </a:rPr>
+                                      <m:t>2</m:t>
+                                    </m:r>
+                                  </m:sup>
+                                </m:sSup>
+                                <m:r>
+                                  <a:rPr lang="pt-BR" sz="1400" b="0" i="1" smtClean="0">
+                                    <a:latin typeface="Cambria Math" panose="02040503050406030204" pitchFamily="18" charset="0"/>
+                                    <a:ea typeface="Cambria Math" panose="02040503050406030204" pitchFamily="18" charset="0"/>
+                                  </a:rPr>
+                                  <m:t>)</m:t>
+                                </m:r>
+                              </m:oMath>
+                            </m:oMathPara>
+                          </a14:m>
+                          <a:endParaRPr lang="pt-BR" sz="1400" b="0" dirty="0"/>
+                        </a:p>
+                      </a:txBody>
+                      <a:tcPr>
+                        <a:lnL w="12700" cap="flat" cmpd="sng" algn="ctr">
+                          <a:solidFill>
+                            <a:schemeClr val="tx1"/>
+                          </a:solidFill>
+                          <a:prstDash val="solid"/>
+                          <a:round/>
+                          <a:headEnd type="none" w="med" len="med"/>
+                          <a:tailEnd type="none" w="med" len="med"/>
+                        </a:lnL>
+                        <a:lnR w="12700" cap="flat" cmpd="sng" algn="ctr">
+                          <a:solidFill>
+                            <a:schemeClr val="tx1"/>
+                          </a:solidFill>
+                          <a:prstDash val="solid"/>
+                          <a:round/>
+                          <a:headEnd type="none" w="med" len="med"/>
+                          <a:tailEnd type="none" w="med" len="med"/>
+                        </a:lnR>
+                        <a:lnT w="12700" cap="flat" cmpd="sng" algn="ctr">
+                          <a:solidFill>
+                            <a:schemeClr val="tx1"/>
+                          </a:solidFill>
+                          <a:prstDash val="solid"/>
+                          <a:round/>
+                          <a:headEnd type="none" w="med" len="med"/>
+                          <a:tailEnd type="none" w="med" len="med"/>
+                        </a:lnT>
+                        <a:lnB w="12700" cap="flat" cmpd="sng" algn="ctr">
+                          <a:solidFill>
+                            <a:schemeClr val="tx1"/>
+                          </a:solidFill>
+                          <a:prstDash val="solid"/>
+                          <a:round/>
+                          <a:headEnd type="none" w="med" len="med"/>
+                          <a:tailEnd type="none" w="med" len="med"/>
+                        </a:lnB>
+                      </a:tcPr>
+                    </a:tc>
+                  </a:tr>
+                  <a:tr h="831489">
+                    <a:tc>
+                      <a:txBody>
+                        <a:bodyPr/>
+                        <a:lstStyle/>
+                        <a:p>
+                          <a:pPr algn="ctr"/>
+                          <a:r>
+                            <a:rPr lang="pt-BR" sz="1400" dirty="0" smtClean="0"/>
+                            <a:t>Xavier/Glorot</a:t>
+                          </a:r>
+                          <a:endParaRPr lang="pt-BR" sz="1400" dirty="0"/>
+                        </a:p>
+                      </a:txBody>
+                      <a:tcPr anchor="ctr">
+                        <a:lnL w="12700" cap="flat" cmpd="sng" algn="ctr">
+                          <a:solidFill>
+                            <a:schemeClr val="tx1"/>
+                          </a:solidFill>
+                          <a:prstDash val="solid"/>
+                          <a:round/>
+                          <a:headEnd type="none" w="med" len="med"/>
+                          <a:tailEnd type="none" w="med" len="med"/>
+                        </a:lnL>
+                        <a:lnR w="12700" cap="flat" cmpd="sng" algn="ctr">
+                          <a:solidFill>
+                            <a:schemeClr val="tx1"/>
+                          </a:solidFill>
+                          <a:prstDash val="solid"/>
+                          <a:round/>
+                          <a:headEnd type="none" w="med" len="med"/>
+                          <a:tailEnd type="none" w="med" len="med"/>
+                        </a:lnR>
+                        <a:lnT w="12700" cap="flat" cmpd="sng" algn="ctr">
+                          <a:solidFill>
+                            <a:schemeClr val="tx1"/>
+                          </a:solidFill>
+                          <a:prstDash val="solid"/>
+                          <a:round/>
+                          <a:headEnd type="none" w="med" len="med"/>
+                          <a:tailEnd type="none" w="med" len="med"/>
+                        </a:lnT>
+                        <a:lnB w="12700" cap="flat" cmpd="sng" algn="ctr">
+                          <a:solidFill>
+                            <a:schemeClr val="tx1"/>
+                          </a:solidFill>
+                          <a:prstDash val="solid"/>
+                          <a:round/>
+                          <a:headEnd type="none" w="med" len="med"/>
+                          <a:tailEnd type="none" w="med" len="med"/>
+                        </a:lnB>
+                      </a:tcPr>
+                    </a:tc>
+                    <a:tc>
+                      <a:txBody>
+                        <a:bodyPr/>
+                        <a:lstStyle/>
+                        <a:p>
+                          <a:pPr algn="ctr"/>
+                          <a:r>
+                            <a:rPr lang="pt-BR" sz="1400" dirty="0" smtClean="0"/>
+                            <a:t>Nenhuma, Tanh, Logística, Softmax</a:t>
+                          </a:r>
+                          <a:endParaRPr lang="pt-BR" sz="1400" dirty="0"/>
+                        </a:p>
+                      </a:txBody>
+                      <a:tcPr anchor="ctr">
+                        <a:lnL w="12700" cap="flat" cmpd="sng" algn="ctr">
+                          <a:solidFill>
+                            <a:schemeClr val="tx1"/>
+                          </a:solidFill>
+                          <a:prstDash val="solid"/>
+                          <a:round/>
+                          <a:headEnd type="none" w="med" len="med"/>
+                          <a:tailEnd type="none" w="med" len="med"/>
+                        </a:lnL>
+                        <a:lnR w="12700" cap="flat" cmpd="sng" algn="ctr">
+                          <a:solidFill>
+                            <a:schemeClr val="tx1"/>
+                          </a:solidFill>
+                          <a:prstDash val="solid"/>
+                          <a:round/>
+                          <a:headEnd type="none" w="med" len="med"/>
+                          <a:tailEnd type="none" w="med" len="med"/>
+                        </a:lnR>
+                        <a:lnT w="12700" cap="flat" cmpd="sng" algn="ctr">
+                          <a:solidFill>
+                            <a:schemeClr val="tx1"/>
+                          </a:solidFill>
+                          <a:prstDash val="solid"/>
+                          <a:round/>
+                          <a:headEnd type="none" w="med" len="med"/>
+                          <a:tailEnd type="none" w="med" len="med"/>
+                        </a:lnT>
+                        <a:lnB w="12700" cap="flat" cmpd="sng" algn="ctr">
+                          <a:solidFill>
+                            <a:schemeClr val="tx1"/>
+                          </a:solidFill>
+                          <a:prstDash val="solid"/>
+                          <a:round/>
+                          <a:headEnd type="none" w="med" len="med"/>
+                          <a:tailEnd type="none" w="med" len="med"/>
+                        </a:lnB>
+                      </a:tcPr>
+                    </a:tc>
+                    <a:tc>
+                      <a:txBody>
+                        <a:bodyPr/>
+                        <a:lstStyle/>
+                        <a:p>
+                          <a:pPr algn="ctr"/>
+                          <a14:m>
+                            <m:oMathPara xmlns:m="http://schemas.openxmlformats.org/officeDocument/2006/math">
+                              <m:oMathParaPr>
+                                <m:jc m:val="centerGroup"/>
+                              </m:oMathParaPr>
+                              <m:oMath xmlns:m="http://schemas.openxmlformats.org/officeDocument/2006/math">
+                                <m:r>
+                                  <a:rPr lang="pt-BR" sz="1400" b="0" i="1" smtClean="0">
+                                    <a:latin typeface="Cambria Math" panose="02040503050406030204" pitchFamily="18" charset="0"/>
+                                  </a:rPr>
+                                  <m:t>𝑟</m:t>
+                                </m:r>
+                                <m:r>
+                                  <a:rPr lang="pt-BR" sz="1400" b="0" i="1" smtClean="0">
+                                    <a:latin typeface="Cambria Math" panose="02040503050406030204" pitchFamily="18" charset="0"/>
+                                  </a:rPr>
+                                  <m:t>=</m:t>
+                                </m:r>
+                                <m:rad>
+                                  <m:radPr>
+                                    <m:degHide m:val="on"/>
+                                    <m:ctrlPr>
+                                      <a:rPr lang="pt-BR" sz="1400" b="0" i="1" smtClean="0">
+                                        <a:latin typeface="Cambria Math" panose="02040503050406030204" pitchFamily="18" charset="0"/>
+                                      </a:rPr>
+                                    </m:ctrlPr>
+                                  </m:radPr>
+                                  <m:deg/>
+                                  <m:e>
+                                    <m:f>
+                                      <m:fPr>
+                                        <m:ctrlPr>
+                                          <a:rPr lang="pt-BR" sz="1400" b="0" i="1" smtClean="0">
+                                            <a:latin typeface="Cambria Math" panose="02040503050406030204" pitchFamily="18" charset="0"/>
+                                          </a:rPr>
+                                        </m:ctrlPr>
+                                      </m:fPr>
+                                      <m:num>
+                                        <m:r>
+                                          <a:rPr lang="pt-BR" sz="1400" b="0" i="1" smtClean="0">
+                                            <a:latin typeface="Cambria Math" panose="02040503050406030204" pitchFamily="18" charset="0"/>
+                                          </a:rPr>
+                                          <m:t>6</m:t>
+                                        </m:r>
+                                      </m:num>
+                                      <m:den>
+                                        <m:r>
+                                          <a:rPr lang="pt-BR" sz="1400" b="0" i="1" smtClean="0">
+                                            <a:latin typeface="Cambria Math" panose="02040503050406030204" pitchFamily="18" charset="0"/>
+                                          </a:rPr>
+                                          <m:t>𝑚</m:t>
+                                        </m:r>
+                                        <m:r>
+                                          <a:rPr lang="pt-BR" sz="1400" b="0" i="1" smtClean="0">
+                                            <a:latin typeface="Cambria Math" panose="02040503050406030204" pitchFamily="18" charset="0"/>
+                                          </a:rPr>
+                                          <m:t>+</m:t>
+                                        </m:r>
+                                        <m:r>
+                                          <a:rPr lang="pt-BR" sz="1400" b="0" i="1" smtClean="0">
+                                            <a:latin typeface="Cambria Math" panose="02040503050406030204" pitchFamily="18" charset="0"/>
+                                          </a:rPr>
+                                          <m:t>𝑛</m:t>
+                                        </m:r>
+                                      </m:den>
+                                    </m:f>
+                                  </m:e>
+                                </m:rad>
+                              </m:oMath>
+                            </m:oMathPara>
+                          </a14:m>
+                          <a:endParaRPr lang="pt-BR" sz="1400" dirty="0"/>
+                        </a:p>
+                      </a:txBody>
+                      <a:tcPr anchor="ctr">
+                        <a:lnL w="12700" cap="flat" cmpd="sng" algn="ctr">
+                          <a:solidFill>
+                            <a:schemeClr val="tx1"/>
+                          </a:solidFill>
+                          <a:prstDash val="solid"/>
+                          <a:round/>
+                          <a:headEnd type="none" w="med" len="med"/>
+                          <a:tailEnd type="none" w="med" len="med"/>
+                        </a:lnL>
+                        <a:lnR w="12700" cap="flat" cmpd="sng" algn="ctr">
+                          <a:solidFill>
+                            <a:schemeClr val="tx1"/>
+                          </a:solidFill>
+                          <a:prstDash val="solid"/>
+                          <a:round/>
+                          <a:headEnd type="none" w="med" len="med"/>
+                          <a:tailEnd type="none" w="med" len="med"/>
+                        </a:lnR>
+                        <a:lnT w="12700" cap="flat" cmpd="sng" algn="ctr">
+                          <a:solidFill>
+                            <a:schemeClr val="tx1"/>
+                          </a:solidFill>
+                          <a:prstDash val="solid"/>
+                          <a:round/>
+                          <a:headEnd type="none" w="med" len="med"/>
+                          <a:tailEnd type="none" w="med" len="med"/>
+                        </a:lnT>
+                        <a:lnB w="12700" cap="flat" cmpd="sng" algn="ctr">
+                          <a:solidFill>
+                            <a:schemeClr val="tx1"/>
+                          </a:solidFill>
+                          <a:prstDash val="solid"/>
+                          <a:round/>
+                          <a:headEnd type="none" w="med" len="med"/>
+                          <a:tailEnd type="none" w="med" len="med"/>
+                        </a:lnB>
+                      </a:tcPr>
+                    </a:tc>
+                    <a:tc>
+                      <a:txBody>
+                        <a:bodyPr/>
+                        <a:lstStyle/>
+                        <a:p>
+                          <a:pPr algn="ctr"/>
+                          <a14:m>
+                            <m:oMathPara xmlns:m="http://schemas.openxmlformats.org/officeDocument/2006/math">
+                              <m:oMathParaPr>
+                                <m:jc m:val="centerGroup"/>
+                              </m:oMathParaPr>
+                              <m:oMath xmlns:m="http://schemas.openxmlformats.org/officeDocument/2006/math">
+                                <m:sSup>
+                                  <m:sSupPr>
+                                    <m:ctrlPr>
+                                      <a:rPr lang="pt-BR" sz="1400" i="1" smtClean="0">
+                                        <a:latin typeface="Cambria Math" panose="02040503050406030204" pitchFamily="18" charset="0"/>
+                                      </a:rPr>
+                                    </m:ctrlPr>
+                                  </m:sSupPr>
+                                  <m:e>
+                                    <m:r>
+                                      <a:rPr lang="pt-BR" sz="1400" i="1" smtClean="0">
+                                        <a:latin typeface="Cambria Math" panose="02040503050406030204" pitchFamily="18" charset="0"/>
+                                        <a:ea typeface="Cambria Math" panose="02040503050406030204" pitchFamily="18" charset="0"/>
+                                      </a:rPr>
+                                      <m:t>𝜎</m:t>
+                                    </m:r>
+                                  </m:e>
+                                  <m:sup>
+                                    <m:r>
+                                      <a:rPr lang="pt-BR" sz="1400" b="0" i="1" smtClean="0">
+                                        <a:latin typeface="Cambria Math" panose="02040503050406030204" pitchFamily="18" charset="0"/>
+                                      </a:rPr>
+                                      <m:t>2</m:t>
+                                    </m:r>
+                                  </m:sup>
+                                </m:sSup>
+                                <m:r>
+                                  <a:rPr lang="pt-BR" sz="1400" b="0" i="1" smtClean="0">
+                                    <a:latin typeface="Cambria Math" panose="02040503050406030204" pitchFamily="18" charset="0"/>
+                                  </a:rPr>
+                                  <m:t>=</m:t>
+                                </m:r>
+                                <m:f>
+                                  <m:fPr>
+                                    <m:ctrlPr>
+                                      <a:rPr lang="pt-BR" sz="1400" b="0" i="1" smtClean="0">
+                                        <a:latin typeface="Cambria Math" panose="02040503050406030204" pitchFamily="18" charset="0"/>
+                                      </a:rPr>
+                                    </m:ctrlPr>
+                                  </m:fPr>
+                                  <m:num>
+                                    <m:r>
+                                      <a:rPr lang="pt-BR" sz="1400" b="0" i="1" smtClean="0">
+                                        <a:latin typeface="Cambria Math" panose="02040503050406030204" pitchFamily="18" charset="0"/>
+                                      </a:rPr>
+                                      <m:t>2</m:t>
+                                    </m:r>
+                                  </m:num>
+                                  <m:den>
+                                    <m:r>
+                                      <a:rPr lang="pt-BR" sz="1400" b="0" i="1" smtClean="0">
+                                        <a:latin typeface="Cambria Math" panose="02040503050406030204" pitchFamily="18" charset="0"/>
+                                      </a:rPr>
+                                      <m:t>𝑚</m:t>
+                                    </m:r>
+                                    <m:r>
+                                      <a:rPr lang="pt-BR" sz="1400" b="0" i="1" smtClean="0">
+                                        <a:latin typeface="Cambria Math" panose="02040503050406030204" pitchFamily="18" charset="0"/>
+                                      </a:rPr>
+                                      <m:t>+</m:t>
+                                    </m:r>
+                                    <m:r>
+                                      <a:rPr lang="pt-BR" sz="1400" b="0" i="1" smtClean="0">
+                                        <a:latin typeface="Cambria Math" panose="02040503050406030204" pitchFamily="18" charset="0"/>
+                                      </a:rPr>
+                                      <m:t>𝑛</m:t>
+                                    </m:r>
+                                  </m:den>
+                                </m:f>
+                              </m:oMath>
+                            </m:oMathPara>
+                          </a14:m>
+                          <a:endParaRPr lang="pt-BR" sz="1400" dirty="0"/>
+                        </a:p>
+                      </a:txBody>
+                      <a:tcPr anchor="ctr">
+                        <a:lnL w="12700" cap="flat" cmpd="sng" algn="ctr">
+                          <a:solidFill>
+                            <a:schemeClr val="tx1"/>
+                          </a:solidFill>
+                          <a:prstDash val="solid"/>
+                          <a:round/>
+                          <a:headEnd type="none" w="med" len="med"/>
+                          <a:tailEnd type="none" w="med" len="med"/>
+                        </a:lnL>
+                        <a:lnR w="12700" cap="flat" cmpd="sng" algn="ctr">
+                          <a:solidFill>
+                            <a:schemeClr val="tx1"/>
+                          </a:solidFill>
+                          <a:prstDash val="solid"/>
+                          <a:round/>
+                          <a:headEnd type="none" w="med" len="med"/>
+                          <a:tailEnd type="none" w="med" len="med"/>
+                        </a:lnR>
+                        <a:lnT w="12700" cap="flat" cmpd="sng" algn="ctr">
+                          <a:solidFill>
+                            <a:schemeClr val="tx1"/>
+                          </a:solidFill>
+                          <a:prstDash val="solid"/>
+                          <a:round/>
+                          <a:headEnd type="none" w="med" len="med"/>
+                          <a:tailEnd type="none" w="med" len="med"/>
+                        </a:lnT>
+                        <a:lnB w="12700" cap="flat" cmpd="sng" algn="ctr">
+                          <a:solidFill>
+                            <a:schemeClr val="tx1"/>
+                          </a:solidFill>
+                          <a:prstDash val="solid"/>
+                          <a:round/>
+                          <a:headEnd type="none" w="med" len="med"/>
+                          <a:tailEnd type="none" w="med" len="med"/>
+                        </a:lnB>
+                      </a:tcPr>
+                    </a:tc>
+                  </a:tr>
+                  <a:tr h="831489">
+                    <a:tc>
+                      <a:txBody>
+                        <a:bodyPr/>
+                        <a:lstStyle/>
+                        <a:p>
+                          <a:pPr algn="ctr"/>
+                          <a:r>
+                            <a:rPr lang="pt-BR" sz="1400" dirty="0" smtClean="0"/>
+                            <a:t>He</a:t>
+                          </a:r>
+                          <a:endParaRPr lang="pt-BR" sz="1400" dirty="0"/>
+                        </a:p>
+                      </a:txBody>
+                      <a:tcPr anchor="ctr">
+                        <a:lnL w="12700" cap="flat" cmpd="sng" algn="ctr">
+                          <a:solidFill>
+                            <a:schemeClr val="tx1"/>
+                          </a:solidFill>
+                          <a:prstDash val="solid"/>
+                          <a:round/>
+                          <a:headEnd type="none" w="med" len="med"/>
+                          <a:tailEnd type="none" w="med" len="med"/>
+                        </a:lnL>
+                        <a:lnR w="12700" cap="flat" cmpd="sng" algn="ctr">
+                          <a:solidFill>
+                            <a:schemeClr val="tx1"/>
+                          </a:solidFill>
+                          <a:prstDash val="solid"/>
+                          <a:round/>
+                          <a:headEnd type="none" w="med" len="med"/>
+                          <a:tailEnd type="none" w="med" len="med"/>
+                        </a:lnR>
+                        <a:lnT w="12700" cap="flat" cmpd="sng" algn="ctr">
+                          <a:solidFill>
+                            <a:schemeClr val="tx1"/>
+                          </a:solidFill>
+                          <a:prstDash val="solid"/>
+                          <a:round/>
+                          <a:headEnd type="none" w="med" len="med"/>
+                          <a:tailEnd type="none" w="med" len="med"/>
+                        </a:lnT>
+                        <a:lnB w="12700" cap="flat" cmpd="sng" algn="ctr">
+                          <a:solidFill>
+                            <a:schemeClr val="tx1"/>
+                          </a:solidFill>
+                          <a:prstDash val="solid"/>
+                          <a:round/>
+                          <a:headEnd type="none" w="med" len="med"/>
+                          <a:tailEnd type="none" w="med" len="med"/>
+                        </a:lnB>
+                      </a:tcPr>
+                    </a:tc>
+                    <a:tc>
+                      <a:txBody>
+                        <a:bodyPr/>
+                        <a:lstStyle/>
+                        <a:p>
+                          <a:pPr algn="ctr"/>
+                          <a:r>
+                            <a:rPr lang="pt-BR" sz="1400" dirty="0" smtClean="0"/>
+                            <a:t>ReLU</a:t>
+                          </a:r>
+                          <a:r>
+                            <a:rPr lang="pt-BR" sz="1400" baseline="0" dirty="0" smtClean="0"/>
+                            <a:t> e variantes</a:t>
+                          </a:r>
+                          <a:endParaRPr lang="pt-BR" sz="1400" dirty="0"/>
+                        </a:p>
+                      </a:txBody>
+                      <a:tcPr anchor="ctr">
+                        <a:lnL w="12700" cap="flat" cmpd="sng" algn="ctr">
+                          <a:solidFill>
+                            <a:schemeClr val="tx1"/>
+                          </a:solidFill>
+                          <a:prstDash val="solid"/>
+                          <a:round/>
+                          <a:headEnd type="none" w="med" len="med"/>
+                          <a:tailEnd type="none" w="med" len="med"/>
+                        </a:lnL>
+                        <a:lnR w="12700" cap="flat" cmpd="sng" algn="ctr">
+                          <a:solidFill>
+                            <a:schemeClr val="tx1"/>
+                          </a:solidFill>
+                          <a:prstDash val="solid"/>
+                          <a:round/>
+                          <a:headEnd type="none" w="med" len="med"/>
+                          <a:tailEnd type="none" w="med" len="med"/>
+                        </a:lnR>
+                        <a:lnT w="12700" cap="flat" cmpd="sng" algn="ctr">
+                          <a:solidFill>
+                            <a:schemeClr val="tx1"/>
+                          </a:solidFill>
+                          <a:prstDash val="solid"/>
+                          <a:round/>
+                          <a:headEnd type="none" w="med" len="med"/>
+                          <a:tailEnd type="none" w="med" len="med"/>
+                        </a:lnT>
+                        <a:lnB w="12700" cap="flat" cmpd="sng" algn="ctr">
+                          <a:solidFill>
+                            <a:schemeClr val="tx1"/>
+                          </a:solidFill>
+                          <a:prstDash val="solid"/>
+                          <a:round/>
+                          <a:headEnd type="none" w="med" len="med"/>
+                          <a:tailEnd type="none" w="med" len="med"/>
+                        </a:lnB>
+                      </a:tcPr>
+                    </a:tc>
+                    <a:tc>
+                      <a:txBody>
+                        <a:bodyPr/>
+                        <a:lstStyle/>
+                        <a:p>
+                          <a:pPr algn="ctr"/>
+                          <a14:m>
+                            <m:oMathPara xmlns:m="http://schemas.openxmlformats.org/officeDocument/2006/math">
+                              <m:oMathParaPr>
+                                <m:jc m:val="centerGroup"/>
+                              </m:oMathParaPr>
+                              <m:oMath xmlns:m="http://schemas.openxmlformats.org/officeDocument/2006/math">
+                                <m:r>
+                                  <a:rPr lang="pt-BR" sz="1400" b="0" i="1" smtClean="0">
+                                    <a:latin typeface="Cambria Math" panose="02040503050406030204" pitchFamily="18" charset="0"/>
+                                  </a:rPr>
+                                  <m:t>𝑟</m:t>
+                                </m:r>
+                                <m:r>
+                                  <a:rPr lang="pt-BR" sz="1400" b="0" i="1" smtClean="0">
+                                    <a:latin typeface="Cambria Math" panose="02040503050406030204" pitchFamily="18" charset="0"/>
+                                  </a:rPr>
+                                  <m:t>=</m:t>
+                                </m:r>
+                                <m:rad>
+                                  <m:radPr>
+                                    <m:degHide m:val="on"/>
+                                    <m:ctrlPr>
+                                      <a:rPr lang="pt-BR" sz="1400" b="0" i="1" smtClean="0">
+                                        <a:latin typeface="Cambria Math" panose="02040503050406030204" pitchFamily="18" charset="0"/>
+                                      </a:rPr>
+                                    </m:ctrlPr>
+                                  </m:radPr>
+                                  <m:deg/>
+                                  <m:e>
+                                    <m:f>
+                                      <m:fPr>
+                                        <m:ctrlPr>
+                                          <a:rPr lang="pt-BR" sz="1400" b="0" i="1" smtClean="0">
+                                            <a:latin typeface="Cambria Math" panose="02040503050406030204" pitchFamily="18" charset="0"/>
+                                          </a:rPr>
+                                        </m:ctrlPr>
+                                      </m:fPr>
+                                      <m:num>
+                                        <m:r>
+                                          <a:rPr lang="pt-BR" sz="1400" b="0" i="1" smtClean="0">
+                                            <a:latin typeface="Cambria Math" panose="02040503050406030204" pitchFamily="18" charset="0"/>
+                                          </a:rPr>
+                                          <m:t>6</m:t>
+                                        </m:r>
+                                      </m:num>
+                                      <m:den>
+                                        <m:r>
+                                          <a:rPr lang="pt-BR" sz="1400" b="0" i="1" smtClean="0">
+                                            <a:latin typeface="Cambria Math" panose="02040503050406030204" pitchFamily="18" charset="0"/>
+                                          </a:rPr>
+                                          <m:t>𝑚</m:t>
+                                        </m:r>
+                                      </m:den>
+                                    </m:f>
+                                  </m:e>
+                                </m:rad>
+                              </m:oMath>
+                            </m:oMathPara>
+                          </a14:m>
+                          <a:endParaRPr lang="pt-BR" sz="1400" dirty="0"/>
+                        </a:p>
+                      </a:txBody>
+                      <a:tcPr anchor="ctr">
+                        <a:lnL w="12700" cap="flat" cmpd="sng" algn="ctr">
+                          <a:solidFill>
+                            <a:schemeClr val="tx1"/>
+                          </a:solidFill>
+                          <a:prstDash val="solid"/>
+                          <a:round/>
+                          <a:headEnd type="none" w="med" len="med"/>
+                          <a:tailEnd type="none" w="med" len="med"/>
+                        </a:lnL>
+                        <a:lnR w="12700" cap="flat" cmpd="sng" algn="ctr">
+                          <a:solidFill>
+                            <a:schemeClr val="tx1"/>
+                          </a:solidFill>
+                          <a:prstDash val="solid"/>
+                          <a:round/>
+                          <a:headEnd type="none" w="med" len="med"/>
+                          <a:tailEnd type="none" w="med" len="med"/>
+                        </a:lnR>
+                        <a:lnT w="12700" cap="flat" cmpd="sng" algn="ctr">
+                          <a:solidFill>
+                            <a:schemeClr val="tx1"/>
+                          </a:solidFill>
+                          <a:prstDash val="solid"/>
+                          <a:round/>
+                          <a:headEnd type="none" w="med" len="med"/>
+                          <a:tailEnd type="none" w="med" len="med"/>
+                        </a:lnT>
+                        <a:lnB w="12700" cap="flat" cmpd="sng" algn="ctr">
+                          <a:solidFill>
+                            <a:schemeClr val="tx1"/>
+                          </a:solidFill>
+                          <a:prstDash val="solid"/>
+                          <a:round/>
+                          <a:headEnd type="none" w="med" len="med"/>
+                          <a:tailEnd type="none" w="med" len="med"/>
+                        </a:lnB>
+                      </a:tcPr>
+                    </a:tc>
+                    <a:tc>
+                      <a:txBody>
+                        <a:bodyPr/>
+                        <a:lstStyle/>
+                        <a:p>
+                          <a:pPr marL="0" marR="0" lvl="0" indent="0" algn="ctr" defTabSz="914400" rtl="0" eaLnBrk="1" fontAlgn="auto" latinLnBrk="0" hangingPunct="1">
+                            <a:lnSpc>
+                              <a:spcPct val="100000"/>
+                            </a:lnSpc>
+                            <a:spcBef>
+                              <a:spcPts val="0"/>
+                            </a:spcBef>
+                            <a:spcAft>
+                              <a:spcPts val="0"/>
+                            </a:spcAft>
+                            <a:buClrTx/>
+                            <a:buSzTx/>
+                            <a:buFontTx/>
+                            <a:buNone/>
+                            <a:tabLst/>
+                            <a:defRPr/>
+                          </a:pPr>
+                          <a14:m>
+                            <m:oMathPara xmlns:m="http://schemas.openxmlformats.org/officeDocument/2006/math">
+                              <m:oMathParaPr>
+                                <m:jc m:val="centerGroup"/>
+                              </m:oMathParaPr>
+                              <m:oMath xmlns:m="http://schemas.openxmlformats.org/officeDocument/2006/math">
+                                <m:sSup>
+                                  <m:sSupPr>
+                                    <m:ctrlPr>
+                                      <a:rPr lang="pt-BR" sz="1400" i="1" smtClean="0">
+                                        <a:latin typeface="Cambria Math" panose="02040503050406030204" pitchFamily="18" charset="0"/>
+                                      </a:rPr>
+                                    </m:ctrlPr>
+                                  </m:sSupPr>
+                                  <m:e>
+                                    <m:r>
+                                      <a:rPr lang="pt-BR" sz="1400" i="1" smtClean="0">
+                                        <a:latin typeface="Cambria Math" panose="02040503050406030204" pitchFamily="18" charset="0"/>
+                                        <a:ea typeface="Cambria Math" panose="02040503050406030204" pitchFamily="18" charset="0"/>
+                                      </a:rPr>
+                                      <m:t>𝜎</m:t>
+                                    </m:r>
+                                  </m:e>
+                                  <m:sup>
+                                    <m:r>
+                                      <a:rPr lang="pt-BR" sz="1400" b="0" i="1" smtClean="0">
+                                        <a:latin typeface="Cambria Math" panose="02040503050406030204" pitchFamily="18" charset="0"/>
+                                      </a:rPr>
+                                      <m:t>2</m:t>
+                                    </m:r>
+                                  </m:sup>
+                                </m:sSup>
+                                <m:r>
+                                  <a:rPr lang="pt-BR" sz="1400" b="0" i="1" smtClean="0">
+                                    <a:latin typeface="Cambria Math" panose="02040503050406030204" pitchFamily="18" charset="0"/>
+                                  </a:rPr>
+                                  <m:t>=</m:t>
+                                </m:r>
+                                <m:f>
+                                  <m:fPr>
+                                    <m:ctrlPr>
+                                      <a:rPr lang="pt-BR" sz="1400" b="0" i="1" smtClean="0">
+                                        <a:latin typeface="Cambria Math" panose="02040503050406030204" pitchFamily="18" charset="0"/>
+                                      </a:rPr>
+                                    </m:ctrlPr>
+                                  </m:fPr>
+                                  <m:num>
+                                    <m:r>
+                                      <a:rPr lang="pt-BR" sz="1400" b="0" i="1" smtClean="0">
+                                        <a:latin typeface="Cambria Math" panose="02040503050406030204" pitchFamily="18" charset="0"/>
+                                      </a:rPr>
+                                      <m:t>2</m:t>
+                                    </m:r>
+                                  </m:num>
+                                  <m:den>
+                                    <m:r>
+                                      <a:rPr lang="pt-BR" sz="1400" b="0" i="1" smtClean="0">
+                                        <a:latin typeface="Cambria Math" panose="02040503050406030204" pitchFamily="18" charset="0"/>
+                                      </a:rPr>
+                                      <m:t>𝑚</m:t>
+                                    </m:r>
+                                  </m:den>
+                                </m:f>
+                              </m:oMath>
+                            </m:oMathPara>
+                          </a14:m>
+                          <a:endParaRPr lang="pt-BR" sz="1400" dirty="0"/>
+                        </a:p>
+                      </a:txBody>
+                      <a:tcPr anchor="ctr">
+                        <a:lnL w="12700" cap="flat" cmpd="sng" algn="ctr">
+                          <a:solidFill>
+                            <a:schemeClr val="tx1"/>
+                          </a:solidFill>
+                          <a:prstDash val="solid"/>
+                          <a:round/>
+                          <a:headEnd type="none" w="med" len="med"/>
+                          <a:tailEnd type="none" w="med" len="med"/>
+                        </a:lnL>
+                        <a:lnR w="12700" cap="flat" cmpd="sng" algn="ctr">
+                          <a:solidFill>
+                            <a:schemeClr val="tx1"/>
+                          </a:solidFill>
+                          <a:prstDash val="solid"/>
+                          <a:round/>
+                          <a:headEnd type="none" w="med" len="med"/>
+                          <a:tailEnd type="none" w="med" len="med"/>
+                        </a:lnR>
+                        <a:lnT w="12700" cap="flat" cmpd="sng" algn="ctr">
+                          <a:solidFill>
+                            <a:schemeClr val="tx1"/>
+                          </a:solidFill>
+                          <a:prstDash val="solid"/>
+                          <a:round/>
+                          <a:headEnd type="none" w="med" len="med"/>
+                          <a:tailEnd type="none" w="med" len="med"/>
+                        </a:lnT>
+                        <a:lnB w="12700" cap="flat" cmpd="sng" algn="ctr">
+                          <a:solidFill>
+                            <a:schemeClr val="tx1"/>
+                          </a:solidFill>
+                          <a:prstDash val="solid"/>
+                          <a:round/>
+                          <a:headEnd type="none" w="med" len="med"/>
+                          <a:tailEnd type="none" w="med" len="med"/>
+                        </a:lnB>
+                      </a:tcPr>
+                    </a:tc>
+                  </a:tr>
+                  <a:tr h="831489">
+                    <a:tc>
+                      <a:txBody>
+                        <a:bodyPr/>
+                        <a:lstStyle/>
+                        <a:p>
+                          <a:pPr algn="ctr"/>
+                          <a:r>
+                            <a:rPr lang="pt-BR" sz="1400" dirty="0" smtClean="0"/>
+                            <a:t>LeCun</a:t>
+                          </a:r>
+                          <a:endParaRPr lang="pt-BR" sz="1400" dirty="0"/>
+                        </a:p>
+                      </a:txBody>
+                      <a:tcPr anchor="ctr">
+                        <a:lnL w="12700" cap="flat" cmpd="sng" algn="ctr">
+                          <a:solidFill>
+                            <a:schemeClr val="tx1"/>
+                          </a:solidFill>
+                          <a:prstDash val="solid"/>
+                          <a:round/>
+                          <a:headEnd type="none" w="med" len="med"/>
+                          <a:tailEnd type="none" w="med" len="med"/>
+                        </a:lnL>
+                        <a:lnR w="12700" cap="flat" cmpd="sng" algn="ctr">
+                          <a:solidFill>
+                            <a:schemeClr val="tx1"/>
+                          </a:solidFill>
+                          <a:prstDash val="solid"/>
+                          <a:round/>
+                          <a:headEnd type="none" w="med" len="med"/>
+                          <a:tailEnd type="none" w="med" len="med"/>
+                        </a:lnR>
+                        <a:lnT w="12700" cap="flat" cmpd="sng" algn="ctr">
+                          <a:solidFill>
+                            <a:schemeClr val="tx1"/>
+                          </a:solidFill>
+                          <a:prstDash val="solid"/>
+                          <a:round/>
+                          <a:headEnd type="none" w="med" len="med"/>
+                          <a:tailEnd type="none" w="med" len="med"/>
+                        </a:lnT>
+                        <a:lnB w="12700" cap="flat" cmpd="sng" algn="ctr">
+                          <a:solidFill>
+                            <a:schemeClr val="tx1"/>
+                          </a:solidFill>
+                          <a:prstDash val="solid"/>
+                          <a:round/>
+                          <a:headEnd type="none" w="med" len="med"/>
+                          <a:tailEnd type="none" w="med" len="med"/>
+                        </a:lnB>
+                      </a:tcPr>
+                    </a:tc>
+                    <a:tc>
+                      <a:txBody>
+                        <a:bodyPr/>
+                        <a:lstStyle/>
+                        <a:p>
+                          <a:pPr algn="ctr"/>
+                          <a:r>
+                            <a:rPr lang="pt-BR" sz="1400" dirty="0" smtClean="0"/>
+                            <a:t>SELU</a:t>
+                          </a:r>
+                          <a:endParaRPr lang="pt-BR" sz="1400" dirty="0"/>
+                        </a:p>
+                      </a:txBody>
+                      <a:tcPr anchor="ctr">
+                        <a:lnL w="12700" cap="flat" cmpd="sng" algn="ctr">
+                          <a:solidFill>
+                            <a:schemeClr val="tx1"/>
+                          </a:solidFill>
+                          <a:prstDash val="solid"/>
+                          <a:round/>
+                          <a:headEnd type="none" w="med" len="med"/>
+                          <a:tailEnd type="none" w="med" len="med"/>
+                        </a:lnL>
+                        <a:lnR w="12700" cap="flat" cmpd="sng" algn="ctr">
+                          <a:solidFill>
+                            <a:schemeClr val="tx1"/>
+                          </a:solidFill>
+                          <a:prstDash val="solid"/>
+                          <a:round/>
+                          <a:headEnd type="none" w="med" len="med"/>
+                          <a:tailEnd type="none" w="med" len="med"/>
+                        </a:lnR>
+                        <a:lnT w="12700" cap="flat" cmpd="sng" algn="ctr">
+                          <a:solidFill>
+                            <a:schemeClr val="tx1"/>
+                          </a:solidFill>
+                          <a:prstDash val="solid"/>
+                          <a:round/>
+                          <a:headEnd type="none" w="med" len="med"/>
+                          <a:tailEnd type="none" w="med" len="med"/>
+                        </a:lnT>
+                        <a:lnB w="12700" cap="flat" cmpd="sng" algn="ctr">
+                          <a:solidFill>
+                            <a:schemeClr val="tx1"/>
+                          </a:solidFill>
+                          <a:prstDash val="solid"/>
+                          <a:round/>
+                          <a:headEnd type="none" w="med" len="med"/>
+                          <a:tailEnd type="none" w="med" len="med"/>
+                        </a:lnB>
+                      </a:tcPr>
+                    </a:tc>
+                    <a:tc>
+                      <a:txBody>
+                        <a:bodyPr/>
+                        <a:lstStyle/>
+                        <a:p>
+                          <a:pPr algn="ctr"/>
+                          <a14:m>
+                            <m:oMathPara xmlns:m="http://schemas.openxmlformats.org/officeDocument/2006/math">
+                              <m:oMathParaPr>
+                                <m:jc m:val="centerGroup"/>
+                              </m:oMathParaPr>
+                              <m:oMath xmlns:m="http://schemas.openxmlformats.org/officeDocument/2006/math">
+                                <m:r>
+                                  <a:rPr lang="pt-BR" sz="1400" b="0" i="1" smtClean="0">
+                                    <a:latin typeface="Cambria Math" panose="02040503050406030204" pitchFamily="18" charset="0"/>
+                                  </a:rPr>
+                                  <m:t>𝑟</m:t>
+                                </m:r>
+                                <m:r>
+                                  <a:rPr lang="pt-BR" sz="1400" b="0" i="1" smtClean="0">
+                                    <a:latin typeface="Cambria Math" panose="02040503050406030204" pitchFamily="18" charset="0"/>
+                                  </a:rPr>
+                                  <m:t>=</m:t>
+                                </m:r>
+                                <m:rad>
+                                  <m:radPr>
+                                    <m:degHide m:val="on"/>
+                                    <m:ctrlPr>
+                                      <a:rPr lang="pt-BR" sz="1400" b="0" i="1" smtClean="0">
+                                        <a:latin typeface="Cambria Math" panose="02040503050406030204" pitchFamily="18" charset="0"/>
+                                      </a:rPr>
+                                    </m:ctrlPr>
+                                  </m:radPr>
+                                  <m:deg/>
+                                  <m:e>
+                                    <m:f>
+                                      <m:fPr>
+                                        <m:ctrlPr>
+                                          <a:rPr lang="pt-BR" sz="1400" b="0" i="1" smtClean="0">
+                                            <a:latin typeface="Cambria Math" panose="02040503050406030204" pitchFamily="18" charset="0"/>
+                                          </a:rPr>
+                                        </m:ctrlPr>
+                                      </m:fPr>
+                                      <m:num>
+                                        <m:r>
+                                          <a:rPr lang="pt-BR" sz="1400" b="0" i="1" smtClean="0">
+                                            <a:latin typeface="Cambria Math" panose="02040503050406030204" pitchFamily="18" charset="0"/>
+                                          </a:rPr>
+                                          <m:t>3</m:t>
+                                        </m:r>
+                                      </m:num>
+                                      <m:den>
+                                        <m:r>
+                                          <a:rPr lang="pt-BR" sz="1400" b="0" i="1" smtClean="0">
+                                            <a:latin typeface="Cambria Math" panose="02040503050406030204" pitchFamily="18" charset="0"/>
+                                          </a:rPr>
+                                          <m:t>𝑚</m:t>
+                                        </m:r>
+                                      </m:den>
+                                    </m:f>
+                                  </m:e>
+                                </m:rad>
+                              </m:oMath>
+                            </m:oMathPara>
+                          </a14:m>
+                          <a:endParaRPr lang="pt-BR" sz="1400" dirty="0"/>
+                        </a:p>
+                      </a:txBody>
+                      <a:tcPr anchor="ctr">
+                        <a:lnL w="12700" cap="flat" cmpd="sng" algn="ctr">
+                          <a:solidFill>
+                            <a:schemeClr val="tx1"/>
+                          </a:solidFill>
+                          <a:prstDash val="solid"/>
+                          <a:round/>
+                          <a:headEnd type="none" w="med" len="med"/>
+                          <a:tailEnd type="none" w="med" len="med"/>
+                        </a:lnL>
+                        <a:lnR w="12700" cap="flat" cmpd="sng" algn="ctr">
+                          <a:solidFill>
+                            <a:schemeClr val="tx1"/>
+                          </a:solidFill>
+                          <a:prstDash val="solid"/>
+                          <a:round/>
+                          <a:headEnd type="none" w="med" len="med"/>
+                          <a:tailEnd type="none" w="med" len="med"/>
+                        </a:lnR>
+                        <a:lnT w="12700" cap="flat" cmpd="sng" algn="ctr">
+                          <a:solidFill>
+                            <a:schemeClr val="tx1"/>
+                          </a:solidFill>
+                          <a:prstDash val="solid"/>
+                          <a:round/>
+                          <a:headEnd type="none" w="med" len="med"/>
+                          <a:tailEnd type="none" w="med" len="med"/>
+                        </a:lnT>
+                        <a:lnB w="12700" cap="flat" cmpd="sng" algn="ctr">
+                          <a:solidFill>
+                            <a:schemeClr val="tx1"/>
+                          </a:solidFill>
+                          <a:prstDash val="solid"/>
+                          <a:round/>
+                          <a:headEnd type="none" w="med" len="med"/>
+                          <a:tailEnd type="none" w="med" len="med"/>
+                        </a:lnB>
+                      </a:tcPr>
+                    </a:tc>
+                    <a:tc>
+                      <a:txBody>
+                        <a:bodyPr/>
+                        <a:lstStyle/>
+                        <a:p>
+                          <a:pPr marL="0" marR="0" lvl="0" indent="0" algn="ctr" defTabSz="914400" rtl="0" eaLnBrk="1" fontAlgn="auto" latinLnBrk="0" hangingPunct="1">
+                            <a:lnSpc>
+                              <a:spcPct val="100000"/>
+                            </a:lnSpc>
+                            <a:spcBef>
+                              <a:spcPts val="0"/>
+                            </a:spcBef>
+                            <a:spcAft>
+                              <a:spcPts val="0"/>
+                            </a:spcAft>
+                            <a:buClrTx/>
+                            <a:buSzTx/>
+                            <a:buFontTx/>
+                            <a:buNone/>
+                            <a:tabLst/>
+                            <a:defRPr/>
+                          </a:pPr>
+                          <a14:m>
+                            <m:oMathPara xmlns:m="http://schemas.openxmlformats.org/officeDocument/2006/math">
+                              <m:oMathParaPr>
+                                <m:jc m:val="centerGroup"/>
+                              </m:oMathParaPr>
+                              <m:oMath xmlns:m="http://schemas.openxmlformats.org/officeDocument/2006/math">
+                                <m:sSup>
+                                  <m:sSupPr>
+                                    <m:ctrlPr>
+                                      <a:rPr lang="pt-BR" sz="1400" i="1" smtClean="0">
+                                        <a:latin typeface="Cambria Math" panose="02040503050406030204" pitchFamily="18" charset="0"/>
+                                      </a:rPr>
+                                    </m:ctrlPr>
+                                  </m:sSupPr>
+                                  <m:e>
+                                    <m:r>
+                                      <a:rPr lang="pt-BR" sz="1400" i="1" smtClean="0">
+                                        <a:latin typeface="Cambria Math" panose="02040503050406030204" pitchFamily="18" charset="0"/>
+                                        <a:ea typeface="Cambria Math" panose="02040503050406030204" pitchFamily="18" charset="0"/>
+                                      </a:rPr>
+                                      <m:t>𝜎</m:t>
+                                    </m:r>
+                                  </m:e>
+                                  <m:sup>
+                                    <m:r>
+                                      <a:rPr lang="pt-BR" sz="1400" b="0" i="1" smtClean="0">
+                                        <a:latin typeface="Cambria Math" panose="02040503050406030204" pitchFamily="18" charset="0"/>
+                                      </a:rPr>
+                                      <m:t>2</m:t>
+                                    </m:r>
+                                  </m:sup>
+                                </m:sSup>
+                                <m:r>
+                                  <a:rPr lang="pt-BR" sz="1400" b="0" i="1" smtClean="0">
+                                    <a:latin typeface="Cambria Math" panose="02040503050406030204" pitchFamily="18" charset="0"/>
+                                  </a:rPr>
+                                  <m:t>=</m:t>
+                                </m:r>
+                                <m:f>
+                                  <m:fPr>
+                                    <m:ctrlPr>
+                                      <a:rPr lang="pt-BR" sz="1400" b="0" i="1" smtClean="0">
+                                        <a:latin typeface="Cambria Math" panose="02040503050406030204" pitchFamily="18" charset="0"/>
+                                      </a:rPr>
+                                    </m:ctrlPr>
+                                  </m:fPr>
+                                  <m:num>
+                                    <m:r>
+                                      <a:rPr lang="pt-BR" sz="1400" b="0" i="1" smtClean="0">
+                                        <a:latin typeface="Cambria Math" panose="02040503050406030204" pitchFamily="18" charset="0"/>
+                                      </a:rPr>
+                                      <m:t>1</m:t>
+                                    </m:r>
+                                  </m:num>
+                                  <m:den>
+                                    <m:r>
+                                      <a:rPr lang="pt-BR" sz="1400" b="0" i="1" smtClean="0">
+                                        <a:latin typeface="Cambria Math" panose="02040503050406030204" pitchFamily="18" charset="0"/>
+                                      </a:rPr>
+                                      <m:t>𝑚</m:t>
+                                    </m:r>
+                                  </m:den>
+                                </m:f>
+                              </m:oMath>
+                            </m:oMathPara>
+                          </a14:m>
+                          <a:endParaRPr lang="pt-BR" sz="1400" dirty="0"/>
+                        </a:p>
+                      </a:txBody>
+                      <a:tcPr anchor="ctr">
+                        <a:lnL w="12700" cap="flat" cmpd="sng" algn="ctr">
+                          <a:solidFill>
+                            <a:schemeClr val="tx1"/>
+                          </a:solidFill>
+                          <a:prstDash val="solid"/>
+                          <a:round/>
+                          <a:headEnd type="none" w="med" len="med"/>
+                          <a:tailEnd type="none" w="med" len="med"/>
+                        </a:lnL>
+                        <a:lnR w="12700" cap="flat" cmpd="sng" algn="ctr">
+                          <a:solidFill>
+                            <a:schemeClr val="tx1"/>
+                          </a:solidFill>
+                          <a:prstDash val="solid"/>
+                          <a:round/>
+                          <a:headEnd type="none" w="med" len="med"/>
+                          <a:tailEnd type="none" w="med" len="med"/>
+                        </a:lnR>
+                        <a:lnT w="12700" cap="flat" cmpd="sng" algn="ctr">
+                          <a:solidFill>
+                            <a:schemeClr val="tx1"/>
+                          </a:solidFill>
+                          <a:prstDash val="solid"/>
+                          <a:round/>
+                          <a:headEnd type="none" w="med" len="med"/>
+                          <a:tailEnd type="none" w="med" len="med"/>
+                        </a:lnT>
+                        <a:lnB w="12700" cap="flat" cmpd="sng" algn="ctr">
+                          <a:solidFill>
+                            <a:schemeClr val="tx1"/>
+                          </a:solidFill>
+                          <a:prstDash val="solid"/>
+                          <a:round/>
+                          <a:headEnd type="none" w="med" len="med"/>
+                          <a:tailEnd type="none" w="med" len="med"/>
+                        </a:lnB>
+                      </a:tcPr>
+                    </a:tc>
+                  </a:tr>
+                </a:tbl>
+              </a:graphicData>
+            </a:graphic>
+          </p:graphicFrame>
+        </mc:Choice>
+        <mc:Fallback xmlns="">
+          <p:graphicFrame>
+            <p:nvGraphicFramePr>
+              <p:cNvPr id="4" name="Table 3"/>
+              <p:cNvGraphicFramePr>
+                <a:graphicFrameLocks noGrp="1"/>
+              </p:cNvGraphicFramePr>
+              <p:nvPr>
+                <p:extLst>
+                  <p:ext uri="{D42A27DB-BD31-4B8C-83A1-F6EECF244321}">
+                    <p14:modId xmlns:p14="http://schemas.microsoft.com/office/powerpoint/2010/main" val="2864715125"/>
+                  </p:ext>
+                </p:extLst>
+              </p:nvPr>
+            </p:nvGraphicFramePr>
+            <p:xfrm>
+              <a:off x="838200" y="2579851"/>
+              <a:ext cx="11036474" cy="3012627"/>
+            </p:xfrm>
+            <a:graphic>
+              <a:graphicData uri="http://schemas.openxmlformats.org/drawingml/2006/table">
+                <a:tbl>
+                  <a:tblPr firstRow="1" bandRow="1">
+                    <a:tableStyleId>{2D5ABB26-0587-4C30-8999-92F81FD0307C}</a:tableStyleId>
+                  </a:tblPr>
+                  <a:tblGrid>
+                    <a:gridCol w="1854751"/>
+                    <a:gridCol w="3663486"/>
+                    <a:gridCol w="3080660"/>
+                    <a:gridCol w="2437577"/>
+                  </a:tblGrid>
+                  <a:tr h="518160">
+                    <a:tc>
+                      <a:txBody>
+                        <a:bodyPr/>
+                        <a:lstStyle/>
+                        <a:p>
+                          <a:pPr algn="ctr"/>
+                          <a:r>
+                            <a:rPr lang="pt-BR" sz="1400" b="1" dirty="0" smtClean="0"/>
+                            <a:t>Inicialização</a:t>
+                          </a:r>
+                          <a:endParaRPr lang="pt-BR" sz="1400" b="1" dirty="0"/>
+                        </a:p>
+                      </a:txBody>
+                      <a:tcPr>
+                        <a:lnL w="12700" cap="flat" cmpd="sng" algn="ctr">
+                          <a:solidFill>
+                            <a:schemeClr val="tx1"/>
+                          </a:solidFill>
+                          <a:prstDash val="solid"/>
+                          <a:round/>
+                          <a:headEnd type="none" w="med" len="med"/>
+                          <a:tailEnd type="none" w="med" len="med"/>
+                        </a:lnL>
+                        <a:lnR w="12700" cap="flat" cmpd="sng" algn="ctr">
+                          <a:solidFill>
+                            <a:schemeClr val="tx1"/>
+                          </a:solidFill>
+                          <a:prstDash val="solid"/>
+                          <a:round/>
+                          <a:headEnd type="none" w="med" len="med"/>
+                          <a:tailEnd type="none" w="med" len="med"/>
+                        </a:lnR>
+                        <a:lnT w="12700" cap="flat" cmpd="sng" algn="ctr">
+                          <a:solidFill>
+                            <a:schemeClr val="tx1"/>
+                          </a:solidFill>
+                          <a:prstDash val="solid"/>
+                          <a:round/>
+                          <a:headEnd type="none" w="med" len="med"/>
+                          <a:tailEnd type="none" w="med" len="med"/>
+                        </a:lnT>
+                        <a:lnB w="12700" cap="flat" cmpd="sng" algn="ctr">
+                          <a:solidFill>
+                            <a:schemeClr val="tx1"/>
+                          </a:solidFill>
+                          <a:prstDash val="solid"/>
+                          <a:round/>
+                          <a:headEnd type="none" w="med" len="med"/>
+                          <a:tailEnd type="none" w="med" len="med"/>
+                        </a:lnB>
+                      </a:tcPr>
+                    </a:tc>
+                    <a:tc>
+                      <a:txBody>
+                        <a:bodyPr/>
+                        <a:lstStyle/>
+                        <a:p>
+                          <a:pPr algn="ctr"/>
+                          <a:r>
+                            <a:rPr lang="pt-BR" sz="1400" b="1" dirty="0" smtClean="0"/>
+                            <a:t>Funções de ativação</a:t>
+                          </a:r>
+                          <a:endParaRPr lang="pt-BR" sz="1400" b="1" dirty="0"/>
+                        </a:p>
+                      </a:txBody>
+                      <a:tcPr>
+                        <a:lnL w="12700" cap="flat" cmpd="sng" algn="ctr">
+                          <a:solidFill>
+                            <a:schemeClr val="tx1"/>
+                          </a:solidFill>
+                          <a:prstDash val="solid"/>
+                          <a:round/>
+                          <a:headEnd type="none" w="med" len="med"/>
+                          <a:tailEnd type="none" w="med" len="med"/>
+                        </a:lnL>
+                        <a:lnR w="12700" cap="flat" cmpd="sng" algn="ctr">
+                          <a:solidFill>
+                            <a:schemeClr val="tx1"/>
+                          </a:solidFill>
+                          <a:prstDash val="solid"/>
+                          <a:round/>
+                          <a:headEnd type="none" w="med" len="med"/>
+                          <a:tailEnd type="none" w="med" len="med"/>
+                        </a:lnR>
+                        <a:lnT w="12700" cap="flat" cmpd="sng" algn="ctr">
+                          <a:solidFill>
+                            <a:schemeClr val="tx1"/>
+                          </a:solidFill>
+                          <a:prstDash val="solid"/>
+                          <a:round/>
+                          <a:headEnd type="none" w="med" len="med"/>
+                          <a:tailEnd type="none" w="med" len="med"/>
+                        </a:lnT>
+                        <a:lnB w="12700" cap="flat" cmpd="sng" algn="ctr">
+                          <a:solidFill>
+                            <a:schemeClr val="tx1"/>
+                          </a:solidFill>
+                          <a:prstDash val="solid"/>
+                          <a:round/>
+                          <a:headEnd type="none" w="med" len="med"/>
+                          <a:tailEnd type="none" w="med" len="med"/>
+                        </a:lnB>
+                      </a:tcPr>
+                    </a:tc>
+                    <a:tc>
+                      <a:txBody>
+                        <a:bodyPr/>
+                        <a:lstStyle/>
+                        <a:p>
+                          <a:endParaRPr lang="pt-BR"/>
+                        </a:p>
+                      </a:txBody>
+                      <a:tcPr>
+                        <a:lnL w="12700" cap="flat" cmpd="sng" algn="ctr">
+                          <a:solidFill>
+                            <a:schemeClr val="tx1"/>
+                          </a:solidFill>
+                          <a:prstDash val="solid"/>
+                          <a:round/>
+                          <a:headEnd type="none" w="med" len="med"/>
+                          <a:tailEnd type="none" w="med" len="med"/>
+                        </a:lnL>
+                        <a:lnR w="12700" cap="flat" cmpd="sng" algn="ctr">
+                          <a:solidFill>
+                            <a:schemeClr val="tx1"/>
+                          </a:solidFill>
+                          <a:prstDash val="solid"/>
+                          <a:round/>
+                          <a:headEnd type="none" w="med" len="med"/>
+                          <a:tailEnd type="none" w="med" len="med"/>
+                        </a:lnR>
+                        <a:lnT w="12700" cap="flat" cmpd="sng" algn="ctr">
+                          <a:solidFill>
+                            <a:schemeClr val="tx1"/>
+                          </a:solidFill>
+                          <a:prstDash val="solid"/>
+                          <a:round/>
+                          <a:headEnd type="none" w="med" len="med"/>
+                          <a:tailEnd type="none" w="med" len="med"/>
+                        </a:lnT>
+                        <a:lnB w="12700" cap="flat" cmpd="sng" algn="ctr">
+                          <a:solidFill>
+                            <a:schemeClr val="tx1"/>
+                          </a:solidFill>
+                          <a:prstDash val="solid"/>
+                          <a:round/>
+                          <a:headEnd type="none" w="med" len="med"/>
+                          <a:tailEnd type="none" w="med" len="med"/>
+                        </a:lnB>
+                        <a:blipFill rotWithShape="0">
+                          <a:blip r:embed="rId4"/>
+                          <a:stretch>
+                            <a:fillRect l="-179604" t="-2353" r="-79802" b="-484706"/>
+                          </a:stretch>
+                        </a:blipFill>
+                      </a:tcPr>
+                    </a:tc>
+                    <a:tc>
+                      <a:txBody>
+                        <a:bodyPr/>
+                        <a:lstStyle/>
+                        <a:p>
+                          <a:endParaRPr lang="pt-BR"/>
+                        </a:p>
+                      </a:txBody>
+                      <a:tcPr>
+                        <a:lnL w="12700" cap="flat" cmpd="sng" algn="ctr">
+                          <a:solidFill>
+                            <a:schemeClr val="tx1"/>
+                          </a:solidFill>
+                          <a:prstDash val="solid"/>
+                          <a:round/>
+                          <a:headEnd type="none" w="med" len="med"/>
+                          <a:tailEnd type="none" w="med" len="med"/>
+                        </a:lnL>
+                        <a:lnR w="12700" cap="flat" cmpd="sng" algn="ctr">
+                          <a:solidFill>
+                            <a:schemeClr val="tx1"/>
+                          </a:solidFill>
+                          <a:prstDash val="solid"/>
+                          <a:round/>
+                          <a:headEnd type="none" w="med" len="med"/>
+                          <a:tailEnd type="none" w="med" len="med"/>
+                        </a:lnR>
+                        <a:lnT w="12700" cap="flat" cmpd="sng" algn="ctr">
+                          <a:solidFill>
+                            <a:schemeClr val="tx1"/>
+                          </a:solidFill>
+                          <a:prstDash val="solid"/>
+                          <a:round/>
+                          <a:headEnd type="none" w="med" len="med"/>
+                          <a:tailEnd type="none" w="med" len="med"/>
+                        </a:lnT>
+                        <a:lnB w="12700" cap="flat" cmpd="sng" algn="ctr">
+                          <a:solidFill>
+                            <a:schemeClr val="tx1"/>
+                          </a:solidFill>
+                          <a:prstDash val="solid"/>
+                          <a:round/>
+                          <a:headEnd type="none" w="med" len="med"/>
+                          <a:tailEnd type="none" w="med" len="med"/>
+                        </a:lnB>
+                        <a:blipFill rotWithShape="0">
+                          <a:blip r:embed="rId4"/>
+                          <a:stretch>
+                            <a:fillRect l="-353000" t="-2353" r="-750" b="-484706"/>
+                          </a:stretch>
+                        </a:blipFill>
+                      </a:tcPr>
+                    </a:tc>
+                  </a:tr>
+                  <a:tr h="831489">
+                    <a:tc>
+                      <a:txBody>
+                        <a:bodyPr/>
+                        <a:lstStyle/>
+                        <a:p>
+                          <a:pPr algn="ctr"/>
+                          <a:r>
+                            <a:rPr lang="pt-BR" sz="1400" dirty="0" smtClean="0"/>
+                            <a:t>Xavier/Glorot</a:t>
+                          </a:r>
+                          <a:endParaRPr lang="pt-BR" sz="1400" dirty="0"/>
+                        </a:p>
+                      </a:txBody>
+                      <a:tcPr anchor="ctr">
+                        <a:lnL w="12700" cap="flat" cmpd="sng" algn="ctr">
+                          <a:solidFill>
+                            <a:schemeClr val="tx1"/>
+                          </a:solidFill>
+                          <a:prstDash val="solid"/>
+                          <a:round/>
+                          <a:headEnd type="none" w="med" len="med"/>
+                          <a:tailEnd type="none" w="med" len="med"/>
+                        </a:lnL>
+                        <a:lnR w="12700" cap="flat" cmpd="sng" algn="ctr">
+                          <a:solidFill>
+                            <a:schemeClr val="tx1"/>
+                          </a:solidFill>
+                          <a:prstDash val="solid"/>
+                          <a:round/>
+                          <a:headEnd type="none" w="med" len="med"/>
+                          <a:tailEnd type="none" w="med" len="med"/>
+                        </a:lnR>
+                        <a:lnT w="12700" cap="flat" cmpd="sng" algn="ctr">
+                          <a:solidFill>
+                            <a:schemeClr val="tx1"/>
+                          </a:solidFill>
+                          <a:prstDash val="solid"/>
+                          <a:round/>
+                          <a:headEnd type="none" w="med" len="med"/>
+                          <a:tailEnd type="none" w="med" len="med"/>
+                        </a:lnT>
+                        <a:lnB w="12700" cap="flat" cmpd="sng" algn="ctr">
+                          <a:solidFill>
+                            <a:schemeClr val="tx1"/>
+                          </a:solidFill>
+                          <a:prstDash val="solid"/>
+                          <a:round/>
+                          <a:headEnd type="none" w="med" len="med"/>
+                          <a:tailEnd type="none" w="med" len="med"/>
+                        </a:lnB>
+                      </a:tcPr>
+                    </a:tc>
+                    <a:tc>
+                      <a:txBody>
+                        <a:bodyPr/>
+                        <a:lstStyle/>
+                        <a:p>
+                          <a:pPr algn="ctr"/>
+                          <a:r>
+                            <a:rPr lang="pt-BR" sz="1400" dirty="0" smtClean="0"/>
+                            <a:t>Nenhuma, Tanh, Logística, Softmax</a:t>
+                          </a:r>
+                          <a:endParaRPr lang="pt-BR" sz="1400" dirty="0"/>
+                        </a:p>
+                      </a:txBody>
+                      <a:tcPr anchor="ctr">
+                        <a:lnL w="12700" cap="flat" cmpd="sng" algn="ctr">
+                          <a:solidFill>
+                            <a:schemeClr val="tx1"/>
+                          </a:solidFill>
+                          <a:prstDash val="solid"/>
+                          <a:round/>
+                          <a:headEnd type="none" w="med" len="med"/>
+                          <a:tailEnd type="none" w="med" len="med"/>
+                        </a:lnL>
+                        <a:lnR w="12700" cap="flat" cmpd="sng" algn="ctr">
+                          <a:solidFill>
+                            <a:schemeClr val="tx1"/>
+                          </a:solidFill>
+                          <a:prstDash val="solid"/>
+                          <a:round/>
+                          <a:headEnd type="none" w="med" len="med"/>
+                          <a:tailEnd type="none" w="med" len="med"/>
+                        </a:lnR>
+                        <a:lnT w="12700" cap="flat" cmpd="sng" algn="ctr">
+                          <a:solidFill>
+                            <a:schemeClr val="tx1"/>
+                          </a:solidFill>
+                          <a:prstDash val="solid"/>
+                          <a:round/>
+                          <a:headEnd type="none" w="med" len="med"/>
+                          <a:tailEnd type="none" w="med" len="med"/>
+                        </a:lnT>
+                        <a:lnB w="12700" cap="flat" cmpd="sng" algn="ctr">
+                          <a:solidFill>
+                            <a:schemeClr val="tx1"/>
+                          </a:solidFill>
+                          <a:prstDash val="solid"/>
+                          <a:round/>
+                          <a:headEnd type="none" w="med" len="med"/>
+                          <a:tailEnd type="none" w="med" len="med"/>
+                        </a:lnB>
+                      </a:tcPr>
+                    </a:tc>
+                    <a:tc>
+                      <a:txBody>
+                        <a:bodyPr/>
+                        <a:lstStyle/>
+                        <a:p>
+                          <a:endParaRPr lang="pt-BR"/>
+                        </a:p>
+                      </a:txBody>
+                      <a:tcPr anchor="ctr">
+                        <a:lnL w="12700" cap="flat" cmpd="sng" algn="ctr">
+                          <a:solidFill>
+                            <a:schemeClr val="tx1"/>
+                          </a:solidFill>
+                          <a:prstDash val="solid"/>
+                          <a:round/>
+                          <a:headEnd type="none" w="med" len="med"/>
+                          <a:tailEnd type="none" w="med" len="med"/>
+                        </a:lnL>
+                        <a:lnR w="12700" cap="flat" cmpd="sng" algn="ctr">
+                          <a:solidFill>
+                            <a:schemeClr val="tx1"/>
+                          </a:solidFill>
+                          <a:prstDash val="solid"/>
+                          <a:round/>
+                          <a:headEnd type="none" w="med" len="med"/>
+                          <a:tailEnd type="none" w="med" len="med"/>
+                        </a:lnR>
+                        <a:lnT w="12700" cap="flat" cmpd="sng" algn="ctr">
+                          <a:solidFill>
+                            <a:schemeClr val="tx1"/>
+                          </a:solidFill>
+                          <a:prstDash val="solid"/>
+                          <a:round/>
+                          <a:headEnd type="none" w="med" len="med"/>
+                          <a:tailEnd type="none" w="med" len="med"/>
+                        </a:lnT>
+                        <a:lnB w="12700" cap="flat" cmpd="sng" algn="ctr">
+                          <a:solidFill>
+                            <a:schemeClr val="tx1"/>
+                          </a:solidFill>
+                          <a:prstDash val="solid"/>
+                          <a:round/>
+                          <a:headEnd type="none" w="med" len="med"/>
+                          <a:tailEnd type="none" w="med" len="med"/>
+                        </a:lnB>
+                        <a:blipFill rotWithShape="0">
+                          <a:blip r:embed="rId4"/>
+                          <a:stretch>
+                            <a:fillRect l="-179604" t="-63504" r="-79802" b="-200730"/>
+                          </a:stretch>
+                        </a:blipFill>
+                      </a:tcPr>
+                    </a:tc>
+                    <a:tc>
+                      <a:txBody>
+                        <a:bodyPr/>
+                        <a:lstStyle/>
+                        <a:p>
+                          <a:endParaRPr lang="pt-BR"/>
+                        </a:p>
+                      </a:txBody>
+                      <a:tcPr anchor="ctr">
+                        <a:lnL w="12700" cap="flat" cmpd="sng" algn="ctr">
+                          <a:solidFill>
+                            <a:schemeClr val="tx1"/>
+                          </a:solidFill>
+                          <a:prstDash val="solid"/>
+                          <a:round/>
+                          <a:headEnd type="none" w="med" len="med"/>
+                          <a:tailEnd type="none" w="med" len="med"/>
+                        </a:lnL>
+                        <a:lnR w="12700" cap="flat" cmpd="sng" algn="ctr">
+                          <a:solidFill>
+                            <a:schemeClr val="tx1"/>
+                          </a:solidFill>
+                          <a:prstDash val="solid"/>
+                          <a:round/>
+                          <a:headEnd type="none" w="med" len="med"/>
+                          <a:tailEnd type="none" w="med" len="med"/>
+                        </a:lnR>
+                        <a:lnT w="12700" cap="flat" cmpd="sng" algn="ctr">
+                          <a:solidFill>
+                            <a:schemeClr val="tx1"/>
+                          </a:solidFill>
+                          <a:prstDash val="solid"/>
+                          <a:round/>
+                          <a:headEnd type="none" w="med" len="med"/>
+                          <a:tailEnd type="none" w="med" len="med"/>
+                        </a:lnT>
+                        <a:lnB w="12700" cap="flat" cmpd="sng" algn="ctr">
+                          <a:solidFill>
+                            <a:schemeClr val="tx1"/>
+                          </a:solidFill>
+                          <a:prstDash val="solid"/>
+                          <a:round/>
+                          <a:headEnd type="none" w="med" len="med"/>
+                          <a:tailEnd type="none" w="med" len="med"/>
+                        </a:lnB>
+                        <a:blipFill rotWithShape="0">
+                          <a:blip r:embed="rId4"/>
+                          <a:stretch>
+                            <a:fillRect l="-353000" t="-63504" r="-750" b="-200730"/>
+                          </a:stretch>
+                        </a:blipFill>
+                      </a:tcPr>
+                    </a:tc>
+                  </a:tr>
+                  <a:tr h="831489">
+                    <a:tc>
+                      <a:txBody>
+                        <a:bodyPr/>
+                        <a:lstStyle/>
+                        <a:p>
+                          <a:pPr algn="ctr"/>
+                          <a:r>
+                            <a:rPr lang="pt-BR" sz="1400" dirty="0" smtClean="0"/>
+                            <a:t>He</a:t>
+                          </a:r>
+                          <a:endParaRPr lang="pt-BR" sz="1400" dirty="0"/>
+                        </a:p>
+                      </a:txBody>
+                      <a:tcPr anchor="ctr">
+                        <a:lnL w="12700" cap="flat" cmpd="sng" algn="ctr">
+                          <a:solidFill>
+                            <a:schemeClr val="tx1"/>
+                          </a:solidFill>
+                          <a:prstDash val="solid"/>
+                          <a:round/>
+                          <a:headEnd type="none" w="med" len="med"/>
+                          <a:tailEnd type="none" w="med" len="med"/>
+                        </a:lnL>
+                        <a:lnR w="12700" cap="flat" cmpd="sng" algn="ctr">
+                          <a:solidFill>
+                            <a:schemeClr val="tx1"/>
+                          </a:solidFill>
+                          <a:prstDash val="solid"/>
+                          <a:round/>
+                          <a:headEnd type="none" w="med" len="med"/>
+                          <a:tailEnd type="none" w="med" len="med"/>
+                        </a:lnR>
+                        <a:lnT w="12700" cap="flat" cmpd="sng" algn="ctr">
+                          <a:solidFill>
+                            <a:schemeClr val="tx1"/>
+                          </a:solidFill>
+                          <a:prstDash val="solid"/>
+                          <a:round/>
+                          <a:headEnd type="none" w="med" len="med"/>
+                          <a:tailEnd type="none" w="med" len="med"/>
+                        </a:lnT>
+                        <a:lnB w="12700" cap="flat" cmpd="sng" algn="ctr">
+                          <a:solidFill>
+                            <a:schemeClr val="tx1"/>
+                          </a:solidFill>
+                          <a:prstDash val="solid"/>
+                          <a:round/>
+                          <a:headEnd type="none" w="med" len="med"/>
+                          <a:tailEnd type="none" w="med" len="med"/>
+                        </a:lnB>
+                      </a:tcPr>
+                    </a:tc>
+                    <a:tc>
+                      <a:txBody>
+                        <a:bodyPr/>
+                        <a:lstStyle/>
+                        <a:p>
+                          <a:pPr algn="ctr"/>
+                          <a:r>
+                            <a:rPr lang="pt-BR" sz="1400" dirty="0" smtClean="0"/>
+                            <a:t>ReLU</a:t>
+                          </a:r>
+                          <a:r>
+                            <a:rPr lang="pt-BR" sz="1400" baseline="0" dirty="0" smtClean="0"/>
+                            <a:t> e variantes</a:t>
+                          </a:r>
+                          <a:endParaRPr lang="pt-BR" sz="1400" dirty="0"/>
+                        </a:p>
+                      </a:txBody>
+                      <a:tcPr anchor="ctr">
+                        <a:lnL w="12700" cap="flat" cmpd="sng" algn="ctr">
+                          <a:solidFill>
+                            <a:schemeClr val="tx1"/>
+                          </a:solidFill>
+                          <a:prstDash val="solid"/>
+                          <a:round/>
+                          <a:headEnd type="none" w="med" len="med"/>
+                          <a:tailEnd type="none" w="med" len="med"/>
+                        </a:lnL>
+                        <a:lnR w="12700" cap="flat" cmpd="sng" algn="ctr">
+                          <a:solidFill>
+                            <a:schemeClr val="tx1"/>
+                          </a:solidFill>
+                          <a:prstDash val="solid"/>
+                          <a:round/>
+                          <a:headEnd type="none" w="med" len="med"/>
+                          <a:tailEnd type="none" w="med" len="med"/>
+                        </a:lnR>
+                        <a:lnT w="12700" cap="flat" cmpd="sng" algn="ctr">
+                          <a:solidFill>
+                            <a:schemeClr val="tx1"/>
+                          </a:solidFill>
+                          <a:prstDash val="solid"/>
+                          <a:round/>
+                          <a:headEnd type="none" w="med" len="med"/>
+                          <a:tailEnd type="none" w="med" len="med"/>
+                        </a:lnT>
+                        <a:lnB w="12700" cap="flat" cmpd="sng" algn="ctr">
+                          <a:solidFill>
+                            <a:schemeClr val="tx1"/>
+                          </a:solidFill>
+                          <a:prstDash val="solid"/>
+                          <a:round/>
+                          <a:headEnd type="none" w="med" len="med"/>
+                          <a:tailEnd type="none" w="med" len="med"/>
+                        </a:lnB>
+                      </a:tcPr>
+                    </a:tc>
+                    <a:tc>
+                      <a:txBody>
+                        <a:bodyPr/>
+                        <a:lstStyle/>
+                        <a:p>
+                          <a:endParaRPr lang="pt-BR"/>
+                        </a:p>
+                      </a:txBody>
+                      <a:tcPr anchor="ctr">
+                        <a:lnL w="12700" cap="flat" cmpd="sng" algn="ctr">
+                          <a:solidFill>
+                            <a:schemeClr val="tx1"/>
+                          </a:solidFill>
+                          <a:prstDash val="solid"/>
+                          <a:round/>
+                          <a:headEnd type="none" w="med" len="med"/>
+                          <a:tailEnd type="none" w="med" len="med"/>
+                        </a:lnL>
+                        <a:lnR w="12700" cap="flat" cmpd="sng" algn="ctr">
+                          <a:solidFill>
+                            <a:schemeClr val="tx1"/>
+                          </a:solidFill>
+                          <a:prstDash val="solid"/>
+                          <a:round/>
+                          <a:headEnd type="none" w="med" len="med"/>
+                          <a:tailEnd type="none" w="med" len="med"/>
+                        </a:lnR>
+                        <a:lnT w="12700" cap="flat" cmpd="sng" algn="ctr">
+                          <a:solidFill>
+                            <a:schemeClr val="tx1"/>
+                          </a:solidFill>
+                          <a:prstDash val="solid"/>
+                          <a:round/>
+                          <a:headEnd type="none" w="med" len="med"/>
+                          <a:tailEnd type="none" w="med" len="med"/>
+                        </a:lnT>
+                        <a:lnB w="12700" cap="flat" cmpd="sng" algn="ctr">
+                          <a:solidFill>
+                            <a:schemeClr val="tx1"/>
+                          </a:solidFill>
+                          <a:prstDash val="solid"/>
+                          <a:round/>
+                          <a:headEnd type="none" w="med" len="med"/>
+                          <a:tailEnd type="none" w="med" len="med"/>
+                        </a:lnB>
+                        <a:blipFill rotWithShape="0">
+                          <a:blip r:embed="rId4"/>
+                          <a:stretch>
+                            <a:fillRect l="-179604" t="-164706" r="-79802" b="-102206"/>
+                          </a:stretch>
+                        </a:blipFill>
+                      </a:tcPr>
+                    </a:tc>
+                    <a:tc>
+                      <a:txBody>
+                        <a:bodyPr/>
+                        <a:lstStyle/>
+                        <a:p>
+                          <a:endParaRPr lang="pt-BR"/>
+                        </a:p>
+                      </a:txBody>
+                      <a:tcPr anchor="ctr">
+                        <a:lnL w="12700" cap="flat" cmpd="sng" algn="ctr">
+                          <a:solidFill>
+                            <a:schemeClr val="tx1"/>
+                          </a:solidFill>
+                          <a:prstDash val="solid"/>
+                          <a:round/>
+                          <a:headEnd type="none" w="med" len="med"/>
+                          <a:tailEnd type="none" w="med" len="med"/>
+                        </a:lnL>
+                        <a:lnR w="12700" cap="flat" cmpd="sng" algn="ctr">
+                          <a:solidFill>
+                            <a:schemeClr val="tx1"/>
+                          </a:solidFill>
+                          <a:prstDash val="solid"/>
+                          <a:round/>
+                          <a:headEnd type="none" w="med" len="med"/>
+                          <a:tailEnd type="none" w="med" len="med"/>
+                        </a:lnR>
+                        <a:lnT w="12700" cap="flat" cmpd="sng" algn="ctr">
+                          <a:solidFill>
+                            <a:schemeClr val="tx1"/>
+                          </a:solidFill>
+                          <a:prstDash val="solid"/>
+                          <a:round/>
+                          <a:headEnd type="none" w="med" len="med"/>
+                          <a:tailEnd type="none" w="med" len="med"/>
+                        </a:lnT>
+                        <a:lnB w="12700" cap="flat" cmpd="sng" algn="ctr">
+                          <a:solidFill>
+                            <a:schemeClr val="tx1"/>
+                          </a:solidFill>
+                          <a:prstDash val="solid"/>
+                          <a:round/>
+                          <a:headEnd type="none" w="med" len="med"/>
+                          <a:tailEnd type="none" w="med" len="med"/>
+                        </a:lnB>
+                        <a:blipFill rotWithShape="0">
+                          <a:blip r:embed="rId4"/>
+                          <a:stretch>
+                            <a:fillRect l="-353000" t="-164706" r="-750" b="-102206"/>
+                          </a:stretch>
+                        </a:blipFill>
+                      </a:tcPr>
+                    </a:tc>
+                  </a:tr>
+                  <a:tr h="831489">
+                    <a:tc>
+                      <a:txBody>
+                        <a:bodyPr/>
+                        <a:lstStyle/>
+                        <a:p>
+                          <a:pPr algn="ctr"/>
+                          <a:r>
+                            <a:rPr lang="pt-BR" sz="1400" dirty="0" smtClean="0"/>
+                            <a:t>LeCun</a:t>
+                          </a:r>
+                          <a:endParaRPr lang="pt-BR" sz="1400" dirty="0"/>
+                        </a:p>
+                      </a:txBody>
+                      <a:tcPr anchor="ctr">
+                        <a:lnL w="12700" cap="flat" cmpd="sng" algn="ctr">
+                          <a:solidFill>
+                            <a:schemeClr val="tx1"/>
+                          </a:solidFill>
+                          <a:prstDash val="solid"/>
+                          <a:round/>
+                          <a:headEnd type="none" w="med" len="med"/>
+                          <a:tailEnd type="none" w="med" len="med"/>
+                        </a:lnL>
+                        <a:lnR w="12700" cap="flat" cmpd="sng" algn="ctr">
+                          <a:solidFill>
+                            <a:schemeClr val="tx1"/>
+                          </a:solidFill>
+                          <a:prstDash val="solid"/>
+                          <a:round/>
+                          <a:headEnd type="none" w="med" len="med"/>
+                          <a:tailEnd type="none" w="med" len="med"/>
+                        </a:lnR>
+                        <a:lnT w="12700" cap="flat" cmpd="sng" algn="ctr">
+                          <a:solidFill>
+                            <a:schemeClr val="tx1"/>
+                          </a:solidFill>
+                          <a:prstDash val="solid"/>
+                          <a:round/>
+                          <a:headEnd type="none" w="med" len="med"/>
+                          <a:tailEnd type="none" w="med" len="med"/>
+                        </a:lnT>
+                        <a:lnB w="12700" cap="flat" cmpd="sng" algn="ctr">
+                          <a:solidFill>
+                            <a:schemeClr val="tx1"/>
+                          </a:solidFill>
+                          <a:prstDash val="solid"/>
+                          <a:round/>
+                          <a:headEnd type="none" w="med" len="med"/>
+                          <a:tailEnd type="none" w="med" len="med"/>
+                        </a:lnB>
+                      </a:tcPr>
+                    </a:tc>
+                    <a:tc>
+                      <a:txBody>
+                        <a:bodyPr/>
+                        <a:lstStyle/>
+                        <a:p>
+                          <a:pPr algn="ctr"/>
+                          <a:r>
+                            <a:rPr lang="pt-BR" sz="1400" dirty="0" smtClean="0"/>
+                            <a:t>SELU</a:t>
+                          </a:r>
+                          <a:endParaRPr lang="pt-BR" sz="1400" dirty="0"/>
+                        </a:p>
+                      </a:txBody>
+                      <a:tcPr anchor="ctr">
+                        <a:lnL w="12700" cap="flat" cmpd="sng" algn="ctr">
+                          <a:solidFill>
+                            <a:schemeClr val="tx1"/>
+                          </a:solidFill>
+                          <a:prstDash val="solid"/>
+                          <a:round/>
+                          <a:headEnd type="none" w="med" len="med"/>
+                          <a:tailEnd type="none" w="med" len="med"/>
+                        </a:lnL>
+                        <a:lnR w="12700" cap="flat" cmpd="sng" algn="ctr">
+                          <a:solidFill>
+                            <a:schemeClr val="tx1"/>
+                          </a:solidFill>
+                          <a:prstDash val="solid"/>
+                          <a:round/>
+                          <a:headEnd type="none" w="med" len="med"/>
+                          <a:tailEnd type="none" w="med" len="med"/>
+                        </a:lnR>
+                        <a:lnT w="12700" cap="flat" cmpd="sng" algn="ctr">
+                          <a:solidFill>
+                            <a:schemeClr val="tx1"/>
+                          </a:solidFill>
+                          <a:prstDash val="solid"/>
+                          <a:round/>
+                          <a:headEnd type="none" w="med" len="med"/>
+                          <a:tailEnd type="none" w="med" len="med"/>
+                        </a:lnT>
+                        <a:lnB w="12700" cap="flat" cmpd="sng" algn="ctr">
+                          <a:solidFill>
+                            <a:schemeClr val="tx1"/>
+                          </a:solidFill>
+                          <a:prstDash val="solid"/>
+                          <a:round/>
+                          <a:headEnd type="none" w="med" len="med"/>
+                          <a:tailEnd type="none" w="med" len="med"/>
+                        </a:lnB>
+                      </a:tcPr>
+                    </a:tc>
+                    <a:tc>
+                      <a:txBody>
+                        <a:bodyPr/>
+                        <a:lstStyle/>
+                        <a:p>
+                          <a:endParaRPr lang="pt-BR"/>
+                        </a:p>
+                      </a:txBody>
+                      <a:tcPr anchor="ctr">
+                        <a:lnL w="12700" cap="flat" cmpd="sng" algn="ctr">
+                          <a:solidFill>
+                            <a:schemeClr val="tx1"/>
+                          </a:solidFill>
+                          <a:prstDash val="solid"/>
+                          <a:round/>
+                          <a:headEnd type="none" w="med" len="med"/>
+                          <a:tailEnd type="none" w="med" len="med"/>
+                        </a:lnL>
+                        <a:lnR w="12700" cap="flat" cmpd="sng" algn="ctr">
+                          <a:solidFill>
+                            <a:schemeClr val="tx1"/>
+                          </a:solidFill>
+                          <a:prstDash val="solid"/>
+                          <a:round/>
+                          <a:headEnd type="none" w="med" len="med"/>
+                          <a:tailEnd type="none" w="med" len="med"/>
+                        </a:lnR>
+                        <a:lnT w="12700" cap="flat" cmpd="sng" algn="ctr">
+                          <a:solidFill>
+                            <a:schemeClr val="tx1"/>
+                          </a:solidFill>
+                          <a:prstDash val="solid"/>
+                          <a:round/>
+                          <a:headEnd type="none" w="med" len="med"/>
+                          <a:tailEnd type="none" w="med" len="med"/>
+                        </a:lnT>
+                        <a:lnB w="12700" cap="flat" cmpd="sng" algn="ctr">
+                          <a:solidFill>
+                            <a:schemeClr val="tx1"/>
+                          </a:solidFill>
+                          <a:prstDash val="solid"/>
+                          <a:round/>
+                          <a:headEnd type="none" w="med" len="med"/>
+                          <a:tailEnd type="none" w="med" len="med"/>
+                        </a:lnB>
+                        <a:blipFill rotWithShape="0">
+                          <a:blip r:embed="rId4"/>
+                          <a:stretch>
+                            <a:fillRect l="-179604" t="-262774" r="-79802" b="-1460"/>
+                          </a:stretch>
+                        </a:blipFill>
+                      </a:tcPr>
+                    </a:tc>
+                    <a:tc>
+                      <a:txBody>
+                        <a:bodyPr/>
+                        <a:lstStyle/>
+                        <a:p>
+                          <a:endParaRPr lang="pt-BR"/>
+                        </a:p>
+                      </a:txBody>
+                      <a:tcPr anchor="ctr">
+                        <a:lnL w="12700" cap="flat" cmpd="sng" algn="ctr">
+                          <a:solidFill>
+                            <a:schemeClr val="tx1"/>
+                          </a:solidFill>
+                          <a:prstDash val="solid"/>
+                          <a:round/>
+                          <a:headEnd type="none" w="med" len="med"/>
+                          <a:tailEnd type="none" w="med" len="med"/>
+                        </a:lnL>
+                        <a:lnR w="12700" cap="flat" cmpd="sng" algn="ctr">
+                          <a:solidFill>
+                            <a:schemeClr val="tx1"/>
+                          </a:solidFill>
+                          <a:prstDash val="solid"/>
+                          <a:round/>
+                          <a:headEnd type="none" w="med" len="med"/>
+                          <a:tailEnd type="none" w="med" len="med"/>
+                        </a:lnR>
+                        <a:lnT w="12700" cap="flat" cmpd="sng" algn="ctr">
+                          <a:solidFill>
+                            <a:schemeClr val="tx1"/>
+                          </a:solidFill>
+                          <a:prstDash val="solid"/>
+                          <a:round/>
+                          <a:headEnd type="none" w="med" len="med"/>
+                          <a:tailEnd type="none" w="med" len="med"/>
+                        </a:lnT>
+                        <a:lnB w="12700" cap="flat" cmpd="sng" algn="ctr">
+                          <a:solidFill>
+                            <a:schemeClr val="tx1"/>
+                          </a:solidFill>
+                          <a:prstDash val="solid"/>
+                          <a:round/>
+                          <a:headEnd type="none" w="med" len="med"/>
+                          <a:tailEnd type="none" w="med" len="med"/>
+                        </a:lnB>
+                        <a:blipFill rotWithShape="0">
+                          <a:blip r:embed="rId4"/>
+                          <a:stretch>
+                            <a:fillRect l="-353000" t="-262774" r="-750" b="-1460"/>
+                          </a:stretch>
+                        </a:blipFill>
+                      </a:tcPr>
+                    </a:tc>
+                  </a:tr>
+                </a:tbl>
+              </a:graphicData>
+            </a:graphic>
+          </p:graphicFrame>
+        </mc:Fallback>
+      </mc:AlternateContent>
     </p:spTree>
     <p:extLst>
       <p:ext uri="{BB962C8B-B14F-4D97-AF65-F5344CB8AC3E}">
-        <p14:creationId xmlns:p14="http://schemas.microsoft.com/office/powerpoint/2010/main" val="920738341"/>
+        <p14:creationId xmlns:p14="http://schemas.microsoft.com/office/powerpoint/2010/main" val="1963213715"/>
       </p:ext>
     </p:extLst>
   </p:cSld>
@@ -8975,8 +10507,49 @@
             </a:r>
             <a:r>
               <a:rPr lang="pt-BR" dirty="0"/>
-              <a:t>: uma biblioteca para desenvolvimento de aplicações Deep Learning capaz de rodar sobre o TensorFlow ou o Theano.</a:t>
-            </a:r>
+              <a:t>: </a:t>
+            </a:r>
+            <a:r>
+              <a:rPr lang="pt-BR" dirty="0" smtClean="0"/>
+              <a:t>biblioteca </a:t>
+            </a:r>
+            <a:r>
+              <a:rPr lang="pt-BR" dirty="0" smtClean="0"/>
+              <a:t>de alto-nível para </a:t>
+            </a:r>
+            <a:r>
+              <a:rPr lang="pt-BR" dirty="0"/>
+              <a:t>desenvolvimento de aplicações Deep </a:t>
+            </a:r>
+            <a:r>
+              <a:rPr lang="pt-BR" dirty="0" smtClean="0"/>
+              <a:t>Learning de forma simples. É capaz </a:t>
+            </a:r>
+            <a:r>
+              <a:rPr lang="pt-BR" dirty="0"/>
+              <a:t>de rodar </a:t>
+            </a:r>
+            <a:r>
+              <a:rPr lang="pt-BR" dirty="0" smtClean="0"/>
+              <a:t>sobre TensorFlow, Theano</a:t>
+            </a:r>
+            <a:r>
+              <a:rPr lang="pt-BR" dirty="0"/>
+              <a:t> </a:t>
+            </a:r>
+            <a:r>
+              <a:rPr lang="pt-BR" dirty="0" smtClean="0"/>
+              <a:t>ou </a:t>
+            </a:r>
+            <a:r>
+              <a:rPr lang="pt-BR" dirty="0"/>
+              <a:t>Apache MXNet</a:t>
+            </a:r>
+            <a:r>
+              <a:rPr lang="pt-BR" dirty="0" smtClean="0"/>
+              <a:t>.</a:t>
+            </a:r>
+            <a:endParaRPr lang="pt-BR" dirty="0"/>
           </a:p>
           <a:p>
             <a:pPr lvl="1">
@@ -8989,7 +10562,23 @@
             </a:r>
             <a:r>
               <a:rPr lang="pt-BR" dirty="0"/>
-              <a:t>: uma biblioteca de rede neural compatível com o scikit-learn que </a:t>
+              <a:t>: </a:t>
+            </a:r>
+            <a:r>
+              <a:rPr lang="pt-BR" dirty="0" smtClean="0"/>
+              <a:t>biblioteca para a criação de redes neurais compatíveis </a:t>
+            </a:r>
+            <a:r>
+              <a:rPr lang="pt-BR" dirty="0"/>
+              <a:t>com o </a:t>
+            </a:r>
+            <a:r>
+              <a:rPr lang="pt-BR" dirty="0" smtClean="0"/>
+              <a:t>SciKit-Learn </a:t>
+            </a:r>
+            <a:r>
+              <a:rPr lang="pt-BR" dirty="0"/>
+              <a:t>que </a:t>
             </a:r>
             <a:r>
               <a:rPr lang="pt-BR" dirty="0" smtClean="0"/>
@@ -9026,7 +10615,7 @@
     </p:spTree>
     <p:extLst>
       <p:ext uri="{BB962C8B-B14F-4D97-AF65-F5344CB8AC3E}">
-        <p14:creationId xmlns:p14="http://schemas.microsoft.com/office/powerpoint/2010/main" val="996235525"/>
+        <p14:creationId xmlns:p14="http://schemas.microsoft.com/office/powerpoint/2010/main" val="1869544561"/>
       </p:ext>
     </p:extLst>
   </p:cSld>
@@ -9267,7 +10856,7 @@
           <p:cNvPr id="4" name="Título 1">
             <a:extLst>
               <a:ext uri="{FF2B5EF4-FFF2-40B4-BE49-F238E27FC236}">
-                <a16:creationId xmlns="" xmlns:a16="http://schemas.microsoft.com/office/drawing/2014/main" id="{32666AC8-2E17-4DB4-B0F5-60C640CCFD2E}"/>
+                <a16:creationId xmlns:a16="http://schemas.microsoft.com/office/drawing/2014/main" xmlns="" id="{32666AC8-2E17-4DB4-B0F5-60C640CCFD2E}"/>
               </a:ext>
             </a:extLst>
           </p:cNvPr>
@@ -9760,7 +11349,7 @@
           <p:cNvPr id="4" name="Título 1">
             <a:extLst>
               <a:ext uri="{FF2B5EF4-FFF2-40B4-BE49-F238E27FC236}">
-                <a16:creationId xmlns="" xmlns:a16="http://schemas.microsoft.com/office/drawing/2014/main" id="{32666AC8-2E17-4DB4-B0F5-60C640CCFD2E}"/>
+                <a16:creationId xmlns:a16="http://schemas.microsoft.com/office/drawing/2014/main" xmlns="" id="{32666AC8-2E17-4DB4-B0F5-60C640CCFD2E}"/>
               </a:ext>
             </a:extLst>
           </p:cNvPr>
@@ -11703,144 +13292,263 @@
           </a:p>
         </p:txBody>
       </p:sp>
-      <p:sp>
-        <p:nvSpPr>
-          <p:cNvPr id="3" name="Content Placeholder 2"/>
-          <p:cNvSpPr>
-            <a:spLocks noGrp="1"/>
-          </p:cNvSpPr>
-          <p:nvPr>
-            <p:ph idx="1"/>
-          </p:nvPr>
-        </p:nvSpPr>
-        <p:spPr>
-          <a:xfrm>
-            <a:off x="838199" y="1825624"/>
-            <a:ext cx="11078029" cy="5032375"/>
-          </a:xfrm>
-        </p:spPr>
-        <p:txBody>
-          <a:bodyPr>
-            <a:normAutofit/>
-          </a:bodyPr>
-          <a:lstStyle/>
-          <a:p>
-            <a:pPr marL="0" indent="0">
-              <a:buNone/>
-            </a:pPr>
-            <a:r>
-              <a:rPr lang="pt-BR" b="1" dirty="0" smtClean="0"/>
-              <a:t>Versões </a:t>
-            </a:r>
-            <a:r>
-              <a:rPr lang="pt-BR" b="1" dirty="0"/>
-              <a:t>Online, Batch e </a:t>
-            </a:r>
-            <a:r>
-              <a:rPr lang="pt-BR" b="1" dirty="0" smtClean="0"/>
-              <a:t>Minibatch</a:t>
-            </a:r>
-            <a:endParaRPr lang="pt-BR" dirty="0" smtClean="0"/>
-          </a:p>
-          <a:p>
-            <a:r>
-              <a:rPr lang="pt-BR" dirty="0" smtClean="0"/>
-              <a:t>Conforme </a:t>
-            </a:r>
-            <a:r>
-              <a:rPr lang="pt-BR" dirty="0"/>
-              <a:t>vimos nos slides anteriores, a base para o aprendizado em redes MLP é a obtenção do </a:t>
-            </a:r>
-            <a:r>
-              <a:rPr lang="pt-BR" b="1" i="1" dirty="0"/>
-              <a:t>vetor gradiente </a:t>
-            </a:r>
-            <a:r>
-              <a:rPr lang="pt-BR" dirty="0"/>
-              <a:t>e o estabelecimento de um processo iterativo de busca dos </a:t>
-            </a:r>
-            <a:r>
-              <a:rPr lang="pt-BR" b="1" i="1" dirty="0"/>
-              <a:t>pesos sinápticos </a:t>
-            </a:r>
-            <a:r>
-              <a:rPr lang="pt-BR" dirty="0"/>
-              <a:t>que minmizem a </a:t>
-            </a:r>
-            <a:r>
-              <a:rPr lang="pt-BR" b="1" i="1" dirty="0"/>
-              <a:t>função de custo</a:t>
-            </a:r>
-            <a:r>
-              <a:rPr lang="pt-BR" dirty="0"/>
-              <a:t>. </a:t>
-            </a:r>
-          </a:p>
-          <a:p>
-            <a:r>
-              <a:rPr lang="pt-BR" dirty="0"/>
-              <a:t>Vimos que a obtenção do </a:t>
-            </a:r>
-            <a:r>
-              <a:rPr lang="pt-BR" b="1" i="1" dirty="0"/>
-              <a:t>vetor gradiente</a:t>
-            </a:r>
-            <a:r>
-              <a:rPr lang="pt-BR" dirty="0"/>
-              <a:t> se dá através de um processo de </a:t>
-            </a:r>
-            <a:r>
-              <a:rPr lang="pt-BR" b="1" i="1" dirty="0"/>
-              <a:t>retropropagação </a:t>
-            </a:r>
-            <a:r>
-              <a:rPr lang="pt-BR" b="1" i="1" dirty="0" smtClean="0"/>
-              <a:t>do erro </a:t>
-            </a:r>
-            <a:r>
-              <a:rPr lang="pt-BR" dirty="0" smtClean="0"/>
-              <a:t>em </a:t>
-            </a:r>
-            <a:r>
-              <a:rPr lang="pt-BR" dirty="0"/>
-              <a:t>que há uma </a:t>
-            </a:r>
-            <a:r>
-              <a:rPr lang="pt-BR" dirty="0" smtClean="0"/>
-              <a:t>etapa direta </a:t>
-            </a:r>
-            <a:r>
-              <a:rPr lang="pt-BR" dirty="0"/>
-              <a:t>(</a:t>
-            </a:r>
-            <a:r>
-              <a:rPr lang="pt-BR" b="1" i="1" dirty="0"/>
-              <a:t>forward</a:t>
-            </a:r>
-            <a:r>
-              <a:rPr lang="pt-BR" dirty="0"/>
-              <a:t>) de apresentação de um exemplo e obtenção da resposta da rede e uma etapa de </a:t>
-            </a:r>
-            <a:r>
-              <a:rPr lang="pt-BR" b="1" i="1" dirty="0"/>
-              <a:t>retropropagação</a:t>
-            </a:r>
-            <a:r>
-              <a:rPr lang="pt-BR" dirty="0"/>
-              <a:t> em que se calculam as derivadas parciais necessárias</a:t>
-            </a:r>
-            <a:r>
-              <a:rPr lang="pt-BR" dirty="0" smtClean="0"/>
-              <a:t>.</a:t>
-            </a:r>
-            <a:endParaRPr lang="pt-BR" dirty="0"/>
-          </a:p>
-        </p:txBody>
-      </p:sp>
+      <mc:AlternateContent xmlns:mc="http://schemas.openxmlformats.org/markup-compatibility/2006" xmlns:a14="http://schemas.microsoft.com/office/drawing/2010/main">
+        <mc:Choice Requires="a14">
+          <p:sp>
+            <p:nvSpPr>
+              <p:cNvPr id="3" name="Content Placeholder 2"/>
+              <p:cNvSpPr>
+                <a:spLocks noGrp="1"/>
+              </p:cNvSpPr>
+              <p:nvPr>
+                <p:ph idx="1"/>
+              </p:nvPr>
+            </p:nvSpPr>
+            <p:spPr>
+              <a:xfrm>
+                <a:off x="838199" y="1825624"/>
+                <a:ext cx="11078029" cy="5032375"/>
+              </a:xfrm>
+            </p:spPr>
+            <p:txBody>
+              <a:bodyPr>
+                <a:normAutofit/>
+              </a:bodyPr>
+              <a:lstStyle/>
+              <a:p>
+                <a:pPr marL="0" indent="0">
+                  <a:buNone/>
+                </a:pPr>
+                <a:r>
+                  <a:rPr lang="pt-BR" b="1" dirty="0" smtClean="0"/>
+                  <a:t>Versões </a:t>
+                </a:r>
+                <a:r>
+                  <a:rPr lang="pt-BR" b="1" dirty="0"/>
+                  <a:t>Online, Batch e </a:t>
+                </a:r>
+                <a:r>
+                  <a:rPr lang="pt-BR" b="1" dirty="0" smtClean="0"/>
+                  <a:t>Minibatch</a:t>
+                </a:r>
+                <a:endParaRPr lang="pt-BR" dirty="0" smtClean="0"/>
+              </a:p>
+              <a:p>
+                <a:r>
+                  <a:rPr lang="pt-BR" dirty="0" smtClean="0"/>
+                  <a:t>Conforme </a:t>
+                </a:r>
+                <a:r>
+                  <a:rPr lang="pt-BR" dirty="0"/>
+                  <a:t>vimos nos slides anteriores, a base para o aprendizado em redes MLP é a obtenção do </a:t>
+                </a:r>
+                <a:r>
+                  <a:rPr lang="pt-BR" b="1" i="1" dirty="0"/>
+                  <a:t>vetor gradiente </a:t>
+                </a:r>
+                <a:r>
+                  <a:rPr lang="pt-BR" dirty="0"/>
+                  <a:t>e o estabelecimento de um processo iterativo de busca dos </a:t>
+                </a:r>
+                <a:r>
+                  <a:rPr lang="pt-BR" b="1" i="1" dirty="0"/>
+                  <a:t>pesos sinápticos </a:t>
+                </a:r>
+                <a:r>
+                  <a:rPr lang="pt-BR" dirty="0"/>
+                  <a:t>que minmizem a </a:t>
+                </a:r>
+                <a:r>
+                  <a:rPr lang="pt-BR" b="1" i="1" dirty="0"/>
+                  <a:t>função de custo</a:t>
+                </a:r>
+                <a:r>
+                  <a:rPr lang="pt-BR" dirty="0"/>
+                  <a:t>. </a:t>
+                </a:r>
+              </a:p>
+              <a:p>
+                <a:r>
+                  <a:rPr lang="pt-BR" dirty="0"/>
+                  <a:t>Vimos que a obtenção do </a:t>
+                </a:r>
+                <a:r>
+                  <a:rPr lang="pt-BR" b="1" i="1" dirty="0"/>
+                  <a:t>vetor gradiente</a:t>
+                </a:r>
+                <a:r>
+                  <a:rPr lang="pt-BR" dirty="0"/>
+                  <a:t> se dá através de um processo de </a:t>
+                </a:r>
+                <a:r>
+                  <a:rPr lang="pt-BR" b="1" i="1" dirty="0"/>
+                  <a:t>retropropagação </a:t>
+                </a:r>
+                <a:r>
+                  <a:rPr lang="pt-BR" b="1" i="1" dirty="0" smtClean="0"/>
+                  <a:t>do erro </a:t>
+                </a:r>
+                <a:r>
+                  <a:rPr lang="pt-BR" dirty="0" smtClean="0"/>
+                  <a:t>em </a:t>
+                </a:r>
+                <a:r>
+                  <a:rPr lang="pt-BR" dirty="0"/>
+                  <a:t>que </a:t>
+                </a:r>
+                <a:r>
+                  <a:rPr lang="pt-BR" dirty="0" smtClean="0"/>
+                  <a:t>existem duas etapas:</a:t>
+                </a:r>
+              </a:p>
+              <a:p>
+                <a:pPr lvl="1">
+                  <a:buFont typeface="Wingdings" panose="05000000000000000000" pitchFamily="2" charset="2"/>
+                  <a:buChar char="§"/>
+                </a:pPr>
+                <a:r>
+                  <a:rPr lang="pt-BR" dirty="0"/>
+                  <a:t>E</a:t>
+                </a:r>
+                <a:r>
+                  <a:rPr lang="pt-BR" dirty="0" smtClean="0"/>
+                  <a:t>tapa direta </a:t>
+                </a:r>
+                <a:r>
+                  <a:rPr lang="pt-BR" dirty="0"/>
+                  <a:t>(</a:t>
+                </a:r>
+                <a:r>
+                  <a:rPr lang="pt-BR" b="1" i="1" dirty="0"/>
+                  <a:t>forward</a:t>
+                </a:r>
+                <a:r>
+                  <a:rPr lang="pt-BR" dirty="0"/>
+                  <a:t>) </a:t>
+                </a:r>
+                <a:r>
+                  <a:rPr lang="pt-BR" dirty="0" smtClean="0"/>
+                  <a:t>onde se apresenta </a:t>
+                </a:r>
+                <a:r>
+                  <a:rPr lang="pt-BR" dirty="0"/>
+                  <a:t>um exemplo </a:t>
+                </a:r>
+                <a:r>
+                  <a:rPr lang="pt-BR" dirty="0" smtClean="0"/>
+                  <a:t>de entrada, </a:t>
+                </a:r>
+                <a14:m>
+                  <m:oMath xmlns:m="http://schemas.openxmlformats.org/officeDocument/2006/math">
+                    <m:r>
+                      <a:rPr lang="pt-BR" b="1" i="1">
+                        <a:latin typeface="Cambria Math" panose="02040503050406030204" pitchFamily="18" charset="0"/>
+                      </a:rPr>
+                      <m:t>𝒙</m:t>
+                    </m:r>
+                  </m:oMath>
+                </a14:m>
+                <a:r>
+                  <a:rPr lang="pt-BR" dirty="0" smtClean="0"/>
+                  <a:t>, e obtém-se a </a:t>
+                </a:r>
+                <a:r>
+                  <a:rPr lang="pt-BR" dirty="0"/>
+                  <a:t>resposta da </a:t>
+                </a:r>
+                <a:r>
+                  <a:rPr lang="pt-BR" dirty="0" smtClean="0"/>
+                  <a:t>rede, ou seja, o </a:t>
+                </a:r>
+                <a:r>
+                  <a:rPr lang="pt-BR" b="1" i="1" dirty="0" smtClean="0"/>
+                  <a:t>erro de saída</a:t>
+                </a:r>
+                <a:r>
+                  <a:rPr lang="pt-BR" dirty="0"/>
+                  <a:t>.</a:t>
+                </a:r>
+                <a:r>
+                  <a:rPr lang="pt-BR" dirty="0" smtClean="0"/>
+                  <a:t> </a:t>
+                </a:r>
+              </a:p>
+              <a:p>
+                <a:pPr lvl="1">
+                  <a:buFont typeface="Wingdings" panose="05000000000000000000" pitchFamily="2" charset="2"/>
+                  <a:buChar char="§"/>
+                </a:pPr>
+                <a:r>
+                  <a:rPr lang="pt-BR" dirty="0"/>
+                  <a:t>E</a:t>
+                </a:r>
+                <a:r>
+                  <a:rPr lang="pt-BR" dirty="0" smtClean="0"/>
+                  <a:t>tapa reversa (</a:t>
+                </a:r>
+                <a:r>
+                  <a:rPr lang="pt-BR" b="1" i="1" dirty="0" smtClean="0"/>
+                  <a:t>retropropagação/backpropagation</a:t>
+                </a:r>
+                <a:r>
+                  <a:rPr lang="pt-BR" dirty="0" smtClean="0"/>
+                  <a:t>) </a:t>
+                </a:r>
+                <a:r>
+                  <a:rPr lang="pt-BR" dirty="0"/>
+                  <a:t>em que se calculam as derivadas parciais </a:t>
+                </a:r>
+                <a:r>
+                  <a:rPr lang="pt-BR" dirty="0" smtClean="0"/>
+                  <a:t>necessárias ao longo das camadas anteriores da rede.</a:t>
+                </a:r>
+                <a:endParaRPr lang="pt-BR" dirty="0"/>
+              </a:p>
+            </p:txBody>
+          </p:sp>
+        </mc:Choice>
+        <mc:Fallback xmlns="">
+          <p:sp>
+            <p:nvSpPr>
+              <p:cNvPr id="3" name="Content Placeholder 2"/>
+              <p:cNvSpPr>
+                <a:spLocks noGrp="1" noRot="1" noChangeAspect="1" noMove="1" noResize="1" noEditPoints="1" noAdjustHandles="1" noChangeArrowheads="1" noChangeShapeType="1" noTextEdit="1"/>
+              </p:cNvSpPr>
+              <p:nvPr>
+                <p:ph idx="1"/>
+              </p:nvPr>
+            </p:nvSpPr>
+            <p:spPr>
+              <a:xfrm>
+                <a:off x="838199" y="1825624"/>
+                <a:ext cx="11078029" cy="5032375"/>
+              </a:xfrm>
+              <a:blipFill rotWithShape="0">
+                <a:blip r:embed="rId2"/>
+                <a:stretch>
+                  <a:fillRect l="-1100" t="-1937" r="-1375"/>
+                </a:stretch>
+              </a:blipFill>
+            </p:spPr>
+            <p:txBody>
+              <a:bodyPr/>
+              <a:lstStyle/>
+              <a:p>
+                <a:r>
+                  <a:rPr lang="pt-BR">
+                    <a:noFill/>
+                  </a:rPr>
+                  <a:t> </a:t>
+                </a:r>
+              </a:p>
+            </p:txBody>
+          </p:sp>
+        </mc:Fallback>
+      </mc:AlternateContent>
     </p:spTree>
     <p:extLst>
       <p:ext uri="{BB962C8B-B14F-4D97-AF65-F5344CB8AC3E}">
-        <p14:creationId xmlns:p14="http://schemas.microsoft.com/office/powerpoint/2010/main" val="1281619830"/>
+        <p14:creationId xmlns:p14="http://schemas.microsoft.com/office/powerpoint/2010/main" val="1580149333"/>
       </p:ext>
     </p:extLst>
   </p:cSld>
@@ -11889,8 +13597,8 @@
           </a:p>
         </p:txBody>
       </p:sp>
-      <mc:AlternateContent xmlns:mc="http://schemas.openxmlformats.org/markup-compatibility/2006" xmlns:a14="http://schemas.microsoft.com/office/drawing/2010/main">
-        <mc:Choice Requires="a14">
+      <mc:AlternateContent xmlns:mc="http://schemas.openxmlformats.org/markup-compatibility/2006">
+        <mc:Choice xmlns:a14="http://schemas.microsoft.com/office/drawing/2010/main" Requires="a14">
           <p:sp>
             <p:nvSpPr>
               <p:cNvPr id="3" name="Content Placeholder 2"/>
@@ -11904,7 +13612,7 @@
             <p:spPr>
               <a:xfrm>
                 <a:off x="838200" y="1825624"/>
-                <a:ext cx="11063514" cy="5032375"/>
+                <a:ext cx="11168270" cy="5032375"/>
               </a:xfrm>
             </p:spPr>
             <p:txBody>
@@ -11947,16 +13655,13 @@
                 </a:r>
                 <a:r>
                   <a:rPr lang="pt-BR" dirty="0"/>
-                  <a:t> leva ao gradiente estimado para o conjunto de </a:t>
+                  <a:t> leva ao gradiente estimado para o conjunto </a:t>
                 </a:r>
                 <a:r>
                   <a:rPr lang="pt-BR" dirty="0" smtClean="0"/>
-                  <a:t>exemplos inteiro</a:t>
-                </a:r>
-                <a:r>
-                  <a:rPr lang="pt-BR" dirty="0"/>
-                  <a:t>.</a:t>
-                </a:r>
+                  <a:t>total de exemplos.</a:t>
+                </a:r>
+                <a:endParaRPr lang="pt-BR" dirty="0"/>
               </a:p>
               <a:p>
                 <a:pPr marL="0" indent="0" algn="ctr">
@@ -11971,28 +13676,45 @@
                       <m:f>
                         <m:fPr>
                           <m:ctrlPr>
-                            <a:rPr lang="pt-BR" sz="2200" i="1">
+                            <a:rPr lang="pt-BR" sz="2000" i="1">
                               <a:latin typeface="Cambria Math" panose="02040503050406030204" pitchFamily="18" charset="0"/>
                             </a:rPr>
                           </m:ctrlPr>
                         </m:fPr>
                         <m:num>
                           <m:r>
-                            <a:rPr lang="pt-BR" sz="2200" i="1">
+                            <a:rPr lang="pt-BR" sz="2000" i="1">
                               <a:latin typeface="Cambria Math" panose="02040503050406030204" pitchFamily="18" charset="0"/>
                             </a:rPr>
                             <m:t>𝜕</m:t>
                           </m:r>
                           <m:r>
-                            <a:rPr lang="pt-BR" sz="2200" i="1">
+                            <a:rPr lang="pt-BR" sz="2000" i="1">
                               <a:latin typeface="Cambria Math" panose="02040503050406030204" pitchFamily="18" charset="0"/>
                             </a:rPr>
                             <m:t>𝐽</m:t>
                           </m:r>
+                          <m:d>
+                            <m:dPr>
+                              <m:ctrlPr>
+                                <a:rPr lang="pt-BR" sz="2400" i="1">
+                                  <a:latin typeface="Cambria Math" panose="02040503050406030204" pitchFamily="18" charset="0"/>
+                                </a:rPr>
+                              </m:ctrlPr>
+                            </m:dPr>
+                            <m:e>
+                              <m:r>
+                                <a:rPr lang="pt-BR" sz="2400" b="1" i="1">
+                                  <a:latin typeface="Cambria Math" panose="02040503050406030204" pitchFamily="18" charset="0"/>
+                                </a:rPr>
+                                <m:t>𝒘</m:t>
+                              </m:r>
+                            </m:e>
+                          </m:d>
                         </m:num>
                         <m:den>
                           <m:r>
-                            <a:rPr lang="pt-BR" sz="2200" i="1">
+                            <a:rPr lang="pt-BR" sz="2000" i="1">
                               <a:latin typeface="Cambria Math" panose="02040503050406030204" pitchFamily="18" charset="0"/>
                             </a:rPr>
                             <m:t>𝜕</m:t>
@@ -12000,14 +13722,14 @@
                           <m:sSubSup>
                             <m:sSubSupPr>
                               <m:ctrlPr>
-                                <a:rPr lang="pt-BR" sz="2200" i="1">
+                                <a:rPr lang="pt-BR" sz="2000" i="1">
                                   <a:latin typeface="Cambria Math" panose="02040503050406030204" pitchFamily="18" charset="0"/>
                                 </a:rPr>
                               </m:ctrlPr>
                             </m:sSubSupPr>
                             <m:e>
                               <m:r>
-                                <a:rPr lang="pt-BR" sz="2200" i="1">
+                                <a:rPr lang="pt-BR" sz="2000" i="1">
                                   <a:latin typeface="Cambria Math" panose="02040503050406030204" pitchFamily="18" charset="0"/>
                                 </a:rPr>
                                 <m:t>𝑤</m:t>
@@ -12015,19 +13737,19 @@
                             </m:e>
                             <m:sub>
                               <m:r>
-                                <a:rPr lang="pt-BR" sz="2200" i="1">
+                                <a:rPr lang="pt-BR" sz="2000" i="1">
                                   <a:latin typeface="Cambria Math" panose="02040503050406030204" pitchFamily="18" charset="0"/>
                                 </a:rPr>
                                 <m:t>𝑖</m:t>
                               </m:r>
                               <m:r>
-                                <a:rPr lang="pt-BR" sz="2200" i="1">
+                                <a:rPr lang="pt-BR" sz="2000" i="1">
                                   <a:latin typeface="Cambria Math" panose="02040503050406030204" pitchFamily="18" charset="0"/>
                                 </a:rPr>
                                 <m:t>,</m:t>
                               </m:r>
                               <m:r>
-                                <a:rPr lang="pt-BR" sz="2200" i="1">
+                                <a:rPr lang="pt-BR" sz="2000" i="1">
                                   <a:latin typeface="Cambria Math" panose="02040503050406030204" pitchFamily="18" charset="0"/>
                                 </a:rPr>
                                 <m:t>𝑗</m:t>
@@ -12035,7 +13757,7 @@
                             </m:sub>
                             <m:sup>
                               <m:r>
-                                <a:rPr lang="pt-BR" sz="2200" i="1">
+                                <a:rPr lang="pt-BR" sz="2000" i="1">
                                   <a:latin typeface="Cambria Math" panose="02040503050406030204" pitchFamily="18" charset="0"/>
                                 </a:rPr>
                                 <m:t>𝑚</m:t>
@@ -12045,7 +13767,7 @@
                         </m:den>
                       </m:f>
                       <m:r>
-                        <a:rPr lang="pt-BR" sz="2200" i="1">
+                        <a:rPr lang="pt-BR" sz="2000" i="1">
                           <a:latin typeface="Cambria Math" panose="02040503050406030204" pitchFamily="18" charset="0"/>
                         </a:rPr>
                         <m:t>=</m:t>
@@ -12053,14 +13775,14 @@
                       <m:f>
                         <m:fPr>
                           <m:ctrlPr>
-                            <a:rPr lang="pt-BR" sz="2200" i="1" smtClean="0">
+                            <a:rPr lang="pt-BR" sz="2000" i="1" smtClean="0">
                               <a:latin typeface="Cambria Math" panose="02040503050406030204" pitchFamily="18" charset="0"/>
                             </a:rPr>
                           </m:ctrlPr>
                         </m:fPr>
                         <m:num>
                           <m:r>
-                            <a:rPr lang="pt-BR" sz="2200" b="0" i="1" smtClean="0">
+                            <a:rPr lang="pt-BR" sz="2000" b="0" i="1" smtClean="0">
                               <a:latin typeface="Cambria Math" panose="02040503050406030204" pitchFamily="18" charset="0"/>
                             </a:rPr>
                             <m:t>1</m:t>
@@ -12070,14 +13792,14 @@
                           <m:sSub>
                             <m:sSubPr>
                               <m:ctrlPr>
-                                <a:rPr lang="pt-BR" sz="2200" i="1">
+                                <a:rPr lang="pt-BR" sz="2000" i="1">
                                   <a:latin typeface="Cambria Math" panose="02040503050406030204" pitchFamily="18" charset="0"/>
                                 </a:rPr>
                               </m:ctrlPr>
                             </m:sSubPr>
                             <m:e>
                               <m:r>
-                                <a:rPr lang="pt-BR" sz="2200" i="1">
+                                <a:rPr lang="pt-BR" sz="2000" i="1">
                                   <a:latin typeface="Cambria Math" panose="02040503050406030204" pitchFamily="18" charset="0"/>
                                 </a:rPr>
                                 <m:t>𝑁</m:t>
@@ -12088,7 +13810,7 @@
                                 <m:rPr>
                                   <m:sty m:val="p"/>
                                 </m:rPr>
-                                <a:rPr lang="pt-BR" sz="2200">
+                                <a:rPr lang="pt-BR" sz="2000">
                                   <a:latin typeface="Cambria Math" panose="02040503050406030204" pitchFamily="18" charset="0"/>
                                 </a:rPr>
                                 <m:t>dados</m:t>
@@ -12098,14 +13820,14 @@
                           <m:sSub>
                             <m:sSubPr>
                               <m:ctrlPr>
-                                <a:rPr lang="pt-BR" sz="2200" i="1">
+                                <a:rPr lang="pt-BR" sz="2000" i="1">
                                   <a:latin typeface="Cambria Math" panose="02040503050406030204" pitchFamily="18" charset="0"/>
                                 </a:rPr>
                               </m:ctrlPr>
                             </m:sSubPr>
                             <m:e>
                               <m:r>
-                                <a:rPr lang="pt-BR" sz="2200" i="1">
+                                <a:rPr lang="pt-BR" sz="2000" i="1">
                                   <a:latin typeface="Cambria Math" panose="02040503050406030204" pitchFamily="18" charset="0"/>
                                 </a:rPr>
                                 <m:t>𝑁</m:t>
@@ -12113,7 +13835,7 @@
                             </m:e>
                             <m:sub>
                               <m:r>
-                                <a:rPr lang="pt-BR" sz="2200" i="1">
+                                <a:rPr lang="pt-BR" sz="2000" i="1">
                                   <a:latin typeface="Cambria Math" panose="02040503050406030204" pitchFamily="18" charset="0"/>
                                 </a:rPr>
                                 <m:t>𝑀</m:t>
@@ -12126,7 +13848,7 @@
                         <m:naryPr>
                           <m:chr m:val="∑"/>
                           <m:ctrlPr>
-                            <a:rPr lang="pt-BR" sz="2200" i="1">
+                            <a:rPr lang="pt-BR" sz="2000" i="1">
                               <a:latin typeface="Cambria Math" panose="02040503050406030204" pitchFamily="18" charset="0"/>
                             </a:rPr>
                           </m:ctrlPr>
@@ -12136,13 +13858,13 @@
                             <m:rPr>
                               <m:brk m:alnAt="23"/>
                             </m:rPr>
-                            <a:rPr lang="pt-BR" sz="2200" i="1">
+                            <a:rPr lang="pt-BR" sz="2000" i="1">
                               <a:latin typeface="Cambria Math" panose="02040503050406030204" pitchFamily="18" charset="0"/>
                             </a:rPr>
                             <m:t>𝑛</m:t>
                           </m:r>
                           <m:r>
-                            <a:rPr lang="pt-BR" sz="2200" i="1">
+                            <a:rPr lang="pt-BR" sz="2000" i="1">
                               <a:latin typeface="Cambria Math" panose="02040503050406030204" pitchFamily="18" charset="0"/>
                             </a:rPr>
                             <m:t>=1</m:t>
@@ -12152,14 +13874,14 @@
                           <m:sSub>
                             <m:sSubPr>
                               <m:ctrlPr>
-                                <a:rPr lang="pt-BR" sz="2200" i="1">
+                                <a:rPr lang="pt-BR" sz="2000" i="1">
                                   <a:latin typeface="Cambria Math" panose="02040503050406030204" pitchFamily="18" charset="0"/>
                                 </a:rPr>
                               </m:ctrlPr>
                             </m:sSubPr>
                             <m:e>
                               <m:r>
-                                <a:rPr lang="pt-BR" sz="2200" i="1">
+                                <a:rPr lang="pt-BR" sz="2000" i="1">
                                   <a:latin typeface="Cambria Math" panose="02040503050406030204" pitchFamily="18" charset="0"/>
                                 </a:rPr>
                                 <m:t>𝑁</m:t>
@@ -12170,7 +13892,7 @@
                                 <m:rPr>
                                   <m:sty m:val="p"/>
                                 </m:rPr>
-                                <a:rPr lang="pt-BR" sz="2200">
+                                <a:rPr lang="pt-BR" sz="2000">
                                   <a:latin typeface="Cambria Math" panose="02040503050406030204" pitchFamily="18" charset="0"/>
                                 </a:rPr>
                                 <m:t>dados</m:t>
@@ -12183,7 +13905,7 @@
                             <m:naryPr>
                               <m:chr m:val="∑"/>
                               <m:ctrlPr>
-                                <a:rPr lang="pt-BR" sz="2200" i="1">
+                                <a:rPr lang="pt-BR" sz="2000" i="1">
                                   <a:latin typeface="Cambria Math" panose="02040503050406030204" pitchFamily="18" charset="0"/>
                                 </a:rPr>
                               </m:ctrlPr>
@@ -12193,13 +13915,13 @@
                                 <m:rPr>
                                   <m:brk m:alnAt="23"/>
                                 </m:rPr>
-                                <a:rPr lang="pt-BR" sz="2200" i="1">
+                                <a:rPr lang="pt-BR" sz="2000" i="1">
                                   <a:latin typeface="Cambria Math" panose="02040503050406030204" pitchFamily="18" charset="0"/>
                                 </a:rPr>
                                 <m:t>𝑗</m:t>
                               </m:r>
                               <m:r>
-                                <a:rPr lang="pt-BR" sz="2200" i="1">
+                                <a:rPr lang="pt-BR" sz="2000" i="1">
                                   <a:latin typeface="Cambria Math" panose="02040503050406030204" pitchFamily="18" charset="0"/>
                                 </a:rPr>
                                 <m:t>=1</m:t>
@@ -12209,14 +13931,14 @@
                               <m:sSub>
                                 <m:sSubPr>
                                   <m:ctrlPr>
-                                    <a:rPr lang="pt-BR" sz="2200" i="1">
+                                    <a:rPr lang="pt-BR" sz="2000" i="1">
                                       <a:latin typeface="Cambria Math" panose="02040503050406030204" pitchFamily="18" charset="0"/>
                                     </a:rPr>
                                   </m:ctrlPr>
                                 </m:sSubPr>
                                 <m:e>
                                   <m:r>
-                                    <a:rPr lang="pt-BR" sz="2200" i="1">
+                                    <a:rPr lang="pt-BR" sz="2000" i="1">
                                       <a:latin typeface="Cambria Math" panose="02040503050406030204" pitchFamily="18" charset="0"/>
                                     </a:rPr>
                                     <m:t>𝑁</m:t>
@@ -12224,7 +13946,7 @@
                                 </m:e>
                                 <m:sub>
                                   <m:r>
-                                    <a:rPr lang="pt-BR" sz="2200" i="1">
+                                    <a:rPr lang="pt-BR" sz="2000" i="1">
                                       <a:latin typeface="Cambria Math" panose="02040503050406030204" pitchFamily="18" charset="0"/>
                                     </a:rPr>
                                     <m:t>𝑀</m:t>
@@ -12236,7 +13958,7 @@
                               <m:f>
                                 <m:fPr>
                                   <m:ctrlPr>
-                                    <a:rPr lang="pt-BR" sz="2200" i="1">
+                                    <a:rPr lang="pt-BR" sz="2000" i="1">
                                       <a:latin typeface="Cambria Math" panose="02040503050406030204" pitchFamily="18" charset="0"/>
                                     </a:rPr>
                                   </m:ctrlPr>
@@ -12245,20 +13967,20 @@
                                   <m:sSubSup>
                                     <m:sSubSupPr>
                                       <m:ctrlPr>
-                                        <a:rPr lang="pt-BR" sz="2200" i="1">
+                                        <a:rPr lang="pt-BR" sz="2000" i="1">
                                           <a:latin typeface="Cambria Math" panose="02040503050406030204" pitchFamily="18" charset="0"/>
                                         </a:rPr>
                                       </m:ctrlPr>
                                     </m:sSubSupPr>
                                     <m:e>
                                       <m:r>
-                                        <a:rPr lang="pt-BR" sz="2200" i="1">
+                                        <a:rPr lang="pt-BR" sz="2000" i="1">
                                           <a:latin typeface="Cambria Math" panose="02040503050406030204" pitchFamily="18" charset="0"/>
                                         </a:rPr>
                                         <m:t>𝜕</m:t>
                                       </m:r>
                                       <m:r>
-                                        <a:rPr lang="pt-BR" sz="2200" i="1">
+                                        <a:rPr lang="pt-BR" sz="2000" i="1">
                                           <a:latin typeface="Cambria Math" panose="02040503050406030204" pitchFamily="18" charset="0"/>
                                         </a:rPr>
                                         <m:t>𝑒</m:t>
@@ -12266,7 +13988,7 @@
                                     </m:e>
                                     <m:sub>
                                       <m:r>
-                                        <a:rPr lang="pt-BR" sz="2200" i="1">
+                                        <a:rPr lang="pt-BR" sz="2000" i="1">
                                           <a:latin typeface="Cambria Math" panose="02040503050406030204" pitchFamily="18" charset="0"/>
                                         </a:rPr>
                                         <m:t>𝑗</m:t>
@@ -12274,7 +13996,7 @@
                                     </m:sub>
                                     <m:sup>
                                       <m:r>
-                                        <a:rPr lang="pt-BR" sz="2200" i="1">
+                                        <a:rPr lang="pt-BR" sz="2000" i="1">
                                           <a:latin typeface="Cambria Math" panose="02040503050406030204" pitchFamily="18" charset="0"/>
                                         </a:rPr>
                                         <m:t>2</m:t>
@@ -12284,14 +14006,14 @@
                                   <m:d>
                                     <m:dPr>
                                       <m:ctrlPr>
-                                        <a:rPr lang="pt-BR" sz="2200" i="1">
+                                        <a:rPr lang="pt-BR" sz="2000" i="1">
                                           <a:latin typeface="Cambria Math" panose="02040503050406030204" pitchFamily="18" charset="0"/>
                                         </a:rPr>
                                       </m:ctrlPr>
                                     </m:dPr>
                                     <m:e>
                                       <m:r>
-                                        <a:rPr lang="pt-BR" sz="2200" i="1">
+                                        <a:rPr lang="pt-BR" sz="2000" i="1">
                                           <a:latin typeface="Cambria Math" panose="02040503050406030204" pitchFamily="18" charset="0"/>
                                         </a:rPr>
                                         <m:t>𝑛</m:t>
@@ -12301,7 +14023,7 @@
                                 </m:num>
                                 <m:den>
                                   <m:r>
-                                    <a:rPr lang="pt-BR" sz="2200" i="1">
+                                    <a:rPr lang="pt-BR" sz="2000" i="1">
                                       <a:latin typeface="Cambria Math" panose="02040503050406030204" pitchFamily="18" charset="0"/>
                                     </a:rPr>
                                     <m:t>𝜕</m:t>
@@ -12309,14 +14031,14 @@
                                   <m:sSubSup>
                                     <m:sSubSupPr>
                                       <m:ctrlPr>
-                                        <a:rPr lang="pt-BR" sz="2200" i="1">
+                                        <a:rPr lang="pt-BR" sz="2000" i="1">
                                           <a:latin typeface="Cambria Math" panose="02040503050406030204" pitchFamily="18" charset="0"/>
                                         </a:rPr>
                                       </m:ctrlPr>
                                     </m:sSubSupPr>
                                     <m:e>
                                       <m:r>
-                                        <a:rPr lang="pt-BR" sz="2200" i="1">
+                                        <a:rPr lang="pt-BR" sz="2000" i="1">
                                           <a:latin typeface="Cambria Math" panose="02040503050406030204" pitchFamily="18" charset="0"/>
                                         </a:rPr>
                                         <m:t>𝑤</m:t>
@@ -12324,19 +14046,19 @@
                                     </m:e>
                                     <m:sub>
                                       <m:r>
-                                        <a:rPr lang="pt-BR" sz="2200" i="1">
+                                        <a:rPr lang="pt-BR" sz="2000" i="1">
                                           <a:latin typeface="Cambria Math" panose="02040503050406030204" pitchFamily="18" charset="0"/>
                                         </a:rPr>
                                         <m:t>𝑖</m:t>
                                       </m:r>
                                       <m:r>
-                                        <a:rPr lang="pt-BR" sz="2200" i="1">
+                                        <a:rPr lang="pt-BR" sz="2000" i="1">
                                           <a:latin typeface="Cambria Math" panose="02040503050406030204" pitchFamily="18" charset="0"/>
                                         </a:rPr>
                                         <m:t>,</m:t>
                                       </m:r>
                                       <m:r>
-                                        <a:rPr lang="pt-BR" sz="2200" i="1">
+                                        <a:rPr lang="pt-BR" sz="2000" i="1">
                                           <a:latin typeface="Cambria Math" panose="02040503050406030204" pitchFamily="18" charset="0"/>
                                         </a:rPr>
                                         <m:t>𝑗</m:t>
@@ -12344,7 +14066,7 @@
                                     </m:sub>
                                     <m:sup>
                                       <m:r>
-                                        <a:rPr lang="pt-BR" sz="2200" i="1">
+                                        <a:rPr lang="pt-BR" sz="2000" i="1">
                                           <a:latin typeface="Cambria Math" panose="02040503050406030204" pitchFamily="18" charset="0"/>
                                         </a:rPr>
                                         <m:t>𝑚</m:t>
@@ -12365,15 +14087,27 @@
               <a:p>
                 <a:r>
                   <a:rPr lang="pt-BR" dirty="0"/>
-                  <a:t>No entanto, surge aqui um questionamento interessante: o que é melhor, usar o gradiente local e já dar um passo de </a:t>
+                  <a:t>No entanto, surge aqui um questionamento interessante: o que é melhor, usar o </a:t>
+                </a:r>
+                <a:r>
+                  <a:rPr lang="pt-BR" b="1" i="1" dirty="0"/>
+                  <a:t>gradiente local e já dar um passo de </a:t>
+                </a:r>
+                <a:r>
+                  <a:rPr lang="pt-BR" b="1" i="1" dirty="0" smtClean="0"/>
+                  <a:t>otimização</a:t>
                 </a:r>
                 <a:r>
                   <a:rPr lang="pt-BR" dirty="0" smtClean="0"/>
-                  <a:t>otimização, ou seja, atualizar os pesos, </a:t>
+                  <a:t>, ou seja, atualizar os pesos, </a:t>
                 </a:r>
                 <a:r>
                   <a:rPr lang="pt-BR" dirty="0"/>
-                  <a:t>ou reunir o gradiente completo e então dar um passo único e mais preciso</a:t>
+                  <a:t>ou </a:t>
+                </a:r>
+                <a:r>
+                  <a:rPr lang="pt-BR" b="1" i="1" dirty="0"/>
+                  <a:t>reunir o gradiente completo e então dar um passo único e mais preciso</a:t>
                 </a:r>
                 <a:r>
                   <a:rPr lang="pt-BR" dirty="0" smtClean="0"/>
@@ -12384,7 +14118,7 @@
             </p:txBody>
           </p:sp>
         </mc:Choice>
-        <mc:Fallback xmlns="">
+        <mc:Fallback>
           <p:sp>
             <p:nvSpPr>
               <p:cNvPr id="3" name="Content Placeholder 2"/>
@@ -12398,12 +14132,12 @@
             <p:spPr>
               <a:xfrm>
                 <a:off x="838200" y="1825624"/>
-                <a:ext cx="11063514" cy="5032375"/>
+                <a:ext cx="11168270" cy="5032375"/>
               </a:xfrm>
               <a:blipFill rotWithShape="0">
                 <a:blip r:embed="rId2"/>
                 <a:stretch>
-                  <a:fillRect l="-1158" t="-1937" r="-1323"/>
+                  <a:fillRect l="-1146" t="-1937" r="-328"/>
                 </a:stretch>
               </a:blipFill>
             </p:spPr>
@@ -12425,7 +14159,7 @@
     </p:spTree>
     <p:extLst>
       <p:ext uri="{BB962C8B-B14F-4D97-AF65-F5344CB8AC3E}">
-        <p14:creationId xmlns:p14="http://schemas.microsoft.com/office/powerpoint/2010/main" val="1849709874"/>
+        <p14:creationId xmlns:p14="http://schemas.microsoft.com/office/powerpoint/2010/main" val="2389748765"/>
       </p:ext>
     </p:extLst>
   </p:cSld>
@@ -12476,15 +14210,11 @@
           <a:p>
             <a:r>
               <a:rPr lang="pt-BR" dirty="0"/>
-              <a:t>Algumas visões práticas de algoritmos de aprendizado - </a:t>
-            </a:r>
-            <a:r>
-              <a:rPr lang="pt-BR" b="1" dirty="0" smtClean="0"/>
-              <a:t>Versões </a:t>
-            </a:r>
-            <a:r>
-              <a:rPr lang="pt-BR" b="1" dirty="0"/>
-              <a:t>Online, Batch e Minibatch</a:t>
+              <a:t>Algumas visões práticas de algoritmos de </a:t>
+            </a:r>
+            <a:r>
+              <a:rPr lang="pt-BR" dirty="0" smtClean="0"/>
+              <a:t>aprendizado</a:t>
             </a:r>
             <a:endParaRPr lang="pt-BR" dirty="0"/>
           </a:p>
@@ -12502,8 +14232,8 @@
         </p:nvSpPr>
         <p:spPr>
           <a:xfrm>
-            <a:off x="838199" y="1825625"/>
-            <a:ext cx="11012055" cy="1913862"/>
+            <a:off x="838199" y="1825624"/>
+            <a:ext cx="11217677" cy="2304487"/>
           </a:xfrm>
         </p:spPr>
         <p:txBody>
@@ -12512,9 +14242,27 @@
           </a:bodyPr>
           <a:lstStyle/>
           <a:p>
+            <a:pPr marL="0" indent="0">
+              <a:buNone/>
+            </a:pPr>
+            <a:r>
+              <a:rPr lang="pt-BR" b="1" dirty="0"/>
+              <a:t>Versões Online, Batch e </a:t>
+            </a:r>
+            <a:r>
+              <a:rPr lang="pt-BR" b="1" dirty="0" smtClean="0"/>
+              <a:t>Minibatch</a:t>
+            </a:r>
+            <a:endParaRPr lang="pt-BR" dirty="0" smtClean="0"/>
+          </a:p>
+          <a:p>
+            <a:r>
+              <a:rPr lang="pt-BR" dirty="0" smtClean="0"/>
+              <a:t>Nesse </a:t>
+            </a:r>
             <a:r>
               <a:rPr lang="pt-BR" dirty="0"/>
-              <a:t>Nesse questionamento, existem duas abordagens: o cálculo </a:t>
+              <a:t>questionamento, existem duas abordagens: o cálculo </a:t>
             </a:r>
             <a:r>
               <a:rPr lang="pt-BR" b="1" i="1" dirty="0"/>
@@ -12522,7 +14270,15 @@
             </a:r>
             <a:r>
               <a:rPr lang="pt-BR" dirty="0"/>
-              <a:t> do gradiente (exemplo-a-exemplo) e o cálculo em batelada (</a:t>
+              <a:t> do gradiente </a:t>
+            </a:r>
+            <a:r>
+              <a:rPr lang="pt-BR" dirty="0" smtClean="0"/>
+              <a:t>(ou seja, exemplo-a-exemplo</a:t>
+            </a:r>
+            <a:r>
+              <a:rPr lang="pt-BR" dirty="0"/>
+              <a:t>) e o cálculo em batelada (</a:t>
             </a:r>
             <a:r>
               <a:rPr lang="pt-BR" b="1" i="1" dirty="0"/>
@@ -12544,7 +14300,11 @@
             </a:r>
             <a:r>
               <a:rPr lang="pt-BR" dirty="0"/>
-              <a:t>com cálculo </a:t>
+              <a:t>com </a:t>
+            </a:r>
+            <a:r>
+              <a:rPr lang="pt-BR" dirty="0" smtClean="0"/>
+              <a:t>o cálculo </a:t>
             </a:r>
             <a:r>
               <a:rPr lang="pt-BR" b="1" i="1" dirty="0"/>
@@ -12552,7 +14312,15 @@
             </a:r>
             <a:r>
               <a:rPr lang="pt-BR" dirty="0"/>
-              <a:t>do gradiente, como expressa o seguinte algoritmo, um método clássico de </a:t>
+              <a:t>do gradiente, como expressa o </a:t>
+            </a:r>
+            <a:r>
+              <a:rPr lang="pt-BR" dirty="0" smtClean="0"/>
+              <a:t>algoritmo abaixo com </a:t>
+            </a:r>
+            <a:r>
+              <a:rPr lang="pt-BR" dirty="0"/>
+              <a:t>um método clássico de </a:t>
             </a:r>
             <a:r>
               <a:rPr lang="pt-BR" b="1" i="1" dirty="0"/>
@@ -12575,8 +14343,8 @@
             </p:nvSpPr>
             <p:spPr>
               <a:xfrm>
-                <a:off x="1760561" y="3739487"/>
-                <a:ext cx="8670878" cy="3004925"/>
+                <a:off x="1760561" y="4130111"/>
+                <a:ext cx="8670878" cy="2681503"/>
               </a:xfrm>
               <a:prstGeom prst="rect">
                 <a:avLst/>
@@ -12599,13 +14367,13 @@
                   <a:buChar char="Ø"/>
                 </a:pPr>
                 <a:r>
-                  <a:rPr lang="pt-BR" dirty="0" smtClean="0"/>
+                  <a:rPr lang="pt-BR" sz="1600" dirty="0" smtClean="0"/>
                   <a:t>Defina valores iniciais para o vetor de pesos </a:t>
                 </a:r>
                 <a14:m>
                   <m:oMath xmlns:m="http://schemas.openxmlformats.org/officeDocument/2006/math">
                     <m:r>
-                      <a:rPr lang="pt-BR" b="1" i="1">
+                      <a:rPr lang="pt-BR" sz="1600" b="1" i="1">
                         <a:latin typeface="Cambria Math" panose="02040503050406030204" pitchFamily="18" charset="0"/>
                       </a:rPr>
                       <m:t>𝒘</m:t>
@@ -12613,13 +14381,13 @@
                   </m:oMath>
                 </a14:m>
                 <a:r>
-                  <a:rPr lang="pt-BR" dirty="0"/>
+                  <a:rPr lang="pt-BR" sz="1600" dirty="0"/>
                   <a:t> e um passo de aprendizagem </a:t>
                 </a:r>
                 <a14:m>
                   <m:oMath xmlns:m="http://schemas.openxmlformats.org/officeDocument/2006/math">
                     <m:r>
-                      <a:rPr lang="pt-BR" i="1">
+                      <a:rPr lang="pt-BR" sz="1600" i="1">
                         <a:latin typeface="Cambria Math" panose="02040503050406030204" pitchFamily="18" charset="0"/>
                         <a:ea typeface="Cambria Math" panose="02040503050406030204" pitchFamily="18" charset="0"/>
                       </a:rPr>
@@ -12628,7 +14396,7 @@
                   </m:oMath>
                 </a14:m>
                 <a:r>
-                  <a:rPr lang="pt-BR" dirty="0"/>
+                  <a:rPr lang="pt-BR" sz="1600" dirty="0"/>
                   <a:t> pequeno. </a:t>
                 </a:r>
               </a:p>
@@ -12638,19 +14406,19 @@
                   <a:buChar char="Ø"/>
                 </a:pPr>
                 <a:r>
-                  <a:rPr lang="pt-BR" dirty="0"/>
+                  <a:rPr lang="pt-BR" sz="1600" dirty="0"/>
                   <a:t>Faça </a:t>
                 </a:r>
                 <a14:m>
                   <m:oMath xmlns:m="http://schemas.openxmlformats.org/officeDocument/2006/math">
                     <m:r>
-                      <a:rPr lang="pt-BR" b="0" i="1" smtClean="0">
+                      <a:rPr lang="pt-BR" sz="1600" b="0" i="1" smtClean="0">
                         <a:latin typeface="Cambria Math" panose="02040503050406030204" pitchFamily="18" charset="0"/>
                       </a:rPr>
                       <m:t>𝑘</m:t>
                     </m:r>
                     <m:r>
-                      <a:rPr lang="pt-BR" b="0" i="1" smtClean="0">
+                      <a:rPr lang="pt-BR" sz="1600" b="0" i="1" smtClean="0">
                         <a:latin typeface="Cambria Math" panose="02040503050406030204" pitchFamily="18" charset="0"/>
                       </a:rPr>
                       <m:t>=0</m:t>
@@ -12658,19 +14426,19 @@
                   </m:oMath>
                 </a14:m>
                 <a:r>
-                  <a:rPr lang="pt-BR" dirty="0"/>
-                  <a:t>, </a:t>
+                  <a:rPr lang="pt-BR" sz="1600" dirty="0" smtClean="0"/>
+                  <a:t> (épocas), </a:t>
                 </a:r>
                 <a14:m>
                   <m:oMath xmlns:m="http://schemas.openxmlformats.org/officeDocument/2006/math">
                     <m:r>
-                      <a:rPr lang="pt-BR" b="0" i="1" smtClean="0">
+                      <a:rPr lang="pt-BR" sz="1600" b="0" i="1" smtClean="0">
                         <a:latin typeface="Cambria Math" panose="02040503050406030204" pitchFamily="18" charset="0"/>
                       </a:rPr>
                       <m:t>𝑡</m:t>
                     </m:r>
                     <m:r>
-                      <a:rPr lang="pt-BR" b="0" i="1" smtClean="0">
+                      <a:rPr lang="pt-BR" sz="1600" b="0" i="1" smtClean="0">
                         <a:latin typeface="Cambria Math" panose="02040503050406030204" pitchFamily="18" charset="0"/>
                       </a:rPr>
                       <m:t>=0</m:t>
@@ -12678,13 +14446,17 @@
                   </m:oMath>
                 </a14:m>
                 <a:r>
-                  <a:rPr lang="pt-BR" dirty="0"/>
-                  <a:t> e calcule </a:t>
+                  <a:rPr lang="pt-BR" sz="1600" dirty="0" smtClean="0"/>
+                  <a:t> (iterações) </a:t>
+                </a:r>
+                <a:r>
+                  <a:rPr lang="pt-BR" sz="1600" dirty="0"/>
+                  <a:t>e calcule </a:t>
                 </a:r>
                 <a14:m>
                   <m:oMath xmlns:m="http://schemas.openxmlformats.org/officeDocument/2006/math">
                     <m:r>
-                      <a:rPr lang="pt-BR" b="0" i="1" smtClean="0">
+                      <a:rPr lang="pt-BR" sz="1600" b="0" i="1" smtClean="0">
                         <a:latin typeface="Cambria Math" panose="02040503050406030204" pitchFamily="18" charset="0"/>
                       </a:rPr>
                       <m:t>𝐽</m:t>
@@ -12692,14 +14464,14 @@
                     <m:d>
                       <m:dPr>
                         <m:ctrlPr>
-                          <a:rPr lang="pt-BR" b="0" i="1" smtClean="0">
+                          <a:rPr lang="pt-BR" sz="1600" b="0" i="1" smtClean="0">
                             <a:latin typeface="Cambria Math" panose="02040503050406030204" pitchFamily="18" charset="0"/>
                           </a:rPr>
                         </m:ctrlPr>
                       </m:dPr>
                       <m:e>
                         <m:r>
-                          <a:rPr lang="pt-BR" b="1" i="1">
+                          <a:rPr lang="pt-BR" sz="1600" b="1" i="1">
                             <a:latin typeface="Cambria Math" panose="02040503050406030204" pitchFamily="18" charset="0"/>
                           </a:rPr>
                           <m:t>𝒘</m:t>
@@ -12707,14 +14479,14 @@
                         <m:d>
                           <m:dPr>
                             <m:ctrlPr>
-                              <a:rPr lang="pt-BR" b="1" i="1" smtClean="0">
+                              <a:rPr lang="pt-BR" sz="1600" b="1" i="1" smtClean="0">
                                 <a:latin typeface="Cambria Math" panose="02040503050406030204" pitchFamily="18" charset="0"/>
                               </a:rPr>
                             </m:ctrlPr>
                           </m:dPr>
                           <m:e>
                             <m:r>
-                              <a:rPr lang="pt-BR" b="0" i="1" smtClean="0">
+                              <a:rPr lang="pt-BR" sz="1600" b="0" i="1" smtClean="0">
                                 <a:latin typeface="Cambria Math" panose="02040503050406030204" pitchFamily="18" charset="0"/>
                               </a:rPr>
                               <m:t>𝑘</m:t>
@@ -12726,7 +14498,7 @@
                   </m:oMath>
                 </a14:m>
                 <a:r>
-                  <a:rPr lang="pt-BR" dirty="0"/>
+                  <a:rPr lang="pt-BR" sz="1600" dirty="0"/>
                   <a:t>.</a:t>
                 </a:r>
               </a:p>
@@ -12736,7 +14508,7 @@
                   <a:buChar char="Ø"/>
                 </a:pPr>
                 <a:r>
-                  <a:rPr lang="pt-BR" dirty="0"/>
+                  <a:rPr lang="pt-BR" sz="1600" dirty="0"/>
                   <a:t>Enquanto o critério de parada não for atendido, faça: </a:t>
                 </a:r>
               </a:p>
@@ -12746,7 +14518,7 @@
                   <a:buChar char="o"/>
                 </a:pPr>
                 <a:r>
-                  <a:rPr lang="pt-BR" dirty="0"/>
+                  <a:rPr lang="pt-BR" sz="1600" dirty="0"/>
                   <a:t>Ordene aleatoriamente os exemplos de entrada/saída.</a:t>
                 </a:r>
               </a:p>
@@ -12756,13 +14528,13 @@
                   <a:buChar char="o"/>
                 </a:pPr>
                 <a:r>
-                  <a:rPr lang="pt-BR" dirty="0"/>
+                  <a:rPr lang="pt-BR" sz="1600" dirty="0"/>
                   <a:t>Para </a:t>
                 </a:r>
                 <a14:m>
                   <m:oMath xmlns:m="http://schemas.openxmlformats.org/officeDocument/2006/math">
                     <m:r>
-                      <a:rPr lang="pt-BR" b="0" i="1" smtClean="0">
+                      <a:rPr lang="pt-BR" sz="1600" b="0" i="1" smtClean="0">
                         <a:latin typeface="Cambria Math" panose="02040503050406030204" pitchFamily="18" charset="0"/>
                       </a:rPr>
                       <m:t>𝑙</m:t>
@@ -12770,13 +14542,13 @@
                   </m:oMath>
                 </a14:m>
                 <a:r>
-                  <a:rPr lang="pt-BR" dirty="0"/>
+                  <a:rPr lang="pt-BR" sz="1600" dirty="0"/>
                   <a:t> variando de 1 até </a:t>
                 </a:r>
                 <a14:m>
                   <m:oMath xmlns:m="http://schemas.openxmlformats.org/officeDocument/2006/math">
                     <m:r>
-                      <a:rPr lang="pt-BR" b="0" i="1" smtClean="0">
+                      <a:rPr lang="pt-BR" sz="1600" b="0" i="1" smtClean="0">
                         <a:latin typeface="Cambria Math" panose="02040503050406030204" pitchFamily="18" charset="0"/>
                       </a:rPr>
                       <m:t>𝑁</m:t>
@@ -12784,7 +14556,7 @@
                   </m:oMath>
                 </a14:m>
                 <a:r>
-                  <a:rPr lang="pt-BR" dirty="0"/>
+                  <a:rPr lang="pt-BR" sz="1600" dirty="0"/>
                   <a:t>, faça: </a:t>
                 </a:r>
               </a:p>
@@ -12794,19 +14566,19 @@
                   <a:buChar char="§"/>
                 </a:pPr>
                 <a:r>
-                  <a:rPr lang="pt-BR" dirty="0"/>
+                  <a:rPr lang="pt-BR" sz="1600" dirty="0"/>
                   <a:t>Apresente o exemplo </a:t>
                 </a:r>
                 <a14:m>
                   <m:oMath xmlns:m="http://schemas.openxmlformats.org/officeDocument/2006/math">
                     <m:r>
-                      <a:rPr lang="pt-BR" i="1">
+                      <a:rPr lang="pt-BR" sz="1600" i="1">
                         <a:latin typeface="Cambria Math" panose="02040503050406030204" pitchFamily="18" charset="0"/>
                       </a:rPr>
                       <m:t>𝑙</m:t>
                     </m:r>
                     <m:r>
-                      <a:rPr lang="pt-BR" i="1">
+                      <a:rPr lang="pt-BR" sz="1600" i="1">
                         <a:latin typeface="Cambria Math" panose="02040503050406030204" pitchFamily="18" charset="0"/>
                       </a:rPr>
                       <m:t> </m:t>
@@ -12814,7 +14586,7 @@
                   </m:oMath>
                 </a14:m>
                 <a:r>
-                  <a:rPr lang="pt-BR" dirty="0"/>
+                  <a:rPr lang="pt-BR" sz="1600" dirty="0"/>
                   <a:t>de entrada à rede.</a:t>
                 </a:r>
               </a:p>
@@ -12824,7 +14596,7 @@
                   <a:buChar char="§"/>
                 </a:pPr>
                 <a:r>
-                  <a:rPr lang="pt-BR" dirty="0"/>
+                  <a:rPr lang="pt-BR" sz="1600" dirty="0"/>
                   <a:t>Calcule </a:t>
                 </a:r>
                 <a14:m>
@@ -12832,14 +14604,14 @@
                     <m:sSub>
                       <m:sSubPr>
                         <m:ctrlPr>
-                          <a:rPr lang="pt-BR" i="1" smtClean="0">
+                          <a:rPr lang="pt-BR" sz="1600" i="1" smtClean="0">
                             <a:latin typeface="Cambria Math" panose="02040503050406030204" pitchFamily="18" charset="0"/>
                           </a:rPr>
                         </m:ctrlPr>
                       </m:sSubPr>
                       <m:e>
                         <m:r>
-                          <a:rPr lang="pt-BR" b="0" i="1" smtClean="0">
+                          <a:rPr lang="pt-BR" sz="1600" b="0" i="1" smtClean="0">
                             <a:latin typeface="Cambria Math" panose="02040503050406030204" pitchFamily="18" charset="0"/>
                           </a:rPr>
                           <m:t>𝐽</m:t>
@@ -12847,7 +14619,7 @@
                       </m:e>
                       <m:sub>
                         <m:r>
-                          <a:rPr lang="pt-BR" b="0" i="1" smtClean="0">
+                          <a:rPr lang="pt-BR" sz="1600" b="0" i="1" smtClean="0">
                             <a:latin typeface="Cambria Math" panose="02040503050406030204" pitchFamily="18" charset="0"/>
                           </a:rPr>
                           <m:t>𝑙</m:t>
@@ -12857,14 +14629,14 @@
                     <m:d>
                       <m:dPr>
                         <m:ctrlPr>
-                          <a:rPr lang="pt-BR" i="1">
+                          <a:rPr lang="pt-BR" sz="1600" i="1">
                             <a:latin typeface="Cambria Math" panose="02040503050406030204" pitchFamily="18" charset="0"/>
                           </a:rPr>
                         </m:ctrlPr>
                       </m:dPr>
                       <m:e>
                         <m:r>
-                          <a:rPr lang="pt-BR" b="1" i="1">
+                          <a:rPr lang="pt-BR" sz="1600" b="1" i="1">
                             <a:latin typeface="Cambria Math" panose="02040503050406030204" pitchFamily="18" charset="0"/>
                           </a:rPr>
                           <m:t>𝒘</m:t>
@@ -12872,14 +14644,14 @@
                         <m:d>
                           <m:dPr>
                             <m:ctrlPr>
-                              <a:rPr lang="pt-BR" b="1" i="1">
+                              <a:rPr lang="pt-BR" sz="1600" b="1" i="1">
                                 <a:latin typeface="Cambria Math" panose="02040503050406030204" pitchFamily="18" charset="0"/>
                               </a:rPr>
                             </m:ctrlPr>
                           </m:dPr>
                           <m:e>
                             <m:r>
-                              <a:rPr lang="pt-BR" b="0" i="1" smtClean="0">
+                              <a:rPr lang="pt-BR" sz="1600" b="0" i="1" smtClean="0">
                                 <a:latin typeface="Cambria Math" panose="02040503050406030204" pitchFamily="18" charset="0"/>
                               </a:rPr>
                               <m:t>𝑡</m:t>
@@ -12891,13 +14663,13 @@
                   </m:oMath>
                 </a14:m>
                 <a:r>
-                  <a:rPr lang="pt-BR" dirty="0"/>
+                  <a:rPr lang="pt-BR" sz="1600" dirty="0"/>
                   <a:t> e </a:t>
                 </a:r>
                 <a14:m>
                   <m:oMath xmlns:m="http://schemas.openxmlformats.org/officeDocument/2006/math">
                     <m:r>
-                      <a:rPr lang="pt-BR" i="1" smtClean="0">
+                      <a:rPr lang="pt-BR" sz="1600" i="1" smtClean="0">
                         <a:latin typeface="Cambria Math" panose="02040503050406030204" pitchFamily="18" charset="0"/>
                         <a:ea typeface="Cambria Math" panose="02040503050406030204" pitchFamily="18" charset="0"/>
                       </a:rPr>
@@ -12906,14 +14678,14 @@
                     <m:sSub>
                       <m:sSubPr>
                         <m:ctrlPr>
-                          <a:rPr lang="pt-BR" i="1">
+                          <a:rPr lang="pt-BR" sz="1600" i="1">
                             <a:latin typeface="Cambria Math" panose="02040503050406030204" pitchFamily="18" charset="0"/>
                           </a:rPr>
                         </m:ctrlPr>
                       </m:sSubPr>
                       <m:e>
                         <m:r>
-                          <a:rPr lang="pt-BR" i="1">
+                          <a:rPr lang="pt-BR" sz="1600" i="1">
                             <a:latin typeface="Cambria Math" panose="02040503050406030204" pitchFamily="18" charset="0"/>
                           </a:rPr>
                           <m:t>𝐽</m:t>
@@ -12921,7 +14693,7 @@
                       </m:e>
                       <m:sub>
                         <m:r>
-                          <a:rPr lang="pt-BR" b="0" i="1" smtClean="0">
+                          <a:rPr lang="pt-BR" sz="1600" b="0" i="1" smtClean="0">
                             <a:latin typeface="Cambria Math" panose="02040503050406030204" pitchFamily="18" charset="0"/>
                           </a:rPr>
                           <m:t>𝑙</m:t>
@@ -12931,14 +14703,14 @@
                     <m:d>
                       <m:dPr>
                         <m:ctrlPr>
-                          <a:rPr lang="pt-BR" i="1">
+                          <a:rPr lang="pt-BR" sz="1600" i="1">
                             <a:latin typeface="Cambria Math" panose="02040503050406030204" pitchFamily="18" charset="0"/>
                           </a:rPr>
                         </m:ctrlPr>
                       </m:dPr>
                       <m:e>
                         <m:r>
-                          <a:rPr lang="pt-BR" b="1" i="1">
+                          <a:rPr lang="pt-BR" sz="1600" b="1" i="1">
                             <a:latin typeface="Cambria Math" panose="02040503050406030204" pitchFamily="18" charset="0"/>
                           </a:rPr>
                           <m:t>𝒘</m:t>
@@ -12946,14 +14718,14 @@
                         <m:d>
                           <m:dPr>
                             <m:ctrlPr>
-                              <a:rPr lang="pt-BR" b="1" i="1">
+                              <a:rPr lang="pt-BR" sz="1600" b="1" i="1">
                                 <a:latin typeface="Cambria Math" panose="02040503050406030204" pitchFamily="18" charset="0"/>
                               </a:rPr>
                             </m:ctrlPr>
                           </m:dPr>
                           <m:e>
                             <m:r>
-                              <a:rPr lang="pt-BR" i="1">
+                              <a:rPr lang="pt-BR" sz="1600" i="1">
                                 <a:latin typeface="Cambria Math" panose="02040503050406030204" pitchFamily="18" charset="0"/>
                               </a:rPr>
                               <m:t>𝑡</m:t>
@@ -12965,7 +14737,7 @@
                   </m:oMath>
                 </a14:m>
                 <a:r>
-                  <a:rPr lang="pt-BR" dirty="0"/>
+                  <a:rPr lang="pt-BR" sz="1600" dirty="0"/>
                   <a:t>.</a:t>
                 </a:r>
               </a:p>
@@ -12977,7 +14749,7 @@
                 <a14:m>
                   <m:oMath xmlns:m="http://schemas.openxmlformats.org/officeDocument/2006/math">
                     <m:r>
-                      <a:rPr lang="pt-BR" b="1" i="1">
+                      <a:rPr lang="pt-BR" sz="1600" b="1" i="1">
                         <a:latin typeface="Cambria Math" panose="02040503050406030204" pitchFamily="18" charset="0"/>
                       </a:rPr>
                       <m:t>𝒘</m:t>
@@ -12985,20 +14757,20 @@
                     <m:d>
                       <m:dPr>
                         <m:ctrlPr>
-                          <a:rPr lang="pt-BR" i="1" smtClean="0">
+                          <a:rPr lang="pt-BR" sz="1600" i="1" smtClean="0">
                             <a:latin typeface="Cambria Math" panose="02040503050406030204" pitchFamily="18" charset="0"/>
                           </a:rPr>
                         </m:ctrlPr>
                       </m:dPr>
                       <m:e>
                         <m:r>
-                          <a:rPr lang="pt-BR" b="0" i="1" smtClean="0">
+                          <a:rPr lang="pt-BR" sz="1600" b="0" i="1" smtClean="0">
                             <a:latin typeface="Cambria Math" panose="02040503050406030204" pitchFamily="18" charset="0"/>
                           </a:rPr>
                           <m:t>𝑡</m:t>
                         </m:r>
                         <m:r>
-                          <a:rPr lang="pt-BR" i="1">
+                          <a:rPr lang="pt-BR" sz="1600" i="1">
                             <a:latin typeface="Cambria Math" panose="02040503050406030204" pitchFamily="18" charset="0"/>
                           </a:rPr>
                           <m:t>+1</m:t>
@@ -13006,13 +14778,13 @@
                       </m:e>
                     </m:d>
                     <m:r>
-                      <a:rPr lang="pt-BR" b="1" i="1" smtClean="0">
+                      <a:rPr lang="pt-BR" sz="1600" b="1" i="1" smtClean="0">
                         <a:latin typeface="Cambria Math" panose="02040503050406030204" pitchFamily="18" charset="0"/>
                       </a:rPr>
                       <m:t>=</m:t>
                     </m:r>
                     <m:r>
-                      <a:rPr lang="pt-BR" b="1" i="1">
+                      <a:rPr lang="pt-BR" sz="1600" b="1" i="1">
                         <a:latin typeface="Cambria Math" panose="02040503050406030204" pitchFamily="18" charset="0"/>
                       </a:rPr>
                       <m:t>𝒘</m:t>
@@ -13020,14 +14792,14 @@
                     <m:d>
                       <m:dPr>
                         <m:ctrlPr>
-                          <a:rPr lang="pt-BR" b="1" i="1">
+                          <a:rPr lang="pt-BR" sz="1600" b="1" i="1">
                             <a:latin typeface="Cambria Math" panose="02040503050406030204" pitchFamily="18" charset="0"/>
                           </a:rPr>
                         </m:ctrlPr>
                       </m:dPr>
                       <m:e>
                         <m:r>
-                          <a:rPr lang="pt-BR" b="0" i="1" smtClean="0">
+                          <a:rPr lang="pt-BR" sz="1600" b="0" i="1" smtClean="0">
                             <a:latin typeface="Cambria Math" panose="02040503050406030204" pitchFamily="18" charset="0"/>
                           </a:rPr>
                           <m:t>𝑡</m:t>
@@ -13035,13 +14807,13 @@
                       </m:e>
                     </m:d>
                     <m:r>
-                      <a:rPr lang="pt-BR" b="1" i="1">
+                      <a:rPr lang="pt-BR" sz="1600" b="1" i="1">
                         <a:latin typeface="Cambria Math" panose="02040503050406030204" pitchFamily="18" charset="0"/>
                       </a:rPr>
                       <m:t>−</m:t>
                     </m:r>
                     <m:r>
-                      <a:rPr lang="pt-BR" i="1">
+                      <a:rPr lang="pt-BR" sz="1600" i="1">
                         <a:latin typeface="Cambria Math" panose="02040503050406030204" pitchFamily="18" charset="0"/>
                         <a:ea typeface="Cambria Math" panose="02040503050406030204" pitchFamily="18" charset="0"/>
                       </a:rPr>
@@ -13050,14 +14822,14 @@
                     <m:sSub>
                       <m:sSubPr>
                         <m:ctrlPr>
-                          <a:rPr lang="pt-BR" i="1">
+                          <a:rPr lang="pt-BR" sz="1600" i="1">
                             <a:latin typeface="Cambria Math" panose="02040503050406030204" pitchFamily="18" charset="0"/>
                           </a:rPr>
                         </m:ctrlPr>
                       </m:sSubPr>
                       <m:e>
                         <m:r>
-                          <a:rPr lang="pt-BR" i="1">
+                          <a:rPr lang="pt-BR" sz="1600" i="1">
                             <a:latin typeface="Cambria Math" panose="02040503050406030204" pitchFamily="18" charset="0"/>
                           </a:rPr>
                           <m:t>𝐽</m:t>
@@ -13065,7 +14837,7 @@
                       </m:e>
                       <m:sub>
                         <m:r>
-                          <a:rPr lang="pt-BR" b="0" i="1" smtClean="0">
+                          <a:rPr lang="pt-BR" sz="1600" b="0" i="1" smtClean="0">
                             <a:latin typeface="Cambria Math" panose="02040503050406030204" pitchFamily="18" charset="0"/>
                           </a:rPr>
                           <m:t>𝑙</m:t>
@@ -13075,14 +14847,14 @@
                     <m:d>
                       <m:dPr>
                         <m:ctrlPr>
-                          <a:rPr lang="pt-BR" i="1">
+                          <a:rPr lang="pt-BR" sz="1600" i="1">
                             <a:latin typeface="Cambria Math" panose="02040503050406030204" pitchFamily="18" charset="0"/>
                           </a:rPr>
                         </m:ctrlPr>
                       </m:dPr>
                       <m:e>
                         <m:r>
-                          <a:rPr lang="pt-BR" b="1" i="1">
+                          <a:rPr lang="pt-BR" sz="1600" b="1" i="1">
                             <a:latin typeface="Cambria Math" panose="02040503050406030204" pitchFamily="18" charset="0"/>
                           </a:rPr>
                           <m:t>𝒘</m:t>
@@ -13090,14 +14862,14 @@
                         <m:d>
                           <m:dPr>
                             <m:ctrlPr>
-                              <a:rPr lang="pt-BR" b="1" i="1">
+                              <a:rPr lang="pt-BR" sz="1600" b="1" i="1">
                                 <a:latin typeface="Cambria Math" panose="02040503050406030204" pitchFamily="18" charset="0"/>
                               </a:rPr>
                             </m:ctrlPr>
                           </m:dPr>
                           <m:e>
                             <m:r>
-                              <a:rPr lang="pt-BR" i="1">
+                              <a:rPr lang="pt-BR" sz="1600" i="1">
                                 <a:latin typeface="Cambria Math" panose="02040503050406030204" pitchFamily="18" charset="0"/>
                               </a:rPr>
                               <m:t>𝑡</m:t>
@@ -13109,31 +14881,31 @@
                   </m:oMath>
                 </a14:m>
                 <a:r>
-                  <a:rPr lang="pt-BR" dirty="0"/>
+                  <a:rPr lang="pt-BR" sz="1600" dirty="0"/>
                   <a:t>; </a:t>
                 </a:r>
                 <a14:m>
                   <m:oMath xmlns:m="http://schemas.openxmlformats.org/officeDocument/2006/math">
                     <m:r>
-                      <a:rPr lang="pt-BR" b="0" i="1" smtClean="0">
+                      <a:rPr lang="pt-BR" sz="1600" b="0" i="1" smtClean="0">
                         <a:latin typeface="Cambria Math" panose="02040503050406030204" pitchFamily="18" charset="0"/>
                       </a:rPr>
                       <m:t>𝑡</m:t>
                     </m:r>
                     <m:r>
-                      <a:rPr lang="pt-BR" b="0" i="1" smtClean="0">
+                      <a:rPr lang="pt-BR" sz="1600" b="0" i="1" smtClean="0">
                         <a:latin typeface="Cambria Math" panose="02040503050406030204" pitchFamily="18" charset="0"/>
                       </a:rPr>
                       <m:t>=</m:t>
                     </m:r>
                     <m:r>
-                      <a:rPr lang="pt-BR" b="0" i="1" smtClean="0">
+                      <a:rPr lang="pt-BR" sz="1600" b="0" i="1" smtClean="0">
                         <a:latin typeface="Cambria Math" panose="02040503050406030204" pitchFamily="18" charset="0"/>
                       </a:rPr>
                       <m:t>𝑡</m:t>
                     </m:r>
                     <m:r>
-                      <a:rPr lang="pt-BR" b="0" i="1" smtClean="0">
+                      <a:rPr lang="pt-BR" sz="1600" b="0" i="1" smtClean="0">
                         <a:latin typeface="Cambria Math" panose="02040503050406030204" pitchFamily="18" charset="0"/>
                       </a:rPr>
                       <m:t>+1</m:t>
@@ -13141,7 +14913,7 @@
                   </m:oMath>
                 </a14:m>
                 <a:r>
-                  <a:rPr lang="pt-BR" dirty="0"/>
+                  <a:rPr lang="pt-BR" sz="1600" dirty="0"/>
                   <a:t>.</a:t>
                 </a:r>
               </a:p>
@@ -13153,25 +14925,25 @@
                 <a14:m>
                   <m:oMath xmlns:m="http://schemas.openxmlformats.org/officeDocument/2006/math">
                     <m:r>
-                      <a:rPr lang="pt-BR" b="0" i="1" smtClean="0">
+                      <a:rPr lang="pt-BR" sz="1600" b="0" i="1" smtClean="0">
                         <a:latin typeface="Cambria Math" panose="02040503050406030204" pitchFamily="18" charset="0"/>
                       </a:rPr>
                       <m:t>𝑘</m:t>
                     </m:r>
                     <m:r>
-                      <a:rPr lang="pt-BR" b="0" i="1" smtClean="0">
+                      <a:rPr lang="pt-BR" sz="1600" b="0" i="1" smtClean="0">
                         <a:latin typeface="Cambria Math" panose="02040503050406030204" pitchFamily="18" charset="0"/>
                       </a:rPr>
                       <m:t>=</m:t>
                     </m:r>
                     <m:r>
-                      <a:rPr lang="pt-BR" b="0" i="1" smtClean="0">
+                      <a:rPr lang="pt-BR" sz="1600" b="0" i="1" smtClean="0">
                         <a:latin typeface="Cambria Math" panose="02040503050406030204" pitchFamily="18" charset="0"/>
                       </a:rPr>
                       <m:t>𝑘</m:t>
                     </m:r>
                     <m:r>
-                      <a:rPr lang="pt-BR" b="0" i="1" smtClean="0">
+                      <a:rPr lang="pt-BR" sz="1600" b="0" i="1" smtClean="0">
                         <a:latin typeface="Cambria Math" panose="02040503050406030204" pitchFamily="18" charset="0"/>
                       </a:rPr>
                       <m:t>+1</m:t>
@@ -13179,7 +14951,7 @@
                   </m:oMath>
                 </a14:m>
                 <a:r>
-                  <a:rPr lang="pt-BR" dirty="0"/>
+                  <a:rPr lang="pt-BR" sz="1600" dirty="0"/>
                   <a:t>.</a:t>
                 </a:r>
               </a:p>
@@ -13189,13 +14961,13 @@
                   <a:buChar char="o"/>
                 </a:pPr>
                 <a:r>
-                  <a:rPr lang="pt-BR" dirty="0"/>
+                  <a:rPr lang="pt-BR" sz="1600" dirty="0"/>
                   <a:t>Calcule </a:t>
                 </a:r>
                 <a14:m>
                   <m:oMath xmlns:m="http://schemas.openxmlformats.org/officeDocument/2006/math">
                     <m:r>
-                      <a:rPr lang="pt-BR" i="1">
+                      <a:rPr lang="pt-BR" sz="1600" i="1">
                         <a:latin typeface="Cambria Math" panose="02040503050406030204" pitchFamily="18" charset="0"/>
                       </a:rPr>
                       <m:t>𝐽</m:t>
@@ -13203,14 +14975,14 @@
                     <m:d>
                       <m:dPr>
                         <m:ctrlPr>
-                          <a:rPr lang="pt-BR" i="1">
+                          <a:rPr lang="pt-BR" sz="1600" i="1">
                             <a:latin typeface="Cambria Math" panose="02040503050406030204" pitchFamily="18" charset="0"/>
                           </a:rPr>
                         </m:ctrlPr>
                       </m:dPr>
                       <m:e>
                         <m:r>
-                          <a:rPr lang="pt-BR" b="1" i="1">
+                          <a:rPr lang="pt-BR" sz="1600" b="1" i="1">
                             <a:latin typeface="Cambria Math" panose="02040503050406030204" pitchFamily="18" charset="0"/>
                           </a:rPr>
                           <m:t>𝒘</m:t>
@@ -13218,14 +14990,14 @@
                         <m:d>
                           <m:dPr>
                             <m:ctrlPr>
-                              <a:rPr lang="pt-BR" b="1" i="1">
+                              <a:rPr lang="pt-BR" sz="1600" b="1" i="1">
                                 <a:latin typeface="Cambria Math" panose="02040503050406030204" pitchFamily="18" charset="0"/>
                               </a:rPr>
                             </m:ctrlPr>
                           </m:dPr>
                           <m:e>
                             <m:r>
-                              <a:rPr lang="pt-BR" b="0" i="1" smtClean="0">
+                              <a:rPr lang="pt-BR" sz="1600" b="0" i="1" smtClean="0">
                                 <a:latin typeface="Cambria Math" panose="02040503050406030204" pitchFamily="18" charset="0"/>
                               </a:rPr>
                               <m:t>𝑘</m:t>
@@ -13237,7 +15009,7 @@
                   </m:oMath>
                 </a14:m>
                 <a:r>
-                  <a:rPr lang="pt-BR" dirty="0"/>
+                  <a:rPr lang="pt-BR" sz="1600" dirty="0"/>
                   <a:t>.</a:t>
                 </a:r>
               </a:p>
@@ -13255,8 +15027,8 @@
             </p:nvSpPr>
             <p:spPr>
               <a:xfrm>
-                <a:off x="1760561" y="3739487"/>
-                <a:ext cx="8670878" cy="3004925"/>
+                <a:off x="1760561" y="4130111"/>
+                <a:ext cx="8670878" cy="2681503"/>
               </a:xfrm>
               <a:prstGeom prst="rect">
                 <a:avLst/>
@@ -13264,7 +15036,7 @@
               <a:blipFill rotWithShape="0">
                 <a:blip r:embed="rId2"/>
                 <a:stretch>
-                  <a:fillRect l="-421" t="-808" r="-843" b="-1616"/>
+                  <a:fillRect l="-211" t="-454" b="-1587"/>
                 </a:stretch>
               </a:blipFill>
               <a:ln>
@@ -13291,7 +15063,7 @@
     </p:spTree>
     <p:extLst>
       <p:ext uri="{BB962C8B-B14F-4D97-AF65-F5344CB8AC3E}">
-        <p14:creationId xmlns:p14="http://schemas.microsoft.com/office/powerpoint/2010/main" val="551486706"/>
+        <p14:creationId xmlns:p14="http://schemas.microsoft.com/office/powerpoint/2010/main" val="1458662521"/>
       </p:ext>
     </p:extLst>
   </p:cSld>
@@ -13330,8 +15102,8 @@
         </p:nvSpPr>
         <p:spPr>
           <a:xfrm>
-            <a:off x="838199" y="365125"/>
-            <a:ext cx="11005457" cy="1325563"/>
+            <a:off x="838200" y="365125"/>
+            <a:ext cx="10844284" cy="1325563"/>
           </a:xfrm>
         </p:spPr>
         <p:txBody>
@@ -13342,15 +15114,11 @@
           <a:p>
             <a:r>
               <a:rPr lang="pt-BR" dirty="0"/>
-              <a:t>Algumas visões práticas de algoritmos de aprendizado - </a:t>
-            </a:r>
-            <a:r>
-              <a:rPr lang="pt-BR" b="1" dirty="0" smtClean="0"/>
-              <a:t>Versões </a:t>
-            </a:r>
-            <a:r>
-              <a:rPr lang="pt-BR" b="1" dirty="0"/>
-              <a:t>Online, Batch e Minibatch</a:t>
+              <a:t>Algumas visões práticas de algoritmos de </a:t>
+            </a:r>
+            <a:r>
+              <a:rPr lang="pt-BR" dirty="0" smtClean="0"/>
+              <a:t>aprendizado</a:t>
             </a:r>
             <a:endParaRPr lang="pt-BR" dirty="0"/>
           </a:p>
@@ -13368,20 +15136,43 @@
         </p:nvSpPr>
         <p:spPr>
           <a:xfrm>
-            <a:off x="838200" y="1825625"/>
-            <a:ext cx="11158182" cy="1709145"/>
+            <a:off x="838200" y="1825626"/>
+            <a:ext cx="11158182" cy="2346880"/>
           </a:xfrm>
         </p:spPr>
         <p:txBody>
           <a:bodyPr>
-            <a:normAutofit fontScale="92500" lnSpcReduction="20000"/>
+            <a:normAutofit fontScale="92500" lnSpcReduction="10000"/>
           </a:bodyPr>
           <a:lstStyle/>
           <a:p>
+            <a:pPr marL="0" indent="0">
+              <a:buNone/>
+            </a:pPr>
+            <a:r>
+              <a:rPr lang="pt-BR" b="1" dirty="0"/>
+              <a:t>Versões Online, Batch e </a:t>
+            </a:r>
+            <a:r>
+              <a:rPr lang="pt-BR" b="1" dirty="0" smtClean="0"/>
+              <a:t>Minibatch</a:t>
+            </a:r>
+            <a:endParaRPr lang="pt-BR" dirty="0" smtClean="0"/>
+          </a:p>
+          <a:p>
+            <a:r>
+              <a:rPr lang="pt-BR" dirty="0" smtClean="0"/>
+              <a:t>O </a:t>
+            </a:r>
             <a:r>
               <a:rPr lang="pt-BR" dirty="0"/>
-              <a:t>O outro extremo seria utilizar todo o conjunto de dados para estimar o gradiente antes de dar o passo do processo iterativo de aprendizagem. </a:t>
-            </a:r>
+              <a:t>outro extremo seria utilizar todo o conjunto de dados para estimar o gradiente antes </a:t>
+            </a:r>
+            <a:r>
+              <a:rPr lang="pt-BR" dirty="0" smtClean="0"/>
+              <a:t>de atualizar os pesos sinápticos. </a:t>
+            </a:r>
+            <a:endParaRPr lang="pt-BR" dirty="0"/>
           </a:p>
           <a:p>
             <a:r>
@@ -13402,7 +15193,11 @@
             </a:r>
             <a:r>
               <a:rPr lang="pt-BR" dirty="0"/>
-              <a:t>). O algoritmo abaixo ilustra a operação correspondente (novamente considerando uma metodologia de </a:t>
+              <a:t>). O algoritmo abaixo ilustra a operação correspondente (novamente considerando </a:t>
+            </a:r>
+            <a:r>
+              <a:rPr lang="pt-BR" dirty="0" smtClean="0"/>
+              <a:t>um método de </a:t>
             </a:r>
             <a:r>
               <a:rPr lang="pt-BR" b="1" i="1" dirty="0"/>
@@ -13425,8 +15220,8 @@
             </p:nvSpPr>
             <p:spPr>
               <a:xfrm>
-                <a:off x="1924903" y="3587820"/>
-                <a:ext cx="8670878" cy="2784417"/>
+                <a:off x="1924903" y="4298058"/>
+                <a:ext cx="8670878" cy="2485489"/>
               </a:xfrm>
               <a:prstGeom prst="rect">
                 <a:avLst/>
@@ -13449,13 +15244,13 @@
                   <a:buChar char="Ø"/>
                 </a:pPr>
                 <a:r>
-                  <a:rPr lang="pt-BR" dirty="0" smtClean="0"/>
+                  <a:rPr lang="pt-BR" sz="1600" dirty="0" smtClean="0"/>
                   <a:t>Defina valores iniciais para o vetor de pesos </a:t>
                 </a:r>
                 <a14:m>
                   <m:oMath xmlns:m="http://schemas.openxmlformats.org/officeDocument/2006/math">
                     <m:r>
-                      <a:rPr lang="pt-BR" b="1" i="1">
+                      <a:rPr lang="pt-BR" sz="1600" b="1" i="1">
                         <a:latin typeface="Cambria Math" panose="02040503050406030204" pitchFamily="18" charset="0"/>
                       </a:rPr>
                       <m:t>𝒘</m:t>
@@ -13463,13 +15258,13 @@
                   </m:oMath>
                 </a14:m>
                 <a:r>
-                  <a:rPr lang="pt-BR" dirty="0"/>
+                  <a:rPr lang="pt-BR" sz="1600" dirty="0"/>
                   <a:t> e um passo de aprendizagem </a:t>
                 </a:r>
                 <a14:m>
                   <m:oMath xmlns:m="http://schemas.openxmlformats.org/officeDocument/2006/math">
                     <m:r>
-                      <a:rPr lang="pt-BR" i="1">
+                      <a:rPr lang="pt-BR" sz="1600" i="1">
                         <a:latin typeface="Cambria Math" panose="02040503050406030204" pitchFamily="18" charset="0"/>
                         <a:ea typeface="Cambria Math" panose="02040503050406030204" pitchFamily="18" charset="0"/>
                       </a:rPr>
@@ -13478,7 +15273,7 @@
                   </m:oMath>
                 </a14:m>
                 <a:r>
-                  <a:rPr lang="pt-BR" dirty="0"/>
+                  <a:rPr lang="pt-BR" sz="1600" dirty="0"/>
                   <a:t> pequeno. </a:t>
                 </a:r>
               </a:p>
@@ -13488,19 +15283,19 @@
                   <a:buChar char="Ø"/>
                 </a:pPr>
                 <a:r>
-                  <a:rPr lang="pt-BR" dirty="0"/>
+                  <a:rPr lang="pt-BR" sz="1600" dirty="0"/>
                   <a:t>Faça </a:t>
                 </a:r>
                 <a14:m>
                   <m:oMath xmlns:m="http://schemas.openxmlformats.org/officeDocument/2006/math">
                     <m:r>
-                      <a:rPr lang="pt-BR" b="0" i="1" smtClean="0">
+                      <a:rPr lang="pt-BR" sz="1600" b="0" i="1" smtClean="0">
                         <a:latin typeface="Cambria Math" panose="02040503050406030204" pitchFamily="18" charset="0"/>
                       </a:rPr>
                       <m:t>𝑘</m:t>
                     </m:r>
                     <m:r>
-                      <a:rPr lang="pt-BR" b="0" i="1" smtClean="0">
+                      <a:rPr lang="pt-BR" sz="1600" b="0" i="1" smtClean="0">
                         <a:latin typeface="Cambria Math" panose="02040503050406030204" pitchFamily="18" charset="0"/>
                       </a:rPr>
                       <m:t>=0</m:t>
@@ -13508,13 +15303,17 @@
                   </m:oMath>
                 </a14:m>
                 <a:r>
-                  <a:rPr lang="pt-BR" dirty="0"/>
-                  <a:t> e calcule </a:t>
+                  <a:rPr lang="pt-BR" sz="1600" dirty="0" smtClean="0"/>
+                  <a:t> (épocas) </a:t>
+                </a:r>
+                <a:r>
+                  <a:rPr lang="pt-BR" sz="1600" dirty="0"/>
+                  <a:t>e calcule </a:t>
                 </a:r>
                 <a14:m>
                   <m:oMath xmlns:m="http://schemas.openxmlformats.org/officeDocument/2006/math">
                     <m:r>
-                      <a:rPr lang="pt-BR" b="0" i="1" smtClean="0">
+                      <a:rPr lang="pt-BR" sz="1600" b="0" i="1" smtClean="0">
                         <a:latin typeface="Cambria Math" panose="02040503050406030204" pitchFamily="18" charset="0"/>
                       </a:rPr>
                       <m:t>𝐽</m:t>
@@ -13522,14 +15321,14 @@
                     <m:d>
                       <m:dPr>
                         <m:ctrlPr>
-                          <a:rPr lang="pt-BR" b="0" i="1" smtClean="0">
+                          <a:rPr lang="pt-BR" sz="1600" b="0" i="1" smtClean="0">
                             <a:latin typeface="Cambria Math" panose="02040503050406030204" pitchFamily="18" charset="0"/>
                           </a:rPr>
                         </m:ctrlPr>
                       </m:dPr>
                       <m:e>
                         <m:r>
-                          <a:rPr lang="pt-BR" b="1" i="1">
+                          <a:rPr lang="pt-BR" sz="1600" b="1" i="1">
                             <a:latin typeface="Cambria Math" panose="02040503050406030204" pitchFamily="18" charset="0"/>
                           </a:rPr>
                           <m:t>𝒘</m:t>
@@ -13537,14 +15336,14 @@
                         <m:d>
                           <m:dPr>
                             <m:ctrlPr>
-                              <a:rPr lang="pt-BR" b="1" i="1" smtClean="0">
+                              <a:rPr lang="pt-BR" sz="1600" b="1" i="1" smtClean="0">
                                 <a:latin typeface="Cambria Math" panose="02040503050406030204" pitchFamily="18" charset="0"/>
                               </a:rPr>
                             </m:ctrlPr>
                           </m:dPr>
                           <m:e>
                             <m:r>
-                              <a:rPr lang="pt-BR" b="0" i="1" smtClean="0">
+                              <a:rPr lang="pt-BR" sz="1600" b="0" i="1" smtClean="0">
                                 <a:latin typeface="Cambria Math" panose="02040503050406030204" pitchFamily="18" charset="0"/>
                               </a:rPr>
                               <m:t>𝑘</m:t>
@@ -13556,7 +15355,7 @@
                   </m:oMath>
                 </a14:m>
                 <a:r>
-                  <a:rPr lang="pt-BR" dirty="0"/>
+                  <a:rPr lang="pt-BR" sz="1600" dirty="0"/>
                   <a:t>.</a:t>
                 </a:r>
               </a:p>
@@ -13566,7 +15365,7 @@
                   <a:buChar char="Ø"/>
                 </a:pPr>
                 <a:r>
-                  <a:rPr lang="pt-BR" dirty="0"/>
+                  <a:rPr lang="pt-BR" sz="1600" dirty="0"/>
                   <a:t>Enquanto o critério de parada não for atendido, faça: </a:t>
                 </a:r>
               </a:p>
@@ -13576,13 +15375,13 @@
                   <a:buChar char="o"/>
                 </a:pPr>
                 <a:r>
-                  <a:rPr lang="pt-BR" dirty="0"/>
+                  <a:rPr lang="pt-BR" sz="1600" dirty="0"/>
                   <a:t>Para </a:t>
                 </a:r>
                 <a14:m>
                   <m:oMath xmlns:m="http://schemas.openxmlformats.org/officeDocument/2006/math">
                     <m:r>
-                      <a:rPr lang="pt-BR" b="0" i="1" smtClean="0">
+                      <a:rPr lang="pt-BR" sz="1600" b="0" i="1" smtClean="0">
                         <a:latin typeface="Cambria Math" panose="02040503050406030204" pitchFamily="18" charset="0"/>
                       </a:rPr>
                       <m:t>𝑙</m:t>
@@ -13590,13 +15389,13 @@
                   </m:oMath>
                 </a14:m>
                 <a:r>
-                  <a:rPr lang="pt-BR" dirty="0"/>
+                  <a:rPr lang="pt-BR" sz="1600" dirty="0"/>
                   <a:t> variando de 1 até </a:t>
                 </a:r>
                 <a14:m>
                   <m:oMath xmlns:m="http://schemas.openxmlformats.org/officeDocument/2006/math">
                     <m:r>
-                      <a:rPr lang="pt-BR" b="0" i="1" smtClean="0">
+                      <a:rPr lang="pt-BR" sz="1600" b="0" i="1" smtClean="0">
                         <a:latin typeface="Cambria Math" panose="02040503050406030204" pitchFamily="18" charset="0"/>
                       </a:rPr>
                       <m:t>𝑁</m:t>
@@ -13604,7 +15403,7 @@
                   </m:oMath>
                 </a14:m>
                 <a:r>
-                  <a:rPr lang="pt-BR" dirty="0"/>
+                  <a:rPr lang="pt-BR" sz="1600" dirty="0"/>
                   <a:t>, faça: </a:t>
                 </a:r>
               </a:p>
@@ -13614,19 +15413,19 @@
                   <a:buChar char="§"/>
                 </a:pPr>
                 <a:r>
-                  <a:rPr lang="pt-BR" dirty="0"/>
+                  <a:rPr lang="pt-BR" sz="1600" dirty="0"/>
                   <a:t>Apresente o exemplo </a:t>
                 </a:r>
                 <a14:m>
                   <m:oMath xmlns:m="http://schemas.openxmlformats.org/officeDocument/2006/math">
                     <m:r>
-                      <a:rPr lang="pt-BR" i="1">
+                      <a:rPr lang="pt-BR" sz="1600" i="1">
                         <a:latin typeface="Cambria Math" panose="02040503050406030204" pitchFamily="18" charset="0"/>
                       </a:rPr>
                       <m:t>𝑙</m:t>
                     </m:r>
                     <m:r>
-                      <a:rPr lang="pt-BR" i="1">
+                      <a:rPr lang="pt-BR" sz="1600" i="1">
                         <a:latin typeface="Cambria Math" panose="02040503050406030204" pitchFamily="18" charset="0"/>
                       </a:rPr>
                       <m:t> </m:t>
@@ -13634,7 +15433,7 @@
                   </m:oMath>
                 </a14:m>
                 <a:r>
-                  <a:rPr lang="pt-BR" dirty="0"/>
+                  <a:rPr lang="pt-BR" sz="1600" dirty="0"/>
                   <a:t>de entrada à rede.</a:t>
                 </a:r>
               </a:p>
@@ -13644,7 +15443,7 @@
                   <a:buChar char="§"/>
                 </a:pPr>
                 <a:r>
-                  <a:rPr lang="pt-BR" dirty="0"/>
+                  <a:rPr lang="pt-BR" sz="1600" dirty="0"/>
                   <a:t>Calcule </a:t>
                 </a:r>
                 <a14:m>
@@ -13652,14 +15451,14 @@
                     <m:sSub>
                       <m:sSubPr>
                         <m:ctrlPr>
-                          <a:rPr lang="pt-BR" i="1" smtClean="0">
+                          <a:rPr lang="pt-BR" sz="1600" i="1" smtClean="0">
                             <a:latin typeface="Cambria Math" panose="02040503050406030204" pitchFamily="18" charset="0"/>
                           </a:rPr>
                         </m:ctrlPr>
                       </m:sSubPr>
                       <m:e>
                         <m:r>
-                          <a:rPr lang="pt-BR" b="0" i="1" smtClean="0">
+                          <a:rPr lang="pt-BR" sz="1600" b="0" i="1" smtClean="0">
                             <a:latin typeface="Cambria Math" panose="02040503050406030204" pitchFamily="18" charset="0"/>
                           </a:rPr>
                           <m:t>𝐽</m:t>
@@ -13667,7 +15466,7 @@
                       </m:e>
                       <m:sub>
                         <m:r>
-                          <a:rPr lang="pt-BR" b="0" i="1" smtClean="0">
+                          <a:rPr lang="pt-BR" sz="1600" b="0" i="1" smtClean="0">
                             <a:latin typeface="Cambria Math" panose="02040503050406030204" pitchFamily="18" charset="0"/>
                           </a:rPr>
                           <m:t>𝑙</m:t>
@@ -13677,14 +15476,14 @@
                     <m:d>
                       <m:dPr>
                         <m:ctrlPr>
-                          <a:rPr lang="pt-BR" i="1">
+                          <a:rPr lang="pt-BR" sz="1600" i="1">
                             <a:latin typeface="Cambria Math" panose="02040503050406030204" pitchFamily="18" charset="0"/>
                           </a:rPr>
                         </m:ctrlPr>
                       </m:dPr>
                       <m:e>
                         <m:r>
-                          <a:rPr lang="pt-BR" b="1" i="1">
+                          <a:rPr lang="pt-BR" sz="1600" b="1" i="1">
                             <a:latin typeface="Cambria Math" panose="02040503050406030204" pitchFamily="18" charset="0"/>
                           </a:rPr>
                           <m:t>𝒘</m:t>
@@ -13692,14 +15491,14 @@
                         <m:d>
                           <m:dPr>
                             <m:ctrlPr>
-                              <a:rPr lang="pt-BR" b="1" i="1">
+                              <a:rPr lang="pt-BR" sz="1600" b="1" i="1">
                                 <a:latin typeface="Cambria Math" panose="02040503050406030204" pitchFamily="18" charset="0"/>
                               </a:rPr>
                             </m:ctrlPr>
                           </m:dPr>
                           <m:e>
                             <m:r>
-                              <a:rPr lang="pt-BR" b="0" i="1" smtClean="0">
+                              <a:rPr lang="pt-BR" sz="1600" b="0" i="1" smtClean="0">
                                 <a:latin typeface="Cambria Math" panose="02040503050406030204" pitchFamily="18" charset="0"/>
                               </a:rPr>
                               <m:t>𝑘</m:t>
@@ -13711,13 +15510,13 @@
                   </m:oMath>
                 </a14:m>
                 <a:r>
-                  <a:rPr lang="pt-BR" dirty="0"/>
+                  <a:rPr lang="pt-BR" sz="1600" dirty="0"/>
                   <a:t> e </a:t>
                 </a:r>
                 <a14:m>
                   <m:oMath xmlns:m="http://schemas.openxmlformats.org/officeDocument/2006/math">
                     <m:r>
-                      <a:rPr lang="pt-BR" i="1" smtClean="0">
+                      <a:rPr lang="pt-BR" sz="1600" i="1" smtClean="0">
                         <a:latin typeface="Cambria Math" panose="02040503050406030204" pitchFamily="18" charset="0"/>
                         <a:ea typeface="Cambria Math" panose="02040503050406030204" pitchFamily="18" charset="0"/>
                       </a:rPr>
@@ -13726,14 +15525,14 @@
                     <m:sSub>
                       <m:sSubPr>
                         <m:ctrlPr>
-                          <a:rPr lang="pt-BR" i="1">
+                          <a:rPr lang="pt-BR" sz="1600" i="1">
                             <a:latin typeface="Cambria Math" panose="02040503050406030204" pitchFamily="18" charset="0"/>
                           </a:rPr>
                         </m:ctrlPr>
                       </m:sSubPr>
                       <m:e>
                         <m:r>
-                          <a:rPr lang="pt-BR" i="1">
+                          <a:rPr lang="pt-BR" sz="1600" i="1">
                             <a:latin typeface="Cambria Math" panose="02040503050406030204" pitchFamily="18" charset="0"/>
                           </a:rPr>
                           <m:t>𝐽</m:t>
@@ -13741,7 +15540,7 @@
                       </m:e>
                       <m:sub>
                         <m:r>
-                          <a:rPr lang="pt-BR" b="0" i="1" smtClean="0">
+                          <a:rPr lang="pt-BR" sz="1600" b="0" i="1" smtClean="0">
                             <a:latin typeface="Cambria Math" panose="02040503050406030204" pitchFamily="18" charset="0"/>
                           </a:rPr>
                           <m:t>𝑙</m:t>
@@ -13751,14 +15550,14 @@
                     <m:d>
                       <m:dPr>
                         <m:ctrlPr>
-                          <a:rPr lang="pt-BR" i="1">
+                          <a:rPr lang="pt-BR" sz="1600" i="1">
                             <a:latin typeface="Cambria Math" panose="02040503050406030204" pitchFamily="18" charset="0"/>
                           </a:rPr>
                         </m:ctrlPr>
                       </m:dPr>
                       <m:e>
                         <m:r>
-                          <a:rPr lang="pt-BR" b="1" i="1">
+                          <a:rPr lang="pt-BR" sz="1600" b="1" i="1">
                             <a:latin typeface="Cambria Math" panose="02040503050406030204" pitchFamily="18" charset="0"/>
                           </a:rPr>
                           <m:t>𝒘</m:t>
@@ -13766,14 +15565,14 @@
                         <m:d>
                           <m:dPr>
                             <m:ctrlPr>
-                              <a:rPr lang="pt-BR" b="1" i="1">
+                              <a:rPr lang="pt-BR" sz="1600" b="1" i="1">
                                 <a:latin typeface="Cambria Math" panose="02040503050406030204" pitchFamily="18" charset="0"/>
                               </a:rPr>
                             </m:ctrlPr>
                           </m:dPr>
                           <m:e>
                             <m:r>
-                              <a:rPr lang="pt-BR" b="0" i="1" smtClean="0">
+                              <a:rPr lang="pt-BR" sz="1600" b="0" i="1" smtClean="0">
                                 <a:latin typeface="Cambria Math" panose="02040503050406030204" pitchFamily="18" charset="0"/>
                               </a:rPr>
                               <m:t>𝑘</m:t>
@@ -13785,7 +15584,7 @@
                   </m:oMath>
                 </a14:m>
                 <a:r>
-                  <a:rPr lang="pt-BR" dirty="0"/>
+                  <a:rPr lang="pt-BR" sz="1600" dirty="0"/>
                   <a:t>.</a:t>
                 </a:r>
               </a:p>
@@ -13797,7 +15596,7 @@
                 <a14:m>
                   <m:oMath xmlns:m="http://schemas.openxmlformats.org/officeDocument/2006/math">
                     <m:r>
-                      <a:rPr lang="pt-BR" b="1" i="1">
+                      <a:rPr lang="pt-BR" sz="1600" b="1" i="1">
                         <a:latin typeface="Cambria Math" panose="02040503050406030204" pitchFamily="18" charset="0"/>
                       </a:rPr>
                       <m:t>𝒘</m:t>
@@ -13805,20 +15604,20 @@
                     <m:d>
                       <m:dPr>
                         <m:ctrlPr>
-                          <a:rPr lang="pt-BR" i="1">
+                          <a:rPr lang="pt-BR" sz="1600" i="1">
                             <a:latin typeface="Cambria Math" panose="02040503050406030204" pitchFamily="18" charset="0"/>
                           </a:rPr>
                         </m:ctrlPr>
                       </m:dPr>
                       <m:e>
                         <m:r>
-                          <a:rPr lang="pt-BR" b="0" i="1" smtClean="0">
+                          <a:rPr lang="pt-BR" sz="1600" b="0" i="1" smtClean="0">
                             <a:latin typeface="Cambria Math" panose="02040503050406030204" pitchFamily="18" charset="0"/>
                           </a:rPr>
                           <m:t>𝑘</m:t>
                         </m:r>
                         <m:r>
-                          <a:rPr lang="pt-BR" i="1">
+                          <a:rPr lang="pt-BR" sz="1600" i="1">
                             <a:latin typeface="Cambria Math" panose="02040503050406030204" pitchFamily="18" charset="0"/>
                           </a:rPr>
                           <m:t>+1</m:t>
@@ -13826,13 +15625,13 @@
                       </m:e>
                     </m:d>
                     <m:r>
-                      <a:rPr lang="pt-BR" b="1" i="1">
+                      <a:rPr lang="pt-BR" sz="1600" b="1" i="1">
                         <a:latin typeface="Cambria Math" panose="02040503050406030204" pitchFamily="18" charset="0"/>
                       </a:rPr>
                       <m:t>=</m:t>
                     </m:r>
                     <m:r>
-                      <a:rPr lang="pt-BR" b="1" i="1">
+                      <a:rPr lang="pt-BR" sz="1600" b="1" i="1">
                         <a:latin typeface="Cambria Math" panose="02040503050406030204" pitchFamily="18" charset="0"/>
                       </a:rPr>
                       <m:t>𝒘</m:t>
@@ -13840,14 +15639,14 @@
                     <m:d>
                       <m:dPr>
                         <m:ctrlPr>
-                          <a:rPr lang="pt-BR" b="1" i="1">
+                          <a:rPr lang="pt-BR" sz="1600" b="1" i="1">
                             <a:latin typeface="Cambria Math" panose="02040503050406030204" pitchFamily="18" charset="0"/>
                           </a:rPr>
                         </m:ctrlPr>
                       </m:dPr>
                       <m:e>
                         <m:r>
-                          <a:rPr lang="pt-BR" b="0" i="1" smtClean="0">
+                          <a:rPr lang="pt-BR" sz="1600" b="0" i="1" smtClean="0">
                             <a:latin typeface="Cambria Math" panose="02040503050406030204" pitchFamily="18" charset="0"/>
                           </a:rPr>
                           <m:t>𝑘</m:t>
@@ -13855,7 +15654,7 @@
                       </m:e>
                     </m:d>
                     <m:r>
-                      <a:rPr lang="pt-BR" b="1" i="1">
+                      <a:rPr lang="pt-BR" sz="1600" b="1" i="1">
                         <a:latin typeface="Cambria Math" panose="02040503050406030204" pitchFamily="18" charset="0"/>
                       </a:rPr>
                       <m:t>−</m:t>
@@ -13863,14 +15662,14 @@
                     <m:f>
                       <m:fPr>
                         <m:ctrlPr>
-                          <a:rPr lang="pt-BR" b="1" i="1" smtClean="0">
+                          <a:rPr lang="pt-BR" sz="1600" b="1" i="1" smtClean="0">
                             <a:latin typeface="Cambria Math" panose="02040503050406030204" pitchFamily="18" charset="0"/>
                           </a:rPr>
                         </m:ctrlPr>
                       </m:fPr>
                       <m:num>
                         <m:r>
-                          <a:rPr lang="pt-BR" i="1">
+                          <a:rPr lang="pt-BR" sz="1600" i="1">
                             <a:latin typeface="Cambria Math" panose="02040503050406030204" pitchFamily="18" charset="0"/>
                             <a:ea typeface="Cambria Math" panose="02040503050406030204" pitchFamily="18" charset="0"/>
                           </a:rPr>
@@ -13879,7 +15678,7 @@
                       </m:num>
                       <m:den>
                         <m:r>
-                          <a:rPr lang="pt-BR" b="0" i="1" smtClean="0">
+                          <a:rPr lang="pt-BR" sz="1600" b="0" i="1" smtClean="0">
                             <a:latin typeface="Cambria Math" panose="02040503050406030204" pitchFamily="18" charset="0"/>
                           </a:rPr>
                           <m:t>𝑁</m:t>
@@ -13890,7 +15689,7 @@
                       <m:naryPr>
                         <m:chr m:val="∑"/>
                         <m:ctrlPr>
-                          <a:rPr lang="pt-BR" b="1" i="1" smtClean="0">
+                          <a:rPr lang="pt-BR" sz="1600" b="1" i="1" smtClean="0">
                             <a:latin typeface="Cambria Math" panose="02040503050406030204" pitchFamily="18" charset="0"/>
                           </a:rPr>
                         </m:ctrlPr>
@@ -13900,13 +15699,13 @@
                           <m:rPr>
                             <m:brk m:alnAt="23"/>
                           </m:rPr>
-                          <a:rPr lang="pt-BR" b="0" i="1" smtClean="0">
+                          <a:rPr lang="pt-BR" sz="1600" b="0" i="1" smtClean="0">
                             <a:latin typeface="Cambria Math" panose="02040503050406030204" pitchFamily="18" charset="0"/>
                           </a:rPr>
                           <m:t>𝑙</m:t>
                         </m:r>
                         <m:r>
-                          <a:rPr lang="pt-BR" b="0" i="1" smtClean="0">
+                          <a:rPr lang="pt-BR" sz="1600" b="0" i="1" smtClean="0">
                             <a:latin typeface="Cambria Math" panose="02040503050406030204" pitchFamily="18" charset="0"/>
                           </a:rPr>
                           <m:t>=1</m:t>
@@ -13914,7 +15713,7 @@
                       </m:sub>
                       <m:sup>
                         <m:r>
-                          <a:rPr lang="pt-BR" b="0" i="1" smtClean="0">
+                          <a:rPr lang="pt-BR" sz="1600" b="0" i="1" smtClean="0">
                             <a:latin typeface="Cambria Math" panose="02040503050406030204" pitchFamily="18" charset="0"/>
                           </a:rPr>
                           <m:t>𝑁</m:t>
@@ -13922,7 +15721,7 @@
                       </m:sup>
                       <m:e>
                         <m:r>
-                          <a:rPr lang="pt-BR" i="1">
+                          <a:rPr lang="pt-BR" sz="1600" i="1">
                             <a:latin typeface="Cambria Math" panose="02040503050406030204" pitchFamily="18" charset="0"/>
                             <a:ea typeface="Cambria Math" panose="02040503050406030204" pitchFamily="18" charset="0"/>
                           </a:rPr>
@@ -13931,14 +15730,14 @@
                         <m:sSub>
                           <m:sSubPr>
                             <m:ctrlPr>
-                              <a:rPr lang="pt-BR" i="1">
+                              <a:rPr lang="pt-BR" sz="1600" i="1">
                                 <a:latin typeface="Cambria Math" panose="02040503050406030204" pitchFamily="18" charset="0"/>
                               </a:rPr>
                             </m:ctrlPr>
                           </m:sSubPr>
                           <m:e>
                             <m:r>
-                              <a:rPr lang="pt-BR" i="1">
+                              <a:rPr lang="pt-BR" sz="1600" i="1">
                                 <a:latin typeface="Cambria Math" panose="02040503050406030204" pitchFamily="18" charset="0"/>
                               </a:rPr>
                               <m:t>𝐽</m:t>
@@ -13946,7 +15745,7 @@
                           </m:e>
                           <m:sub>
                             <m:r>
-                              <a:rPr lang="pt-BR" b="0" i="1" smtClean="0">
+                              <a:rPr lang="pt-BR" sz="1600" b="0" i="1" smtClean="0">
                                 <a:latin typeface="Cambria Math" panose="02040503050406030204" pitchFamily="18" charset="0"/>
                               </a:rPr>
                               <m:t>𝑙</m:t>
@@ -13956,14 +15755,14 @@
                         <m:d>
                           <m:dPr>
                             <m:ctrlPr>
-                              <a:rPr lang="pt-BR" i="1">
+                              <a:rPr lang="pt-BR" sz="1600" i="1">
                                 <a:latin typeface="Cambria Math" panose="02040503050406030204" pitchFamily="18" charset="0"/>
                               </a:rPr>
                             </m:ctrlPr>
                           </m:dPr>
                           <m:e>
                             <m:r>
-                              <a:rPr lang="pt-BR" b="1" i="1">
+                              <a:rPr lang="pt-BR" sz="1600" b="1" i="1">
                                 <a:latin typeface="Cambria Math" panose="02040503050406030204" pitchFamily="18" charset="0"/>
                               </a:rPr>
                               <m:t>𝒘</m:t>
@@ -13971,14 +15770,14 @@
                             <m:d>
                               <m:dPr>
                                 <m:ctrlPr>
-                                  <a:rPr lang="pt-BR" b="1" i="1">
+                                  <a:rPr lang="pt-BR" sz="1600" b="1" i="1">
                                     <a:latin typeface="Cambria Math" panose="02040503050406030204" pitchFamily="18" charset="0"/>
                                   </a:rPr>
                                 </m:ctrlPr>
                               </m:dPr>
                               <m:e>
                                 <m:r>
-                                  <a:rPr lang="pt-BR" b="0" i="1" smtClean="0">
+                                  <a:rPr lang="pt-BR" sz="1600" b="0" i="1" smtClean="0">
                                     <a:latin typeface="Cambria Math" panose="02040503050406030204" pitchFamily="18" charset="0"/>
                                   </a:rPr>
                                   <m:t>𝑘</m:t>
@@ -13990,14 +15789,14 @@
                       </m:e>
                     </m:nary>
                     <m:r>
-                      <a:rPr lang="pt-BR" b="0" i="0" smtClean="0">
+                      <a:rPr lang="pt-BR" sz="1600" b="0" i="0" smtClean="0">
                         <a:latin typeface="Cambria Math" panose="02040503050406030204" pitchFamily="18" charset="0"/>
                       </a:rPr>
                       <m:t>.</m:t>
                     </m:r>
                   </m:oMath>
                 </a14:m>
-                <a:endParaRPr lang="pt-BR" b="0" i="0" dirty="0">
+                <a:endParaRPr lang="pt-BR" sz="1600" b="0" i="0" dirty="0">
                   <a:latin typeface="Cambria Math" panose="02040503050406030204" pitchFamily="18" charset="0"/>
                 </a:endParaRPr>
               </a:p>
@@ -14009,25 +15808,25 @@
                 <a14:m>
                   <m:oMath xmlns:m="http://schemas.openxmlformats.org/officeDocument/2006/math">
                     <m:r>
-                      <a:rPr lang="pt-BR" b="0" i="1" smtClean="0">
+                      <a:rPr lang="pt-BR" sz="1600" b="0" i="1" smtClean="0">
                         <a:latin typeface="Cambria Math" panose="02040503050406030204" pitchFamily="18" charset="0"/>
                       </a:rPr>
                       <m:t>𝑘</m:t>
                     </m:r>
                     <m:r>
-                      <a:rPr lang="pt-BR" b="0" i="1" smtClean="0">
+                      <a:rPr lang="pt-BR" sz="1600" b="0" i="1" smtClean="0">
                         <a:latin typeface="Cambria Math" panose="02040503050406030204" pitchFamily="18" charset="0"/>
                       </a:rPr>
                       <m:t>=</m:t>
                     </m:r>
                     <m:r>
-                      <a:rPr lang="pt-BR" b="0" i="1" smtClean="0">
+                      <a:rPr lang="pt-BR" sz="1600" b="0" i="1" smtClean="0">
                         <a:latin typeface="Cambria Math" panose="02040503050406030204" pitchFamily="18" charset="0"/>
                       </a:rPr>
                       <m:t>𝑘</m:t>
                     </m:r>
                     <m:r>
-                      <a:rPr lang="pt-BR" b="0" i="1" smtClean="0">
+                      <a:rPr lang="pt-BR" sz="1600" b="0" i="1" smtClean="0">
                         <a:latin typeface="Cambria Math" panose="02040503050406030204" pitchFamily="18" charset="0"/>
                       </a:rPr>
                       <m:t>+1</m:t>
@@ -14035,7 +15834,7 @@
                   </m:oMath>
                 </a14:m>
                 <a:r>
-                  <a:rPr lang="pt-BR" dirty="0"/>
+                  <a:rPr lang="pt-BR" sz="1600" dirty="0"/>
                   <a:t>.</a:t>
                 </a:r>
               </a:p>
@@ -14045,13 +15844,13 @@
                   <a:buChar char="o"/>
                 </a:pPr>
                 <a:r>
-                  <a:rPr lang="pt-BR" dirty="0"/>
+                  <a:rPr lang="pt-BR" sz="1600" dirty="0"/>
                   <a:t>Calcule </a:t>
                 </a:r>
                 <a14:m>
                   <m:oMath xmlns:m="http://schemas.openxmlformats.org/officeDocument/2006/math">
                     <m:r>
-                      <a:rPr lang="pt-BR" i="1">
+                      <a:rPr lang="pt-BR" sz="1600" i="1">
                         <a:latin typeface="Cambria Math" panose="02040503050406030204" pitchFamily="18" charset="0"/>
                       </a:rPr>
                       <m:t>𝐽</m:t>
@@ -14059,14 +15858,14 @@
                     <m:d>
                       <m:dPr>
                         <m:ctrlPr>
-                          <a:rPr lang="pt-BR" i="1">
+                          <a:rPr lang="pt-BR" sz="1600" i="1">
                             <a:latin typeface="Cambria Math" panose="02040503050406030204" pitchFamily="18" charset="0"/>
                           </a:rPr>
                         </m:ctrlPr>
                       </m:dPr>
                       <m:e>
                         <m:r>
-                          <a:rPr lang="pt-BR" b="1" i="1">
+                          <a:rPr lang="pt-BR" sz="1600" b="1" i="1">
                             <a:latin typeface="Cambria Math" panose="02040503050406030204" pitchFamily="18" charset="0"/>
                           </a:rPr>
                           <m:t>𝒘</m:t>
@@ -14074,14 +15873,14 @@
                         <m:d>
                           <m:dPr>
                             <m:ctrlPr>
-                              <a:rPr lang="pt-BR" b="1" i="1">
+                              <a:rPr lang="pt-BR" sz="1600" b="1" i="1">
                                 <a:latin typeface="Cambria Math" panose="02040503050406030204" pitchFamily="18" charset="0"/>
                               </a:rPr>
                             </m:ctrlPr>
                           </m:dPr>
                           <m:e>
                             <m:r>
-                              <a:rPr lang="pt-BR" b="0" i="1" smtClean="0">
+                              <a:rPr lang="pt-BR" sz="1600" b="0" i="1" smtClean="0">
                                 <a:latin typeface="Cambria Math" panose="02040503050406030204" pitchFamily="18" charset="0"/>
                               </a:rPr>
                               <m:t>𝑘</m:t>
@@ -14093,7 +15892,7 @@
                   </m:oMath>
                 </a14:m>
                 <a:r>
-                  <a:rPr lang="pt-BR" dirty="0"/>
+                  <a:rPr lang="pt-BR" sz="1600" dirty="0"/>
                   <a:t>.</a:t>
                 </a:r>
               </a:p>
@@ -14111,8 +15910,8 @@
             </p:nvSpPr>
             <p:spPr>
               <a:xfrm>
-                <a:off x="1924903" y="3587820"/>
-                <a:ext cx="8670878" cy="2784417"/>
+                <a:off x="1924903" y="4298058"/>
+                <a:ext cx="8670878" cy="2485489"/>
               </a:xfrm>
               <a:prstGeom prst="rect">
                 <a:avLst/>
@@ -14120,7 +15919,7 @@
               <a:blipFill rotWithShape="0">
                 <a:blip r:embed="rId2"/>
                 <a:stretch>
-                  <a:fillRect l="-421" t="-1092" r="-843" b="-1965"/>
+                  <a:fillRect l="-211" t="-488" b="-1463"/>
                 </a:stretch>
               </a:blipFill>
               <a:ln>
@@ -14147,7 +15946,7 @@
     </p:spTree>
     <p:extLst>
       <p:ext uri="{BB962C8B-B14F-4D97-AF65-F5344CB8AC3E}">
-        <p14:creationId xmlns:p14="http://schemas.microsoft.com/office/powerpoint/2010/main" val="100401180"/>
+        <p14:creationId xmlns:p14="http://schemas.microsoft.com/office/powerpoint/2010/main" val="959749034"/>
       </p:ext>
     </p:extLst>
   </p:cSld>
@@ -14187,7 +15986,7 @@
         <p:spPr>
           <a:xfrm>
             <a:off x="838199" y="293685"/>
-            <a:ext cx="11089943" cy="1325563"/>
+            <a:ext cx="10871579" cy="1325563"/>
           </a:xfrm>
         </p:spPr>
         <p:txBody>
@@ -14198,15 +15997,11 @@
           <a:p>
             <a:r>
               <a:rPr lang="pt-BR" dirty="0"/>
-              <a:t>Algumas visões práticas de algoritmos de aprendizado - </a:t>
-            </a:r>
-            <a:r>
-              <a:rPr lang="pt-BR" b="1" dirty="0" smtClean="0"/>
-              <a:t>Versões </a:t>
-            </a:r>
-            <a:r>
-              <a:rPr lang="pt-BR" b="1" dirty="0"/>
-              <a:t>Online, Batch e Minibatch</a:t>
+              <a:t>Algumas visões práticas de algoritmos de </a:t>
+            </a:r>
+            <a:r>
+              <a:rPr lang="pt-BR" dirty="0" smtClean="0"/>
+              <a:t>aprendizado</a:t>
             </a:r>
             <a:endParaRPr lang="pt-BR" dirty="0"/>
           </a:p>
@@ -14225,7 +16020,7 @@
         <p:spPr>
           <a:xfrm>
             <a:off x="838199" y="1725608"/>
-            <a:ext cx="11089943" cy="2360613"/>
+            <a:ext cx="11089943" cy="2602957"/>
           </a:xfrm>
         </p:spPr>
         <p:txBody>
@@ -14234,9 +16029,27 @@
           </a:bodyPr>
           <a:lstStyle/>
           <a:p>
+            <a:pPr marL="0" indent="0">
+              <a:buNone/>
+            </a:pPr>
+            <a:r>
+              <a:rPr lang="pt-BR" b="1" dirty="0"/>
+              <a:t>Versões Online, Batch e </a:t>
+            </a:r>
+            <a:r>
+              <a:rPr lang="pt-BR" b="1" dirty="0" smtClean="0"/>
+              <a:t>Minibatch</a:t>
+            </a:r>
+            <a:endParaRPr lang="pt-BR" dirty="0" smtClean="0"/>
+          </a:p>
+          <a:p>
+            <a:r>
+              <a:rPr lang="pt-BR" dirty="0" smtClean="0"/>
+              <a:t>Nas </a:t>
+            </a:r>
             <a:r>
               <a:rPr lang="pt-BR" dirty="0"/>
-              <a:t>Nas modernas </a:t>
+              <a:t>modernas </a:t>
             </a:r>
             <a:r>
               <a:rPr lang="pt-BR" b="1" i="1" dirty="0"/>
@@ -14252,23 +16065,7 @@
             </a:r>
             <a:r>
               <a:rPr lang="pt-BR" dirty="0"/>
-              <a:t>), usadas com muita frequência em problemas com </a:t>
-            </a:r>
-            <a:r>
-              <a:rPr lang="pt-BR" dirty="0" smtClean="0"/>
-              <a:t>conjuntos </a:t>
-            </a:r>
-            <a:r>
-              <a:rPr lang="pt-BR" dirty="0"/>
-              <a:t>de dados </a:t>
-            </a:r>
-            <a:r>
-              <a:rPr lang="pt-BR" dirty="0" smtClean="0"/>
-              <a:t>enormes, </a:t>
-            </a:r>
-            <a:r>
-              <a:rPr lang="pt-BR" dirty="0"/>
-              <a:t>a regra é adotar o caminho do meio, usando a abordagem com </a:t>
+              <a:t>), usadas com muita frequência em problemas com enormes conjuntos de dados, a regra é adotar o caminho do meio, usando a abordagem com </a:t>
             </a:r>
             <a:r>
               <a:rPr lang="pt-BR" b="1" i="1" dirty="0"/>
@@ -14335,8 +16132,8 @@
             </p:nvSpPr>
             <p:spPr>
               <a:xfrm>
-                <a:off x="1152722" y="3982325"/>
-                <a:ext cx="10557055" cy="2785763"/>
+                <a:off x="1152722" y="4301931"/>
+                <a:ext cx="10775420" cy="2486643"/>
               </a:xfrm>
               <a:prstGeom prst="rect">
                 <a:avLst/>
@@ -14359,13 +16156,13 @@
                   <a:buChar char="Ø"/>
                 </a:pPr>
                 <a:r>
-                  <a:rPr lang="pt-BR" dirty="0" smtClean="0"/>
+                  <a:rPr lang="pt-BR" sz="1600" dirty="0" smtClean="0"/>
                   <a:t>Defina valores iniciais para o vetor de pesos </a:t>
                 </a:r>
                 <a14:m>
                   <m:oMath xmlns:m="http://schemas.openxmlformats.org/officeDocument/2006/math">
                     <m:r>
-                      <a:rPr lang="pt-BR" b="1" i="1">
+                      <a:rPr lang="pt-BR" sz="1600" b="1" i="1">
                         <a:latin typeface="Cambria Math" panose="02040503050406030204" pitchFamily="18" charset="0"/>
                       </a:rPr>
                       <m:t>𝒘</m:t>
@@ -14373,13 +16170,13 @@
                   </m:oMath>
                 </a14:m>
                 <a:r>
-                  <a:rPr lang="pt-BR" dirty="0"/>
+                  <a:rPr lang="pt-BR" sz="1600" dirty="0"/>
                   <a:t> e um passo de aprendizagem </a:t>
                 </a:r>
                 <a14:m>
                   <m:oMath xmlns:m="http://schemas.openxmlformats.org/officeDocument/2006/math">
                     <m:r>
-                      <a:rPr lang="pt-BR" i="1">
+                      <a:rPr lang="pt-BR" sz="1600" i="1">
                         <a:latin typeface="Cambria Math" panose="02040503050406030204" pitchFamily="18" charset="0"/>
                         <a:ea typeface="Cambria Math" panose="02040503050406030204" pitchFamily="18" charset="0"/>
                       </a:rPr>
@@ -14388,7 +16185,7 @@
                   </m:oMath>
                 </a14:m>
                 <a:r>
-                  <a:rPr lang="pt-BR" dirty="0"/>
+                  <a:rPr lang="pt-BR" sz="1600" dirty="0"/>
                   <a:t> pequeno. </a:t>
                 </a:r>
               </a:p>
@@ -14398,19 +16195,19 @@
                   <a:buChar char="Ø"/>
                 </a:pPr>
                 <a:r>
-                  <a:rPr lang="pt-BR" dirty="0"/>
+                  <a:rPr lang="pt-BR" sz="1600" dirty="0"/>
                   <a:t>Faça </a:t>
                 </a:r>
                 <a14:m>
                   <m:oMath xmlns:m="http://schemas.openxmlformats.org/officeDocument/2006/math">
                     <m:r>
-                      <a:rPr lang="pt-BR" b="0" i="1" smtClean="0">
+                      <a:rPr lang="pt-BR" sz="1600" b="0" i="1" smtClean="0">
                         <a:latin typeface="Cambria Math" panose="02040503050406030204" pitchFamily="18" charset="0"/>
                       </a:rPr>
                       <m:t>𝑘</m:t>
                     </m:r>
                     <m:r>
-                      <a:rPr lang="pt-BR" b="0" i="1" smtClean="0">
+                      <a:rPr lang="pt-BR" sz="1600" b="0" i="1" smtClean="0">
                         <a:latin typeface="Cambria Math" panose="02040503050406030204" pitchFamily="18" charset="0"/>
                       </a:rPr>
                       <m:t>=0</m:t>
@@ -14418,13 +16215,13 @@
                   </m:oMath>
                 </a14:m>
                 <a:r>
-                  <a:rPr lang="pt-BR" dirty="0"/>
+                  <a:rPr lang="pt-BR" sz="1600" dirty="0"/>
                   <a:t> e calcule </a:t>
                 </a:r>
                 <a14:m>
                   <m:oMath xmlns:m="http://schemas.openxmlformats.org/officeDocument/2006/math">
                     <m:r>
-                      <a:rPr lang="pt-BR" b="0" i="1" smtClean="0">
+                      <a:rPr lang="pt-BR" sz="1600" b="0" i="1" smtClean="0">
                         <a:latin typeface="Cambria Math" panose="02040503050406030204" pitchFamily="18" charset="0"/>
                       </a:rPr>
                       <m:t>𝐽</m:t>
@@ -14432,14 +16229,14 @@
                     <m:d>
                       <m:dPr>
                         <m:ctrlPr>
-                          <a:rPr lang="pt-BR" b="0" i="1" smtClean="0">
+                          <a:rPr lang="pt-BR" sz="1600" b="0" i="1" smtClean="0">
                             <a:latin typeface="Cambria Math" panose="02040503050406030204" pitchFamily="18" charset="0"/>
                           </a:rPr>
                         </m:ctrlPr>
                       </m:dPr>
                       <m:e>
                         <m:r>
-                          <a:rPr lang="pt-BR" b="1" i="1">
+                          <a:rPr lang="pt-BR" sz="1600" b="1" i="1">
                             <a:latin typeface="Cambria Math" panose="02040503050406030204" pitchFamily="18" charset="0"/>
                           </a:rPr>
                           <m:t>𝒘</m:t>
@@ -14447,14 +16244,14 @@
                         <m:d>
                           <m:dPr>
                             <m:ctrlPr>
-                              <a:rPr lang="pt-BR" b="1" i="1" smtClean="0">
+                              <a:rPr lang="pt-BR" sz="1600" b="1" i="1" smtClean="0">
                                 <a:latin typeface="Cambria Math" panose="02040503050406030204" pitchFamily="18" charset="0"/>
                               </a:rPr>
                             </m:ctrlPr>
                           </m:dPr>
                           <m:e>
                             <m:r>
-                              <a:rPr lang="pt-BR" b="0" i="1" smtClean="0">
+                              <a:rPr lang="pt-BR" sz="1600" b="0" i="1" smtClean="0">
                                 <a:latin typeface="Cambria Math" panose="02040503050406030204" pitchFamily="18" charset="0"/>
                               </a:rPr>
                               <m:t>𝑘</m:t>
@@ -14466,7 +16263,7 @@
                   </m:oMath>
                 </a14:m>
                 <a:r>
-                  <a:rPr lang="pt-BR" dirty="0"/>
+                  <a:rPr lang="pt-BR" sz="1600" dirty="0"/>
                   <a:t>.</a:t>
                 </a:r>
               </a:p>
@@ -14476,7 +16273,7 @@
                   <a:buChar char="Ø"/>
                 </a:pPr>
                 <a:r>
-                  <a:rPr lang="pt-BR" dirty="0"/>
+                  <a:rPr lang="pt-BR" sz="1600" dirty="0"/>
                   <a:t>Enquanto o critério de parada não for atendido, faça: </a:t>
                 </a:r>
               </a:p>
@@ -14486,13 +16283,13 @@
                   <a:buChar char="o"/>
                 </a:pPr>
                 <a:r>
-                  <a:rPr lang="pt-BR" dirty="0"/>
+                  <a:rPr lang="pt-BR" sz="1600" dirty="0"/>
                   <a:t>Para </a:t>
                 </a:r>
                 <a14:m>
                   <m:oMath xmlns:m="http://schemas.openxmlformats.org/officeDocument/2006/math">
                     <m:r>
-                      <a:rPr lang="pt-BR" b="0" i="1" smtClean="0">
+                      <a:rPr lang="pt-BR" sz="1600" b="0" i="1" smtClean="0">
                         <a:latin typeface="Cambria Math" panose="02040503050406030204" pitchFamily="18" charset="0"/>
                       </a:rPr>
                       <m:t>𝑙</m:t>
@@ -14500,13 +16297,13 @@
                   </m:oMath>
                 </a14:m>
                 <a:r>
-                  <a:rPr lang="pt-BR" dirty="0"/>
+                  <a:rPr lang="pt-BR" sz="1600" dirty="0"/>
                   <a:t> variando de 1 até </a:t>
                 </a:r>
                 <a14:m>
                   <m:oMath xmlns:m="http://schemas.openxmlformats.org/officeDocument/2006/math">
                     <m:r>
-                      <a:rPr lang="pt-BR" b="0" i="1" smtClean="0">
+                      <a:rPr lang="pt-BR" sz="1600" b="0" i="1" smtClean="0">
                         <a:latin typeface="Cambria Math" panose="02040503050406030204" pitchFamily="18" charset="0"/>
                       </a:rPr>
                       <m:t>𝑚</m:t>
@@ -14514,7 +16311,7 @@
                   </m:oMath>
                 </a14:m>
                 <a:r>
-                  <a:rPr lang="pt-BR" dirty="0"/>
+                  <a:rPr lang="pt-BR" sz="1600" dirty="0"/>
                   <a:t>, faça: </a:t>
                 </a:r>
               </a:p>
@@ -14524,19 +16321,19 @@
                   <a:buChar char="§"/>
                 </a:pPr>
                 <a:r>
-                  <a:rPr lang="pt-BR" dirty="0"/>
+                  <a:rPr lang="pt-BR" sz="1600" dirty="0"/>
                   <a:t>Apresente o exemplo </a:t>
                 </a:r>
                 <a14:m>
                   <m:oMath xmlns:m="http://schemas.openxmlformats.org/officeDocument/2006/math">
                     <m:r>
-                      <a:rPr lang="pt-BR" i="1">
+                      <a:rPr lang="pt-BR" sz="1600" i="1">
                         <a:latin typeface="Cambria Math" panose="02040503050406030204" pitchFamily="18" charset="0"/>
                       </a:rPr>
                       <m:t>𝑙</m:t>
                     </m:r>
                     <m:r>
-                      <a:rPr lang="pt-BR" i="1">
+                      <a:rPr lang="pt-BR" sz="1600" i="1">
                         <a:latin typeface="Cambria Math" panose="02040503050406030204" pitchFamily="18" charset="0"/>
                       </a:rPr>
                       <m:t> </m:t>
@@ -14544,23 +16341,23 @@
                   </m:oMath>
                 </a14:m>
                 <a:r>
-                  <a:rPr lang="pt-BR" dirty="0"/>
+                  <a:rPr lang="pt-BR" sz="1600" dirty="0"/>
                   <a:t>de entrada, amostrado </a:t>
                 </a:r>
                 <a:r>
-                  <a:rPr lang="pt-BR" dirty="0" smtClean="0"/>
-                  <a:t>aleatóriamente para </a:t>
-                </a:r>
-                <a:r>
-                  <a:rPr lang="pt-BR" dirty="0"/>
+                  <a:rPr lang="pt-BR" sz="1600" dirty="0" smtClean="0"/>
+                  <a:t>aleatóriamente sem reposição para </a:t>
+                </a:r>
+                <a:r>
+                  <a:rPr lang="pt-BR" sz="1600" dirty="0"/>
                   <a:t>compor um </a:t>
                 </a:r>
                 <a:r>
-                  <a:rPr lang="pt-BR" b="1" i="1" dirty="0"/>
+                  <a:rPr lang="pt-BR" sz="1600" b="1" i="1" dirty="0"/>
                   <a:t>minibatch</a:t>
                 </a:r>
                 <a:r>
-                  <a:rPr lang="pt-BR" dirty="0"/>
+                  <a:rPr lang="pt-BR" sz="1600" dirty="0"/>
                   <a:t>, à rede.</a:t>
                 </a:r>
               </a:p>
@@ -14570,7 +16367,7 @@
                   <a:buChar char="§"/>
                 </a:pPr>
                 <a:r>
-                  <a:rPr lang="pt-BR" dirty="0"/>
+                  <a:rPr lang="pt-BR" sz="1600" dirty="0"/>
                   <a:t>Calcule </a:t>
                 </a:r>
                 <a14:m>
@@ -14578,14 +16375,14 @@
                     <m:sSub>
                       <m:sSubPr>
                         <m:ctrlPr>
-                          <a:rPr lang="pt-BR" i="1" smtClean="0">
+                          <a:rPr lang="pt-BR" sz="1600" i="1" smtClean="0">
                             <a:latin typeface="Cambria Math" panose="02040503050406030204" pitchFamily="18" charset="0"/>
                           </a:rPr>
                         </m:ctrlPr>
                       </m:sSubPr>
                       <m:e>
                         <m:r>
-                          <a:rPr lang="pt-BR" b="0" i="1" smtClean="0">
+                          <a:rPr lang="pt-BR" sz="1600" b="0" i="1" smtClean="0">
                             <a:latin typeface="Cambria Math" panose="02040503050406030204" pitchFamily="18" charset="0"/>
                           </a:rPr>
                           <m:t>𝐽</m:t>
@@ -14593,7 +16390,7 @@
                       </m:e>
                       <m:sub>
                         <m:r>
-                          <a:rPr lang="pt-BR" b="0" i="1" smtClean="0">
+                          <a:rPr lang="pt-BR" sz="1600" b="0" i="1" smtClean="0">
                             <a:latin typeface="Cambria Math" panose="02040503050406030204" pitchFamily="18" charset="0"/>
                           </a:rPr>
                           <m:t>𝑙</m:t>
@@ -14603,14 +16400,14 @@
                     <m:d>
                       <m:dPr>
                         <m:ctrlPr>
-                          <a:rPr lang="pt-BR" i="1">
+                          <a:rPr lang="pt-BR" sz="1600" i="1">
                             <a:latin typeface="Cambria Math" panose="02040503050406030204" pitchFamily="18" charset="0"/>
                           </a:rPr>
                         </m:ctrlPr>
                       </m:dPr>
                       <m:e>
                         <m:r>
-                          <a:rPr lang="pt-BR" b="1" i="1">
+                          <a:rPr lang="pt-BR" sz="1600" b="1" i="1">
                             <a:latin typeface="Cambria Math" panose="02040503050406030204" pitchFamily="18" charset="0"/>
                           </a:rPr>
                           <m:t>𝒘</m:t>
@@ -14618,14 +16415,14 @@
                         <m:d>
                           <m:dPr>
                             <m:ctrlPr>
-                              <a:rPr lang="pt-BR" b="1" i="1">
+                              <a:rPr lang="pt-BR" sz="1600" b="1" i="1">
                                 <a:latin typeface="Cambria Math" panose="02040503050406030204" pitchFamily="18" charset="0"/>
                               </a:rPr>
                             </m:ctrlPr>
                           </m:dPr>
                           <m:e>
                             <m:r>
-                              <a:rPr lang="pt-BR" b="0" i="1" smtClean="0">
+                              <a:rPr lang="pt-BR" sz="1600" b="0" i="1" smtClean="0">
                                 <a:latin typeface="Cambria Math" panose="02040503050406030204" pitchFamily="18" charset="0"/>
                               </a:rPr>
                               <m:t>𝑘</m:t>
@@ -14637,13 +16434,13 @@
                   </m:oMath>
                 </a14:m>
                 <a:r>
-                  <a:rPr lang="pt-BR" dirty="0"/>
+                  <a:rPr lang="pt-BR" sz="1600" dirty="0"/>
                   <a:t> e </a:t>
                 </a:r>
                 <a14:m>
                   <m:oMath xmlns:m="http://schemas.openxmlformats.org/officeDocument/2006/math">
                     <m:r>
-                      <a:rPr lang="pt-BR" i="1" smtClean="0">
+                      <a:rPr lang="pt-BR" sz="1600" i="1" smtClean="0">
                         <a:latin typeface="Cambria Math" panose="02040503050406030204" pitchFamily="18" charset="0"/>
                         <a:ea typeface="Cambria Math" panose="02040503050406030204" pitchFamily="18" charset="0"/>
                       </a:rPr>
@@ -14652,14 +16449,14 @@
                     <m:sSub>
                       <m:sSubPr>
                         <m:ctrlPr>
-                          <a:rPr lang="pt-BR" i="1">
+                          <a:rPr lang="pt-BR" sz="1600" i="1">
                             <a:latin typeface="Cambria Math" panose="02040503050406030204" pitchFamily="18" charset="0"/>
                           </a:rPr>
                         </m:ctrlPr>
                       </m:sSubPr>
                       <m:e>
                         <m:r>
-                          <a:rPr lang="pt-BR" i="1">
+                          <a:rPr lang="pt-BR" sz="1600" i="1">
                             <a:latin typeface="Cambria Math" panose="02040503050406030204" pitchFamily="18" charset="0"/>
                           </a:rPr>
                           <m:t>𝐽</m:t>
@@ -14667,7 +16464,7 @@
                       </m:e>
                       <m:sub>
                         <m:r>
-                          <a:rPr lang="pt-BR" b="0" i="1" smtClean="0">
+                          <a:rPr lang="pt-BR" sz="1600" b="0" i="1" smtClean="0">
                             <a:latin typeface="Cambria Math" panose="02040503050406030204" pitchFamily="18" charset="0"/>
                           </a:rPr>
                           <m:t>𝑙</m:t>
@@ -14677,14 +16474,14 @@
                     <m:d>
                       <m:dPr>
                         <m:ctrlPr>
-                          <a:rPr lang="pt-BR" i="1">
+                          <a:rPr lang="pt-BR" sz="1600" i="1">
                             <a:latin typeface="Cambria Math" panose="02040503050406030204" pitchFamily="18" charset="0"/>
                           </a:rPr>
                         </m:ctrlPr>
                       </m:dPr>
                       <m:e>
                         <m:r>
-                          <a:rPr lang="pt-BR" b="1" i="1">
+                          <a:rPr lang="pt-BR" sz="1600" b="1" i="1">
                             <a:latin typeface="Cambria Math" panose="02040503050406030204" pitchFamily="18" charset="0"/>
                           </a:rPr>
                           <m:t>𝒘</m:t>
@@ -14692,14 +16489,14 @@
                         <m:d>
                           <m:dPr>
                             <m:ctrlPr>
-                              <a:rPr lang="pt-BR" b="1" i="1">
+                              <a:rPr lang="pt-BR" sz="1600" b="1" i="1">
                                 <a:latin typeface="Cambria Math" panose="02040503050406030204" pitchFamily="18" charset="0"/>
                               </a:rPr>
                             </m:ctrlPr>
                           </m:dPr>
                           <m:e>
                             <m:r>
-                              <a:rPr lang="pt-BR" b="0" i="1" smtClean="0">
+                              <a:rPr lang="pt-BR" sz="1600" b="0" i="1" smtClean="0">
                                 <a:latin typeface="Cambria Math" panose="02040503050406030204" pitchFamily="18" charset="0"/>
                               </a:rPr>
                               <m:t>𝑘</m:t>
@@ -14711,7 +16508,7 @@
                   </m:oMath>
                 </a14:m>
                 <a:r>
-                  <a:rPr lang="pt-BR" dirty="0"/>
+                  <a:rPr lang="pt-BR" sz="1600" dirty="0"/>
                   <a:t>.</a:t>
                 </a:r>
               </a:p>
@@ -14723,7 +16520,7 @@
                 <a14:m>
                   <m:oMath xmlns:m="http://schemas.openxmlformats.org/officeDocument/2006/math">
                     <m:r>
-                      <a:rPr lang="pt-BR" b="1" i="1">
+                      <a:rPr lang="pt-BR" sz="1600" b="1" i="1">
                         <a:latin typeface="Cambria Math" panose="02040503050406030204" pitchFamily="18" charset="0"/>
                       </a:rPr>
                       <m:t>𝒘</m:t>
@@ -14731,20 +16528,20 @@
                     <m:d>
                       <m:dPr>
                         <m:ctrlPr>
-                          <a:rPr lang="pt-BR" i="1">
+                          <a:rPr lang="pt-BR" sz="1600" i="1">
                             <a:latin typeface="Cambria Math" panose="02040503050406030204" pitchFamily="18" charset="0"/>
                           </a:rPr>
                         </m:ctrlPr>
                       </m:dPr>
                       <m:e>
                         <m:r>
-                          <a:rPr lang="pt-BR" b="0" i="1" smtClean="0">
+                          <a:rPr lang="pt-BR" sz="1600" b="0" i="1" smtClean="0">
                             <a:latin typeface="Cambria Math" panose="02040503050406030204" pitchFamily="18" charset="0"/>
                           </a:rPr>
                           <m:t>𝑘</m:t>
                         </m:r>
                         <m:r>
-                          <a:rPr lang="pt-BR" i="1">
+                          <a:rPr lang="pt-BR" sz="1600" i="1">
                             <a:latin typeface="Cambria Math" panose="02040503050406030204" pitchFamily="18" charset="0"/>
                           </a:rPr>
                           <m:t>+1</m:t>
@@ -14752,13 +16549,13 @@
                       </m:e>
                     </m:d>
                     <m:r>
-                      <a:rPr lang="pt-BR" b="1" i="1">
+                      <a:rPr lang="pt-BR" sz="1600" b="1" i="1">
                         <a:latin typeface="Cambria Math" panose="02040503050406030204" pitchFamily="18" charset="0"/>
                       </a:rPr>
                       <m:t>=</m:t>
                     </m:r>
                     <m:r>
-                      <a:rPr lang="pt-BR" b="1" i="1">
+                      <a:rPr lang="pt-BR" sz="1600" b="1" i="1">
                         <a:latin typeface="Cambria Math" panose="02040503050406030204" pitchFamily="18" charset="0"/>
                       </a:rPr>
                       <m:t>𝒘</m:t>
@@ -14766,14 +16563,14 @@
                     <m:d>
                       <m:dPr>
                         <m:ctrlPr>
-                          <a:rPr lang="pt-BR" b="1" i="1">
+                          <a:rPr lang="pt-BR" sz="1600" b="1" i="1">
                             <a:latin typeface="Cambria Math" panose="02040503050406030204" pitchFamily="18" charset="0"/>
                           </a:rPr>
                         </m:ctrlPr>
                       </m:dPr>
                       <m:e>
                         <m:r>
-                          <a:rPr lang="pt-BR" b="0" i="1" smtClean="0">
+                          <a:rPr lang="pt-BR" sz="1600" b="0" i="1" smtClean="0">
                             <a:latin typeface="Cambria Math" panose="02040503050406030204" pitchFamily="18" charset="0"/>
                           </a:rPr>
                           <m:t>𝑘</m:t>
@@ -14781,7 +16578,7 @@
                       </m:e>
                     </m:d>
                     <m:r>
-                      <a:rPr lang="pt-BR" b="1" i="1">
+                      <a:rPr lang="pt-BR" sz="1600" b="1" i="1">
                         <a:latin typeface="Cambria Math" panose="02040503050406030204" pitchFamily="18" charset="0"/>
                       </a:rPr>
                       <m:t>−</m:t>
@@ -14789,14 +16586,14 @@
                     <m:f>
                       <m:fPr>
                         <m:ctrlPr>
-                          <a:rPr lang="pt-BR" b="1" i="1" smtClean="0">
+                          <a:rPr lang="pt-BR" sz="1600" b="1" i="1" smtClean="0">
                             <a:latin typeface="Cambria Math" panose="02040503050406030204" pitchFamily="18" charset="0"/>
                           </a:rPr>
                         </m:ctrlPr>
                       </m:fPr>
                       <m:num>
                         <m:r>
-                          <a:rPr lang="pt-BR" i="1">
+                          <a:rPr lang="pt-BR" sz="1600" i="1">
                             <a:latin typeface="Cambria Math" panose="02040503050406030204" pitchFamily="18" charset="0"/>
                             <a:ea typeface="Cambria Math" panose="02040503050406030204" pitchFamily="18" charset="0"/>
                           </a:rPr>
@@ -14805,7 +16602,7 @@
                       </m:num>
                       <m:den>
                         <m:r>
-                          <a:rPr lang="pt-BR" b="1" i="1" smtClean="0">
+                          <a:rPr lang="pt-BR" sz="1600" b="1" i="1" smtClean="0">
                             <a:latin typeface="Cambria Math" panose="02040503050406030204" pitchFamily="18" charset="0"/>
                           </a:rPr>
                           <m:t>𝒎</m:t>
@@ -14816,7 +16613,7 @@
                       <m:naryPr>
                         <m:chr m:val="∑"/>
                         <m:ctrlPr>
-                          <a:rPr lang="pt-BR" b="1" i="1" smtClean="0">
+                          <a:rPr lang="pt-BR" sz="1600" b="1" i="1" smtClean="0">
                             <a:latin typeface="Cambria Math" panose="02040503050406030204" pitchFamily="18" charset="0"/>
                           </a:rPr>
                         </m:ctrlPr>
@@ -14826,13 +16623,13 @@
                           <m:rPr>
                             <m:brk m:alnAt="23"/>
                           </m:rPr>
-                          <a:rPr lang="pt-BR" b="0" i="1" smtClean="0">
+                          <a:rPr lang="pt-BR" sz="1600" b="0" i="1" smtClean="0">
                             <a:latin typeface="Cambria Math" panose="02040503050406030204" pitchFamily="18" charset="0"/>
                           </a:rPr>
                           <m:t>𝑙</m:t>
                         </m:r>
                         <m:r>
-                          <a:rPr lang="pt-BR" b="0" i="1" smtClean="0">
+                          <a:rPr lang="pt-BR" sz="1600" b="0" i="1" smtClean="0">
                             <a:latin typeface="Cambria Math" panose="02040503050406030204" pitchFamily="18" charset="0"/>
                           </a:rPr>
                           <m:t>=1</m:t>
@@ -14840,7 +16637,7 @@
                       </m:sub>
                       <m:sup>
                         <m:r>
-                          <a:rPr lang="pt-BR" b="1" i="1" smtClean="0">
+                          <a:rPr lang="pt-BR" sz="1600" b="1" i="1" smtClean="0">
                             <a:latin typeface="Cambria Math" panose="02040503050406030204" pitchFamily="18" charset="0"/>
                           </a:rPr>
                           <m:t>𝒎</m:t>
@@ -14848,7 +16645,7 @@
                       </m:sup>
                       <m:e>
                         <m:r>
-                          <a:rPr lang="pt-BR" i="1">
+                          <a:rPr lang="pt-BR" sz="1600" i="1">
                             <a:latin typeface="Cambria Math" panose="02040503050406030204" pitchFamily="18" charset="0"/>
                             <a:ea typeface="Cambria Math" panose="02040503050406030204" pitchFamily="18" charset="0"/>
                           </a:rPr>
@@ -14857,14 +16654,14 @@
                         <m:sSub>
                           <m:sSubPr>
                             <m:ctrlPr>
-                              <a:rPr lang="pt-BR" i="1">
+                              <a:rPr lang="pt-BR" sz="1600" i="1">
                                 <a:latin typeface="Cambria Math" panose="02040503050406030204" pitchFamily="18" charset="0"/>
                               </a:rPr>
                             </m:ctrlPr>
                           </m:sSubPr>
                           <m:e>
                             <m:r>
-                              <a:rPr lang="pt-BR" i="1">
+                              <a:rPr lang="pt-BR" sz="1600" i="1">
                                 <a:latin typeface="Cambria Math" panose="02040503050406030204" pitchFamily="18" charset="0"/>
                               </a:rPr>
                               <m:t>𝐽</m:t>
@@ -14872,7 +16669,7 @@
                           </m:e>
                           <m:sub>
                             <m:r>
-                              <a:rPr lang="pt-BR" b="0" i="1" smtClean="0">
+                              <a:rPr lang="pt-BR" sz="1600" b="0" i="1" smtClean="0">
                                 <a:latin typeface="Cambria Math" panose="02040503050406030204" pitchFamily="18" charset="0"/>
                               </a:rPr>
                               <m:t>𝑙</m:t>
@@ -14882,14 +16679,14 @@
                         <m:d>
                           <m:dPr>
                             <m:ctrlPr>
-                              <a:rPr lang="pt-BR" i="1">
+                              <a:rPr lang="pt-BR" sz="1600" i="1">
                                 <a:latin typeface="Cambria Math" panose="02040503050406030204" pitchFamily="18" charset="0"/>
                               </a:rPr>
                             </m:ctrlPr>
                           </m:dPr>
                           <m:e>
                             <m:r>
-                              <a:rPr lang="pt-BR" b="1" i="1">
+                              <a:rPr lang="pt-BR" sz="1600" b="1" i="1">
                                 <a:latin typeface="Cambria Math" panose="02040503050406030204" pitchFamily="18" charset="0"/>
                               </a:rPr>
                               <m:t>𝒘</m:t>
@@ -14897,14 +16694,14 @@
                             <m:d>
                               <m:dPr>
                                 <m:ctrlPr>
-                                  <a:rPr lang="pt-BR" b="1" i="1">
+                                  <a:rPr lang="pt-BR" sz="1600" b="1" i="1">
                                     <a:latin typeface="Cambria Math" panose="02040503050406030204" pitchFamily="18" charset="0"/>
                                   </a:rPr>
                                 </m:ctrlPr>
                               </m:dPr>
                               <m:e>
                                 <m:r>
-                                  <a:rPr lang="pt-BR" b="0" i="1" smtClean="0">
+                                  <a:rPr lang="pt-BR" sz="1600" b="0" i="1" smtClean="0">
                                     <a:latin typeface="Cambria Math" panose="02040503050406030204" pitchFamily="18" charset="0"/>
                                   </a:rPr>
                                   <m:t>𝑘</m:t>
@@ -14916,14 +16713,14 @@
                       </m:e>
                     </m:nary>
                     <m:r>
-                      <a:rPr lang="pt-BR" b="0" i="0" smtClean="0">
+                      <a:rPr lang="pt-BR" sz="1600" b="0" i="0" smtClean="0">
                         <a:latin typeface="Cambria Math" panose="02040503050406030204" pitchFamily="18" charset="0"/>
                       </a:rPr>
                       <m:t>.</m:t>
                     </m:r>
                   </m:oMath>
                 </a14:m>
-                <a:endParaRPr lang="pt-BR" b="0" i="0" dirty="0">
+                <a:endParaRPr lang="pt-BR" sz="1600" b="0" i="0" dirty="0">
                   <a:latin typeface="Cambria Math" panose="02040503050406030204" pitchFamily="18" charset="0"/>
                 </a:endParaRPr>
               </a:p>
@@ -14935,25 +16732,25 @@
                 <a14:m>
                   <m:oMath xmlns:m="http://schemas.openxmlformats.org/officeDocument/2006/math">
                     <m:r>
-                      <a:rPr lang="pt-BR" b="0" i="1" smtClean="0">
+                      <a:rPr lang="pt-BR" sz="1600" b="0" i="1" smtClean="0">
                         <a:latin typeface="Cambria Math" panose="02040503050406030204" pitchFamily="18" charset="0"/>
                       </a:rPr>
                       <m:t>𝑘</m:t>
                     </m:r>
                     <m:r>
-                      <a:rPr lang="pt-BR" b="0" i="1" smtClean="0">
+                      <a:rPr lang="pt-BR" sz="1600" b="0" i="1" smtClean="0">
                         <a:latin typeface="Cambria Math" panose="02040503050406030204" pitchFamily="18" charset="0"/>
                       </a:rPr>
                       <m:t>=</m:t>
                     </m:r>
                     <m:r>
-                      <a:rPr lang="pt-BR" b="0" i="1" smtClean="0">
+                      <a:rPr lang="pt-BR" sz="1600" b="0" i="1" smtClean="0">
                         <a:latin typeface="Cambria Math" panose="02040503050406030204" pitchFamily="18" charset="0"/>
                       </a:rPr>
                       <m:t>𝑘</m:t>
                     </m:r>
                     <m:r>
-                      <a:rPr lang="pt-BR" b="0" i="1" smtClean="0">
+                      <a:rPr lang="pt-BR" sz="1600" b="0" i="1" smtClean="0">
                         <a:latin typeface="Cambria Math" panose="02040503050406030204" pitchFamily="18" charset="0"/>
                       </a:rPr>
                       <m:t>+1</m:t>
@@ -14961,7 +16758,7 @@
                   </m:oMath>
                 </a14:m>
                 <a:r>
-                  <a:rPr lang="pt-BR" dirty="0"/>
+                  <a:rPr lang="pt-BR" sz="1600" dirty="0"/>
                   <a:t>.</a:t>
                 </a:r>
               </a:p>
@@ -14971,13 +16768,13 @@
                   <a:buChar char="o"/>
                 </a:pPr>
                 <a:r>
-                  <a:rPr lang="pt-BR" dirty="0"/>
+                  <a:rPr lang="pt-BR" sz="1600" dirty="0"/>
                   <a:t>Calcule </a:t>
                 </a:r>
                 <a14:m>
                   <m:oMath xmlns:m="http://schemas.openxmlformats.org/officeDocument/2006/math">
                     <m:r>
-                      <a:rPr lang="pt-BR" i="1">
+                      <a:rPr lang="pt-BR" sz="1600" i="1">
                         <a:latin typeface="Cambria Math" panose="02040503050406030204" pitchFamily="18" charset="0"/>
                       </a:rPr>
                       <m:t>𝐽</m:t>
@@ -14985,14 +16782,14 @@
                     <m:d>
                       <m:dPr>
                         <m:ctrlPr>
-                          <a:rPr lang="pt-BR" i="1">
+                          <a:rPr lang="pt-BR" sz="1600" i="1">
                             <a:latin typeface="Cambria Math" panose="02040503050406030204" pitchFamily="18" charset="0"/>
                           </a:rPr>
                         </m:ctrlPr>
                       </m:dPr>
                       <m:e>
                         <m:r>
-                          <a:rPr lang="pt-BR" b="1" i="1">
+                          <a:rPr lang="pt-BR" sz="1600" b="1" i="1">
                             <a:latin typeface="Cambria Math" panose="02040503050406030204" pitchFamily="18" charset="0"/>
                           </a:rPr>
                           <m:t>𝒘</m:t>
@@ -15000,14 +16797,14 @@
                         <m:d>
                           <m:dPr>
                             <m:ctrlPr>
-                              <a:rPr lang="pt-BR" b="1" i="1">
+                              <a:rPr lang="pt-BR" sz="1600" b="1" i="1">
                                 <a:latin typeface="Cambria Math" panose="02040503050406030204" pitchFamily="18" charset="0"/>
                               </a:rPr>
                             </m:ctrlPr>
                           </m:dPr>
                           <m:e>
                             <m:r>
-                              <a:rPr lang="pt-BR" b="0" i="1" smtClean="0">
+                              <a:rPr lang="pt-BR" sz="1600" b="0" i="1" smtClean="0">
                                 <a:latin typeface="Cambria Math" panose="02040503050406030204" pitchFamily="18" charset="0"/>
                               </a:rPr>
                               <m:t>𝑘</m:t>
@@ -15019,7 +16816,7 @@
                   </m:oMath>
                 </a14:m>
                 <a:r>
-                  <a:rPr lang="pt-BR" dirty="0"/>
+                  <a:rPr lang="pt-BR" sz="1600" dirty="0"/>
                   <a:t>.</a:t>
                 </a:r>
               </a:p>
@@ -15037,8 +16834,8 @@
             </p:nvSpPr>
             <p:spPr>
               <a:xfrm>
-                <a:off x="1152722" y="3982325"/>
-                <a:ext cx="10557055" cy="2785763"/>
+                <a:off x="1152722" y="4301931"/>
+                <a:ext cx="10775420" cy="2486643"/>
               </a:xfrm>
               <a:prstGeom prst="rect">
                 <a:avLst/>
@@ -15046,7 +16843,7 @@
               <a:blipFill rotWithShape="0">
                 <a:blip r:embed="rId2"/>
                 <a:stretch>
-                  <a:fillRect l="-288" t="-871" b="-1961"/>
+                  <a:fillRect l="-169" t="-488" b="-1463"/>
                 </a:stretch>
               </a:blipFill>
               <a:ln>
@@ -15073,7 +16870,7 @@
     </p:spTree>
     <p:extLst>
       <p:ext uri="{BB962C8B-B14F-4D97-AF65-F5344CB8AC3E}">
-        <p14:creationId xmlns:p14="http://schemas.microsoft.com/office/powerpoint/2010/main" val="2237162192"/>
+        <p14:creationId xmlns:p14="http://schemas.microsoft.com/office/powerpoint/2010/main" val="987902713"/>
       </p:ext>
     </p:extLst>
   </p:cSld>
@@ -15316,12 +17113,12 @@
               <a:t>, são conhecidos como métodos de </a:t>
             </a:r>
             <a:r>
-              <a:rPr lang="pt-BR" b="1" i="1" dirty="0"/>
-              <a:t>stochastic gradient descent</a:t>
-            </a:r>
-            <a:r>
-              <a:rPr lang="pt-BR" dirty="0"/>
-              <a:t> (SGD).</a:t>
+              <a:rPr lang="pt-BR" b="1" i="1" dirty="0" smtClean="0"/>
+              <a:t>gradiente descendente estocástico</a:t>
+            </a:r>
+            <a:r>
+              <a:rPr lang="pt-BR" dirty="0" smtClean="0"/>
+              <a:t>.</a:t>
             </a:r>
             <a:endParaRPr lang="pt-BR" b="1" dirty="0"/>
           </a:p>
@@ -15330,7 +17127,7 @@
     </p:spTree>
     <p:extLst>
       <p:ext uri="{BB962C8B-B14F-4D97-AF65-F5344CB8AC3E}">
-        <p14:creationId xmlns:p14="http://schemas.microsoft.com/office/powerpoint/2010/main" val="2695647241"/>
+        <p14:creationId xmlns:p14="http://schemas.microsoft.com/office/powerpoint/2010/main" val="2540193481"/>
       </p:ext>
     </p:extLst>
   </p:cSld>

--- a/slides/T320_Redes_Neurais_Artificiais (Parte IV).pptx
+++ b/slides/T320_Redes_Neurais_Artificiais (Parte IV).pptx
@@ -255,7 +255,7 @@
           <a:p>
             <a:fld id="{C3C82C08-3EFC-4473-8294-F0E229C19EFF}" type="datetimeFigureOut">
               <a:rPr lang="pt-BR" smtClean="0"/>
-              <a:t>02/12/2021</a:t>
+              <a:t>03/12/2021</a:t>
             </a:fld>
             <a:endParaRPr lang="pt-BR"/>
           </a:p>
@@ -2209,7 +2209,7 @@
           <a:p>
             <a:fld id="{221D0464-8C8A-49C0-859F-777E51766A35}" type="datetimeFigureOut">
               <a:rPr lang="pt-BR" smtClean="0"/>
-              <a:t>02/12/2021</a:t>
+              <a:t>03/12/2021</a:t>
             </a:fld>
             <a:endParaRPr lang="pt-BR"/>
           </a:p>
@@ -2379,7 +2379,7 @@
           <a:p>
             <a:fld id="{221D0464-8C8A-49C0-859F-777E51766A35}" type="datetimeFigureOut">
               <a:rPr lang="pt-BR" smtClean="0"/>
-              <a:t>02/12/2021</a:t>
+              <a:t>03/12/2021</a:t>
             </a:fld>
             <a:endParaRPr lang="pt-BR"/>
           </a:p>
@@ -2559,7 +2559,7 @@
           <a:p>
             <a:fld id="{221D0464-8C8A-49C0-859F-777E51766A35}" type="datetimeFigureOut">
               <a:rPr lang="pt-BR" smtClean="0"/>
-              <a:t>02/12/2021</a:t>
+              <a:t>03/12/2021</a:t>
             </a:fld>
             <a:endParaRPr lang="pt-BR"/>
           </a:p>
@@ -2729,7 +2729,7 @@
           <a:p>
             <a:fld id="{221D0464-8C8A-49C0-859F-777E51766A35}" type="datetimeFigureOut">
               <a:rPr lang="pt-BR" smtClean="0"/>
-              <a:t>02/12/2021</a:t>
+              <a:t>03/12/2021</a:t>
             </a:fld>
             <a:endParaRPr lang="pt-BR"/>
           </a:p>
@@ -2975,7 +2975,7 @@
           <a:p>
             <a:fld id="{221D0464-8C8A-49C0-859F-777E51766A35}" type="datetimeFigureOut">
               <a:rPr lang="pt-BR" smtClean="0"/>
-              <a:t>02/12/2021</a:t>
+              <a:t>03/12/2021</a:t>
             </a:fld>
             <a:endParaRPr lang="pt-BR"/>
           </a:p>
@@ -3207,7 +3207,7 @@
           <a:p>
             <a:fld id="{221D0464-8C8A-49C0-859F-777E51766A35}" type="datetimeFigureOut">
               <a:rPr lang="pt-BR" smtClean="0"/>
-              <a:t>02/12/2021</a:t>
+              <a:t>03/12/2021</a:t>
             </a:fld>
             <a:endParaRPr lang="pt-BR"/>
           </a:p>
@@ -3574,7 +3574,7 @@
           <a:p>
             <a:fld id="{221D0464-8C8A-49C0-859F-777E51766A35}" type="datetimeFigureOut">
               <a:rPr lang="pt-BR" smtClean="0"/>
-              <a:t>02/12/2021</a:t>
+              <a:t>03/12/2021</a:t>
             </a:fld>
             <a:endParaRPr lang="pt-BR"/>
           </a:p>
@@ -3692,7 +3692,7 @@
           <a:p>
             <a:fld id="{221D0464-8C8A-49C0-859F-777E51766A35}" type="datetimeFigureOut">
               <a:rPr lang="pt-BR" smtClean="0"/>
-              <a:t>02/12/2021</a:t>
+              <a:t>03/12/2021</a:t>
             </a:fld>
             <a:endParaRPr lang="pt-BR"/>
           </a:p>
@@ -3787,7 +3787,7 @@
           <a:p>
             <a:fld id="{221D0464-8C8A-49C0-859F-777E51766A35}" type="datetimeFigureOut">
               <a:rPr lang="pt-BR" smtClean="0"/>
-              <a:t>02/12/2021</a:t>
+              <a:t>03/12/2021</a:t>
             </a:fld>
             <a:endParaRPr lang="pt-BR"/>
           </a:p>
@@ -4064,7 +4064,7 @@
           <a:p>
             <a:fld id="{221D0464-8C8A-49C0-859F-777E51766A35}" type="datetimeFigureOut">
               <a:rPr lang="pt-BR" smtClean="0"/>
-              <a:t>02/12/2021</a:t>
+              <a:t>03/12/2021</a:t>
             </a:fld>
             <a:endParaRPr lang="pt-BR"/>
           </a:p>
@@ -4317,7 +4317,7 @@
           <a:p>
             <a:fld id="{221D0464-8C8A-49C0-859F-777E51766A35}" type="datetimeFigureOut">
               <a:rPr lang="pt-BR" smtClean="0"/>
-              <a:t>02/12/2021</a:t>
+              <a:t>03/12/2021</a:t>
             </a:fld>
             <a:endParaRPr lang="pt-BR"/>
           </a:p>
@@ -4530,7 +4530,7 @@
           <a:p>
             <a:fld id="{221D0464-8C8A-49C0-859F-777E51766A35}" type="datetimeFigureOut">
               <a:rPr lang="pt-BR" smtClean="0"/>
-              <a:t>02/12/2021</a:t>
+              <a:t>03/12/2021</a:t>
             </a:fld>
             <a:endParaRPr lang="pt-BR"/>
           </a:p>
@@ -7122,8 +7122,8 @@
           </a:p>
         </p:txBody>
       </p:sp>
-      <mc:AlternateContent xmlns:mc="http://schemas.openxmlformats.org/markup-compatibility/2006" xmlns:a14="http://schemas.microsoft.com/office/drawing/2010/main">
-        <mc:Choice Requires="a14">
+      <mc:AlternateContent xmlns:mc="http://schemas.openxmlformats.org/markup-compatibility/2006">
+        <mc:Choice xmlns:a14="http://schemas.microsoft.com/office/drawing/2010/main" Requires="a14">
           <p:sp>
             <p:nvSpPr>
               <p:cNvPr id="3" name="Content Placeholder 2"/>
@@ -7225,7 +7225,7 @@
                         <a:latin typeface="Cambria Math" panose="02040503050406030204" pitchFamily="18" charset="0"/>
                         <a:ea typeface="Cambria Math" panose="02040503050406030204" pitchFamily="18" charset="0"/>
                       </a:rPr>
-                      <m:t>𝜑</m:t>
+                      <m:t>𝜇</m:t>
                     </m:r>
                     <m:r>
                       <a:rPr lang="pt-BR" b="1" i="1" smtClean="0">
@@ -7343,7 +7343,15 @@
                 </a:r>
                 <a:r>
                   <a:rPr lang="pt-BR" dirty="0"/>
-                  <a:t>passos diferentes para cada peso do modelo, os quais são atualizados de forma independente. </a:t>
+                  <a:t>passos </a:t>
+                </a:r>
+                <a:r>
+                  <a:rPr lang="pt-BR" dirty="0" smtClean="0"/>
+                  <a:t>diferentes para </a:t>
+                </a:r>
+                <a:r>
+                  <a:rPr lang="pt-BR" dirty="0"/>
+                  <a:t>cada peso do modelo, os quais são atualizados de forma independente. </a:t>
                 </a:r>
                 <a:endParaRPr lang="pt-BR" dirty="0" smtClean="0"/>
               </a:p>
@@ -7385,7 +7393,7 @@
             </p:txBody>
           </p:sp>
         </mc:Choice>
-        <mc:Fallback xmlns="">
+        <mc:Fallback>
           <p:sp>
             <p:nvSpPr>
               <p:cNvPr id="3" name="Content Placeholder 2"/>
@@ -10511,11 +10519,7 @@
             </a:r>
             <a:r>
               <a:rPr lang="pt-BR" dirty="0" smtClean="0"/>
-              <a:t>biblioteca </a:t>
-            </a:r>
-            <a:r>
-              <a:rPr lang="pt-BR" dirty="0" smtClean="0"/>
-              <a:t>de alto-nível para </a:t>
+              <a:t>biblioteca de alto-nível para </a:t>
             </a:r>
             <a:r>
               <a:rPr lang="pt-BR" dirty="0"/>
@@ -11031,11 +11035,11 @@
             </a:r>
             <a:r>
               <a:rPr lang="pt-BR" dirty="0"/>
-              <a:t>visões práticas de algoritmos de </a:t>
+              <a:t>visões práticas </a:t>
             </a:r>
             <a:r>
               <a:rPr lang="pt-BR" dirty="0" smtClean="0"/>
-              <a:t>aprendizado para redes neurais.</a:t>
+              <a:t>para o treinamento de redes neurais.</a:t>
             </a:r>
           </a:p>
         </p:txBody>
@@ -13207,15 +13211,27 @@
             </a:r>
             <a:r>
               <a:rPr lang="pt-BR" dirty="0"/>
-              <a:t>dizer que os elementos básicos do </a:t>
-            </a:r>
-            <a:r>
-              <a:rPr lang="pt-BR" dirty="0" smtClean="0"/>
+              <a:t>dizer que os </a:t>
+            </a:r>
+            <a:r>
+              <a:rPr lang="pt-BR" b="1" i="1" dirty="0"/>
+              <a:t>elementos básicos do </a:t>
+            </a:r>
+            <a:r>
+              <a:rPr lang="pt-BR" b="1" i="1" dirty="0" smtClean="0"/>
               <a:t>aprendizado de máquina </a:t>
             </a:r>
             <a:r>
               <a:rPr lang="pt-BR" dirty="0"/>
-              <a:t>através de redes neurais foram apresentados até aqui. </a:t>
+              <a:t>através de </a:t>
+            </a:r>
+            <a:r>
+              <a:rPr lang="pt-BR" b="1" i="1" dirty="0"/>
+              <a:t>redes neurais </a:t>
+            </a:r>
+            <a:r>
+              <a:rPr lang="pt-BR" dirty="0"/>
+              <a:t>foram apresentados até aqui. </a:t>
             </a:r>
           </a:p>
           <a:p>
@@ -13226,8 +13242,12 @@
           </a:p>
           <a:p>
             <a:r>
+              <a:rPr lang="pt-BR" dirty="0" smtClean="0"/>
+              <a:t>Portanto, começamos relembrando sobre a </a:t>
+            </a:r>
+            <a:r>
               <a:rPr lang="pt-BR" dirty="0"/>
-              <a:t>Começamos falando da questão do cálculo do </a:t>
+              <a:t>questão do cálculo do </a:t>
             </a:r>
             <a:r>
               <a:rPr lang="pt-BR" b="1" i="1" dirty="0"/>
@@ -13336,11 +13356,11 @@
               <a:p>
                 <a:r>
                   <a:rPr lang="pt-BR" dirty="0" smtClean="0"/>
-                  <a:t>Conforme </a:t>
+                  <a:t>Conforme vimos anteriormente, </a:t>
                 </a:r>
                 <a:r>
                   <a:rPr lang="pt-BR" dirty="0"/>
-                  <a:t>vimos nos slides anteriores, a base para o aprendizado em redes MLP é a obtenção do </a:t>
+                  <a:t>a base para o aprendizado em redes MLP é a obtenção do </a:t>
                 </a:r>
                 <a:r>
                   <a:rPr lang="pt-BR" b="1" i="1" dirty="0"/>
@@ -13356,7 +13376,15 @@
                 </a:r>
                 <a:r>
                   <a:rPr lang="pt-BR" dirty="0"/>
-                  <a:t>que minmizem a </a:t>
+                  <a:t>que </a:t>
+                </a:r>
+                <a:r>
+                  <a:rPr lang="pt-BR" dirty="0" smtClean="0"/>
+                  <a:t>minimizem </a:t>
+                </a:r>
+                <a:r>
+                  <a:rPr lang="pt-BR" dirty="0"/>
+                  <a:t>a </a:t>
                 </a:r>
                 <a:r>
                   <a:rPr lang="pt-BR" b="1" i="1" dirty="0"/>
@@ -13378,7 +13406,15 @@
                 </a:r>
                 <a:r>
                   <a:rPr lang="pt-BR" dirty="0"/>
-                  <a:t> se dá através de um processo de </a:t>
+                  <a:t> se dá através </a:t>
+                </a:r>
+                <a:r>
+                  <a:rPr lang="pt-BR" dirty="0" smtClean="0"/>
+                  <a:t>do </a:t>
+                </a:r>
+                <a:r>
+                  <a:rPr lang="pt-BR" dirty="0"/>
+                  <a:t>processo de </a:t>
                 </a:r>
                 <a:r>
                   <a:rPr lang="pt-BR" b="1" i="1" dirty="0"/>
@@ -13386,19 +13422,11 @@
                 </a:r>
                 <a:r>
                   <a:rPr lang="pt-BR" b="1" i="1" dirty="0" smtClean="0"/>
-                  <a:t>do erro </a:t>
+                  <a:t>do erro</a:t>
                 </a:r>
                 <a:r>
                   <a:rPr lang="pt-BR" dirty="0" smtClean="0"/>
-                  <a:t>em </a:t>
-                </a:r>
-                <a:r>
-                  <a:rPr lang="pt-BR" dirty="0"/>
-                  <a:t>que </a:t>
-                </a:r>
-                <a:r>
-                  <a:rPr lang="pt-BR" dirty="0" smtClean="0"/>
-                  <a:t>existem duas etapas:</a:t>
+                  <a:t>, o qual é dividido em duas etapas:</a:t>
                 </a:r>
               </a:p>
               <a:p>
@@ -13500,7 +13528,7 @@
                 </a:r>
                 <a:r>
                   <a:rPr lang="pt-BR" dirty="0" smtClean="0"/>
-                  <a:t>necessárias ao longo das camadas anteriores da rede.</a:t>
+                  <a:t>necessárias ao longo das camadas da rede.</a:t>
                 </a:r>
                 <a:endParaRPr lang="pt-BR" dirty="0"/>
               </a:p>
@@ -13526,7 +13554,7 @@
               <a:blipFill rotWithShape="0">
                 <a:blip r:embed="rId2"/>
                 <a:stretch>
-                  <a:fillRect l="-1100" t="-1937" r="-1375"/>
+                  <a:fillRect l="-1100" t="-1937" r="-1650"/>
                 </a:stretch>
               </a:blipFill>
             </p:spPr>
@@ -13647,7 +13675,15 @@
                 </a:r>
                 <a:r>
                   <a:rPr lang="pt-BR" dirty="0"/>
-                  <a:t>entrada e que a combinação de todos esses </a:t>
+                  <a:t>entrada </a:t>
+                </a:r>
+                <a:r>
+                  <a:rPr lang="pt-BR" dirty="0" smtClean="0"/>
+                  <a:t>e saída da rede e </a:t>
+                </a:r>
+                <a:r>
+                  <a:rPr lang="pt-BR" dirty="0"/>
+                  <a:t>que a combinação de todos esses </a:t>
                 </a:r>
                 <a:r>
                   <a:rPr lang="pt-BR" b="1" i="1" dirty="0"/>
@@ -13676,20 +13712,20 @@
                       <m:f>
                         <m:fPr>
                           <m:ctrlPr>
-                            <a:rPr lang="pt-BR" sz="2000" i="1">
+                            <a:rPr lang="pt-BR" sz="2400" i="1">
                               <a:latin typeface="Cambria Math" panose="02040503050406030204" pitchFamily="18" charset="0"/>
                             </a:rPr>
                           </m:ctrlPr>
                         </m:fPr>
                         <m:num>
                           <m:r>
-                            <a:rPr lang="pt-BR" sz="2000" i="1">
+                            <a:rPr lang="pt-BR" sz="2400" i="1">
                               <a:latin typeface="Cambria Math" panose="02040503050406030204" pitchFamily="18" charset="0"/>
                             </a:rPr>
                             <m:t>𝜕</m:t>
                           </m:r>
                           <m:r>
-                            <a:rPr lang="pt-BR" sz="2000" i="1">
+                            <a:rPr lang="pt-BR" sz="2400" i="1">
                               <a:latin typeface="Cambria Math" panose="02040503050406030204" pitchFamily="18" charset="0"/>
                             </a:rPr>
                             <m:t>𝐽</m:t>
@@ -13697,14 +13733,14 @@
                           <m:d>
                             <m:dPr>
                               <m:ctrlPr>
-                                <a:rPr lang="pt-BR" sz="2400" i="1">
+                                <a:rPr lang="pt-BR" i="1">
                                   <a:latin typeface="Cambria Math" panose="02040503050406030204" pitchFamily="18" charset="0"/>
                                 </a:rPr>
                               </m:ctrlPr>
                             </m:dPr>
                             <m:e>
                               <m:r>
-                                <a:rPr lang="pt-BR" sz="2400" b="1" i="1">
+                                <a:rPr lang="pt-BR" b="1" i="1">
                                   <a:latin typeface="Cambria Math" panose="02040503050406030204" pitchFamily="18" charset="0"/>
                                 </a:rPr>
                                 <m:t>𝒘</m:t>
@@ -13714,7 +13750,7 @@
                         </m:num>
                         <m:den>
                           <m:r>
-                            <a:rPr lang="pt-BR" sz="2000" i="1">
+                            <a:rPr lang="pt-BR" sz="2400" i="1">
                               <a:latin typeface="Cambria Math" panose="02040503050406030204" pitchFamily="18" charset="0"/>
                             </a:rPr>
                             <m:t>𝜕</m:t>
@@ -13722,14 +13758,14 @@
                           <m:sSubSup>
                             <m:sSubSupPr>
                               <m:ctrlPr>
-                                <a:rPr lang="pt-BR" sz="2000" i="1">
+                                <a:rPr lang="pt-BR" sz="2400" i="1">
                                   <a:latin typeface="Cambria Math" panose="02040503050406030204" pitchFamily="18" charset="0"/>
                                 </a:rPr>
                               </m:ctrlPr>
                             </m:sSubSupPr>
                             <m:e>
                               <m:r>
-                                <a:rPr lang="pt-BR" sz="2000" i="1">
+                                <a:rPr lang="pt-BR" sz="2400" i="1">
                                   <a:latin typeface="Cambria Math" panose="02040503050406030204" pitchFamily="18" charset="0"/>
                                 </a:rPr>
                                 <m:t>𝑤</m:t>
@@ -13737,19 +13773,19 @@
                             </m:e>
                             <m:sub>
                               <m:r>
-                                <a:rPr lang="pt-BR" sz="2000" i="1">
+                                <a:rPr lang="pt-BR" sz="2400" i="1">
                                   <a:latin typeface="Cambria Math" panose="02040503050406030204" pitchFamily="18" charset="0"/>
                                 </a:rPr>
                                 <m:t>𝑖</m:t>
                               </m:r>
                               <m:r>
-                                <a:rPr lang="pt-BR" sz="2000" i="1">
+                                <a:rPr lang="pt-BR" sz="2400" i="1">
                                   <a:latin typeface="Cambria Math" panose="02040503050406030204" pitchFamily="18" charset="0"/>
                                 </a:rPr>
                                 <m:t>,</m:t>
                               </m:r>
                               <m:r>
-                                <a:rPr lang="pt-BR" sz="2000" i="1">
+                                <a:rPr lang="pt-BR" sz="2400" i="1">
                                   <a:latin typeface="Cambria Math" panose="02040503050406030204" pitchFamily="18" charset="0"/>
                                 </a:rPr>
                                 <m:t>𝑗</m:t>
@@ -13757,7 +13793,7 @@
                             </m:sub>
                             <m:sup>
                               <m:r>
-                                <a:rPr lang="pt-BR" sz="2000" i="1">
+                                <a:rPr lang="pt-BR" sz="2400" i="1">
                                   <a:latin typeface="Cambria Math" panose="02040503050406030204" pitchFamily="18" charset="0"/>
                                 </a:rPr>
                                 <m:t>𝑚</m:t>
@@ -13767,7 +13803,7 @@
                         </m:den>
                       </m:f>
                       <m:r>
-                        <a:rPr lang="pt-BR" sz="2000" i="1">
+                        <a:rPr lang="pt-BR" sz="2400" i="1">
                           <a:latin typeface="Cambria Math" panose="02040503050406030204" pitchFamily="18" charset="0"/>
                         </a:rPr>
                         <m:t>=</m:t>
@@ -13775,14 +13811,14 @@
                       <m:f>
                         <m:fPr>
                           <m:ctrlPr>
-                            <a:rPr lang="pt-BR" sz="2000" i="1" smtClean="0">
+                            <a:rPr lang="pt-BR" sz="2400" i="1" smtClean="0">
                               <a:latin typeface="Cambria Math" panose="02040503050406030204" pitchFamily="18" charset="0"/>
                             </a:rPr>
                           </m:ctrlPr>
                         </m:fPr>
                         <m:num>
                           <m:r>
-                            <a:rPr lang="pt-BR" sz="2000" b="0" i="1" smtClean="0">
+                            <a:rPr lang="pt-BR" sz="2400" b="0" i="1" smtClean="0">
                               <a:latin typeface="Cambria Math" panose="02040503050406030204" pitchFamily="18" charset="0"/>
                             </a:rPr>
                             <m:t>1</m:t>
@@ -13792,14 +13828,14 @@
                           <m:sSub>
                             <m:sSubPr>
                               <m:ctrlPr>
-                                <a:rPr lang="pt-BR" sz="2000" i="1">
+                                <a:rPr lang="pt-BR" sz="2400" i="1">
                                   <a:latin typeface="Cambria Math" panose="02040503050406030204" pitchFamily="18" charset="0"/>
                                 </a:rPr>
                               </m:ctrlPr>
                             </m:sSubPr>
                             <m:e>
                               <m:r>
-                                <a:rPr lang="pt-BR" sz="2000" i="1">
+                                <a:rPr lang="pt-BR" sz="2400" i="1">
                                   <a:latin typeface="Cambria Math" panose="02040503050406030204" pitchFamily="18" charset="0"/>
                                 </a:rPr>
                                 <m:t>𝑁</m:t>
@@ -13810,7 +13846,7 @@
                                 <m:rPr>
                                   <m:sty m:val="p"/>
                                 </m:rPr>
-                                <a:rPr lang="pt-BR" sz="2000">
+                                <a:rPr lang="pt-BR" sz="2400">
                                   <a:latin typeface="Cambria Math" panose="02040503050406030204" pitchFamily="18" charset="0"/>
                                 </a:rPr>
                                 <m:t>dados</m:t>
@@ -13820,14 +13856,14 @@
                           <m:sSub>
                             <m:sSubPr>
                               <m:ctrlPr>
-                                <a:rPr lang="pt-BR" sz="2000" i="1">
+                                <a:rPr lang="pt-BR" sz="2400" i="1">
                                   <a:latin typeface="Cambria Math" panose="02040503050406030204" pitchFamily="18" charset="0"/>
                                 </a:rPr>
                               </m:ctrlPr>
                             </m:sSubPr>
                             <m:e>
                               <m:r>
-                                <a:rPr lang="pt-BR" sz="2000" i="1">
+                                <a:rPr lang="pt-BR" sz="2400" i="1">
                                   <a:latin typeface="Cambria Math" panose="02040503050406030204" pitchFamily="18" charset="0"/>
                                 </a:rPr>
                                 <m:t>𝑁</m:t>
@@ -13835,7 +13871,7 @@
                             </m:e>
                             <m:sub>
                               <m:r>
-                                <a:rPr lang="pt-BR" sz="2000" i="1">
+                                <a:rPr lang="pt-BR" sz="2400" i="1">
                                   <a:latin typeface="Cambria Math" panose="02040503050406030204" pitchFamily="18" charset="0"/>
                                 </a:rPr>
                                 <m:t>𝑀</m:t>
@@ -13848,7 +13884,7 @@
                         <m:naryPr>
                           <m:chr m:val="∑"/>
                           <m:ctrlPr>
-                            <a:rPr lang="pt-BR" sz="2000" i="1">
+                            <a:rPr lang="pt-BR" sz="2400" i="1">
                               <a:latin typeface="Cambria Math" panose="02040503050406030204" pitchFamily="18" charset="0"/>
                             </a:rPr>
                           </m:ctrlPr>
@@ -13858,13 +13894,13 @@
                             <m:rPr>
                               <m:brk m:alnAt="23"/>
                             </m:rPr>
-                            <a:rPr lang="pt-BR" sz="2000" i="1">
+                            <a:rPr lang="pt-BR" sz="2400" i="1">
                               <a:latin typeface="Cambria Math" panose="02040503050406030204" pitchFamily="18" charset="0"/>
                             </a:rPr>
                             <m:t>𝑛</m:t>
                           </m:r>
                           <m:r>
-                            <a:rPr lang="pt-BR" sz="2000" i="1">
+                            <a:rPr lang="pt-BR" sz="2400" i="1">
                               <a:latin typeface="Cambria Math" panose="02040503050406030204" pitchFamily="18" charset="0"/>
                             </a:rPr>
                             <m:t>=1</m:t>
@@ -13874,14 +13910,14 @@
                           <m:sSub>
                             <m:sSubPr>
                               <m:ctrlPr>
-                                <a:rPr lang="pt-BR" sz="2000" i="1">
+                                <a:rPr lang="pt-BR" sz="2400" i="1">
                                   <a:latin typeface="Cambria Math" panose="02040503050406030204" pitchFamily="18" charset="0"/>
                                 </a:rPr>
                               </m:ctrlPr>
                             </m:sSubPr>
                             <m:e>
                               <m:r>
-                                <a:rPr lang="pt-BR" sz="2000" i="1">
+                                <a:rPr lang="pt-BR" sz="2400" i="1">
                                   <a:latin typeface="Cambria Math" panose="02040503050406030204" pitchFamily="18" charset="0"/>
                                 </a:rPr>
                                 <m:t>𝑁</m:t>
@@ -13892,7 +13928,7 @@
                                 <m:rPr>
                                   <m:sty m:val="p"/>
                                 </m:rPr>
-                                <a:rPr lang="pt-BR" sz="2000">
+                                <a:rPr lang="pt-BR" sz="2400">
                                   <a:latin typeface="Cambria Math" panose="02040503050406030204" pitchFamily="18" charset="0"/>
                                 </a:rPr>
                                 <m:t>dados</m:t>
@@ -13905,7 +13941,7 @@
                             <m:naryPr>
                               <m:chr m:val="∑"/>
                               <m:ctrlPr>
-                                <a:rPr lang="pt-BR" sz="2000" i="1">
+                                <a:rPr lang="pt-BR" sz="2400" i="1">
                                   <a:latin typeface="Cambria Math" panose="02040503050406030204" pitchFamily="18" charset="0"/>
                                 </a:rPr>
                               </m:ctrlPr>
@@ -13915,13 +13951,13 @@
                                 <m:rPr>
                                   <m:brk m:alnAt="23"/>
                                 </m:rPr>
-                                <a:rPr lang="pt-BR" sz="2000" i="1">
+                                <a:rPr lang="pt-BR" sz="2400" i="1">
                                   <a:latin typeface="Cambria Math" panose="02040503050406030204" pitchFamily="18" charset="0"/>
                                 </a:rPr>
                                 <m:t>𝑗</m:t>
                               </m:r>
                               <m:r>
-                                <a:rPr lang="pt-BR" sz="2000" i="1">
+                                <a:rPr lang="pt-BR" sz="2400" i="1">
                                   <a:latin typeface="Cambria Math" panose="02040503050406030204" pitchFamily="18" charset="0"/>
                                 </a:rPr>
                                 <m:t>=1</m:t>
@@ -13931,14 +13967,14 @@
                               <m:sSub>
                                 <m:sSubPr>
                                   <m:ctrlPr>
-                                    <a:rPr lang="pt-BR" sz="2000" i="1">
+                                    <a:rPr lang="pt-BR" sz="2400" i="1">
                                       <a:latin typeface="Cambria Math" panose="02040503050406030204" pitchFamily="18" charset="0"/>
                                     </a:rPr>
                                   </m:ctrlPr>
                                 </m:sSubPr>
                                 <m:e>
                                   <m:r>
-                                    <a:rPr lang="pt-BR" sz="2000" i="1">
+                                    <a:rPr lang="pt-BR" sz="2400" i="1">
                                       <a:latin typeface="Cambria Math" panose="02040503050406030204" pitchFamily="18" charset="0"/>
                                     </a:rPr>
                                     <m:t>𝑁</m:t>
@@ -13946,7 +13982,7 @@
                                 </m:e>
                                 <m:sub>
                                   <m:r>
-                                    <a:rPr lang="pt-BR" sz="2000" i="1">
+                                    <a:rPr lang="pt-BR" sz="2400" i="1">
                                       <a:latin typeface="Cambria Math" panose="02040503050406030204" pitchFamily="18" charset="0"/>
                                     </a:rPr>
                                     <m:t>𝑀</m:t>
@@ -13958,7 +13994,7 @@
                               <m:f>
                                 <m:fPr>
                                   <m:ctrlPr>
-                                    <a:rPr lang="pt-BR" sz="2000" i="1">
+                                    <a:rPr lang="pt-BR" sz="2400" i="1">
                                       <a:latin typeface="Cambria Math" panose="02040503050406030204" pitchFamily="18" charset="0"/>
                                     </a:rPr>
                                   </m:ctrlPr>
@@ -13967,20 +14003,20 @@
                                   <m:sSubSup>
                                     <m:sSubSupPr>
                                       <m:ctrlPr>
-                                        <a:rPr lang="pt-BR" sz="2000" i="1">
+                                        <a:rPr lang="pt-BR" sz="2400" i="1">
                                           <a:latin typeface="Cambria Math" panose="02040503050406030204" pitchFamily="18" charset="0"/>
                                         </a:rPr>
                                       </m:ctrlPr>
                                     </m:sSubSupPr>
                                     <m:e>
                                       <m:r>
-                                        <a:rPr lang="pt-BR" sz="2000" i="1">
+                                        <a:rPr lang="pt-BR" sz="2400" i="1">
                                           <a:latin typeface="Cambria Math" panose="02040503050406030204" pitchFamily="18" charset="0"/>
                                         </a:rPr>
                                         <m:t>𝜕</m:t>
                                       </m:r>
                                       <m:r>
-                                        <a:rPr lang="pt-BR" sz="2000" i="1">
+                                        <a:rPr lang="pt-BR" sz="2400" i="1">
                                           <a:latin typeface="Cambria Math" panose="02040503050406030204" pitchFamily="18" charset="0"/>
                                         </a:rPr>
                                         <m:t>𝑒</m:t>
@@ -13988,7 +14024,7 @@
                                     </m:e>
                                     <m:sub>
                                       <m:r>
-                                        <a:rPr lang="pt-BR" sz="2000" i="1">
+                                        <a:rPr lang="pt-BR" sz="2400" i="1">
                                           <a:latin typeface="Cambria Math" panose="02040503050406030204" pitchFamily="18" charset="0"/>
                                         </a:rPr>
                                         <m:t>𝑗</m:t>
@@ -13996,7 +14032,7 @@
                                     </m:sub>
                                     <m:sup>
                                       <m:r>
-                                        <a:rPr lang="pt-BR" sz="2000" i="1">
+                                        <a:rPr lang="pt-BR" sz="2400" i="1">
                                           <a:latin typeface="Cambria Math" panose="02040503050406030204" pitchFamily="18" charset="0"/>
                                         </a:rPr>
                                         <m:t>2</m:t>
@@ -14006,14 +14042,14 @@
                                   <m:d>
                                     <m:dPr>
                                       <m:ctrlPr>
-                                        <a:rPr lang="pt-BR" sz="2000" i="1">
+                                        <a:rPr lang="pt-BR" sz="2400" i="1">
                                           <a:latin typeface="Cambria Math" panose="02040503050406030204" pitchFamily="18" charset="0"/>
                                         </a:rPr>
                                       </m:ctrlPr>
                                     </m:dPr>
                                     <m:e>
                                       <m:r>
-                                        <a:rPr lang="pt-BR" sz="2000" i="1">
+                                        <a:rPr lang="pt-BR" sz="2400" i="1">
                                           <a:latin typeface="Cambria Math" panose="02040503050406030204" pitchFamily="18" charset="0"/>
                                         </a:rPr>
                                         <m:t>𝑛</m:t>
@@ -14023,7 +14059,7 @@
                                 </m:num>
                                 <m:den>
                                   <m:r>
-                                    <a:rPr lang="pt-BR" sz="2000" i="1">
+                                    <a:rPr lang="pt-BR" sz="2400" i="1">
                                       <a:latin typeface="Cambria Math" panose="02040503050406030204" pitchFamily="18" charset="0"/>
                                     </a:rPr>
                                     <m:t>𝜕</m:t>
@@ -14031,14 +14067,14 @@
                                   <m:sSubSup>
                                     <m:sSubSupPr>
                                       <m:ctrlPr>
-                                        <a:rPr lang="pt-BR" sz="2000" i="1">
+                                        <a:rPr lang="pt-BR" sz="2400" i="1">
                                           <a:latin typeface="Cambria Math" panose="02040503050406030204" pitchFamily="18" charset="0"/>
                                         </a:rPr>
                                       </m:ctrlPr>
                                     </m:sSubSupPr>
                                     <m:e>
                                       <m:r>
-                                        <a:rPr lang="pt-BR" sz="2000" i="1">
+                                        <a:rPr lang="pt-BR" sz="2400" i="1">
                                           <a:latin typeface="Cambria Math" panose="02040503050406030204" pitchFamily="18" charset="0"/>
                                         </a:rPr>
                                         <m:t>𝑤</m:t>
@@ -14046,19 +14082,19 @@
                                     </m:e>
                                     <m:sub>
                                       <m:r>
-                                        <a:rPr lang="pt-BR" sz="2000" i="1">
+                                        <a:rPr lang="pt-BR" sz="2400" i="1">
                                           <a:latin typeface="Cambria Math" panose="02040503050406030204" pitchFamily="18" charset="0"/>
                                         </a:rPr>
                                         <m:t>𝑖</m:t>
                                       </m:r>
                                       <m:r>
-                                        <a:rPr lang="pt-BR" sz="2000" i="1">
+                                        <a:rPr lang="pt-BR" sz="2400" i="1">
                                           <a:latin typeface="Cambria Math" panose="02040503050406030204" pitchFamily="18" charset="0"/>
                                         </a:rPr>
                                         <m:t>,</m:t>
                                       </m:r>
                                       <m:r>
-                                        <a:rPr lang="pt-BR" sz="2000" i="1">
+                                        <a:rPr lang="pt-BR" sz="2400" i="1">
                                           <a:latin typeface="Cambria Math" panose="02040503050406030204" pitchFamily="18" charset="0"/>
                                         </a:rPr>
                                         <m:t>𝑗</m:t>
@@ -14066,7 +14102,7 @@
                                     </m:sub>
                                     <m:sup>
                                       <m:r>
-                                        <a:rPr lang="pt-BR" sz="2000" i="1">
+                                        <a:rPr lang="pt-BR" sz="2400" i="1">
                                           <a:latin typeface="Cambria Math" panose="02040503050406030204" pitchFamily="18" charset="0"/>
                                         </a:rPr>
                                         <m:t>𝑚</m:t>
@@ -14107,10 +14143,14 @@
                 </a:r>
                 <a:r>
                   <a:rPr lang="pt-BR" b="1" i="1" dirty="0"/>
-                  <a:t>reunir o gradiente completo e então dar um passo único e mais preciso</a:t>
-                </a:r>
-                <a:r>
-                  <a:rPr lang="pt-BR" dirty="0" smtClean="0"/>
+                  <a:t>reunir o gradiente completo e então dar um passo único e mais </a:t>
+                </a:r>
+                <a:r>
+                  <a:rPr lang="pt-BR" b="1" i="1" dirty="0" smtClean="0"/>
+                  <a:t>preciso</a:t>
+                </a:r>
+                <a:r>
+                  <a:rPr lang="pt-BR" dirty="0"/>
                   <a:t>?</a:t>
                 </a:r>
                 <a:endParaRPr lang="pt-BR" dirty="0"/>
@@ -14156,6 +14196,75 @@
           </p:sp>
         </mc:Fallback>
       </mc:AlternateContent>
+      <p:sp>
+        <p:nvSpPr>
+          <p:cNvPr id="5" name="TextBox 4"/>
+          <p:cNvSpPr txBox="1"/>
+          <p:nvPr/>
+        </p:nvSpPr>
+        <p:spPr>
+          <a:xfrm>
+            <a:off x="9544250" y="3608853"/>
+            <a:ext cx="1457425" cy="830997"/>
+          </a:xfrm>
+          <a:prstGeom prst="rect">
+            <a:avLst/>
+          </a:prstGeom>
+          <a:noFill/>
+        </p:spPr>
+        <p:txBody>
+          <a:bodyPr wrap="square" rtlCol="0">
+            <a:spAutoFit/>
+          </a:bodyPr>
+          <a:lstStyle/>
+          <a:p>
+            <a:pPr algn="ctr"/>
+            <a:r>
+              <a:rPr lang="pt-BR" sz="1200" dirty="0" smtClean="0"/>
+              <a:t>Gradiente local é calculado para cada exemplo e saída da rede neural.</a:t>
+            </a:r>
+            <a:endParaRPr lang="pt-BR" sz="1200" dirty="0"/>
+          </a:p>
+        </p:txBody>
+      </p:sp>
+      <p:cxnSp>
+        <p:nvCxnSpPr>
+          <p:cNvPr id="7" name="Straight Arrow Connector 6"/>
+          <p:cNvCxnSpPr>
+            <a:stCxn id="5" idx="1"/>
+          </p:cNvCxnSpPr>
+          <p:nvPr/>
+        </p:nvCxnSpPr>
+        <p:spPr>
+          <a:xfrm flipH="1" flipV="1">
+            <a:off x="8845617" y="3946358"/>
+            <a:ext cx="698633" cy="77994"/>
+          </a:xfrm>
+          <a:prstGeom prst="straightConnector1">
+            <a:avLst/>
+          </a:prstGeom>
+          <a:ln>
+            <a:solidFill>
+              <a:srgbClr val="FF0000"/>
+            </a:solidFill>
+            <a:tailEnd type="triangle"/>
+          </a:ln>
+        </p:spPr>
+        <p:style>
+          <a:lnRef idx="1">
+            <a:schemeClr val="accent1"/>
+          </a:lnRef>
+          <a:fillRef idx="0">
+            <a:schemeClr val="accent1"/>
+          </a:fillRef>
+          <a:effectRef idx="0">
+            <a:schemeClr val="accent1"/>
+          </a:effectRef>
+          <a:fontRef idx="minor">
+            <a:schemeClr val="tx1"/>
+          </a:fontRef>
+        </p:style>
+      </p:cxnSp>
     </p:spTree>
     <p:extLst>
       <p:ext uri="{BB962C8B-B14F-4D97-AF65-F5344CB8AC3E}">
@@ -14238,7 +14347,7 @@
         </p:spPr>
         <p:txBody>
           <a:bodyPr>
-            <a:normAutofit fontScale="92500" lnSpcReduction="10000"/>
+            <a:normAutofit fontScale="92500" lnSpcReduction="20000"/>
           </a:bodyPr>
           <a:lstStyle/>
           <a:p>
@@ -14262,7 +14371,15 @@
             </a:r>
             <a:r>
               <a:rPr lang="pt-BR" dirty="0"/>
-              <a:t>questionamento, existem duas abordagens: o cálculo </a:t>
+              <a:t>questionamento, existem duas abordagens </a:t>
+            </a:r>
+            <a:r>
+              <a:rPr lang="pt-BR" dirty="0" smtClean="0"/>
+              <a:t>opostas: </a:t>
+            </a:r>
+            <a:r>
+              <a:rPr lang="pt-BR" dirty="0"/>
+              <a:t>o cálculo </a:t>
             </a:r>
             <a:r>
               <a:rPr lang="pt-BR" b="1" i="1" dirty="0"/>
@@ -15403,8 +15520,12 @@
                   </m:oMath>
                 </a14:m>
                 <a:r>
+                  <a:rPr lang="pt-BR" sz="1600" dirty="0" smtClean="0"/>
+                  <a:t>, </a:t>
+                </a:r>
+                <a:r>
                   <a:rPr lang="pt-BR" sz="1600" dirty="0"/>
-                  <a:t>, faça: </a:t>
+                  <a:t>faça: </a:t>
                 </a:r>
               </a:p>
               <a:p>
@@ -16048,12 +16169,12 @@
               <a:t>Nas </a:t>
             </a:r>
             <a:r>
-              <a:rPr lang="pt-BR" dirty="0"/>
-              <a:t>modernas </a:t>
+              <a:rPr lang="pt-BR" b="1" i="1" dirty="0" smtClean="0"/>
+              <a:t>redes </a:t>
             </a:r>
             <a:r>
               <a:rPr lang="pt-BR" b="1" i="1" dirty="0"/>
-              <a:t>redes neurais profundas </a:t>
+              <a:t>neurais profundas </a:t>
             </a:r>
             <a:r>
               <a:rPr lang="pt-BR" dirty="0"/>
@@ -16970,7 +17091,23 @@
           <a:p>
             <a:r>
               <a:rPr lang="pt-BR" dirty="0"/>
-              <a:t>Aqui, vamos nos ater a alguns métodos muito usuais na literatura moderna, que se encontra bastante focada </a:t>
+              <a:t>Aqui, vamos nos ater </a:t>
+            </a:r>
+            <a:r>
+              <a:rPr lang="pt-BR" dirty="0" smtClean="0"/>
+              <a:t>aos </a:t>
+            </a:r>
+            <a:r>
+              <a:rPr lang="pt-BR" dirty="0"/>
+              <a:t>métodos </a:t>
+            </a:r>
+            <a:r>
+              <a:rPr lang="pt-BR" dirty="0" smtClean="0"/>
+              <a:t>mais usuais </a:t>
+            </a:r>
+            <a:r>
+              <a:rPr lang="pt-BR" dirty="0"/>
+              <a:t>na literatura moderna, que se encontra bastante focada </a:t>
             </a:r>
             <a:r>
               <a:rPr lang="pt-BR" dirty="0" smtClean="0"/>

--- a/slides/T320_Redes_Neurais_Artificiais (Parte IV).pptx
+++ b/slides/T320_Redes_Neurais_Artificiais (Parte IV).pptx
@@ -255,7 +255,7 @@
           <a:p>
             <a:fld id="{C3C82C08-3EFC-4473-8294-F0E229C19EFF}" type="datetimeFigureOut">
               <a:rPr lang="pt-BR" smtClean="0"/>
-              <a:t>03/12/2021</a:t>
+              <a:t>04/12/2021</a:t>
             </a:fld>
             <a:endParaRPr lang="pt-BR"/>
           </a:p>
@@ -1463,8 +1463,30 @@
           <a:p>
             <a:r>
               <a:rPr lang="pt-BR" dirty="0" smtClean="0"/>
-              <a:t>[1] https://www.deeplearning.ai/ai-notes/initialization/</a:t>
-            </a:r>
+              <a:t>[1] https://www.deeplearning.ai/ai-notes/initialization</a:t>
+            </a:r>
+            <a:r>
+              <a:rPr lang="pt-BR" dirty="0" smtClean="0"/>
+              <a:t>/</a:t>
+            </a:r>
+          </a:p>
+          <a:p>
+            <a:r>
+              <a:rPr lang="pt-BR" dirty="0" smtClean="0"/>
+              <a:t>[2] ftp://ftp.dca.fee.unicamp.br/pub/docs/gudwin/publications/sbrn98.pdf</a:t>
+            </a:r>
+          </a:p>
+          <a:p>
+            <a:r>
+              <a:rPr lang="pt-BR" dirty="0" smtClean="0"/>
+              <a:t>[3] https://colab.research.google.com/github/d2l-ai/d2l-en-colab/blob/master/chapter_multilayer-perceptrons/numerical-stability-and-init.ipynb#scrollTo=6tqUWTNKFdsO</a:t>
+            </a:r>
+          </a:p>
+          <a:p>
+            <a:endParaRPr lang="pt-BR" dirty="0" smtClean="0"/>
+          </a:p>
+          <a:p>
+            <a:endParaRPr lang="pt-BR" dirty="0" smtClean="0"/>
           </a:p>
           <a:p>
             <a:endParaRPr lang="pt-BR" dirty="0"/>
@@ -2209,7 +2231,7 @@
           <a:p>
             <a:fld id="{221D0464-8C8A-49C0-859F-777E51766A35}" type="datetimeFigureOut">
               <a:rPr lang="pt-BR" smtClean="0"/>
-              <a:t>03/12/2021</a:t>
+              <a:t>04/12/2021</a:t>
             </a:fld>
             <a:endParaRPr lang="pt-BR"/>
           </a:p>
@@ -2379,7 +2401,7 @@
           <a:p>
             <a:fld id="{221D0464-8C8A-49C0-859F-777E51766A35}" type="datetimeFigureOut">
               <a:rPr lang="pt-BR" smtClean="0"/>
-              <a:t>03/12/2021</a:t>
+              <a:t>04/12/2021</a:t>
             </a:fld>
             <a:endParaRPr lang="pt-BR"/>
           </a:p>
@@ -2559,7 +2581,7 @@
           <a:p>
             <a:fld id="{221D0464-8C8A-49C0-859F-777E51766A35}" type="datetimeFigureOut">
               <a:rPr lang="pt-BR" smtClean="0"/>
-              <a:t>03/12/2021</a:t>
+              <a:t>04/12/2021</a:t>
             </a:fld>
             <a:endParaRPr lang="pt-BR"/>
           </a:p>
@@ -2729,7 +2751,7 @@
           <a:p>
             <a:fld id="{221D0464-8C8A-49C0-859F-777E51766A35}" type="datetimeFigureOut">
               <a:rPr lang="pt-BR" smtClean="0"/>
-              <a:t>03/12/2021</a:t>
+              <a:t>04/12/2021</a:t>
             </a:fld>
             <a:endParaRPr lang="pt-BR"/>
           </a:p>
@@ -2975,7 +2997,7 @@
           <a:p>
             <a:fld id="{221D0464-8C8A-49C0-859F-777E51766A35}" type="datetimeFigureOut">
               <a:rPr lang="pt-BR" smtClean="0"/>
-              <a:t>03/12/2021</a:t>
+              <a:t>04/12/2021</a:t>
             </a:fld>
             <a:endParaRPr lang="pt-BR"/>
           </a:p>
@@ -3207,7 +3229,7 @@
           <a:p>
             <a:fld id="{221D0464-8C8A-49C0-859F-777E51766A35}" type="datetimeFigureOut">
               <a:rPr lang="pt-BR" smtClean="0"/>
-              <a:t>03/12/2021</a:t>
+              <a:t>04/12/2021</a:t>
             </a:fld>
             <a:endParaRPr lang="pt-BR"/>
           </a:p>
@@ -3574,7 +3596,7 @@
           <a:p>
             <a:fld id="{221D0464-8C8A-49C0-859F-777E51766A35}" type="datetimeFigureOut">
               <a:rPr lang="pt-BR" smtClean="0"/>
-              <a:t>03/12/2021</a:t>
+              <a:t>04/12/2021</a:t>
             </a:fld>
             <a:endParaRPr lang="pt-BR"/>
           </a:p>
@@ -3692,7 +3714,7 @@
           <a:p>
             <a:fld id="{221D0464-8C8A-49C0-859F-777E51766A35}" type="datetimeFigureOut">
               <a:rPr lang="pt-BR" smtClean="0"/>
-              <a:t>03/12/2021</a:t>
+              <a:t>04/12/2021</a:t>
             </a:fld>
             <a:endParaRPr lang="pt-BR"/>
           </a:p>
@@ -3787,7 +3809,7 @@
           <a:p>
             <a:fld id="{221D0464-8C8A-49C0-859F-777E51766A35}" type="datetimeFigureOut">
               <a:rPr lang="pt-BR" smtClean="0"/>
-              <a:t>03/12/2021</a:t>
+              <a:t>04/12/2021</a:t>
             </a:fld>
             <a:endParaRPr lang="pt-BR"/>
           </a:p>
@@ -4064,7 +4086,7 @@
           <a:p>
             <a:fld id="{221D0464-8C8A-49C0-859F-777E51766A35}" type="datetimeFigureOut">
               <a:rPr lang="pt-BR" smtClean="0"/>
-              <a:t>03/12/2021</a:t>
+              <a:t>04/12/2021</a:t>
             </a:fld>
             <a:endParaRPr lang="pt-BR"/>
           </a:p>
@@ -4317,7 +4339,7 @@
           <a:p>
             <a:fld id="{221D0464-8C8A-49C0-859F-777E51766A35}" type="datetimeFigureOut">
               <a:rPr lang="pt-BR" smtClean="0"/>
-              <a:t>03/12/2021</a:t>
+              <a:t>04/12/2021</a:t>
             </a:fld>
             <a:endParaRPr lang="pt-BR"/>
           </a:p>
@@ -4530,7 +4552,7 @@
           <a:p>
             <a:fld id="{221D0464-8C8A-49C0-859F-777E51766A35}" type="datetimeFigureOut">
               <a:rPr lang="pt-BR" smtClean="0"/>
-              <a:t>03/12/2021</a:t>
+              <a:t>04/12/2021</a:t>
             </a:fld>
             <a:endParaRPr lang="pt-BR"/>
           </a:p>
@@ -4940,7 +4962,7 @@
           <p:cNvPr id="2" name="Título 1">
             <a:extLst>
               <a:ext uri="{FF2B5EF4-FFF2-40B4-BE49-F238E27FC236}">
-                <a16:creationId xmlns:a16="http://schemas.microsoft.com/office/drawing/2014/main" xmlns="" id="{32666AC8-2E17-4DB4-B0F5-60C640CCFD2E}"/>
+                <a16:creationId xmlns="" xmlns:a16="http://schemas.microsoft.com/office/drawing/2014/main" id="{32666AC8-2E17-4DB4-B0F5-60C640CCFD2E}"/>
               </a:ext>
             </a:extLst>
           </p:cNvPr>
@@ -4995,7 +5017,7 @@
           <p:cNvPr id="4" name="CaixaDeTexto 3">
             <a:extLst>
               <a:ext uri="{FF2B5EF4-FFF2-40B4-BE49-F238E27FC236}">
-                <a16:creationId xmlns:a16="http://schemas.microsoft.com/office/drawing/2014/main" xmlns="" id="{430EB894-B7D4-434C-9D1A-A14094D9BEEC}"/>
+                <a16:creationId xmlns="" xmlns:a16="http://schemas.microsoft.com/office/drawing/2014/main" id="{430EB894-B7D4-434C-9D1A-A14094D9BEEC}"/>
               </a:ext>
             </a:extLst>
           </p:cNvPr>
@@ -5036,7 +5058,7 @@
           <p:cNvPr id="1026" name="Picture 2" descr="Logo">
             <a:extLst>
               <a:ext uri="{FF2B5EF4-FFF2-40B4-BE49-F238E27FC236}">
-                <a16:creationId xmlns:a16="http://schemas.microsoft.com/office/drawing/2014/main" xmlns="" id="{3F2642E0-4F6A-4196-8F58-E77D36E9A33F}"/>
+                <a16:creationId xmlns="" xmlns:a16="http://schemas.microsoft.com/office/drawing/2014/main" id="{3F2642E0-4F6A-4196-8F58-E77D36E9A33F}"/>
               </a:ext>
             </a:extLst>
           </p:cNvPr>
@@ -5081,7 +5103,7 @@
           <p:cNvPr id="5122" name="Picture 2" descr="Image result for machine learning">
             <a:extLst>
               <a:ext uri="{FF2B5EF4-FFF2-40B4-BE49-F238E27FC236}">
-                <a16:creationId xmlns:a16="http://schemas.microsoft.com/office/drawing/2014/main" xmlns="" id="{810CE0A2-4102-44A6-A370-175E7896CDCB}"/>
+                <a16:creationId xmlns="" xmlns:a16="http://schemas.microsoft.com/office/drawing/2014/main" id="{810CE0A2-4102-44A6-A370-175E7896CDCB}"/>
               </a:ext>
             </a:extLst>
           </p:cNvPr>
@@ -6161,8 +6183,8 @@
           </a:p>
         </p:txBody>
       </p:sp>
-      <mc:AlternateContent xmlns:mc="http://schemas.openxmlformats.org/markup-compatibility/2006" xmlns:a14="http://schemas.microsoft.com/office/drawing/2010/main">
-        <mc:Choice Requires="a14">
+      <mc:AlternateContent xmlns:mc="http://schemas.openxmlformats.org/markup-compatibility/2006">
+        <mc:Choice xmlns:a14="http://schemas.microsoft.com/office/drawing/2010/main" Requires="a14">
           <p:sp>
             <p:nvSpPr>
               <p:cNvPr id="3" name="Content Placeholder 2"/>
@@ -6233,13 +6255,10 @@
                   <a:t>ao </a:t>
                 </a:r>
                 <a:r>
-                  <a:rPr lang="pt-BR" dirty="0"/>
-                  <a:t>ajuste de </a:t>
-                </a:r>
-                <a:r>
                   <a:rPr lang="pt-BR" dirty="0" smtClean="0"/>
-                  <a:t>pesos.</a:t>
-                </a:r>
+                  <a:t>seu ajuste.</a:t>
+                </a:r>
+                <a:endParaRPr lang="pt-BR" dirty="0" smtClean="0"/>
               </a:p>
               <a:p>
                 <a:pPr lvl="1">
@@ -6672,7 +6691,7 @@
             </p:txBody>
           </p:sp>
         </mc:Choice>
-        <mc:Fallback xmlns="">
+        <mc:Fallback>
           <p:sp>
             <p:nvSpPr>
               <p:cNvPr id="3" name="Content Placeholder 2"/>
@@ -6767,8 +6786,8 @@
           </a:p>
         </p:txBody>
       </p:sp>
-      <mc:AlternateContent xmlns:mc="http://schemas.openxmlformats.org/markup-compatibility/2006" xmlns:a14="http://schemas.microsoft.com/office/drawing/2010/main">
-        <mc:Choice Requires="a14">
+      <mc:AlternateContent xmlns:mc="http://schemas.openxmlformats.org/markup-compatibility/2006">
+        <mc:Choice xmlns:a14="http://schemas.microsoft.com/office/drawing/2010/main" Requires="a14">
           <p:sp>
             <p:nvSpPr>
               <p:cNvPr id="3" name="Content Placeholder 2"/>
@@ -6917,12 +6936,12 @@
                   <a:t>direção por várias iterações, </a:t>
                 </a:r>
                 <a:r>
-                  <a:rPr lang="pt-BR" dirty="0"/>
-                  <a:t>isso </a:t>
-                </a:r>
-                <a:r>
                   <a:rPr lang="pt-BR" dirty="0" smtClean="0"/>
-                  <a:t>aumenta o </a:t>
+                  <a:t>o termo aumenta </a:t>
+                </a:r>
+                <a:r>
+                  <a:rPr lang="pt-BR" dirty="0" smtClean="0"/>
+                  <a:t>o </a:t>
                 </a:r>
                 <a:r>
                   <a:rPr lang="pt-BR" dirty="0"/>
@@ -6991,7 +7010,7 @@
             </p:txBody>
           </p:sp>
         </mc:Choice>
-        <mc:Fallback xmlns="">
+        <mc:Fallback>
           <p:sp>
             <p:nvSpPr>
               <p:cNvPr id="3" name="Content Placeholder 2"/>
@@ -7261,8 +7280,13 @@
                 </a:r>
                 <a:r>
                   <a:rPr lang="pt-BR" dirty="0"/>
-                  <a:t>em alguns casos, a velocidade de convergência.</a:t>
-                </a:r>
+                  <a:t>em alguns casos, a velocidade de </a:t>
+                </a:r>
+                <a:r>
+                  <a:rPr lang="pt-BR" dirty="0" smtClean="0"/>
+                  <a:t>convergência do algoritmo.</a:t>
+                </a:r>
+                <a:endParaRPr lang="pt-BR" dirty="0"/>
               </a:p>
               <a:p>
                 <a:pPr>
@@ -7501,7 +7525,7 @@
         </p:spPr>
         <p:txBody>
           <a:bodyPr>
-            <a:normAutofit fontScale="92500"/>
+            <a:normAutofit fontScale="92500" lnSpcReduction="20000"/>
           </a:bodyPr>
           <a:lstStyle/>
           <a:p>
@@ -7551,8 +7575,13 @@
             </a:r>
             <a:r>
               <a:rPr lang="pt-BR" dirty="0"/>
-              <a:t>pode determinar se o algoritmo converge, sendo alguns pontos iniciais tão instáveis que o algoritmo encontra dificuldades numéricas e falha completamente em convergir.</a:t>
-            </a:r>
+              <a:t>pode determinar se o algoritmo converge, sendo alguns pontos iniciais tão instáveis que o algoritmo encontra dificuldades numéricas e falha completamente em </a:t>
+            </a:r>
+            <a:r>
+              <a:rPr lang="pt-BR" dirty="0" smtClean="0"/>
+              <a:t>convergir (e.g., desaparecimento e explosão dos gradientes).</a:t>
+            </a:r>
+            <a:endParaRPr lang="pt-BR" dirty="0"/>
           </a:p>
           <a:p>
             <a:r>
@@ -7561,12 +7590,17 @@
             </a:r>
             <a:r>
               <a:rPr lang="pt-BR" b="1" i="1" dirty="0"/>
-              <a:t>velocidade de convergência</a:t>
-            </a:r>
-            <a:r>
-              <a:rPr lang="pt-BR" dirty="0"/>
-              <a:t>.</a:t>
-            </a:r>
+              <a:t>velocidade de </a:t>
+            </a:r>
+            <a:r>
+              <a:rPr lang="pt-BR" b="1" i="1" dirty="0" smtClean="0"/>
+              <a:t>convergência</a:t>
+            </a:r>
+            <a:r>
+              <a:rPr lang="pt-BR" dirty="0" smtClean="0"/>
+              <a:t> (e.g., platôs, pontos de sela).</a:t>
+            </a:r>
+            <a:endParaRPr lang="pt-BR" dirty="0"/>
           </a:p>
           <a:p>
             <a:r>
@@ -7946,8 +7980,8 @@
           </a:p>
         </p:txBody>
       </p:sp>
-      <mc:AlternateContent xmlns:mc="http://schemas.openxmlformats.org/markup-compatibility/2006" xmlns:a14="http://schemas.microsoft.com/office/drawing/2010/main">
-        <mc:Choice Requires="a14">
+      <mc:AlternateContent xmlns:mc="http://schemas.openxmlformats.org/markup-compatibility/2006">
+        <mc:Choice xmlns:a14="http://schemas.microsoft.com/office/drawing/2010/main" Requires="a14">
           <p:sp>
             <p:nvSpPr>
               <p:cNvPr id="3" name="Content Placeholder 2"/>
@@ -8008,7 +8042,15 @@
                 </a:r>
                 <a:r>
                   <a:rPr lang="pt-BR" dirty="0"/>
-                  <a:t>para inicializar os pesos </a:t>
+                  <a:t>para inicializar os </a:t>
+                </a:r>
+                <a:r>
+                  <a:rPr lang="pt-BR" b="1" i="1" dirty="0" smtClean="0"/>
+                  <a:t>pesos sinápticos</a:t>
+                </a:r>
+                <a:r>
+                  <a:rPr lang="pt-BR" dirty="0" smtClean="0"/>
+                  <a:t> </a:t>
                 </a:r>
                 <a:r>
                   <a:rPr lang="pt-BR" dirty="0" smtClean="0"/>
@@ -8039,15 +8081,15 @@
               <a:p>
                 <a:r>
                   <a:rPr lang="pt-BR" dirty="0"/>
-                  <a:t>Uma heurística para a inicialização dos termos de </a:t>
+                  <a:t>Uma heurística para a inicialização dos </a:t>
                 </a:r>
                 <a:r>
                   <a:rPr lang="pt-BR" b="1" i="1" dirty="0"/>
-                  <a:t>bias</a:t>
+                  <a:t>termos de bias </a:t>
                 </a:r>
                 <a:r>
                   <a:rPr lang="pt-BR" dirty="0"/>
-                  <a:t> é inicializá-los com </a:t>
+                  <a:t>é inicializá-los com </a:t>
                 </a:r>
                 <a:r>
                   <a:rPr lang="pt-BR" b="1" i="1" dirty="0"/>
@@ -8062,7 +8104,7 @@
             </p:txBody>
           </p:sp>
         </mc:Choice>
-        <mc:Fallback xmlns="">
+        <mc:Fallback>
           <p:sp>
             <p:nvSpPr>
               <p:cNvPr id="3" name="Content Placeholder 2"/>
@@ -8100,8 +8142,8 @@
           </p:sp>
         </mc:Fallback>
       </mc:AlternateContent>
-      <mc:AlternateContent xmlns:mc="http://schemas.openxmlformats.org/markup-compatibility/2006" xmlns:a14="http://schemas.microsoft.com/office/drawing/2010/main">
-        <mc:Choice Requires="a14">
+      <mc:AlternateContent xmlns:mc="http://schemas.openxmlformats.org/markup-compatibility/2006">
+        <mc:Choice xmlns:a14="http://schemas.microsoft.com/office/drawing/2010/main" Requires="a14">
           <p:graphicFrame>
             <p:nvGraphicFramePr>
               <p:cNvPr id="4" name="Table 3"/>
@@ -8109,12 +8151,16 @@
                 <a:graphicFrameLocks noGrp="1"/>
               </p:cNvGraphicFramePr>
               <p:nvPr>
-                <p:extLst/>
+                <p:extLst>
+                  <p:ext uri="{D42A27DB-BD31-4B8C-83A1-F6EECF244321}">
+                    <p14:modId xmlns:p14="http://schemas.microsoft.com/office/powerpoint/2010/main" val="155999690"/>
+                  </p:ext>
+                </p:extLst>
               </p:nvPr>
             </p:nvGraphicFramePr>
             <p:xfrm>
               <a:off x="838200" y="2579851"/>
-              <a:ext cx="11036474" cy="3012627"/>
+              <a:ext cx="11036474" cy="3073587"/>
             </p:xfrm>
             <a:graphic>
               <a:graphicData uri="http://schemas.openxmlformats.org/drawingml/2006/table">
@@ -8136,10 +8182,10 @@
                         <a:p>
                           <a:pPr algn="ctr"/>
                           <a:r>
-                            <a:rPr lang="pt-BR" sz="1400" b="1" dirty="0" smtClean="0"/>
+                            <a:rPr lang="pt-BR" sz="1600" b="1" dirty="0" smtClean="0"/>
                             <a:t>Inicialização</a:t>
                           </a:r>
-                          <a:endParaRPr lang="pt-BR" sz="1400" b="1" dirty="0"/>
+                          <a:endParaRPr lang="pt-BR" sz="1600" b="1" dirty="0"/>
                         </a:p>
                       </a:txBody>
                       <a:tcPr>
@@ -8188,10 +8234,10 @@
                         <a:p>
                           <a:pPr algn="ctr"/>
                           <a:r>
-                            <a:rPr lang="pt-BR" sz="1400" b="1" dirty="0" smtClean="0"/>
+                            <a:rPr lang="pt-BR" sz="1600" b="1" dirty="0" smtClean="0"/>
                             <a:t>Funções de ativação</a:t>
                           </a:r>
-                          <a:endParaRPr lang="pt-BR" sz="1400" b="1" dirty="0"/>
+                          <a:endParaRPr lang="pt-BR" sz="1600" b="1" dirty="0"/>
                         </a:p>
                       </a:txBody>
                       <a:tcPr>
@@ -8240,7 +8286,7 @@
                         <a:p>
                           <a:pPr algn="ctr"/>
                           <a:r>
-                            <a:rPr lang="pt-BR" sz="1400" b="1" dirty="0" smtClean="0"/>
+                            <a:rPr lang="pt-BR" sz="1600" b="1" dirty="0" smtClean="0"/>
                             <a:t>Distribuição Uniforme</a:t>
                           </a:r>
                         </a:p>
@@ -8253,37 +8299,37 @@
                               </m:oMathParaPr>
                               <m:oMath xmlns:m="http://schemas.openxmlformats.org/officeDocument/2006/math">
                                 <m:r>
-                                  <a:rPr lang="pt-BR" sz="1400" b="0" i="1" smtClean="0">
+                                  <a:rPr lang="pt-BR" sz="1600" b="0" i="1" smtClean="0">
                                     <a:latin typeface="Cambria Math" panose="02040503050406030204" pitchFamily="18" charset="0"/>
                                   </a:rPr>
                                   <m:t>𝑈</m:t>
                                 </m:r>
                                 <m:r>
-                                  <a:rPr lang="pt-BR" sz="1400" b="0" i="1" smtClean="0">
+                                  <a:rPr lang="pt-BR" sz="1600" b="0" i="1" smtClean="0">
                                     <a:latin typeface="Cambria Math" panose="02040503050406030204" pitchFamily="18" charset="0"/>
                                   </a:rPr>
                                   <m:t>(−</m:t>
                                 </m:r>
                                 <m:r>
-                                  <a:rPr lang="pt-BR" sz="1400" b="0" i="1" smtClean="0">
+                                  <a:rPr lang="pt-BR" sz="1600" b="0" i="1" smtClean="0">
                                     <a:latin typeface="Cambria Math" panose="02040503050406030204" pitchFamily="18" charset="0"/>
                                   </a:rPr>
                                   <m:t>𝑟</m:t>
                                 </m:r>
                                 <m:r>
-                                  <a:rPr lang="pt-BR" sz="1400" b="0" i="1" smtClean="0">
+                                  <a:rPr lang="pt-BR" sz="1600" b="0" i="1" smtClean="0">
                                     <a:latin typeface="Cambria Math" panose="02040503050406030204" pitchFamily="18" charset="0"/>
                                   </a:rPr>
                                   <m:t>,</m:t>
                                 </m:r>
                                 <m:r>
-                                  <a:rPr lang="pt-BR" sz="1400" b="0" i="1" smtClean="0">
+                                  <a:rPr lang="pt-BR" sz="1600" b="0" i="1" smtClean="0">
                                     <a:latin typeface="Cambria Math" panose="02040503050406030204" pitchFamily="18" charset="0"/>
                                   </a:rPr>
                                   <m:t>𝑟</m:t>
                                 </m:r>
                                 <m:r>
-                                  <a:rPr lang="pt-BR" sz="1400" b="0" i="1" smtClean="0">
+                                  <a:rPr lang="pt-BR" sz="1600" b="0" i="1" smtClean="0">
                                     <a:latin typeface="Cambria Math" panose="02040503050406030204" pitchFamily="18" charset="0"/>
                                   </a:rPr>
                                   <m:t>)</m:t>
@@ -8291,7 +8337,7 @@
                               </m:oMath>
                             </m:oMathPara>
                           </a14:m>
-                          <a:endParaRPr lang="pt-BR" sz="1400" b="0" dirty="0"/>
+                          <a:endParaRPr lang="pt-BR" sz="1600" b="0" dirty="0"/>
                         </a:p>
                       </a:txBody>
                       <a:tcPr>
@@ -8340,7 +8386,7 @@
                         <a:p>
                           <a:pPr algn="ctr"/>
                           <a:r>
-                            <a:rPr lang="pt-BR" sz="1400" b="1" dirty="0" smtClean="0"/>
+                            <a:rPr lang="pt-BR" sz="1600" b="1" dirty="0" smtClean="0"/>
                             <a:t>Distribuição Normal </a:t>
                           </a:r>
                         </a:p>
@@ -8353,14 +8399,14 @@
                               </m:oMathParaPr>
                               <m:oMath xmlns:m="http://schemas.openxmlformats.org/officeDocument/2006/math">
                                 <m:r>
-                                  <a:rPr lang="pt-BR" sz="1400" b="0" i="1" smtClean="0">
+                                  <a:rPr lang="pt-BR" sz="1600" b="0" i="1" smtClean="0">
                                     <a:latin typeface="Cambria Math" panose="02040503050406030204" pitchFamily="18" charset="0"/>
                                     <a:ea typeface="Cambria Math" panose="02040503050406030204" pitchFamily="18" charset="0"/>
                                   </a:rPr>
                                   <m:t>𝑁</m:t>
                                 </m:r>
                                 <m:r>
-                                  <a:rPr lang="pt-BR" sz="1400" b="0" i="1" smtClean="0">
+                                  <a:rPr lang="pt-BR" sz="1600" b="0" i="1" smtClean="0">
                                     <a:latin typeface="Cambria Math" panose="02040503050406030204" pitchFamily="18" charset="0"/>
                                     <a:ea typeface="Cambria Math" panose="02040503050406030204" pitchFamily="18" charset="0"/>
                                   </a:rPr>
@@ -8369,14 +8415,14 @@
                                 <m:sSup>
                                   <m:sSupPr>
                                     <m:ctrlPr>
-                                      <a:rPr lang="pt-BR" sz="1400" i="1" smtClean="0">
+                                      <a:rPr lang="pt-BR" sz="1600" i="1" smtClean="0">
                                         <a:latin typeface="Cambria Math" panose="02040503050406030204" pitchFamily="18" charset="0"/>
                                       </a:rPr>
                                     </m:ctrlPr>
                                   </m:sSupPr>
                                   <m:e>
                                     <m:r>
-                                      <a:rPr lang="pt-BR" sz="1400" i="1" smtClean="0">
+                                      <a:rPr lang="pt-BR" sz="1600" i="1" smtClean="0">
                                         <a:latin typeface="Cambria Math" panose="02040503050406030204" pitchFamily="18" charset="0"/>
                                         <a:ea typeface="Cambria Math" panose="02040503050406030204" pitchFamily="18" charset="0"/>
                                       </a:rPr>
@@ -8385,7 +8431,7 @@
                                   </m:e>
                                   <m:sup>
                                     <m:r>
-                                      <a:rPr lang="pt-BR" sz="1400" b="0" i="1" smtClean="0">
+                                      <a:rPr lang="pt-BR" sz="1600" b="0" i="1" smtClean="0">
                                         <a:latin typeface="Cambria Math" panose="02040503050406030204" pitchFamily="18" charset="0"/>
                                       </a:rPr>
                                       <m:t>2</m:t>
@@ -8393,7 +8439,7 @@
                                   </m:sup>
                                 </m:sSup>
                                 <m:r>
-                                  <a:rPr lang="pt-BR" sz="1400" b="0" i="1" smtClean="0">
+                                  <a:rPr lang="pt-BR" sz="1600" b="0" i="1" smtClean="0">
                                     <a:latin typeface="Cambria Math" panose="02040503050406030204" pitchFamily="18" charset="0"/>
                                     <a:ea typeface="Cambria Math" panose="02040503050406030204" pitchFamily="18" charset="0"/>
                                   </a:rPr>
@@ -8402,7 +8448,7 @@
                               </m:oMath>
                             </m:oMathPara>
                           </a14:m>
-                          <a:endParaRPr lang="pt-BR" sz="1400" b="0" dirty="0"/>
+                          <a:endParaRPr lang="pt-BR" sz="1600" b="0" dirty="0"/>
                         </a:p>
                       </a:txBody>
                       <a:tcPr>
@@ -8453,10 +8499,10 @@
                         <a:p>
                           <a:pPr algn="ctr"/>
                           <a:r>
-                            <a:rPr lang="pt-BR" sz="1400" dirty="0" smtClean="0"/>
+                            <a:rPr lang="pt-BR" sz="1600" dirty="0" smtClean="0"/>
                             <a:t>Xavier/Glorot</a:t>
                           </a:r>
-                          <a:endParaRPr lang="pt-BR" sz="1400" dirty="0"/>
+                          <a:endParaRPr lang="pt-BR" sz="1600" dirty="0"/>
                         </a:p>
                       </a:txBody>
                       <a:tcPr anchor="ctr">
@@ -8505,10 +8551,10 @@
                         <a:p>
                           <a:pPr algn="ctr"/>
                           <a:r>
-                            <a:rPr lang="pt-BR" sz="1400" dirty="0" smtClean="0"/>
+                            <a:rPr lang="pt-BR" sz="1600" dirty="0" smtClean="0"/>
                             <a:t>Nenhuma, Tanh, Logística, Softmax</a:t>
                           </a:r>
-                          <a:endParaRPr lang="pt-BR" sz="1400" dirty="0"/>
+                          <a:endParaRPr lang="pt-BR" sz="1600" dirty="0"/>
                         </a:p>
                       </a:txBody>
                       <a:tcPr anchor="ctr">
@@ -8563,13 +8609,13 @@
                               </m:oMathParaPr>
                               <m:oMath xmlns:m="http://schemas.openxmlformats.org/officeDocument/2006/math">
                                 <m:r>
-                                  <a:rPr lang="pt-BR" sz="1400" b="0" i="1" smtClean="0">
+                                  <a:rPr lang="pt-BR" sz="1600" b="0" i="1" smtClean="0">
                                     <a:latin typeface="Cambria Math" panose="02040503050406030204" pitchFamily="18" charset="0"/>
                                   </a:rPr>
                                   <m:t>𝑟</m:t>
                                 </m:r>
                                 <m:r>
-                                  <a:rPr lang="pt-BR" sz="1400" b="0" i="1" smtClean="0">
+                                  <a:rPr lang="pt-BR" sz="1600" b="0" i="1" smtClean="0">
                                     <a:latin typeface="Cambria Math" panose="02040503050406030204" pitchFamily="18" charset="0"/>
                                   </a:rPr>
                                   <m:t>=</m:t>
@@ -8578,7 +8624,7 @@
                                   <m:radPr>
                                     <m:degHide m:val="on"/>
                                     <m:ctrlPr>
-                                      <a:rPr lang="pt-BR" sz="1400" b="0" i="1" smtClean="0">
+                                      <a:rPr lang="pt-BR" sz="1600" b="0" i="1" smtClean="0">
                                         <a:latin typeface="Cambria Math" panose="02040503050406030204" pitchFamily="18" charset="0"/>
                                       </a:rPr>
                                     </m:ctrlPr>
@@ -8588,14 +8634,14 @@
                                     <m:f>
                                       <m:fPr>
                                         <m:ctrlPr>
-                                          <a:rPr lang="pt-BR" sz="1400" b="0" i="1" smtClean="0">
+                                          <a:rPr lang="pt-BR" sz="1600" b="0" i="1" smtClean="0">
                                             <a:latin typeface="Cambria Math" panose="02040503050406030204" pitchFamily="18" charset="0"/>
                                           </a:rPr>
                                         </m:ctrlPr>
                                       </m:fPr>
                                       <m:num>
                                         <m:r>
-                                          <a:rPr lang="pt-BR" sz="1400" b="0" i="1" smtClean="0">
+                                          <a:rPr lang="pt-BR" sz="1600" b="0" i="1" smtClean="0">
                                             <a:latin typeface="Cambria Math" panose="02040503050406030204" pitchFamily="18" charset="0"/>
                                           </a:rPr>
                                           <m:t>6</m:t>
@@ -8603,19 +8649,19 @@
                                       </m:num>
                                       <m:den>
                                         <m:r>
-                                          <a:rPr lang="pt-BR" sz="1400" b="0" i="1" smtClean="0">
+                                          <a:rPr lang="pt-BR" sz="1600" b="0" i="1" smtClean="0">
                                             <a:latin typeface="Cambria Math" panose="02040503050406030204" pitchFamily="18" charset="0"/>
                                           </a:rPr>
                                           <m:t>𝑚</m:t>
                                         </m:r>
                                         <m:r>
-                                          <a:rPr lang="pt-BR" sz="1400" b="0" i="1" smtClean="0">
+                                          <a:rPr lang="pt-BR" sz="1600" b="0" i="1" smtClean="0">
                                             <a:latin typeface="Cambria Math" panose="02040503050406030204" pitchFamily="18" charset="0"/>
                                           </a:rPr>
                                           <m:t>+</m:t>
                                         </m:r>
                                         <m:r>
-                                          <a:rPr lang="pt-BR" sz="1400" b="0" i="1" smtClean="0">
+                                          <a:rPr lang="pt-BR" sz="1600" b="0" i="1" smtClean="0">
                                             <a:latin typeface="Cambria Math" panose="02040503050406030204" pitchFamily="18" charset="0"/>
                                           </a:rPr>
                                           <m:t>𝑛</m:t>
@@ -8627,7 +8673,7 @@
                               </m:oMath>
                             </m:oMathPara>
                           </a14:m>
-                          <a:endParaRPr lang="pt-BR" sz="1400" dirty="0"/>
+                          <a:endParaRPr lang="pt-BR" sz="1600" dirty="0"/>
                         </a:p>
                       </a:txBody>
                       <a:tcPr anchor="ctr">
@@ -8684,14 +8730,14 @@
                                 <m:sSup>
                                   <m:sSupPr>
                                     <m:ctrlPr>
-                                      <a:rPr lang="pt-BR" sz="1400" i="1" smtClean="0">
+                                      <a:rPr lang="pt-BR" sz="1600" i="1" smtClean="0">
                                         <a:latin typeface="Cambria Math" panose="02040503050406030204" pitchFamily="18" charset="0"/>
                                       </a:rPr>
                                     </m:ctrlPr>
                                   </m:sSupPr>
                                   <m:e>
                                     <m:r>
-                                      <a:rPr lang="pt-BR" sz="1400" i="1" smtClean="0">
+                                      <a:rPr lang="pt-BR" sz="1600" i="1" smtClean="0">
                                         <a:latin typeface="Cambria Math" panose="02040503050406030204" pitchFamily="18" charset="0"/>
                                         <a:ea typeface="Cambria Math" panose="02040503050406030204" pitchFamily="18" charset="0"/>
                                       </a:rPr>
@@ -8700,7 +8746,7 @@
                                   </m:e>
                                   <m:sup>
                                     <m:r>
-                                      <a:rPr lang="pt-BR" sz="1400" b="0" i="1" smtClean="0">
+                                      <a:rPr lang="pt-BR" sz="1600" b="0" i="1" smtClean="0">
                                         <a:latin typeface="Cambria Math" panose="02040503050406030204" pitchFamily="18" charset="0"/>
                                       </a:rPr>
                                       <m:t>2</m:t>
@@ -8708,7 +8754,7 @@
                                   </m:sup>
                                 </m:sSup>
                                 <m:r>
-                                  <a:rPr lang="pt-BR" sz="1400" b="0" i="1" smtClean="0">
+                                  <a:rPr lang="pt-BR" sz="1600" b="0" i="1" smtClean="0">
                                     <a:latin typeface="Cambria Math" panose="02040503050406030204" pitchFamily="18" charset="0"/>
                                   </a:rPr>
                                   <m:t>=</m:t>
@@ -8716,14 +8762,14 @@
                                 <m:f>
                                   <m:fPr>
                                     <m:ctrlPr>
-                                      <a:rPr lang="pt-BR" sz="1400" b="0" i="1" smtClean="0">
+                                      <a:rPr lang="pt-BR" sz="1600" b="0" i="1" smtClean="0">
                                         <a:latin typeface="Cambria Math" panose="02040503050406030204" pitchFamily="18" charset="0"/>
                                       </a:rPr>
                                     </m:ctrlPr>
                                   </m:fPr>
                                   <m:num>
                                     <m:r>
-                                      <a:rPr lang="pt-BR" sz="1400" b="0" i="1" smtClean="0">
+                                      <a:rPr lang="pt-BR" sz="1600" b="0" i="1" smtClean="0">
                                         <a:latin typeface="Cambria Math" panose="02040503050406030204" pitchFamily="18" charset="0"/>
                                       </a:rPr>
                                       <m:t>2</m:t>
@@ -8731,19 +8777,19 @@
                                   </m:num>
                                   <m:den>
                                     <m:r>
-                                      <a:rPr lang="pt-BR" sz="1400" b="0" i="1" smtClean="0">
+                                      <a:rPr lang="pt-BR" sz="1600" b="0" i="1" smtClean="0">
                                         <a:latin typeface="Cambria Math" panose="02040503050406030204" pitchFamily="18" charset="0"/>
                                       </a:rPr>
                                       <m:t>𝑚</m:t>
                                     </m:r>
                                     <m:r>
-                                      <a:rPr lang="pt-BR" sz="1400" b="0" i="1" smtClean="0">
+                                      <a:rPr lang="pt-BR" sz="1600" b="0" i="1" smtClean="0">
                                         <a:latin typeface="Cambria Math" panose="02040503050406030204" pitchFamily="18" charset="0"/>
                                       </a:rPr>
                                       <m:t>+</m:t>
                                     </m:r>
                                     <m:r>
-                                      <a:rPr lang="pt-BR" sz="1400" b="0" i="1" smtClean="0">
+                                      <a:rPr lang="pt-BR" sz="1600" b="0" i="1" smtClean="0">
                                         <a:latin typeface="Cambria Math" panose="02040503050406030204" pitchFamily="18" charset="0"/>
                                       </a:rPr>
                                       <m:t>𝑛</m:t>
@@ -8753,7 +8799,7 @@
                               </m:oMath>
                             </m:oMathPara>
                           </a14:m>
-                          <a:endParaRPr lang="pt-BR" sz="1400" dirty="0"/>
+                          <a:endParaRPr lang="pt-BR" sz="1600" dirty="0"/>
                         </a:p>
                       </a:txBody>
                       <a:tcPr anchor="ctr">
@@ -8804,10 +8850,10 @@
                         <a:p>
                           <a:pPr algn="ctr"/>
                           <a:r>
-                            <a:rPr lang="pt-BR" sz="1400" dirty="0" smtClean="0"/>
+                            <a:rPr lang="pt-BR" sz="1600" dirty="0" smtClean="0"/>
                             <a:t>He</a:t>
                           </a:r>
-                          <a:endParaRPr lang="pt-BR" sz="1400" dirty="0"/>
+                          <a:endParaRPr lang="pt-BR" sz="1600" dirty="0"/>
                         </a:p>
                       </a:txBody>
                       <a:tcPr anchor="ctr">
@@ -8856,14 +8902,14 @@
                         <a:p>
                           <a:pPr algn="ctr"/>
                           <a:r>
-                            <a:rPr lang="pt-BR" sz="1400" dirty="0" smtClean="0"/>
+                            <a:rPr lang="pt-BR" sz="1600" dirty="0" smtClean="0"/>
                             <a:t>ReLU</a:t>
                           </a:r>
                           <a:r>
-                            <a:rPr lang="pt-BR" sz="1400" baseline="0" dirty="0" smtClean="0"/>
+                            <a:rPr lang="pt-BR" sz="1600" baseline="0" dirty="0" smtClean="0"/>
                             <a:t> e variantes</a:t>
                           </a:r>
-                          <a:endParaRPr lang="pt-BR" sz="1400" dirty="0"/>
+                          <a:endParaRPr lang="pt-BR" sz="1600" dirty="0"/>
                         </a:p>
                       </a:txBody>
                       <a:tcPr anchor="ctr">
@@ -8918,13 +8964,13 @@
                               </m:oMathParaPr>
                               <m:oMath xmlns:m="http://schemas.openxmlformats.org/officeDocument/2006/math">
                                 <m:r>
-                                  <a:rPr lang="pt-BR" sz="1400" b="0" i="1" smtClean="0">
+                                  <a:rPr lang="pt-BR" sz="1600" b="0" i="1" smtClean="0">
                                     <a:latin typeface="Cambria Math" panose="02040503050406030204" pitchFamily="18" charset="0"/>
                                   </a:rPr>
                                   <m:t>𝑟</m:t>
                                 </m:r>
                                 <m:r>
-                                  <a:rPr lang="pt-BR" sz="1400" b="0" i="1" smtClean="0">
+                                  <a:rPr lang="pt-BR" sz="1600" b="0" i="1" smtClean="0">
                                     <a:latin typeface="Cambria Math" panose="02040503050406030204" pitchFamily="18" charset="0"/>
                                   </a:rPr>
                                   <m:t>=</m:t>
@@ -8933,7 +8979,7 @@
                                   <m:radPr>
                                     <m:degHide m:val="on"/>
                                     <m:ctrlPr>
-                                      <a:rPr lang="pt-BR" sz="1400" b="0" i="1" smtClean="0">
+                                      <a:rPr lang="pt-BR" sz="1600" b="0" i="1" smtClean="0">
                                         <a:latin typeface="Cambria Math" panose="02040503050406030204" pitchFamily="18" charset="0"/>
                                       </a:rPr>
                                     </m:ctrlPr>
@@ -8943,14 +8989,14 @@
                                     <m:f>
                                       <m:fPr>
                                         <m:ctrlPr>
-                                          <a:rPr lang="pt-BR" sz="1400" b="0" i="1" smtClean="0">
+                                          <a:rPr lang="pt-BR" sz="1600" b="0" i="1" smtClean="0">
                                             <a:latin typeface="Cambria Math" panose="02040503050406030204" pitchFamily="18" charset="0"/>
                                           </a:rPr>
                                         </m:ctrlPr>
                                       </m:fPr>
                                       <m:num>
                                         <m:r>
-                                          <a:rPr lang="pt-BR" sz="1400" b="0" i="1" smtClean="0">
+                                          <a:rPr lang="pt-BR" sz="1600" b="0" i="1" smtClean="0">
                                             <a:latin typeface="Cambria Math" panose="02040503050406030204" pitchFamily="18" charset="0"/>
                                           </a:rPr>
                                           <m:t>6</m:t>
@@ -8958,7 +9004,7 @@
                                       </m:num>
                                       <m:den>
                                         <m:r>
-                                          <a:rPr lang="pt-BR" sz="1400" b="0" i="1" smtClean="0">
+                                          <a:rPr lang="pt-BR" sz="1600" b="0" i="1" smtClean="0">
                                             <a:latin typeface="Cambria Math" panose="02040503050406030204" pitchFamily="18" charset="0"/>
                                           </a:rPr>
                                           <m:t>𝑚</m:t>
@@ -8970,7 +9016,7 @@
                               </m:oMath>
                             </m:oMathPara>
                           </a14:m>
-                          <a:endParaRPr lang="pt-BR" sz="1400" dirty="0"/>
+                          <a:endParaRPr lang="pt-BR" sz="1600" dirty="0"/>
                         </a:p>
                       </a:txBody>
                       <a:tcPr anchor="ctr">
@@ -9043,14 +9089,14 @@
                                 <m:sSup>
                                   <m:sSupPr>
                                     <m:ctrlPr>
-                                      <a:rPr lang="pt-BR" sz="1400" i="1" smtClean="0">
+                                      <a:rPr lang="pt-BR" sz="1600" i="1" smtClean="0">
                                         <a:latin typeface="Cambria Math" panose="02040503050406030204" pitchFamily="18" charset="0"/>
                                       </a:rPr>
                                     </m:ctrlPr>
                                   </m:sSupPr>
                                   <m:e>
                                     <m:r>
-                                      <a:rPr lang="pt-BR" sz="1400" i="1" smtClean="0">
+                                      <a:rPr lang="pt-BR" sz="1600" i="1" smtClean="0">
                                         <a:latin typeface="Cambria Math" panose="02040503050406030204" pitchFamily="18" charset="0"/>
                                         <a:ea typeface="Cambria Math" panose="02040503050406030204" pitchFamily="18" charset="0"/>
                                       </a:rPr>
@@ -9059,7 +9105,7 @@
                                   </m:e>
                                   <m:sup>
                                     <m:r>
-                                      <a:rPr lang="pt-BR" sz="1400" b="0" i="1" smtClean="0">
+                                      <a:rPr lang="pt-BR" sz="1600" b="0" i="1" smtClean="0">
                                         <a:latin typeface="Cambria Math" panose="02040503050406030204" pitchFamily="18" charset="0"/>
                                       </a:rPr>
                                       <m:t>2</m:t>
@@ -9067,7 +9113,7 @@
                                   </m:sup>
                                 </m:sSup>
                                 <m:r>
-                                  <a:rPr lang="pt-BR" sz="1400" b="0" i="1" smtClean="0">
+                                  <a:rPr lang="pt-BR" sz="1600" b="0" i="1" smtClean="0">
                                     <a:latin typeface="Cambria Math" panose="02040503050406030204" pitchFamily="18" charset="0"/>
                                   </a:rPr>
                                   <m:t>=</m:t>
@@ -9075,14 +9121,14 @@
                                 <m:f>
                                   <m:fPr>
                                     <m:ctrlPr>
-                                      <a:rPr lang="pt-BR" sz="1400" b="0" i="1" smtClean="0">
+                                      <a:rPr lang="pt-BR" sz="1600" b="0" i="1" smtClean="0">
                                         <a:latin typeface="Cambria Math" panose="02040503050406030204" pitchFamily="18" charset="0"/>
                                       </a:rPr>
                                     </m:ctrlPr>
                                   </m:fPr>
                                   <m:num>
                                     <m:r>
-                                      <a:rPr lang="pt-BR" sz="1400" b="0" i="1" smtClean="0">
+                                      <a:rPr lang="pt-BR" sz="1600" b="0" i="1" smtClean="0">
                                         <a:latin typeface="Cambria Math" panose="02040503050406030204" pitchFamily="18" charset="0"/>
                                       </a:rPr>
                                       <m:t>2</m:t>
@@ -9090,7 +9136,7 @@
                                   </m:num>
                                   <m:den>
                                     <m:r>
-                                      <a:rPr lang="pt-BR" sz="1400" b="0" i="1" smtClean="0">
+                                      <a:rPr lang="pt-BR" sz="1600" b="0" i="1" smtClean="0">
                                         <a:latin typeface="Cambria Math" panose="02040503050406030204" pitchFamily="18" charset="0"/>
                                       </a:rPr>
                                       <m:t>𝑚</m:t>
@@ -9100,7 +9146,7 @@
                               </m:oMath>
                             </m:oMathPara>
                           </a14:m>
-                          <a:endParaRPr lang="pt-BR" sz="1400" dirty="0"/>
+                          <a:endParaRPr lang="pt-BR" sz="1600" dirty="0"/>
                         </a:p>
                       </a:txBody>
                       <a:tcPr anchor="ctr">
@@ -9151,10 +9197,10 @@
                         <a:p>
                           <a:pPr algn="ctr"/>
                           <a:r>
-                            <a:rPr lang="pt-BR" sz="1400" dirty="0" smtClean="0"/>
+                            <a:rPr lang="pt-BR" sz="1600" dirty="0" smtClean="0"/>
                             <a:t>LeCun</a:t>
                           </a:r>
-                          <a:endParaRPr lang="pt-BR" sz="1400" dirty="0"/>
+                          <a:endParaRPr lang="pt-BR" sz="1600" dirty="0"/>
                         </a:p>
                       </a:txBody>
                       <a:tcPr anchor="ctr">
@@ -9203,10 +9249,10 @@
                         <a:p>
                           <a:pPr algn="ctr"/>
                           <a:r>
-                            <a:rPr lang="pt-BR" sz="1400" dirty="0" smtClean="0"/>
+                            <a:rPr lang="pt-BR" sz="1600" dirty="0" smtClean="0"/>
                             <a:t>SELU</a:t>
                           </a:r>
-                          <a:endParaRPr lang="pt-BR" sz="1400" dirty="0"/>
+                          <a:endParaRPr lang="pt-BR" sz="1600" dirty="0"/>
                         </a:p>
                       </a:txBody>
                       <a:tcPr anchor="ctr">
@@ -9261,13 +9307,13 @@
                               </m:oMathParaPr>
                               <m:oMath xmlns:m="http://schemas.openxmlformats.org/officeDocument/2006/math">
                                 <m:r>
-                                  <a:rPr lang="pt-BR" sz="1400" b="0" i="1" smtClean="0">
+                                  <a:rPr lang="pt-BR" sz="1600" b="0" i="1" smtClean="0">
                                     <a:latin typeface="Cambria Math" panose="02040503050406030204" pitchFamily="18" charset="0"/>
                                   </a:rPr>
                                   <m:t>𝑟</m:t>
                                 </m:r>
                                 <m:r>
-                                  <a:rPr lang="pt-BR" sz="1400" b="0" i="1" smtClean="0">
+                                  <a:rPr lang="pt-BR" sz="1600" b="0" i="1" smtClean="0">
                                     <a:latin typeface="Cambria Math" panose="02040503050406030204" pitchFamily="18" charset="0"/>
                                   </a:rPr>
                                   <m:t>=</m:t>
@@ -9276,7 +9322,7 @@
                                   <m:radPr>
                                     <m:degHide m:val="on"/>
                                     <m:ctrlPr>
-                                      <a:rPr lang="pt-BR" sz="1400" b="0" i="1" smtClean="0">
+                                      <a:rPr lang="pt-BR" sz="1600" b="0" i="1" smtClean="0">
                                         <a:latin typeface="Cambria Math" panose="02040503050406030204" pitchFamily="18" charset="0"/>
                                       </a:rPr>
                                     </m:ctrlPr>
@@ -9286,14 +9332,14 @@
                                     <m:f>
                                       <m:fPr>
                                         <m:ctrlPr>
-                                          <a:rPr lang="pt-BR" sz="1400" b="0" i="1" smtClean="0">
+                                          <a:rPr lang="pt-BR" sz="1600" b="0" i="1" smtClean="0">
                                             <a:latin typeface="Cambria Math" panose="02040503050406030204" pitchFamily="18" charset="0"/>
                                           </a:rPr>
                                         </m:ctrlPr>
                                       </m:fPr>
                                       <m:num>
                                         <m:r>
-                                          <a:rPr lang="pt-BR" sz="1400" b="0" i="1" smtClean="0">
+                                          <a:rPr lang="pt-BR" sz="1600" b="0" i="1" smtClean="0">
                                             <a:latin typeface="Cambria Math" panose="02040503050406030204" pitchFamily="18" charset="0"/>
                                           </a:rPr>
                                           <m:t>3</m:t>
@@ -9301,7 +9347,7 @@
                                       </m:num>
                                       <m:den>
                                         <m:r>
-                                          <a:rPr lang="pt-BR" sz="1400" b="0" i="1" smtClean="0">
+                                          <a:rPr lang="pt-BR" sz="1600" b="0" i="1" smtClean="0">
                                             <a:latin typeface="Cambria Math" panose="02040503050406030204" pitchFamily="18" charset="0"/>
                                           </a:rPr>
                                           <m:t>𝑚</m:t>
@@ -9313,7 +9359,7 @@
                               </m:oMath>
                             </m:oMathPara>
                           </a14:m>
-                          <a:endParaRPr lang="pt-BR" sz="1400" dirty="0"/>
+                          <a:endParaRPr lang="pt-BR" sz="1600" dirty="0"/>
                         </a:p>
                       </a:txBody>
                       <a:tcPr anchor="ctr">
@@ -9386,14 +9432,14 @@
                                 <m:sSup>
                                   <m:sSupPr>
                                     <m:ctrlPr>
-                                      <a:rPr lang="pt-BR" sz="1400" i="1" smtClean="0">
+                                      <a:rPr lang="pt-BR" sz="1600" i="1" smtClean="0">
                                         <a:latin typeface="Cambria Math" panose="02040503050406030204" pitchFamily="18" charset="0"/>
                                       </a:rPr>
                                     </m:ctrlPr>
                                   </m:sSupPr>
                                   <m:e>
                                     <m:r>
-                                      <a:rPr lang="pt-BR" sz="1400" i="1" smtClean="0">
+                                      <a:rPr lang="pt-BR" sz="1600" i="1" smtClean="0">
                                         <a:latin typeface="Cambria Math" panose="02040503050406030204" pitchFamily="18" charset="0"/>
                                         <a:ea typeface="Cambria Math" panose="02040503050406030204" pitchFamily="18" charset="0"/>
                                       </a:rPr>
@@ -9402,7 +9448,7 @@
                                   </m:e>
                                   <m:sup>
                                     <m:r>
-                                      <a:rPr lang="pt-BR" sz="1400" b="0" i="1" smtClean="0">
+                                      <a:rPr lang="pt-BR" sz="1600" b="0" i="1" smtClean="0">
                                         <a:latin typeface="Cambria Math" panose="02040503050406030204" pitchFamily="18" charset="0"/>
                                       </a:rPr>
                                       <m:t>2</m:t>
@@ -9410,7 +9456,7 @@
                                   </m:sup>
                                 </m:sSup>
                                 <m:r>
-                                  <a:rPr lang="pt-BR" sz="1400" b="0" i="1" smtClean="0">
+                                  <a:rPr lang="pt-BR" sz="1600" b="0" i="1" smtClean="0">
                                     <a:latin typeface="Cambria Math" panose="02040503050406030204" pitchFamily="18" charset="0"/>
                                   </a:rPr>
                                   <m:t>=</m:t>
@@ -9418,14 +9464,14 @@
                                 <m:f>
                                   <m:fPr>
                                     <m:ctrlPr>
-                                      <a:rPr lang="pt-BR" sz="1400" b="0" i="1" smtClean="0">
+                                      <a:rPr lang="pt-BR" sz="1600" b="0" i="1" smtClean="0">
                                         <a:latin typeface="Cambria Math" panose="02040503050406030204" pitchFamily="18" charset="0"/>
                                       </a:rPr>
                                     </m:ctrlPr>
                                   </m:fPr>
                                   <m:num>
                                     <m:r>
-                                      <a:rPr lang="pt-BR" sz="1400" b="0" i="1" smtClean="0">
+                                      <a:rPr lang="pt-BR" sz="1600" b="0" i="1" smtClean="0">
                                         <a:latin typeface="Cambria Math" panose="02040503050406030204" pitchFamily="18" charset="0"/>
                                       </a:rPr>
                                       <m:t>1</m:t>
@@ -9433,7 +9479,7 @@
                                   </m:num>
                                   <m:den>
                                     <m:r>
-                                      <a:rPr lang="pt-BR" sz="1400" b="0" i="1" smtClean="0">
+                                      <a:rPr lang="pt-BR" sz="1600" b="0" i="1" smtClean="0">
                                         <a:latin typeface="Cambria Math" panose="02040503050406030204" pitchFamily="18" charset="0"/>
                                       </a:rPr>
                                       <m:t>𝑚</m:t>
@@ -9443,7 +9489,7 @@
                               </m:oMath>
                             </m:oMathPara>
                           </a14:m>
-                          <a:endParaRPr lang="pt-BR" sz="1400" dirty="0"/>
+                          <a:endParaRPr lang="pt-BR" sz="1600" dirty="0"/>
                         </a:p>
                       </a:txBody>
                       <a:tcPr anchor="ctr">
@@ -9491,7 +9537,7 @@
             </a:graphic>
           </p:graphicFrame>
         </mc:Choice>
-        <mc:Fallback xmlns="">
+        <mc:Fallback>
           <p:graphicFrame>
             <p:nvGraphicFramePr>
               <p:cNvPr id="4" name="Table 3"/>
@@ -9501,14 +9547,14 @@
               <p:nvPr>
                 <p:extLst>
                   <p:ext uri="{D42A27DB-BD31-4B8C-83A1-F6EECF244321}">
-                    <p14:modId xmlns:p14="http://schemas.microsoft.com/office/powerpoint/2010/main" val="2864715125"/>
+                    <p14:modId xmlns:p14="http://schemas.microsoft.com/office/powerpoint/2010/main" val="155999690"/>
                   </p:ext>
                 </p:extLst>
               </p:nvPr>
             </p:nvGraphicFramePr>
             <p:xfrm>
               <a:off x="838200" y="2579851"/>
-              <a:ext cx="11036474" cy="3012627"/>
+              <a:ext cx="11036474" cy="3073587"/>
             </p:xfrm>
             <a:graphic>
               <a:graphicData uri="http://schemas.openxmlformats.org/drawingml/2006/table">
@@ -9522,7 +9568,7 @@
                     <a:gridCol w="3080660"/>
                     <a:gridCol w="2437577"/>
                   </a:tblGrid>
-                  <a:tr h="518160">
+                  <a:tr h="579120">
                     <a:tc>
                       <a:txBody>
                         <a:bodyPr/>
@@ -9530,10 +9576,10 @@
                         <a:p>
                           <a:pPr algn="ctr"/>
                           <a:r>
-                            <a:rPr lang="pt-BR" sz="1400" b="1" dirty="0" smtClean="0"/>
+                            <a:rPr lang="pt-BR" sz="1600" b="1" dirty="0" smtClean="0"/>
                             <a:t>Inicialização</a:t>
                           </a:r>
-                          <a:endParaRPr lang="pt-BR" sz="1400" b="1" dirty="0"/>
+                          <a:endParaRPr lang="pt-BR" sz="1600" b="1" dirty="0"/>
                         </a:p>
                       </a:txBody>
                       <a:tcPr>
@@ -9582,10 +9628,10 @@
                         <a:p>
                           <a:pPr algn="ctr"/>
                           <a:r>
-                            <a:rPr lang="pt-BR" sz="1400" b="1" dirty="0" smtClean="0"/>
+                            <a:rPr lang="pt-BR" sz="1600" b="1" dirty="0" smtClean="0"/>
                             <a:t>Funções de ativação</a:t>
                           </a:r>
-                          <a:endParaRPr lang="pt-BR" sz="1400" b="1" dirty="0"/>
+                          <a:endParaRPr lang="pt-BR" sz="1600" b="1" dirty="0"/>
                         </a:p>
                       </a:txBody>
                       <a:tcPr>
@@ -9675,7 +9721,7 @@
                         <a:blipFill rotWithShape="0">
                           <a:blip r:embed="rId4"/>
                           <a:stretch>
-                            <a:fillRect l="-179604" t="-2353" r="-79802" b="-484706"/>
+                            <a:fillRect l="-179604" t="-3158" r="-79802" b="-433684"/>
                           </a:stretch>
                         </a:blipFill>
                       </a:tcPr>
@@ -9728,7 +9774,7 @@
                         <a:blipFill rotWithShape="0">
                           <a:blip r:embed="rId4"/>
                           <a:stretch>
-                            <a:fillRect l="-353000" t="-2353" r="-750" b="-484706"/>
+                            <a:fillRect l="-353000" t="-3158" r="-750" b="-433684"/>
                           </a:stretch>
                         </a:blipFill>
                       </a:tcPr>
@@ -9742,10 +9788,10 @@
                         <a:p>
                           <a:pPr algn="ctr"/>
                           <a:r>
-                            <a:rPr lang="pt-BR" sz="1400" dirty="0" smtClean="0"/>
+                            <a:rPr lang="pt-BR" sz="1600" dirty="0" smtClean="0"/>
                             <a:t>Xavier/Glorot</a:t>
                           </a:r>
-                          <a:endParaRPr lang="pt-BR" sz="1400" dirty="0"/>
+                          <a:endParaRPr lang="pt-BR" sz="1600" dirty="0"/>
                         </a:p>
                       </a:txBody>
                       <a:tcPr anchor="ctr">
@@ -9794,10 +9840,10 @@
                         <a:p>
                           <a:pPr algn="ctr"/>
                           <a:r>
-                            <a:rPr lang="pt-BR" sz="1400" dirty="0" smtClean="0"/>
+                            <a:rPr lang="pt-BR" sz="1600" dirty="0" smtClean="0"/>
                             <a:t>Nenhuma, Tanh, Logística, Softmax</a:t>
                           </a:r>
-                          <a:endParaRPr lang="pt-BR" sz="1400" dirty="0"/>
+                          <a:endParaRPr lang="pt-BR" sz="1600" dirty="0"/>
                         </a:p>
                       </a:txBody>
                       <a:tcPr anchor="ctr">
@@ -9887,7 +9933,7 @@
                         <a:blipFill rotWithShape="0">
                           <a:blip r:embed="rId4"/>
                           <a:stretch>
-                            <a:fillRect l="-179604" t="-63504" r="-79802" b="-200730"/>
+                            <a:fillRect l="-179604" t="-71533" r="-79802" b="-200730"/>
                           </a:stretch>
                         </a:blipFill>
                       </a:tcPr>
@@ -9940,7 +9986,7 @@
                         <a:blipFill rotWithShape="0">
                           <a:blip r:embed="rId4"/>
                           <a:stretch>
-                            <a:fillRect l="-353000" t="-63504" r="-750" b="-200730"/>
+                            <a:fillRect l="-353000" t="-71533" r="-750" b="-200730"/>
                           </a:stretch>
                         </a:blipFill>
                       </a:tcPr>
@@ -9954,10 +10000,10 @@
                         <a:p>
                           <a:pPr algn="ctr"/>
                           <a:r>
-                            <a:rPr lang="pt-BR" sz="1400" dirty="0" smtClean="0"/>
+                            <a:rPr lang="pt-BR" sz="1600" dirty="0" smtClean="0"/>
                             <a:t>He</a:t>
                           </a:r>
-                          <a:endParaRPr lang="pt-BR" sz="1400" dirty="0"/>
+                          <a:endParaRPr lang="pt-BR" sz="1600" dirty="0"/>
                         </a:p>
                       </a:txBody>
                       <a:tcPr anchor="ctr">
@@ -10006,14 +10052,14 @@
                         <a:p>
                           <a:pPr algn="ctr"/>
                           <a:r>
-                            <a:rPr lang="pt-BR" sz="1400" dirty="0" smtClean="0"/>
+                            <a:rPr lang="pt-BR" sz="1600" dirty="0" smtClean="0"/>
                             <a:t>ReLU</a:t>
                           </a:r>
                           <a:r>
-                            <a:rPr lang="pt-BR" sz="1400" baseline="0" dirty="0" smtClean="0"/>
+                            <a:rPr lang="pt-BR" sz="1600" baseline="0" dirty="0" smtClean="0"/>
                             <a:t> e variantes</a:t>
                           </a:r>
-                          <a:endParaRPr lang="pt-BR" sz="1400" dirty="0"/>
+                          <a:endParaRPr lang="pt-BR" sz="1600" dirty="0"/>
                         </a:p>
                       </a:txBody>
                       <a:tcPr anchor="ctr">
@@ -10103,7 +10149,7 @@
                         <a:blipFill rotWithShape="0">
                           <a:blip r:embed="rId4"/>
                           <a:stretch>
-                            <a:fillRect l="-179604" t="-164706" r="-79802" b="-102206"/>
+                            <a:fillRect l="-179604" t="-172794" r="-79802" b="-102206"/>
                           </a:stretch>
                         </a:blipFill>
                       </a:tcPr>
@@ -10156,7 +10202,7 @@
                         <a:blipFill rotWithShape="0">
                           <a:blip r:embed="rId4"/>
                           <a:stretch>
-                            <a:fillRect l="-353000" t="-164706" r="-750" b="-102206"/>
+                            <a:fillRect l="-353000" t="-172794" r="-750" b="-102206"/>
                           </a:stretch>
                         </a:blipFill>
                       </a:tcPr>
@@ -10170,10 +10216,10 @@
                         <a:p>
                           <a:pPr algn="ctr"/>
                           <a:r>
-                            <a:rPr lang="pt-BR" sz="1400" dirty="0" smtClean="0"/>
+                            <a:rPr lang="pt-BR" sz="1600" dirty="0" smtClean="0"/>
                             <a:t>LeCun</a:t>
                           </a:r>
-                          <a:endParaRPr lang="pt-BR" sz="1400" dirty="0"/>
+                          <a:endParaRPr lang="pt-BR" sz="1600" dirty="0"/>
                         </a:p>
                       </a:txBody>
                       <a:tcPr anchor="ctr">
@@ -10222,10 +10268,10 @@
                         <a:p>
                           <a:pPr algn="ctr"/>
                           <a:r>
-                            <a:rPr lang="pt-BR" sz="1400" dirty="0" smtClean="0"/>
+                            <a:rPr lang="pt-BR" sz="1600" dirty="0" smtClean="0"/>
                             <a:t>SELU</a:t>
                           </a:r>
-                          <a:endParaRPr lang="pt-BR" sz="1400" dirty="0"/>
+                          <a:endParaRPr lang="pt-BR" sz="1600" dirty="0"/>
                         </a:p>
                       </a:txBody>
                       <a:tcPr anchor="ctr">
@@ -10315,7 +10361,7 @@
                         <a:blipFill rotWithShape="0">
                           <a:blip r:embed="rId4"/>
                           <a:stretch>
-                            <a:fillRect l="-179604" t="-262774" r="-79802" b="-1460"/>
+                            <a:fillRect l="-179604" t="-270803" r="-79802" b="-1460"/>
                           </a:stretch>
                         </a:blipFill>
                       </a:tcPr>
@@ -10368,7 +10414,7 @@
                         <a:blipFill rotWithShape="0">
                           <a:blip r:embed="rId4"/>
                           <a:stretch>
-                            <a:fillRect l="-353000" t="-262774" r="-750" b="-1460"/>
+                            <a:fillRect l="-353000" t="-270803" r="-750" b="-1460"/>
                           </a:stretch>
                         </a:blipFill>
                       </a:tcPr>
@@ -10467,7 +10513,23 @@
           <a:p>
             <a:r>
               <a:rPr lang="pt-BR" dirty="0"/>
-              <a:t>Entretanto, as implementações desta biblioteca não se destinam a aplicações de larga escala. </a:t>
+              <a:t>Entretanto, </a:t>
+            </a:r>
+            <a:r>
+              <a:rPr lang="pt-BR" dirty="0" smtClean="0"/>
+              <a:t>suas </a:t>
+            </a:r>
+            <a:r>
+              <a:rPr lang="pt-BR" dirty="0"/>
+              <a:t>implementações </a:t>
+            </a:r>
+            <a:r>
+              <a:rPr lang="pt-BR" dirty="0" smtClean="0"/>
+              <a:t>não </a:t>
+            </a:r>
+            <a:r>
+              <a:rPr lang="pt-BR" dirty="0"/>
+              <a:t>se destinam a aplicações de larga escala. </a:t>
             </a:r>
           </a:p>
           <a:p>
@@ -10487,7 +10549,23 @@
           <a:p>
             <a:r>
               <a:rPr lang="pt-BR" dirty="0"/>
-              <a:t>Para implementações muito mais rápidas, baseadas em GPU, bem como estruturas que oferecem muito mais flexibilidade para criar arquiteturas de aprendizado profundo, por exemplo, devemos utilizar outras bibliotecas como:</a:t>
+              <a:t>Para implementações muito mais rápidas, </a:t>
+            </a:r>
+            <a:r>
+              <a:rPr lang="pt-BR" dirty="0"/>
+              <a:t>baseadas em </a:t>
+            </a:r>
+            <a:r>
+              <a:rPr lang="pt-BR" dirty="0" smtClean="0"/>
+              <a:t>GPU, escaláveis</a:t>
+            </a:r>
+            <a:r>
+              <a:rPr lang="pt-BR" dirty="0"/>
+              <a:t>, </a:t>
+            </a:r>
+            <a:r>
+              <a:rPr lang="pt-BR" dirty="0"/>
+              <a:t>bem como estruturas que oferecem muito mais flexibilidade para criar arquiteturas de aprendizado profundo, por exemplo, devemos utilizar outras bibliotecas como:</a:t>
             </a:r>
           </a:p>
           <a:p>
@@ -10860,7 +10938,7 @@
           <p:cNvPr id="4" name="Título 1">
             <a:extLst>
               <a:ext uri="{FF2B5EF4-FFF2-40B4-BE49-F238E27FC236}">
-                <a16:creationId xmlns:a16="http://schemas.microsoft.com/office/drawing/2014/main" xmlns="" id="{32666AC8-2E17-4DB4-B0F5-60C640CCFD2E}"/>
+                <a16:creationId xmlns="" xmlns:a16="http://schemas.microsoft.com/office/drawing/2014/main" id="{32666AC8-2E17-4DB4-B0F5-60C640CCFD2E}"/>
               </a:ext>
             </a:extLst>
           </p:cNvPr>
@@ -11353,7 +11431,7 @@
           <p:cNvPr id="4" name="Título 1">
             <a:extLst>
               <a:ext uri="{FF2B5EF4-FFF2-40B4-BE49-F238E27FC236}">
-                <a16:creationId xmlns:a16="http://schemas.microsoft.com/office/drawing/2014/main" xmlns="" id="{32666AC8-2E17-4DB4-B0F5-60C640CCFD2E}"/>
+                <a16:creationId xmlns="" xmlns:a16="http://schemas.microsoft.com/office/drawing/2014/main" id="{32666AC8-2E17-4DB4-B0F5-60C640CCFD2E}"/>
               </a:ext>
             </a:extLst>
           </p:cNvPr>
@@ -13625,8 +13703,8 @@
           </a:p>
         </p:txBody>
       </p:sp>
-      <mc:AlternateContent xmlns:mc="http://schemas.openxmlformats.org/markup-compatibility/2006">
-        <mc:Choice xmlns:a14="http://schemas.microsoft.com/office/drawing/2010/main" Requires="a14">
+      <mc:AlternateContent xmlns:mc="http://schemas.openxmlformats.org/markup-compatibility/2006" xmlns:a14="http://schemas.microsoft.com/office/drawing/2010/main">
+        <mc:Choice Requires="a14">
           <p:sp>
             <p:nvSpPr>
               <p:cNvPr id="3" name="Content Placeholder 2"/>
@@ -14153,12 +14231,11 @@
                   <a:rPr lang="pt-BR" dirty="0"/>
                   <a:t>?</a:t>
                 </a:r>
-                <a:endParaRPr lang="pt-BR" dirty="0"/>
               </a:p>
             </p:txBody>
           </p:sp>
         </mc:Choice>
-        <mc:Fallback>
+        <mc:Fallback xmlns="">
           <p:sp>
             <p:nvSpPr>
               <p:cNvPr id="3" name="Content Placeholder 2"/>

--- a/slides/T320_Redes_Neurais_Artificiais (Parte IV).pptx
+++ b/slides/T320_Redes_Neurais_Artificiais (Parte IV).pptx
@@ -1463,11 +1463,7 @@
           <a:p>
             <a:r>
               <a:rPr lang="pt-BR" dirty="0" smtClean="0"/>
-              <a:t>[1] https://www.deeplearning.ai/ai-notes/initialization</a:t>
-            </a:r>
-            <a:r>
-              <a:rPr lang="pt-BR" dirty="0" smtClean="0"/>
-              <a:t>/</a:t>
+              <a:t>[1] https://www.deeplearning.ai/ai-notes/initialization/</a:t>
             </a:r>
           </a:p>
           <a:p>
@@ -4962,7 +4958,7 @@
           <p:cNvPr id="2" name="Título 1">
             <a:extLst>
               <a:ext uri="{FF2B5EF4-FFF2-40B4-BE49-F238E27FC236}">
-                <a16:creationId xmlns="" xmlns:a16="http://schemas.microsoft.com/office/drawing/2014/main" id="{32666AC8-2E17-4DB4-B0F5-60C640CCFD2E}"/>
+                <a16:creationId xmlns:a16="http://schemas.microsoft.com/office/drawing/2014/main" xmlns="" id="{32666AC8-2E17-4DB4-B0F5-60C640CCFD2E}"/>
               </a:ext>
             </a:extLst>
           </p:cNvPr>
@@ -5017,7 +5013,7 @@
           <p:cNvPr id="4" name="CaixaDeTexto 3">
             <a:extLst>
               <a:ext uri="{FF2B5EF4-FFF2-40B4-BE49-F238E27FC236}">
-                <a16:creationId xmlns="" xmlns:a16="http://schemas.microsoft.com/office/drawing/2014/main" id="{430EB894-B7D4-434C-9D1A-A14094D9BEEC}"/>
+                <a16:creationId xmlns:a16="http://schemas.microsoft.com/office/drawing/2014/main" xmlns="" id="{430EB894-B7D4-434C-9D1A-A14094D9BEEC}"/>
               </a:ext>
             </a:extLst>
           </p:cNvPr>
@@ -5058,7 +5054,7 @@
           <p:cNvPr id="1026" name="Picture 2" descr="Logo">
             <a:extLst>
               <a:ext uri="{FF2B5EF4-FFF2-40B4-BE49-F238E27FC236}">
-                <a16:creationId xmlns="" xmlns:a16="http://schemas.microsoft.com/office/drawing/2014/main" id="{3F2642E0-4F6A-4196-8F58-E77D36E9A33F}"/>
+                <a16:creationId xmlns:a16="http://schemas.microsoft.com/office/drawing/2014/main" xmlns="" id="{3F2642E0-4F6A-4196-8F58-E77D36E9A33F}"/>
               </a:ext>
             </a:extLst>
           </p:cNvPr>
@@ -5103,7 +5099,7 @@
           <p:cNvPr id="5122" name="Picture 2" descr="Image result for machine learning">
             <a:extLst>
               <a:ext uri="{FF2B5EF4-FFF2-40B4-BE49-F238E27FC236}">
-                <a16:creationId xmlns="" xmlns:a16="http://schemas.microsoft.com/office/drawing/2014/main" id="{810CE0A2-4102-44A6-A370-175E7896CDCB}"/>
+                <a16:creationId xmlns:a16="http://schemas.microsoft.com/office/drawing/2014/main" xmlns="" id="{810CE0A2-4102-44A6-A370-175E7896CDCB}"/>
               </a:ext>
             </a:extLst>
           </p:cNvPr>
@@ -6183,8 +6179,8 @@
           </a:p>
         </p:txBody>
       </p:sp>
-      <mc:AlternateContent xmlns:mc="http://schemas.openxmlformats.org/markup-compatibility/2006">
-        <mc:Choice xmlns:a14="http://schemas.microsoft.com/office/drawing/2010/main" Requires="a14">
+      <mc:AlternateContent xmlns:mc="http://schemas.openxmlformats.org/markup-compatibility/2006" xmlns:a14="http://schemas.microsoft.com/office/drawing/2010/main">
+        <mc:Choice Requires="a14">
           <p:sp>
             <p:nvSpPr>
               <p:cNvPr id="3" name="Content Placeholder 2"/>
@@ -6252,13 +6248,8 @@
                 </a:r>
                 <a:r>
                   <a:rPr lang="pt-BR" dirty="0" smtClean="0"/>
-                  <a:t>ao </a:t>
-                </a:r>
-                <a:r>
-                  <a:rPr lang="pt-BR" dirty="0" smtClean="0"/>
-                  <a:t>seu ajuste.</a:t>
-                </a:r>
-                <a:endParaRPr lang="pt-BR" dirty="0" smtClean="0"/>
+                  <a:t>ao seu ajuste.</a:t>
+                </a:r>
               </a:p>
               <a:p>
                 <a:pPr lvl="1">
@@ -6691,7 +6682,7 @@
             </p:txBody>
           </p:sp>
         </mc:Choice>
-        <mc:Fallback>
+        <mc:Fallback xmlns="">
           <p:sp>
             <p:nvSpPr>
               <p:cNvPr id="3" name="Content Placeholder 2"/>
@@ -6786,8 +6777,8 @@
           </a:p>
         </p:txBody>
       </p:sp>
-      <mc:AlternateContent xmlns:mc="http://schemas.openxmlformats.org/markup-compatibility/2006">
-        <mc:Choice xmlns:a14="http://schemas.microsoft.com/office/drawing/2010/main" Requires="a14">
+      <mc:AlternateContent xmlns:mc="http://schemas.openxmlformats.org/markup-compatibility/2006" xmlns:a14="http://schemas.microsoft.com/office/drawing/2010/main">
+        <mc:Choice Requires="a14">
           <p:sp>
             <p:nvSpPr>
               <p:cNvPr id="3" name="Content Placeholder 2"/>
@@ -6933,15 +6924,7 @@
                 </a:r>
                 <a:r>
                   <a:rPr lang="pt-BR" dirty="0" smtClean="0"/>
-                  <a:t>direção por várias iterações, </a:t>
-                </a:r>
-                <a:r>
-                  <a:rPr lang="pt-BR" dirty="0" smtClean="0"/>
-                  <a:t>o termo aumenta </a:t>
-                </a:r>
-                <a:r>
-                  <a:rPr lang="pt-BR" dirty="0" smtClean="0"/>
-                  <a:t>o </a:t>
+                  <a:t>direção por várias iterações, o termo aumenta o </a:t>
                 </a:r>
                 <a:r>
                   <a:rPr lang="pt-BR" dirty="0"/>
@@ -7010,7 +6993,7 @@
             </p:txBody>
           </p:sp>
         </mc:Choice>
-        <mc:Fallback>
+        <mc:Fallback xmlns="">
           <p:sp>
             <p:nvSpPr>
               <p:cNvPr id="3" name="Content Placeholder 2"/>
@@ -7141,8 +7124,8 @@
           </a:p>
         </p:txBody>
       </p:sp>
-      <mc:AlternateContent xmlns:mc="http://schemas.openxmlformats.org/markup-compatibility/2006">
-        <mc:Choice xmlns:a14="http://schemas.microsoft.com/office/drawing/2010/main" Requires="a14">
+      <mc:AlternateContent xmlns:mc="http://schemas.openxmlformats.org/markup-compatibility/2006" xmlns:a14="http://schemas.microsoft.com/office/drawing/2010/main">
+        <mc:Choice Requires="a14">
           <p:sp>
             <p:nvSpPr>
               <p:cNvPr id="3" name="Content Placeholder 2"/>
@@ -7417,7 +7400,7 @@
             </p:txBody>
           </p:sp>
         </mc:Choice>
-        <mc:Fallback>
+        <mc:Fallback xmlns="">
           <p:sp>
             <p:nvSpPr>
               <p:cNvPr id="3" name="Content Placeholder 2"/>
@@ -7575,7 +7558,31 @@
             </a:r>
             <a:r>
               <a:rPr lang="pt-BR" dirty="0"/>
-              <a:t>pode determinar se o algoritmo converge, sendo alguns pontos iniciais tão instáveis que o algoritmo encontra dificuldades numéricas e falha completamente em </a:t>
+              <a:t>pode determinar se o algoritmo converge, sendo alguns pontos iniciais tão instáveis que o algoritmo encontra dificuldades </a:t>
+            </a:r>
+            <a:r>
+              <a:rPr lang="pt-BR" dirty="0" smtClean="0"/>
+              <a:t>numéricas (representações numéricas: </a:t>
+            </a:r>
+            <a:r>
+              <a:rPr lang="pt-BR" b="1" i="1" dirty="0" smtClean="0"/>
+              <a:t>underflow</a:t>
+            </a:r>
+            <a:r>
+              <a:rPr lang="pt-BR" dirty="0" smtClean="0"/>
+              <a:t> e </a:t>
+            </a:r>
+            <a:r>
+              <a:rPr lang="pt-BR" b="1" i="1" dirty="0" smtClean="0"/>
+              <a:t>overflow</a:t>
+            </a:r>
+            <a:r>
+              <a:rPr lang="pt-BR" dirty="0" smtClean="0"/>
+              <a:t>) </a:t>
+            </a:r>
+            <a:r>
+              <a:rPr lang="pt-BR" dirty="0"/>
+              <a:t>e falha completamente em </a:t>
             </a:r>
             <a:r>
               <a:rPr lang="pt-BR" dirty="0" smtClean="0"/>
@@ -7678,6 +7685,37 @@
               <a:rPr lang="pt-BR" dirty="0"/>
               <a:t>.</a:t>
             </a:r>
+          </a:p>
+        </p:txBody>
+      </p:sp>
+      <p:sp>
+        <p:nvSpPr>
+          <p:cNvPr id="4" name="Rectangle 3"/>
+          <p:cNvSpPr/>
+          <p:nvPr/>
+        </p:nvSpPr>
+        <p:spPr>
+          <a:xfrm>
+            <a:off x="8197958" y="6550223"/>
+            <a:ext cx="3994042" cy="307777"/>
+          </a:xfrm>
+          <a:prstGeom prst="rect">
+            <a:avLst/>
+          </a:prstGeom>
+        </p:spPr>
+        <p:txBody>
+          <a:bodyPr wrap="none">
+            <a:spAutoFit/>
+          </a:bodyPr>
+          <a:lstStyle/>
+          <a:p>
+            <a:r>
+              <a:rPr lang="pt-BR" sz="1400" dirty="0">
+                <a:hlinkClick r:id="rId3"/>
+              </a:rPr>
+              <a:t>https://www.deeplearning.ai/ai-notes/initialization/</a:t>
+            </a:r>
+            <a:endParaRPr lang="pt-BR" sz="1400" dirty="0"/>
           </a:p>
         </p:txBody>
       </p:sp>
@@ -7980,8 +8018,8 @@
           </a:p>
         </p:txBody>
       </p:sp>
-      <mc:AlternateContent xmlns:mc="http://schemas.openxmlformats.org/markup-compatibility/2006">
-        <mc:Choice xmlns:a14="http://schemas.microsoft.com/office/drawing/2010/main" Requires="a14">
+      <mc:AlternateContent xmlns:mc="http://schemas.openxmlformats.org/markup-compatibility/2006" xmlns:a14="http://schemas.microsoft.com/office/drawing/2010/main">
+        <mc:Choice Requires="a14">
           <p:sp>
             <p:nvSpPr>
               <p:cNvPr id="3" name="Content Placeholder 2"/>
@@ -8050,11 +8088,7 @@
                 </a:r>
                 <a:r>
                   <a:rPr lang="pt-BR" dirty="0" smtClean="0"/>
-                  <a:t> </a:t>
-                </a:r>
-                <a:r>
-                  <a:rPr lang="pt-BR" dirty="0" smtClean="0"/>
-                  <a:t>de seus nós.</a:t>
+                  <a:t> de seus nós.</a:t>
                 </a:r>
               </a:p>
               <a:p>
@@ -8104,7 +8138,7 @@
             </p:txBody>
           </p:sp>
         </mc:Choice>
-        <mc:Fallback>
+        <mc:Fallback xmlns="">
           <p:sp>
             <p:nvSpPr>
               <p:cNvPr id="3" name="Content Placeholder 2"/>
@@ -8142,8 +8176,8 @@
           </p:sp>
         </mc:Fallback>
       </mc:AlternateContent>
-      <mc:AlternateContent xmlns:mc="http://schemas.openxmlformats.org/markup-compatibility/2006">
-        <mc:Choice xmlns:a14="http://schemas.microsoft.com/office/drawing/2010/main" Requires="a14">
+      <mc:AlternateContent xmlns:mc="http://schemas.openxmlformats.org/markup-compatibility/2006" xmlns:a14="http://schemas.microsoft.com/office/drawing/2010/main">
+        <mc:Choice Requires="a14">
           <p:graphicFrame>
             <p:nvGraphicFramePr>
               <p:cNvPr id="4" name="Table 3"/>
@@ -9537,7 +9571,7 @@
             </a:graphic>
           </p:graphicFrame>
         </mc:Choice>
-        <mc:Fallback>
+        <mc:Fallback xmlns="">
           <p:graphicFrame>
             <p:nvGraphicFramePr>
               <p:cNvPr id="4" name="Table 3"/>
@@ -10549,11 +10583,7 @@
           <a:p>
             <a:r>
               <a:rPr lang="pt-BR" dirty="0"/>
-              <a:t>Para implementações muito mais rápidas, </a:t>
-            </a:r>
-            <a:r>
-              <a:rPr lang="pt-BR" dirty="0"/>
-              <a:t>baseadas em </a:t>
+              <a:t>Para implementações muito mais rápidas, baseadas em </a:t>
             </a:r>
             <a:r>
               <a:rPr lang="pt-BR" dirty="0" smtClean="0"/>
@@ -10561,11 +10591,7 @@
             </a:r>
             <a:r>
               <a:rPr lang="pt-BR" dirty="0"/>
-              <a:t>, </a:t>
-            </a:r>
-            <a:r>
-              <a:rPr lang="pt-BR" dirty="0"/>
-              <a:t>bem como estruturas que oferecem muito mais flexibilidade para criar arquiteturas de aprendizado profundo, por exemplo, devemos utilizar outras bibliotecas como:</a:t>
+              <a:t>, bem como estruturas que oferecem muito mais flexibilidade para criar arquiteturas de aprendizado profundo, por exemplo, devemos utilizar outras bibliotecas como:</a:t>
             </a:r>
           </a:p>
           <a:p>
@@ -10938,7 +10964,7 @@
           <p:cNvPr id="4" name="Título 1">
             <a:extLst>
               <a:ext uri="{FF2B5EF4-FFF2-40B4-BE49-F238E27FC236}">
-                <a16:creationId xmlns="" xmlns:a16="http://schemas.microsoft.com/office/drawing/2014/main" id="{32666AC8-2E17-4DB4-B0F5-60C640CCFD2E}"/>
+                <a16:creationId xmlns:a16="http://schemas.microsoft.com/office/drawing/2014/main" xmlns="" id="{32666AC8-2E17-4DB4-B0F5-60C640CCFD2E}"/>
               </a:ext>
             </a:extLst>
           </p:cNvPr>
@@ -11431,7 +11457,7 @@
           <p:cNvPr id="4" name="Título 1">
             <a:extLst>
               <a:ext uri="{FF2B5EF4-FFF2-40B4-BE49-F238E27FC236}">
-                <a16:creationId xmlns="" xmlns:a16="http://schemas.microsoft.com/office/drawing/2014/main" id="{32666AC8-2E17-4DB4-B0F5-60C640CCFD2E}"/>
+                <a16:creationId xmlns:a16="http://schemas.microsoft.com/office/drawing/2014/main" xmlns="" id="{32666AC8-2E17-4DB4-B0F5-60C640CCFD2E}"/>
               </a:ext>
             </a:extLst>
           </p:cNvPr>

--- a/slides/T320_Redes_Neurais_Artificiais (Parte IV).pptx
+++ b/slides/T320_Redes_Neurais_Artificiais (Parte IV).pptx
@@ -255,7 +255,7 @@
           <a:p>
             <a:fld id="{C3C82C08-3EFC-4473-8294-F0E229C19EFF}" type="datetimeFigureOut">
               <a:rPr lang="pt-BR" smtClean="0"/>
-              <a:t>04/12/2021</a:t>
+              <a:t>03/06/2022</a:t>
             </a:fld>
             <a:endParaRPr lang="pt-BR"/>
           </a:p>
@@ -414,7 +414,7 @@
           <a:p>
             <a:fld id="{F430A2A4-8C14-4B1A-AD48-7B6401078BF7}" type="slidenum">
               <a:rPr lang="pt-BR" smtClean="0"/>
-              <a:t>‹#›</a:t>
+              <a:t>‹nº›</a:t>
             </a:fld>
             <a:endParaRPr lang="pt-BR"/>
           </a:p>
@@ -607,7 +607,7 @@
 </p:notes>
 </file>
 
-<file path=ppt/notesSlides/notesSlide2.xml><?xml version="1.0" encoding="utf-8"?>
+<file path=ppt/notesSlides/notesSlide10.xml><?xml version="1.0" encoding="utf-8"?>
 <p:notes xmlns:a="http://schemas.openxmlformats.org/drawingml/2006/main" xmlns:r="http://schemas.openxmlformats.org/officeDocument/2006/relationships" xmlns:p="http://schemas.openxmlformats.org/presentationml/2006/main">
   <p:cSld>
     <p:spTree>
@@ -651,6 +651,218 @@
           <a:bodyPr/>
           <a:lstStyle/>
           <a:p>
+            <a:r>
+              <a:rPr lang="pt-BR" sz="1200" b="1" dirty="0" smtClean="0"/>
+              <a:t>Projeto #2:</a:t>
+            </a:r>
+            <a:r>
+              <a:rPr lang="pt-BR" sz="1200" dirty="0" smtClean="0"/>
+              <a:t> https://</a:t>
+            </a:r>
+            <a:r>
+              <a:rPr lang="pt-BR" sz="1200" dirty="0" smtClean="0"/>
+              <a:t>mybinder.org/v2/gh/zz4fap/t320_aprendizado_de_maquina/main?filepath=projeto%2Fprojeto_2_T320_1S2022.ipynb</a:t>
+            </a:r>
+          </a:p>
+          <a:p>
+            <a:endParaRPr lang="pt-BR" sz="1200" dirty="0" smtClean="0"/>
+          </a:p>
+          <a:p>
+            <a:r>
+              <a:rPr lang="pt-BR" sz="1200" b="1" dirty="0" smtClean="0"/>
+              <a:t>Projeto #2:</a:t>
+            </a:r>
+            <a:r>
+              <a:rPr lang="pt-BR" sz="1200" dirty="0" smtClean="0"/>
+              <a:t> https://colab.research.google.com/github/zz4fap/t320_aprendizado_de_maquina/blob/main/projeto/projeto_2_T320_1S2022.ipynb</a:t>
+            </a:r>
+            <a:endParaRPr lang="pt-BR" sz="1200" dirty="0" smtClean="0"/>
+          </a:p>
+          <a:p>
+            <a:endParaRPr lang="pt-BR" sz="1200" dirty="0"/>
+          </a:p>
+        </p:txBody>
+      </p:sp>
+      <p:sp>
+        <p:nvSpPr>
+          <p:cNvPr id="4" name="Slide Number Placeholder 3"/>
+          <p:cNvSpPr>
+            <a:spLocks noGrp="1"/>
+          </p:cNvSpPr>
+          <p:nvPr>
+            <p:ph type="sldNum" sz="quarter" idx="10"/>
+          </p:nvPr>
+        </p:nvSpPr>
+        <p:spPr/>
+        <p:txBody>
+          <a:bodyPr/>
+          <a:lstStyle/>
+          <a:p>
+            <a:fld id="{6FC8D850-966F-45A6-8DE7-15B891E7D40D}" type="slidenum">
+              <a:rPr lang="pt-BR" smtClean="0"/>
+              <a:t>18</a:t>
+            </a:fld>
+            <a:endParaRPr lang="pt-BR"/>
+          </a:p>
+        </p:txBody>
+      </p:sp>
+    </p:spTree>
+    <p:extLst>
+      <p:ext uri="{BB962C8B-B14F-4D97-AF65-F5344CB8AC3E}">
+        <p14:creationId xmlns:p14="http://schemas.microsoft.com/office/powerpoint/2010/main" val="3059840101"/>
+      </p:ext>
+    </p:extLst>
+  </p:cSld>
+  <p:clrMapOvr>
+    <a:masterClrMapping/>
+  </p:clrMapOvr>
+</p:notes>
+</file>
+
+<file path=ppt/notesSlides/notesSlide2.xml><?xml version="1.0" encoding="utf-8"?>
+<p:notes xmlns:a="http://schemas.openxmlformats.org/drawingml/2006/main" xmlns:r="http://schemas.openxmlformats.org/officeDocument/2006/relationships" xmlns:p="http://schemas.openxmlformats.org/presentationml/2006/main">
+  <p:cSld>
+    <p:spTree>
+      <p:nvGrpSpPr>
+        <p:cNvPr id="1" name=""/>
+        <p:cNvGrpSpPr/>
+        <p:nvPr/>
+      </p:nvGrpSpPr>
+      <p:grpSpPr>
+        <a:xfrm>
+          <a:off x="0" y="0"/>
+          <a:ext cx="0" cy="0"/>
+          <a:chOff x="0" y="0"/>
+          <a:chExt cx="0" cy="0"/>
+        </a:xfrm>
+      </p:grpSpPr>
+      <p:sp>
+        <p:nvSpPr>
+          <p:cNvPr id="2" name="Espaço Reservado para Imagem de Slide 1"/>
+          <p:cNvSpPr>
+            <a:spLocks noGrp="1" noRot="1" noChangeAspect="1"/>
+          </p:cNvSpPr>
+          <p:nvPr>
+            <p:ph type="sldImg"/>
+          </p:nvPr>
+        </p:nvSpPr>
+        <p:spPr/>
+      </p:sp>
+      <p:sp>
+        <p:nvSpPr>
+          <p:cNvPr id="3" name="Espaço Reservado para Anotações 2"/>
+          <p:cNvSpPr>
+            <a:spLocks noGrp="1"/>
+          </p:cNvSpPr>
+          <p:nvPr>
+            <p:ph type="body" idx="1"/>
+          </p:nvPr>
+        </p:nvSpPr>
+        <p:spPr/>
+        <p:txBody>
+          <a:bodyPr/>
+          <a:lstStyle/>
+          <a:p>
+            <a:endParaRPr lang="en-US" dirty="0" smtClean="0"/>
+          </a:p>
+          <a:p>
+            <a:r>
+              <a:rPr lang="pt-BR" dirty="0" smtClean="0"/>
+              <a:t>Referências</a:t>
+            </a:r>
+          </a:p>
+          <a:p>
+            <a:endParaRPr lang="en-US" dirty="0" smtClean="0"/>
+          </a:p>
+          <a:p>
+            <a:r>
+              <a:rPr lang="en-US" dirty="0" smtClean="0"/>
+              <a:t>[1] https://neptune.ai/blog/keras-loss-functions</a:t>
+            </a:r>
+            <a:endParaRPr lang="en-US" dirty="0"/>
+          </a:p>
+        </p:txBody>
+      </p:sp>
+      <p:sp>
+        <p:nvSpPr>
+          <p:cNvPr id="4" name="Espaço Reservado para Número de Slide 3"/>
+          <p:cNvSpPr>
+            <a:spLocks noGrp="1"/>
+          </p:cNvSpPr>
+          <p:nvPr>
+            <p:ph type="sldNum" sz="quarter" idx="10"/>
+          </p:nvPr>
+        </p:nvSpPr>
+        <p:spPr/>
+        <p:txBody>
+          <a:bodyPr/>
+          <a:lstStyle/>
+          <a:p>
+            <a:fld id="{F430A2A4-8C14-4B1A-AD48-7B6401078BF7}" type="slidenum">
+              <a:rPr lang="pt-BR" smtClean="0"/>
+              <a:t>2</a:t>
+            </a:fld>
+            <a:endParaRPr lang="pt-BR"/>
+          </a:p>
+        </p:txBody>
+      </p:sp>
+    </p:spTree>
+    <p:extLst>
+      <p:ext uri="{BB962C8B-B14F-4D97-AF65-F5344CB8AC3E}">
+        <p14:creationId xmlns:p14="http://schemas.microsoft.com/office/powerpoint/2010/main" val="1301673551"/>
+      </p:ext>
+    </p:extLst>
+  </p:cSld>
+  <p:clrMapOvr>
+    <a:masterClrMapping/>
+  </p:clrMapOvr>
+</p:notes>
+</file>
+
+<file path=ppt/notesSlides/notesSlide3.xml><?xml version="1.0" encoding="utf-8"?>
+<p:notes xmlns:a="http://schemas.openxmlformats.org/drawingml/2006/main" xmlns:r="http://schemas.openxmlformats.org/officeDocument/2006/relationships" xmlns:p="http://schemas.openxmlformats.org/presentationml/2006/main">
+  <p:cSld>
+    <p:spTree>
+      <p:nvGrpSpPr>
+        <p:cNvPr id="1" name=""/>
+        <p:cNvGrpSpPr/>
+        <p:nvPr/>
+      </p:nvGrpSpPr>
+      <p:grpSpPr>
+        <a:xfrm>
+          <a:off x="0" y="0"/>
+          <a:ext cx="0" cy="0"/>
+          <a:chOff x="0" y="0"/>
+          <a:chExt cx="0" cy="0"/>
+        </a:xfrm>
+      </p:grpSpPr>
+      <p:sp>
+        <p:nvSpPr>
+          <p:cNvPr id="2" name="Slide Image Placeholder 1"/>
+          <p:cNvSpPr>
+            <a:spLocks noGrp="1" noRot="1" noChangeAspect="1"/>
+          </p:cNvSpPr>
+          <p:nvPr>
+            <p:ph type="sldImg"/>
+          </p:nvPr>
+        </p:nvSpPr>
+        <p:spPr/>
+      </p:sp>
+      <p:sp>
+        <p:nvSpPr>
+          <p:cNvPr id="3" name="Notes Placeholder 2"/>
+          <p:cNvSpPr>
+            <a:spLocks noGrp="1"/>
+          </p:cNvSpPr>
+          <p:nvPr>
+            <p:ph type="body" idx="1"/>
+          </p:nvPr>
+        </p:nvSpPr>
+        <p:spPr/>
+        <p:txBody>
+          <a:bodyPr/>
+          <a:lstStyle/>
+          <a:p>
             <a:pPr marL="0" marR="0" lvl="0" indent="0" algn="l" defTabSz="914400" rtl="0" eaLnBrk="1" fontAlgn="auto" latinLnBrk="0" hangingPunct="1">
               <a:lnSpc>
                 <a:spcPct val="100000"/>
@@ -722,7 +934,7 @@
 </p:notes>
 </file>
 
-<file path=ppt/notesSlides/notesSlide3.xml><?xml version="1.0" encoding="utf-8"?>
+<file path=ppt/notesSlides/notesSlide4.xml><?xml version="1.0" encoding="utf-8"?>
 <p:notes xmlns:a="http://schemas.openxmlformats.org/drawingml/2006/main" xmlns:r="http://schemas.openxmlformats.org/officeDocument/2006/relationships" xmlns:p="http://schemas.openxmlformats.org/presentationml/2006/main">
   <p:cSld>
     <p:spTree>
@@ -1165,185 +1377,6 @@
     <p:extLst>
       <p:ext uri="{BB962C8B-B14F-4D97-AF65-F5344CB8AC3E}">
         <p14:creationId xmlns:p14="http://schemas.microsoft.com/office/powerpoint/2010/main" val="872406360"/>
-      </p:ext>
-    </p:extLst>
-  </p:cSld>
-  <p:clrMapOvr>
-    <a:masterClrMapping/>
-  </p:clrMapOvr>
-</p:notes>
-</file>
-
-<file path=ppt/notesSlides/notesSlide4.xml><?xml version="1.0" encoding="utf-8"?>
-<p:notes xmlns:a="http://schemas.openxmlformats.org/drawingml/2006/main" xmlns:r="http://schemas.openxmlformats.org/officeDocument/2006/relationships" xmlns:p="http://schemas.openxmlformats.org/presentationml/2006/main">
-  <p:cSld>
-    <p:spTree>
-      <p:nvGrpSpPr>
-        <p:cNvPr id="1" name=""/>
-        <p:cNvGrpSpPr/>
-        <p:nvPr/>
-      </p:nvGrpSpPr>
-      <p:grpSpPr>
-        <a:xfrm>
-          <a:off x="0" y="0"/>
-          <a:ext cx="0" cy="0"/>
-          <a:chOff x="0" y="0"/>
-          <a:chExt cx="0" cy="0"/>
-        </a:xfrm>
-      </p:grpSpPr>
-      <p:sp>
-        <p:nvSpPr>
-          <p:cNvPr id="2" name="Slide Image Placeholder 1"/>
-          <p:cNvSpPr>
-            <a:spLocks noGrp="1" noRot="1" noChangeAspect="1"/>
-          </p:cNvSpPr>
-          <p:nvPr>
-            <p:ph type="sldImg"/>
-          </p:nvPr>
-        </p:nvSpPr>
-        <p:spPr/>
-      </p:sp>
-      <p:sp>
-        <p:nvSpPr>
-          <p:cNvPr id="3" name="Notes Placeholder 2"/>
-          <p:cNvSpPr>
-            <a:spLocks noGrp="1"/>
-          </p:cNvSpPr>
-          <p:nvPr>
-            <p:ph type="body" idx="1"/>
-          </p:nvPr>
-        </p:nvSpPr>
-        <p:spPr/>
-        <p:txBody>
-          <a:bodyPr/>
-          <a:lstStyle/>
-          <a:p>
-            <a:pPr marL="0" marR="0" lvl="0" indent="0" algn="l" defTabSz="914400" rtl="0" eaLnBrk="1" fontAlgn="auto" latinLnBrk="0" hangingPunct="1">
-              <a:lnSpc>
-                <a:spcPct val="100000"/>
-              </a:lnSpc>
-              <a:spcBef>
-                <a:spcPts val="0"/>
-              </a:spcBef>
-              <a:spcAft>
-                <a:spcPts val="0"/>
-              </a:spcAft>
-              <a:buClrTx/>
-              <a:buSzTx/>
-              <a:buFontTx/>
-              <a:buNone/>
-              <a:tabLst/>
-              <a:defRPr/>
-            </a:pPr>
-            <a:r>
-              <a:rPr lang="pt-BR" dirty="0"/>
-              <a:t>Para mais informações</a:t>
-            </a:r>
-            <a:r>
-              <a:rPr lang="pt-BR" baseline="0" dirty="0"/>
-              <a:t> sobre esses </a:t>
-            </a:r>
-            <a:r>
-              <a:rPr lang="pt-BR" b="1" dirty="0"/>
-              <a:t>Modelos com Passo de Aprendizagem Adaptativo</a:t>
-            </a:r>
-            <a:r>
-              <a:rPr lang="pt-BR" b="0" baseline="0" dirty="0"/>
-              <a:t> vejam:</a:t>
-            </a:r>
-          </a:p>
-          <a:p>
-            <a:pPr marL="0" marR="0" lvl="0" indent="0" algn="l" defTabSz="914400" rtl="0" eaLnBrk="1" fontAlgn="auto" latinLnBrk="0" hangingPunct="1">
-              <a:lnSpc>
-                <a:spcPct val="100000"/>
-              </a:lnSpc>
-              <a:spcBef>
-                <a:spcPts val="0"/>
-              </a:spcBef>
-              <a:spcAft>
-                <a:spcPts val="0"/>
-              </a:spcAft>
-              <a:buClrTx/>
-              <a:buSzTx/>
-              <a:buFontTx/>
-              <a:buNone/>
-              <a:tabLst/>
-              <a:defRPr/>
-            </a:pPr>
-            <a:r>
-              <a:rPr lang="pt-BR" dirty="0"/>
-              <a:t>[2] GOODFELLOW, I., BENGIO, Y., COURVILLE, A., Deep Learning, MIT Press, 2016. HAYKIN, S. Neural Networks and Learning Machines, 3rd edition, Prentice-Hall, 2008.</a:t>
-            </a:r>
-          </a:p>
-          <a:p>
-            <a:pPr marL="0" marR="0" lvl="0" indent="0" algn="l" defTabSz="914400" rtl="0" eaLnBrk="1" fontAlgn="auto" latinLnBrk="0" hangingPunct="1">
-              <a:lnSpc>
-                <a:spcPct val="100000"/>
-              </a:lnSpc>
-              <a:spcBef>
-                <a:spcPts val="0"/>
-              </a:spcBef>
-              <a:spcAft>
-                <a:spcPts val="0"/>
-              </a:spcAft>
-              <a:buClrTx/>
-              <a:buSzTx/>
-              <a:buFontTx/>
-              <a:buNone/>
-              <a:tabLst/>
-              <a:defRPr/>
-            </a:pPr>
-            <a:endParaRPr lang="pt-BR" b="0" baseline="0" dirty="0"/>
-          </a:p>
-          <a:p>
-            <a:pPr marL="0" marR="0" lvl="0" indent="0" algn="l" defTabSz="914400" rtl="0" eaLnBrk="1" fontAlgn="auto" latinLnBrk="0" hangingPunct="1">
-              <a:lnSpc>
-                <a:spcPct val="100000"/>
-              </a:lnSpc>
-              <a:spcBef>
-                <a:spcPts val="0"/>
-              </a:spcBef>
-              <a:spcAft>
-                <a:spcPts val="0"/>
-              </a:spcAft>
-              <a:buClrTx/>
-              <a:buSzTx/>
-              <a:buFontTx/>
-              <a:buNone/>
-              <a:tabLst/>
-              <a:defRPr/>
-            </a:pPr>
-            <a:endParaRPr lang="pt-BR" b="1" dirty="0"/>
-          </a:p>
-        </p:txBody>
-      </p:sp>
-      <p:sp>
-        <p:nvSpPr>
-          <p:cNvPr id="4" name="Slide Number Placeholder 3"/>
-          <p:cNvSpPr>
-            <a:spLocks noGrp="1"/>
-          </p:cNvSpPr>
-          <p:nvPr>
-            <p:ph type="sldNum" sz="quarter" idx="10"/>
-          </p:nvPr>
-        </p:nvSpPr>
-        <p:spPr/>
-        <p:txBody>
-          <a:bodyPr/>
-          <a:lstStyle/>
-          <a:p>
-            <a:fld id="{F430A2A4-8C14-4B1A-AD48-7B6401078BF7}" type="slidenum">
-              <a:rPr lang="pt-BR" smtClean="0"/>
-              <a:t>13</a:t>
-            </a:fld>
-            <a:endParaRPr lang="pt-BR"/>
-          </a:p>
-        </p:txBody>
-      </p:sp>
-    </p:spTree>
-    <p:extLst>
-      <p:ext uri="{BB962C8B-B14F-4D97-AF65-F5344CB8AC3E}">
-        <p14:creationId xmlns:p14="http://schemas.microsoft.com/office/powerpoint/2010/main" val="1265233036"/>
       </p:ext>
     </p:extLst>
   </p:cSld>
@@ -1397,95 +1430,102 @@
           <a:bodyPr/>
           <a:lstStyle/>
           <a:p>
+            <a:pPr marL="0" marR="0" lvl="0" indent="0" algn="l" defTabSz="914400" rtl="0" eaLnBrk="1" fontAlgn="auto" latinLnBrk="0" hangingPunct="1">
+              <a:lnSpc>
+                <a:spcPct val="100000"/>
+              </a:lnSpc>
+              <a:spcBef>
+                <a:spcPts val="0"/>
+              </a:spcBef>
+              <a:spcAft>
+                <a:spcPts val="0"/>
+              </a:spcAft>
+              <a:buClrTx/>
+              <a:buSzTx/>
+              <a:buFontTx/>
+              <a:buNone/>
+              <a:tabLst/>
+              <a:defRPr/>
+            </a:pPr>
             <a:r>
               <a:rPr lang="pt-BR" dirty="0"/>
-              <a:t>O ponto inicial pode determinar se o algoritmo converge, sendo alguns pontos iniciais tão instáveis que o algoritmo encontra dificuldades numéricas e falha completamente.</a:t>
-            </a:r>
-          </a:p>
-          <a:p>
-            <a:endParaRPr lang="pt-BR" dirty="0"/>
-          </a:p>
-          <a:p>
+              <a:t>Para mais informações</a:t>
+            </a:r>
+            <a:r>
+              <a:rPr lang="pt-BR" baseline="0" dirty="0"/>
+              <a:t> sobre esses </a:t>
+            </a:r>
+            <a:r>
+              <a:rPr lang="pt-BR" b="1" dirty="0"/>
+              <a:t>Modelos com Passo de Aprendizagem Adaptativo</a:t>
+            </a:r>
+            <a:r>
+              <a:rPr lang="pt-BR" b="0" baseline="0" dirty="0"/>
+              <a:t> vejam:</a:t>
+            </a:r>
+          </a:p>
+          <a:p>
+            <a:pPr marL="0" marR="0" lvl="0" indent="0" algn="l" defTabSz="914400" rtl="0" eaLnBrk="1" fontAlgn="auto" latinLnBrk="0" hangingPunct="1">
+              <a:lnSpc>
+                <a:spcPct val="100000"/>
+              </a:lnSpc>
+              <a:spcBef>
+                <a:spcPts val="0"/>
+              </a:spcBef>
+              <a:spcAft>
+                <a:spcPts val="0"/>
+              </a:spcAft>
+              <a:buClrTx/>
+              <a:buSzTx/>
+              <a:buFontTx/>
+              <a:buNone/>
+              <a:tabLst/>
+              <a:defRPr/>
+            </a:pPr>
             <a:r>
               <a:rPr lang="pt-BR" dirty="0"/>
-              <a:t>Se dois</a:t>
-            </a:r>
-            <a:r>
-              <a:rPr lang="pt-BR" baseline="0" dirty="0"/>
-              <a:t> nós </a:t>
-            </a:r>
-            <a:r>
-              <a:rPr lang="pt-BR" dirty="0"/>
-              <a:t>ocultos com a mesma função de ativação estiverem conectados às mesmas entradas, esses</a:t>
-            </a:r>
-            <a:r>
-              <a:rPr lang="pt-BR" baseline="0" dirty="0"/>
-              <a:t> nós </a:t>
-            </a:r>
-            <a:r>
-              <a:rPr lang="pt-BR" dirty="0"/>
-              <a:t>deverão ter pesos iniciais diferentes. Se eles tiverem os mesmos pesos iniciais, um algoritmo de aprendizado determinístico aplicado a um custo e modelo determinísticos atualizará constantemente essas duas unidades da mesma maneira.</a:t>
-            </a:r>
-            <a:r>
-              <a:rPr lang="pt-BR" baseline="0" dirty="0"/>
-              <a:t> </a:t>
-            </a:r>
-            <a:r>
-              <a:rPr lang="pt-BR" dirty="0"/>
-              <a:t>Mesmo que o modelo ou o algoritmo de treinamento seja capaz de usar processos estocásticos para calcular atualizações diferentes para nós </a:t>
-            </a:r>
-            <a:r>
-              <a:rPr lang="pt-BR" dirty="0" smtClean="0"/>
-              <a:t>diferentes</a:t>
-            </a:r>
-            <a:r>
-              <a:rPr lang="pt-BR" dirty="0"/>
-              <a:t>, geralmente é melhor inicializar cada nó para calcular uma função diferente de todas os outros</a:t>
-            </a:r>
-            <a:r>
-              <a:rPr lang="pt-BR" baseline="0" dirty="0"/>
-              <a:t> nós</a:t>
-            </a:r>
-            <a:r>
-              <a:rPr lang="pt-BR" dirty="0" smtClean="0"/>
-              <a:t>.</a:t>
-            </a:r>
-          </a:p>
-          <a:p>
-            <a:endParaRPr lang="pt-BR" dirty="0" smtClean="0"/>
-          </a:p>
-          <a:p>
-            <a:r>
-              <a:rPr lang="pt-BR" dirty="0" smtClean="0"/>
-              <a:t>Referências</a:t>
-            </a:r>
-          </a:p>
-          <a:p>
-            <a:r>
-              <a:rPr lang="pt-BR" dirty="0" smtClean="0"/>
-              <a:t>[1] https://www.deeplearning.ai/ai-notes/initialization/</a:t>
-            </a:r>
-          </a:p>
-          <a:p>
-            <a:r>
-              <a:rPr lang="pt-BR" dirty="0" smtClean="0"/>
-              <a:t>[2] ftp://ftp.dca.fee.unicamp.br/pub/docs/gudwin/publications/sbrn98.pdf</a:t>
-            </a:r>
-          </a:p>
-          <a:p>
-            <a:r>
-              <a:rPr lang="pt-BR" dirty="0" smtClean="0"/>
-              <a:t>[3] https://colab.research.google.com/github/d2l-ai/d2l-en-colab/blob/master/chapter_multilayer-perceptrons/numerical-stability-and-init.ipynb#scrollTo=6tqUWTNKFdsO</a:t>
-            </a:r>
-          </a:p>
-          <a:p>
-            <a:endParaRPr lang="pt-BR" dirty="0" smtClean="0"/>
-          </a:p>
-          <a:p>
-            <a:endParaRPr lang="pt-BR" dirty="0" smtClean="0"/>
-          </a:p>
-          <a:p>
-            <a:endParaRPr lang="pt-BR" dirty="0"/>
+              <a:t>[2] GOODFELLOW, I., BENGIO, Y., COURVILLE, A., Deep Learning, MIT Press, 2016. HAYKIN, S. Neural Networks and Learning Machines, 3rd edition, Prentice-Hall, 2008.</a:t>
+            </a:r>
+          </a:p>
+          <a:p>
+            <a:pPr marL="0" marR="0" lvl="0" indent="0" algn="l" defTabSz="914400" rtl="0" eaLnBrk="1" fontAlgn="auto" latinLnBrk="0" hangingPunct="1">
+              <a:lnSpc>
+                <a:spcPct val="100000"/>
+              </a:lnSpc>
+              <a:spcBef>
+                <a:spcPts val="0"/>
+              </a:spcBef>
+              <a:spcAft>
+                <a:spcPts val="0"/>
+              </a:spcAft>
+              <a:buClrTx/>
+              <a:buSzTx/>
+              <a:buFontTx/>
+              <a:buNone/>
+              <a:tabLst/>
+              <a:defRPr/>
+            </a:pPr>
+            <a:endParaRPr lang="pt-BR" b="0" baseline="0" dirty="0"/>
+          </a:p>
+          <a:p>
+            <a:pPr marL="0" marR="0" lvl="0" indent="0" algn="l" defTabSz="914400" rtl="0" eaLnBrk="1" fontAlgn="auto" latinLnBrk="0" hangingPunct="1">
+              <a:lnSpc>
+                <a:spcPct val="100000"/>
+              </a:lnSpc>
+              <a:spcBef>
+                <a:spcPts val="0"/>
+              </a:spcBef>
+              <a:spcAft>
+                <a:spcPts val="0"/>
+              </a:spcAft>
+              <a:buClrTx/>
+              <a:buSzTx/>
+              <a:buFontTx/>
+              <a:buNone/>
+              <a:tabLst/>
+              <a:defRPr/>
+            </a:pPr>
+            <a:endParaRPr lang="pt-BR" b="1" dirty="0"/>
           </a:p>
         </p:txBody>
       </p:sp>
@@ -1506,7 +1546,7 @@
           <a:p>
             <a:fld id="{F430A2A4-8C14-4B1A-AD48-7B6401078BF7}" type="slidenum">
               <a:rPr lang="pt-BR" smtClean="0"/>
-              <a:t>14</a:t>
+              <a:t>13</a:t>
             </a:fld>
             <a:endParaRPr lang="pt-BR"/>
           </a:p>
@@ -1515,7 +1555,7 @@
     </p:spTree>
     <p:extLst>
       <p:ext uri="{BB962C8B-B14F-4D97-AF65-F5344CB8AC3E}">
-        <p14:creationId xmlns:p14="http://schemas.microsoft.com/office/powerpoint/2010/main" val="2663880140"/>
+        <p14:creationId xmlns:p14="http://schemas.microsoft.com/office/powerpoint/2010/main" val="1265233036"/>
       </p:ext>
     </p:extLst>
   </p:cSld>
@@ -1569,6 +1609,61 @@
           <a:bodyPr/>
           <a:lstStyle/>
           <a:p>
+            <a:r>
+              <a:rPr lang="pt-BR" dirty="0"/>
+              <a:t>O ponto inicial pode determinar se o algoritmo converge, sendo alguns pontos iniciais tão instáveis que o algoritmo encontra dificuldades numéricas e falha completamente.</a:t>
+            </a:r>
+          </a:p>
+          <a:p>
+            <a:endParaRPr lang="pt-BR" dirty="0"/>
+          </a:p>
+          <a:p>
+            <a:r>
+              <a:rPr lang="pt-BR" dirty="0"/>
+              <a:t>Se dois</a:t>
+            </a:r>
+            <a:r>
+              <a:rPr lang="pt-BR" baseline="0" dirty="0"/>
+              <a:t> nós </a:t>
+            </a:r>
+            <a:r>
+              <a:rPr lang="pt-BR" dirty="0"/>
+              <a:t>ocultos com a mesma função de ativação estiverem conectados às mesmas entradas, esses</a:t>
+            </a:r>
+            <a:r>
+              <a:rPr lang="pt-BR" baseline="0" dirty="0"/>
+              <a:t> nós </a:t>
+            </a:r>
+            <a:r>
+              <a:rPr lang="pt-BR" dirty="0"/>
+              <a:t>deverão ter pesos iniciais diferentes. Se eles tiverem os mesmos pesos iniciais, um algoritmo de aprendizado determinístico aplicado a um custo e modelo determinísticos atualizará constantemente essas duas unidades da mesma maneira.</a:t>
+            </a:r>
+            <a:r>
+              <a:rPr lang="pt-BR" baseline="0" dirty="0"/>
+              <a:t> </a:t>
+            </a:r>
+            <a:r>
+              <a:rPr lang="pt-BR" dirty="0"/>
+              <a:t>Mesmo que o modelo ou o algoritmo de treinamento seja capaz de usar processos estocásticos para calcular atualizações diferentes para nós </a:t>
+            </a:r>
+            <a:r>
+              <a:rPr lang="pt-BR" dirty="0" smtClean="0"/>
+              <a:t>diferentes</a:t>
+            </a:r>
+            <a:r>
+              <a:rPr lang="pt-BR" dirty="0"/>
+              <a:t>, geralmente é melhor inicializar cada nó para calcular uma função diferente de todas os outros</a:t>
+            </a:r>
+            <a:r>
+              <a:rPr lang="pt-BR" baseline="0" dirty="0"/>
+              <a:t> nós</a:t>
+            </a:r>
+            <a:r>
+              <a:rPr lang="pt-BR" dirty="0" smtClean="0"/>
+              <a:t>.</a:t>
+            </a:r>
+          </a:p>
+          <a:p>
             <a:endParaRPr lang="pt-BR" dirty="0" smtClean="0"/>
           </a:p>
           <a:p>
@@ -1580,15 +1675,29 @@
           <a:p>
             <a:r>
               <a:rPr lang="pt-BR" dirty="0" smtClean="0"/>
-              <a:t>[1]</a:t>
-            </a:r>
-            <a:r>
-              <a:rPr lang="pt-BR" baseline="0" dirty="0" smtClean="0"/>
-              <a:t> https://www.quora.com/Why-dont-we-initialize-the-weights-of-a-neural-network-to-zero</a:t>
+              <a:t>[1] https://www.deeplearning.ai/ai-notes/initialization/</a:t>
+            </a:r>
+          </a:p>
+          <a:p>
+            <a:r>
+              <a:rPr lang="pt-BR" dirty="0" smtClean="0"/>
+              <a:t>[2] ftp://ftp.dca.fee.unicamp.br/pub/docs/gudwin/publications/sbrn98.pdf</a:t>
+            </a:r>
+          </a:p>
+          <a:p>
+            <a:r>
+              <a:rPr lang="pt-BR" dirty="0" smtClean="0"/>
+              <a:t>[3] https://colab.research.google.com/github/d2l-ai/d2l-en-colab/blob/master/chapter_multilayer-perceptrons/numerical-stability-and-init.ipynb#scrollTo=6tqUWTNKFdsO</a:t>
             </a:r>
           </a:p>
           <a:p>
             <a:endParaRPr lang="pt-BR" dirty="0" smtClean="0"/>
+          </a:p>
+          <a:p>
+            <a:endParaRPr lang="pt-BR" dirty="0" smtClean="0"/>
+          </a:p>
+          <a:p>
+            <a:endParaRPr lang="pt-BR" dirty="0"/>
           </a:p>
         </p:txBody>
       </p:sp>
@@ -1609,7 +1718,7 @@
           <a:p>
             <a:fld id="{F430A2A4-8C14-4B1A-AD48-7B6401078BF7}" type="slidenum">
               <a:rPr lang="pt-BR" smtClean="0"/>
-              <a:t>15</a:t>
+              <a:t>14</a:t>
             </a:fld>
             <a:endParaRPr lang="pt-BR"/>
           </a:p>
@@ -1618,7 +1727,7 @@
     </p:spTree>
     <p:extLst>
       <p:ext uri="{BB962C8B-B14F-4D97-AF65-F5344CB8AC3E}">
-        <p14:creationId xmlns:p14="http://schemas.microsoft.com/office/powerpoint/2010/main" val="4209406398"/>
+        <p14:creationId xmlns:p14="http://schemas.microsoft.com/office/powerpoint/2010/main" val="2663880140"/>
       </p:ext>
     </p:extLst>
   </p:cSld>
@@ -1672,194 +1781,26 @@
           <a:bodyPr/>
           <a:lstStyle/>
           <a:p>
-            <a:pPr marL="0" marR="0" lvl="0" indent="0" algn="l" defTabSz="914400" rtl="0" eaLnBrk="1" fontAlgn="auto" latinLnBrk="0" hangingPunct="1">
-              <a:lnSpc>
-                <a:spcPct val="100000"/>
-              </a:lnSpc>
-              <a:spcBef>
-                <a:spcPts val="0"/>
-              </a:spcBef>
-              <a:spcAft>
-                <a:spcPts val="0"/>
-              </a:spcAft>
-              <a:buClrTx/>
-              <a:buSzTx/>
-              <a:buFontTx/>
-              <a:buNone/>
-              <a:tabLst/>
-              <a:defRPr/>
-            </a:pPr>
-            <a:r>
-              <a:rPr lang="pt-BR" b="1" dirty="0" smtClean="0"/>
-              <a:t>empírico</a:t>
-            </a:r>
+            <a:endParaRPr lang="pt-BR" dirty="0" smtClean="0"/>
+          </a:p>
+          <a:p>
             <a:r>
               <a:rPr lang="pt-BR" dirty="0" smtClean="0"/>
-              <a:t>: baseado na experiência e na observação, metódicas ou não.</a:t>
-            </a:r>
-          </a:p>
-          <a:p>
-            <a:pPr marL="0" marR="0" lvl="0" indent="0" algn="l" defTabSz="914400" rtl="0" eaLnBrk="1" fontAlgn="auto" latinLnBrk="0" hangingPunct="1">
-              <a:lnSpc>
-                <a:spcPct val="100000"/>
-              </a:lnSpc>
-              <a:spcBef>
-                <a:spcPts val="0"/>
-              </a:spcBef>
-              <a:spcAft>
-                <a:spcPts val="0"/>
-              </a:spcAft>
-              <a:buClrTx/>
-              <a:buSzTx/>
-              <a:buFontTx/>
-              <a:buNone/>
-              <a:tabLst/>
-              <a:defRPr/>
-            </a:pPr>
+              <a:t>Referências</a:t>
+            </a:r>
+          </a:p>
+          <a:p>
+            <a:r>
+              <a:rPr lang="pt-BR" dirty="0" smtClean="0"/>
+              <a:t>[1]</a:t>
+            </a:r>
+            <a:r>
+              <a:rPr lang="pt-BR" baseline="0" dirty="0" smtClean="0"/>
+              <a:t> https://www.quora.com/Why-dont-we-initialize-the-weights-of-a-neural-network-to-zero</a:t>
+            </a:r>
+          </a:p>
+          <a:p>
             <a:endParaRPr lang="pt-BR" dirty="0" smtClean="0"/>
-          </a:p>
-          <a:p>
-            <a:pPr marL="0" marR="0" lvl="0" indent="0" algn="l" defTabSz="914400" rtl="0" eaLnBrk="1" fontAlgn="auto" latinLnBrk="0" hangingPunct="1">
-              <a:lnSpc>
-                <a:spcPct val="100000"/>
-              </a:lnSpc>
-              <a:spcBef>
-                <a:spcPts val="0"/>
-              </a:spcBef>
-              <a:spcAft>
-                <a:spcPts val="0"/>
-              </a:spcAft>
-              <a:buClrTx/>
-              <a:buSzTx/>
-              <a:buFontTx/>
-              <a:buNone/>
-              <a:tabLst/>
-              <a:defRPr/>
-            </a:pPr>
-            <a:r>
-              <a:rPr lang="pt-BR" dirty="0" smtClean="0"/>
-              <a:t>Para mais informações</a:t>
-            </a:r>
-            <a:r>
-              <a:rPr lang="pt-BR" baseline="0" dirty="0" smtClean="0"/>
-              <a:t> sobre a inicialização dos pesos </a:t>
-            </a:r>
-            <a:r>
-              <a:rPr lang="pt-BR" b="0" baseline="0" dirty="0" smtClean="0"/>
-              <a:t>vejam:</a:t>
-            </a:r>
-          </a:p>
-          <a:p>
-            <a:pPr marL="0" marR="0" lvl="0" indent="0" algn="l" defTabSz="914400" rtl="0" eaLnBrk="1" fontAlgn="auto" latinLnBrk="0" hangingPunct="1">
-              <a:lnSpc>
-                <a:spcPct val="100000"/>
-              </a:lnSpc>
-              <a:spcBef>
-                <a:spcPts val="0"/>
-              </a:spcBef>
-              <a:spcAft>
-                <a:spcPts val="0"/>
-              </a:spcAft>
-              <a:buClrTx/>
-              <a:buSzTx/>
-              <a:buFontTx/>
-              <a:buNone/>
-              <a:tabLst/>
-              <a:defRPr/>
-            </a:pPr>
-            <a:r>
-              <a:rPr lang="pt-BR" dirty="0" smtClean="0"/>
-              <a:t>[2] GOODFELLOW, I., BENGIO, Y., COURVILLE, A., Deep Learning, MIT Press, 2016. HAYKIN, S. Neural Networks and Learning Machines, 3rd edition, Prentice-Hall, 2008.</a:t>
-            </a:r>
-          </a:p>
-          <a:p>
-            <a:pPr marL="0" marR="0" lvl="0" indent="0" algn="l" defTabSz="914400" rtl="0" eaLnBrk="1" fontAlgn="auto" latinLnBrk="0" hangingPunct="1">
-              <a:lnSpc>
-                <a:spcPct val="100000"/>
-              </a:lnSpc>
-              <a:spcBef>
-                <a:spcPts val="0"/>
-              </a:spcBef>
-              <a:spcAft>
-                <a:spcPts val="0"/>
-              </a:spcAft>
-              <a:buClrTx/>
-              <a:buSzTx/>
-              <a:buFontTx/>
-              <a:buNone/>
-              <a:tabLst/>
-              <a:defRPr/>
-            </a:pPr>
-            <a:endParaRPr lang="pt-BR" dirty="0" smtClean="0"/>
-          </a:p>
-          <a:p>
-            <a:pPr marL="0" marR="0" lvl="0" indent="0" algn="l" defTabSz="914400" rtl="0" eaLnBrk="1" fontAlgn="auto" latinLnBrk="0" hangingPunct="1">
-              <a:lnSpc>
-                <a:spcPct val="100000"/>
-              </a:lnSpc>
-              <a:spcBef>
-                <a:spcPts val="0"/>
-              </a:spcBef>
-              <a:spcAft>
-                <a:spcPts val="0"/>
-              </a:spcAft>
-              <a:buClrTx/>
-              <a:buSzTx/>
-              <a:buFontTx/>
-              <a:buNone/>
-              <a:tabLst/>
-              <a:defRPr/>
-            </a:pPr>
-            <a:r>
-              <a:rPr lang="pt-BR" dirty="0" smtClean="0"/>
-              <a:t>Referência</a:t>
-            </a:r>
-          </a:p>
-          <a:p>
-            <a:pPr marL="0" marR="0" lvl="0" indent="0" algn="l" defTabSz="914400" rtl="0" eaLnBrk="1" fontAlgn="auto" latinLnBrk="0" hangingPunct="1">
-              <a:lnSpc>
-                <a:spcPct val="100000"/>
-              </a:lnSpc>
-              <a:spcBef>
-                <a:spcPts val="0"/>
-              </a:spcBef>
-              <a:spcAft>
-                <a:spcPts val="0"/>
-              </a:spcAft>
-              <a:buClrTx/>
-              <a:buSzTx/>
-              <a:buFontTx/>
-              <a:buNone/>
-              <a:tabLst/>
-              <a:defRPr/>
-            </a:pPr>
-            <a:r>
-              <a:rPr lang="pt-BR" dirty="0" smtClean="0"/>
-              <a:t>[1] https://www.deeplearning.ai/ai-notes/initialization/</a:t>
-            </a:r>
-          </a:p>
-          <a:p>
-            <a:pPr marL="0" marR="0" lvl="0" indent="0" algn="l" defTabSz="914400" rtl="0" eaLnBrk="1" fontAlgn="auto" latinLnBrk="0" hangingPunct="1">
-              <a:lnSpc>
-                <a:spcPct val="100000"/>
-              </a:lnSpc>
-              <a:spcBef>
-                <a:spcPts val="0"/>
-              </a:spcBef>
-              <a:spcAft>
-                <a:spcPts val="0"/>
-              </a:spcAft>
-              <a:buClrTx/>
-              <a:buSzTx/>
-              <a:buFontTx/>
-              <a:buNone/>
-              <a:tabLst/>
-              <a:defRPr/>
-            </a:pPr>
-            <a:r>
-              <a:rPr lang="pt-BR" dirty="0" smtClean="0"/>
-              <a:t>[2] https://machinelearningmastery.com/weight-initialization-for-deep-learning-neural-networks/</a:t>
-            </a:r>
           </a:p>
         </p:txBody>
       </p:sp>
@@ -1880,7 +1821,7 @@
           <a:p>
             <a:fld id="{F430A2A4-8C14-4B1A-AD48-7B6401078BF7}" type="slidenum">
               <a:rPr lang="pt-BR" smtClean="0"/>
-              <a:t>16</a:t>
+              <a:t>15</a:t>
             </a:fld>
             <a:endParaRPr lang="pt-BR"/>
           </a:p>
@@ -1889,7 +1830,7 @@
     </p:spTree>
     <p:extLst>
       <p:ext uri="{BB962C8B-B14F-4D97-AF65-F5344CB8AC3E}">
-        <p14:creationId xmlns:p14="http://schemas.microsoft.com/office/powerpoint/2010/main" val="225742060"/>
+        <p14:creationId xmlns:p14="http://schemas.microsoft.com/office/powerpoint/2010/main" val="4209406398"/>
       </p:ext>
     </p:extLst>
   </p:cSld>
@@ -1943,26 +1884,194 @@
           <a:bodyPr/>
           <a:lstStyle/>
           <a:p>
-            <a:r>
-              <a:rPr lang="pt-BR" dirty="0"/>
+            <a:pPr marL="0" marR="0" lvl="0" indent="0" algn="l" defTabSz="914400" rtl="0" eaLnBrk="1" fontAlgn="auto" latinLnBrk="0" hangingPunct="1">
+              <a:lnSpc>
+                <a:spcPct val="100000"/>
+              </a:lnSpc>
+              <a:spcBef>
+                <a:spcPts val="0"/>
+              </a:spcBef>
+              <a:spcAft>
+                <a:spcPts val="0"/>
+              </a:spcAft>
+              <a:buClrTx/>
+              <a:buSzTx/>
+              <a:buFontTx/>
+              <a:buNone/>
+              <a:tabLst/>
+              <a:defRPr/>
+            </a:pPr>
+            <a:r>
+              <a:rPr lang="pt-BR" b="1" dirty="0" smtClean="0"/>
+              <a:t>empírico</a:t>
+            </a:r>
+            <a:r>
+              <a:rPr lang="pt-BR" dirty="0" smtClean="0"/>
+              <a:t>: baseado na experiência e na observação, metódicas ou não.</a:t>
+            </a:r>
+          </a:p>
+          <a:p>
+            <a:pPr marL="0" marR="0" lvl="0" indent="0" algn="l" defTabSz="914400" rtl="0" eaLnBrk="1" fontAlgn="auto" latinLnBrk="0" hangingPunct="1">
+              <a:lnSpc>
+                <a:spcPct val="100000"/>
+              </a:lnSpc>
+              <a:spcBef>
+                <a:spcPts val="0"/>
+              </a:spcBef>
+              <a:spcAft>
+                <a:spcPts val="0"/>
+              </a:spcAft>
+              <a:buClrTx/>
+              <a:buSzTx/>
+              <a:buFontTx/>
+              <a:buNone/>
+              <a:tabLst/>
+              <a:defRPr/>
+            </a:pPr>
+            <a:endParaRPr lang="pt-BR" dirty="0" smtClean="0"/>
+          </a:p>
+          <a:p>
+            <a:pPr marL="0" marR="0" lvl="0" indent="0" algn="l" defTabSz="914400" rtl="0" eaLnBrk="1" fontAlgn="auto" latinLnBrk="0" hangingPunct="1">
+              <a:lnSpc>
+                <a:spcPct val="100000"/>
+              </a:lnSpc>
+              <a:spcBef>
+                <a:spcPts val="0"/>
+              </a:spcBef>
+              <a:spcAft>
+                <a:spcPts val="0"/>
+              </a:spcAft>
+              <a:buClrTx/>
+              <a:buSzTx/>
+              <a:buFontTx/>
+              <a:buNone/>
+              <a:tabLst/>
+              <a:defRPr/>
+            </a:pPr>
+            <a:r>
+              <a:rPr lang="pt-BR" dirty="0" smtClean="0"/>
               <a:t>Para mais informações</a:t>
             </a:r>
             <a:r>
-              <a:rPr lang="pt-BR" baseline="0" dirty="0"/>
-              <a:t> sobre a implementação de redes MLP na biblioteca SciKit-Learn, visite o seguinte site:</a:t>
-            </a:r>
-          </a:p>
-          <a:p>
-            <a:endParaRPr lang="pt-BR" dirty="0"/>
-          </a:p>
-          <a:p>
-            <a:r>
-              <a:rPr lang="pt-BR" dirty="0">
-                <a:hlinkClick r:id="rId3"/>
-              </a:rPr>
-              <a:t>https://scikit-learn.org/stable/modules/neural_networks_supervised.html</a:t>
-            </a:r>
-            <a:endParaRPr lang="pt-BR" dirty="0"/>
+              <a:rPr lang="pt-BR" baseline="0" dirty="0" smtClean="0"/>
+              <a:t> sobre a inicialização dos pesos </a:t>
+            </a:r>
+            <a:r>
+              <a:rPr lang="pt-BR" b="0" baseline="0" dirty="0" smtClean="0"/>
+              <a:t>vejam:</a:t>
+            </a:r>
+          </a:p>
+          <a:p>
+            <a:pPr marL="0" marR="0" lvl="0" indent="0" algn="l" defTabSz="914400" rtl="0" eaLnBrk="1" fontAlgn="auto" latinLnBrk="0" hangingPunct="1">
+              <a:lnSpc>
+                <a:spcPct val="100000"/>
+              </a:lnSpc>
+              <a:spcBef>
+                <a:spcPts val="0"/>
+              </a:spcBef>
+              <a:spcAft>
+                <a:spcPts val="0"/>
+              </a:spcAft>
+              <a:buClrTx/>
+              <a:buSzTx/>
+              <a:buFontTx/>
+              <a:buNone/>
+              <a:tabLst/>
+              <a:defRPr/>
+            </a:pPr>
+            <a:r>
+              <a:rPr lang="pt-BR" dirty="0" smtClean="0"/>
+              <a:t>[2] GOODFELLOW, I., BENGIO, Y., COURVILLE, A., Deep Learning, MIT Press, 2016. HAYKIN, S. Neural Networks and Learning Machines, 3rd edition, Prentice-Hall, 2008.</a:t>
+            </a:r>
+          </a:p>
+          <a:p>
+            <a:pPr marL="0" marR="0" lvl="0" indent="0" algn="l" defTabSz="914400" rtl="0" eaLnBrk="1" fontAlgn="auto" latinLnBrk="0" hangingPunct="1">
+              <a:lnSpc>
+                <a:spcPct val="100000"/>
+              </a:lnSpc>
+              <a:spcBef>
+                <a:spcPts val="0"/>
+              </a:spcBef>
+              <a:spcAft>
+                <a:spcPts val="0"/>
+              </a:spcAft>
+              <a:buClrTx/>
+              <a:buSzTx/>
+              <a:buFontTx/>
+              <a:buNone/>
+              <a:tabLst/>
+              <a:defRPr/>
+            </a:pPr>
+            <a:endParaRPr lang="pt-BR" dirty="0" smtClean="0"/>
+          </a:p>
+          <a:p>
+            <a:pPr marL="0" marR="0" lvl="0" indent="0" algn="l" defTabSz="914400" rtl="0" eaLnBrk="1" fontAlgn="auto" latinLnBrk="0" hangingPunct="1">
+              <a:lnSpc>
+                <a:spcPct val="100000"/>
+              </a:lnSpc>
+              <a:spcBef>
+                <a:spcPts val="0"/>
+              </a:spcBef>
+              <a:spcAft>
+                <a:spcPts val="0"/>
+              </a:spcAft>
+              <a:buClrTx/>
+              <a:buSzTx/>
+              <a:buFontTx/>
+              <a:buNone/>
+              <a:tabLst/>
+              <a:defRPr/>
+            </a:pPr>
+            <a:r>
+              <a:rPr lang="pt-BR" dirty="0" smtClean="0"/>
+              <a:t>Referência</a:t>
+            </a:r>
+          </a:p>
+          <a:p>
+            <a:pPr marL="0" marR="0" lvl="0" indent="0" algn="l" defTabSz="914400" rtl="0" eaLnBrk="1" fontAlgn="auto" latinLnBrk="0" hangingPunct="1">
+              <a:lnSpc>
+                <a:spcPct val="100000"/>
+              </a:lnSpc>
+              <a:spcBef>
+                <a:spcPts val="0"/>
+              </a:spcBef>
+              <a:spcAft>
+                <a:spcPts val="0"/>
+              </a:spcAft>
+              <a:buClrTx/>
+              <a:buSzTx/>
+              <a:buFontTx/>
+              <a:buNone/>
+              <a:tabLst/>
+              <a:defRPr/>
+            </a:pPr>
+            <a:r>
+              <a:rPr lang="pt-BR" dirty="0" smtClean="0"/>
+              <a:t>[1] https://www.deeplearning.ai/ai-notes/initialization/</a:t>
+            </a:r>
+          </a:p>
+          <a:p>
+            <a:pPr marL="0" marR="0" lvl="0" indent="0" algn="l" defTabSz="914400" rtl="0" eaLnBrk="1" fontAlgn="auto" latinLnBrk="0" hangingPunct="1">
+              <a:lnSpc>
+                <a:spcPct val="100000"/>
+              </a:lnSpc>
+              <a:spcBef>
+                <a:spcPts val="0"/>
+              </a:spcBef>
+              <a:spcAft>
+                <a:spcPts val="0"/>
+              </a:spcAft>
+              <a:buClrTx/>
+              <a:buSzTx/>
+              <a:buFontTx/>
+              <a:buNone/>
+              <a:tabLst/>
+              <a:defRPr/>
+            </a:pPr>
+            <a:r>
+              <a:rPr lang="pt-BR" dirty="0" smtClean="0"/>
+              <a:t>[2] https://machinelearningmastery.com/weight-initialization-for-deep-learning-neural-networks/</a:t>
+            </a:r>
           </a:p>
         </p:txBody>
       </p:sp>
@@ -1983,7 +2092,7 @@
           <a:p>
             <a:fld id="{F430A2A4-8C14-4B1A-AD48-7B6401078BF7}" type="slidenum">
               <a:rPr lang="pt-BR" smtClean="0"/>
-              <a:t>17</a:t>
+              <a:t>16</a:t>
             </a:fld>
             <a:endParaRPr lang="pt-BR"/>
           </a:p>
@@ -1992,7 +2101,7 @@
     </p:spTree>
     <p:extLst>
       <p:ext uri="{BB962C8B-B14F-4D97-AF65-F5344CB8AC3E}">
-        <p14:creationId xmlns:p14="http://schemas.microsoft.com/office/powerpoint/2010/main" val="3690539435"/>
+        <p14:creationId xmlns:p14="http://schemas.microsoft.com/office/powerpoint/2010/main" val="225742060"/>
       </p:ext>
     </p:extLst>
   </p:cSld>
@@ -2047,16 +2156,25 @@
           <a:lstStyle/>
           <a:p>
             <a:r>
-              <a:rPr lang="pt-BR" sz="1200" b="1" dirty="0" smtClean="0"/>
-              <a:t>Projeto #2:</a:t>
-            </a:r>
-            <a:r>
-              <a:rPr lang="pt-BR" sz="1200" dirty="0" smtClean="0"/>
-              <a:t> https://mybinder.org/v2/gh/zz4fap/t320_aprendizado_de_maquina/main?filepath=projeto%2Fprojeto_2_T320_2S2021.ipynb</a:t>
-            </a:r>
-          </a:p>
-          <a:p>
-            <a:endParaRPr lang="pt-BR" sz="1200" dirty="0"/>
+              <a:rPr lang="pt-BR" dirty="0"/>
+              <a:t>Para mais informações</a:t>
+            </a:r>
+            <a:r>
+              <a:rPr lang="pt-BR" baseline="0" dirty="0"/>
+              <a:t> sobre a implementação de redes MLP na biblioteca SciKit-Learn, visite o seguinte site:</a:t>
+            </a:r>
+          </a:p>
+          <a:p>
+            <a:endParaRPr lang="pt-BR" dirty="0"/>
+          </a:p>
+          <a:p>
+            <a:r>
+              <a:rPr lang="pt-BR" dirty="0">
+                <a:hlinkClick r:id="rId3"/>
+              </a:rPr>
+              <a:t>https://scikit-learn.org/stable/modules/neural_networks_supervised.html</a:t>
+            </a:r>
+            <a:endParaRPr lang="pt-BR" dirty="0"/>
           </a:p>
         </p:txBody>
       </p:sp>
@@ -2075,9 +2193,9 @@
           <a:bodyPr/>
           <a:lstStyle/>
           <a:p>
-            <a:fld id="{6FC8D850-966F-45A6-8DE7-15B891E7D40D}" type="slidenum">
+            <a:fld id="{F430A2A4-8C14-4B1A-AD48-7B6401078BF7}" type="slidenum">
               <a:rPr lang="pt-BR" smtClean="0"/>
-              <a:t>18</a:t>
+              <a:t>17</a:t>
             </a:fld>
             <a:endParaRPr lang="pt-BR"/>
           </a:p>
@@ -2086,7 +2204,7 @@
     </p:spTree>
     <p:extLst>
       <p:ext uri="{BB962C8B-B14F-4D97-AF65-F5344CB8AC3E}">
-        <p14:creationId xmlns:p14="http://schemas.microsoft.com/office/powerpoint/2010/main" val="3059840101"/>
+        <p14:creationId xmlns:p14="http://schemas.microsoft.com/office/powerpoint/2010/main" val="3690539435"/>
       </p:ext>
     </p:extLst>
   </p:cSld>
@@ -2227,7 +2345,7 @@
           <a:p>
             <a:fld id="{221D0464-8C8A-49C0-859F-777E51766A35}" type="datetimeFigureOut">
               <a:rPr lang="pt-BR" smtClean="0"/>
-              <a:t>04/12/2021</a:t>
+              <a:t>03/06/2022</a:t>
             </a:fld>
             <a:endParaRPr lang="pt-BR"/>
           </a:p>
@@ -2269,7 +2387,7 @@
           <a:p>
             <a:fld id="{5CB2E8FC-741C-4BF1-B071-7D772D706EF9}" type="slidenum">
               <a:rPr lang="pt-BR" smtClean="0"/>
-              <a:t>‹#›</a:t>
+              <a:t>‹nº›</a:t>
             </a:fld>
             <a:endParaRPr lang="pt-BR"/>
           </a:p>
@@ -2397,7 +2515,7 @@
           <a:p>
             <a:fld id="{221D0464-8C8A-49C0-859F-777E51766A35}" type="datetimeFigureOut">
               <a:rPr lang="pt-BR" smtClean="0"/>
-              <a:t>04/12/2021</a:t>
+              <a:t>03/06/2022</a:t>
             </a:fld>
             <a:endParaRPr lang="pt-BR"/>
           </a:p>
@@ -2439,7 +2557,7 @@
           <a:p>
             <a:fld id="{5CB2E8FC-741C-4BF1-B071-7D772D706EF9}" type="slidenum">
               <a:rPr lang="pt-BR" smtClean="0"/>
-              <a:t>‹#›</a:t>
+              <a:t>‹nº›</a:t>
             </a:fld>
             <a:endParaRPr lang="pt-BR"/>
           </a:p>
@@ -2577,7 +2695,7 @@
           <a:p>
             <a:fld id="{221D0464-8C8A-49C0-859F-777E51766A35}" type="datetimeFigureOut">
               <a:rPr lang="pt-BR" smtClean="0"/>
-              <a:t>04/12/2021</a:t>
+              <a:t>03/06/2022</a:t>
             </a:fld>
             <a:endParaRPr lang="pt-BR"/>
           </a:p>
@@ -2619,7 +2737,7 @@
           <a:p>
             <a:fld id="{5CB2E8FC-741C-4BF1-B071-7D772D706EF9}" type="slidenum">
               <a:rPr lang="pt-BR" smtClean="0"/>
-              <a:t>‹#›</a:t>
+              <a:t>‹nº›</a:t>
             </a:fld>
             <a:endParaRPr lang="pt-BR"/>
           </a:p>
@@ -2747,7 +2865,7 @@
           <a:p>
             <a:fld id="{221D0464-8C8A-49C0-859F-777E51766A35}" type="datetimeFigureOut">
               <a:rPr lang="pt-BR" smtClean="0"/>
-              <a:t>04/12/2021</a:t>
+              <a:t>03/06/2022</a:t>
             </a:fld>
             <a:endParaRPr lang="pt-BR"/>
           </a:p>
@@ -2789,7 +2907,7 @@
           <a:p>
             <a:fld id="{5CB2E8FC-741C-4BF1-B071-7D772D706EF9}" type="slidenum">
               <a:rPr lang="pt-BR" smtClean="0"/>
-              <a:t>‹#›</a:t>
+              <a:t>‹nº›</a:t>
             </a:fld>
             <a:endParaRPr lang="pt-BR"/>
           </a:p>
@@ -2993,7 +3111,7 @@
           <a:p>
             <a:fld id="{221D0464-8C8A-49C0-859F-777E51766A35}" type="datetimeFigureOut">
               <a:rPr lang="pt-BR" smtClean="0"/>
-              <a:t>04/12/2021</a:t>
+              <a:t>03/06/2022</a:t>
             </a:fld>
             <a:endParaRPr lang="pt-BR"/>
           </a:p>
@@ -3035,7 +3153,7 @@
           <a:p>
             <a:fld id="{5CB2E8FC-741C-4BF1-B071-7D772D706EF9}" type="slidenum">
               <a:rPr lang="pt-BR" smtClean="0"/>
-              <a:t>‹#›</a:t>
+              <a:t>‹nº›</a:t>
             </a:fld>
             <a:endParaRPr lang="pt-BR"/>
           </a:p>
@@ -3225,7 +3343,7 @@
           <a:p>
             <a:fld id="{221D0464-8C8A-49C0-859F-777E51766A35}" type="datetimeFigureOut">
               <a:rPr lang="pt-BR" smtClean="0"/>
-              <a:t>04/12/2021</a:t>
+              <a:t>03/06/2022</a:t>
             </a:fld>
             <a:endParaRPr lang="pt-BR"/>
           </a:p>
@@ -3267,7 +3385,7 @@
           <a:p>
             <a:fld id="{5CB2E8FC-741C-4BF1-B071-7D772D706EF9}" type="slidenum">
               <a:rPr lang="pt-BR" smtClean="0"/>
-              <a:t>‹#›</a:t>
+              <a:t>‹nº›</a:t>
             </a:fld>
             <a:endParaRPr lang="pt-BR"/>
           </a:p>
@@ -3592,7 +3710,7 @@
           <a:p>
             <a:fld id="{221D0464-8C8A-49C0-859F-777E51766A35}" type="datetimeFigureOut">
               <a:rPr lang="pt-BR" smtClean="0"/>
-              <a:t>04/12/2021</a:t>
+              <a:t>03/06/2022</a:t>
             </a:fld>
             <a:endParaRPr lang="pt-BR"/>
           </a:p>
@@ -3634,7 +3752,7 @@
           <a:p>
             <a:fld id="{5CB2E8FC-741C-4BF1-B071-7D772D706EF9}" type="slidenum">
               <a:rPr lang="pt-BR" smtClean="0"/>
-              <a:t>‹#›</a:t>
+              <a:t>‹nº›</a:t>
             </a:fld>
             <a:endParaRPr lang="pt-BR"/>
           </a:p>
@@ -3710,7 +3828,7 @@
           <a:p>
             <a:fld id="{221D0464-8C8A-49C0-859F-777E51766A35}" type="datetimeFigureOut">
               <a:rPr lang="pt-BR" smtClean="0"/>
-              <a:t>04/12/2021</a:t>
+              <a:t>03/06/2022</a:t>
             </a:fld>
             <a:endParaRPr lang="pt-BR"/>
           </a:p>
@@ -3752,7 +3870,7 @@
           <a:p>
             <a:fld id="{5CB2E8FC-741C-4BF1-B071-7D772D706EF9}" type="slidenum">
               <a:rPr lang="pt-BR" smtClean="0"/>
-              <a:t>‹#›</a:t>
+              <a:t>‹nº›</a:t>
             </a:fld>
             <a:endParaRPr lang="pt-BR"/>
           </a:p>
@@ -3805,7 +3923,7 @@
           <a:p>
             <a:fld id="{221D0464-8C8A-49C0-859F-777E51766A35}" type="datetimeFigureOut">
               <a:rPr lang="pt-BR" smtClean="0"/>
-              <a:t>04/12/2021</a:t>
+              <a:t>03/06/2022</a:t>
             </a:fld>
             <a:endParaRPr lang="pt-BR"/>
           </a:p>
@@ -3847,7 +3965,7 @@
           <a:p>
             <a:fld id="{5CB2E8FC-741C-4BF1-B071-7D772D706EF9}" type="slidenum">
               <a:rPr lang="pt-BR" smtClean="0"/>
-              <a:t>‹#›</a:t>
+              <a:t>‹nº›</a:t>
             </a:fld>
             <a:endParaRPr lang="pt-BR"/>
           </a:p>
@@ -4082,7 +4200,7 @@
           <a:p>
             <a:fld id="{221D0464-8C8A-49C0-859F-777E51766A35}" type="datetimeFigureOut">
               <a:rPr lang="pt-BR" smtClean="0"/>
-              <a:t>04/12/2021</a:t>
+              <a:t>03/06/2022</a:t>
             </a:fld>
             <a:endParaRPr lang="pt-BR"/>
           </a:p>
@@ -4124,7 +4242,7 @@
           <a:p>
             <a:fld id="{5CB2E8FC-741C-4BF1-B071-7D772D706EF9}" type="slidenum">
               <a:rPr lang="pt-BR" smtClean="0"/>
-              <a:t>‹#›</a:t>
+              <a:t>‹nº›</a:t>
             </a:fld>
             <a:endParaRPr lang="pt-BR"/>
           </a:p>
@@ -4335,7 +4453,7 @@
           <a:p>
             <a:fld id="{221D0464-8C8A-49C0-859F-777E51766A35}" type="datetimeFigureOut">
               <a:rPr lang="pt-BR" smtClean="0"/>
-              <a:t>04/12/2021</a:t>
+              <a:t>03/06/2022</a:t>
             </a:fld>
             <a:endParaRPr lang="pt-BR"/>
           </a:p>
@@ -4377,7 +4495,7 @@
           <a:p>
             <a:fld id="{5CB2E8FC-741C-4BF1-B071-7D772D706EF9}" type="slidenum">
               <a:rPr lang="pt-BR" smtClean="0"/>
-              <a:t>‹#›</a:t>
+              <a:t>‹nº›</a:t>
             </a:fld>
             <a:endParaRPr lang="pt-BR"/>
           </a:p>
@@ -4548,7 +4666,7 @@
           <a:p>
             <a:fld id="{221D0464-8C8A-49C0-859F-777E51766A35}" type="datetimeFigureOut">
               <a:rPr lang="pt-BR" smtClean="0"/>
-              <a:t>04/12/2021</a:t>
+              <a:t>03/06/2022</a:t>
             </a:fld>
             <a:endParaRPr lang="pt-BR"/>
           </a:p>
@@ -4626,7 +4744,7 @@
           <a:p>
             <a:fld id="{5CB2E8FC-741C-4BF1-B071-7D772D706EF9}" type="slidenum">
               <a:rPr lang="pt-BR" smtClean="0"/>
-              <a:t>‹#›</a:t>
+              <a:t>‹nº›</a:t>
             </a:fld>
             <a:endParaRPr lang="pt-BR"/>
           </a:p>
@@ -4958,7 +5076,7 @@
           <p:cNvPr id="2" name="Título 1">
             <a:extLst>
               <a:ext uri="{FF2B5EF4-FFF2-40B4-BE49-F238E27FC236}">
-                <a16:creationId xmlns:a16="http://schemas.microsoft.com/office/drawing/2014/main" xmlns="" id="{32666AC8-2E17-4DB4-B0F5-60C640CCFD2E}"/>
+                <a16:creationId xmlns="" xmlns:a16="http://schemas.microsoft.com/office/drawing/2014/main" id="{32666AC8-2E17-4DB4-B0F5-60C640CCFD2E}"/>
               </a:ext>
             </a:extLst>
           </p:cNvPr>
@@ -5013,7 +5131,7 @@
           <p:cNvPr id="4" name="CaixaDeTexto 3">
             <a:extLst>
               <a:ext uri="{FF2B5EF4-FFF2-40B4-BE49-F238E27FC236}">
-                <a16:creationId xmlns:a16="http://schemas.microsoft.com/office/drawing/2014/main" xmlns="" id="{430EB894-B7D4-434C-9D1A-A14094D9BEEC}"/>
+                <a16:creationId xmlns="" xmlns:a16="http://schemas.microsoft.com/office/drawing/2014/main" id="{430EB894-B7D4-434C-9D1A-A14094D9BEEC}"/>
               </a:ext>
             </a:extLst>
           </p:cNvPr>
@@ -5054,7 +5172,7 @@
           <p:cNvPr id="1026" name="Picture 2" descr="Logo">
             <a:extLst>
               <a:ext uri="{FF2B5EF4-FFF2-40B4-BE49-F238E27FC236}">
-                <a16:creationId xmlns:a16="http://schemas.microsoft.com/office/drawing/2014/main" xmlns="" id="{3F2642E0-4F6A-4196-8F58-E77D36E9A33F}"/>
+                <a16:creationId xmlns="" xmlns:a16="http://schemas.microsoft.com/office/drawing/2014/main" id="{3F2642E0-4F6A-4196-8F58-E77D36E9A33F}"/>
               </a:ext>
             </a:extLst>
           </p:cNvPr>
@@ -5099,7 +5217,7 @@
           <p:cNvPr id="5122" name="Picture 2" descr="Image result for machine learning">
             <a:extLst>
               <a:ext uri="{FF2B5EF4-FFF2-40B4-BE49-F238E27FC236}">
-                <a16:creationId xmlns:a16="http://schemas.microsoft.com/office/drawing/2014/main" xmlns="" id="{810CE0A2-4102-44A6-A370-175E7896CDCB}"/>
+                <a16:creationId xmlns="" xmlns:a16="http://schemas.microsoft.com/office/drawing/2014/main" id="{810CE0A2-4102-44A6-A370-175E7896CDCB}"/>
               </a:ext>
             </a:extLst>
           </p:cNvPr>
@@ -10871,7 +10989,15 @@
             </a:r>
             <a:r>
               <a:rPr lang="pt-BR" dirty="0" smtClean="0"/>
-              <a:t>12/12/2021.</a:t>
+              <a:t>26</a:t>
+            </a:r>
+            <a:r>
+              <a:rPr lang="pt-BR" dirty="0" smtClean="0"/>
+              <a:t>/06/2021</a:t>
+            </a:r>
+            <a:r>
+              <a:rPr lang="pt-BR" dirty="0" smtClean="0"/>
+              <a:t>.</a:t>
             </a:r>
             <a:endParaRPr lang="pt-BR" dirty="0"/>
           </a:p>
@@ -10879,7 +11005,15 @@
             <a:pPr lvl="1"/>
             <a:r>
               <a:rPr lang="pt-BR" dirty="0"/>
-              <a:t>Vídeo com a explicação sobre o projeto se encontra na pasta “Projeto #2” em “Arquivos</a:t>
+              <a:t>Vídeo com a explicação sobre o projeto se encontra na pasta “</a:t>
+            </a:r>
+            <a:r>
+              <a:rPr lang="pt-BR" dirty="0" smtClean="0"/>
+              <a:t>Projetos” </a:t>
+            </a:r>
+            <a:r>
+              <a:rPr lang="pt-BR" dirty="0"/>
+              <a:t>em “Arquivos</a:t>
             </a:r>
             <a:r>
               <a:rPr lang="pt-BR" dirty="0" smtClean="0"/>
@@ -10899,8 +11033,24 @@
             </a:r>
             <a:r>
               <a:rPr lang="pt-BR" dirty="0" smtClean="0"/>
-              <a:t>atentamente.</a:t>
-            </a:r>
+              <a:t>atentamente</a:t>
+            </a:r>
+            <a:r>
+              <a:rPr lang="pt-BR" dirty="0" smtClean="0"/>
+              <a:t>.</a:t>
+            </a:r>
+          </a:p>
+          <a:p>
+            <a:pPr lvl="1"/>
+            <a:r>
+              <a:rPr lang="pt-BR" dirty="0"/>
+              <a:t>Apenas um integrante do grupo precisa fazer a entrega</a:t>
+            </a:r>
+            <a:r>
+              <a:rPr lang="pt-BR" dirty="0" smtClean="0"/>
+              <a:t>.</a:t>
+            </a:r>
+            <a:endParaRPr lang="pt-BR" dirty="0" smtClean="0"/>
           </a:p>
           <a:p>
             <a:pPr lvl="1"/>
@@ -10910,15 +11060,53 @@
                   <a:srgbClr val="FF0000"/>
                 </a:solidFill>
               </a:rPr>
-              <a:t>Não se esqueçam de colocar os nomes dos integrantes do grupo.</a:t>
-            </a:r>
-          </a:p>
-          <a:p>
-            <a:pPr lvl="1"/>
-            <a:r>
-              <a:rPr lang="pt-BR" dirty="0" smtClean="0"/>
-              <a:t>Apenas um integrante do grupo precisa fazer a entrega.</a:t>
-            </a:r>
+              <a:t>Mas, não </a:t>
+            </a:r>
+            <a:r>
+              <a:rPr lang="pt-BR" dirty="0" smtClean="0">
+                <a:solidFill>
+                  <a:srgbClr val="FF0000"/>
+                </a:solidFill>
+              </a:rPr>
+              <a:t>se esqueçam de colocar os nomes </a:t>
+            </a:r>
+            <a:r>
+              <a:rPr lang="pt-BR" dirty="0" smtClean="0">
+                <a:solidFill>
+                  <a:srgbClr val="FF0000"/>
+                </a:solidFill>
+              </a:rPr>
+              <a:t>de todos os</a:t>
+            </a:r>
+            <a:r>
+              <a:rPr lang="pt-BR" dirty="0" smtClean="0">
+                <a:solidFill>
+                  <a:srgbClr val="FF0000"/>
+                </a:solidFill>
+              </a:rPr>
+              <a:t> </a:t>
+            </a:r>
+            <a:r>
+              <a:rPr lang="pt-BR" dirty="0" smtClean="0">
+                <a:solidFill>
+                  <a:srgbClr val="FF0000"/>
+                </a:solidFill>
+              </a:rPr>
+              <a:t>integrantes do grupo</a:t>
+            </a:r>
+            <a:r>
+              <a:rPr lang="pt-BR" dirty="0" smtClean="0">
+                <a:solidFill>
+                  <a:srgbClr val="FF0000"/>
+                </a:solidFill>
+              </a:rPr>
+              <a:t>.</a:t>
+            </a:r>
+            <a:endParaRPr lang="pt-BR" dirty="0" smtClean="0">
+              <a:solidFill>
+                <a:srgbClr val="FF0000"/>
+              </a:solidFill>
+            </a:endParaRPr>
           </a:p>
         </p:txBody>
       </p:sp>
@@ -10964,7 +11152,7 @@
           <p:cNvPr id="4" name="Título 1">
             <a:extLst>
               <a:ext uri="{FF2B5EF4-FFF2-40B4-BE49-F238E27FC236}">
-                <a16:creationId xmlns:a16="http://schemas.microsoft.com/office/drawing/2014/main" xmlns="" id="{32666AC8-2E17-4DB4-B0F5-60C640CCFD2E}"/>
+                <a16:creationId xmlns="" xmlns:a16="http://schemas.microsoft.com/office/drawing/2014/main" id="{32666AC8-2E17-4DB4-B0F5-60C640CCFD2E}"/>
               </a:ext>
             </a:extLst>
           </p:cNvPr>
@@ -11085,26 +11273,94 @@
         </p:spPr>
         <p:txBody>
           <a:bodyPr>
-            <a:normAutofit/>
+            <a:normAutofit lnSpcReduction="10000"/>
           </a:bodyPr>
           <a:lstStyle/>
           <a:p>
             <a:r>
               <a:rPr lang="pt-BR" dirty="0" smtClean="0"/>
-              <a:t>Na última aula, aprendemos como as redes neurais aprendem.</a:t>
-            </a:r>
-          </a:p>
-          <a:p>
+              <a:t>Na última aula, </a:t>
+            </a:r>
             <a:r>
               <a:rPr lang="pt-BR" dirty="0" smtClean="0"/>
-              <a:t>Vimos que isso é feito através da minimização de uma função de custo.</a:t>
-            </a:r>
-          </a:p>
-          <a:p>
+              <a:t>discutimos como </a:t>
+            </a:r>
             <a:r>
               <a:rPr lang="pt-BR" dirty="0" smtClean="0"/>
-              <a:t>Aprendemos que a minimização é realizada iterativamente com a retropropagação do erro.</a:t>
-            </a:r>
+              <a:t>as redes neurais aprendem.</a:t>
+            </a:r>
+          </a:p>
+          <a:p>
+            <a:r>
+              <a:rPr lang="pt-BR" dirty="0" smtClean="0"/>
+              <a:t>Vimos que isso é feito através da minimização de uma função de custo</a:t>
+            </a:r>
+            <a:r>
+              <a:rPr lang="pt-BR" dirty="0" smtClean="0"/>
+              <a:t>.</a:t>
+            </a:r>
+          </a:p>
+          <a:p>
+            <a:pPr lvl="1">
+              <a:buFont typeface="Wingdings" panose="05000000000000000000" pitchFamily="2" charset="2"/>
+              <a:buChar char="§"/>
+            </a:pPr>
+            <a:r>
+              <a:rPr lang="pt-BR" dirty="0" smtClean="0"/>
+              <a:t>Usamos o erro quadrático médio por questões didáticas, mas existem várias outras funções como por exemplo a </a:t>
+            </a:r>
+            <a:r>
+              <a:rPr lang="pt-BR" b="1" i="1" dirty="0" smtClean="0"/>
+              <a:t>entropia cruzada</a:t>
+            </a:r>
+            <a:r>
+              <a:rPr lang="pt-BR" dirty="0" smtClean="0"/>
+              <a:t>, usada para o treinamento de classificadores </a:t>
+            </a:r>
+            <a:r>
+              <a:rPr lang="pt-BR" dirty="0" err="1" smtClean="0"/>
+              <a:t>multi-classe</a:t>
+            </a:r>
+            <a:r>
+              <a:rPr lang="pt-BR" dirty="0" smtClean="0"/>
+              <a:t> e a </a:t>
+            </a:r>
+            <a:r>
+              <a:rPr lang="pt-BR" b="1" i="1" dirty="0" smtClean="0"/>
+              <a:t>focal </a:t>
+            </a:r>
+            <a:r>
+              <a:rPr lang="pt-BR" b="1" i="1" dirty="0" err="1" smtClean="0"/>
+              <a:t>loss</a:t>
+            </a:r>
+            <a:r>
+              <a:rPr lang="pt-BR" b="1" i="1" dirty="0" smtClean="0"/>
+              <a:t> </a:t>
+            </a:r>
+            <a:r>
+              <a:rPr lang="pt-BR" dirty="0" smtClean="0"/>
+              <a:t>para o treinamento de detectores de objetos.</a:t>
+            </a:r>
+            <a:endParaRPr lang="pt-BR" dirty="0" smtClean="0"/>
+          </a:p>
+          <a:p>
+            <a:r>
+              <a:rPr lang="pt-BR" dirty="0" smtClean="0"/>
+              <a:t>Aprendemos que a </a:t>
+            </a:r>
+            <a:r>
+              <a:rPr lang="pt-BR" dirty="0" smtClean="0"/>
+              <a:t>minimização da função de custo </a:t>
+            </a:r>
+            <a:r>
+              <a:rPr lang="pt-BR" dirty="0" smtClean="0"/>
+              <a:t>é realizada iterativamente com a retropropagação do </a:t>
+            </a:r>
+            <a:r>
+              <a:rPr lang="pt-BR" dirty="0" smtClean="0"/>
+              <a:t>erro até que não haja mais melhoria na performance da rede neural.</a:t>
+            </a:r>
+            <a:endParaRPr lang="pt-BR" dirty="0" smtClean="0"/>
           </a:p>
           <a:p>
             <a:r>
@@ -11457,7 +11713,7 @@
           <p:cNvPr id="4" name="Título 1">
             <a:extLst>
               <a:ext uri="{FF2B5EF4-FFF2-40B4-BE49-F238E27FC236}">
-                <a16:creationId xmlns:a16="http://schemas.microsoft.com/office/drawing/2014/main" xmlns="" id="{32666AC8-2E17-4DB4-B0F5-60C640CCFD2E}"/>
+                <a16:creationId xmlns="" xmlns:a16="http://schemas.microsoft.com/office/drawing/2014/main" id="{32666AC8-2E17-4DB4-B0F5-60C640CCFD2E}"/>
               </a:ext>
             </a:extLst>
           </p:cNvPr>
@@ -13416,8 +13672,8 @@
           </a:p>
         </p:txBody>
       </p:sp>
-      <mc:AlternateContent xmlns:mc="http://schemas.openxmlformats.org/markup-compatibility/2006" xmlns:a14="http://schemas.microsoft.com/office/drawing/2010/main">
-        <mc:Choice Requires="a14">
+      <mc:AlternateContent xmlns:mc="http://schemas.openxmlformats.org/markup-compatibility/2006">
+        <mc:Choice xmlns:a14="http://schemas.microsoft.com/office/drawing/2010/main" Requires="a14">
           <p:sp>
             <p:nvSpPr>
               <p:cNvPr id="3" name="Content Placeholder 2"/>
@@ -13464,7 +13720,15 @@
                 </a:r>
                 <a:r>
                   <a:rPr lang="pt-BR" dirty="0"/>
-                  <a:t>a base para o aprendizado em redes MLP é a obtenção do </a:t>
+                  <a:t>a base para o aprendizado </a:t>
+                </a:r>
+                <a:r>
+                  <a:rPr lang="pt-BR" dirty="0" smtClean="0"/>
+                  <a:t>de redes </a:t>
+                </a:r>
+                <a:r>
+                  <a:rPr lang="pt-BR" dirty="0"/>
+                  <a:t>MLP é a obtenção do </a:t>
                 </a:r>
                 <a:r>
                   <a:rPr lang="pt-BR" b="1" i="1" dirty="0"/>
@@ -13472,7 +13736,15 @@
                 </a:r>
                 <a:r>
                   <a:rPr lang="pt-BR" dirty="0"/>
-                  <a:t>e o estabelecimento de um processo iterativo de busca dos </a:t>
+                  <a:t>e o estabelecimento de um </a:t>
+                </a:r>
+                <a:r>
+                  <a:rPr lang="pt-BR" b="1" i="1" dirty="0"/>
+                  <a:t>processo iterativo de busca </a:t>
+                </a:r>
+                <a:r>
+                  <a:rPr lang="pt-BR" dirty="0"/>
+                  <a:t>dos </a:t>
                 </a:r>
                 <a:r>
                   <a:rPr lang="pt-BR" b="1" i="1" dirty="0"/>
@@ -13590,20 +13862,21 @@
                 </a:r>
                 <a:r>
                   <a:rPr lang="pt-BR" dirty="0" smtClean="0"/>
-                  <a:t>rede, ou seja, o </a:t>
+                  <a:t>rede e, consequentemente, </a:t>
+                </a:r>
+                <a:r>
+                  <a:rPr lang="pt-BR" dirty="0" smtClean="0"/>
+                  <a:t>o </a:t>
                 </a:r>
                 <a:r>
                   <a:rPr lang="pt-BR" b="1" i="1" dirty="0" smtClean="0"/>
                   <a:t>erro de saída</a:t>
                 </a:r>
                 <a:r>
-                  <a:rPr lang="pt-BR" dirty="0"/>
+                  <a:rPr lang="pt-BR" dirty="0" smtClean="0"/>
                   <a:t>.</a:t>
                 </a:r>
-                <a:r>
-                  <a:rPr lang="pt-BR" dirty="0" smtClean="0"/>
-                  <a:t> </a:t>
-                </a:r>
+                <a:endParaRPr lang="pt-BR" dirty="0" smtClean="0"/>
               </a:p>
               <a:p>
                 <a:pPr lvl="1">
@@ -13639,7 +13912,7 @@
             </p:txBody>
           </p:sp>
         </mc:Choice>
-        <mc:Fallback xmlns="">
+        <mc:Fallback>
           <p:sp>
             <p:nvSpPr>
               <p:cNvPr id="3" name="Content Placeholder 2"/>
@@ -13658,7 +13931,7 @@
               <a:blipFill rotWithShape="0">
                 <a:blip r:embed="rId2"/>
                 <a:stretch>
-                  <a:fillRect l="-1100" t="-1937" r="-1650"/>
+                  <a:fillRect l="-1100" t="-1937" r="-1375"/>
                 </a:stretch>
               </a:blipFill>
             </p:spPr>
@@ -13667,7 +13940,7 @@
               <a:lstStyle/>
               <a:p>
                 <a:r>
-                  <a:rPr lang="pt-BR">
+                  <a:rPr lang="en-US">
                     <a:noFill/>
                   </a:rPr>
                   <a:t> </a:t>
@@ -13717,7 +13990,12 @@
             <p:ph type="title"/>
           </p:nvPr>
         </p:nvSpPr>
-        <p:spPr/>
+        <p:spPr>
+          <a:xfrm>
+            <a:off x="838200" y="365125"/>
+            <a:ext cx="12128770" cy="1325563"/>
+          </a:xfrm>
+        </p:spPr>
         <p:txBody>
           <a:bodyPr/>
           <a:lstStyle/>
@@ -13729,8 +14007,8 @@
           </a:p>
         </p:txBody>
       </p:sp>
-      <mc:AlternateContent xmlns:mc="http://schemas.openxmlformats.org/markup-compatibility/2006" xmlns:a14="http://schemas.microsoft.com/office/drawing/2010/main">
-        <mc:Choice Requires="a14">
+      <mc:AlternateContent xmlns:mc="http://schemas.openxmlformats.org/markup-compatibility/2006">
+        <mc:Choice xmlns:a14="http://schemas.microsoft.com/office/drawing/2010/main" Requires="a14">
           <p:sp>
             <p:nvSpPr>
               <p:cNvPr id="3" name="Content Placeholder 2"/>
@@ -13748,7 +14026,9 @@
               </a:xfrm>
             </p:spPr>
             <p:txBody>
-              <a:bodyPr/>
+              <a:bodyPr>
+                <a:normAutofit lnSpcReduction="10000"/>
+              </a:bodyPr>
               <a:lstStyle/>
               <a:p>
                 <a:pPr marL="0" indent="0">
@@ -13787,7 +14067,15 @@
                 </a:r>
                 <a:r>
                   <a:rPr lang="pt-BR" dirty="0"/>
-                  <a:t>que a combinação de todos esses </a:t>
+                  <a:t>que a </a:t>
+                </a:r>
+                <a:r>
+                  <a:rPr lang="pt-BR" dirty="0" smtClean="0"/>
+                  <a:t>média de </a:t>
+                </a:r>
+                <a:r>
+                  <a:rPr lang="pt-BR" dirty="0"/>
+                  <a:t>todos esses </a:t>
                 </a:r>
                 <a:r>
                   <a:rPr lang="pt-BR" b="1" i="1" dirty="0"/>
@@ -13799,7 +14087,11 @@
                 </a:r>
                 <a:r>
                   <a:rPr lang="pt-BR" dirty="0" smtClean="0"/>
-                  <a:t>total de exemplos.</a:t>
+                  <a:t>total de </a:t>
+                </a:r>
+                <a:r>
+                  <a:rPr lang="pt-BR" dirty="0" smtClean="0"/>
+                  <a:t>exemplos.</a:t>
                 </a:r>
                 <a:endParaRPr lang="pt-BR" dirty="0"/>
               </a:p>
@@ -13837,14 +14129,26 @@
                           <m:d>
                             <m:dPr>
                               <m:ctrlPr>
-                                <a:rPr lang="pt-BR" i="1">
+                                <a:rPr lang="pt-BR" sz="2400" i="1">
                                   <a:latin typeface="Cambria Math" panose="02040503050406030204" pitchFamily="18" charset="0"/>
                                 </a:rPr>
                               </m:ctrlPr>
                             </m:dPr>
                             <m:e>
                               <m:r>
-                                <a:rPr lang="pt-BR" b="1" i="1">
+                                <a:rPr lang="pt-BR" sz="2400" b="1" i="1" smtClean="0">
+                                  <a:latin typeface="Cambria Math" panose="02040503050406030204" pitchFamily="18" charset="0"/>
+                                </a:rPr>
+                                <m:t>𝑿</m:t>
+                              </m:r>
+                              <m:r>
+                                <a:rPr lang="pt-BR" sz="2400" b="1" i="1" smtClean="0">
+                                  <a:latin typeface="Cambria Math" panose="02040503050406030204" pitchFamily="18" charset="0"/>
+                                </a:rPr>
+                                <m:t> | </m:t>
+                              </m:r>
+                              <m:r>
+                                <a:rPr lang="pt-BR" sz="2400" b="1" i="1">
                                   <a:latin typeface="Cambria Math" panose="02040503050406030204" pitchFamily="18" charset="0"/>
                                 </a:rPr>
                                 <m:t>𝒘</m:t>
@@ -14055,7 +14359,7 @@
                                 <m:rPr>
                                   <m:brk m:alnAt="23"/>
                                 </m:rPr>
-                                <a:rPr lang="pt-BR" sz="2400" i="1">
+                                <a:rPr lang="pt-BR" sz="2400" i="1" smtClean="0">
                                   <a:latin typeface="Cambria Math" panose="02040503050406030204" pitchFamily="18" charset="0"/>
                                 </a:rPr>
                                 <m:t>𝑗</m:t>
@@ -14219,19 +14523,567 @@
                           </m:nary>
                         </m:e>
                       </m:nary>
+                      <m:r>
+                        <a:rPr lang="pt-BR" sz="2400" b="0" i="1" smtClean="0">
+                          <a:latin typeface="Cambria Math" panose="02040503050406030204" pitchFamily="18" charset="0"/>
+                        </a:rPr>
+                        <m:t>=</m:t>
+                      </m:r>
+                      <m:f>
+                        <m:fPr>
+                          <m:ctrlPr>
+                            <a:rPr lang="pt-BR" sz="2400" i="1">
+                              <a:latin typeface="Cambria Math" panose="02040503050406030204" pitchFamily="18" charset="0"/>
+                            </a:rPr>
+                          </m:ctrlPr>
+                        </m:fPr>
+                        <m:num>
+                          <m:r>
+                            <a:rPr lang="pt-BR" sz="2400" i="1">
+                              <a:latin typeface="Cambria Math" panose="02040503050406030204" pitchFamily="18" charset="0"/>
+                            </a:rPr>
+                            <m:t>1</m:t>
+                          </m:r>
+                        </m:num>
+                        <m:den>
+                          <m:sSub>
+                            <m:sSubPr>
+                              <m:ctrlPr>
+                                <a:rPr lang="pt-BR" sz="2400" i="1">
+                                  <a:latin typeface="Cambria Math" panose="02040503050406030204" pitchFamily="18" charset="0"/>
+                                </a:rPr>
+                              </m:ctrlPr>
+                            </m:sSubPr>
+                            <m:e>
+                              <m:r>
+                                <a:rPr lang="pt-BR" sz="2400" i="1">
+                                  <a:latin typeface="Cambria Math" panose="02040503050406030204" pitchFamily="18" charset="0"/>
+                                </a:rPr>
+                                <m:t>𝑁</m:t>
+                              </m:r>
+                            </m:e>
+                            <m:sub>
+                              <m:r>
+                                <m:rPr>
+                                  <m:sty m:val="p"/>
+                                </m:rPr>
+                                <a:rPr lang="pt-BR" sz="2400">
+                                  <a:latin typeface="Cambria Math" panose="02040503050406030204" pitchFamily="18" charset="0"/>
+                                </a:rPr>
+                                <m:t>dados</m:t>
+                              </m:r>
+                            </m:sub>
+                          </m:sSub>
+                          <m:sSub>
+                            <m:sSubPr>
+                              <m:ctrlPr>
+                                <a:rPr lang="pt-BR" sz="2400" i="1">
+                                  <a:latin typeface="Cambria Math" panose="02040503050406030204" pitchFamily="18" charset="0"/>
+                                </a:rPr>
+                              </m:ctrlPr>
+                            </m:sSubPr>
+                            <m:e>
+                              <m:r>
+                                <a:rPr lang="pt-BR" sz="2400" i="1">
+                                  <a:latin typeface="Cambria Math" panose="02040503050406030204" pitchFamily="18" charset="0"/>
+                                </a:rPr>
+                                <m:t>𝑁</m:t>
+                              </m:r>
+                            </m:e>
+                            <m:sub>
+                              <m:r>
+                                <a:rPr lang="pt-BR" sz="2400" i="1">
+                                  <a:latin typeface="Cambria Math" panose="02040503050406030204" pitchFamily="18" charset="0"/>
+                                </a:rPr>
+                                <m:t>𝑀</m:t>
+                              </m:r>
+                            </m:sub>
+                          </m:sSub>
+                        </m:den>
+                      </m:f>
+                      <m:nary>
+                        <m:naryPr>
+                          <m:chr m:val="∑"/>
+                          <m:ctrlPr>
+                            <a:rPr lang="pt-BR" sz="2400" i="1">
+                              <a:latin typeface="Cambria Math" panose="02040503050406030204" pitchFamily="18" charset="0"/>
+                            </a:rPr>
+                          </m:ctrlPr>
+                        </m:naryPr>
+                        <m:sub>
+                          <m:r>
+                            <m:rPr>
+                              <m:brk m:alnAt="23"/>
+                            </m:rPr>
+                            <a:rPr lang="pt-BR" sz="2400" i="1">
+                              <a:latin typeface="Cambria Math" panose="02040503050406030204" pitchFamily="18" charset="0"/>
+                            </a:rPr>
+                            <m:t>𝑛</m:t>
+                          </m:r>
+                          <m:r>
+                            <a:rPr lang="pt-BR" sz="2400" i="1">
+                              <a:latin typeface="Cambria Math" panose="02040503050406030204" pitchFamily="18" charset="0"/>
+                            </a:rPr>
+                            <m:t>=1</m:t>
+                          </m:r>
+                        </m:sub>
+                        <m:sup>
+                          <m:sSub>
+                            <m:sSubPr>
+                              <m:ctrlPr>
+                                <a:rPr lang="pt-BR" sz="2400" i="1">
+                                  <a:latin typeface="Cambria Math" panose="02040503050406030204" pitchFamily="18" charset="0"/>
+                                </a:rPr>
+                              </m:ctrlPr>
+                            </m:sSubPr>
+                            <m:e>
+                              <m:r>
+                                <a:rPr lang="pt-BR" sz="2400" i="1">
+                                  <a:latin typeface="Cambria Math" panose="02040503050406030204" pitchFamily="18" charset="0"/>
+                                </a:rPr>
+                                <m:t>𝑁</m:t>
+                              </m:r>
+                            </m:e>
+                            <m:sub>
+                              <m:r>
+                                <m:rPr>
+                                  <m:sty m:val="p"/>
+                                </m:rPr>
+                                <a:rPr lang="pt-BR" sz="2400">
+                                  <a:latin typeface="Cambria Math" panose="02040503050406030204" pitchFamily="18" charset="0"/>
+                                </a:rPr>
+                                <m:t>dados</m:t>
+                              </m:r>
+                            </m:sub>
+                          </m:sSub>
+                        </m:sup>
+                        <m:e>
+                          <m:nary>
+                            <m:naryPr>
+                              <m:chr m:val="∑"/>
+                              <m:ctrlPr>
+                                <a:rPr lang="pt-BR" sz="2400" i="1">
+                                  <a:latin typeface="Cambria Math" panose="02040503050406030204" pitchFamily="18" charset="0"/>
+                                </a:rPr>
+                              </m:ctrlPr>
+                            </m:naryPr>
+                            <m:sub>
+                              <m:r>
+                                <m:rPr>
+                                  <m:brk m:alnAt="23"/>
+                                </m:rPr>
+                                <a:rPr lang="pt-BR" sz="2400" i="1">
+                                  <a:latin typeface="Cambria Math" panose="02040503050406030204" pitchFamily="18" charset="0"/>
+                                </a:rPr>
+                                <m:t>𝑗</m:t>
+                              </m:r>
+                              <m:r>
+                                <a:rPr lang="pt-BR" sz="2400" i="1">
+                                  <a:latin typeface="Cambria Math" panose="02040503050406030204" pitchFamily="18" charset="0"/>
+                                </a:rPr>
+                                <m:t>=1</m:t>
+                              </m:r>
+                            </m:sub>
+                            <m:sup>
+                              <m:sSub>
+                                <m:sSubPr>
+                                  <m:ctrlPr>
+                                    <a:rPr lang="pt-BR" sz="2400" i="1">
+                                      <a:latin typeface="Cambria Math" panose="02040503050406030204" pitchFamily="18" charset="0"/>
+                                    </a:rPr>
+                                  </m:ctrlPr>
+                                </m:sSubPr>
+                                <m:e>
+                                  <m:r>
+                                    <a:rPr lang="pt-BR" sz="2400" i="1">
+                                      <a:latin typeface="Cambria Math" panose="02040503050406030204" pitchFamily="18" charset="0"/>
+                                    </a:rPr>
+                                    <m:t>𝑁</m:t>
+                                  </m:r>
+                                </m:e>
+                                <m:sub>
+                                  <m:r>
+                                    <a:rPr lang="pt-BR" sz="2400" i="1">
+                                      <a:latin typeface="Cambria Math" panose="02040503050406030204" pitchFamily="18" charset="0"/>
+                                    </a:rPr>
+                                    <m:t>𝑀</m:t>
+                                  </m:r>
+                                </m:sub>
+                              </m:sSub>
+                            </m:sup>
+                            <m:e>
+                              <m:r>
+                                <a:rPr lang="pt-BR" sz="2400" i="1">
+                                  <a:latin typeface="Cambria Math" panose="02040503050406030204" pitchFamily="18" charset="0"/>
+                                  <a:ea typeface="Cambria Math" panose="02040503050406030204" pitchFamily="18" charset="0"/>
+                                </a:rPr>
+                                <m:t>𝛻</m:t>
+                              </m:r>
+                              <m:sSub>
+                                <m:sSubPr>
+                                  <m:ctrlPr>
+                                    <a:rPr lang="pt-BR" sz="2400" i="1">
+                                      <a:latin typeface="Cambria Math" panose="02040503050406030204" pitchFamily="18" charset="0"/>
+                                    </a:rPr>
+                                  </m:ctrlPr>
+                                </m:sSubPr>
+                                <m:e>
+                                  <m:r>
+                                    <a:rPr lang="pt-BR" sz="2400" i="1">
+                                      <a:latin typeface="Cambria Math" panose="02040503050406030204" pitchFamily="18" charset="0"/>
+                                    </a:rPr>
+                                    <m:t>𝐽</m:t>
+                                  </m:r>
+                                </m:e>
+                                <m:sub>
+                                  <m:r>
+                                    <a:rPr lang="pt-BR" sz="2400" b="0" i="1" smtClean="0">
+                                      <a:latin typeface="Cambria Math" panose="02040503050406030204" pitchFamily="18" charset="0"/>
+                                    </a:rPr>
+                                    <m:t>𝑗</m:t>
+                                  </m:r>
+                                </m:sub>
+                              </m:sSub>
+                              <m:d>
+                                <m:dPr>
+                                  <m:ctrlPr>
+                                    <a:rPr lang="pt-BR" sz="2400" i="1">
+                                      <a:latin typeface="Cambria Math" panose="02040503050406030204" pitchFamily="18" charset="0"/>
+                                    </a:rPr>
+                                  </m:ctrlPr>
+                                </m:dPr>
+                                <m:e>
+                                  <m:r>
+                                    <a:rPr lang="pt-BR" sz="2400" b="1" i="1">
+                                      <a:latin typeface="Cambria Math" panose="02040503050406030204" pitchFamily="18" charset="0"/>
+                                    </a:rPr>
+                                    <m:t>𝒘</m:t>
+                                  </m:r>
+                                  <m:d>
+                                    <m:dPr>
+                                      <m:ctrlPr>
+                                        <a:rPr lang="pt-BR" sz="2400" b="1" i="1">
+                                          <a:latin typeface="Cambria Math" panose="02040503050406030204" pitchFamily="18" charset="0"/>
+                                        </a:rPr>
+                                      </m:ctrlPr>
+                                    </m:dPr>
+                                    <m:e>
+                                      <m:r>
+                                        <a:rPr lang="pt-BR" sz="2400" i="1">
+                                          <a:latin typeface="Cambria Math" panose="02040503050406030204" pitchFamily="18" charset="0"/>
+                                        </a:rPr>
+                                        <m:t>𝑛</m:t>
+                                      </m:r>
+                                    </m:e>
+                                  </m:d>
+                                </m:e>
+                              </m:d>
+                            </m:e>
+                          </m:nary>
+                        </m:e>
+                      </m:nary>
+                      <m:r>
+                        <a:rPr lang="pt-BR" sz="2400" b="0" i="1" smtClean="0">
+                          <a:latin typeface="Cambria Math" panose="02040503050406030204" pitchFamily="18" charset="0"/>
+                        </a:rPr>
+                        <m:t>.</m:t>
+                      </m:r>
                     </m:oMath>
                   </m:oMathPara>
                 </a14:m>
-                <a:endParaRPr lang="pt-BR" sz="2200" dirty="0"/>
+                <a:endParaRPr lang="pt-BR" sz="2400" dirty="0"/>
               </a:p>
               <a:p>
                 <a:r>
                   <a:rPr lang="pt-BR" dirty="0"/>
-                  <a:t>No entanto, surge aqui um questionamento interessante: o que é melhor, usar o </a:t>
+                  <a:t>O </a:t>
                 </a:r>
                 <a:r>
                   <a:rPr lang="pt-BR" b="1" i="1" dirty="0"/>
-                  <a:t>gradiente local e já dar um passo de </a:t>
+                  <a:t>gradiente </a:t>
+                </a:r>
+                <a:r>
+                  <a:rPr lang="pt-BR" b="1" i="1" dirty="0" smtClean="0"/>
+                  <a:t>local</a:t>
+                </a:r>
+                <a:r>
+                  <a:rPr lang="pt-BR" dirty="0" smtClean="0"/>
+                  <a:t>,</a:t>
+                </a:r>
+                <a:r>
+                  <a:rPr lang="pt-BR" b="1" i="1" dirty="0" smtClean="0"/>
+                  <a:t> </a:t>
+                </a:r>
+                <a14:m>
+                  <m:oMath xmlns:m="http://schemas.openxmlformats.org/officeDocument/2006/math">
+                    <m:r>
+                      <a:rPr lang="pt-BR" sz="2400" i="1">
+                        <a:latin typeface="Cambria Math" panose="02040503050406030204" pitchFamily="18" charset="0"/>
+                        <a:ea typeface="Cambria Math" panose="02040503050406030204" pitchFamily="18" charset="0"/>
+                      </a:rPr>
+                      <m:t>𝛻</m:t>
+                    </m:r>
+                    <m:sSub>
+                      <m:sSubPr>
+                        <m:ctrlPr>
+                          <a:rPr lang="pt-BR" sz="2400" i="1">
+                            <a:latin typeface="Cambria Math" panose="02040503050406030204" pitchFamily="18" charset="0"/>
+                          </a:rPr>
+                        </m:ctrlPr>
+                      </m:sSubPr>
+                      <m:e>
+                        <m:r>
+                          <a:rPr lang="pt-BR" sz="2400" i="1">
+                            <a:latin typeface="Cambria Math" panose="02040503050406030204" pitchFamily="18" charset="0"/>
+                          </a:rPr>
+                          <m:t>𝐽</m:t>
+                        </m:r>
+                      </m:e>
+                      <m:sub>
+                        <m:r>
+                          <a:rPr lang="pt-BR" sz="2400" i="1">
+                            <a:latin typeface="Cambria Math" panose="02040503050406030204" pitchFamily="18" charset="0"/>
+                          </a:rPr>
+                          <m:t>𝑗</m:t>
+                        </m:r>
+                      </m:sub>
+                    </m:sSub>
+                    <m:d>
+                      <m:dPr>
+                        <m:ctrlPr>
+                          <a:rPr lang="pt-BR" sz="2400" i="1">
+                            <a:latin typeface="Cambria Math" panose="02040503050406030204" pitchFamily="18" charset="0"/>
+                          </a:rPr>
+                        </m:ctrlPr>
+                      </m:dPr>
+                      <m:e>
+                        <m:r>
+                          <a:rPr lang="pt-BR" sz="2400" b="1" i="1">
+                            <a:latin typeface="Cambria Math" panose="02040503050406030204" pitchFamily="18" charset="0"/>
+                          </a:rPr>
+                          <m:t>𝒘</m:t>
+                        </m:r>
+                        <m:d>
+                          <m:dPr>
+                            <m:ctrlPr>
+                              <a:rPr lang="pt-BR" sz="2400" b="1" i="1">
+                                <a:latin typeface="Cambria Math" panose="02040503050406030204" pitchFamily="18" charset="0"/>
+                              </a:rPr>
+                            </m:ctrlPr>
+                          </m:dPr>
+                          <m:e>
+                            <m:r>
+                              <a:rPr lang="pt-BR" sz="2400" i="1">
+                                <a:latin typeface="Cambria Math" panose="02040503050406030204" pitchFamily="18" charset="0"/>
+                              </a:rPr>
+                              <m:t>𝑛</m:t>
+                            </m:r>
+                          </m:e>
+                        </m:d>
+                      </m:e>
+                    </m:d>
+                    <m:r>
+                      <a:rPr lang="pt-BR" sz="2400" b="1" i="1" smtClean="0">
+                        <a:latin typeface="Cambria Math" panose="02040503050406030204" pitchFamily="18" charset="0"/>
+                      </a:rPr>
+                      <m:t>,</m:t>
+                    </m:r>
+                  </m:oMath>
+                </a14:m>
+                <a:r>
+                  <a:rPr lang="pt-BR" b="1" i="1" dirty="0" smtClean="0"/>
+                  <a:t> </a:t>
+                </a:r>
+                <a:r>
+                  <a:rPr lang="pt-BR" dirty="0"/>
+                  <a:t>é </a:t>
+                </a:r>
+                <a:r>
+                  <a:rPr lang="pt-BR" dirty="0" smtClean="0"/>
+                  <a:t>a derivada parcial do erro da </a:t>
+                </a:r>
+                <a14:m>
+                  <m:oMath xmlns:m="http://schemas.openxmlformats.org/officeDocument/2006/math">
+                    <m:r>
+                      <a:rPr lang="pt-BR" i="1">
+                        <a:latin typeface="Cambria Math" panose="02040503050406030204" pitchFamily="18" charset="0"/>
+                      </a:rPr>
+                      <m:t>𝑗</m:t>
+                    </m:r>
+                  </m:oMath>
+                </a14:m>
+                <a:r>
+                  <a:rPr lang="pt-BR" dirty="0"/>
+                  <a:t>-</a:t>
+                </a:r>
+                <a:r>
+                  <a:rPr lang="pt-BR" dirty="0" err="1"/>
+                  <a:t>ésima</a:t>
+                </a:r>
+                <a:r>
+                  <a:rPr lang="pt-BR" dirty="0"/>
+                  <a:t> saída </a:t>
+                </a:r>
+                <a:r>
+                  <a:rPr lang="pt-BR" dirty="0"/>
+                  <a:t>da rede </a:t>
+                </a:r>
+                <a:r>
+                  <a:rPr lang="pt-BR" dirty="0" smtClean="0"/>
+                  <a:t>para o </a:t>
+                </a:r>
+                <a14:m>
+                  <m:oMath xmlns:m="http://schemas.openxmlformats.org/officeDocument/2006/math">
+                    <m:r>
+                      <a:rPr lang="pt-BR" i="1">
+                        <a:latin typeface="Cambria Math" panose="02040503050406030204" pitchFamily="18" charset="0"/>
+                      </a:rPr>
+                      <m:t>𝑛</m:t>
+                    </m:r>
+                  </m:oMath>
+                </a14:m>
+                <a:r>
+                  <a:rPr lang="pt-BR" dirty="0"/>
+                  <a:t>-</a:t>
+                </a:r>
+                <a:r>
+                  <a:rPr lang="pt-BR" dirty="0" err="1"/>
+                  <a:t>ésimo</a:t>
+                </a:r>
+                <a:r>
+                  <a:rPr lang="pt-BR" dirty="0"/>
+                  <a:t> exemplo de entrada </a:t>
+                </a:r>
+                <a:r>
+                  <a:rPr lang="pt-BR" dirty="0" smtClean="0"/>
+                  <a:t>em relação ao peso, </a:t>
+                </a:r>
+                <a14:m>
+                  <m:oMath xmlns:m="http://schemas.openxmlformats.org/officeDocument/2006/math">
+                    <m:sSubSup>
+                      <m:sSubSupPr>
+                        <m:ctrlPr>
+                          <a:rPr lang="pt-BR" i="1">
+                            <a:latin typeface="Cambria Math" panose="02040503050406030204" pitchFamily="18" charset="0"/>
+                          </a:rPr>
+                        </m:ctrlPr>
+                      </m:sSubSupPr>
+                      <m:e>
+                        <m:r>
+                          <a:rPr lang="pt-BR" i="1">
+                            <a:latin typeface="Cambria Math" panose="02040503050406030204" pitchFamily="18" charset="0"/>
+                          </a:rPr>
+                          <m:t>𝑤</m:t>
+                        </m:r>
+                      </m:e>
+                      <m:sub>
+                        <m:r>
+                          <a:rPr lang="pt-BR" i="1">
+                            <a:latin typeface="Cambria Math" panose="02040503050406030204" pitchFamily="18" charset="0"/>
+                          </a:rPr>
+                          <m:t>𝑖</m:t>
+                        </m:r>
+                        <m:r>
+                          <a:rPr lang="pt-BR" i="1">
+                            <a:latin typeface="Cambria Math" panose="02040503050406030204" pitchFamily="18" charset="0"/>
+                          </a:rPr>
+                          <m:t>,</m:t>
+                        </m:r>
+                        <m:r>
+                          <a:rPr lang="pt-BR" i="1">
+                            <a:latin typeface="Cambria Math" panose="02040503050406030204" pitchFamily="18" charset="0"/>
+                          </a:rPr>
+                          <m:t>𝑗</m:t>
+                        </m:r>
+                      </m:sub>
+                      <m:sup>
+                        <m:r>
+                          <a:rPr lang="pt-BR" i="1">
+                            <a:latin typeface="Cambria Math" panose="02040503050406030204" pitchFamily="18" charset="0"/>
+                          </a:rPr>
+                          <m:t>𝑚</m:t>
+                        </m:r>
+                      </m:sup>
+                    </m:sSubSup>
+                  </m:oMath>
+                </a14:m>
+                <a:r>
+                  <a:rPr lang="pt-BR" dirty="0" smtClean="0"/>
+                  <a:t>.</a:t>
+                </a:r>
+                <a:endParaRPr lang="pt-BR" dirty="0" smtClean="0"/>
+              </a:p>
+              <a:p>
+                <a:r>
+                  <a:rPr lang="pt-BR" dirty="0" smtClean="0"/>
+                  <a:t>No </a:t>
+                </a:r>
+                <a:r>
+                  <a:rPr lang="pt-BR" dirty="0"/>
+                  <a:t>entanto, surge aqui um questionamento </a:t>
+                </a:r>
+                <a:r>
+                  <a:rPr lang="pt-BR" dirty="0" smtClean="0"/>
+                  <a:t>importante: </a:t>
+                </a:r>
+              </a:p>
+              <a:p>
+                <a:pPr lvl="1">
+                  <a:buFont typeface="Wingdings" panose="05000000000000000000" pitchFamily="2" charset="2"/>
+                  <a:buChar char="§"/>
+                </a:pPr>
+                <a:r>
+                  <a:rPr lang="pt-BR" dirty="0" smtClean="0"/>
+                  <a:t>O </a:t>
+                </a:r>
+                <a:r>
+                  <a:rPr lang="pt-BR" dirty="0"/>
+                  <a:t>que é melhor, usar o </a:t>
+                </a:r>
+                <a:r>
+                  <a:rPr lang="pt-BR" b="1" i="1" dirty="0"/>
+                  <a:t>gradiente local </a:t>
+                </a:r>
+                <a:r>
+                  <a:rPr lang="pt-BR" b="1" i="1" dirty="0" smtClean="0"/>
+                  <a:t>das </a:t>
+                </a:r>
+                <a14:m>
+                  <m:oMath xmlns:m="http://schemas.openxmlformats.org/officeDocument/2006/math">
+                    <m:sSub>
+                      <m:sSubPr>
+                        <m:ctrlPr>
+                          <a:rPr lang="pt-BR" i="1">
+                            <a:latin typeface="Cambria Math" panose="02040503050406030204" pitchFamily="18" charset="0"/>
+                          </a:rPr>
+                        </m:ctrlPr>
+                      </m:sSubPr>
+                      <m:e>
+                        <m:r>
+                          <a:rPr lang="pt-BR" i="1">
+                            <a:latin typeface="Cambria Math" panose="02040503050406030204" pitchFamily="18" charset="0"/>
+                          </a:rPr>
+                          <m:t>𝑁</m:t>
+                        </m:r>
+                      </m:e>
+                      <m:sub>
+                        <m:r>
+                          <a:rPr lang="pt-BR" i="1">
+                            <a:latin typeface="Cambria Math" panose="02040503050406030204" pitchFamily="18" charset="0"/>
+                          </a:rPr>
+                          <m:t>𝑀</m:t>
+                        </m:r>
+                      </m:sub>
+                    </m:sSub>
+                  </m:oMath>
+                </a14:m>
+                <a:r>
+                  <a:rPr lang="pt-BR" b="1" i="1" dirty="0" smtClean="0"/>
+                  <a:t> saídas e </a:t>
+                </a:r>
+                <a:r>
+                  <a:rPr lang="pt-BR" b="1" i="1" dirty="0"/>
+                  <a:t>já dar um passo de </a:t>
                 </a:r>
                 <a:r>
                   <a:rPr lang="pt-BR" b="1" i="1" dirty="0" smtClean="0"/>
@@ -14239,11 +15091,11 @@
                 </a:r>
                 <a:r>
                   <a:rPr lang="pt-BR" dirty="0" smtClean="0"/>
-                  <a:t>, ou seja, atualizar os pesos, </a:t>
-                </a:r>
-                <a:r>
-                  <a:rPr lang="pt-BR" dirty="0"/>
-                  <a:t>ou </a:t>
+                  <a:t>, ou seja, atualizar os pesos</a:t>
+                </a:r>
+                <a:r>
+                  <a:rPr lang="pt-BR" dirty="0" smtClean="0"/>
+                  <a:t>, </a:t>
                 </a:r>
                 <a:r>
                   <a:rPr lang="pt-BR" b="1" i="1" dirty="0"/>
@@ -14251,17 +15103,26 @@
                 </a:r>
                 <a:r>
                   <a:rPr lang="pt-BR" b="1" i="1" dirty="0" smtClean="0"/>
-                  <a:t>preciso</a:t>
-                </a:r>
-                <a:r>
-                  <a:rPr lang="pt-BR" dirty="0"/>
+                  <a:t>preciso </a:t>
+                </a:r>
+                <a:r>
+                  <a:rPr lang="pt-BR" dirty="0" smtClean="0"/>
+                  <a:t>ou</a:t>
+                </a:r>
+                <a:r>
+                  <a:rPr lang="pt-BR" b="1" i="1" dirty="0" smtClean="0"/>
+                  <a:t> um meio termo</a:t>
+                </a:r>
+                <a:r>
+                  <a:rPr lang="pt-BR" dirty="0" smtClean="0"/>
                   <a:t>?</a:t>
                 </a:r>
+                <a:endParaRPr lang="pt-BR" dirty="0"/>
               </a:p>
             </p:txBody>
           </p:sp>
         </mc:Choice>
-        <mc:Fallback xmlns="">
+        <mc:Fallback>
           <p:sp>
             <p:nvSpPr>
               <p:cNvPr id="3" name="Content Placeholder 2"/>
@@ -14280,7 +15141,7 @@
               <a:blipFill rotWithShape="0">
                 <a:blip r:embed="rId2"/>
                 <a:stretch>
-                  <a:fillRect l="-1146" t="-1937" r="-328"/>
+                  <a:fillRect l="-1146" t="-2663" r="-218"/>
                 </a:stretch>
               </a:blipFill>
             </p:spPr>
@@ -14289,7 +15150,7 @@
               <a:lstStyle/>
               <a:p>
                 <a:r>
-                  <a:rPr lang="pt-BR">
+                  <a:rPr lang="en-US">
                     <a:noFill/>
                   </a:rPr>
                   <a:t> </a:t>
@@ -14299,49 +15160,16 @@
           </p:sp>
         </mc:Fallback>
       </mc:AlternateContent>
-      <p:sp>
-        <p:nvSpPr>
-          <p:cNvPr id="5" name="TextBox 4"/>
-          <p:cNvSpPr txBox="1"/>
-          <p:nvPr/>
-        </p:nvSpPr>
-        <p:spPr>
-          <a:xfrm>
-            <a:off x="9544250" y="3608853"/>
-            <a:ext cx="1457425" cy="830997"/>
-          </a:xfrm>
-          <a:prstGeom prst="rect">
-            <a:avLst/>
-          </a:prstGeom>
-          <a:noFill/>
-        </p:spPr>
-        <p:txBody>
-          <a:bodyPr wrap="square" rtlCol="0">
-            <a:spAutoFit/>
-          </a:bodyPr>
-          <a:lstStyle/>
-          <a:p>
-            <a:pPr algn="ctr"/>
-            <a:r>
-              <a:rPr lang="pt-BR" sz="1200" dirty="0" smtClean="0"/>
-              <a:t>Gradiente local é calculado para cada exemplo e saída da rede neural.</a:t>
-            </a:r>
-            <a:endParaRPr lang="pt-BR" sz="1200" dirty="0"/>
-          </a:p>
-        </p:txBody>
-      </p:sp>
       <p:cxnSp>
         <p:nvCxnSpPr>
           <p:cNvPr id="7" name="Straight Arrow Connector 6"/>
-          <p:cNvCxnSpPr>
-            <a:stCxn id="5" idx="1"/>
-          </p:cNvCxnSpPr>
+          <p:cNvCxnSpPr/>
           <p:nvPr/>
         </p:nvCxnSpPr>
         <p:spPr>
-          <a:xfrm flipH="1" flipV="1">
-            <a:off x="8845617" y="3946358"/>
-            <a:ext cx="698633" cy="77994"/>
+          <a:xfrm flipH="1">
+            <a:off x="3706238" y="4341811"/>
+            <a:ext cx="1877440" cy="171823"/>
           </a:xfrm>
           <a:prstGeom prst="straightConnector1">
             <a:avLst/>
@@ -14368,6 +15196,52 @@
           </a:fontRef>
         </p:style>
       </p:cxnSp>
+      <p:sp>
+        <p:nvSpPr>
+          <p:cNvPr id="9" name="Retângulo 8"/>
+          <p:cNvSpPr/>
+          <p:nvPr/>
+        </p:nvSpPr>
+        <p:spPr>
+          <a:xfrm>
+            <a:off x="5583678" y="3336587"/>
+            <a:ext cx="972764" cy="1005224"/>
+          </a:xfrm>
+          <a:prstGeom prst="rect">
+            <a:avLst/>
+          </a:prstGeom>
+          <a:noFill/>
+          <a:ln>
+            <a:solidFill>
+              <a:srgbClr val="FF0000"/>
+            </a:solidFill>
+          </a:ln>
+        </p:spPr>
+        <p:style>
+          <a:lnRef idx="2">
+            <a:schemeClr val="accent1">
+              <a:shade val="50000"/>
+            </a:schemeClr>
+          </a:lnRef>
+          <a:fillRef idx="1">
+            <a:schemeClr val="accent1"/>
+          </a:fillRef>
+          <a:effectRef idx="0">
+            <a:schemeClr val="accent1"/>
+          </a:effectRef>
+          <a:fontRef idx="minor">
+            <a:schemeClr val="lt1"/>
+          </a:fontRef>
+        </p:style>
+        <p:txBody>
+          <a:bodyPr rtlCol="0" anchor="ctr"/>
+          <a:lstStyle/>
+          <a:p>
+            <a:pPr algn="ctr"/>
+            <a:endParaRPr lang="en-US"/>
+          </a:p>
+        </p:txBody>
+      </p:sp>
     </p:spTree>
     <p:extLst>
       <p:ext uri="{BB962C8B-B14F-4D97-AF65-F5344CB8AC3E}">
@@ -14450,7 +15324,7 @@
         </p:spPr>
         <p:txBody>
           <a:bodyPr>
-            <a:normAutofit fontScale="92500" lnSpcReduction="20000"/>
+            <a:normAutofit fontScale="92500" lnSpcReduction="10000"/>
           </a:bodyPr>
           <a:lstStyle/>
           <a:p>
@@ -14516,7 +15390,15 @@
             </a:r>
             <a:r>
               <a:rPr lang="pt-BR" b="1" i="1" dirty="0"/>
-              <a:t>adaptação dos pesos sinápticos </a:t>
+              <a:t>adaptação dos pesos </a:t>
+            </a:r>
+            <a:r>
+              <a:rPr lang="pt-BR" dirty="0" smtClean="0"/>
+              <a:t>(sinápticos e bias)</a:t>
+            </a:r>
+            <a:r>
+              <a:rPr lang="pt-BR" b="1" i="1" dirty="0" smtClean="0"/>
+              <a:t> </a:t>
             </a:r>
             <a:r>
               <a:rPr lang="pt-BR" dirty="0"/>
@@ -14532,24 +15414,21 @@
             </a:r>
             <a:r>
               <a:rPr lang="pt-BR" dirty="0"/>
-              <a:t>do gradiente, como expressa o </a:t>
+              <a:t>do gradiente, como </a:t>
             </a:r>
             <a:r>
               <a:rPr lang="pt-BR" dirty="0" smtClean="0"/>
-              <a:t>algoritmo abaixo com </a:t>
-            </a:r>
-            <a:r>
-              <a:rPr lang="pt-BR" dirty="0"/>
-              <a:t>um método clássico de </a:t>
-            </a:r>
-            <a:r>
-              <a:rPr lang="pt-BR" b="1" i="1" dirty="0"/>
-              <a:t>primeira ordem</a:t>
-            </a:r>
-            <a:r>
-              <a:rPr lang="pt-BR" dirty="0"/>
-              <a:t>.</a:t>
-            </a:r>
+              <a:t>mostra o </a:t>
+            </a:r>
+            <a:r>
+              <a:rPr lang="pt-BR" dirty="0" smtClean="0"/>
+              <a:t>algoritmo </a:t>
+            </a:r>
+            <a:r>
+              <a:rPr lang="pt-BR" dirty="0" smtClean="0"/>
+              <a:t>abaixo.</a:t>
+            </a:r>
+            <a:endParaRPr lang="pt-BR" dirty="0"/>
           </a:p>
         </p:txBody>
       </p:sp>
@@ -15362,7 +16241,7 @@
         </p:spPr>
         <p:txBody>
           <a:bodyPr>
-            <a:normAutofit fontScale="92500" lnSpcReduction="10000"/>
+            <a:normAutofit/>
           </a:bodyPr>
           <a:lstStyle/>
           <a:p>
@@ -15386,11 +16265,23 @@
             </a:r>
             <a:r>
               <a:rPr lang="pt-BR" dirty="0"/>
-              <a:t>outro extremo seria utilizar todo o conjunto de dados para estimar o gradiente antes </a:t>
+              <a:t>outro extremo seria utilizar todo o conjunto de </a:t>
             </a:r>
             <a:r>
               <a:rPr lang="pt-BR" dirty="0" smtClean="0"/>
-              <a:t>de atualizar os pesos sinápticos. </a:t>
+              <a:t>exemplos para calcular o </a:t>
+            </a:r>
+            <a:r>
+              <a:rPr lang="pt-BR" dirty="0"/>
+              <a:t>gradiente antes </a:t>
+            </a:r>
+            <a:r>
+              <a:rPr lang="pt-BR" dirty="0" smtClean="0"/>
+              <a:t>de atualizar os </a:t>
+            </a:r>
+            <a:r>
+              <a:rPr lang="pt-BR" dirty="0" smtClean="0"/>
+              <a:t>pesos. </a:t>
             </a:r>
             <a:endParaRPr lang="pt-BR" dirty="0"/>
           </a:p>
@@ -15413,20 +16304,13 @@
             </a:r>
             <a:r>
               <a:rPr lang="pt-BR" dirty="0"/>
-              <a:t>). O algoritmo abaixo ilustra a operação correspondente (novamente considerando </a:t>
+              <a:t>). O algoritmo abaixo ilustra a operação </a:t>
             </a:r>
             <a:r>
               <a:rPr lang="pt-BR" dirty="0" smtClean="0"/>
-              <a:t>um método de </a:t>
-            </a:r>
-            <a:r>
-              <a:rPr lang="pt-BR" b="1" i="1" dirty="0"/>
-              <a:t>primeira ordem</a:t>
-            </a:r>
-            <a:r>
-              <a:rPr lang="pt-BR" dirty="0"/>
-              <a:t>).</a:t>
-            </a:r>
+              <a:t>correspondente.</a:t>
+            </a:r>
+            <a:endParaRPr lang="pt-BR" dirty="0"/>
           </a:p>
         </p:txBody>
       </p:sp>

--- a/slides/T320_Redes_Neurais_Artificiais (Parte IV).pptx
+++ b/slides/T320_Redes_Neurais_Artificiais (Parte IV).pptx
@@ -5,7 +5,7 @@
     <p:sldMasterId id="2147483648" r:id="rId1"/>
   </p:sldMasterIdLst>
   <p:notesMasterIdLst>
-    <p:notesMasterId r:id="rId24"/>
+    <p:notesMasterId r:id="rId25"/>
   </p:notesMasterIdLst>
   <p:sldIdLst>
     <p:sldId id="300" r:id="rId2"/>
@@ -30,6 +30,7 @@
     <p:sldId id="303" r:id="rId21"/>
     <p:sldId id="271" r:id="rId22"/>
     <p:sldId id="365" r:id="rId23"/>
+    <p:sldId id="383" r:id="rId24"/>
   </p:sldIdLst>
   <p:sldSz cx="12192000" cy="6858000"/>
   <p:notesSz cx="6858000" cy="9144000"/>
@@ -567,7 +568,7 @@
           <a:bodyPr/>
           <a:lstStyle/>
           <a:p>
-            <a:endParaRPr lang="pt-BR" baseline="0" dirty="0" smtClean="0"/>
+            <a:endParaRPr lang="pt-BR" baseline="0" dirty="0"/>
           </a:p>
         </p:txBody>
       </p:sp>
@@ -652,31 +653,26 @@
           <a:lstStyle/>
           <a:p>
             <a:r>
-              <a:rPr lang="pt-BR" sz="1200" b="1" dirty="0" smtClean="0"/>
+              <a:rPr lang="pt-BR" sz="1200" b="1" dirty="0"/>
               <a:t>Projeto #2:</a:t>
             </a:r>
             <a:r>
-              <a:rPr lang="pt-BR" sz="1200" dirty="0" smtClean="0"/>
-              <a:t> https://</a:t>
-            </a:r>
-            <a:r>
-              <a:rPr lang="pt-BR" sz="1200" dirty="0" smtClean="0"/>
-              <a:t>mybinder.org/v2/gh/zz4fap/t320_aprendizado_de_maquina/main?filepath=projeto%2Fprojeto_2_T320_1S2022.ipynb</a:t>
-            </a:r>
-          </a:p>
-          <a:p>
-            <a:endParaRPr lang="pt-BR" sz="1200" dirty="0" smtClean="0"/>
-          </a:p>
-          <a:p>
-            <a:r>
-              <a:rPr lang="pt-BR" sz="1200" b="1" dirty="0" smtClean="0"/>
+              <a:rPr lang="pt-BR" sz="1200" dirty="0"/>
+              <a:t> https://mybinder.org/v2/gh/zz4fap/t320_aprendizado_de_maquina/main?filepath=projeto%2Fprojeto_2_T320_1S2022.ipynb</a:t>
+            </a:r>
+          </a:p>
+          <a:p>
+            <a:endParaRPr lang="pt-BR" sz="1200" dirty="0"/>
+          </a:p>
+          <a:p>
+            <a:r>
+              <a:rPr lang="pt-BR" sz="1200" b="1" dirty="0"/>
               <a:t>Projeto #2:</a:t>
             </a:r>
             <a:r>
-              <a:rPr lang="pt-BR" sz="1200" dirty="0" smtClean="0"/>
+              <a:rPr lang="pt-BR" sz="1200" dirty="0"/>
               <a:t> https://colab.research.google.com/github/zz4fap/t320_aprendizado_de_maquina/blob/main/projeto/projeto_2_T320_1S2022.ipynb</a:t>
             </a:r>
-            <a:endParaRPr lang="pt-BR" sz="1200" dirty="0" smtClean="0"/>
           </a:p>
           <a:p>
             <a:endParaRPr lang="pt-BR" sz="1200" dirty="0"/>
@@ -763,23 +759,22 @@
           <a:bodyPr/>
           <a:lstStyle/>
           <a:p>
-            <a:endParaRPr lang="en-US" dirty="0" smtClean="0"/>
-          </a:p>
-          <a:p>
-            <a:r>
-              <a:rPr lang="pt-BR" dirty="0" smtClean="0"/>
+            <a:endParaRPr lang="en-US" dirty="0"/>
+          </a:p>
+          <a:p>
+            <a:r>
+              <a:rPr lang="pt-BR" dirty="0"/>
               <a:t>Referências</a:t>
             </a:r>
           </a:p>
           <a:p>
-            <a:endParaRPr lang="en-US" dirty="0" smtClean="0"/>
-          </a:p>
-          <a:p>
-            <a:r>
-              <a:rPr lang="en-US" dirty="0" smtClean="0"/>
+            <a:endParaRPr lang="en-US" dirty="0"/>
+          </a:p>
+          <a:p>
+            <a:r>
+              <a:rPr lang="en-US" dirty="0"/>
               <a:t>[1] https://neptune.ai/blog/keras-loss-functions</a:t>
             </a:r>
-            <a:endParaRPr lang="en-US" dirty="0"/>
           </a:p>
         </p:txBody>
       </p:sp>
@@ -881,15 +876,15 @@
               <a:defRPr/>
             </a:pPr>
             <a:r>
-              <a:rPr lang="pt-BR" dirty="0" smtClean="0"/>
+              <a:rPr lang="pt-BR" dirty="0"/>
               <a:t>Embora o</a:t>
             </a:r>
             <a:r>
-              <a:rPr lang="pt-BR" baseline="0" dirty="0" smtClean="0"/>
+              <a:rPr lang="pt-BR" baseline="0" dirty="0"/>
               <a:t> gradiente descendente </a:t>
             </a:r>
             <a:r>
-              <a:rPr lang="pt-BR" dirty="0" smtClean="0"/>
+              <a:rPr lang="pt-BR" dirty="0"/>
               <a:t>estocástico continue sendo uma estratégia de otimização muito popular, o aprendizado com ele as vezes pode ser lento. O método do momento é projetado para acelerar o aprendizado, especialmente em caso de alta curvatura, gradientes pequenos mas consistentes ou gradientes ruidosos. O algoritmo do momento acumula uma média móvel exponencialmente decrescente dos gradientes passados e continua a se mover em sua direção.</a:t>
             </a:r>
           </a:p>
@@ -981,7 +976,7 @@
               <a:lstStyle/>
               <a:p>
                 <a:r>
-                  <a:rPr lang="pt-BR" sz="1200" dirty="0" smtClean="0">
+                  <a:rPr lang="pt-BR" sz="1200" dirty="0">
                     <a:solidFill>
                       <a:schemeClr val="tx1"/>
                     </a:solidFill>
@@ -1154,23 +1149,8 @@
                     </a:solidFill>
                     <a:latin typeface="+mn-lt"/>
                   </a:rPr>
-                  <a:t> corresponde à multiplicação da velocidade máxima por 10 em relação ao algoritmo de descida do gradiente</a:t>
-                </a:r>
-                <a:r>
-                  <a:rPr lang="pt-BR" sz="1200" dirty="0" smtClean="0">
-                    <a:solidFill>
-                      <a:schemeClr val="tx1"/>
-                    </a:solidFill>
-                    <a:latin typeface="+mn-lt"/>
-                  </a:rPr>
-                  <a:t>.</a:t>
-                </a:r>
-                <a:endParaRPr lang="pt-BR" sz="1200" dirty="0">
-                  <a:solidFill>
-                    <a:schemeClr val="tx1"/>
-                  </a:solidFill>
-                  <a:latin typeface="+mn-lt"/>
-                </a:endParaRPr>
+                  <a:t> corresponde à multiplicação da velocidade máxima por 10 em relação ao algoritmo de descida do gradiente.</a:t>
+                </a:r>
               </a:p>
             </p:txBody>
           </p:sp>
@@ -1644,57 +1624,49 @@
             </a:r>
             <a:r>
               <a:rPr lang="pt-BR" dirty="0"/>
-              <a:t>Mesmo que o modelo ou o algoritmo de treinamento seja capaz de usar processos estocásticos para calcular atualizações diferentes para nós </a:t>
-            </a:r>
-            <a:r>
-              <a:rPr lang="pt-BR" dirty="0" smtClean="0"/>
-              <a:t>diferentes</a:t>
-            </a:r>
-            <a:r>
-              <a:rPr lang="pt-BR" dirty="0"/>
-              <a:t>, geralmente é melhor inicializar cada nó para calcular uma função diferente de todas os outros</a:t>
+              <a:t>Mesmo que o modelo ou o algoritmo de treinamento seja capaz de usar processos estocásticos para calcular atualizações diferentes para nós diferentes, geralmente é melhor inicializar cada nó para calcular uma função diferente de todas os outros</a:t>
             </a:r>
             <a:r>
               <a:rPr lang="pt-BR" baseline="0" dirty="0"/>
               <a:t> nós</a:t>
             </a:r>
             <a:r>
-              <a:rPr lang="pt-BR" dirty="0" smtClean="0"/>
+              <a:rPr lang="pt-BR" dirty="0"/>
               <a:t>.</a:t>
             </a:r>
           </a:p>
           <a:p>
-            <a:endParaRPr lang="pt-BR" dirty="0" smtClean="0"/>
-          </a:p>
-          <a:p>
-            <a:r>
-              <a:rPr lang="pt-BR" dirty="0" smtClean="0"/>
+            <a:endParaRPr lang="pt-BR" dirty="0"/>
+          </a:p>
+          <a:p>
+            <a:r>
+              <a:rPr lang="pt-BR" dirty="0"/>
               <a:t>Referências</a:t>
             </a:r>
           </a:p>
           <a:p>
             <a:r>
-              <a:rPr lang="pt-BR" dirty="0" smtClean="0"/>
+              <a:rPr lang="pt-BR" dirty="0"/>
               <a:t>[1] https://www.deeplearning.ai/ai-notes/initialization/</a:t>
             </a:r>
           </a:p>
           <a:p>
             <a:r>
-              <a:rPr lang="pt-BR" dirty="0" smtClean="0"/>
+              <a:rPr lang="pt-BR" dirty="0"/>
               <a:t>[2] ftp://ftp.dca.fee.unicamp.br/pub/docs/gudwin/publications/sbrn98.pdf</a:t>
             </a:r>
           </a:p>
           <a:p>
             <a:r>
-              <a:rPr lang="pt-BR" dirty="0" smtClean="0"/>
+              <a:rPr lang="pt-BR" dirty="0"/>
               <a:t>[3] https://colab.research.google.com/github/d2l-ai/d2l-en-colab/blob/master/chapter_multilayer-perceptrons/numerical-stability-and-init.ipynb#scrollTo=6tqUWTNKFdsO</a:t>
             </a:r>
           </a:p>
           <a:p>
-            <a:endParaRPr lang="pt-BR" dirty="0" smtClean="0"/>
-          </a:p>
-          <a:p>
-            <a:endParaRPr lang="pt-BR" dirty="0" smtClean="0"/>
+            <a:endParaRPr lang="pt-BR" dirty="0"/>
+          </a:p>
+          <a:p>
+            <a:endParaRPr lang="pt-BR" dirty="0"/>
           </a:p>
           <a:p>
             <a:endParaRPr lang="pt-BR" dirty="0"/>
@@ -1781,26 +1753,26 @@
           <a:bodyPr/>
           <a:lstStyle/>
           <a:p>
-            <a:endParaRPr lang="pt-BR" dirty="0" smtClean="0"/>
-          </a:p>
-          <a:p>
-            <a:r>
-              <a:rPr lang="pt-BR" dirty="0" smtClean="0"/>
+            <a:endParaRPr lang="pt-BR" dirty="0"/>
+          </a:p>
+          <a:p>
+            <a:r>
+              <a:rPr lang="pt-BR" dirty="0"/>
               <a:t>Referências</a:t>
             </a:r>
           </a:p>
           <a:p>
             <a:r>
-              <a:rPr lang="pt-BR" dirty="0" smtClean="0"/>
+              <a:rPr lang="pt-BR" dirty="0"/>
               <a:t>[1]</a:t>
             </a:r>
             <a:r>
-              <a:rPr lang="pt-BR" baseline="0" dirty="0" smtClean="0"/>
+              <a:rPr lang="pt-BR" baseline="0" dirty="0"/>
               <a:t> https://www.quora.com/Why-dont-we-initialize-the-weights-of-a-neural-network-to-zero</a:t>
             </a:r>
           </a:p>
           <a:p>
-            <a:endParaRPr lang="pt-BR" dirty="0" smtClean="0"/>
+            <a:endParaRPr lang="pt-BR" dirty="0"/>
           </a:p>
         </p:txBody>
       </p:sp>
@@ -1902,11 +1874,11 @@
               <a:defRPr/>
             </a:pPr>
             <a:r>
-              <a:rPr lang="pt-BR" b="1" dirty="0" smtClean="0"/>
+              <a:rPr lang="pt-BR" b="1" dirty="0"/>
               <a:t>empírico</a:t>
             </a:r>
             <a:r>
-              <a:rPr lang="pt-BR" dirty="0" smtClean="0"/>
+              <a:rPr lang="pt-BR" dirty="0"/>
               <a:t>: baseado na experiência e na observação, metódicas ou não.</a:t>
             </a:r>
           </a:p>
@@ -1928,7 +1900,7 @@
               <a:tabLst/>
               <a:defRPr/>
             </a:pPr>
-            <a:endParaRPr lang="pt-BR" dirty="0" smtClean="0"/>
+            <a:endParaRPr lang="pt-BR" dirty="0"/>
           </a:p>
           <a:p>
             <a:pPr marL="0" marR="0" lvl="0" indent="0" algn="l" defTabSz="914400" rtl="0" eaLnBrk="1" fontAlgn="auto" latinLnBrk="0" hangingPunct="1">
@@ -1949,15 +1921,15 @@
               <a:defRPr/>
             </a:pPr>
             <a:r>
-              <a:rPr lang="pt-BR" dirty="0" smtClean="0"/>
+              <a:rPr lang="pt-BR" dirty="0"/>
               <a:t>Para mais informações</a:t>
             </a:r>
             <a:r>
-              <a:rPr lang="pt-BR" baseline="0" dirty="0" smtClean="0"/>
+              <a:rPr lang="pt-BR" baseline="0" dirty="0"/>
               <a:t> sobre a inicialização dos pesos </a:t>
             </a:r>
             <a:r>
-              <a:rPr lang="pt-BR" b="0" baseline="0" dirty="0" smtClean="0"/>
+              <a:rPr lang="pt-BR" b="0" baseline="0" dirty="0"/>
               <a:t>vejam:</a:t>
             </a:r>
           </a:p>
@@ -1980,7 +1952,7 @@
               <a:defRPr/>
             </a:pPr>
             <a:r>
-              <a:rPr lang="pt-BR" dirty="0" smtClean="0"/>
+              <a:rPr lang="pt-BR" dirty="0"/>
               <a:t>[2] GOODFELLOW, I., BENGIO, Y., COURVILLE, A., Deep Learning, MIT Press, 2016. HAYKIN, S. Neural Networks and Learning Machines, 3rd edition, Prentice-Hall, 2008.</a:t>
             </a:r>
           </a:p>
@@ -2002,7 +1974,7 @@
               <a:tabLst/>
               <a:defRPr/>
             </a:pPr>
-            <a:endParaRPr lang="pt-BR" dirty="0" smtClean="0"/>
+            <a:endParaRPr lang="pt-BR" dirty="0"/>
           </a:p>
           <a:p>
             <a:pPr marL="0" marR="0" lvl="0" indent="0" algn="l" defTabSz="914400" rtl="0" eaLnBrk="1" fontAlgn="auto" latinLnBrk="0" hangingPunct="1">
@@ -2023,7 +1995,7 @@
               <a:defRPr/>
             </a:pPr>
             <a:r>
-              <a:rPr lang="pt-BR" dirty="0" smtClean="0"/>
+              <a:rPr lang="pt-BR" dirty="0"/>
               <a:t>Referência</a:t>
             </a:r>
           </a:p>
@@ -2046,7 +2018,7 @@
               <a:defRPr/>
             </a:pPr>
             <a:r>
-              <a:rPr lang="pt-BR" dirty="0" smtClean="0"/>
+              <a:rPr lang="pt-BR" dirty="0"/>
               <a:t>[1] https://www.deeplearning.ai/ai-notes/initialization/</a:t>
             </a:r>
           </a:p>
@@ -2069,7 +2041,7 @@
               <a:defRPr/>
             </a:pPr>
             <a:r>
-              <a:rPr lang="pt-BR" dirty="0" smtClean="0"/>
+              <a:rPr lang="pt-BR" dirty="0"/>
               <a:t>[2] https://machinelearningmastery.com/weight-initialization-for-deep-learning-neural-networks/</a:t>
             </a:r>
           </a:p>
@@ -5076,7 +5048,7 @@
           <p:cNvPr id="2" name="Título 1">
             <a:extLst>
               <a:ext uri="{FF2B5EF4-FFF2-40B4-BE49-F238E27FC236}">
-                <a16:creationId xmlns="" xmlns:a16="http://schemas.microsoft.com/office/drawing/2014/main" id="{32666AC8-2E17-4DB4-B0F5-60C640CCFD2E}"/>
+                <a16:creationId xmlns:a16="http://schemas.microsoft.com/office/drawing/2014/main" id="{32666AC8-2E17-4DB4-B0F5-60C640CCFD2E}"/>
               </a:ext>
             </a:extLst>
           </p:cNvPr>
@@ -5100,15 +5072,11 @@
           <a:lstStyle/>
           <a:p>
             <a:r>
-              <a:rPr lang="pt-BR" sz="5400" dirty="0" smtClean="0"/>
+              <a:rPr lang="pt-BR" sz="5400" dirty="0"/>
               <a:t>T320 - Introdução ao Aprendizado de Máquina II:</a:t>
             </a:r>
-            <a:r>
-              <a:rPr lang="pt-BR" dirty="0" smtClean="0"/>
-              <a:t/>
-            </a:r>
             <a:br>
-              <a:rPr lang="pt-BR" dirty="0" smtClean="0"/>
+              <a:rPr lang="pt-BR" dirty="0"/>
             </a:br>
             <a:r>
               <a:rPr lang="pt-BR" b="1" i="1" dirty="0"/>
@@ -5116,11 +5084,7 @@
             </a:r>
             <a:r>
               <a:rPr lang="pt-BR" b="1" i="1"/>
-              <a:t>Parte </a:t>
-            </a:r>
-            <a:r>
-              <a:rPr lang="pt-BR" b="1" i="1" smtClean="0"/>
-              <a:t>IV)</a:t>
+              <a:t>Parte IV)</a:t>
             </a:r>
             <a:endParaRPr lang="pt-BR" b="1" i="1" dirty="0"/>
           </a:p>
@@ -5131,7 +5095,7 @@
           <p:cNvPr id="4" name="CaixaDeTexto 3">
             <a:extLst>
               <a:ext uri="{FF2B5EF4-FFF2-40B4-BE49-F238E27FC236}">
-                <a16:creationId xmlns="" xmlns:a16="http://schemas.microsoft.com/office/drawing/2014/main" id="{430EB894-B7D4-434C-9D1A-A14094D9BEEC}"/>
+                <a16:creationId xmlns:a16="http://schemas.microsoft.com/office/drawing/2014/main" id="{430EB894-B7D4-434C-9D1A-A14094D9BEEC}"/>
               </a:ext>
             </a:extLst>
           </p:cNvPr>
@@ -5172,7 +5136,7 @@
           <p:cNvPr id="1026" name="Picture 2" descr="Logo">
             <a:extLst>
               <a:ext uri="{FF2B5EF4-FFF2-40B4-BE49-F238E27FC236}">
-                <a16:creationId xmlns="" xmlns:a16="http://schemas.microsoft.com/office/drawing/2014/main" id="{3F2642E0-4F6A-4196-8F58-E77D36E9A33F}"/>
+                <a16:creationId xmlns:a16="http://schemas.microsoft.com/office/drawing/2014/main" id="{3F2642E0-4F6A-4196-8F58-E77D36E9A33F}"/>
               </a:ext>
             </a:extLst>
           </p:cNvPr>
@@ -5217,7 +5181,7 @@
           <p:cNvPr id="5122" name="Picture 2" descr="Image result for machine learning">
             <a:extLst>
               <a:ext uri="{FF2B5EF4-FFF2-40B4-BE49-F238E27FC236}">
-                <a16:creationId xmlns="" xmlns:a16="http://schemas.microsoft.com/office/drawing/2014/main" id="{810CE0A2-4102-44A6-A370-175E7896CDCB}"/>
+                <a16:creationId xmlns:a16="http://schemas.microsoft.com/office/drawing/2014/main" id="{810CE0A2-4102-44A6-A370-175E7896CDCB}"/>
               </a:ext>
             </a:extLst>
           </p:cNvPr>
@@ -5304,18 +5268,13 @@
           <a:p>
             <a:r>
               <a:rPr lang="pt-BR" dirty="0"/>
-              <a:t>Variações dos algoritmos de otimização dos </a:t>
-            </a:r>
-            <a:r>
-              <a:rPr lang="pt-BR" dirty="0" smtClean="0"/>
-              <a:t>pesos</a:t>
-            </a:r>
-            <a:endParaRPr lang="pt-BR" dirty="0"/>
+              <a:t>Variações dos algoritmos de otimização dos pesos</a:t>
+            </a:r>
           </a:p>
         </p:txBody>
       </p:sp>
-      <mc:AlternateContent xmlns:mc="http://schemas.openxmlformats.org/markup-compatibility/2006" xmlns:a14="http://schemas.microsoft.com/office/drawing/2010/main">
-        <mc:Choice Requires="a14">
+      <mc:AlternateContent xmlns:mc="http://schemas.openxmlformats.org/markup-compatibility/2006">
+        <mc:Choice xmlns:a14="http://schemas.microsoft.com/office/drawing/2010/main" Requires="a14">
           <p:sp>
             <p:nvSpPr>
               <p:cNvPr id="3" name="Content Placeholder 2"/>
@@ -5334,7 +5293,7 @@
             </p:spPr>
             <p:txBody>
               <a:bodyPr>
-                <a:normAutofit fontScale="92500" lnSpcReduction="20000"/>
+                <a:normAutofit fontScale="85000" lnSpcReduction="10000"/>
               </a:bodyPr>
               <a:lstStyle/>
               <a:p>
@@ -5344,15 +5303,7 @@
                 </a:pPr>
                 <a:r>
                   <a:rPr lang="pt-BR" dirty="0"/>
-                  <a:t>A </a:t>
-                </a:r>
-                <a:r>
-                  <a:rPr lang="pt-BR" dirty="0" smtClean="0"/>
-                  <a:t>escolha </a:t>
-                </a:r>
-                <a:r>
-                  <a:rPr lang="pt-BR" dirty="0"/>
-                  <a:t>do</a:t>
+                  <a:t>A escolha do</a:t>
                 </a:r>
                 <a:r>
                   <a:rPr lang="pt-BR" b="1" i="1" dirty="0"/>
@@ -5360,23 +5311,7 @@
                 </a:r>
                 <a:r>
                   <a:rPr lang="pt-BR" dirty="0"/>
-                  <a:t> é </a:t>
-                </a:r>
-                <a:r>
-                  <a:rPr lang="pt-BR" dirty="0" smtClean="0"/>
-                  <a:t>complicada </a:t>
-                </a:r>
-                <a:r>
-                  <a:rPr lang="pt-BR" dirty="0"/>
-                  <a:t>e nos remete ao conhecido compromisso entre velocidade de convergência e </a:t>
-                </a:r>
-                <a:r>
-                  <a:rPr lang="pt-BR" dirty="0" smtClean="0"/>
-                  <a:t>estabilidade/precisão</a:t>
-                </a:r>
-                <a:r>
-                  <a:rPr lang="pt-BR" dirty="0"/>
-                  <a:t>. </a:t>
+                  <a:t> é complicada e nos remete ao conhecido compromisso entre velocidade de convergência e estabilidade/precisão. </a:t>
                 </a:r>
               </a:p>
               <a:p>
@@ -5386,15 +5321,7 @@
                 </a:pPr>
                 <a:r>
                   <a:rPr lang="pt-BR" dirty="0"/>
-                  <a:t>Pode-se usar um valor fixo, mas geralmente, se adota </a:t>
-                </a:r>
-                <a:r>
-                  <a:rPr lang="pt-BR" dirty="0" smtClean="0"/>
-                  <a:t>uma variação decrescente </a:t>
-                </a:r>
-                <a:r>
-                  <a:rPr lang="pt-BR" dirty="0"/>
-                  <a:t>de um valor </a:t>
+                  <a:t>Pode-se usar um valor fixo, mas geralmente, se adota uma variação decrescente de um valor </a:t>
                 </a:r>
                 <a14:m>
                   <m:oMath xmlns:m="http://schemas.openxmlformats.org/officeDocument/2006/math">
@@ -5714,11 +5641,7 @@
                 </a:pPr>
                 <a:r>
                   <a:rPr lang="pt-BR" dirty="0"/>
-                  <a:t>Naturalmente, a definição dos </a:t>
-                </a:r>
-                <a:r>
-                  <a:rPr lang="pt-BR" dirty="0" smtClean="0"/>
-                  <a:t>hiperparâmetros necessários, </a:t>
+                  <a:t>Naturalmente, a definição dos hiperparâmetros necessários, </a:t>
                 </a:r>
                 <a14:m>
                   <m:oMath xmlns:m="http://schemas.openxmlformats.org/officeDocument/2006/math">
@@ -5785,12 +5708,8 @@
                   </m:oMath>
                 </a14:m>
                 <a:r>
-                  <a:rPr lang="pt-BR" dirty="0" smtClean="0"/>
-                  <a:t>, é </a:t>
-                </a:r>
-                <a:r>
                   <a:rPr lang="pt-BR" dirty="0"/>
-                  <a:t>mais um problema </a:t>
+                  <a:t>, é mais um problema </a:t>
                 </a:r>
                 <a:r>
                   <a:rPr lang="pt-BR" b="1" i="1" dirty="0"/>
@@ -5804,7 +5723,7 @@
             </p:txBody>
           </p:sp>
         </mc:Choice>
-        <mc:Fallback xmlns="">
+        <mc:Fallback>
           <p:sp>
             <p:nvSpPr>
               <p:cNvPr id="3" name="Content Placeholder 2"/>
@@ -5820,10 +5739,10 @@
                 <a:off x="838199" y="1825624"/>
                 <a:ext cx="7116194" cy="5032375"/>
               </a:xfrm>
-              <a:blipFill rotWithShape="0">
+              <a:blipFill>
                 <a:blip r:embed="rId2"/>
                 <a:stretch>
-                  <a:fillRect l="-1455" t="-3027" r="-2055" b="-3390"/>
+                  <a:fillRect l="-1284" t="-2300" r="-1712" b="-1574"/>
                 </a:stretch>
               </a:blipFill>
             </p:spPr>
@@ -5832,7 +5751,7 @@
               <a:lstStyle/>
               <a:p>
                 <a:r>
-                  <a:rPr lang="pt-BR">
+                  <a:rPr lang="en-US">
                     <a:noFill/>
                   </a:rPr>
                   <a:t> </a:t>
@@ -6287,13 +6206,8 @@
           <a:p>
             <a:r>
               <a:rPr lang="pt-BR" dirty="0"/>
-              <a:t>Variações dos algoritmos de otimização dos </a:t>
-            </a:r>
-            <a:r>
-              <a:rPr lang="pt-BR" dirty="0" smtClean="0"/>
-              <a:t>pesos</a:t>
-            </a:r>
-            <a:endParaRPr lang="pt-BR" dirty="0"/>
+              <a:t>Variações dos algoritmos de otimização dos pesos</a:t>
+            </a:r>
           </a:p>
         </p:txBody>
       </p:sp>
@@ -6326,7 +6240,7 @@
                   <a:buChar char="Ø"/>
                 </a:pPr>
                 <a:r>
-                  <a:rPr lang="pt-BR" b="1" dirty="0" smtClean="0"/>
+                  <a:rPr lang="pt-BR" b="1" dirty="0"/>
                   <a:t>Momentum</a:t>
                 </a:r>
                 <a:endParaRPr lang="pt-BR" dirty="0"/>
@@ -6337,35 +6251,31 @@
                   <a:buChar char="§"/>
                 </a:pPr>
                 <a:r>
-                  <a:rPr lang="pt-BR" dirty="0" smtClean="0"/>
+                  <a:rPr lang="pt-BR" dirty="0"/>
                   <a:t>O </a:t>
                 </a:r>
                 <a:r>
-                  <a:rPr lang="pt-BR" b="1" i="1" dirty="0" smtClean="0"/>
+                  <a:rPr lang="pt-BR" b="1" i="1" dirty="0"/>
                   <a:t>termo</a:t>
                 </a:r>
                 <a:r>
-                  <a:rPr lang="pt-BR" dirty="0" smtClean="0"/>
+                  <a:rPr lang="pt-BR" dirty="0"/>
                   <a:t> </a:t>
                 </a:r>
                 <a:r>
-                  <a:rPr lang="pt-BR" b="1" i="1" dirty="0" smtClean="0"/>
+                  <a:rPr lang="pt-BR" b="1" i="1" dirty="0"/>
                   <a:t>momento</a:t>
                 </a:r>
                 <a:r>
-                  <a:rPr lang="pt-BR" dirty="0" smtClean="0"/>
+                  <a:rPr lang="pt-BR" dirty="0"/>
                   <a:t> é adicionado à equação de atualização dos pesos para trazer </a:t>
                 </a:r>
                 <a:r>
                   <a:rPr lang="pt-BR" b="1" i="1" dirty="0"/>
-                  <a:t>informação de gradientes anteriores </a:t>
-                </a:r>
-                <a:r>
-                  <a:rPr lang="pt-BR" b="1" i="1" dirty="0" smtClean="0"/>
-                  <a:t>acumulados </a:t>
-                </a:r>
-                <a:r>
-                  <a:rPr lang="pt-BR" dirty="0" smtClean="0"/>
+                  <a:t>informação de gradientes anteriores acumulados </a:t>
+                </a:r>
+                <a:r>
+                  <a:rPr lang="pt-BR" dirty="0"/>
                   <a:t>ao seu ajuste.</a:t>
                 </a:r>
               </a:p>
@@ -6375,16 +6285,8 @@
                   <a:buChar char="§"/>
                 </a:pPr>
                 <a:r>
-                  <a:rPr lang="pt-BR" dirty="0" smtClean="0"/>
-                  <a:t>Esse termo tem o potencial de melhorar </a:t>
-                </a:r>
-                <a:r>
                   <a:rPr lang="pt-BR" dirty="0"/>
-                  <a:t>a </a:t>
-                </a:r>
-                <a:r>
-                  <a:rPr lang="pt-BR" dirty="0" smtClean="0"/>
-                  <a:t>convergência das versões online e em mini-lotes do gradiente descendente.</a:t>
+                  <a:t>Esse termo tem o potencial de melhorar a convergência das versões online e em mini-lotes do gradiente descendente.</a:t>
                 </a:r>
               </a:p>
               <a:p>
@@ -6402,23 +6304,15 @@
                 </a:r>
                 <a:r>
                   <a:rPr lang="pt-BR" dirty="0"/>
-                  <a:t> </a:t>
-                </a:r>
-                <a:r>
-                  <a:rPr lang="pt-BR" dirty="0" smtClean="0"/>
-                  <a:t>com o </a:t>
-                </a:r>
-                <a:r>
-                  <a:rPr lang="pt-BR" b="1" i="1" dirty="0" smtClean="0"/>
+                  <a:t> com o </a:t>
+                </a:r>
+                <a:r>
+                  <a:rPr lang="pt-BR" b="1" i="1" dirty="0"/>
                   <a:t>termo momento</a:t>
                 </a:r>
                 <a:r>
-                  <a:rPr lang="pt-BR" dirty="0" smtClean="0"/>
-                  <a:t> é </a:t>
-                </a:r>
-                <a:r>
                   <a:rPr lang="pt-BR" dirty="0"/>
-                  <a:t>dada por</a:t>
+                  <a:t> é dada por</a:t>
                 </a:r>
               </a:p>
               <a:p>
@@ -6475,14 +6369,14 @@
                     </m:oMath>
                   </m:oMathPara>
                 </a14:m>
-                <a:endParaRPr lang="pt-BR" dirty="0" smtClean="0"/>
+                <a:endParaRPr lang="pt-BR" dirty="0"/>
               </a:p>
               <a:p>
                 <a:pPr marL="457200" lvl="1" indent="0">
                   <a:buNone/>
                 </a:pPr>
                 <a:r>
-                  <a:rPr lang="pt-BR" dirty="0" smtClean="0"/>
+                  <a:rPr lang="pt-BR" dirty="0"/>
                   <a:t>onde </a:t>
                 </a:r>
                 <a14:m>
@@ -6497,26 +6391,17 @@
                   </m:oMath>
                 </a14:m>
                 <a:r>
-                  <a:rPr lang="pt-BR" dirty="0" smtClean="0"/>
+                  <a:rPr lang="pt-BR" dirty="0"/>
                   <a:t> é a </a:t>
                 </a:r>
                 <a:r>
-                  <a:rPr lang="pt-BR" b="1" i="1" dirty="0" smtClean="0"/>
+                  <a:rPr lang="pt-BR" b="1" i="1" dirty="0"/>
                   <a:t>velocidade</a:t>
                 </a:r>
                 <a:r>
-                  <a:rPr lang="pt-BR" dirty="0" smtClean="0"/>
-                  <a:t>, a qual é </a:t>
-                </a:r>
-                <a:r>
                   <a:rPr lang="pt-BR" dirty="0"/>
-                  <a:t>atualizada da seguinte </a:t>
-                </a:r>
-                <a:r>
-                  <a:rPr lang="pt-BR" dirty="0" smtClean="0"/>
-                  <a:t>forma</a:t>
-                </a:r>
-                <a:endParaRPr lang="pt-BR" dirty="0"/>
+                  <a:t>, a qual é atualizada da seguinte forma</a:t>
+                </a:r>
               </a:p>
               <a:p>
                 <a:pPr marL="457200" lvl="1" indent="0" algn="ctr">
@@ -6605,22 +6490,14 @@
                 </a14:m>
                 <a:r>
                   <a:rPr lang="pt-BR" dirty="0"/>
-                  <a:t> </a:t>
-                </a:r>
-                <a:r>
-                  <a:rPr lang="pt-BR" dirty="0" smtClean="0"/>
-                  <a:t>é o </a:t>
+                  <a:t> é o </a:t>
                 </a:r>
                 <a:r>
                   <a:rPr lang="pt-BR" b="1" i="1" dirty="0"/>
-                  <a:t>vetor </a:t>
-                </a:r>
-                <a:r>
-                  <a:rPr lang="pt-BR" b="1" i="1" dirty="0" smtClean="0"/>
-                  <a:t>gradiente</a:t>
-                </a:r>
-                <a:r>
-                  <a:rPr lang="pt-BR" dirty="0" smtClean="0"/>
+                  <a:t>vetor gradiente</a:t>
+                </a:r>
+                <a:r>
+                  <a:rPr lang="pt-BR" dirty="0"/>
                   <a:t>, </a:t>
                 </a:r>
                 <a14:m>
@@ -6635,15 +6512,15 @@
                   </m:oMath>
                 </a14:m>
                 <a:r>
-                  <a:rPr lang="pt-BR" dirty="0" smtClean="0"/>
+                  <a:rPr lang="pt-BR" dirty="0"/>
                   <a:t> é o </a:t>
                 </a:r>
                 <a:r>
-                  <a:rPr lang="pt-BR" b="1" i="1" dirty="0" smtClean="0"/>
+                  <a:rPr lang="pt-BR" b="1" i="1" dirty="0"/>
                   <a:t>passo de aprendizagem</a:t>
                 </a:r>
                 <a:r>
-                  <a:rPr lang="pt-BR" dirty="0" smtClean="0"/>
+                  <a:rPr lang="pt-BR" dirty="0"/>
                   <a:t> e </a:t>
                 </a:r>
                 <a14:m>
@@ -6674,31 +6551,15 @@
                 </a14:m>
                 <a:r>
                   <a:rPr lang="pt-BR" dirty="0"/>
-                  <a:t> </a:t>
-                </a:r>
-                <a:r>
-                  <a:rPr lang="pt-BR" dirty="0" smtClean="0"/>
-                  <a:t>é o </a:t>
-                </a:r>
-                <a:r>
-                  <a:rPr lang="pt-BR" b="1" i="1" dirty="0" smtClean="0"/>
+                  <a:t> é o </a:t>
+                </a:r>
+                <a:r>
+                  <a:rPr lang="pt-BR" b="1" i="1" dirty="0"/>
                   <a:t>coeficiente de momento</a:t>
                 </a:r>
                 <a:r>
-                  <a:rPr lang="pt-BR" dirty="0" smtClean="0"/>
-                  <a:t> e determina </a:t>
-                </a:r>
-                <a:r>
                   <a:rPr lang="pt-BR" dirty="0"/>
-                  <a:t>com que rapidez as contribuições de gradientes anteriores decaem </a:t>
-                </a:r>
-                <a:r>
-                  <a:rPr lang="pt-BR" dirty="0" smtClean="0"/>
-                  <a:t>(</a:t>
-                </a:r>
-                <a:r>
-                  <a:rPr lang="pt-BR" dirty="0"/>
-                  <a:t>ou seja, </a:t>
+                  <a:t> e determina com que rapidez as contribuições de gradientes anteriores decaem (ou seja, </a:t>
                 </a:r>
                 <a14:m>
                   <m:oMath xmlns:m="http://schemas.openxmlformats.org/officeDocument/2006/math">
@@ -6713,11 +6574,7 @@
                 </a14:m>
                 <a:r>
                   <a:rPr lang="pt-BR" dirty="0"/>
-                  <a:t> é um termo de memória</a:t>
-                </a:r>
-                <a:r>
-                  <a:rPr lang="pt-BR" dirty="0" smtClean="0"/>
-                  <a:t>).</a:t>
+                  <a:t> é um termo de memória).</a:t>
                 </a:r>
               </a:p>
               <a:p>
@@ -6726,12 +6583,8 @@
                   <a:buChar char="§"/>
                 </a:pPr>
                 <a:r>
-                  <a:rPr lang="pt-BR" dirty="0" smtClean="0"/>
-                  <a:t>Quanto </a:t>
-                </a:r>
-                <a:r>
                   <a:rPr lang="pt-BR" dirty="0"/>
-                  <a:t>maior for </a:t>
+                  <a:t>Quanto maior for </a:t>
                 </a:r>
                 <a14:m>
                   <m:oMath xmlns:m="http://schemas.openxmlformats.org/officeDocument/2006/math">
@@ -6749,11 +6602,7 @@
                 </a14:m>
                 <a:r>
                   <a:rPr lang="pt-BR" dirty="0"/>
-                  <a:t>, maior será a influência de gradientes anteriores na direção atual</a:t>
-                </a:r>
-                <a:r>
-                  <a:rPr lang="pt-BR" dirty="0" smtClean="0"/>
-                  <a:t>.</a:t>
+                  <a:t>, maior será a influência de gradientes anteriores na direção atual.</a:t>
                 </a:r>
               </a:p>
               <a:p>
@@ -6790,11 +6639,7 @@
                 </a:r>
                 <a:r>
                   <a:rPr lang="pt-BR" dirty="0"/>
-                  <a:t> na qual os pesos se movem pelo espaço de pesos</a:t>
-                </a:r>
-                <a:r>
-                  <a:rPr lang="pt-BR" dirty="0" smtClean="0"/>
-                  <a:t>.</a:t>
+                  <a:t> na qual os pesos se movem pelo espaço de pesos.</a:t>
                 </a:r>
               </a:p>
             </p:txBody>
@@ -6885,13 +6730,8 @@
           <a:p>
             <a:r>
               <a:rPr lang="pt-BR" dirty="0"/>
-              <a:t>Variações dos algoritmos de otimização dos </a:t>
-            </a:r>
-            <a:r>
-              <a:rPr lang="pt-BR" dirty="0" smtClean="0"/>
-              <a:t>pesos</a:t>
-            </a:r>
-            <a:endParaRPr lang="pt-BR" dirty="0"/>
+              <a:t>Variações dos algoritmos de otimização dos pesos</a:t>
+            </a:r>
           </a:p>
         </p:txBody>
       </p:sp>
@@ -6935,16 +6775,12 @@
                   <a:buChar char="§"/>
                 </a:pPr>
                 <a:r>
-                  <a:rPr lang="pt-BR" b="1" i="1" dirty="0" smtClean="0"/>
+                  <a:rPr lang="pt-BR" b="1" i="1" dirty="0"/>
                   <a:t>Momento</a:t>
                 </a:r>
                 <a:r>
-                  <a:rPr lang="pt-BR" dirty="0" smtClean="0"/>
-                  <a:t> </a:t>
-                </a:r>
-                <a:r>
                   <a:rPr lang="pt-BR" dirty="0"/>
-                  <a:t>em física é igual a </a:t>
+                  <a:t> em física é igual a </a:t>
                 </a:r>
                 <a:r>
                   <a:rPr lang="pt-BR" b="1" i="1" dirty="0"/>
@@ -6952,15 +6788,7 @@
                 </a:r>
                 <a:r>
                   <a:rPr lang="pt-BR" dirty="0"/>
-                  <a:t>. No algoritmo do </a:t>
-                </a:r>
-                <a:r>
-                  <a:rPr lang="pt-BR" dirty="0" smtClean="0"/>
-                  <a:t>momento, </a:t>
-                </a:r>
-                <a:r>
-                  <a:rPr lang="pt-BR" dirty="0"/>
-                  <a:t>assumimos que a massa é unitária, então o vetor velocidade </a:t>
+                  <a:t>. No algoritmo do momento, assumimos que a massa é unitária, então o vetor velocidade </a:t>
                 </a:r>
                 <a14:m>
                   <m:oMath xmlns:m="http://schemas.openxmlformats.org/officeDocument/2006/math">
@@ -6975,19 +6803,7 @@
                 </a14:m>
                 <a:r>
                   <a:rPr lang="pt-BR" dirty="0"/>
-                  <a:t> também pode ser considerado como o </a:t>
-                </a:r>
-                <a:r>
-                  <a:rPr lang="pt-BR" dirty="0" smtClean="0"/>
-                  <a:t>momento </a:t>
-                </a:r>
-                <a:r>
-                  <a:rPr lang="pt-BR" dirty="0"/>
-                  <a:t>da partícula</a:t>
-                </a:r>
-                <a:r>
-                  <a:rPr lang="pt-BR" dirty="0" smtClean="0"/>
-                  <a:t>.</a:t>
+                  <a:t> também pode ser considerado como o momento da partícula.</a:t>
                 </a:r>
               </a:p>
               <a:p>
@@ -6996,12 +6812,8 @@
                   <a:buChar char="§"/>
                 </a:pPr>
                 <a:r>
-                  <a:rPr lang="pt-BR" dirty="0" smtClean="0"/>
-                  <a:t>O termo momento adiciona </a:t>
-                </a:r>
-                <a:r>
                   <a:rPr lang="pt-BR" dirty="0"/>
-                  <a:t>uma fração </a:t>
+                  <a:t>O termo momento adiciona uma fração </a:t>
                 </a:r>
                 <a14:m>
                   <m:oMath xmlns:m="http://schemas.openxmlformats.org/officeDocument/2006/math">
@@ -7015,7 +6827,7 @@
                   </m:oMath>
                 </a14:m>
                 <a:r>
-                  <a:rPr lang="pt-BR" dirty="0" smtClean="0"/>
+                  <a:rPr lang="pt-BR" dirty="0"/>
                   <a:t> de atualizações anteriores dos pesos à atualização corrente. </a:t>
                 </a:r>
               </a:p>
@@ -7025,32 +6837,8 @@
                   <a:buChar char="o"/>
                 </a:pPr>
                 <a:r>
-                  <a:rPr lang="pt-BR" dirty="0" smtClean="0"/>
-                  <a:t>Quando </a:t>
-                </a:r>
-                <a:r>
                   <a:rPr lang="pt-BR" dirty="0"/>
-                  <a:t>o gradiente </a:t>
-                </a:r>
-                <a:r>
-                  <a:rPr lang="pt-BR" dirty="0" smtClean="0"/>
-                  <a:t>aponta </a:t>
-                </a:r>
-                <a:r>
-                  <a:rPr lang="pt-BR" dirty="0"/>
-                  <a:t>na mesma </a:t>
-                </a:r>
-                <a:r>
-                  <a:rPr lang="pt-BR" dirty="0" smtClean="0"/>
-                  <a:t>direção por várias iterações, o termo aumenta o </a:t>
-                </a:r>
-                <a:r>
-                  <a:rPr lang="pt-BR" dirty="0"/>
-                  <a:t>tamanho dos passos dados em direção ao mínimo</a:t>
-                </a:r>
-                <a:r>
-                  <a:rPr lang="pt-BR" dirty="0" smtClean="0"/>
-                  <a:t>.</a:t>
+                  <a:t>Quando o gradiente aponta na mesma direção por várias iterações, o termo aumenta o tamanho dos passos dados em direção ao mínimo.</a:t>
                 </a:r>
               </a:p>
               <a:p>
@@ -7060,27 +6848,7 @@
                 </a:pPr>
                 <a:r>
                   <a:rPr lang="pt-BR" dirty="0"/>
-                  <a:t>Quando o gradiente </a:t>
-                </a:r>
-                <a:r>
-                  <a:rPr lang="pt-BR" dirty="0" smtClean="0"/>
-                  <a:t>muda de direção a cada nova iteração, </a:t>
-                </a:r>
-                <a:r>
-                  <a:rPr lang="pt-BR" dirty="0"/>
-                  <a:t>o </a:t>
-                </a:r>
-                <a:r>
-                  <a:rPr lang="pt-BR" dirty="0" smtClean="0"/>
-                  <a:t>termo momento </a:t>
-                </a:r>
-                <a:r>
-                  <a:rPr lang="pt-BR" dirty="0"/>
-                  <a:t>suaviza as variações</a:t>
-                </a:r>
-                <a:r>
-                  <a:rPr lang="pt-BR" dirty="0" smtClean="0"/>
-                  <a:t>.</a:t>
+                  <a:t>Quando o gradiente muda de direção a cada nova iteração, o termo momento suaviza as variações.</a:t>
                 </a:r>
               </a:p>
               <a:p>
@@ -7100,13 +6868,8 @@
                 </a:pPr>
                 <a:r>
                   <a:rPr lang="pt-BR" dirty="0"/>
-                  <a:t>O efeito do algoritmo do momentum no GDE é ilustrado na figura ao lado</a:t>
-                </a:r>
-                <a:r>
-                  <a:rPr lang="pt-BR" dirty="0" smtClean="0"/>
-                  <a:t>.</a:t>
-                </a:r>
-                <a:endParaRPr lang="pt-BR" dirty="0"/>
+                  <a:t>O efeito do algoritmo do momentum no GDE é ilustrado na figura ao lado.</a:t>
+                </a:r>
               </a:p>
             </p:txBody>
           </p:sp>
@@ -7232,11 +6995,7 @@
           <a:p>
             <a:r>
               <a:rPr lang="pt-BR" dirty="0"/>
-              <a:t>Variações dos algoritmos de otimização dos </a:t>
-            </a:r>
-            <a:r>
-              <a:rPr lang="pt-BR" dirty="0" smtClean="0"/>
-              <a:t>pesos</a:t>
+              <a:t>Variações dos algoritmos de otimização dos pesos</a:t>
             </a:r>
             <a:endParaRPr lang="pt-BR" b="1" dirty="0"/>
           </a:p>
@@ -7360,7 +7119,6 @@
                   <a:rPr lang="pt-BR" dirty="0"/>
                   <a:t>. </a:t>
                 </a:r>
-                <a:endParaRPr lang="pt-BR" dirty="0" smtClean="0"/>
               </a:p>
               <a:p>
                 <a:pPr lvl="1">
@@ -7368,26 +7126,9 @@
                   <a:buChar char="§"/>
                 </a:pPr>
                 <a:r>
-                  <a:rPr lang="pt-BR" dirty="0" smtClean="0"/>
-                  <a:t>Esse </a:t>
-                </a:r>
-                <a:r>
                   <a:rPr lang="pt-BR" dirty="0"/>
-                  <a:t>termo adicional funciona como um fator de correção que pode </a:t>
-                </a:r>
-                <a:r>
-                  <a:rPr lang="pt-BR" dirty="0" smtClean="0"/>
-                  <a:t>aumentar, </a:t>
-                </a:r>
-                <a:r>
-                  <a:rPr lang="pt-BR" dirty="0"/>
-                  <a:t>em alguns casos, a velocidade de </a:t>
-                </a:r>
-                <a:r>
-                  <a:rPr lang="pt-BR" dirty="0" smtClean="0"/>
-                  <a:t>convergência do algoritmo.</a:t>
-                </a:r>
-                <a:endParaRPr lang="pt-BR" dirty="0"/>
+                  <a:t>Esse termo adicional funciona como um fator de correção que pode aumentar, em alguns casos, a velocidade de convergência do algoritmo.</a:t>
+                </a:r>
               </a:p>
               <a:p>
                 <a:pPr>
@@ -7405,7 +7146,7 @@
                   <a:buChar char="§"/>
                 </a:pPr>
                 <a:r>
-                  <a:rPr lang="pt-BR" dirty="0" smtClean="0"/>
+                  <a:rPr lang="pt-BR" dirty="0"/>
                   <a:t>O </a:t>
                 </a:r>
                 <a:r>
@@ -7416,7 +7157,6 @@
                   <a:rPr lang="pt-BR" dirty="0"/>
                   <a:t>é um hiperparâmetro difícil de se ajustar otimamente e bastante relevante para o sucesso do treinamento de uma rede neural. </a:t>
                 </a:r>
-                <a:endParaRPr lang="pt-BR" dirty="0" smtClean="0"/>
               </a:p>
               <a:p>
                 <a:pPr lvl="1">
@@ -7424,14 +7164,9 @@
                   <a:buChar char="§"/>
                 </a:pPr>
                 <a:r>
-                  <a:rPr lang="pt-BR" dirty="0" smtClean="0"/>
-                  <a:t>Isso </a:t>
-                </a:r>
-                <a:r>
                   <a:rPr lang="pt-BR" dirty="0"/>
-                  <a:t>motivou o surgimento de um conjunto de métodos com mecanismos capazes de modificá-lo dinamicamente. </a:t>
-                </a:r>
-                <a:endParaRPr lang="pt-BR" dirty="0" smtClean="0"/>
+                  <a:t>Isso motivou o surgimento de um conjunto de métodos com mecanismos capazes de modificá-lo dinamicamente. </a:t>
+                </a:r>
               </a:p>
               <a:p>
                 <a:pPr lvl="1">
@@ -7439,46 +7174,9 @@
                   <a:buChar char="§"/>
                 </a:pPr>
                 <a:r>
-                  <a:rPr lang="pt-BR" dirty="0" smtClean="0"/>
-                  <a:t>O passo </a:t>
-                </a:r>
-                <a:r>
                   <a:rPr lang="pt-BR" dirty="0"/>
-                  <a:t>é </a:t>
-                </a:r>
-                <a:r>
-                  <a:rPr lang="pt-BR" dirty="0" smtClean="0"/>
-                  <a:t>ajustado </a:t>
-                </a:r>
-                <a:r>
-                  <a:rPr lang="pt-BR" dirty="0"/>
-                  <a:t>de acordo com </a:t>
-                </a:r>
-                <a:r>
-                  <a:rPr lang="pt-BR" dirty="0" smtClean="0"/>
-                  <a:t>o desempenho da rede e</a:t>
-                </a:r>
-                <a:r>
-                  <a:rPr lang="pt-BR" dirty="0"/>
-                  <a:t>, além disso, </a:t>
-                </a:r>
-                <a:r>
-                  <a:rPr lang="pt-BR" dirty="0" smtClean="0"/>
-                  <a:t>pode-se ter </a:t>
-                </a:r>
-                <a:r>
-                  <a:rPr lang="pt-BR" dirty="0"/>
-                  <a:t>passos </a:t>
-                </a:r>
-                <a:r>
-                  <a:rPr lang="pt-BR" dirty="0" smtClean="0"/>
-                  <a:t>diferentes para </a:t>
-                </a:r>
-                <a:r>
-                  <a:rPr lang="pt-BR" dirty="0"/>
-                  <a:t>cada peso do modelo, os quais são atualizados de forma independente. </a:t>
-                </a:r>
-                <a:endParaRPr lang="pt-BR" dirty="0" smtClean="0"/>
+                  <a:t>O passo é ajustado de acordo com o desempenho da rede e, além disso, pode-se ter passos diferentes para cada peso do modelo, os quais são atualizados de forma independente. </a:t>
+                </a:r>
               </a:p>
               <a:p>
                 <a:pPr lvl="1">
@@ -7486,19 +7184,15 @@
                   <a:buChar char="§"/>
                 </a:pPr>
                 <a:r>
-                  <a:rPr lang="pt-BR" dirty="0" smtClean="0"/>
-                  <a:t>Dentre </a:t>
-                </a:r>
-                <a:r>
                   <a:rPr lang="pt-BR" dirty="0"/>
-                  <a:t>as técnicas mais populares dessa classe estão </a:t>
-                </a:r>
-                <a:r>
-                  <a:rPr lang="pt-BR" b="1" i="1" dirty="0" smtClean="0"/>
+                  <a:t>Dentre as técnicas mais populares dessa classe estão </a:t>
+                </a:r>
+                <a:r>
+                  <a:rPr lang="pt-BR" b="1" i="1" dirty="0"/>
                   <a:t>AdaGrad</a:t>
                 </a:r>
                 <a:r>
-                  <a:rPr lang="pt-BR" dirty="0" smtClean="0"/>
+                  <a:rPr lang="pt-BR" dirty="0"/>
                   <a:t>, </a:t>
                 </a:r>
                 <a:r>
@@ -7510,7 +7204,7 @@
                   <a:t> e </a:t>
                 </a:r>
                 <a:r>
-                  <a:rPr lang="pt-BR" b="1" i="1" dirty="0" smtClean="0"/>
+                  <a:rPr lang="pt-BR" b="1" i="1" dirty="0"/>
                   <a:t>Adam.</a:t>
                 </a:r>
                 <a:endParaRPr lang="pt-BR" dirty="0"/>
@@ -7676,37 +7370,24 @@
             </a:r>
             <a:r>
               <a:rPr lang="pt-BR" dirty="0"/>
-              <a:t>pode determinar se o algoritmo converge, sendo alguns pontos iniciais tão instáveis que o algoritmo encontra dificuldades </a:t>
-            </a:r>
-            <a:r>
-              <a:rPr lang="pt-BR" dirty="0" smtClean="0"/>
-              <a:t>numéricas (representações numéricas: </a:t>
-            </a:r>
-            <a:r>
-              <a:rPr lang="pt-BR" b="1" i="1" dirty="0" smtClean="0"/>
+              <a:t>pode determinar se o algoritmo converge, sendo alguns pontos iniciais tão instáveis que o algoritmo encontra dificuldades numéricas (representações numéricas: </a:t>
+            </a:r>
+            <a:r>
+              <a:rPr lang="pt-BR" b="1" i="1" dirty="0"/>
               <a:t>underflow</a:t>
             </a:r>
             <a:r>
-              <a:rPr lang="pt-BR" dirty="0" smtClean="0"/>
+              <a:rPr lang="pt-BR" dirty="0"/>
               <a:t> e </a:t>
             </a:r>
             <a:r>
-              <a:rPr lang="pt-BR" b="1" i="1" dirty="0" smtClean="0"/>
+              <a:rPr lang="pt-BR" b="1" i="1" dirty="0"/>
               <a:t>overflow</a:t>
             </a:r>
             <a:r>
-              <a:rPr lang="pt-BR" dirty="0" smtClean="0"/>
-              <a:t>) </a:t>
-            </a:r>
-            <a:r>
               <a:rPr lang="pt-BR" dirty="0"/>
-              <a:t>e falha completamente em </a:t>
-            </a:r>
-            <a:r>
-              <a:rPr lang="pt-BR" dirty="0" smtClean="0"/>
-              <a:t>convergir (e.g., desaparecimento e explosão dos gradientes).</a:t>
-            </a:r>
-            <a:endParaRPr lang="pt-BR" dirty="0"/>
+              <a:t>) e falha completamente em convergir (e.g., desaparecimento e explosão dos gradientes).</a:t>
+            </a:r>
           </a:p>
           <a:p>
             <a:r>
@@ -7715,17 +7396,12 @@
             </a:r>
             <a:r>
               <a:rPr lang="pt-BR" b="1" i="1" dirty="0"/>
-              <a:t>velocidade de </a:t>
-            </a:r>
-            <a:r>
-              <a:rPr lang="pt-BR" b="1" i="1" dirty="0" smtClean="0"/>
-              <a:t>convergência</a:t>
-            </a:r>
-            <a:r>
-              <a:rPr lang="pt-BR" dirty="0" smtClean="0"/>
+              <a:t>velocidade de convergência</a:t>
+            </a:r>
+            <a:r>
+              <a:rPr lang="pt-BR" dirty="0"/>
               <a:t> (e.g., platôs, pontos de sela).</a:t>
             </a:r>
-            <a:endParaRPr lang="pt-BR" dirty="0"/>
           </a:p>
           <a:p>
             <a:r>
@@ -7749,16 +7425,12 @@
               <a:t>, ou seja, </a:t>
             </a:r>
             <a:r>
-              <a:rPr lang="pt-BR" b="1" i="1" dirty="0" smtClean="0"/>
+              <a:rPr lang="pt-BR" b="1" i="1" dirty="0"/>
               <a:t>nós</a:t>
             </a:r>
             <a:r>
-              <a:rPr lang="pt-BR" dirty="0" smtClean="0"/>
-              <a:t> com </a:t>
-            </a:r>
-            <a:r>
               <a:rPr lang="pt-BR" dirty="0"/>
-              <a:t>a mesma </a:t>
+              <a:t> com a mesma </a:t>
             </a:r>
             <a:r>
               <a:rPr lang="pt-BR" b="1" i="1" dirty="0"/>
@@ -7766,34 +7438,13 @@
             </a:r>
             <a:r>
               <a:rPr lang="pt-BR" dirty="0"/>
-              <a:t> </a:t>
-            </a:r>
-            <a:r>
-              <a:rPr lang="pt-BR" dirty="0" smtClean="0"/>
-              <a:t>e conectados </a:t>
-            </a:r>
+              <a:t> e conectados às mesmas entradas, devem ter pesos iniciais diferentes. </a:t>
+            </a:r>
+          </a:p>
+          <a:p>
             <a:r>
               <a:rPr lang="pt-BR" dirty="0"/>
-              <a:t>às mesmas entradas, </a:t>
-            </a:r>
-            <a:r>
-              <a:rPr lang="pt-BR" dirty="0" smtClean="0"/>
-              <a:t>devem ter pesos </a:t>
-            </a:r>
-            <a:r>
-              <a:rPr lang="pt-BR" dirty="0"/>
-              <a:t>iniciais diferentes. </a:t>
-            </a:r>
-            <a:endParaRPr lang="pt-BR" dirty="0" smtClean="0"/>
-          </a:p>
-          <a:p>
-            <a:r>
-              <a:rPr lang="pt-BR" dirty="0" smtClean="0"/>
-              <a:t>Isso</a:t>
-            </a:r>
-            <a:r>
-              <a:rPr lang="pt-BR" dirty="0"/>
-              <a:t>, portanto, sugere uma </a:t>
+              <a:t>Isso, portanto, sugere uma </a:t>
             </a:r>
             <a:r>
               <a:rPr lang="pt-BR" b="1" i="1" dirty="0"/>
@@ -7913,19 +7564,7 @@
           <a:p>
             <a:r>
               <a:rPr lang="pt-BR" dirty="0"/>
-              <a:t>Os pesos </a:t>
-            </a:r>
-            <a:r>
-              <a:rPr lang="pt-BR" dirty="0" smtClean="0"/>
-              <a:t>iniciais são </a:t>
-            </a:r>
-            <a:r>
-              <a:rPr lang="pt-BR" dirty="0"/>
-              <a:t>tipicamente obtidos </a:t>
-            </a:r>
-            <a:r>
-              <a:rPr lang="pt-BR" dirty="0" smtClean="0"/>
-              <a:t>a partir de </a:t>
+              <a:t>Os pesos iniciais são tipicamente obtidos a partir de </a:t>
             </a:r>
             <a:r>
               <a:rPr lang="pt-BR" b="1" i="1" dirty="0"/>
@@ -7943,16 +7582,11 @@
               <a:rPr lang="pt-BR" dirty="0"/>
               <a:t>. </a:t>
             </a:r>
-            <a:endParaRPr lang="pt-BR" dirty="0" smtClean="0"/>
-          </a:p>
-          <a:p>
-            <a:r>
-              <a:rPr lang="pt-BR" dirty="0" smtClean="0"/>
-              <a:t>A </a:t>
-            </a:r>
+          </a:p>
+          <a:p>
             <a:r>
               <a:rPr lang="pt-BR" dirty="0"/>
-              <a:t>ordem de grandeza desses pesos levanta algumas discussões:</a:t>
+              <a:t>A ordem de grandeza desses pesos levanta algumas discussões:</a:t>
             </a:r>
           </a:p>
           <a:p>
@@ -7988,15 +7622,7 @@
             </a:pPr>
             <a:r>
               <a:rPr lang="pt-BR" dirty="0"/>
-              <a:t>Pesos de maior magnitude favorecem a propagação de informação, porém, por outro lado, causam preocupações do ponto </a:t>
-            </a:r>
-            <a:r>
-              <a:rPr lang="pt-BR" dirty="0" smtClean="0"/>
-              <a:t>de vista de </a:t>
-            </a:r>
-            <a:r>
-              <a:rPr lang="pt-BR" dirty="0"/>
-              <a:t>regularização.</a:t>
+              <a:t>Pesos de maior magnitude favorecem a propagação de informação, porém, por outro lado, causam preocupações do ponto de vista de regularização.</a:t>
             </a:r>
           </a:p>
           <a:p>
@@ -8022,19 +7648,7 @@
             </a:r>
             <a:r>
               <a:rPr lang="pt-BR" dirty="0"/>
-              <a:t>do tipo sigmóide </a:t>
-            </a:r>
-            <a:r>
-              <a:rPr lang="pt-BR" dirty="0" smtClean="0"/>
-              <a:t>como </a:t>
-            </a:r>
-            <a:r>
-              <a:rPr lang="pt-BR" dirty="0"/>
-              <a:t>a tangente hiperbólica e a função logística) a operarem numa região de saturação, comprometendo a convergência do algoritmo</a:t>
-            </a:r>
-            <a:r>
-              <a:rPr lang="pt-BR" dirty="0" smtClean="0"/>
-              <a:t>.</a:t>
+              <a:t>do tipo sigmóide como a tangente hiperbólica e a função logística) a operarem numa região de saturação, comprometendo a convergência do algoritmo.</a:t>
             </a:r>
           </a:p>
           <a:p>
@@ -8043,7 +7657,7 @@
               <a:buChar char="§"/>
             </a:pPr>
             <a:r>
-              <a:rPr lang="pt-BR" dirty="0" smtClean="0"/>
+              <a:rPr lang="pt-BR" dirty="0"/>
               <a:t>Por outro lado, pesos de magnitude muita reduzida podem reduzir drasticamente o aprendizado das redes neurais.</a:t>
             </a:r>
           </a:p>
@@ -8054,11 +7668,7 @@
             </a:pPr>
             <a:r>
               <a:rPr lang="pt-BR" dirty="0"/>
-              <a:t>Portanto, </a:t>
-            </a:r>
-            <a:r>
-              <a:rPr lang="pt-BR" dirty="0" smtClean="0"/>
-              <a:t>na sequência listamos algumas </a:t>
+              <a:t>Portanto, na sequência listamos algumas </a:t>
             </a:r>
             <a:r>
               <a:rPr lang="pt-BR" b="1" i="1" dirty="0"/>
@@ -8066,21 +7676,8 @@
             </a:r>
             <a:r>
               <a:rPr lang="pt-BR" dirty="0"/>
-              <a:t> para </a:t>
-            </a:r>
-            <a:r>
-              <a:rPr lang="pt-BR" dirty="0" smtClean="0"/>
-              <a:t>inicialização dos </a:t>
-            </a:r>
-            <a:r>
-              <a:rPr lang="pt-BR" dirty="0"/>
-              <a:t>pesos</a:t>
-            </a:r>
-            <a:r>
-              <a:rPr lang="pt-BR" dirty="0" smtClean="0"/>
-              <a:t>.</a:t>
-            </a:r>
-            <a:endParaRPr lang="pt-BR" dirty="0"/>
+              <a:t> para inicialização dos pesos.</a:t>
+            </a:r>
           </a:p>
         </p:txBody>
       </p:sp>
@@ -8190,47 +7787,39 @@
                 </a14:m>
                 <a:r>
                   <a:rPr lang="pt-BR" dirty="0"/>
-                  <a:t> saídas, </a:t>
-                </a:r>
-                <a:r>
-                  <a:rPr lang="pt-BR" dirty="0" smtClean="0"/>
-                  <a:t>temos as seguintes heurísticas </a:t>
+                  <a:t> saídas, temos as seguintes heurísticas para inicializar os </a:t>
+                </a:r>
+                <a:r>
+                  <a:rPr lang="pt-BR" b="1" i="1" dirty="0"/>
+                  <a:t>pesos sinápticos</a:t>
                 </a:r>
                 <a:r>
                   <a:rPr lang="pt-BR" dirty="0"/>
-                  <a:t>para inicializar os </a:t>
-                </a:r>
-                <a:r>
-                  <a:rPr lang="pt-BR" b="1" i="1" dirty="0" smtClean="0"/>
-                  <a:t>pesos sinápticos</a:t>
-                </a:r>
-                <a:r>
-                  <a:rPr lang="pt-BR" dirty="0" smtClean="0"/>
                   <a:t> de seus nós.</a:t>
                 </a:r>
-              </a:p>
-              <a:p>
-                <a:endParaRPr lang="pt-BR" dirty="0" smtClean="0"/>
-              </a:p>
-              <a:p>
-                <a:endParaRPr lang="pt-BR" dirty="0" smtClean="0"/>
-              </a:p>
-              <a:p>
-                <a:endParaRPr lang="pt-BR" dirty="0" smtClean="0"/>
               </a:p>
               <a:p>
                 <a:endParaRPr lang="pt-BR" dirty="0"/>
               </a:p>
               <a:p>
-                <a:endParaRPr lang="pt-BR" dirty="0" smtClean="0"/>
+                <a:endParaRPr lang="pt-BR" dirty="0"/>
               </a:p>
               <a:p>
                 <a:endParaRPr lang="pt-BR" dirty="0"/>
               </a:p>
               <a:p>
-                <a:endParaRPr lang="pt-BR" dirty="0" smtClean="0"/>
+                <a:endParaRPr lang="pt-BR" dirty="0"/>
               </a:p>
               <a:p>
+                <a:endParaRPr lang="pt-BR" dirty="0"/>
+              </a:p>
+              <a:p>
+                <a:endParaRPr lang="pt-BR" dirty="0"/>
+              </a:p>
+              <a:p>
+                <a:endParaRPr lang="pt-BR" dirty="0"/>
+              </a:p>
+              <a:p>
                 <a:r>
                   <a:rPr lang="pt-BR" dirty="0"/>
                   <a:t>Uma heurística para a inicialização dos </a:t>
@@ -8251,7 +7840,6 @@
                   <a:rPr lang="pt-BR" dirty="0"/>
                   <a:t>. Esta heurística se mostra bastante eficiente na maioria dos casos.</a:t>
                 </a:r>
-                <a:endParaRPr lang="pt-BR" dirty="0" smtClean="0"/>
               </a:p>
             </p:txBody>
           </p:sp>
@@ -8321,10 +7909,34 @@
                     <a:tableStyleId>{2D5ABB26-0587-4C30-8999-92F81FD0307C}</a:tableStyleId>
                   </a:tblPr>
                   <a:tblGrid>
-                    <a:gridCol w="1854751"/>
-                    <a:gridCol w="3663486"/>
-                    <a:gridCol w="3080660"/>
-                    <a:gridCol w="2437577"/>
+                    <a:gridCol w="1854751">
+                      <a:extLst>
+                        <a:ext uri="{9D8B030D-6E8A-4147-A177-3AD203B41FA5}">
+                          <a16:colId xmlns:a16="http://schemas.microsoft.com/office/drawing/2014/main" val="20000"/>
+                        </a:ext>
+                      </a:extLst>
+                    </a:gridCol>
+                    <a:gridCol w="3663486">
+                      <a:extLst>
+                        <a:ext uri="{9D8B030D-6E8A-4147-A177-3AD203B41FA5}">
+                          <a16:colId xmlns:a16="http://schemas.microsoft.com/office/drawing/2014/main" val="20001"/>
+                        </a:ext>
+                      </a:extLst>
+                    </a:gridCol>
+                    <a:gridCol w="3080660">
+                      <a:extLst>
+                        <a:ext uri="{9D8B030D-6E8A-4147-A177-3AD203B41FA5}">
+                          <a16:colId xmlns:a16="http://schemas.microsoft.com/office/drawing/2014/main" val="20002"/>
+                        </a:ext>
+                      </a:extLst>
+                    </a:gridCol>
+                    <a:gridCol w="2437577">
+                      <a:extLst>
+                        <a:ext uri="{9D8B030D-6E8A-4147-A177-3AD203B41FA5}">
+                          <a16:colId xmlns:a16="http://schemas.microsoft.com/office/drawing/2014/main" val="20003"/>
+                        </a:ext>
+                      </a:extLst>
+                    </a:gridCol>
                   </a:tblGrid>
                   <a:tr h="337209">
                     <a:tc>
@@ -8334,10 +7946,9 @@
                         <a:p>
                           <a:pPr algn="ctr"/>
                           <a:r>
-                            <a:rPr lang="pt-BR" sz="1600" b="1" dirty="0" smtClean="0"/>
+                            <a:rPr lang="pt-BR" sz="1600" b="1" dirty="0"/>
                             <a:t>Inicialização</a:t>
                           </a:r>
-                          <a:endParaRPr lang="pt-BR" sz="1600" b="1" dirty="0"/>
                         </a:p>
                       </a:txBody>
                       <a:tcPr>
@@ -8386,10 +7997,9 @@
                         <a:p>
                           <a:pPr algn="ctr"/>
                           <a:r>
-                            <a:rPr lang="pt-BR" sz="1600" b="1" dirty="0" smtClean="0"/>
+                            <a:rPr lang="pt-BR" sz="1600" b="1" dirty="0"/>
                             <a:t>Funções de ativação</a:t>
                           </a:r>
-                          <a:endParaRPr lang="pt-BR" sz="1600" b="1" dirty="0"/>
                         </a:p>
                       </a:txBody>
                       <a:tcPr>
@@ -8438,7 +8048,7 @@
                         <a:p>
                           <a:pPr algn="ctr"/>
                           <a:r>
-                            <a:rPr lang="pt-BR" sz="1600" b="1" dirty="0" smtClean="0"/>
+                            <a:rPr lang="pt-BR" sz="1600" b="1" dirty="0"/>
                             <a:t>Distribuição Uniforme</a:t>
                           </a:r>
                         </a:p>
@@ -8538,7 +8148,7 @@
                         <a:p>
                           <a:pPr algn="ctr"/>
                           <a:r>
-                            <a:rPr lang="pt-BR" sz="1600" b="1" dirty="0" smtClean="0"/>
+                            <a:rPr lang="pt-BR" sz="1600" b="1" dirty="0"/>
                             <a:t>Distribuição Normal </a:t>
                           </a:r>
                         </a:p>
@@ -8642,6 +8252,11 @@
                         </a:lnB>
                       </a:tcPr>
                     </a:tc>
+                    <a:extLst>
+                      <a:ext uri="{0D108BD9-81ED-4DB2-BD59-A6C34878D82A}">
+                        <a16:rowId xmlns:a16="http://schemas.microsoft.com/office/drawing/2014/main" val="10000"/>
+                      </a:ext>
+                    </a:extLst>
                   </a:tr>
                   <a:tr h="831489">
                     <a:tc>
@@ -8651,10 +8266,9 @@
                         <a:p>
                           <a:pPr algn="ctr"/>
                           <a:r>
-                            <a:rPr lang="pt-BR" sz="1600" dirty="0" smtClean="0"/>
+                            <a:rPr lang="pt-BR" sz="1600" dirty="0"/>
                             <a:t>Xavier/Glorot</a:t>
                           </a:r>
-                          <a:endParaRPr lang="pt-BR" sz="1600" dirty="0"/>
                         </a:p>
                       </a:txBody>
                       <a:tcPr anchor="ctr">
@@ -8703,10 +8317,9 @@
                         <a:p>
                           <a:pPr algn="ctr"/>
                           <a:r>
-                            <a:rPr lang="pt-BR" sz="1600" dirty="0" smtClean="0"/>
+                            <a:rPr lang="pt-BR" sz="1600" dirty="0"/>
                             <a:t>Nenhuma, Tanh, Logística, Softmax</a:t>
                           </a:r>
-                          <a:endParaRPr lang="pt-BR" sz="1600" dirty="0"/>
                         </a:p>
                       </a:txBody>
                       <a:tcPr anchor="ctr">
@@ -8993,6 +8606,11 @@
                         </a:lnB>
                       </a:tcPr>
                     </a:tc>
+                    <a:extLst>
+                      <a:ext uri="{0D108BD9-81ED-4DB2-BD59-A6C34878D82A}">
+                        <a16:rowId xmlns:a16="http://schemas.microsoft.com/office/drawing/2014/main" val="10001"/>
+                      </a:ext>
+                    </a:extLst>
                   </a:tr>
                   <a:tr h="831489">
                     <a:tc>
@@ -9002,10 +8620,9 @@
                         <a:p>
                           <a:pPr algn="ctr"/>
                           <a:r>
-                            <a:rPr lang="pt-BR" sz="1600" dirty="0" smtClean="0"/>
+                            <a:rPr lang="pt-BR" sz="1600" dirty="0"/>
                             <a:t>He</a:t>
                           </a:r>
-                          <a:endParaRPr lang="pt-BR" sz="1600" dirty="0"/>
                         </a:p>
                       </a:txBody>
                       <a:tcPr anchor="ctr">
@@ -9054,11 +8671,11 @@
                         <a:p>
                           <a:pPr algn="ctr"/>
                           <a:r>
-                            <a:rPr lang="pt-BR" sz="1600" dirty="0" smtClean="0"/>
+                            <a:rPr lang="pt-BR" sz="1600" dirty="0"/>
                             <a:t>ReLU</a:t>
                           </a:r>
                           <a:r>
-                            <a:rPr lang="pt-BR" sz="1600" baseline="0" dirty="0" smtClean="0"/>
+                            <a:rPr lang="pt-BR" sz="1600" baseline="0" dirty="0"/>
                             <a:t> e variantes</a:t>
                           </a:r>
                           <a:endParaRPr lang="pt-BR" sz="1600" dirty="0"/>
@@ -9340,6 +8957,11 @@
                         </a:lnB>
                       </a:tcPr>
                     </a:tc>
+                    <a:extLst>
+                      <a:ext uri="{0D108BD9-81ED-4DB2-BD59-A6C34878D82A}">
+                        <a16:rowId xmlns:a16="http://schemas.microsoft.com/office/drawing/2014/main" val="10002"/>
+                      </a:ext>
+                    </a:extLst>
                   </a:tr>
                   <a:tr h="831489">
                     <a:tc>
@@ -9349,10 +8971,9 @@
                         <a:p>
                           <a:pPr algn="ctr"/>
                           <a:r>
-                            <a:rPr lang="pt-BR" sz="1600" dirty="0" smtClean="0"/>
+                            <a:rPr lang="pt-BR" sz="1600" dirty="0"/>
                             <a:t>LeCun</a:t>
                           </a:r>
-                          <a:endParaRPr lang="pt-BR" sz="1600" dirty="0"/>
                         </a:p>
                       </a:txBody>
                       <a:tcPr anchor="ctr">
@@ -9401,10 +9022,9 @@
                         <a:p>
                           <a:pPr algn="ctr"/>
                           <a:r>
-                            <a:rPr lang="pt-BR" sz="1600" dirty="0" smtClean="0"/>
+                            <a:rPr lang="pt-BR" sz="1600" dirty="0"/>
                             <a:t>SELU</a:t>
                           </a:r>
-                          <a:endParaRPr lang="pt-BR" sz="1600" dirty="0"/>
                         </a:p>
                       </a:txBody>
                       <a:tcPr anchor="ctr">
@@ -9683,6 +9303,11 @@
                         </a:lnB>
                       </a:tcPr>
                     </a:tc>
+                    <a:extLst>
+                      <a:ext uri="{0D108BD9-81ED-4DB2-BD59-A6C34878D82A}">
+                        <a16:rowId xmlns:a16="http://schemas.microsoft.com/office/drawing/2014/main" val="10003"/>
+                      </a:ext>
+                    </a:extLst>
                   </a:tr>
                 </a:tbl>
               </a:graphicData>
@@ -10665,51 +10290,19 @@
           <a:p>
             <a:r>
               <a:rPr lang="pt-BR" dirty="0"/>
-              <a:t>Entretanto, </a:t>
-            </a:r>
-            <a:r>
-              <a:rPr lang="pt-BR" dirty="0" smtClean="0"/>
-              <a:t>suas </a:t>
-            </a:r>
+              <a:t>Entretanto, suas implementações não se destinam a aplicações de larga escala. </a:t>
+            </a:r>
+          </a:p>
+          <a:p>
             <a:r>
               <a:rPr lang="pt-BR" dirty="0"/>
-              <a:t>implementações </a:t>
-            </a:r>
-            <a:r>
-              <a:rPr lang="pt-BR" dirty="0" smtClean="0"/>
-              <a:t>não </a:t>
-            </a:r>
+              <a:t>Em particular, a biblioteca SciKit-Learn não oferece suporte a GPUs. </a:t>
+            </a:r>
+          </a:p>
+          <a:p>
             <a:r>
               <a:rPr lang="pt-BR" dirty="0"/>
-              <a:t>se destinam a aplicações de larga escala. </a:t>
-            </a:r>
-          </a:p>
-          <a:p>
-            <a:r>
-              <a:rPr lang="pt-BR" dirty="0"/>
-              <a:t>Em particular, a biblioteca </a:t>
-            </a:r>
-            <a:r>
-              <a:rPr lang="pt-BR" dirty="0" smtClean="0"/>
-              <a:t>SciKit-Learn </a:t>
-            </a:r>
-            <a:r>
-              <a:rPr lang="pt-BR" dirty="0"/>
-              <a:t>não oferece suporte a GPUs. </a:t>
-            </a:r>
-          </a:p>
-          <a:p>
-            <a:r>
-              <a:rPr lang="pt-BR" dirty="0"/>
-              <a:t>Para implementações muito mais rápidas, baseadas em </a:t>
-            </a:r>
-            <a:r>
-              <a:rPr lang="pt-BR" dirty="0" smtClean="0"/>
-              <a:t>GPU, escaláveis</a:t>
-            </a:r>
-            <a:r>
-              <a:rPr lang="pt-BR" dirty="0"/>
-              <a:t>, bem como estruturas que oferecem muito mais flexibilidade para criar arquiteturas de aprendizado profundo, por exemplo, devemos utilizar outras bibliotecas como:</a:t>
+              <a:t>Para implementações muito mais rápidas, baseadas em GPU, escaláveis, bem como estruturas que oferecem muito mais flexibilidade para criar arquiteturas de aprendizado profundo, por exemplo, devemos utilizar outras bibliotecas como:</a:t>
             </a:r>
           </a:p>
           <a:p>
@@ -10737,45 +10330,8 @@
             </a:r>
             <a:r>
               <a:rPr lang="pt-BR" dirty="0"/>
-              <a:t>: </a:t>
-            </a:r>
-            <a:r>
-              <a:rPr lang="pt-BR" dirty="0" smtClean="0"/>
-              <a:t>biblioteca de alto-nível para </a:t>
-            </a:r>
-            <a:r>
-              <a:rPr lang="pt-BR" dirty="0"/>
-              <a:t>desenvolvimento de aplicações Deep </a:t>
-            </a:r>
-            <a:r>
-              <a:rPr lang="pt-BR" dirty="0" smtClean="0"/>
-              <a:t>Learning de forma simples. É capaz </a:t>
-            </a:r>
-            <a:r>
-              <a:rPr lang="pt-BR" dirty="0"/>
-              <a:t>de rodar </a:t>
-            </a:r>
-            <a:r>
-              <a:rPr lang="pt-BR" dirty="0" smtClean="0"/>
-              <a:t>sobre TensorFlow, Theano</a:t>
-            </a:r>
-            <a:r>
-              <a:rPr lang="pt-BR" dirty="0"/>
-              <a:t> </a:t>
-            </a:r>
-            <a:r>
-              <a:rPr lang="pt-BR" dirty="0" smtClean="0"/>
-              <a:t>ou </a:t>
-            </a:r>
-            <a:r>
-              <a:rPr lang="pt-BR" dirty="0"/>
-              <a:t>Apache MXNet</a:t>
-            </a:r>
-            <a:r>
-              <a:rPr lang="pt-BR" dirty="0" smtClean="0"/>
-              <a:t>.</a:t>
-            </a:r>
-            <a:endParaRPr lang="pt-BR" dirty="0"/>
+              <a:t>: biblioteca de alto-nível para desenvolvimento de aplicações Deep Learning de forma simples. É capaz de rodar sobre TensorFlow, Theano ou Apache MXNet.</a:t>
+            </a:r>
           </a:p>
           <a:p>
             <a:pPr lvl="1">
@@ -10788,31 +10344,7 @@
             </a:r>
             <a:r>
               <a:rPr lang="pt-BR" dirty="0"/>
-              <a:t>: </a:t>
-            </a:r>
-            <a:r>
-              <a:rPr lang="pt-BR" dirty="0" smtClean="0"/>
-              <a:t>biblioteca para a criação de redes neurais compatíveis </a:t>
-            </a:r>
-            <a:r>
-              <a:rPr lang="pt-BR" dirty="0"/>
-              <a:t>com o </a:t>
-            </a:r>
-            <a:r>
-              <a:rPr lang="pt-BR" dirty="0" smtClean="0"/>
-              <a:t>SciKit-Learn </a:t>
-            </a:r>
-            <a:r>
-              <a:rPr lang="pt-BR" dirty="0"/>
-              <a:t>que </a:t>
-            </a:r>
-            <a:r>
-              <a:rPr lang="pt-BR" dirty="0" smtClean="0"/>
-              <a:t>encapsula </a:t>
-            </a:r>
-            <a:r>
-              <a:rPr lang="pt-BR" dirty="0"/>
-              <a:t>a biblioteca PyTorch.</a:t>
+              <a:t>: biblioteca para a criação de redes neurais compatíveis com o SciKit-Learn que encapsula a biblioteca PyTorch.</a:t>
             </a:r>
           </a:p>
           <a:p>
@@ -10884,10 +10416,9 @@
           <a:lstStyle/>
           <a:p>
             <a:r>
-              <a:rPr lang="pt-BR" dirty="0" smtClean="0"/>
+              <a:rPr lang="pt-BR" dirty="0"/>
               <a:t>Tarefas</a:t>
             </a:r>
-            <a:endParaRPr lang="pt-BR" dirty="0"/>
           </a:p>
         </p:txBody>
       </p:sp>
@@ -10914,67 +10445,47 @@
           <a:lstStyle/>
           <a:p>
             <a:r>
-              <a:rPr lang="pt-BR" b="1" dirty="0" smtClean="0"/>
+              <a:rPr lang="pt-BR" b="1" dirty="0"/>
               <a:t>Quiz</a:t>
             </a:r>
             <a:r>
-              <a:rPr lang="pt-BR" dirty="0" smtClean="0"/>
+              <a:rPr lang="pt-BR" dirty="0"/>
               <a:t>: “</a:t>
             </a:r>
             <a:r>
-              <a:rPr lang="pt-BR" i="1" dirty="0" smtClean="0"/>
-              <a:t>T320 - Quiz – Redes Neurais Artificiais </a:t>
-            </a:r>
-            <a:r>
               <a:rPr lang="pt-BR" i="1" dirty="0"/>
-              <a:t>(Parte </a:t>
-            </a:r>
-            <a:r>
-              <a:rPr lang="pt-BR" i="1" dirty="0" smtClean="0"/>
-              <a:t>VII)</a:t>
-            </a:r>
-            <a:r>
-              <a:rPr lang="pt-BR" dirty="0" smtClean="0"/>
+              <a:t>T320 - Quiz – Redes Neurais Artificiais (Parte VII)</a:t>
+            </a:r>
+            <a:r>
+              <a:rPr lang="pt-BR" dirty="0"/>
               <a:t>” que se encontra no MS Teams.</a:t>
             </a:r>
           </a:p>
           <a:p>
             <a:r>
-              <a:rPr lang="pt-BR" b="1" dirty="0" smtClean="0"/>
+              <a:rPr lang="pt-BR" b="1" dirty="0"/>
               <a:t>Projeto</a:t>
             </a:r>
             <a:r>
-              <a:rPr lang="pt-BR" dirty="0" smtClean="0"/>
+              <a:rPr lang="pt-BR" dirty="0"/>
               <a:t>: </a:t>
             </a:r>
             <a:r>
-              <a:rPr lang="pt-BR" dirty="0" smtClean="0">
+              <a:rPr lang="pt-BR" dirty="0">
                 <a:hlinkClick r:id="rId3"/>
               </a:rPr>
               <a:t>Projeto #2</a:t>
             </a:r>
             <a:r>
-              <a:rPr lang="pt-BR" dirty="0" smtClean="0"/>
+              <a:rPr lang="pt-BR" dirty="0"/>
               <a:t>.</a:t>
             </a:r>
           </a:p>
           <a:p>
             <a:pPr lvl="1"/>
             <a:r>
-              <a:rPr lang="pt-BR" dirty="0" smtClean="0"/>
-              <a:t>Pode </a:t>
-            </a:r>
-            <a:r>
               <a:rPr lang="pt-BR" dirty="0"/>
-              <a:t>ser feito em </a:t>
-            </a:r>
-            <a:r>
-              <a:rPr lang="pt-BR" dirty="0" smtClean="0"/>
-              <a:t>grupos </a:t>
-            </a:r>
-            <a:r>
-              <a:rPr lang="pt-BR" dirty="0"/>
-              <a:t>de no máximo 3 alunos.</a:t>
+              <a:t>Pode ser feito em grupos de no máximo 3 alunos.</a:t>
             </a:r>
           </a:p>
           <a:p>
@@ -10985,128 +10496,40 @@
             </a:r>
             <a:r>
               <a:rPr lang="pt-BR" dirty="0"/>
-              <a:t>: </a:t>
-            </a:r>
-            <a:r>
-              <a:rPr lang="pt-BR" dirty="0" smtClean="0"/>
-              <a:t>26</a:t>
-            </a:r>
-            <a:r>
-              <a:rPr lang="pt-BR" dirty="0" smtClean="0"/>
-              <a:t>/06/2021</a:t>
-            </a:r>
-            <a:r>
-              <a:rPr lang="pt-BR" dirty="0" smtClean="0"/>
-              <a:t>.</a:t>
-            </a:r>
-            <a:endParaRPr lang="pt-BR" dirty="0"/>
+              <a:t>: 26/06/2021.</a:t>
+            </a:r>
           </a:p>
           <a:p>
             <a:pPr lvl="1"/>
             <a:r>
               <a:rPr lang="pt-BR" dirty="0"/>
-              <a:t>Vídeo com a explicação sobre o projeto se encontra na pasta “</a:t>
-            </a:r>
-            <a:r>
-              <a:rPr lang="pt-BR" dirty="0" smtClean="0"/>
-              <a:t>Projetos” </a:t>
-            </a:r>
+              <a:t>Vídeo com a explicação sobre o projeto se encontra na pasta “Projetos” em “Arquivos”.</a:t>
+            </a:r>
+          </a:p>
+          <a:p>
+            <a:pPr lvl="1"/>
             <a:r>
               <a:rPr lang="pt-BR" dirty="0"/>
-              <a:t>em “Arquivos</a:t>
-            </a:r>
-            <a:r>
-              <a:rPr lang="pt-BR" dirty="0" smtClean="0"/>
-              <a:t>”.</a:t>
-            </a:r>
-            <a:endParaRPr lang="pt-BR" dirty="0"/>
+              <a:t>Leiam os enunciados atentamente.</a:t>
+            </a:r>
           </a:p>
           <a:p>
             <a:pPr lvl="1"/>
             <a:r>
-              <a:rPr lang="pt-BR" dirty="0" smtClean="0"/>
-              <a:t>Leiam </a:t>
-            </a:r>
-            <a:r>
               <a:rPr lang="pt-BR" dirty="0"/>
-              <a:t>os enunciados </a:t>
-            </a:r>
-            <a:r>
-              <a:rPr lang="pt-BR" dirty="0" smtClean="0"/>
-              <a:t>atentamente</a:t>
-            </a:r>
-            <a:r>
-              <a:rPr lang="pt-BR" dirty="0" smtClean="0"/>
-              <a:t>.</a:t>
+              <a:t>Apenas um integrante do grupo precisa fazer a entrega.</a:t>
             </a:r>
           </a:p>
           <a:p>
             <a:pPr lvl="1"/>
             <a:r>
-              <a:rPr lang="pt-BR" dirty="0"/>
-              <a:t>Apenas um integrante do grupo precisa fazer a entrega</a:t>
-            </a:r>
-            <a:r>
-              <a:rPr lang="pt-BR" dirty="0" smtClean="0"/>
-              <a:t>.</a:t>
-            </a:r>
-            <a:endParaRPr lang="pt-BR" dirty="0" smtClean="0"/>
-          </a:p>
-          <a:p>
-            <a:pPr lvl="1"/>
-            <a:r>
-              <a:rPr lang="pt-BR" dirty="0" smtClean="0">
+              <a:rPr lang="pt-BR" b="1" dirty="0">
                 <a:solidFill>
                   <a:srgbClr val="FF0000"/>
                 </a:solidFill>
               </a:rPr>
-              <a:t>Mas, não </a:t>
-            </a:r>
-            <a:r>
-              <a:rPr lang="pt-BR" dirty="0" smtClean="0">
-                <a:solidFill>
-                  <a:srgbClr val="FF0000"/>
-                </a:solidFill>
-              </a:rPr>
-              <a:t>se esqueçam de colocar os nomes </a:t>
-            </a:r>
-            <a:r>
-              <a:rPr lang="pt-BR" dirty="0" smtClean="0">
-                <a:solidFill>
-                  <a:srgbClr val="FF0000"/>
-                </a:solidFill>
-              </a:rPr>
-              <a:t>de todos os</a:t>
-            </a:r>
-            <a:r>
-              <a:rPr lang="pt-BR" dirty="0" smtClean="0">
-                <a:solidFill>
-                  <a:srgbClr val="FF0000"/>
-                </a:solidFill>
-              </a:rPr>
-              <a:t> </a:t>
-            </a:r>
-            <a:r>
-              <a:rPr lang="pt-BR" dirty="0" smtClean="0">
-                <a:solidFill>
-                  <a:srgbClr val="FF0000"/>
-                </a:solidFill>
-              </a:rPr>
-              <a:t>integrantes do grupo</a:t>
-            </a:r>
-            <a:r>
-              <a:rPr lang="pt-BR" dirty="0" smtClean="0">
-                <a:solidFill>
-                  <a:srgbClr val="FF0000"/>
-                </a:solidFill>
-              </a:rPr>
-              <a:t>.</a:t>
-            </a:r>
-            <a:endParaRPr lang="pt-BR" dirty="0" smtClean="0">
-              <a:solidFill>
-                <a:srgbClr val="FF0000"/>
-              </a:solidFill>
-            </a:endParaRPr>
+              <a:t>Mas, não se esqueçam de colocar os nomes de todos os integrantes do grupo.</a:t>
+            </a:r>
           </a:p>
         </p:txBody>
       </p:sp>
@@ -11120,13 +10543,6 @@
   <p:clrMapOvr>
     <a:masterClrMapping/>
   </p:clrMapOvr>
-  <p:timing>
-    <p:tnLst>
-      <p:par>
-        <p:cTn id="1" dur="indefinite" restart="never" nodeType="tmRoot"/>
-      </p:par>
-    </p:tnLst>
-  </p:timing>
 </p:sld>
 </file>
 
@@ -11152,7 +10568,7 @@
           <p:cNvPr id="4" name="Título 1">
             <a:extLst>
               <a:ext uri="{FF2B5EF4-FFF2-40B4-BE49-F238E27FC236}">
-                <a16:creationId xmlns="" xmlns:a16="http://schemas.microsoft.com/office/drawing/2014/main" id="{32666AC8-2E17-4DB4-B0F5-60C640CCFD2E}"/>
+                <a16:creationId xmlns:a16="http://schemas.microsoft.com/office/drawing/2014/main" id="{32666AC8-2E17-4DB4-B0F5-60C640CCFD2E}"/>
               </a:ext>
             </a:extLst>
           </p:cNvPr>
@@ -11248,10 +10664,9 @@
           <a:lstStyle/>
           <a:p>
             <a:r>
-              <a:rPr lang="pt-BR" dirty="0" smtClean="0"/>
+              <a:rPr lang="pt-BR" dirty="0"/>
               <a:t>Recapitulando</a:t>
             </a:r>
-            <a:endParaRPr lang="pt-BR" dirty="0"/>
           </a:p>
         </p:txBody>
       </p:sp>
@@ -11278,26 +10693,14 @@
           <a:lstStyle/>
           <a:p>
             <a:r>
-              <a:rPr lang="pt-BR" dirty="0" smtClean="0"/>
-              <a:t>Na última aula, </a:t>
-            </a:r>
-            <a:r>
-              <a:rPr lang="pt-BR" dirty="0" smtClean="0"/>
-              <a:t>discutimos como </a:t>
-            </a:r>
-            <a:r>
-              <a:rPr lang="pt-BR" dirty="0" smtClean="0"/>
-              <a:t>as redes neurais aprendem.</a:t>
-            </a:r>
-          </a:p>
-          <a:p>
-            <a:r>
-              <a:rPr lang="pt-BR" dirty="0" smtClean="0"/>
-              <a:t>Vimos que isso é feito através da minimização de uma função de custo</a:t>
-            </a:r>
-            <a:r>
-              <a:rPr lang="pt-BR" dirty="0" smtClean="0"/>
-              <a:t>.</a:t>
+              <a:rPr lang="pt-BR" dirty="0"/>
+              <a:t>Na última aula, discutimos como as redes neurais aprendem.</a:t>
+            </a:r>
+          </a:p>
+          <a:p>
+            <a:r>
+              <a:rPr lang="pt-BR" dirty="0"/>
+              <a:t>Vimos que isso é feito através da minimização de uma função de custo.</a:t>
             </a:r>
           </a:p>
           <a:p>
@@ -11306,100 +10709,58 @@
               <a:buChar char="§"/>
             </a:pPr>
             <a:r>
-              <a:rPr lang="pt-BR" dirty="0" smtClean="0"/>
+              <a:rPr lang="pt-BR" dirty="0"/>
               <a:t>Usamos o erro quadrático médio por questões didáticas, mas existem várias outras funções como por exemplo a </a:t>
             </a:r>
             <a:r>
-              <a:rPr lang="pt-BR" b="1" i="1" dirty="0" smtClean="0"/>
+              <a:rPr lang="pt-BR" b="1" i="1" dirty="0"/>
               <a:t>entropia cruzada</a:t>
             </a:r>
             <a:r>
-              <a:rPr lang="pt-BR" dirty="0" smtClean="0"/>
+              <a:rPr lang="pt-BR" dirty="0"/>
               <a:t>, usada para o treinamento de classificadores </a:t>
             </a:r>
             <a:r>
-              <a:rPr lang="pt-BR" dirty="0" err="1" smtClean="0"/>
+              <a:rPr lang="pt-BR" dirty="0" err="1"/>
               <a:t>multi-classe</a:t>
             </a:r>
             <a:r>
-              <a:rPr lang="pt-BR" dirty="0" smtClean="0"/>
+              <a:rPr lang="pt-BR" dirty="0"/>
               <a:t> e a </a:t>
             </a:r>
             <a:r>
-              <a:rPr lang="pt-BR" b="1" i="1" dirty="0" smtClean="0"/>
+              <a:rPr lang="pt-BR" b="1" i="1" dirty="0"/>
               <a:t>focal </a:t>
             </a:r>
             <a:r>
-              <a:rPr lang="pt-BR" b="1" i="1" dirty="0" err="1" smtClean="0"/>
+              <a:rPr lang="pt-BR" b="1" i="1" dirty="0" err="1"/>
               <a:t>loss</a:t>
             </a:r>
             <a:r>
-              <a:rPr lang="pt-BR" b="1" i="1" dirty="0" smtClean="0"/>
+              <a:rPr lang="pt-BR" b="1" i="1" dirty="0"/>
               <a:t> </a:t>
             </a:r>
             <a:r>
-              <a:rPr lang="pt-BR" dirty="0" smtClean="0"/>
+              <a:rPr lang="pt-BR" dirty="0"/>
               <a:t>para o treinamento de detectores de objetos.</a:t>
             </a:r>
-            <a:endParaRPr lang="pt-BR" dirty="0" smtClean="0"/>
-          </a:p>
-          <a:p>
-            <a:r>
-              <a:rPr lang="pt-BR" dirty="0" smtClean="0"/>
-              <a:t>Aprendemos que a </a:t>
-            </a:r>
-            <a:r>
-              <a:rPr lang="pt-BR" dirty="0" smtClean="0"/>
-              <a:t>minimização da função de custo </a:t>
-            </a:r>
-            <a:r>
-              <a:rPr lang="pt-BR" dirty="0" smtClean="0"/>
-              <a:t>é realizada iterativamente com a retropropagação do </a:t>
-            </a:r>
-            <a:r>
-              <a:rPr lang="pt-BR" dirty="0" smtClean="0"/>
-              <a:t>erro até que não haja mais melhoria na performance da rede neural.</a:t>
-            </a:r>
-            <a:endParaRPr lang="pt-BR" dirty="0" smtClean="0"/>
-          </a:p>
-          <a:p>
-            <a:r>
-              <a:rPr lang="pt-BR" dirty="0" smtClean="0"/>
-              <a:t>Analisamos como a </a:t>
-            </a:r>
+          </a:p>
+          <a:p>
             <a:r>
               <a:rPr lang="pt-BR" dirty="0"/>
-              <a:t>retropropagação </a:t>
-            </a:r>
-            <a:r>
-              <a:rPr lang="pt-BR" dirty="0" smtClean="0"/>
-              <a:t>funciona através de um exemplo.</a:t>
+              <a:t>Aprendemos que a minimização da função de custo é realizada iterativamente com a retropropagação do erro até que não haja mais melhoria na performance da rede neural.</a:t>
             </a:r>
           </a:p>
           <a:p>
             <a:r>
               <a:rPr lang="pt-BR" dirty="0"/>
-              <a:t>Nesta </a:t>
-            </a:r>
-            <a:r>
-              <a:rPr lang="pt-BR" dirty="0" smtClean="0"/>
-              <a:t>aula</a:t>
-            </a:r>
+              <a:t>Analisamos como a retropropagação funciona através de um exemplo.</a:t>
+            </a:r>
+          </a:p>
+          <a:p>
             <a:r>
               <a:rPr lang="pt-BR" dirty="0"/>
-              <a:t>, </a:t>
-            </a:r>
-            <a:r>
-              <a:rPr lang="pt-BR" dirty="0" smtClean="0"/>
-              <a:t>iremos discutir algumas </a:t>
-            </a:r>
-            <a:r>
-              <a:rPr lang="pt-BR" dirty="0"/>
-              <a:t>visões práticas </a:t>
-            </a:r>
-            <a:r>
-              <a:rPr lang="pt-BR" dirty="0" smtClean="0"/>
-              <a:t>para o treinamento de redes neurais.</a:t>
+              <a:t>Nesta aula, iremos discutir algumas visões práticas para o treinamento de redes neurais.</a:t>
             </a:r>
           </a:p>
         </p:txBody>
@@ -11713,7 +11074,7 @@
           <p:cNvPr id="4" name="Título 1">
             <a:extLst>
               <a:ext uri="{FF2B5EF4-FFF2-40B4-BE49-F238E27FC236}">
-                <a16:creationId xmlns="" xmlns:a16="http://schemas.microsoft.com/office/drawing/2014/main" id="{32666AC8-2E17-4DB4-B0F5-60C640CCFD2E}"/>
+                <a16:creationId xmlns:a16="http://schemas.microsoft.com/office/drawing/2014/main" id="{32666AC8-2E17-4DB4-B0F5-60C640CCFD2E}"/>
               </a:ext>
             </a:extLst>
           </p:cNvPr>
@@ -13506,6 +12867,954 @@
 </p:sld>
 </file>
 
+<file path=ppt/slides/slide23.xml><?xml version="1.0" encoding="utf-8"?>
+<p:sld xmlns:a="http://schemas.openxmlformats.org/drawingml/2006/main" xmlns:r="http://schemas.openxmlformats.org/officeDocument/2006/relationships" xmlns:p="http://schemas.openxmlformats.org/presentationml/2006/main">
+  <p:cSld>
+    <p:spTree>
+      <p:nvGrpSpPr>
+        <p:cNvPr id="1" name=""/>
+        <p:cNvGrpSpPr/>
+        <p:nvPr/>
+      </p:nvGrpSpPr>
+      <p:grpSpPr>
+        <a:xfrm>
+          <a:off x="0" y="0"/>
+          <a:ext cx="0" cy="0"/>
+          <a:chOff x="0" y="0"/>
+          <a:chExt cx="0" cy="0"/>
+        </a:xfrm>
+      </p:grpSpPr>
+      <p:sp>
+        <p:nvSpPr>
+          <p:cNvPr id="2" name="Title 1"/>
+          <p:cNvSpPr>
+            <a:spLocks noGrp="1"/>
+          </p:cNvSpPr>
+          <p:nvPr>
+            <p:ph type="title"/>
+          </p:nvPr>
+        </p:nvSpPr>
+        <p:spPr>
+          <a:xfrm>
+            <a:off x="838200" y="365125"/>
+            <a:ext cx="12128770" cy="1325563"/>
+          </a:xfrm>
+        </p:spPr>
+        <p:txBody>
+          <a:bodyPr/>
+          <a:lstStyle/>
+          <a:p>
+            <a:r>
+              <a:rPr lang="pt-BR" dirty="0"/>
+              <a:t>Algumas visões práticas de algoritmos de aprendizado</a:t>
+            </a:r>
+          </a:p>
+        </p:txBody>
+      </p:sp>
+      <mc:AlternateContent xmlns:mc="http://schemas.openxmlformats.org/markup-compatibility/2006">
+        <mc:Choice xmlns:a14="http://schemas.microsoft.com/office/drawing/2010/main" Requires="a14">
+          <p:sp>
+            <p:nvSpPr>
+              <p:cNvPr id="3" name="Content Placeholder 2"/>
+              <p:cNvSpPr>
+                <a:spLocks noGrp="1"/>
+              </p:cNvSpPr>
+              <p:nvPr>
+                <p:ph idx="1"/>
+              </p:nvPr>
+            </p:nvSpPr>
+            <p:spPr>
+              <a:xfrm>
+                <a:off x="838200" y="1825624"/>
+                <a:ext cx="11168270" cy="5032375"/>
+              </a:xfrm>
+            </p:spPr>
+            <p:txBody>
+              <a:bodyPr>
+                <a:normAutofit/>
+              </a:bodyPr>
+              <a:lstStyle/>
+              <a:p>
+                <a:pPr marL="0" indent="0">
+                  <a:buNone/>
+                </a:pPr>
+                <a:r>
+                  <a:rPr lang="pt-BR" sz="2000" b="1" dirty="0"/>
+                  <a:t>Versão Online</a:t>
+                </a:r>
+                <a:endParaRPr lang="pt-BR" sz="2000" dirty="0"/>
+              </a:p>
+              <a:p>
+                <a:pPr marL="0" indent="0" algn="ctr">
+                  <a:buNone/>
+                </a:pPr>
+                <a14:m>
+                  <m:oMathPara xmlns:m="http://schemas.openxmlformats.org/officeDocument/2006/math">
+                    <m:oMathParaPr>
+                      <m:jc m:val="centerGroup"/>
+                    </m:oMathParaPr>
+                    <m:oMath xmlns:m="http://schemas.openxmlformats.org/officeDocument/2006/math">
+                      <m:f>
+                        <m:fPr>
+                          <m:ctrlPr>
+                            <a:rPr lang="pt-BR" sz="2000" i="1">
+                              <a:latin typeface="Cambria Math" panose="02040503050406030204" pitchFamily="18" charset="0"/>
+                            </a:rPr>
+                          </m:ctrlPr>
+                        </m:fPr>
+                        <m:num>
+                          <m:r>
+                            <a:rPr lang="pt-BR" sz="2000" i="1">
+                              <a:latin typeface="Cambria Math" panose="02040503050406030204" pitchFamily="18" charset="0"/>
+                            </a:rPr>
+                            <m:t>𝜕</m:t>
+                          </m:r>
+                          <m:r>
+                            <a:rPr lang="pt-BR" sz="2000" i="1">
+                              <a:latin typeface="Cambria Math" panose="02040503050406030204" pitchFamily="18" charset="0"/>
+                            </a:rPr>
+                            <m:t>𝐽</m:t>
+                          </m:r>
+                          <m:d>
+                            <m:dPr>
+                              <m:ctrlPr>
+                                <a:rPr lang="pt-BR" sz="2000" i="1">
+                                  <a:latin typeface="Cambria Math" panose="02040503050406030204" pitchFamily="18" charset="0"/>
+                                </a:rPr>
+                              </m:ctrlPr>
+                            </m:dPr>
+                            <m:e>
+                              <m:r>
+                                <a:rPr lang="pt-BR" sz="2000" b="1" i="1" smtClean="0">
+                                  <a:latin typeface="Cambria Math" panose="02040503050406030204" pitchFamily="18" charset="0"/>
+                                </a:rPr>
+                                <m:t>𝒙</m:t>
+                              </m:r>
+                              <m:r>
+                                <a:rPr lang="pt-BR" sz="2000" b="0" i="1" smtClean="0">
+                                  <a:latin typeface="Cambria Math" panose="02040503050406030204" pitchFamily="18" charset="0"/>
+                                </a:rPr>
+                                <m:t>(</m:t>
+                              </m:r>
+                              <m:r>
+                                <a:rPr lang="pt-BR" sz="2000" b="0" i="1" smtClean="0">
+                                  <a:latin typeface="Cambria Math" panose="02040503050406030204" pitchFamily="18" charset="0"/>
+                                </a:rPr>
+                                <m:t>𝑛</m:t>
+                              </m:r>
+                              <m:r>
+                                <a:rPr lang="pt-BR" sz="2000" b="0" i="1" smtClean="0">
+                                  <a:latin typeface="Cambria Math" panose="02040503050406030204" pitchFamily="18" charset="0"/>
+                                </a:rPr>
+                                <m:t>)</m:t>
+                              </m:r>
+                              <m:r>
+                                <a:rPr lang="pt-BR" sz="2000" b="1" i="1" smtClean="0">
+                                  <a:latin typeface="Cambria Math" panose="02040503050406030204" pitchFamily="18" charset="0"/>
+                                </a:rPr>
+                                <m:t> | </m:t>
+                              </m:r>
+                              <m:r>
+                                <a:rPr lang="pt-BR" sz="2000" b="1" i="1" smtClean="0">
+                                  <a:latin typeface="Cambria Math" panose="02040503050406030204" pitchFamily="18" charset="0"/>
+                                </a:rPr>
+                                <m:t>𝒘</m:t>
+                              </m:r>
+                              <m:r>
+                                <a:rPr lang="pt-BR" sz="2000" b="0" i="1" smtClean="0">
+                                  <a:latin typeface="Cambria Math" panose="02040503050406030204" pitchFamily="18" charset="0"/>
+                                </a:rPr>
+                                <m:t>(</m:t>
+                              </m:r>
+                              <m:r>
+                                <a:rPr lang="pt-BR" sz="2000" b="0" i="1" smtClean="0">
+                                  <a:latin typeface="Cambria Math" panose="02040503050406030204" pitchFamily="18" charset="0"/>
+                                </a:rPr>
+                                <m:t>𝑘</m:t>
+                              </m:r>
+                              <m:r>
+                                <a:rPr lang="pt-BR" sz="2000" b="0" i="1" smtClean="0">
+                                  <a:latin typeface="Cambria Math" panose="02040503050406030204" pitchFamily="18" charset="0"/>
+                                </a:rPr>
+                                <m:t>)</m:t>
+                              </m:r>
+                            </m:e>
+                          </m:d>
+                        </m:num>
+                        <m:den>
+                          <m:r>
+                            <a:rPr lang="pt-BR" sz="2000" i="1">
+                              <a:latin typeface="Cambria Math" panose="02040503050406030204" pitchFamily="18" charset="0"/>
+                            </a:rPr>
+                            <m:t>𝜕</m:t>
+                          </m:r>
+                          <m:sSubSup>
+                            <m:sSubSupPr>
+                              <m:ctrlPr>
+                                <a:rPr lang="pt-BR" sz="2000" i="1">
+                                  <a:latin typeface="Cambria Math" panose="02040503050406030204" pitchFamily="18" charset="0"/>
+                                </a:rPr>
+                              </m:ctrlPr>
+                            </m:sSubSupPr>
+                            <m:e>
+                              <m:r>
+                                <a:rPr lang="pt-BR" sz="2000" i="1">
+                                  <a:latin typeface="Cambria Math" panose="02040503050406030204" pitchFamily="18" charset="0"/>
+                                </a:rPr>
+                                <m:t>𝑤</m:t>
+                              </m:r>
+                            </m:e>
+                            <m:sub>
+                              <m:r>
+                                <a:rPr lang="pt-BR" sz="2000" i="1">
+                                  <a:latin typeface="Cambria Math" panose="02040503050406030204" pitchFamily="18" charset="0"/>
+                                </a:rPr>
+                                <m:t>𝑖</m:t>
+                              </m:r>
+                              <m:r>
+                                <a:rPr lang="pt-BR" sz="2000" i="1">
+                                  <a:latin typeface="Cambria Math" panose="02040503050406030204" pitchFamily="18" charset="0"/>
+                                </a:rPr>
+                                <m:t>,</m:t>
+                              </m:r>
+                              <m:r>
+                                <a:rPr lang="pt-BR" sz="2000" i="1">
+                                  <a:latin typeface="Cambria Math" panose="02040503050406030204" pitchFamily="18" charset="0"/>
+                                </a:rPr>
+                                <m:t>𝑗</m:t>
+                              </m:r>
+                            </m:sub>
+                            <m:sup>
+                              <m:r>
+                                <a:rPr lang="pt-BR" sz="2000" i="1">
+                                  <a:latin typeface="Cambria Math" panose="02040503050406030204" pitchFamily="18" charset="0"/>
+                                </a:rPr>
+                                <m:t>𝑚</m:t>
+                              </m:r>
+                            </m:sup>
+                          </m:sSubSup>
+                        </m:den>
+                      </m:f>
+                      <m:r>
+                        <a:rPr lang="pt-BR" sz="2000" b="0" i="1" smtClean="0">
+                          <a:latin typeface="Cambria Math" panose="02040503050406030204" pitchFamily="18" charset="0"/>
+                        </a:rPr>
+                        <m:t>=</m:t>
+                      </m:r>
+                      <m:f>
+                        <m:fPr>
+                          <m:ctrlPr>
+                            <a:rPr lang="pt-BR" sz="2000" i="1">
+                              <a:latin typeface="Cambria Math" panose="02040503050406030204" pitchFamily="18" charset="0"/>
+                            </a:rPr>
+                          </m:ctrlPr>
+                        </m:fPr>
+                        <m:num>
+                          <m:r>
+                            <a:rPr lang="pt-BR" sz="2000" i="1">
+                              <a:latin typeface="Cambria Math" panose="02040503050406030204" pitchFamily="18" charset="0"/>
+                            </a:rPr>
+                            <m:t>1</m:t>
+                          </m:r>
+                        </m:num>
+                        <m:den>
+                          <m:sSub>
+                            <m:sSubPr>
+                              <m:ctrlPr>
+                                <a:rPr lang="pt-BR" sz="2000" i="1">
+                                  <a:latin typeface="Cambria Math" panose="02040503050406030204" pitchFamily="18" charset="0"/>
+                                </a:rPr>
+                              </m:ctrlPr>
+                            </m:sSubPr>
+                            <m:e>
+                              <m:r>
+                                <a:rPr lang="pt-BR" sz="2000" i="1">
+                                  <a:latin typeface="Cambria Math" panose="02040503050406030204" pitchFamily="18" charset="0"/>
+                                </a:rPr>
+                                <m:t>𝑁</m:t>
+                              </m:r>
+                            </m:e>
+                            <m:sub>
+                              <m:r>
+                                <a:rPr lang="pt-BR" sz="2000" i="1">
+                                  <a:latin typeface="Cambria Math" panose="02040503050406030204" pitchFamily="18" charset="0"/>
+                                </a:rPr>
+                                <m:t>𝑀</m:t>
+                              </m:r>
+                            </m:sub>
+                          </m:sSub>
+                        </m:den>
+                      </m:f>
+                      <m:nary>
+                        <m:naryPr>
+                          <m:chr m:val="∑"/>
+                          <m:ctrlPr>
+                            <a:rPr lang="pt-BR" sz="2000" i="1">
+                              <a:latin typeface="Cambria Math" panose="02040503050406030204" pitchFamily="18" charset="0"/>
+                            </a:rPr>
+                          </m:ctrlPr>
+                        </m:naryPr>
+                        <m:sub>
+                          <m:r>
+                            <m:rPr>
+                              <m:brk m:alnAt="23"/>
+                            </m:rPr>
+                            <a:rPr lang="pt-BR" sz="2000" i="1">
+                              <a:latin typeface="Cambria Math" panose="02040503050406030204" pitchFamily="18" charset="0"/>
+                            </a:rPr>
+                            <m:t>𝑗</m:t>
+                          </m:r>
+                          <m:r>
+                            <a:rPr lang="pt-BR" sz="2000" i="1">
+                              <a:latin typeface="Cambria Math" panose="02040503050406030204" pitchFamily="18" charset="0"/>
+                            </a:rPr>
+                            <m:t>=1</m:t>
+                          </m:r>
+                        </m:sub>
+                        <m:sup>
+                          <m:sSub>
+                            <m:sSubPr>
+                              <m:ctrlPr>
+                                <a:rPr lang="pt-BR" sz="2000" i="1">
+                                  <a:latin typeface="Cambria Math" panose="02040503050406030204" pitchFamily="18" charset="0"/>
+                                </a:rPr>
+                              </m:ctrlPr>
+                            </m:sSubPr>
+                            <m:e>
+                              <m:r>
+                                <a:rPr lang="pt-BR" sz="2000" i="1">
+                                  <a:latin typeface="Cambria Math" panose="02040503050406030204" pitchFamily="18" charset="0"/>
+                                </a:rPr>
+                                <m:t>𝑁</m:t>
+                              </m:r>
+                            </m:e>
+                            <m:sub>
+                              <m:r>
+                                <a:rPr lang="pt-BR" sz="2000" i="1">
+                                  <a:latin typeface="Cambria Math" panose="02040503050406030204" pitchFamily="18" charset="0"/>
+                                </a:rPr>
+                                <m:t>𝑀</m:t>
+                              </m:r>
+                            </m:sub>
+                          </m:sSub>
+                        </m:sup>
+                        <m:e>
+                          <m:f>
+                            <m:fPr>
+                              <m:ctrlPr>
+                                <a:rPr lang="pt-BR" sz="2000" i="1">
+                                  <a:latin typeface="Cambria Math" panose="02040503050406030204" pitchFamily="18" charset="0"/>
+                                </a:rPr>
+                              </m:ctrlPr>
+                            </m:fPr>
+                            <m:num>
+                              <m:r>
+                                <a:rPr lang="pt-BR" sz="2000" i="1">
+                                  <a:latin typeface="Cambria Math" panose="02040503050406030204" pitchFamily="18" charset="0"/>
+                                </a:rPr>
+                                <m:t>𝜕</m:t>
+                              </m:r>
+                              <m:sSup>
+                                <m:sSupPr>
+                                  <m:ctrlPr>
+                                    <a:rPr lang="pt-BR" sz="2000" i="1" smtClean="0">
+                                      <a:latin typeface="Cambria Math" panose="02040503050406030204" pitchFamily="18" charset="0"/>
+                                    </a:rPr>
+                                  </m:ctrlPr>
+                                </m:sSupPr>
+                                <m:e>
+                                  <m:d>
+                                    <m:dPr>
+                                      <m:ctrlPr>
+                                        <a:rPr lang="pt-BR" sz="2000" i="1" smtClean="0">
+                                          <a:latin typeface="Cambria Math" panose="02040503050406030204" pitchFamily="18" charset="0"/>
+                                        </a:rPr>
+                                      </m:ctrlPr>
+                                    </m:dPr>
+                                    <m:e>
+                                      <m:sSub>
+                                        <m:sSubPr>
+                                          <m:ctrlPr>
+                                            <a:rPr lang="pt-BR" sz="2000" i="1" smtClean="0">
+                                              <a:latin typeface="Cambria Math" panose="02040503050406030204" pitchFamily="18" charset="0"/>
+                                            </a:rPr>
+                                          </m:ctrlPr>
+                                        </m:sSubPr>
+                                        <m:e>
+                                          <m:r>
+                                            <a:rPr lang="pt-BR" sz="2000" b="0" i="1" smtClean="0">
+                                              <a:latin typeface="Cambria Math" panose="02040503050406030204" pitchFamily="18" charset="0"/>
+                                            </a:rPr>
+                                            <m:t>𝑑</m:t>
+                                          </m:r>
+                                        </m:e>
+                                        <m:sub>
+                                          <m:r>
+                                            <a:rPr lang="pt-BR" sz="2000" b="0" i="1" smtClean="0">
+                                              <a:latin typeface="Cambria Math" panose="02040503050406030204" pitchFamily="18" charset="0"/>
+                                            </a:rPr>
+                                            <m:t>𝑗</m:t>
+                                          </m:r>
+                                        </m:sub>
+                                      </m:sSub>
+                                      <m:d>
+                                        <m:dPr>
+                                          <m:ctrlPr>
+                                            <a:rPr lang="pt-BR" sz="2000" b="0" i="1" smtClean="0">
+                                              <a:latin typeface="Cambria Math" panose="02040503050406030204" pitchFamily="18" charset="0"/>
+                                            </a:rPr>
+                                          </m:ctrlPr>
+                                        </m:dPr>
+                                        <m:e>
+                                          <m:r>
+                                            <a:rPr lang="pt-BR" sz="2000" b="0" i="1" smtClean="0">
+                                              <a:latin typeface="Cambria Math" panose="02040503050406030204" pitchFamily="18" charset="0"/>
+                                            </a:rPr>
+                                            <m:t>𝑛</m:t>
+                                          </m:r>
+                                        </m:e>
+                                      </m:d>
+                                      <m:r>
+                                        <a:rPr lang="pt-BR" sz="2000" b="0" i="1" smtClean="0">
+                                          <a:latin typeface="Cambria Math" panose="02040503050406030204" pitchFamily="18" charset="0"/>
+                                        </a:rPr>
+                                        <m:t>−</m:t>
+                                      </m:r>
+                                      <m:sSub>
+                                        <m:sSubPr>
+                                          <m:ctrlPr>
+                                            <a:rPr lang="pt-BR" sz="2000" b="0" i="1" smtClean="0">
+                                              <a:latin typeface="Cambria Math" panose="02040503050406030204" pitchFamily="18" charset="0"/>
+                                            </a:rPr>
+                                          </m:ctrlPr>
+                                        </m:sSubPr>
+                                        <m:e>
+                                          <m:r>
+                                            <a:rPr lang="pt-BR" sz="2000" b="0" i="1" smtClean="0">
+                                              <a:latin typeface="Cambria Math" panose="02040503050406030204" pitchFamily="18" charset="0"/>
+                                            </a:rPr>
+                                            <m:t>𝑦</m:t>
+                                          </m:r>
+                                        </m:e>
+                                        <m:sub>
+                                          <m:r>
+                                            <a:rPr lang="pt-BR" sz="2000" b="0" i="1" smtClean="0">
+                                              <a:latin typeface="Cambria Math" panose="02040503050406030204" pitchFamily="18" charset="0"/>
+                                            </a:rPr>
+                                            <m:t>𝑗</m:t>
+                                          </m:r>
+                                        </m:sub>
+                                      </m:sSub>
+                                      <m:d>
+                                        <m:dPr>
+                                          <m:ctrlPr>
+                                            <a:rPr lang="pt-BR" sz="2000" b="0" i="1" smtClean="0">
+                                              <a:latin typeface="Cambria Math" panose="02040503050406030204" pitchFamily="18" charset="0"/>
+                                            </a:rPr>
+                                          </m:ctrlPr>
+                                        </m:dPr>
+                                        <m:e>
+                                          <m:r>
+                                            <a:rPr lang="pt-BR" sz="2000" b="0" i="1" smtClean="0">
+                                              <a:latin typeface="Cambria Math" panose="02040503050406030204" pitchFamily="18" charset="0"/>
+                                            </a:rPr>
+                                            <m:t>𝑛</m:t>
+                                          </m:r>
+                                        </m:e>
+                                      </m:d>
+                                      <m:r>
+                                        <a:rPr lang="pt-BR" sz="2000" b="1" i="1">
+                                          <a:latin typeface="Cambria Math" panose="02040503050406030204" pitchFamily="18" charset="0"/>
+                                        </a:rPr>
+                                        <m:t>| </m:t>
+                                      </m:r>
+                                      <m:r>
+                                        <a:rPr lang="pt-BR" sz="2000" b="1" i="1">
+                                          <a:latin typeface="Cambria Math" panose="02040503050406030204" pitchFamily="18" charset="0"/>
+                                        </a:rPr>
+                                        <m:t>𝒘</m:t>
+                                      </m:r>
+                                      <m:r>
+                                        <a:rPr lang="pt-BR" sz="2000" i="1">
+                                          <a:latin typeface="Cambria Math" panose="02040503050406030204" pitchFamily="18" charset="0"/>
+                                        </a:rPr>
+                                        <m:t>(</m:t>
+                                      </m:r>
+                                      <m:r>
+                                        <a:rPr lang="pt-BR" sz="2000" i="1">
+                                          <a:latin typeface="Cambria Math" panose="02040503050406030204" pitchFamily="18" charset="0"/>
+                                        </a:rPr>
+                                        <m:t>𝑘</m:t>
+                                      </m:r>
+                                      <m:r>
+                                        <a:rPr lang="pt-BR" sz="2000" i="1">
+                                          <a:latin typeface="Cambria Math" panose="02040503050406030204" pitchFamily="18" charset="0"/>
+                                        </a:rPr>
+                                        <m:t>)</m:t>
+                                      </m:r>
+                                    </m:e>
+                                  </m:d>
+                                </m:e>
+                                <m:sup>
+                                  <m:r>
+                                    <a:rPr lang="pt-BR" sz="2000" b="0" i="1" smtClean="0">
+                                      <a:latin typeface="Cambria Math" panose="02040503050406030204" pitchFamily="18" charset="0"/>
+                                    </a:rPr>
+                                    <m:t>2</m:t>
+                                  </m:r>
+                                </m:sup>
+                              </m:sSup>
+                            </m:num>
+                            <m:den>
+                              <m:r>
+                                <a:rPr lang="pt-BR" sz="2000" i="1">
+                                  <a:latin typeface="Cambria Math" panose="02040503050406030204" pitchFamily="18" charset="0"/>
+                                </a:rPr>
+                                <m:t>𝜕</m:t>
+                              </m:r>
+                              <m:sSubSup>
+                                <m:sSubSupPr>
+                                  <m:ctrlPr>
+                                    <a:rPr lang="pt-BR" sz="2000" i="1">
+                                      <a:latin typeface="Cambria Math" panose="02040503050406030204" pitchFamily="18" charset="0"/>
+                                    </a:rPr>
+                                  </m:ctrlPr>
+                                </m:sSubSupPr>
+                                <m:e>
+                                  <m:r>
+                                    <a:rPr lang="pt-BR" sz="2000" i="1">
+                                      <a:latin typeface="Cambria Math" panose="02040503050406030204" pitchFamily="18" charset="0"/>
+                                    </a:rPr>
+                                    <m:t>𝑤</m:t>
+                                  </m:r>
+                                </m:e>
+                                <m:sub>
+                                  <m:r>
+                                    <a:rPr lang="pt-BR" sz="2000" i="1">
+                                      <a:latin typeface="Cambria Math" panose="02040503050406030204" pitchFamily="18" charset="0"/>
+                                    </a:rPr>
+                                    <m:t>𝑖</m:t>
+                                  </m:r>
+                                  <m:r>
+                                    <a:rPr lang="pt-BR" sz="2000" i="1">
+                                      <a:latin typeface="Cambria Math" panose="02040503050406030204" pitchFamily="18" charset="0"/>
+                                    </a:rPr>
+                                    <m:t>,</m:t>
+                                  </m:r>
+                                  <m:r>
+                                    <a:rPr lang="pt-BR" sz="2000" i="1">
+                                      <a:latin typeface="Cambria Math" panose="02040503050406030204" pitchFamily="18" charset="0"/>
+                                    </a:rPr>
+                                    <m:t>𝑗</m:t>
+                                  </m:r>
+                                </m:sub>
+                                <m:sup>
+                                  <m:r>
+                                    <a:rPr lang="pt-BR" sz="2000" i="1">
+                                      <a:latin typeface="Cambria Math" panose="02040503050406030204" pitchFamily="18" charset="0"/>
+                                    </a:rPr>
+                                    <m:t>𝑚</m:t>
+                                  </m:r>
+                                </m:sup>
+                              </m:sSubSup>
+                            </m:den>
+                          </m:f>
+                        </m:e>
+                      </m:nary>
+                      <m:r>
+                        <a:rPr lang="pt-BR" sz="2000" i="1">
+                          <a:latin typeface="Cambria Math" panose="02040503050406030204" pitchFamily="18" charset="0"/>
+                        </a:rPr>
+                        <m:t>=</m:t>
+                      </m:r>
+                      <m:f>
+                        <m:fPr>
+                          <m:ctrlPr>
+                            <a:rPr lang="pt-BR" sz="2000" i="1" smtClean="0">
+                              <a:latin typeface="Cambria Math" panose="02040503050406030204" pitchFamily="18" charset="0"/>
+                            </a:rPr>
+                          </m:ctrlPr>
+                        </m:fPr>
+                        <m:num>
+                          <m:r>
+                            <a:rPr lang="pt-BR" sz="2000" b="0" i="1" smtClean="0">
+                              <a:latin typeface="Cambria Math" panose="02040503050406030204" pitchFamily="18" charset="0"/>
+                            </a:rPr>
+                            <m:t>1</m:t>
+                          </m:r>
+                        </m:num>
+                        <m:den>
+                          <m:sSub>
+                            <m:sSubPr>
+                              <m:ctrlPr>
+                                <a:rPr lang="pt-BR" sz="2000" i="1">
+                                  <a:latin typeface="Cambria Math" panose="02040503050406030204" pitchFamily="18" charset="0"/>
+                                </a:rPr>
+                              </m:ctrlPr>
+                            </m:sSubPr>
+                            <m:e>
+                              <m:r>
+                                <a:rPr lang="pt-BR" sz="2000" i="1">
+                                  <a:latin typeface="Cambria Math" panose="02040503050406030204" pitchFamily="18" charset="0"/>
+                                </a:rPr>
+                                <m:t>𝑁</m:t>
+                              </m:r>
+                            </m:e>
+                            <m:sub>
+                              <m:r>
+                                <a:rPr lang="pt-BR" sz="2000" i="1">
+                                  <a:latin typeface="Cambria Math" panose="02040503050406030204" pitchFamily="18" charset="0"/>
+                                </a:rPr>
+                                <m:t>𝑀</m:t>
+                              </m:r>
+                            </m:sub>
+                          </m:sSub>
+                        </m:den>
+                      </m:f>
+                      <m:nary>
+                        <m:naryPr>
+                          <m:chr m:val="∑"/>
+                          <m:ctrlPr>
+                            <a:rPr lang="pt-BR" sz="2000" i="1">
+                              <a:latin typeface="Cambria Math" panose="02040503050406030204" pitchFamily="18" charset="0"/>
+                            </a:rPr>
+                          </m:ctrlPr>
+                        </m:naryPr>
+                        <m:sub>
+                          <m:r>
+                            <m:rPr>
+                              <m:brk m:alnAt="23"/>
+                            </m:rPr>
+                            <a:rPr lang="pt-BR" sz="2000" i="1">
+                              <a:latin typeface="Cambria Math" panose="02040503050406030204" pitchFamily="18" charset="0"/>
+                            </a:rPr>
+                            <m:t>𝑗</m:t>
+                          </m:r>
+                          <m:r>
+                            <a:rPr lang="pt-BR" sz="2000" i="1">
+                              <a:latin typeface="Cambria Math" panose="02040503050406030204" pitchFamily="18" charset="0"/>
+                            </a:rPr>
+                            <m:t>=1</m:t>
+                          </m:r>
+                        </m:sub>
+                        <m:sup>
+                          <m:sSub>
+                            <m:sSubPr>
+                              <m:ctrlPr>
+                                <a:rPr lang="pt-BR" sz="2000" i="1">
+                                  <a:latin typeface="Cambria Math" panose="02040503050406030204" pitchFamily="18" charset="0"/>
+                                </a:rPr>
+                              </m:ctrlPr>
+                            </m:sSubPr>
+                            <m:e>
+                              <m:r>
+                                <a:rPr lang="pt-BR" sz="2000" i="1">
+                                  <a:latin typeface="Cambria Math" panose="02040503050406030204" pitchFamily="18" charset="0"/>
+                                </a:rPr>
+                                <m:t>𝑁</m:t>
+                              </m:r>
+                            </m:e>
+                            <m:sub>
+                              <m:r>
+                                <a:rPr lang="pt-BR" sz="2000" i="1">
+                                  <a:latin typeface="Cambria Math" panose="02040503050406030204" pitchFamily="18" charset="0"/>
+                                </a:rPr>
+                                <m:t>𝑀</m:t>
+                              </m:r>
+                            </m:sub>
+                          </m:sSub>
+                        </m:sup>
+                        <m:e>
+                          <m:f>
+                            <m:fPr>
+                              <m:ctrlPr>
+                                <a:rPr lang="pt-BR" sz="2000" i="1">
+                                  <a:latin typeface="Cambria Math" panose="02040503050406030204" pitchFamily="18" charset="0"/>
+                                </a:rPr>
+                              </m:ctrlPr>
+                            </m:fPr>
+                            <m:num>
+                              <m:sSubSup>
+                                <m:sSubSupPr>
+                                  <m:ctrlPr>
+                                    <a:rPr lang="pt-BR" sz="2000" i="1">
+                                      <a:latin typeface="Cambria Math" panose="02040503050406030204" pitchFamily="18" charset="0"/>
+                                    </a:rPr>
+                                  </m:ctrlPr>
+                                </m:sSubSupPr>
+                                <m:e>
+                                  <m:r>
+                                    <a:rPr lang="pt-BR" sz="2000" i="1">
+                                      <a:latin typeface="Cambria Math" panose="02040503050406030204" pitchFamily="18" charset="0"/>
+                                    </a:rPr>
+                                    <m:t>𝜕</m:t>
+                                  </m:r>
+                                  <m:r>
+                                    <a:rPr lang="pt-BR" sz="2000" i="1">
+                                      <a:latin typeface="Cambria Math" panose="02040503050406030204" pitchFamily="18" charset="0"/>
+                                    </a:rPr>
+                                    <m:t>𝑒</m:t>
+                                  </m:r>
+                                </m:e>
+                                <m:sub>
+                                  <m:r>
+                                    <a:rPr lang="pt-BR" sz="2000" i="1">
+                                      <a:latin typeface="Cambria Math" panose="02040503050406030204" pitchFamily="18" charset="0"/>
+                                    </a:rPr>
+                                    <m:t>𝑗</m:t>
+                                  </m:r>
+                                </m:sub>
+                                <m:sup>
+                                  <m:r>
+                                    <a:rPr lang="pt-BR" sz="2000" i="1">
+                                      <a:latin typeface="Cambria Math" panose="02040503050406030204" pitchFamily="18" charset="0"/>
+                                    </a:rPr>
+                                    <m:t>2</m:t>
+                                  </m:r>
+                                </m:sup>
+                              </m:sSubSup>
+                              <m:d>
+                                <m:dPr>
+                                  <m:ctrlPr>
+                                    <a:rPr lang="pt-BR" sz="2000" i="1">
+                                      <a:latin typeface="Cambria Math" panose="02040503050406030204" pitchFamily="18" charset="0"/>
+                                    </a:rPr>
+                                  </m:ctrlPr>
+                                </m:dPr>
+                                <m:e>
+                                  <m:r>
+                                    <a:rPr lang="pt-BR" sz="2000" i="1">
+                                      <a:latin typeface="Cambria Math" panose="02040503050406030204" pitchFamily="18" charset="0"/>
+                                    </a:rPr>
+                                    <m:t>𝑛</m:t>
+                                  </m:r>
+                                  <m:r>
+                                    <a:rPr lang="pt-BR" sz="2000" b="1" i="1">
+                                      <a:latin typeface="Cambria Math" panose="02040503050406030204" pitchFamily="18" charset="0"/>
+                                    </a:rPr>
+                                    <m:t>| </m:t>
+                                  </m:r>
+                                  <m:r>
+                                    <a:rPr lang="pt-BR" sz="2000" b="1" i="1">
+                                      <a:latin typeface="Cambria Math" panose="02040503050406030204" pitchFamily="18" charset="0"/>
+                                    </a:rPr>
+                                    <m:t>𝒘</m:t>
+                                  </m:r>
+                                  <m:r>
+                                    <a:rPr lang="pt-BR" sz="2000" i="1">
+                                      <a:latin typeface="Cambria Math" panose="02040503050406030204" pitchFamily="18" charset="0"/>
+                                    </a:rPr>
+                                    <m:t>(</m:t>
+                                  </m:r>
+                                  <m:r>
+                                    <a:rPr lang="pt-BR" sz="2000" i="1">
+                                      <a:latin typeface="Cambria Math" panose="02040503050406030204" pitchFamily="18" charset="0"/>
+                                    </a:rPr>
+                                    <m:t>𝑘</m:t>
+                                  </m:r>
+                                  <m:r>
+                                    <a:rPr lang="pt-BR" sz="2000" i="1">
+                                      <a:latin typeface="Cambria Math" panose="02040503050406030204" pitchFamily="18" charset="0"/>
+                                    </a:rPr>
+                                    <m:t>)</m:t>
+                                  </m:r>
+                                </m:e>
+                              </m:d>
+                            </m:num>
+                            <m:den>
+                              <m:r>
+                                <a:rPr lang="pt-BR" sz="2000" i="1">
+                                  <a:latin typeface="Cambria Math" panose="02040503050406030204" pitchFamily="18" charset="0"/>
+                                </a:rPr>
+                                <m:t>𝜕</m:t>
+                              </m:r>
+                              <m:sSubSup>
+                                <m:sSubSupPr>
+                                  <m:ctrlPr>
+                                    <a:rPr lang="pt-BR" sz="2000" i="1">
+                                      <a:latin typeface="Cambria Math" panose="02040503050406030204" pitchFamily="18" charset="0"/>
+                                    </a:rPr>
+                                  </m:ctrlPr>
+                                </m:sSubSupPr>
+                                <m:e>
+                                  <m:r>
+                                    <a:rPr lang="pt-BR" sz="2000" i="1">
+                                      <a:latin typeface="Cambria Math" panose="02040503050406030204" pitchFamily="18" charset="0"/>
+                                    </a:rPr>
+                                    <m:t>𝑤</m:t>
+                                  </m:r>
+                                </m:e>
+                                <m:sub>
+                                  <m:r>
+                                    <a:rPr lang="pt-BR" sz="2000" i="1">
+                                      <a:latin typeface="Cambria Math" panose="02040503050406030204" pitchFamily="18" charset="0"/>
+                                    </a:rPr>
+                                    <m:t>𝑖</m:t>
+                                  </m:r>
+                                  <m:r>
+                                    <a:rPr lang="pt-BR" sz="2000" i="1">
+                                      <a:latin typeface="Cambria Math" panose="02040503050406030204" pitchFamily="18" charset="0"/>
+                                    </a:rPr>
+                                    <m:t>,</m:t>
+                                  </m:r>
+                                  <m:r>
+                                    <a:rPr lang="pt-BR" sz="2000" i="1">
+                                      <a:latin typeface="Cambria Math" panose="02040503050406030204" pitchFamily="18" charset="0"/>
+                                    </a:rPr>
+                                    <m:t>𝑗</m:t>
+                                  </m:r>
+                                </m:sub>
+                                <m:sup>
+                                  <m:r>
+                                    <a:rPr lang="pt-BR" sz="2000" i="1">
+                                      <a:latin typeface="Cambria Math" panose="02040503050406030204" pitchFamily="18" charset="0"/>
+                                    </a:rPr>
+                                    <m:t>𝑚</m:t>
+                                  </m:r>
+                                </m:sup>
+                              </m:sSubSup>
+                            </m:den>
+                          </m:f>
+                        </m:e>
+                      </m:nary>
+                      <m:r>
+                        <a:rPr lang="pt-BR" sz="2000" b="0" i="1" smtClean="0">
+                          <a:latin typeface="Cambria Math" panose="02040503050406030204" pitchFamily="18" charset="0"/>
+                        </a:rPr>
+                        <m:t>=</m:t>
+                      </m:r>
+                      <m:r>
+                        <a:rPr lang="pt-BR" sz="2000" i="1">
+                          <a:latin typeface="Cambria Math" panose="02040503050406030204" pitchFamily="18" charset="0"/>
+                          <a:ea typeface="Cambria Math" panose="02040503050406030204" pitchFamily="18" charset="0"/>
+                        </a:rPr>
+                        <m:t>𝛻</m:t>
+                      </m:r>
+                      <m:sSub>
+                        <m:sSubPr>
+                          <m:ctrlPr>
+                            <a:rPr lang="pt-BR" sz="2000" i="1">
+                              <a:latin typeface="Cambria Math" panose="02040503050406030204" pitchFamily="18" charset="0"/>
+                            </a:rPr>
+                          </m:ctrlPr>
+                        </m:sSubPr>
+                        <m:e>
+                          <m:r>
+                            <a:rPr lang="pt-BR" sz="2000" i="1">
+                              <a:latin typeface="Cambria Math" panose="02040503050406030204" pitchFamily="18" charset="0"/>
+                            </a:rPr>
+                            <m:t>𝐽</m:t>
+                          </m:r>
+                        </m:e>
+                        <m:sub>
+                          <m:r>
+                            <a:rPr lang="pt-BR" sz="2000" b="0" i="1" smtClean="0">
+                              <a:latin typeface="Cambria Math" panose="02040503050406030204" pitchFamily="18" charset="0"/>
+                            </a:rPr>
+                            <m:t>𝑛</m:t>
+                          </m:r>
+                        </m:sub>
+                      </m:sSub>
+                      <m:d>
+                        <m:dPr>
+                          <m:ctrlPr>
+                            <a:rPr lang="pt-BR" sz="2000" i="1">
+                              <a:latin typeface="Cambria Math" panose="02040503050406030204" pitchFamily="18" charset="0"/>
+                            </a:rPr>
+                          </m:ctrlPr>
+                        </m:dPr>
+                        <m:e>
+                          <m:r>
+                            <a:rPr lang="pt-BR" sz="2000" b="1" i="1">
+                              <a:latin typeface="Cambria Math" panose="02040503050406030204" pitchFamily="18" charset="0"/>
+                            </a:rPr>
+                            <m:t>𝒘</m:t>
+                          </m:r>
+                          <m:r>
+                            <a:rPr lang="pt-BR" sz="2000" i="1">
+                              <a:latin typeface="Cambria Math" panose="02040503050406030204" pitchFamily="18" charset="0"/>
+                            </a:rPr>
+                            <m:t>(</m:t>
+                          </m:r>
+                          <m:r>
+                            <a:rPr lang="pt-BR" sz="2000" i="1">
+                              <a:latin typeface="Cambria Math" panose="02040503050406030204" pitchFamily="18" charset="0"/>
+                            </a:rPr>
+                            <m:t>𝑘</m:t>
+                          </m:r>
+                          <m:r>
+                            <a:rPr lang="pt-BR" sz="2000" i="1">
+                              <a:latin typeface="Cambria Math" panose="02040503050406030204" pitchFamily="18" charset="0"/>
+                            </a:rPr>
+                            <m:t>)</m:t>
+                          </m:r>
+                        </m:e>
+                      </m:d>
+                      <m:r>
+                        <a:rPr lang="pt-BR" sz="2000" b="0" i="1" smtClean="0">
+                          <a:latin typeface="Cambria Math" panose="02040503050406030204" pitchFamily="18" charset="0"/>
+                        </a:rPr>
+                        <m:t>.</m:t>
+                      </m:r>
+                    </m:oMath>
+                  </m:oMathPara>
+                </a14:m>
+                <a:endParaRPr lang="pt-BR" sz="2000" dirty="0"/>
+              </a:p>
+            </p:txBody>
+          </p:sp>
+        </mc:Choice>
+        <mc:Fallback>
+          <p:sp>
+            <p:nvSpPr>
+              <p:cNvPr id="3" name="Content Placeholder 2"/>
+              <p:cNvSpPr>
+                <a:spLocks noGrp="1" noRot="1" noChangeAspect="1" noMove="1" noResize="1" noEditPoints="1" noAdjustHandles="1" noChangeArrowheads="1" noChangeShapeType="1" noTextEdit="1"/>
+              </p:cNvSpPr>
+              <p:nvPr>
+                <p:ph idx="1"/>
+              </p:nvPr>
+            </p:nvSpPr>
+            <p:spPr>
+              <a:xfrm>
+                <a:off x="838200" y="1825624"/>
+                <a:ext cx="11168270" cy="5032375"/>
+              </a:xfrm>
+              <a:blipFill>
+                <a:blip r:embed="rId2"/>
+                <a:stretch>
+                  <a:fillRect l="-600" t="-1211"/>
+                </a:stretch>
+              </a:blipFill>
+            </p:spPr>
+            <p:txBody>
+              <a:bodyPr/>
+              <a:lstStyle/>
+              <a:p>
+                <a:r>
+                  <a:rPr lang="en-US">
+                    <a:noFill/>
+                  </a:rPr>
+                  <a:t> </a:t>
+                </a:r>
+              </a:p>
+            </p:txBody>
+          </p:sp>
+        </mc:Fallback>
+      </mc:AlternateContent>
+    </p:spTree>
+    <p:extLst>
+      <p:ext uri="{BB962C8B-B14F-4D97-AF65-F5344CB8AC3E}">
+        <p14:creationId xmlns:p14="http://schemas.microsoft.com/office/powerpoint/2010/main" val="1671483418"/>
+      </p:ext>
+    </p:extLst>
+  </p:cSld>
+  <p:clrMapOvr>
+    <a:masterClrMapping/>
+  </p:clrMapOvr>
+</p:sld>
+</file>
+
 <file path=ppt/slides/slide3.xml><?xml version="1.0" encoding="utf-8"?>
 <p:sld xmlns:a="http://schemas.openxmlformats.org/drawingml/2006/main" xmlns:r="http://schemas.openxmlformats.org/officeDocument/2006/relationships" xmlns:p="http://schemas.openxmlformats.org/presentationml/2006/main">
   <p:cSld>
@@ -13566,20 +13875,12 @@
           <a:lstStyle/>
           <a:p>
             <a:r>
-              <a:rPr lang="pt-BR" dirty="0" smtClean="0"/>
-              <a:t>Podemos </a:t>
-            </a:r>
-            <a:r>
               <a:rPr lang="pt-BR" dirty="0"/>
-              <a:t>dizer que os </a:t>
+              <a:t>Podemos dizer que os </a:t>
             </a:r>
             <a:r>
               <a:rPr lang="pt-BR" b="1" i="1" dirty="0"/>
-              <a:t>elementos básicos do </a:t>
-            </a:r>
-            <a:r>
-              <a:rPr lang="pt-BR" b="1" i="1" dirty="0" smtClean="0"/>
-              <a:t>aprendizado de máquina </a:t>
+              <a:t>elementos básicos do aprendizado de máquina </a:t>
             </a:r>
             <a:r>
               <a:rPr lang="pt-BR" dirty="0"/>
@@ -13602,12 +13903,8 @@
           </a:p>
           <a:p>
             <a:r>
-              <a:rPr lang="pt-BR" dirty="0" smtClean="0"/>
-              <a:t>Portanto, começamos relembrando sobre a </a:t>
-            </a:r>
-            <a:r>
               <a:rPr lang="pt-BR" dirty="0"/>
-              <a:t>questão do cálculo do </a:t>
+              <a:t>Portanto, começamos relembrando sobre a questão do cálculo do </a:t>
             </a:r>
             <a:r>
               <a:rPr lang="pt-BR" b="1" i="1" dirty="0"/>
@@ -13672,8 +13969,8 @@
           </a:p>
         </p:txBody>
       </p:sp>
-      <mc:AlternateContent xmlns:mc="http://schemas.openxmlformats.org/markup-compatibility/2006">
-        <mc:Choice xmlns:a14="http://schemas.microsoft.com/office/drawing/2010/main" Requires="a14">
+      <mc:AlternateContent xmlns:mc="http://schemas.openxmlformats.org/markup-compatibility/2006" xmlns:a14="http://schemas.microsoft.com/office/drawing/2010/main">
+        <mc:Choice Requires="a14">
           <p:sp>
             <p:nvSpPr>
               <p:cNvPr id="3" name="Content Placeholder 2"/>
@@ -13700,35 +13997,15 @@
                   <a:buNone/>
                 </a:pPr>
                 <a:r>
-                  <a:rPr lang="pt-BR" b="1" dirty="0" smtClean="0"/>
-                  <a:t>Versões </a:t>
-                </a:r>
-                <a:r>
                   <a:rPr lang="pt-BR" b="1" dirty="0"/>
-                  <a:t>Online, Batch e </a:t>
-                </a:r>
-                <a:r>
-                  <a:rPr lang="pt-BR" b="1" dirty="0" smtClean="0"/>
-                  <a:t>Minibatch</a:t>
-                </a:r>
-                <a:endParaRPr lang="pt-BR" dirty="0" smtClean="0"/>
+                  <a:t>Versões Online, Batch e Minibatch</a:t>
+                </a:r>
+                <a:endParaRPr lang="pt-BR" dirty="0"/>
               </a:p>
               <a:p>
                 <a:r>
-                  <a:rPr lang="pt-BR" dirty="0" smtClean="0"/>
-                  <a:t>Conforme vimos anteriormente, </a:t>
-                </a:r>
-                <a:r>
                   <a:rPr lang="pt-BR" dirty="0"/>
-                  <a:t>a base para o aprendizado </a:t>
-                </a:r>
-                <a:r>
-                  <a:rPr lang="pt-BR" dirty="0" smtClean="0"/>
-                  <a:t>de redes </a:t>
-                </a:r>
-                <a:r>
-                  <a:rPr lang="pt-BR" dirty="0"/>
-                  <a:t>MLP é a obtenção do </a:t>
+                  <a:t>Conforme vimos anteriormente, a base para o aprendizado de redes MLP é a obtenção do </a:t>
                 </a:r>
                 <a:r>
                   <a:rPr lang="pt-BR" b="1" i="1" dirty="0"/>
@@ -13752,15 +14029,7 @@
                 </a:r>
                 <a:r>
                   <a:rPr lang="pt-BR" dirty="0"/>
-                  <a:t>que </a:t>
-                </a:r>
-                <a:r>
-                  <a:rPr lang="pt-BR" dirty="0" smtClean="0"/>
-                  <a:t>minimizem </a:t>
-                </a:r>
-                <a:r>
-                  <a:rPr lang="pt-BR" dirty="0"/>
-                  <a:t>a </a:t>
+                  <a:t>que minimizem a </a:t>
                 </a:r>
                 <a:r>
                   <a:rPr lang="pt-BR" b="1" i="1" dirty="0"/>
@@ -13782,26 +14051,14 @@
                 </a:r>
                 <a:r>
                   <a:rPr lang="pt-BR" dirty="0"/>
-                  <a:t> se dá através </a:t>
-                </a:r>
-                <a:r>
-                  <a:rPr lang="pt-BR" dirty="0" smtClean="0"/>
-                  <a:t>do </a:t>
+                  <a:t> se dá através do processo de </a:t>
+                </a:r>
+                <a:r>
+                  <a:rPr lang="pt-BR" b="1" i="1" dirty="0"/>
+                  <a:t>retropropagação do erro</a:t>
                 </a:r>
                 <a:r>
                   <a:rPr lang="pt-BR" dirty="0"/>
-                  <a:t>processo de </a:t>
-                </a:r>
-                <a:r>
-                  <a:rPr lang="pt-BR" b="1" i="1" dirty="0"/>
-                  <a:t>retropropagação </a:t>
-                </a:r>
-                <a:r>
-                  <a:rPr lang="pt-BR" b="1" i="1" dirty="0" smtClean="0"/>
-                  <a:t>do erro</a:t>
-                </a:r>
-                <a:r>
-                  <a:rPr lang="pt-BR" dirty="0" smtClean="0"/>
                   <a:t>, o qual é dividido em duas etapas:</a:t>
                 </a:r>
               </a:p>
@@ -13812,15 +14069,7 @@
                 </a:pPr>
                 <a:r>
                   <a:rPr lang="pt-BR" dirty="0"/>
-                  <a:t>E</a:t>
-                </a:r>
-                <a:r>
-                  <a:rPr lang="pt-BR" dirty="0" smtClean="0"/>
-                  <a:t>tapa direta </a:t>
-                </a:r>
-                <a:r>
-                  <a:rPr lang="pt-BR" dirty="0"/>
-                  <a:t>(</a:t>
+                  <a:t>Etapa direta (</a:t>
                 </a:r>
                 <a:r>
                   <a:rPr lang="pt-BR" b="1" i="1" dirty="0"/>
@@ -13828,19 +14077,7 @@
                 </a:r>
                 <a:r>
                   <a:rPr lang="pt-BR" dirty="0"/>
-                  <a:t>) </a:t>
-                </a:r>
-                <a:r>
-                  <a:rPr lang="pt-BR" dirty="0" smtClean="0"/>
-                  <a:t>onde se apresenta </a:t>
-                </a:r>
-                <a:r>
-                  <a:rPr lang="pt-BR" dirty="0"/>
-                  <a:t>um exemplo </a:t>
-                </a:r>
-                <a:r>
-                  <a:rPr lang="pt-BR" dirty="0" smtClean="0"/>
-                  <a:t>de entrada, </a:t>
+                  <a:t>) onde se apresenta um exemplo de entrada, </a:t>
                 </a:r>
                 <a14:m>
                   <m:oMath xmlns:m="http://schemas.openxmlformats.org/officeDocument/2006/math">
@@ -13853,30 +14090,17 @@
                   </m:oMath>
                 </a14:m>
                 <a:r>
-                  <a:rPr lang="pt-BR" dirty="0" smtClean="0"/>
-                  <a:t>, e obtém-se a </a:t>
-                </a:r>
-                <a:r>
                   <a:rPr lang="pt-BR" dirty="0"/>
-                  <a:t>resposta da </a:t>
-                </a:r>
-                <a:r>
-                  <a:rPr lang="pt-BR" dirty="0" smtClean="0"/>
-                  <a:t>rede e, consequentemente, </a:t>
-                </a:r>
-                <a:r>
-                  <a:rPr lang="pt-BR" dirty="0" smtClean="0"/>
-                  <a:t>o </a:t>
-                </a:r>
-                <a:r>
-                  <a:rPr lang="pt-BR" b="1" i="1" dirty="0" smtClean="0"/>
+                  <a:t>, e obtém-se a resposta da rede e, consequentemente, o </a:t>
+                </a:r>
+                <a:r>
+                  <a:rPr lang="pt-BR" b="1" i="1" dirty="0"/>
                   <a:t>erro de saída</a:t>
                 </a:r>
                 <a:r>
-                  <a:rPr lang="pt-BR" dirty="0" smtClean="0"/>
+                  <a:rPr lang="pt-BR" dirty="0"/>
                   <a:t>.</a:t>
                 </a:r>
-                <a:endParaRPr lang="pt-BR" dirty="0" smtClean="0"/>
               </a:p>
               <a:p>
                 <a:pPr lvl="1">
@@ -13885,34 +14109,21 @@
                 </a:pPr>
                 <a:r>
                   <a:rPr lang="pt-BR" dirty="0"/>
-                  <a:t>E</a:t>
-                </a:r>
-                <a:r>
-                  <a:rPr lang="pt-BR" dirty="0" smtClean="0"/>
-                  <a:t>tapa reversa (</a:t>
-                </a:r>
-                <a:r>
-                  <a:rPr lang="pt-BR" b="1" i="1" dirty="0" smtClean="0"/>
+                  <a:t>Etapa reversa (</a:t>
+                </a:r>
+                <a:r>
+                  <a:rPr lang="pt-BR" b="1" i="1" dirty="0"/>
                   <a:t>retropropagação/backpropagation</a:t>
                 </a:r>
                 <a:r>
-                  <a:rPr lang="pt-BR" dirty="0" smtClean="0"/>
-                  <a:t>) </a:t>
-                </a:r>
-                <a:r>
                   <a:rPr lang="pt-BR" dirty="0"/>
-                  <a:t>em que se calculam as derivadas parciais </a:t>
-                </a:r>
-                <a:r>
-                  <a:rPr lang="pt-BR" dirty="0" smtClean="0"/>
-                  <a:t>necessárias ao longo das camadas da rede.</a:t>
-                </a:r>
-                <a:endParaRPr lang="pt-BR" dirty="0"/>
+                  <a:t>) em que se calculam as derivadas parciais necessárias ao longo das camadas da rede.</a:t>
+                </a:r>
               </a:p>
             </p:txBody>
           </p:sp>
         </mc:Choice>
-        <mc:Fallback>
+        <mc:Fallback xmlns="">
           <p:sp>
             <p:nvSpPr>
               <p:cNvPr id="3" name="Content Placeholder 2"/>
@@ -14021,13 +14232,13 @@
             </p:nvSpPr>
             <p:spPr>
               <a:xfrm>
-                <a:off x="838200" y="1825624"/>
-                <a:ext cx="11168270" cy="5032375"/>
+                <a:off x="838199" y="1825624"/>
+                <a:ext cx="11247783" cy="5032375"/>
               </a:xfrm>
             </p:spPr>
             <p:txBody>
               <a:bodyPr>
-                <a:normAutofit lnSpcReduction="10000"/>
+                <a:normAutofit fontScale="92500" lnSpcReduction="10000"/>
               </a:bodyPr>
               <a:lstStyle/>
               <a:p>
@@ -14035,47 +14246,15 @@
                   <a:buNone/>
                 </a:pPr>
                 <a:r>
-                  <a:rPr lang="pt-BR" b="1" dirty="0" smtClean="0"/>
-                  <a:t>Versões Online</a:t>
-                </a:r>
-                <a:r>
                   <a:rPr lang="pt-BR" b="1" dirty="0"/>
-                  <a:t>, Batch e Minibatch</a:t>
-                </a:r>
-                <a:endParaRPr lang="pt-BR" dirty="0" smtClean="0"/>
+                  <a:t>Versões Online, Batch e Minibatch</a:t>
+                </a:r>
+                <a:endParaRPr lang="pt-BR" dirty="0"/>
               </a:p>
               <a:p>
                 <a:r>
-                  <a:rPr lang="pt-BR" dirty="0" smtClean="0"/>
-                  <a:t>Vimos </a:t>
-                </a:r>
-                <a:r>
                   <a:rPr lang="pt-BR" dirty="0"/>
-                  <a:t>também que se calcula o gradiente associado a cada </a:t>
-                </a:r>
-                <a:r>
-                  <a:rPr lang="pt-BR" dirty="0" smtClean="0"/>
-                  <a:t>exemplo de </a:t>
-                </a:r>
-                <a:r>
-                  <a:rPr lang="pt-BR" dirty="0"/>
-                  <a:t>entrada </a:t>
-                </a:r>
-                <a:r>
-                  <a:rPr lang="pt-BR" dirty="0" smtClean="0"/>
-                  <a:t>e saída da rede e </a:t>
-                </a:r>
-                <a:r>
-                  <a:rPr lang="pt-BR" dirty="0"/>
-                  <a:t>que a </a:t>
-                </a:r>
-                <a:r>
-                  <a:rPr lang="pt-BR" dirty="0" smtClean="0"/>
-                  <a:t>média de </a:t>
-                </a:r>
-                <a:r>
-                  <a:rPr lang="pt-BR" dirty="0"/>
-                  <a:t>todos esses </a:t>
+                  <a:t>Vimos também que se calcula o gradiente associado a cada exemplo de entrada e saída da rede e que a média de todos esses </a:t>
                 </a:r>
                 <a:r>
                   <a:rPr lang="pt-BR" b="1" i="1" dirty="0"/>
@@ -14083,17 +14262,8 @@
                 </a:r>
                 <a:r>
                   <a:rPr lang="pt-BR" dirty="0"/>
-                  <a:t> leva ao gradiente estimado para o conjunto </a:t>
-                </a:r>
-                <a:r>
-                  <a:rPr lang="pt-BR" dirty="0" smtClean="0"/>
-                  <a:t>total de </a:t>
-                </a:r>
-                <a:r>
-                  <a:rPr lang="pt-BR" dirty="0" smtClean="0"/>
-                  <a:t>exemplos.</a:t>
-                </a:r>
-                <a:endParaRPr lang="pt-BR" dirty="0"/>
+                  <a:t> leva ao gradiente estimado para o conjunto total de exemplos.</a:t>
+                </a:r>
               </a:p>
               <a:p>
                 <a:pPr marL="0" indent="0" algn="ctr">
@@ -14574,31 +14744,6 @@
                               </m:r>
                             </m:sub>
                           </m:sSub>
-                          <m:sSub>
-                            <m:sSubPr>
-                              <m:ctrlPr>
-                                <a:rPr lang="pt-BR" sz="2400" i="1">
-                                  <a:latin typeface="Cambria Math" panose="02040503050406030204" pitchFamily="18" charset="0"/>
-                                </a:rPr>
-                              </m:ctrlPr>
-                            </m:sSubPr>
-                            <m:e>
-                              <m:r>
-                                <a:rPr lang="pt-BR" sz="2400" i="1">
-                                  <a:latin typeface="Cambria Math" panose="02040503050406030204" pitchFamily="18" charset="0"/>
-                                </a:rPr>
-                                <m:t>𝑁</m:t>
-                              </m:r>
-                            </m:e>
-                            <m:sub>
-                              <m:r>
-                                <a:rPr lang="pt-BR" sz="2400" i="1">
-                                  <a:latin typeface="Cambria Math" panose="02040503050406030204" pitchFamily="18" charset="0"/>
-                                </a:rPr>
-                                <m:t>𝑀</m:t>
-                              </m:r>
-                            </m:sub>
-                          </m:sSub>
                         </m:den>
                       </m:f>
                       <m:nary>
@@ -14658,128 +14803,55 @@
                           </m:sSub>
                         </m:sup>
                         <m:e>
-                          <m:nary>
-                            <m:naryPr>
-                              <m:chr m:val="∑"/>
+                          <m:r>
+                            <a:rPr lang="pt-BR" sz="2400" i="1">
+                              <a:latin typeface="Cambria Math" panose="02040503050406030204" pitchFamily="18" charset="0"/>
+                              <a:ea typeface="Cambria Math" panose="02040503050406030204" pitchFamily="18" charset="0"/>
+                            </a:rPr>
+                            <m:t>𝛻</m:t>
+                          </m:r>
+                          <m:sSub>
+                            <m:sSubPr>
                               <m:ctrlPr>
                                 <a:rPr lang="pt-BR" sz="2400" i="1">
                                   <a:latin typeface="Cambria Math" panose="02040503050406030204" pitchFamily="18" charset="0"/>
                                 </a:rPr>
                               </m:ctrlPr>
-                            </m:naryPr>
-                            <m:sub>
-                              <m:r>
-                                <m:rPr>
-                                  <m:brk m:alnAt="23"/>
-                                </m:rPr>
-                                <a:rPr lang="pt-BR" sz="2400" i="1">
-                                  <a:latin typeface="Cambria Math" panose="02040503050406030204" pitchFamily="18" charset="0"/>
-                                </a:rPr>
-                                <m:t>𝑗</m:t>
-                              </m:r>
+                            </m:sSubPr>
+                            <m:e>
                               <m:r>
                                 <a:rPr lang="pt-BR" sz="2400" i="1">
                                   <a:latin typeface="Cambria Math" panose="02040503050406030204" pitchFamily="18" charset="0"/>
                                 </a:rPr>
-                                <m:t>=1</m:t>
+                                <m:t>𝐽</m:t>
+                              </m:r>
+                            </m:e>
+                            <m:sub>
+                              <m:r>
+                                <a:rPr lang="pt-BR" sz="2400" b="0" i="1" smtClean="0">
+                                  <a:latin typeface="Cambria Math" panose="02040503050406030204" pitchFamily="18" charset="0"/>
+                                </a:rPr>
+                                <m:t>𝑛</m:t>
                               </m:r>
                             </m:sub>
-                            <m:sup>
-                              <m:sSub>
-                                <m:sSubPr>
-                                  <m:ctrlPr>
-                                    <a:rPr lang="pt-BR" sz="2400" i="1">
-                                      <a:latin typeface="Cambria Math" panose="02040503050406030204" pitchFamily="18" charset="0"/>
-                                    </a:rPr>
-                                  </m:ctrlPr>
-                                </m:sSubPr>
-                                <m:e>
-                                  <m:r>
-                                    <a:rPr lang="pt-BR" sz="2400" i="1">
-                                      <a:latin typeface="Cambria Math" panose="02040503050406030204" pitchFamily="18" charset="0"/>
-                                    </a:rPr>
-                                    <m:t>𝑁</m:t>
-                                  </m:r>
-                                </m:e>
-                                <m:sub>
-                                  <m:r>
-                                    <a:rPr lang="pt-BR" sz="2400" i="1">
-                                      <a:latin typeface="Cambria Math" panose="02040503050406030204" pitchFamily="18" charset="0"/>
-                                    </a:rPr>
-                                    <m:t>𝑀</m:t>
-                                  </m:r>
-                                </m:sub>
-                              </m:sSub>
-                            </m:sup>
+                          </m:sSub>
+                          <m:d>
+                            <m:dPr>
+                              <m:ctrlPr>
+                                <a:rPr lang="pt-BR" sz="2400" i="1">
+                                  <a:latin typeface="Cambria Math" panose="02040503050406030204" pitchFamily="18" charset="0"/>
+                                </a:rPr>
+                              </m:ctrlPr>
+                            </m:dPr>
                             <m:e>
                               <m:r>
-                                <a:rPr lang="pt-BR" sz="2400" i="1">
+                                <a:rPr lang="pt-BR" sz="2400" b="1" i="1">
                                   <a:latin typeface="Cambria Math" panose="02040503050406030204" pitchFamily="18" charset="0"/>
-                                  <a:ea typeface="Cambria Math" panose="02040503050406030204" pitchFamily="18" charset="0"/>
                                 </a:rPr>
-                                <m:t>𝛻</m:t>
+                                <m:t>𝒘</m:t>
                               </m:r>
-                              <m:sSub>
-                                <m:sSubPr>
-                                  <m:ctrlPr>
-                                    <a:rPr lang="pt-BR" sz="2400" i="1">
-                                      <a:latin typeface="Cambria Math" panose="02040503050406030204" pitchFamily="18" charset="0"/>
-                                    </a:rPr>
-                                  </m:ctrlPr>
-                                </m:sSubPr>
-                                <m:e>
-                                  <m:r>
-                                    <a:rPr lang="pt-BR" sz="2400" i="1">
-                                      <a:latin typeface="Cambria Math" panose="02040503050406030204" pitchFamily="18" charset="0"/>
-                                    </a:rPr>
-                                    <m:t>𝐽</m:t>
-                                  </m:r>
-                                </m:e>
-                                <m:sub>
-                                  <m:r>
-                                    <a:rPr lang="pt-BR" sz="2400" b="0" i="1" smtClean="0">
-                                      <a:latin typeface="Cambria Math" panose="02040503050406030204" pitchFamily="18" charset="0"/>
-                                    </a:rPr>
-                                    <m:t>𝑗</m:t>
-                                  </m:r>
-                                </m:sub>
-                              </m:sSub>
-                              <m:d>
-                                <m:dPr>
-                                  <m:ctrlPr>
-                                    <a:rPr lang="pt-BR" sz="2400" i="1">
-                                      <a:latin typeface="Cambria Math" panose="02040503050406030204" pitchFamily="18" charset="0"/>
-                                    </a:rPr>
-                                  </m:ctrlPr>
-                                </m:dPr>
-                                <m:e>
-                                  <m:r>
-                                    <a:rPr lang="pt-BR" sz="2400" b="1" i="1">
-                                      <a:latin typeface="Cambria Math" panose="02040503050406030204" pitchFamily="18" charset="0"/>
-                                    </a:rPr>
-                                    <m:t>𝒘</m:t>
-                                  </m:r>
-                                  <m:d>
-                                    <m:dPr>
-                                      <m:ctrlPr>
-                                        <a:rPr lang="pt-BR" sz="2400" b="1" i="1">
-                                          <a:latin typeface="Cambria Math" panose="02040503050406030204" pitchFamily="18" charset="0"/>
-                                        </a:rPr>
-                                      </m:ctrlPr>
-                                    </m:dPr>
-                                    <m:e>
-                                      <m:r>
-                                        <a:rPr lang="pt-BR" sz="2400" i="1">
-                                          <a:latin typeface="Cambria Math" panose="02040503050406030204" pitchFamily="18" charset="0"/>
-                                        </a:rPr>
-                                        <m:t>𝑛</m:t>
-                                      </m:r>
-                                    </m:e>
-                                  </m:d>
-                                </m:e>
-                              </m:d>
                             </m:e>
-                          </m:nary>
+                          </m:d>
                         </m:e>
                       </m:nary>
                       <m:r>
@@ -14800,107 +14872,19 @@
                 </a:r>
                 <a:r>
                   <a:rPr lang="pt-BR" b="1" i="1" dirty="0"/>
-                  <a:t>gradiente </a:t>
-                </a:r>
-                <a:r>
-                  <a:rPr lang="pt-BR" b="1" i="1" dirty="0" smtClean="0"/>
-                  <a:t>local</a:t>
-                </a:r>
-                <a:r>
-                  <a:rPr lang="pt-BR" dirty="0" smtClean="0"/>
+                  <a:t>gradiente local</a:t>
+                </a:r>
+                <a:r>
+                  <a:rPr lang="pt-BR" dirty="0"/>
                   <a:t>,</a:t>
                 </a:r>
                 <a:r>
-                  <a:rPr lang="pt-BR" b="1" i="1" dirty="0" smtClean="0"/>
+                  <a:rPr lang="pt-BR" b="1" i="1" dirty="0"/>
                   <a:t> </a:t>
                 </a:r>
-                <a14:m>
-                  <m:oMath xmlns:m="http://schemas.openxmlformats.org/officeDocument/2006/math">
-                    <m:r>
-                      <a:rPr lang="pt-BR" sz="2400" i="1">
-                        <a:latin typeface="Cambria Math" panose="02040503050406030204" pitchFamily="18" charset="0"/>
-                        <a:ea typeface="Cambria Math" panose="02040503050406030204" pitchFamily="18" charset="0"/>
-                      </a:rPr>
-                      <m:t>𝛻</m:t>
-                    </m:r>
-                    <m:sSub>
-                      <m:sSubPr>
-                        <m:ctrlPr>
-                          <a:rPr lang="pt-BR" sz="2400" i="1">
-                            <a:latin typeface="Cambria Math" panose="02040503050406030204" pitchFamily="18" charset="0"/>
-                          </a:rPr>
-                        </m:ctrlPr>
-                      </m:sSubPr>
-                      <m:e>
-                        <m:r>
-                          <a:rPr lang="pt-BR" sz="2400" i="1">
-                            <a:latin typeface="Cambria Math" panose="02040503050406030204" pitchFamily="18" charset="0"/>
-                          </a:rPr>
-                          <m:t>𝐽</m:t>
-                        </m:r>
-                      </m:e>
-                      <m:sub>
-                        <m:r>
-                          <a:rPr lang="pt-BR" sz="2400" i="1">
-                            <a:latin typeface="Cambria Math" panose="02040503050406030204" pitchFamily="18" charset="0"/>
-                          </a:rPr>
-                          <m:t>𝑗</m:t>
-                        </m:r>
-                      </m:sub>
-                    </m:sSub>
-                    <m:d>
-                      <m:dPr>
-                        <m:ctrlPr>
-                          <a:rPr lang="pt-BR" sz="2400" i="1">
-                            <a:latin typeface="Cambria Math" panose="02040503050406030204" pitchFamily="18" charset="0"/>
-                          </a:rPr>
-                        </m:ctrlPr>
-                      </m:dPr>
-                      <m:e>
-                        <m:r>
-                          <a:rPr lang="pt-BR" sz="2400" b="1" i="1">
-                            <a:latin typeface="Cambria Math" panose="02040503050406030204" pitchFamily="18" charset="0"/>
-                          </a:rPr>
-                          <m:t>𝒘</m:t>
-                        </m:r>
-                        <m:d>
-                          <m:dPr>
-                            <m:ctrlPr>
-                              <a:rPr lang="pt-BR" sz="2400" b="1" i="1">
-                                <a:latin typeface="Cambria Math" panose="02040503050406030204" pitchFamily="18" charset="0"/>
-                              </a:rPr>
-                            </m:ctrlPr>
-                          </m:dPr>
-                          <m:e>
-                            <m:r>
-                              <a:rPr lang="pt-BR" sz="2400" i="1">
-                                <a:latin typeface="Cambria Math" panose="02040503050406030204" pitchFamily="18" charset="0"/>
-                              </a:rPr>
-                              <m:t>𝑛</m:t>
-                            </m:r>
-                          </m:e>
-                        </m:d>
-                      </m:e>
-                    </m:d>
-                    <m:r>
-                      <a:rPr lang="pt-BR" sz="2400" b="1" i="1" smtClean="0">
-                        <a:latin typeface="Cambria Math" panose="02040503050406030204" pitchFamily="18" charset="0"/>
-                      </a:rPr>
-                      <m:t>,</m:t>
-                    </m:r>
-                  </m:oMath>
-                </a14:m>
-                <a:r>
-                  <a:rPr lang="pt-BR" b="1" i="1" dirty="0" smtClean="0"/>
-                  <a:t> </a:t>
-                </a:r>
                 <a:r>
                   <a:rPr lang="pt-BR" dirty="0"/>
-                  <a:t>é </a:t>
-                </a:r>
-                <a:r>
-                  <a:rPr lang="pt-BR" dirty="0" smtClean="0"/>
-                  <a:t>a derivada parcial do erro da </a:t>
+                  <a:t>é a derivada parcial do erro da </a:t>
                 </a:r>
                 <a14:m>
                   <m:oMath xmlns:m="http://schemas.openxmlformats.org/officeDocument/2006/math">
@@ -14922,15 +14906,7 @@
                 </a:r>
                 <a:r>
                   <a:rPr lang="pt-BR" dirty="0"/>
-                  <a:t> saída </a:t>
-                </a:r>
-                <a:r>
-                  <a:rPr lang="pt-BR" dirty="0"/>
-                  <a:t>da rede </a:t>
-                </a:r>
-                <a:r>
-                  <a:rPr lang="pt-BR" dirty="0" smtClean="0"/>
-                  <a:t>para o </a:t>
+                  <a:t> saída da rede para o </a:t>
                 </a:r>
                 <a14:m>
                   <m:oMath xmlns:m="http://schemas.openxmlformats.org/officeDocument/2006/math">
@@ -14952,11 +14928,7 @@
                 </a:r>
                 <a:r>
                   <a:rPr lang="pt-BR" dirty="0"/>
-                  <a:t> exemplo de entrada </a:t>
-                </a:r>
-                <a:r>
-                  <a:rPr lang="pt-BR" dirty="0" smtClean="0"/>
-                  <a:t>em relação ao peso, </a:t>
+                  <a:t> exemplo de entrada em relação ao peso, </a:t>
                 </a:r>
                 <a14:m>
                   <m:oMath xmlns:m="http://schemas.openxmlformats.org/officeDocument/2006/math">
@@ -15008,45 +14980,67 @@
                   </m:oMath>
                 </a14:m>
                 <a:r>
-                  <a:rPr lang="pt-BR" dirty="0" smtClean="0"/>
+                  <a:rPr lang="pt-BR" dirty="0"/>
                   <a:t>.</a:t>
                 </a:r>
-                <a:endParaRPr lang="pt-BR" dirty="0" smtClean="0"/>
               </a:p>
               <a:p>
-                <a:r>
-                  <a:rPr lang="pt-BR" dirty="0" smtClean="0"/>
-                  <a:t>No </a:t>
-                </a:r>
+                <a14:m>
+                  <m:oMath xmlns:m="http://schemas.openxmlformats.org/officeDocument/2006/math">
+                    <m:r>
+                      <a:rPr lang="pt-BR" i="1">
+                        <a:latin typeface="Cambria Math" panose="02040503050406030204" pitchFamily="18" charset="0"/>
+                        <a:ea typeface="Cambria Math" panose="02040503050406030204" pitchFamily="18" charset="0"/>
+                      </a:rPr>
+                      <m:t>𝛻</m:t>
+                    </m:r>
+                    <m:sSub>
+                      <m:sSubPr>
+                        <m:ctrlPr>
+                          <a:rPr lang="pt-BR" i="1">
+                            <a:latin typeface="Cambria Math" panose="02040503050406030204" pitchFamily="18" charset="0"/>
+                          </a:rPr>
+                        </m:ctrlPr>
+                      </m:sSubPr>
+                      <m:e>
+                        <m:r>
+                          <a:rPr lang="pt-BR" i="1">
+                            <a:latin typeface="Cambria Math" panose="02040503050406030204" pitchFamily="18" charset="0"/>
+                          </a:rPr>
+                          <m:t>𝐽</m:t>
+                        </m:r>
+                      </m:e>
+                      <m:sub>
+                        <m:r>
+                          <a:rPr lang="pt-BR" b="0" i="1" smtClean="0">
+                            <a:latin typeface="Cambria Math" panose="02040503050406030204" pitchFamily="18" charset="0"/>
+                          </a:rPr>
+                          <m:t>𝑛</m:t>
+                        </m:r>
+                      </m:sub>
+                    </m:sSub>
+                    <m:d>
+                      <m:dPr>
+                        <m:ctrlPr>
+                          <a:rPr lang="pt-BR" i="1">
+                            <a:latin typeface="Cambria Math" panose="02040503050406030204" pitchFamily="18" charset="0"/>
+                          </a:rPr>
+                        </m:ctrlPr>
+                      </m:dPr>
+                      <m:e>
+                        <m:r>
+                          <a:rPr lang="pt-BR" b="1" i="1">
+                            <a:latin typeface="Cambria Math" panose="02040503050406030204" pitchFamily="18" charset="0"/>
+                          </a:rPr>
+                          <m:t>𝒘</m:t>
+                        </m:r>
+                      </m:e>
+                    </m:d>
+                  </m:oMath>
+                </a14:m>
                 <a:r>
                   <a:rPr lang="pt-BR" dirty="0"/>
-                  <a:t>entanto, surge aqui um questionamento </a:t>
-                </a:r>
-                <a:r>
-                  <a:rPr lang="pt-BR" dirty="0" smtClean="0"/>
-                  <a:t>importante: </a:t>
-                </a:r>
-              </a:p>
-              <a:p>
-                <a:pPr lvl="1">
-                  <a:buFont typeface="Wingdings" panose="05000000000000000000" pitchFamily="2" charset="2"/>
-                  <a:buChar char="§"/>
-                </a:pPr>
-                <a:r>
-                  <a:rPr lang="pt-BR" dirty="0" smtClean="0"/>
-                  <a:t>O </a:t>
-                </a:r>
-                <a:r>
-                  <a:rPr lang="pt-BR" dirty="0"/>
-                  <a:t>que é melhor, usar o </a:t>
-                </a:r>
-                <a:r>
-                  <a:rPr lang="pt-BR" b="1" i="1" dirty="0"/>
-                  <a:t>gradiente local </a:t>
-                </a:r>
-                <a:r>
-                  <a:rPr lang="pt-BR" b="1" i="1" dirty="0" smtClean="0"/>
-                  <a:t>das </a:t>
+                  <a:t> é a média dos </a:t>
                 </a:r>
                 <a14:m>
                   <m:oMath xmlns:m="http://schemas.openxmlformats.org/officeDocument/2006/math">
@@ -15078,46 +15072,165 @@
                   </m:oMath>
                 </a14:m>
                 <a:r>
-                  <a:rPr lang="pt-BR" b="1" i="1" dirty="0" smtClean="0"/>
-                  <a:t> saídas e </a:t>
-                </a:r>
-                <a:r>
                   <a:rPr lang="pt-BR" b="1" i="1" dirty="0"/>
-                  <a:t>já dar um passo de </a:t>
-                </a:r>
-                <a:r>
-                  <a:rPr lang="pt-BR" b="1" i="1" dirty="0" smtClean="0"/>
-                  <a:t>otimização</a:t>
-                </a:r>
-                <a:r>
-                  <a:rPr lang="pt-BR" dirty="0" smtClean="0"/>
-                  <a:t>, ou seja, atualizar os pesos</a:t>
-                </a:r>
-                <a:r>
-                  <a:rPr lang="pt-BR" dirty="0" smtClean="0"/>
-                  <a:t>, </a:t>
+                  <a:t> gradientes locais</a:t>
+                </a:r>
+                <a:r>
+                  <a:rPr lang="pt-BR" dirty="0"/>
+                  <a:t> para o </a:t>
+                </a:r>
+                <a14:m>
+                  <m:oMath xmlns:m="http://schemas.openxmlformats.org/officeDocument/2006/math">
+                    <m:r>
+                      <a:rPr lang="pt-BR" i="1">
+                        <a:latin typeface="Cambria Math" panose="02040503050406030204" pitchFamily="18" charset="0"/>
+                      </a:rPr>
+                      <m:t>𝑛</m:t>
+                    </m:r>
+                  </m:oMath>
+                </a14:m>
+                <a:r>
+                  <a:rPr lang="pt-BR" dirty="0"/>
+                  <a:t>-</a:t>
+                </a:r>
+                <a:r>
+                  <a:rPr lang="pt-BR" dirty="0" err="1"/>
+                  <a:t>ésimo</a:t>
+                </a:r>
+                <a:r>
+                  <a:rPr lang="pt-BR" dirty="0"/>
+                  <a:t> exemplo de entrada.</a:t>
+                </a:r>
+              </a:p>
+              <a:p>
+                <a:r>
+                  <a:rPr lang="pt-BR" dirty="0"/>
+                  <a:t>No entanto, surge aqui um questionamento importante: </a:t>
+                </a:r>
+              </a:p>
+              <a:p>
+                <a:pPr lvl="1">
+                  <a:buFont typeface="Wingdings" panose="05000000000000000000" pitchFamily="2" charset="2"/>
+                  <a:buChar char="§"/>
+                </a:pPr>
+                <a:r>
+                  <a:rPr lang="pt-BR" dirty="0"/>
+                  <a:t>O que é melhor, usar a </a:t>
                 </a:r>
                 <a:r>
                   <a:rPr lang="pt-BR" b="1" i="1" dirty="0"/>
-                  <a:t>reunir o gradiente completo e então dar um passo único e mais </a:t>
-                </a:r>
-                <a:r>
-                  <a:rPr lang="pt-BR" b="1" i="1" dirty="0" smtClean="0"/>
-                  <a:t>preciso </a:t>
-                </a:r>
-                <a:r>
-                  <a:rPr lang="pt-BR" dirty="0" smtClean="0"/>
+                  <a:t>média dos </a:t>
+                </a:r>
+                <a14:m>
+                  <m:oMath xmlns:m="http://schemas.openxmlformats.org/officeDocument/2006/math">
+                    <m:sSub>
+                      <m:sSubPr>
+                        <m:ctrlPr>
+                          <a:rPr lang="pt-BR" i="1">
+                            <a:latin typeface="Cambria Math" panose="02040503050406030204" pitchFamily="18" charset="0"/>
+                          </a:rPr>
+                        </m:ctrlPr>
+                      </m:sSubPr>
+                      <m:e>
+                        <m:r>
+                          <a:rPr lang="pt-BR" i="1">
+                            <a:latin typeface="Cambria Math" panose="02040503050406030204" pitchFamily="18" charset="0"/>
+                          </a:rPr>
+                          <m:t>𝑁</m:t>
+                        </m:r>
+                      </m:e>
+                      <m:sub>
+                        <m:r>
+                          <a:rPr lang="pt-BR" i="1">
+                            <a:latin typeface="Cambria Math" panose="02040503050406030204" pitchFamily="18" charset="0"/>
+                          </a:rPr>
+                          <m:t>𝑀</m:t>
+                        </m:r>
+                      </m:sub>
+                    </m:sSub>
+                  </m:oMath>
+                </a14:m>
+                <a:r>
+                  <a:rPr lang="pt-BR" b="1" i="1" dirty="0"/>
+                  <a:t> gradientes locais, </a:t>
+                </a:r>
+                <a14:m>
+                  <m:oMath xmlns:m="http://schemas.openxmlformats.org/officeDocument/2006/math">
+                    <m:r>
+                      <a:rPr lang="pt-BR" i="1">
+                        <a:latin typeface="Cambria Math" panose="02040503050406030204" pitchFamily="18" charset="0"/>
+                        <a:ea typeface="Cambria Math" panose="02040503050406030204" pitchFamily="18" charset="0"/>
+                      </a:rPr>
+                      <m:t>𝛻</m:t>
+                    </m:r>
+                    <m:sSub>
+                      <m:sSubPr>
+                        <m:ctrlPr>
+                          <a:rPr lang="pt-BR" i="1">
+                            <a:latin typeface="Cambria Math" panose="02040503050406030204" pitchFamily="18" charset="0"/>
+                          </a:rPr>
+                        </m:ctrlPr>
+                      </m:sSubPr>
+                      <m:e>
+                        <m:r>
+                          <a:rPr lang="pt-BR" i="1">
+                            <a:latin typeface="Cambria Math" panose="02040503050406030204" pitchFamily="18" charset="0"/>
+                          </a:rPr>
+                          <m:t>𝐽</m:t>
+                        </m:r>
+                      </m:e>
+                      <m:sub>
+                        <m:r>
+                          <a:rPr lang="pt-BR" i="1">
+                            <a:latin typeface="Cambria Math" panose="02040503050406030204" pitchFamily="18" charset="0"/>
+                          </a:rPr>
+                          <m:t>𝑛</m:t>
+                        </m:r>
+                      </m:sub>
+                    </m:sSub>
+                    <m:d>
+                      <m:dPr>
+                        <m:ctrlPr>
+                          <a:rPr lang="pt-BR" i="1">
+                            <a:latin typeface="Cambria Math" panose="02040503050406030204" pitchFamily="18" charset="0"/>
+                          </a:rPr>
+                        </m:ctrlPr>
+                      </m:dPr>
+                      <m:e>
+                        <m:r>
+                          <a:rPr lang="pt-BR" b="1" i="1">
+                            <a:latin typeface="Cambria Math" panose="02040503050406030204" pitchFamily="18" charset="0"/>
+                          </a:rPr>
+                          <m:t>𝒘</m:t>
+                        </m:r>
+                      </m:e>
+                    </m:d>
+                  </m:oMath>
+                </a14:m>
+                <a:r>
+                  <a:rPr lang="pt-BR" b="1" i="1" dirty="0"/>
+                  <a:t>, e já dar um passo de otimização</a:t>
+                </a:r>
+                <a:r>
+                  <a:rPr lang="pt-BR" dirty="0"/>
+                  <a:t>, ou seja, atualizar os pesos, </a:t>
+                </a:r>
+                <a:r>
+                  <a:rPr lang="pt-BR" b="1" i="1" dirty="0"/>
+                  <a:t>reunir o gradiente completo e então dar um passo único e mais preciso </a:t>
+                </a:r>
+                <a:r>
+                  <a:rPr lang="pt-BR" dirty="0"/>
                   <a:t>ou</a:t>
                 </a:r>
                 <a:r>
-                  <a:rPr lang="pt-BR" b="1" i="1" dirty="0" smtClean="0"/>
+                  <a:rPr lang="pt-BR" b="1" i="1" dirty="0"/>
                   <a:t> um meio termo</a:t>
                 </a:r>
                 <a:r>
-                  <a:rPr lang="pt-BR" dirty="0" smtClean="0"/>
+                  <a:rPr lang="pt-BR" dirty="0"/>
                   <a:t>?</a:t>
                 </a:r>
-                <a:endParaRPr lang="pt-BR" dirty="0"/>
               </a:p>
             </p:txBody>
           </p:sp>
@@ -15135,13 +15248,13 @@
             </p:nvSpPr>
             <p:spPr>
               <a:xfrm>
-                <a:off x="838200" y="1825624"/>
-                <a:ext cx="11168270" cy="5032375"/>
+                <a:off x="838199" y="1825624"/>
+                <a:ext cx="11247783" cy="5032375"/>
               </a:xfrm>
-              <a:blipFill rotWithShape="0">
+              <a:blipFill>
                 <a:blip r:embed="rId2"/>
                 <a:stretch>
-                  <a:fillRect l="-1146" t="-2663" r="-218"/>
+                  <a:fillRect l="-921" t="-2421" r="-1138" b="-484"/>
                 </a:stretch>
               </a:blipFill>
             </p:spPr>
@@ -15163,13 +15276,15 @@
       <p:cxnSp>
         <p:nvCxnSpPr>
           <p:cNvPr id="7" name="Straight Arrow Connector 6"/>
-          <p:cNvCxnSpPr/>
+          <p:cNvCxnSpPr>
+            <a:cxnSpLocks/>
+          </p:cNvCxnSpPr>
           <p:nvPr/>
         </p:nvCxnSpPr>
         <p:spPr>
           <a:xfrm flipH="1">
-            <a:off x="3706238" y="4341811"/>
-            <a:ext cx="1877440" cy="171823"/>
+            <a:off x="3547212" y="4144617"/>
+            <a:ext cx="2913222" cy="151945"/>
           </a:xfrm>
           <a:prstGeom prst="straightConnector1">
             <a:avLst/>
@@ -15204,8 +15319,8 @@
         </p:nvSpPr>
         <p:spPr>
           <a:xfrm>
-            <a:off x="5583678" y="3336587"/>
-            <a:ext cx="972764" cy="1005224"/>
+            <a:off x="6460434" y="3247135"/>
+            <a:ext cx="894523" cy="897482"/>
           </a:xfrm>
           <a:prstGeom prst="rect">
             <a:avLst/>
@@ -15296,13 +15411,8 @@
           <a:p>
             <a:r>
               <a:rPr lang="pt-BR" dirty="0"/>
-              <a:t>Algumas visões práticas de algoritmos de </a:t>
-            </a:r>
-            <a:r>
-              <a:rPr lang="pt-BR" dirty="0" smtClean="0"/>
-              <a:t>aprendizado</a:t>
-            </a:r>
-            <a:endParaRPr lang="pt-BR" dirty="0"/>
+              <a:t>Algumas visões práticas de algoritmos de aprendizado</a:t>
+            </a:r>
           </a:p>
         </p:txBody>
       </p:sp>
@@ -15324,7 +15434,7 @@
         </p:spPr>
         <p:txBody>
           <a:bodyPr>
-            <a:normAutofit fontScale="92500" lnSpcReduction="10000"/>
+            <a:normAutofit fontScale="92500"/>
           </a:bodyPr>
           <a:lstStyle/>
           <a:p>
@@ -15333,30 +15443,14 @@
             </a:pPr>
             <a:r>
               <a:rPr lang="pt-BR" b="1" dirty="0"/>
-              <a:t>Versões Online, Batch e </a:t>
-            </a:r>
-            <a:r>
-              <a:rPr lang="pt-BR" b="1" dirty="0" smtClean="0"/>
-              <a:t>Minibatch</a:t>
-            </a:r>
-            <a:endParaRPr lang="pt-BR" dirty="0" smtClean="0"/>
-          </a:p>
-          <a:p>
-            <a:r>
-              <a:rPr lang="pt-BR" dirty="0" smtClean="0"/>
-              <a:t>Nesse </a:t>
-            </a:r>
+              <a:t>Versões Online, Batch e Minibatch</a:t>
+            </a:r>
+            <a:endParaRPr lang="pt-BR" dirty="0"/>
+          </a:p>
+          <a:p>
             <a:r>
               <a:rPr lang="pt-BR" dirty="0"/>
-              <a:t>questionamento, existem duas abordagens </a:t>
-            </a:r>
-            <a:r>
-              <a:rPr lang="pt-BR" dirty="0" smtClean="0"/>
-              <a:t>opostas: </a:t>
-            </a:r>
-            <a:r>
-              <a:rPr lang="pt-BR" dirty="0"/>
-              <a:t>o cálculo </a:t>
+              <a:t>Nesse questionamento, existem duas abordagens opostas: o cálculo </a:t>
             </a:r>
             <a:r>
               <a:rPr lang="pt-BR" b="1" i="1" dirty="0"/>
@@ -15364,15 +15458,7 @@
             </a:r>
             <a:r>
               <a:rPr lang="pt-BR" dirty="0"/>
-              <a:t> do gradiente </a:t>
-            </a:r>
-            <a:r>
-              <a:rPr lang="pt-BR" dirty="0" smtClean="0"/>
-              <a:t>(ou seja, exemplo-a-exemplo</a:t>
-            </a:r>
-            <a:r>
-              <a:rPr lang="pt-BR" dirty="0"/>
-              <a:t>) e o cálculo em batelada (</a:t>
+              <a:t> (ou seja, exemplo-a-exemplo) e o cálculo em batelada (</a:t>
             </a:r>
             <a:r>
               <a:rPr lang="pt-BR" b="1" i="1" dirty="0"/>
@@ -15393,20 +15479,16 @@
               <a:t>adaptação dos pesos </a:t>
             </a:r>
             <a:r>
-              <a:rPr lang="pt-BR" dirty="0" smtClean="0"/>
+              <a:rPr lang="pt-BR" dirty="0"/>
               <a:t>(sinápticos e bias)</a:t>
             </a:r>
             <a:r>
-              <a:rPr lang="pt-BR" b="1" i="1" dirty="0" smtClean="0"/>
+              <a:rPr lang="pt-BR" b="1" i="1" dirty="0"/>
               <a:t> </a:t>
             </a:r>
             <a:r>
               <a:rPr lang="pt-BR" dirty="0"/>
-              <a:t>com </a:t>
-            </a:r>
-            <a:r>
-              <a:rPr lang="pt-BR" dirty="0" smtClean="0"/>
-              <a:t>o cálculo </a:t>
+              <a:t>com o cálculo </a:t>
             </a:r>
             <a:r>
               <a:rPr lang="pt-BR" b="1" i="1" dirty="0"/>
@@ -15414,26 +15496,13 @@
             </a:r>
             <a:r>
               <a:rPr lang="pt-BR" dirty="0"/>
-              <a:t>do gradiente, como </a:t>
-            </a:r>
-            <a:r>
-              <a:rPr lang="pt-BR" dirty="0" smtClean="0"/>
-              <a:t>mostra o </a:t>
-            </a:r>
-            <a:r>
-              <a:rPr lang="pt-BR" dirty="0" smtClean="0"/>
-              <a:t>algoritmo </a:t>
-            </a:r>
-            <a:r>
-              <a:rPr lang="pt-BR" dirty="0" smtClean="0"/>
-              <a:t>abaixo.</a:t>
-            </a:r>
-            <a:endParaRPr lang="pt-BR" dirty="0"/>
+              <a:t>do gradiente, como mostra o algoritmo abaixo.</a:t>
+            </a:r>
           </a:p>
         </p:txBody>
       </p:sp>
-      <mc:AlternateContent xmlns:mc="http://schemas.openxmlformats.org/markup-compatibility/2006" xmlns:a14="http://schemas.microsoft.com/office/drawing/2010/main">
-        <mc:Choice Requires="a14">
+      <mc:AlternateContent xmlns:mc="http://schemas.openxmlformats.org/markup-compatibility/2006">
+        <mc:Choice xmlns:a14="http://schemas.microsoft.com/office/drawing/2010/main" Requires="a14">
           <p:sp>
             <p:nvSpPr>
               <p:cNvPr id="5" name="TextBox 4"/>
@@ -15442,8 +15511,8 @@
             </p:nvSpPr>
             <p:spPr>
               <a:xfrm>
-                <a:off x="1760561" y="4130111"/>
-                <a:ext cx="8670878" cy="2681503"/>
+                <a:off x="1760561" y="3905830"/>
+                <a:ext cx="8670878" cy="2927725"/>
               </a:xfrm>
               <a:prstGeom prst="rect">
                 <a:avLst/>
@@ -15466,7 +15535,7 @@
                   <a:buChar char="Ø"/>
                 </a:pPr>
                 <a:r>
-                  <a:rPr lang="pt-BR" sz="1600" dirty="0" smtClean="0"/>
+                  <a:rPr lang="pt-BR" sz="1600" dirty="0"/>
                   <a:t>Defina valores iniciais para o vetor de pesos </a:t>
                 </a:r>
                 <a14:m>
@@ -15525,7 +15594,7 @@
                   </m:oMath>
                 </a14:m>
                 <a:r>
-                  <a:rPr lang="pt-BR" sz="1600" dirty="0" smtClean="0"/>
+                  <a:rPr lang="pt-BR" sz="1600" dirty="0"/>
                   <a:t> (épocas), </a:t>
                 </a:r>
                 <a14:m>
@@ -15545,17 +15614,13 @@
                   </m:oMath>
                 </a14:m>
                 <a:r>
-                  <a:rPr lang="pt-BR" sz="1600" dirty="0" smtClean="0"/>
-                  <a:t> (iterações) </a:t>
-                </a:r>
-                <a:r>
                   <a:rPr lang="pt-BR" sz="1600" dirty="0"/>
-                  <a:t>e calcule </a:t>
+                  <a:t> (iterações) e calcule </a:t>
                 </a:r>
                 <a14:m>
                   <m:oMath xmlns:m="http://schemas.openxmlformats.org/officeDocument/2006/math">
                     <m:r>
-                      <a:rPr lang="pt-BR" sz="1600" b="0" i="1" smtClean="0">
+                      <a:rPr lang="pt-BR" sz="1600" i="1">
                         <a:latin typeface="Cambria Math" panose="02040503050406030204" pitchFamily="18" charset="0"/>
                       </a:rPr>
                       <m:t>𝐽</m:t>
@@ -15563,7 +15628,7 @@
                     <m:d>
                       <m:dPr>
                         <m:ctrlPr>
-                          <a:rPr lang="pt-BR" sz="1600" b="0" i="1" smtClean="0">
+                          <a:rPr lang="pt-BR" sz="1600" i="1">
                             <a:latin typeface="Cambria Math" panose="02040503050406030204" pitchFamily="18" charset="0"/>
                           </a:rPr>
                         </m:ctrlPr>
@@ -15578,14 +15643,14 @@
                         <m:d>
                           <m:dPr>
                             <m:ctrlPr>
-                              <a:rPr lang="pt-BR" sz="1600" b="1" i="1" smtClean="0">
+                              <a:rPr lang="pt-BR" sz="1600" b="1" i="1">
                                 <a:latin typeface="Cambria Math" panose="02040503050406030204" pitchFamily="18" charset="0"/>
                               </a:rPr>
                             </m:ctrlPr>
                           </m:dPr>
                           <m:e>
                             <m:r>
-                              <a:rPr lang="pt-BR" sz="1600" b="0" i="1" smtClean="0">
+                              <a:rPr lang="pt-BR" sz="1600" i="1">
                                 <a:latin typeface="Cambria Math" panose="02040503050406030204" pitchFamily="18" charset="0"/>
                               </a:rPr>
                               <m:t>𝑘</m:t>
@@ -15618,7 +15683,7 @@
                 </a:pPr>
                 <a:r>
                   <a:rPr lang="pt-BR" sz="1600" dirty="0"/>
-                  <a:t>Ordene aleatoriamente os exemplos de entrada/saída.</a:t>
+                  <a:t>Ordene aleatoriamente os exemplos de entrada e saídas correspondentes.</a:t>
                 </a:r>
               </a:p>
               <a:p>
@@ -15977,12 +16042,21 @@
                         </m:d>
                       </m:e>
                     </m:d>
+                    <m:r>
+                      <a:rPr lang="pt-BR" sz="1600" b="0" i="0" smtClean="0">
+                        <a:latin typeface="Cambria Math" panose="02040503050406030204" pitchFamily="18" charset="0"/>
+                      </a:rPr>
+                      <m:t>.</m:t>
+                    </m:r>
                   </m:oMath>
                 </a14:m>
-                <a:r>
-                  <a:rPr lang="pt-BR" sz="1600" dirty="0"/>
-                  <a:t>; </a:t>
-                </a:r>
+                <a:endParaRPr lang="pt-BR" sz="1600" dirty="0"/>
+              </a:p>
+              <a:p>
+                <a:pPr marL="1200150" lvl="2" indent="-285750">
+                  <a:buFont typeface="Wingdings" panose="05000000000000000000" pitchFamily="2" charset="2"/>
+                  <a:buChar char="§"/>
+                </a:pPr>
                 <a14:m>
                   <m:oMath xmlns:m="http://schemas.openxmlformats.org/officeDocument/2006/math">
                     <m:r>
@@ -16115,7 +16189,7 @@
             </p:txBody>
           </p:sp>
         </mc:Choice>
-        <mc:Fallback xmlns="">
+        <mc:Fallback>
           <p:sp>
             <p:nvSpPr>
               <p:cNvPr id="5" name="TextBox 4"/>
@@ -16126,16 +16200,16 @@
             </p:nvSpPr>
             <p:spPr>
               <a:xfrm>
-                <a:off x="1760561" y="4130111"/>
-                <a:ext cx="8670878" cy="2681503"/>
+                <a:off x="1760561" y="3905830"/>
+                <a:ext cx="8670878" cy="2927725"/>
               </a:xfrm>
               <a:prstGeom prst="rect">
                 <a:avLst/>
               </a:prstGeom>
-              <a:blipFill rotWithShape="0">
+              <a:blipFill>
                 <a:blip r:embed="rId2"/>
                 <a:stretch>
-                  <a:fillRect l="-211" t="-454" b="-1587"/>
+                  <a:fillRect l="-211" t="-415" b="-1245"/>
                 </a:stretch>
               </a:blipFill>
               <a:ln>
@@ -16149,7 +16223,7 @@
               <a:lstStyle/>
               <a:p>
                 <a:r>
-                  <a:rPr lang="pt-BR">
+                  <a:rPr lang="en-US">
                     <a:noFill/>
                   </a:rPr>
                   <a:t> </a:t>
@@ -16213,13 +16287,8 @@
           <a:p>
             <a:r>
               <a:rPr lang="pt-BR" dirty="0"/>
-              <a:t>Algumas visões práticas de algoritmos de </a:t>
-            </a:r>
-            <a:r>
-              <a:rPr lang="pt-BR" dirty="0" smtClean="0"/>
-              <a:t>aprendizado</a:t>
-            </a:r>
-            <a:endParaRPr lang="pt-BR" dirty="0"/>
+              <a:t>Algumas visões práticas de algoritmos de aprendizado</a:t>
+            </a:r>
           </a:p>
         </p:txBody>
       </p:sp>
@@ -16250,40 +16319,15 @@
             </a:pPr>
             <a:r>
               <a:rPr lang="pt-BR" b="1" dirty="0"/>
-              <a:t>Versões Online, Batch e </a:t>
-            </a:r>
-            <a:r>
-              <a:rPr lang="pt-BR" b="1" dirty="0" smtClean="0"/>
-              <a:t>Minibatch</a:t>
-            </a:r>
-            <a:endParaRPr lang="pt-BR" dirty="0" smtClean="0"/>
-          </a:p>
-          <a:p>
-            <a:r>
-              <a:rPr lang="pt-BR" dirty="0" smtClean="0"/>
-              <a:t>O </a:t>
-            </a:r>
+              <a:t>Versões Online, Batch e Minibatch</a:t>
+            </a:r>
+            <a:endParaRPr lang="pt-BR" dirty="0"/>
+          </a:p>
+          <a:p>
             <a:r>
               <a:rPr lang="pt-BR" dirty="0"/>
-              <a:t>outro extremo seria utilizar todo o conjunto de </a:t>
-            </a:r>
-            <a:r>
-              <a:rPr lang="pt-BR" dirty="0" smtClean="0"/>
-              <a:t>exemplos para calcular o </a:t>
-            </a:r>
-            <a:r>
-              <a:rPr lang="pt-BR" dirty="0"/>
-              <a:t>gradiente antes </a:t>
-            </a:r>
-            <a:r>
-              <a:rPr lang="pt-BR" dirty="0" smtClean="0"/>
-              <a:t>de atualizar os </a:t>
-            </a:r>
-            <a:r>
-              <a:rPr lang="pt-BR" dirty="0" smtClean="0"/>
-              <a:t>pesos. </a:t>
-            </a:r>
-            <a:endParaRPr lang="pt-BR" dirty="0"/>
+              <a:t>O outro extremo seria utilizar todo o conjunto de exemplos para calcular o gradiente antes de atualizar os pesos. </a:t>
+            </a:r>
           </a:p>
           <a:p>
             <a:r>
@@ -16304,18 +16348,13 @@
             </a:r>
             <a:r>
               <a:rPr lang="pt-BR" dirty="0"/>
-              <a:t>). O algoritmo abaixo ilustra a operação </a:t>
-            </a:r>
-            <a:r>
-              <a:rPr lang="pt-BR" dirty="0" smtClean="0"/>
-              <a:t>correspondente.</a:t>
-            </a:r>
-            <a:endParaRPr lang="pt-BR" dirty="0"/>
+              <a:t>). O algoritmo abaixo ilustra a operação correspondente.</a:t>
+            </a:r>
           </a:p>
         </p:txBody>
       </p:sp>
-      <mc:AlternateContent xmlns:mc="http://schemas.openxmlformats.org/markup-compatibility/2006" xmlns:a14="http://schemas.microsoft.com/office/drawing/2010/main">
-        <mc:Choice Requires="a14">
+      <mc:AlternateContent xmlns:mc="http://schemas.openxmlformats.org/markup-compatibility/2006">
+        <mc:Choice xmlns:a14="http://schemas.microsoft.com/office/drawing/2010/main" Requires="a14">
           <p:sp>
             <p:nvSpPr>
               <p:cNvPr id="4" name="TextBox 3"/>
@@ -16348,7 +16387,7 @@
                   <a:buChar char="Ø"/>
                 </a:pPr>
                 <a:r>
-                  <a:rPr lang="pt-BR" sz="1600" dirty="0" smtClean="0"/>
+                  <a:rPr lang="pt-BR" sz="1600" dirty="0"/>
                   <a:t>Defina valores iniciais para o vetor de pesos </a:t>
                 </a:r>
                 <a14:m>
@@ -16407,17 +16446,13 @@
                   </m:oMath>
                 </a14:m>
                 <a:r>
-                  <a:rPr lang="pt-BR" sz="1600" dirty="0" smtClean="0"/>
-                  <a:t> (épocas) </a:t>
-                </a:r>
-                <a:r>
                   <a:rPr lang="pt-BR" sz="1600" dirty="0"/>
-                  <a:t>e calcule </a:t>
+                  <a:t> (épocas) e calcule </a:t>
                 </a:r>
                 <a14:m>
                   <m:oMath xmlns:m="http://schemas.openxmlformats.org/officeDocument/2006/math">
                     <m:r>
-                      <a:rPr lang="pt-BR" sz="1600" b="0" i="1" smtClean="0">
+                      <a:rPr lang="pt-BR" sz="1600" i="1">
                         <a:latin typeface="Cambria Math" panose="02040503050406030204" pitchFamily="18" charset="0"/>
                       </a:rPr>
                       <m:t>𝐽</m:t>
@@ -16425,7 +16460,7 @@
                     <m:d>
                       <m:dPr>
                         <m:ctrlPr>
-                          <a:rPr lang="pt-BR" sz="1600" b="0" i="1" smtClean="0">
+                          <a:rPr lang="pt-BR" sz="1600" i="1">
                             <a:latin typeface="Cambria Math" panose="02040503050406030204" pitchFamily="18" charset="0"/>
                           </a:rPr>
                         </m:ctrlPr>
@@ -16440,14 +16475,14 @@
                         <m:d>
                           <m:dPr>
                             <m:ctrlPr>
-                              <a:rPr lang="pt-BR" sz="1600" b="1" i="1" smtClean="0">
+                              <a:rPr lang="pt-BR" sz="1600" b="1" i="1">
                                 <a:latin typeface="Cambria Math" panose="02040503050406030204" pitchFamily="18" charset="0"/>
                               </a:rPr>
                             </m:ctrlPr>
                           </m:dPr>
                           <m:e>
                             <m:r>
-                              <a:rPr lang="pt-BR" sz="1600" b="0" i="1" smtClean="0">
+                              <a:rPr lang="pt-BR" sz="1600" i="1">
                                 <a:latin typeface="Cambria Math" panose="02040503050406030204" pitchFamily="18" charset="0"/>
                               </a:rPr>
                               <m:t>𝑘</m:t>
@@ -16507,12 +16542,8 @@
                   </m:oMath>
                 </a14:m>
                 <a:r>
-                  <a:rPr lang="pt-BR" sz="1600" dirty="0" smtClean="0"/>
-                  <a:t>, </a:t>
-                </a:r>
-                <a:r>
                   <a:rPr lang="pt-BR" sz="1600" dirty="0"/>
-                  <a:t>faça: </a:t>
+                  <a:t>, faça: </a:t>
                 </a:r>
               </a:p>
               <a:p>
@@ -16619,7 +16650,7 @@
                 </a14:m>
                 <a:r>
                   <a:rPr lang="pt-BR" sz="1600" dirty="0"/>
-                  <a:t> e </a:t>
+                  <a:t> e calcule e armazene </a:t>
                 </a:r>
                 <a14:m>
                   <m:oMath xmlns:m="http://schemas.openxmlformats.org/officeDocument/2006/math">
@@ -17007,7 +17038,7 @@
             </p:txBody>
           </p:sp>
         </mc:Choice>
-        <mc:Fallback xmlns="">
+        <mc:Fallback>
           <p:sp>
             <p:nvSpPr>
               <p:cNvPr id="4" name="TextBox 3"/>
@@ -17024,7 +17055,7 @@
               <a:prstGeom prst="rect">
                 <a:avLst/>
               </a:prstGeom>
-              <a:blipFill rotWithShape="0">
+              <a:blipFill>
                 <a:blip r:embed="rId2"/>
                 <a:stretch>
                   <a:fillRect l="-211" t="-488" b="-1463"/>
@@ -17041,7 +17072,7 @@
               <a:lstStyle/>
               <a:p>
                 <a:r>
-                  <a:rPr lang="pt-BR">
+                  <a:rPr lang="en-US">
                     <a:noFill/>
                   </a:rPr>
                   <a:t> </a:t>
@@ -17105,133 +17136,171 @@
           <a:p>
             <a:r>
               <a:rPr lang="pt-BR" dirty="0"/>
-              <a:t>Algumas visões práticas de algoritmos de </a:t>
-            </a:r>
-            <a:r>
-              <a:rPr lang="pt-BR" dirty="0" smtClean="0"/>
-              <a:t>aprendizado</a:t>
-            </a:r>
-            <a:endParaRPr lang="pt-BR" dirty="0"/>
+              <a:t>Algumas visões práticas de algoritmos de aprendizado</a:t>
+            </a:r>
           </a:p>
         </p:txBody>
       </p:sp>
-      <p:sp>
-        <p:nvSpPr>
-          <p:cNvPr id="3" name="Content Placeholder 2"/>
-          <p:cNvSpPr>
-            <a:spLocks noGrp="1"/>
-          </p:cNvSpPr>
-          <p:nvPr>
-            <p:ph idx="1"/>
-          </p:nvPr>
-        </p:nvSpPr>
-        <p:spPr>
-          <a:xfrm>
-            <a:off x="838199" y="1725608"/>
-            <a:ext cx="11089943" cy="2602957"/>
-          </a:xfrm>
-        </p:spPr>
-        <p:txBody>
-          <a:bodyPr>
-            <a:normAutofit fontScale="77500" lnSpcReduction="20000"/>
-          </a:bodyPr>
-          <a:lstStyle/>
-          <a:p>
-            <a:pPr marL="0" indent="0">
-              <a:buNone/>
-            </a:pPr>
-            <a:r>
-              <a:rPr lang="pt-BR" b="1" dirty="0"/>
-              <a:t>Versões Online, Batch e </a:t>
-            </a:r>
-            <a:r>
-              <a:rPr lang="pt-BR" b="1" dirty="0" smtClean="0"/>
-              <a:t>Minibatch</a:t>
-            </a:r>
-            <a:endParaRPr lang="pt-BR" dirty="0" smtClean="0"/>
-          </a:p>
-          <a:p>
-            <a:r>
-              <a:rPr lang="pt-BR" dirty="0" smtClean="0"/>
-              <a:t>Nas </a:t>
-            </a:r>
-            <a:r>
-              <a:rPr lang="pt-BR" b="1" i="1" dirty="0" smtClean="0"/>
-              <a:t>redes </a:t>
-            </a:r>
-            <a:r>
-              <a:rPr lang="pt-BR" b="1" i="1" dirty="0"/>
-              <a:t>neurais profundas </a:t>
-            </a:r>
-            <a:r>
-              <a:rPr lang="pt-BR" dirty="0"/>
-              <a:t>(ou </a:t>
-            </a:r>
-            <a:r>
-              <a:rPr lang="pt-BR" b="1" i="1" dirty="0"/>
-              <a:t>deep learning</a:t>
-            </a:r>
-            <a:r>
-              <a:rPr lang="pt-BR" dirty="0"/>
-              <a:t>), usadas com muita frequência em problemas com enormes conjuntos de dados, a regra é adotar o caminho do meio, usando a abordagem com </a:t>
-            </a:r>
-            <a:r>
-              <a:rPr lang="pt-BR" b="1" i="1" dirty="0"/>
-              <a:t>mini-batches</a:t>
-            </a:r>
-            <a:r>
-              <a:rPr lang="pt-BR" dirty="0"/>
-              <a:t>. </a:t>
-            </a:r>
-          </a:p>
-          <a:p>
-            <a:r>
-              <a:rPr lang="pt-BR" dirty="0"/>
-              <a:t>Nesse caso, a adaptação dos </a:t>
-            </a:r>
-            <a:r>
-              <a:rPr lang="pt-BR" b="1" i="1" dirty="0"/>
-              <a:t>pesos</a:t>
-            </a:r>
-            <a:r>
-              <a:rPr lang="pt-BR" dirty="0"/>
-              <a:t> é realizada com um gradiente calculado a partir de um meio-termo entre um exemplo e o número total de exemplos (em geral, este é um valor relativamente pequeno em métodos de </a:t>
-            </a:r>
-            <a:r>
-              <a:rPr lang="pt-BR" b="1" i="1" dirty="0"/>
-              <a:t>primeira ordem</a:t>
-            </a:r>
-            <a:r>
-              <a:rPr lang="pt-BR" dirty="0"/>
-              <a:t>). </a:t>
-            </a:r>
-          </a:p>
-          <a:p>
-            <a:r>
-              <a:rPr lang="pt-BR" dirty="0"/>
-              <a:t>As amostras que devem compor o </a:t>
-            </a:r>
-            <a:r>
-              <a:rPr lang="pt-BR" b="1" i="1" dirty="0"/>
-              <a:t>mini-batch</a:t>
-            </a:r>
-            <a:r>
-              <a:rPr lang="pt-BR" dirty="0"/>
-              <a:t> são </a:t>
-            </a:r>
-            <a:r>
-              <a:rPr lang="pt-BR" b="1" i="1" dirty="0"/>
-              <a:t>aleatoriamente</a:t>
-            </a:r>
-            <a:r>
-              <a:rPr lang="pt-BR" dirty="0"/>
-              <a:t> tomadas do conjunto de dados. O algoritmo abaixo ilustra isso.</a:t>
-            </a:r>
-          </a:p>
-        </p:txBody>
-      </p:sp>
-      <mc:AlternateContent xmlns:mc="http://schemas.openxmlformats.org/markup-compatibility/2006" xmlns:a14="http://schemas.microsoft.com/office/drawing/2010/main">
-        <mc:Choice Requires="a14">
+      <mc:AlternateContent xmlns:mc="http://schemas.openxmlformats.org/markup-compatibility/2006">
+        <mc:Choice xmlns:a14="http://schemas.microsoft.com/office/drawing/2010/main" Requires="a14">
+          <p:sp>
+            <p:nvSpPr>
+              <p:cNvPr id="3" name="Content Placeholder 2"/>
+              <p:cNvSpPr>
+                <a:spLocks noGrp="1"/>
+              </p:cNvSpPr>
+              <p:nvPr>
+                <p:ph idx="1"/>
+              </p:nvPr>
+            </p:nvSpPr>
+            <p:spPr>
+              <a:xfrm>
+                <a:off x="838199" y="1725608"/>
+                <a:ext cx="11217966" cy="2602957"/>
+              </a:xfrm>
+            </p:spPr>
+            <p:txBody>
+              <a:bodyPr>
+                <a:normAutofit fontScale="85000" lnSpcReduction="20000"/>
+              </a:bodyPr>
+              <a:lstStyle/>
+              <a:p>
+                <a:pPr marL="0" indent="0">
+                  <a:buNone/>
+                </a:pPr>
+                <a:r>
+                  <a:rPr lang="pt-BR" b="1" dirty="0"/>
+                  <a:t>Versões Online, Batch e Minibatch</a:t>
+                </a:r>
+                <a:endParaRPr lang="pt-BR" dirty="0"/>
+              </a:p>
+              <a:p>
+                <a:r>
+                  <a:rPr lang="pt-BR" dirty="0"/>
+                  <a:t>Nas </a:t>
+                </a:r>
+                <a:r>
+                  <a:rPr lang="pt-BR" b="1" i="1" dirty="0"/>
+                  <a:t>redes neurais profundas </a:t>
+                </a:r>
+                <a:r>
+                  <a:rPr lang="pt-BR" dirty="0"/>
+                  <a:t>(ou </a:t>
+                </a:r>
+                <a:r>
+                  <a:rPr lang="pt-BR" b="1" i="1" dirty="0"/>
+                  <a:t>deep learning</a:t>
+                </a:r>
+                <a:r>
+                  <a:rPr lang="pt-BR" dirty="0"/>
+                  <a:t>), usadas com muita frequência em problemas com enormes conjuntos de dados, a regra é adotar o caminho do meio, usando a abordagem com </a:t>
+                </a:r>
+                <a:r>
+                  <a:rPr lang="pt-BR" b="1" i="1" dirty="0"/>
+                  <a:t>mini-batches</a:t>
+                </a:r>
+                <a:r>
+                  <a:rPr lang="pt-BR" dirty="0"/>
+                  <a:t>. </a:t>
+                </a:r>
+              </a:p>
+              <a:p>
+                <a:r>
+                  <a:rPr lang="pt-BR" dirty="0"/>
+                  <a:t>Nesse caso, a adaptação dos </a:t>
+                </a:r>
+                <a:r>
+                  <a:rPr lang="pt-BR" b="1" i="1" dirty="0"/>
+                  <a:t>pesos</a:t>
+                </a:r>
+                <a:r>
+                  <a:rPr lang="pt-BR" dirty="0"/>
+                  <a:t> é realizada com um gradiente calculado a partir de conjunto com mais de um e menos de </a:t>
+                </a:r>
+                <a14:m>
+                  <m:oMath xmlns:m="http://schemas.openxmlformats.org/officeDocument/2006/math">
+                    <m:r>
+                      <a:rPr lang="pt-BR" i="1">
+                        <a:latin typeface="Cambria Math" panose="02040503050406030204" pitchFamily="18" charset="0"/>
+                      </a:rPr>
+                      <m:t>𝑁</m:t>
+                    </m:r>
+                  </m:oMath>
+                </a14:m>
+                <a:r>
+                  <a:rPr lang="pt-BR" dirty="0"/>
+                  <a:t> exemplos. </a:t>
+                </a:r>
+              </a:p>
+              <a:p>
+                <a:r>
+                  <a:rPr lang="pt-BR" b="1" dirty="0"/>
+                  <a:t>OBS</a:t>
+                </a:r>
+                <a:r>
+                  <a:rPr lang="pt-BR" dirty="0"/>
+                  <a:t>.: As amostras que compõem o </a:t>
+                </a:r>
+                <a:r>
+                  <a:rPr lang="pt-BR" b="1" i="1" dirty="0" err="1"/>
+                  <a:t>mini-batch</a:t>
+                </a:r>
+                <a:r>
+                  <a:rPr lang="pt-BR" dirty="0"/>
+                  <a:t> devem ser </a:t>
+                </a:r>
+                <a:r>
+                  <a:rPr lang="pt-BR" b="1" i="1" dirty="0"/>
+                  <a:t>aleatoriamente</a:t>
+                </a:r>
+                <a:r>
+                  <a:rPr lang="pt-BR" dirty="0"/>
+                  <a:t> escolhidas a partir do conjunto de treinamento. O algoritmo abaixo ilustra isso.</a:t>
+                </a:r>
+              </a:p>
+            </p:txBody>
+          </p:sp>
+        </mc:Choice>
+        <mc:Fallback>
+          <p:sp>
+            <p:nvSpPr>
+              <p:cNvPr id="3" name="Content Placeholder 2"/>
+              <p:cNvSpPr>
+                <a:spLocks noGrp="1" noRot="1" noChangeAspect="1" noMove="1" noResize="1" noEditPoints="1" noAdjustHandles="1" noChangeArrowheads="1" noChangeShapeType="1" noTextEdit="1"/>
+              </p:cNvSpPr>
+              <p:nvPr>
+                <p:ph idx="1"/>
+              </p:nvPr>
+            </p:nvSpPr>
+            <p:spPr>
+              <a:xfrm>
+                <a:off x="838199" y="1725608"/>
+                <a:ext cx="11217966" cy="2602957"/>
+              </a:xfrm>
+              <a:blipFill>
+                <a:blip r:embed="rId2"/>
+                <a:stretch>
+                  <a:fillRect l="-815" t="-5386" r="-489" b="-2810"/>
+                </a:stretch>
+              </a:blipFill>
+            </p:spPr>
+            <p:txBody>
+              <a:bodyPr/>
+              <a:lstStyle/>
+              <a:p>
+                <a:r>
+                  <a:rPr lang="en-US">
+                    <a:noFill/>
+                  </a:rPr>
+                  <a:t> </a:t>
+                </a:r>
+              </a:p>
+            </p:txBody>
+          </p:sp>
+        </mc:Fallback>
+      </mc:AlternateContent>
+      <mc:AlternateContent xmlns:mc="http://schemas.openxmlformats.org/markup-compatibility/2006">
+        <mc:Choice xmlns:a14="http://schemas.microsoft.com/office/drawing/2010/main" Requires="a14">
           <p:sp>
             <p:nvSpPr>
               <p:cNvPr id="4" name="TextBox 3"/>
@@ -17264,7 +17333,7 @@
                   <a:buChar char="Ø"/>
                 </a:pPr>
                 <a:r>
-                  <a:rPr lang="pt-BR" sz="1600" dirty="0" smtClean="0"/>
+                  <a:rPr lang="pt-BR" sz="1600" dirty="0"/>
                   <a:t>Defina valores iniciais para o vetor de pesos </a:t>
                 </a:r>
                 <a14:m>
@@ -17279,7 +17348,7 @@
                 </a14:m>
                 <a:r>
                   <a:rPr lang="pt-BR" sz="1600" dirty="0"/>
-                  <a:t> e um passo de aprendizagem </a:t>
+                  <a:t>, um passo de aprendizagem </a:t>
                 </a:r>
                 <a14:m>
                   <m:oMath xmlns:m="http://schemas.openxmlformats.org/officeDocument/2006/math">
@@ -17294,7 +17363,29 @@
                 </a14:m>
                 <a:r>
                   <a:rPr lang="pt-BR" sz="1600" dirty="0"/>
-                  <a:t> pequeno. </a:t>
+                  <a:t> pequeno e o tamanho </a:t>
+                </a:r>
+                <a14:m>
+                  <m:oMath xmlns:m="http://schemas.openxmlformats.org/officeDocument/2006/math">
+                    <m:r>
+                      <a:rPr lang="pt-BR" sz="1600" i="1">
+                        <a:latin typeface="Cambria Math" panose="02040503050406030204" pitchFamily="18" charset="0"/>
+                      </a:rPr>
+                      <m:t>𝑚</m:t>
+                    </m:r>
+                  </m:oMath>
+                </a14:m>
+                <a:r>
+                  <a:rPr lang="pt-BR" sz="1600" dirty="0"/>
+                  <a:t> do </a:t>
+                </a:r>
+                <a:r>
+                  <a:rPr lang="pt-BR" sz="1600" dirty="0" err="1"/>
+                  <a:t>mini-batch</a:t>
+                </a:r>
+                <a:r>
+                  <a:rPr lang="pt-BR" sz="1600" dirty="0"/>
+                  <a:t>. </a:t>
                 </a:r>
               </a:p>
               <a:p>
@@ -17324,12 +17415,12 @@
                 </a14:m>
                 <a:r>
                   <a:rPr lang="pt-BR" sz="1600" dirty="0"/>
-                  <a:t> e calcule </a:t>
+                  <a:t> (época) e calcule </a:t>
                 </a:r>
                 <a14:m>
                   <m:oMath xmlns:m="http://schemas.openxmlformats.org/officeDocument/2006/math">
                     <m:r>
-                      <a:rPr lang="pt-BR" sz="1600" b="0" i="1" smtClean="0">
+                      <a:rPr lang="pt-BR" sz="1600" i="1">
                         <a:latin typeface="Cambria Math" panose="02040503050406030204" pitchFamily="18" charset="0"/>
                       </a:rPr>
                       <m:t>𝐽</m:t>
@@ -17337,7 +17428,7 @@
                     <m:d>
                       <m:dPr>
                         <m:ctrlPr>
-                          <a:rPr lang="pt-BR" sz="1600" b="0" i="1" smtClean="0">
+                          <a:rPr lang="pt-BR" sz="1600" i="1">
                             <a:latin typeface="Cambria Math" panose="02040503050406030204" pitchFamily="18" charset="0"/>
                           </a:rPr>
                         </m:ctrlPr>
@@ -17352,14 +17443,14 @@
                         <m:d>
                           <m:dPr>
                             <m:ctrlPr>
-                              <a:rPr lang="pt-BR" sz="1600" b="1" i="1" smtClean="0">
+                              <a:rPr lang="pt-BR" sz="1600" b="1" i="1">
                                 <a:latin typeface="Cambria Math" panose="02040503050406030204" pitchFamily="18" charset="0"/>
                               </a:rPr>
                             </m:ctrlPr>
                           </m:dPr>
                           <m:e>
                             <m:r>
-                              <a:rPr lang="pt-BR" sz="1600" b="0" i="1" smtClean="0">
+                              <a:rPr lang="pt-BR" sz="1600" i="1">
                                 <a:latin typeface="Cambria Math" panose="02040503050406030204" pitchFamily="18" charset="0"/>
                               </a:rPr>
                               <m:t>𝑘</m:t>
@@ -17450,23 +17541,7 @@
                 </a14:m>
                 <a:r>
                   <a:rPr lang="pt-BR" sz="1600" dirty="0"/>
-                  <a:t>de entrada, amostrado </a:t>
-                </a:r>
-                <a:r>
-                  <a:rPr lang="pt-BR" sz="1600" dirty="0" smtClean="0"/>
-                  <a:t>aleatóriamente sem reposição para </a:t>
-                </a:r>
-                <a:r>
-                  <a:rPr lang="pt-BR" sz="1600" dirty="0"/>
-                  <a:t>compor um </a:t>
-                </a:r>
-                <a:r>
-                  <a:rPr lang="pt-BR" sz="1600" b="1" i="1" dirty="0"/>
-                  <a:t>minibatch</a:t>
-                </a:r>
-                <a:r>
-                  <a:rPr lang="pt-BR" sz="1600" dirty="0"/>
-                  <a:t>, à rede.</a:t>
+                  <a:t>de entrada, amostrado aleatóriamente sem reposição do conjunto de treinamento, à rede.</a:t>
                 </a:r>
               </a:p>
               <a:p>
@@ -17543,7 +17618,7 @@
                 </a14:m>
                 <a:r>
                   <a:rPr lang="pt-BR" sz="1600" dirty="0"/>
-                  <a:t> e </a:t>
+                  <a:t> e calcule e armazene </a:t>
                 </a:r>
                 <a14:m>
                   <m:oMath xmlns:m="http://schemas.openxmlformats.org/officeDocument/2006/math">
@@ -17931,7 +18006,7 @@
             </p:txBody>
           </p:sp>
         </mc:Choice>
-        <mc:Fallback xmlns="">
+        <mc:Fallback>
           <p:sp>
             <p:nvSpPr>
               <p:cNvPr id="4" name="TextBox 3"/>
@@ -17948,8 +18023,8 @@
               <a:prstGeom prst="rect">
                 <a:avLst/>
               </a:prstGeom>
-              <a:blipFill rotWithShape="0">
-                <a:blip r:embed="rId2"/>
+              <a:blipFill>
+                <a:blip r:embed="rId3"/>
                 <a:stretch>
                   <a:fillRect l="-169" t="-488" b="-1463"/>
                 </a:stretch>
@@ -17965,7 +18040,7 @@
               <a:lstStyle/>
               <a:p>
                 <a:r>
-                  <a:rPr lang="pt-BR">
+                  <a:rPr lang="en-US">
                     <a:noFill/>
                   </a:rPr>
                   <a:t> </a:t>
@@ -18022,13 +18097,8 @@
           <a:p>
             <a:r>
               <a:rPr lang="pt-BR" dirty="0"/>
-              <a:t>Variações dos algoritmos de otimização dos </a:t>
-            </a:r>
-            <a:r>
-              <a:rPr lang="pt-BR" dirty="0" smtClean="0"/>
-              <a:t>pesos</a:t>
-            </a:r>
-            <a:endParaRPr lang="pt-BR" dirty="0"/>
+              <a:t>Variações dos algoritmos de otimização dos pesos</a:t>
+            </a:r>
           </a:p>
         </p:txBody>
       </p:sp>
@@ -18068,45 +18138,21 @@
             </a:r>
             <a:r>
               <a:rPr lang="pt-BR" b="1" i="1" dirty="0"/>
-              <a:t>pesos sinápticos</a:t>
+              <a:t>pesos </a:t>
             </a:r>
             <a:r>
               <a:rPr lang="pt-BR" dirty="0"/>
-              <a:t> de uma rede neural. </a:t>
+              <a:t>de uma rede neural. </a:t>
             </a:r>
           </a:p>
           <a:p>
             <a:r>
               <a:rPr lang="pt-BR" dirty="0"/>
-              <a:t>Aqui, vamos nos ater </a:t>
-            </a:r>
-            <a:r>
-              <a:rPr lang="pt-BR" dirty="0" smtClean="0"/>
-              <a:t>aos </a:t>
-            </a:r>
-            <a:r>
-              <a:rPr lang="pt-BR" dirty="0"/>
-              <a:t>métodos </a:t>
-            </a:r>
-            <a:r>
-              <a:rPr lang="pt-BR" dirty="0" smtClean="0"/>
-              <a:t>mais usuais </a:t>
-            </a:r>
-            <a:r>
-              <a:rPr lang="pt-BR" dirty="0"/>
-              <a:t>na literatura moderna, que se encontra bastante focada </a:t>
-            </a:r>
-            <a:r>
-              <a:rPr lang="pt-BR" dirty="0" smtClean="0"/>
-              <a:t>no </a:t>
-            </a:r>
-            <a:r>
-              <a:rPr lang="pt-BR" b="1" i="1" dirty="0" smtClean="0"/>
-              <a:t>apredizado </a:t>
+              <a:t>Aqui, vamos nos ater aos métodos mais usuais na literatura moderna, que se encontra bastante focada no </a:t>
             </a:r>
             <a:r>
               <a:rPr lang="pt-BR" b="1" i="1" dirty="0"/>
-              <a:t>profundo</a:t>
+              <a:t>apredizado profundo</a:t>
             </a:r>
             <a:r>
               <a:rPr lang="pt-BR" dirty="0"/>
@@ -18146,15 +18192,7 @@
             </a:r>
             <a:r>
               <a:rPr lang="pt-BR" dirty="0"/>
-              <a:t> utiliza um único exemplo </a:t>
-            </a:r>
-            <a:r>
-              <a:rPr lang="pt-BR" dirty="0" smtClean="0"/>
-              <a:t>(que deve ser tomado </a:t>
-            </a:r>
-            <a:r>
-              <a:rPr lang="pt-BR" dirty="0"/>
-              <a:t>aleatóriamente) para estimar o gradiente da </a:t>
+              <a:t> utiliza um único exemplo (que deve ser tomado aleatóriamente) para estimar o gradiente da </a:t>
             </a:r>
             <a:r>
               <a:rPr lang="pt-BR" b="1" i="1" dirty="0"/>
@@ -18222,11 +18260,7 @@
             </a:r>
             <a:r>
               <a:rPr lang="pt-BR" dirty="0"/>
-              <a:t>, </a:t>
-            </a:r>
-            <a:r>
-              <a:rPr lang="pt-BR" dirty="0" smtClean="0"/>
-              <a:t>como o </a:t>
+              <a:t>, como o </a:t>
             </a:r>
             <a:r>
               <a:rPr lang="pt-BR" b="1" i="1" dirty="0"/>
@@ -18237,11 +18271,11 @@
               <a:t>, são conhecidos como métodos de </a:t>
             </a:r>
             <a:r>
-              <a:rPr lang="pt-BR" b="1" i="1" dirty="0" smtClean="0"/>
+              <a:rPr lang="pt-BR" b="1" i="1" dirty="0"/>
               <a:t>gradiente descendente estocástico</a:t>
             </a:r>
             <a:r>
-              <a:rPr lang="pt-BR" dirty="0" smtClean="0"/>
+              <a:rPr lang="pt-BR" dirty="0"/>
               <a:t>.</a:t>
             </a:r>
             <a:endParaRPr lang="pt-BR" b="1" dirty="0"/>

--- a/slides/T320_Redes_Neurais_Artificiais (Parte IV).pptx
+++ b/slides/T320_Redes_Neurais_Artificiais (Parte IV).pptx
@@ -1428,20 +1428,16 @@
               <a:defRPr/>
             </a:pPr>
             <a:r>
-              <a:rPr lang="pt-BR" dirty="0"/>
-              <a:t>Para mais informações</a:t>
-            </a:r>
-            <a:r>
-              <a:rPr lang="pt-BR" baseline="0" dirty="0"/>
-              <a:t> sobre esses </a:t>
-            </a:r>
-            <a:r>
-              <a:rPr lang="pt-BR" b="1" dirty="0"/>
-              <a:t>Modelos com Passo de Aprendizagem Adaptativo</a:t>
-            </a:r>
-            <a:r>
-              <a:rPr lang="pt-BR" b="0" baseline="0" dirty="0"/>
-              <a:t> vejam:</a:t>
+              <a:rPr lang="pt-BR" dirty="0" smtClean="0"/>
+              <a:t>O </a:t>
+            </a:r>
+            <a:r>
+              <a:rPr lang="pt-BR" dirty="0" err="1" smtClean="0"/>
+              <a:t>AdaGrad</a:t>
+            </a:r>
+            <a:r>
+              <a:rPr lang="pt-BR" dirty="0" smtClean="0"/>
+              <a:t> é adequado para funções objetivo onde a curvatura do espaço de busca (superfície de erro) é diferente em diferentes dimensões, permitindo uma otimização mais efetiva dada a customização do tamanho do passo em cada dimensão.</a:t>
             </a:r>
           </a:p>
           <a:p>
@@ -1462,10 +1458,101 @@
               <a:tabLst/>
               <a:defRPr/>
             </a:pPr>
+            <a:endParaRPr lang="pt-BR" dirty="0" smtClean="0"/>
+          </a:p>
+          <a:p>
+            <a:pPr marL="0" marR="0" lvl="0" indent="0" algn="l" defTabSz="914400" rtl="0" eaLnBrk="1" fontAlgn="auto" latinLnBrk="0" hangingPunct="1">
+              <a:lnSpc>
+                <a:spcPct val="100000"/>
+              </a:lnSpc>
+              <a:spcBef>
+                <a:spcPts val="0"/>
+              </a:spcBef>
+              <a:spcAft>
+                <a:spcPts val="0"/>
+              </a:spcAft>
+              <a:buClrTx/>
+              <a:buSzTx/>
+              <a:buFontTx/>
+              <a:buNone/>
+              <a:tabLst/>
+              <a:defRPr/>
+            </a:pPr>
+            <a:r>
+              <a:rPr lang="pt-BR" dirty="0" smtClean="0"/>
+              <a:t>Para </a:t>
+            </a:r>
             <a:r>
               <a:rPr lang="pt-BR" dirty="0"/>
-              <a:t>[2] GOODFELLOW, I., BENGIO, Y., COURVILLE, A., Deep Learning, MIT Press, 2016. HAYKIN, S. Neural Networks and Learning Machines, 3rd edition, Prentice-Hall, 2008.</a:t>
-            </a:r>
+              <a:t>mais informações</a:t>
+            </a:r>
+            <a:r>
+              <a:rPr lang="pt-BR" baseline="0" dirty="0"/>
+              <a:t> sobre esses </a:t>
+            </a:r>
+            <a:r>
+              <a:rPr lang="pt-BR" b="1" dirty="0"/>
+              <a:t>Modelos com Passo de Aprendizagem Adaptativo</a:t>
+            </a:r>
+            <a:r>
+              <a:rPr lang="pt-BR" b="0" baseline="0" dirty="0"/>
+              <a:t> vejam:</a:t>
+            </a:r>
+          </a:p>
+          <a:p>
+            <a:pPr marL="0" marR="0" lvl="0" indent="0" algn="l" defTabSz="914400" rtl="0" eaLnBrk="1" fontAlgn="auto" latinLnBrk="0" hangingPunct="1">
+              <a:lnSpc>
+                <a:spcPct val="100000"/>
+              </a:lnSpc>
+              <a:spcBef>
+                <a:spcPts val="0"/>
+              </a:spcBef>
+              <a:spcAft>
+                <a:spcPts val="0"/>
+              </a:spcAft>
+              <a:buClrTx/>
+              <a:buSzTx/>
+              <a:buFontTx/>
+              <a:buNone/>
+              <a:tabLst/>
+              <a:defRPr/>
+            </a:pPr>
+            <a:r>
+              <a:rPr lang="pt-BR" dirty="0" smtClean="0"/>
+              <a:t>[1] </a:t>
+            </a:r>
+            <a:r>
+              <a:rPr lang="pt-BR" dirty="0"/>
+              <a:t>GOODFELLOW, I., BENGIO, Y., COURVILLE, A., Deep Learning, MIT Press, 2016. HAYKIN, S. Neural Networks and Learning Machines, 3rd edition, Prentice-Hall, 2008</a:t>
+            </a:r>
+            <a:r>
+              <a:rPr lang="pt-BR" dirty="0" smtClean="0"/>
+              <a:t>.</a:t>
+            </a:r>
+          </a:p>
+          <a:p>
+            <a:pPr marL="0" marR="0" lvl="0" indent="0" algn="l" defTabSz="914400" rtl="0" eaLnBrk="1" fontAlgn="auto" latinLnBrk="0" hangingPunct="1">
+              <a:lnSpc>
+                <a:spcPct val="100000"/>
+              </a:lnSpc>
+              <a:spcBef>
+                <a:spcPts val="0"/>
+              </a:spcBef>
+              <a:spcAft>
+                <a:spcPts val="0"/>
+              </a:spcAft>
+              <a:buClrTx/>
+              <a:buSzTx/>
+              <a:buFontTx/>
+              <a:buNone/>
+              <a:tabLst/>
+              <a:defRPr/>
+            </a:pPr>
+            <a:r>
+              <a:rPr lang="pt-BR" dirty="0" smtClean="0"/>
+              <a:t>[2] https://towardsdatascience.com/adaptive-learning-rate-adagrad-and-rmsprop-46a7d547d244</a:t>
+            </a:r>
+            <a:endParaRPr lang="pt-BR" dirty="0"/>
           </a:p>
           <a:p>
             <a:pPr marL="0" marR="0" lvl="0" indent="0" algn="l" defTabSz="914400" rtl="0" eaLnBrk="1" fontAlgn="auto" latinLnBrk="0" hangingPunct="1">
@@ -1590,8 +1677,153 @@
           <a:lstStyle/>
           <a:p>
             <a:r>
+              <a:rPr lang="en-US" sz="1200" b="0" i="0" kern="1200" dirty="0" smtClean="0">
+                <a:solidFill>
+                  <a:schemeClr val="tx1"/>
+                </a:solidFill>
+                <a:effectLst/>
+                <a:latin typeface="+mn-lt"/>
+                <a:ea typeface="+mn-ea"/>
+                <a:cs typeface="+mn-cs"/>
+              </a:rPr>
+              <a:t>A local search algorithm starts from a candidate solution and then </a:t>
+            </a:r>
+            <a:r>
+              <a:rPr lang="en-US" sz="1200" b="0" i="0" u="sng" kern="1200" dirty="0" smtClean="0">
+                <a:solidFill>
+                  <a:schemeClr val="tx1"/>
+                </a:solidFill>
+                <a:effectLst/>
+                <a:latin typeface="+mn-lt"/>
+                <a:ea typeface="+mn-ea"/>
+                <a:cs typeface="+mn-cs"/>
+                <a:hlinkClick r:id="rId3"/>
+              </a:rPr>
+              <a:t>iteratively</a:t>
+            </a:r>
+            <a:r>
+              <a:rPr lang="en-US" sz="1200" b="0" i="0" kern="1200" dirty="0" smtClean="0">
+                <a:solidFill>
+                  <a:schemeClr val="tx1"/>
+                </a:solidFill>
+                <a:effectLst/>
+                <a:latin typeface="+mn-lt"/>
+                <a:ea typeface="+mn-ea"/>
+                <a:cs typeface="+mn-cs"/>
+              </a:rPr>
+              <a:t> moves to a </a:t>
+            </a:r>
+            <a:r>
+              <a:rPr lang="en-US" sz="1200" b="0" i="0" u="none" strike="noStrike" kern="1200" dirty="0" smtClean="0">
+                <a:solidFill>
+                  <a:schemeClr val="tx1"/>
+                </a:solidFill>
+                <a:effectLst/>
+                <a:latin typeface="+mn-lt"/>
+                <a:ea typeface="+mn-ea"/>
+                <a:cs typeface="+mn-cs"/>
+                <a:hlinkClick r:id="rId4" tooltip="Neighbourhood (mathematics)"/>
+              </a:rPr>
+              <a:t>neighbor</a:t>
+            </a:r>
+            <a:r>
+              <a:rPr lang="en-US" sz="1200" b="0" i="0" kern="1200" dirty="0" smtClean="0">
+                <a:solidFill>
+                  <a:schemeClr val="tx1"/>
+                </a:solidFill>
+                <a:effectLst/>
+                <a:latin typeface="+mn-lt"/>
+                <a:ea typeface="+mn-ea"/>
+                <a:cs typeface="+mn-cs"/>
+              </a:rPr>
+              <a:t> solution; a neighborhood being the set of all potential solutions that differ from the current solution by the minimal possible extent.</a:t>
+            </a:r>
+          </a:p>
+          <a:p>
+            <a:endParaRPr lang="pt-BR" sz="1200" b="0" i="0" kern="1200" dirty="0" smtClean="0">
+              <a:solidFill>
+                <a:schemeClr val="tx1"/>
+              </a:solidFill>
+              <a:effectLst/>
+              <a:latin typeface="+mn-lt"/>
+              <a:ea typeface="+mn-ea"/>
+              <a:cs typeface="+mn-cs"/>
+            </a:endParaRPr>
+          </a:p>
+          <a:p>
+            <a:r>
+              <a:rPr lang="en-US" sz="1200" b="0" i="0" kern="1200" dirty="0" smtClean="0">
+                <a:solidFill>
+                  <a:schemeClr val="tx1"/>
+                </a:solidFill>
+                <a:effectLst/>
+                <a:latin typeface="+mn-lt"/>
+                <a:ea typeface="+mn-ea"/>
+                <a:cs typeface="+mn-cs"/>
+              </a:rPr>
+              <a:t>Global search is distinguished from local search by its focus on finding the minimum or maximum over the given set, as opposed to finding </a:t>
+            </a:r>
+            <a:r>
+              <a:rPr lang="en-US" sz="1200" b="0" i="1" kern="1200" dirty="0" smtClean="0">
+                <a:solidFill>
+                  <a:schemeClr val="tx1"/>
+                </a:solidFill>
+                <a:effectLst/>
+                <a:latin typeface="+mn-lt"/>
+                <a:ea typeface="+mn-ea"/>
+                <a:cs typeface="+mn-cs"/>
+              </a:rPr>
+              <a:t>local</a:t>
+            </a:r>
+            <a:r>
+              <a:rPr lang="en-US" sz="1200" b="0" i="0" kern="1200" dirty="0" smtClean="0">
+                <a:solidFill>
+                  <a:schemeClr val="tx1"/>
+                </a:solidFill>
+                <a:effectLst/>
+                <a:latin typeface="+mn-lt"/>
+                <a:ea typeface="+mn-ea"/>
+                <a:cs typeface="+mn-cs"/>
+              </a:rPr>
+              <a:t> minima or maxima. Finding an arbitrary local minimum is relatively straightforward by using classical </a:t>
+            </a:r>
+            <a:r>
+              <a:rPr lang="en-US" sz="1200" b="0" i="1" kern="1200" dirty="0" smtClean="0">
+                <a:solidFill>
+                  <a:schemeClr val="tx1"/>
+                </a:solidFill>
+                <a:effectLst/>
+                <a:latin typeface="+mn-lt"/>
+                <a:ea typeface="+mn-ea"/>
+                <a:cs typeface="+mn-cs"/>
+              </a:rPr>
+              <a:t>local optimization</a:t>
+            </a:r>
+            <a:r>
+              <a:rPr lang="en-US" sz="1200" b="0" i="0" kern="1200" dirty="0" smtClean="0">
+                <a:solidFill>
+                  <a:schemeClr val="tx1"/>
+                </a:solidFill>
+                <a:effectLst/>
+                <a:latin typeface="+mn-lt"/>
+                <a:ea typeface="+mn-ea"/>
+                <a:cs typeface="+mn-cs"/>
+              </a:rPr>
+              <a:t> methods. Finding the global minimum of a function is far more difficult</a:t>
+            </a:r>
+            <a:endParaRPr lang="pt-BR" dirty="0" smtClean="0"/>
+          </a:p>
+          <a:p>
+            <a:endParaRPr lang="pt-BR" dirty="0" smtClean="0"/>
+          </a:p>
+          <a:p>
+            <a:r>
+              <a:rPr lang="pt-BR" dirty="0" smtClean="0"/>
+              <a:t>O </a:t>
+            </a:r>
+            <a:r>
               <a:rPr lang="pt-BR" dirty="0"/>
-              <a:t>O ponto inicial pode determinar se o algoritmo converge, sendo alguns pontos iniciais tão instáveis que o algoritmo encontra dificuldades numéricas e falha completamente.</a:t>
+              <a:t>ponto inicial pode determinar se o algoritmo converge, sendo alguns pontos iniciais tão instáveis que o algoritmo encontra dificuldades numéricas e falha completamente.</a:t>
             </a:r>
           </a:p>
           <a:p>
@@ -5048,7 +5280,7 @@
           <p:cNvPr id="2" name="Título 1">
             <a:extLst>
               <a:ext uri="{FF2B5EF4-FFF2-40B4-BE49-F238E27FC236}">
-                <a16:creationId xmlns:a16="http://schemas.microsoft.com/office/drawing/2014/main" id="{32666AC8-2E17-4DB4-B0F5-60C640CCFD2E}"/>
+                <a16:creationId xmlns:a16="http://schemas.microsoft.com/office/drawing/2014/main" xmlns="" id="{32666AC8-2E17-4DB4-B0F5-60C640CCFD2E}"/>
               </a:ext>
             </a:extLst>
           </p:cNvPr>
@@ -5075,6 +5307,10 @@
               <a:rPr lang="pt-BR" sz="5400" dirty="0"/>
               <a:t>T320 - Introdução ao Aprendizado de Máquina II:</a:t>
             </a:r>
+            <a:r>
+              <a:rPr lang="pt-BR" dirty="0"/>
+              <a:t/>
+            </a:r>
             <a:br>
               <a:rPr lang="pt-BR" dirty="0"/>
             </a:br>
@@ -5095,7 +5331,7 @@
           <p:cNvPr id="4" name="CaixaDeTexto 3">
             <a:extLst>
               <a:ext uri="{FF2B5EF4-FFF2-40B4-BE49-F238E27FC236}">
-                <a16:creationId xmlns:a16="http://schemas.microsoft.com/office/drawing/2014/main" id="{430EB894-B7D4-434C-9D1A-A14094D9BEEC}"/>
+                <a16:creationId xmlns:a16="http://schemas.microsoft.com/office/drawing/2014/main" xmlns="" id="{430EB894-B7D4-434C-9D1A-A14094D9BEEC}"/>
               </a:ext>
             </a:extLst>
           </p:cNvPr>
@@ -5136,7 +5372,7 @@
           <p:cNvPr id="1026" name="Picture 2" descr="Logo">
             <a:extLst>
               <a:ext uri="{FF2B5EF4-FFF2-40B4-BE49-F238E27FC236}">
-                <a16:creationId xmlns:a16="http://schemas.microsoft.com/office/drawing/2014/main" id="{3F2642E0-4F6A-4196-8F58-E77D36E9A33F}"/>
+                <a16:creationId xmlns:a16="http://schemas.microsoft.com/office/drawing/2014/main" xmlns="" id="{3F2642E0-4F6A-4196-8F58-E77D36E9A33F}"/>
               </a:ext>
             </a:extLst>
           </p:cNvPr>
@@ -5181,7 +5417,7 @@
           <p:cNvPr id="5122" name="Picture 2" descr="Image result for machine learning">
             <a:extLst>
               <a:ext uri="{FF2B5EF4-FFF2-40B4-BE49-F238E27FC236}">
-                <a16:creationId xmlns:a16="http://schemas.microsoft.com/office/drawing/2014/main" id="{810CE0A2-4102-44A6-A370-175E7896CDCB}"/>
+                <a16:creationId xmlns:a16="http://schemas.microsoft.com/office/drawing/2014/main" xmlns="" id="{810CE0A2-4102-44A6-A370-175E7896CDCB}"/>
               </a:ext>
             </a:extLst>
           </p:cNvPr>
@@ -5287,41 +5523,63 @@
             </p:nvSpPr>
             <p:spPr>
               <a:xfrm>
-                <a:off x="838199" y="1825624"/>
-                <a:ext cx="7116194" cy="5032375"/>
+                <a:off x="838197" y="1825624"/>
+                <a:ext cx="6963385" cy="5032375"/>
               </a:xfrm>
             </p:spPr>
             <p:txBody>
               <a:bodyPr>
-                <a:normAutofit fontScale="85000" lnSpcReduction="10000"/>
+                <a:normAutofit fontScale="92500" lnSpcReduction="10000"/>
               </a:bodyPr>
               <a:lstStyle/>
               <a:p>
                 <a:pPr>
                   <a:buFont typeface="Wingdings" panose="05000000000000000000" pitchFamily="2" charset="2"/>
-                  <a:buChar char="§"/>
+                  <a:buChar char="Ø"/>
                 </a:pPr>
                 <a:r>
-                  <a:rPr lang="pt-BR" dirty="0"/>
-                  <a:t>A escolha do</a:t>
-                </a:r>
-                <a:r>
-                  <a:rPr lang="pt-BR" b="1" i="1" dirty="0"/>
-                  <a:t> passo de aprendizagem</a:t>
-                </a:r>
-                <a:r>
-                  <a:rPr lang="pt-BR" dirty="0"/>
-                  <a:t> é complicada e nos remete ao conhecido compromisso entre velocidade de convergência e estabilidade/precisão. </a:t>
+                  <a:rPr lang="pt-BR" b="1" dirty="0" smtClean="0"/>
+                  <a:t>Redução programada do passo de aprendizagem</a:t>
                 </a:r>
               </a:p>
               <a:p>
-                <a:pPr>
+                <a:pPr lvl="1">
                   <a:buFont typeface="Wingdings" panose="05000000000000000000" pitchFamily="2" charset="2"/>
                   <a:buChar char="§"/>
                 </a:pPr>
                 <a:r>
+                  <a:rPr lang="pt-BR" dirty="0" smtClean="0"/>
+                  <a:t>A escolha do</a:t>
+                </a:r>
+                <a:r>
+                  <a:rPr lang="pt-BR" b="1" i="1" dirty="0" smtClean="0"/>
+                  <a:t> passo de aprendizagem</a:t>
+                </a:r>
+                <a:r>
+                  <a:rPr lang="pt-BR" dirty="0" smtClean="0"/>
+                  <a:t> é complicada e exige um compromisso entre velocidade de convergência e estabilidade/precisão. </a:t>
+                </a:r>
+              </a:p>
+              <a:p>
+                <a:pPr lvl="1">
+                  <a:buFont typeface="Wingdings" panose="05000000000000000000" pitchFamily="2" charset="2"/>
+                  <a:buChar char="§"/>
+                </a:pPr>
+                <a:r>
+                  <a:rPr lang="pt-BR" dirty="0" smtClean="0"/>
+                  <a:t>Pode-se </a:t>
+                </a:r>
+                <a:r>
                   <a:rPr lang="pt-BR" dirty="0"/>
-                  <a:t>Pode-se usar um valor fixo, mas geralmente, se adota uma variação decrescente de um valor </a:t>
+                  <a:t>usar um valor fixo, mas </a:t>
+                </a:r>
+                <a:r>
+                  <a:rPr lang="pt-BR" dirty="0" smtClean="0"/>
+                  <a:t>geralmente para o GDE e MB, </a:t>
+                </a:r>
+                <a:r>
+                  <a:rPr lang="pt-BR" dirty="0"/>
+                  <a:t>se adota uma variação decrescente de um valor </a:t>
                 </a:r>
                 <a14:m>
                   <m:oMath xmlns:m="http://schemas.openxmlformats.org/officeDocument/2006/math">
@@ -5586,7 +5844,7 @@
                 </a:r>
               </a:p>
               <a:p>
-                <a:pPr marL="0" indent="0">
+                <a:pPr marL="457200" lvl="1" indent="0">
                   <a:buNone/>
                 </a:pPr>
                 <a:r>
@@ -5610,7 +5868,7 @@
                 </a:r>
               </a:p>
               <a:p>
-                <a:pPr>
+                <a:pPr lvl="1">
                   <a:buFont typeface="Wingdings" panose="05000000000000000000" pitchFamily="2" charset="2"/>
                   <a:buChar char="§"/>
                 </a:pPr>
@@ -5631,17 +5889,37 @@
                 </a14:m>
                 <a:r>
                   <a:rPr lang="pt-BR" dirty="0"/>
-                  <a:t>-ésima iteração, pode-se deixar o valor do passo de aprendizagem fixo, como mostrado na figura ao lado.</a:t>
+                  <a:t>-ésima iteração, </a:t>
+                </a:r>
+                <a:r>
+                  <a:rPr lang="pt-BR" dirty="0" smtClean="0"/>
+                  <a:t>deixa-se o </a:t>
+                </a:r>
+                <a:r>
+                  <a:rPr lang="pt-BR" dirty="0"/>
+                  <a:t>valor do passo de aprendizagem fixo, como mostrado na figura ao lado.</a:t>
                 </a:r>
               </a:p>
               <a:p>
-                <a:pPr>
+                <a:pPr lvl="1">
                   <a:buFont typeface="Wingdings" panose="05000000000000000000" pitchFamily="2" charset="2"/>
                   <a:buChar char="§"/>
                 </a:pPr>
                 <a:r>
+                  <a:rPr lang="pt-BR" dirty="0" smtClean="0"/>
+                  <a:t>Porém, </a:t>
+                </a:r>
+                <a:r>
                   <a:rPr lang="pt-BR" dirty="0"/>
-                  <a:t>Naturalmente, a definição dos hiperparâmetros necessários, </a:t>
+                  <a:t>a definição dos </a:t>
+                </a:r>
+                <a:r>
+                  <a:rPr lang="pt-BR" dirty="0" err="1" smtClean="0"/>
+                  <a:t>hiperparâmetros</a:t>
+                </a:r>
+                <a:r>
+                  <a:rPr lang="pt-BR" dirty="0" smtClean="0"/>
+                  <a:t> </a:t>
                 </a:r>
                 <a14:m>
                   <m:oMath xmlns:m="http://schemas.openxmlformats.org/officeDocument/2006/math">
@@ -5736,13 +6014,13 @@
             </p:nvSpPr>
             <p:spPr>
               <a:xfrm>
-                <a:off x="838199" y="1825624"/>
-                <a:ext cx="7116194" cy="5032375"/>
+                <a:off x="838197" y="1825624"/>
+                <a:ext cx="6963385" cy="5032375"/>
               </a:xfrm>
-              <a:blipFill>
+              <a:blipFill rotWithShape="0">
                 <a:blip r:embed="rId2"/>
                 <a:stretch>
-                  <a:fillRect l="-1284" t="-2300" r="-1712" b="-1574"/>
+                  <a:fillRect l="-1312" t="-2421" r="-1137"/>
                 </a:stretch>
               </a:blipFill>
             </p:spPr>
@@ -6077,8 +6355,8 @@
         </p:blipFill>
         <p:spPr>
           <a:xfrm>
-            <a:off x="10137719" y="4845601"/>
-            <a:ext cx="2018769" cy="2012399"/>
+            <a:off x="10005713" y="4714011"/>
+            <a:ext cx="2150776" cy="2143989"/>
           </a:xfrm>
           <a:prstGeom prst="rect">
             <a:avLst/>
@@ -6106,8 +6384,8 @@
         </p:blipFill>
         <p:spPr>
           <a:xfrm>
-            <a:off x="7827724" y="4827993"/>
-            <a:ext cx="2036156" cy="2030006"/>
+            <a:off x="7694580" y="4695251"/>
+            <a:ext cx="2169300" cy="2162748"/>
           </a:xfrm>
           <a:prstGeom prst="rect">
             <a:avLst/>
@@ -6122,8 +6400,8 @@
         </p:nvSpPr>
         <p:spPr>
           <a:xfrm>
-            <a:off x="9638909" y="5566205"/>
-            <a:ext cx="449942" cy="553582"/>
+            <a:off x="9665747" y="5594547"/>
+            <a:ext cx="364735" cy="525240"/>
           </a:xfrm>
           <a:prstGeom prst="rightArrow">
             <a:avLst/>
@@ -6211,8 +6489,8 @@
           </a:p>
         </p:txBody>
       </p:sp>
-      <mc:AlternateContent xmlns:mc="http://schemas.openxmlformats.org/markup-compatibility/2006" xmlns:a14="http://schemas.microsoft.com/office/drawing/2010/main">
-        <mc:Choice Requires="a14">
+      <mc:AlternateContent xmlns:mc="http://schemas.openxmlformats.org/markup-compatibility/2006">
+        <mc:Choice xmlns:a14="http://schemas.microsoft.com/office/drawing/2010/main" Requires="a14">
           <p:sp>
             <p:nvSpPr>
               <p:cNvPr id="3" name="Content Placeholder 2"/>
@@ -6286,8 +6564,21 @@
                 </a:pPr>
                 <a:r>
                   <a:rPr lang="pt-BR" dirty="0"/>
-                  <a:t>Esse termo tem o potencial de melhorar a convergência das versões online e em mini-lotes do gradiente descendente.</a:t>
-                </a:r>
+                  <a:t>Esse termo tem o potencial de </a:t>
+                </a:r>
+                <a:r>
+                  <a:rPr lang="pt-BR" dirty="0" smtClean="0"/>
+                  <a:t>aumentar a velocidade de </a:t>
+                </a:r>
+                <a:r>
+                  <a:rPr lang="pt-BR" dirty="0"/>
+                  <a:t>convergência das versões online e em mini-lotes do gradiente </a:t>
+                </a:r>
+                <a:r>
+                  <a:rPr lang="pt-BR" dirty="0" smtClean="0"/>
+                  <a:t>descendente e deixá-las mais estáveis.</a:t>
+                </a:r>
+                <a:endParaRPr lang="pt-BR" dirty="0"/>
               </a:p>
               <a:p>
                 <a:pPr lvl="1">
@@ -6645,7 +6936,7 @@
             </p:txBody>
           </p:sp>
         </mc:Choice>
-        <mc:Fallback xmlns="">
+        <mc:Fallback>
           <p:sp>
             <p:nvSpPr>
               <p:cNvPr id="3" name="Content Placeholder 2"/>
@@ -6664,7 +6955,7 @@
               <a:blipFill rotWithShape="0">
                 <a:blip r:embed="rId3"/>
                 <a:stretch>
-                  <a:fillRect l="-930" t="-2594" b="-472"/>
+                  <a:fillRect l="-930" t="-2594" r="-1149" b="-472"/>
                 </a:stretch>
               </a:blipFill>
             </p:spPr>
@@ -6673,7 +6964,7 @@
               <a:lstStyle/>
               <a:p>
                 <a:r>
-                  <a:rPr lang="pt-BR">
+                  <a:rPr lang="en-US">
                     <a:noFill/>
                   </a:rPr>
                   <a:t> </a:t>
@@ -6735,8 +7026,8 @@
           </a:p>
         </p:txBody>
       </p:sp>
-      <mc:AlternateContent xmlns:mc="http://schemas.openxmlformats.org/markup-compatibility/2006" xmlns:a14="http://schemas.microsoft.com/office/drawing/2010/main">
-        <mc:Choice Requires="a14">
+      <mc:AlternateContent xmlns:mc="http://schemas.openxmlformats.org/markup-compatibility/2006">
+        <mc:Choice xmlns:a14="http://schemas.microsoft.com/office/drawing/2010/main" Requires="a14">
           <p:sp>
             <p:nvSpPr>
               <p:cNvPr id="3" name="Content Placeholder 2"/>
@@ -6750,7 +7041,7 @@
             <p:spPr>
               <a:xfrm>
                 <a:off x="838198" y="1825625"/>
-                <a:ext cx="8596088" cy="5032375"/>
+                <a:ext cx="8276619" cy="5032375"/>
               </a:xfrm>
             </p:spPr>
             <p:txBody>
@@ -6775,12 +7066,24 @@
                   <a:buChar char="§"/>
                 </a:pPr>
                 <a:r>
+                  <a:rPr lang="pt-BR" dirty="0" smtClean="0"/>
+                  <a:t>Em física, </a:t>
+                </a:r>
+                <a:r>
                   <a:rPr lang="pt-BR" b="1" i="1" dirty="0"/>
-                  <a:t>Momento</a:t>
+                  <a:t>m</a:t>
+                </a:r>
+                <a:r>
+                  <a:rPr lang="pt-BR" b="1" i="1" dirty="0" smtClean="0"/>
+                  <a:t>omento</a:t>
+                </a:r>
+                <a:r>
+                  <a:rPr lang="pt-BR" dirty="0" smtClean="0"/>
+                  <a:t> é </a:t>
                 </a:r>
                 <a:r>
                   <a:rPr lang="pt-BR" dirty="0"/>
-                  <a:t> em física é igual a </a:t>
+                  <a:t>igual a </a:t>
                 </a:r>
                 <a:r>
                   <a:rPr lang="pt-BR" b="1" i="1" dirty="0"/>
@@ -6788,7 +7091,30 @@
                 </a:r>
                 <a:r>
                   <a:rPr lang="pt-BR" dirty="0"/>
-                  <a:t>. No algoritmo do momento, assumimos que a massa é unitária, então o vetor velocidade </a:t>
+                  <a:t>. </a:t>
+                </a:r>
+                <a:endParaRPr lang="pt-BR" dirty="0" smtClean="0"/>
+              </a:p>
+              <a:p>
+                <a:pPr lvl="1">
+                  <a:buFont typeface="Wingdings" panose="05000000000000000000" pitchFamily="2" charset="2"/>
+                  <a:buChar char="§"/>
+                </a:pPr>
+                <a:r>
+                  <a:rPr lang="pt-BR" dirty="0" smtClean="0"/>
+                  <a:t>No </a:t>
+                </a:r>
+                <a:r>
+                  <a:rPr lang="pt-BR" dirty="0"/>
+                  <a:t>algoritmo do </a:t>
+                </a:r>
+                <a:r>
+                  <a:rPr lang="pt-BR" dirty="0" smtClean="0"/>
+                  <a:t>momento, </a:t>
+                </a:r>
+                <a:r>
+                  <a:rPr lang="pt-BR" dirty="0"/>
+                  <a:t>assumimos que a massa é unitária, então o vetor velocidade </a:t>
                 </a:r>
                 <a14:m>
                   <m:oMath xmlns:m="http://schemas.openxmlformats.org/officeDocument/2006/math">
@@ -6838,8 +7164,13 @@
                 </a:pPr>
                 <a:r>
                   <a:rPr lang="pt-BR" dirty="0"/>
-                  <a:t>Quando o gradiente aponta na mesma direção por várias iterações, o termo aumenta o tamanho dos passos dados em direção ao mínimo.</a:t>
-                </a:r>
+                  <a:t>Quando o gradiente aponta na mesma direção por várias iterações, o termo aumenta o tamanho dos passos dados </a:t>
+                </a:r>
+                <a:r>
+                  <a:rPr lang="pt-BR" dirty="0" smtClean="0"/>
+                  <a:t>naquela direção.</a:t>
+                </a:r>
+                <a:endParaRPr lang="pt-BR" dirty="0"/>
               </a:p>
               <a:p>
                 <a:pPr lvl="2">
@@ -6848,8 +7179,13 @@
                 </a:pPr>
                 <a:r>
                   <a:rPr lang="pt-BR" dirty="0"/>
-                  <a:t>Quando o gradiente muda de direção a cada nova iteração, o termo momento suaviza as variações.</a:t>
-                </a:r>
+                  <a:t>Quando o gradiente muda de direção a cada nova iteração, o termo momento suaviza as </a:t>
+                </a:r>
+                <a:r>
+                  <a:rPr lang="pt-BR" dirty="0" smtClean="0"/>
+                  <a:t>variações (figura ao lado).</a:t>
+                </a:r>
+                <a:endParaRPr lang="pt-BR" dirty="0"/>
               </a:p>
               <a:p>
                 <a:pPr lvl="2">
@@ -6858,23 +7194,18 @@
                 </a:pPr>
                 <a:r>
                   <a:rPr lang="pt-BR" dirty="0"/>
-                  <a:t>Como resultado, temos convergência mais rápida e oscilação reduzida.</a:t>
-                </a:r>
-              </a:p>
-              <a:p>
-                <a:pPr lvl="1">
-                  <a:buFont typeface="Wingdings" panose="05000000000000000000" pitchFamily="2" charset="2"/>
-                  <a:buChar char="§"/>
-                </a:pPr>
-                <a:r>
-                  <a:rPr lang="pt-BR" dirty="0"/>
-                  <a:t>O efeito do algoritmo do momentum no GDE é ilustrado na figura ao lado.</a:t>
-                </a:r>
+                  <a:t>Como resultado, temos convergência mais rápida e oscilação reduzida</a:t>
+                </a:r>
+                <a:r>
+                  <a:rPr lang="pt-BR" dirty="0" smtClean="0"/>
+                  <a:t>.</a:t>
+                </a:r>
+                <a:endParaRPr lang="pt-BR" dirty="0"/>
               </a:p>
             </p:txBody>
           </p:sp>
         </mc:Choice>
-        <mc:Fallback xmlns="">
+        <mc:Fallback>
           <p:sp>
             <p:nvSpPr>
               <p:cNvPr id="3" name="Content Placeholder 2"/>
@@ -6888,12 +7219,12 @@
             <p:spPr>
               <a:xfrm>
                 <a:off x="838198" y="1825625"/>
-                <a:ext cx="8596088" cy="5032375"/>
+                <a:ext cx="8276619" cy="5032375"/>
               </a:xfrm>
               <a:blipFill rotWithShape="0">
                 <a:blip r:embed="rId3"/>
                 <a:stretch>
-                  <a:fillRect l="-1205" t="-1937" r="-709"/>
+                  <a:fillRect l="-1252" t="-1937" r="-1546"/>
                 </a:stretch>
               </a:blipFill>
             </p:spPr>
@@ -6902,7 +7233,7 @@
               <a:lstStyle/>
               <a:p>
                 <a:r>
-                  <a:rPr lang="pt-BR">
+                  <a:rPr lang="en-US">
                     <a:noFill/>
                   </a:rPr>
                   <a:t> </a:t>
@@ -6933,8 +7264,8 @@
         </p:blipFill>
         <p:spPr>
           <a:xfrm>
-            <a:off x="9381069" y="2115909"/>
-            <a:ext cx="2781903" cy="4444546"/>
+            <a:off x="9085633" y="1690528"/>
+            <a:ext cx="3048155" cy="4869927"/>
           </a:xfrm>
           <a:prstGeom prst="rect">
             <a:avLst/>
@@ -7001,8 +7332,8 @@
           </a:p>
         </p:txBody>
       </p:sp>
-      <mc:AlternateContent xmlns:mc="http://schemas.openxmlformats.org/markup-compatibility/2006" xmlns:a14="http://schemas.microsoft.com/office/drawing/2010/main">
-        <mc:Choice Requires="a14">
+      <mc:AlternateContent xmlns:mc="http://schemas.openxmlformats.org/markup-compatibility/2006">
+        <mc:Choice xmlns:a14="http://schemas.microsoft.com/office/drawing/2010/main" Requires="a14">
           <p:sp>
             <p:nvSpPr>
               <p:cNvPr id="3" name="Content Placeholder 2"/>
@@ -7015,13 +7346,13 @@
             </p:nvSpPr>
             <p:spPr>
               <a:xfrm>
-                <a:off x="838199" y="1825624"/>
-                <a:ext cx="11224492" cy="5032375"/>
+                <a:off x="838198" y="1760706"/>
+                <a:ext cx="11224100" cy="5097293"/>
               </a:xfrm>
             </p:spPr>
             <p:txBody>
               <a:bodyPr>
-                <a:normAutofit fontScale="92500"/>
+                <a:normAutofit fontScale="92500" lnSpcReduction="20000"/>
               </a:bodyPr>
               <a:lstStyle/>
               <a:p>
@@ -7165,7 +7496,15 @@
                 </a:pPr>
                 <a:r>
                   <a:rPr lang="pt-BR" dirty="0"/>
-                  <a:t>Isso motivou o surgimento de um conjunto de métodos com mecanismos capazes de modificá-lo dinamicamente. </a:t>
+                  <a:t>Isso motivou o surgimento de um conjunto de métodos com mecanismos capazes de </a:t>
+                </a:r>
+                <a:r>
+                  <a:rPr lang="pt-BR" dirty="0" smtClean="0"/>
+                  <a:t>ajustá-lo </a:t>
+                </a:r>
+                <a:r>
+                  <a:rPr lang="pt-BR" dirty="0"/>
+                  <a:t>dinamicamente. </a:t>
                 </a:r>
               </a:p>
               <a:p>
@@ -7175,7 +7514,11 @@
                 </a:pPr>
                 <a:r>
                   <a:rPr lang="pt-BR" dirty="0"/>
-                  <a:t>O passo é ajustado de acordo com o desempenho da rede e, além disso, pode-se ter passos diferentes para cada peso do modelo, os quais são atualizados de forma independente. </a:t>
+                  <a:t>O passo é ajustado de acordo com o desempenho da </a:t>
+                </a:r>
+                <a:r>
+                  <a:rPr lang="pt-BR" dirty="0" smtClean="0"/>
+                  <a:t>rede, i.e., informação dos gradientes passados.</a:t>
                 </a:r>
               </a:p>
               <a:p>
@@ -7184,8 +7527,50 @@
                   <a:buChar char="§"/>
                 </a:pPr>
                 <a:r>
+                  <a:rPr lang="pt-BR" dirty="0" smtClean="0"/>
+                  <a:t>Além </a:t>
+                </a:r>
+                <a:r>
                   <a:rPr lang="pt-BR" dirty="0"/>
-                  <a:t>Dentre as técnicas mais populares dessa classe estão </a:t>
+                  <a:t>disso, pode-se ter </a:t>
+                </a:r>
+                <a:r>
+                  <a:rPr lang="pt-BR" b="1" i="1" dirty="0"/>
+                  <a:t>passos diferentes para cada peso do modelo</a:t>
+                </a:r>
+                <a:r>
+                  <a:rPr lang="pt-BR" dirty="0"/>
+                  <a:t>, os quais são atualizados de forma independente. </a:t>
+                </a:r>
+                <a:endParaRPr lang="pt-BR" dirty="0" smtClean="0"/>
+              </a:p>
+              <a:p>
+                <a:pPr lvl="1">
+                  <a:buFont typeface="Wingdings" panose="05000000000000000000" pitchFamily="2" charset="2"/>
+                  <a:buChar char="§"/>
+                </a:pPr>
+                <a:r>
+                  <a:rPr lang="pt-BR" dirty="0" smtClean="0"/>
+                  <a:t>Portanto, são adequados para redes neurais, onde a superfície de erro é diferente em diferentes dimensões, tornando a atualização dos pesos mais efetiva.</a:t>
+                </a:r>
+                <a:endParaRPr lang="pt-BR" dirty="0"/>
+              </a:p>
+              <a:p>
+                <a:pPr lvl="1">
+                  <a:buFont typeface="Wingdings" panose="05000000000000000000" pitchFamily="2" charset="2"/>
+                  <a:buChar char="§"/>
+                </a:pPr>
+                <a:r>
+                  <a:rPr lang="pt-BR" dirty="0"/>
+                  <a:t>Dentre as técnicas mais </a:t>
+                </a:r>
+                <a:r>
+                  <a:rPr lang="pt-BR" dirty="0" smtClean="0"/>
+                  <a:t>populares </a:t>
+                </a:r>
+                <a:r>
+                  <a:rPr lang="pt-BR" dirty="0"/>
+                  <a:t>dessa classe estão </a:t>
                 </a:r>
                 <a:r>
                   <a:rPr lang="pt-BR" b="1" i="1" dirty="0"/>
@@ -7212,7 +7597,7 @@
             </p:txBody>
           </p:sp>
         </mc:Choice>
-        <mc:Fallback xmlns="">
+        <mc:Fallback>
           <p:sp>
             <p:nvSpPr>
               <p:cNvPr id="3" name="Content Placeholder 2"/>
@@ -7225,13 +7610,13 @@
             </p:nvSpPr>
             <p:spPr>
               <a:xfrm>
-                <a:off x="838199" y="1825624"/>
-                <a:ext cx="11224492" cy="5032375"/>
+                <a:off x="838198" y="1760706"/>
+                <a:ext cx="11224100" cy="5097293"/>
               </a:xfrm>
               <a:blipFill rotWithShape="0">
                 <a:blip r:embed="rId3"/>
                 <a:stretch>
-                  <a:fillRect l="-814" t="-1816" r="-1194" b="-484"/>
+                  <a:fillRect l="-814" t="-2990" r="-1194" b="-1555"/>
                 </a:stretch>
               </a:blipFill>
             </p:spPr>
@@ -7240,7 +7625,7 @@
               <a:lstStyle/>
               <a:p>
                 <a:r>
-                  <a:rPr lang="pt-BR">
+                  <a:rPr lang="en-US">
                     <a:noFill/>
                   </a:rPr>
                   <a:t> </a:t>
@@ -7325,8 +7710,12 @@
           <a:lstStyle/>
           <a:p>
             <a:r>
+              <a:rPr lang="pt-BR" dirty="0" smtClean="0"/>
+              <a:t>Uma </a:t>
+            </a:r>
+            <a:r>
               <a:rPr lang="pt-BR" dirty="0"/>
-              <a:t>Uma vez que os métodos de treinamento de </a:t>
+              <a:t>vez que os métodos de treinamento de </a:t>
             </a:r>
             <a:r>
               <a:rPr lang="pt-BR" b="1" i="1" dirty="0"/>
@@ -7334,16 +7723,24 @@
             </a:r>
             <a:r>
               <a:rPr lang="pt-BR" dirty="0"/>
-              <a:t>são iterativos, eles dependem de uma </a:t>
+              <a:t>são iterativos,</a:t>
+            </a:r>
+            <a:br>
+              <a:rPr lang="pt-BR" dirty="0"/>
+            </a:br>
+            <a:r>
+              <a:rPr lang="pt-BR" dirty="0"/>
+              <a:t>eles dependem de uma </a:t>
             </a:r>
             <a:r>
               <a:rPr lang="pt-BR" b="1" i="1" dirty="0"/>
               <a:t>inicialização dos pesos</a:t>
             </a:r>
             <a:r>
-              <a:rPr lang="pt-BR" dirty="0"/>
-              <a:t>. </a:t>
-            </a:r>
+              <a:rPr lang="pt-BR" dirty="0" smtClean="0"/>
+              <a:t>.</a:t>
+            </a:r>
+            <a:endParaRPr lang="pt-BR" dirty="0"/>
           </a:p>
           <a:p>
             <a:r>
@@ -7391,8 +7788,24 @@
           </a:p>
           <a:p>
             <a:r>
+              <a:rPr lang="pt-BR" dirty="0" smtClean="0"/>
+              <a:t>A inicialização t</a:t>
+            </a:r>
+            <a:r>
+              <a:rPr lang="pt-BR" dirty="0" smtClean="0"/>
+              <a:t>ambém </a:t>
+            </a:r>
+            <a:r>
               <a:rPr lang="pt-BR" dirty="0"/>
-              <a:t>Também pode haver variações expressivas na </a:t>
+              <a:t>pode </a:t>
+            </a:r>
+            <a:r>
+              <a:rPr lang="pt-BR" dirty="0" smtClean="0"/>
+              <a:t>fazer com que ocorram variações </a:t>
+            </a:r>
+            <a:r>
+              <a:rPr lang="pt-BR" dirty="0"/>
+              <a:t>expressivas na </a:t>
             </a:r>
             <a:r>
               <a:rPr lang="pt-BR" b="1" i="1" dirty="0"/>
@@ -7448,7 +7861,11 @@
             </a:r>
             <a:r>
               <a:rPr lang="pt-BR" b="1" i="1" dirty="0"/>
-              <a:t>abordagem aleatória</a:t>
+              <a:t>abordagem </a:t>
+            </a:r>
+            <a:r>
+              <a:rPr lang="pt-BR" b="1" i="1" dirty="0" smtClean="0"/>
+              <a:t>de inicialização aleatória</a:t>
             </a:r>
             <a:r>
               <a:rPr lang="pt-BR" dirty="0"/>
@@ -7465,7 +7882,7 @@
         </p:nvSpPr>
         <p:spPr>
           <a:xfrm>
-            <a:off x="8197958" y="6550223"/>
+            <a:off x="8158040" y="6550223"/>
             <a:ext cx="3994042" cy="307777"/>
           </a:xfrm>
           <a:prstGeom prst="rect">
@@ -7733,8 +8150,8 @@
           </a:p>
         </p:txBody>
       </p:sp>
-      <mc:AlternateContent xmlns:mc="http://schemas.openxmlformats.org/markup-compatibility/2006" xmlns:a14="http://schemas.microsoft.com/office/drawing/2010/main">
-        <mc:Choice Requires="a14">
+      <mc:AlternateContent xmlns:mc="http://schemas.openxmlformats.org/markup-compatibility/2006">
+        <mc:Choice xmlns:a14="http://schemas.microsoft.com/office/drawing/2010/main" Requires="a14">
           <p:sp>
             <p:nvSpPr>
               <p:cNvPr id="3" name="Content Placeholder 2"/>
@@ -7787,7 +8204,15 @@
                 </a14:m>
                 <a:r>
                   <a:rPr lang="pt-BR" dirty="0"/>
-                  <a:t> saídas, temos as seguintes heurísticas para inicializar os </a:t>
+                  <a:t> saídas, temos as seguintes </a:t>
+                </a:r>
+                <a:r>
+                  <a:rPr lang="pt-BR" b="1" i="1" dirty="0"/>
+                  <a:t>heurísticas</a:t>
+                </a:r>
+                <a:r>
+                  <a:rPr lang="pt-BR" dirty="0"/>
+                  <a:t> para inicializar os </a:t>
                 </a:r>
                 <a:r>
                   <a:rPr lang="pt-BR" b="1" i="1" dirty="0"/>
@@ -7814,7 +8239,7 @@
                 <a:endParaRPr lang="pt-BR" dirty="0"/>
               </a:p>
               <a:p>
-                <a:endParaRPr lang="pt-BR" dirty="0"/>
+                <a:endParaRPr lang="pt-BR" dirty="0" smtClean="0"/>
               </a:p>
               <a:p>
                 <a:endParaRPr lang="pt-BR" dirty="0"/>
@@ -7825,8 +8250,12 @@
                   <a:t>Uma heurística para a inicialização dos </a:t>
                 </a:r>
                 <a:r>
+                  <a:rPr lang="pt-BR" b="1" i="1" dirty="0" smtClean="0"/>
+                  <a:t>pesos de </a:t>
+                </a:r>
+                <a:r>
                   <a:rPr lang="pt-BR" b="1" i="1" dirty="0"/>
-                  <a:t>termos de bias </a:t>
+                  <a:t>bias </a:t>
                 </a:r>
                 <a:r>
                   <a:rPr lang="pt-BR" dirty="0"/>
@@ -7844,7 +8273,7 @@
             </p:txBody>
           </p:sp>
         </mc:Choice>
-        <mc:Fallback xmlns="">
+        <mc:Fallback>
           <p:sp>
             <p:nvSpPr>
               <p:cNvPr id="3" name="Content Placeholder 2"/>
@@ -7872,7 +8301,7 @@
               <a:lstStyle/>
               <a:p>
                 <a:r>
-                  <a:rPr lang="pt-BR">
+                  <a:rPr lang="en-US">
                     <a:noFill/>
                   </a:rPr>
                   <a:t> </a:t>
@@ -7882,8 +8311,8 @@
           </p:sp>
         </mc:Fallback>
       </mc:AlternateContent>
-      <mc:AlternateContent xmlns:mc="http://schemas.openxmlformats.org/markup-compatibility/2006" xmlns:a14="http://schemas.microsoft.com/office/drawing/2010/main">
-        <mc:Choice Requires="a14">
+      <mc:AlternateContent xmlns:mc="http://schemas.openxmlformats.org/markup-compatibility/2006">
+        <mc:Choice xmlns:a14="http://schemas.microsoft.com/office/drawing/2010/main" Requires="a14">
           <p:graphicFrame>
             <p:nvGraphicFramePr>
               <p:cNvPr id="4" name="Table 3"/>
@@ -7893,7 +8322,7 @@
               <p:nvPr>
                 <p:extLst>
                   <p:ext uri="{D42A27DB-BD31-4B8C-83A1-F6EECF244321}">
-                    <p14:modId xmlns:p14="http://schemas.microsoft.com/office/powerpoint/2010/main" val="155999690"/>
+                    <p14:modId xmlns:p14="http://schemas.microsoft.com/office/powerpoint/2010/main" val="2057178719"/>
                   </p:ext>
                 </p:extLst>
               </p:nvPr>
@@ -7912,28 +8341,28 @@
                     <a:gridCol w="1854751">
                       <a:extLst>
                         <a:ext uri="{9D8B030D-6E8A-4147-A177-3AD203B41FA5}">
-                          <a16:colId xmlns:a16="http://schemas.microsoft.com/office/drawing/2014/main" val="20000"/>
+                          <a16:colId xmlns:a16="http://schemas.microsoft.com/office/drawing/2014/main" xmlns="" val="20000"/>
                         </a:ext>
                       </a:extLst>
                     </a:gridCol>
                     <a:gridCol w="3663486">
                       <a:extLst>
                         <a:ext uri="{9D8B030D-6E8A-4147-A177-3AD203B41FA5}">
-                          <a16:colId xmlns:a16="http://schemas.microsoft.com/office/drawing/2014/main" val="20001"/>
+                          <a16:colId xmlns:a16="http://schemas.microsoft.com/office/drawing/2014/main" xmlns="" val="20001"/>
                         </a:ext>
                       </a:extLst>
                     </a:gridCol>
                     <a:gridCol w="3080660">
                       <a:extLst>
                         <a:ext uri="{9D8B030D-6E8A-4147-A177-3AD203B41FA5}">
-                          <a16:colId xmlns:a16="http://schemas.microsoft.com/office/drawing/2014/main" val="20002"/>
+                          <a16:colId xmlns:a16="http://schemas.microsoft.com/office/drawing/2014/main" xmlns="" val="20002"/>
                         </a:ext>
                       </a:extLst>
                     </a:gridCol>
                     <a:gridCol w="2437577">
                       <a:extLst>
                         <a:ext uri="{9D8B030D-6E8A-4147-A177-3AD203B41FA5}">
-                          <a16:colId xmlns:a16="http://schemas.microsoft.com/office/drawing/2014/main" val="20003"/>
+                          <a16:colId xmlns:a16="http://schemas.microsoft.com/office/drawing/2014/main" xmlns="" val="20003"/>
                         </a:ext>
                       </a:extLst>
                     </a:gridCol>
@@ -8254,7 +8683,7 @@
                     </a:tc>
                     <a:extLst>
                       <a:ext uri="{0D108BD9-81ED-4DB2-BD59-A6C34878D82A}">
-                        <a16:rowId xmlns:a16="http://schemas.microsoft.com/office/drawing/2014/main" val="10000"/>
+                        <a16:rowId xmlns:a16="http://schemas.microsoft.com/office/drawing/2014/main" xmlns="" val="10000"/>
                       </a:ext>
                     </a:extLst>
                   </a:tr>
@@ -8317,8 +8746,12 @@
                         <a:p>
                           <a:pPr algn="ctr"/>
                           <a:r>
+                            <a:rPr lang="pt-BR" sz="1600" dirty="0" smtClean="0"/>
+                            <a:t>Nenhuma (Linear), </a:t>
+                          </a:r>
+                          <a:r>
                             <a:rPr lang="pt-BR" sz="1600" dirty="0"/>
-                            <a:t>Nenhuma, Tanh, Logística, Softmax</a:t>
+                            <a:t>Tanh, Logística, Softmax</a:t>
                           </a:r>
                         </a:p>
                       </a:txBody>
@@ -8608,7 +9041,7 @@
                     </a:tc>
                     <a:extLst>
                       <a:ext uri="{0D108BD9-81ED-4DB2-BD59-A6C34878D82A}">
-                        <a16:rowId xmlns:a16="http://schemas.microsoft.com/office/drawing/2014/main" val="10001"/>
+                        <a16:rowId xmlns:a16="http://schemas.microsoft.com/office/drawing/2014/main" xmlns="" val="10001"/>
                       </a:ext>
                     </a:extLst>
                   </a:tr>
@@ -8959,7 +9392,7 @@
                     </a:tc>
                     <a:extLst>
                       <a:ext uri="{0D108BD9-81ED-4DB2-BD59-A6C34878D82A}">
-                        <a16:rowId xmlns:a16="http://schemas.microsoft.com/office/drawing/2014/main" val="10002"/>
+                        <a16:rowId xmlns:a16="http://schemas.microsoft.com/office/drawing/2014/main" xmlns="" val="10002"/>
                       </a:ext>
                     </a:extLst>
                   </a:tr>
@@ -9305,7 +9738,7 @@
                     </a:tc>
                     <a:extLst>
                       <a:ext uri="{0D108BD9-81ED-4DB2-BD59-A6C34878D82A}">
-                        <a16:rowId xmlns:a16="http://schemas.microsoft.com/office/drawing/2014/main" val="10003"/>
+                        <a16:rowId xmlns:a16="http://schemas.microsoft.com/office/drawing/2014/main" xmlns="" val="10003"/>
                       </a:ext>
                     </a:extLst>
                   </a:tr>
@@ -9314,7 +9747,7 @@
             </a:graphic>
           </p:graphicFrame>
         </mc:Choice>
-        <mc:Fallback xmlns="">
+        <mc:Fallback>
           <p:graphicFrame>
             <p:nvGraphicFramePr>
               <p:cNvPr id="4" name="Table 3"/>
@@ -9324,7 +9757,7 @@
               <p:nvPr>
                 <p:extLst>
                   <p:ext uri="{D42A27DB-BD31-4B8C-83A1-F6EECF244321}">
-                    <p14:modId xmlns:p14="http://schemas.microsoft.com/office/powerpoint/2010/main" val="155999690"/>
+                    <p14:modId xmlns:p14="http://schemas.microsoft.com/office/powerpoint/2010/main" val="2057178719"/>
                   </p:ext>
                 </p:extLst>
               </p:nvPr>
@@ -9340,10 +9773,34 @@
                     <a:tableStyleId>{2D5ABB26-0587-4C30-8999-92F81FD0307C}</a:tableStyleId>
                   </a:tblPr>
                   <a:tblGrid>
-                    <a:gridCol w="1854751"/>
-                    <a:gridCol w="3663486"/>
-                    <a:gridCol w="3080660"/>
-                    <a:gridCol w="2437577"/>
+                    <a:gridCol w="1854751">
+                      <a:extLst>
+                        <a:ext uri="{9D8B030D-6E8A-4147-A177-3AD203B41FA5}">
+                          <a16:colId xmlns:a16="http://schemas.microsoft.com/office/drawing/2014/main" xmlns:a14="http://schemas.microsoft.com/office/drawing/2010/main" xmlns="" val="20000"/>
+                        </a:ext>
+                      </a:extLst>
+                    </a:gridCol>
+                    <a:gridCol w="3663486">
+                      <a:extLst>
+                        <a:ext uri="{9D8B030D-6E8A-4147-A177-3AD203B41FA5}">
+                          <a16:colId xmlns:a16="http://schemas.microsoft.com/office/drawing/2014/main" xmlns:a14="http://schemas.microsoft.com/office/drawing/2010/main" xmlns="" val="20001"/>
+                        </a:ext>
+                      </a:extLst>
+                    </a:gridCol>
+                    <a:gridCol w="3080660">
+                      <a:extLst>
+                        <a:ext uri="{9D8B030D-6E8A-4147-A177-3AD203B41FA5}">
+                          <a16:colId xmlns:a16="http://schemas.microsoft.com/office/drawing/2014/main" xmlns:a14="http://schemas.microsoft.com/office/drawing/2010/main" xmlns="" val="20002"/>
+                        </a:ext>
+                      </a:extLst>
+                    </a:gridCol>
+                    <a:gridCol w="2437577">
+                      <a:extLst>
+                        <a:ext uri="{9D8B030D-6E8A-4147-A177-3AD203B41FA5}">
+                          <a16:colId xmlns:a16="http://schemas.microsoft.com/office/drawing/2014/main" xmlns:a14="http://schemas.microsoft.com/office/drawing/2010/main" xmlns="" val="20003"/>
+                        </a:ext>
+                      </a:extLst>
+                    </a:gridCol>
                   </a:tblGrid>
                   <a:tr h="579120">
                     <a:tc>
@@ -9353,10 +9810,9 @@
                         <a:p>
                           <a:pPr algn="ctr"/>
                           <a:r>
-                            <a:rPr lang="pt-BR" sz="1600" b="1" dirty="0" smtClean="0"/>
+                            <a:rPr lang="pt-BR" sz="1600" b="1" dirty="0"/>
                             <a:t>Inicialização</a:t>
                           </a:r>
-                          <a:endParaRPr lang="pt-BR" sz="1600" b="1" dirty="0"/>
                         </a:p>
                       </a:txBody>
                       <a:tcPr>
@@ -9405,10 +9861,9 @@
                         <a:p>
                           <a:pPr algn="ctr"/>
                           <a:r>
-                            <a:rPr lang="pt-BR" sz="1600" b="1" dirty="0" smtClean="0"/>
+                            <a:rPr lang="pt-BR" sz="1600" b="1" dirty="0"/>
                             <a:t>Funções de ativação</a:t>
                           </a:r>
-                          <a:endParaRPr lang="pt-BR" sz="1600" b="1" dirty="0"/>
                         </a:p>
                       </a:txBody>
                       <a:tcPr>
@@ -9455,7 +9910,7 @@
                         <a:bodyPr/>
                         <a:lstStyle/>
                         <a:p>
-                          <a:endParaRPr lang="pt-BR"/>
+                          <a:endParaRPr lang="en-US"/>
                         </a:p>
                       </a:txBody>
                       <a:tcPr>
@@ -9508,7 +9963,7 @@
                         <a:bodyPr/>
                         <a:lstStyle/>
                         <a:p>
-                          <a:endParaRPr lang="pt-BR"/>
+                          <a:endParaRPr lang="en-US"/>
                         </a:p>
                       </a:txBody>
                       <a:tcPr>
@@ -9556,6 +10011,11 @@
                         </a:blipFill>
                       </a:tcPr>
                     </a:tc>
+                    <a:extLst>
+                      <a:ext uri="{0D108BD9-81ED-4DB2-BD59-A6C34878D82A}">
+                        <a16:rowId xmlns:a16="http://schemas.microsoft.com/office/drawing/2014/main" xmlns:a14="http://schemas.microsoft.com/office/drawing/2010/main" xmlns="" val="10000"/>
+                      </a:ext>
+                    </a:extLst>
                   </a:tr>
                   <a:tr h="831489">
                     <a:tc>
@@ -9565,10 +10025,9 @@
                         <a:p>
                           <a:pPr algn="ctr"/>
                           <a:r>
-                            <a:rPr lang="pt-BR" sz="1600" dirty="0" smtClean="0"/>
+                            <a:rPr lang="pt-BR" sz="1600" dirty="0"/>
                             <a:t>Xavier/Glorot</a:t>
                           </a:r>
-                          <a:endParaRPr lang="pt-BR" sz="1600" dirty="0"/>
                         </a:p>
                       </a:txBody>
                       <a:tcPr anchor="ctr">
@@ -9618,9 +10077,12 @@
                           <a:pPr algn="ctr"/>
                           <a:r>
                             <a:rPr lang="pt-BR" sz="1600" dirty="0" smtClean="0"/>
-                            <a:t>Nenhuma, Tanh, Logística, Softmax</a:t>
+                            <a:t>Nenhuma (Linear), </a:t>
                           </a:r>
-                          <a:endParaRPr lang="pt-BR" sz="1600" dirty="0"/>
+                          <a:r>
+                            <a:rPr lang="pt-BR" sz="1600" dirty="0"/>
+                            <a:t>Tanh, Logística, Softmax</a:t>
+                          </a:r>
                         </a:p>
                       </a:txBody>
                       <a:tcPr anchor="ctr">
@@ -9667,7 +10129,7 @@
                         <a:bodyPr/>
                         <a:lstStyle/>
                         <a:p>
-                          <a:endParaRPr lang="pt-BR"/>
+                          <a:endParaRPr lang="en-US"/>
                         </a:p>
                       </a:txBody>
                       <a:tcPr anchor="ctr">
@@ -9720,7 +10182,7 @@
                         <a:bodyPr/>
                         <a:lstStyle/>
                         <a:p>
-                          <a:endParaRPr lang="pt-BR"/>
+                          <a:endParaRPr lang="en-US"/>
                         </a:p>
                       </a:txBody>
                       <a:tcPr anchor="ctr">
@@ -9768,6 +10230,11 @@
                         </a:blipFill>
                       </a:tcPr>
                     </a:tc>
+                    <a:extLst>
+                      <a:ext uri="{0D108BD9-81ED-4DB2-BD59-A6C34878D82A}">
+                        <a16:rowId xmlns:a16="http://schemas.microsoft.com/office/drawing/2014/main" xmlns:a14="http://schemas.microsoft.com/office/drawing/2010/main" xmlns="" val="10001"/>
+                      </a:ext>
+                    </a:extLst>
                   </a:tr>
                   <a:tr h="831489">
                     <a:tc>
@@ -9777,10 +10244,9 @@
                         <a:p>
                           <a:pPr algn="ctr"/>
                           <a:r>
-                            <a:rPr lang="pt-BR" sz="1600" dirty="0" smtClean="0"/>
+                            <a:rPr lang="pt-BR" sz="1600" dirty="0"/>
                             <a:t>He</a:t>
                           </a:r>
-                          <a:endParaRPr lang="pt-BR" sz="1600" dirty="0"/>
                         </a:p>
                       </a:txBody>
                       <a:tcPr anchor="ctr">
@@ -9829,11 +10295,11 @@
                         <a:p>
                           <a:pPr algn="ctr"/>
                           <a:r>
-                            <a:rPr lang="pt-BR" sz="1600" dirty="0" smtClean="0"/>
+                            <a:rPr lang="pt-BR" sz="1600" dirty="0"/>
                             <a:t>ReLU</a:t>
                           </a:r>
                           <a:r>
-                            <a:rPr lang="pt-BR" sz="1600" baseline="0" dirty="0" smtClean="0"/>
+                            <a:rPr lang="pt-BR" sz="1600" baseline="0" dirty="0"/>
                             <a:t> e variantes</a:t>
                           </a:r>
                           <a:endParaRPr lang="pt-BR" sz="1600" dirty="0"/>
@@ -9883,7 +10349,7 @@
                         <a:bodyPr/>
                         <a:lstStyle/>
                         <a:p>
-                          <a:endParaRPr lang="pt-BR"/>
+                          <a:endParaRPr lang="en-US"/>
                         </a:p>
                       </a:txBody>
                       <a:tcPr anchor="ctr">
@@ -9936,7 +10402,7 @@
                         <a:bodyPr/>
                         <a:lstStyle/>
                         <a:p>
-                          <a:endParaRPr lang="pt-BR"/>
+                          <a:endParaRPr lang="en-US"/>
                         </a:p>
                       </a:txBody>
                       <a:tcPr anchor="ctr">
@@ -9984,6 +10450,11 @@
                         </a:blipFill>
                       </a:tcPr>
                     </a:tc>
+                    <a:extLst>
+                      <a:ext uri="{0D108BD9-81ED-4DB2-BD59-A6C34878D82A}">
+                        <a16:rowId xmlns:a16="http://schemas.microsoft.com/office/drawing/2014/main" xmlns:a14="http://schemas.microsoft.com/office/drawing/2010/main" xmlns="" val="10002"/>
+                      </a:ext>
+                    </a:extLst>
                   </a:tr>
                   <a:tr h="831489">
                     <a:tc>
@@ -9993,10 +10464,9 @@
                         <a:p>
                           <a:pPr algn="ctr"/>
                           <a:r>
-                            <a:rPr lang="pt-BR" sz="1600" dirty="0" smtClean="0"/>
+                            <a:rPr lang="pt-BR" sz="1600" dirty="0"/>
                             <a:t>LeCun</a:t>
                           </a:r>
-                          <a:endParaRPr lang="pt-BR" sz="1600" dirty="0"/>
                         </a:p>
                       </a:txBody>
                       <a:tcPr anchor="ctr">
@@ -10045,10 +10515,9 @@
                         <a:p>
                           <a:pPr algn="ctr"/>
                           <a:r>
-                            <a:rPr lang="pt-BR" sz="1600" dirty="0" smtClean="0"/>
+                            <a:rPr lang="pt-BR" sz="1600" dirty="0"/>
                             <a:t>SELU</a:t>
                           </a:r>
-                          <a:endParaRPr lang="pt-BR" sz="1600" dirty="0"/>
                         </a:p>
                       </a:txBody>
                       <a:tcPr anchor="ctr">
@@ -10095,7 +10564,7 @@
                         <a:bodyPr/>
                         <a:lstStyle/>
                         <a:p>
-                          <a:endParaRPr lang="pt-BR"/>
+                          <a:endParaRPr lang="en-US"/>
                         </a:p>
                       </a:txBody>
                       <a:tcPr anchor="ctr">
@@ -10148,7 +10617,7 @@
                         <a:bodyPr/>
                         <a:lstStyle/>
                         <a:p>
-                          <a:endParaRPr lang="pt-BR"/>
+                          <a:endParaRPr lang="en-US"/>
                         </a:p>
                       </a:txBody>
                       <a:tcPr anchor="ctr">
@@ -10196,6 +10665,11 @@
                         </a:blipFill>
                       </a:tcPr>
                     </a:tc>
+                    <a:extLst>
+                      <a:ext uri="{0D108BD9-81ED-4DB2-BD59-A6C34878D82A}">
+                        <a16:rowId xmlns:a16="http://schemas.microsoft.com/office/drawing/2014/main" xmlns:a14="http://schemas.microsoft.com/office/drawing/2010/main" xmlns="" val="10003"/>
+                      </a:ext>
+                    </a:extLst>
                   </a:tr>
                 </a:tbl>
               </a:graphicData>
@@ -10278,13 +10752,17 @@
         </p:spPr>
         <p:txBody>
           <a:bodyPr>
-            <a:normAutofit fontScale="92500" lnSpcReduction="10000"/>
+            <a:normAutofit fontScale="92500"/>
           </a:bodyPr>
           <a:lstStyle/>
           <a:p>
             <a:r>
+              <a:rPr lang="pt-BR" dirty="0" smtClean="0"/>
+              <a:t>Como vimos anteriormente, a </a:t>
+            </a:r>
+            <a:r>
               <a:rPr lang="pt-BR" dirty="0"/>
-              <a:t>A biblioteca SciKit-Learn disponibiliza algumas classes para o treinamento de redes neurais multi-layer perceptron.</a:t>
+              <a:t>biblioteca SciKit-Learn disponibiliza algumas classes para o treinamento de redes neurais multi-layer perceptron.</a:t>
             </a:r>
           </a:p>
           <a:p>
@@ -10302,7 +10780,59 @@
           <a:p>
             <a:r>
               <a:rPr lang="pt-BR" dirty="0"/>
-              <a:t>Para implementações muito mais rápidas, baseadas em GPU, escaláveis, bem como estruturas que oferecem muito mais flexibilidade para criar arquiteturas de aprendizado profundo, por exemplo, devemos utilizar outras bibliotecas como:</a:t>
+              <a:t>Para </a:t>
+            </a:r>
+            <a:r>
+              <a:rPr lang="pt-BR" dirty="0" smtClean="0"/>
+              <a:t>implementações de </a:t>
+            </a:r>
+            <a:r>
+              <a:rPr lang="pt-BR" b="1" i="1" dirty="0" smtClean="0"/>
+              <a:t>modelos de aprendizado profundo </a:t>
+            </a:r>
+            <a:r>
+              <a:rPr lang="pt-BR" dirty="0" smtClean="0"/>
+              <a:t>escaláveis, muito </a:t>
+            </a:r>
+            <a:r>
+              <a:rPr lang="pt-BR" dirty="0"/>
+              <a:t>mais </a:t>
+            </a:r>
+            <a:r>
+              <a:rPr lang="pt-BR" dirty="0" smtClean="0"/>
+              <a:t>rápidos, flexíveis</a:t>
+            </a:r>
+            <a:r>
+              <a:rPr lang="pt-BR" dirty="0"/>
+              <a:t> </a:t>
+            </a:r>
+            <a:r>
+              <a:rPr lang="pt-BR" dirty="0" smtClean="0"/>
+              <a:t>e</a:t>
+            </a:r>
+            <a:r>
+              <a:rPr lang="pt-BR" dirty="0" smtClean="0"/>
+              <a:t> baseados </a:t>
+            </a:r>
+            <a:r>
+              <a:rPr lang="pt-BR" dirty="0"/>
+              <a:t>em </a:t>
+            </a:r>
+            <a:r>
+              <a:rPr lang="pt-BR" dirty="0" smtClean="0"/>
+              <a:t>GPU, </a:t>
+            </a:r>
+            <a:r>
+              <a:rPr lang="pt-BR" dirty="0"/>
+              <a:t>devemos utilizar </a:t>
+            </a:r>
+            <a:r>
+              <a:rPr lang="pt-BR" dirty="0" smtClean="0"/>
+              <a:t>bibliotecas </a:t>
+            </a:r>
+            <a:r>
+              <a:rPr lang="pt-BR" dirty="0"/>
+              <a:t>como:</a:t>
             </a:r>
           </a:p>
           <a:p>
@@ -10568,7 +11098,7 @@
           <p:cNvPr id="4" name="Título 1">
             <a:extLst>
               <a:ext uri="{FF2B5EF4-FFF2-40B4-BE49-F238E27FC236}">
-                <a16:creationId xmlns:a16="http://schemas.microsoft.com/office/drawing/2014/main" id="{32666AC8-2E17-4DB4-B0F5-60C640CCFD2E}"/>
+                <a16:creationId xmlns:a16="http://schemas.microsoft.com/office/drawing/2014/main" xmlns="" id="{32666AC8-2E17-4DB4-B0F5-60C640CCFD2E}"/>
               </a:ext>
             </a:extLst>
           </p:cNvPr>
@@ -11074,7 +11604,7 @@
           <p:cNvPr id="4" name="Título 1">
             <a:extLst>
               <a:ext uri="{FF2B5EF4-FFF2-40B4-BE49-F238E27FC236}">
-                <a16:creationId xmlns:a16="http://schemas.microsoft.com/office/drawing/2014/main" id="{32666AC8-2E17-4DB4-B0F5-60C640CCFD2E}"/>
+                <a16:creationId xmlns:a16="http://schemas.microsoft.com/office/drawing/2014/main" xmlns="" id="{32666AC8-2E17-4DB4-B0F5-60C640CCFD2E}"/>
               </a:ext>
             </a:extLst>
           </p:cNvPr>
@@ -12911,8 +13441,8 @@
           </a:p>
         </p:txBody>
       </p:sp>
-      <mc:AlternateContent xmlns:mc="http://schemas.openxmlformats.org/markup-compatibility/2006">
-        <mc:Choice xmlns:a14="http://schemas.microsoft.com/office/drawing/2010/main" Requires="a14">
+      <mc:AlternateContent xmlns:mc="http://schemas.openxmlformats.org/markup-compatibility/2006" xmlns:a14="http://schemas.microsoft.com/office/drawing/2010/main">
+        <mc:Choice Requires="a14">
           <p:sp>
             <p:nvSpPr>
               <p:cNvPr id="3" name="Content Placeholder 2"/>
@@ -13764,7 +14294,7 @@
             </p:txBody>
           </p:sp>
         </mc:Choice>
-        <mc:Fallback>
+        <mc:Fallback xmlns="">
           <p:sp>
             <p:nvSpPr>
               <p:cNvPr id="3" name="Content Placeholder 2"/>
@@ -14218,8 +14748,8 @@
           </a:p>
         </p:txBody>
       </p:sp>
-      <mc:AlternateContent xmlns:mc="http://schemas.openxmlformats.org/markup-compatibility/2006">
-        <mc:Choice xmlns:a14="http://schemas.microsoft.com/office/drawing/2010/main" Requires="a14">
+      <mc:AlternateContent xmlns:mc="http://schemas.openxmlformats.org/markup-compatibility/2006" xmlns:a14="http://schemas.microsoft.com/office/drawing/2010/main">
+        <mc:Choice Requires="a14">
           <p:sp>
             <p:nvSpPr>
               <p:cNvPr id="3" name="Content Placeholder 2"/>
@@ -15235,7 +15765,7 @@
             </p:txBody>
           </p:sp>
         </mc:Choice>
-        <mc:Fallback>
+        <mc:Fallback xmlns="">
           <p:sp>
             <p:nvSpPr>
               <p:cNvPr id="3" name="Content Placeholder 2"/>
@@ -15501,8 +16031,8 @@
           </a:p>
         </p:txBody>
       </p:sp>
-      <mc:AlternateContent xmlns:mc="http://schemas.openxmlformats.org/markup-compatibility/2006">
-        <mc:Choice xmlns:a14="http://schemas.microsoft.com/office/drawing/2010/main" Requires="a14">
+      <mc:AlternateContent xmlns:mc="http://schemas.openxmlformats.org/markup-compatibility/2006" xmlns:a14="http://schemas.microsoft.com/office/drawing/2010/main">
+        <mc:Choice Requires="a14">
           <p:sp>
             <p:nvSpPr>
               <p:cNvPr id="5" name="TextBox 4"/>
@@ -16189,7 +16719,7 @@
             </p:txBody>
           </p:sp>
         </mc:Choice>
-        <mc:Fallback>
+        <mc:Fallback xmlns="">
           <p:sp>
             <p:nvSpPr>
               <p:cNvPr id="5" name="TextBox 4"/>
@@ -16353,8 +16883,8 @@
           </a:p>
         </p:txBody>
       </p:sp>
-      <mc:AlternateContent xmlns:mc="http://schemas.openxmlformats.org/markup-compatibility/2006">
-        <mc:Choice xmlns:a14="http://schemas.microsoft.com/office/drawing/2010/main" Requires="a14">
+      <mc:AlternateContent xmlns:mc="http://schemas.openxmlformats.org/markup-compatibility/2006" xmlns:a14="http://schemas.microsoft.com/office/drawing/2010/main">
+        <mc:Choice Requires="a14">
           <p:sp>
             <p:nvSpPr>
               <p:cNvPr id="4" name="TextBox 3"/>
@@ -17038,7 +17568,7 @@
             </p:txBody>
           </p:sp>
         </mc:Choice>
-        <mc:Fallback>
+        <mc:Fallback xmlns="">
           <p:sp>
             <p:nvSpPr>
               <p:cNvPr id="4" name="TextBox 3"/>
@@ -17141,8 +17671,8 @@
           </a:p>
         </p:txBody>
       </p:sp>
-      <mc:AlternateContent xmlns:mc="http://schemas.openxmlformats.org/markup-compatibility/2006">
-        <mc:Choice xmlns:a14="http://schemas.microsoft.com/office/drawing/2010/main" Requires="a14">
+      <mc:AlternateContent xmlns:mc="http://schemas.openxmlformats.org/markup-compatibility/2006" xmlns:a14="http://schemas.microsoft.com/office/drawing/2010/main">
+        <mc:Choice Requires="a14">
           <p:sp>
             <p:nvSpPr>
               <p:cNvPr id="3" name="Content Placeholder 2"/>
@@ -17261,7 +17791,7 @@
             </p:txBody>
           </p:sp>
         </mc:Choice>
-        <mc:Fallback>
+        <mc:Fallback xmlns="">
           <p:sp>
             <p:nvSpPr>
               <p:cNvPr id="3" name="Content Placeholder 2"/>
@@ -17299,8 +17829,8 @@
           </p:sp>
         </mc:Fallback>
       </mc:AlternateContent>
-      <mc:AlternateContent xmlns:mc="http://schemas.openxmlformats.org/markup-compatibility/2006">
-        <mc:Choice xmlns:a14="http://schemas.microsoft.com/office/drawing/2010/main" Requires="a14">
+      <mc:AlternateContent xmlns:mc="http://schemas.openxmlformats.org/markup-compatibility/2006" xmlns:a14="http://schemas.microsoft.com/office/drawing/2010/main">
+        <mc:Choice Requires="a14">
           <p:sp>
             <p:nvSpPr>
               <p:cNvPr id="4" name="TextBox 3"/>
@@ -18006,7 +18536,7 @@
             </p:txBody>
           </p:sp>
         </mc:Choice>
-        <mc:Fallback>
+        <mc:Fallback xmlns="">
           <p:sp>
             <p:nvSpPr>
               <p:cNvPr id="4" name="TextBox 3"/>
@@ -18114,13 +18644,13 @@
         </p:nvSpPr>
         <p:spPr>
           <a:xfrm>
-            <a:off x="838200" y="1825624"/>
-            <a:ext cx="11158182" cy="5032375"/>
+            <a:off x="838199" y="1825624"/>
+            <a:ext cx="11126822" cy="5032375"/>
           </a:xfrm>
         </p:spPr>
         <p:txBody>
           <a:bodyPr>
-            <a:normAutofit/>
+            <a:normAutofit lnSpcReduction="10000"/>
           </a:bodyPr>
           <a:lstStyle/>
           <a:p>
@@ -18184,15 +18714,39 @@
             </a:pPr>
             <a:r>
               <a:rPr lang="pt-BR" dirty="0"/>
-              <a:t>Nos slides anteriores, nós vimos que o método </a:t>
+              <a:t>Nos slides anteriores, nós vimos que o </a:t>
+            </a:r>
+            <a:r>
+              <a:rPr lang="pt-BR" dirty="0" smtClean="0"/>
+              <a:t>aprendizado </a:t>
+            </a:r>
+            <a:r>
+              <a:rPr lang="pt-BR" b="1" i="1" dirty="0" smtClean="0"/>
+              <a:t>online</a:t>
+            </a:r>
+            <a:r>
+              <a:rPr lang="pt-BR" dirty="0" smtClean="0"/>
+              <a:t> </a:t>
+            </a:r>
+            <a:r>
+              <a:rPr lang="pt-BR" dirty="0"/>
+              <a:t>utiliza um único exemplo </a:t>
+            </a:r>
+            <a:r>
+              <a:rPr lang="pt-BR" dirty="0" smtClean="0"/>
+              <a:t>(tomado </a:t>
+            </a:r>
+            <a:r>
+              <a:rPr lang="pt-BR" dirty="0"/>
+              <a:t>aleatóriamente) para </a:t>
             </a:r>
             <a:r>
               <a:rPr lang="pt-BR" b="1" i="1" dirty="0"/>
-              <a:t>online</a:t>
+              <a:t>estimar</a:t>
             </a:r>
             <a:r>
               <a:rPr lang="pt-BR" dirty="0"/>
-              <a:t> utiliza um único exemplo (que deve ser tomado aleatóriamente) para estimar o gradiente da </a:t>
+              <a:t> o gradiente da </a:t>
             </a:r>
             <a:r>
               <a:rPr lang="pt-BR" b="1" i="1" dirty="0"/>
@@ -18218,32 +18772,9 @@
             </a:r>
             <a:r>
               <a:rPr lang="pt-BR" dirty="0"/>
-              <a:t>. Caso utilizemos </a:t>
-            </a:r>
-            <a:r>
-              <a:rPr lang="pt-BR" b="1" i="1" dirty="0"/>
-              <a:t>mini-batches</a:t>
-            </a:r>
-            <a:r>
-              <a:rPr lang="pt-BR" dirty="0"/>
-              <a:t>, também teremos uma estimativa do </a:t>
-            </a:r>
-            <a:r>
-              <a:rPr lang="pt-BR" b="1" i="1" dirty="0"/>
-              <a:t>gradiente</a:t>
-            </a:r>
-            <a:r>
-              <a:rPr lang="pt-BR" dirty="0"/>
-              <a:t>, o qual, a rigor, seria determinístico apenas se usássemos todos os dados (no caso do </a:t>
-            </a:r>
-            <a:r>
-              <a:rPr lang="pt-BR" b="1" i="1" dirty="0"/>
-              <a:t>batch</a:t>
-            </a:r>
-            <a:r>
-              <a:rPr lang="pt-BR" dirty="0"/>
-              <a:t>).</a:t>
-            </a:r>
+              <a:t>. </a:t>
+            </a:r>
+            <a:endParaRPr lang="pt-BR" dirty="0" smtClean="0"/>
           </a:p>
           <a:p>
             <a:pPr lvl="1">
@@ -18251,16 +18782,62 @@
               <a:buChar char="§"/>
             </a:pPr>
             <a:r>
+              <a:rPr lang="pt-BR" dirty="0" smtClean="0"/>
+              <a:t>Caso </a:t>
+            </a:r>
+            <a:r>
+              <a:rPr lang="pt-BR" dirty="0"/>
+              <a:t>utilizemos </a:t>
+            </a:r>
+            <a:r>
+              <a:rPr lang="pt-BR" b="1" i="1" dirty="0"/>
+              <a:t>mini-batches</a:t>
+            </a:r>
+            <a:r>
+              <a:rPr lang="pt-BR" dirty="0"/>
+              <a:t>, também teremos uma estimativa do </a:t>
+            </a:r>
+            <a:r>
+              <a:rPr lang="pt-BR" b="1" i="1" dirty="0"/>
+              <a:t>gradiente</a:t>
+            </a:r>
+            <a:r>
+              <a:rPr lang="pt-BR" dirty="0"/>
+              <a:t>, o qual, a rigor, seria determinístico apenas se usássemos todos os dados (no caso do </a:t>
+            </a:r>
+            <a:r>
+              <a:rPr lang="pt-BR" b="1" i="1" dirty="0"/>
+              <a:t>batch</a:t>
+            </a:r>
+            <a:r>
+              <a:rPr lang="pt-BR" dirty="0"/>
+              <a:t>).</a:t>
+            </a:r>
+          </a:p>
+          <a:p>
+            <a:pPr lvl="1">
+              <a:buFont typeface="Wingdings" panose="05000000000000000000" pitchFamily="2" charset="2"/>
+              <a:buChar char="§"/>
+            </a:pPr>
+            <a:r>
               <a:rPr lang="pt-BR" dirty="0"/>
               <a:t>Por esse motivo, esses métodos de </a:t>
             </a:r>
             <a:r>
               <a:rPr lang="pt-BR" b="1" i="1" dirty="0"/>
-              <a:t>primeira ordem</a:t>
+              <a:t>primeira </a:t>
+            </a:r>
+            <a:r>
+              <a:rPr lang="pt-BR" b="1" i="1" dirty="0" smtClean="0"/>
+              <a:t>ordem</a:t>
+            </a:r>
+            <a:r>
+              <a:rPr lang="pt-BR" dirty="0" smtClean="0"/>
+              <a:t> (ou seja, métodos baseados na derivada parcial de primeira ordem), </a:t>
             </a:r>
             <a:r>
               <a:rPr lang="pt-BR" dirty="0"/>
-              <a:t>, como o </a:t>
+              <a:t>como o </a:t>
             </a:r>
             <a:r>
               <a:rPr lang="pt-BR" b="1" i="1" dirty="0"/>

--- a/slides/T320_Redes_Neurais_Artificiais (Parte IV).pptx
+++ b/slides/T320_Redes_Neurais_Artificiais (Parte IV).pptx
@@ -256,7 +256,7 @@
           <a:p>
             <a:fld id="{C3C82C08-3EFC-4473-8294-F0E229C19EFF}" type="datetimeFigureOut">
               <a:rPr lang="pt-BR" smtClean="0"/>
-              <a:t>03/06/2022</a:t>
+              <a:t>10/06/2022</a:t>
             </a:fld>
             <a:endParaRPr lang="pt-BR"/>
           </a:p>
@@ -2549,7 +2549,7 @@
           <a:p>
             <a:fld id="{221D0464-8C8A-49C0-859F-777E51766A35}" type="datetimeFigureOut">
               <a:rPr lang="pt-BR" smtClean="0"/>
-              <a:t>03/06/2022</a:t>
+              <a:t>10/06/2022</a:t>
             </a:fld>
             <a:endParaRPr lang="pt-BR"/>
           </a:p>
@@ -2719,7 +2719,7 @@
           <a:p>
             <a:fld id="{221D0464-8C8A-49C0-859F-777E51766A35}" type="datetimeFigureOut">
               <a:rPr lang="pt-BR" smtClean="0"/>
-              <a:t>03/06/2022</a:t>
+              <a:t>10/06/2022</a:t>
             </a:fld>
             <a:endParaRPr lang="pt-BR"/>
           </a:p>
@@ -2899,7 +2899,7 @@
           <a:p>
             <a:fld id="{221D0464-8C8A-49C0-859F-777E51766A35}" type="datetimeFigureOut">
               <a:rPr lang="pt-BR" smtClean="0"/>
-              <a:t>03/06/2022</a:t>
+              <a:t>10/06/2022</a:t>
             </a:fld>
             <a:endParaRPr lang="pt-BR"/>
           </a:p>
@@ -3069,7 +3069,7 @@
           <a:p>
             <a:fld id="{221D0464-8C8A-49C0-859F-777E51766A35}" type="datetimeFigureOut">
               <a:rPr lang="pt-BR" smtClean="0"/>
-              <a:t>03/06/2022</a:t>
+              <a:t>10/06/2022</a:t>
             </a:fld>
             <a:endParaRPr lang="pt-BR"/>
           </a:p>
@@ -3315,7 +3315,7 @@
           <a:p>
             <a:fld id="{221D0464-8C8A-49C0-859F-777E51766A35}" type="datetimeFigureOut">
               <a:rPr lang="pt-BR" smtClean="0"/>
-              <a:t>03/06/2022</a:t>
+              <a:t>10/06/2022</a:t>
             </a:fld>
             <a:endParaRPr lang="pt-BR"/>
           </a:p>
@@ -3547,7 +3547,7 @@
           <a:p>
             <a:fld id="{221D0464-8C8A-49C0-859F-777E51766A35}" type="datetimeFigureOut">
               <a:rPr lang="pt-BR" smtClean="0"/>
-              <a:t>03/06/2022</a:t>
+              <a:t>10/06/2022</a:t>
             </a:fld>
             <a:endParaRPr lang="pt-BR"/>
           </a:p>
@@ -3914,7 +3914,7 @@
           <a:p>
             <a:fld id="{221D0464-8C8A-49C0-859F-777E51766A35}" type="datetimeFigureOut">
               <a:rPr lang="pt-BR" smtClean="0"/>
-              <a:t>03/06/2022</a:t>
+              <a:t>10/06/2022</a:t>
             </a:fld>
             <a:endParaRPr lang="pt-BR"/>
           </a:p>
@@ -4032,7 +4032,7 @@
           <a:p>
             <a:fld id="{221D0464-8C8A-49C0-859F-777E51766A35}" type="datetimeFigureOut">
               <a:rPr lang="pt-BR" smtClean="0"/>
-              <a:t>03/06/2022</a:t>
+              <a:t>10/06/2022</a:t>
             </a:fld>
             <a:endParaRPr lang="pt-BR"/>
           </a:p>
@@ -4127,7 +4127,7 @@
           <a:p>
             <a:fld id="{221D0464-8C8A-49C0-859F-777E51766A35}" type="datetimeFigureOut">
               <a:rPr lang="pt-BR" smtClean="0"/>
-              <a:t>03/06/2022</a:t>
+              <a:t>10/06/2022</a:t>
             </a:fld>
             <a:endParaRPr lang="pt-BR"/>
           </a:p>
@@ -4404,7 +4404,7 @@
           <a:p>
             <a:fld id="{221D0464-8C8A-49C0-859F-777E51766A35}" type="datetimeFigureOut">
               <a:rPr lang="pt-BR" smtClean="0"/>
-              <a:t>03/06/2022</a:t>
+              <a:t>10/06/2022</a:t>
             </a:fld>
             <a:endParaRPr lang="pt-BR"/>
           </a:p>
@@ -4657,7 +4657,7 @@
           <a:p>
             <a:fld id="{221D0464-8C8A-49C0-859F-777E51766A35}" type="datetimeFigureOut">
               <a:rPr lang="pt-BR" smtClean="0"/>
-              <a:t>03/06/2022</a:t>
+              <a:t>10/06/2022</a:t>
             </a:fld>
             <a:endParaRPr lang="pt-BR"/>
           </a:p>
@@ -4870,7 +4870,7 @@
           <a:p>
             <a:fld id="{221D0464-8C8A-49C0-859F-777E51766A35}" type="datetimeFigureOut">
               <a:rPr lang="pt-BR" smtClean="0"/>
-              <a:t>03/06/2022</a:t>
+              <a:t>10/06/2022</a:t>
             </a:fld>
             <a:endParaRPr lang="pt-BR"/>
           </a:p>
@@ -5280,7 +5280,7 @@
           <p:cNvPr id="2" name="Título 1">
             <a:extLst>
               <a:ext uri="{FF2B5EF4-FFF2-40B4-BE49-F238E27FC236}">
-                <a16:creationId xmlns:a16="http://schemas.microsoft.com/office/drawing/2014/main" xmlns="" id="{32666AC8-2E17-4DB4-B0F5-60C640CCFD2E}"/>
+                <a16:creationId xmlns="" xmlns:a16="http://schemas.microsoft.com/office/drawing/2014/main" id="{32666AC8-2E17-4DB4-B0F5-60C640CCFD2E}"/>
               </a:ext>
             </a:extLst>
           </p:cNvPr>
@@ -5331,7 +5331,7 @@
           <p:cNvPr id="4" name="CaixaDeTexto 3">
             <a:extLst>
               <a:ext uri="{FF2B5EF4-FFF2-40B4-BE49-F238E27FC236}">
-                <a16:creationId xmlns:a16="http://schemas.microsoft.com/office/drawing/2014/main" xmlns="" id="{430EB894-B7D4-434C-9D1A-A14094D9BEEC}"/>
+                <a16:creationId xmlns="" xmlns:a16="http://schemas.microsoft.com/office/drawing/2014/main" id="{430EB894-B7D4-434C-9D1A-A14094D9BEEC}"/>
               </a:ext>
             </a:extLst>
           </p:cNvPr>
@@ -5372,7 +5372,7 @@
           <p:cNvPr id="1026" name="Picture 2" descr="Logo">
             <a:extLst>
               <a:ext uri="{FF2B5EF4-FFF2-40B4-BE49-F238E27FC236}">
-                <a16:creationId xmlns:a16="http://schemas.microsoft.com/office/drawing/2014/main" xmlns="" id="{3F2642E0-4F6A-4196-8F58-E77D36E9A33F}"/>
+                <a16:creationId xmlns="" xmlns:a16="http://schemas.microsoft.com/office/drawing/2014/main" id="{3F2642E0-4F6A-4196-8F58-E77D36E9A33F}"/>
               </a:ext>
             </a:extLst>
           </p:cNvPr>
@@ -5417,7 +5417,7 @@
           <p:cNvPr id="5122" name="Picture 2" descr="Image result for machine learning">
             <a:extLst>
               <a:ext uri="{FF2B5EF4-FFF2-40B4-BE49-F238E27FC236}">
-                <a16:creationId xmlns:a16="http://schemas.microsoft.com/office/drawing/2014/main" xmlns="" id="{810CE0A2-4102-44A6-A370-175E7896CDCB}"/>
+                <a16:creationId xmlns="" xmlns:a16="http://schemas.microsoft.com/office/drawing/2014/main" id="{810CE0A2-4102-44A6-A370-175E7896CDCB}"/>
               </a:ext>
             </a:extLst>
           </p:cNvPr>
@@ -5509,8 +5509,8 @@
           </a:p>
         </p:txBody>
       </p:sp>
-      <mc:AlternateContent xmlns:mc="http://schemas.openxmlformats.org/markup-compatibility/2006">
-        <mc:Choice xmlns:a14="http://schemas.microsoft.com/office/drawing/2010/main" Requires="a14">
+      <mc:AlternateContent xmlns:mc="http://schemas.openxmlformats.org/markup-compatibility/2006" xmlns:a14="http://schemas.microsoft.com/office/drawing/2010/main">
+        <mc:Choice Requires="a14">
           <p:sp>
             <p:nvSpPr>
               <p:cNvPr id="3" name="Content Placeholder 2"/>
@@ -6001,7 +6001,7 @@
             </p:txBody>
           </p:sp>
         </mc:Choice>
-        <mc:Fallback>
+        <mc:Fallback xmlns="">
           <p:sp>
             <p:nvSpPr>
               <p:cNvPr id="3" name="Content Placeholder 2"/>
@@ -6489,8 +6489,8 @@
           </a:p>
         </p:txBody>
       </p:sp>
-      <mc:AlternateContent xmlns:mc="http://schemas.openxmlformats.org/markup-compatibility/2006">
-        <mc:Choice xmlns:a14="http://schemas.microsoft.com/office/drawing/2010/main" Requires="a14">
+      <mc:AlternateContent xmlns:mc="http://schemas.openxmlformats.org/markup-compatibility/2006" xmlns:a14="http://schemas.microsoft.com/office/drawing/2010/main">
+        <mc:Choice Requires="a14">
           <p:sp>
             <p:nvSpPr>
               <p:cNvPr id="3" name="Content Placeholder 2"/>
@@ -6936,7 +6936,7 @@
             </p:txBody>
           </p:sp>
         </mc:Choice>
-        <mc:Fallback>
+        <mc:Fallback xmlns="">
           <p:sp>
             <p:nvSpPr>
               <p:cNvPr id="3" name="Content Placeholder 2"/>
@@ -7026,8 +7026,8 @@
           </a:p>
         </p:txBody>
       </p:sp>
-      <mc:AlternateContent xmlns:mc="http://schemas.openxmlformats.org/markup-compatibility/2006">
-        <mc:Choice xmlns:a14="http://schemas.microsoft.com/office/drawing/2010/main" Requires="a14">
+      <mc:AlternateContent xmlns:mc="http://schemas.openxmlformats.org/markup-compatibility/2006" xmlns:a14="http://schemas.microsoft.com/office/drawing/2010/main">
+        <mc:Choice Requires="a14">
           <p:sp>
             <p:nvSpPr>
               <p:cNvPr id="3" name="Content Placeholder 2"/>
@@ -7205,7 +7205,7 @@
             </p:txBody>
           </p:sp>
         </mc:Choice>
-        <mc:Fallback>
+        <mc:Fallback xmlns="">
           <p:sp>
             <p:nvSpPr>
               <p:cNvPr id="3" name="Content Placeholder 2"/>
@@ -7332,8 +7332,8 @@
           </a:p>
         </p:txBody>
       </p:sp>
-      <mc:AlternateContent xmlns:mc="http://schemas.openxmlformats.org/markup-compatibility/2006">
-        <mc:Choice xmlns:a14="http://schemas.microsoft.com/office/drawing/2010/main" Requires="a14">
+      <mc:AlternateContent xmlns:mc="http://schemas.openxmlformats.org/markup-compatibility/2006" xmlns:a14="http://schemas.microsoft.com/office/drawing/2010/main">
+        <mc:Choice Requires="a14">
           <p:sp>
             <p:nvSpPr>
               <p:cNvPr id="3" name="Content Placeholder 2"/>
@@ -7597,7 +7597,7 @@
             </p:txBody>
           </p:sp>
         </mc:Choice>
-        <mc:Fallback>
+        <mc:Fallback xmlns="">
           <p:sp>
             <p:nvSpPr>
               <p:cNvPr id="3" name="Content Placeholder 2"/>
@@ -7789,11 +7789,7 @@
           <a:p>
             <a:r>
               <a:rPr lang="pt-BR" dirty="0" smtClean="0"/>
-              <a:t>A inicialização t</a:t>
-            </a:r>
-            <a:r>
-              <a:rPr lang="pt-BR" dirty="0" smtClean="0"/>
-              <a:t>ambém </a:t>
+              <a:t>A inicialização também </a:t>
             </a:r>
             <a:r>
               <a:rPr lang="pt-BR" dirty="0"/>
@@ -8065,7 +8061,15 @@
             </a:r>
             <a:r>
               <a:rPr lang="pt-BR" dirty="0"/>
-              <a:t>do tipo sigmóide como a tangente hiperbólica e a função logística) a operarem numa região de saturação, comprometendo a convergência do algoritmo.</a:t>
+              <a:t>do tipo sigmóide como a tangente hiperbólica e a função logística) a operarem </a:t>
+            </a:r>
+            <a:r>
+              <a:rPr lang="pt-BR" dirty="0" smtClean="0"/>
+              <a:t>na região </a:t>
+            </a:r>
+            <a:r>
+              <a:rPr lang="pt-BR" dirty="0"/>
+              <a:t>de saturação, comprometendo a convergência do algoritmo.</a:t>
             </a:r>
           </a:p>
           <a:p>
@@ -8164,19 +8168,57 @@
             </p:nvSpPr>
             <p:spPr>
               <a:xfrm>
-                <a:off x="838200" y="1825624"/>
-                <a:ext cx="11036474" cy="5032375"/>
+                <a:off x="838199" y="1825624"/>
+                <a:ext cx="11287126" cy="5032375"/>
               </a:xfrm>
             </p:spPr>
             <p:txBody>
               <a:bodyPr>
-                <a:normAutofit fontScale="92500" lnSpcReduction="10000"/>
+                <a:normAutofit fontScale="85000" lnSpcReduction="20000"/>
               </a:bodyPr>
               <a:lstStyle/>
               <a:p>
                 <a:r>
+                  <a:rPr lang="pt-BR" dirty="0" smtClean="0"/>
+                  <a:t>A ideia por trás delas é manter a </a:t>
+                </a:r>
+                <a:r>
                   <a:rPr lang="pt-BR" dirty="0"/>
-                  <a:t>Considerando uma camada com </a:t>
+                  <a:t>média das ativações </a:t>
+                </a:r>
+                <a:r>
+                  <a:rPr lang="pt-BR" dirty="0" smtClean="0"/>
+                  <a:t>igual a </a:t>
+                </a:r>
+                <a:r>
+                  <a:rPr lang="pt-BR" b="1" i="1" dirty="0" smtClean="0"/>
+                  <a:t>zero</a:t>
+                </a:r>
+                <a:r>
+                  <a:rPr lang="pt-BR" dirty="0" smtClean="0"/>
+                  <a:t> e </a:t>
+                </a:r>
+                <a:r>
+                  <a:rPr lang="pt-BR" dirty="0"/>
+                  <a:t>a variância das ativações </a:t>
+                </a:r>
+                <a:r>
+                  <a:rPr lang="pt-BR" b="1" i="1" dirty="0" smtClean="0"/>
+                  <a:t>constante</a:t>
+                </a:r>
+                <a:r>
+                  <a:rPr lang="pt-BR" dirty="0" smtClean="0"/>
+                  <a:t> ao longo das várias camadas da rede, pois desta forma evita-se o desaparecimento ou a explosão do gradiente.</a:t>
+                </a:r>
+              </a:p>
+              <a:p>
+                <a:r>
+                  <a:rPr lang="pt-BR" dirty="0" smtClean="0"/>
+                  <a:t>Considerando </a:t>
+                </a:r>
+                <a:r>
+                  <a:rPr lang="pt-BR" dirty="0"/>
+                  <a:t>uma camada com </a:t>
                 </a:r>
                 <a14:m>
                   <m:oMath xmlns:m="http://schemas.openxmlformats.org/officeDocument/2006/math">
@@ -8220,8 +8262,13 @@
                 </a:r>
                 <a:r>
                   <a:rPr lang="pt-BR" dirty="0"/>
-                  <a:t> de seus nós.</a:t>
-                </a:r>
+                  <a:t> de seus nós</a:t>
+                </a:r>
+                <a:r>
+                  <a:rPr lang="pt-BR" dirty="0" smtClean="0"/>
+                  <a:t>.</a:t>
+                </a:r>
+                <a:endParaRPr lang="pt-BR" dirty="0"/>
               </a:p>
               <a:p>
                 <a:endParaRPr lang="pt-BR" dirty="0"/>
@@ -8286,13 +8333,13 @@
             </p:nvSpPr>
             <p:spPr>
               <a:xfrm>
-                <a:off x="838200" y="1825624"/>
-                <a:ext cx="11036474" cy="5032375"/>
+                <a:off x="838199" y="1825624"/>
+                <a:ext cx="11287126" cy="5032375"/>
               </a:xfrm>
               <a:blipFill rotWithShape="0">
                 <a:blip r:embed="rId3"/>
                 <a:stretch>
-                  <a:fillRect l="-884" t="-2421" b="-969"/>
+                  <a:fillRect l="-702" t="-2785"/>
                 </a:stretch>
               </a:blipFill>
             </p:spPr>
@@ -8322,14 +8369,14 @@
               <p:nvPr>
                 <p:extLst>
                   <p:ext uri="{D42A27DB-BD31-4B8C-83A1-F6EECF244321}">
-                    <p14:modId xmlns:p14="http://schemas.microsoft.com/office/powerpoint/2010/main" val="2057178719"/>
+                    <p14:modId xmlns:p14="http://schemas.microsoft.com/office/powerpoint/2010/main" val="1664718877"/>
                   </p:ext>
                 </p:extLst>
               </p:nvPr>
             </p:nvGraphicFramePr>
             <p:xfrm>
-              <a:off x="838200" y="2579851"/>
-              <a:ext cx="11036474" cy="3073587"/>
+              <a:off x="838200" y="3299428"/>
+              <a:ext cx="11036474" cy="2683575"/>
             </p:xfrm>
             <a:graphic>
               <a:graphicData uri="http://schemas.openxmlformats.org/drawingml/2006/table">
@@ -8341,33 +8388,33 @@
                     <a:gridCol w="1854751">
                       <a:extLst>
                         <a:ext uri="{9D8B030D-6E8A-4147-A177-3AD203B41FA5}">
-                          <a16:colId xmlns:a16="http://schemas.microsoft.com/office/drawing/2014/main" xmlns="" val="20000"/>
+                          <a16:colId xmlns="" xmlns:a16="http://schemas.microsoft.com/office/drawing/2014/main" val="20000"/>
                         </a:ext>
                       </a:extLst>
                     </a:gridCol>
                     <a:gridCol w="3663486">
                       <a:extLst>
                         <a:ext uri="{9D8B030D-6E8A-4147-A177-3AD203B41FA5}">
-                          <a16:colId xmlns:a16="http://schemas.microsoft.com/office/drawing/2014/main" xmlns="" val="20001"/>
+                          <a16:colId xmlns="" xmlns:a16="http://schemas.microsoft.com/office/drawing/2014/main" val="20001"/>
                         </a:ext>
                       </a:extLst>
                     </a:gridCol>
                     <a:gridCol w="3080660">
                       <a:extLst>
                         <a:ext uri="{9D8B030D-6E8A-4147-A177-3AD203B41FA5}">
-                          <a16:colId xmlns:a16="http://schemas.microsoft.com/office/drawing/2014/main" xmlns="" val="20002"/>
+                          <a16:colId xmlns="" xmlns:a16="http://schemas.microsoft.com/office/drawing/2014/main" val="20002"/>
                         </a:ext>
                       </a:extLst>
                     </a:gridCol>
                     <a:gridCol w="2437577">
                       <a:extLst>
                         <a:ext uri="{9D8B030D-6E8A-4147-A177-3AD203B41FA5}">
-                          <a16:colId xmlns:a16="http://schemas.microsoft.com/office/drawing/2014/main" xmlns="" val="20003"/>
+                          <a16:colId xmlns="" xmlns:a16="http://schemas.microsoft.com/office/drawing/2014/main" val="20003"/>
                         </a:ext>
                       </a:extLst>
                     </a:gridCol>
                   </a:tblGrid>
-                  <a:tr h="337209">
+                  <a:tr h="316584">
                     <a:tc>
                       <a:txBody>
                         <a:bodyPr/>
@@ -8375,7 +8422,7 @@
                         <a:p>
                           <a:pPr algn="ctr"/>
                           <a:r>
-                            <a:rPr lang="pt-BR" sz="1600" b="1" dirty="0"/>
+                            <a:rPr lang="pt-BR" sz="1400" b="1" dirty="0"/>
                             <a:t>Inicialização</a:t>
                           </a:r>
                         </a:p>
@@ -8426,7 +8473,7 @@
                         <a:p>
                           <a:pPr algn="ctr"/>
                           <a:r>
-                            <a:rPr lang="pt-BR" sz="1600" b="1" dirty="0"/>
+                            <a:rPr lang="pt-BR" sz="1400" b="1" dirty="0"/>
                             <a:t>Funções de ativação</a:t>
                           </a:r>
                         </a:p>
@@ -8477,7 +8524,7 @@
                         <a:p>
                           <a:pPr algn="ctr"/>
                           <a:r>
-                            <a:rPr lang="pt-BR" sz="1600" b="1" dirty="0"/>
+                            <a:rPr lang="pt-BR" sz="1400" b="1" dirty="0"/>
                             <a:t>Distribuição Uniforme</a:t>
                           </a:r>
                         </a:p>
@@ -8490,37 +8537,37 @@
                               </m:oMathParaPr>
                               <m:oMath xmlns:m="http://schemas.openxmlformats.org/officeDocument/2006/math">
                                 <m:r>
-                                  <a:rPr lang="pt-BR" sz="1600" b="0" i="1" smtClean="0">
+                                  <a:rPr lang="pt-BR" sz="1400" b="0" i="1" smtClean="0">
                                     <a:latin typeface="Cambria Math" panose="02040503050406030204" pitchFamily="18" charset="0"/>
                                   </a:rPr>
                                   <m:t>𝑈</m:t>
                                 </m:r>
                                 <m:r>
-                                  <a:rPr lang="pt-BR" sz="1600" b="0" i="1" smtClean="0">
+                                  <a:rPr lang="pt-BR" sz="1400" b="0" i="1" smtClean="0">
                                     <a:latin typeface="Cambria Math" panose="02040503050406030204" pitchFamily="18" charset="0"/>
                                   </a:rPr>
                                   <m:t>(−</m:t>
                                 </m:r>
                                 <m:r>
-                                  <a:rPr lang="pt-BR" sz="1600" b="0" i="1" smtClean="0">
+                                  <a:rPr lang="pt-BR" sz="1400" b="0" i="1" smtClean="0">
                                     <a:latin typeface="Cambria Math" panose="02040503050406030204" pitchFamily="18" charset="0"/>
                                   </a:rPr>
                                   <m:t>𝑟</m:t>
                                 </m:r>
                                 <m:r>
-                                  <a:rPr lang="pt-BR" sz="1600" b="0" i="1" smtClean="0">
+                                  <a:rPr lang="pt-BR" sz="1400" b="0" i="1" smtClean="0">
                                     <a:latin typeface="Cambria Math" panose="02040503050406030204" pitchFamily="18" charset="0"/>
                                   </a:rPr>
                                   <m:t>,</m:t>
                                 </m:r>
                                 <m:r>
-                                  <a:rPr lang="pt-BR" sz="1600" b="0" i="1" smtClean="0">
+                                  <a:rPr lang="pt-BR" sz="1400" b="0" i="1" smtClean="0">
                                     <a:latin typeface="Cambria Math" panose="02040503050406030204" pitchFamily="18" charset="0"/>
                                   </a:rPr>
                                   <m:t>𝑟</m:t>
                                 </m:r>
                                 <m:r>
-                                  <a:rPr lang="pt-BR" sz="1600" b="0" i="1" smtClean="0">
+                                  <a:rPr lang="pt-BR" sz="1400" b="0" i="1" smtClean="0">
                                     <a:latin typeface="Cambria Math" panose="02040503050406030204" pitchFamily="18" charset="0"/>
                                   </a:rPr>
                                   <m:t>)</m:t>
@@ -8528,7 +8575,7 @@
                               </m:oMath>
                             </m:oMathPara>
                           </a14:m>
-                          <a:endParaRPr lang="pt-BR" sz="1600" b="0" dirty="0"/>
+                          <a:endParaRPr lang="pt-BR" sz="1400" b="0" dirty="0"/>
                         </a:p>
                       </a:txBody>
                       <a:tcPr>
@@ -8577,7 +8624,7 @@
                         <a:p>
                           <a:pPr algn="ctr"/>
                           <a:r>
-                            <a:rPr lang="pt-BR" sz="1600" b="1" dirty="0"/>
+                            <a:rPr lang="pt-BR" sz="1400" b="1" dirty="0"/>
                             <a:t>Distribuição Normal </a:t>
                           </a:r>
                         </a:p>
@@ -8590,14 +8637,14 @@
                               </m:oMathParaPr>
                               <m:oMath xmlns:m="http://schemas.openxmlformats.org/officeDocument/2006/math">
                                 <m:r>
-                                  <a:rPr lang="pt-BR" sz="1600" b="0" i="1" smtClean="0">
+                                  <a:rPr lang="pt-BR" sz="1400" b="0" i="1" smtClean="0">
                                     <a:latin typeface="Cambria Math" panose="02040503050406030204" pitchFamily="18" charset="0"/>
                                     <a:ea typeface="Cambria Math" panose="02040503050406030204" pitchFamily="18" charset="0"/>
                                   </a:rPr>
                                   <m:t>𝑁</m:t>
                                 </m:r>
                                 <m:r>
-                                  <a:rPr lang="pt-BR" sz="1600" b="0" i="1" smtClean="0">
+                                  <a:rPr lang="pt-BR" sz="1400" b="0" i="1" smtClean="0">
                                     <a:latin typeface="Cambria Math" panose="02040503050406030204" pitchFamily="18" charset="0"/>
                                     <a:ea typeface="Cambria Math" panose="02040503050406030204" pitchFamily="18" charset="0"/>
                                   </a:rPr>
@@ -8606,14 +8653,14 @@
                                 <m:sSup>
                                   <m:sSupPr>
                                     <m:ctrlPr>
-                                      <a:rPr lang="pt-BR" sz="1600" i="1" smtClean="0">
+                                      <a:rPr lang="pt-BR" sz="1400" i="1" smtClean="0">
                                         <a:latin typeface="Cambria Math" panose="02040503050406030204" pitchFamily="18" charset="0"/>
                                       </a:rPr>
                                     </m:ctrlPr>
                                   </m:sSupPr>
                                   <m:e>
                                     <m:r>
-                                      <a:rPr lang="pt-BR" sz="1600" i="1" smtClean="0">
+                                      <a:rPr lang="pt-BR" sz="1400" i="1" smtClean="0">
                                         <a:latin typeface="Cambria Math" panose="02040503050406030204" pitchFamily="18" charset="0"/>
                                         <a:ea typeface="Cambria Math" panose="02040503050406030204" pitchFamily="18" charset="0"/>
                                       </a:rPr>
@@ -8622,7 +8669,7 @@
                                   </m:e>
                                   <m:sup>
                                     <m:r>
-                                      <a:rPr lang="pt-BR" sz="1600" b="0" i="1" smtClean="0">
+                                      <a:rPr lang="pt-BR" sz="1400" b="0" i="1" smtClean="0">
                                         <a:latin typeface="Cambria Math" panose="02040503050406030204" pitchFamily="18" charset="0"/>
                                       </a:rPr>
                                       <m:t>2</m:t>
@@ -8630,7 +8677,7 @@
                                   </m:sup>
                                 </m:sSup>
                                 <m:r>
-                                  <a:rPr lang="pt-BR" sz="1600" b="0" i="1" smtClean="0">
+                                  <a:rPr lang="pt-BR" sz="1400" b="0" i="1" smtClean="0">
                                     <a:latin typeface="Cambria Math" panose="02040503050406030204" pitchFamily="18" charset="0"/>
                                     <a:ea typeface="Cambria Math" panose="02040503050406030204" pitchFamily="18" charset="0"/>
                                   </a:rPr>
@@ -8639,7 +8686,7 @@
                               </m:oMath>
                             </m:oMathPara>
                           </a14:m>
-                          <a:endParaRPr lang="pt-BR" sz="1600" b="0" dirty="0"/>
+                          <a:endParaRPr lang="pt-BR" sz="1400" b="0" dirty="0"/>
                         </a:p>
                       </a:txBody>
                       <a:tcPr>
@@ -8683,11 +8730,11 @@
                     </a:tc>
                     <a:extLst>
                       <a:ext uri="{0D108BD9-81ED-4DB2-BD59-A6C34878D82A}">
-                        <a16:rowId xmlns:a16="http://schemas.microsoft.com/office/drawing/2014/main" xmlns="" val="10000"/>
+                        <a16:rowId xmlns="" xmlns:a16="http://schemas.microsoft.com/office/drawing/2014/main" val="10000"/>
                       </a:ext>
                     </a:extLst>
                   </a:tr>
-                  <a:tr h="831489">
+                  <a:tr h="441006">
                     <a:tc>
                       <a:txBody>
                         <a:bodyPr/>
@@ -8695,7 +8742,7 @@
                         <a:p>
                           <a:pPr algn="ctr"/>
                           <a:r>
-                            <a:rPr lang="pt-BR" sz="1600" dirty="0"/>
+                            <a:rPr lang="pt-BR" sz="1400" dirty="0"/>
                             <a:t>Xavier/Glorot</a:t>
                           </a:r>
                         </a:p>
@@ -8746,11 +8793,11 @@
                         <a:p>
                           <a:pPr algn="ctr"/>
                           <a:r>
-                            <a:rPr lang="pt-BR" sz="1600" dirty="0" smtClean="0"/>
+                            <a:rPr lang="pt-BR" sz="1400" dirty="0" smtClean="0"/>
                             <a:t>Nenhuma (Linear), </a:t>
                           </a:r>
                           <a:r>
-                            <a:rPr lang="pt-BR" sz="1600" dirty="0"/>
+                            <a:rPr lang="pt-BR" sz="1400" dirty="0"/>
                             <a:t>Tanh, Logística, Softmax</a:t>
                           </a:r>
                         </a:p>
@@ -8807,13 +8854,13 @@
                               </m:oMathParaPr>
                               <m:oMath xmlns:m="http://schemas.openxmlformats.org/officeDocument/2006/math">
                                 <m:r>
-                                  <a:rPr lang="pt-BR" sz="1600" b="0" i="1" smtClean="0">
+                                  <a:rPr lang="pt-BR" sz="1400" b="0" i="1" smtClean="0">
                                     <a:latin typeface="Cambria Math" panose="02040503050406030204" pitchFamily="18" charset="0"/>
                                   </a:rPr>
                                   <m:t>𝑟</m:t>
                                 </m:r>
                                 <m:r>
-                                  <a:rPr lang="pt-BR" sz="1600" b="0" i="1" smtClean="0">
+                                  <a:rPr lang="pt-BR" sz="1400" b="0" i="1" smtClean="0">
                                     <a:latin typeface="Cambria Math" panose="02040503050406030204" pitchFamily="18" charset="0"/>
                                   </a:rPr>
                                   <m:t>=</m:t>
@@ -8822,7 +8869,7 @@
                                   <m:radPr>
                                     <m:degHide m:val="on"/>
                                     <m:ctrlPr>
-                                      <a:rPr lang="pt-BR" sz="1600" b="0" i="1" smtClean="0">
+                                      <a:rPr lang="pt-BR" sz="1400" b="0" i="1" smtClean="0">
                                         <a:latin typeface="Cambria Math" panose="02040503050406030204" pitchFamily="18" charset="0"/>
                                       </a:rPr>
                                     </m:ctrlPr>
@@ -8832,14 +8879,14 @@
                                     <m:f>
                                       <m:fPr>
                                         <m:ctrlPr>
-                                          <a:rPr lang="pt-BR" sz="1600" b="0" i="1" smtClean="0">
+                                          <a:rPr lang="pt-BR" sz="1400" b="0" i="1" smtClean="0">
                                             <a:latin typeface="Cambria Math" panose="02040503050406030204" pitchFamily="18" charset="0"/>
                                           </a:rPr>
                                         </m:ctrlPr>
                                       </m:fPr>
                                       <m:num>
                                         <m:r>
-                                          <a:rPr lang="pt-BR" sz="1600" b="0" i="1" smtClean="0">
+                                          <a:rPr lang="pt-BR" sz="1400" b="0" i="1" smtClean="0">
                                             <a:latin typeface="Cambria Math" panose="02040503050406030204" pitchFamily="18" charset="0"/>
                                           </a:rPr>
                                           <m:t>6</m:t>
@@ -8847,19 +8894,19 @@
                                       </m:num>
                                       <m:den>
                                         <m:r>
-                                          <a:rPr lang="pt-BR" sz="1600" b="0" i="1" smtClean="0">
+                                          <a:rPr lang="pt-BR" sz="1400" b="0" i="1" smtClean="0">
                                             <a:latin typeface="Cambria Math" panose="02040503050406030204" pitchFamily="18" charset="0"/>
                                           </a:rPr>
                                           <m:t>𝑚</m:t>
                                         </m:r>
                                         <m:r>
-                                          <a:rPr lang="pt-BR" sz="1600" b="0" i="1" smtClean="0">
+                                          <a:rPr lang="pt-BR" sz="1400" b="0" i="1" smtClean="0">
                                             <a:latin typeface="Cambria Math" panose="02040503050406030204" pitchFamily="18" charset="0"/>
                                           </a:rPr>
                                           <m:t>+</m:t>
                                         </m:r>
                                         <m:r>
-                                          <a:rPr lang="pt-BR" sz="1600" b="0" i="1" smtClean="0">
+                                          <a:rPr lang="pt-BR" sz="1400" b="0" i="1" smtClean="0">
                                             <a:latin typeface="Cambria Math" panose="02040503050406030204" pitchFamily="18" charset="0"/>
                                           </a:rPr>
                                           <m:t>𝑛</m:t>
@@ -8871,7 +8918,7 @@
                               </m:oMath>
                             </m:oMathPara>
                           </a14:m>
-                          <a:endParaRPr lang="pt-BR" sz="1600" dirty="0"/>
+                          <a:endParaRPr lang="pt-BR" sz="1400" dirty="0"/>
                         </a:p>
                       </a:txBody>
                       <a:tcPr anchor="ctr">
@@ -8928,14 +8975,14 @@
                                 <m:sSup>
                                   <m:sSupPr>
                                     <m:ctrlPr>
-                                      <a:rPr lang="pt-BR" sz="1600" i="1" smtClean="0">
+                                      <a:rPr lang="pt-BR" sz="1400" i="1" smtClean="0">
                                         <a:latin typeface="Cambria Math" panose="02040503050406030204" pitchFamily="18" charset="0"/>
                                       </a:rPr>
                                     </m:ctrlPr>
                                   </m:sSupPr>
                                   <m:e>
                                     <m:r>
-                                      <a:rPr lang="pt-BR" sz="1600" i="1" smtClean="0">
+                                      <a:rPr lang="pt-BR" sz="1400" i="1" smtClean="0">
                                         <a:latin typeface="Cambria Math" panose="02040503050406030204" pitchFamily="18" charset="0"/>
                                         <a:ea typeface="Cambria Math" panose="02040503050406030204" pitchFamily="18" charset="0"/>
                                       </a:rPr>
@@ -8944,7 +8991,7 @@
                                   </m:e>
                                   <m:sup>
                                     <m:r>
-                                      <a:rPr lang="pt-BR" sz="1600" b="0" i="1" smtClean="0">
+                                      <a:rPr lang="pt-BR" sz="1400" b="0" i="1" smtClean="0">
                                         <a:latin typeface="Cambria Math" panose="02040503050406030204" pitchFamily="18" charset="0"/>
                                       </a:rPr>
                                       <m:t>2</m:t>
@@ -8952,7 +8999,7 @@
                                   </m:sup>
                                 </m:sSup>
                                 <m:r>
-                                  <a:rPr lang="pt-BR" sz="1600" b="0" i="1" smtClean="0">
+                                  <a:rPr lang="pt-BR" sz="1400" b="0" i="1" smtClean="0">
                                     <a:latin typeface="Cambria Math" panose="02040503050406030204" pitchFamily="18" charset="0"/>
                                   </a:rPr>
                                   <m:t>=</m:t>
@@ -8960,14 +9007,14 @@
                                 <m:f>
                                   <m:fPr>
                                     <m:ctrlPr>
-                                      <a:rPr lang="pt-BR" sz="1600" b="0" i="1" smtClean="0">
+                                      <a:rPr lang="pt-BR" sz="1400" b="0" i="1" smtClean="0">
                                         <a:latin typeface="Cambria Math" panose="02040503050406030204" pitchFamily="18" charset="0"/>
                                       </a:rPr>
                                     </m:ctrlPr>
                                   </m:fPr>
                                   <m:num>
                                     <m:r>
-                                      <a:rPr lang="pt-BR" sz="1600" b="0" i="1" smtClean="0">
+                                      <a:rPr lang="pt-BR" sz="1400" b="0" i="1" smtClean="0">
                                         <a:latin typeface="Cambria Math" panose="02040503050406030204" pitchFamily="18" charset="0"/>
                                       </a:rPr>
                                       <m:t>2</m:t>
@@ -8975,19 +9022,19 @@
                                   </m:num>
                                   <m:den>
                                     <m:r>
-                                      <a:rPr lang="pt-BR" sz="1600" b="0" i="1" smtClean="0">
+                                      <a:rPr lang="pt-BR" sz="1400" b="0" i="1" smtClean="0">
                                         <a:latin typeface="Cambria Math" panose="02040503050406030204" pitchFamily="18" charset="0"/>
                                       </a:rPr>
                                       <m:t>𝑚</m:t>
                                     </m:r>
                                     <m:r>
-                                      <a:rPr lang="pt-BR" sz="1600" b="0" i="1" smtClean="0">
+                                      <a:rPr lang="pt-BR" sz="1400" b="0" i="1" smtClean="0">
                                         <a:latin typeface="Cambria Math" panose="02040503050406030204" pitchFamily="18" charset="0"/>
                                       </a:rPr>
                                       <m:t>+</m:t>
                                     </m:r>
                                     <m:r>
-                                      <a:rPr lang="pt-BR" sz="1600" b="0" i="1" smtClean="0">
+                                      <a:rPr lang="pt-BR" sz="1400" b="0" i="1" smtClean="0">
                                         <a:latin typeface="Cambria Math" panose="02040503050406030204" pitchFamily="18" charset="0"/>
                                       </a:rPr>
                                       <m:t>𝑛</m:t>
@@ -8997,7 +9044,7 @@
                               </m:oMath>
                             </m:oMathPara>
                           </a14:m>
-                          <a:endParaRPr lang="pt-BR" sz="1600" dirty="0"/>
+                          <a:endParaRPr lang="pt-BR" sz="1400" dirty="0"/>
                         </a:p>
                       </a:txBody>
                       <a:tcPr anchor="ctr">
@@ -9041,11 +9088,11 @@
                     </a:tc>
                     <a:extLst>
                       <a:ext uri="{0D108BD9-81ED-4DB2-BD59-A6C34878D82A}">
-                        <a16:rowId xmlns:a16="http://schemas.microsoft.com/office/drawing/2014/main" xmlns="" val="10001"/>
+                        <a16:rowId xmlns="" xmlns:a16="http://schemas.microsoft.com/office/drawing/2014/main" val="10001"/>
                       </a:ext>
                     </a:extLst>
                   </a:tr>
-                  <a:tr h="831489">
+                  <a:tr h="441006">
                     <a:tc>
                       <a:txBody>
                         <a:bodyPr/>
@@ -9053,7 +9100,7 @@
                         <a:p>
                           <a:pPr algn="ctr"/>
                           <a:r>
-                            <a:rPr lang="pt-BR" sz="1600" dirty="0"/>
+                            <a:rPr lang="pt-BR" sz="1400" dirty="0"/>
                             <a:t>He</a:t>
                           </a:r>
                         </a:p>
@@ -9104,14 +9151,14 @@
                         <a:p>
                           <a:pPr algn="ctr"/>
                           <a:r>
-                            <a:rPr lang="pt-BR" sz="1600" dirty="0"/>
+                            <a:rPr lang="pt-BR" sz="1400" dirty="0"/>
                             <a:t>ReLU</a:t>
                           </a:r>
                           <a:r>
-                            <a:rPr lang="pt-BR" sz="1600" baseline="0" dirty="0"/>
+                            <a:rPr lang="pt-BR" sz="1400" baseline="0" dirty="0"/>
                             <a:t> e variantes</a:t>
                           </a:r>
-                          <a:endParaRPr lang="pt-BR" sz="1600" dirty="0"/>
+                          <a:endParaRPr lang="pt-BR" sz="1400" dirty="0"/>
                         </a:p>
                       </a:txBody>
                       <a:tcPr anchor="ctr">
@@ -9166,13 +9213,13 @@
                               </m:oMathParaPr>
                               <m:oMath xmlns:m="http://schemas.openxmlformats.org/officeDocument/2006/math">
                                 <m:r>
-                                  <a:rPr lang="pt-BR" sz="1600" b="0" i="1" smtClean="0">
+                                  <a:rPr lang="pt-BR" sz="1400" b="0" i="1" smtClean="0">
                                     <a:latin typeface="Cambria Math" panose="02040503050406030204" pitchFamily="18" charset="0"/>
                                   </a:rPr>
                                   <m:t>𝑟</m:t>
                                 </m:r>
                                 <m:r>
-                                  <a:rPr lang="pt-BR" sz="1600" b="0" i="1" smtClean="0">
+                                  <a:rPr lang="pt-BR" sz="1400" b="0" i="1" smtClean="0">
                                     <a:latin typeface="Cambria Math" panose="02040503050406030204" pitchFamily="18" charset="0"/>
                                   </a:rPr>
                                   <m:t>=</m:t>
@@ -9181,7 +9228,7 @@
                                   <m:radPr>
                                     <m:degHide m:val="on"/>
                                     <m:ctrlPr>
-                                      <a:rPr lang="pt-BR" sz="1600" b="0" i="1" smtClean="0">
+                                      <a:rPr lang="pt-BR" sz="1400" b="0" i="1" smtClean="0">
                                         <a:latin typeface="Cambria Math" panose="02040503050406030204" pitchFamily="18" charset="0"/>
                                       </a:rPr>
                                     </m:ctrlPr>
@@ -9191,14 +9238,14 @@
                                     <m:f>
                                       <m:fPr>
                                         <m:ctrlPr>
-                                          <a:rPr lang="pt-BR" sz="1600" b="0" i="1" smtClean="0">
+                                          <a:rPr lang="pt-BR" sz="1400" b="0" i="1" smtClean="0">
                                             <a:latin typeface="Cambria Math" panose="02040503050406030204" pitchFamily="18" charset="0"/>
                                           </a:rPr>
                                         </m:ctrlPr>
                                       </m:fPr>
                                       <m:num>
                                         <m:r>
-                                          <a:rPr lang="pt-BR" sz="1600" b="0" i="1" smtClean="0">
+                                          <a:rPr lang="pt-BR" sz="1400" b="0" i="1" smtClean="0">
                                             <a:latin typeface="Cambria Math" panose="02040503050406030204" pitchFamily="18" charset="0"/>
                                           </a:rPr>
                                           <m:t>6</m:t>
@@ -9206,7 +9253,7 @@
                                       </m:num>
                                       <m:den>
                                         <m:r>
-                                          <a:rPr lang="pt-BR" sz="1600" b="0" i="1" smtClean="0">
+                                          <a:rPr lang="pt-BR" sz="1400" b="0" i="1" smtClean="0">
                                             <a:latin typeface="Cambria Math" panose="02040503050406030204" pitchFamily="18" charset="0"/>
                                           </a:rPr>
                                           <m:t>𝑚</m:t>
@@ -9218,7 +9265,7 @@
                               </m:oMath>
                             </m:oMathPara>
                           </a14:m>
-                          <a:endParaRPr lang="pt-BR" sz="1600" dirty="0"/>
+                          <a:endParaRPr lang="pt-BR" sz="1400" dirty="0"/>
                         </a:p>
                       </a:txBody>
                       <a:tcPr anchor="ctr">
@@ -9291,14 +9338,14 @@
                                 <m:sSup>
                                   <m:sSupPr>
                                     <m:ctrlPr>
-                                      <a:rPr lang="pt-BR" sz="1600" i="1" smtClean="0">
+                                      <a:rPr lang="pt-BR" sz="1400" i="1" smtClean="0">
                                         <a:latin typeface="Cambria Math" panose="02040503050406030204" pitchFamily="18" charset="0"/>
                                       </a:rPr>
                                     </m:ctrlPr>
                                   </m:sSupPr>
                                   <m:e>
                                     <m:r>
-                                      <a:rPr lang="pt-BR" sz="1600" i="1" smtClean="0">
+                                      <a:rPr lang="pt-BR" sz="1400" i="1" smtClean="0">
                                         <a:latin typeface="Cambria Math" panose="02040503050406030204" pitchFamily="18" charset="0"/>
                                         <a:ea typeface="Cambria Math" panose="02040503050406030204" pitchFamily="18" charset="0"/>
                                       </a:rPr>
@@ -9307,7 +9354,7 @@
                                   </m:e>
                                   <m:sup>
                                     <m:r>
-                                      <a:rPr lang="pt-BR" sz="1600" b="0" i="1" smtClean="0">
+                                      <a:rPr lang="pt-BR" sz="1400" b="0" i="1" smtClean="0">
                                         <a:latin typeface="Cambria Math" panose="02040503050406030204" pitchFamily="18" charset="0"/>
                                       </a:rPr>
                                       <m:t>2</m:t>
@@ -9315,7 +9362,7 @@
                                   </m:sup>
                                 </m:sSup>
                                 <m:r>
-                                  <a:rPr lang="pt-BR" sz="1600" b="0" i="1" smtClean="0">
+                                  <a:rPr lang="pt-BR" sz="1400" b="0" i="1" smtClean="0">
                                     <a:latin typeface="Cambria Math" panose="02040503050406030204" pitchFamily="18" charset="0"/>
                                   </a:rPr>
                                   <m:t>=</m:t>
@@ -9323,14 +9370,14 @@
                                 <m:f>
                                   <m:fPr>
                                     <m:ctrlPr>
-                                      <a:rPr lang="pt-BR" sz="1600" b="0" i="1" smtClean="0">
+                                      <a:rPr lang="pt-BR" sz="1400" b="0" i="1" smtClean="0">
                                         <a:latin typeface="Cambria Math" panose="02040503050406030204" pitchFamily="18" charset="0"/>
                                       </a:rPr>
                                     </m:ctrlPr>
                                   </m:fPr>
                                   <m:num>
                                     <m:r>
-                                      <a:rPr lang="pt-BR" sz="1600" b="0" i="1" smtClean="0">
+                                      <a:rPr lang="pt-BR" sz="1400" b="0" i="1" smtClean="0">
                                         <a:latin typeface="Cambria Math" panose="02040503050406030204" pitchFamily="18" charset="0"/>
                                       </a:rPr>
                                       <m:t>2</m:t>
@@ -9338,7 +9385,7 @@
                                   </m:num>
                                   <m:den>
                                     <m:r>
-                                      <a:rPr lang="pt-BR" sz="1600" b="0" i="1" smtClean="0">
+                                      <a:rPr lang="pt-BR" sz="1400" b="0" i="1" smtClean="0">
                                         <a:latin typeface="Cambria Math" panose="02040503050406030204" pitchFamily="18" charset="0"/>
                                       </a:rPr>
                                       <m:t>𝑚</m:t>
@@ -9348,7 +9395,7 @@
                               </m:oMath>
                             </m:oMathPara>
                           </a14:m>
-                          <a:endParaRPr lang="pt-BR" sz="1600" dirty="0"/>
+                          <a:endParaRPr lang="pt-BR" sz="1400" dirty="0"/>
                         </a:p>
                       </a:txBody>
                       <a:tcPr anchor="ctr">
@@ -9392,11 +9439,11 @@
                     </a:tc>
                     <a:extLst>
                       <a:ext uri="{0D108BD9-81ED-4DB2-BD59-A6C34878D82A}">
-                        <a16:rowId xmlns:a16="http://schemas.microsoft.com/office/drawing/2014/main" xmlns="" val="10002"/>
+                        <a16:rowId xmlns="" xmlns:a16="http://schemas.microsoft.com/office/drawing/2014/main" val="10002"/>
                       </a:ext>
                     </a:extLst>
                   </a:tr>
-                  <a:tr h="831489">
+                  <a:tr h="441006">
                     <a:tc>
                       <a:txBody>
                         <a:bodyPr/>
@@ -9404,7 +9451,7 @@
                         <a:p>
                           <a:pPr algn="ctr"/>
                           <a:r>
-                            <a:rPr lang="pt-BR" sz="1600" dirty="0"/>
+                            <a:rPr lang="pt-BR" sz="1400" dirty="0"/>
                             <a:t>LeCun</a:t>
                           </a:r>
                         </a:p>
@@ -9455,7 +9502,7 @@
                         <a:p>
                           <a:pPr algn="ctr"/>
                           <a:r>
-                            <a:rPr lang="pt-BR" sz="1600" dirty="0"/>
+                            <a:rPr lang="pt-BR" sz="1400" dirty="0"/>
                             <a:t>SELU</a:t>
                           </a:r>
                         </a:p>
@@ -9512,13 +9559,13 @@
                               </m:oMathParaPr>
                               <m:oMath xmlns:m="http://schemas.openxmlformats.org/officeDocument/2006/math">
                                 <m:r>
-                                  <a:rPr lang="pt-BR" sz="1600" b="0" i="1" smtClean="0">
+                                  <a:rPr lang="pt-BR" sz="1400" b="0" i="1" smtClean="0">
                                     <a:latin typeface="Cambria Math" panose="02040503050406030204" pitchFamily="18" charset="0"/>
                                   </a:rPr>
                                   <m:t>𝑟</m:t>
                                 </m:r>
                                 <m:r>
-                                  <a:rPr lang="pt-BR" sz="1600" b="0" i="1" smtClean="0">
+                                  <a:rPr lang="pt-BR" sz="1400" b="0" i="1" smtClean="0">
                                     <a:latin typeface="Cambria Math" panose="02040503050406030204" pitchFamily="18" charset="0"/>
                                   </a:rPr>
                                   <m:t>=</m:t>
@@ -9527,7 +9574,7 @@
                                   <m:radPr>
                                     <m:degHide m:val="on"/>
                                     <m:ctrlPr>
-                                      <a:rPr lang="pt-BR" sz="1600" b="0" i="1" smtClean="0">
+                                      <a:rPr lang="pt-BR" sz="1400" b="0" i="1" smtClean="0">
                                         <a:latin typeface="Cambria Math" panose="02040503050406030204" pitchFamily="18" charset="0"/>
                                       </a:rPr>
                                     </m:ctrlPr>
@@ -9537,14 +9584,14 @@
                                     <m:f>
                                       <m:fPr>
                                         <m:ctrlPr>
-                                          <a:rPr lang="pt-BR" sz="1600" b="0" i="1" smtClean="0">
+                                          <a:rPr lang="pt-BR" sz="1400" b="0" i="1" smtClean="0">
                                             <a:latin typeface="Cambria Math" panose="02040503050406030204" pitchFamily="18" charset="0"/>
                                           </a:rPr>
                                         </m:ctrlPr>
                                       </m:fPr>
                                       <m:num>
                                         <m:r>
-                                          <a:rPr lang="pt-BR" sz="1600" b="0" i="1" smtClean="0">
+                                          <a:rPr lang="pt-BR" sz="1400" b="0" i="1" smtClean="0">
                                             <a:latin typeface="Cambria Math" panose="02040503050406030204" pitchFamily="18" charset="0"/>
                                           </a:rPr>
                                           <m:t>3</m:t>
@@ -9552,7 +9599,7 @@
                                       </m:num>
                                       <m:den>
                                         <m:r>
-                                          <a:rPr lang="pt-BR" sz="1600" b="0" i="1" smtClean="0">
+                                          <a:rPr lang="pt-BR" sz="1400" b="0" i="1" smtClean="0">
                                             <a:latin typeface="Cambria Math" panose="02040503050406030204" pitchFamily="18" charset="0"/>
                                           </a:rPr>
                                           <m:t>𝑚</m:t>
@@ -9564,7 +9611,7 @@
                               </m:oMath>
                             </m:oMathPara>
                           </a14:m>
-                          <a:endParaRPr lang="pt-BR" sz="1600" dirty="0"/>
+                          <a:endParaRPr lang="pt-BR" sz="1400" dirty="0"/>
                         </a:p>
                       </a:txBody>
                       <a:tcPr anchor="ctr">
@@ -9637,14 +9684,14 @@
                                 <m:sSup>
                                   <m:sSupPr>
                                     <m:ctrlPr>
-                                      <a:rPr lang="pt-BR" sz="1600" i="1" smtClean="0">
+                                      <a:rPr lang="pt-BR" sz="1400" i="1" smtClean="0">
                                         <a:latin typeface="Cambria Math" panose="02040503050406030204" pitchFamily="18" charset="0"/>
                                       </a:rPr>
                                     </m:ctrlPr>
                                   </m:sSupPr>
                                   <m:e>
                                     <m:r>
-                                      <a:rPr lang="pt-BR" sz="1600" i="1" smtClean="0">
+                                      <a:rPr lang="pt-BR" sz="1400" i="1" smtClean="0">
                                         <a:latin typeface="Cambria Math" panose="02040503050406030204" pitchFamily="18" charset="0"/>
                                         <a:ea typeface="Cambria Math" panose="02040503050406030204" pitchFamily="18" charset="0"/>
                                       </a:rPr>
@@ -9653,7 +9700,7 @@
                                   </m:e>
                                   <m:sup>
                                     <m:r>
-                                      <a:rPr lang="pt-BR" sz="1600" b="0" i="1" smtClean="0">
+                                      <a:rPr lang="pt-BR" sz="1400" b="0" i="1" smtClean="0">
                                         <a:latin typeface="Cambria Math" panose="02040503050406030204" pitchFamily="18" charset="0"/>
                                       </a:rPr>
                                       <m:t>2</m:t>
@@ -9661,7 +9708,7 @@
                                   </m:sup>
                                 </m:sSup>
                                 <m:r>
-                                  <a:rPr lang="pt-BR" sz="1600" b="0" i="1" smtClean="0">
+                                  <a:rPr lang="pt-BR" sz="1400" b="0" i="1" smtClean="0">
                                     <a:latin typeface="Cambria Math" panose="02040503050406030204" pitchFamily="18" charset="0"/>
                                   </a:rPr>
                                   <m:t>=</m:t>
@@ -9669,14 +9716,14 @@
                                 <m:f>
                                   <m:fPr>
                                     <m:ctrlPr>
-                                      <a:rPr lang="pt-BR" sz="1600" b="0" i="1" smtClean="0">
+                                      <a:rPr lang="pt-BR" sz="1400" b="0" i="1" smtClean="0">
                                         <a:latin typeface="Cambria Math" panose="02040503050406030204" pitchFamily="18" charset="0"/>
                                       </a:rPr>
                                     </m:ctrlPr>
                                   </m:fPr>
                                   <m:num>
                                     <m:r>
-                                      <a:rPr lang="pt-BR" sz="1600" b="0" i="1" smtClean="0">
+                                      <a:rPr lang="pt-BR" sz="1400" b="0" i="1" smtClean="0">
                                         <a:latin typeface="Cambria Math" panose="02040503050406030204" pitchFamily="18" charset="0"/>
                                       </a:rPr>
                                       <m:t>1</m:t>
@@ -9684,7 +9731,7 @@
                                   </m:num>
                                   <m:den>
                                     <m:r>
-                                      <a:rPr lang="pt-BR" sz="1600" b="0" i="1" smtClean="0">
+                                      <a:rPr lang="pt-BR" sz="1400" b="0" i="1" smtClean="0">
                                         <a:latin typeface="Cambria Math" panose="02040503050406030204" pitchFamily="18" charset="0"/>
                                       </a:rPr>
                                       <m:t>𝑚</m:t>
@@ -9694,7 +9741,7 @@
                               </m:oMath>
                             </m:oMathPara>
                           </a14:m>
-                          <a:endParaRPr lang="pt-BR" sz="1600" dirty="0"/>
+                          <a:endParaRPr lang="pt-BR" sz="1400" dirty="0"/>
                         </a:p>
                       </a:txBody>
                       <a:tcPr anchor="ctr">
@@ -9738,7 +9785,7 @@
                     </a:tc>
                     <a:extLst>
                       <a:ext uri="{0D108BD9-81ED-4DB2-BD59-A6C34878D82A}">
-                        <a16:rowId xmlns:a16="http://schemas.microsoft.com/office/drawing/2014/main" xmlns="" val="10003"/>
+                        <a16:rowId xmlns="" xmlns:a16="http://schemas.microsoft.com/office/drawing/2014/main" val="10003"/>
                       </a:ext>
                     </a:extLst>
                   </a:tr>
@@ -9757,14 +9804,14 @@
               <p:nvPr>
                 <p:extLst>
                   <p:ext uri="{D42A27DB-BD31-4B8C-83A1-F6EECF244321}">
-                    <p14:modId xmlns:p14="http://schemas.microsoft.com/office/powerpoint/2010/main" val="2057178719"/>
+                    <p14:modId xmlns:p14="http://schemas.microsoft.com/office/powerpoint/2010/main" val="1664718877"/>
                   </p:ext>
                 </p:extLst>
               </p:nvPr>
             </p:nvGraphicFramePr>
             <p:xfrm>
-              <a:off x="838200" y="2579851"/>
-              <a:ext cx="11036474" cy="3073587"/>
+              <a:off x="838200" y="3299428"/>
+              <a:ext cx="11036474" cy="2683575"/>
             </p:xfrm>
             <a:graphic>
               <a:graphicData uri="http://schemas.openxmlformats.org/drawingml/2006/table">
@@ -9776,33 +9823,33 @@
                     <a:gridCol w="1854751">
                       <a:extLst>
                         <a:ext uri="{9D8B030D-6E8A-4147-A177-3AD203B41FA5}">
-                          <a16:colId xmlns:a16="http://schemas.microsoft.com/office/drawing/2014/main" xmlns:a14="http://schemas.microsoft.com/office/drawing/2010/main" xmlns="" val="20000"/>
+                          <a16:colId xmlns="" xmlns:a16="http://schemas.microsoft.com/office/drawing/2014/main" xmlns:a14="http://schemas.microsoft.com/office/drawing/2010/main" val="20000"/>
                         </a:ext>
                       </a:extLst>
                     </a:gridCol>
                     <a:gridCol w="3663486">
                       <a:extLst>
                         <a:ext uri="{9D8B030D-6E8A-4147-A177-3AD203B41FA5}">
-                          <a16:colId xmlns:a16="http://schemas.microsoft.com/office/drawing/2014/main" xmlns:a14="http://schemas.microsoft.com/office/drawing/2010/main" xmlns="" val="20001"/>
+                          <a16:colId xmlns="" xmlns:a16="http://schemas.microsoft.com/office/drawing/2014/main" xmlns:a14="http://schemas.microsoft.com/office/drawing/2010/main" val="20001"/>
                         </a:ext>
                       </a:extLst>
                     </a:gridCol>
                     <a:gridCol w="3080660">
                       <a:extLst>
                         <a:ext uri="{9D8B030D-6E8A-4147-A177-3AD203B41FA5}">
-                          <a16:colId xmlns:a16="http://schemas.microsoft.com/office/drawing/2014/main" xmlns:a14="http://schemas.microsoft.com/office/drawing/2010/main" xmlns="" val="20002"/>
+                          <a16:colId xmlns="" xmlns:a16="http://schemas.microsoft.com/office/drawing/2014/main" xmlns:a14="http://schemas.microsoft.com/office/drawing/2010/main" val="20002"/>
                         </a:ext>
                       </a:extLst>
                     </a:gridCol>
                     <a:gridCol w="2437577">
                       <a:extLst>
                         <a:ext uri="{9D8B030D-6E8A-4147-A177-3AD203B41FA5}">
-                          <a16:colId xmlns:a16="http://schemas.microsoft.com/office/drawing/2014/main" xmlns:a14="http://schemas.microsoft.com/office/drawing/2010/main" xmlns="" val="20003"/>
+                          <a16:colId xmlns="" xmlns:a16="http://schemas.microsoft.com/office/drawing/2014/main" xmlns:a14="http://schemas.microsoft.com/office/drawing/2010/main" val="20003"/>
                         </a:ext>
                       </a:extLst>
                     </a:gridCol>
                   </a:tblGrid>
-                  <a:tr h="579120">
+                  <a:tr h="518160">
                     <a:tc>
                       <a:txBody>
                         <a:bodyPr/>
@@ -9810,7 +9857,7 @@
                         <a:p>
                           <a:pPr algn="ctr"/>
                           <a:r>
-                            <a:rPr lang="pt-BR" sz="1600" b="1" dirty="0"/>
+                            <a:rPr lang="pt-BR" sz="1400" b="1" dirty="0"/>
                             <a:t>Inicialização</a:t>
                           </a:r>
                         </a:p>
@@ -9861,7 +9908,7 @@
                         <a:p>
                           <a:pPr algn="ctr"/>
                           <a:r>
-                            <a:rPr lang="pt-BR" sz="1600" b="1" dirty="0"/>
+                            <a:rPr lang="pt-BR" sz="1400" b="1" dirty="0"/>
                             <a:t>Funções de ativação</a:t>
                           </a:r>
                         </a:p>
@@ -9953,7 +10000,7 @@
                         <a:blipFill rotWithShape="0">
                           <a:blip r:embed="rId4"/>
                           <a:stretch>
-                            <a:fillRect l="-179604" t="-3158" r="-79802" b="-433684"/>
+                            <a:fillRect l="-179604" t="-2353" r="-79802" b="-421176"/>
                           </a:stretch>
                         </a:blipFill>
                       </a:tcPr>
@@ -10006,18 +10053,18 @@
                         <a:blipFill rotWithShape="0">
                           <a:blip r:embed="rId4"/>
                           <a:stretch>
-                            <a:fillRect l="-353000" t="-3158" r="-750" b="-433684"/>
+                            <a:fillRect l="-353000" t="-2353" r="-750" b="-421176"/>
                           </a:stretch>
                         </a:blipFill>
                       </a:tcPr>
                     </a:tc>
                     <a:extLst>
                       <a:ext uri="{0D108BD9-81ED-4DB2-BD59-A6C34878D82A}">
-                        <a16:rowId xmlns:a16="http://schemas.microsoft.com/office/drawing/2014/main" xmlns:a14="http://schemas.microsoft.com/office/drawing/2010/main" xmlns="" val="10000"/>
+                        <a16:rowId xmlns="" xmlns:a16="http://schemas.microsoft.com/office/drawing/2014/main" xmlns:a14="http://schemas.microsoft.com/office/drawing/2010/main" val="10000"/>
                       </a:ext>
                     </a:extLst>
                   </a:tr>
-                  <a:tr h="831489">
+                  <a:tr h="721805">
                     <a:tc>
                       <a:txBody>
                         <a:bodyPr/>
@@ -10025,7 +10072,7 @@
                         <a:p>
                           <a:pPr algn="ctr"/>
                           <a:r>
-                            <a:rPr lang="pt-BR" sz="1600" dirty="0"/>
+                            <a:rPr lang="pt-BR" sz="1400" dirty="0"/>
                             <a:t>Xavier/Glorot</a:t>
                           </a:r>
                         </a:p>
@@ -10076,11 +10123,11 @@
                         <a:p>
                           <a:pPr algn="ctr"/>
                           <a:r>
-                            <a:rPr lang="pt-BR" sz="1600" dirty="0" smtClean="0"/>
+                            <a:rPr lang="pt-BR" sz="1400" dirty="0" smtClean="0"/>
                             <a:t>Nenhuma (Linear), </a:t>
                           </a:r>
                           <a:r>
-                            <a:rPr lang="pt-BR" sz="1600" dirty="0"/>
+                            <a:rPr lang="pt-BR" sz="1400" dirty="0"/>
                             <a:t>Tanh, Logística, Softmax</a:t>
                           </a:r>
                         </a:p>
@@ -10172,7 +10219,7 @@
                         <a:blipFill rotWithShape="0">
                           <a:blip r:embed="rId4"/>
                           <a:stretch>
-                            <a:fillRect l="-179604" t="-71533" r="-79802" b="-200730"/>
+                            <a:fillRect l="-179604" t="-73109" r="-79802" b="-200840"/>
                           </a:stretch>
                         </a:blipFill>
                       </a:tcPr>
@@ -10225,18 +10272,18 @@
                         <a:blipFill rotWithShape="0">
                           <a:blip r:embed="rId4"/>
                           <a:stretch>
-                            <a:fillRect l="-353000" t="-71533" r="-750" b="-200730"/>
+                            <a:fillRect l="-353000" t="-73109" r="-750" b="-200840"/>
                           </a:stretch>
                         </a:blipFill>
                       </a:tcPr>
                     </a:tc>
                     <a:extLst>
                       <a:ext uri="{0D108BD9-81ED-4DB2-BD59-A6C34878D82A}">
-                        <a16:rowId xmlns:a16="http://schemas.microsoft.com/office/drawing/2014/main" xmlns:a14="http://schemas.microsoft.com/office/drawing/2010/main" xmlns="" val="10001"/>
+                        <a16:rowId xmlns="" xmlns:a16="http://schemas.microsoft.com/office/drawing/2014/main" xmlns:a14="http://schemas.microsoft.com/office/drawing/2010/main" val="10001"/>
                       </a:ext>
                     </a:extLst>
                   </a:tr>
-                  <a:tr h="831489">
+                  <a:tr h="721805">
                     <a:tc>
                       <a:txBody>
                         <a:bodyPr/>
@@ -10244,7 +10291,7 @@
                         <a:p>
                           <a:pPr algn="ctr"/>
                           <a:r>
-                            <a:rPr lang="pt-BR" sz="1600" dirty="0"/>
+                            <a:rPr lang="pt-BR" sz="1400" dirty="0"/>
                             <a:t>He</a:t>
                           </a:r>
                         </a:p>
@@ -10295,14 +10342,14 @@
                         <a:p>
                           <a:pPr algn="ctr"/>
                           <a:r>
-                            <a:rPr lang="pt-BR" sz="1600" dirty="0"/>
+                            <a:rPr lang="pt-BR" sz="1400" dirty="0"/>
                             <a:t>ReLU</a:t>
                           </a:r>
                           <a:r>
-                            <a:rPr lang="pt-BR" sz="1600" baseline="0" dirty="0"/>
+                            <a:rPr lang="pt-BR" sz="1400" baseline="0" dirty="0"/>
                             <a:t> e variantes</a:t>
                           </a:r>
-                          <a:endParaRPr lang="pt-BR" sz="1600" dirty="0"/>
+                          <a:endParaRPr lang="pt-BR" sz="1400" dirty="0"/>
                         </a:p>
                       </a:txBody>
                       <a:tcPr anchor="ctr">
@@ -10392,7 +10439,7 @@
                         <a:blipFill rotWithShape="0">
                           <a:blip r:embed="rId4"/>
                           <a:stretch>
-                            <a:fillRect l="-179604" t="-172794" r="-79802" b="-102206"/>
+                            <a:fillRect l="-179604" t="-174576" r="-79802" b="-102542"/>
                           </a:stretch>
                         </a:blipFill>
                       </a:tcPr>
@@ -10445,18 +10492,18 @@
                         <a:blipFill rotWithShape="0">
                           <a:blip r:embed="rId4"/>
                           <a:stretch>
-                            <a:fillRect l="-353000" t="-172794" r="-750" b="-102206"/>
+                            <a:fillRect l="-353000" t="-174576" r="-750" b="-102542"/>
                           </a:stretch>
                         </a:blipFill>
                       </a:tcPr>
                     </a:tc>
                     <a:extLst>
                       <a:ext uri="{0D108BD9-81ED-4DB2-BD59-A6C34878D82A}">
-                        <a16:rowId xmlns:a16="http://schemas.microsoft.com/office/drawing/2014/main" xmlns:a14="http://schemas.microsoft.com/office/drawing/2010/main" xmlns="" val="10002"/>
+                        <a16:rowId xmlns="" xmlns:a16="http://schemas.microsoft.com/office/drawing/2014/main" xmlns:a14="http://schemas.microsoft.com/office/drawing/2010/main" val="10002"/>
                       </a:ext>
                     </a:extLst>
                   </a:tr>
-                  <a:tr h="831489">
+                  <a:tr h="721805">
                     <a:tc>
                       <a:txBody>
                         <a:bodyPr/>
@@ -10464,7 +10511,7 @@
                         <a:p>
                           <a:pPr algn="ctr"/>
                           <a:r>
-                            <a:rPr lang="pt-BR" sz="1600" dirty="0"/>
+                            <a:rPr lang="pt-BR" sz="1400" dirty="0"/>
                             <a:t>LeCun</a:t>
                           </a:r>
                         </a:p>
@@ -10515,7 +10562,7 @@
                         <a:p>
                           <a:pPr algn="ctr"/>
                           <a:r>
-                            <a:rPr lang="pt-BR" sz="1600" dirty="0"/>
+                            <a:rPr lang="pt-BR" sz="1400" dirty="0"/>
                             <a:t>SELU</a:t>
                           </a:r>
                         </a:p>
@@ -10607,7 +10654,7 @@
                         <a:blipFill rotWithShape="0">
                           <a:blip r:embed="rId4"/>
                           <a:stretch>
-                            <a:fillRect l="-179604" t="-270803" r="-79802" b="-1460"/>
+                            <a:fillRect l="-179604" t="-272269" r="-79802" b="-1681"/>
                           </a:stretch>
                         </a:blipFill>
                       </a:tcPr>
@@ -10660,14 +10707,14 @@
                         <a:blipFill rotWithShape="0">
                           <a:blip r:embed="rId4"/>
                           <a:stretch>
-                            <a:fillRect l="-353000" t="-270803" r="-750" b="-1460"/>
+                            <a:fillRect l="-353000" t="-272269" r="-750" b="-1681"/>
                           </a:stretch>
                         </a:blipFill>
                       </a:tcPr>
                     </a:tc>
                     <a:extLst>
                       <a:ext uri="{0D108BD9-81ED-4DB2-BD59-A6C34878D82A}">
-                        <a16:rowId xmlns:a16="http://schemas.microsoft.com/office/drawing/2014/main" xmlns:a14="http://schemas.microsoft.com/office/drawing/2010/main" xmlns="" val="10003"/>
+                        <a16:rowId xmlns="" xmlns:a16="http://schemas.microsoft.com/office/drawing/2014/main" xmlns:a14="http://schemas.microsoft.com/office/drawing/2010/main" val="10003"/>
                       </a:ext>
                     </a:extLst>
                   </a:tr>
@@ -10808,11 +10855,7 @@
             </a:r>
             <a:r>
               <a:rPr lang="pt-BR" dirty="0" smtClean="0"/>
-              <a:t>e</a:t>
-            </a:r>
-            <a:r>
-              <a:rPr lang="pt-BR" dirty="0" smtClean="0"/>
-              <a:t> baseados </a:t>
+              <a:t>e baseados </a:t>
             </a:r>
             <a:r>
               <a:rPr lang="pt-BR" dirty="0"/>
@@ -11098,7 +11141,7 @@
           <p:cNvPr id="4" name="Título 1">
             <a:extLst>
               <a:ext uri="{FF2B5EF4-FFF2-40B4-BE49-F238E27FC236}">
-                <a16:creationId xmlns:a16="http://schemas.microsoft.com/office/drawing/2014/main" xmlns="" id="{32666AC8-2E17-4DB4-B0F5-60C640CCFD2E}"/>
+                <a16:creationId xmlns="" xmlns:a16="http://schemas.microsoft.com/office/drawing/2014/main" id="{32666AC8-2E17-4DB4-B0F5-60C640CCFD2E}"/>
               </a:ext>
             </a:extLst>
           </p:cNvPr>
@@ -11604,7 +11647,7 @@
           <p:cNvPr id="4" name="Título 1">
             <a:extLst>
               <a:ext uri="{FF2B5EF4-FFF2-40B4-BE49-F238E27FC236}">
-                <a16:creationId xmlns:a16="http://schemas.microsoft.com/office/drawing/2014/main" xmlns="" id="{32666AC8-2E17-4DB4-B0F5-60C640CCFD2E}"/>
+                <a16:creationId xmlns="" xmlns:a16="http://schemas.microsoft.com/office/drawing/2014/main" id="{32666AC8-2E17-4DB4-B0F5-60C640CCFD2E}"/>
               </a:ext>
             </a:extLst>
           </p:cNvPr>

--- a/slides/T320_Redes_Neurais_Artificiais (Parte IV).pptx
+++ b/slides/T320_Redes_Neurais_Artificiais (Parte IV).pptx
@@ -256,7 +256,7 @@
           <a:p>
             <a:fld id="{C3C82C08-3EFC-4473-8294-F0E229C19EFF}" type="datetimeFigureOut">
               <a:rPr lang="pt-BR" smtClean="0"/>
-              <a:t>10/06/2022</a:t>
+              <a:t>18/11/2022</a:t>
             </a:fld>
             <a:endParaRPr lang="pt-BR"/>
           </a:p>
@@ -2549,7 +2549,7 @@
           <a:p>
             <a:fld id="{221D0464-8C8A-49C0-859F-777E51766A35}" type="datetimeFigureOut">
               <a:rPr lang="pt-BR" smtClean="0"/>
-              <a:t>10/06/2022</a:t>
+              <a:t>18/11/2022</a:t>
             </a:fld>
             <a:endParaRPr lang="pt-BR"/>
           </a:p>
@@ -2719,7 +2719,7 @@
           <a:p>
             <a:fld id="{221D0464-8C8A-49C0-859F-777E51766A35}" type="datetimeFigureOut">
               <a:rPr lang="pt-BR" smtClean="0"/>
-              <a:t>10/06/2022</a:t>
+              <a:t>18/11/2022</a:t>
             </a:fld>
             <a:endParaRPr lang="pt-BR"/>
           </a:p>
@@ -2899,7 +2899,7 @@
           <a:p>
             <a:fld id="{221D0464-8C8A-49C0-859F-777E51766A35}" type="datetimeFigureOut">
               <a:rPr lang="pt-BR" smtClean="0"/>
-              <a:t>10/06/2022</a:t>
+              <a:t>18/11/2022</a:t>
             </a:fld>
             <a:endParaRPr lang="pt-BR"/>
           </a:p>
@@ -3069,7 +3069,7 @@
           <a:p>
             <a:fld id="{221D0464-8C8A-49C0-859F-777E51766A35}" type="datetimeFigureOut">
               <a:rPr lang="pt-BR" smtClean="0"/>
-              <a:t>10/06/2022</a:t>
+              <a:t>18/11/2022</a:t>
             </a:fld>
             <a:endParaRPr lang="pt-BR"/>
           </a:p>
@@ -3315,7 +3315,7 @@
           <a:p>
             <a:fld id="{221D0464-8C8A-49C0-859F-777E51766A35}" type="datetimeFigureOut">
               <a:rPr lang="pt-BR" smtClean="0"/>
-              <a:t>10/06/2022</a:t>
+              <a:t>18/11/2022</a:t>
             </a:fld>
             <a:endParaRPr lang="pt-BR"/>
           </a:p>
@@ -3547,7 +3547,7 @@
           <a:p>
             <a:fld id="{221D0464-8C8A-49C0-859F-777E51766A35}" type="datetimeFigureOut">
               <a:rPr lang="pt-BR" smtClean="0"/>
-              <a:t>10/06/2022</a:t>
+              <a:t>18/11/2022</a:t>
             </a:fld>
             <a:endParaRPr lang="pt-BR"/>
           </a:p>
@@ -3914,7 +3914,7 @@
           <a:p>
             <a:fld id="{221D0464-8C8A-49C0-859F-777E51766A35}" type="datetimeFigureOut">
               <a:rPr lang="pt-BR" smtClean="0"/>
-              <a:t>10/06/2022</a:t>
+              <a:t>18/11/2022</a:t>
             </a:fld>
             <a:endParaRPr lang="pt-BR"/>
           </a:p>
@@ -4032,7 +4032,7 @@
           <a:p>
             <a:fld id="{221D0464-8C8A-49C0-859F-777E51766A35}" type="datetimeFigureOut">
               <a:rPr lang="pt-BR" smtClean="0"/>
-              <a:t>10/06/2022</a:t>
+              <a:t>18/11/2022</a:t>
             </a:fld>
             <a:endParaRPr lang="pt-BR"/>
           </a:p>
@@ -4127,7 +4127,7 @@
           <a:p>
             <a:fld id="{221D0464-8C8A-49C0-859F-777E51766A35}" type="datetimeFigureOut">
               <a:rPr lang="pt-BR" smtClean="0"/>
-              <a:t>10/06/2022</a:t>
+              <a:t>18/11/2022</a:t>
             </a:fld>
             <a:endParaRPr lang="pt-BR"/>
           </a:p>
@@ -4404,7 +4404,7 @@
           <a:p>
             <a:fld id="{221D0464-8C8A-49C0-859F-777E51766A35}" type="datetimeFigureOut">
               <a:rPr lang="pt-BR" smtClean="0"/>
-              <a:t>10/06/2022</a:t>
+              <a:t>18/11/2022</a:t>
             </a:fld>
             <a:endParaRPr lang="pt-BR"/>
           </a:p>
@@ -4657,7 +4657,7 @@
           <a:p>
             <a:fld id="{221D0464-8C8A-49C0-859F-777E51766A35}" type="datetimeFigureOut">
               <a:rPr lang="pt-BR" smtClean="0"/>
-              <a:t>10/06/2022</a:t>
+              <a:t>18/11/2022</a:t>
             </a:fld>
             <a:endParaRPr lang="pt-BR"/>
           </a:p>
@@ -4870,7 +4870,7 @@
           <a:p>
             <a:fld id="{221D0464-8C8A-49C0-859F-777E51766A35}" type="datetimeFigureOut">
               <a:rPr lang="pt-BR" smtClean="0"/>
-              <a:t>10/06/2022</a:t>
+              <a:t>18/11/2022</a:t>
             </a:fld>
             <a:endParaRPr lang="pt-BR"/>
           </a:p>
@@ -5280,7 +5280,7 @@
           <p:cNvPr id="2" name="Título 1">
             <a:extLst>
               <a:ext uri="{FF2B5EF4-FFF2-40B4-BE49-F238E27FC236}">
-                <a16:creationId xmlns="" xmlns:a16="http://schemas.microsoft.com/office/drawing/2014/main" id="{32666AC8-2E17-4DB4-B0F5-60C640CCFD2E}"/>
+                <a16:creationId xmlns:a16="http://schemas.microsoft.com/office/drawing/2014/main" xmlns="" id="{32666AC8-2E17-4DB4-B0F5-60C640CCFD2E}"/>
               </a:ext>
             </a:extLst>
           </p:cNvPr>
@@ -5331,7 +5331,7 @@
           <p:cNvPr id="4" name="CaixaDeTexto 3">
             <a:extLst>
               <a:ext uri="{FF2B5EF4-FFF2-40B4-BE49-F238E27FC236}">
-                <a16:creationId xmlns="" xmlns:a16="http://schemas.microsoft.com/office/drawing/2014/main" id="{430EB894-B7D4-434C-9D1A-A14094D9BEEC}"/>
+                <a16:creationId xmlns:a16="http://schemas.microsoft.com/office/drawing/2014/main" xmlns="" id="{430EB894-B7D4-434C-9D1A-A14094D9BEEC}"/>
               </a:ext>
             </a:extLst>
           </p:cNvPr>
@@ -5372,7 +5372,7 @@
           <p:cNvPr id="1026" name="Picture 2" descr="Logo">
             <a:extLst>
               <a:ext uri="{FF2B5EF4-FFF2-40B4-BE49-F238E27FC236}">
-                <a16:creationId xmlns="" xmlns:a16="http://schemas.microsoft.com/office/drawing/2014/main" id="{3F2642E0-4F6A-4196-8F58-E77D36E9A33F}"/>
+                <a16:creationId xmlns:a16="http://schemas.microsoft.com/office/drawing/2014/main" xmlns="" id="{3F2642E0-4F6A-4196-8F58-E77D36E9A33F}"/>
               </a:ext>
             </a:extLst>
           </p:cNvPr>
@@ -5417,7 +5417,7 @@
           <p:cNvPr id="5122" name="Picture 2" descr="Image result for machine learning">
             <a:extLst>
               <a:ext uri="{FF2B5EF4-FFF2-40B4-BE49-F238E27FC236}">
-                <a16:creationId xmlns="" xmlns:a16="http://schemas.microsoft.com/office/drawing/2014/main" id="{810CE0A2-4102-44A6-A370-175E7896CDCB}"/>
+                <a16:creationId xmlns:a16="http://schemas.microsoft.com/office/drawing/2014/main" xmlns="" id="{810CE0A2-4102-44A6-A370-175E7896CDCB}"/>
               </a:ext>
             </a:extLst>
           </p:cNvPr>
@@ -7878,8 +7878,8 @@
         </p:nvSpPr>
         <p:spPr>
           <a:xfrm>
-            <a:off x="8158040" y="6550223"/>
-            <a:ext cx="3994042" cy="307777"/>
+            <a:off x="8757085" y="6581001"/>
+            <a:ext cx="3434915" cy="276999"/>
           </a:xfrm>
           <a:prstGeom prst="rect">
             <a:avLst/>
@@ -7892,12 +7892,12 @@
           <a:lstStyle/>
           <a:p>
             <a:r>
-              <a:rPr lang="pt-BR" sz="1400" dirty="0">
+              <a:rPr lang="pt-BR" sz="1200" dirty="0">
                 <a:hlinkClick r:id="rId3"/>
               </a:rPr>
               <a:t>https://www.deeplearning.ai/ai-notes/initialization/</a:t>
             </a:r>
-            <a:endParaRPr lang="pt-BR" sz="1400" dirty="0"/>
+            <a:endParaRPr lang="pt-BR" sz="1200" dirty="0"/>
           </a:p>
         </p:txBody>
       </p:sp>
@@ -8154,8 +8154,8 @@
           </a:p>
         </p:txBody>
       </p:sp>
-      <mc:AlternateContent xmlns:mc="http://schemas.openxmlformats.org/markup-compatibility/2006">
-        <mc:Choice xmlns:a14="http://schemas.microsoft.com/office/drawing/2010/main" Requires="a14">
+      <mc:AlternateContent xmlns:mc="http://schemas.openxmlformats.org/markup-compatibility/2006" xmlns:a14="http://schemas.microsoft.com/office/drawing/2010/main">
+        <mc:Choice Requires="a14">
           <p:sp>
             <p:nvSpPr>
               <p:cNvPr id="3" name="Content Placeholder 2"/>
@@ -8320,7 +8320,7 @@
             </p:txBody>
           </p:sp>
         </mc:Choice>
-        <mc:Fallback>
+        <mc:Fallback xmlns="">
           <p:sp>
             <p:nvSpPr>
               <p:cNvPr id="3" name="Content Placeholder 2"/>
@@ -8358,8 +8358,8 @@
           </p:sp>
         </mc:Fallback>
       </mc:AlternateContent>
-      <mc:AlternateContent xmlns:mc="http://schemas.openxmlformats.org/markup-compatibility/2006">
-        <mc:Choice xmlns:a14="http://schemas.microsoft.com/office/drawing/2010/main" Requires="a14">
+      <mc:AlternateContent xmlns:mc="http://schemas.openxmlformats.org/markup-compatibility/2006" xmlns:a14="http://schemas.microsoft.com/office/drawing/2010/main">
+        <mc:Choice Requires="a14">
           <p:graphicFrame>
             <p:nvGraphicFramePr>
               <p:cNvPr id="4" name="Table 3"/>
@@ -8388,28 +8388,28 @@
                     <a:gridCol w="1854751">
                       <a:extLst>
                         <a:ext uri="{9D8B030D-6E8A-4147-A177-3AD203B41FA5}">
-                          <a16:colId xmlns="" xmlns:a16="http://schemas.microsoft.com/office/drawing/2014/main" val="20000"/>
+                          <a16:colId xmlns:a16="http://schemas.microsoft.com/office/drawing/2014/main" xmlns="" val="20000"/>
                         </a:ext>
                       </a:extLst>
                     </a:gridCol>
                     <a:gridCol w="3663486">
                       <a:extLst>
                         <a:ext uri="{9D8B030D-6E8A-4147-A177-3AD203B41FA5}">
-                          <a16:colId xmlns="" xmlns:a16="http://schemas.microsoft.com/office/drawing/2014/main" val="20001"/>
+                          <a16:colId xmlns:a16="http://schemas.microsoft.com/office/drawing/2014/main" xmlns="" val="20001"/>
                         </a:ext>
                       </a:extLst>
                     </a:gridCol>
                     <a:gridCol w="3080660">
                       <a:extLst>
                         <a:ext uri="{9D8B030D-6E8A-4147-A177-3AD203B41FA5}">
-                          <a16:colId xmlns="" xmlns:a16="http://schemas.microsoft.com/office/drawing/2014/main" val="20002"/>
+                          <a16:colId xmlns:a16="http://schemas.microsoft.com/office/drawing/2014/main" xmlns="" val="20002"/>
                         </a:ext>
                       </a:extLst>
                     </a:gridCol>
                     <a:gridCol w="2437577">
                       <a:extLst>
                         <a:ext uri="{9D8B030D-6E8A-4147-A177-3AD203B41FA5}">
-                          <a16:colId xmlns="" xmlns:a16="http://schemas.microsoft.com/office/drawing/2014/main" val="20003"/>
+                          <a16:colId xmlns:a16="http://schemas.microsoft.com/office/drawing/2014/main" xmlns="" val="20003"/>
                         </a:ext>
                       </a:extLst>
                     </a:gridCol>
@@ -8730,7 +8730,7 @@
                     </a:tc>
                     <a:extLst>
                       <a:ext uri="{0D108BD9-81ED-4DB2-BD59-A6C34878D82A}">
-                        <a16:rowId xmlns="" xmlns:a16="http://schemas.microsoft.com/office/drawing/2014/main" val="10000"/>
+                        <a16:rowId xmlns:a16="http://schemas.microsoft.com/office/drawing/2014/main" xmlns="" val="10000"/>
                       </a:ext>
                     </a:extLst>
                   </a:tr>
@@ -9088,7 +9088,7 @@
                     </a:tc>
                     <a:extLst>
                       <a:ext uri="{0D108BD9-81ED-4DB2-BD59-A6C34878D82A}">
-                        <a16:rowId xmlns="" xmlns:a16="http://schemas.microsoft.com/office/drawing/2014/main" val="10001"/>
+                        <a16:rowId xmlns:a16="http://schemas.microsoft.com/office/drawing/2014/main" xmlns="" val="10001"/>
                       </a:ext>
                     </a:extLst>
                   </a:tr>
@@ -9439,7 +9439,7 @@
                     </a:tc>
                     <a:extLst>
                       <a:ext uri="{0D108BD9-81ED-4DB2-BD59-A6C34878D82A}">
-                        <a16:rowId xmlns="" xmlns:a16="http://schemas.microsoft.com/office/drawing/2014/main" val="10002"/>
+                        <a16:rowId xmlns:a16="http://schemas.microsoft.com/office/drawing/2014/main" xmlns="" val="10002"/>
                       </a:ext>
                     </a:extLst>
                   </a:tr>
@@ -9785,7 +9785,7 @@
                     </a:tc>
                     <a:extLst>
                       <a:ext uri="{0D108BD9-81ED-4DB2-BD59-A6C34878D82A}">
-                        <a16:rowId xmlns="" xmlns:a16="http://schemas.microsoft.com/office/drawing/2014/main" val="10003"/>
+                        <a16:rowId xmlns:a16="http://schemas.microsoft.com/office/drawing/2014/main" xmlns="" val="10003"/>
                       </a:ext>
                     </a:extLst>
                   </a:tr>
@@ -9794,7 +9794,7 @@
             </a:graphic>
           </p:graphicFrame>
         </mc:Choice>
-        <mc:Fallback>
+        <mc:Fallback xmlns="">
           <p:graphicFrame>
             <p:nvGraphicFramePr>
               <p:cNvPr id="4" name="Table 3"/>
@@ -11050,6 +11050,44 @@
               <a:t>Projeto #2</a:t>
             </a:r>
             <a:r>
+              <a:rPr lang="pt-BR" dirty="0" smtClean="0"/>
+              <a:t>.</a:t>
+            </a:r>
+          </a:p>
+          <a:p>
+            <a:pPr lvl="1"/>
+            <a:r>
+              <a:rPr lang="pt-BR" dirty="0"/>
+              <a:t>Projeto já está no </a:t>
+            </a:r>
+            <a:r>
+              <a:rPr lang="pt-BR" dirty="0" err="1"/>
+              <a:t>github</a:t>
+            </a:r>
+            <a:r>
+              <a:rPr lang="pt-BR" dirty="0"/>
+              <a:t> e pode ser feito em grupos de no máximo 3 alunos.</a:t>
+            </a:r>
+          </a:p>
+          <a:p>
+            <a:pPr lvl="1"/>
+            <a:r>
+              <a:rPr lang="pt-BR" b="1" dirty="0"/>
+              <a:t>Entrega</a:t>
+            </a:r>
+            <a:r>
+              <a:rPr lang="pt-BR" dirty="0"/>
+              <a:t>: </a:t>
+            </a:r>
+            <a:r>
+              <a:rPr lang="pt-BR" b="1" dirty="0">
+                <a:solidFill>
+                  <a:srgbClr val="00B050"/>
+                </a:solidFill>
+              </a:rPr>
+              <a:t>11/12/2022 até às 23:59</a:t>
+            </a:r>
+            <a:r>
               <a:rPr lang="pt-BR" dirty="0"/>
               <a:t>.</a:t>
             </a:r>
@@ -11058,39 +11096,22 @@
             <a:pPr lvl="1"/>
             <a:r>
               <a:rPr lang="pt-BR" dirty="0"/>
-              <a:t>Pode ser feito em grupos de no máximo 3 alunos.</a:t>
+              <a:t>Leiam os enunciados atentamente</a:t>
+            </a:r>
+            <a:r>
+              <a:rPr lang="pt-BR" dirty="0" smtClean="0"/>
+              <a:t>.</a:t>
             </a:r>
           </a:p>
           <a:p>
             <a:pPr lvl="1"/>
             <a:r>
-              <a:rPr lang="pt-BR" b="1" dirty="0"/>
-              <a:t>Entrega</a:t>
+              <a:rPr lang="pt-BR" dirty="0" smtClean="0"/>
+              <a:t>Apenas </a:t>
             </a:r>
             <a:r>
               <a:rPr lang="pt-BR" dirty="0"/>
-              <a:t>: 26/06/2021.</a:t>
-            </a:r>
-          </a:p>
-          <a:p>
-            <a:pPr lvl="1"/>
-            <a:r>
-              <a:rPr lang="pt-BR" dirty="0"/>
-              <a:t>Vídeo com a explicação sobre o projeto se encontra na pasta “Projetos” em “Arquivos”.</a:t>
-            </a:r>
-          </a:p>
-          <a:p>
-            <a:pPr lvl="1"/>
-            <a:r>
-              <a:rPr lang="pt-BR" dirty="0"/>
-              <a:t>Leiam os enunciados atentamente.</a:t>
-            </a:r>
-          </a:p>
-          <a:p>
-            <a:pPr lvl="1"/>
-            <a:r>
-              <a:rPr lang="pt-BR" dirty="0"/>
-              <a:t>Apenas um integrante do grupo precisa fazer a entrega.</a:t>
+              <a:t>um integrante do grupo precisa fazer a entrega.</a:t>
             </a:r>
           </a:p>
           <a:p>
@@ -11141,7 +11162,7 @@
           <p:cNvPr id="4" name="Título 1">
             <a:extLst>
               <a:ext uri="{FF2B5EF4-FFF2-40B4-BE49-F238E27FC236}">
-                <a16:creationId xmlns="" xmlns:a16="http://schemas.microsoft.com/office/drawing/2014/main" id="{32666AC8-2E17-4DB4-B0F5-60C640CCFD2E}"/>
+                <a16:creationId xmlns:a16="http://schemas.microsoft.com/office/drawing/2014/main" xmlns="" id="{32666AC8-2E17-4DB4-B0F5-60C640CCFD2E}"/>
               </a:ext>
             </a:extLst>
           </p:cNvPr>
@@ -11647,7 +11668,7 @@
           <p:cNvPr id="4" name="Título 1">
             <a:extLst>
               <a:ext uri="{FF2B5EF4-FFF2-40B4-BE49-F238E27FC236}">
-                <a16:creationId xmlns="" xmlns:a16="http://schemas.microsoft.com/office/drawing/2014/main" id="{32666AC8-2E17-4DB4-B0F5-60C640CCFD2E}"/>
+                <a16:creationId xmlns:a16="http://schemas.microsoft.com/office/drawing/2014/main" xmlns="" id="{32666AC8-2E17-4DB4-B0F5-60C640CCFD2E}"/>
               </a:ext>
             </a:extLst>
           </p:cNvPr>

--- a/slides/T320_Redes_Neurais_Artificiais (Parte IV).pptx
+++ b/slides/T320_Redes_Neurais_Artificiais (Parte IV).pptx
@@ -256,7 +256,7 @@
           <a:p>
             <a:fld id="{C3C82C08-3EFC-4473-8294-F0E229C19EFF}" type="datetimeFigureOut">
               <a:rPr lang="pt-BR" smtClean="0"/>
-              <a:t>18/11/2022</a:t>
+              <a:t>23/11/2022</a:t>
             </a:fld>
             <a:endParaRPr lang="pt-BR"/>
           </a:p>
@@ -2549,7 +2549,7 @@
           <a:p>
             <a:fld id="{221D0464-8C8A-49C0-859F-777E51766A35}" type="datetimeFigureOut">
               <a:rPr lang="pt-BR" smtClean="0"/>
-              <a:t>18/11/2022</a:t>
+              <a:t>23/11/2022</a:t>
             </a:fld>
             <a:endParaRPr lang="pt-BR"/>
           </a:p>
@@ -2719,7 +2719,7 @@
           <a:p>
             <a:fld id="{221D0464-8C8A-49C0-859F-777E51766A35}" type="datetimeFigureOut">
               <a:rPr lang="pt-BR" smtClean="0"/>
-              <a:t>18/11/2022</a:t>
+              <a:t>23/11/2022</a:t>
             </a:fld>
             <a:endParaRPr lang="pt-BR"/>
           </a:p>
@@ -2899,7 +2899,7 @@
           <a:p>
             <a:fld id="{221D0464-8C8A-49C0-859F-777E51766A35}" type="datetimeFigureOut">
               <a:rPr lang="pt-BR" smtClean="0"/>
-              <a:t>18/11/2022</a:t>
+              <a:t>23/11/2022</a:t>
             </a:fld>
             <a:endParaRPr lang="pt-BR"/>
           </a:p>
@@ -3069,7 +3069,7 @@
           <a:p>
             <a:fld id="{221D0464-8C8A-49C0-859F-777E51766A35}" type="datetimeFigureOut">
               <a:rPr lang="pt-BR" smtClean="0"/>
-              <a:t>18/11/2022</a:t>
+              <a:t>23/11/2022</a:t>
             </a:fld>
             <a:endParaRPr lang="pt-BR"/>
           </a:p>
@@ -3315,7 +3315,7 @@
           <a:p>
             <a:fld id="{221D0464-8C8A-49C0-859F-777E51766A35}" type="datetimeFigureOut">
               <a:rPr lang="pt-BR" smtClean="0"/>
-              <a:t>18/11/2022</a:t>
+              <a:t>23/11/2022</a:t>
             </a:fld>
             <a:endParaRPr lang="pt-BR"/>
           </a:p>
@@ -3547,7 +3547,7 @@
           <a:p>
             <a:fld id="{221D0464-8C8A-49C0-859F-777E51766A35}" type="datetimeFigureOut">
               <a:rPr lang="pt-BR" smtClean="0"/>
-              <a:t>18/11/2022</a:t>
+              <a:t>23/11/2022</a:t>
             </a:fld>
             <a:endParaRPr lang="pt-BR"/>
           </a:p>
@@ -3914,7 +3914,7 @@
           <a:p>
             <a:fld id="{221D0464-8C8A-49C0-859F-777E51766A35}" type="datetimeFigureOut">
               <a:rPr lang="pt-BR" smtClean="0"/>
-              <a:t>18/11/2022</a:t>
+              <a:t>23/11/2022</a:t>
             </a:fld>
             <a:endParaRPr lang="pt-BR"/>
           </a:p>
@@ -4032,7 +4032,7 @@
           <a:p>
             <a:fld id="{221D0464-8C8A-49C0-859F-777E51766A35}" type="datetimeFigureOut">
               <a:rPr lang="pt-BR" smtClean="0"/>
-              <a:t>18/11/2022</a:t>
+              <a:t>23/11/2022</a:t>
             </a:fld>
             <a:endParaRPr lang="pt-BR"/>
           </a:p>
@@ -4127,7 +4127,7 @@
           <a:p>
             <a:fld id="{221D0464-8C8A-49C0-859F-777E51766A35}" type="datetimeFigureOut">
               <a:rPr lang="pt-BR" smtClean="0"/>
-              <a:t>18/11/2022</a:t>
+              <a:t>23/11/2022</a:t>
             </a:fld>
             <a:endParaRPr lang="pt-BR"/>
           </a:p>
@@ -4404,7 +4404,7 @@
           <a:p>
             <a:fld id="{221D0464-8C8A-49C0-859F-777E51766A35}" type="datetimeFigureOut">
               <a:rPr lang="pt-BR" smtClean="0"/>
-              <a:t>18/11/2022</a:t>
+              <a:t>23/11/2022</a:t>
             </a:fld>
             <a:endParaRPr lang="pt-BR"/>
           </a:p>
@@ -4657,7 +4657,7 @@
           <a:p>
             <a:fld id="{221D0464-8C8A-49C0-859F-777E51766A35}" type="datetimeFigureOut">
               <a:rPr lang="pt-BR" smtClean="0"/>
-              <a:t>18/11/2022</a:t>
+              <a:t>23/11/2022</a:t>
             </a:fld>
             <a:endParaRPr lang="pt-BR"/>
           </a:p>
@@ -4870,7 +4870,7 @@
           <a:p>
             <a:fld id="{221D0464-8C8A-49C0-859F-777E51766A35}" type="datetimeFigureOut">
               <a:rPr lang="pt-BR" smtClean="0"/>
-              <a:t>18/11/2022</a:t>
+              <a:t>23/11/2022</a:t>
             </a:fld>
             <a:endParaRPr lang="pt-BR"/>
           </a:p>
@@ -5280,7 +5280,7 @@
           <p:cNvPr id="2" name="Título 1">
             <a:extLst>
               <a:ext uri="{FF2B5EF4-FFF2-40B4-BE49-F238E27FC236}">
-                <a16:creationId xmlns:a16="http://schemas.microsoft.com/office/drawing/2014/main" xmlns="" id="{32666AC8-2E17-4DB4-B0F5-60C640CCFD2E}"/>
+                <a16:creationId xmlns="" xmlns:a16="http://schemas.microsoft.com/office/drawing/2014/main" id="{32666AC8-2E17-4DB4-B0F5-60C640CCFD2E}"/>
               </a:ext>
             </a:extLst>
           </p:cNvPr>
@@ -5331,7 +5331,7 @@
           <p:cNvPr id="4" name="CaixaDeTexto 3">
             <a:extLst>
               <a:ext uri="{FF2B5EF4-FFF2-40B4-BE49-F238E27FC236}">
-                <a16:creationId xmlns:a16="http://schemas.microsoft.com/office/drawing/2014/main" xmlns="" id="{430EB894-B7D4-434C-9D1A-A14094D9BEEC}"/>
+                <a16:creationId xmlns="" xmlns:a16="http://schemas.microsoft.com/office/drawing/2014/main" id="{430EB894-B7D4-434C-9D1A-A14094D9BEEC}"/>
               </a:ext>
             </a:extLst>
           </p:cNvPr>
@@ -5372,7 +5372,7 @@
           <p:cNvPr id="1026" name="Picture 2" descr="Logo">
             <a:extLst>
               <a:ext uri="{FF2B5EF4-FFF2-40B4-BE49-F238E27FC236}">
-                <a16:creationId xmlns:a16="http://schemas.microsoft.com/office/drawing/2014/main" xmlns="" id="{3F2642E0-4F6A-4196-8F58-E77D36E9A33F}"/>
+                <a16:creationId xmlns="" xmlns:a16="http://schemas.microsoft.com/office/drawing/2014/main" id="{3F2642E0-4F6A-4196-8F58-E77D36E9A33F}"/>
               </a:ext>
             </a:extLst>
           </p:cNvPr>
@@ -5417,7 +5417,7 @@
           <p:cNvPr id="5122" name="Picture 2" descr="Image result for machine learning">
             <a:extLst>
               <a:ext uri="{FF2B5EF4-FFF2-40B4-BE49-F238E27FC236}">
-                <a16:creationId xmlns:a16="http://schemas.microsoft.com/office/drawing/2014/main" xmlns="" id="{810CE0A2-4102-44A6-A370-175E7896CDCB}"/>
+                <a16:creationId xmlns="" xmlns:a16="http://schemas.microsoft.com/office/drawing/2014/main" id="{810CE0A2-4102-44A6-A370-175E7896CDCB}"/>
               </a:ext>
             </a:extLst>
           </p:cNvPr>
@@ -8388,28 +8388,28 @@
                     <a:gridCol w="1854751">
                       <a:extLst>
                         <a:ext uri="{9D8B030D-6E8A-4147-A177-3AD203B41FA5}">
-                          <a16:colId xmlns:a16="http://schemas.microsoft.com/office/drawing/2014/main" xmlns="" val="20000"/>
+                          <a16:colId xmlns="" xmlns:a16="http://schemas.microsoft.com/office/drawing/2014/main" val="20000"/>
                         </a:ext>
                       </a:extLst>
                     </a:gridCol>
                     <a:gridCol w="3663486">
                       <a:extLst>
                         <a:ext uri="{9D8B030D-6E8A-4147-A177-3AD203B41FA5}">
-                          <a16:colId xmlns:a16="http://schemas.microsoft.com/office/drawing/2014/main" xmlns="" val="20001"/>
+                          <a16:colId xmlns="" xmlns:a16="http://schemas.microsoft.com/office/drawing/2014/main" val="20001"/>
                         </a:ext>
                       </a:extLst>
                     </a:gridCol>
                     <a:gridCol w="3080660">
                       <a:extLst>
                         <a:ext uri="{9D8B030D-6E8A-4147-A177-3AD203B41FA5}">
-                          <a16:colId xmlns:a16="http://schemas.microsoft.com/office/drawing/2014/main" xmlns="" val="20002"/>
+                          <a16:colId xmlns="" xmlns:a16="http://schemas.microsoft.com/office/drawing/2014/main" val="20002"/>
                         </a:ext>
                       </a:extLst>
                     </a:gridCol>
                     <a:gridCol w="2437577">
                       <a:extLst>
                         <a:ext uri="{9D8B030D-6E8A-4147-A177-3AD203B41FA5}">
-                          <a16:colId xmlns:a16="http://schemas.microsoft.com/office/drawing/2014/main" xmlns="" val="20003"/>
+                          <a16:colId xmlns="" xmlns:a16="http://schemas.microsoft.com/office/drawing/2014/main" val="20003"/>
                         </a:ext>
                       </a:extLst>
                     </a:gridCol>
@@ -8730,7 +8730,7 @@
                     </a:tc>
                     <a:extLst>
                       <a:ext uri="{0D108BD9-81ED-4DB2-BD59-A6C34878D82A}">
-                        <a16:rowId xmlns:a16="http://schemas.microsoft.com/office/drawing/2014/main" xmlns="" val="10000"/>
+                        <a16:rowId xmlns="" xmlns:a16="http://schemas.microsoft.com/office/drawing/2014/main" val="10000"/>
                       </a:ext>
                     </a:extLst>
                   </a:tr>
@@ -9088,7 +9088,7 @@
                     </a:tc>
                     <a:extLst>
                       <a:ext uri="{0D108BD9-81ED-4DB2-BD59-A6C34878D82A}">
-                        <a16:rowId xmlns:a16="http://schemas.microsoft.com/office/drawing/2014/main" xmlns="" val="10001"/>
+                        <a16:rowId xmlns="" xmlns:a16="http://schemas.microsoft.com/office/drawing/2014/main" val="10001"/>
                       </a:ext>
                     </a:extLst>
                   </a:tr>
@@ -9439,7 +9439,7 @@
                     </a:tc>
                     <a:extLst>
                       <a:ext uri="{0D108BD9-81ED-4DB2-BD59-A6C34878D82A}">
-                        <a16:rowId xmlns:a16="http://schemas.microsoft.com/office/drawing/2014/main" xmlns="" val="10002"/>
+                        <a16:rowId xmlns="" xmlns:a16="http://schemas.microsoft.com/office/drawing/2014/main" val="10002"/>
                       </a:ext>
                     </a:extLst>
                   </a:tr>
@@ -9785,7 +9785,7 @@
                     </a:tc>
                     <a:extLst>
                       <a:ext uri="{0D108BD9-81ED-4DB2-BD59-A6C34878D82A}">
-                        <a16:rowId xmlns:a16="http://schemas.microsoft.com/office/drawing/2014/main" xmlns="" val="10003"/>
+                        <a16:rowId xmlns="" xmlns:a16="http://schemas.microsoft.com/office/drawing/2014/main" val="10003"/>
                       </a:ext>
                     </a:extLst>
                   </a:tr>
@@ -11162,7 +11162,7 @@
           <p:cNvPr id="4" name="Título 1">
             <a:extLst>
               <a:ext uri="{FF2B5EF4-FFF2-40B4-BE49-F238E27FC236}">
-                <a16:creationId xmlns:a16="http://schemas.microsoft.com/office/drawing/2014/main" xmlns="" id="{32666AC8-2E17-4DB4-B0F5-60C640CCFD2E}"/>
+                <a16:creationId xmlns="" xmlns:a16="http://schemas.microsoft.com/office/drawing/2014/main" id="{32666AC8-2E17-4DB4-B0F5-60C640CCFD2E}"/>
               </a:ext>
             </a:extLst>
           </p:cNvPr>
@@ -11668,7 +11668,7 @@
           <p:cNvPr id="4" name="Título 1">
             <a:extLst>
               <a:ext uri="{FF2B5EF4-FFF2-40B4-BE49-F238E27FC236}">
-                <a16:creationId xmlns:a16="http://schemas.microsoft.com/office/drawing/2014/main" xmlns="" id="{32666AC8-2E17-4DB4-B0F5-60C640CCFD2E}"/>
+                <a16:creationId xmlns="" xmlns:a16="http://schemas.microsoft.com/office/drawing/2014/main" id="{32666AC8-2E17-4DB4-B0F5-60C640CCFD2E}"/>
               </a:ext>
             </a:extLst>
           </p:cNvPr>

--- a/slides/T320_Redes_Neurais_Artificiais (Parte IV).pptx
+++ b/slides/T320_Redes_Neurais_Artificiais (Parte IV).pptx
@@ -256,7 +256,7 @@
           <a:p>
             <a:fld id="{C3C82C08-3EFC-4473-8294-F0E229C19EFF}" type="datetimeFigureOut">
               <a:rPr lang="pt-BR" smtClean="0"/>
-              <a:t>23/11/2022</a:t>
+              <a:t>02/12/2022</a:t>
             </a:fld>
             <a:endParaRPr lang="pt-BR"/>
           </a:p>
@@ -1985,6 +1985,89 @@
           <a:bodyPr/>
           <a:lstStyle/>
           <a:p>
+            <a:r>
+              <a:rPr lang="en-US" sz="1200" b="0" i="0" kern="1200" dirty="0" smtClean="0">
+                <a:solidFill>
+                  <a:schemeClr val="tx1"/>
+                </a:solidFill>
+                <a:effectLst/>
+                <a:latin typeface="+mn-lt"/>
+                <a:ea typeface="+mn-ea"/>
+                <a:cs typeface="+mn-cs"/>
+              </a:rPr>
+              <a:t>Large weights in a neural network are </a:t>
+            </a:r>
+            <a:r>
+              <a:rPr lang="en-US" sz="1200" b="1" i="0" kern="1200" dirty="0" smtClean="0">
+                <a:solidFill>
+                  <a:schemeClr val="tx1"/>
+                </a:solidFill>
+                <a:effectLst/>
+                <a:latin typeface="+mn-lt"/>
+                <a:ea typeface="+mn-ea"/>
+                <a:cs typeface="+mn-cs"/>
+              </a:rPr>
+              <a:t>a sign of overfitting</a:t>
+            </a:r>
+            <a:r>
+              <a:rPr lang="en-US" sz="1200" b="0" i="0" kern="1200" dirty="0" smtClean="0">
+                <a:solidFill>
+                  <a:schemeClr val="tx1"/>
+                </a:solidFill>
+                <a:effectLst/>
+                <a:latin typeface="+mn-lt"/>
+                <a:ea typeface="+mn-ea"/>
+                <a:cs typeface="+mn-cs"/>
+              </a:rPr>
+              <a:t>. </a:t>
+            </a:r>
+          </a:p>
+          <a:p>
+            <a:r>
+              <a:rPr lang="en-US" sz="1200" b="0" i="0" kern="1200" dirty="0" smtClean="0">
+                <a:solidFill>
+                  <a:schemeClr val="tx1"/>
+                </a:solidFill>
+                <a:effectLst/>
+                <a:latin typeface="+mn-lt"/>
+                <a:ea typeface="+mn-ea"/>
+                <a:cs typeface="+mn-cs"/>
+              </a:rPr>
+              <a:t>A network with large weights has very likely learned the statistical noise in the training data. </a:t>
+            </a:r>
+          </a:p>
+          <a:p>
+            <a:r>
+              <a:rPr lang="en-US" sz="1200" b="0" i="0" kern="1200" dirty="0" smtClean="0">
+                <a:solidFill>
+                  <a:schemeClr val="tx1"/>
+                </a:solidFill>
+                <a:effectLst/>
+                <a:latin typeface="+mn-lt"/>
+                <a:ea typeface="+mn-ea"/>
+                <a:cs typeface="+mn-cs"/>
+              </a:rPr>
+              <a:t>This results in a model that is unstable, and very sensitive to changes to the input variables.</a:t>
+            </a:r>
+          </a:p>
+          <a:p>
+            <a:endParaRPr lang="en-US" sz="1200" b="0" i="0" kern="1200" dirty="0" smtClean="0">
+              <a:solidFill>
+                <a:schemeClr val="tx1"/>
+              </a:solidFill>
+              <a:effectLst/>
+              <a:latin typeface="+mn-lt"/>
+              <a:ea typeface="+mn-ea"/>
+              <a:cs typeface="+mn-cs"/>
+            </a:endParaRPr>
+          </a:p>
+          <a:p>
+            <a:r>
+              <a:rPr lang="pt-BR" dirty="0" smtClean="0"/>
+              <a:t>Pesos iniciais muito grandes podem, no entanto, resultar em valores explosivos durante a propagação direta ou retropropagação.</a:t>
+            </a:r>
+          </a:p>
+          <a:p>
             <a:endParaRPr lang="pt-BR" dirty="0"/>
           </a:p>
           <a:p>
@@ -2000,8 +2083,29 @@
             </a:r>
             <a:r>
               <a:rPr lang="pt-BR" baseline="0" dirty="0"/>
-              <a:t> https://www.quora.com/Why-dont-we-initialize-the-weights-of-a-neural-network-to-zero</a:t>
-            </a:r>
+              <a:t> </a:t>
+            </a:r>
+            <a:r>
+              <a:rPr lang="pt-BR" baseline="0" dirty="0" smtClean="0"/>
+              <a:t>https://machinelearningmastery.com/introduction-to-weight-constraints-to-reduce-generalization-error-in-deep-learning/#:~:text=Large%20weights%20in%20a%20neural,changes%20to%20the%20input%20variables.</a:t>
+            </a:r>
+          </a:p>
+          <a:p>
+            <a:r>
+              <a:rPr lang="pt-BR" baseline="0" dirty="0" smtClean="0"/>
+              <a:t>[2] https</a:t>
+            </a:r>
+            <a:r>
+              <a:rPr lang="pt-BR" baseline="0" dirty="0"/>
+              <a:t>://</a:t>
+            </a:r>
+            <a:r>
+              <a:rPr lang="pt-BR" baseline="0" dirty="0" smtClean="0"/>
+              <a:t>www.quora.com/Why-dont-we-initialize-the-weights-of-a-neural-network-to-zero</a:t>
+            </a:r>
+          </a:p>
+          <a:p>
+            <a:endParaRPr lang="pt-BR" baseline="0" dirty="0"/>
           </a:p>
           <a:p>
             <a:endParaRPr lang="pt-BR" dirty="0"/>
@@ -2549,7 +2653,7 @@
           <a:p>
             <a:fld id="{221D0464-8C8A-49C0-859F-777E51766A35}" type="datetimeFigureOut">
               <a:rPr lang="pt-BR" smtClean="0"/>
-              <a:t>23/11/2022</a:t>
+              <a:t>02/12/2022</a:t>
             </a:fld>
             <a:endParaRPr lang="pt-BR"/>
           </a:p>
@@ -2719,7 +2823,7 @@
           <a:p>
             <a:fld id="{221D0464-8C8A-49C0-859F-777E51766A35}" type="datetimeFigureOut">
               <a:rPr lang="pt-BR" smtClean="0"/>
-              <a:t>23/11/2022</a:t>
+              <a:t>02/12/2022</a:t>
             </a:fld>
             <a:endParaRPr lang="pt-BR"/>
           </a:p>
@@ -2899,7 +3003,7 @@
           <a:p>
             <a:fld id="{221D0464-8C8A-49C0-859F-777E51766A35}" type="datetimeFigureOut">
               <a:rPr lang="pt-BR" smtClean="0"/>
-              <a:t>23/11/2022</a:t>
+              <a:t>02/12/2022</a:t>
             </a:fld>
             <a:endParaRPr lang="pt-BR"/>
           </a:p>
@@ -3069,7 +3173,7 @@
           <a:p>
             <a:fld id="{221D0464-8C8A-49C0-859F-777E51766A35}" type="datetimeFigureOut">
               <a:rPr lang="pt-BR" smtClean="0"/>
-              <a:t>23/11/2022</a:t>
+              <a:t>02/12/2022</a:t>
             </a:fld>
             <a:endParaRPr lang="pt-BR"/>
           </a:p>
@@ -3315,7 +3419,7 @@
           <a:p>
             <a:fld id="{221D0464-8C8A-49C0-859F-777E51766A35}" type="datetimeFigureOut">
               <a:rPr lang="pt-BR" smtClean="0"/>
-              <a:t>23/11/2022</a:t>
+              <a:t>02/12/2022</a:t>
             </a:fld>
             <a:endParaRPr lang="pt-BR"/>
           </a:p>
@@ -3547,7 +3651,7 @@
           <a:p>
             <a:fld id="{221D0464-8C8A-49C0-859F-777E51766A35}" type="datetimeFigureOut">
               <a:rPr lang="pt-BR" smtClean="0"/>
-              <a:t>23/11/2022</a:t>
+              <a:t>02/12/2022</a:t>
             </a:fld>
             <a:endParaRPr lang="pt-BR"/>
           </a:p>
@@ -3914,7 +4018,7 @@
           <a:p>
             <a:fld id="{221D0464-8C8A-49C0-859F-777E51766A35}" type="datetimeFigureOut">
               <a:rPr lang="pt-BR" smtClean="0"/>
-              <a:t>23/11/2022</a:t>
+              <a:t>02/12/2022</a:t>
             </a:fld>
             <a:endParaRPr lang="pt-BR"/>
           </a:p>
@@ -4032,7 +4136,7 @@
           <a:p>
             <a:fld id="{221D0464-8C8A-49C0-859F-777E51766A35}" type="datetimeFigureOut">
               <a:rPr lang="pt-BR" smtClean="0"/>
-              <a:t>23/11/2022</a:t>
+              <a:t>02/12/2022</a:t>
             </a:fld>
             <a:endParaRPr lang="pt-BR"/>
           </a:p>
@@ -4127,7 +4231,7 @@
           <a:p>
             <a:fld id="{221D0464-8C8A-49C0-859F-777E51766A35}" type="datetimeFigureOut">
               <a:rPr lang="pt-BR" smtClean="0"/>
-              <a:t>23/11/2022</a:t>
+              <a:t>02/12/2022</a:t>
             </a:fld>
             <a:endParaRPr lang="pt-BR"/>
           </a:p>
@@ -4404,7 +4508,7 @@
           <a:p>
             <a:fld id="{221D0464-8C8A-49C0-859F-777E51766A35}" type="datetimeFigureOut">
               <a:rPr lang="pt-BR" smtClean="0"/>
-              <a:t>23/11/2022</a:t>
+              <a:t>02/12/2022</a:t>
             </a:fld>
             <a:endParaRPr lang="pt-BR"/>
           </a:p>
@@ -4657,7 +4761,7 @@
           <a:p>
             <a:fld id="{221D0464-8C8A-49C0-859F-777E51766A35}" type="datetimeFigureOut">
               <a:rPr lang="pt-BR" smtClean="0"/>
-              <a:t>23/11/2022</a:t>
+              <a:t>02/12/2022</a:t>
             </a:fld>
             <a:endParaRPr lang="pt-BR"/>
           </a:p>
@@ -4870,7 +4974,7 @@
           <a:p>
             <a:fld id="{221D0464-8C8A-49C0-859F-777E51766A35}" type="datetimeFigureOut">
               <a:rPr lang="pt-BR" smtClean="0"/>
-              <a:t>23/11/2022</a:t>
+              <a:t>02/12/2022</a:t>
             </a:fld>
             <a:endParaRPr lang="pt-BR"/>
           </a:p>
@@ -5280,7 +5384,7 @@
           <p:cNvPr id="2" name="Título 1">
             <a:extLst>
               <a:ext uri="{FF2B5EF4-FFF2-40B4-BE49-F238E27FC236}">
-                <a16:creationId xmlns="" xmlns:a16="http://schemas.microsoft.com/office/drawing/2014/main" id="{32666AC8-2E17-4DB4-B0F5-60C640CCFD2E}"/>
+                <a16:creationId xmlns:a16="http://schemas.microsoft.com/office/drawing/2014/main" xmlns="" id="{32666AC8-2E17-4DB4-B0F5-60C640CCFD2E}"/>
               </a:ext>
             </a:extLst>
           </p:cNvPr>
@@ -5331,7 +5435,7 @@
           <p:cNvPr id="4" name="CaixaDeTexto 3">
             <a:extLst>
               <a:ext uri="{FF2B5EF4-FFF2-40B4-BE49-F238E27FC236}">
-                <a16:creationId xmlns="" xmlns:a16="http://schemas.microsoft.com/office/drawing/2014/main" id="{430EB894-B7D4-434C-9D1A-A14094D9BEEC}"/>
+                <a16:creationId xmlns:a16="http://schemas.microsoft.com/office/drawing/2014/main" xmlns="" id="{430EB894-B7D4-434C-9D1A-A14094D9BEEC}"/>
               </a:ext>
             </a:extLst>
           </p:cNvPr>
@@ -5372,7 +5476,7 @@
           <p:cNvPr id="1026" name="Picture 2" descr="Logo">
             <a:extLst>
               <a:ext uri="{FF2B5EF4-FFF2-40B4-BE49-F238E27FC236}">
-                <a16:creationId xmlns="" xmlns:a16="http://schemas.microsoft.com/office/drawing/2014/main" id="{3F2642E0-4F6A-4196-8F58-E77D36E9A33F}"/>
+                <a16:creationId xmlns:a16="http://schemas.microsoft.com/office/drawing/2014/main" xmlns="" id="{3F2642E0-4F6A-4196-8F58-E77D36E9A33F}"/>
               </a:ext>
             </a:extLst>
           </p:cNvPr>
@@ -5417,7 +5521,7 @@
           <p:cNvPr id="5122" name="Picture 2" descr="Image result for machine learning">
             <a:extLst>
               <a:ext uri="{FF2B5EF4-FFF2-40B4-BE49-F238E27FC236}">
-                <a16:creationId xmlns="" xmlns:a16="http://schemas.microsoft.com/office/drawing/2014/main" id="{810CE0A2-4102-44A6-A370-175E7896CDCB}"/>
+                <a16:creationId xmlns:a16="http://schemas.microsoft.com/office/drawing/2014/main" xmlns="" id="{810CE0A2-4102-44A6-A370-175E7896CDCB}"/>
               </a:ext>
             </a:extLst>
           </p:cNvPr>
@@ -7699,8 +7803,8 @@
         </p:nvSpPr>
         <p:spPr>
           <a:xfrm>
-            <a:off x="838200" y="1825624"/>
-            <a:ext cx="11150600" cy="5032376"/>
+            <a:off x="838199" y="1825624"/>
+            <a:ext cx="11237843" cy="5032376"/>
           </a:xfrm>
         </p:spPr>
         <p:txBody>
@@ -7783,7 +7887,23 @@
             </a:r>
             <a:r>
               <a:rPr lang="pt-BR" dirty="0"/>
-              <a:t>) e falha completamente em convergir (e.g., desaparecimento e explosão dos gradientes).</a:t>
+              <a:t>) e falha completamente em convergir (e.g., </a:t>
+            </a:r>
+            <a:r>
+              <a:rPr lang="pt-BR" b="1" i="1" dirty="0"/>
+              <a:t>desaparecimento</a:t>
+            </a:r>
+            <a:r>
+              <a:rPr lang="pt-BR" dirty="0"/>
+              <a:t> e </a:t>
+            </a:r>
+            <a:r>
+              <a:rPr lang="pt-BR" b="1" i="1" dirty="0"/>
+              <a:t>explosão</a:t>
+            </a:r>
+            <a:r>
+              <a:rPr lang="pt-BR" dirty="0"/>
+              <a:t> dos gradientes).</a:t>
             </a:r>
           </a:p>
           <a:p>
@@ -7815,7 +7935,15 @@
           <a:p>
             <a:r>
               <a:rPr lang="pt-BR" dirty="0"/>
-              <a:t>Um ponto importante da inicialização é “</a:t>
+              <a:t>Um ponto importante da </a:t>
+            </a:r>
+            <a:r>
+              <a:rPr lang="pt-BR" dirty="0" smtClean="0"/>
+              <a:t>inicialização dos pesos </a:t>
+            </a:r>
+            <a:r>
+              <a:rPr lang="pt-BR" dirty="0"/>
+              <a:t>é “</a:t>
             </a:r>
             <a:r>
               <a:rPr lang="pt-BR" b="1" i="1" dirty="0"/>
@@ -7847,8 +7975,13 @@
             </a:r>
             <a:r>
               <a:rPr lang="pt-BR" dirty="0"/>
-              <a:t> e conectados às mesmas entradas, devem ter pesos iniciais diferentes. </a:t>
-            </a:r>
+              <a:t> e conectados às mesmas entradas, devem ter pesos iniciais </a:t>
+            </a:r>
+            <a:r>
+              <a:rPr lang="pt-BR" dirty="0" smtClean="0"/>
+              <a:t>diferentes, caso contrário, eles terão os mesmos pesos. </a:t>
+            </a:r>
+            <a:endParaRPr lang="pt-BR" dirty="0"/>
           </a:p>
           <a:p>
             <a:r>
@@ -7878,8 +8011,8 @@
         </p:nvSpPr>
         <p:spPr>
           <a:xfrm>
-            <a:off x="8757085" y="6581001"/>
-            <a:ext cx="3434915" cy="276999"/>
+            <a:off x="9281780" y="6581001"/>
+            <a:ext cx="2910220" cy="276999"/>
           </a:xfrm>
           <a:prstGeom prst="rect">
             <a:avLst/>
@@ -7892,10 +8025,22 @@
           <a:lstStyle/>
           <a:p>
             <a:r>
-              <a:rPr lang="pt-BR" sz="1200" dirty="0">
+              <a:rPr lang="pt-BR" sz="1200" dirty="0" smtClean="0">
                 <a:hlinkClick r:id="rId3"/>
               </a:rPr>
-              <a:t>https://www.deeplearning.ai/ai-notes/initialization/</a:t>
+              <a:t>[1] </a:t>
+            </a:r>
+            <a:r>
+              <a:rPr lang="en-US" sz="1200" dirty="0">
+                <a:hlinkClick r:id="rId3"/>
+              </a:rPr>
+              <a:t>The importance of effective </a:t>
+            </a:r>
+            <a:r>
+              <a:rPr lang="en-US" sz="1200" dirty="0" smtClean="0">
+                <a:hlinkClick r:id="rId3"/>
+              </a:rPr>
+              <a:t>initialization</a:t>
             </a:r>
             <a:endParaRPr lang="pt-BR" sz="1200" dirty="0"/>
           </a:p>
@@ -7966,12 +8111,12 @@
         <p:spPr>
           <a:xfrm>
             <a:off x="838199" y="1825624"/>
-            <a:ext cx="11187546" cy="5032375"/>
+            <a:ext cx="11208027" cy="5032375"/>
           </a:xfrm>
         </p:spPr>
         <p:txBody>
           <a:bodyPr>
-            <a:normAutofit lnSpcReduction="10000"/>
+            <a:normAutofit fontScale="92500" lnSpcReduction="20000"/>
           </a:bodyPr>
           <a:lstStyle/>
           <a:p>
@@ -7988,19 +8133,51 @@
               <a:t>ou </a:t>
             </a:r>
             <a:r>
+              <a:rPr lang="pt-BR" b="1" i="1" dirty="0" smtClean="0"/>
+              <a:t>uniformes</a:t>
+            </a:r>
+            <a:r>
+              <a:rPr lang="pt-BR" dirty="0" smtClean="0"/>
+              <a:t>, não importando muito qual é usada.</a:t>
+            </a:r>
+          </a:p>
+          <a:p>
+            <a:r>
+              <a:rPr lang="pt-BR" dirty="0" smtClean="0"/>
+              <a:t>No </a:t>
+            </a:r>
+            <a:r>
+              <a:rPr lang="pt-BR" dirty="0"/>
+              <a:t>entanto, a </a:t>
+            </a:r>
+            <a:r>
               <a:rPr lang="pt-BR" b="1" i="1" dirty="0"/>
-              <a:t>uniformes</a:t>
+              <a:t>escala da distribuição inicial</a:t>
             </a:r>
             <a:r>
               <a:rPr lang="pt-BR" dirty="0"/>
-              <a:t>. </a:t>
-            </a:r>
-          </a:p>
-          <a:p>
+              <a:t> tem um efeito significativo tanto no resultado </a:t>
+            </a:r>
+            <a:r>
+              <a:rPr lang="pt-BR" dirty="0" smtClean="0"/>
+              <a:t>da </a:t>
+            </a:r>
             <a:r>
               <a:rPr lang="pt-BR" dirty="0"/>
-              <a:t>A ordem de grandeza desses pesos levanta algumas discussões:</a:t>
-            </a:r>
+              <a:t>otimização quanto na capacidade de generalização da rede.</a:t>
+            </a:r>
+            <a:endParaRPr lang="pt-BR" dirty="0"/>
+          </a:p>
+          <a:p>
+            <a:r>
+              <a:rPr lang="pt-BR" dirty="0"/>
+              <a:t>A ordem de grandeza </a:t>
+            </a:r>
+            <a:r>
+              <a:rPr lang="pt-BR" dirty="0" smtClean="0"/>
+              <a:t>desses pesos levanta algumas discussões:</a:t>
+            </a:r>
+            <a:endParaRPr lang="pt-BR" dirty="0"/>
           </a:p>
           <a:p>
             <a:pPr lvl="1">
@@ -8009,7 +8186,15 @@
             </a:pPr>
             <a:r>
               <a:rPr lang="pt-BR" dirty="0"/>
-              <a:t>Pesos de maior magnitude criam maior distinção entre </a:t>
+              <a:t>Pesos de maior magnitude criam </a:t>
+            </a:r>
+            <a:r>
+              <a:rPr lang="pt-BR" dirty="0" smtClean="0"/>
+              <a:t>uma maior </a:t>
+            </a:r>
+            <a:r>
+              <a:rPr lang="pt-BR" dirty="0"/>
+              <a:t>distinção entre </a:t>
             </a:r>
             <a:r>
               <a:rPr lang="pt-BR" b="1" i="1" dirty="0"/>
@@ -8025,7 +8210,15 @@
             </a:r>
             <a:r>
               <a:rPr lang="pt-BR" dirty="0"/>
-              <a:t>). Por outro lado, isso pode causar problemas de instabilidade. </a:t>
+              <a:t>). Por outro lado, isso pode causar problemas de </a:t>
+            </a:r>
+            <a:r>
+              <a:rPr lang="pt-BR" b="1" i="1" dirty="0"/>
+              <a:t>instabilidade</a:t>
+            </a:r>
+            <a:r>
+              <a:rPr lang="pt-BR" dirty="0"/>
+              <a:t>. </a:t>
             </a:r>
           </a:p>
           <a:p>
@@ -8035,8 +8228,21 @@
             </a:pPr>
             <a:r>
               <a:rPr lang="pt-BR" dirty="0"/>
-              <a:t>Pesos de maior magnitude favorecem a propagação de informação, porém, por outro lado, causam preocupações do ponto de vista de regularização.</a:t>
-            </a:r>
+              <a:t>Pesos de maior magnitude favorecem a propagação de informação, porém, por outro lado, causam preocupações do ponto de vista de </a:t>
+            </a:r>
+            <a:r>
+              <a:rPr lang="pt-BR" dirty="0" smtClean="0"/>
+              <a:t>regularização (</a:t>
+            </a:r>
+            <a:r>
+              <a:rPr lang="pt-BR" b="1" i="1" dirty="0" err="1" smtClean="0"/>
+              <a:t>overfitting</a:t>
+            </a:r>
+            <a:r>
+              <a:rPr lang="pt-BR" dirty="0" smtClean="0"/>
+              <a:t>).</a:t>
+            </a:r>
+            <a:endParaRPr lang="pt-BR" dirty="0"/>
           </a:p>
           <a:p>
             <a:pPr lvl="1">
@@ -8053,7 +8259,11 @@
             </a:r>
             <a:r>
               <a:rPr lang="pt-BR" dirty="0"/>
-              <a:t> (no caso de </a:t>
+              <a:t> </a:t>
+            </a:r>
+            <a:r>
+              <a:rPr lang="pt-BR" dirty="0" smtClean="0"/>
+              <a:t>com </a:t>
             </a:r>
             <a:r>
               <a:rPr lang="pt-BR" b="1" i="1" dirty="0"/>
@@ -8061,7 +8271,15 @@
             </a:r>
             <a:r>
               <a:rPr lang="pt-BR" dirty="0"/>
-              <a:t>do tipo sigmóide como a tangente hiperbólica e a função logística) a operarem </a:t>
+              <a:t>do tipo sigmóide </a:t>
+            </a:r>
+            <a:r>
+              <a:rPr lang="pt-BR" dirty="0" smtClean="0"/>
+              <a:t>a </a:t>
+            </a:r>
+            <a:r>
+              <a:rPr lang="pt-BR" dirty="0"/>
+              <a:t>operarem </a:t>
             </a:r>
             <a:r>
               <a:rPr lang="pt-BR" dirty="0" smtClean="0"/>
@@ -8069,7 +8287,19 @@
             </a:r>
             <a:r>
               <a:rPr lang="pt-BR" dirty="0"/>
-              <a:t>de saturação, comprometendo a convergência do algoritmo.</a:t>
+              <a:t>de saturação, comprometendo a convergência do </a:t>
+            </a:r>
+            <a:r>
+              <a:rPr lang="pt-BR" dirty="0" smtClean="0"/>
+              <a:t>algoritmo (</a:t>
+            </a:r>
+            <a:r>
+              <a:rPr lang="pt-BR" b="1" i="1" dirty="0" smtClean="0"/>
+              <a:t>desaparecimento do gradiente</a:t>
+            </a:r>
+            <a:r>
+              <a:rPr lang="pt-BR" dirty="0" smtClean="0"/>
+              <a:t>).</a:t>
             </a:r>
           </a:p>
           <a:p>
@@ -8079,17 +8309,54 @@
             </a:pPr>
             <a:r>
               <a:rPr lang="pt-BR" dirty="0"/>
-              <a:t>Por outro lado, pesos de magnitude muita reduzida podem reduzir drasticamente o aprendizado das redes neurais.</a:t>
-            </a:r>
-          </a:p>
-          <a:p>
-            <a:pPr>
-              <a:buFont typeface="Wingdings" panose="05000000000000000000" pitchFamily="2" charset="2"/>
-              <a:buChar char="§"/>
-            </a:pPr>
+              <a:t>Pesos de magnitude elevada podem levar os </a:t>
+            </a:r>
+            <a:r>
+              <a:rPr lang="pt-BR" b="1" i="1" dirty="0"/>
+              <a:t>nós</a:t>
+            </a:r>
             <a:r>
               <a:rPr lang="pt-BR" dirty="0"/>
-              <a:t>Portanto, na sequência listamos algumas </a:t>
+              <a:t> com </a:t>
+            </a:r>
+            <a:r>
+              <a:rPr lang="pt-BR" b="1" i="1" dirty="0"/>
+              <a:t>funções de ativação </a:t>
+            </a:r>
+            <a:r>
+              <a:rPr lang="pt-BR" dirty="0"/>
+              <a:t>do tipo </a:t>
+            </a:r>
+            <a:r>
+              <a:rPr lang="pt-BR" dirty="0" smtClean="0"/>
+              <a:t>RELU à </a:t>
+            </a:r>
+            <a:r>
+              <a:rPr lang="pt-BR" b="1" i="1" dirty="0" smtClean="0"/>
+              <a:t>explosão do gradiente</a:t>
+            </a:r>
+            <a:r>
+              <a:rPr lang="pt-BR" dirty="0" smtClean="0"/>
+              <a:t> ou dos </a:t>
+            </a:r>
+            <a:r>
+              <a:rPr lang="pt-BR" b="1" i="1" dirty="0" smtClean="0"/>
+              <a:t>valores de saída</a:t>
+            </a:r>
+            <a:r>
+              <a:rPr lang="pt-BR" dirty="0" smtClean="0"/>
+              <a:t>, deixando a rede muito sensível a mudanças dos valores de entrada.</a:t>
+            </a:r>
+            <a:endParaRPr lang="pt-BR" dirty="0"/>
+          </a:p>
+          <a:p>
+            <a:r>
+              <a:rPr lang="pt-BR" dirty="0" smtClean="0"/>
+              <a:t>Portanto</a:t>
+            </a:r>
+            <a:r>
+              <a:rPr lang="pt-BR" dirty="0"/>
+              <a:t>, na sequência listamos algumas </a:t>
             </a:r>
             <a:r>
               <a:rPr lang="pt-BR" b="1" i="1" dirty="0"/>
@@ -8154,8 +8421,8 @@
           </a:p>
         </p:txBody>
       </p:sp>
-      <mc:AlternateContent xmlns:mc="http://schemas.openxmlformats.org/markup-compatibility/2006" xmlns:a14="http://schemas.microsoft.com/office/drawing/2010/main">
-        <mc:Choice Requires="a14">
+      <mc:AlternateContent xmlns:mc="http://schemas.openxmlformats.org/markup-compatibility/2006">
+        <mc:Choice xmlns:a14="http://schemas.microsoft.com/office/drawing/2010/main" Requires="a14">
           <p:sp>
             <p:nvSpPr>
               <p:cNvPr id="3" name="Content Placeholder 2"/>
@@ -8180,35 +8447,35 @@
               <a:p>
                 <a:r>
                   <a:rPr lang="pt-BR" dirty="0" smtClean="0"/>
-                  <a:t>A ideia por trás delas é manter a </a:t>
-                </a:r>
-                <a:r>
-                  <a:rPr lang="pt-BR" dirty="0"/>
+                  <a:t>A ideia por trás </a:t>
+                </a:r>
+                <a:r>
+                  <a:rPr lang="pt-BR" dirty="0" smtClean="0"/>
+                  <a:t>destas heurísticas é </a:t>
+                </a:r>
+                <a:r>
+                  <a:rPr lang="pt-BR" b="1" i="1" dirty="0" smtClean="0"/>
+                  <a:t>manter a </a:t>
+                </a:r>
+                <a:r>
+                  <a:rPr lang="pt-BR" b="1" i="1" dirty="0"/>
                   <a:t>média das ativações </a:t>
                 </a:r>
                 <a:r>
+                  <a:rPr lang="pt-BR" b="1" i="1" dirty="0" smtClean="0"/>
+                  <a:t>igual a zero </a:t>
+                </a:r>
+                <a:r>
+                  <a:rPr lang="pt-BR" b="1" i="1" dirty="0" smtClean="0"/>
+                  <a:t>e suas variâncias constantes </a:t>
+                </a:r>
+                <a:r>
+                  <a:rPr lang="pt-BR" b="1" i="1" dirty="0" smtClean="0"/>
+                  <a:t>ao longo das várias camadas da rede</a:t>
+                </a:r>
+                <a:r>
                   <a:rPr lang="pt-BR" dirty="0" smtClean="0"/>
-                  <a:t>igual a </a:t>
-                </a:r>
-                <a:r>
-                  <a:rPr lang="pt-BR" b="1" i="1" dirty="0" smtClean="0"/>
-                  <a:t>zero</a:t>
-                </a:r>
-                <a:r>
-                  <a:rPr lang="pt-BR" dirty="0" smtClean="0"/>
-                  <a:t> e </a:t>
-                </a:r>
-                <a:r>
-                  <a:rPr lang="pt-BR" dirty="0"/>
-                  <a:t>a variância das ativações </a:t>
-                </a:r>
-                <a:r>
-                  <a:rPr lang="pt-BR" b="1" i="1" dirty="0" smtClean="0"/>
-                  <a:t>constante</a:t>
-                </a:r>
-                <a:r>
-                  <a:rPr lang="pt-BR" dirty="0" smtClean="0"/>
-                  <a:t> ao longo das várias camadas da rede, pois desta forma evita-se o desaparecimento ou a explosão do gradiente.</a:t>
+                  <a:t>, pois desta forma evita-se o desaparecimento ou a explosão do gradiente.</a:t>
                 </a:r>
               </a:p>
               <a:p>
@@ -8314,13 +8581,21 @@
                 </a:r>
                 <a:r>
                   <a:rPr lang="pt-BR" dirty="0"/>
-                  <a:t>. Esta heurística se mostra bastante eficiente na maioria dos casos.</a:t>
+                  <a:t>. Esta heurística </a:t>
+                </a:r>
+                <a:r>
+                  <a:rPr lang="pt-BR" dirty="0" smtClean="0"/>
+                  <a:t>é usada pois se </a:t>
+                </a:r>
+                <a:r>
+                  <a:rPr lang="pt-BR" dirty="0"/>
+                  <a:t>mostra bastante eficiente na maioria dos casos.</a:t>
                 </a:r>
               </a:p>
             </p:txBody>
           </p:sp>
         </mc:Choice>
-        <mc:Fallback xmlns="">
+        <mc:Fallback>
           <p:sp>
             <p:nvSpPr>
               <p:cNvPr id="3" name="Content Placeholder 2"/>
@@ -8348,7 +8623,7 @@
               <a:lstStyle/>
               <a:p>
                 <a:r>
-                  <a:rPr lang="en-US">
+                  <a:rPr lang="pt-BR">
                     <a:noFill/>
                   </a:rPr>
                   <a:t> </a:t>
@@ -8358,8 +8633,8 @@
           </p:sp>
         </mc:Fallback>
       </mc:AlternateContent>
-      <mc:AlternateContent xmlns:mc="http://schemas.openxmlformats.org/markup-compatibility/2006" xmlns:a14="http://schemas.microsoft.com/office/drawing/2010/main">
-        <mc:Choice Requires="a14">
+      <mc:AlternateContent xmlns:mc="http://schemas.openxmlformats.org/markup-compatibility/2006">
+        <mc:Choice xmlns:a14="http://schemas.microsoft.com/office/drawing/2010/main" Requires="a14">
           <p:graphicFrame>
             <p:nvGraphicFramePr>
               <p:cNvPr id="4" name="Table 3"/>
@@ -8369,7 +8644,7 @@
               <p:nvPr>
                 <p:extLst>
                   <p:ext uri="{D42A27DB-BD31-4B8C-83A1-F6EECF244321}">
-                    <p14:modId xmlns:p14="http://schemas.microsoft.com/office/powerpoint/2010/main" val="1664718877"/>
+                    <p14:modId xmlns:p14="http://schemas.microsoft.com/office/powerpoint/2010/main" val="2016207093"/>
                   </p:ext>
                 </p:extLst>
               </p:nvPr>
@@ -8388,28 +8663,28 @@
                     <a:gridCol w="1854751">
                       <a:extLst>
                         <a:ext uri="{9D8B030D-6E8A-4147-A177-3AD203B41FA5}">
-                          <a16:colId xmlns="" xmlns:a16="http://schemas.microsoft.com/office/drawing/2014/main" val="20000"/>
+                          <a16:colId xmlns:a16="http://schemas.microsoft.com/office/drawing/2014/main" xmlns="" val="20000"/>
                         </a:ext>
                       </a:extLst>
                     </a:gridCol>
                     <a:gridCol w="3663486">
                       <a:extLst>
                         <a:ext uri="{9D8B030D-6E8A-4147-A177-3AD203B41FA5}">
-                          <a16:colId xmlns="" xmlns:a16="http://schemas.microsoft.com/office/drawing/2014/main" val="20001"/>
+                          <a16:colId xmlns:a16="http://schemas.microsoft.com/office/drawing/2014/main" xmlns="" val="20001"/>
                         </a:ext>
                       </a:extLst>
                     </a:gridCol>
                     <a:gridCol w="3080660">
                       <a:extLst>
                         <a:ext uri="{9D8B030D-6E8A-4147-A177-3AD203B41FA5}">
-                          <a16:colId xmlns="" xmlns:a16="http://schemas.microsoft.com/office/drawing/2014/main" val="20002"/>
+                          <a16:colId xmlns:a16="http://schemas.microsoft.com/office/drawing/2014/main" xmlns="" val="20002"/>
                         </a:ext>
                       </a:extLst>
                     </a:gridCol>
                     <a:gridCol w="2437577">
                       <a:extLst>
                         <a:ext uri="{9D8B030D-6E8A-4147-A177-3AD203B41FA5}">
-                          <a16:colId xmlns="" xmlns:a16="http://schemas.microsoft.com/office/drawing/2014/main" val="20003"/>
+                          <a16:colId xmlns:a16="http://schemas.microsoft.com/office/drawing/2014/main" xmlns="" val="20003"/>
                         </a:ext>
                       </a:extLst>
                     </a:gridCol>
@@ -8730,7 +9005,7 @@
                     </a:tc>
                     <a:extLst>
                       <a:ext uri="{0D108BD9-81ED-4DB2-BD59-A6C34878D82A}">
-                        <a16:rowId xmlns="" xmlns:a16="http://schemas.microsoft.com/office/drawing/2014/main" val="10000"/>
+                        <a16:rowId xmlns:a16="http://schemas.microsoft.com/office/drawing/2014/main" xmlns="" val="10000"/>
                       </a:ext>
                     </a:extLst>
                   </a:tr>
@@ -8794,7 +9069,15 @@
                           <a:pPr algn="ctr"/>
                           <a:r>
                             <a:rPr lang="pt-BR" sz="1400" dirty="0" smtClean="0"/>
-                            <a:t>Nenhuma (Linear), </a:t>
+                            <a:t>Linear</a:t>
+                          </a:r>
+                          <a:r>
+                            <a:rPr lang="pt-BR" sz="1400" baseline="0" dirty="0" smtClean="0"/>
+                            <a:t> (i.e., n</a:t>
+                          </a:r>
+                          <a:r>
+                            <a:rPr lang="pt-BR" sz="1400" dirty="0" smtClean="0"/>
+                            <a:t>enhuma), </a:t>
                           </a:r>
                           <a:r>
                             <a:rPr lang="pt-BR" sz="1400" dirty="0"/>
@@ -9088,7 +9371,7 @@
                     </a:tc>
                     <a:extLst>
                       <a:ext uri="{0D108BD9-81ED-4DB2-BD59-A6C34878D82A}">
-                        <a16:rowId xmlns="" xmlns:a16="http://schemas.microsoft.com/office/drawing/2014/main" val="10001"/>
+                        <a16:rowId xmlns:a16="http://schemas.microsoft.com/office/drawing/2014/main" xmlns="" val="10001"/>
                       </a:ext>
                     </a:extLst>
                   </a:tr>
@@ -9156,7 +9439,11 @@
                           </a:r>
                           <a:r>
                             <a:rPr lang="pt-BR" sz="1400" baseline="0" dirty="0"/>
-                            <a:t> e variantes</a:t>
+                            <a:t> e </a:t>
+                          </a:r>
+                          <a:r>
+                            <a:rPr lang="pt-BR" sz="1400" baseline="0" dirty="0" smtClean="0"/>
+                            <a:t>suas variantes</a:t>
                           </a:r>
                           <a:endParaRPr lang="pt-BR" sz="1400" dirty="0"/>
                         </a:p>
@@ -9439,7 +9726,7 @@
                     </a:tc>
                     <a:extLst>
                       <a:ext uri="{0D108BD9-81ED-4DB2-BD59-A6C34878D82A}">
-                        <a16:rowId xmlns="" xmlns:a16="http://schemas.microsoft.com/office/drawing/2014/main" val="10002"/>
+                        <a16:rowId xmlns:a16="http://schemas.microsoft.com/office/drawing/2014/main" xmlns="" val="10002"/>
                       </a:ext>
                     </a:extLst>
                   </a:tr>
@@ -9785,7 +10072,7 @@
                     </a:tc>
                     <a:extLst>
                       <a:ext uri="{0D108BD9-81ED-4DB2-BD59-A6C34878D82A}">
-                        <a16:rowId xmlns="" xmlns:a16="http://schemas.microsoft.com/office/drawing/2014/main" val="10003"/>
+                        <a16:rowId xmlns:a16="http://schemas.microsoft.com/office/drawing/2014/main" xmlns="" val="10003"/>
                       </a:ext>
                     </a:extLst>
                   </a:tr>
@@ -9794,7 +10081,7 @@
             </a:graphic>
           </p:graphicFrame>
         </mc:Choice>
-        <mc:Fallback xmlns="">
+        <mc:Fallback>
           <p:graphicFrame>
             <p:nvGraphicFramePr>
               <p:cNvPr id="4" name="Table 3"/>
@@ -9804,7 +10091,7 @@
               <p:nvPr>
                 <p:extLst>
                   <p:ext uri="{D42A27DB-BD31-4B8C-83A1-F6EECF244321}">
-                    <p14:modId xmlns:p14="http://schemas.microsoft.com/office/powerpoint/2010/main" val="1664718877"/>
+                    <p14:modId xmlns:p14="http://schemas.microsoft.com/office/powerpoint/2010/main" val="2016207093"/>
                   </p:ext>
                 </p:extLst>
               </p:nvPr>
@@ -9823,28 +10110,28 @@
                     <a:gridCol w="1854751">
                       <a:extLst>
                         <a:ext uri="{9D8B030D-6E8A-4147-A177-3AD203B41FA5}">
-                          <a16:colId xmlns="" xmlns:a16="http://schemas.microsoft.com/office/drawing/2014/main" xmlns:a14="http://schemas.microsoft.com/office/drawing/2010/main" val="20000"/>
+                          <a16:colId xmlns:a16="http://schemas.microsoft.com/office/drawing/2014/main" xmlns="" xmlns:a14="http://schemas.microsoft.com/office/drawing/2010/main" val="20000"/>
                         </a:ext>
                       </a:extLst>
                     </a:gridCol>
                     <a:gridCol w="3663486">
                       <a:extLst>
                         <a:ext uri="{9D8B030D-6E8A-4147-A177-3AD203B41FA5}">
-                          <a16:colId xmlns="" xmlns:a16="http://schemas.microsoft.com/office/drawing/2014/main" xmlns:a14="http://schemas.microsoft.com/office/drawing/2010/main" val="20001"/>
+                          <a16:colId xmlns:a16="http://schemas.microsoft.com/office/drawing/2014/main" xmlns="" xmlns:a14="http://schemas.microsoft.com/office/drawing/2010/main" val="20001"/>
                         </a:ext>
                       </a:extLst>
                     </a:gridCol>
                     <a:gridCol w="3080660">
                       <a:extLst>
                         <a:ext uri="{9D8B030D-6E8A-4147-A177-3AD203B41FA5}">
-                          <a16:colId xmlns="" xmlns:a16="http://schemas.microsoft.com/office/drawing/2014/main" xmlns:a14="http://schemas.microsoft.com/office/drawing/2010/main" val="20002"/>
+                          <a16:colId xmlns:a16="http://schemas.microsoft.com/office/drawing/2014/main" xmlns="" xmlns:a14="http://schemas.microsoft.com/office/drawing/2010/main" val="20002"/>
                         </a:ext>
                       </a:extLst>
                     </a:gridCol>
                     <a:gridCol w="2437577">
                       <a:extLst>
                         <a:ext uri="{9D8B030D-6E8A-4147-A177-3AD203B41FA5}">
-                          <a16:colId xmlns="" xmlns:a16="http://schemas.microsoft.com/office/drawing/2014/main" xmlns:a14="http://schemas.microsoft.com/office/drawing/2010/main" val="20003"/>
+                          <a16:colId xmlns:a16="http://schemas.microsoft.com/office/drawing/2014/main" xmlns="" xmlns:a14="http://schemas.microsoft.com/office/drawing/2010/main" val="20003"/>
                         </a:ext>
                       </a:extLst>
                     </a:gridCol>
@@ -9957,7 +10244,7 @@
                         <a:bodyPr/>
                         <a:lstStyle/>
                         <a:p>
-                          <a:endParaRPr lang="en-US"/>
+                          <a:endParaRPr lang="pt-BR"/>
                         </a:p>
                       </a:txBody>
                       <a:tcPr>
@@ -10010,7 +10297,7 @@
                         <a:bodyPr/>
                         <a:lstStyle/>
                         <a:p>
-                          <a:endParaRPr lang="en-US"/>
+                          <a:endParaRPr lang="pt-BR"/>
                         </a:p>
                       </a:txBody>
                       <a:tcPr>
@@ -10060,7 +10347,7 @@
                     </a:tc>
                     <a:extLst>
                       <a:ext uri="{0D108BD9-81ED-4DB2-BD59-A6C34878D82A}">
-                        <a16:rowId xmlns="" xmlns:a16="http://schemas.microsoft.com/office/drawing/2014/main" xmlns:a14="http://schemas.microsoft.com/office/drawing/2010/main" val="10000"/>
+                        <a16:rowId xmlns:a16="http://schemas.microsoft.com/office/drawing/2014/main" xmlns="" xmlns:a14="http://schemas.microsoft.com/office/drawing/2010/main" val="10000"/>
                       </a:ext>
                     </a:extLst>
                   </a:tr>
@@ -10124,7 +10411,15 @@
                           <a:pPr algn="ctr"/>
                           <a:r>
                             <a:rPr lang="pt-BR" sz="1400" dirty="0" smtClean="0"/>
-                            <a:t>Nenhuma (Linear), </a:t>
+                            <a:t>Linear</a:t>
+                          </a:r>
+                          <a:r>
+                            <a:rPr lang="pt-BR" sz="1400" baseline="0" dirty="0" smtClean="0"/>
+                            <a:t> (i.e., n</a:t>
+                          </a:r>
+                          <a:r>
+                            <a:rPr lang="pt-BR" sz="1400" dirty="0" smtClean="0"/>
+                            <a:t>enhuma), </a:t>
                           </a:r>
                           <a:r>
                             <a:rPr lang="pt-BR" sz="1400" dirty="0"/>
@@ -10176,7 +10471,7 @@
                         <a:bodyPr/>
                         <a:lstStyle/>
                         <a:p>
-                          <a:endParaRPr lang="en-US"/>
+                          <a:endParaRPr lang="pt-BR"/>
                         </a:p>
                       </a:txBody>
                       <a:tcPr anchor="ctr">
@@ -10229,7 +10524,7 @@
                         <a:bodyPr/>
                         <a:lstStyle/>
                         <a:p>
-                          <a:endParaRPr lang="en-US"/>
+                          <a:endParaRPr lang="pt-BR"/>
                         </a:p>
                       </a:txBody>
                       <a:tcPr anchor="ctr">
@@ -10279,7 +10574,7 @@
                     </a:tc>
                     <a:extLst>
                       <a:ext uri="{0D108BD9-81ED-4DB2-BD59-A6C34878D82A}">
-                        <a16:rowId xmlns="" xmlns:a16="http://schemas.microsoft.com/office/drawing/2014/main" xmlns:a14="http://schemas.microsoft.com/office/drawing/2010/main" val="10001"/>
+                        <a16:rowId xmlns:a16="http://schemas.microsoft.com/office/drawing/2014/main" xmlns="" xmlns:a14="http://schemas.microsoft.com/office/drawing/2010/main" val="10001"/>
                       </a:ext>
                     </a:extLst>
                   </a:tr>
@@ -10347,7 +10642,11 @@
                           </a:r>
                           <a:r>
                             <a:rPr lang="pt-BR" sz="1400" baseline="0" dirty="0"/>
-                            <a:t> e variantes</a:t>
+                            <a:t> e </a:t>
+                          </a:r>
+                          <a:r>
+                            <a:rPr lang="pt-BR" sz="1400" baseline="0" dirty="0" smtClean="0"/>
+                            <a:t>suas variantes</a:t>
                           </a:r>
                           <a:endParaRPr lang="pt-BR" sz="1400" dirty="0"/>
                         </a:p>
@@ -10396,7 +10695,7 @@
                         <a:bodyPr/>
                         <a:lstStyle/>
                         <a:p>
-                          <a:endParaRPr lang="en-US"/>
+                          <a:endParaRPr lang="pt-BR"/>
                         </a:p>
                       </a:txBody>
                       <a:tcPr anchor="ctr">
@@ -10449,7 +10748,7 @@
                         <a:bodyPr/>
                         <a:lstStyle/>
                         <a:p>
-                          <a:endParaRPr lang="en-US"/>
+                          <a:endParaRPr lang="pt-BR"/>
                         </a:p>
                       </a:txBody>
                       <a:tcPr anchor="ctr">
@@ -10499,7 +10798,7 @@
                     </a:tc>
                     <a:extLst>
                       <a:ext uri="{0D108BD9-81ED-4DB2-BD59-A6C34878D82A}">
-                        <a16:rowId xmlns="" xmlns:a16="http://schemas.microsoft.com/office/drawing/2014/main" xmlns:a14="http://schemas.microsoft.com/office/drawing/2010/main" val="10002"/>
+                        <a16:rowId xmlns:a16="http://schemas.microsoft.com/office/drawing/2014/main" xmlns="" xmlns:a14="http://schemas.microsoft.com/office/drawing/2010/main" val="10002"/>
                       </a:ext>
                     </a:extLst>
                   </a:tr>
@@ -10611,7 +10910,7 @@
                         <a:bodyPr/>
                         <a:lstStyle/>
                         <a:p>
-                          <a:endParaRPr lang="en-US"/>
+                          <a:endParaRPr lang="pt-BR"/>
                         </a:p>
                       </a:txBody>
                       <a:tcPr anchor="ctr">
@@ -10664,7 +10963,7 @@
                         <a:bodyPr/>
                         <a:lstStyle/>
                         <a:p>
-                          <a:endParaRPr lang="en-US"/>
+                          <a:endParaRPr lang="pt-BR"/>
                         </a:p>
                       </a:txBody>
                       <a:tcPr anchor="ctr">
@@ -10714,7 +11013,7 @@
                     </a:tc>
                     <a:extLst>
                       <a:ext uri="{0D108BD9-81ED-4DB2-BD59-A6C34878D82A}">
-                        <a16:rowId xmlns="" xmlns:a16="http://schemas.microsoft.com/office/drawing/2014/main" xmlns:a14="http://schemas.microsoft.com/office/drawing/2010/main" val="10003"/>
+                        <a16:rowId xmlns:a16="http://schemas.microsoft.com/office/drawing/2014/main" xmlns="" xmlns:a14="http://schemas.microsoft.com/office/drawing/2010/main" val="10003"/>
                       </a:ext>
                     </a:extLst>
                   </a:tr>
@@ -10724,6 +11023,49 @@
           </p:graphicFrame>
         </mc:Fallback>
       </mc:AlternateContent>
+      <p:sp>
+        <p:nvSpPr>
+          <p:cNvPr id="5" name="Rectangle 3"/>
+          <p:cNvSpPr/>
+          <p:nvPr/>
+        </p:nvSpPr>
+        <p:spPr>
+          <a:xfrm>
+            <a:off x="8983749" y="6581001"/>
+            <a:ext cx="3208251" cy="276999"/>
+          </a:xfrm>
+          <a:prstGeom prst="rect">
+            <a:avLst/>
+          </a:prstGeom>
+        </p:spPr>
+        <p:txBody>
+          <a:bodyPr wrap="none">
+            <a:spAutoFit/>
+          </a:bodyPr>
+          <a:lstStyle/>
+          <a:p>
+            <a:r>
+              <a:rPr lang="pt-BR" sz="1200" dirty="0" smtClean="0">
+                <a:hlinkClick r:id="rId5"/>
+              </a:rPr>
+              <a:t>[2] </a:t>
+            </a:r>
+            <a:r>
+              <a:rPr lang="en-US" sz="1200" dirty="0">
+                <a:hlinkClick r:id="rId5"/>
+              </a:rPr>
+              <a:t>How to find appropriate initialization </a:t>
+            </a:r>
+            <a:r>
+              <a:rPr lang="en-US" sz="1200" dirty="0">
+                <a:hlinkClick r:id="rId5"/>
+              </a:rPr>
+              <a:t>values</a:t>
+            </a:r>
+            <a:endParaRPr lang="en-US" sz="1200" dirty="0"/>
+          </a:p>
+        </p:txBody>
+      </p:sp>
     </p:spTree>
     <p:extLst>
       <p:ext uri="{BB962C8B-B14F-4D97-AF65-F5344CB8AC3E}">
@@ -10793,8 +11135,8 @@
         </p:nvSpPr>
         <p:spPr>
           <a:xfrm>
-            <a:off x="838199" y="1562352"/>
-            <a:ext cx="11193380" cy="5295648"/>
+            <a:off x="728868" y="1562352"/>
+            <a:ext cx="11247784" cy="5295648"/>
           </a:xfrm>
         </p:spPr>
         <p:txBody>
@@ -10809,7 +11151,31 @@
             </a:r>
             <a:r>
               <a:rPr lang="pt-BR" dirty="0"/>
-              <a:t>biblioteca SciKit-Learn disponibiliza algumas classes para o treinamento de redes neurais multi-layer perceptron.</a:t>
+              <a:t>biblioteca </a:t>
+            </a:r>
+            <a:r>
+              <a:rPr lang="pt-BR" i="1" dirty="0" err="1"/>
+              <a:t>SciKit-Learn</a:t>
+            </a:r>
+            <a:r>
+              <a:rPr lang="pt-BR" dirty="0"/>
+              <a:t> disponibiliza algumas classes para o treinamento de redes neurais </a:t>
+            </a:r>
+            <a:r>
+              <a:rPr lang="pt-BR" i="1" dirty="0" err="1"/>
+              <a:t>multi-layer</a:t>
+            </a:r>
+            <a:r>
+              <a:rPr lang="pt-BR" i="1" dirty="0"/>
+              <a:t> </a:t>
+            </a:r>
+            <a:r>
+              <a:rPr lang="pt-BR" i="1" dirty="0" err="1"/>
+              <a:t>perceptron</a:t>
+            </a:r>
+            <a:r>
+              <a:rPr lang="pt-BR" dirty="0"/>
+              <a:t>.</a:t>
             </a:r>
           </a:p>
           <a:p>
@@ -10821,7 +11187,23 @@
           <a:p>
             <a:r>
               <a:rPr lang="pt-BR" dirty="0"/>
-              <a:t>Em particular, a biblioteca SciKit-Learn não oferece suporte a GPUs. </a:t>
+              <a:t>Em particular, a biblioteca </a:t>
+            </a:r>
+            <a:r>
+              <a:rPr lang="pt-BR" i="1" dirty="0" err="1"/>
+              <a:t>SciKit-Learn</a:t>
+            </a:r>
+            <a:r>
+              <a:rPr lang="pt-BR" dirty="0"/>
+              <a:t> não oferece suporte a </a:t>
+            </a:r>
+            <a:r>
+              <a:rPr lang="pt-BR" dirty="0" err="1"/>
+              <a:t>GPUs</a:t>
+            </a:r>
+            <a:r>
+              <a:rPr lang="pt-BR" dirty="0"/>
+              <a:t>. </a:t>
             </a:r>
           </a:p>
           <a:p>
@@ -10884,12 +11266,36 @@
               <a:buChar char="§"/>
             </a:pPr>
             <a:r>
-              <a:rPr lang="pt-BR" b="1" i="1" dirty="0"/>
+              <a:rPr lang="pt-BR" b="1" i="1" dirty="0" err="1"/>
               <a:t>Tensorflow</a:t>
             </a:r>
             <a:r>
               <a:rPr lang="pt-BR" dirty="0"/>
-              <a:t>: biblioteca para desenvolvimento de aplicações eficientes e escaláveis de machine learning.</a:t>
+              <a:t>: </a:t>
+            </a:r>
+            <a:r>
+              <a:rPr lang="pt-BR" dirty="0" smtClean="0"/>
+              <a:t>criada pela equipe </a:t>
+            </a:r>
+            <a:r>
+              <a:rPr lang="pt-BR" i="1" dirty="0" smtClean="0"/>
+              <a:t>Google </a:t>
+            </a:r>
+            <a:r>
+              <a:rPr lang="pt-BR" i="1" dirty="0" err="1" smtClean="0"/>
+              <a:t>Brain</a:t>
+            </a:r>
+            <a:r>
+              <a:rPr lang="pt-BR" dirty="0" smtClean="0"/>
+              <a:t> do </a:t>
+            </a:r>
+            <a:r>
+              <a:rPr lang="pt-BR" i="1" dirty="0" smtClean="0"/>
+              <a:t>Google</a:t>
+            </a:r>
+            <a:r>
+              <a:rPr lang="pt-BR" dirty="0" smtClean="0"/>
+              <a:t>.</a:t>
             </a:r>
           </a:p>
           <a:p>
@@ -10898,12 +11304,40 @@
               <a:buChar char="§"/>
             </a:pPr>
             <a:r>
-              <a:rPr lang="pt-BR" b="1" i="1" dirty="0"/>
-              <a:t>keras</a:t>
+              <a:rPr lang="pt-BR" b="1" i="1" dirty="0" err="1"/>
+              <a:t>PyTorch</a:t>
             </a:r>
             <a:r>
               <a:rPr lang="pt-BR" dirty="0"/>
-              <a:t>: biblioteca de alto-nível para desenvolvimento de aplicações Deep Learning de forma simples. É capaz de rodar sobre TensorFlow, Theano ou Apache MXNet.</a:t>
+              <a:t>: </a:t>
+            </a:r>
+            <a:r>
+              <a:rPr lang="pt-BR" dirty="0" smtClean="0"/>
+              <a:t>criada pela </a:t>
+            </a:r>
+            <a:r>
+              <a:rPr lang="pt-BR" i="1" dirty="0" smtClean="0"/>
+              <a:t>Meta </a:t>
+            </a:r>
+            <a:r>
+              <a:rPr lang="pt-BR" i="1" dirty="0"/>
+              <a:t>AI</a:t>
+            </a:r>
+            <a:r>
+              <a:rPr lang="pt-BR" dirty="0"/>
+              <a:t> </a:t>
+            </a:r>
+            <a:r>
+              <a:rPr lang="pt-BR" dirty="0" smtClean="0"/>
+              <a:t>(antigo </a:t>
+            </a:r>
+            <a:r>
+              <a:rPr lang="pt-BR" i="1" dirty="0" err="1" smtClean="0"/>
+              <a:t>Facebook</a:t>
+            </a:r>
+            <a:r>
+              <a:rPr lang="pt-BR" dirty="0" smtClean="0"/>
+              <a:t>).</a:t>
             </a:r>
           </a:p>
           <a:p>
@@ -10912,12 +11346,20 @@
               <a:buChar char="§"/>
             </a:pPr>
             <a:r>
-              <a:rPr lang="pt-BR" b="1" i="1" dirty="0"/>
-              <a:t>skorch</a:t>
+              <a:rPr lang="pt-BR" b="1" i="1" dirty="0" err="1"/>
+              <a:t>MXNet</a:t>
             </a:r>
             <a:r>
               <a:rPr lang="pt-BR" dirty="0"/>
-              <a:t>: biblioteca para a criação de redes neurais compatíveis com o SciKit-Learn que encapsula a biblioteca PyTorch.</a:t>
+              <a:t>: criada pela </a:t>
+            </a:r>
+            <a:r>
+              <a:rPr lang="pt-BR" i="1" dirty="0"/>
+              <a:t>Apache</a:t>
+            </a:r>
+            <a:r>
+              <a:rPr lang="pt-BR" dirty="0" smtClean="0"/>
+              <a:t>.</a:t>
             </a:r>
           </a:p>
           <a:p>
@@ -10926,8 +11368,59 @@
               <a:buChar char="§"/>
             </a:pPr>
             <a:r>
+              <a:rPr lang="pt-BR" b="1" i="1" dirty="0" err="1"/>
+              <a:t>Theano</a:t>
+            </a:r>
+            <a:r>
               <a:rPr lang="pt-BR" dirty="0"/>
-              <a:t>Entre outras: </a:t>
+              <a:t>: </a:t>
+            </a:r>
+            <a:r>
+              <a:rPr lang="pt-BR" dirty="0" smtClean="0"/>
+              <a:t>criada pela Universidade </a:t>
+            </a:r>
+            <a:r>
+              <a:rPr lang="pt-BR" dirty="0"/>
+              <a:t>de Montreal (primeira versão) e </a:t>
+            </a:r>
+            <a:r>
+              <a:rPr lang="pt-BR" dirty="0" smtClean="0"/>
+              <a:t>mantida posteriormente pela equipe de desenvolvedores do pacote </a:t>
+            </a:r>
+            <a:r>
+              <a:rPr lang="pt-BR" dirty="0" err="1" smtClean="0"/>
+              <a:t>PyMC</a:t>
+            </a:r>
+            <a:r>
+              <a:rPr lang="pt-BR" dirty="0" smtClean="0"/>
+              <a:t> sob o nome </a:t>
+            </a:r>
+            <a:r>
+              <a:rPr lang="pt-BR" dirty="0"/>
+              <a:t>de </a:t>
+            </a:r>
+            <a:r>
+              <a:rPr lang="pt-BR" dirty="0" err="1" smtClean="0"/>
+              <a:t>Aesara</a:t>
+            </a:r>
+            <a:r>
+              <a:rPr lang="pt-BR" dirty="0"/>
+              <a:t>.</a:t>
+            </a:r>
+            <a:endParaRPr lang="pt-BR" dirty="0" smtClean="0"/>
+          </a:p>
+          <a:p>
+            <a:pPr lvl="1">
+              <a:buFont typeface="Wingdings" panose="05000000000000000000" pitchFamily="2" charset="2"/>
+              <a:buChar char="§"/>
+            </a:pPr>
+            <a:r>
+              <a:rPr lang="pt-BR" dirty="0" smtClean="0"/>
+              <a:t>Entre </a:t>
+            </a:r>
+            <a:r>
+              <a:rPr lang="pt-BR" dirty="0"/>
+              <a:t>outras: </a:t>
             </a:r>
             <a:r>
               <a:rPr lang="pt-BR" dirty="0">
@@ -11058,7 +11551,15 @@
             <a:pPr lvl="1"/>
             <a:r>
               <a:rPr lang="pt-BR" dirty="0"/>
-              <a:t>Projeto já está no </a:t>
+              <a:t>Projeto </a:t>
+            </a:r>
+            <a:r>
+              <a:rPr lang="pt-BR" dirty="0" smtClean="0"/>
+              <a:t>está </a:t>
+            </a:r>
+            <a:r>
+              <a:rPr lang="pt-BR" dirty="0"/>
+              <a:t>no </a:t>
             </a:r>
             <a:r>
               <a:rPr lang="pt-BR" dirty="0" err="1"/>
@@ -11162,7 +11663,7 @@
           <p:cNvPr id="4" name="Título 1">
             <a:extLst>
               <a:ext uri="{FF2B5EF4-FFF2-40B4-BE49-F238E27FC236}">
-                <a16:creationId xmlns="" xmlns:a16="http://schemas.microsoft.com/office/drawing/2014/main" id="{32666AC8-2E17-4DB4-B0F5-60C640CCFD2E}"/>
+                <a16:creationId xmlns:a16="http://schemas.microsoft.com/office/drawing/2014/main" xmlns="" id="{32666AC8-2E17-4DB4-B0F5-60C640CCFD2E}"/>
               </a:ext>
             </a:extLst>
           </p:cNvPr>
@@ -11668,7 +12169,7 @@
           <p:cNvPr id="4" name="Título 1">
             <a:extLst>
               <a:ext uri="{FF2B5EF4-FFF2-40B4-BE49-F238E27FC236}">
-                <a16:creationId xmlns="" xmlns:a16="http://schemas.microsoft.com/office/drawing/2014/main" id="{32666AC8-2E17-4DB4-B0F5-60C640CCFD2E}"/>
+                <a16:creationId xmlns:a16="http://schemas.microsoft.com/office/drawing/2014/main" xmlns="" id="{32666AC8-2E17-4DB4-B0F5-60C640CCFD2E}"/>
               </a:ext>
             </a:extLst>
           </p:cNvPr>

--- a/slides/T320_Redes_Neurais_Artificiais (Parte IV).pptx
+++ b/slides/T320_Redes_Neurais_Artificiais (Parte IV).pptx
@@ -256,7 +256,7 @@
           <a:p>
             <a:fld id="{C3C82C08-3EFC-4473-8294-F0E229C19EFF}" type="datetimeFigureOut">
               <a:rPr lang="pt-BR" smtClean="0"/>
-              <a:t>02/12/2022</a:t>
+              <a:t>09/06/2023</a:t>
             </a:fld>
             <a:endParaRPr lang="pt-BR"/>
           </a:p>
@@ -1410,6 +1410,103 @@
           <a:bodyPr/>
           <a:lstStyle/>
           <a:p>
+            <a:pPr algn="l"/>
+            <a:r>
+              <a:rPr lang="pt-BR" b="0" i="0" dirty="0">
+                <a:solidFill>
+                  <a:srgbClr val="374151"/>
+                </a:solidFill>
+                <a:effectLst/>
+                <a:latin typeface="Söhne"/>
+              </a:rPr>
+              <a:t>A vantagem do momento de Nesterov sobre o momento clássico reside na forma como ele lida com o problema de oscilações em torno do mínimo global durante a otimização.</a:t>
+            </a:r>
+          </a:p>
+          <a:p>
+            <a:pPr algn="l"/>
+            <a:r>
+              <a:rPr lang="pt-BR" b="0" i="0" dirty="0">
+                <a:solidFill>
+                  <a:srgbClr val="374151"/>
+                </a:solidFill>
+                <a:effectLst/>
+                <a:latin typeface="Söhne"/>
+              </a:rPr>
+              <a:t>No momento clássico, o otimizador acumula o momento e o aplica diretamente ao gradiente no ponto atual para atualizar os pesos. Isso significa que o impulso é aplicado antes de avaliar o gradiente no ponto atual, o que pode levar a oscilações em torno do mínimo global. Essas oscilações podem retardar a convergência e impedir que o otimizador alcance a solução ótima.</a:t>
+            </a:r>
+          </a:p>
+          <a:p>
+            <a:pPr algn="l"/>
+            <a:r>
+              <a:rPr lang="pt-BR" b="0" i="0" dirty="0">
+                <a:solidFill>
+                  <a:srgbClr val="374151"/>
+                </a:solidFill>
+                <a:effectLst/>
+                <a:latin typeface="Söhne"/>
+              </a:rPr>
+              <a:t>Por outro lado, o momento de Nesterov corrige essa questão. Em vez de calcular o gradiente no ponto atual, ele estima o gradiente no próximo ponto, levando em consideração o momento acumulado anteriormente. Essa estimativa é baseada na direção do momento anterior e permite que o otimizador faça ajustes mais precisos antes de atualizar os pesos.</a:t>
+            </a:r>
+          </a:p>
+          <a:p>
+            <a:pPr algn="l"/>
+            <a:r>
+              <a:rPr lang="pt-BR" b="0" i="0" dirty="0">
+                <a:solidFill>
+                  <a:srgbClr val="374151"/>
+                </a:solidFill>
+                <a:effectLst/>
+                <a:latin typeface="Söhne"/>
+              </a:rPr>
+              <a:t>Essa correção na estimativa do gradiente oferece duas principais vantagens em relação ao momento clássico:</a:t>
+            </a:r>
+          </a:p>
+          <a:p>
+            <a:pPr algn="l">
+              <a:buFont typeface="+mj-lt"/>
+              <a:buAutoNum type="arabicPeriod"/>
+            </a:pPr>
+            <a:r>
+              <a:rPr lang="pt-BR" b="0" i="0" dirty="0">
+                <a:solidFill>
+                  <a:srgbClr val="374151"/>
+                </a:solidFill>
+                <a:effectLst/>
+                <a:latin typeface="Söhne"/>
+              </a:rPr>
+              <a:t>Melhor convergência: O momento de Nesterov ajuda a reduzir as oscilações em torno do mínimo global, permitindo uma convergência mais rápida e eficiente. Ao fazer uma correção na direção do momento antes de calcular o gradiente, ele evita que o otimizador "passe direto" pelo mínimo e oscile em torno dele.</a:t>
+            </a:r>
+          </a:p>
+          <a:p>
+            <a:pPr algn="l">
+              <a:buFont typeface="+mj-lt"/>
+              <a:buAutoNum type="arabicPeriod"/>
+            </a:pPr>
+            <a:r>
+              <a:rPr lang="pt-BR" b="0" i="0" dirty="0">
+                <a:solidFill>
+                  <a:srgbClr val="374151"/>
+                </a:solidFill>
+                <a:effectLst/>
+                <a:latin typeface="Söhne"/>
+              </a:rPr>
+              <a:t>Ajustes mais precisos: Ao estimar o gradiente no próximo ponto, levando em conta a direção do momento anterior, o momento de Nesterov permite ajustes mais precisos nos pesos. Isso é especialmente útil em áreas onde a superfície de erro é curvada, pois evita atualizações excessivamente grandes ou pequenas que podem dificultar a convergência.</a:t>
+            </a:r>
+          </a:p>
+          <a:p>
+            <a:pPr algn="l"/>
+            <a:r>
+              <a:rPr lang="pt-BR" b="0" i="0" dirty="0">
+                <a:solidFill>
+                  <a:srgbClr val="374151"/>
+                </a:solidFill>
+                <a:effectLst/>
+                <a:latin typeface="Söhne"/>
+              </a:rPr>
+              <a:t>Em resumo, a principal vantagem do momento de Nesterov sobre o momento clássico é a correção das oscilações em torno do mínimo global durante a otimização. Isso resulta em uma convergência mais rápida e ajustes mais precisos nos pesos, melhorando assim o desempenho do algoritmo de otimização.</a:t>
+            </a:r>
+          </a:p>
+          <a:p>
             <a:pPr marL="0" marR="0" lvl="0" indent="0" algn="l" defTabSz="914400" rtl="0" eaLnBrk="1" fontAlgn="auto" latinLnBrk="0" hangingPunct="1">
               <a:lnSpc>
                 <a:spcPct val="100000"/>
@@ -1427,18 +1524,7 @@
               <a:tabLst/>
               <a:defRPr/>
             </a:pPr>
-            <a:r>
-              <a:rPr lang="pt-BR" dirty="0" smtClean="0"/>
-              <a:t>O </a:t>
-            </a:r>
-            <a:r>
-              <a:rPr lang="pt-BR" dirty="0" err="1" smtClean="0"/>
-              <a:t>AdaGrad</a:t>
-            </a:r>
-            <a:r>
-              <a:rPr lang="pt-BR" dirty="0" smtClean="0"/>
-              <a:t> é adequado para funções objetivo onde a curvatura do espaço de busca (superfície de erro) é diferente em diferentes dimensões, permitindo uma otimização mais efetiva dada a customização do tamanho do passo em cada dimensão.</a:t>
-            </a:r>
+            <a:endParaRPr lang="pt-BR" dirty="0"/>
           </a:p>
           <a:p>
             <a:pPr marL="0" marR="0" lvl="0" indent="0" algn="l" defTabSz="914400" rtl="0" eaLnBrk="1" fontAlgn="auto" latinLnBrk="0" hangingPunct="1">
@@ -1458,7 +1544,7 @@
               <a:tabLst/>
               <a:defRPr/>
             </a:pPr>
-            <a:endParaRPr lang="pt-BR" dirty="0" smtClean="0"/>
+            <a:endParaRPr lang="pt-BR" dirty="0"/>
           </a:p>
           <a:p>
             <a:pPr marL="0" marR="0" lvl="0" indent="0" algn="l" defTabSz="914400" rtl="0" eaLnBrk="1" fontAlgn="auto" latinLnBrk="0" hangingPunct="1">
@@ -1479,24 +1565,16 @@
               <a:defRPr/>
             </a:pPr>
             <a:r>
-              <a:rPr lang="pt-BR" dirty="0" smtClean="0"/>
-              <a:t>Para </a:t>
-            </a:r>
-            <a:r>
               <a:rPr lang="pt-BR" dirty="0"/>
-              <a:t>mais informações</a:t>
-            </a:r>
-            <a:r>
-              <a:rPr lang="pt-BR" baseline="0" dirty="0"/>
-              <a:t> sobre esses </a:t>
-            </a:r>
-            <a:r>
-              <a:rPr lang="pt-BR" b="1" dirty="0"/>
-              <a:t>Modelos com Passo de Aprendizagem Adaptativo</a:t>
-            </a:r>
-            <a:r>
-              <a:rPr lang="pt-BR" b="0" baseline="0" dirty="0"/>
-              <a:t> vejam:</a:t>
+              <a:t>O </a:t>
+            </a:r>
+            <a:r>
+              <a:rPr lang="pt-BR" dirty="0" err="1"/>
+              <a:t>AdaGrad</a:t>
+            </a:r>
+            <a:r>
+              <a:rPr lang="pt-BR" dirty="0"/>
+              <a:t> é adequado para funções objetivo onde a curvatura do espaço de busca (superfície de erro) é diferente em diferentes dimensões, permitindo uma otimização mais efetiva dada a customização do tamanho do passo em cada dimensão.</a:t>
             </a:r>
           </a:p>
           <a:p>
@@ -1517,18 +1595,7 @@
               <a:tabLst/>
               <a:defRPr/>
             </a:pPr>
-            <a:r>
-              <a:rPr lang="pt-BR" dirty="0" smtClean="0"/>
-              <a:t>[1] </a:t>
-            </a:r>
-            <a:r>
-              <a:rPr lang="pt-BR" dirty="0"/>
-              <a:t>GOODFELLOW, I., BENGIO, Y., COURVILLE, A., Deep Learning, MIT Press, 2016. HAYKIN, S. Neural Networks and Learning Machines, 3rd edition, Prentice-Hall, 2008</a:t>
-            </a:r>
-            <a:r>
-              <a:rPr lang="pt-BR" dirty="0" smtClean="0"/>
-              <a:t>.</a:t>
-            </a:r>
+            <a:endParaRPr lang="pt-BR" dirty="0"/>
           </a:p>
           <a:p>
             <a:pPr marL="0" marR="0" lvl="0" indent="0" algn="l" defTabSz="914400" rtl="0" eaLnBrk="1" fontAlgn="auto" latinLnBrk="0" hangingPunct="1">
@@ -1549,10 +1616,67 @@
               <a:defRPr/>
             </a:pPr>
             <a:r>
-              <a:rPr lang="pt-BR" dirty="0" smtClean="0"/>
+              <a:rPr lang="pt-BR" dirty="0"/>
+              <a:t>Para mais informações</a:t>
+            </a:r>
+            <a:r>
+              <a:rPr lang="pt-BR" baseline="0" dirty="0"/>
+              <a:t> sobre esses </a:t>
+            </a:r>
+            <a:r>
+              <a:rPr lang="pt-BR" b="1" dirty="0"/>
+              <a:t>Modelos com Passo de Aprendizagem Adaptativo</a:t>
+            </a:r>
+            <a:r>
+              <a:rPr lang="pt-BR" b="0" baseline="0" dirty="0"/>
+              <a:t> vejam:</a:t>
+            </a:r>
+          </a:p>
+          <a:p>
+            <a:pPr marL="0" marR="0" lvl="0" indent="0" algn="l" defTabSz="914400" rtl="0" eaLnBrk="1" fontAlgn="auto" latinLnBrk="0" hangingPunct="1">
+              <a:lnSpc>
+                <a:spcPct val="100000"/>
+              </a:lnSpc>
+              <a:spcBef>
+                <a:spcPts val="0"/>
+              </a:spcBef>
+              <a:spcAft>
+                <a:spcPts val="0"/>
+              </a:spcAft>
+              <a:buClrTx/>
+              <a:buSzTx/>
+              <a:buFontTx/>
+              <a:buNone/>
+              <a:tabLst/>
+              <a:defRPr/>
+            </a:pPr>
+            <a:r>
+              <a:rPr lang="pt-BR" dirty="0"/>
+              <a:t>[1] GOODFELLOW, I., BENGIO, Y., COURVILLE, A., Deep Learning, MIT Press, 2016. HAYKIN, S. Neural Networks and Learning Machines, 3rd edition, Prentice-Hall, 2008.</a:t>
+            </a:r>
+          </a:p>
+          <a:p>
+            <a:pPr marL="0" marR="0" lvl="0" indent="0" algn="l" defTabSz="914400" rtl="0" eaLnBrk="1" fontAlgn="auto" latinLnBrk="0" hangingPunct="1">
+              <a:lnSpc>
+                <a:spcPct val="100000"/>
+              </a:lnSpc>
+              <a:spcBef>
+                <a:spcPts val="0"/>
+              </a:spcBef>
+              <a:spcAft>
+                <a:spcPts val="0"/>
+              </a:spcAft>
+              <a:buClrTx/>
+              <a:buSzTx/>
+              <a:buFontTx/>
+              <a:buNone/>
+              <a:tabLst/>
+              <a:defRPr/>
+            </a:pPr>
+            <a:r>
+              <a:rPr lang="pt-BR" dirty="0"/>
               <a:t>[2] https://towardsdatascience.com/adaptive-learning-rate-adagrad-and-rmsprop-46a7d547d244</a:t>
             </a:r>
-            <a:endParaRPr lang="pt-BR" dirty="0"/>
           </a:p>
           <a:p>
             <a:pPr marL="0" marR="0" lvl="0" indent="0" algn="l" defTabSz="914400" rtl="0" eaLnBrk="1" fontAlgn="auto" latinLnBrk="0" hangingPunct="1">
@@ -1677,7 +1801,7 @@
           <a:lstStyle/>
           <a:p>
             <a:r>
-              <a:rPr lang="en-US" sz="1200" b="0" i="0" kern="1200" dirty="0" smtClean="0">
+              <a:rPr lang="en-US" sz="1200" b="0" i="0" kern="1200" dirty="0">
                 <a:solidFill>
                   <a:schemeClr val="tx1"/>
                 </a:solidFill>
@@ -1689,7 +1813,7 @@
               <a:t>A local search algorithm starts from a candidate solution and then </a:t>
             </a:r>
             <a:r>
-              <a:rPr lang="en-US" sz="1200" b="0" i="0" u="sng" kern="1200" dirty="0" smtClean="0">
+              <a:rPr lang="en-US" sz="1200" b="0" i="0" u="sng" kern="1200" dirty="0">
                 <a:solidFill>
                   <a:schemeClr val="tx1"/>
                 </a:solidFill>
@@ -1702,7 +1826,7 @@
               <a:t>iteratively</a:t>
             </a:r>
             <a:r>
-              <a:rPr lang="en-US" sz="1200" b="0" i="0" kern="1200" dirty="0" smtClean="0">
+              <a:rPr lang="en-US" sz="1200" b="0" i="0" kern="1200" dirty="0">
                 <a:solidFill>
                   <a:schemeClr val="tx1"/>
                 </a:solidFill>
@@ -1714,7 +1838,7 @@
               <a:t> moves to a </a:t>
             </a:r>
             <a:r>
-              <a:rPr lang="en-US" sz="1200" b="0" i="0" u="none" strike="noStrike" kern="1200" dirty="0" smtClean="0">
+              <a:rPr lang="en-US" sz="1200" b="0" i="0" u="none" strike="noStrike" kern="1200" dirty="0">
                 <a:solidFill>
                   <a:schemeClr val="tx1"/>
                 </a:solidFill>
@@ -1727,7 +1851,7 @@
               <a:t>neighbor</a:t>
             </a:r>
             <a:r>
-              <a:rPr lang="en-US" sz="1200" b="0" i="0" kern="1200" dirty="0" smtClean="0">
+              <a:rPr lang="en-US" sz="1200" b="0" i="0" kern="1200" dirty="0">
                 <a:solidFill>
                   <a:schemeClr val="tx1"/>
                 </a:solidFill>
@@ -1740,7 +1864,7 @@
             </a:r>
           </a:p>
           <a:p>
-            <a:endParaRPr lang="pt-BR" sz="1200" b="0" i="0" kern="1200" dirty="0" smtClean="0">
+            <a:endParaRPr lang="pt-BR" sz="1200" b="0" i="0" kern="1200" dirty="0">
               <a:solidFill>
                 <a:schemeClr val="tx1"/>
               </a:solidFill>
@@ -1752,7 +1876,7 @@
           </a:p>
           <a:p>
             <a:r>
-              <a:rPr lang="en-US" sz="1200" b="0" i="0" kern="1200" dirty="0" smtClean="0">
+              <a:rPr lang="en-US" sz="1200" b="0" i="0" kern="1200" dirty="0">
                 <a:solidFill>
                   <a:schemeClr val="tx1"/>
                 </a:solidFill>
@@ -1764,7 +1888,7 @@
               <a:t>Global search is distinguished from local search by its focus on finding the minimum or maximum over the given set, as opposed to finding </a:t>
             </a:r>
             <a:r>
-              <a:rPr lang="en-US" sz="1200" b="0" i="1" kern="1200" dirty="0" smtClean="0">
+              <a:rPr lang="en-US" sz="1200" b="0" i="1" kern="1200" dirty="0">
                 <a:solidFill>
                   <a:schemeClr val="tx1"/>
                 </a:solidFill>
@@ -1776,7 +1900,7 @@
               <a:t>local</a:t>
             </a:r>
             <a:r>
-              <a:rPr lang="en-US" sz="1200" b="0" i="0" kern="1200" dirty="0" smtClean="0">
+              <a:rPr lang="en-US" sz="1200" b="0" i="0" kern="1200" dirty="0">
                 <a:solidFill>
                   <a:schemeClr val="tx1"/>
                 </a:solidFill>
@@ -1788,7 +1912,7 @@
               <a:t> minima or maxima. Finding an arbitrary local minimum is relatively straightforward by using classical </a:t>
             </a:r>
             <a:r>
-              <a:rPr lang="en-US" sz="1200" b="0" i="1" kern="1200" dirty="0" smtClean="0">
+              <a:rPr lang="en-US" sz="1200" b="0" i="1" kern="1200" dirty="0">
                 <a:solidFill>
                   <a:schemeClr val="tx1"/>
                 </a:solidFill>
@@ -1800,7 +1924,7 @@
               <a:t>local optimization</a:t>
             </a:r>
             <a:r>
-              <a:rPr lang="en-US" sz="1200" b="0" i="0" kern="1200" dirty="0" smtClean="0">
+              <a:rPr lang="en-US" sz="1200" b="0" i="0" kern="1200" dirty="0">
                 <a:solidFill>
                   <a:schemeClr val="tx1"/>
                 </a:solidFill>
@@ -1811,19 +1935,15 @@
               </a:rPr>
               <a:t> methods. Finding the global minimum of a function is far more difficult</a:t>
             </a:r>
-            <a:endParaRPr lang="pt-BR" dirty="0" smtClean="0"/>
-          </a:p>
-          <a:p>
-            <a:endParaRPr lang="pt-BR" dirty="0" smtClean="0"/>
-          </a:p>
-          <a:p>
-            <a:r>
-              <a:rPr lang="pt-BR" dirty="0" smtClean="0"/>
-              <a:t>O </a:t>
-            </a:r>
+            <a:endParaRPr lang="pt-BR" dirty="0"/>
+          </a:p>
+          <a:p>
+            <a:endParaRPr lang="pt-BR" dirty="0"/>
+          </a:p>
+          <a:p>
             <a:r>
               <a:rPr lang="pt-BR" dirty="0"/>
-              <a:t>ponto inicial pode determinar se o algoritmo converge, sendo alguns pontos iniciais tão instáveis que o algoritmo encontra dificuldades numéricas e falha completamente.</a:t>
+              <a:t>O ponto inicial pode determinar se o algoritmo converge, sendo alguns pontos iniciais tão instáveis que o algoritmo encontra dificuldades numéricas e falha completamente.</a:t>
             </a:r>
           </a:p>
           <a:p>
@@ -1986,7 +2106,7 @@
           <a:lstStyle/>
           <a:p>
             <a:r>
-              <a:rPr lang="en-US" sz="1200" b="0" i="0" kern="1200" dirty="0" smtClean="0">
+              <a:rPr lang="en-US" sz="1200" b="0" i="0" kern="1200" dirty="0">
                 <a:solidFill>
                   <a:schemeClr val="tx1"/>
                 </a:solidFill>
@@ -1998,7 +2118,7 @@
               <a:t>Large weights in a neural network are </a:t>
             </a:r>
             <a:r>
-              <a:rPr lang="en-US" sz="1200" b="1" i="0" kern="1200" dirty="0" smtClean="0">
+              <a:rPr lang="en-US" sz="1200" b="1" i="0" kern="1200" dirty="0">
                 <a:solidFill>
                   <a:schemeClr val="tx1"/>
                 </a:solidFill>
@@ -2010,7 +2130,7 @@
               <a:t>a sign of overfitting</a:t>
             </a:r>
             <a:r>
-              <a:rPr lang="en-US" sz="1200" b="0" i="0" kern="1200" dirty="0" smtClean="0">
+              <a:rPr lang="en-US" sz="1200" b="0" i="0" kern="1200" dirty="0">
                 <a:solidFill>
                   <a:schemeClr val="tx1"/>
                 </a:solidFill>
@@ -2024,7 +2144,7 @@
           </a:p>
           <a:p>
             <a:r>
-              <a:rPr lang="en-US" sz="1200" b="0" i="0" kern="1200" dirty="0" smtClean="0">
+              <a:rPr lang="en-US" sz="1200" b="0" i="0" kern="1200" dirty="0">
                 <a:solidFill>
                   <a:schemeClr val="tx1"/>
                 </a:solidFill>
@@ -2038,7 +2158,7 @@
           </a:p>
           <a:p>
             <a:r>
-              <a:rPr lang="en-US" sz="1200" b="0" i="0" kern="1200" dirty="0" smtClean="0">
+              <a:rPr lang="en-US" sz="1200" b="0" i="0" kern="1200" dirty="0">
                 <a:solidFill>
                   <a:schemeClr val="tx1"/>
                 </a:solidFill>
@@ -2051,7 +2171,7 @@
             </a:r>
           </a:p>
           <a:p>
-            <a:endParaRPr lang="en-US" sz="1200" b="0" i="0" kern="1200" dirty="0" smtClean="0">
+            <a:endParaRPr lang="en-US" sz="1200" b="0" i="0" kern="1200" dirty="0">
               <a:solidFill>
                 <a:schemeClr val="tx1"/>
               </a:solidFill>
@@ -2063,7 +2183,7 @@
           </a:p>
           <a:p>
             <a:r>
-              <a:rPr lang="pt-BR" dirty="0" smtClean="0"/>
+              <a:rPr lang="pt-BR" dirty="0"/>
               <a:t>Pesos iniciais muito grandes podem, no entanto, resultar em valores explosivos durante a propagação direta ou retropropagação.</a:t>
             </a:r>
           </a:p>
@@ -2083,25 +2203,13 @@
             </a:r>
             <a:r>
               <a:rPr lang="pt-BR" baseline="0" dirty="0"/>
-              <a:t> </a:t>
-            </a:r>
-            <a:r>
-              <a:rPr lang="pt-BR" baseline="0" dirty="0" smtClean="0"/>
-              <a:t>https://machinelearningmastery.com/introduction-to-weight-constraints-to-reduce-generalization-error-in-deep-learning/#:~:text=Large%20weights%20in%20a%20neural,changes%20to%20the%20input%20variables.</a:t>
-            </a:r>
-          </a:p>
-          <a:p>
-            <a:r>
-              <a:rPr lang="pt-BR" baseline="0" dirty="0" smtClean="0"/>
-              <a:t>[2] https</a:t>
-            </a:r>
+              <a:t> https://machinelearningmastery.com/introduction-to-weight-constraints-to-reduce-generalization-error-in-deep-learning/#:~:text=Large%20weights%20in%20a%20neural,changes%20to%20the%20input%20variables.</a:t>
+            </a:r>
+          </a:p>
+          <a:p>
             <a:r>
               <a:rPr lang="pt-BR" baseline="0" dirty="0"/>
-              <a:t>://</a:t>
-            </a:r>
-            <a:r>
-              <a:rPr lang="pt-BR" baseline="0" dirty="0" smtClean="0"/>
-              <a:t>www.quora.com/Why-dont-we-initialize-the-weights-of-a-neural-network-to-zero</a:t>
+              <a:t>[2] https://www.quora.com/Why-dont-we-initialize-the-weights-of-a-neural-network-to-zero</a:t>
             </a:r>
           </a:p>
           <a:p>
@@ -2653,7 +2761,7 @@
           <a:p>
             <a:fld id="{221D0464-8C8A-49C0-859F-777E51766A35}" type="datetimeFigureOut">
               <a:rPr lang="pt-BR" smtClean="0"/>
-              <a:t>02/12/2022</a:t>
+              <a:t>09/06/2023</a:t>
             </a:fld>
             <a:endParaRPr lang="pt-BR"/>
           </a:p>
@@ -2823,7 +2931,7 @@
           <a:p>
             <a:fld id="{221D0464-8C8A-49C0-859F-777E51766A35}" type="datetimeFigureOut">
               <a:rPr lang="pt-BR" smtClean="0"/>
-              <a:t>02/12/2022</a:t>
+              <a:t>09/06/2023</a:t>
             </a:fld>
             <a:endParaRPr lang="pt-BR"/>
           </a:p>
@@ -3003,7 +3111,7 @@
           <a:p>
             <a:fld id="{221D0464-8C8A-49C0-859F-777E51766A35}" type="datetimeFigureOut">
               <a:rPr lang="pt-BR" smtClean="0"/>
-              <a:t>02/12/2022</a:t>
+              <a:t>09/06/2023</a:t>
             </a:fld>
             <a:endParaRPr lang="pt-BR"/>
           </a:p>
@@ -3173,7 +3281,7 @@
           <a:p>
             <a:fld id="{221D0464-8C8A-49C0-859F-777E51766A35}" type="datetimeFigureOut">
               <a:rPr lang="pt-BR" smtClean="0"/>
-              <a:t>02/12/2022</a:t>
+              <a:t>09/06/2023</a:t>
             </a:fld>
             <a:endParaRPr lang="pt-BR"/>
           </a:p>
@@ -3419,7 +3527,7 @@
           <a:p>
             <a:fld id="{221D0464-8C8A-49C0-859F-777E51766A35}" type="datetimeFigureOut">
               <a:rPr lang="pt-BR" smtClean="0"/>
-              <a:t>02/12/2022</a:t>
+              <a:t>09/06/2023</a:t>
             </a:fld>
             <a:endParaRPr lang="pt-BR"/>
           </a:p>
@@ -3651,7 +3759,7 @@
           <a:p>
             <a:fld id="{221D0464-8C8A-49C0-859F-777E51766A35}" type="datetimeFigureOut">
               <a:rPr lang="pt-BR" smtClean="0"/>
-              <a:t>02/12/2022</a:t>
+              <a:t>09/06/2023</a:t>
             </a:fld>
             <a:endParaRPr lang="pt-BR"/>
           </a:p>
@@ -4018,7 +4126,7 @@
           <a:p>
             <a:fld id="{221D0464-8C8A-49C0-859F-777E51766A35}" type="datetimeFigureOut">
               <a:rPr lang="pt-BR" smtClean="0"/>
-              <a:t>02/12/2022</a:t>
+              <a:t>09/06/2023</a:t>
             </a:fld>
             <a:endParaRPr lang="pt-BR"/>
           </a:p>
@@ -4136,7 +4244,7 @@
           <a:p>
             <a:fld id="{221D0464-8C8A-49C0-859F-777E51766A35}" type="datetimeFigureOut">
               <a:rPr lang="pt-BR" smtClean="0"/>
-              <a:t>02/12/2022</a:t>
+              <a:t>09/06/2023</a:t>
             </a:fld>
             <a:endParaRPr lang="pt-BR"/>
           </a:p>
@@ -4231,7 +4339,7 @@
           <a:p>
             <a:fld id="{221D0464-8C8A-49C0-859F-777E51766A35}" type="datetimeFigureOut">
               <a:rPr lang="pt-BR" smtClean="0"/>
-              <a:t>02/12/2022</a:t>
+              <a:t>09/06/2023</a:t>
             </a:fld>
             <a:endParaRPr lang="pt-BR"/>
           </a:p>
@@ -4508,7 +4616,7 @@
           <a:p>
             <a:fld id="{221D0464-8C8A-49C0-859F-777E51766A35}" type="datetimeFigureOut">
               <a:rPr lang="pt-BR" smtClean="0"/>
-              <a:t>02/12/2022</a:t>
+              <a:t>09/06/2023</a:t>
             </a:fld>
             <a:endParaRPr lang="pt-BR"/>
           </a:p>
@@ -4761,7 +4869,7 @@
           <a:p>
             <a:fld id="{221D0464-8C8A-49C0-859F-777E51766A35}" type="datetimeFigureOut">
               <a:rPr lang="pt-BR" smtClean="0"/>
-              <a:t>02/12/2022</a:t>
+              <a:t>09/06/2023</a:t>
             </a:fld>
             <a:endParaRPr lang="pt-BR"/>
           </a:p>
@@ -4974,7 +5082,7 @@
           <a:p>
             <a:fld id="{221D0464-8C8A-49C0-859F-777E51766A35}" type="datetimeFigureOut">
               <a:rPr lang="pt-BR" smtClean="0"/>
-              <a:t>02/12/2022</a:t>
+              <a:t>09/06/2023</a:t>
             </a:fld>
             <a:endParaRPr lang="pt-BR"/>
           </a:p>
@@ -5384,7 +5492,7 @@
           <p:cNvPr id="2" name="Título 1">
             <a:extLst>
               <a:ext uri="{FF2B5EF4-FFF2-40B4-BE49-F238E27FC236}">
-                <a16:creationId xmlns:a16="http://schemas.microsoft.com/office/drawing/2014/main" xmlns="" id="{32666AC8-2E17-4DB4-B0F5-60C640CCFD2E}"/>
+                <a16:creationId xmlns:a16="http://schemas.microsoft.com/office/drawing/2014/main" id="{32666AC8-2E17-4DB4-B0F5-60C640CCFD2E}"/>
               </a:ext>
             </a:extLst>
           </p:cNvPr>
@@ -5411,10 +5519,6 @@
               <a:rPr lang="pt-BR" sz="5400" dirty="0"/>
               <a:t>T320 - Introdução ao Aprendizado de Máquina II:</a:t>
             </a:r>
-            <a:r>
-              <a:rPr lang="pt-BR" dirty="0"/>
-              <a:t/>
-            </a:r>
             <a:br>
               <a:rPr lang="pt-BR" dirty="0"/>
             </a:br>
@@ -5435,7 +5539,7 @@
           <p:cNvPr id="4" name="CaixaDeTexto 3">
             <a:extLst>
               <a:ext uri="{FF2B5EF4-FFF2-40B4-BE49-F238E27FC236}">
-                <a16:creationId xmlns:a16="http://schemas.microsoft.com/office/drawing/2014/main" xmlns="" id="{430EB894-B7D4-434C-9D1A-A14094D9BEEC}"/>
+                <a16:creationId xmlns:a16="http://schemas.microsoft.com/office/drawing/2014/main" id="{430EB894-B7D4-434C-9D1A-A14094D9BEEC}"/>
               </a:ext>
             </a:extLst>
           </p:cNvPr>
@@ -5476,7 +5580,7 @@
           <p:cNvPr id="1026" name="Picture 2" descr="Logo">
             <a:extLst>
               <a:ext uri="{FF2B5EF4-FFF2-40B4-BE49-F238E27FC236}">
-                <a16:creationId xmlns:a16="http://schemas.microsoft.com/office/drawing/2014/main" xmlns="" id="{3F2642E0-4F6A-4196-8F58-E77D36E9A33F}"/>
+                <a16:creationId xmlns:a16="http://schemas.microsoft.com/office/drawing/2014/main" id="{3F2642E0-4F6A-4196-8F58-E77D36E9A33F}"/>
               </a:ext>
             </a:extLst>
           </p:cNvPr>
@@ -5521,7 +5625,7 @@
           <p:cNvPr id="5122" name="Picture 2" descr="Image result for machine learning">
             <a:extLst>
               <a:ext uri="{FF2B5EF4-FFF2-40B4-BE49-F238E27FC236}">
-                <a16:creationId xmlns:a16="http://schemas.microsoft.com/office/drawing/2014/main" xmlns="" id="{810CE0A2-4102-44A6-A370-175E7896CDCB}"/>
+                <a16:creationId xmlns:a16="http://schemas.microsoft.com/office/drawing/2014/main" id="{810CE0A2-4102-44A6-A370-175E7896CDCB}"/>
               </a:ext>
             </a:extLst>
           </p:cNvPr>
@@ -5613,8 +5717,8 @@
           </a:p>
         </p:txBody>
       </p:sp>
-      <mc:AlternateContent xmlns:mc="http://schemas.openxmlformats.org/markup-compatibility/2006" xmlns:a14="http://schemas.microsoft.com/office/drawing/2010/main">
-        <mc:Choice Requires="a14">
+      <mc:AlternateContent xmlns:mc="http://schemas.openxmlformats.org/markup-compatibility/2006">
+        <mc:Choice xmlns:a14="http://schemas.microsoft.com/office/drawing/2010/main" Requires="a14">
           <p:sp>
             <p:nvSpPr>
               <p:cNvPr id="3" name="Content Placeholder 2"/>
@@ -5642,7 +5746,7 @@
                   <a:buChar char="Ø"/>
                 </a:pPr>
                 <a:r>
-                  <a:rPr lang="pt-BR" b="1" dirty="0" smtClean="0"/>
+                  <a:rPr lang="pt-BR" b="1" dirty="0"/>
                   <a:t>Redução programada do passo de aprendizagem</a:t>
                 </a:r>
               </a:p>
@@ -5652,16 +5756,31 @@
                   <a:buChar char="§"/>
                 </a:pPr>
                 <a:r>
-                  <a:rPr lang="pt-BR" dirty="0" smtClean="0"/>
+                  <a:rPr lang="pt-BR" dirty="0"/>
                   <a:t>A escolha do</a:t>
                 </a:r>
                 <a:r>
-                  <a:rPr lang="pt-BR" b="1" i="1" dirty="0" smtClean="0"/>
+                  <a:rPr lang="pt-BR" b="1" i="1" dirty="0"/>
                   <a:t> passo de aprendizagem</a:t>
                 </a:r>
                 <a:r>
-                  <a:rPr lang="pt-BR" dirty="0" smtClean="0"/>
-                  <a:t> é complicada e exige um compromisso entre velocidade de convergência e estabilidade/precisão. </a:t>
+                  <a:rPr lang="pt-BR" dirty="0"/>
+                  <a:t>, </a:t>
+                </a:r>
+                <a14:m>
+                  <m:oMath xmlns:m="http://schemas.openxmlformats.org/officeDocument/2006/math">
+                    <m:r>
+                      <a:rPr lang="pt-BR" i="1" smtClean="0">
+                        <a:latin typeface="Cambria Math" panose="02040503050406030204" pitchFamily="18" charset="0"/>
+                        <a:ea typeface="Cambria Math" panose="02040503050406030204" pitchFamily="18" charset="0"/>
+                      </a:rPr>
+                      <m:t>𝛼</m:t>
+                    </m:r>
+                  </m:oMath>
+                </a14:m>
+                <a:r>
+                  <a:rPr lang="pt-BR" dirty="0"/>
+                  <a:t>, é complicada e exige um compromisso entre velocidade de convergência e estabilidade/precisão. </a:t>
                 </a:r>
               </a:p>
               <a:p>
@@ -5670,20 +5789,30 @@
                   <a:buChar char="§"/>
                 </a:pPr>
                 <a:r>
-                  <a:rPr lang="pt-BR" dirty="0" smtClean="0"/>
-                  <a:t>Pode-se </a:t>
-                </a:r>
-                <a:r>
                   <a:rPr lang="pt-BR" dirty="0"/>
-                  <a:t>usar um valor fixo, mas </a:t>
-                </a:r>
-                <a:r>
-                  <a:rPr lang="pt-BR" dirty="0" smtClean="0"/>
-                  <a:t>geralmente para o GDE e MB, </a:t>
-                </a:r>
+                  <a:t>Pode-se usar </a:t>
+                </a:r>
+                <a14:m>
+                  <m:oMath xmlns:m="http://schemas.openxmlformats.org/officeDocument/2006/math">
+                    <m:r>
+                      <a:rPr lang="pt-BR" i="1">
+                        <a:latin typeface="Cambria Math" panose="02040503050406030204" pitchFamily="18" charset="0"/>
+                        <a:ea typeface="Cambria Math" panose="02040503050406030204" pitchFamily="18" charset="0"/>
+                      </a:rPr>
+                      <m:t>𝛼</m:t>
+                    </m:r>
+                    <m:r>
+                      <a:rPr lang="pt-BR" i="1">
+                        <a:latin typeface="Cambria Math" panose="02040503050406030204" pitchFamily="18" charset="0"/>
+                        <a:ea typeface="Cambria Math" panose="02040503050406030204" pitchFamily="18" charset="0"/>
+                      </a:rPr>
+                      <m:t> </m:t>
+                    </m:r>
+                  </m:oMath>
+                </a14:m>
                 <a:r>
                   <a:rPr lang="pt-BR" dirty="0"/>
-                  <a:t>se adota uma variação decrescente de um valor </a:t>
+                  <a:t>com um valor fixo, mas, geralmente, para o GDE e MB, se adota uma variação decrescente de um valor </a:t>
                 </a:r>
                 <a14:m>
                   <m:oMath xmlns:m="http://schemas.openxmlformats.org/officeDocument/2006/math">
@@ -5757,7 +5886,7 @@
                 </a14:m>
                 <a:r>
                   <a:rPr lang="pt-BR" dirty="0"/>
-                  <a:t>(i.e., da iteração 0 à iteração </a:t>
+                  <a:t>(i.e., da iteração 0 à </a:t>
                 </a:r>
                 <a14:m>
                   <m:oMath xmlns:m="http://schemas.openxmlformats.org/officeDocument/2006/math">
@@ -5771,7 +5900,15 @@
                 </a14:m>
                 <a:r>
                   <a:rPr lang="pt-BR" dirty="0"/>
-                  <a:t>):</a:t>
+                  <a:t>-</a:t>
+                </a:r>
+                <a:r>
+                  <a:rPr lang="pt-BR" dirty="0" err="1"/>
+                  <a:t>ésima</a:t>
+                </a:r>
+                <a:r>
+                  <a:rPr lang="pt-BR" dirty="0"/>
+                  <a:t> iteração):</a:t>
                 </a:r>
               </a:p>
               <a:p>
@@ -5993,15 +6130,7 @@
                 </a14:m>
                 <a:r>
                   <a:rPr lang="pt-BR" dirty="0"/>
-                  <a:t>-ésima iteração, </a:t>
-                </a:r>
-                <a:r>
-                  <a:rPr lang="pt-BR" dirty="0" smtClean="0"/>
-                  <a:t>deixa-se o </a:t>
-                </a:r>
-                <a:r>
-                  <a:rPr lang="pt-BR" dirty="0"/>
-                  <a:t>valor do passo de aprendizagem fixo, como mostrado na figura ao lado.</a:t>
+                  <a:t>-ésima iteração, deixa-se o valor do passo de aprendizagem fixo, como mostrado na figura ao lado.</a:t>
                 </a:r>
               </a:p>
               <a:p>
@@ -6010,20 +6139,8 @@
                   <a:buChar char="§"/>
                 </a:pPr>
                 <a:r>
-                  <a:rPr lang="pt-BR" dirty="0" smtClean="0"/>
-                  <a:t>Porém, </a:t>
-                </a:r>
-                <a:r>
                   <a:rPr lang="pt-BR" dirty="0"/>
-                  <a:t>a definição dos </a:t>
-                </a:r>
-                <a:r>
-                  <a:rPr lang="pt-BR" dirty="0" err="1" smtClean="0"/>
-                  <a:t>hiperparâmetros</a:t>
-                </a:r>
-                <a:r>
-                  <a:rPr lang="pt-BR" dirty="0" smtClean="0"/>
-                  <a:t> </a:t>
+                  <a:t>Porém, a definição dos hiperparâmetros </a:t>
                 </a:r>
                 <a14:m>
                   <m:oMath xmlns:m="http://schemas.openxmlformats.org/officeDocument/2006/math">
@@ -6105,7 +6222,7 @@
             </p:txBody>
           </p:sp>
         </mc:Choice>
-        <mc:Fallback xmlns="">
+        <mc:Fallback>
           <p:sp>
             <p:nvSpPr>
               <p:cNvPr id="3" name="Content Placeholder 2"/>
@@ -6121,10 +6238,10 @@
                 <a:off x="838197" y="1825624"/>
                 <a:ext cx="6963385" cy="5032375"/>
               </a:xfrm>
-              <a:blipFill rotWithShape="0">
+              <a:blipFill>
                 <a:blip r:embed="rId2"/>
                 <a:stretch>
-                  <a:fillRect l="-1312" t="-2421" r="-1137"/>
+                  <a:fillRect l="-1312" t="-2421" r="-1050"/>
                 </a:stretch>
               </a:blipFill>
             </p:spPr>
@@ -6133,7 +6250,7 @@
               <a:lstStyle/>
               <a:p>
                 <a:r>
-                  <a:rPr lang="en-US">
+                  <a:rPr lang="pt-BR">
                     <a:noFill/>
                   </a:rPr>
                   <a:t> </a:t>
@@ -6593,8 +6710,8 @@
           </a:p>
         </p:txBody>
       </p:sp>
-      <mc:AlternateContent xmlns:mc="http://schemas.openxmlformats.org/markup-compatibility/2006" xmlns:a14="http://schemas.microsoft.com/office/drawing/2010/main">
-        <mc:Choice Requires="a14">
+      <mc:AlternateContent xmlns:mc="http://schemas.openxmlformats.org/markup-compatibility/2006">
+        <mc:Choice xmlns:a14="http://schemas.microsoft.com/office/drawing/2010/main" Requires="a14">
           <p:sp>
             <p:nvSpPr>
               <p:cNvPr id="3" name="Content Placeholder 2"/>
@@ -6607,8 +6724,8 @@
             </p:nvSpPr>
             <p:spPr>
               <a:xfrm>
-                <a:off x="838199" y="1690688"/>
-                <a:ext cx="11136087" cy="5167312"/>
+                <a:off x="838199" y="1701198"/>
+                <a:ext cx="11196146" cy="5167312"/>
               </a:xfrm>
             </p:spPr>
             <p:txBody>
@@ -6650,15 +6767,27 @@
                 </a:r>
                 <a:r>
                   <a:rPr lang="pt-BR" dirty="0"/>
-                  <a:t> é adicionado à equação de atualização dos pesos para trazer </a:t>
+                  <a:t> é adicionado à </a:t>
                 </a:r>
                 <a:r>
                   <a:rPr lang="pt-BR" b="1" i="1" dirty="0"/>
-                  <a:t>informação de gradientes anteriores acumulados </a:t>
+                  <a:t>equação de atualização dos pesos </a:t>
                 </a:r>
                 <a:r>
                   <a:rPr lang="pt-BR" dirty="0"/>
-                  <a:t>ao seu ajuste.</a:t>
+                  <a:t>para incorporar </a:t>
+                </a:r>
+                <a:r>
+                  <a:rPr lang="pt-BR" b="1" i="1" dirty="0">
+                    <a:solidFill>
+                      <a:srgbClr val="00B050"/>
+                    </a:solidFill>
+                  </a:rPr>
+                  <a:t>informação do histórico de gradientes anteriores</a:t>
+                </a:r>
+                <a:r>
+                  <a:rPr lang="pt-BR" dirty="0"/>
+                  <a:t>.</a:t>
                 </a:r>
               </a:p>
               <a:p>
@@ -6671,18 +6800,37 @@
                   <a:t>Esse termo tem o potencial de </a:t>
                 </a:r>
                 <a:r>
-                  <a:rPr lang="pt-BR" dirty="0" smtClean="0"/>
-                  <a:t>aumentar a velocidade de </a:t>
+                  <a:rPr lang="pt-BR" b="1" i="1" dirty="0">
+                    <a:solidFill>
+                      <a:srgbClr val="00B050"/>
+                    </a:solidFill>
+                  </a:rPr>
+                  <a:t>aumentar a velocidade de convergência </a:t>
                 </a:r>
                 <a:r>
                   <a:rPr lang="pt-BR" dirty="0"/>
-                  <a:t>convergência das versões online e em mini-lotes do gradiente </a:t>
-                </a:r>
-                <a:r>
-                  <a:rPr lang="pt-BR" dirty="0" smtClean="0"/>
-                  <a:t>descendente e deixá-las mais estáveis.</a:t>
-                </a:r>
-                <a:endParaRPr lang="pt-BR" dirty="0"/>
+                  <a:t>das versões online e em </a:t>
+                </a:r>
+                <a:r>
+                  <a:rPr lang="pt-BR" dirty="0" err="1"/>
+                  <a:t>mini-lotes</a:t>
+                </a:r>
+                <a:r>
+                  <a:rPr lang="pt-BR" dirty="0"/>
+                  <a:t> e </a:t>
+                </a:r>
+                <a:r>
+                  <a:rPr lang="pt-BR" b="1" i="1" dirty="0">
+                    <a:solidFill>
+                      <a:srgbClr val="00B050"/>
+                    </a:solidFill>
+                  </a:rPr>
+                  <a:t>deixá-las mais estáveis</a:t>
+                </a:r>
+                <a:r>
+                  <a:rPr lang="pt-BR" dirty="0"/>
+                  <a:t>.</a:t>
+                </a:r>
               </a:p>
               <a:p>
                 <a:pPr lvl="1">
@@ -6741,11 +6889,18 @@
                         <m:t>𝒘</m:t>
                       </m:r>
                       <m:r>
+                        <a:rPr lang="pt-BR" b="0" i="1" smtClean="0">
+                          <a:latin typeface="Cambria Math" panose="02040503050406030204" pitchFamily="18" charset="0"/>
+                          <a:ea typeface="Cambria Math" panose="02040503050406030204" pitchFamily="18" charset="0"/>
+                        </a:rPr>
+                        <m:t>−</m:t>
+                      </m:r>
+                      <m:r>
                         <a:rPr lang="pt-BR" i="1">
                           <a:latin typeface="Cambria Math" panose="02040503050406030204" pitchFamily="18" charset="0"/>
                           <a:ea typeface="Cambria Math" panose="02040503050406030204" pitchFamily="18" charset="0"/>
                         </a:rPr>
-                        <m:t>+</m:t>
+                        <m:t>𝛼</m:t>
                       </m:r>
                       <m:r>
                         <a:rPr lang="pt-BR" b="1" i="1">
@@ -6773,6 +6928,20 @@
                 <a:r>
                   <a:rPr lang="pt-BR" dirty="0"/>
                   <a:t>onde </a:t>
+                </a:r>
+                <a14:m>
+                  <m:oMath xmlns:m="http://schemas.openxmlformats.org/officeDocument/2006/math">
+                    <m:r>
+                      <a:rPr lang="pt-BR" b="1" i="1">
+                        <a:latin typeface="Cambria Math" panose="02040503050406030204" pitchFamily="18" charset="0"/>
+                      </a:rPr>
+                      <m:t>𝒘</m:t>
+                    </m:r>
+                  </m:oMath>
+                </a14:m>
+                <a:r>
+                  <a:rPr lang="pt-BR" dirty="0"/>
+                  <a:t> são os pesos, </a:t>
                 </a:r>
                 <a14:m>
                   <m:oMath xmlns:m="http://schemas.openxmlformats.org/officeDocument/2006/math">
@@ -6836,26 +7005,57 @@
                         <m:t>𝒗</m:t>
                       </m:r>
                       <m:r>
-                        <a:rPr lang="pt-BR" i="1">
+                        <a:rPr lang="pt-BR" b="0" i="1" smtClean="0">
                           <a:latin typeface="Cambria Math" panose="02040503050406030204" pitchFamily="18" charset="0"/>
                           <a:ea typeface="Cambria Math" panose="02040503050406030204" pitchFamily="18" charset="0"/>
                         </a:rPr>
-                        <m:t>−</m:t>
+                        <m:t>+(1−</m:t>
                       </m:r>
                       <m:r>
                         <a:rPr lang="pt-BR" i="1">
                           <a:latin typeface="Cambria Math" panose="02040503050406030204" pitchFamily="18" charset="0"/>
                           <a:ea typeface="Cambria Math" panose="02040503050406030204" pitchFamily="18" charset="0"/>
                         </a:rPr>
-                        <m:t>𝛼</m:t>
+                        <m:t>𝜇</m:t>
                       </m:r>
                       <m:r>
-                        <a:rPr lang="pt-BR" b="1" i="1">
+                        <a:rPr lang="pt-BR" b="0" i="1" smtClean="0">
                           <a:latin typeface="Cambria Math" panose="02040503050406030204" pitchFamily="18" charset="0"/>
                           <a:ea typeface="Cambria Math" panose="02040503050406030204" pitchFamily="18" charset="0"/>
                         </a:rPr>
-                        <m:t>𝒈</m:t>
+                        <m:t>)</m:t>
                       </m:r>
+                      <m:r>
+                        <a:rPr lang="pt-BR" i="1">
+                          <a:latin typeface="Cambria Math" panose="02040503050406030204" pitchFamily="18" charset="0"/>
+                          <a:ea typeface="Cambria Math" panose="02040503050406030204" pitchFamily="18" charset="0"/>
+                        </a:rPr>
+                        <m:t>𝛻</m:t>
+                      </m:r>
+                      <m:r>
+                        <a:rPr lang="pt-BR" b="0" i="1" smtClean="0">
+                          <a:latin typeface="Cambria Math" panose="02040503050406030204" pitchFamily="18" charset="0"/>
+                          <a:ea typeface="Cambria Math" panose="02040503050406030204" pitchFamily="18" charset="0"/>
+                        </a:rPr>
+                        <m:t>𝐽</m:t>
+                      </m:r>
+                      <m:d>
+                        <m:dPr>
+                          <m:ctrlPr>
+                            <a:rPr lang="pt-BR" i="1">
+                              <a:latin typeface="Cambria Math" panose="02040503050406030204" pitchFamily="18" charset="0"/>
+                            </a:rPr>
+                          </m:ctrlPr>
+                        </m:dPr>
+                        <m:e>
+                          <m:r>
+                            <a:rPr lang="pt-BR" b="1" i="1" smtClean="0">
+                              <a:latin typeface="Cambria Math" panose="02040503050406030204" pitchFamily="18" charset="0"/>
+                            </a:rPr>
+                            <m:t>𝒘</m:t>
+                          </m:r>
+                        </m:e>
+                      </m:d>
                       <m:r>
                         <a:rPr lang="pt-BR" b="0" i="0" smtClean="0">
                           <a:latin typeface="Cambria Math" panose="02040503050406030204" pitchFamily="18" charset="0"/>
@@ -6872,15 +7072,45 @@
                 <a:pPr marL="457200" lvl="1" indent="0">
                   <a:buNone/>
                 </a:pPr>
+                <a:r>
+                  <a:rPr lang="pt-BR" dirty="0">
+                    <a:ea typeface="Cambria Math" panose="02040503050406030204" pitchFamily="18" charset="0"/>
+                  </a:rPr>
+                  <a:t>onde, </a:t>
+                </a:r>
                 <a14:m>
                   <m:oMath xmlns:m="http://schemas.openxmlformats.org/officeDocument/2006/math">
                     <m:r>
-                      <a:rPr lang="pt-BR" b="1" i="1">
+                      <a:rPr lang="pt-BR" i="1">
                         <a:latin typeface="Cambria Math" panose="02040503050406030204" pitchFamily="18" charset="0"/>
                         <a:ea typeface="Cambria Math" panose="02040503050406030204" pitchFamily="18" charset="0"/>
                       </a:rPr>
-                      <m:t>𝒈</m:t>
+                      <m:t>𝛻</m:t>
                     </m:r>
+                    <m:r>
+                      <a:rPr lang="pt-BR" i="1">
+                        <a:latin typeface="Cambria Math" panose="02040503050406030204" pitchFamily="18" charset="0"/>
+                        <a:ea typeface="Cambria Math" panose="02040503050406030204" pitchFamily="18" charset="0"/>
+                      </a:rPr>
+                      <m:t>𝐽</m:t>
+                    </m:r>
+                    <m:d>
+                      <m:dPr>
+                        <m:ctrlPr>
+                          <a:rPr lang="pt-BR" i="1">
+                            <a:latin typeface="Cambria Math" panose="02040503050406030204" pitchFamily="18" charset="0"/>
+                          </a:rPr>
+                        </m:ctrlPr>
+                      </m:dPr>
+                      <m:e>
+                        <m:r>
+                          <a:rPr lang="pt-BR" b="1" i="1">
+                            <a:latin typeface="Cambria Math" panose="02040503050406030204" pitchFamily="18" charset="0"/>
+                          </a:rPr>
+                          <m:t>𝒘</m:t>
+                        </m:r>
+                      </m:e>
+                    </m:d>
                   </m:oMath>
                 </a14:m>
                 <a:r>
@@ -6969,7 +7199,7 @@
                 </a14:m>
                 <a:r>
                   <a:rPr lang="pt-BR" dirty="0"/>
-                  <a:t> é um termo de memória).</a:t>
+                  <a:t> é um termo que dita a quantidade de memória).</a:t>
                 </a:r>
               </a:p>
               <a:p>
@@ -6997,7 +7227,7 @@
                 </a14:m>
                 <a:r>
                   <a:rPr lang="pt-BR" dirty="0"/>
-                  <a:t>, maior será a influência de gradientes anteriores na direção atual.</a:t>
+                  <a:t>, maior será a influência de gradientes anteriores na direção atual e quanto menor, menor a influência de gradientes anteriores.</a:t>
                 </a:r>
               </a:p>
               <a:p>
@@ -7040,7 +7270,7 @@
             </p:txBody>
           </p:sp>
         </mc:Choice>
-        <mc:Fallback xmlns="">
+        <mc:Fallback>
           <p:sp>
             <p:nvSpPr>
               <p:cNvPr id="3" name="Content Placeholder 2"/>
@@ -7053,13 +7283,13 @@
             </p:nvSpPr>
             <p:spPr>
               <a:xfrm>
-                <a:off x="838199" y="1690688"/>
-                <a:ext cx="11136087" cy="5167312"/>
+                <a:off x="838199" y="1701198"/>
+                <a:ext cx="11196146" cy="5167312"/>
               </a:xfrm>
-              <a:blipFill rotWithShape="0">
+              <a:blipFill>
                 <a:blip r:embed="rId3"/>
                 <a:stretch>
-                  <a:fillRect l="-930" t="-2594" r="-1149" b="-472"/>
+                  <a:fillRect l="-925" t="-2594" r="-1306" b="-472"/>
                 </a:stretch>
               </a:blipFill>
             </p:spPr>
@@ -7068,7 +7298,7 @@
               <a:lstStyle/>
               <a:p>
                 <a:r>
-                  <a:rPr lang="en-US">
+                  <a:rPr lang="pt-BR">
                     <a:noFill/>
                   </a:rPr>
                   <a:t> </a:t>
@@ -7078,6 +7308,41 @@
           </p:sp>
         </mc:Fallback>
       </mc:AlternateContent>
+      <p:sp>
+        <p:nvSpPr>
+          <p:cNvPr id="4" name="CaixaDeTexto 3">
+            <a:extLst>
+              <a:ext uri="{FF2B5EF4-FFF2-40B4-BE49-F238E27FC236}">
+                <a16:creationId xmlns:a16="http://schemas.microsoft.com/office/drawing/2014/main" id="{36D82C4A-F236-6BBF-A7E9-65527F059A40}"/>
+              </a:ext>
+            </a:extLst>
+          </p:cNvPr>
+          <p:cNvSpPr txBox="1"/>
+          <p:nvPr/>
+        </p:nvSpPr>
+        <p:spPr>
+          <a:xfrm>
+            <a:off x="7882759" y="4456386"/>
+            <a:ext cx="3037489" cy="276999"/>
+          </a:xfrm>
+          <a:prstGeom prst="rect">
+            <a:avLst/>
+          </a:prstGeom>
+          <a:noFill/>
+        </p:spPr>
+        <p:txBody>
+          <a:bodyPr wrap="square" rtlCol="0">
+            <a:spAutoFit/>
+          </a:bodyPr>
+          <a:lstStyle/>
+          <a:p>
+            <a:r>
+              <a:rPr lang="pt-BR" sz="1200" dirty="0"/>
+              <a:t>Média móvel exponencialmente decrescente.</a:t>
+            </a:r>
+          </a:p>
+        </p:txBody>
+      </p:sp>
     </p:spTree>
     <p:extLst>
       <p:ext uri="{BB962C8B-B14F-4D97-AF65-F5344CB8AC3E}">
@@ -7130,8 +7395,8 @@
           </a:p>
         </p:txBody>
       </p:sp>
-      <mc:AlternateContent xmlns:mc="http://schemas.openxmlformats.org/markup-compatibility/2006" xmlns:a14="http://schemas.microsoft.com/office/drawing/2010/main">
-        <mc:Choice Requires="a14">
+      <mc:AlternateContent xmlns:mc="http://schemas.openxmlformats.org/markup-compatibility/2006">
+        <mc:Choice xmlns:a14="http://schemas.microsoft.com/office/drawing/2010/main" Requires="a14">
           <p:sp>
             <p:nvSpPr>
               <p:cNvPr id="3" name="Content Placeholder 2"/>
@@ -7170,24 +7435,16 @@
                   <a:buChar char="§"/>
                 </a:pPr>
                 <a:r>
-                  <a:rPr lang="pt-BR" dirty="0" smtClean="0"/>
+                  <a:rPr lang="pt-BR" dirty="0"/>
                   <a:t>Em física, </a:t>
                 </a:r>
                 <a:r>
                   <a:rPr lang="pt-BR" b="1" i="1" dirty="0"/>
-                  <a:t>m</a:t>
-                </a:r>
-                <a:r>
-                  <a:rPr lang="pt-BR" b="1" i="1" dirty="0" smtClean="0"/>
-                  <a:t>omento</a:t>
-                </a:r>
-                <a:r>
-                  <a:rPr lang="pt-BR" dirty="0" smtClean="0"/>
-                  <a:t> é </a:t>
+                  <a:t>momento</a:t>
                 </a:r>
                 <a:r>
                   <a:rPr lang="pt-BR" dirty="0"/>
-                  <a:t>igual a </a:t>
+                  <a:t> é igual a </a:t>
                 </a:r>
                 <a:r>
                   <a:rPr lang="pt-BR" b="1" i="1" dirty="0"/>
@@ -7195,9 +7452,22 @@
                 </a:r>
                 <a:r>
                   <a:rPr lang="pt-BR" dirty="0"/>
-                  <a:t>. </a:t>
-                </a:r>
-                <a:endParaRPr lang="pt-BR" dirty="0" smtClean="0"/>
+                  <a:t>. A partícula é o vetor de pesos, </a:t>
+                </a:r>
+                <a14:m>
+                  <m:oMath xmlns:m="http://schemas.openxmlformats.org/officeDocument/2006/math">
+                    <m:r>
+                      <a:rPr lang="pt-BR" b="1" i="1">
+                        <a:latin typeface="Cambria Math" panose="02040503050406030204" pitchFamily="18" charset="0"/>
+                      </a:rPr>
+                      <m:t>𝒘</m:t>
+                    </m:r>
+                  </m:oMath>
+                </a14:m>
+                <a:r>
+                  <a:rPr lang="pt-BR" dirty="0"/>
+                  <a:t>.</a:t>
+                </a:r>
               </a:p>
               <a:p>
                 <a:pPr lvl="1">
@@ -7205,20 +7475,8 @@
                   <a:buChar char="§"/>
                 </a:pPr>
                 <a:r>
-                  <a:rPr lang="pt-BR" dirty="0" smtClean="0"/>
-                  <a:t>No </a:t>
-                </a:r>
-                <a:r>
                   <a:rPr lang="pt-BR" dirty="0"/>
-                  <a:t>algoritmo do </a:t>
-                </a:r>
-                <a:r>
-                  <a:rPr lang="pt-BR" dirty="0" smtClean="0"/>
-                  <a:t>momento, </a:t>
-                </a:r>
-                <a:r>
-                  <a:rPr lang="pt-BR" dirty="0"/>
-                  <a:t>assumimos que a massa é unitária, então o vetor velocidade </a:t>
+                  <a:t>No algoritmo do momento, assumimos que a massa é unitária, então o vetor velocidade </a:t>
                 </a:r>
                 <a14:m>
                   <m:oMath xmlns:m="http://schemas.openxmlformats.org/officeDocument/2006/math">
@@ -7243,22 +7501,7 @@
                 </a:pPr>
                 <a:r>
                   <a:rPr lang="pt-BR" dirty="0"/>
-                  <a:t>O termo momento adiciona uma fração </a:t>
-                </a:r>
-                <a14:m>
-                  <m:oMath xmlns:m="http://schemas.openxmlformats.org/officeDocument/2006/math">
-                    <m:r>
-                      <a:rPr lang="pt-BR" i="1">
-                        <a:latin typeface="Cambria Math" panose="02040503050406030204" pitchFamily="18" charset="0"/>
-                        <a:ea typeface="Cambria Math" panose="02040503050406030204" pitchFamily="18" charset="0"/>
-                      </a:rPr>
-                      <m:t>𝜇</m:t>
-                    </m:r>
-                  </m:oMath>
-                </a14:m>
-                <a:r>
-                  <a:rPr lang="pt-BR" dirty="0"/>
-                  <a:t> de atualizações anteriores dos pesos à atualização corrente. </a:t>
+                  <a:t>O termo momento adiciona uma média dos gradientes anteriores à atualização corrente. </a:t>
                 </a:r>
               </a:p>
               <a:p>
@@ -7268,13 +7511,8 @@
                 </a:pPr>
                 <a:r>
                   <a:rPr lang="pt-BR" dirty="0"/>
-                  <a:t>Quando o gradiente aponta na mesma direção por várias iterações, o termo aumenta o tamanho dos passos dados </a:t>
-                </a:r>
-                <a:r>
-                  <a:rPr lang="pt-BR" dirty="0" smtClean="0"/>
-                  <a:t>naquela direção.</a:t>
-                </a:r>
-                <a:endParaRPr lang="pt-BR" dirty="0"/>
+                  <a:t>Quando o gradiente aponta na mesma direção por várias iterações, o termo aumenta o tamanho dos passos dados naquela direção.</a:t>
+                </a:r>
               </a:p>
               <a:p>
                 <a:pPr lvl="2">
@@ -7283,13 +7521,8 @@
                 </a:pPr>
                 <a:r>
                   <a:rPr lang="pt-BR" dirty="0"/>
-                  <a:t>Quando o gradiente muda de direção a cada nova iteração, o termo momento suaviza as </a:t>
-                </a:r>
-                <a:r>
-                  <a:rPr lang="pt-BR" dirty="0" smtClean="0"/>
-                  <a:t>variações (figura ao lado).</a:t>
-                </a:r>
-                <a:endParaRPr lang="pt-BR" dirty="0"/>
+                  <a:t>Quando o gradiente muda de direção a cada nova iteração, o termo momento suaviza as variações (figura ao lado).</a:t>
+                </a:r>
               </a:p>
               <a:p>
                 <a:pPr lvl="2">
@@ -7298,18 +7531,25 @@
                 </a:pPr>
                 <a:r>
                   <a:rPr lang="pt-BR" dirty="0"/>
-                  <a:t>Como resultado, temos convergência mais rápida e oscilação reduzida</a:t>
-                </a:r>
-                <a:r>
-                  <a:rPr lang="pt-BR" dirty="0" smtClean="0"/>
+                  <a:t>Como resultado, temos </a:t>
+                </a:r>
+                <a:r>
+                  <a:rPr lang="pt-BR" b="1" i="1" dirty="0">
+                    <a:solidFill>
+                      <a:srgbClr val="00B050"/>
+                    </a:solidFill>
+                  </a:rPr>
+                  <a:t>convergência mais rápida e oscilação reduzida</a:t>
+                </a:r>
+                <a:r>
+                  <a:rPr lang="pt-BR" dirty="0"/>
                   <a:t>.</a:t>
                 </a:r>
-                <a:endParaRPr lang="pt-BR" dirty="0"/>
               </a:p>
             </p:txBody>
           </p:sp>
         </mc:Choice>
-        <mc:Fallback xmlns="">
+        <mc:Fallback>
           <p:sp>
             <p:nvSpPr>
               <p:cNvPr id="3" name="Content Placeholder 2"/>
@@ -7325,7 +7565,7 @@
                 <a:off x="838198" y="1825625"/>
                 <a:ext cx="8276619" cy="5032375"/>
               </a:xfrm>
-              <a:blipFill rotWithShape="0">
+              <a:blipFill>
                 <a:blip r:embed="rId3"/>
                 <a:stretch>
                   <a:fillRect l="-1252" t="-1937" r="-1546"/>
@@ -7337,7 +7577,7 @@
               <a:lstStyle/>
               <a:p>
                 <a:r>
-                  <a:rPr lang="en-US">
+                  <a:rPr lang="pt-BR">
                     <a:noFill/>
                   </a:rPr>
                   <a:t> </a:t>
@@ -7436,8 +7676,8 @@
           </a:p>
         </p:txBody>
       </p:sp>
-      <mc:AlternateContent xmlns:mc="http://schemas.openxmlformats.org/markup-compatibility/2006" xmlns:a14="http://schemas.microsoft.com/office/drawing/2010/main">
-        <mc:Choice Requires="a14">
+      <mc:AlternateContent xmlns:mc="http://schemas.openxmlformats.org/markup-compatibility/2006">
+        <mc:Choice xmlns:a14="http://schemas.microsoft.com/office/drawing/2010/main" Requires="a14">
           <p:sp>
             <p:nvSpPr>
               <p:cNvPr id="3" name="Content Placeholder 2"/>
@@ -7485,7 +7725,7 @@
                 </a:r>
                 <a:r>
                   <a:rPr lang="pt-BR" dirty="0"/>
-                  <a:t>pode ser visto, essencialmente, como uma variação do </a:t>
+                  <a:t>é uma variação do </a:t>
                 </a:r>
                 <a:r>
                   <a:rPr lang="pt-BR" b="1" i="1" dirty="0"/>
@@ -7501,7 +7741,7 @@
                 </a:r>
                 <a:r>
                   <a:rPr lang="pt-BR" dirty="0"/>
-                  <a:t> não é feito sobre o vetor de pesos </a:t>
+                  <a:t> não é feito em relação o vetor de pesos </a:t>
                 </a:r>
                 <a14:m>
                   <m:oMath xmlns:m="http://schemas.openxmlformats.org/officeDocument/2006/math">
@@ -7516,7 +7756,7 @@
                 </a14:m>
                 <a:r>
                   <a:rPr lang="pt-BR" dirty="0"/>
-                  <a:t>, mas sim sobre </a:t>
+                  <a:t>, mas em relação a </a:t>
                 </a:r>
                 <a14:m>
                   <m:oMath xmlns:m="http://schemas.openxmlformats.org/officeDocument/2006/math">
@@ -7562,7 +7802,15 @@
                 </a:pPr>
                 <a:r>
                   <a:rPr lang="pt-BR" dirty="0"/>
-                  <a:t>Esse termo adicional funciona como um fator de correção que pode aumentar, em alguns casos, a velocidade de convergência do algoritmo.</a:t>
+                  <a:t>Essa mudança no cálculo do gradiente faz com que o </a:t>
+                </a:r>
+                <a:r>
+                  <a:rPr lang="pt-BR" b="1" i="1" dirty="0"/>
+                  <a:t>momento de Nesterov </a:t>
+                </a:r>
+                <a:r>
+                  <a:rPr lang="pt-BR" dirty="0"/>
+                  <a:t>apresente convergência mais rápida e ajustes mais precisos dos pesos do que o momento clássico.</a:t>
                 </a:r>
               </a:p>
               <a:p>
@@ -7590,7 +7838,31 @@
                 </a:r>
                 <a:r>
                   <a:rPr lang="pt-BR" dirty="0"/>
-                  <a:t>é um hiperparâmetro difícil de se ajustar otimamente e bastante relevante para o sucesso do treinamento de uma rede neural. </a:t>
+                  <a:t>é um </a:t>
+                </a:r>
+                <a:r>
+                  <a:rPr lang="pt-BR" b="1" i="1" dirty="0">
+                    <a:solidFill>
+                      <a:srgbClr val="00B050"/>
+                    </a:solidFill>
+                  </a:rPr>
+                  <a:t>hiperparâmetro difícil de ser ajustado otimamente </a:t>
+                </a:r>
+                <a:r>
+                  <a:rPr lang="pt-BR" dirty="0"/>
+                  <a:t>e </a:t>
+                </a:r>
+                <a:r>
+                  <a:rPr lang="pt-BR" b="1" dirty="0">
+                    <a:solidFill>
+                      <a:srgbClr val="00B050"/>
+                    </a:solidFill>
+                  </a:rPr>
+                  <a:t>bastante relevante para o sucesso do treinamento </a:t>
+                </a:r>
+                <a:r>
+                  <a:rPr lang="pt-BR" dirty="0"/>
+                  <a:t>de uma rede neural. </a:t>
                 </a:r>
               </a:p>
               <a:p>
@@ -7600,15 +7872,19 @@
                 </a:pPr>
                 <a:r>
                   <a:rPr lang="pt-BR" dirty="0"/>
-                  <a:t>Isso motivou o surgimento de um conjunto de métodos com mecanismos capazes de </a:t>
-                </a:r>
-                <a:r>
-                  <a:rPr lang="pt-BR" dirty="0" smtClean="0"/>
-                  <a:t>ajustá-lo </a:t>
+                  <a:t>Isso motivou o surgimento de métodos capazes de ajustá-lo </a:t>
+                </a:r>
+                <a:r>
+                  <a:rPr lang="pt-BR" b="1" i="1" dirty="0">
+                    <a:solidFill>
+                      <a:srgbClr val="00B050"/>
+                    </a:solidFill>
+                  </a:rPr>
+                  <a:t>dinamicamente</a:t>
                 </a:r>
                 <a:r>
                   <a:rPr lang="pt-BR" dirty="0"/>
-                  <a:t>dinamicamente. </a:t>
+                  <a:t>. </a:t>
                 </a:r>
               </a:p>
               <a:p>
@@ -7618,11 +7894,19 @@
                 </a:pPr>
                 <a:r>
                   <a:rPr lang="pt-BR" dirty="0"/>
-                  <a:t>O passo é ajustado de acordo com o desempenho da </a:t>
-                </a:r>
-                <a:r>
-                  <a:rPr lang="pt-BR" dirty="0" smtClean="0"/>
-                  <a:t>rede, i.e., informação dos gradientes passados.</a:t>
+                  <a:t>Esses métodos ajustam o passo de acordo com o desempenho da rede, i.e., </a:t>
+                </a:r>
+                <a:r>
+                  <a:rPr lang="pt-BR" b="1" i="1" dirty="0">
+                    <a:solidFill>
+                      <a:srgbClr val="00B050"/>
+                    </a:solidFill>
+                  </a:rPr>
+                  <a:t>informação dos gradientes passados</a:t>
+                </a:r>
+                <a:r>
+                  <a:rPr lang="pt-BR" dirty="0"/>
+                  <a:t>.</a:t>
                 </a:r>
               </a:p>
               <a:p>
@@ -7631,22 +7915,21 @@
                   <a:buChar char="§"/>
                 </a:pPr>
                 <a:r>
-                  <a:rPr lang="pt-BR" dirty="0" smtClean="0"/>
-                  <a:t>Além </a:t>
-                </a:r>
-                <a:r>
                   <a:rPr lang="pt-BR" dirty="0"/>
-                  <a:t>disso, pode-se ter </a:t>
-                </a:r>
-                <a:r>
-                  <a:rPr lang="pt-BR" b="1" i="1" dirty="0"/>
+                  <a:t>Além disso, pode-se ter </a:t>
+                </a:r>
+                <a:r>
+                  <a:rPr lang="pt-BR" b="1" i="1" dirty="0">
+                    <a:solidFill>
+                      <a:srgbClr val="00B050"/>
+                    </a:solidFill>
+                  </a:rPr>
                   <a:t>passos diferentes para cada peso do modelo</a:t>
                 </a:r>
                 <a:r>
                   <a:rPr lang="pt-BR" dirty="0"/>
                   <a:t>, os quais são atualizados de forma independente. </a:t>
                 </a:r>
-                <a:endParaRPr lang="pt-BR" dirty="0" smtClean="0"/>
               </a:p>
               <a:p>
                 <a:pPr lvl="1">
@@ -7654,10 +7937,21 @@
                   <a:buChar char="§"/>
                 </a:pPr>
                 <a:r>
-                  <a:rPr lang="pt-BR" dirty="0" smtClean="0"/>
-                  <a:t>Portanto, são adequados para redes neurais, onde a superfície de erro é diferente em diferentes dimensões, tornando a atualização dos pesos mais efetiva.</a:t>
-                </a:r>
-                <a:endParaRPr lang="pt-BR" dirty="0"/>
+                  <a:rPr lang="pt-BR" dirty="0"/>
+                  <a:t>Portanto, esses métodos são adequados para redes neurais, onde a s</a:t>
+                </a:r>
+                <a:r>
+                  <a:rPr lang="pt-BR" b="1" i="1" dirty="0">
+                    <a:solidFill>
+                      <a:srgbClr val="00B050"/>
+                    </a:solidFill>
+                  </a:rPr>
+                  <a:t>uperfície de erro é diferente em diferentes dimensões, tornando a atualização dos pesos mais efetiva</a:t>
+                </a:r>
+                <a:r>
+                  <a:rPr lang="pt-BR" dirty="0"/>
+                  <a:t>.</a:t>
+                </a:r>
               </a:p>
               <a:p>
                 <a:pPr lvl="1">
@@ -7666,15 +7960,7 @@
                 </a:pPr>
                 <a:r>
                   <a:rPr lang="pt-BR" dirty="0"/>
-                  <a:t>Dentre as técnicas mais </a:t>
-                </a:r>
-                <a:r>
-                  <a:rPr lang="pt-BR" dirty="0" smtClean="0"/>
-                  <a:t>populares </a:t>
-                </a:r>
-                <a:r>
-                  <a:rPr lang="pt-BR" dirty="0"/>
-                  <a:t>dessa classe estão </a:t>
+                  <a:t>Dentre as técnicas mais populares dessa classe estão </a:t>
                 </a:r>
                 <a:r>
                   <a:rPr lang="pt-BR" b="1" i="1" dirty="0"/>
@@ -7701,7 +7987,7 @@
             </p:txBody>
           </p:sp>
         </mc:Choice>
-        <mc:Fallback xmlns="">
+        <mc:Fallback>
           <p:sp>
             <p:nvSpPr>
               <p:cNvPr id="3" name="Content Placeholder 2"/>
@@ -7717,10 +8003,10 @@
                 <a:off x="838198" y="1760706"/>
                 <a:ext cx="11224100" cy="5097293"/>
               </a:xfrm>
-              <a:blipFill rotWithShape="0">
+              <a:blipFill>
                 <a:blip r:embed="rId3"/>
                 <a:stretch>
-                  <a:fillRect l="-814" t="-2990" r="-1194" b="-1555"/>
+                  <a:fillRect l="-814" t="-2990"/>
                 </a:stretch>
               </a:blipFill>
             </p:spPr>
@@ -7729,7 +8015,7 @@
               <a:lstStyle/>
               <a:p>
                 <a:r>
-                  <a:rPr lang="en-US">
+                  <a:rPr lang="pt-BR">
                     <a:noFill/>
                   </a:rPr>
                   <a:t> </a:t>
@@ -7814,12 +8100,8 @@
           <a:lstStyle/>
           <a:p>
             <a:r>
-              <a:rPr lang="pt-BR" dirty="0" smtClean="0"/>
-              <a:t>Uma </a:t>
-            </a:r>
-            <a:r>
               <a:rPr lang="pt-BR" dirty="0"/>
-              <a:t>vez que os métodos de treinamento de </a:t>
+              <a:t>Uma vez que os métodos de treinamento de </a:t>
             </a:r>
             <a:r>
               <a:rPr lang="pt-BR" b="1" i="1" dirty="0"/>
@@ -7841,10 +8123,9 @@
               <a:t>inicialização dos pesos</a:t>
             </a:r>
             <a:r>
-              <a:rPr lang="pt-BR" dirty="0" smtClean="0"/>
+              <a:rPr lang="pt-BR" dirty="0"/>
               <a:t>.</a:t>
             </a:r>
-            <a:endParaRPr lang="pt-BR" dirty="0"/>
           </a:p>
           <a:p>
             <a:r>
@@ -7908,20 +8189,8 @@
           </a:p>
           <a:p>
             <a:r>
-              <a:rPr lang="pt-BR" dirty="0" smtClean="0"/>
-              <a:t>A inicialização também </a:t>
-            </a:r>
-            <a:r>
               <a:rPr lang="pt-BR" dirty="0"/>
-              <a:t>pode </a:t>
-            </a:r>
-            <a:r>
-              <a:rPr lang="pt-BR" dirty="0" smtClean="0"/>
-              <a:t>fazer com que ocorram variações </a:t>
-            </a:r>
-            <a:r>
-              <a:rPr lang="pt-BR" dirty="0"/>
-              <a:t>expressivas na </a:t>
+              <a:t>O ponto de inicialização também pode fazer com que ocorram variações expressivas na </a:t>
             </a:r>
             <a:r>
               <a:rPr lang="pt-BR" b="1" i="1" dirty="0"/>
@@ -7935,15 +8204,7 @@
           <a:p>
             <a:r>
               <a:rPr lang="pt-BR" dirty="0"/>
-              <a:t>Um ponto importante da </a:t>
-            </a:r>
-            <a:r>
-              <a:rPr lang="pt-BR" dirty="0" smtClean="0"/>
-              <a:t>inicialização dos pesos </a:t>
-            </a:r>
-            <a:r>
-              <a:rPr lang="pt-BR" dirty="0"/>
-              <a:t>é “</a:t>
+              <a:t>Uma questão importante da inicialização dos pesos é “</a:t>
             </a:r>
             <a:r>
               <a:rPr lang="pt-BR" b="1" i="1" dirty="0"/>
@@ -7975,13 +8236,8 @@
             </a:r>
             <a:r>
               <a:rPr lang="pt-BR" dirty="0"/>
-              <a:t> e conectados às mesmas entradas, devem ter pesos iniciais </a:t>
-            </a:r>
-            <a:r>
-              <a:rPr lang="pt-BR" dirty="0" smtClean="0"/>
-              <a:t>diferentes, caso contrário, eles terão os mesmos pesos. </a:t>
-            </a:r>
-            <a:endParaRPr lang="pt-BR" dirty="0"/>
+              <a:t> e conectados às mesmas entradas, devem ter pesos iniciais diferentes, caso contrário, eles terão os mesmos pesos. </a:t>
+            </a:r>
           </a:p>
           <a:p>
             <a:r>
@@ -7990,11 +8246,7 @@
             </a:r>
             <a:r>
               <a:rPr lang="pt-BR" b="1" i="1" dirty="0"/>
-              <a:t>abordagem </a:t>
-            </a:r>
-            <a:r>
-              <a:rPr lang="pt-BR" b="1" i="1" dirty="0" smtClean="0"/>
-              <a:t>de inicialização aleatória</a:t>
+              <a:t>abordagem de inicialização aleatória</a:t>
             </a:r>
             <a:r>
               <a:rPr lang="pt-BR" dirty="0"/>
@@ -8025,7 +8277,7 @@
           <a:lstStyle/>
           <a:p>
             <a:r>
-              <a:rPr lang="pt-BR" sz="1200" dirty="0" smtClean="0">
+              <a:rPr lang="pt-BR" sz="1200" dirty="0">
                 <a:hlinkClick r:id="rId3"/>
               </a:rPr>
               <a:t>[1] </a:t>
@@ -8034,13 +8286,7 @@
               <a:rPr lang="en-US" sz="1200" dirty="0">
                 <a:hlinkClick r:id="rId3"/>
               </a:rPr>
-              <a:t>The importance of effective </a:t>
-            </a:r>
-            <a:r>
-              <a:rPr lang="en-US" sz="1200" dirty="0" smtClean="0">
-                <a:hlinkClick r:id="rId3"/>
-              </a:rPr>
-              <a:t>initialization</a:t>
+              <a:t>The importance of effective initialization</a:t>
             </a:r>
             <a:endParaRPr lang="pt-BR" sz="1200" dirty="0"/>
           </a:p>
@@ -8116,7 +8362,7 @@
         </p:spPr>
         <p:txBody>
           <a:bodyPr>
-            <a:normAutofit fontScale="92500" lnSpcReduction="20000"/>
+            <a:normAutofit fontScale="85000" lnSpcReduction="10000"/>
           </a:bodyPr>
           <a:lstStyle/>
           <a:p>
@@ -8133,22 +8379,18 @@
               <a:t>ou </a:t>
             </a:r>
             <a:r>
-              <a:rPr lang="pt-BR" b="1" i="1" dirty="0" smtClean="0"/>
+              <a:rPr lang="pt-BR" b="1" i="1" dirty="0"/>
               <a:t>uniformes</a:t>
             </a:r>
             <a:r>
-              <a:rPr lang="pt-BR" dirty="0" smtClean="0"/>
+              <a:rPr lang="pt-BR" dirty="0"/>
               <a:t>, não importando muito qual é usada.</a:t>
             </a:r>
           </a:p>
           <a:p>
             <a:r>
-              <a:rPr lang="pt-BR" dirty="0" smtClean="0"/>
-              <a:t>No </a:t>
-            </a:r>
-            <a:r>
               <a:rPr lang="pt-BR" dirty="0"/>
-              <a:t>entanto, a </a:t>
+              <a:t>No entanto, a </a:t>
             </a:r>
             <a:r>
               <a:rPr lang="pt-BR" b="1" i="1" dirty="0"/>
@@ -8156,28 +8398,14 @@
             </a:r>
             <a:r>
               <a:rPr lang="pt-BR" dirty="0"/>
-              <a:t> tem um efeito significativo tanto no resultado </a:t>
-            </a:r>
-            <a:r>
-              <a:rPr lang="pt-BR" dirty="0" smtClean="0"/>
-              <a:t>da </a:t>
-            </a:r>
+              <a:t> tem um efeito significativo tanto no resultado da otimização quanto na capacidade de generalização da rede.</a:t>
+            </a:r>
+          </a:p>
+          <a:p>
             <a:r>
               <a:rPr lang="pt-BR" dirty="0"/>
-              <a:t>otimização quanto na capacidade de generalização da rede.</a:t>
-            </a:r>
-            <a:endParaRPr lang="pt-BR" dirty="0"/>
-          </a:p>
-          <a:p>
-            <a:r>
-              <a:rPr lang="pt-BR" dirty="0"/>
-              <a:t>A ordem de grandeza </a:t>
-            </a:r>
-            <a:r>
-              <a:rPr lang="pt-BR" dirty="0" smtClean="0"/>
-              <a:t>desses pesos levanta algumas discussões:</a:t>
-            </a:r>
-            <a:endParaRPr lang="pt-BR" dirty="0"/>
+              <a:t>A ordem de grandeza desses pesos levanta algumas discussões:</a:t>
+            </a:r>
           </a:p>
           <a:p>
             <a:pPr lvl="1">
@@ -8186,15 +8414,7 @@
             </a:pPr>
             <a:r>
               <a:rPr lang="pt-BR" dirty="0"/>
-              <a:t>Pesos de maior magnitude criam </a:t>
-            </a:r>
-            <a:r>
-              <a:rPr lang="pt-BR" dirty="0" smtClean="0"/>
-              <a:t>uma maior </a:t>
-            </a:r>
-            <a:r>
-              <a:rPr lang="pt-BR" dirty="0"/>
-              <a:t>distinção entre </a:t>
+              <a:t>Pesos de maior magnitude criam uma maior distinção entre </a:t>
             </a:r>
             <a:r>
               <a:rPr lang="pt-BR" b="1" i="1" dirty="0"/>
@@ -8228,21 +8448,16 @@
             </a:pPr>
             <a:r>
               <a:rPr lang="pt-BR" dirty="0"/>
-              <a:t>Pesos de maior magnitude favorecem a propagação de informação, porém, por outro lado, causam preocupações do ponto de vista de </a:t>
-            </a:r>
-            <a:r>
-              <a:rPr lang="pt-BR" dirty="0" smtClean="0"/>
-              <a:t>regularização (</a:t>
-            </a:r>
-            <a:r>
-              <a:rPr lang="pt-BR" b="1" i="1" dirty="0" err="1" smtClean="0"/>
+              <a:t>Pesos de maior magnitude favorecem a propagação de informação, porém, por outro lado, causam preocupações do ponto de vista de regularização (</a:t>
+            </a:r>
+            <a:r>
+              <a:rPr lang="pt-BR" b="1" i="1" dirty="0" err="1"/>
               <a:t>overfitting</a:t>
             </a:r>
             <a:r>
-              <a:rPr lang="pt-BR" dirty="0" smtClean="0"/>
+              <a:rPr lang="pt-BR" dirty="0"/>
               <a:t>).</a:t>
             </a:r>
-            <a:endParaRPr lang="pt-BR" dirty="0"/>
           </a:p>
           <a:p>
             <a:pPr lvl="1">
@@ -8259,11 +8474,7 @@
             </a:r>
             <a:r>
               <a:rPr lang="pt-BR" dirty="0"/>
-              <a:t> </a:t>
-            </a:r>
-            <a:r>
-              <a:rPr lang="pt-BR" dirty="0" smtClean="0"/>
-              <a:t>com </a:t>
+              <a:t> com </a:t>
             </a:r>
             <a:r>
               <a:rPr lang="pt-BR" b="1" i="1" dirty="0"/>
@@ -8271,34 +8482,14 @@
             </a:r>
             <a:r>
               <a:rPr lang="pt-BR" dirty="0"/>
-              <a:t>do tipo sigmóide </a:t>
-            </a:r>
-            <a:r>
-              <a:rPr lang="pt-BR" dirty="0" smtClean="0"/>
-              <a:t>a </a:t>
+              <a:t>do tipo sigmóide a operarem na região de saturação, comprometendo a convergência do algoritmo (</a:t>
+            </a:r>
+            <a:r>
+              <a:rPr lang="pt-BR" b="1" i="1" dirty="0"/>
+              <a:t>desaparecimento do gradiente</a:t>
             </a:r>
             <a:r>
               <a:rPr lang="pt-BR" dirty="0"/>
-              <a:t>operarem </a:t>
-            </a:r>
-            <a:r>
-              <a:rPr lang="pt-BR" dirty="0" smtClean="0"/>
-              <a:t>na região </a:t>
-            </a:r>
-            <a:r>
-              <a:rPr lang="pt-BR" dirty="0"/>
-              <a:t>de saturação, comprometendo a convergência do </a:t>
-            </a:r>
-            <a:r>
-              <a:rPr lang="pt-BR" dirty="0" smtClean="0"/>
-              <a:t>algoritmo (</a:t>
-            </a:r>
-            <a:r>
-              <a:rPr lang="pt-BR" b="1" i="1" dirty="0" smtClean="0"/>
-              <a:t>desaparecimento do gradiente</a:t>
-            </a:r>
-            <a:r>
-              <a:rPr lang="pt-BR" dirty="0" smtClean="0"/>
               <a:t>).</a:t>
             </a:r>
           </a:p>
@@ -8325,38 +8516,29 @@
             </a:r>
             <a:r>
               <a:rPr lang="pt-BR" dirty="0"/>
-              <a:t>do tipo </a:t>
-            </a:r>
-            <a:r>
-              <a:rPr lang="pt-BR" dirty="0" smtClean="0"/>
-              <a:t>RELU à </a:t>
-            </a:r>
-            <a:r>
-              <a:rPr lang="pt-BR" b="1" i="1" dirty="0" smtClean="0"/>
+              <a:t>do tipo RELU à </a:t>
+            </a:r>
+            <a:r>
+              <a:rPr lang="pt-BR" b="1" i="1" dirty="0"/>
               <a:t>explosão do gradiente</a:t>
             </a:r>
             <a:r>
-              <a:rPr lang="pt-BR" dirty="0" smtClean="0"/>
+              <a:rPr lang="pt-BR" dirty="0"/>
               <a:t> ou dos </a:t>
             </a:r>
             <a:r>
-              <a:rPr lang="pt-BR" b="1" i="1" dirty="0" smtClean="0"/>
+              <a:rPr lang="pt-BR" b="1" i="1" dirty="0"/>
               <a:t>valores de saída</a:t>
             </a:r>
             <a:r>
-              <a:rPr lang="pt-BR" dirty="0" smtClean="0"/>
+              <a:rPr lang="pt-BR" dirty="0"/>
               <a:t>, deixando a rede muito sensível a mudanças dos valores de entrada.</a:t>
             </a:r>
-            <a:endParaRPr lang="pt-BR" dirty="0"/>
-          </a:p>
-          <a:p>
-            <a:r>
-              <a:rPr lang="pt-BR" dirty="0" smtClean="0"/>
-              <a:t>Portanto</a:t>
-            </a:r>
+          </a:p>
+          <a:p>
             <a:r>
               <a:rPr lang="pt-BR" dirty="0"/>
-              <a:t>, na sequência listamos algumas </a:t>
+              <a:t>Portanto, na sequência listamos algumas </a:t>
             </a:r>
             <a:r>
               <a:rPr lang="pt-BR" b="1" i="1" dirty="0"/>
@@ -8446,46 +8628,26 @@
               <a:lstStyle/>
               <a:p>
                 <a:r>
-                  <a:rPr lang="pt-BR" dirty="0" smtClean="0"/>
-                  <a:t>A ideia por trás </a:t>
-                </a:r>
-                <a:r>
-                  <a:rPr lang="pt-BR" dirty="0" smtClean="0"/>
-                  <a:t>destas heurísticas é </a:t>
-                </a:r>
-                <a:r>
-                  <a:rPr lang="pt-BR" b="1" i="1" dirty="0" smtClean="0"/>
-                  <a:t>manter a </a:t>
-                </a:r>
-                <a:r>
-                  <a:rPr lang="pt-BR" b="1" i="1" dirty="0"/>
-                  <a:t>média das ativações </a:t>
-                </a:r>
-                <a:r>
-                  <a:rPr lang="pt-BR" b="1" i="1" dirty="0" smtClean="0"/>
-                  <a:t>igual a zero </a:t>
-                </a:r>
-                <a:r>
-                  <a:rPr lang="pt-BR" b="1" i="1" dirty="0" smtClean="0"/>
-                  <a:t>e suas variâncias constantes </a:t>
-                </a:r>
-                <a:r>
-                  <a:rPr lang="pt-BR" b="1" i="1" dirty="0" smtClean="0"/>
-                  <a:t>ao longo das várias camadas da rede</a:t>
-                </a:r>
-                <a:r>
-                  <a:rPr lang="pt-BR" dirty="0" smtClean="0"/>
+                  <a:rPr lang="pt-BR" dirty="0"/>
+                  <a:t>A ideia por trás destas heurísticas é </a:t>
+                </a:r>
+                <a:r>
+                  <a:rPr lang="pt-BR" b="1" i="1" dirty="0">
+                    <a:solidFill>
+                      <a:srgbClr val="00B050"/>
+                    </a:solidFill>
+                  </a:rPr>
+                  <a:t>manter a média das ativações igual a zero e suas variâncias constantes ao longo das várias camadas da rede</a:t>
+                </a:r>
+                <a:r>
+                  <a:rPr lang="pt-BR" dirty="0"/>
                   <a:t>, pois desta forma evita-se o desaparecimento ou a explosão do gradiente.</a:t>
                 </a:r>
               </a:p>
               <a:p>
                 <a:r>
-                  <a:rPr lang="pt-BR" dirty="0" smtClean="0"/>
-                  <a:t>Considerando </a:t>
-                </a:r>
-                <a:r>
                   <a:rPr lang="pt-BR" dirty="0"/>
-                  <a:t>uma camada com </a:t>
+                  <a:t>Considerando uma camada com </a:t>
                 </a:r>
                 <a14:m>
                   <m:oMath xmlns:m="http://schemas.openxmlformats.org/officeDocument/2006/math">
@@ -8529,12 +8691,10 @@
                 </a:r>
                 <a:r>
                   <a:rPr lang="pt-BR" dirty="0"/>
-                  <a:t> de seus nós</a:t>
-                </a:r>
-                <a:r>
-                  <a:rPr lang="pt-BR" dirty="0" smtClean="0"/>
-                  <a:t>.</a:t>
-                </a:r>
+                  <a:t> de seus nós.</a:t>
+                </a:r>
+              </a:p>
+              <a:p>
                 <a:endParaRPr lang="pt-BR" dirty="0"/>
               </a:p>
               <a:p>
@@ -8553,9 +8713,6 @@
                 <a:endParaRPr lang="pt-BR" dirty="0"/>
               </a:p>
               <a:p>
-                <a:endParaRPr lang="pt-BR" dirty="0" smtClean="0"/>
-              </a:p>
-              <a:p>
                 <a:endParaRPr lang="pt-BR" dirty="0"/>
               </a:p>
               <a:p>
@@ -8564,12 +8721,8 @@
                   <a:t>Uma heurística para a inicialização dos </a:t>
                 </a:r>
                 <a:r>
-                  <a:rPr lang="pt-BR" b="1" i="1" dirty="0" smtClean="0"/>
-                  <a:t>pesos de </a:t>
-                </a:r>
-                <a:r>
                   <a:rPr lang="pt-BR" b="1" i="1" dirty="0"/>
-                  <a:t>bias </a:t>
+                  <a:t>pesos de bias </a:t>
                 </a:r>
                 <a:r>
                   <a:rPr lang="pt-BR" dirty="0"/>
@@ -8581,15 +8734,7 @@
                 </a:r>
                 <a:r>
                   <a:rPr lang="pt-BR" dirty="0"/>
-                  <a:t>. Esta heurística </a:t>
-                </a:r>
-                <a:r>
-                  <a:rPr lang="pt-BR" dirty="0" smtClean="0"/>
-                  <a:t>é usada pois se </a:t>
-                </a:r>
-                <a:r>
-                  <a:rPr lang="pt-BR" dirty="0"/>
-                  <a:t>mostra bastante eficiente na maioria dos casos.</a:t>
+                  <a:t>. Esta heurística é usada pois se mostra bastante eficiente na maioria dos casos.</a:t>
                 </a:r>
               </a:p>
             </p:txBody>
@@ -8611,7 +8756,7 @@
                 <a:off x="838199" y="1825624"/>
                 <a:ext cx="11287126" cy="5032375"/>
               </a:xfrm>
-              <a:blipFill rotWithShape="0">
+              <a:blipFill>
                 <a:blip r:embed="rId3"/>
                 <a:stretch>
                   <a:fillRect l="-702" t="-2785"/>
@@ -8633,8 +8778,8 @@
           </p:sp>
         </mc:Fallback>
       </mc:AlternateContent>
-      <mc:AlternateContent xmlns:mc="http://schemas.openxmlformats.org/markup-compatibility/2006">
-        <mc:Choice xmlns:a14="http://schemas.microsoft.com/office/drawing/2010/main" Requires="a14">
+      <mc:AlternateContent xmlns:mc="http://schemas.openxmlformats.org/markup-compatibility/2006" xmlns:a14="http://schemas.microsoft.com/office/drawing/2010/main">
+        <mc:Choice Requires="a14">
           <p:graphicFrame>
             <p:nvGraphicFramePr>
               <p:cNvPr id="4" name="Table 3"/>
@@ -8663,28 +8808,28 @@
                     <a:gridCol w="1854751">
                       <a:extLst>
                         <a:ext uri="{9D8B030D-6E8A-4147-A177-3AD203B41FA5}">
-                          <a16:colId xmlns:a16="http://schemas.microsoft.com/office/drawing/2014/main" xmlns="" val="20000"/>
+                          <a16:colId xmlns:a16="http://schemas.microsoft.com/office/drawing/2014/main" val="20000"/>
                         </a:ext>
                       </a:extLst>
                     </a:gridCol>
                     <a:gridCol w="3663486">
                       <a:extLst>
                         <a:ext uri="{9D8B030D-6E8A-4147-A177-3AD203B41FA5}">
-                          <a16:colId xmlns:a16="http://schemas.microsoft.com/office/drawing/2014/main" xmlns="" val="20001"/>
+                          <a16:colId xmlns:a16="http://schemas.microsoft.com/office/drawing/2014/main" val="20001"/>
                         </a:ext>
                       </a:extLst>
                     </a:gridCol>
                     <a:gridCol w="3080660">
                       <a:extLst>
                         <a:ext uri="{9D8B030D-6E8A-4147-A177-3AD203B41FA5}">
-                          <a16:colId xmlns:a16="http://schemas.microsoft.com/office/drawing/2014/main" xmlns="" val="20002"/>
+                          <a16:colId xmlns:a16="http://schemas.microsoft.com/office/drawing/2014/main" val="20002"/>
                         </a:ext>
                       </a:extLst>
                     </a:gridCol>
                     <a:gridCol w="2437577">
                       <a:extLst>
                         <a:ext uri="{9D8B030D-6E8A-4147-A177-3AD203B41FA5}">
-                          <a16:colId xmlns:a16="http://schemas.microsoft.com/office/drawing/2014/main" xmlns="" val="20003"/>
+                          <a16:colId xmlns:a16="http://schemas.microsoft.com/office/drawing/2014/main" val="20003"/>
                         </a:ext>
                       </a:extLst>
                     </a:gridCol>
@@ -9005,7 +9150,7 @@
                     </a:tc>
                     <a:extLst>
                       <a:ext uri="{0D108BD9-81ED-4DB2-BD59-A6C34878D82A}">
-                        <a16:rowId xmlns:a16="http://schemas.microsoft.com/office/drawing/2014/main" xmlns="" val="10000"/>
+                        <a16:rowId xmlns:a16="http://schemas.microsoft.com/office/drawing/2014/main" val="10000"/>
                       </a:ext>
                     </a:extLst>
                   </a:tr>
@@ -9068,20 +9213,16 @@
                         <a:p>
                           <a:pPr algn="ctr"/>
                           <a:r>
-                            <a:rPr lang="pt-BR" sz="1400" dirty="0" smtClean="0"/>
+                            <a:rPr lang="pt-BR" sz="1400" dirty="0"/>
                             <a:t>Linear</a:t>
                           </a:r>
                           <a:r>
-                            <a:rPr lang="pt-BR" sz="1400" baseline="0" dirty="0" smtClean="0"/>
+                            <a:rPr lang="pt-BR" sz="1400" baseline="0" dirty="0"/>
                             <a:t> (i.e., n</a:t>
                           </a:r>
                           <a:r>
-                            <a:rPr lang="pt-BR" sz="1400" dirty="0" smtClean="0"/>
-                            <a:t>enhuma), </a:t>
-                          </a:r>
-                          <a:r>
                             <a:rPr lang="pt-BR" sz="1400" dirty="0"/>
-                            <a:t>Tanh, Logística, Softmax</a:t>
+                            <a:t>enhuma), Tanh, Logística, Softmax</a:t>
                           </a:r>
                         </a:p>
                       </a:txBody>
@@ -9371,7 +9512,7 @@
                     </a:tc>
                     <a:extLst>
                       <a:ext uri="{0D108BD9-81ED-4DB2-BD59-A6C34878D82A}">
-                        <a16:rowId xmlns:a16="http://schemas.microsoft.com/office/drawing/2014/main" xmlns="" val="10001"/>
+                        <a16:rowId xmlns:a16="http://schemas.microsoft.com/office/drawing/2014/main" val="10001"/>
                       </a:ext>
                     </a:extLst>
                   </a:tr>
@@ -9439,11 +9580,7 @@
                           </a:r>
                           <a:r>
                             <a:rPr lang="pt-BR" sz="1400" baseline="0" dirty="0"/>
-                            <a:t> e </a:t>
-                          </a:r>
-                          <a:r>
-                            <a:rPr lang="pt-BR" sz="1400" baseline="0" dirty="0" smtClean="0"/>
-                            <a:t>suas variantes</a:t>
+                            <a:t> e suas variantes</a:t>
                           </a:r>
                           <a:endParaRPr lang="pt-BR" sz="1400" dirty="0"/>
                         </a:p>
@@ -9726,7 +9863,7 @@
                     </a:tc>
                     <a:extLst>
                       <a:ext uri="{0D108BD9-81ED-4DB2-BD59-A6C34878D82A}">
-                        <a16:rowId xmlns:a16="http://schemas.microsoft.com/office/drawing/2014/main" xmlns="" val="10002"/>
+                        <a16:rowId xmlns:a16="http://schemas.microsoft.com/office/drawing/2014/main" val="10002"/>
                       </a:ext>
                     </a:extLst>
                   </a:tr>
@@ -10072,7 +10209,7 @@
                     </a:tc>
                     <a:extLst>
                       <a:ext uri="{0D108BD9-81ED-4DB2-BD59-A6C34878D82A}">
-                        <a16:rowId xmlns:a16="http://schemas.microsoft.com/office/drawing/2014/main" xmlns="" val="10003"/>
+                        <a16:rowId xmlns:a16="http://schemas.microsoft.com/office/drawing/2014/main" val="10003"/>
                       </a:ext>
                     </a:extLst>
                   </a:tr>
@@ -10081,7 +10218,7 @@
             </a:graphic>
           </p:graphicFrame>
         </mc:Choice>
-        <mc:Fallback>
+        <mc:Fallback xmlns="">
           <p:graphicFrame>
             <p:nvGraphicFramePr>
               <p:cNvPr id="4" name="Table 3"/>
@@ -11045,7 +11182,7 @@
           <a:lstStyle/>
           <a:p>
             <a:r>
-              <a:rPr lang="pt-BR" sz="1200" dirty="0" smtClean="0">
+              <a:rPr lang="pt-BR" sz="1200" dirty="0">
                 <a:hlinkClick r:id="rId5"/>
               </a:rPr>
               <a:t>[2] </a:t>
@@ -11054,13 +11191,7 @@
               <a:rPr lang="en-US" sz="1200" dirty="0">
                 <a:hlinkClick r:id="rId5"/>
               </a:rPr>
-              <a:t>How to find appropriate initialization </a:t>
-            </a:r>
-            <a:r>
-              <a:rPr lang="en-US" sz="1200" dirty="0">
-                <a:hlinkClick r:id="rId5"/>
-              </a:rPr>
-              <a:t>values</a:t>
+              <a:t>How to find appropriate initialization values</a:t>
             </a:r>
             <a:endParaRPr lang="en-US" sz="1200" dirty="0"/>
           </a:p>
@@ -11146,12 +11277,8 @@
           <a:lstStyle/>
           <a:p>
             <a:r>
-              <a:rPr lang="pt-BR" dirty="0" smtClean="0"/>
-              <a:t>Como vimos anteriormente, a </a:t>
-            </a:r>
-            <a:r>
               <a:rPr lang="pt-BR" dirty="0"/>
-              <a:t>biblioteca </a:t>
+              <a:t>Como vimos anteriormente, a biblioteca </a:t>
             </a:r>
             <a:r>
               <a:rPr lang="pt-BR" i="1" dirty="0" err="1"/>
@@ -11181,83 +11308,7 @@
           <a:p>
             <a:r>
               <a:rPr lang="pt-BR" dirty="0"/>
-              <a:t>Entretanto, suas implementações não se destinam a aplicações de larga escala. </a:t>
-            </a:r>
-          </a:p>
-          <a:p>
-            <a:r>
-              <a:rPr lang="pt-BR" dirty="0"/>
-              <a:t>Em particular, a biblioteca </a:t>
-            </a:r>
-            <a:r>
-              <a:rPr lang="pt-BR" i="1" dirty="0" err="1"/>
-              <a:t>SciKit-Learn</a:t>
-            </a:r>
-            <a:r>
-              <a:rPr lang="pt-BR" dirty="0"/>
-              <a:t> não oferece suporte a </a:t>
-            </a:r>
-            <a:r>
-              <a:rPr lang="pt-BR" dirty="0" err="1"/>
-              <a:t>GPUs</a:t>
-            </a:r>
-            <a:r>
-              <a:rPr lang="pt-BR" dirty="0"/>
-              <a:t>. </a:t>
-            </a:r>
-          </a:p>
-          <a:p>
-            <a:r>
-              <a:rPr lang="pt-BR" dirty="0"/>
-              <a:t>Para </a:t>
-            </a:r>
-            <a:r>
-              <a:rPr lang="pt-BR" dirty="0" smtClean="0"/>
-              <a:t>implementações de </a:t>
-            </a:r>
-            <a:r>
-              <a:rPr lang="pt-BR" b="1" i="1" dirty="0" smtClean="0"/>
-              <a:t>modelos de aprendizado profundo </a:t>
-            </a:r>
-            <a:r>
-              <a:rPr lang="pt-BR" dirty="0" smtClean="0"/>
-              <a:t>escaláveis, muito </a:t>
-            </a:r>
-            <a:r>
-              <a:rPr lang="pt-BR" dirty="0"/>
-              <a:t>mais </a:t>
-            </a:r>
-            <a:r>
-              <a:rPr lang="pt-BR" dirty="0" smtClean="0"/>
-              <a:t>rápidos, flexíveis</a:t>
-            </a:r>
-            <a:r>
-              <a:rPr lang="pt-BR" dirty="0"/>
-              <a:t> </a:t>
-            </a:r>
-            <a:r>
-              <a:rPr lang="pt-BR" dirty="0" smtClean="0"/>
-              <a:t>e baseados </a:t>
-            </a:r>
-            <a:r>
-              <a:rPr lang="pt-BR" dirty="0"/>
-              <a:t>em </a:t>
-            </a:r>
-            <a:r>
-              <a:rPr lang="pt-BR" dirty="0" smtClean="0"/>
-              <a:t>GPU, </a:t>
-            </a:r>
-            <a:r>
-              <a:rPr lang="pt-BR" dirty="0"/>
-              <a:t>devemos utilizar </a:t>
-            </a:r>
-            <a:r>
-              <a:rPr lang="pt-BR" dirty="0" smtClean="0"/>
-              <a:t>bibliotecas </a:t>
-            </a:r>
-            <a:r>
-              <a:rPr lang="pt-BR" dirty="0"/>
-              <a:t>como:</a:t>
+              <a:t>Entretanto, suas implementações não são flexíveis e não se destinam a aplicações de larga escala. </a:t>
             </a:r>
           </a:p>
           <a:p>
@@ -11266,36 +11317,38 @@
               <a:buChar char="§"/>
             </a:pPr>
             <a:r>
-              <a:rPr lang="pt-BR" b="1" i="1" dirty="0" err="1"/>
-              <a:t>Tensorflow</a:t>
-            </a:r>
-            <a:r>
               <a:rPr lang="pt-BR" dirty="0"/>
-              <a:t>: </a:t>
-            </a:r>
-            <a:r>
-              <a:rPr lang="pt-BR" dirty="0" smtClean="0"/>
-              <a:t>criada pela equipe </a:t>
-            </a:r>
-            <a:r>
-              <a:rPr lang="pt-BR" i="1" dirty="0" smtClean="0"/>
-              <a:t>Google </a:t>
-            </a:r>
-            <a:r>
-              <a:rPr lang="pt-BR" i="1" dirty="0" err="1" smtClean="0"/>
-              <a:t>Brain</a:t>
-            </a:r>
-            <a:r>
-              <a:rPr lang="pt-BR" dirty="0" smtClean="0"/>
-              <a:t> do </a:t>
-            </a:r>
-            <a:r>
-              <a:rPr lang="pt-BR" i="1" dirty="0" smtClean="0"/>
-              <a:t>Google</a:t>
-            </a:r>
-            <a:r>
-              <a:rPr lang="pt-BR" dirty="0" smtClean="0"/>
-              <a:t>.</a:t>
+              <a:t>A biblioteca </a:t>
+            </a:r>
+            <a:r>
+              <a:rPr lang="pt-BR" i="1" dirty="0" err="1"/>
+              <a:t>SciKit-Learn</a:t>
+            </a:r>
+            <a:r>
+              <a:rPr lang="pt-BR" dirty="0"/>
+              <a:t> não oferece suporte a </a:t>
+            </a:r>
+            <a:r>
+              <a:rPr lang="pt-BR" dirty="0" err="1"/>
+              <a:t>GPUs</a:t>
+            </a:r>
+            <a:r>
+              <a:rPr lang="pt-BR" dirty="0"/>
+              <a:t>. </a:t>
+            </a:r>
+          </a:p>
+          <a:p>
+            <a:r>
+              <a:rPr lang="pt-BR" dirty="0"/>
+              <a:t>Para implementações de </a:t>
+            </a:r>
+            <a:r>
+              <a:rPr lang="pt-BR" b="1" i="1" dirty="0"/>
+              <a:t>modelos de aprendizado profundo </a:t>
+            </a:r>
+            <a:r>
+              <a:rPr lang="pt-BR" dirty="0"/>
+              <a:t>escaláveis, muito mais rápidos, flexíveis e baseados em GPU, devemos utilizar bibliotecas como:</a:t>
             </a:r>
           </a:p>
           <a:p>
@@ -11305,39 +11358,31 @@
             </a:pPr>
             <a:r>
               <a:rPr lang="pt-BR" b="1" i="1" dirty="0" err="1"/>
-              <a:t>PyTorch</a:t>
+              <a:t>Tensorflow</a:t>
             </a:r>
             <a:r>
               <a:rPr lang="pt-BR" dirty="0"/>
-              <a:t>: </a:t>
-            </a:r>
-            <a:r>
-              <a:rPr lang="pt-BR" dirty="0" smtClean="0"/>
-              <a:t>criada pela </a:t>
-            </a:r>
-            <a:r>
-              <a:rPr lang="pt-BR" i="1" dirty="0" smtClean="0"/>
-              <a:t>Meta </a:t>
+              <a:t>: criada pela equipe </a:t>
             </a:r>
             <a:r>
               <a:rPr lang="pt-BR" i="1" dirty="0"/>
-              <a:t>AI</a:t>
+              <a:t>Google </a:t>
+            </a:r>
+            <a:r>
+              <a:rPr lang="pt-BR" i="1" dirty="0" err="1"/>
+              <a:t>Brain</a:t>
             </a:r>
             <a:r>
               <a:rPr lang="pt-BR" dirty="0"/>
-              <a:t> </a:t>
-            </a:r>
-            <a:r>
-              <a:rPr lang="pt-BR" dirty="0" smtClean="0"/>
-              <a:t>(antigo </a:t>
-            </a:r>
-            <a:r>
-              <a:rPr lang="pt-BR" i="1" dirty="0" err="1" smtClean="0"/>
-              <a:t>Facebook</a:t>
-            </a:r>
-            <a:r>
-              <a:rPr lang="pt-BR" dirty="0" smtClean="0"/>
-              <a:t>).</a:t>
+              <a:t> do </a:t>
+            </a:r>
+            <a:r>
+              <a:rPr lang="pt-BR" i="1" dirty="0"/>
+              <a:t>Google</a:t>
+            </a:r>
+            <a:r>
+              <a:rPr lang="pt-BR" dirty="0"/>
+              <a:t>.</a:t>
             </a:r>
           </a:p>
           <a:p>
@@ -11347,7 +11392,7 @@
             </a:pPr>
             <a:r>
               <a:rPr lang="pt-BR" b="1" i="1" dirty="0" err="1"/>
-              <a:t>MXNet</a:t>
+              <a:t>PyTorch</a:t>
             </a:r>
             <a:r>
               <a:rPr lang="pt-BR" dirty="0"/>
@@ -11355,11 +11400,19 @@
             </a:r>
             <a:r>
               <a:rPr lang="pt-BR" i="1" dirty="0"/>
-              <a:t>Apache</a:t>
-            </a:r>
-            <a:r>
-              <a:rPr lang="pt-BR" dirty="0" smtClean="0"/>
-              <a:t>.</a:t>
+              <a:t>Meta AI</a:t>
+            </a:r>
+            <a:r>
+              <a:rPr lang="pt-BR" dirty="0"/>
+              <a:t> (antigo </a:t>
+            </a:r>
+            <a:r>
+              <a:rPr lang="pt-BR" i="1" dirty="0" err="1"/>
+              <a:t>Facebook</a:t>
+            </a:r>
+            <a:r>
+              <a:rPr lang="pt-BR" dirty="0"/>
+              <a:t>).</a:t>
             </a:r>
           </a:p>
           <a:p>
@@ -11369,45 +11422,20 @@
             </a:pPr>
             <a:r>
               <a:rPr lang="pt-BR" b="1" i="1" dirty="0" err="1"/>
-              <a:t>Theano</a:t>
+              <a:t>MXNet</a:t>
             </a:r>
             <a:r>
               <a:rPr lang="pt-BR" dirty="0"/>
-              <a:t>: </a:t>
-            </a:r>
-            <a:r>
-              <a:rPr lang="pt-BR" dirty="0" smtClean="0"/>
-              <a:t>criada pela Universidade </a:t>
-            </a:r>
-            <a:r>
-              <a:rPr lang="pt-BR" dirty="0"/>
-              <a:t>de Montreal (primeira versão) e </a:t>
-            </a:r>
-            <a:r>
-              <a:rPr lang="pt-BR" dirty="0" smtClean="0"/>
-              <a:t>mantida posteriormente pela equipe de desenvolvedores do pacote </a:t>
-            </a:r>
-            <a:r>
-              <a:rPr lang="pt-BR" dirty="0" err="1" smtClean="0"/>
-              <a:t>PyMC</a:t>
-            </a:r>
-            <a:r>
-              <a:rPr lang="pt-BR" dirty="0" smtClean="0"/>
-              <a:t> sob o nome </a:t>
-            </a:r>
-            <a:r>
-              <a:rPr lang="pt-BR" dirty="0"/>
-              <a:t>de </a:t>
-            </a:r>
-            <a:r>
-              <a:rPr lang="pt-BR" dirty="0" err="1" smtClean="0"/>
-              <a:t>Aesara</a:t>
+              <a:t>: criada pela </a:t>
+            </a:r>
+            <a:r>
+              <a:rPr lang="pt-BR" i="1" dirty="0"/>
+              <a:t>Apache</a:t>
             </a:r>
             <a:r>
               <a:rPr lang="pt-BR" dirty="0"/>
               <a:t>.</a:t>
             </a:r>
-            <a:endParaRPr lang="pt-BR" dirty="0" smtClean="0"/>
           </a:p>
           <a:p>
             <a:pPr lvl="1">
@@ -11415,12 +11443,38 @@
               <a:buChar char="§"/>
             </a:pPr>
             <a:r>
-              <a:rPr lang="pt-BR" dirty="0" smtClean="0"/>
-              <a:t>Entre </a:t>
+              <a:rPr lang="pt-BR" b="1" i="1" dirty="0" err="1"/>
+              <a:t>Theano</a:t>
             </a:r>
             <a:r>
               <a:rPr lang="pt-BR" dirty="0"/>
-              <a:t>outras: </a:t>
+              <a:t>: criada pela Universidade de Montreal (primeira versão) e mantida posteriormente pela equipe de desenvolvedores do pacote </a:t>
+            </a:r>
+            <a:r>
+              <a:rPr lang="pt-BR" dirty="0" err="1"/>
+              <a:t>PyMC</a:t>
+            </a:r>
+            <a:r>
+              <a:rPr lang="pt-BR" dirty="0"/>
+              <a:t> sob o nome de </a:t>
+            </a:r>
+            <a:r>
+              <a:rPr lang="pt-BR" dirty="0" err="1"/>
+              <a:t>Aesara</a:t>
+            </a:r>
+            <a:r>
+              <a:rPr lang="pt-BR" dirty="0"/>
+              <a:t>.</a:t>
+            </a:r>
+          </a:p>
+          <a:p>
+            <a:pPr lvl="1">
+              <a:buFont typeface="Wingdings" panose="05000000000000000000" pitchFamily="2" charset="2"/>
+              <a:buChar char="§"/>
+            </a:pPr>
+            <a:r>
+              <a:rPr lang="pt-BR" dirty="0"/>
+              <a:t>Entre outras: </a:t>
             </a:r>
             <a:r>
               <a:rPr lang="pt-BR" dirty="0">
@@ -11543,7 +11597,7 @@
               <a:t>Projeto #2</a:t>
             </a:r>
             <a:r>
-              <a:rPr lang="pt-BR" dirty="0" smtClean="0"/>
+              <a:rPr lang="pt-BR" dirty="0"/>
               <a:t>.</a:t>
             </a:r>
           </a:p>
@@ -11551,15 +11605,7 @@
             <a:pPr lvl="1"/>
             <a:r>
               <a:rPr lang="pt-BR" dirty="0"/>
-              <a:t>Projeto </a:t>
-            </a:r>
-            <a:r>
-              <a:rPr lang="pt-BR" dirty="0" smtClean="0"/>
-              <a:t>está </a:t>
-            </a:r>
-            <a:r>
-              <a:rPr lang="pt-BR" dirty="0"/>
-              <a:t>no </a:t>
+              <a:t>Projeto está no </a:t>
             </a:r>
             <a:r>
               <a:rPr lang="pt-BR" dirty="0" err="1"/>
@@ -11586,7 +11632,7 @@
                   <a:srgbClr val="00B050"/>
                 </a:solidFill>
               </a:rPr>
-              <a:t>11/12/2022 até às 23:59</a:t>
+              <a:t>25/06/2023 até às 23:59</a:t>
             </a:r>
             <a:r>
               <a:rPr lang="pt-BR" dirty="0"/>
@@ -11597,22 +11643,14 @@
             <a:pPr lvl="1"/>
             <a:r>
               <a:rPr lang="pt-BR" dirty="0"/>
-              <a:t>Leiam os enunciados atentamente</a:t>
-            </a:r>
-            <a:r>
-              <a:rPr lang="pt-BR" dirty="0" smtClean="0"/>
-              <a:t>.</a:t>
+              <a:t>Leiam os enunciados atentamente.</a:t>
             </a:r>
           </a:p>
           <a:p>
             <a:pPr lvl="1"/>
             <a:r>
-              <a:rPr lang="pt-BR" dirty="0" smtClean="0"/>
-              <a:t>Apenas </a:t>
-            </a:r>
-            <a:r>
               <a:rPr lang="pt-BR" dirty="0"/>
-              <a:t>um integrante do grupo precisa fazer a entrega.</a:t>
+              <a:t>Apenas um integrante do grupo precisa fazer a entrega.</a:t>
             </a:r>
           </a:p>
           <a:p>
@@ -11663,7 +11701,7 @@
           <p:cNvPr id="4" name="Título 1">
             <a:extLst>
               <a:ext uri="{FF2B5EF4-FFF2-40B4-BE49-F238E27FC236}">
-                <a16:creationId xmlns:a16="http://schemas.microsoft.com/office/drawing/2014/main" xmlns="" id="{32666AC8-2E17-4DB4-B0F5-60C640CCFD2E}"/>
+                <a16:creationId xmlns:a16="http://schemas.microsoft.com/office/drawing/2014/main" id="{32666AC8-2E17-4DB4-B0F5-60C640CCFD2E}"/>
               </a:ext>
             </a:extLst>
           </p:cNvPr>
@@ -11783,7 +11821,7 @@
         </p:spPr>
         <p:txBody>
           <a:bodyPr>
-            <a:normAutofit lnSpcReduction="10000"/>
+            <a:normAutofit/>
           </a:bodyPr>
           <a:lstStyle/>
           <a:p>
@@ -11843,7 +11881,7 @@
           <a:p>
             <a:r>
               <a:rPr lang="pt-BR" dirty="0"/>
-              <a:t>Aprendemos que a minimização da função de custo é realizada iterativamente com a retropropagação do erro até que não haja mais melhoria na performance da rede neural.</a:t>
+              <a:t>Aprendemos que a minimização da função de custo é realizada iterativamente com o algoritmo da retropropagação do erro.</a:t>
             </a:r>
           </a:p>
           <a:p>
@@ -12169,7 +12207,7 @@
           <p:cNvPr id="4" name="Título 1">
             <a:extLst>
               <a:ext uri="{FF2B5EF4-FFF2-40B4-BE49-F238E27FC236}">
-                <a16:creationId xmlns:a16="http://schemas.microsoft.com/office/drawing/2014/main" xmlns="" id="{32666AC8-2E17-4DB4-B0F5-60C640CCFD2E}"/>
+                <a16:creationId xmlns:a16="http://schemas.microsoft.com/office/drawing/2014/main" id="{32666AC8-2E17-4DB4-B0F5-60C640CCFD2E}"/>
               </a:ext>
             </a:extLst>
           </p:cNvPr>
@@ -14999,11 +15037,11 @@
           <a:p>
             <a:r>
               <a:rPr lang="pt-BR" dirty="0"/>
-              <a:t>Portanto, começamos relembrando sobre a questão do cálculo do </a:t>
+              <a:t>Portanto, começamos relembrando sobre a questão do </a:t>
             </a:r>
             <a:r>
               <a:rPr lang="pt-BR" b="1" i="1" dirty="0"/>
-              <a:t>vetor gradiente</a:t>
+              <a:t>cálculo do vetor gradiente</a:t>
             </a:r>
             <a:r>
               <a:rPr lang="pt-BR" dirty="0"/>
@@ -15313,8 +15351,8 @@
           </a:p>
         </p:txBody>
       </p:sp>
-      <mc:AlternateContent xmlns:mc="http://schemas.openxmlformats.org/markup-compatibility/2006" xmlns:a14="http://schemas.microsoft.com/office/drawing/2010/main">
-        <mc:Choice Requires="a14">
+      <mc:AlternateContent xmlns:mc="http://schemas.openxmlformats.org/markup-compatibility/2006">
+        <mc:Choice xmlns:a14="http://schemas.microsoft.com/office/drawing/2010/main" Requires="a14">
           <p:sp>
             <p:nvSpPr>
               <p:cNvPr id="3" name="Content Placeholder 2"/>
@@ -15333,7 +15371,7 @@
             </p:spPr>
             <p:txBody>
               <a:bodyPr>
-                <a:normAutofit fontScale="92500" lnSpcReduction="10000"/>
+                <a:normAutofit fontScale="92500" lnSpcReduction="20000"/>
               </a:bodyPr>
               <a:lstStyle/>
               <a:p>
@@ -15410,13 +15448,13 @@
                                 <a:rPr lang="pt-BR" sz="2400" b="1" i="1" smtClean="0">
                                   <a:latin typeface="Cambria Math" panose="02040503050406030204" pitchFamily="18" charset="0"/>
                                 </a:rPr>
-                                <m:t> | </m:t>
+                                <m:t> |</m:t>
                               </m:r>
                               <m:r>
                                 <a:rPr lang="pt-BR" sz="2400" b="1" i="1">
                                   <a:latin typeface="Cambria Math" panose="02040503050406030204" pitchFamily="18" charset="0"/>
                                 </a:rPr>
-                                <m:t>𝒘</m:t>
+                                <m:t>𝑾</m:t>
                               </m:r>
                             </m:e>
                           </m:d>
@@ -15943,7 +15981,7 @@
                                 <a:rPr lang="pt-BR" sz="2400" b="1" i="1">
                                   <a:latin typeface="Cambria Math" panose="02040503050406030204" pitchFamily="18" charset="0"/>
                                 </a:rPr>
-                                <m:t>𝒘</m:t>
+                                <m:t>𝑾</m:t>
                               </m:r>
                             </m:e>
                           </m:d>
@@ -16127,7 +16165,7 @@
                           <a:rPr lang="pt-BR" b="1" i="1">
                             <a:latin typeface="Cambria Math" panose="02040503050406030204" pitchFamily="18" charset="0"/>
                           </a:rPr>
-                          <m:t>𝒘</m:t>
+                          <m:t>𝑾</m:t>
                         </m:r>
                       </m:e>
                     </m:d>
@@ -16247,7 +16285,15 @@
                 </a14:m>
                 <a:r>
                   <a:rPr lang="pt-BR" b="1" i="1" dirty="0"/>
-                  <a:t> gradientes locais, </a:t>
+                  <a:t> gradientes locais</a:t>
+                </a:r>
+                <a:r>
+                  <a:rPr lang="pt-BR" dirty="0"/>
+                  <a:t>,</a:t>
+                </a:r>
+                <a:r>
+                  <a:rPr lang="pt-BR" b="1" i="1" dirty="0"/>
+                  <a:t> </a:t>
                 </a:r>
                 <a14:m>
                   <m:oMath xmlns:m="http://schemas.openxmlformats.org/officeDocument/2006/math">
@@ -16296,15 +16342,19 @@
                           <a:rPr lang="pt-BR" b="1" i="1">
                             <a:latin typeface="Cambria Math" panose="02040503050406030204" pitchFamily="18" charset="0"/>
                           </a:rPr>
-                          <m:t>𝒘</m:t>
+                          <m:t>𝑾</m:t>
                         </m:r>
                       </m:e>
                     </m:d>
                   </m:oMath>
                 </a14:m>
                 <a:r>
+                  <a:rPr lang="pt-BR" dirty="0"/>
+                  <a:t>,</a:t>
+                </a:r>
+                <a:r>
                   <a:rPr lang="pt-BR" b="1" i="1" dirty="0"/>
-                  <a:t>, e já dar um passo de otimização</a:t>
+                  <a:t> e já dar um passo de otimização</a:t>
                 </a:r>
                 <a:r>
                   <a:rPr lang="pt-BR" dirty="0"/>
@@ -16330,7 +16380,7 @@
             </p:txBody>
           </p:sp>
         </mc:Choice>
-        <mc:Fallback xmlns="">
+        <mc:Fallback>
           <p:sp>
             <p:nvSpPr>
               <p:cNvPr id="3" name="Content Placeholder 2"/>
@@ -16349,7 +16399,7 @@
               <a:blipFill>
                 <a:blip r:embed="rId2"/>
                 <a:stretch>
-                  <a:fillRect l="-921" t="-2421" r="-1138" b="-484"/>
+                  <a:fillRect l="-921" t="-3027" r="-1138"/>
                 </a:stretch>
               </a:blipFill>
             </p:spPr>
@@ -16358,7 +16408,7 @@
               <a:lstStyle/>
               <a:p>
                 <a:r>
-                  <a:rPr lang="en-US">
+                  <a:rPr lang="pt-BR">
                     <a:noFill/>
                   </a:rPr>
                   <a:t> </a:t>
@@ -16378,8 +16428,8 @@
         </p:nvCxnSpPr>
         <p:spPr>
           <a:xfrm flipH="1">
-            <a:off x="3547212" y="4144617"/>
-            <a:ext cx="2913222" cy="151945"/>
+            <a:off x="3520966" y="3977589"/>
+            <a:ext cx="2941124" cy="134936"/>
           </a:xfrm>
           <a:prstGeom prst="straightConnector1">
             <a:avLst/>
@@ -16414,7 +16464,7 @@
         </p:nvSpPr>
         <p:spPr>
           <a:xfrm>
-            <a:off x="6460434" y="3247135"/>
+            <a:off x="6444813" y="3080107"/>
             <a:ext cx="894523" cy="897482"/>
           </a:xfrm>
           <a:prstGeom prst="rect">
@@ -16596,8 +16646,8 @@
           </a:p>
         </p:txBody>
       </p:sp>
-      <mc:AlternateContent xmlns:mc="http://schemas.openxmlformats.org/markup-compatibility/2006" xmlns:a14="http://schemas.microsoft.com/office/drawing/2010/main">
-        <mc:Choice Requires="a14">
+      <mc:AlternateContent xmlns:mc="http://schemas.openxmlformats.org/markup-compatibility/2006">
+        <mc:Choice xmlns:a14="http://schemas.microsoft.com/office/drawing/2010/main" Requires="a14">
           <p:sp>
             <p:nvSpPr>
               <p:cNvPr id="5" name="TextBox 4"/>
@@ -16631,15 +16681,15 @@
                 </a:pPr>
                 <a:r>
                   <a:rPr lang="pt-BR" sz="1600" dirty="0"/>
-                  <a:t>Defina valores iniciais para o vetor de pesos </a:t>
+                  <a:t>Defina valores iniciais para a matriz de pesos </a:t>
                 </a:r>
                 <a14:m>
                   <m:oMath xmlns:m="http://schemas.openxmlformats.org/officeDocument/2006/math">
                     <m:r>
-                      <a:rPr lang="pt-BR" sz="1600" b="1" i="1">
+                      <a:rPr lang="pt-BR" sz="1600" b="1" i="1" smtClean="0">
                         <a:latin typeface="Cambria Math" panose="02040503050406030204" pitchFamily="18" charset="0"/>
                       </a:rPr>
-                      <m:t>𝒘</m:t>
+                      <m:t>𝑾</m:t>
                     </m:r>
                   </m:oMath>
                 </a14:m>
@@ -16733,7 +16783,7 @@
                           <a:rPr lang="pt-BR" sz="1600" b="1" i="1">
                             <a:latin typeface="Cambria Math" panose="02040503050406030204" pitchFamily="18" charset="0"/>
                           </a:rPr>
-                          <m:t>𝒘</m:t>
+                          <m:t>𝑾</m:t>
                         </m:r>
                         <m:d>
                           <m:dPr>
@@ -16826,27 +16876,29 @@
                 </a:pPr>
                 <a:r>
                   <a:rPr lang="pt-BR" sz="1600" dirty="0"/>
-                  <a:t>Apresente o exemplo </a:t>
+                  <a:t>Apresente o </a:t>
                 </a:r>
                 <a14:m>
                   <m:oMath xmlns:m="http://schemas.openxmlformats.org/officeDocument/2006/math">
                     <m:r>
-                      <a:rPr lang="pt-BR" sz="1600" i="1">
+                      <a:rPr lang="pt-BR" sz="1600" i="1" smtClean="0">
                         <a:latin typeface="Cambria Math" panose="02040503050406030204" pitchFamily="18" charset="0"/>
                       </a:rPr>
                       <m:t>𝑙</m:t>
                     </m:r>
-                    <m:r>
-                      <a:rPr lang="pt-BR" sz="1600" i="1">
-                        <a:latin typeface="Cambria Math" panose="02040503050406030204" pitchFamily="18" charset="0"/>
-                      </a:rPr>
-                      <m:t> </m:t>
-                    </m:r>
                   </m:oMath>
                 </a14:m>
                 <a:r>
                   <a:rPr lang="pt-BR" sz="1600" dirty="0"/>
-                  <a:t>de entrada à rede.</a:t>
+                  <a:t>-</a:t>
+                </a:r>
+                <a:r>
+                  <a:rPr lang="pt-BR" sz="1600" dirty="0" err="1"/>
+                  <a:t>ésimo</a:t>
+                </a:r>
+                <a:r>
+                  <a:rPr lang="pt-BR" sz="1600" dirty="0"/>
+                  <a:t> exemplo de entrada à rede.</a:t>
                 </a:r>
               </a:p>
               <a:p>
@@ -16898,7 +16950,7 @@
                           <a:rPr lang="pt-BR" sz="1600" b="1" i="1">
                             <a:latin typeface="Cambria Math" panose="02040503050406030204" pitchFamily="18" charset="0"/>
                           </a:rPr>
-                          <m:t>𝒘</m:t>
+                          <m:t>𝑾</m:t>
                         </m:r>
                         <m:d>
                           <m:dPr>
@@ -16972,7 +17024,7 @@
                           <a:rPr lang="pt-BR" sz="1600" b="1" i="1">
                             <a:latin typeface="Cambria Math" panose="02040503050406030204" pitchFamily="18" charset="0"/>
                           </a:rPr>
-                          <m:t>𝒘</m:t>
+                          <m:t>𝑾</m:t>
                         </m:r>
                         <m:d>
                           <m:dPr>
@@ -17011,7 +17063,13 @@
                       <a:rPr lang="pt-BR" sz="1600" b="1" i="1">
                         <a:latin typeface="Cambria Math" panose="02040503050406030204" pitchFamily="18" charset="0"/>
                       </a:rPr>
-                      <m:t>𝒘</m:t>
+                      <m:t>𝑾</m:t>
+                    </m:r>
+                    <m:r>
+                      <a:rPr lang="pt-BR" sz="1600" b="1" i="1">
+                        <a:latin typeface="Cambria Math" panose="02040503050406030204" pitchFamily="18" charset="0"/>
+                      </a:rPr>
+                      <m:t> </m:t>
                     </m:r>
                     <m:d>
                       <m:dPr>
@@ -17046,7 +17104,7 @@
                       <a:rPr lang="pt-BR" sz="1600" b="1" i="1">
                         <a:latin typeface="Cambria Math" panose="02040503050406030204" pitchFamily="18" charset="0"/>
                       </a:rPr>
-                      <m:t>𝒘</m:t>
+                      <m:t>𝑾</m:t>
                     </m:r>
                     <m:d>
                       <m:dPr>
@@ -17116,7 +17174,7 @@
                           <a:rPr lang="pt-BR" sz="1600" b="1" i="1">
                             <a:latin typeface="Cambria Math" panose="02040503050406030204" pitchFamily="18" charset="0"/>
                           </a:rPr>
-                          <m:t>𝒘</m:t>
+                          <m:t>𝑾</m:t>
                         </m:r>
                         <m:d>
                           <m:dPr>
@@ -17253,7 +17311,7 @@
                           <a:rPr lang="pt-BR" sz="1600" b="1" i="1">
                             <a:latin typeface="Cambria Math" panose="02040503050406030204" pitchFamily="18" charset="0"/>
                           </a:rPr>
-                          <m:t>𝒘</m:t>
+                          <m:t>𝑾</m:t>
                         </m:r>
                         <m:d>
                           <m:dPr>
@@ -17284,7 +17342,7 @@
             </p:txBody>
           </p:sp>
         </mc:Choice>
-        <mc:Fallback xmlns="">
+        <mc:Fallback>
           <p:sp>
             <p:nvSpPr>
               <p:cNvPr id="5" name="TextBox 4"/>
@@ -17318,7 +17376,7 @@
               <a:lstStyle/>
               <a:p>
                 <a:r>
-                  <a:rPr lang="en-US">
+                  <a:rPr lang="pt-BR">
                     <a:noFill/>
                   </a:rPr>
                   <a:t> </a:t>
@@ -17448,8 +17506,8 @@
           </a:p>
         </p:txBody>
       </p:sp>
-      <mc:AlternateContent xmlns:mc="http://schemas.openxmlformats.org/markup-compatibility/2006" xmlns:a14="http://schemas.microsoft.com/office/drawing/2010/main">
-        <mc:Choice Requires="a14">
+      <mc:AlternateContent xmlns:mc="http://schemas.openxmlformats.org/markup-compatibility/2006">
+        <mc:Choice xmlns:a14="http://schemas.microsoft.com/office/drawing/2010/main" Requires="a14">
           <p:sp>
             <p:nvSpPr>
               <p:cNvPr id="4" name="TextBox 3"/>
@@ -17483,15 +17541,21 @@
                 </a:pPr>
                 <a:r>
                   <a:rPr lang="pt-BR" sz="1600" dirty="0"/>
-                  <a:t>Defina valores iniciais para o vetor de pesos </a:t>
+                  <a:t>Defina valores iniciais para a matriz de pesos</a:t>
                 </a:r>
                 <a14:m>
                   <m:oMath xmlns:m="http://schemas.openxmlformats.org/officeDocument/2006/math">
+                    <m:r>
+                      <a:rPr lang="pt-BR" sz="1600" b="0" i="0" smtClean="0">
+                        <a:latin typeface="Cambria Math" panose="02040503050406030204" pitchFamily="18" charset="0"/>
+                      </a:rPr>
+                      <m:t> </m:t>
+                    </m:r>
                     <m:r>
                       <a:rPr lang="pt-BR" sz="1600" b="1" i="1">
                         <a:latin typeface="Cambria Math" panose="02040503050406030204" pitchFamily="18" charset="0"/>
                       </a:rPr>
-                      <m:t>𝒘</m:t>
+                      <m:t>𝑾</m:t>
                     </m:r>
                   </m:oMath>
                 </a14:m>
@@ -17565,7 +17629,7 @@
                           <a:rPr lang="pt-BR" sz="1600" b="1" i="1">
                             <a:latin typeface="Cambria Math" panose="02040503050406030204" pitchFamily="18" charset="0"/>
                           </a:rPr>
-                          <m:t>𝒘</m:t>
+                          <m:t>𝑾</m:t>
                         </m:r>
                         <m:d>
                           <m:dPr>
@@ -17648,27 +17712,29 @@
                 </a:pPr>
                 <a:r>
                   <a:rPr lang="pt-BR" sz="1600" dirty="0"/>
-                  <a:t>Apresente o exemplo </a:t>
+                  <a:t>Apresente o </a:t>
                 </a:r>
                 <a14:m>
                   <m:oMath xmlns:m="http://schemas.openxmlformats.org/officeDocument/2006/math">
                     <m:r>
-                      <a:rPr lang="pt-BR" sz="1600" i="1">
+                      <a:rPr lang="pt-BR" sz="1600" i="1" smtClean="0">
                         <a:latin typeface="Cambria Math" panose="02040503050406030204" pitchFamily="18" charset="0"/>
                       </a:rPr>
                       <m:t>𝑙</m:t>
                     </m:r>
-                    <m:r>
-                      <a:rPr lang="pt-BR" sz="1600" i="1">
-                        <a:latin typeface="Cambria Math" panose="02040503050406030204" pitchFamily="18" charset="0"/>
-                      </a:rPr>
-                      <m:t> </m:t>
-                    </m:r>
                   </m:oMath>
                 </a14:m>
                 <a:r>
                   <a:rPr lang="pt-BR" sz="1600" dirty="0"/>
-                  <a:t>de entrada à rede.</a:t>
+                  <a:t>-</a:t>
+                </a:r>
+                <a:r>
+                  <a:rPr lang="pt-BR" sz="1600" dirty="0" err="1"/>
+                  <a:t>ésimo</a:t>
+                </a:r>
+                <a:r>
+                  <a:rPr lang="pt-BR" sz="1600" dirty="0"/>
+                  <a:t> exemplo de entrada à rede.</a:t>
                 </a:r>
               </a:p>
               <a:p>
@@ -17720,7 +17786,7 @@
                           <a:rPr lang="pt-BR" sz="1600" b="1" i="1">
                             <a:latin typeface="Cambria Math" panose="02040503050406030204" pitchFamily="18" charset="0"/>
                           </a:rPr>
-                          <m:t>𝒘</m:t>
+                          <m:t>𝑾</m:t>
                         </m:r>
                         <m:d>
                           <m:dPr>
@@ -17794,7 +17860,7 @@
                           <a:rPr lang="pt-BR" sz="1600" b="1" i="1">
                             <a:latin typeface="Cambria Math" panose="02040503050406030204" pitchFamily="18" charset="0"/>
                           </a:rPr>
-                          <m:t>𝒘</m:t>
+                          <m:t>𝑾</m:t>
                         </m:r>
                         <m:d>
                           <m:dPr>
@@ -17833,7 +17899,13 @@
                       <a:rPr lang="pt-BR" sz="1600" b="1" i="1">
                         <a:latin typeface="Cambria Math" panose="02040503050406030204" pitchFamily="18" charset="0"/>
                       </a:rPr>
-                      <m:t>𝒘</m:t>
+                      <m:t>𝑾</m:t>
+                    </m:r>
+                    <m:r>
+                      <a:rPr lang="pt-BR" sz="1600" b="1" i="1">
+                        <a:latin typeface="Cambria Math" panose="02040503050406030204" pitchFamily="18" charset="0"/>
+                      </a:rPr>
+                      <m:t> </m:t>
                     </m:r>
                     <m:d>
                       <m:dPr>
@@ -17868,7 +17940,7 @@
                       <a:rPr lang="pt-BR" sz="1600" b="1" i="1">
                         <a:latin typeface="Cambria Math" panose="02040503050406030204" pitchFamily="18" charset="0"/>
                       </a:rPr>
-                      <m:t>𝒘</m:t>
+                      <m:t>𝑾</m:t>
                     </m:r>
                     <m:d>
                       <m:dPr>
@@ -17999,7 +18071,7 @@
                               <a:rPr lang="pt-BR" sz="1600" b="1" i="1">
                                 <a:latin typeface="Cambria Math" panose="02040503050406030204" pitchFamily="18" charset="0"/>
                               </a:rPr>
-                              <m:t>𝒘</m:t>
+                              <m:t>𝑾</m:t>
                             </m:r>
                             <m:d>
                               <m:dPr>
@@ -18102,7 +18174,7 @@
                           <a:rPr lang="pt-BR" sz="1600" b="1" i="1">
                             <a:latin typeface="Cambria Math" panose="02040503050406030204" pitchFamily="18" charset="0"/>
                           </a:rPr>
-                          <m:t>𝒘</m:t>
+                          <m:t>𝑾</m:t>
                         </m:r>
                         <m:d>
                           <m:dPr>
@@ -18133,7 +18205,7 @@
             </p:txBody>
           </p:sp>
         </mc:Choice>
-        <mc:Fallback xmlns="">
+        <mc:Fallback>
           <p:sp>
             <p:nvSpPr>
               <p:cNvPr id="4" name="TextBox 3"/>
@@ -18167,7 +18239,7 @@
               <a:lstStyle/>
               <a:p>
                 <a:r>
-                  <a:rPr lang="en-US">
+                  <a:rPr lang="pt-BR">
                     <a:noFill/>
                   </a:rPr>
                   <a:t> </a:t>
@@ -18236,8 +18308,8 @@
           </a:p>
         </p:txBody>
       </p:sp>
-      <mc:AlternateContent xmlns:mc="http://schemas.openxmlformats.org/markup-compatibility/2006" xmlns:a14="http://schemas.microsoft.com/office/drawing/2010/main">
-        <mc:Choice Requires="a14">
+      <mc:AlternateContent xmlns:mc="http://schemas.openxmlformats.org/markup-compatibility/2006">
+        <mc:Choice xmlns:a14="http://schemas.microsoft.com/office/drawing/2010/main" Requires="a14">
           <p:sp>
             <p:nvSpPr>
               <p:cNvPr id="3" name="Content Placeholder 2"/>
@@ -18310,7 +18382,7 @@
                 </a:r>
                 <a:r>
                   <a:rPr lang="pt-BR" dirty="0"/>
-                  <a:t> é realizada com um gradiente calculado a partir de conjunto com mais de um e menos de </a:t>
+                  <a:t> é realizada com um gradiente calculado a partir de um conjunto com mais de um e menos de </a:t>
                 </a:r>
                 <a14:m>
                   <m:oMath xmlns:m="http://schemas.openxmlformats.org/officeDocument/2006/math">
@@ -18356,7 +18428,7 @@
             </p:txBody>
           </p:sp>
         </mc:Choice>
-        <mc:Fallback xmlns="">
+        <mc:Fallback>
           <p:sp>
             <p:nvSpPr>
               <p:cNvPr id="3" name="Content Placeholder 2"/>
@@ -18384,7 +18456,7 @@
               <a:lstStyle/>
               <a:p>
                 <a:r>
-                  <a:rPr lang="en-US">
+                  <a:rPr lang="pt-BR">
                     <a:noFill/>
                   </a:rPr>
                   <a:t> </a:t>
@@ -18394,8 +18466,8 @@
           </p:sp>
         </mc:Fallback>
       </mc:AlternateContent>
-      <mc:AlternateContent xmlns:mc="http://schemas.openxmlformats.org/markup-compatibility/2006" xmlns:a14="http://schemas.microsoft.com/office/drawing/2010/main">
-        <mc:Choice Requires="a14">
+      <mc:AlternateContent xmlns:mc="http://schemas.openxmlformats.org/markup-compatibility/2006">
+        <mc:Choice xmlns:a14="http://schemas.microsoft.com/office/drawing/2010/main" Requires="a14">
           <p:sp>
             <p:nvSpPr>
               <p:cNvPr id="4" name="TextBox 3"/>
@@ -18404,8 +18476,8 @@
             </p:nvSpPr>
             <p:spPr>
               <a:xfrm>
-                <a:off x="1152722" y="4301931"/>
-                <a:ext cx="10775420" cy="2486643"/>
+                <a:off x="586183" y="4249379"/>
+                <a:ext cx="11375609" cy="2486643"/>
               </a:xfrm>
               <a:prstGeom prst="rect">
                 <a:avLst/>
@@ -18429,15 +18501,15 @@
                 </a:pPr>
                 <a:r>
                   <a:rPr lang="pt-BR" sz="1600" dirty="0"/>
-                  <a:t>Defina valores iniciais para o vetor de pesos </a:t>
+                  <a:t>Defina valores iniciais para a matriz de pesos </a:t>
                 </a:r>
                 <a14:m>
                   <m:oMath xmlns:m="http://schemas.openxmlformats.org/officeDocument/2006/math">
                     <m:r>
-                      <a:rPr lang="pt-BR" sz="1600" b="1" i="1">
+                      <a:rPr lang="pt-BR" sz="1600" b="1" i="1" smtClean="0">
                         <a:latin typeface="Cambria Math" panose="02040503050406030204" pitchFamily="18" charset="0"/>
                       </a:rPr>
-                      <m:t>𝒘</m:t>
+                      <m:t>𝑾</m:t>
                     </m:r>
                   </m:oMath>
                 </a14:m>
@@ -18490,7 +18562,29 @@
                 </a:pPr>
                 <a:r>
                   <a:rPr lang="pt-BR" sz="1600" dirty="0"/>
-                  <a:t>Faça </a:t>
+                  <a:t>Defina </a:t>
+                </a:r>
+                <a14:m>
+                  <m:oMath xmlns:m="http://schemas.openxmlformats.org/officeDocument/2006/math">
+                    <m:r>
+                      <a:rPr lang="pt-BR" sz="1600" i="1">
+                        <a:latin typeface="Cambria Math" panose="02040503050406030204" pitchFamily="18" charset="0"/>
+                      </a:rPr>
+                      <m:t>𝑚</m:t>
+                    </m:r>
+                  </m:oMath>
+                </a14:m>
+                <a:r>
+                  <a:rPr lang="pt-BR" sz="1600" dirty="0"/>
+                  <a:t> (tamanho do </a:t>
+                </a:r>
+                <a:r>
+                  <a:rPr lang="pt-BR" sz="1600" dirty="0" err="1"/>
+                  <a:t>mini-batch</a:t>
+                </a:r>
+                <a:r>
+                  <a:rPr lang="pt-BR" sz="1600" dirty="0"/>
+                  <a:t>), faça </a:t>
                 </a:r>
                 <a14:m>
                   <m:oMath xmlns:m="http://schemas.openxmlformats.org/officeDocument/2006/math">
@@ -18533,7 +18627,7 @@
                           <a:rPr lang="pt-BR" sz="1600" b="1" i="1">
                             <a:latin typeface="Cambria Math" panose="02040503050406030204" pitchFamily="18" charset="0"/>
                           </a:rPr>
-                          <m:t>𝒘</m:t>
+                          <m:t>𝑾</m:t>
                         </m:r>
                         <m:d>
                           <m:dPr>
@@ -18616,27 +18710,29 @@
                 </a:pPr>
                 <a:r>
                   <a:rPr lang="pt-BR" sz="1600" dirty="0"/>
-                  <a:t>Apresente o exemplo </a:t>
+                  <a:t>Apresente o </a:t>
                 </a:r>
                 <a14:m>
                   <m:oMath xmlns:m="http://schemas.openxmlformats.org/officeDocument/2006/math">
                     <m:r>
-                      <a:rPr lang="pt-BR" sz="1600" i="1">
+                      <a:rPr lang="pt-BR" sz="1600" i="1" smtClean="0">
                         <a:latin typeface="Cambria Math" panose="02040503050406030204" pitchFamily="18" charset="0"/>
                       </a:rPr>
                       <m:t>𝑙</m:t>
                     </m:r>
-                    <m:r>
-                      <a:rPr lang="pt-BR" sz="1600" i="1">
-                        <a:latin typeface="Cambria Math" panose="02040503050406030204" pitchFamily="18" charset="0"/>
-                      </a:rPr>
-                      <m:t> </m:t>
-                    </m:r>
                   </m:oMath>
                 </a14:m>
                 <a:r>
                   <a:rPr lang="pt-BR" sz="1600" dirty="0"/>
-                  <a:t>de entrada, amostrado aleatóriamente sem reposição do conjunto de treinamento, à rede.</a:t>
+                  <a:t>-</a:t>
+                </a:r>
+                <a:r>
+                  <a:rPr lang="pt-BR" sz="1600" dirty="0" err="1"/>
+                  <a:t>ésimo</a:t>
+                </a:r>
+                <a:r>
+                  <a:rPr lang="pt-BR" sz="1600" dirty="0"/>
+                  <a:t> exemplo de entrada, amostrado aleatóriamente sem reposição do conjunto de treinamento, à rede.</a:t>
                 </a:r>
               </a:p>
               <a:p>
@@ -18688,7 +18784,7 @@
                           <a:rPr lang="pt-BR" sz="1600" b="1" i="1">
                             <a:latin typeface="Cambria Math" panose="02040503050406030204" pitchFamily="18" charset="0"/>
                           </a:rPr>
-                          <m:t>𝒘</m:t>
+                          <m:t>𝑾</m:t>
                         </m:r>
                         <m:d>
                           <m:dPr>
@@ -18762,7 +18858,7 @@
                           <a:rPr lang="pt-BR" sz="1600" b="1" i="1">
                             <a:latin typeface="Cambria Math" panose="02040503050406030204" pitchFamily="18" charset="0"/>
                           </a:rPr>
-                          <m:t>𝒘</m:t>
+                          <m:t>𝑾</m:t>
                         </m:r>
                         <m:d>
                           <m:dPr>
@@ -18801,7 +18897,13 @@
                       <a:rPr lang="pt-BR" sz="1600" b="1" i="1">
                         <a:latin typeface="Cambria Math" panose="02040503050406030204" pitchFamily="18" charset="0"/>
                       </a:rPr>
-                      <m:t>𝒘</m:t>
+                      <m:t>𝑾</m:t>
+                    </m:r>
+                    <m:r>
+                      <a:rPr lang="pt-BR" sz="1600" b="1" i="1">
+                        <a:latin typeface="Cambria Math" panose="02040503050406030204" pitchFamily="18" charset="0"/>
+                      </a:rPr>
+                      <m:t> </m:t>
                     </m:r>
                     <m:d>
                       <m:dPr>
@@ -18836,7 +18938,7 @@
                       <a:rPr lang="pt-BR" sz="1600" b="1" i="1">
                         <a:latin typeface="Cambria Math" panose="02040503050406030204" pitchFamily="18" charset="0"/>
                       </a:rPr>
-                      <m:t>𝒘</m:t>
+                      <m:t>𝑾</m:t>
                     </m:r>
                     <m:d>
                       <m:dPr>
@@ -18864,14 +18966,14 @@
                     <m:f>
                       <m:fPr>
                         <m:ctrlPr>
-                          <a:rPr lang="pt-BR" sz="1600" b="1" i="1" smtClean="0">
+                          <a:rPr lang="pt-BR" sz="1600" i="1" smtClean="0">
                             <a:latin typeface="Cambria Math" panose="02040503050406030204" pitchFamily="18" charset="0"/>
                           </a:rPr>
                         </m:ctrlPr>
                       </m:fPr>
                       <m:num>
                         <m:r>
-                          <a:rPr lang="pt-BR" sz="1600" i="1">
+                          <a:rPr lang="pt-BR" sz="1600" b="0" i="1">
                             <a:latin typeface="Cambria Math" panose="02040503050406030204" pitchFamily="18" charset="0"/>
                             <a:ea typeface="Cambria Math" panose="02040503050406030204" pitchFamily="18" charset="0"/>
                           </a:rPr>
@@ -18880,10 +18982,10 @@
                       </m:num>
                       <m:den>
                         <m:r>
-                          <a:rPr lang="pt-BR" sz="1600" b="1" i="1" smtClean="0">
+                          <a:rPr lang="pt-BR" sz="1600" b="0" i="1" smtClean="0">
                             <a:latin typeface="Cambria Math" panose="02040503050406030204" pitchFamily="18" charset="0"/>
                           </a:rPr>
-                          <m:t>𝒎</m:t>
+                          <m:t>𝑚</m:t>
                         </m:r>
                       </m:den>
                     </m:f>
@@ -18915,10 +19017,10 @@
                       </m:sub>
                       <m:sup>
                         <m:r>
-                          <a:rPr lang="pt-BR" sz="1600" b="1" i="1" smtClean="0">
+                          <a:rPr lang="pt-BR" sz="1600" b="0" i="1" smtClean="0">
                             <a:latin typeface="Cambria Math" panose="02040503050406030204" pitchFamily="18" charset="0"/>
                           </a:rPr>
-                          <m:t>𝒎</m:t>
+                          <m:t>𝑚</m:t>
                         </m:r>
                       </m:sup>
                       <m:e>
@@ -18967,7 +19069,7 @@
                               <a:rPr lang="pt-BR" sz="1600" b="1" i="1">
                                 <a:latin typeface="Cambria Math" panose="02040503050406030204" pitchFamily="18" charset="0"/>
                               </a:rPr>
-                              <m:t>𝒘</m:t>
+                              <m:t>𝑾</m:t>
                             </m:r>
                             <m:d>
                               <m:dPr>
@@ -19070,7 +19172,7 @@
                           <a:rPr lang="pt-BR" sz="1600" b="1" i="1">
                             <a:latin typeface="Cambria Math" panose="02040503050406030204" pitchFamily="18" charset="0"/>
                           </a:rPr>
-                          <m:t>𝒘</m:t>
+                          <m:t>𝑾</m:t>
                         </m:r>
                         <m:d>
                           <m:dPr>
@@ -19101,7 +19203,7 @@
             </p:txBody>
           </p:sp>
         </mc:Choice>
-        <mc:Fallback xmlns="">
+        <mc:Fallback>
           <p:sp>
             <p:nvSpPr>
               <p:cNvPr id="4" name="TextBox 3"/>
@@ -19112,8 +19214,8 @@
             </p:nvSpPr>
             <p:spPr>
               <a:xfrm>
-                <a:off x="1152722" y="4301931"/>
-                <a:ext cx="10775420" cy="2486643"/>
+                <a:off x="586183" y="4249379"/>
+                <a:ext cx="11375609" cy="2486643"/>
               </a:xfrm>
               <a:prstGeom prst="rect">
                 <a:avLst/>
@@ -19121,7 +19223,7 @@
               <a:blipFill>
                 <a:blip r:embed="rId3"/>
                 <a:stretch>
-                  <a:fillRect l="-169" t="-488" b="-1463"/>
+                  <a:fillRect l="-161" t="-488" b="-1463"/>
                 </a:stretch>
               </a:blipFill>
               <a:ln>
@@ -19135,7 +19237,7 @@
               <a:lstStyle/>
               <a:p>
                 <a:r>
-                  <a:rPr lang="en-US">
+                  <a:rPr lang="pt-BR">
                     <a:noFill/>
                   </a:rPr>
                   <a:t> </a:t>
@@ -19279,34 +19381,22 @@
             </a:pPr>
             <a:r>
               <a:rPr lang="pt-BR" dirty="0"/>
-              <a:t>Nos slides anteriores, nós vimos que o </a:t>
-            </a:r>
-            <a:r>
-              <a:rPr lang="pt-BR" dirty="0" smtClean="0"/>
-              <a:t>aprendizado </a:t>
-            </a:r>
-            <a:r>
-              <a:rPr lang="pt-BR" b="1" i="1" dirty="0" smtClean="0"/>
+              <a:t>Nos slides anteriores, nós vimos que o aprendizado </a:t>
+            </a:r>
+            <a:r>
+              <a:rPr lang="pt-BR" b="1" i="1" dirty="0"/>
               <a:t>online</a:t>
             </a:r>
             <a:r>
-              <a:rPr lang="pt-BR" dirty="0" smtClean="0"/>
-              <a:t> </a:t>
-            </a:r>
-            <a:r>
               <a:rPr lang="pt-BR" dirty="0"/>
-              <a:t>utiliza um único exemplo </a:t>
-            </a:r>
-            <a:r>
-              <a:rPr lang="pt-BR" dirty="0" smtClean="0"/>
-              <a:t>(tomado </a:t>
-            </a:r>
-            <a:r>
-              <a:rPr lang="pt-BR" dirty="0"/>
-              <a:t>aleatóriamente) para </a:t>
-            </a:r>
-            <a:r>
-              <a:rPr lang="pt-BR" b="1" i="1" dirty="0"/>
+              <a:t> utiliza um único exemplo (tomado aleatóriamente) para </a:t>
+            </a:r>
+            <a:r>
+              <a:rPr lang="pt-BR" b="1" i="1" dirty="0">
+                <a:solidFill>
+                  <a:srgbClr val="00B050"/>
+                </a:solidFill>
+              </a:rPr>
               <a:t>estimar</a:t>
             </a:r>
             <a:r>
@@ -19339,7 +19429,6 @@
               <a:rPr lang="pt-BR" dirty="0"/>
               <a:t>. </a:t>
             </a:r>
-            <a:endParaRPr lang="pt-BR" dirty="0" smtClean="0"/>
           </a:p>
           <a:p>
             <a:pPr lvl="1">
@@ -19347,12 +19436,8 @@
               <a:buChar char="§"/>
             </a:pPr>
             <a:r>
-              <a:rPr lang="pt-BR" dirty="0" smtClean="0"/>
-              <a:t>Caso </a:t>
-            </a:r>
-            <a:r>
               <a:rPr lang="pt-BR" dirty="0"/>
-              <a:t>utilizemos </a:t>
+              <a:t>Caso utilizemos </a:t>
             </a:r>
             <a:r>
               <a:rPr lang="pt-BR" b="1" i="1" dirty="0"/>
@@ -19390,19 +19475,23 @@
             </a:r>
             <a:r>
               <a:rPr lang="pt-BR" b="1" i="1" dirty="0"/>
-              <a:t>primeira </a:t>
-            </a:r>
-            <a:r>
-              <a:rPr lang="pt-BR" b="1" i="1" dirty="0" smtClean="0"/>
-              <a:t>ordem</a:t>
-            </a:r>
-            <a:r>
-              <a:rPr lang="pt-BR" dirty="0" smtClean="0"/>
-              <a:t> (ou seja, métodos baseados na derivada parcial de primeira ordem), </a:t>
+              <a:t>primeira ordem</a:t>
             </a:r>
             <a:r>
               <a:rPr lang="pt-BR" dirty="0"/>
-              <a:t>como o </a:t>
+              <a:t> (ou seja, métodos baseados na derivada parcial de primeira ordem) que </a:t>
+            </a:r>
+            <a:r>
+              <a:rPr lang="pt-BR" b="1" i="1" dirty="0">
+                <a:solidFill>
+                  <a:srgbClr val="00B050"/>
+                </a:solidFill>
+              </a:rPr>
+              <a:t>aproximam o gradiente</a:t>
+            </a:r>
+            <a:r>
+              <a:rPr lang="pt-BR" dirty="0"/>
+              <a:t>, como o </a:t>
             </a:r>
             <a:r>
               <a:rPr lang="pt-BR" b="1" i="1" dirty="0"/>

--- a/slides/T320_Redes_Neurais_Artificiais (Parte IV).pptx
+++ b/slides/T320_Redes_Neurais_Artificiais (Parte IV).pptx
@@ -256,7 +256,7 @@
           <a:p>
             <a:fld id="{C3C82C08-3EFC-4473-8294-F0E229C19EFF}" type="datetimeFigureOut">
               <a:rPr lang="pt-BR" smtClean="0"/>
-              <a:t>09/06/2023</a:t>
+              <a:t>12/06/2023</a:t>
             </a:fld>
             <a:endParaRPr lang="pt-BR"/>
           </a:p>
@@ -2761,7 +2761,7 @@
           <a:p>
             <a:fld id="{221D0464-8C8A-49C0-859F-777E51766A35}" type="datetimeFigureOut">
               <a:rPr lang="pt-BR" smtClean="0"/>
-              <a:t>09/06/2023</a:t>
+              <a:t>12/06/2023</a:t>
             </a:fld>
             <a:endParaRPr lang="pt-BR"/>
           </a:p>
@@ -2931,7 +2931,7 @@
           <a:p>
             <a:fld id="{221D0464-8C8A-49C0-859F-777E51766A35}" type="datetimeFigureOut">
               <a:rPr lang="pt-BR" smtClean="0"/>
-              <a:t>09/06/2023</a:t>
+              <a:t>12/06/2023</a:t>
             </a:fld>
             <a:endParaRPr lang="pt-BR"/>
           </a:p>
@@ -3111,7 +3111,7 @@
           <a:p>
             <a:fld id="{221D0464-8C8A-49C0-859F-777E51766A35}" type="datetimeFigureOut">
               <a:rPr lang="pt-BR" smtClean="0"/>
-              <a:t>09/06/2023</a:t>
+              <a:t>12/06/2023</a:t>
             </a:fld>
             <a:endParaRPr lang="pt-BR"/>
           </a:p>
@@ -3281,7 +3281,7 @@
           <a:p>
             <a:fld id="{221D0464-8C8A-49C0-859F-777E51766A35}" type="datetimeFigureOut">
               <a:rPr lang="pt-BR" smtClean="0"/>
-              <a:t>09/06/2023</a:t>
+              <a:t>12/06/2023</a:t>
             </a:fld>
             <a:endParaRPr lang="pt-BR"/>
           </a:p>
@@ -3527,7 +3527,7 @@
           <a:p>
             <a:fld id="{221D0464-8C8A-49C0-859F-777E51766A35}" type="datetimeFigureOut">
               <a:rPr lang="pt-BR" smtClean="0"/>
-              <a:t>09/06/2023</a:t>
+              <a:t>12/06/2023</a:t>
             </a:fld>
             <a:endParaRPr lang="pt-BR"/>
           </a:p>
@@ -3759,7 +3759,7 @@
           <a:p>
             <a:fld id="{221D0464-8C8A-49C0-859F-777E51766A35}" type="datetimeFigureOut">
               <a:rPr lang="pt-BR" smtClean="0"/>
-              <a:t>09/06/2023</a:t>
+              <a:t>12/06/2023</a:t>
             </a:fld>
             <a:endParaRPr lang="pt-BR"/>
           </a:p>
@@ -4126,7 +4126,7 @@
           <a:p>
             <a:fld id="{221D0464-8C8A-49C0-859F-777E51766A35}" type="datetimeFigureOut">
               <a:rPr lang="pt-BR" smtClean="0"/>
-              <a:t>09/06/2023</a:t>
+              <a:t>12/06/2023</a:t>
             </a:fld>
             <a:endParaRPr lang="pt-BR"/>
           </a:p>
@@ -4244,7 +4244,7 @@
           <a:p>
             <a:fld id="{221D0464-8C8A-49C0-859F-777E51766A35}" type="datetimeFigureOut">
               <a:rPr lang="pt-BR" smtClean="0"/>
-              <a:t>09/06/2023</a:t>
+              <a:t>12/06/2023</a:t>
             </a:fld>
             <a:endParaRPr lang="pt-BR"/>
           </a:p>
@@ -4339,7 +4339,7 @@
           <a:p>
             <a:fld id="{221D0464-8C8A-49C0-859F-777E51766A35}" type="datetimeFigureOut">
               <a:rPr lang="pt-BR" smtClean="0"/>
-              <a:t>09/06/2023</a:t>
+              <a:t>12/06/2023</a:t>
             </a:fld>
             <a:endParaRPr lang="pt-BR"/>
           </a:p>
@@ -4616,7 +4616,7 @@
           <a:p>
             <a:fld id="{221D0464-8C8A-49C0-859F-777E51766A35}" type="datetimeFigureOut">
               <a:rPr lang="pt-BR" smtClean="0"/>
-              <a:t>09/06/2023</a:t>
+              <a:t>12/06/2023</a:t>
             </a:fld>
             <a:endParaRPr lang="pt-BR"/>
           </a:p>
@@ -4869,7 +4869,7 @@
           <a:p>
             <a:fld id="{221D0464-8C8A-49C0-859F-777E51766A35}" type="datetimeFigureOut">
               <a:rPr lang="pt-BR" smtClean="0"/>
-              <a:t>09/06/2023</a:t>
+              <a:t>12/06/2023</a:t>
             </a:fld>
             <a:endParaRPr lang="pt-BR"/>
           </a:p>
@@ -5082,7 +5082,7 @@
           <a:p>
             <a:fld id="{221D0464-8C8A-49C0-859F-777E51766A35}" type="datetimeFigureOut">
               <a:rPr lang="pt-BR" smtClean="0"/>
-              <a:t>09/06/2023</a:t>
+              <a:t>12/06/2023</a:t>
             </a:fld>
             <a:endParaRPr lang="pt-BR"/>
           </a:p>
@@ -5717,8 +5717,8 @@
           </a:p>
         </p:txBody>
       </p:sp>
-      <mc:AlternateContent xmlns:mc="http://schemas.openxmlformats.org/markup-compatibility/2006">
-        <mc:Choice xmlns:a14="http://schemas.microsoft.com/office/drawing/2010/main" Requires="a14">
+      <mc:AlternateContent xmlns:mc="http://schemas.openxmlformats.org/markup-compatibility/2006" xmlns:a14="http://schemas.microsoft.com/office/drawing/2010/main">
+        <mc:Choice Requires="a14">
           <p:sp>
             <p:nvSpPr>
               <p:cNvPr id="3" name="Content Placeholder 2"/>
@@ -6222,7 +6222,7 @@
             </p:txBody>
           </p:sp>
         </mc:Choice>
-        <mc:Fallback>
+        <mc:Fallback xmlns="">
           <p:sp>
             <p:nvSpPr>
               <p:cNvPr id="3" name="Content Placeholder 2"/>
@@ -6710,8 +6710,8 @@
           </a:p>
         </p:txBody>
       </p:sp>
-      <mc:AlternateContent xmlns:mc="http://schemas.openxmlformats.org/markup-compatibility/2006">
-        <mc:Choice xmlns:a14="http://schemas.microsoft.com/office/drawing/2010/main" Requires="a14">
+      <mc:AlternateContent xmlns:mc="http://schemas.openxmlformats.org/markup-compatibility/2006" xmlns:a14="http://schemas.microsoft.com/office/drawing/2010/main">
+        <mc:Choice Requires="a14">
           <p:sp>
             <p:nvSpPr>
               <p:cNvPr id="3" name="Content Placeholder 2"/>
@@ -7270,7 +7270,7 @@
             </p:txBody>
           </p:sp>
         </mc:Choice>
-        <mc:Fallback>
+        <mc:Fallback xmlns="">
           <p:sp>
             <p:nvSpPr>
               <p:cNvPr id="3" name="Content Placeholder 2"/>
@@ -7395,8 +7395,8 @@
           </a:p>
         </p:txBody>
       </p:sp>
-      <mc:AlternateContent xmlns:mc="http://schemas.openxmlformats.org/markup-compatibility/2006">
-        <mc:Choice xmlns:a14="http://schemas.microsoft.com/office/drawing/2010/main" Requires="a14">
+      <mc:AlternateContent xmlns:mc="http://schemas.openxmlformats.org/markup-compatibility/2006" xmlns:a14="http://schemas.microsoft.com/office/drawing/2010/main">
+        <mc:Choice Requires="a14">
           <p:sp>
             <p:nvSpPr>
               <p:cNvPr id="3" name="Content Placeholder 2"/>
@@ -7549,7 +7549,7 @@
             </p:txBody>
           </p:sp>
         </mc:Choice>
-        <mc:Fallback>
+        <mc:Fallback xmlns="">
           <p:sp>
             <p:nvSpPr>
               <p:cNvPr id="3" name="Content Placeholder 2"/>
@@ -7741,7 +7741,7 @@
                 </a:r>
                 <a:r>
                   <a:rPr lang="pt-BR" dirty="0"/>
-                  <a:t> não é feito em relação o vetor de pesos </a:t>
+                  <a:t> não é feito em relação ao vetor de pesos </a:t>
                 </a:r>
                 <a14:m>
                   <m:oMath xmlns:m="http://schemas.openxmlformats.org/officeDocument/2006/math">
@@ -7938,7 +7938,7 @@
                 </a:pPr>
                 <a:r>
                   <a:rPr lang="pt-BR" dirty="0"/>
-                  <a:t>Portanto, esses métodos são adequados para redes neurais, onde a s</a:t>
+                  <a:t>Portanto, esses métodos são adequados para redes neurais, onde a </a:t>
                 </a:r>
                 <a:r>
                   <a:rPr lang="pt-BR" b="1" i="1" dirty="0">
@@ -7946,7 +7946,7 @@
                       <a:srgbClr val="00B050"/>
                     </a:solidFill>
                   </a:rPr>
-                  <a:t>uperfície de erro é diferente em diferentes dimensões, tornando a atualização dos pesos mais efetiva</a:t>
+                  <a:t>superfície de erro é bastante irregular e diferente em diferentes dimensões, tornando a atualização dos pesos mais efetiva</a:t>
                 </a:r>
                 <a:r>
                   <a:rPr lang="pt-BR" dirty="0"/>
@@ -8006,7 +8006,7 @@
               <a:blipFill>
                 <a:blip r:embed="rId3"/>
                 <a:stretch>
-                  <a:fillRect l="-814" t="-2990"/>
+                  <a:fillRect l="-814" t="-2990" r="-1194" b="-1555"/>
                 </a:stretch>
               </a:blipFill>
             </p:spPr>
@@ -8236,7 +8236,7 @@
             </a:r>
             <a:r>
               <a:rPr lang="pt-BR" dirty="0"/>
-              <a:t> e conectados às mesmas entradas, devem ter pesos iniciais diferentes, caso contrário, eles terão os mesmos pesos. </a:t>
+              <a:t> e conectados às mesmas entradas, devem ter pesos iniciais diferentes, caso contrário, eles terão os mesmos pesos ao longo do treinamento. </a:t>
             </a:r>
           </a:p>
           <a:p>
@@ -8603,8 +8603,8 @@
           </a:p>
         </p:txBody>
       </p:sp>
-      <mc:AlternateContent xmlns:mc="http://schemas.openxmlformats.org/markup-compatibility/2006">
-        <mc:Choice xmlns:a14="http://schemas.microsoft.com/office/drawing/2010/main" Requires="a14">
+      <mc:AlternateContent xmlns:mc="http://schemas.openxmlformats.org/markup-compatibility/2006" xmlns:a14="http://schemas.microsoft.com/office/drawing/2010/main">
+        <mc:Choice Requires="a14">
           <p:sp>
             <p:nvSpPr>
               <p:cNvPr id="3" name="Content Placeholder 2"/>
@@ -8740,7 +8740,7 @@
             </p:txBody>
           </p:sp>
         </mc:Choice>
-        <mc:Fallback>
+        <mc:Fallback xmlns="">
           <p:sp>
             <p:nvSpPr>
               <p:cNvPr id="3" name="Content Placeholder 2"/>
@@ -15442,13 +15442,37 @@
                                 <a:rPr lang="pt-BR" sz="2400" b="1" i="1" smtClean="0">
                                   <a:latin typeface="Cambria Math" panose="02040503050406030204" pitchFamily="18" charset="0"/>
                                 </a:rPr>
-                                <m:t>𝑿</m:t>
+                                <m:t>𝒙</m:t>
+                              </m:r>
+                              <m:r>
+                                <a:rPr lang="pt-BR" sz="2400" b="0" i="1" smtClean="0">
+                                  <a:latin typeface="Cambria Math" panose="02040503050406030204" pitchFamily="18" charset="0"/>
+                                </a:rPr>
+                                <m:t>(</m:t>
+                              </m:r>
+                              <m:r>
+                                <a:rPr lang="pt-BR" sz="2400" b="0" i="1" smtClean="0">
+                                  <a:latin typeface="Cambria Math" panose="02040503050406030204" pitchFamily="18" charset="0"/>
+                                </a:rPr>
+                                <m:t>𝑛</m:t>
+                              </m:r>
+                              <m:r>
+                                <a:rPr lang="pt-BR" sz="2400" b="0" i="1" smtClean="0">
+                                  <a:latin typeface="Cambria Math" panose="02040503050406030204" pitchFamily="18" charset="0"/>
+                                </a:rPr>
+                                <m:t>)</m:t>
                               </m:r>
                               <m:r>
                                 <a:rPr lang="pt-BR" sz="2400" b="1" i="1" smtClean="0">
                                   <a:latin typeface="Cambria Math" panose="02040503050406030204" pitchFamily="18" charset="0"/>
                                 </a:rPr>
                                 <m:t> |</m:t>
+                              </m:r>
+                              <m:r>
+                                <a:rPr lang="pt-BR" sz="2400" b="1" i="1" smtClean="0">
+                                  <a:latin typeface="Cambria Math" panose="02040503050406030204" pitchFamily="18" charset="0"/>
+                                </a:rPr>
+                                <m:t> </m:t>
                               </m:r>
                               <m:r>
                                 <a:rPr lang="pt-BR" sz="2400" b="1" i="1">
@@ -16429,7 +16453,7 @@
         <p:spPr>
           <a:xfrm flipH="1">
             <a:off x="3520966" y="3977589"/>
-            <a:ext cx="2941124" cy="134936"/>
+            <a:ext cx="3155074" cy="134936"/>
           </a:xfrm>
           <a:prstGeom prst="straightConnector1">
             <a:avLst/>
@@ -16464,7 +16488,7 @@
         </p:nvSpPr>
         <p:spPr>
           <a:xfrm>
-            <a:off x="6444813" y="3080107"/>
+            <a:off x="6676040" y="3080107"/>
             <a:ext cx="894523" cy="897482"/>
           </a:xfrm>
           <a:prstGeom prst="rect">
@@ -16646,8 +16670,8 @@
           </a:p>
         </p:txBody>
       </p:sp>
-      <mc:AlternateContent xmlns:mc="http://schemas.openxmlformats.org/markup-compatibility/2006">
-        <mc:Choice xmlns:a14="http://schemas.microsoft.com/office/drawing/2010/main" Requires="a14">
+      <mc:AlternateContent xmlns:mc="http://schemas.openxmlformats.org/markup-compatibility/2006" xmlns:a14="http://schemas.microsoft.com/office/drawing/2010/main">
+        <mc:Choice Requires="a14">
           <p:sp>
             <p:nvSpPr>
               <p:cNvPr id="5" name="TextBox 4"/>
@@ -17342,7 +17366,7 @@
             </p:txBody>
           </p:sp>
         </mc:Choice>
-        <mc:Fallback>
+        <mc:Fallback xmlns="">
           <p:sp>
             <p:nvSpPr>
               <p:cNvPr id="5" name="TextBox 4"/>
@@ -17506,8 +17530,8 @@
           </a:p>
         </p:txBody>
       </p:sp>
-      <mc:AlternateContent xmlns:mc="http://schemas.openxmlformats.org/markup-compatibility/2006">
-        <mc:Choice xmlns:a14="http://schemas.microsoft.com/office/drawing/2010/main" Requires="a14">
+      <mc:AlternateContent xmlns:mc="http://schemas.openxmlformats.org/markup-compatibility/2006" xmlns:a14="http://schemas.microsoft.com/office/drawing/2010/main">
+        <mc:Choice Requires="a14">
           <p:sp>
             <p:nvSpPr>
               <p:cNvPr id="4" name="TextBox 3"/>
@@ -18205,7 +18229,7 @@
             </p:txBody>
           </p:sp>
         </mc:Choice>
-        <mc:Fallback>
+        <mc:Fallback xmlns="">
           <p:sp>
             <p:nvSpPr>
               <p:cNvPr id="4" name="TextBox 3"/>
@@ -18406,7 +18430,7 @@
                 </a:r>
                 <a:r>
                   <a:rPr lang="pt-BR" dirty="0"/>
-                  <a:t>.: As amostras que compõem o </a:t>
+                  <a:t>.: As amostras que compõem um </a:t>
                 </a:r>
                 <a:r>
                   <a:rPr lang="pt-BR" b="1" i="1" dirty="0" err="1"/>
@@ -18447,7 +18471,7 @@
               <a:blipFill>
                 <a:blip r:embed="rId2"/>
                 <a:stretch>
-                  <a:fillRect l="-815" t="-5386" r="-489" b="-2810"/>
+                  <a:fillRect l="-815" t="-5386" r="-760" b="-2810"/>
                 </a:stretch>
               </a:blipFill>
             </p:spPr>
@@ -18466,8 +18490,8 @@
           </p:sp>
         </mc:Fallback>
       </mc:AlternateContent>
-      <mc:AlternateContent xmlns:mc="http://schemas.openxmlformats.org/markup-compatibility/2006">
-        <mc:Choice xmlns:a14="http://schemas.microsoft.com/office/drawing/2010/main" Requires="a14">
+      <mc:AlternateContent xmlns:mc="http://schemas.openxmlformats.org/markup-compatibility/2006" xmlns:a14="http://schemas.microsoft.com/office/drawing/2010/main">
+        <mc:Choice Requires="a14">
           <p:sp>
             <p:nvSpPr>
               <p:cNvPr id="4" name="TextBox 3"/>
@@ -19203,7 +19227,7 @@
             </p:txBody>
           </p:sp>
         </mc:Choice>
-        <mc:Fallback>
+        <mc:Fallback xmlns="">
           <p:sp>
             <p:nvSpPr>
               <p:cNvPr id="4" name="TextBox 3"/>

--- a/slides/T320_Redes_Neurais_Artificiais (Parte IV).pptx
+++ b/slides/T320_Redes_Neurais_Artificiais (Parte IV).pptx
@@ -256,7 +256,7 @@
           <a:p>
             <a:fld id="{C3C82C08-3EFC-4473-8294-F0E229C19EFF}" type="datetimeFigureOut">
               <a:rPr lang="pt-BR" smtClean="0"/>
-              <a:t>12/06/2023</a:t>
+              <a:t>22/10/2023</a:t>
             </a:fld>
             <a:endParaRPr lang="pt-BR"/>
           </a:p>
@@ -2761,7 +2761,7 @@
           <a:p>
             <a:fld id="{221D0464-8C8A-49C0-859F-777E51766A35}" type="datetimeFigureOut">
               <a:rPr lang="pt-BR" smtClean="0"/>
-              <a:t>12/06/2023</a:t>
+              <a:t>22/10/2023</a:t>
             </a:fld>
             <a:endParaRPr lang="pt-BR"/>
           </a:p>
@@ -2931,7 +2931,7 @@
           <a:p>
             <a:fld id="{221D0464-8C8A-49C0-859F-777E51766A35}" type="datetimeFigureOut">
               <a:rPr lang="pt-BR" smtClean="0"/>
-              <a:t>12/06/2023</a:t>
+              <a:t>22/10/2023</a:t>
             </a:fld>
             <a:endParaRPr lang="pt-BR"/>
           </a:p>
@@ -3111,7 +3111,7 @@
           <a:p>
             <a:fld id="{221D0464-8C8A-49C0-859F-777E51766A35}" type="datetimeFigureOut">
               <a:rPr lang="pt-BR" smtClean="0"/>
-              <a:t>12/06/2023</a:t>
+              <a:t>22/10/2023</a:t>
             </a:fld>
             <a:endParaRPr lang="pt-BR"/>
           </a:p>
@@ -3281,7 +3281,7 @@
           <a:p>
             <a:fld id="{221D0464-8C8A-49C0-859F-777E51766A35}" type="datetimeFigureOut">
               <a:rPr lang="pt-BR" smtClean="0"/>
-              <a:t>12/06/2023</a:t>
+              <a:t>22/10/2023</a:t>
             </a:fld>
             <a:endParaRPr lang="pt-BR"/>
           </a:p>
@@ -3527,7 +3527,7 @@
           <a:p>
             <a:fld id="{221D0464-8C8A-49C0-859F-777E51766A35}" type="datetimeFigureOut">
               <a:rPr lang="pt-BR" smtClean="0"/>
-              <a:t>12/06/2023</a:t>
+              <a:t>22/10/2023</a:t>
             </a:fld>
             <a:endParaRPr lang="pt-BR"/>
           </a:p>
@@ -3759,7 +3759,7 @@
           <a:p>
             <a:fld id="{221D0464-8C8A-49C0-859F-777E51766A35}" type="datetimeFigureOut">
               <a:rPr lang="pt-BR" smtClean="0"/>
-              <a:t>12/06/2023</a:t>
+              <a:t>22/10/2023</a:t>
             </a:fld>
             <a:endParaRPr lang="pt-BR"/>
           </a:p>
@@ -4126,7 +4126,7 @@
           <a:p>
             <a:fld id="{221D0464-8C8A-49C0-859F-777E51766A35}" type="datetimeFigureOut">
               <a:rPr lang="pt-BR" smtClean="0"/>
-              <a:t>12/06/2023</a:t>
+              <a:t>22/10/2023</a:t>
             </a:fld>
             <a:endParaRPr lang="pt-BR"/>
           </a:p>
@@ -4244,7 +4244,7 @@
           <a:p>
             <a:fld id="{221D0464-8C8A-49C0-859F-777E51766A35}" type="datetimeFigureOut">
               <a:rPr lang="pt-BR" smtClean="0"/>
-              <a:t>12/06/2023</a:t>
+              <a:t>22/10/2023</a:t>
             </a:fld>
             <a:endParaRPr lang="pt-BR"/>
           </a:p>
@@ -4339,7 +4339,7 @@
           <a:p>
             <a:fld id="{221D0464-8C8A-49C0-859F-777E51766A35}" type="datetimeFigureOut">
               <a:rPr lang="pt-BR" smtClean="0"/>
-              <a:t>12/06/2023</a:t>
+              <a:t>22/10/2023</a:t>
             </a:fld>
             <a:endParaRPr lang="pt-BR"/>
           </a:p>
@@ -4616,7 +4616,7 @@
           <a:p>
             <a:fld id="{221D0464-8C8A-49C0-859F-777E51766A35}" type="datetimeFigureOut">
               <a:rPr lang="pt-BR" smtClean="0"/>
-              <a:t>12/06/2023</a:t>
+              <a:t>22/10/2023</a:t>
             </a:fld>
             <a:endParaRPr lang="pt-BR"/>
           </a:p>
@@ -4869,7 +4869,7 @@
           <a:p>
             <a:fld id="{221D0464-8C8A-49C0-859F-777E51766A35}" type="datetimeFigureOut">
               <a:rPr lang="pt-BR" smtClean="0"/>
-              <a:t>12/06/2023</a:t>
+              <a:t>22/10/2023</a:t>
             </a:fld>
             <a:endParaRPr lang="pt-BR"/>
           </a:p>
@@ -5082,7 +5082,7 @@
           <a:p>
             <a:fld id="{221D0464-8C8A-49C0-859F-777E51766A35}" type="datetimeFigureOut">
               <a:rPr lang="pt-BR" smtClean="0"/>
-              <a:t>12/06/2023</a:t>
+              <a:t>22/10/2023</a:t>
             </a:fld>
             <a:endParaRPr lang="pt-BR"/>
           </a:p>
@@ -7676,8 +7676,8 @@
           </a:p>
         </p:txBody>
       </p:sp>
-      <mc:AlternateContent xmlns:mc="http://schemas.openxmlformats.org/markup-compatibility/2006">
-        <mc:Choice xmlns:a14="http://schemas.microsoft.com/office/drawing/2010/main" Requires="a14">
+      <mc:AlternateContent xmlns:mc="http://schemas.openxmlformats.org/markup-compatibility/2006" xmlns:a14="http://schemas.microsoft.com/office/drawing/2010/main">
+        <mc:Choice Requires="a14">
           <p:sp>
             <p:nvSpPr>
               <p:cNvPr id="3" name="Content Placeholder 2"/>
@@ -7987,7 +7987,7 @@
             </p:txBody>
           </p:sp>
         </mc:Choice>
-        <mc:Fallback>
+        <mc:Fallback xmlns="">
           <p:sp>
             <p:nvSpPr>
               <p:cNvPr id="3" name="Content Placeholder 2"/>
@@ -11555,7 +11555,7 @@
         <p:spPr>
           <a:xfrm>
             <a:off x="838199" y="1825624"/>
-            <a:ext cx="11154879" cy="4854309"/>
+            <a:ext cx="11154879" cy="5032376"/>
           </a:xfrm>
         </p:spPr>
         <p:txBody>
@@ -11661,7 +11661,7 @@
                   <a:srgbClr val="FF0000"/>
                 </a:solidFill>
               </a:rPr>
-              <a:t>Mas, não se esqueçam de colocar os nomes de todos os integrantes do grupo.</a:t>
+              <a:t>Mas não se esqueçam de colocar os nomes de todos os integrantes do grupo.</a:t>
             </a:r>
           </a:p>
         </p:txBody>
@@ -15351,8 +15351,8 @@
           </a:p>
         </p:txBody>
       </p:sp>
-      <mc:AlternateContent xmlns:mc="http://schemas.openxmlformats.org/markup-compatibility/2006">
-        <mc:Choice xmlns:a14="http://schemas.microsoft.com/office/drawing/2010/main" Requires="a14">
+      <mc:AlternateContent xmlns:mc="http://schemas.openxmlformats.org/markup-compatibility/2006" xmlns:a14="http://schemas.microsoft.com/office/drawing/2010/main">
+        <mc:Choice Requires="a14">
           <p:sp>
             <p:nvSpPr>
               <p:cNvPr id="3" name="Content Placeholder 2"/>
@@ -15466,13 +15466,7 @@
                                 <a:rPr lang="pt-BR" sz="2400" b="1" i="1" smtClean="0">
                                   <a:latin typeface="Cambria Math" panose="02040503050406030204" pitchFamily="18" charset="0"/>
                                 </a:rPr>
-                                <m:t> |</m:t>
-                              </m:r>
-                              <m:r>
-                                <a:rPr lang="pt-BR" sz="2400" b="1" i="1" smtClean="0">
-                                  <a:latin typeface="Cambria Math" panose="02040503050406030204" pitchFamily="18" charset="0"/>
-                                </a:rPr>
-                                <m:t> </m:t>
+                                <m:t> | </m:t>
                               </m:r>
                               <m:r>
                                 <a:rPr lang="pt-BR" sz="2400" b="1" i="1">
@@ -16404,7 +16398,7 @@
             </p:txBody>
           </p:sp>
         </mc:Choice>
-        <mc:Fallback>
+        <mc:Fallback xmlns="">
           <p:sp>
             <p:nvSpPr>
               <p:cNvPr id="3" name="Content Placeholder 2"/>
@@ -18332,8 +18326,8 @@
           </a:p>
         </p:txBody>
       </p:sp>
-      <mc:AlternateContent xmlns:mc="http://schemas.openxmlformats.org/markup-compatibility/2006">
-        <mc:Choice xmlns:a14="http://schemas.microsoft.com/office/drawing/2010/main" Requires="a14">
+      <mc:AlternateContent xmlns:mc="http://schemas.openxmlformats.org/markup-compatibility/2006" xmlns:a14="http://schemas.microsoft.com/office/drawing/2010/main">
+        <mc:Choice Requires="a14">
           <p:sp>
             <p:nvSpPr>
               <p:cNvPr id="3" name="Content Placeholder 2"/>
@@ -18452,7 +18446,7 @@
             </p:txBody>
           </p:sp>
         </mc:Choice>
-        <mc:Fallback>
+        <mc:Fallback xmlns="">
           <p:sp>
             <p:nvSpPr>
               <p:cNvPr id="3" name="Content Placeholder 2"/>

--- a/slides/T320_Redes_Neurais_Artificiais (Parte IV).pptx
+++ b/slides/T320_Redes_Neurais_Artificiais (Parte IV).pptx
@@ -5,7 +5,7 @@
     <p:sldMasterId id="2147483648" r:id="rId1"/>
   </p:sldMasterIdLst>
   <p:notesMasterIdLst>
-    <p:notesMasterId r:id="rId25"/>
+    <p:notesMasterId r:id="rId24"/>
   </p:notesMasterIdLst>
   <p:sldIdLst>
     <p:sldId id="300" r:id="rId2"/>
@@ -13,24 +13,23 @@
     <p:sldId id="336" r:id="rId4"/>
     <p:sldId id="370" r:id="rId5"/>
     <p:sldId id="371" r:id="rId6"/>
-    <p:sldId id="372" r:id="rId7"/>
-    <p:sldId id="373" r:id="rId8"/>
-    <p:sldId id="374" r:id="rId9"/>
-    <p:sldId id="375" r:id="rId10"/>
-    <p:sldId id="376" r:id="rId11"/>
-    <p:sldId id="377" r:id="rId12"/>
-    <p:sldId id="378" r:id="rId13"/>
-    <p:sldId id="379" r:id="rId14"/>
-    <p:sldId id="347" r:id="rId15"/>
-    <p:sldId id="380" r:id="rId16"/>
-    <p:sldId id="381" r:id="rId17"/>
-    <p:sldId id="382" r:id="rId18"/>
-    <p:sldId id="301" r:id="rId19"/>
-    <p:sldId id="269" r:id="rId20"/>
-    <p:sldId id="303" r:id="rId21"/>
-    <p:sldId id="271" r:id="rId22"/>
-    <p:sldId id="365" r:id="rId23"/>
-    <p:sldId id="383" r:id="rId24"/>
+    <p:sldId id="384" r:id="rId7"/>
+    <p:sldId id="386" r:id="rId8"/>
+    <p:sldId id="385" r:id="rId9"/>
+    <p:sldId id="376" r:id="rId10"/>
+    <p:sldId id="377" r:id="rId11"/>
+    <p:sldId id="378" r:id="rId12"/>
+    <p:sldId id="379" r:id="rId13"/>
+    <p:sldId id="347" r:id="rId14"/>
+    <p:sldId id="380" r:id="rId15"/>
+    <p:sldId id="381" r:id="rId16"/>
+    <p:sldId id="382" r:id="rId17"/>
+    <p:sldId id="301" r:id="rId18"/>
+    <p:sldId id="269" r:id="rId19"/>
+    <p:sldId id="303" r:id="rId20"/>
+    <p:sldId id="271" r:id="rId21"/>
+    <p:sldId id="365" r:id="rId22"/>
+    <p:sldId id="383" r:id="rId23"/>
   </p:sldIdLst>
   <p:sldSz cx="12192000" cy="6858000"/>
   <p:notesSz cx="6858000" cy="9144000"/>
@@ -256,7 +255,7 @@
           <a:p>
             <a:fld id="{C3C82C08-3EFC-4473-8294-F0E229C19EFF}" type="datetimeFigureOut">
               <a:rPr lang="pt-BR" smtClean="0"/>
-              <a:t>22/10/2023</a:t>
+              <a:t>25/11/2023</a:t>
             </a:fld>
             <a:endParaRPr lang="pt-BR"/>
           </a:p>
@@ -696,7 +695,7 @@
           <a:p>
             <a:fld id="{6FC8D850-966F-45A6-8DE7-15B891E7D40D}" type="slidenum">
               <a:rPr lang="pt-BR" smtClean="0"/>
-              <a:t>18</a:t>
+              <a:t>17</a:t>
             </a:fld>
             <a:endParaRPr lang="pt-BR"/>
           </a:p>
@@ -910,7 +909,7 @@
           <a:p>
             <a:fld id="{F430A2A4-8C14-4B1A-AD48-7B6401078BF7}" type="slidenum">
               <a:rPr lang="pt-BR" smtClean="0"/>
-              <a:t>11</a:t>
+              <a:t>10</a:t>
             </a:fld>
             <a:endParaRPr lang="pt-BR"/>
           </a:p>
@@ -1347,7 +1346,7 @@
           <a:p>
             <a:fld id="{F430A2A4-8C14-4B1A-AD48-7B6401078BF7}" type="slidenum">
               <a:rPr lang="pt-BR" smtClean="0"/>
-              <a:t>12</a:t>
+              <a:t>11</a:t>
             </a:fld>
             <a:endParaRPr lang="pt-BR"/>
           </a:p>
@@ -1737,7 +1736,7 @@
           <a:p>
             <a:fld id="{F430A2A4-8C14-4B1A-AD48-7B6401078BF7}" type="slidenum">
               <a:rPr lang="pt-BR" smtClean="0"/>
-              <a:t>13</a:t>
+              <a:t>12</a:t>
             </a:fld>
             <a:endParaRPr lang="pt-BR"/>
           </a:p>
@@ -2042,7 +2041,7 @@
           <a:p>
             <a:fld id="{F430A2A4-8C14-4B1A-AD48-7B6401078BF7}" type="slidenum">
               <a:rPr lang="pt-BR" smtClean="0"/>
-              <a:t>14</a:t>
+              <a:t>13</a:t>
             </a:fld>
             <a:endParaRPr lang="pt-BR"/>
           </a:p>
@@ -2237,7 +2236,7 @@
           <a:p>
             <a:fld id="{F430A2A4-8C14-4B1A-AD48-7B6401078BF7}" type="slidenum">
               <a:rPr lang="pt-BR" smtClean="0"/>
-              <a:t>15</a:t>
+              <a:t>14</a:t>
             </a:fld>
             <a:endParaRPr lang="pt-BR"/>
           </a:p>
@@ -2508,7 +2507,7 @@
           <a:p>
             <a:fld id="{F430A2A4-8C14-4B1A-AD48-7B6401078BF7}" type="slidenum">
               <a:rPr lang="pt-BR" smtClean="0"/>
-              <a:t>16</a:t>
+              <a:t>15</a:t>
             </a:fld>
             <a:endParaRPr lang="pt-BR"/>
           </a:p>
@@ -2611,7 +2610,7 @@
           <a:p>
             <a:fld id="{F430A2A4-8C14-4B1A-AD48-7B6401078BF7}" type="slidenum">
               <a:rPr lang="pt-BR" smtClean="0"/>
-              <a:t>17</a:t>
+              <a:t>16</a:t>
             </a:fld>
             <a:endParaRPr lang="pt-BR"/>
           </a:p>
@@ -2761,7 +2760,7 @@
           <a:p>
             <a:fld id="{221D0464-8C8A-49C0-859F-777E51766A35}" type="datetimeFigureOut">
               <a:rPr lang="pt-BR" smtClean="0"/>
-              <a:t>22/10/2023</a:t>
+              <a:t>25/11/2023</a:t>
             </a:fld>
             <a:endParaRPr lang="pt-BR"/>
           </a:p>
@@ -2931,7 +2930,7 @@
           <a:p>
             <a:fld id="{221D0464-8C8A-49C0-859F-777E51766A35}" type="datetimeFigureOut">
               <a:rPr lang="pt-BR" smtClean="0"/>
-              <a:t>22/10/2023</a:t>
+              <a:t>25/11/2023</a:t>
             </a:fld>
             <a:endParaRPr lang="pt-BR"/>
           </a:p>
@@ -3111,7 +3110,7 @@
           <a:p>
             <a:fld id="{221D0464-8C8A-49C0-859F-777E51766A35}" type="datetimeFigureOut">
               <a:rPr lang="pt-BR" smtClean="0"/>
-              <a:t>22/10/2023</a:t>
+              <a:t>25/11/2023</a:t>
             </a:fld>
             <a:endParaRPr lang="pt-BR"/>
           </a:p>
@@ -3281,7 +3280,7 @@
           <a:p>
             <a:fld id="{221D0464-8C8A-49C0-859F-777E51766A35}" type="datetimeFigureOut">
               <a:rPr lang="pt-BR" smtClean="0"/>
-              <a:t>22/10/2023</a:t>
+              <a:t>25/11/2023</a:t>
             </a:fld>
             <a:endParaRPr lang="pt-BR"/>
           </a:p>
@@ -3527,7 +3526,7 @@
           <a:p>
             <a:fld id="{221D0464-8C8A-49C0-859F-777E51766A35}" type="datetimeFigureOut">
               <a:rPr lang="pt-BR" smtClean="0"/>
-              <a:t>22/10/2023</a:t>
+              <a:t>25/11/2023</a:t>
             </a:fld>
             <a:endParaRPr lang="pt-BR"/>
           </a:p>
@@ -3759,7 +3758,7 @@
           <a:p>
             <a:fld id="{221D0464-8C8A-49C0-859F-777E51766A35}" type="datetimeFigureOut">
               <a:rPr lang="pt-BR" smtClean="0"/>
-              <a:t>22/10/2023</a:t>
+              <a:t>25/11/2023</a:t>
             </a:fld>
             <a:endParaRPr lang="pt-BR"/>
           </a:p>
@@ -4126,7 +4125,7 @@
           <a:p>
             <a:fld id="{221D0464-8C8A-49C0-859F-777E51766A35}" type="datetimeFigureOut">
               <a:rPr lang="pt-BR" smtClean="0"/>
-              <a:t>22/10/2023</a:t>
+              <a:t>25/11/2023</a:t>
             </a:fld>
             <a:endParaRPr lang="pt-BR"/>
           </a:p>
@@ -4244,7 +4243,7 @@
           <a:p>
             <a:fld id="{221D0464-8C8A-49C0-859F-777E51766A35}" type="datetimeFigureOut">
               <a:rPr lang="pt-BR" smtClean="0"/>
-              <a:t>22/10/2023</a:t>
+              <a:t>25/11/2023</a:t>
             </a:fld>
             <a:endParaRPr lang="pt-BR"/>
           </a:p>
@@ -4339,7 +4338,7 @@
           <a:p>
             <a:fld id="{221D0464-8C8A-49C0-859F-777E51766A35}" type="datetimeFigureOut">
               <a:rPr lang="pt-BR" smtClean="0"/>
-              <a:t>22/10/2023</a:t>
+              <a:t>25/11/2023</a:t>
             </a:fld>
             <a:endParaRPr lang="pt-BR"/>
           </a:p>
@@ -4616,7 +4615,7 @@
           <a:p>
             <a:fld id="{221D0464-8C8A-49C0-859F-777E51766A35}" type="datetimeFigureOut">
               <a:rPr lang="pt-BR" smtClean="0"/>
-              <a:t>22/10/2023</a:t>
+              <a:t>25/11/2023</a:t>
             </a:fld>
             <a:endParaRPr lang="pt-BR"/>
           </a:p>
@@ -4869,7 +4868,7 @@
           <a:p>
             <a:fld id="{221D0464-8C8A-49C0-859F-777E51766A35}" type="datetimeFigureOut">
               <a:rPr lang="pt-BR" smtClean="0"/>
-              <a:t>22/10/2023</a:t>
+              <a:t>25/11/2023</a:t>
             </a:fld>
             <a:endParaRPr lang="pt-BR"/>
           </a:p>
@@ -5082,7 +5081,7 @@
           <a:p>
             <a:fld id="{221D0464-8C8A-49C0-859F-777E51766A35}" type="datetimeFigureOut">
               <a:rPr lang="pt-BR" smtClean="0"/>
-              <a:t>22/10/2023</a:t>
+              <a:t>25/11/2023</a:t>
             </a:fld>
             <a:endParaRPr lang="pt-BR"/>
           </a:p>
@@ -5705,994 +5704,6 @@
             <p:ph type="title"/>
           </p:nvPr>
         </p:nvSpPr>
-        <p:spPr/>
-        <p:txBody>
-          <a:bodyPr/>
-          <a:lstStyle/>
-          <a:p>
-            <a:r>
-              <a:rPr lang="pt-BR" dirty="0"/>
-              <a:t>Variações dos algoritmos de otimização dos pesos</a:t>
-            </a:r>
-          </a:p>
-        </p:txBody>
-      </p:sp>
-      <mc:AlternateContent xmlns:mc="http://schemas.openxmlformats.org/markup-compatibility/2006" xmlns:a14="http://schemas.microsoft.com/office/drawing/2010/main">
-        <mc:Choice Requires="a14">
-          <p:sp>
-            <p:nvSpPr>
-              <p:cNvPr id="3" name="Content Placeholder 2"/>
-              <p:cNvSpPr>
-                <a:spLocks noGrp="1"/>
-              </p:cNvSpPr>
-              <p:nvPr>
-                <p:ph idx="1"/>
-              </p:nvPr>
-            </p:nvSpPr>
-            <p:spPr>
-              <a:xfrm>
-                <a:off x="838197" y="1825624"/>
-                <a:ext cx="6963385" cy="5032375"/>
-              </a:xfrm>
-            </p:spPr>
-            <p:txBody>
-              <a:bodyPr>
-                <a:normAutofit fontScale="92500" lnSpcReduction="10000"/>
-              </a:bodyPr>
-              <a:lstStyle/>
-              <a:p>
-                <a:pPr>
-                  <a:buFont typeface="Wingdings" panose="05000000000000000000" pitchFamily="2" charset="2"/>
-                  <a:buChar char="Ø"/>
-                </a:pPr>
-                <a:r>
-                  <a:rPr lang="pt-BR" b="1" dirty="0"/>
-                  <a:t>Redução programada do passo de aprendizagem</a:t>
-                </a:r>
-              </a:p>
-              <a:p>
-                <a:pPr lvl="1">
-                  <a:buFont typeface="Wingdings" panose="05000000000000000000" pitchFamily="2" charset="2"/>
-                  <a:buChar char="§"/>
-                </a:pPr>
-                <a:r>
-                  <a:rPr lang="pt-BR" dirty="0"/>
-                  <a:t>A escolha do</a:t>
-                </a:r>
-                <a:r>
-                  <a:rPr lang="pt-BR" b="1" i="1" dirty="0"/>
-                  <a:t> passo de aprendizagem</a:t>
-                </a:r>
-                <a:r>
-                  <a:rPr lang="pt-BR" dirty="0"/>
-                  <a:t>, </a:t>
-                </a:r>
-                <a14:m>
-                  <m:oMath xmlns:m="http://schemas.openxmlformats.org/officeDocument/2006/math">
-                    <m:r>
-                      <a:rPr lang="pt-BR" i="1" smtClean="0">
-                        <a:latin typeface="Cambria Math" panose="02040503050406030204" pitchFamily="18" charset="0"/>
-                        <a:ea typeface="Cambria Math" panose="02040503050406030204" pitchFamily="18" charset="0"/>
-                      </a:rPr>
-                      <m:t>𝛼</m:t>
-                    </m:r>
-                  </m:oMath>
-                </a14:m>
-                <a:r>
-                  <a:rPr lang="pt-BR" dirty="0"/>
-                  <a:t>, é complicada e exige um compromisso entre velocidade de convergência e estabilidade/precisão. </a:t>
-                </a:r>
-              </a:p>
-              <a:p>
-                <a:pPr lvl="1">
-                  <a:buFont typeface="Wingdings" panose="05000000000000000000" pitchFamily="2" charset="2"/>
-                  <a:buChar char="§"/>
-                </a:pPr>
-                <a:r>
-                  <a:rPr lang="pt-BR" dirty="0"/>
-                  <a:t>Pode-se usar </a:t>
-                </a:r>
-                <a14:m>
-                  <m:oMath xmlns:m="http://schemas.openxmlformats.org/officeDocument/2006/math">
-                    <m:r>
-                      <a:rPr lang="pt-BR" i="1">
-                        <a:latin typeface="Cambria Math" panose="02040503050406030204" pitchFamily="18" charset="0"/>
-                        <a:ea typeface="Cambria Math" panose="02040503050406030204" pitchFamily="18" charset="0"/>
-                      </a:rPr>
-                      <m:t>𝛼</m:t>
-                    </m:r>
-                    <m:r>
-                      <a:rPr lang="pt-BR" i="1">
-                        <a:latin typeface="Cambria Math" panose="02040503050406030204" pitchFamily="18" charset="0"/>
-                        <a:ea typeface="Cambria Math" panose="02040503050406030204" pitchFamily="18" charset="0"/>
-                      </a:rPr>
-                      <m:t> </m:t>
-                    </m:r>
-                  </m:oMath>
-                </a14:m>
-                <a:r>
-                  <a:rPr lang="pt-BR" dirty="0"/>
-                  <a:t>com um valor fixo, mas, geralmente, para o GDE e MB, se adota uma variação decrescente de um valor </a:t>
-                </a:r>
-                <a14:m>
-                  <m:oMath xmlns:m="http://schemas.openxmlformats.org/officeDocument/2006/math">
-                    <m:sSub>
-                      <m:sSubPr>
-                        <m:ctrlPr>
-                          <a:rPr lang="pt-BR" i="1" smtClean="0">
-                            <a:latin typeface="Cambria Math" panose="02040503050406030204" pitchFamily="18" charset="0"/>
-                          </a:rPr>
-                        </m:ctrlPr>
-                      </m:sSubPr>
-                      <m:e>
-                        <m:r>
-                          <a:rPr lang="pt-BR" i="1" smtClean="0">
-                            <a:latin typeface="Cambria Math" panose="02040503050406030204" pitchFamily="18" charset="0"/>
-                            <a:ea typeface="Cambria Math" panose="02040503050406030204" pitchFamily="18" charset="0"/>
-                          </a:rPr>
-                          <m:t>𝛼</m:t>
-                        </m:r>
-                      </m:e>
-                      <m:sub>
-                        <m:r>
-                          <a:rPr lang="pt-BR" b="0" i="1" smtClean="0">
-                            <a:latin typeface="Cambria Math" panose="02040503050406030204" pitchFamily="18" charset="0"/>
-                          </a:rPr>
-                          <m:t>0</m:t>
-                        </m:r>
-                      </m:sub>
-                    </m:sSub>
-                  </m:oMath>
-                </a14:m>
-                <a:r>
-                  <a:rPr lang="pt-BR" dirty="0"/>
-                  <a:t> a um valor </a:t>
-                </a:r>
-                <a14:m>
-                  <m:oMath xmlns:m="http://schemas.openxmlformats.org/officeDocument/2006/math">
-                    <m:sSub>
-                      <m:sSubPr>
-                        <m:ctrlPr>
-                          <a:rPr lang="pt-BR" i="1">
-                            <a:latin typeface="Cambria Math" panose="02040503050406030204" pitchFamily="18" charset="0"/>
-                          </a:rPr>
-                        </m:ctrlPr>
-                      </m:sSubPr>
-                      <m:e>
-                        <m:r>
-                          <a:rPr lang="pt-BR" i="1">
-                            <a:latin typeface="Cambria Math" panose="02040503050406030204" pitchFamily="18" charset="0"/>
-                            <a:ea typeface="Cambria Math" panose="02040503050406030204" pitchFamily="18" charset="0"/>
-                          </a:rPr>
-                          <m:t>𝛼</m:t>
-                        </m:r>
-                      </m:e>
-                      <m:sub>
-                        <m:r>
-                          <a:rPr lang="pt-BR" i="1" smtClean="0">
-                            <a:latin typeface="Cambria Math" panose="02040503050406030204" pitchFamily="18" charset="0"/>
-                          </a:rPr>
-                          <m:t>𝜏</m:t>
-                        </m:r>
-                      </m:sub>
-                    </m:sSub>
-                    <m:r>
-                      <a:rPr lang="pt-BR" i="1">
-                        <a:latin typeface="Cambria Math" panose="02040503050406030204" pitchFamily="18" charset="0"/>
-                      </a:rPr>
-                      <m:t> </m:t>
-                    </m:r>
-                  </m:oMath>
-                </a14:m>
-                <a:r>
-                  <a:rPr lang="pt-BR" dirty="0"/>
-                  <a:t>(i.e., da iteração 0 à </a:t>
-                </a:r>
-                <a14:m>
-                  <m:oMath xmlns:m="http://schemas.openxmlformats.org/officeDocument/2006/math">
-                    <m:r>
-                      <a:rPr lang="pt-BR" i="1">
-                        <a:latin typeface="Cambria Math" panose="02040503050406030204" pitchFamily="18" charset="0"/>
-                      </a:rPr>
-                      <m:t>𝜏</m:t>
-                    </m:r>
-                  </m:oMath>
-                </a14:m>
-                <a:r>
-                  <a:rPr lang="pt-BR" dirty="0"/>
-                  <a:t>-</a:t>
-                </a:r>
-                <a:r>
-                  <a:rPr lang="pt-BR" dirty="0" err="1"/>
-                  <a:t>ésima</a:t>
-                </a:r>
-                <a:r>
-                  <a:rPr lang="pt-BR" dirty="0"/>
-                  <a:t> iteração):</a:t>
-                </a:r>
-              </a:p>
-              <a:p>
-                <a:pPr marL="0" indent="0" algn="ctr">
-                  <a:buNone/>
-                </a:pPr>
-                <a14:m>
-                  <m:oMath xmlns:m="http://schemas.openxmlformats.org/officeDocument/2006/math">
-                    <m:sSub>
-                      <m:sSubPr>
-                        <m:ctrlPr>
-                          <a:rPr lang="pt-BR" i="1">
-                            <a:latin typeface="Cambria Math" panose="02040503050406030204" pitchFamily="18" charset="0"/>
-                          </a:rPr>
-                        </m:ctrlPr>
-                      </m:sSubPr>
-                      <m:e>
-                        <m:r>
-                          <a:rPr lang="pt-BR" i="1">
-                            <a:latin typeface="Cambria Math" panose="02040503050406030204" pitchFamily="18" charset="0"/>
-                            <a:ea typeface="Cambria Math" panose="02040503050406030204" pitchFamily="18" charset="0"/>
-                          </a:rPr>
-                          <m:t>𝛼</m:t>
-                        </m:r>
-                      </m:e>
-                      <m:sub>
-                        <m:r>
-                          <a:rPr lang="pt-BR" b="0" i="1" smtClean="0">
-                            <a:latin typeface="Cambria Math" panose="02040503050406030204" pitchFamily="18" charset="0"/>
-                            <a:ea typeface="Cambria Math" panose="02040503050406030204" pitchFamily="18" charset="0"/>
-                          </a:rPr>
-                          <m:t>𝑗</m:t>
-                        </m:r>
-                      </m:sub>
-                    </m:sSub>
-                    <m:r>
-                      <a:rPr lang="pt-BR" b="0" i="1" smtClean="0">
-                        <a:latin typeface="Cambria Math" panose="02040503050406030204" pitchFamily="18" charset="0"/>
-                      </a:rPr>
-                      <m:t>=</m:t>
-                    </m:r>
-                    <m:d>
-                      <m:dPr>
-                        <m:ctrlPr>
-                          <a:rPr lang="pt-BR" b="0" i="1" smtClean="0">
-                            <a:latin typeface="Cambria Math" panose="02040503050406030204" pitchFamily="18" charset="0"/>
-                          </a:rPr>
-                        </m:ctrlPr>
-                      </m:dPr>
-                      <m:e>
-                        <m:r>
-                          <a:rPr lang="pt-BR" b="0" i="1" smtClean="0">
-                            <a:latin typeface="Cambria Math" panose="02040503050406030204" pitchFamily="18" charset="0"/>
-                          </a:rPr>
-                          <m:t>1−</m:t>
-                        </m:r>
-                        <m:f>
-                          <m:fPr>
-                            <m:ctrlPr>
-                              <a:rPr lang="pt-BR" b="0" i="1" smtClean="0">
-                                <a:latin typeface="Cambria Math" panose="02040503050406030204" pitchFamily="18" charset="0"/>
-                              </a:rPr>
-                            </m:ctrlPr>
-                          </m:fPr>
-                          <m:num>
-                            <m:r>
-                              <a:rPr lang="pt-BR" b="0" i="1" smtClean="0">
-                                <a:latin typeface="Cambria Math" panose="02040503050406030204" pitchFamily="18" charset="0"/>
-                              </a:rPr>
-                              <m:t>𝑗</m:t>
-                            </m:r>
-                          </m:num>
-                          <m:den>
-                            <m:r>
-                              <a:rPr lang="pt-BR" b="0" i="1" smtClean="0">
-                                <a:latin typeface="Cambria Math" panose="02040503050406030204" pitchFamily="18" charset="0"/>
-                                <a:ea typeface="Cambria Math" panose="02040503050406030204" pitchFamily="18" charset="0"/>
-                              </a:rPr>
-                              <m:t>𝜏</m:t>
-                            </m:r>
-                          </m:den>
-                        </m:f>
-                      </m:e>
-                    </m:d>
-                    <m:sSub>
-                      <m:sSubPr>
-                        <m:ctrlPr>
-                          <a:rPr lang="pt-BR" i="1">
-                            <a:latin typeface="Cambria Math" panose="02040503050406030204" pitchFamily="18" charset="0"/>
-                          </a:rPr>
-                        </m:ctrlPr>
-                      </m:sSubPr>
-                      <m:e>
-                        <m:r>
-                          <a:rPr lang="pt-BR" i="1">
-                            <a:latin typeface="Cambria Math" panose="02040503050406030204" pitchFamily="18" charset="0"/>
-                            <a:ea typeface="Cambria Math" panose="02040503050406030204" pitchFamily="18" charset="0"/>
-                          </a:rPr>
-                          <m:t>𝛼</m:t>
-                        </m:r>
-                      </m:e>
-                      <m:sub>
-                        <m:r>
-                          <a:rPr lang="pt-BR" i="1">
-                            <a:latin typeface="Cambria Math" panose="02040503050406030204" pitchFamily="18" charset="0"/>
-                          </a:rPr>
-                          <m:t>0</m:t>
-                        </m:r>
-                      </m:sub>
-                    </m:sSub>
-                    <m:r>
-                      <a:rPr lang="pt-BR" b="0" i="1" smtClean="0">
-                        <a:latin typeface="Cambria Math" panose="02040503050406030204" pitchFamily="18" charset="0"/>
-                      </a:rPr>
-                      <m:t>+</m:t>
-                    </m:r>
-                    <m:f>
-                      <m:fPr>
-                        <m:ctrlPr>
-                          <a:rPr lang="pt-BR" i="1">
-                            <a:latin typeface="Cambria Math" panose="02040503050406030204" pitchFamily="18" charset="0"/>
-                          </a:rPr>
-                        </m:ctrlPr>
-                      </m:fPr>
-                      <m:num>
-                        <m:r>
-                          <a:rPr lang="pt-BR" b="0" i="1" smtClean="0">
-                            <a:latin typeface="Cambria Math" panose="02040503050406030204" pitchFamily="18" charset="0"/>
-                          </a:rPr>
-                          <m:t>𝑗</m:t>
-                        </m:r>
-                      </m:num>
-                      <m:den>
-                        <m:r>
-                          <a:rPr lang="pt-BR" i="1">
-                            <a:latin typeface="Cambria Math" panose="02040503050406030204" pitchFamily="18" charset="0"/>
-                            <a:ea typeface="Cambria Math" panose="02040503050406030204" pitchFamily="18" charset="0"/>
-                          </a:rPr>
-                          <m:t>𝜏</m:t>
-                        </m:r>
-                      </m:den>
-                    </m:f>
-                    <m:sSub>
-                      <m:sSubPr>
-                        <m:ctrlPr>
-                          <a:rPr lang="pt-BR" i="1">
-                            <a:latin typeface="Cambria Math" panose="02040503050406030204" pitchFamily="18" charset="0"/>
-                          </a:rPr>
-                        </m:ctrlPr>
-                      </m:sSubPr>
-                      <m:e>
-                        <m:r>
-                          <a:rPr lang="pt-BR" i="1">
-                            <a:latin typeface="Cambria Math" panose="02040503050406030204" pitchFamily="18" charset="0"/>
-                            <a:ea typeface="Cambria Math" panose="02040503050406030204" pitchFamily="18" charset="0"/>
-                          </a:rPr>
-                          <m:t>𝛼</m:t>
-                        </m:r>
-                      </m:e>
-                      <m:sub>
-                        <m:r>
-                          <a:rPr lang="pt-BR" i="1">
-                            <a:latin typeface="Cambria Math" panose="02040503050406030204" pitchFamily="18" charset="0"/>
-                          </a:rPr>
-                          <m:t>𝜏</m:t>
-                        </m:r>
-                      </m:sub>
-                    </m:sSub>
-                  </m:oMath>
-                </a14:m>
-                <a:r>
-                  <a:rPr lang="pt-BR" dirty="0"/>
-                  <a:t>,</a:t>
-                </a:r>
-              </a:p>
-              <a:p>
-                <a:pPr marL="457200" lvl="1" indent="0">
-                  <a:buNone/>
-                </a:pPr>
-                <a:r>
-                  <a:rPr lang="pt-BR" dirty="0"/>
-                  <a:t>onde </a:t>
-                </a:r>
-                <a14:m>
-                  <m:oMath xmlns:m="http://schemas.openxmlformats.org/officeDocument/2006/math">
-                    <m:r>
-                      <a:rPr lang="pt-BR" i="1">
-                        <a:latin typeface="Cambria Math" panose="02040503050406030204" pitchFamily="18" charset="0"/>
-                        <a:ea typeface="Cambria Math" panose="02040503050406030204" pitchFamily="18" charset="0"/>
-                      </a:rPr>
-                      <m:t>𝑗</m:t>
-                    </m:r>
-                  </m:oMath>
-                </a14:m>
-                <a:r>
-                  <a:rPr lang="pt-BR" dirty="0"/>
-                  <a:t> é o número da iteração de treinamento.</a:t>
-                </a:r>
-              </a:p>
-              <a:p>
-                <a:pPr lvl="1">
-                  <a:buFont typeface="Wingdings" panose="05000000000000000000" pitchFamily="2" charset="2"/>
-                  <a:buChar char="§"/>
-                </a:pPr>
-                <a:r>
-                  <a:rPr lang="pt-BR" dirty="0"/>
-                  <a:t>Após a </a:t>
-                </a:r>
-                <a14:m>
-                  <m:oMath xmlns:m="http://schemas.openxmlformats.org/officeDocument/2006/math">
-                    <m:r>
-                      <a:rPr lang="pt-BR" i="1">
-                        <a:latin typeface="Cambria Math" panose="02040503050406030204" pitchFamily="18" charset="0"/>
-                        <a:ea typeface="Cambria Math" panose="02040503050406030204" pitchFamily="18" charset="0"/>
-                      </a:rPr>
-                      <m:t>𝜏</m:t>
-                    </m:r>
-                  </m:oMath>
-                </a14:m>
-                <a:r>
-                  <a:rPr lang="pt-BR" dirty="0"/>
-                  <a:t>-ésima iteração, deixa-se o valor do passo de aprendizagem fixo, como mostrado na figura ao lado.</a:t>
-                </a:r>
-              </a:p>
-              <a:p>
-                <a:pPr lvl="1">
-                  <a:buFont typeface="Wingdings" panose="05000000000000000000" pitchFamily="2" charset="2"/>
-                  <a:buChar char="§"/>
-                </a:pPr>
-                <a:r>
-                  <a:rPr lang="pt-BR" dirty="0"/>
-                  <a:t>Porém, a definição dos hiperparâmetros </a:t>
-                </a:r>
-                <a14:m>
-                  <m:oMath xmlns:m="http://schemas.openxmlformats.org/officeDocument/2006/math">
-                    <m:sSub>
-                      <m:sSubPr>
-                        <m:ctrlPr>
-                          <a:rPr lang="pt-BR" i="1">
-                            <a:latin typeface="Cambria Math" panose="02040503050406030204" pitchFamily="18" charset="0"/>
-                          </a:rPr>
-                        </m:ctrlPr>
-                      </m:sSubPr>
-                      <m:e>
-                        <m:r>
-                          <a:rPr lang="pt-BR" i="1">
-                            <a:latin typeface="Cambria Math" panose="02040503050406030204" pitchFamily="18" charset="0"/>
-                            <a:ea typeface="Cambria Math" panose="02040503050406030204" pitchFamily="18" charset="0"/>
-                          </a:rPr>
-                          <m:t>𝛼</m:t>
-                        </m:r>
-                      </m:e>
-                      <m:sub>
-                        <m:r>
-                          <a:rPr lang="pt-BR" i="1">
-                            <a:latin typeface="Cambria Math" panose="02040503050406030204" pitchFamily="18" charset="0"/>
-                          </a:rPr>
-                          <m:t>0</m:t>
-                        </m:r>
-                      </m:sub>
-                    </m:sSub>
-                  </m:oMath>
-                </a14:m>
-                <a:r>
-                  <a:rPr lang="pt-BR" dirty="0"/>
-                  <a:t> e </a:t>
-                </a:r>
-                <a14:m>
-                  <m:oMath xmlns:m="http://schemas.openxmlformats.org/officeDocument/2006/math">
-                    <m:sSub>
-                      <m:sSubPr>
-                        <m:ctrlPr>
-                          <a:rPr lang="pt-BR" i="1">
-                            <a:latin typeface="Cambria Math" panose="02040503050406030204" pitchFamily="18" charset="0"/>
-                          </a:rPr>
-                        </m:ctrlPr>
-                      </m:sSubPr>
-                      <m:e>
-                        <m:r>
-                          <a:rPr lang="pt-BR" i="1">
-                            <a:latin typeface="Cambria Math" panose="02040503050406030204" pitchFamily="18" charset="0"/>
-                            <a:ea typeface="Cambria Math" panose="02040503050406030204" pitchFamily="18" charset="0"/>
-                          </a:rPr>
-                          <m:t>𝛼</m:t>
-                        </m:r>
-                      </m:e>
-                      <m:sub>
-                        <m:r>
-                          <a:rPr lang="pt-BR" i="1">
-                            <a:latin typeface="Cambria Math" panose="02040503050406030204" pitchFamily="18" charset="0"/>
-                          </a:rPr>
-                          <m:t>𝜏</m:t>
-                        </m:r>
-                      </m:sub>
-                    </m:sSub>
-                  </m:oMath>
-                </a14:m>
-                <a:r>
-                  <a:rPr lang="pt-BR" dirty="0"/>
-                  <a:t>, é mais um problema </a:t>
-                </a:r>
-                <a:r>
-                  <a:rPr lang="pt-BR" b="1" i="1" dirty="0"/>
-                  <a:t>a ser tratado caso-a-caso</a:t>
-                </a:r>
-                <a:r>
-                  <a:rPr lang="pt-BR" dirty="0"/>
-                  <a:t>.</a:t>
-                </a:r>
-              </a:p>
-            </p:txBody>
-          </p:sp>
-        </mc:Choice>
-        <mc:Fallback xmlns="">
-          <p:sp>
-            <p:nvSpPr>
-              <p:cNvPr id="3" name="Content Placeholder 2"/>
-              <p:cNvSpPr>
-                <a:spLocks noGrp="1" noRot="1" noChangeAspect="1" noMove="1" noResize="1" noEditPoints="1" noAdjustHandles="1" noChangeArrowheads="1" noChangeShapeType="1" noTextEdit="1"/>
-              </p:cNvSpPr>
-              <p:nvPr>
-                <p:ph idx="1"/>
-              </p:nvPr>
-            </p:nvSpPr>
-            <p:spPr>
-              <a:xfrm>
-                <a:off x="838197" y="1825624"/>
-                <a:ext cx="6963385" cy="5032375"/>
-              </a:xfrm>
-              <a:blipFill>
-                <a:blip r:embed="rId2"/>
-                <a:stretch>
-                  <a:fillRect l="-1312" t="-2421" r="-1050"/>
-                </a:stretch>
-              </a:blipFill>
-            </p:spPr>
-            <p:txBody>
-              <a:bodyPr/>
-              <a:lstStyle/>
-              <a:p>
-                <a:r>
-                  <a:rPr lang="pt-BR">
-                    <a:noFill/>
-                  </a:rPr>
-                  <a:t> </a:t>
-                </a:r>
-              </a:p>
-            </p:txBody>
-          </p:sp>
-        </mc:Fallback>
-      </mc:AlternateContent>
-      <p:pic>
-        <p:nvPicPr>
-          <p:cNvPr id="5" name="Picture 4"/>
-          <p:cNvPicPr>
-            <a:picLocks noChangeAspect="1"/>
-          </p:cNvPicPr>
-          <p:nvPr/>
-        </p:nvPicPr>
-        <p:blipFill rotWithShape="1">
-          <a:blip r:embed="rId3"/>
-          <a:srcRect l="3788" t="5639" r="7163" b="2354"/>
-          <a:stretch/>
-        </p:blipFill>
-        <p:spPr>
-          <a:xfrm>
-            <a:off x="8336132" y="1661309"/>
-            <a:ext cx="3190160" cy="2864634"/>
-          </a:xfrm>
-          <a:prstGeom prst="rect">
-            <a:avLst/>
-          </a:prstGeom>
-        </p:spPr>
-      </p:pic>
-      <mc:AlternateContent xmlns:mc="http://schemas.openxmlformats.org/markup-compatibility/2006" xmlns:a14="http://schemas.microsoft.com/office/drawing/2010/main">
-        <mc:Choice Requires="a14">
-          <p:sp>
-            <p:nvSpPr>
-              <p:cNvPr id="4" name="TextBox 3"/>
-              <p:cNvSpPr txBox="1"/>
-              <p:nvPr/>
-            </p:nvSpPr>
-            <p:spPr>
-              <a:xfrm>
-                <a:off x="9402260" y="1790103"/>
-                <a:ext cx="2314407" cy="1277594"/>
-              </a:xfrm>
-              <a:prstGeom prst="rect">
-                <a:avLst/>
-              </a:prstGeom>
-              <a:noFill/>
-            </p:spPr>
-            <p:txBody>
-              <a:bodyPr wrap="square" rtlCol="0">
-                <a:spAutoFit/>
-              </a:bodyPr>
-              <a:lstStyle/>
-              <a:p>
-                <a:pPr marL="285750" indent="-285750">
-                  <a:buFont typeface="Arial" panose="020B0604020202020204" pitchFamily="34" charset="0"/>
-                  <a:buChar char="•"/>
-                </a:pPr>
-                <a14:m>
-                  <m:oMath xmlns:m="http://schemas.openxmlformats.org/officeDocument/2006/math">
-                    <m:r>
-                      <a:rPr lang="pt-BR" sz="1200" b="0" i="1" smtClean="0">
-                        <a:latin typeface="Cambria Math" panose="02040503050406030204" pitchFamily="18" charset="0"/>
-                      </a:rPr>
-                      <m:t>𝑁</m:t>
-                    </m:r>
-                    <m:r>
-                      <a:rPr lang="pt-BR" sz="1200" b="0" i="0" smtClean="0">
-                        <a:latin typeface="Cambria Math" panose="02040503050406030204" pitchFamily="18" charset="0"/>
-                      </a:rPr>
-                      <m:t>=10000</m:t>
-                    </m:r>
-                  </m:oMath>
-                </a14:m>
-                <a:endParaRPr lang="pt-BR" sz="1200" b="0" dirty="0"/>
-              </a:p>
-              <a:p>
-                <a:pPr marL="285750" indent="-285750">
-                  <a:buFont typeface="Arial" panose="020B0604020202020204" pitchFamily="34" charset="0"/>
-                  <a:buChar char="•"/>
-                </a:pPr>
-                <a:r>
-                  <a:rPr lang="pt-BR" sz="1200" b="0" dirty="0"/>
-                  <a:t>Tamanho do batch: 100</a:t>
-                </a:r>
-              </a:p>
-              <a:p>
-                <a:pPr marL="285750" indent="-285750">
-                  <a:buFont typeface="Arial" panose="020B0604020202020204" pitchFamily="34" charset="0"/>
-                  <a:buChar char="•"/>
-                </a:pPr>
-                <a:r>
-                  <a:rPr lang="pt-BR" sz="1200" dirty="0"/>
-                  <a:t>Número de épocas: 100</a:t>
-                </a:r>
-              </a:p>
-              <a:p>
-                <a:pPr marL="285750" indent="-285750">
-                  <a:buFont typeface="Arial" panose="020B0604020202020204" pitchFamily="34" charset="0"/>
-                  <a:buChar char="•"/>
-                </a:pPr>
-                <a14:m>
-                  <m:oMath xmlns:m="http://schemas.openxmlformats.org/officeDocument/2006/math">
-                    <m:sSub>
-                      <m:sSubPr>
-                        <m:ctrlPr>
-                          <a:rPr lang="pt-BR" sz="1200" i="1">
-                            <a:latin typeface="Cambria Math" panose="02040503050406030204" pitchFamily="18" charset="0"/>
-                          </a:rPr>
-                        </m:ctrlPr>
-                      </m:sSubPr>
-                      <m:e>
-                        <m:r>
-                          <a:rPr lang="pt-BR" sz="1200" i="1">
-                            <a:latin typeface="Cambria Math" panose="02040503050406030204" pitchFamily="18" charset="0"/>
-                            <a:ea typeface="Cambria Math" panose="02040503050406030204" pitchFamily="18" charset="0"/>
-                          </a:rPr>
-                          <m:t>𝛼</m:t>
-                        </m:r>
-                      </m:e>
-                      <m:sub>
-                        <m:r>
-                          <a:rPr lang="pt-BR" sz="1200" i="1">
-                            <a:latin typeface="Cambria Math" panose="02040503050406030204" pitchFamily="18" charset="0"/>
-                          </a:rPr>
-                          <m:t>0</m:t>
-                        </m:r>
-                      </m:sub>
-                    </m:sSub>
-                    <m:r>
-                      <a:rPr lang="pt-BR" sz="1200" b="0" i="1" smtClean="0">
-                        <a:latin typeface="Cambria Math" panose="02040503050406030204" pitchFamily="18" charset="0"/>
-                      </a:rPr>
-                      <m:t>=0.1</m:t>
-                    </m:r>
-                  </m:oMath>
-                </a14:m>
-                <a:endParaRPr lang="pt-BR" sz="1200" dirty="0"/>
-              </a:p>
-              <a:p>
-                <a:pPr marL="285750" indent="-285750">
-                  <a:buFont typeface="Arial" panose="020B0604020202020204" pitchFamily="34" charset="0"/>
-                  <a:buChar char="•"/>
-                </a:pPr>
-                <a14:m>
-                  <m:oMath xmlns:m="http://schemas.openxmlformats.org/officeDocument/2006/math">
-                    <m:sSub>
-                      <m:sSubPr>
-                        <m:ctrlPr>
-                          <a:rPr lang="pt-BR" sz="1200" i="1">
-                            <a:latin typeface="Cambria Math" panose="02040503050406030204" pitchFamily="18" charset="0"/>
-                          </a:rPr>
-                        </m:ctrlPr>
-                      </m:sSubPr>
-                      <m:e>
-                        <m:r>
-                          <a:rPr lang="pt-BR" sz="1200" i="1">
-                            <a:latin typeface="Cambria Math" panose="02040503050406030204" pitchFamily="18" charset="0"/>
-                            <a:ea typeface="Cambria Math" panose="02040503050406030204" pitchFamily="18" charset="0"/>
-                          </a:rPr>
-                          <m:t>𝛼</m:t>
-                        </m:r>
-                      </m:e>
-                      <m:sub>
-                        <m:r>
-                          <a:rPr lang="pt-BR" sz="1200" i="1">
-                            <a:latin typeface="Cambria Math" panose="02040503050406030204" pitchFamily="18" charset="0"/>
-                          </a:rPr>
-                          <m:t>𝜏</m:t>
-                        </m:r>
-                      </m:sub>
-                    </m:sSub>
-                    <m:r>
-                      <a:rPr lang="pt-BR" sz="1200" b="0" i="0" smtClean="0">
-                        <a:latin typeface="Cambria Math" panose="02040503050406030204" pitchFamily="18" charset="0"/>
-                      </a:rPr>
-                      <m:t>=(</m:t>
-                    </m:r>
-                    <m:f>
-                      <m:fPr>
-                        <m:ctrlPr>
-                          <a:rPr lang="pt-BR" sz="1200" b="0" i="1" smtClean="0">
-                            <a:latin typeface="Cambria Math" panose="02040503050406030204" pitchFamily="18" charset="0"/>
-                          </a:rPr>
-                        </m:ctrlPr>
-                      </m:fPr>
-                      <m:num>
-                        <m:r>
-                          <a:rPr lang="pt-BR" sz="1200" b="0" i="0" smtClean="0">
-                            <a:latin typeface="Cambria Math" panose="02040503050406030204" pitchFamily="18" charset="0"/>
-                          </a:rPr>
-                          <m:t>1</m:t>
-                        </m:r>
-                      </m:num>
-                      <m:den>
-                        <m:r>
-                          <a:rPr lang="pt-BR" sz="1200" b="0" i="0" smtClean="0">
-                            <a:latin typeface="Cambria Math" panose="02040503050406030204" pitchFamily="18" charset="0"/>
-                          </a:rPr>
-                          <m:t>100</m:t>
-                        </m:r>
-                      </m:den>
-                    </m:f>
-                    <m:r>
-                      <a:rPr lang="pt-BR" sz="1200" b="0" i="0" smtClean="0">
-                        <a:latin typeface="Cambria Math" panose="02040503050406030204" pitchFamily="18" charset="0"/>
-                      </a:rPr>
-                      <m:t>)</m:t>
-                    </m:r>
-                    <m:sSub>
-                      <m:sSubPr>
-                        <m:ctrlPr>
-                          <a:rPr lang="pt-BR" sz="1200" i="1">
-                            <a:latin typeface="Cambria Math" panose="02040503050406030204" pitchFamily="18" charset="0"/>
-                          </a:rPr>
-                        </m:ctrlPr>
-                      </m:sSubPr>
-                      <m:e>
-                        <m:r>
-                          <a:rPr lang="pt-BR" sz="1200" i="1">
-                            <a:latin typeface="Cambria Math" panose="02040503050406030204" pitchFamily="18" charset="0"/>
-                            <a:ea typeface="Cambria Math" panose="02040503050406030204" pitchFamily="18" charset="0"/>
-                          </a:rPr>
-                          <m:t>𝛼</m:t>
-                        </m:r>
-                      </m:e>
-                      <m:sub>
-                        <m:r>
-                          <a:rPr lang="pt-BR" sz="1200" i="1">
-                            <a:latin typeface="Cambria Math" panose="02040503050406030204" pitchFamily="18" charset="0"/>
-                          </a:rPr>
-                          <m:t>0</m:t>
-                        </m:r>
-                      </m:sub>
-                    </m:sSub>
-                  </m:oMath>
-                </a14:m>
-                <a:endParaRPr lang="pt-BR" sz="1200" dirty="0"/>
-              </a:p>
-              <a:p>
-                <a:pPr marL="285750" indent="-285750">
-                  <a:buFont typeface="Arial" panose="020B0604020202020204" pitchFamily="34" charset="0"/>
-                  <a:buChar char="•"/>
-                </a:pPr>
-                <a14:m>
-                  <m:oMath xmlns:m="http://schemas.openxmlformats.org/officeDocument/2006/math">
-                    <m:r>
-                      <a:rPr lang="pt-BR" sz="1200" i="1">
-                        <a:latin typeface="Cambria Math" panose="02040503050406030204" pitchFamily="18" charset="0"/>
-                        <a:ea typeface="Cambria Math" panose="02040503050406030204" pitchFamily="18" charset="0"/>
-                      </a:rPr>
-                      <m:t>𝜏</m:t>
-                    </m:r>
-                  </m:oMath>
-                </a14:m>
-                <a:r>
-                  <a:rPr lang="pt-BR" sz="1200" dirty="0"/>
-                  <a:t> = 5000</a:t>
-                </a:r>
-              </a:p>
-            </p:txBody>
-          </p:sp>
-        </mc:Choice>
-        <mc:Fallback xmlns="">
-          <p:sp>
-            <p:nvSpPr>
-              <p:cNvPr id="4" name="TextBox 3"/>
-              <p:cNvSpPr txBox="1">
-                <a:spLocks noRot="1" noChangeAspect="1" noMove="1" noResize="1" noEditPoints="1" noAdjustHandles="1" noChangeArrowheads="1" noChangeShapeType="1" noTextEdit="1"/>
-              </p:cNvSpPr>
-              <p:nvPr/>
-            </p:nvSpPr>
-            <p:spPr>
-              <a:xfrm>
-                <a:off x="9402260" y="1790103"/>
-                <a:ext cx="2314407" cy="1277594"/>
-              </a:xfrm>
-              <a:prstGeom prst="rect">
-                <a:avLst/>
-              </a:prstGeom>
-              <a:blipFill rotWithShape="0">
-                <a:blip r:embed="rId4"/>
-                <a:stretch>
-                  <a:fillRect b="-3349"/>
-                </a:stretch>
-              </a:blipFill>
-            </p:spPr>
-            <p:txBody>
-              <a:bodyPr/>
-              <a:lstStyle/>
-              <a:p>
-                <a:r>
-                  <a:rPr lang="pt-BR">
-                    <a:noFill/>
-                  </a:rPr>
-                  <a:t> </a:t>
-                </a:r>
-              </a:p>
-            </p:txBody>
-          </p:sp>
-        </mc:Fallback>
-      </mc:AlternateContent>
-      <p:pic>
-        <p:nvPicPr>
-          <p:cNvPr id="6" name="Picture 5"/>
-          <p:cNvPicPr>
-            <a:picLocks noChangeAspect="1"/>
-          </p:cNvPicPr>
-          <p:nvPr/>
-        </p:nvPicPr>
-        <p:blipFill rotWithShape="1">
-          <a:blip r:embed="rId5" cstate="print">
-            <a:extLst>
-              <a:ext uri="{28A0092B-C50C-407E-A947-70E740481C1C}">
-                <a14:useLocalDpi xmlns:a14="http://schemas.microsoft.com/office/drawing/2010/main" val="0"/>
-              </a:ext>
-            </a:extLst>
-          </a:blip>
-          <a:srcRect t="6579" r="8947" b="2656"/>
-          <a:stretch/>
-        </p:blipFill>
-        <p:spPr>
-          <a:xfrm>
-            <a:off x="10005713" y="4714011"/>
-            <a:ext cx="2150776" cy="2143989"/>
-          </a:xfrm>
-          <a:prstGeom prst="rect">
-            <a:avLst/>
-          </a:prstGeom>
-        </p:spPr>
-      </p:pic>
-      <p:pic>
-        <p:nvPicPr>
-          <p:cNvPr id="7" name="Picture 6"/>
-          <p:cNvPicPr>
-            <a:picLocks noChangeAspect="1"/>
-          </p:cNvPicPr>
-          <p:nvPr/>
-        </p:nvPicPr>
-        <p:blipFill rotWithShape="1">
-          <a:blip r:embed="rId6" cstate="print">
-            <a:extLst>
-              <a:ext uri="{28A0092B-C50C-407E-A947-70E740481C1C}">
-                <a14:useLocalDpi xmlns:a14="http://schemas.microsoft.com/office/drawing/2010/main" val="0"/>
-              </a:ext>
-            </a:extLst>
-          </a:blip>
-          <a:srcRect t="7082" r="9437" b="2629"/>
-          <a:stretch/>
-        </p:blipFill>
-        <p:spPr>
-          <a:xfrm>
-            <a:off x="7694580" y="4695251"/>
-            <a:ext cx="2169300" cy="2162748"/>
-          </a:xfrm>
-          <a:prstGeom prst="rect">
-            <a:avLst/>
-          </a:prstGeom>
-        </p:spPr>
-      </p:pic>
-      <p:sp>
-        <p:nvSpPr>
-          <p:cNvPr id="8" name="Right Arrow 7"/>
-          <p:cNvSpPr/>
-          <p:nvPr/>
-        </p:nvSpPr>
-        <p:spPr>
-          <a:xfrm>
-            <a:off x="9665747" y="5594547"/>
-            <a:ext cx="364735" cy="525240"/>
-          </a:xfrm>
-          <a:prstGeom prst="rightArrow">
-            <a:avLst/>
-          </a:prstGeom>
-        </p:spPr>
-        <p:style>
-          <a:lnRef idx="2">
-            <a:schemeClr val="accent1">
-              <a:shade val="50000"/>
-            </a:schemeClr>
-          </a:lnRef>
-          <a:fillRef idx="1">
-            <a:schemeClr val="accent1"/>
-          </a:fillRef>
-          <a:effectRef idx="0">
-            <a:schemeClr val="accent1"/>
-          </a:effectRef>
-          <a:fontRef idx="minor">
-            <a:schemeClr val="lt1"/>
-          </a:fontRef>
-        </p:style>
-        <p:txBody>
-          <a:bodyPr rtlCol="0" anchor="ctr"/>
-          <a:lstStyle/>
-          <a:p>
-            <a:pPr algn="ctr"/>
-            <a:endParaRPr lang="pt-BR"/>
-          </a:p>
-        </p:txBody>
-      </p:sp>
-    </p:spTree>
-    <p:extLst>
-      <p:ext uri="{BB962C8B-B14F-4D97-AF65-F5344CB8AC3E}">
-        <p14:creationId xmlns:p14="http://schemas.microsoft.com/office/powerpoint/2010/main" val="3593617550"/>
-      </p:ext>
-    </p:extLst>
-  </p:cSld>
-  <p:clrMapOvr>
-    <a:masterClrMapping/>
-  </p:clrMapOvr>
-</p:sld>
-</file>
-
-<file path=ppt/slides/slide11.xml><?xml version="1.0" encoding="utf-8"?>
-<p:sld xmlns:a="http://schemas.openxmlformats.org/drawingml/2006/main" xmlns:r="http://schemas.openxmlformats.org/officeDocument/2006/relationships" xmlns:p="http://schemas.openxmlformats.org/presentationml/2006/main">
-  <p:cSld>
-    <p:spTree>
-      <p:nvGrpSpPr>
-        <p:cNvPr id="1" name=""/>
-        <p:cNvGrpSpPr/>
-        <p:nvPr/>
-      </p:nvGrpSpPr>
-      <p:grpSpPr>
-        <a:xfrm>
-          <a:off x="0" y="0"/>
-          <a:ext cx="0" cy="0"/>
-          <a:chOff x="0" y="0"/>
-          <a:chExt cx="0" cy="0"/>
-        </a:xfrm>
-      </p:grpSpPr>
-      <p:sp>
-        <p:nvSpPr>
-          <p:cNvPr id="2" name="Title 1"/>
-          <p:cNvSpPr>
-            <a:spLocks noGrp="1"/>
-          </p:cNvSpPr>
-          <p:nvPr>
-            <p:ph type="title"/>
-          </p:nvPr>
-        </p:nvSpPr>
         <p:spPr>
           <a:xfrm>
             <a:off x="838200" y="219985"/>
@@ -7356,7 +6367,7 @@
 </p:sld>
 </file>
 
-<file path=ppt/slides/slide12.xml><?xml version="1.0" encoding="utf-8"?>
+<file path=ppt/slides/slide11.xml><?xml version="1.0" encoding="utf-8"?>
 <p:sld xmlns:a="http://schemas.openxmlformats.org/drawingml/2006/main" xmlns:r="http://schemas.openxmlformats.org/officeDocument/2006/relationships" xmlns:p="http://schemas.openxmlformats.org/presentationml/2006/main">
   <p:cSld>
     <p:spTree>
@@ -7629,7 +6640,7 @@
 </p:sld>
 </file>
 
-<file path=ppt/slides/slide13.xml><?xml version="1.0" encoding="utf-8"?>
+<file path=ppt/slides/slide12.xml><?xml version="1.0" encoding="utf-8"?>
 <p:sld xmlns:a="http://schemas.openxmlformats.org/drawingml/2006/main" xmlns:r="http://schemas.openxmlformats.org/officeDocument/2006/relationships" xmlns:p="http://schemas.openxmlformats.org/presentationml/2006/main">
   <p:cSld>
     <p:spTree>
@@ -8029,6 +7040,273 @@
     <p:extLst>
       <p:ext uri="{BB962C8B-B14F-4D97-AF65-F5344CB8AC3E}">
         <p14:creationId xmlns:p14="http://schemas.microsoft.com/office/powerpoint/2010/main" val="770879651"/>
+      </p:ext>
+    </p:extLst>
+  </p:cSld>
+  <p:clrMapOvr>
+    <a:masterClrMapping/>
+  </p:clrMapOvr>
+</p:sld>
+</file>
+
+<file path=ppt/slides/slide13.xml><?xml version="1.0" encoding="utf-8"?>
+<p:sld xmlns:a="http://schemas.openxmlformats.org/drawingml/2006/main" xmlns:r="http://schemas.openxmlformats.org/officeDocument/2006/relationships" xmlns:p="http://schemas.openxmlformats.org/presentationml/2006/main">
+  <p:cSld>
+    <p:spTree>
+      <p:nvGrpSpPr>
+        <p:cNvPr id="1" name=""/>
+        <p:cNvGrpSpPr/>
+        <p:nvPr/>
+      </p:nvGrpSpPr>
+      <p:grpSpPr>
+        <a:xfrm>
+          <a:off x="0" y="0"/>
+          <a:ext cx="0" cy="0"/>
+          <a:chOff x="0" y="0"/>
+          <a:chExt cx="0" cy="0"/>
+        </a:xfrm>
+      </p:grpSpPr>
+      <p:sp>
+        <p:nvSpPr>
+          <p:cNvPr id="2" name="Title 1"/>
+          <p:cNvSpPr>
+            <a:spLocks noGrp="1"/>
+          </p:cNvSpPr>
+          <p:nvPr>
+            <p:ph type="title"/>
+          </p:nvPr>
+        </p:nvSpPr>
+        <p:spPr/>
+        <p:txBody>
+          <a:bodyPr/>
+          <a:lstStyle/>
+          <a:p>
+            <a:r>
+              <a:rPr lang="pt-BR" dirty="0"/>
+              <a:t>Inicialização dos Pesos</a:t>
+            </a:r>
+          </a:p>
+        </p:txBody>
+      </p:sp>
+      <p:sp>
+        <p:nvSpPr>
+          <p:cNvPr id="3" name="Content Placeholder 2"/>
+          <p:cNvSpPr>
+            <a:spLocks noGrp="1"/>
+          </p:cNvSpPr>
+          <p:nvPr>
+            <p:ph idx="1"/>
+          </p:nvPr>
+        </p:nvSpPr>
+        <p:spPr>
+          <a:xfrm>
+            <a:off x="838199" y="1825624"/>
+            <a:ext cx="11237843" cy="5032376"/>
+          </a:xfrm>
+        </p:spPr>
+        <p:txBody>
+          <a:bodyPr>
+            <a:normAutofit fontScale="92500" lnSpcReduction="20000"/>
+          </a:bodyPr>
+          <a:lstStyle/>
+          <a:p>
+            <a:r>
+              <a:rPr lang="pt-BR" dirty="0"/>
+              <a:t>Uma vez que os métodos de treinamento de </a:t>
+            </a:r>
+            <a:r>
+              <a:rPr lang="pt-BR" b="1" i="1" dirty="0"/>
+              <a:t>redes neurais MLP </a:t>
+            </a:r>
+            <a:r>
+              <a:rPr lang="pt-BR" dirty="0"/>
+              <a:t>são iterativos,</a:t>
+            </a:r>
+            <a:br>
+              <a:rPr lang="pt-BR" dirty="0"/>
+            </a:br>
+            <a:r>
+              <a:rPr lang="pt-BR" dirty="0"/>
+              <a:t>eles dependem de uma </a:t>
+            </a:r>
+            <a:r>
+              <a:rPr lang="pt-BR" b="1" i="1" dirty="0"/>
+              <a:t>inicialização dos pesos</a:t>
+            </a:r>
+            <a:r>
+              <a:rPr lang="pt-BR" dirty="0"/>
+              <a:t>.</a:t>
+            </a:r>
+          </a:p>
+          <a:p>
+            <a:r>
+              <a:rPr lang="pt-BR" dirty="0"/>
+              <a:t>Como os métodos são de </a:t>
+            </a:r>
+            <a:r>
+              <a:rPr lang="pt-BR" b="1" i="1" dirty="0"/>
+              <a:t>busca local</a:t>
+            </a:r>
+            <a:r>
+              <a:rPr lang="pt-BR" dirty="0"/>
+              <a:t>, a inicialização pode afetar drasticamente a qualidade da solução obtida.</a:t>
+            </a:r>
+          </a:p>
+          <a:p>
+            <a:r>
+              <a:rPr lang="pt-BR" dirty="0"/>
+              <a:t>O </a:t>
+            </a:r>
+            <a:r>
+              <a:rPr lang="pt-BR" b="1" i="1" dirty="0"/>
+              <a:t>ponto de inicialização </a:t>
+            </a:r>
+            <a:r>
+              <a:rPr lang="pt-BR" dirty="0"/>
+              <a:t>pode determinar se o algoritmo converge, sendo alguns pontos iniciais tão instáveis que o algoritmo encontra dificuldades numéricas (representações numéricas: </a:t>
+            </a:r>
+            <a:r>
+              <a:rPr lang="pt-BR" b="1" i="1" dirty="0"/>
+              <a:t>underflow</a:t>
+            </a:r>
+            <a:r>
+              <a:rPr lang="pt-BR" dirty="0"/>
+              <a:t> e </a:t>
+            </a:r>
+            <a:r>
+              <a:rPr lang="pt-BR" b="1" i="1" dirty="0"/>
+              <a:t>overflow</a:t>
+            </a:r>
+            <a:r>
+              <a:rPr lang="pt-BR" dirty="0"/>
+              <a:t>) e falha completamente em convergir (e.g., </a:t>
+            </a:r>
+            <a:r>
+              <a:rPr lang="pt-BR" b="1" i="1" dirty="0"/>
+              <a:t>desaparecimento</a:t>
+            </a:r>
+            <a:r>
+              <a:rPr lang="pt-BR" dirty="0"/>
+              <a:t> e </a:t>
+            </a:r>
+            <a:r>
+              <a:rPr lang="pt-BR" b="1" i="1" dirty="0"/>
+              <a:t>explosão</a:t>
+            </a:r>
+            <a:r>
+              <a:rPr lang="pt-BR" dirty="0"/>
+              <a:t> dos gradientes).</a:t>
+            </a:r>
+          </a:p>
+          <a:p>
+            <a:r>
+              <a:rPr lang="pt-BR" dirty="0"/>
+              <a:t>O ponto de inicialização também pode fazer com que ocorram variações expressivas na </a:t>
+            </a:r>
+            <a:r>
+              <a:rPr lang="pt-BR" b="1" i="1" dirty="0"/>
+              <a:t>velocidade de convergência</a:t>
+            </a:r>
+            <a:r>
+              <a:rPr lang="pt-BR" dirty="0"/>
+              <a:t> (e.g., platôs, pontos de sela).</a:t>
+            </a:r>
+          </a:p>
+          <a:p>
+            <a:r>
+              <a:rPr lang="pt-BR" dirty="0"/>
+              <a:t>Uma questão importante da inicialização dos pesos é “</a:t>
+            </a:r>
+            <a:r>
+              <a:rPr lang="pt-BR" b="1" i="1" dirty="0"/>
+              <a:t>quebrar a simetria</a:t>
+            </a:r>
+            <a:r>
+              <a:rPr lang="pt-BR" dirty="0"/>
+              <a:t>” entre os </a:t>
+            </a:r>
+            <a:r>
+              <a:rPr lang="pt-BR" b="1" i="1" dirty="0"/>
+              <a:t>nós</a:t>
+            </a:r>
+            <a:r>
+              <a:rPr lang="pt-BR" dirty="0"/>
+              <a:t>, ou seja, </a:t>
+            </a:r>
+            <a:r>
+              <a:rPr lang="pt-BR" b="1" i="1" dirty="0"/>
+              <a:t>nós</a:t>
+            </a:r>
+            <a:r>
+              <a:rPr lang="pt-BR" dirty="0"/>
+              <a:t> com a mesma </a:t>
+            </a:r>
+            <a:r>
+              <a:rPr lang="pt-BR" b="1" i="1" dirty="0"/>
+              <a:t>função de ativação</a:t>
+            </a:r>
+            <a:r>
+              <a:rPr lang="pt-BR" dirty="0"/>
+              <a:t> e conectados às mesmas entradas, devem ter pesos iniciais diferentes, caso contrário, eles terão os mesmos pesos ao longo do treinamento. </a:t>
+            </a:r>
+          </a:p>
+          <a:p>
+            <a:r>
+              <a:rPr lang="pt-BR" dirty="0"/>
+              <a:t>Isso, portanto, sugere uma </a:t>
+            </a:r>
+            <a:r>
+              <a:rPr lang="pt-BR" b="1" i="1" dirty="0"/>
+              <a:t>abordagem de inicialização aleatória</a:t>
+            </a:r>
+            <a:r>
+              <a:rPr lang="pt-BR" dirty="0"/>
+              <a:t>.</a:t>
+            </a:r>
+          </a:p>
+        </p:txBody>
+      </p:sp>
+      <p:sp>
+        <p:nvSpPr>
+          <p:cNvPr id="4" name="Rectangle 3"/>
+          <p:cNvSpPr/>
+          <p:nvPr/>
+        </p:nvSpPr>
+        <p:spPr>
+          <a:xfrm>
+            <a:off x="9281780" y="6581001"/>
+            <a:ext cx="2910220" cy="276999"/>
+          </a:xfrm>
+          <a:prstGeom prst="rect">
+            <a:avLst/>
+          </a:prstGeom>
+        </p:spPr>
+        <p:txBody>
+          <a:bodyPr wrap="none">
+            <a:spAutoFit/>
+          </a:bodyPr>
+          <a:lstStyle/>
+          <a:p>
+            <a:r>
+              <a:rPr lang="pt-BR" sz="1200" dirty="0">
+                <a:hlinkClick r:id="rId3"/>
+              </a:rPr>
+              <a:t>[1] </a:t>
+            </a:r>
+            <a:r>
+              <a:rPr lang="en-US" sz="1200" dirty="0">
+                <a:hlinkClick r:id="rId3"/>
+              </a:rPr>
+              <a:t>The importance of effective initialization</a:t>
+            </a:r>
+            <a:endParaRPr lang="pt-BR" sz="1200" dirty="0"/>
+          </a:p>
+        </p:txBody>
+      </p:sp>
+    </p:spTree>
+    <p:extLst>
+      <p:ext uri="{BB962C8B-B14F-4D97-AF65-F5344CB8AC3E}">
+        <p14:creationId xmlns:p14="http://schemas.microsoft.com/office/powerpoint/2010/main" val="3992928782"/>
       </p:ext>
     </p:extLst>
   </p:cSld>
@@ -8090,273 +7368,6 @@
         <p:spPr>
           <a:xfrm>
             <a:off x="838199" y="1825624"/>
-            <a:ext cx="11237843" cy="5032376"/>
-          </a:xfrm>
-        </p:spPr>
-        <p:txBody>
-          <a:bodyPr>
-            <a:normAutofit fontScale="92500" lnSpcReduction="20000"/>
-          </a:bodyPr>
-          <a:lstStyle/>
-          <a:p>
-            <a:r>
-              <a:rPr lang="pt-BR" dirty="0"/>
-              <a:t>Uma vez que os métodos de treinamento de </a:t>
-            </a:r>
-            <a:r>
-              <a:rPr lang="pt-BR" b="1" i="1" dirty="0"/>
-              <a:t>redes neurais MLP </a:t>
-            </a:r>
-            <a:r>
-              <a:rPr lang="pt-BR" dirty="0"/>
-              <a:t>são iterativos,</a:t>
-            </a:r>
-            <a:br>
-              <a:rPr lang="pt-BR" dirty="0"/>
-            </a:br>
-            <a:r>
-              <a:rPr lang="pt-BR" dirty="0"/>
-              <a:t>eles dependem de uma </a:t>
-            </a:r>
-            <a:r>
-              <a:rPr lang="pt-BR" b="1" i="1" dirty="0"/>
-              <a:t>inicialização dos pesos</a:t>
-            </a:r>
-            <a:r>
-              <a:rPr lang="pt-BR" dirty="0"/>
-              <a:t>.</a:t>
-            </a:r>
-          </a:p>
-          <a:p>
-            <a:r>
-              <a:rPr lang="pt-BR" dirty="0"/>
-              <a:t>Como os métodos são de </a:t>
-            </a:r>
-            <a:r>
-              <a:rPr lang="pt-BR" b="1" i="1" dirty="0"/>
-              <a:t>busca local</a:t>
-            </a:r>
-            <a:r>
-              <a:rPr lang="pt-BR" dirty="0"/>
-              <a:t>, a inicialização pode afetar drasticamente a qualidade da solução obtida.</a:t>
-            </a:r>
-          </a:p>
-          <a:p>
-            <a:r>
-              <a:rPr lang="pt-BR" dirty="0"/>
-              <a:t>O </a:t>
-            </a:r>
-            <a:r>
-              <a:rPr lang="pt-BR" b="1" i="1" dirty="0"/>
-              <a:t>ponto de inicialização </a:t>
-            </a:r>
-            <a:r>
-              <a:rPr lang="pt-BR" dirty="0"/>
-              <a:t>pode determinar se o algoritmo converge, sendo alguns pontos iniciais tão instáveis que o algoritmo encontra dificuldades numéricas (representações numéricas: </a:t>
-            </a:r>
-            <a:r>
-              <a:rPr lang="pt-BR" b="1" i="1" dirty="0"/>
-              <a:t>underflow</a:t>
-            </a:r>
-            <a:r>
-              <a:rPr lang="pt-BR" dirty="0"/>
-              <a:t> e </a:t>
-            </a:r>
-            <a:r>
-              <a:rPr lang="pt-BR" b="1" i="1" dirty="0"/>
-              <a:t>overflow</a:t>
-            </a:r>
-            <a:r>
-              <a:rPr lang="pt-BR" dirty="0"/>
-              <a:t>) e falha completamente em convergir (e.g., </a:t>
-            </a:r>
-            <a:r>
-              <a:rPr lang="pt-BR" b="1" i="1" dirty="0"/>
-              <a:t>desaparecimento</a:t>
-            </a:r>
-            <a:r>
-              <a:rPr lang="pt-BR" dirty="0"/>
-              <a:t> e </a:t>
-            </a:r>
-            <a:r>
-              <a:rPr lang="pt-BR" b="1" i="1" dirty="0"/>
-              <a:t>explosão</a:t>
-            </a:r>
-            <a:r>
-              <a:rPr lang="pt-BR" dirty="0"/>
-              <a:t> dos gradientes).</a:t>
-            </a:r>
-          </a:p>
-          <a:p>
-            <a:r>
-              <a:rPr lang="pt-BR" dirty="0"/>
-              <a:t>O ponto de inicialização também pode fazer com que ocorram variações expressivas na </a:t>
-            </a:r>
-            <a:r>
-              <a:rPr lang="pt-BR" b="1" i="1" dirty="0"/>
-              <a:t>velocidade de convergência</a:t>
-            </a:r>
-            <a:r>
-              <a:rPr lang="pt-BR" dirty="0"/>
-              <a:t> (e.g., platôs, pontos de sela).</a:t>
-            </a:r>
-          </a:p>
-          <a:p>
-            <a:r>
-              <a:rPr lang="pt-BR" dirty="0"/>
-              <a:t>Uma questão importante da inicialização dos pesos é “</a:t>
-            </a:r>
-            <a:r>
-              <a:rPr lang="pt-BR" b="1" i="1" dirty="0"/>
-              <a:t>quebrar a simetria</a:t>
-            </a:r>
-            <a:r>
-              <a:rPr lang="pt-BR" dirty="0"/>
-              <a:t>” entre os </a:t>
-            </a:r>
-            <a:r>
-              <a:rPr lang="pt-BR" b="1" i="1" dirty="0"/>
-              <a:t>nós</a:t>
-            </a:r>
-            <a:r>
-              <a:rPr lang="pt-BR" dirty="0"/>
-              <a:t>, ou seja, </a:t>
-            </a:r>
-            <a:r>
-              <a:rPr lang="pt-BR" b="1" i="1" dirty="0"/>
-              <a:t>nós</a:t>
-            </a:r>
-            <a:r>
-              <a:rPr lang="pt-BR" dirty="0"/>
-              <a:t> com a mesma </a:t>
-            </a:r>
-            <a:r>
-              <a:rPr lang="pt-BR" b="1" i="1" dirty="0"/>
-              <a:t>função de ativação</a:t>
-            </a:r>
-            <a:r>
-              <a:rPr lang="pt-BR" dirty="0"/>
-              <a:t> e conectados às mesmas entradas, devem ter pesos iniciais diferentes, caso contrário, eles terão os mesmos pesos ao longo do treinamento. </a:t>
-            </a:r>
-          </a:p>
-          <a:p>
-            <a:r>
-              <a:rPr lang="pt-BR" dirty="0"/>
-              <a:t>Isso, portanto, sugere uma </a:t>
-            </a:r>
-            <a:r>
-              <a:rPr lang="pt-BR" b="1" i="1" dirty="0"/>
-              <a:t>abordagem de inicialização aleatória</a:t>
-            </a:r>
-            <a:r>
-              <a:rPr lang="pt-BR" dirty="0"/>
-              <a:t>.</a:t>
-            </a:r>
-          </a:p>
-        </p:txBody>
-      </p:sp>
-      <p:sp>
-        <p:nvSpPr>
-          <p:cNvPr id="4" name="Rectangle 3"/>
-          <p:cNvSpPr/>
-          <p:nvPr/>
-        </p:nvSpPr>
-        <p:spPr>
-          <a:xfrm>
-            <a:off x="9281780" y="6581001"/>
-            <a:ext cx="2910220" cy="276999"/>
-          </a:xfrm>
-          <a:prstGeom prst="rect">
-            <a:avLst/>
-          </a:prstGeom>
-        </p:spPr>
-        <p:txBody>
-          <a:bodyPr wrap="none">
-            <a:spAutoFit/>
-          </a:bodyPr>
-          <a:lstStyle/>
-          <a:p>
-            <a:r>
-              <a:rPr lang="pt-BR" sz="1200" dirty="0">
-                <a:hlinkClick r:id="rId3"/>
-              </a:rPr>
-              <a:t>[1] </a:t>
-            </a:r>
-            <a:r>
-              <a:rPr lang="en-US" sz="1200" dirty="0">
-                <a:hlinkClick r:id="rId3"/>
-              </a:rPr>
-              <a:t>The importance of effective initialization</a:t>
-            </a:r>
-            <a:endParaRPr lang="pt-BR" sz="1200" dirty="0"/>
-          </a:p>
-        </p:txBody>
-      </p:sp>
-    </p:spTree>
-    <p:extLst>
-      <p:ext uri="{BB962C8B-B14F-4D97-AF65-F5344CB8AC3E}">
-        <p14:creationId xmlns:p14="http://schemas.microsoft.com/office/powerpoint/2010/main" val="3992928782"/>
-      </p:ext>
-    </p:extLst>
-  </p:cSld>
-  <p:clrMapOvr>
-    <a:masterClrMapping/>
-  </p:clrMapOvr>
-</p:sld>
-</file>
-
-<file path=ppt/slides/slide15.xml><?xml version="1.0" encoding="utf-8"?>
-<p:sld xmlns:a="http://schemas.openxmlformats.org/drawingml/2006/main" xmlns:r="http://schemas.openxmlformats.org/officeDocument/2006/relationships" xmlns:p="http://schemas.openxmlformats.org/presentationml/2006/main">
-  <p:cSld>
-    <p:spTree>
-      <p:nvGrpSpPr>
-        <p:cNvPr id="1" name=""/>
-        <p:cNvGrpSpPr/>
-        <p:nvPr/>
-      </p:nvGrpSpPr>
-      <p:grpSpPr>
-        <a:xfrm>
-          <a:off x="0" y="0"/>
-          <a:ext cx="0" cy="0"/>
-          <a:chOff x="0" y="0"/>
-          <a:chExt cx="0" cy="0"/>
-        </a:xfrm>
-      </p:grpSpPr>
-      <p:sp>
-        <p:nvSpPr>
-          <p:cNvPr id="2" name="Title 1"/>
-          <p:cNvSpPr>
-            <a:spLocks noGrp="1"/>
-          </p:cNvSpPr>
-          <p:nvPr>
-            <p:ph type="title"/>
-          </p:nvPr>
-        </p:nvSpPr>
-        <p:spPr/>
-        <p:txBody>
-          <a:bodyPr/>
-          <a:lstStyle/>
-          <a:p>
-            <a:r>
-              <a:rPr lang="pt-BR" dirty="0"/>
-              <a:t>Inicialização dos Pesos</a:t>
-            </a:r>
-          </a:p>
-        </p:txBody>
-      </p:sp>
-      <p:sp>
-        <p:nvSpPr>
-          <p:cNvPr id="3" name="Content Placeholder 2"/>
-          <p:cNvSpPr>
-            <a:spLocks noGrp="1"/>
-          </p:cNvSpPr>
-          <p:nvPr>
-            <p:ph idx="1"/>
-          </p:nvPr>
-        </p:nvSpPr>
-        <p:spPr>
-          <a:xfrm>
-            <a:off x="838199" y="1825624"/>
             <a:ext cx="11208027" cy="5032375"/>
           </a:xfrm>
         </p:spPr>
@@ -8564,7 +7575,7 @@
 </p:sld>
 </file>
 
-<file path=ppt/slides/slide16.xml><?xml version="1.0" encoding="utf-8"?>
+<file path=ppt/slides/slide15.xml><?xml version="1.0" encoding="utf-8"?>
 <p:sld xmlns:a="http://schemas.openxmlformats.org/drawingml/2006/main" xmlns:r="http://schemas.openxmlformats.org/officeDocument/2006/relationships" xmlns:p="http://schemas.openxmlformats.org/presentationml/2006/main">
   <p:cSld>
     <p:spTree>
@@ -11210,7 +10221,7 @@
 </p:sld>
 </file>
 
-<file path=ppt/slides/slide17.xml><?xml version="1.0" encoding="utf-8"?>
+<file path=ppt/slides/slide16.xml><?xml version="1.0" encoding="utf-8"?>
 <p:sld xmlns:a="http://schemas.openxmlformats.org/drawingml/2006/main" xmlns:r="http://schemas.openxmlformats.org/officeDocument/2006/relationships" xmlns:p="http://schemas.openxmlformats.org/presentationml/2006/main">
   <p:cSld>
     <p:spTree>
@@ -11503,7 +10514,7 @@
 </p:sld>
 </file>
 
-<file path=ppt/slides/slide18.xml><?xml version="1.0" encoding="utf-8"?>
+<file path=ppt/slides/slide17.xml><?xml version="1.0" encoding="utf-8"?>
 <p:sld xmlns:a="http://schemas.openxmlformats.org/drawingml/2006/main" xmlns:r="http://schemas.openxmlformats.org/officeDocument/2006/relationships" xmlns:p="http://schemas.openxmlformats.org/presentationml/2006/main">
   <p:cSld>
     <p:spTree>
@@ -11679,7 +10690,7 @@
 </p:sld>
 </file>
 
-<file path=ppt/slides/slide19.xml><?xml version="1.0" encoding="utf-8"?>
+<file path=ppt/slides/slide18.xml><?xml version="1.0" encoding="utf-8"?>
 <p:sld xmlns:a="http://schemas.openxmlformats.org/drawingml/2006/main" xmlns:r="http://schemas.openxmlformats.org/officeDocument/2006/relationships" xmlns:p="http://schemas.openxmlformats.org/presentationml/2006/main">
   <p:cSld>
     <p:spTree>
@@ -11764,154 +10775,7 @@
 </p:sld>
 </file>
 
-<file path=ppt/slides/slide2.xml><?xml version="1.0" encoding="utf-8"?>
-<p:sld xmlns:a="http://schemas.openxmlformats.org/drawingml/2006/main" xmlns:r="http://schemas.openxmlformats.org/officeDocument/2006/relationships" xmlns:p="http://schemas.openxmlformats.org/presentationml/2006/main">
-  <p:cSld>
-    <p:spTree>
-      <p:nvGrpSpPr>
-        <p:cNvPr id="1" name=""/>
-        <p:cNvGrpSpPr/>
-        <p:nvPr/>
-      </p:nvGrpSpPr>
-      <p:grpSpPr>
-        <a:xfrm>
-          <a:off x="0" y="0"/>
-          <a:ext cx="0" cy="0"/>
-          <a:chOff x="0" y="0"/>
-          <a:chExt cx="0" cy="0"/>
-        </a:xfrm>
-      </p:grpSpPr>
-      <p:sp>
-        <p:nvSpPr>
-          <p:cNvPr id="2" name="Title 1"/>
-          <p:cNvSpPr>
-            <a:spLocks noGrp="1"/>
-          </p:cNvSpPr>
-          <p:nvPr>
-            <p:ph type="title"/>
-          </p:nvPr>
-        </p:nvSpPr>
-        <p:spPr/>
-        <p:txBody>
-          <a:bodyPr/>
-          <a:lstStyle/>
-          <a:p>
-            <a:r>
-              <a:rPr lang="pt-BR" dirty="0"/>
-              <a:t>Recapitulando</a:t>
-            </a:r>
-          </a:p>
-        </p:txBody>
-      </p:sp>
-      <p:sp>
-        <p:nvSpPr>
-          <p:cNvPr id="3" name="Content Placeholder 2"/>
-          <p:cNvSpPr>
-            <a:spLocks noGrp="1"/>
-          </p:cNvSpPr>
-          <p:nvPr>
-            <p:ph idx="1"/>
-          </p:nvPr>
-        </p:nvSpPr>
-        <p:spPr>
-          <a:xfrm>
-            <a:off x="838199" y="1825624"/>
-            <a:ext cx="10994409" cy="5032376"/>
-          </a:xfrm>
-        </p:spPr>
-        <p:txBody>
-          <a:bodyPr>
-            <a:normAutofit/>
-          </a:bodyPr>
-          <a:lstStyle/>
-          <a:p>
-            <a:r>
-              <a:rPr lang="pt-BR" dirty="0"/>
-              <a:t>Na última aula, discutimos como as redes neurais aprendem.</a:t>
-            </a:r>
-          </a:p>
-          <a:p>
-            <a:r>
-              <a:rPr lang="pt-BR" dirty="0"/>
-              <a:t>Vimos que isso é feito através da minimização de uma função de custo.</a:t>
-            </a:r>
-          </a:p>
-          <a:p>
-            <a:pPr lvl="1">
-              <a:buFont typeface="Wingdings" panose="05000000000000000000" pitchFamily="2" charset="2"/>
-              <a:buChar char="§"/>
-            </a:pPr>
-            <a:r>
-              <a:rPr lang="pt-BR" dirty="0"/>
-              <a:t>Usamos o erro quadrático médio por questões didáticas, mas existem várias outras funções como por exemplo a </a:t>
-            </a:r>
-            <a:r>
-              <a:rPr lang="pt-BR" b="1" i="1" dirty="0"/>
-              <a:t>entropia cruzada</a:t>
-            </a:r>
-            <a:r>
-              <a:rPr lang="pt-BR" dirty="0"/>
-              <a:t>, usada para o treinamento de classificadores </a:t>
-            </a:r>
-            <a:r>
-              <a:rPr lang="pt-BR" dirty="0" err="1"/>
-              <a:t>multi-classe</a:t>
-            </a:r>
-            <a:r>
-              <a:rPr lang="pt-BR" dirty="0"/>
-              <a:t> e a </a:t>
-            </a:r>
-            <a:r>
-              <a:rPr lang="pt-BR" b="1" i="1" dirty="0"/>
-              <a:t>focal </a:t>
-            </a:r>
-            <a:r>
-              <a:rPr lang="pt-BR" b="1" i="1" dirty="0" err="1"/>
-              <a:t>loss</a:t>
-            </a:r>
-            <a:r>
-              <a:rPr lang="pt-BR" b="1" i="1" dirty="0"/>
-              <a:t> </a:t>
-            </a:r>
-            <a:r>
-              <a:rPr lang="pt-BR" dirty="0"/>
-              <a:t>para o treinamento de detectores de objetos.</a:t>
-            </a:r>
-          </a:p>
-          <a:p>
-            <a:r>
-              <a:rPr lang="pt-BR" dirty="0"/>
-              <a:t>Aprendemos que a minimização da função de custo é realizada iterativamente com o algoritmo da retropropagação do erro.</a:t>
-            </a:r>
-          </a:p>
-          <a:p>
-            <a:r>
-              <a:rPr lang="pt-BR" dirty="0"/>
-              <a:t>Analisamos como a retropropagação funciona através de um exemplo.</a:t>
-            </a:r>
-          </a:p>
-          <a:p>
-            <a:r>
-              <a:rPr lang="pt-BR" dirty="0"/>
-              <a:t>Nesta aula, iremos discutir algumas visões práticas para o treinamento de redes neurais.</a:t>
-            </a:r>
-          </a:p>
-        </p:txBody>
-      </p:sp>
-    </p:spTree>
-    <p:extLst>
-      <p:ext uri="{BB962C8B-B14F-4D97-AF65-F5344CB8AC3E}">
-        <p14:creationId xmlns:p14="http://schemas.microsoft.com/office/powerpoint/2010/main" val="3946202173"/>
-      </p:ext>
-    </p:extLst>
-  </p:cSld>
-  <p:clrMapOvr>
-    <a:masterClrMapping/>
-  </p:clrMapOvr>
-</p:sld>
-</file>
-
-<file path=ppt/slides/slide20.xml><?xml version="1.0" encoding="utf-8"?>
+<file path=ppt/slides/slide19.xml><?xml version="1.0" encoding="utf-8"?>
 <p:sld xmlns:a="http://schemas.openxmlformats.org/drawingml/2006/main" xmlns:r="http://schemas.openxmlformats.org/officeDocument/2006/relationships" xmlns:p="http://schemas.openxmlformats.org/presentationml/2006/main">
   <p:cSld>
     <p:spTree>
@@ -12185,7 +11049,146 @@
 </p:sld>
 </file>
 
-<file path=ppt/slides/slide21.xml><?xml version="1.0" encoding="utf-8"?>
+<file path=ppt/slides/slide2.xml><?xml version="1.0" encoding="utf-8"?>
+<p:sld xmlns:a="http://schemas.openxmlformats.org/drawingml/2006/main" xmlns:r="http://schemas.openxmlformats.org/officeDocument/2006/relationships" xmlns:p="http://schemas.openxmlformats.org/presentationml/2006/main">
+  <p:cSld>
+    <p:spTree>
+      <p:nvGrpSpPr>
+        <p:cNvPr id="1" name=""/>
+        <p:cNvGrpSpPr/>
+        <p:nvPr/>
+      </p:nvGrpSpPr>
+      <p:grpSpPr>
+        <a:xfrm>
+          <a:off x="0" y="0"/>
+          <a:ext cx="0" cy="0"/>
+          <a:chOff x="0" y="0"/>
+          <a:chExt cx="0" cy="0"/>
+        </a:xfrm>
+      </p:grpSpPr>
+      <p:sp>
+        <p:nvSpPr>
+          <p:cNvPr id="2" name="Title 1"/>
+          <p:cNvSpPr>
+            <a:spLocks noGrp="1"/>
+          </p:cNvSpPr>
+          <p:nvPr>
+            <p:ph type="title"/>
+          </p:nvPr>
+        </p:nvSpPr>
+        <p:spPr/>
+        <p:txBody>
+          <a:bodyPr/>
+          <a:lstStyle/>
+          <a:p>
+            <a:r>
+              <a:rPr lang="pt-BR" dirty="0"/>
+              <a:t>Recapitulando</a:t>
+            </a:r>
+          </a:p>
+        </p:txBody>
+      </p:sp>
+      <p:sp>
+        <p:nvSpPr>
+          <p:cNvPr id="3" name="Content Placeholder 2"/>
+          <p:cNvSpPr>
+            <a:spLocks noGrp="1"/>
+          </p:cNvSpPr>
+          <p:nvPr>
+            <p:ph idx="1"/>
+          </p:nvPr>
+        </p:nvSpPr>
+        <p:spPr>
+          <a:xfrm>
+            <a:off x="838199" y="1825624"/>
+            <a:ext cx="10994409" cy="5032376"/>
+          </a:xfrm>
+        </p:spPr>
+        <p:txBody>
+          <a:bodyPr>
+            <a:normAutofit lnSpcReduction="10000"/>
+          </a:bodyPr>
+          <a:lstStyle/>
+          <a:p>
+            <a:r>
+              <a:rPr lang="pt-BR" dirty="0"/>
+              <a:t>No último tópico, discutimos como as redes neurais aprendem.</a:t>
+            </a:r>
+          </a:p>
+          <a:p>
+            <a:r>
+              <a:rPr lang="pt-BR" dirty="0"/>
+              <a:t>Vimos que isso é feito através da minimização de uma função de erro (também chamada de função de custo).</a:t>
+            </a:r>
+          </a:p>
+          <a:p>
+            <a:pPr lvl="1">
+              <a:buFont typeface="Wingdings" panose="05000000000000000000" pitchFamily="2" charset="2"/>
+              <a:buChar char="§"/>
+            </a:pPr>
+            <a:r>
+              <a:rPr lang="pt-BR" dirty="0"/>
+              <a:t>Usamos o erro quadrático médio por questões didáticas, mas existem várias outras funções como por exemplo a </a:t>
+            </a:r>
+            <a:r>
+              <a:rPr lang="pt-BR" b="1" i="1" dirty="0"/>
+              <a:t>entropia cruzada</a:t>
+            </a:r>
+            <a:r>
+              <a:rPr lang="pt-BR" dirty="0"/>
+              <a:t>, usada para o treinamento de classificadores multi-classes e a </a:t>
+            </a:r>
+            <a:r>
+              <a:rPr lang="pt-BR" b="1" i="1" dirty="0"/>
+              <a:t>focal </a:t>
+            </a:r>
+            <a:r>
+              <a:rPr lang="pt-BR" b="1" i="1" dirty="0" err="1"/>
+              <a:t>loss</a:t>
+            </a:r>
+            <a:r>
+              <a:rPr lang="pt-BR" b="1" i="1" dirty="0"/>
+              <a:t> </a:t>
+            </a:r>
+            <a:r>
+              <a:rPr lang="pt-BR" dirty="0"/>
+              <a:t>para o treinamento de detectores de objetos.</a:t>
+            </a:r>
+          </a:p>
+          <a:p>
+            <a:r>
+              <a:rPr lang="pt-BR" dirty="0"/>
+              <a:t>Aprendemos que a minimização da função de erro é realizada de forma iterativamente usando o algoritmo da retropropagação do erro para calcular os vetores gradiente.</a:t>
+            </a:r>
+          </a:p>
+          <a:p>
+            <a:r>
+              <a:rPr lang="pt-BR" dirty="0"/>
+              <a:t>Analisamos como a retropropagação funciona através de um exemplo.</a:t>
+            </a:r>
+          </a:p>
+          <a:p>
+            <a:r>
+              <a:rPr lang="pt-BR" dirty="0"/>
+              <a:t>Neste tópico, iremos discutir algumas questões práticas para o treinamento de redes neurais.</a:t>
+            </a:r>
+          </a:p>
+        </p:txBody>
+      </p:sp>
+    </p:spTree>
+    <p:extLst>
+      <p:ext uri="{BB962C8B-B14F-4D97-AF65-F5344CB8AC3E}">
+        <p14:creationId xmlns:p14="http://schemas.microsoft.com/office/powerpoint/2010/main" val="3946202173"/>
+      </p:ext>
+    </p:extLst>
+  </p:cSld>
+  <p:clrMapOvr>
+    <a:masterClrMapping/>
+  </p:clrMapOvr>
+</p:sld>
+</file>
+
+<file path=ppt/slides/slide20.xml><?xml version="1.0" encoding="utf-8"?>
 <p:sld xmlns:a="http://schemas.openxmlformats.org/drawingml/2006/main" xmlns:r="http://schemas.openxmlformats.org/officeDocument/2006/relationships" xmlns:p="http://schemas.openxmlformats.org/presentationml/2006/main">
   <p:cSld>
     <p:spTree>
@@ -12270,7 +11273,7 @@
 </p:sld>
 </file>
 
-<file path=ppt/slides/slide22.xml><?xml version="1.0" encoding="utf-8"?>
+<file path=ppt/slides/slide21.xml><?xml version="1.0" encoding="utf-8"?>
 <p:sld xmlns:a="http://schemas.openxmlformats.org/drawingml/2006/main" xmlns:r="http://schemas.openxmlformats.org/officeDocument/2006/relationships" xmlns:p="http://schemas.openxmlformats.org/presentationml/2006/main">
   <p:cSld>
     <p:spTree>
@@ -14000,7 +13003,7 @@
 </p:sld>
 </file>
 
-<file path=ppt/slides/slide23.xml><?xml version="1.0" encoding="utf-8"?>
+<file path=ppt/slides/slide22.xml><?xml version="1.0" encoding="utf-8"?>
 <p:sld xmlns:a="http://schemas.openxmlformats.org/drawingml/2006/main" xmlns:r="http://schemas.openxmlformats.org/officeDocument/2006/relationships" xmlns:p="http://schemas.openxmlformats.org/presentationml/2006/main">
   <p:cSld>
     <p:spTree>
@@ -14982,7 +13985,7 @@
           <a:p>
             <a:r>
               <a:rPr lang="pt-BR" dirty="0"/>
-              <a:t>Algumas visões práticas de algoritmos de aprendizado</a:t>
+              <a:t>Algumas questões práticas sobre algoritmos de aprendizado</a:t>
             </a:r>
           </a:p>
         </p:txBody>
@@ -15031,7 +14034,7 @@
           <a:p>
             <a:r>
               <a:rPr lang="pt-BR" dirty="0"/>
-              <a:t>Porém, existem importantes aspectos práticos que devem ser comentados de modo que vocês fiquem mais familiarizados com as práticas atuais.</a:t>
+              <a:t>Porém, existem alguns aspectos práticos que nós precisamos discutir.</a:t>
             </a:r>
           </a:p>
           <a:p>
@@ -15097,13 +14100,13 @@
           <a:p>
             <a:r>
               <a:rPr lang="pt-BR" dirty="0"/>
-              <a:t>Algumas visões práticas de algoritmos de aprendizado</a:t>
+              <a:t>Cálculo do vetor gradiente</a:t>
             </a:r>
           </a:p>
         </p:txBody>
       </p:sp>
-      <mc:AlternateContent xmlns:mc="http://schemas.openxmlformats.org/markup-compatibility/2006" xmlns:a14="http://schemas.microsoft.com/office/drawing/2010/main">
-        <mc:Choice Requires="a14">
+      <mc:AlternateContent xmlns:mc="http://schemas.openxmlformats.org/markup-compatibility/2006">
+        <mc:Choice xmlns:a14="http://schemas.microsoft.com/office/drawing/2010/main" Requires="a14">
           <p:sp>
             <p:nvSpPr>
               <p:cNvPr id="3" name="Content Placeholder 2"/>
@@ -15126,16 +14129,6 @@
               </a:bodyPr>
               <a:lstStyle/>
               <a:p>
-                <a:pPr marL="0" indent="0">
-                  <a:buNone/>
-                </a:pPr>
-                <a:r>
-                  <a:rPr lang="pt-BR" b="1" dirty="0"/>
-                  <a:t>Versões Online, Batch e Minibatch</a:t>
-                </a:r>
-                <a:endParaRPr lang="pt-BR" dirty="0"/>
-              </a:p>
-              <a:p>
                 <a:r>
                   <a:rPr lang="pt-BR" dirty="0"/>
                   <a:t>Conforme vimos anteriormente, a base para o aprendizado de redes MLP é a obtenção do </a:t>
@@ -15158,7 +14151,7 @@
                 </a:r>
                 <a:r>
                   <a:rPr lang="pt-BR" b="1" i="1" dirty="0"/>
-                  <a:t>pesos sinápticos </a:t>
+                  <a:t>pesos </a:t>
                 </a:r>
                 <a:r>
                   <a:rPr lang="pt-BR" dirty="0"/>
@@ -15166,7 +14159,7 @@
                 </a:r>
                 <a:r>
                   <a:rPr lang="pt-BR" b="1" i="1" dirty="0"/>
-                  <a:t>função de custo</a:t>
+                  <a:t>função de erro</a:t>
                 </a:r>
                 <a:r>
                   <a:rPr lang="pt-BR" dirty="0"/>
@@ -15246,7 +14239,7 @@
                 </a:r>
                 <a:r>
                   <a:rPr lang="pt-BR" b="1" i="1" dirty="0"/>
-                  <a:t>retropropagação/backpropagation</a:t>
+                  <a:t>retropropagação</a:t>
                 </a:r>
                 <a:r>
                   <a:rPr lang="pt-BR" dirty="0"/>
@@ -15256,7 +14249,7 @@
             </p:txBody>
           </p:sp>
         </mc:Choice>
-        <mc:Fallback xmlns="">
+        <mc:Fallback>
           <p:sp>
             <p:nvSpPr>
               <p:cNvPr id="3" name="Content Placeholder 2"/>
@@ -15272,10 +14265,10 @@
                 <a:off x="838199" y="1825624"/>
                 <a:ext cx="11078029" cy="5032375"/>
               </a:xfrm>
-              <a:blipFill rotWithShape="0">
+              <a:blipFill>
                 <a:blip r:embed="rId2"/>
                 <a:stretch>
-                  <a:fillRect l="-1100" t="-1937" r="-1375"/>
+                  <a:fillRect l="-935" t="-1937" r="-1375"/>
                 </a:stretch>
               </a:blipFill>
             </p:spPr>
@@ -15284,7 +14277,7 @@
               <a:lstStyle/>
               <a:p>
                 <a:r>
-                  <a:rPr lang="en-US">
+                  <a:rPr lang="pt-BR">
                     <a:noFill/>
                   </a:rPr>
                   <a:t> </a:t>
@@ -15337,7 +14330,7 @@
         <p:spPr>
           <a:xfrm>
             <a:off x="838200" y="365125"/>
-            <a:ext cx="12128770" cy="1325563"/>
+            <a:ext cx="10873902" cy="1325563"/>
           </a:xfrm>
         </p:spPr>
         <p:txBody>
@@ -15346,13 +14339,13 @@
           <a:p>
             <a:r>
               <a:rPr lang="pt-BR" dirty="0"/>
-              <a:t>Algumas visões práticas de algoritmos de aprendizado</a:t>
+              <a:t>Cálculo do vetor gradiente</a:t>
             </a:r>
           </a:p>
         </p:txBody>
       </p:sp>
-      <mc:AlternateContent xmlns:mc="http://schemas.openxmlformats.org/markup-compatibility/2006" xmlns:a14="http://schemas.microsoft.com/office/drawing/2010/main">
-        <mc:Choice Requires="a14">
+      <mc:AlternateContent xmlns:mc="http://schemas.openxmlformats.org/markup-compatibility/2006">
+        <mc:Choice xmlns:a14="http://schemas.microsoft.com/office/drawing/2010/main" Requires="a14">
           <p:sp>
             <p:nvSpPr>
               <p:cNvPr id="3" name="Content Placeholder 2"/>
@@ -15371,32 +14364,24 @@
             </p:spPr>
             <p:txBody>
               <a:bodyPr>
-                <a:normAutofit fontScale="92500" lnSpcReduction="20000"/>
+                <a:normAutofit fontScale="92500" lnSpcReduction="10000"/>
               </a:bodyPr>
               <a:lstStyle/>
+              <a:p>
+                <a:r>
+                  <a:rPr lang="pt-BR" dirty="0"/>
+                  <a:t>Vimos que a derivada parcial do erro em relação a um peso qualquer é a média de </a:t>
+                </a:r>
+                <a:r>
+                  <a:rPr lang="pt-BR" b="1" i="1" dirty="0"/>
+                  <a:t>gradientes particulares (ou locais)</a:t>
+                </a:r>
+              </a:p>
               <a:p>
                 <a:pPr marL="0" indent="0">
                   <a:buNone/>
                 </a:pPr>
-                <a:r>
-                  <a:rPr lang="pt-BR" b="1" dirty="0"/>
-                  <a:t>Versões Online, Batch e Minibatch</a:t>
-                </a:r>
-                <a:endParaRPr lang="pt-BR" dirty="0"/>
-              </a:p>
-              <a:p>
-                <a:r>
-                  <a:rPr lang="pt-BR" dirty="0"/>
-                  <a:t>Vimos também que se calcula o gradiente associado a cada exemplo de entrada e saída da rede e que a média de todos esses </a:t>
-                </a:r>
-                <a:r>
-                  <a:rPr lang="pt-BR" b="1" i="1" dirty="0"/>
-                  <a:t>gradientes locais</a:t>
-                </a:r>
-                <a:r>
-                  <a:rPr lang="pt-BR" dirty="0"/>
-                  <a:t> leva ao gradiente estimado para o conjunto total de exemplos.</a:t>
-                </a:r>
+                <a:endParaRPr lang="pt-BR" sz="500" dirty="0"/>
               </a:p>
               <a:p>
                 <a:pPr marL="0" indent="0" algn="ctr">
@@ -15438,36 +14423,6 @@
                               </m:ctrlPr>
                             </m:dPr>
                             <m:e>
-                              <m:r>
-                                <a:rPr lang="pt-BR" sz="2400" b="1" i="1" smtClean="0">
-                                  <a:latin typeface="Cambria Math" panose="02040503050406030204" pitchFamily="18" charset="0"/>
-                                </a:rPr>
-                                <m:t>𝒙</m:t>
-                              </m:r>
-                              <m:r>
-                                <a:rPr lang="pt-BR" sz="2400" b="0" i="1" smtClean="0">
-                                  <a:latin typeface="Cambria Math" panose="02040503050406030204" pitchFamily="18" charset="0"/>
-                                </a:rPr>
-                                <m:t>(</m:t>
-                              </m:r>
-                              <m:r>
-                                <a:rPr lang="pt-BR" sz="2400" b="0" i="1" smtClean="0">
-                                  <a:latin typeface="Cambria Math" panose="02040503050406030204" pitchFamily="18" charset="0"/>
-                                </a:rPr>
-                                <m:t>𝑛</m:t>
-                              </m:r>
-                              <m:r>
-                                <a:rPr lang="pt-BR" sz="2400" b="0" i="1" smtClean="0">
-                                  <a:latin typeface="Cambria Math" panose="02040503050406030204" pitchFamily="18" charset="0"/>
-                                </a:rPr>
-                                <m:t>)</m:t>
-                              </m:r>
-                              <m:r>
-                                <a:rPr lang="pt-BR" sz="2400" b="1" i="1" smtClean="0">
-                                  <a:latin typeface="Cambria Math" panose="02040503050406030204" pitchFamily="18" charset="0"/>
-                                </a:rPr>
-                                <m:t> | </m:t>
-                              </m:r>
                               <m:r>
                                 <a:rPr lang="pt-BR" sz="2400" b="1" i="1">
                                   <a:latin typeface="Cambria Math" panose="02040503050406030204" pitchFamily="18" charset="0"/>
@@ -16017,21 +14972,19 @@
                 <a:endParaRPr lang="pt-BR" sz="2400" dirty="0"/>
               </a:p>
               <a:p>
+                <a:pPr marL="0" indent="0">
+                  <a:buNone/>
+                </a:pPr>
+                <a:endParaRPr lang="pt-BR" sz="600" dirty="0"/>
+              </a:p>
+              <a:p>
                 <a:r>
                   <a:rPr lang="pt-BR" dirty="0"/>
                   <a:t>O </a:t>
                 </a:r>
                 <a:r>
                   <a:rPr lang="pt-BR" b="1" i="1" dirty="0"/>
-                  <a:t>gradiente local</a:t>
-                </a:r>
-                <a:r>
-                  <a:rPr lang="pt-BR" dirty="0"/>
-                  <a:t>,</a:t>
-                </a:r>
-                <a:r>
-                  <a:rPr lang="pt-BR" b="1" i="1" dirty="0"/>
-                  <a:t> </a:t>
+                  <a:t>gradiente local </a:t>
                 </a:r>
                 <a:r>
                   <a:rPr lang="pt-BR" dirty="0"/>
@@ -16071,15 +15024,7 @@
                 </a14:m>
                 <a:r>
                   <a:rPr lang="pt-BR" dirty="0"/>
-                  <a:t>-</a:t>
-                </a:r>
-                <a:r>
-                  <a:rPr lang="pt-BR" dirty="0" err="1"/>
-                  <a:t>ésimo</a:t>
-                </a:r>
-                <a:r>
-                  <a:rPr lang="pt-BR" dirty="0"/>
-                  <a:t> exemplo de entrada em relação ao peso, </a:t>
+                  <a:t>-ésimo exemplo de entrada em relação ao peso </a:t>
                 </a:r>
                 <a14:m>
                   <m:oMath xmlns:m="http://schemas.openxmlformats.org/officeDocument/2006/math">
@@ -16256,7 +15201,7 @@
               <a:p>
                 <a:r>
                   <a:rPr lang="pt-BR" dirty="0"/>
-                  <a:t>No entanto, surge aqui um questionamento importante: </a:t>
+                  <a:t>No entanto, aqui surge um questionamento importante: </a:t>
                 </a:r>
               </a:p>
               <a:p>
@@ -16398,7 +15343,7 @@
             </p:txBody>
           </p:sp>
         </mc:Choice>
-        <mc:Fallback xmlns="">
+        <mc:Fallback>
           <p:sp>
             <p:nvSpPr>
               <p:cNvPr id="3" name="Content Placeholder 2"/>
@@ -16417,7 +15362,7 @@
               <a:blipFill>
                 <a:blip r:embed="rId2"/>
                 <a:stretch>
-                  <a:fillRect l="-921" t="-3027" r="-1138"/>
+                  <a:fillRect l="-813" t="-2421" r="-217"/>
                 </a:stretch>
               </a:blipFill>
             </p:spPr>
@@ -16436,44 +15381,6 @@
           </p:sp>
         </mc:Fallback>
       </mc:AlternateContent>
-      <p:cxnSp>
-        <p:nvCxnSpPr>
-          <p:cNvPr id="7" name="Straight Arrow Connector 6"/>
-          <p:cNvCxnSpPr>
-            <a:cxnSpLocks/>
-          </p:cNvCxnSpPr>
-          <p:nvPr/>
-        </p:nvCxnSpPr>
-        <p:spPr>
-          <a:xfrm flipH="1">
-            <a:off x="3520966" y="3977589"/>
-            <a:ext cx="3155074" cy="134936"/>
-          </a:xfrm>
-          <a:prstGeom prst="straightConnector1">
-            <a:avLst/>
-          </a:prstGeom>
-          <a:ln>
-            <a:solidFill>
-              <a:srgbClr val="FF0000"/>
-            </a:solidFill>
-            <a:tailEnd type="triangle"/>
-          </a:ln>
-        </p:spPr>
-        <p:style>
-          <a:lnRef idx="1">
-            <a:schemeClr val="accent1"/>
-          </a:lnRef>
-          <a:fillRef idx="0">
-            <a:schemeClr val="accent1"/>
-          </a:fillRef>
-          <a:effectRef idx="0">
-            <a:schemeClr val="accent1"/>
-          </a:effectRef>
-          <a:fontRef idx="minor">
-            <a:schemeClr val="tx1"/>
-          </a:fontRef>
-        </p:style>
-      </p:cxnSp>
       <p:sp>
         <p:nvSpPr>
           <p:cNvPr id="9" name="Retângulo 8"/>
@@ -16482,8 +15389,8 @@
         </p:nvSpPr>
         <p:spPr>
           <a:xfrm>
-            <a:off x="6676040" y="3080107"/>
-            <a:ext cx="894523" cy="897482"/>
+            <a:off x="6254884" y="2680628"/>
+            <a:ext cx="924129" cy="897482"/>
           </a:xfrm>
           <a:prstGeom prst="rect">
             <a:avLst/>
@@ -16517,6 +15424,42 @@
           <a:p>
             <a:pPr algn="ctr"/>
             <a:endParaRPr lang="en-US"/>
+          </a:p>
+        </p:txBody>
+      </p:sp>
+      <p:sp>
+        <p:nvSpPr>
+          <p:cNvPr id="6" name="CaixaDeTexto 5">
+            <a:extLst>
+              <a:ext uri="{FF2B5EF4-FFF2-40B4-BE49-F238E27FC236}">
+                <a16:creationId xmlns:a16="http://schemas.microsoft.com/office/drawing/2014/main" id="{928286F3-4B05-CDE5-AEF5-5B1222276419}"/>
+              </a:ext>
+            </a:extLst>
+          </p:cNvPr>
+          <p:cNvSpPr txBox="1"/>
+          <p:nvPr/>
+        </p:nvSpPr>
+        <p:spPr>
+          <a:xfrm>
+            <a:off x="6203008" y="3575802"/>
+            <a:ext cx="1151106" cy="276999"/>
+          </a:xfrm>
+          <a:prstGeom prst="rect">
+            <a:avLst/>
+          </a:prstGeom>
+          <a:noFill/>
+        </p:spPr>
+        <p:txBody>
+          <a:bodyPr wrap="square" rtlCol="0">
+            <a:spAutoFit/>
+          </a:bodyPr>
+          <a:lstStyle/>
+          <a:p>
+            <a:pPr algn="ctr"/>
+            <a:r>
+              <a:rPr lang="pt-BR" sz="1200" dirty="0"/>
+              <a:t>Gradiente local</a:t>
+            </a:r>
           </a:p>
         </p:txBody>
       </p:sp>
@@ -16552,7 +15495,13 @@
       </p:grpSpPr>
       <p:sp>
         <p:nvSpPr>
-          <p:cNvPr id="2" name="Title 1"/>
+          <p:cNvPr id="2" name="Título 1">
+            <a:extLst>
+              <a:ext uri="{FF2B5EF4-FFF2-40B4-BE49-F238E27FC236}">
+                <a16:creationId xmlns:a16="http://schemas.microsoft.com/office/drawing/2014/main" id="{914C689F-B335-5924-6D61-297EEE64EAD8}"/>
+              </a:ext>
+            </a:extLst>
+          </p:cNvPr>
           <p:cNvSpPr>
             <a:spLocks noGrp="1"/>
           </p:cNvSpPr>
@@ -16560,28 +15509,27 @@
             <p:ph type="title"/>
           </p:nvPr>
         </p:nvSpPr>
-        <p:spPr>
-          <a:xfrm>
-            <a:off x="838199" y="365125"/>
-            <a:ext cx="11121571" cy="1325563"/>
-          </a:xfrm>
-        </p:spPr>
+        <p:spPr/>
         <p:txBody>
-          <a:bodyPr>
-            <a:normAutofit/>
-          </a:bodyPr>
+          <a:bodyPr/>
           <a:lstStyle/>
           <a:p>
             <a:r>
               <a:rPr lang="pt-BR" dirty="0"/>
-              <a:t>Algumas visões práticas de algoritmos de aprendizado</a:t>
+              <a:t>Cálculo do vetor gradiente</a:t>
             </a:r>
           </a:p>
         </p:txBody>
       </p:sp>
       <p:sp>
         <p:nvSpPr>
-          <p:cNvPr id="3" name="Content Placeholder 2"/>
+          <p:cNvPr id="3" name="Espaço Reservado para Conteúdo 2">
+            <a:extLst>
+              <a:ext uri="{FF2B5EF4-FFF2-40B4-BE49-F238E27FC236}">
+                <a16:creationId xmlns:a16="http://schemas.microsoft.com/office/drawing/2014/main" id="{E71BC374-E2D1-A6D7-D637-C334606B8C07}"/>
+              </a:ext>
+            </a:extLst>
+          </p:cNvPr>
           <p:cNvSpPr>
             <a:spLocks noGrp="1"/>
           </p:cNvSpPr>
@@ -16592,822 +15540,128 @@
         <p:spPr>
           <a:xfrm>
             <a:off x="838199" y="1825624"/>
-            <a:ext cx="11217677" cy="2304487"/>
+            <a:ext cx="11185188" cy="5032375"/>
           </a:xfrm>
         </p:spPr>
         <p:txBody>
           <a:bodyPr>
-            <a:normAutofit fontScale="92500"/>
+            <a:normAutofit/>
           </a:bodyPr>
           <a:lstStyle/>
           <a:p>
-            <a:pPr marL="0" indent="0">
-              <a:buNone/>
+            <a:r>
+              <a:rPr lang="pt-BR" dirty="0"/>
+              <a:t>Esse questionamento gera três abordagens possíveis para o cálculo do vetor gradiente.</a:t>
+            </a:r>
+          </a:p>
+          <a:p>
+            <a:pPr lvl="1">
+              <a:buFont typeface="Wingdings" panose="05000000000000000000" pitchFamily="2" charset="2"/>
+              <a:buChar char="§"/>
             </a:pPr>
             <a:r>
+              <a:rPr lang="pt-BR" dirty="0"/>
+              <a:t>O cálculo usando todos os exemplos (batelada).</a:t>
+            </a:r>
+          </a:p>
+          <a:p>
+            <a:pPr lvl="1">
+              <a:buFont typeface="Wingdings" panose="05000000000000000000" pitchFamily="2" charset="2"/>
+              <a:buChar char="§"/>
+            </a:pPr>
+            <a:r>
+              <a:rPr lang="pt-BR" dirty="0"/>
+              <a:t>O cálculo (i.e., estimativa) usando um único exemplo (estocástica).</a:t>
+            </a:r>
+          </a:p>
+          <a:p>
+            <a:pPr lvl="1">
+              <a:buFont typeface="Wingdings" panose="05000000000000000000" pitchFamily="2" charset="2"/>
+              <a:buChar char="§"/>
+            </a:pPr>
+            <a:r>
+              <a:rPr lang="pt-BR" dirty="0"/>
+              <a:t>O cálculo usando um subconjunto de exemplos (mini-</a:t>
+            </a:r>
+            <a:r>
+              <a:rPr lang="pt-BR" i="1" dirty="0"/>
+              <a:t>batches</a:t>
+            </a:r>
+            <a:r>
+              <a:rPr lang="pt-BR" dirty="0"/>
+              <a:t>).</a:t>
+            </a:r>
+          </a:p>
+          <a:p>
+            <a:r>
+              <a:rPr lang="pt-BR" dirty="0"/>
+              <a:t>Nas </a:t>
+            </a:r>
+            <a:r>
+              <a:rPr lang="pt-BR" b="1" i="1" dirty="0"/>
+              <a:t>redes neurais profundas </a:t>
+            </a:r>
+            <a:r>
+              <a:rPr lang="pt-BR" dirty="0"/>
+              <a:t>(ou </a:t>
+            </a:r>
+            <a:r>
+              <a:rPr lang="pt-BR" b="1" i="1" dirty="0"/>
+              <a:t>deep learning</a:t>
+            </a:r>
+            <a:r>
+              <a:rPr lang="pt-BR" dirty="0"/>
+              <a:t>), usadas com muita frequência em problemas possuem enormes conjuntos de dados, usa-se a abordagem com </a:t>
+            </a:r>
+            <a:r>
+              <a:rPr lang="pt-BR" b="1" i="1" dirty="0"/>
+              <a:t>mini-batches</a:t>
+            </a:r>
+            <a:r>
+              <a:rPr lang="pt-BR" dirty="0"/>
+              <a:t>, pois com ela, podemos controlar a complexidade computacional necessária para o treinamento.</a:t>
+            </a:r>
+          </a:p>
+          <a:p>
+            <a:r>
               <a:rPr lang="pt-BR" b="1" dirty="0"/>
-              <a:t>Versões Online, Batch e Minibatch</a:t>
-            </a:r>
-            <a:endParaRPr lang="pt-BR" dirty="0"/>
-          </a:p>
-          <a:p>
+              <a:t>OBS</a:t>
+            </a:r>
             <a:r>
               <a:rPr lang="pt-BR" dirty="0"/>
-              <a:t>Nesse questionamento, existem duas abordagens opostas: o cálculo </a:t>
+              <a:t>.: Os exemplos para estimativa do gradiente das versões </a:t>
             </a:r>
             <a:r>
               <a:rPr lang="pt-BR" b="1" i="1" dirty="0"/>
-              <a:t>online</a:t>
+              <a:t>estocástica</a:t>
             </a:r>
             <a:r>
               <a:rPr lang="pt-BR" dirty="0"/>
-              <a:t> (ou seja, exemplo-a-exemplo) e o cálculo em batelada (</a:t>
+              <a:t> e </a:t>
             </a:r>
             <a:r>
               <a:rPr lang="pt-BR" b="1" i="1" dirty="0"/>
-              <a:t>batch</a:t>
+              <a:t>mini-batch</a:t>
             </a:r>
             <a:r>
               <a:rPr lang="pt-BR" dirty="0"/>
-              <a:t>) do gradiente. </a:t>
-            </a:r>
-          </a:p>
-          <a:p>
+              <a:t> devem ser </a:t>
+            </a:r>
+            <a:r>
+              <a:rPr lang="pt-BR" b="1" i="1" dirty="0"/>
+              <a:t>aleatoriamente</a:t>
+            </a:r>
             <a:r>
               <a:rPr lang="pt-BR" dirty="0"/>
-              <a:t>Vejamos inicialmente a noção geral de </a:t>
-            </a:r>
-            <a:r>
-              <a:rPr lang="pt-BR" b="1" i="1" dirty="0"/>
-              <a:t>adaptação dos pesos </a:t>
-            </a:r>
-            <a:r>
-              <a:rPr lang="pt-BR" dirty="0"/>
-              <a:t>(sinápticos e bias)</a:t>
-            </a:r>
-            <a:r>
-              <a:rPr lang="pt-BR" b="1" i="1" dirty="0"/>
-              <a:t> </a:t>
-            </a:r>
-            <a:r>
-              <a:rPr lang="pt-BR" dirty="0"/>
-              <a:t>com o cálculo </a:t>
-            </a:r>
-            <a:r>
-              <a:rPr lang="pt-BR" b="1" i="1" dirty="0"/>
-              <a:t>online </a:t>
-            </a:r>
-            <a:r>
-              <a:rPr lang="pt-BR" dirty="0"/>
-              <a:t>do gradiente, como mostra o algoritmo abaixo.</a:t>
+              <a:t> escolhidos a partir do conjunto de treinamento.</a:t>
             </a:r>
           </a:p>
         </p:txBody>
       </p:sp>
-      <mc:AlternateContent xmlns:mc="http://schemas.openxmlformats.org/markup-compatibility/2006" xmlns:a14="http://schemas.microsoft.com/office/drawing/2010/main">
-        <mc:Choice Requires="a14">
-          <p:sp>
-            <p:nvSpPr>
-              <p:cNvPr id="5" name="TextBox 4"/>
-              <p:cNvSpPr txBox="1"/>
-              <p:nvPr/>
-            </p:nvSpPr>
-            <p:spPr>
-              <a:xfrm>
-                <a:off x="1760561" y="3905830"/>
-                <a:ext cx="8670878" cy="2927725"/>
-              </a:xfrm>
-              <a:prstGeom prst="rect">
-                <a:avLst/>
-              </a:prstGeom>
-              <a:noFill/>
-              <a:ln>
-                <a:solidFill>
-                  <a:schemeClr val="tx1"/>
-                </a:solidFill>
-              </a:ln>
-            </p:spPr>
-            <p:txBody>
-              <a:bodyPr wrap="square" rtlCol="0">
-                <a:spAutoFit/>
-              </a:bodyPr>
-              <a:lstStyle/>
-              <a:p>
-                <a:pPr marL="285750" indent="-285750">
-                  <a:buFont typeface="Wingdings" panose="05000000000000000000" pitchFamily="2" charset="2"/>
-                  <a:buChar char="Ø"/>
-                </a:pPr>
-                <a:r>
-                  <a:rPr lang="pt-BR" sz="1600" dirty="0"/>
-                  <a:t>Defina valores iniciais para a matriz de pesos </a:t>
-                </a:r>
-                <a14:m>
-                  <m:oMath xmlns:m="http://schemas.openxmlformats.org/officeDocument/2006/math">
-                    <m:r>
-                      <a:rPr lang="pt-BR" sz="1600" b="1" i="1" smtClean="0">
-                        <a:latin typeface="Cambria Math" panose="02040503050406030204" pitchFamily="18" charset="0"/>
-                      </a:rPr>
-                      <m:t>𝑾</m:t>
-                    </m:r>
-                  </m:oMath>
-                </a14:m>
-                <a:r>
-                  <a:rPr lang="pt-BR" sz="1600" dirty="0"/>
-                  <a:t> e um passo de aprendizagem </a:t>
-                </a:r>
-                <a14:m>
-                  <m:oMath xmlns:m="http://schemas.openxmlformats.org/officeDocument/2006/math">
-                    <m:r>
-                      <a:rPr lang="pt-BR" sz="1600" i="1">
-                        <a:latin typeface="Cambria Math" panose="02040503050406030204" pitchFamily="18" charset="0"/>
-                        <a:ea typeface="Cambria Math" panose="02040503050406030204" pitchFamily="18" charset="0"/>
-                      </a:rPr>
-                      <m:t>𝛼</m:t>
-                    </m:r>
-                  </m:oMath>
-                </a14:m>
-                <a:r>
-                  <a:rPr lang="pt-BR" sz="1600" dirty="0"/>
-                  <a:t> pequeno. </a:t>
-                </a:r>
-              </a:p>
-              <a:p>
-                <a:pPr marL="285750" indent="-285750">
-                  <a:buFont typeface="Wingdings" panose="05000000000000000000" pitchFamily="2" charset="2"/>
-                  <a:buChar char="Ø"/>
-                </a:pPr>
-                <a:r>
-                  <a:rPr lang="pt-BR" sz="1600" dirty="0"/>
-                  <a:t>Faça </a:t>
-                </a:r>
-                <a14:m>
-                  <m:oMath xmlns:m="http://schemas.openxmlformats.org/officeDocument/2006/math">
-                    <m:r>
-                      <a:rPr lang="pt-BR" sz="1600" b="0" i="1" smtClean="0">
-                        <a:latin typeface="Cambria Math" panose="02040503050406030204" pitchFamily="18" charset="0"/>
-                      </a:rPr>
-                      <m:t>𝑘</m:t>
-                    </m:r>
-                    <m:r>
-                      <a:rPr lang="pt-BR" sz="1600" b="0" i="1" smtClean="0">
-                        <a:latin typeface="Cambria Math" panose="02040503050406030204" pitchFamily="18" charset="0"/>
-                      </a:rPr>
-                      <m:t>=0</m:t>
-                    </m:r>
-                  </m:oMath>
-                </a14:m>
-                <a:r>
-                  <a:rPr lang="pt-BR" sz="1600" dirty="0"/>
-                  <a:t> (épocas), </a:t>
-                </a:r>
-                <a14:m>
-                  <m:oMath xmlns:m="http://schemas.openxmlformats.org/officeDocument/2006/math">
-                    <m:r>
-                      <a:rPr lang="pt-BR" sz="1600" b="0" i="1" smtClean="0">
-                        <a:latin typeface="Cambria Math" panose="02040503050406030204" pitchFamily="18" charset="0"/>
-                      </a:rPr>
-                      <m:t>𝑡</m:t>
-                    </m:r>
-                    <m:r>
-                      <a:rPr lang="pt-BR" sz="1600" b="0" i="1" smtClean="0">
-                        <a:latin typeface="Cambria Math" panose="02040503050406030204" pitchFamily="18" charset="0"/>
-                      </a:rPr>
-                      <m:t>=0</m:t>
-                    </m:r>
-                  </m:oMath>
-                </a14:m>
-                <a:r>
-                  <a:rPr lang="pt-BR" sz="1600" dirty="0"/>
-                  <a:t> (iterações) e calcule </a:t>
-                </a:r>
-                <a14:m>
-                  <m:oMath xmlns:m="http://schemas.openxmlformats.org/officeDocument/2006/math">
-                    <m:r>
-                      <a:rPr lang="pt-BR" sz="1600" i="1">
-                        <a:latin typeface="Cambria Math" panose="02040503050406030204" pitchFamily="18" charset="0"/>
-                      </a:rPr>
-                      <m:t>𝐽</m:t>
-                    </m:r>
-                    <m:d>
-                      <m:dPr>
-                        <m:ctrlPr>
-                          <a:rPr lang="pt-BR" sz="1600" i="1">
-                            <a:latin typeface="Cambria Math" panose="02040503050406030204" pitchFamily="18" charset="0"/>
-                          </a:rPr>
-                        </m:ctrlPr>
-                      </m:dPr>
-                      <m:e>
-                        <m:r>
-                          <a:rPr lang="pt-BR" sz="1600" b="1" i="1">
-                            <a:latin typeface="Cambria Math" panose="02040503050406030204" pitchFamily="18" charset="0"/>
-                          </a:rPr>
-                          <m:t>𝑾</m:t>
-                        </m:r>
-                        <m:d>
-                          <m:dPr>
-                            <m:ctrlPr>
-                              <a:rPr lang="pt-BR" sz="1600" b="1" i="1">
-                                <a:latin typeface="Cambria Math" panose="02040503050406030204" pitchFamily="18" charset="0"/>
-                              </a:rPr>
-                            </m:ctrlPr>
-                          </m:dPr>
-                          <m:e>
-                            <m:r>
-                              <a:rPr lang="pt-BR" sz="1600" i="1">
-                                <a:latin typeface="Cambria Math" panose="02040503050406030204" pitchFamily="18" charset="0"/>
-                              </a:rPr>
-                              <m:t>𝑘</m:t>
-                            </m:r>
-                          </m:e>
-                        </m:d>
-                      </m:e>
-                    </m:d>
-                  </m:oMath>
-                </a14:m>
-                <a:r>
-                  <a:rPr lang="pt-BR" sz="1600" dirty="0"/>
-                  <a:t>.</a:t>
-                </a:r>
-              </a:p>
-              <a:p>
-                <a:pPr marL="285750" indent="-285750">
-                  <a:buFont typeface="Wingdings" panose="05000000000000000000" pitchFamily="2" charset="2"/>
-                  <a:buChar char="Ø"/>
-                </a:pPr>
-                <a:r>
-                  <a:rPr lang="pt-BR" sz="1600" dirty="0"/>
-                  <a:t>Enquanto o critério de parada não for atendido, faça: </a:t>
-                </a:r>
-              </a:p>
-              <a:p>
-                <a:pPr marL="742950" lvl="1" indent="-285750">
-                  <a:buFont typeface="Courier New" panose="02070309020205020404" pitchFamily="49" charset="0"/>
-                  <a:buChar char="o"/>
-                </a:pPr>
-                <a:r>
-                  <a:rPr lang="pt-BR" sz="1600" dirty="0"/>
-                  <a:t>Ordene aleatoriamente os exemplos de entrada e saídas correspondentes.</a:t>
-                </a:r>
-              </a:p>
-              <a:p>
-                <a:pPr marL="742950" lvl="1" indent="-285750">
-                  <a:buFont typeface="Courier New" panose="02070309020205020404" pitchFamily="49" charset="0"/>
-                  <a:buChar char="o"/>
-                </a:pPr>
-                <a:r>
-                  <a:rPr lang="pt-BR" sz="1600" dirty="0"/>
-                  <a:t>Para </a:t>
-                </a:r>
-                <a14:m>
-                  <m:oMath xmlns:m="http://schemas.openxmlformats.org/officeDocument/2006/math">
-                    <m:r>
-                      <a:rPr lang="pt-BR" sz="1600" b="0" i="1" smtClean="0">
-                        <a:latin typeface="Cambria Math" panose="02040503050406030204" pitchFamily="18" charset="0"/>
-                      </a:rPr>
-                      <m:t>𝑙</m:t>
-                    </m:r>
-                  </m:oMath>
-                </a14:m>
-                <a:r>
-                  <a:rPr lang="pt-BR" sz="1600" dirty="0"/>
-                  <a:t> variando de 1 até </a:t>
-                </a:r>
-                <a14:m>
-                  <m:oMath xmlns:m="http://schemas.openxmlformats.org/officeDocument/2006/math">
-                    <m:r>
-                      <a:rPr lang="pt-BR" sz="1600" b="0" i="1" smtClean="0">
-                        <a:latin typeface="Cambria Math" panose="02040503050406030204" pitchFamily="18" charset="0"/>
-                      </a:rPr>
-                      <m:t>𝑁</m:t>
-                    </m:r>
-                  </m:oMath>
-                </a14:m>
-                <a:r>
-                  <a:rPr lang="pt-BR" sz="1600" dirty="0"/>
-                  <a:t>, faça: </a:t>
-                </a:r>
-              </a:p>
-              <a:p>
-                <a:pPr marL="1200150" lvl="2" indent="-285750">
-                  <a:buFont typeface="Wingdings" panose="05000000000000000000" pitchFamily="2" charset="2"/>
-                  <a:buChar char="§"/>
-                </a:pPr>
-                <a:r>
-                  <a:rPr lang="pt-BR" sz="1600" dirty="0"/>
-                  <a:t>Apresente o </a:t>
-                </a:r>
-                <a14:m>
-                  <m:oMath xmlns:m="http://schemas.openxmlformats.org/officeDocument/2006/math">
-                    <m:r>
-                      <a:rPr lang="pt-BR" sz="1600" i="1" smtClean="0">
-                        <a:latin typeface="Cambria Math" panose="02040503050406030204" pitchFamily="18" charset="0"/>
-                      </a:rPr>
-                      <m:t>𝑙</m:t>
-                    </m:r>
-                  </m:oMath>
-                </a14:m>
-                <a:r>
-                  <a:rPr lang="pt-BR" sz="1600" dirty="0"/>
-                  <a:t>-</a:t>
-                </a:r>
-                <a:r>
-                  <a:rPr lang="pt-BR" sz="1600" dirty="0" err="1"/>
-                  <a:t>ésimo</a:t>
-                </a:r>
-                <a:r>
-                  <a:rPr lang="pt-BR" sz="1600" dirty="0"/>
-                  <a:t> exemplo de entrada à rede.</a:t>
-                </a:r>
-              </a:p>
-              <a:p>
-                <a:pPr marL="1200150" lvl="2" indent="-285750">
-                  <a:buFont typeface="Wingdings" panose="05000000000000000000" pitchFamily="2" charset="2"/>
-                  <a:buChar char="§"/>
-                </a:pPr>
-                <a:r>
-                  <a:rPr lang="pt-BR" sz="1600" dirty="0"/>
-                  <a:t>Calcule </a:t>
-                </a:r>
-                <a14:m>
-                  <m:oMath xmlns:m="http://schemas.openxmlformats.org/officeDocument/2006/math">
-                    <m:sSub>
-                      <m:sSubPr>
-                        <m:ctrlPr>
-                          <a:rPr lang="pt-BR" sz="1600" i="1" smtClean="0">
-                            <a:latin typeface="Cambria Math" panose="02040503050406030204" pitchFamily="18" charset="0"/>
-                          </a:rPr>
-                        </m:ctrlPr>
-                      </m:sSubPr>
-                      <m:e>
-                        <m:r>
-                          <a:rPr lang="pt-BR" sz="1600" b="0" i="1" smtClean="0">
-                            <a:latin typeface="Cambria Math" panose="02040503050406030204" pitchFamily="18" charset="0"/>
-                          </a:rPr>
-                          <m:t>𝐽</m:t>
-                        </m:r>
-                      </m:e>
-                      <m:sub>
-                        <m:r>
-                          <a:rPr lang="pt-BR" sz="1600" b="0" i="1" smtClean="0">
-                            <a:latin typeface="Cambria Math" panose="02040503050406030204" pitchFamily="18" charset="0"/>
-                          </a:rPr>
-                          <m:t>𝑙</m:t>
-                        </m:r>
-                      </m:sub>
-                    </m:sSub>
-                    <m:d>
-                      <m:dPr>
-                        <m:ctrlPr>
-                          <a:rPr lang="pt-BR" sz="1600" i="1">
-                            <a:latin typeface="Cambria Math" panose="02040503050406030204" pitchFamily="18" charset="0"/>
-                          </a:rPr>
-                        </m:ctrlPr>
-                      </m:dPr>
-                      <m:e>
-                        <m:r>
-                          <a:rPr lang="pt-BR" sz="1600" b="1" i="1">
-                            <a:latin typeface="Cambria Math" panose="02040503050406030204" pitchFamily="18" charset="0"/>
-                          </a:rPr>
-                          <m:t>𝑾</m:t>
-                        </m:r>
-                        <m:d>
-                          <m:dPr>
-                            <m:ctrlPr>
-                              <a:rPr lang="pt-BR" sz="1600" b="1" i="1">
-                                <a:latin typeface="Cambria Math" panose="02040503050406030204" pitchFamily="18" charset="0"/>
-                              </a:rPr>
-                            </m:ctrlPr>
-                          </m:dPr>
-                          <m:e>
-                            <m:r>
-                              <a:rPr lang="pt-BR" sz="1600" b="0" i="1" smtClean="0">
-                                <a:latin typeface="Cambria Math" panose="02040503050406030204" pitchFamily="18" charset="0"/>
-                              </a:rPr>
-                              <m:t>𝑡</m:t>
-                            </m:r>
-                          </m:e>
-                        </m:d>
-                      </m:e>
-                    </m:d>
-                  </m:oMath>
-                </a14:m>
-                <a:r>
-                  <a:rPr lang="pt-BR" sz="1600" dirty="0"/>
-                  <a:t> e </a:t>
-                </a:r>
-                <a14:m>
-                  <m:oMath xmlns:m="http://schemas.openxmlformats.org/officeDocument/2006/math">
-                    <m:r>
-                      <a:rPr lang="pt-BR" sz="1600" i="1" smtClean="0">
-                        <a:latin typeface="Cambria Math" panose="02040503050406030204" pitchFamily="18" charset="0"/>
-                        <a:ea typeface="Cambria Math" panose="02040503050406030204" pitchFamily="18" charset="0"/>
-                      </a:rPr>
-                      <m:t>𝛻</m:t>
-                    </m:r>
-                    <m:sSub>
-                      <m:sSubPr>
-                        <m:ctrlPr>
-                          <a:rPr lang="pt-BR" sz="1600" i="1">
-                            <a:latin typeface="Cambria Math" panose="02040503050406030204" pitchFamily="18" charset="0"/>
-                          </a:rPr>
-                        </m:ctrlPr>
-                      </m:sSubPr>
-                      <m:e>
-                        <m:r>
-                          <a:rPr lang="pt-BR" sz="1600" i="1">
-                            <a:latin typeface="Cambria Math" panose="02040503050406030204" pitchFamily="18" charset="0"/>
-                          </a:rPr>
-                          <m:t>𝐽</m:t>
-                        </m:r>
-                      </m:e>
-                      <m:sub>
-                        <m:r>
-                          <a:rPr lang="pt-BR" sz="1600" b="0" i="1" smtClean="0">
-                            <a:latin typeface="Cambria Math" panose="02040503050406030204" pitchFamily="18" charset="0"/>
-                          </a:rPr>
-                          <m:t>𝑙</m:t>
-                        </m:r>
-                      </m:sub>
-                    </m:sSub>
-                    <m:d>
-                      <m:dPr>
-                        <m:ctrlPr>
-                          <a:rPr lang="pt-BR" sz="1600" i="1">
-                            <a:latin typeface="Cambria Math" panose="02040503050406030204" pitchFamily="18" charset="0"/>
-                          </a:rPr>
-                        </m:ctrlPr>
-                      </m:dPr>
-                      <m:e>
-                        <m:r>
-                          <a:rPr lang="pt-BR" sz="1600" b="1" i="1">
-                            <a:latin typeface="Cambria Math" panose="02040503050406030204" pitchFamily="18" charset="0"/>
-                          </a:rPr>
-                          <m:t>𝑾</m:t>
-                        </m:r>
-                        <m:d>
-                          <m:dPr>
-                            <m:ctrlPr>
-                              <a:rPr lang="pt-BR" sz="1600" b="1" i="1">
-                                <a:latin typeface="Cambria Math" panose="02040503050406030204" pitchFamily="18" charset="0"/>
-                              </a:rPr>
-                            </m:ctrlPr>
-                          </m:dPr>
-                          <m:e>
-                            <m:r>
-                              <a:rPr lang="pt-BR" sz="1600" i="1">
-                                <a:latin typeface="Cambria Math" panose="02040503050406030204" pitchFamily="18" charset="0"/>
-                              </a:rPr>
-                              <m:t>𝑡</m:t>
-                            </m:r>
-                          </m:e>
-                        </m:d>
-                      </m:e>
-                    </m:d>
-                  </m:oMath>
-                </a14:m>
-                <a:r>
-                  <a:rPr lang="pt-BR" sz="1600" dirty="0"/>
-                  <a:t>.</a:t>
-                </a:r>
-              </a:p>
-              <a:p>
-                <a:pPr marL="1200150" lvl="2" indent="-285750">
-                  <a:buFont typeface="Wingdings" panose="05000000000000000000" pitchFamily="2" charset="2"/>
-                  <a:buChar char="§"/>
-                </a:pPr>
-                <a14:m>
-                  <m:oMath xmlns:m="http://schemas.openxmlformats.org/officeDocument/2006/math">
-                    <m:r>
-                      <a:rPr lang="pt-BR" sz="1600" b="1" i="1">
-                        <a:latin typeface="Cambria Math" panose="02040503050406030204" pitchFamily="18" charset="0"/>
-                      </a:rPr>
-                      <m:t>𝑾</m:t>
-                    </m:r>
-                    <m:r>
-                      <a:rPr lang="pt-BR" sz="1600" b="1" i="1">
-                        <a:latin typeface="Cambria Math" panose="02040503050406030204" pitchFamily="18" charset="0"/>
-                      </a:rPr>
-                      <m:t> </m:t>
-                    </m:r>
-                    <m:d>
-                      <m:dPr>
-                        <m:ctrlPr>
-                          <a:rPr lang="pt-BR" sz="1600" i="1" smtClean="0">
-                            <a:latin typeface="Cambria Math" panose="02040503050406030204" pitchFamily="18" charset="0"/>
-                          </a:rPr>
-                        </m:ctrlPr>
-                      </m:dPr>
-                      <m:e>
-                        <m:r>
-                          <a:rPr lang="pt-BR" sz="1600" b="0" i="1" smtClean="0">
-                            <a:latin typeface="Cambria Math" panose="02040503050406030204" pitchFamily="18" charset="0"/>
-                          </a:rPr>
-                          <m:t>𝑡</m:t>
-                        </m:r>
-                        <m:r>
-                          <a:rPr lang="pt-BR" sz="1600" i="1">
-                            <a:latin typeface="Cambria Math" panose="02040503050406030204" pitchFamily="18" charset="0"/>
-                          </a:rPr>
-                          <m:t>+1</m:t>
-                        </m:r>
-                      </m:e>
-                    </m:d>
-                    <m:r>
-                      <a:rPr lang="pt-BR" sz="1600" b="1" i="1" smtClean="0">
-                        <a:latin typeface="Cambria Math" panose="02040503050406030204" pitchFamily="18" charset="0"/>
-                      </a:rPr>
-                      <m:t>=</m:t>
-                    </m:r>
-                    <m:r>
-                      <a:rPr lang="pt-BR" sz="1600" b="1" i="1">
-                        <a:latin typeface="Cambria Math" panose="02040503050406030204" pitchFamily="18" charset="0"/>
-                      </a:rPr>
-                      <m:t>𝑾</m:t>
-                    </m:r>
-                    <m:d>
-                      <m:dPr>
-                        <m:ctrlPr>
-                          <a:rPr lang="pt-BR" sz="1600" b="1" i="1">
-                            <a:latin typeface="Cambria Math" panose="02040503050406030204" pitchFamily="18" charset="0"/>
-                          </a:rPr>
-                        </m:ctrlPr>
-                      </m:dPr>
-                      <m:e>
-                        <m:r>
-                          <a:rPr lang="pt-BR" sz="1600" b="0" i="1" smtClean="0">
-                            <a:latin typeface="Cambria Math" panose="02040503050406030204" pitchFamily="18" charset="0"/>
-                          </a:rPr>
-                          <m:t>𝑡</m:t>
-                        </m:r>
-                      </m:e>
-                    </m:d>
-                    <m:r>
-                      <a:rPr lang="pt-BR" sz="1600" b="1" i="1">
-                        <a:latin typeface="Cambria Math" panose="02040503050406030204" pitchFamily="18" charset="0"/>
-                      </a:rPr>
-                      <m:t>−</m:t>
-                    </m:r>
-                    <m:r>
-                      <a:rPr lang="pt-BR" sz="1600" i="1">
-                        <a:latin typeface="Cambria Math" panose="02040503050406030204" pitchFamily="18" charset="0"/>
-                        <a:ea typeface="Cambria Math" panose="02040503050406030204" pitchFamily="18" charset="0"/>
-                      </a:rPr>
-                      <m:t>𝛼𝛻</m:t>
-                    </m:r>
-                    <m:sSub>
-                      <m:sSubPr>
-                        <m:ctrlPr>
-                          <a:rPr lang="pt-BR" sz="1600" i="1">
-                            <a:latin typeface="Cambria Math" panose="02040503050406030204" pitchFamily="18" charset="0"/>
-                          </a:rPr>
-                        </m:ctrlPr>
-                      </m:sSubPr>
-                      <m:e>
-                        <m:r>
-                          <a:rPr lang="pt-BR" sz="1600" i="1">
-                            <a:latin typeface="Cambria Math" panose="02040503050406030204" pitchFamily="18" charset="0"/>
-                          </a:rPr>
-                          <m:t>𝐽</m:t>
-                        </m:r>
-                      </m:e>
-                      <m:sub>
-                        <m:r>
-                          <a:rPr lang="pt-BR" sz="1600" b="0" i="1" smtClean="0">
-                            <a:latin typeface="Cambria Math" panose="02040503050406030204" pitchFamily="18" charset="0"/>
-                          </a:rPr>
-                          <m:t>𝑙</m:t>
-                        </m:r>
-                      </m:sub>
-                    </m:sSub>
-                    <m:d>
-                      <m:dPr>
-                        <m:ctrlPr>
-                          <a:rPr lang="pt-BR" sz="1600" i="1">
-                            <a:latin typeface="Cambria Math" panose="02040503050406030204" pitchFamily="18" charset="0"/>
-                          </a:rPr>
-                        </m:ctrlPr>
-                      </m:dPr>
-                      <m:e>
-                        <m:r>
-                          <a:rPr lang="pt-BR" sz="1600" b="1" i="1">
-                            <a:latin typeface="Cambria Math" panose="02040503050406030204" pitchFamily="18" charset="0"/>
-                          </a:rPr>
-                          <m:t>𝑾</m:t>
-                        </m:r>
-                        <m:d>
-                          <m:dPr>
-                            <m:ctrlPr>
-                              <a:rPr lang="pt-BR" sz="1600" b="1" i="1">
-                                <a:latin typeface="Cambria Math" panose="02040503050406030204" pitchFamily="18" charset="0"/>
-                              </a:rPr>
-                            </m:ctrlPr>
-                          </m:dPr>
-                          <m:e>
-                            <m:r>
-                              <a:rPr lang="pt-BR" sz="1600" i="1">
-                                <a:latin typeface="Cambria Math" panose="02040503050406030204" pitchFamily="18" charset="0"/>
-                              </a:rPr>
-                              <m:t>𝑡</m:t>
-                            </m:r>
-                          </m:e>
-                        </m:d>
-                      </m:e>
-                    </m:d>
-                    <m:r>
-                      <a:rPr lang="pt-BR" sz="1600" b="0" i="0" smtClean="0">
-                        <a:latin typeface="Cambria Math" panose="02040503050406030204" pitchFamily="18" charset="0"/>
-                      </a:rPr>
-                      <m:t>.</m:t>
-                    </m:r>
-                  </m:oMath>
-                </a14:m>
-                <a:endParaRPr lang="pt-BR" sz="1600" dirty="0"/>
-              </a:p>
-              <a:p>
-                <a:pPr marL="1200150" lvl="2" indent="-285750">
-                  <a:buFont typeface="Wingdings" panose="05000000000000000000" pitchFamily="2" charset="2"/>
-                  <a:buChar char="§"/>
-                </a:pPr>
-                <a14:m>
-                  <m:oMath xmlns:m="http://schemas.openxmlformats.org/officeDocument/2006/math">
-                    <m:r>
-                      <a:rPr lang="pt-BR" sz="1600" b="0" i="1" smtClean="0">
-                        <a:latin typeface="Cambria Math" panose="02040503050406030204" pitchFamily="18" charset="0"/>
-                      </a:rPr>
-                      <m:t>𝑡</m:t>
-                    </m:r>
-                    <m:r>
-                      <a:rPr lang="pt-BR" sz="1600" b="0" i="1" smtClean="0">
-                        <a:latin typeface="Cambria Math" panose="02040503050406030204" pitchFamily="18" charset="0"/>
-                      </a:rPr>
-                      <m:t>=</m:t>
-                    </m:r>
-                    <m:r>
-                      <a:rPr lang="pt-BR" sz="1600" b="0" i="1" smtClean="0">
-                        <a:latin typeface="Cambria Math" panose="02040503050406030204" pitchFamily="18" charset="0"/>
-                      </a:rPr>
-                      <m:t>𝑡</m:t>
-                    </m:r>
-                    <m:r>
-                      <a:rPr lang="pt-BR" sz="1600" b="0" i="1" smtClean="0">
-                        <a:latin typeface="Cambria Math" panose="02040503050406030204" pitchFamily="18" charset="0"/>
-                      </a:rPr>
-                      <m:t>+1</m:t>
-                    </m:r>
-                  </m:oMath>
-                </a14:m>
-                <a:r>
-                  <a:rPr lang="pt-BR" sz="1600" dirty="0"/>
-                  <a:t>.</a:t>
-                </a:r>
-              </a:p>
-              <a:p>
-                <a:pPr marL="742950" lvl="1" indent="-285750">
-                  <a:buFont typeface="Courier New" panose="02070309020205020404" pitchFamily="49" charset="0"/>
-                  <a:buChar char="o"/>
-                </a:pPr>
-                <a14:m>
-                  <m:oMath xmlns:m="http://schemas.openxmlformats.org/officeDocument/2006/math">
-                    <m:r>
-                      <a:rPr lang="pt-BR" sz="1600" b="0" i="1" smtClean="0">
-                        <a:latin typeface="Cambria Math" panose="02040503050406030204" pitchFamily="18" charset="0"/>
-                      </a:rPr>
-                      <m:t>𝑘</m:t>
-                    </m:r>
-                    <m:r>
-                      <a:rPr lang="pt-BR" sz="1600" b="0" i="1" smtClean="0">
-                        <a:latin typeface="Cambria Math" panose="02040503050406030204" pitchFamily="18" charset="0"/>
-                      </a:rPr>
-                      <m:t>=</m:t>
-                    </m:r>
-                    <m:r>
-                      <a:rPr lang="pt-BR" sz="1600" b="0" i="1" smtClean="0">
-                        <a:latin typeface="Cambria Math" panose="02040503050406030204" pitchFamily="18" charset="0"/>
-                      </a:rPr>
-                      <m:t>𝑘</m:t>
-                    </m:r>
-                    <m:r>
-                      <a:rPr lang="pt-BR" sz="1600" b="0" i="1" smtClean="0">
-                        <a:latin typeface="Cambria Math" panose="02040503050406030204" pitchFamily="18" charset="0"/>
-                      </a:rPr>
-                      <m:t>+1</m:t>
-                    </m:r>
-                  </m:oMath>
-                </a14:m>
-                <a:r>
-                  <a:rPr lang="pt-BR" sz="1600" dirty="0"/>
-                  <a:t>.</a:t>
-                </a:r>
-              </a:p>
-              <a:p>
-                <a:pPr marL="742950" lvl="1" indent="-285750">
-                  <a:buFont typeface="Courier New" panose="02070309020205020404" pitchFamily="49" charset="0"/>
-                  <a:buChar char="o"/>
-                </a:pPr>
-                <a:r>
-                  <a:rPr lang="pt-BR" sz="1600" dirty="0"/>
-                  <a:t>Calcule </a:t>
-                </a:r>
-                <a14:m>
-                  <m:oMath xmlns:m="http://schemas.openxmlformats.org/officeDocument/2006/math">
-                    <m:r>
-                      <a:rPr lang="pt-BR" sz="1600" i="1">
-                        <a:latin typeface="Cambria Math" panose="02040503050406030204" pitchFamily="18" charset="0"/>
-                      </a:rPr>
-                      <m:t>𝐽</m:t>
-                    </m:r>
-                    <m:d>
-                      <m:dPr>
-                        <m:ctrlPr>
-                          <a:rPr lang="pt-BR" sz="1600" i="1">
-                            <a:latin typeface="Cambria Math" panose="02040503050406030204" pitchFamily="18" charset="0"/>
-                          </a:rPr>
-                        </m:ctrlPr>
-                      </m:dPr>
-                      <m:e>
-                        <m:r>
-                          <a:rPr lang="pt-BR" sz="1600" b="1" i="1">
-                            <a:latin typeface="Cambria Math" panose="02040503050406030204" pitchFamily="18" charset="0"/>
-                          </a:rPr>
-                          <m:t>𝑾</m:t>
-                        </m:r>
-                        <m:d>
-                          <m:dPr>
-                            <m:ctrlPr>
-                              <a:rPr lang="pt-BR" sz="1600" b="1" i="1">
-                                <a:latin typeface="Cambria Math" panose="02040503050406030204" pitchFamily="18" charset="0"/>
-                              </a:rPr>
-                            </m:ctrlPr>
-                          </m:dPr>
-                          <m:e>
-                            <m:r>
-                              <a:rPr lang="pt-BR" sz="1600" b="0" i="1" smtClean="0">
-                                <a:latin typeface="Cambria Math" panose="02040503050406030204" pitchFamily="18" charset="0"/>
-                              </a:rPr>
-                              <m:t>𝑘</m:t>
-                            </m:r>
-                          </m:e>
-                        </m:d>
-                      </m:e>
-                    </m:d>
-                  </m:oMath>
-                </a14:m>
-                <a:r>
-                  <a:rPr lang="pt-BR" sz="1600" dirty="0"/>
-                  <a:t>.</a:t>
-                </a:r>
-              </a:p>
-            </p:txBody>
-          </p:sp>
-        </mc:Choice>
-        <mc:Fallback xmlns="">
-          <p:sp>
-            <p:nvSpPr>
-              <p:cNvPr id="5" name="TextBox 4"/>
-              <p:cNvSpPr txBox="1">
-                <a:spLocks noRot="1" noChangeAspect="1" noMove="1" noResize="1" noEditPoints="1" noAdjustHandles="1" noChangeArrowheads="1" noChangeShapeType="1" noTextEdit="1"/>
-              </p:cNvSpPr>
-              <p:nvPr/>
-            </p:nvSpPr>
-            <p:spPr>
-              <a:xfrm>
-                <a:off x="1760561" y="3905830"/>
-                <a:ext cx="8670878" cy="2927725"/>
-              </a:xfrm>
-              <a:prstGeom prst="rect">
-                <a:avLst/>
-              </a:prstGeom>
-              <a:blipFill>
-                <a:blip r:embed="rId2"/>
-                <a:stretch>
-                  <a:fillRect l="-211" t="-415" b="-1245"/>
-                </a:stretch>
-              </a:blipFill>
-              <a:ln>
-                <a:solidFill>
-                  <a:schemeClr val="tx1"/>
-                </a:solidFill>
-              </a:ln>
-            </p:spPr>
-            <p:txBody>
-              <a:bodyPr/>
-              <a:lstStyle/>
-              <a:p>
-                <a:r>
-                  <a:rPr lang="pt-BR">
-                    <a:noFill/>
-                  </a:rPr>
-                  <a:t> </a:t>
-                </a:r>
-              </a:p>
-            </p:txBody>
-          </p:sp>
-        </mc:Fallback>
-      </mc:AlternateContent>
     </p:spTree>
     <p:extLst>
       <p:ext uri="{BB962C8B-B14F-4D97-AF65-F5344CB8AC3E}">
-        <p14:creationId xmlns:p14="http://schemas.microsoft.com/office/powerpoint/2010/main" val="1458662521"/>
+        <p14:creationId xmlns:p14="http://schemas.microsoft.com/office/powerpoint/2010/main" val="4177058557"/>
       </p:ext>
     </p:extLst>
   </p:cSld>
@@ -17436,7 +15690,13 @@
       </p:grpSpPr>
       <p:sp>
         <p:nvSpPr>
-          <p:cNvPr id="2" name="Title 1"/>
+          <p:cNvPr id="2" name="Título 1">
+            <a:extLst>
+              <a:ext uri="{FF2B5EF4-FFF2-40B4-BE49-F238E27FC236}">
+                <a16:creationId xmlns:a16="http://schemas.microsoft.com/office/drawing/2014/main" id="{54FC3986-5B4F-F3A1-9727-17D27F12CAE4}"/>
+              </a:ext>
+            </a:extLst>
+          </p:cNvPr>
           <p:cNvSpPr>
             <a:spLocks noGrp="1"/>
           </p:cNvSpPr>
@@ -17444,28 +15704,27 @@
             <p:ph type="title"/>
           </p:nvPr>
         </p:nvSpPr>
-        <p:spPr>
-          <a:xfrm>
-            <a:off x="838200" y="365125"/>
-            <a:ext cx="10844284" cy="1325563"/>
-          </a:xfrm>
-        </p:spPr>
+        <p:spPr/>
         <p:txBody>
-          <a:bodyPr>
-            <a:normAutofit/>
-          </a:bodyPr>
+          <a:bodyPr/>
           <a:lstStyle/>
           <a:p>
             <a:r>
               <a:rPr lang="pt-BR" dirty="0"/>
-              <a:t>Algumas visões práticas de algoritmos de aprendizado</a:t>
+              <a:t>Variações dos algoritmos de otimização dos pesos</a:t>
             </a:r>
           </a:p>
         </p:txBody>
       </p:sp>
       <p:sp>
         <p:nvSpPr>
-          <p:cNvPr id="3" name="Content Placeholder 2"/>
+          <p:cNvPr id="3" name="Espaço Reservado para Conteúdo 2">
+            <a:extLst>
+              <a:ext uri="{FF2B5EF4-FFF2-40B4-BE49-F238E27FC236}">
+                <a16:creationId xmlns:a16="http://schemas.microsoft.com/office/drawing/2014/main" id="{D33643CF-D78C-5854-1EB8-6FA35C52B131}"/>
+              </a:ext>
+            </a:extLst>
+          </p:cNvPr>
           <p:cNvSpPr>
             <a:spLocks noGrp="1"/>
           </p:cNvSpPr>
@@ -17475,802 +15734,87 @@
         </p:nvSpPr>
         <p:spPr>
           <a:xfrm>
-            <a:off x="838200" y="1825626"/>
-            <a:ext cx="11158182" cy="2346880"/>
+            <a:off x="838199" y="1825625"/>
+            <a:ext cx="11010089" cy="4351338"/>
           </a:xfrm>
         </p:spPr>
         <p:txBody>
-          <a:bodyPr>
-            <a:normAutofit/>
-          </a:bodyPr>
+          <a:bodyPr/>
           <a:lstStyle/>
           <a:p>
-            <a:pPr marL="0" indent="0">
-              <a:buNone/>
+            <a:r>
+              <a:rPr lang="pt-BR" dirty="0"/>
+              <a:t>Existem modificações que podem ser aplicadas às versões estocásticas (mini-</a:t>
+            </a:r>
+            <a:r>
+              <a:rPr lang="pt-BR" i="1" dirty="0"/>
+              <a:t>batch</a:t>
+            </a:r>
+            <a:r>
+              <a:rPr lang="pt-BR" dirty="0"/>
+              <a:t> e estocástica) para melhorar seu desempenho sem aumentar muito sua complexidade computacional.</a:t>
+            </a:r>
+          </a:p>
+          <a:p>
+            <a:r>
+              <a:rPr lang="pt-BR" dirty="0"/>
+              <a:t>As modificações mais usadas são:</a:t>
+            </a:r>
+          </a:p>
+          <a:p>
+            <a:pPr lvl="1">
+              <a:buFont typeface="Wingdings" panose="05000000000000000000" pitchFamily="2" charset="2"/>
+              <a:buChar char="§"/>
             </a:pPr>
             <a:r>
               <a:rPr lang="pt-BR" b="1" dirty="0"/>
-              <a:t>Versões Online, Batch e Minibatch</a:t>
-            </a:r>
+              <a:t>Redução gradual do passo de aprendizagem.</a:t>
+            </a:r>
+          </a:p>
+          <a:p>
+            <a:pPr lvl="1">
+              <a:buFont typeface="Wingdings" panose="05000000000000000000" pitchFamily="2" charset="2"/>
+              <a:buChar char="§"/>
+            </a:pPr>
+            <a:r>